--- a/Documentation/TeamScoreLayout.pptx
+++ b/Documentation/TeamScoreLayout.pptx
@@ -837,7 +837,7 @@
           <a:p>
             <a:fld id="{955A69D3-FF78-44E1-BB41-3D13FA416A59}" type="datetimeFigureOut">
               <a:rPr lang="en-US" smtClean="0"/>
-              <a:t>3/19/2024</a:t>
+              <a:t>Thursday,Mar/21/24</a:t>
             </a:fld>
             <a:endParaRPr lang="en-US"/>
           </a:p>
@@ -1035,7 +1035,7 @@
           <a:p>
             <a:fld id="{955A69D3-FF78-44E1-BB41-3D13FA416A59}" type="datetimeFigureOut">
               <a:rPr lang="en-US" smtClean="0"/>
-              <a:t>3/19/2024</a:t>
+              <a:t>Thursday,Mar/21/24</a:t>
             </a:fld>
             <a:endParaRPr lang="en-US"/>
           </a:p>
@@ -1243,7 +1243,7 @@
           <a:p>
             <a:fld id="{955A69D3-FF78-44E1-BB41-3D13FA416A59}" type="datetimeFigureOut">
               <a:rPr lang="en-US" smtClean="0"/>
-              <a:t>3/19/2024</a:t>
+              <a:t>Thursday,Mar/21/24</a:t>
             </a:fld>
             <a:endParaRPr lang="en-US"/>
           </a:p>
@@ -1441,7 +1441,7 @@
           <a:p>
             <a:fld id="{955A69D3-FF78-44E1-BB41-3D13FA416A59}" type="datetimeFigureOut">
               <a:rPr lang="en-US" smtClean="0"/>
-              <a:t>3/19/2024</a:t>
+              <a:t>Thursday,Mar/21/24</a:t>
             </a:fld>
             <a:endParaRPr lang="en-US"/>
           </a:p>
@@ -1716,7 +1716,7 @@
           <a:p>
             <a:fld id="{955A69D3-FF78-44E1-BB41-3D13FA416A59}" type="datetimeFigureOut">
               <a:rPr lang="en-US" smtClean="0"/>
-              <a:t>3/19/2024</a:t>
+              <a:t>Thursday,Mar/21/24</a:t>
             </a:fld>
             <a:endParaRPr lang="en-US"/>
           </a:p>
@@ -1981,7 +1981,7 @@
           <a:p>
             <a:fld id="{955A69D3-FF78-44E1-BB41-3D13FA416A59}" type="datetimeFigureOut">
               <a:rPr lang="en-US" smtClean="0"/>
-              <a:t>3/19/2024</a:t>
+              <a:t>Thursday,Mar/21/24</a:t>
             </a:fld>
             <a:endParaRPr lang="en-US"/>
           </a:p>
@@ -2393,7 +2393,7 @@
           <a:p>
             <a:fld id="{955A69D3-FF78-44E1-BB41-3D13FA416A59}" type="datetimeFigureOut">
               <a:rPr lang="en-US" smtClean="0"/>
-              <a:t>3/19/2024</a:t>
+              <a:t>Thursday,Mar/21/24</a:t>
             </a:fld>
             <a:endParaRPr lang="en-US"/>
           </a:p>
@@ -2534,7 +2534,7 @@
           <a:p>
             <a:fld id="{955A69D3-FF78-44E1-BB41-3D13FA416A59}" type="datetimeFigureOut">
               <a:rPr lang="en-US" smtClean="0"/>
-              <a:t>3/19/2024</a:t>
+              <a:t>Thursday,Mar/21/24</a:t>
             </a:fld>
             <a:endParaRPr lang="en-US"/>
           </a:p>
@@ -2647,7 +2647,7 @@
           <a:p>
             <a:fld id="{955A69D3-FF78-44E1-BB41-3D13FA416A59}" type="datetimeFigureOut">
               <a:rPr lang="en-US" smtClean="0"/>
-              <a:t>3/19/2024</a:t>
+              <a:t>Thursday,Mar/21/24</a:t>
             </a:fld>
             <a:endParaRPr lang="en-US"/>
           </a:p>
@@ -2958,7 +2958,7 @@
           <a:p>
             <a:fld id="{955A69D3-FF78-44E1-BB41-3D13FA416A59}" type="datetimeFigureOut">
               <a:rPr lang="en-US" smtClean="0"/>
-              <a:t>3/19/2024</a:t>
+              <a:t>Thursday,Mar/21/24</a:t>
             </a:fld>
             <a:endParaRPr lang="en-US"/>
           </a:p>
@@ -3246,7 +3246,7 @@
           <a:p>
             <a:fld id="{955A69D3-FF78-44E1-BB41-3D13FA416A59}" type="datetimeFigureOut">
               <a:rPr lang="en-US" smtClean="0"/>
-              <a:t>3/19/2024</a:t>
+              <a:t>Thursday,Mar/21/24</a:t>
             </a:fld>
             <a:endParaRPr lang="en-US"/>
           </a:p>
@@ -3487,7 +3487,7 @@
           <a:p>
             <a:fld id="{955A69D3-FF78-44E1-BB41-3D13FA416A59}" type="datetimeFigureOut">
               <a:rPr lang="en-US" smtClean="0"/>
-              <a:t>3/19/2024</a:t>
+              <a:t>Thursday,Mar/21/24</a:t>
             </a:fld>
             <a:endParaRPr lang="en-US"/>
           </a:p>
@@ -17336,7 +17336,7 @@
         </p:nvSpPr>
         <p:spPr>
           <a:xfrm>
-            <a:off x="745402" y="777089"/>
+            <a:off x="745402" y="399213"/>
             <a:ext cx="10701196" cy="5694630"/>
           </a:xfrm>
           <a:prstGeom prst="rect">
@@ -17362,7 +17362,7 @@
           <a:lstStyle/>
           <a:p>
             <a:pPr algn="ctr"/>
-            <a:endParaRPr lang="en-US"/>
+            <a:endParaRPr lang="en-US" dirty="0"/>
           </a:p>
         </p:txBody>
       </p:sp>
@@ -17380,7 +17380,7 @@
         </p:nvSpPr>
         <p:spPr>
           <a:xfrm>
-            <a:off x="1104522" y="995881"/>
+            <a:off x="1104522" y="630305"/>
             <a:ext cx="1430448" cy="280657"/>
           </a:xfrm>
           <a:prstGeom prst="rect">
@@ -17429,8 +17429,8 @@
         </p:nvSpPr>
         <p:spPr>
           <a:xfrm>
-            <a:off x="2777904" y="995880"/>
-            <a:ext cx="1430448" cy="280657"/>
+            <a:off x="2777903" y="630304"/>
+            <a:ext cx="1763633" cy="280657"/>
           </a:xfrm>
           <a:prstGeom prst="rect">
             <a:avLst/>
@@ -17459,7 +17459,7 @@
             <a:pPr algn="ctr"/>
             <a:r>
               <a:rPr lang="en-US" sz="1200" dirty="0"/>
-              <a:t>Score &lt;Type&gt;</a:t>
+              <a:t>Score &lt;Display Type&gt;</a:t>
             </a:r>
           </a:p>
         </p:txBody>
@@ -17478,7 +17478,7 @@
         </p:nvSpPr>
         <p:spPr>
           <a:xfrm>
-            <a:off x="1077738" y="1497872"/>
+            <a:off x="1077738" y="1132296"/>
             <a:ext cx="9777743" cy="3829015"/>
           </a:xfrm>
           <a:prstGeom prst="rect">
@@ -17508,8 +17508,8 @@
           </a:p>
         </p:txBody>
       </p:sp>
-      <mc:AlternateContent xmlns:mc="http://schemas.openxmlformats.org/markup-compatibility/2006" xmlns:p14="http://schemas.microsoft.com/office/powerpoint/2010/main" xmlns:aink="http://schemas.microsoft.com/office/drawing/2016/ink">
-        <mc:Choice Requires="p14 aink">
+      <mc:AlternateContent xmlns:mc="http://schemas.openxmlformats.org/markup-compatibility/2006">
+        <mc:Choice xmlns:p14="http://schemas.microsoft.com/office/powerpoint/2010/main" xmlns:aink="http://schemas.microsoft.com/office/drawing/2016/ink" Requires="p14 aink">
           <p:contentPart p14:bwMode="auto" r:id="rId2">
             <p14:nvContentPartPr>
               <p14:cNvPr id="6" name="Ink 5">
@@ -17523,12 +17523,12 @@
               <p14:nvPr/>
             </p14:nvContentPartPr>
             <p14:xfrm>
-              <a:off x="1113263" y="1801558"/>
+              <a:off x="1113263" y="1435982"/>
               <a:ext cx="360" cy="360"/>
             </p14:xfrm>
           </p:contentPart>
         </mc:Choice>
-        <mc:Fallback xmlns="">
+        <mc:Fallback>
           <p:pic>
             <p:nvPicPr>
               <p:cNvPr id="6" name="Ink 5">
@@ -17549,7 +17549,7 @@
             </p:blipFill>
             <p:spPr>
               <a:xfrm>
-                <a:off x="1095623" y="1693558"/>
+                <a:off x="1095263" y="1327982"/>
                 <a:ext cx="36000" cy="216000"/>
               </a:xfrm>
               <a:prstGeom prst="rect">
@@ -17559,8 +17559,8 @@
           </p:pic>
         </mc:Fallback>
       </mc:AlternateContent>
-      <mc:AlternateContent xmlns:mc="http://schemas.openxmlformats.org/markup-compatibility/2006" xmlns:p14="http://schemas.microsoft.com/office/powerpoint/2010/main">
-        <mc:Choice Requires="p14">
+      <mc:AlternateContent xmlns:mc="http://schemas.openxmlformats.org/markup-compatibility/2006">
+        <mc:Choice xmlns:p14="http://schemas.microsoft.com/office/powerpoint/2010/main" Requires="p14">
           <p:contentPart p14:bwMode="auto" r:id="rId4">
             <p14:nvContentPartPr>
               <p14:cNvPr id="9" name="Ink 8">
@@ -17574,12 +17574,12 @@
               <p14:nvPr/>
             </p14:nvContentPartPr>
             <p14:xfrm>
-              <a:off x="1122263" y="2077678"/>
+              <a:off x="1122263" y="1712102"/>
               <a:ext cx="360" cy="360"/>
             </p14:xfrm>
           </p:contentPart>
         </mc:Choice>
-        <mc:Fallback xmlns="">
+        <mc:Fallback>
           <p:pic>
             <p:nvPicPr>
               <p:cNvPr id="9" name="Ink 8">
@@ -17600,7 +17600,7 @@
             </p:blipFill>
             <p:spPr>
               <a:xfrm>
-                <a:off x="1113263" y="2068678"/>
+                <a:off x="1113263" y="1703102"/>
                 <a:ext cx="18000" cy="18000"/>
               </a:xfrm>
               <a:prstGeom prst="rect">
@@ -17610,8 +17610,8 @@
           </p:pic>
         </mc:Fallback>
       </mc:AlternateContent>
-      <mc:AlternateContent xmlns:mc="http://schemas.openxmlformats.org/markup-compatibility/2006" xmlns:p14="http://schemas.microsoft.com/office/powerpoint/2010/main">
-        <mc:Choice Requires="p14">
+      <mc:AlternateContent xmlns:mc="http://schemas.openxmlformats.org/markup-compatibility/2006">
+        <mc:Choice xmlns:p14="http://schemas.microsoft.com/office/powerpoint/2010/main" Requires="p14">
           <p:contentPart p14:bwMode="auto" r:id="rId6">
             <p14:nvContentPartPr>
               <p14:cNvPr id="10" name="Ink 9">
@@ -17625,12 +17625,12 @@
               <p14:nvPr/>
             </p14:nvContentPartPr>
             <p14:xfrm>
-              <a:off x="1104521" y="1921615"/>
+              <a:off x="1104521" y="1556039"/>
               <a:ext cx="9750960" cy="360"/>
             </p14:xfrm>
           </p:contentPart>
         </mc:Choice>
-        <mc:Fallback xmlns="">
+        <mc:Fallback>
           <p:pic>
             <p:nvPicPr>
               <p:cNvPr id="10" name="Ink 9">
@@ -17651,7 +17651,7 @@
             </p:blipFill>
             <p:spPr>
               <a:xfrm>
-                <a:off x="1095521" y="1912615"/>
+                <a:off x="1095521" y="1547039"/>
                 <a:ext cx="9768600" cy="18000"/>
               </a:xfrm>
               <a:prstGeom prst="rect">
@@ -17661,8 +17661,8 @@
           </p:pic>
         </mc:Fallback>
       </mc:AlternateContent>
-      <mc:AlternateContent xmlns:mc="http://schemas.openxmlformats.org/markup-compatibility/2006" xmlns:p14="http://schemas.microsoft.com/office/powerpoint/2010/main">
-        <mc:Choice Requires="p14">
+      <mc:AlternateContent xmlns:mc="http://schemas.openxmlformats.org/markup-compatibility/2006">
+        <mc:Choice xmlns:p14="http://schemas.microsoft.com/office/powerpoint/2010/main" Requires="p14">
           <p:contentPart p14:bwMode="auto" r:id="rId8">
             <p14:nvContentPartPr>
               <p14:cNvPr id="11" name="Ink 10">
@@ -17676,12 +17676,12 @@
               <p14:nvPr/>
             </p14:nvContentPartPr>
             <p14:xfrm>
-              <a:off x="1104521" y="2328633"/>
+              <a:off x="1104521" y="1963057"/>
               <a:ext cx="9750960" cy="360"/>
             </p14:xfrm>
           </p:contentPart>
         </mc:Choice>
-        <mc:Fallback xmlns="">
+        <mc:Fallback>
           <p:pic>
             <p:nvPicPr>
               <p:cNvPr id="11" name="Ink 10">
@@ -17702,7 +17702,7 @@
             </p:blipFill>
             <p:spPr>
               <a:xfrm>
-                <a:off x="1095521" y="2319633"/>
+                <a:off x="1095521" y="1954057"/>
                 <a:ext cx="9768600" cy="18000"/>
               </a:xfrm>
               <a:prstGeom prst="rect">
@@ -17712,8 +17712,8 @@
           </p:pic>
         </mc:Fallback>
       </mc:AlternateContent>
-      <mc:AlternateContent xmlns:mc="http://schemas.openxmlformats.org/markup-compatibility/2006" xmlns:p14="http://schemas.microsoft.com/office/powerpoint/2010/main">
-        <mc:Choice Requires="p14">
+      <mc:AlternateContent xmlns:mc="http://schemas.openxmlformats.org/markup-compatibility/2006">
+        <mc:Choice xmlns:p14="http://schemas.microsoft.com/office/powerpoint/2010/main" Requires="p14">
           <p:contentPart p14:bwMode="auto" r:id="rId9">
             <p14:nvContentPartPr>
               <p14:cNvPr id="12" name="Ink 11">
@@ -17727,12 +17727,12 @@
               <p14:nvPr/>
             </p14:nvContentPartPr>
             <p14:xfrm>
-              <a:off x="1104521" y="2735651"/>
+              <a:off x="1104521" y="2370075"/>
               <a:ext cx="9750960" cy="360"/>
             </p14:xfrm>
           </p:contentPart>
         </mc:Choice>
-        <mc:Fallback xmlns="">
+        <mc:Fallback>
           <p:pic>
             <p:nvPicPr>
               <p:cNvPr id="12" name="Ink 11">
@@ -17753,7 +17753,7 @@
             </p:blipFill>
             <p:spPr>
               <a:xfrm>
-                <a:off x="1095521" y="2726651"/>
+                <a:off x="1095521" y="2361075"/>
                 <a:ext cx="9768600" cy="18000"/>
               </a:xfrm>
               <a:prstGeom prst="rect">
@@ -17763,8 +17763,8 @@
           </p:pic>
         </mc:Fallback>
       </mc:AlternateContent>
-      <mc:AlternateContent xmlns:mc="http://schemas.openxmlformats.org/markup-compatibility/2006" xmlns:p14="http://schemas.microsoft.com/office/powerpoint/2010/main">
-        <mc:Choice Requires="p14">
+      <mc:AlternateContent xmlns:mc="http://schemas.openxmlformats.org/markup-compatibility/2006">
+        <mc:Choice xmlns:p14="http://schemas.microsoft.com/office/powerpoint/2010/main" Requires="p14">
           <p:contentPart p14:bwMode="auto" r:id="rId10">
             <p14:nvContentPartPr>
               <p14:cNvPr id="13" name="Ink 12">
@@ -17778,12 +17778,12 @@
               <p14:nvPr/>
             </p14:nvContentPartPr>
             <p14:xfrm>
-              <a:off x="1104521" y="3142669"/>
+              <a:off x="1104521" y="2777093"/>
               <a:ext cx="9750960" cy="360"/>
             </p14:xfrm>
           </p:contentPart>
         </mc:Choice>
-        <mc:Fallback xmlns="">
+        <mc:Fallback>
           <p:pic>
             <p:nvPicPr>
               <p:cNvPr id="13" name="Ink 12">
@@ -17804,7 +17804,7 @@
             </p:blipFill>
             <p:spPr>
               <a:xfrm>
-                <a:off x="1095521" y="3133669"/>
+                <a:off x="1095521" y="2768093"/>
                 <a:ext cx="9768600" cy="18000"/>
               </a:xfrm>
               <a:prstGeom prst="rect">
@@ -17814,8 +17814,8 @@
           </p:pic>
         </mc:Fallback>
       </mc:AlternateContent>
-      <mc:AlternateContent xmlns:mc="http://schemas.openxmlformats.org/markup-compatibility/2006" xmlns:p14="http://schemas.microsoft.com/office/powerpoint/2010/main">
-        <mc:Choice Requires="p14">
+      <mc:AlternateContent xmlns:mc="http://schemas.openxmlformats.org/markup-compatibility/2006">
+        <mc:Choice xmlns:p14="http://schemas.microsoft.com/office/powerpoint/2010/main" Requires="p14">
           <p:contentPart p14:bwMode="auto" r:id="rId11">
             <p14:nvContentPartPr>
               <p14:cNvPr id="14" name="Ink 13">
@@ -17829,12 +17829,12 @@
               <p14:nvPr/>
             </p14:nvContentPartPr>
             <p14:xfrm>
-              <a:off x="1104521" y="3549687"/>
+              <a:off x="1104521" y="3184111"/>
               <a:ext cx="9750960" cy="360"/>
             </p14:xfrm>
           </p:contentPart>
         </mc:Choice>
-        <mc:Fallback xmlns="">
+        <mc:Fallback>
           <p:pic>
             <p:nvPicPr>
               <p:cNvPr id="14" name="Ink 13">
@@ -17855,7 +17855,7 @@
             </p:blipFill>
             <p:spPr>
               <a:xfrm>
-                <a:off x="1095521" y="3540687"/>
+                <a:off x="1095521" y="3175111"/>
                 <a:ext cx="9768600" cy="18000"/>
               </a:xfrm>
               <a:prstGeom prst="rect">
@@ -17865,8 +17865,8 @@
           </p:pic>
         </mc:Fallback>
       </mc:AlternateContent>
-      <mc:AlternateContent xmlns:mc="http://schemas.openxmlformats.org/markup-compatibility/2006" xmlns:p14="http://schemas.microsoft.com/office/powerpoint/2010/main">
-        <mc:Choice Requires="p14">
+      <mc:AlternateContent xmlns:mc="http://schemas.openxmlformats.org/markup-compatibility/2006">
+        <mc:Choice xmlns:p14="http://schemas.microsoft.com/office/powerpoint/2010/main" Requires="p14">
           <p:contentPart p14:bwMode="auto" r:id="rId12">
             <p14:nvContentPartPr>
               <p14:cNvPr id="15" name="Ink 14">
@@ -17880,12 +17880,12 @@
               <p14:nvPr/>
             </p14:nvContentPartPr>
             <p14:xfrm>
-              <a:off x="1104521" y="3956705"/>
+              <a:off x="1104521" y="3591129"/>
               <a:ext cx="9750960" cy="360"/>
             </p14:xfrm>
           </p:contentPart>
         </mc:Choice>
-        <mc:Fallback xmlns="">
+        <mc:Fallback>
           <p:pic>
             <p:nvPicPr>
               <p:cNvPr id="15" name="Ink 14">
@@ -17906,7 +17906,7 @@
             </p:blipFill>
             <p:spPr>
               <a:xfrm>
-                <a:off x="1095521" y="3947705"/>
+                <a:off x="1095521" y="3582129"/>
                 <a:ext cx="9768600" cy="18000"/>
               </a:xfrm>
               <a:prstGeom prst="rect">
@@ -17916,8 +17916,8 @@
           </p:pic>
         </mc:Fallback>
       </mc:AlternateContent>
-      <mc:AlternateContent xmlns:mc="http://schemas.openxmlformats.org/markup-compatibility/2006" xmlns:p14="http://schemas.microsoft.com/office/powerpoint/2010/main">
-        <mc:Choice Requires="p14">
+      <mc:AlternateContent xmlns:mc="http://schemas.openxmlformats.org/markup-compatibility/2006">
+        <mc:Choice xmlns:p14="http://schemas.microsoft.com/office/powerpoint/2010/main" Requires="p14">
           <p:contentPart p14:bwMode="auto" r:id="rId13">
             <p14:nvContentPartPr>
               <p14:cNvPr id="16" name="Ink 15">
@@ -17931,12 +17931,12 @@
               <p14:nvPr/>
             </p14:nvContentPartPr>
             <p14:xfrm>
-              <a:off x="1113263" y="4363723"/>
+              <a:off x="1113263" y="3998147"/>
               <a:ext cx="9750960" cy="360"/>
             </p14:xfrm>
           </p:contentPart>
         </mc:Choice>
-        <mc:Fallback xmlns="">
+        <mc:Fallback>
           <p:pic>
             <p:nvPicPr>
               <p:cNvPr id="16" name="Ink 15">
@@ -17957,7 +17957,7 @@
             </p:blipFill>
             <p:spPr>
               <a:xfrm>
-                <a:off x="1104263" y="4354723"/>
+                <a:off x="1104263" y="3989147"/>
                 <a:ext cx="9768600" cy="18000"/>
               </a:xfrm>
               <a:prstGeom prst="rect">
@@ -17967,8 +17967,8 @@
           </p:pic>
         </mc:Fallback>
       </mc:AlternateContent>
-      <mc:AlternateContent xmlns:mc="http://schemas.openxmlformats.org/markup-compatibility/2006" xmlns:p14="http://schemas.microsoft.com/office/powerpoint/2010/main">
-        <mc:Choice Requires="p14">
+      <mc:AlternateContent xmlns:mc="http://schemas.openxmlformats.org/markup-compatibility/2006">
+        <mc:Choice xmlns:p14="http://schemas.microsoft.com/office/powerpoint/2010/main" Requires="p14">
           <p:contentPart p14:bwMode="auto" r:id="rId14">
             <p14:nvContentPartPr>
               <p14:cNvPr id="17" name="Ink 16">
@@ -17982,12 +17982,12 @@
               <p14:nvPr/>
             </p14:nvContentPartPr>
             <p14:xfrm>
-              <a:off x="3315942" y="1530033"/>
+              <a:off x="3315942" y="1164457"/>
               <a:ext cx="360" cy="3796854"/>
             </p14:xfrm>
           </p:contentPart>
         </mc:Choice>
-        <mc:Fallback xmlns="">
+        <mc:Fallback>
           <p:pic>
             <p:nvPicPr>
               <p:cNvPr id="17" name="Ink 16">
@@ -18008,7 +18008,7 @@
             </p:blipFill>
             <p:spPr>
               <a:xfrm>
-                <a:off x="3306942" y="1521033"/>
+                <a:off x="3306942" y="1155457"/>
                 <a:ext cx="18000" cy="3814494"/>
               </a:xfrm>
               <a:prstGeom prst="rect">
@@ -18018,8 +18018,8 @@
           </p:pic>
         </mc:Fallback>
       </mc:AlternateContent>
-      <mc:AlternateContent xmlns:mc="http://schemas.openxmlformats.org/markup-compatibility/2006" xmlns:p14="http://schemas.microsoft.com/office/powerpoint/2010/main">
-        <mc:Choice Requires="p14">
+      <mc:AlternateContent xmlns:mc="http://schemas.openxmlformats.org/markup-compatibility/2006">
+        <mc:Choice xmlns:p14="http://schemas.microsoft.com/office/powerpoint/2010/main" Requires="p14">
           <p:contentPart p14:bwMode="auto" r:id="rId16">
             <p14:nvContentPartPr>
               <p14:cNvPr id="18" name="Ink 17">
@@ -18033,12 +18033,12 @@
               <p14:nvPr/>
             </p14:nvContentPartPr>
             <p14:xfrm>
-              <a:off x="3946823" y="1623358"/>
+              <a:off x="3946823" y="1257782"/>
               <a:ext cx="360" cy="360"/>
             </p14:xfrm>
           </p:contentPart>
         </mc:Choice>
-        <mc:Fallback xmlns="">
+        <mc:Fallback>
           <p:pic>
             <p:nvPicPr>
               <p:cNvPr id="18" name="Ink 17">
@@ -18059,7 +18059,7 @@
             </p:blipFill>
             <p:spPr>
               <a:xfrm>
-                <a:off x="3938183" y="1614358"/>
+                <a:off x="3937823" y="1248782"/>
                 <a:ext cx="18000" cy="18000"/>
               </a:xfrm>
               <a:prstGeom prst="rect">
@@ -18069,8 +18069,8 @@
           </p:pic>
         </mc:Fallback>
       </mc:AlternateContent>
-      <mc:AlternateContent xmlns:mc="http://schemas.openxmlformats.org/markup-compatibility/2006" xmlns:p14="http://schemas.microsoft.com/office/powerpoint/2010/main">
-        <mc:Choice Requires="p14">
+      <mc:AlternateContent xmlns:mc="http://schemas.openxmlformats.org/markup-compatibility/2006">
+        <mc:Choice xmlns:p14="http://schemas.microsoft.com/office/powerpoint/2010/main" Requires="p14">
           <p:contentPart p14:bwMode="auto" r:id="rId17">
             <p14:nvContentPartPr>
               <p14:cNvPr id="20" name="Ink 19">
@@ -18084,12 +18084,12 @@
               <p14:nvPr/>
             </p14:nvContentPartPr>
             <p14:xfrm>
-              <a:off x="4036136" y="1276537"/>
+              <a:off x="4036136" y="910961"/>
               <a:ext cx="360" cy="3997100"/>
             </p14:xfrm>
           </p:contentPart>
         </mc:Choice>
-        <mc:Fallback xmlns="">
+        <mc:Fallback>
           <p:pic>
             <p:nvPicPr>
               <p:cNvPr id="20" name="Ink 19">
@@ -18110,7 +18110,7 @@
             </p:blipFill>
             <p:spPr>
               <a:xfrm>
-                <a:off x="4027136" y="1267537"/>
+                <a:off x="4027136" y="901961"/>
                 <a:ext cx="18000" cy="4014740"/>
               </a:xfrm>
               <a:prstGeom prst="rect">
@@ -18120,8 +18120,8 @@
           </p:pic>
         </mc:Fallback>
       </mc:AlternateContent>
-      <mc:AlternateContent xmlns:mc="http://schemas.openxmlformats.org/markup-compatibility/2006" xmlns:p14="http://schemas.microsoft.com/office/powerpoint/2010/main">
-        <mc:Choice Requires="p14">
+      <mc:AlternateContent xmlns:mc="http://schemas.openxmlformats.org/markup-compatibility/2006">
+        <mc:Choice xmlns:p14="http://schemas.microsoft.com/office/powerpoint/2010/main" Requires="p14">
           <p:contentPart p14:bwMode="auto" r:id="rId19">
             <p14:nvContentPartPr>
               <p14:cNvPr id="21" name="Ink 20">
@@ -18135,12 +18135,12 @@
               <p14:nvPr/>
             </p14:nvContentPartPr>
             <p14:xfrm>
-              <a:off x="4767512" y="1530033"/>
+              <a:off x="4767512" y="1164457"/>
               <a:ext cx="360" cy="3740567"/>
             </p14:xfrm>
           </p:contentPart>
         </mc:Choice>
-        <mc:Fallback xmlns="">
+        <mc:Fallback>
           <p:pic>
             <p:nvPicPr>
               <p:cNvPr id="21" name="Ink 20">
@@ -18161,7 +18161,7 @@
             </p:blipFill>
             <p:spPr>
               <a:xfrm>
-                <a:off x="4758512" y="1521033"/>
+                <a:off x="4758512" y="1155457"/>
                 <a:ext cx="18000" cy="3758208"/>
               </a:xfrm>
               <a:prstGeom prst="rect">
@@ -18171,8 +18171,8 @@
           </p:pic>
         </mc:Fallback>
       </mc:AlternateContent>
-      <mc:AlternateContent xmlns:mc="http://schemas.openxmlformats.org/markup-compatibility/2006" xmlns:p14="http://schemas.microsoft.com/office/powerpoint/2010/main">
-        <mc:Choice Requires="p14">
+      <mc:AlternateContent xmlns:mc="http://schemas.openxmlformats.org/markup-compatibility/2006">
+        <mc:Choice xmlns:p14="http://schemas.microsoft.com/office/powerpoint/2010/main" Requires="p14">
           <p:contentPart p14:bwMode="auto" r:id="rId21">
             <p14:nvContentPartPr>
               <p14:cNvPr id="22" name="Ink 21">
@@ -18186,12 +18186,12 @@
               <p14:nvPr/>
             </p14:nvContentPartPr>
             <p14:xfrm>
-              <a:off x="5493297" y="1530033"/>
+              <a:off x="5493297" y="1164457"/>
               <a:ext cx="360" cy="3796854"/>
             </p14:xfrm>
           </p:contentPart>
         </mc:Choice>
-        <mc:Fallback xmlns="">
+        <mc:Fallback>
           <p:pic>
             <p:nvPicPr>
               <p:cNvPr id="22" name="Ink 21">
@@ -18212,7 +18212,7 @@
             </p:blipFill>
             <p:spPr>
               <a:xfrm>
-                <a:off x="5484297" y="1521033"/>
+                <a:off x="5484297" y="1155457"/>
                 <a:ext cx="18000" cy="3814494"/>
               </a:xfrm>
               <a:prstGeom prst="rect">
@@ -18222,8 +18222,8 @@
           </p:pic>
         </mc:Fallback>
       </mc:AlternateContent>
-      <mc:AlternateContent xmlns:mc="http://schemas.openxmlformats.org/markup-compatibility/2006" xmlns:p14="http://schemas.microsoft.com/office/powerpoint/2010/main">
-        <mc:Choice Requires="p14">
+      <mc:AlternateContent xmlns:mc="http://schemas.openxmlformats.org/markup-compatibility/2006">
+        <mc:Choice xmlns:p14="http://schemas.microsoft.com/office/powerpoint/2010/main" Requires="p14">
           <p:contentPart p14:bwMode="auto" r:id="rId22">
             <p14:nvContentPartPr>
               <p14:cNvPr id="23" name="Ink 22">
@@ -18237,12 +18237,12 @@
               <p14:nvPr/>
             </p14:nvContentPartPr>
             <p14:xfrm>
-              <a:off x="6219082" y="1530033"/>
+              <a:off x="6219082" y="1164457"/>
               <a:ext cx="360" cy="3740567"/>
             </p14:xfrm>
           </p:contentPart>
         </mc:Choice>
-        <mc:Fallback xmlns="">
+        <mc:Fallback>
           <p:pic>
             <p:nvPicPr>
               <p:cNvPr id="23" name="Ink 22">
@@ -18263,7 +18263,7 @@
             </p:blipFill>
             <p:spPr>
               <a:xfrm>
-                <a:off x="6210082" y="1521033"/>
+                <a:off x="6210082" y="1155457"/>
                 <a:ext cx="18000" cy="3758208"/>
               </a:xfrm>
               <a:prstGeom prst="rect">
@@ -18273,8 +18273,8 @@
           </p:pic>
         </mc:Fallback>
       </mc:AlternateContent>
-      <mc:AlternateContent xmlns:mc="http://schemas.openxmlformats.org/markup-compatibility/2006" xmlns:p14="http://schemas.microsoft.com/office/powerpoint/2010/main">
-        <mc:Choice Requires="p14">
+      <mc:AlternateContent xmlns:mc="http://schemas.openxmlformats.org/markup-compatibility/2006">
+        <mc:Choice xmlns:p14="http://schemas.microsoft.com/office/powerpoint/2010/main" Requires="p14">
           <p:contentPart p14:bwMode="auto" r:id="rId23">
             <p14:nvContentPartPr>
               <p14:cNvPr id="24" name="Ink 23">
@@ -18288,12 +18288,12 @@
               <p14:nvPr/>
             </p14:nvContentPartPr>
             <p14:xfrm>
-              <a:off x="6944867" y="1530033"/>
+              <a:off x="6944867" y="1164457"/>
               <a:ext cx="360" cy="3740567"/>
             </p14:xfrm>
           </p:contentPart>
         </mc:Choice>
-        <mc:Fallback xmlns="">
+        <mc:Fallback>
           <p:pic>
             <p:nvPicPr>
               <p:cNvPr id="24" name="Ink 23">
@@ -18314,7 +18314,7 @@
             </p:blipFill>
             <p:spPr>
               <a:xfrm>
-                <a:off x="6935867" y="1521033"/>
+                <a:off x="6935867" y="1155457"/>
                 <a:ext cx="18000" cy="3758208"/>
               </a:xfrm>
               <a:prstGeom prst="rect">
@@ -18324,8 +18324,8 @@
           </p:pic>
         </mc:Fallback>
       </mc:AlternateContent>
-      <mc:AlternateContent xmlns:mc="http://schemas.openxmlformats.org/markup-compatibility/2006" xmlns:p14="http://schemas.microsoft.com/office/powerpoint/2010/main">
-        <mc:Choice Requires="p14">
+      <mc:AlternateContent xmlns:mc="http://schemas.openxmlformats.org/markup-compatibility/2006">
+        <mc:Choice xmlns:p14="http://schemas.microsoft.com/office/powerpoint/2010/main" Requires="p14">
           <p:contentPart p14:bwMode="auto" r:id="rId24">
             <p14:nvContentPartPr>
               <p14:cNvPr id="25" name="Ink 24">
@@ -18339,12 +18339,12 @@
               <p14:nvPr/>
             </p14:nvContentPartPr>
             <p14:xfrm>
-              <a:off x="7670652" y="1530033"/>
+              <a:off x="7670652" y="1164457"/>
               <a:ext cx="360" cy="3740567"/>
             </p14:xfrm>
           </p:contentPart>
         </mc:Choice>
-        <mc:Fallback xmlns="">
+        <mc:Fallback>
           <p:pic>
             <p:nvPicPr>
               <p:cNvPr id="25" name="Ink 24">
@@ -18365,7 +18365,7 @@
             </p:blipFill>
             <p:spPr>
               <a:xfrm>
-                <a:off x="7661652" y="1521033"/>
+                <a:off x="7661652" y="1155457"/>
                 <a:ext cx="18000" cy="3758208"/>
               </a:xfrm>
               <a:prstGeom prst="rect">
@@ -18375,8 +18375,8 @@
           </p:pic>
         </mc:Fallback>
       </mc:AlternateContent>
-      <mc:AlternateContent xmlns:mc="http://schemas.openxmlformats.org/markup-compatibility/2006" xmlns:p14="http://schemas.microsoft.com/office/powerpoint/2010/main">
-        <mc:Choice Requires="p14">
+      <mc:AlternateContent xmlns:mc="http://schemas.openxmlformats.org/markup-compatibility/2006">
+        <mc:Choice xmlns:p14="http://schemas.microsoft.com/office/powerpoint/2010/main" Requires="p14">
           <p:contentPart p14:bwMode="auto" r:id="rId25">
             <p14:nvContentPartPr>
               <p14:cNvPr id="26" name="Ink 25">
@@ -18390,12 +18390,12 @@
               <p14:nvPr/>
             </p14:nvContentPartPr>
             <p14:xfrm>
-              <a:off x="8396437" y="1530033"/>
+              <a:off x="8396437" y="1164457"/>
               <a:ext cx="360" cy="3796854"/>
             </p14:xfrm>
           </p:contentPart>
         </mc:Choice>
-        <mc:Fallback xmlns="">
+        <mc:Fallback>
           <p:pic>
             <p:nvPicPr>
               <p:cNvPr id="26" name="Ink 25">
@@ -18416,7 +18416,7 @@
             </p:blipFill>
             <p:spPr>
               <a:xfrm>
-                <a:off x="8387437" y="1521033"/>
+                <a:off x="8387437" y="1155457"/>
                 <a:ext cx="18000" cy="3814494"/>
               </a:xfrm>
               <a:prstGeom prst="rect">
@@ -18426,8 +18426,8 @@
           </p:pic>
         </mc:Fallback>
       </mc:AlternateContent>
-      <mc:AlternateContent xmlns:mc="http://schemas.openxmlformats.org/markup-compatibility/2006" xmlns:p14="http://schemas.microsoft.com/office/powerpoint/2010/main">
-        <mc:Choice Requires="p14">
+      <mc:AlternateContent xmlns:mc="http://schemas.openxmlformats.org/markup-compatibility/2006">
+        <mc:Choice xmlns:p14="http://schemas.microsoft.com/office/powerpoint/2010/main" Requires="p14">
           <p:contentPart p14:bwMode="auto" r:id="rId26">
             <p14:nvContentPartPr>
               <p14:cNvPr id="28" name="Ink 27">
@@ -18441,12 +18441,12 @@
               <p14:nvPr/>
             </p14:nvContentPartPr>
             <p14:xfrm>
-              <a:off x="9122222" y="1530033"/>
+              <a:off x="9122222" y="1164457"/>
               <a:ext cx="360" cy="3796854"/>
             </p14:xfrm>
           </p:contentPart>
         </mc:Choice>
-        <mc:Fallback xmlns="">
+        <mc:Fallback>
           <p:pic>
             <p:nvPicPr>
               <p:cNvPr id="28" name="Ink 27">
@@ -18467,7 +18467,7 @@
             </p:blipFill>
             <p:spPr>
               <a:xfrm>
-                <a:off x="9113222" y="1521033"/>
+                <a:off x="9113222" y="1155457"/>
                 <a:ext cx="18000" cy="3814494"/>
               </a:xfrm>
               <a:prstGeom prst="rect">
@@ -18477,8 +18477,8 @@
           </p:pic>
         </mc:Fallback>
       </mc:AlternateContent>
-      <mc:AlternateContent xmlns:mc="http://schemas.openxmlformats.org/markup-compatibility/2006" xmlns:p14="http://schemas.microsoft.com/office/powerpoint/2010/main">
-        <mc:Choice Requires="p14">
+      <mc:AlternateContent xmlns:mc="http://schemas.openxmlformats.org/markup-compatibility/2006">
+        <mc:Choice xmlns:p14="http://schemas.microsoft.com/office/powerpoint/2010/main" Requires="p14">
           <p:contentPart p14:bwMode="auto" r:id="rId27">
             <p14:nvContentPartPr>
               <p14:cNvPr id="30" name="Ink 29">
@@ -18492,12 +18492,12 @@
               <p14:nvPr/>
             </p14:nvContentPartPr>
             <p14:xfrm>
-              <a:off x="9848007" y="1921615"/>
+              <a:off x="9848007" y="1556039"/>
               <a:ext cx="360" cy="3405272"/>
             </p14:xfrm>
           </p:contentPart>
         </mc:Choice>
-        <mc:Fallback xmlns="">
+        <mc:Fallback>
           <p:pic>
             <p:nvPicPr>
               <p:cNvPr id="30" name="Ink 29">
@@ -18518,7 +18518,7 @@
             </p:blipFill>
             <p:spPr>
               <a:xfrm>
-                <a:off x="9839007" y="1912615"/>
+                <a:off x="9839007" y="1547039"/>
                 <a:ext cx="18000" cy="3422912"/>
               </a:xfrm>
               <a:prstGeom prst="rect">
@@ -18542,7 +18542,7 @@
         </p:nvSpPr>
         <p:spPr>
           <a:xfrm>
-            <a:off x="1403646" y="5682891"/>
+            <a:off x="1403646" y="5317315"/>
             <a:ext cx="1374258" cy="327524"/>
           </a:xfrm>
           <a:prstGeom prst="rect">
@@ -18591,7 +18591,7 @@
         </p:nvSpPr>
         <p:spPr>
           <a:xfrm>
-            <a:off x="9973450" y="1552349"/>
+            <a:off x="9973450" y="1186773"/>
             <a:ext cx="638555" cy="327524"/>
           </a:xfrm>
           <a:prstGeom prst="rect">
@@ -18628,10 +18628,10 @@
       </p:sp>
       <p:sp>
         <p:nvSpPr>
-          <p:cNvPr id="19" name="Rectangle 18">
-            <a:extLst>
-              <a:ext uri="{FF2B5EF4-FFF2-40B4-BE49-F238E27FC236}">
-                <a16:creationId xmlns:a16="http://schemas.microsoft.com/office/drawing/2014/main" id="{A30B062E-9D7D-295C-C8DB-592D6E18D696}"/>
+          <p:cNvPr id="27" name="Rectangle 26">
+            <a:extLst>
+              <a:ext uri="{FF2B5EF4-FFF2-40B4-BE49-F238E27FC236}">
+                <a16:creationId xmlns:a16="http://schemas.microsoft.com/office/drawing/2014/main" id="{93913341-3787-0B27-BCA2-DCCA616D2987}"/>
               </a:ext>
             </a:extLst>
           </p:cNvPr>
@@ -18640,8 +18640,8 @@
         </p:nvSpPr>
         <p:spPr>
           <a:xfrm>
-            <a:off x="5865478" y="5692297"/>
-            <a:ext cx="5433063" cy="327524"/>
+            <a:off x="1148055" y="4577500"/>
+            <a:ext cx="2077345" cy="327524"/>
           </a:xfrm>
           <a:prstGeom prst="rect">
             <a:avLst/>
@@ -18667,44 +18667,20 @@
           <a:bodyPr rtlCol="0" anchor="ctr"/>
           <a:lstStyle/>
           <a:p>
-            <a:r>
-              <a:rPr lang="en-US" sz="1000" dirty="0"/>
-              <a:t>Display – Gross – GHIN – Net - </a:t>
-            </a:r>
-            <a:r>
-              <a:rPr lang="en-US" sz="1000" dirty="0">
-                <a:effectLst/>
-                <a:latin typeface="Times New Roman" panose="02020603050405020304" pitchFamily="18" charset="0"/>
-                <a:ea typeface="Calibri" panose="020F0502020204030204" pitchFamily="34" charset="0"/>
-              </a:rPr>
-              <a:t>Stableford</a:t>
-            </a:r>
-            <a:r>
-              <a:rPr lang="en-US" sz="1800" dirty="0">
-                <a:effectLst/>
-                <a:latin typeface="Times New Roman" panose="02020603050405020304" pitchFamily="18" charset="0"/>
-                <a:ea typeface="Calibri" panose="020F0502020204030204" pitchFamily="34" charset="0"/>
-              </a:rPr>
-              <a:t> </a:t>
-            </a:r>
-            <a:r>
-              <a:rPr lang="en-US" sz="1000" dirty="0">
-                <a:effectLst/>
-                <a:latin typeface="Times New Roman" panose="02020603050405020304" pitchFamily="18" charset="0"/>
-                <a:ea typeface="Calibri" panose="020F0502020204030204" pitchFamily="34" charset="0"/>
-              </a:rPr>
-              <a:t>– Quota – Team Match – Player Match – 9 Pts  </a:t>
-            </a:r>
-            <a:endParaRPr lang="en-US" sz="1000" dirty="0"/>
-          </a:p>
-        </p:txBody>
-      </p:sp>
-      <p:sp>
-        <p:nvSpPr>
-          <p:cNvPr id="27" name="Rectangle 26">
-            <a:extLst>
-              <a:ext uri="{FF2B5EF4-FFF2-40B4-BE49-F238E27FC236}">
-                <a16:creationId xmlns:a16="http://schemas.microsoft.com/office/drawing/2014/main" id="{93913341-3787-0B27-BCA2-DCCA616D2987}"/>
+            <a:pPr algn="ctr"/>
+            <a:r>
+              <a:rPr lang="en-US" sz="1200" dirty="0"/>
+              <a:t>Used</a:t>
+            </a:r>
+          </a:p>
+        </p:txBody>
+      </p:sp>
+      <p:sp>
+        <p:nvSpPr>
+          <p:cNvPr id="29" name="Rectangle 28">
+            <a:extLst>
+              <a:ext uri="{FF2B5EF4-FFF2-40B4-BE49-F238E27FC236}">
+                <a16:creationId xmlns:a16="http://schemas.microsoft.com/office/drawing/2014/main" id="{C80CE0BD-1111-62BD-81DC-D3EBCF95BFD1}"/>
               </a:ext>
             </a:extLst>
           </p:cNvPr>
@@ -18713,8 +18689,8 @@
         </p:nvSpPr>
         <p:spPr>
           <a:xfrm>
-            <a:off x="1148055" y="4943076"/>
-            <a:ext cx="2077345" cy="327524"/>
+            <a:off x="1122262" y="4091834"/>
+            <a:ext cx="2067852" cy="327524"/>
           </a:xfrm>
           <a:prstGeom prst="rect">
             <a:avLst/>
@@ -18743,17 +18719,17 @@
             <a:pPr algn="ctr"/>
             <a:r>
               <a:rPr lang="en-US" sz="1200" dirty="0"/>
-              <a:t>Used</a:t>
-            </a:r>
-          </a:p>
-        </p:txBody>
-      </p:sp>
-      <p:sp>
-        <p:nvSpPr>
-          <p:cNvPr id="29" name="Rectangle 28">
-            <a:extLst>
-              <a:ext uri="{FF2B5EF4-FFF2-40B4-BE49-F238E27FC236}">
-                <a16:creationId xmlns:a16="http://schemas.microsoft.com/office/drawing/2014/main" id="{C80CE0BD-1111-62BD-81DC-D3EBCF95BFD1}"/>
+              <a:t>Team</a:t>
+            </a:r>
+          </a:p>
+        </p:txBody>
+      </p:sp>
+      <p:sp>
+        <p:nvSpPr>
+          <p:cNvPr id="31" name="Rectangle 30">
+            <a:extLst>
+              <a:ext uri="{FF2B5EF4-FFF2-40B4-BE49-F238E27FC236}">
+                <a16:creationId xmlns:a16="http://schemas.microsoft.com/office/drawing/2014/main" id="{BB32B4CF-5C3F-C2A0-8EB4-A7A3BF724138}"/>
               </a:ext>
             </a:extLst>
           </p:cNvPr>
@@ -18762,8 +18738,8 @@
         </p:nvSpPr>
         <p:spPr>
           <a:xfrm>
-            <a:off x="1122262" y="4457410"/>
-            <a:ext cx="2067852" cy="327524"/>
+            <a:off x="1122262" y="2407589"/>
+            <a:ext cx="2107973" cy="327524"/>
           </a:xfrm>
           <a:prstGeom prst="rect">
             <a:avLst/>
@@ -18792,17 +18768,17 @@
             <a:pPr algn="ctr"/>
             <a:r>
               <a:rPr lang="en-US" sz="1200" dirty="0"/>
-              <a:t>Team</a:t>
-            </a:r>
-          </a:p>
-        </p:txBody>
-      </p:sp>
-      <p:sp>
-        <p:nvSpPr>
-          <p:cNvPr id="31" name="Rectangle 30">
-            <a:extLst>
-              <a:ext uri="{FF2B5EF4-FFF2-40B4-BE49-F238E27FC236}">
-                <a16:creationId xmlns:a16="http://schemas.microsoft.com/office/drawing/2014/main" id="{BB32B4CF-5C3F-C2A0-8EB4-A7A3BF724138}"/>
+              <a:t>Player 1</a:t>
+            </a:r>
+          </a:p>
+        </p:txBody>
+      </p:sp>
+      <p:sp>
+        <p:nvSpPr>
+          <p:cNvPr id="32" name="Rectangle 31">
+            <a:extLst>
+              <a:ext uri="{FF2B5EF4-FFF2-40B4-BE49-F238E27FC236}">
+                <a16:creationId xmlns:a16="http://schemas.microsoft.com/office/drawing/2014/main" id="{182C996E-F056-B42A-430C-E7F318D79B42}"/>
               </a:ext>
             </a:extLst>
           </p:cNvPr>
@@ -18811,8 +18787,8 @@
         </p:nvSpPr>
         <p:spPr>
           <a:xfrm>
-            <a:off x="1122262" y="2773165"/>
-            <a:ext cx="2107973" cy="327524"/>
+            <a:off x="1122262" y="2005397"/>
+            <a:ext cx="2126209" cy="327524"/>
           </a:xfrm>
           <a:prstGeom prst="rect">
             <a:avLst/>
@@ -18841,17 +18817,17 @@
             <a:pPr algn="ctr"/>
             <a:r>
               <a:rPr lang="en-US" sz="1200" dirty="0"/>
-              <a:t>Player 1</a:t>
-            </a:r>
-          </a:p>
-        </p:txBody>
-      </p:sp>
-      <p:sp>
-        <p:nvSpPr>
-          <p:cNvPr id="32" name="Rectangle 31">
-            <a:extLst>
-              <a:ext uri="{FF2B5EF4-FFF2-40B4-BE49-F238E27FC236}">
-                <a16:creationId xmlns:a16="http://schemas.microsoft.com/office/drawing/2014/main" id="{182C996E-F056-B42A-430C-E7F318D79B42}"/>
+              <a:t>Handicap</a:t>
+            </a:r>
+          </a:p>
+        </p:txBody>
+      </p:sp>
+      <p:sp>
+        <p:nvSpPr>
+          <p:cNvPr id="33" name="Rectangle 32">
+            <a:extLst>
+              <a:ext uri="{FF2B5EF4-FFF2-40B4-BE49-F238E27FC236}">
+                <a16:creationId xmlns:a16="http://schemas.microsoft.com/office/drawing/2014/main" id="{D55F8056-AF06-38C0-82CF-90047CFD8BC2}"/>
               </a:ext>
             </a:extLst>
           </p:cNvPr>
@@ -18860,8 +18836,8 @@
         </p:nvSpPr>
         <p:spPr>
           <a:xfrm>
-            <a:off x="1122262" y="2370973"/>
-            <a:ext cx="2126209" cy="327524"/>
+            <a:off x="1122262" y="1585545"/>
+            <a:ext cx="2142832" cy="327524"/>
           </a:xfrm>
           <a:prstGeom prst="rect">
             <a:avLst/>
@@ -18890,17 +18866,17 @@
             <a:pPr algn="ctr"/>
             <a:r>
               <a:rPr lang="en-US" sz="1200" dirty="0"/>
-              <a:t>Handicap</a:t>
-            </a:r>
-          </a:p>
-        </p:txBody>
-      </p:sp>
-      <p:sp>
-        <p:nvSpPr>
-          <p:cNvPr id="33" name="Rectangle 32">
-            <a:extLst>
-              <a:ext uri="{FF2B5EF4-FFF2-40B4-BE49-F238E27FC236}">
-                <a16:creationId xmlns:a16="http://schemas.microsoft.com/office/drawing/2014/main" id="{D55F8056-AF06-38C0-82CF-90047CFD8BC2}"/>
+              <a:t>Par</a:t>
+            </a:r>
+          </a:p>
+        </p:txBody>
+      </p:sp>
+      <p:sp>
+        <p:nvSpPr>
+          <p:cNvPr id="34" name="Rectangle 33">
+            <a:extLst>
+              <a:ext uri="{FF2B5EF4-FFF2-40B4-BE49-F238E27FC236}">
+                <a16:creationId xmlns:a16="http://schemas.microsoft.com/office/drawing/2014/main" id="{A9066AC1-496D-2EB7-FF88-17658E9D12F9}"/>
               </a:ext>
             </a:extLst>
           </p:cNvPr>
@@ -18909,8 +18885,8 @@
         </p:nvSpPr>
         <p:spPr>
           <a:xfrm>
-            <a:off x="1122262" y="1951121"/>
-            <a:ext cx="2142832" cy="327524"/>
+            <a:off x="1156945" y="1189120"/>
+            <a:ext cx="2106377" cy="327524"/>
           </a:xfrm>
           <a:prstGeom prst="rect">
             <a:avLst/>
@@ -18939,17 +18915,17 @@
             <a:pPr algn="ctr"/>
             <a:r>
               <a:rPr lang="en-US" sz="1200" dirty="0"/>
-              <a:t>Par</a:t>
-            </a:r>
-          </a:p>
-        </p:txBody>
-      </p:sp>
-      <p:sp>
-        <p:nvSpPr>
-          <p:cNvPr id="34" name="Rectangle 33">
-            <a:extLst>
-              <a:ext uri="{FF2B5EF4-FFF2-40B4-BE49-F238E27FC236}">
-                <a16:creationId xmlns:a16="http://schemas.microsoft.com/office/drawing/2014/main" id="{A9066AC1-496D-2EB7-FF88-17658E9D12F9}"/>
+              <a:t>Hole</a:t>
+            </a:r>
+          </a:p>
+        </p:txBody>
+      </p:sp>
+      <p:sp>
+        <p:nvSpPr>
+          <p:cNvPr id="35" name="Rectangle 34">
+            <a:extLst>
+              <a:ext uri="{FF2B5EF4-FFF2-40B4-BE49-F238E27FC236}">
+                <a16:creationId xmlns:a16="http://schemas.microsoft.com/office/drawing/2014/main" id="{C5DB1924-79E7-401A-0A38-8997E5AB9A1B}"/>
               </a:ext>
             </a:extLst>
           </p:cNvPr>
@@ -18958,12 +18934,15 @@
         </p:nvSpPr>
         <p:spPr>
           <a:xfrm>
-            <a:off x="1156945" y="1554696"/>
-            <a:ext cx="2106377" cy="327524"/>
+            <a:off x="3359736" y="1186773"/>
+            <a:ext cx="638555" cy="327524"/>
           </a:xfrm>
           <a:prstGeom prst="rect">
             <a:avLst/>
           </a:prstGeom>
+          <a:solidFill>
+            <a:srgbClr val="C00000"/>
+          </a:solidFill>
         </p:spPr>
         <p:style>
           <a:lnRef idx="2">
@@ -18988,17 +18967,17 @@
             <a:pPr algn="ctr"/>
             <a:r>
               <a:rPr lang="en-US" sz="1200" dirty="0"/>
-              <a:t>Hole</a:t>
-            </a:r>
-          </a:p>
-        </p:txBody>
-      </p:sp>
-      <p:sp>
-        <p:nvSpPr>
-          <p:cNvPr id="35" name="Rectangle 34">
-            <a:extLst>
-              <a:ext uri="{FF2B5EF4-FFF2-40B4-BE49-F238E27FC236}">
-                <a16:creationId xmlns:a16="http://schemas.microsoft.com/office/drawing/2014/main" id="{C5DB1924-79E7-401A-0A38-8997E5AB9A1B}"/>
+              <a:t>1</a:t>
+            </a:r>
+          </a:p>
+        </p:txBody>
+      </p:sp>
+      <p:sp>
+        <p:nvSpPr>
+          <p:cNvPr id="37" name="Rectangle 36">
+            <a:extLst>
+              <a:ext uri="{FF2B5EF4-FFF2-40B4-BE49-F238E27FC236}">
+                <a16:creationId xmlns:a16="http://schemas.microsoft.com/office/drawing/2014/main" id="{FE90EA08-FB02-7CB1-3CE5-FBF49069494C}"/>
               </a:ext>
             </a:extLst>
           </p:cNvPr>
@@ -19007,15 +18986,12 @@
         </p:nvSpPr>
         <p:spPr>
           <a:xfrm>
-            <a:off x="3359736" y="1552349"/>
+            <a:off x="6281058" y="1186773"/>
             <a:ext cx="638555" cy="327524"/>
           </a:xfrm>
           <a:prstGeom prst="rect">
             <a:avLst/>
           </a:prstGeom>
-          <a:solidFill>
-            <a:srgbClr val="C00000"/>
-          </a:solidFill>
         </p:spPr>
         <p:style>
           <a:lnRef idx="2">
@@ -19040,17 +19016,17 @@
             <a:pPr algn="ctr"/>
             <a:r>
               <a:rPr lang="en-US" sz="1200" dirty="0"/>
-              <a:t>1</a:t>
-            </a:r>
-          </a:p>
-        </p:txBody>
-      </p:sp>
-      <p:sp>
-        <p:nvSpPr>
-          <p:cNvPr id="37" name="Rectangle 36">
-            <a:extLst>
-              <a:ext uri="{FF2B5EF4-FFF2-40B4-BE49-F238E27FC236}">
-                <a16:creationId xmlns:a16="http://schemas.microsoft.com/office/drawing/2014/main" id="{FE90EA08-FB02-7CB1-3CE5-FBF49069494C}"/>
+              <a:t>5</a:t>
+            </a:r>
+          </a:p>
+        </p:txBody>
+      </p:sp>
+      <p:sp>
+        <p:nvSpPr>
+          <p:cNvPr id="38" name="Rectangle 37">
+            <a:extLst>
+              <a:ext uri="{FF2B5EF4-FFF2-40B4-BE49-F238E27FC236}">
+                <a16:creationId xmlns:a16="http://schemas.microsoft.com/office/drawing/2014/main" id="{02AC8C35-9CC9-EEAA-59CD-ED0271BD3D83}"/>
               </a:ext>
             </a:extLst>
           </p:cNvPr>
@@ -19059,7 +19035,7 @@
         </p:nvSpPr>
         <p:spPr>
           <a:xfrm>
-            <a:off x="6281058" y="1552349"/>
+            <a:off x="7006862" y="1186773"/>
             <a:ext cx="638555" cy="327524"/>
           </a:xfrm>
           <a:prstGeom prst="rect">
@@ -19089,17 +19065,17 @@
             <a:pPr algn="ctr"/>
             <a:r>
               <a:rPr lang="en-US" sz="1200" dirty="0"/>
-              <a:t>5</a:t>
-            </a:r>
-          </a:p>
-        </p:txBody>
-      </p:sp>
-      <p:sp>
-        <p:nvSpPr>
-          <p:cNvPr id="38" name="Rectangle 37">
-            <a:extLst>
-              <a:ext uri="{FF2B5EF4-FFF2-40B4-BE49-F238E27FC236}">
-                <a16:creationId xmlns:a16="http://schemas.microsoft.com/office/drawing/2014/main" id="{02AC8C35-9CC9-EEAA-59CD-ED0271BD3D83}"/>
+              <a:t>6</a:t>
+            </a:r>
+          </a:p>
+        </p:txBody>
+      </p:sp>
+      <p:sp>
+        <p:nvSpPr>
+          <p:cNvPr id="39" name="Rectangle 38">
+            <a:extLst>
+              <a:ext uri="{FF2B5EF4-FFF2-40B4-BE49-F238E27FC236}">
+                <a16:creationId xmlns:a16="http://schemas.microsoft.com/office/drawing/2014/main" id="{4333FBBE-F9F3-A60C-78F9-CCC031ACEFB2}"/>
               </a:ext>
             </a:extLst>
           </p:cNvPr>
@@ -19108,7 +19084,7 @@
         </p:nvSpPr>
         <p:spPr>
           <a:xfrm>
-            <a:off x="7006862" y="1552349"/>
+            <a:off x="7714560" y="1186773"/>
             <a:ext cx="638555" cy="327524"/>
           </a:xfrm>
           <a:prstGeom prst="rect">
@@ -19138,17 +19114,17 @@
             <a:pPr algn="ctr"/>
             <a:r>
               <a:rPr lang="en-US" sz="1200" dirty="0"/>
-              <a:t>6</a:t>
-            </a:r>
-          </a:p>
-        </p:txBody>
-      </p:sp>
-      <p:sp>
-        <p:nvSpPr>
-          <p:cNvPr id="39" name="Rectangle 38">
-            <a:extLst>
-              <a:ext uri="{FF2B5EF4-FFF2-40B4-BE49-F238E27FC236}">
-                <a16:creationId xmlns:a16="http://schemas.microsoft.com/office/drawing/2014/main" id="{4333FBBE-F9F3-A60C-78F9-CCC031ACEFB2}"/>
+              <a:t>7</a:t>
+            </a:r>
+          </a:p>
+        </p:txBody>
+      </p:sp>
+      <p:sp>
+        <p:nvSpPr>
+          <p:cNvPr id="40" name="Rectangle 39">
+            <a:extLst>
+              <a:ext uri="{FF2B5EF4-FFF2-40B4-BE49-F238E27FC236}">
+                <a16:creationId xmlns:a16="http://schemas.microsoft.com/office/drawing/2014/main" id="{1BF39B8D-7FC1-565C-C7C4-66AEEF929BDC}"/>
               </a:ext>
             </a:extLst>
           </p:cNvPr>
@@ -19157,7 +19133,7 @@
         </p:nvSpPr>
         <p:spPr>
           <a:xfrm>
-            <a:off x="7714560" y="1552349"/>
+            <a:off x="8449417" y="1186773"/>
             <a:ext cx="638555" cy="327524"/>
           </a:xfrm>
           <a:prstGeom prst="rect">
@@ -19187,17 +19163,17 @@
             <a:pPr algn="ctr"/>
             <a:r>
               <a:rPr lang="en-US" sz="1200" dirty="0"/>
-              <a:t>7</a:t>
-            </a:r>
-          </a:p>
-        </p:txBody>
-      </p:sp>
-      <p:sp>
-        <p:nvSpPr>
-          <p:cNvPr id="40" name="Rectangle 39">
-            <a:extLst>
-              <a:ext uri="{FF2B5EF4-FFF2-40B4-BE49-F238E27FC236}">
-                <a16:creationId xmlns:a16="http://schemas.microsoft.com/office/drawing/2014/main" id="{1BF39B8D-7FC1-565C-C7C4-66AEEF929BDC}"/>
+              <a:t>8</a:t>
+            </a:r>
+          </a:p>
+        </p:txBody>
+      </p:sp>
+      <p:sp>
+        <p:nvSpPr>
+          <p:cNvPr id="41" name="Rectangle 40">
+            <a:extLst>
+              <a:ext uri="{FF2B5EF4-FFF2-40B4-BE49-F238E27FC236}">
+                <a16:creationId xmlns:a16="http://schemas.microsoft.com/office/drawing/2014/main" id="{EC25B720-D4FE-B8DC-EAC7-0F06D83BC9FC}"/>
               </a:ext>
             </a:extLst>
           </p:cNvPr>
@@ -19206,7 +19182,7 @@
         </p:nvSpPr>
         <p:spPr>
           <a:xfrm>
-            <a:off x="8449417" y="1552349"/>
+            <a:off x="9184274" y="1186773"/>
             <a:ext cx="638555" cy="327524"/>
           </a:xfrm>
           <a:prstGeom prst="rect">
@@ -19236,17 +19212,17 @@
             <a:pPr algn="ctr"/>
             <a:r>
               <a:rPr lang="en-US" sz="1200" dirty="0"/>
-              <a:t>8</a:t>
-            </a:r>
-          </a:p>
-        </p:txBody>
-      </p:sp>
-      <p:sp>
-        <p:nvSpPr>
-          <p:cNvPr id="41" name="Rectangle 40">
-            <a:extLst>
-              <a:ext uri="{FF2B5EF4-FFF2-40B4-BE49-F238E27FC236}">
-                <a16:creationId xmlns:a16="http://schemas.microsoft.com/office/drawing/2014/main" id="{EC25B720-D4FE-B8DC-EAC7-0F06D83BC9FC}"/>
+              <a:t>9</a:t>
+            </a:r>
+          </a:p>
+        </p:txBody>
+      </p:sp>
+      <p:sp>
+        <p:nvSpPr>
+          <p:cNvPr id="42" name="Rectangle 41">
+            <a:extLst>
+              <a:ext uri="{FF2B5EF4-FFF2-40B4-BE49-F238E27FC236}">
+                <a16:creationId xmlns:a16="http://schemas.microsoft.com/office/drawing/2014/main" id="{433438A0-86F8-C49B-8764-77B906F8C68B}"/>
               </a:ext>
             </a:extLst>
           </p:cNvPr>
@@ -19255,7 +19231,7 @@
         </p:nvSpPr>
         <p:spPr>
           <a:xfrm>
-            <a:off x="9184274" y="1552349"/>
+            <a:off x="4094593" y="1186773"/>
             <a:ext cx="638555" cy="327524"/>
           </a:xfrm>
           <a:prstGeom prst="rect">
@@ -19285,17 +19261,17 @@
             <a:pPr algn="ctr"/>
             <a:r>
               <a:rPr lang="en-US" sz="1200" dirty="0"/>
-              <a:t>9</a:t>
-            </a:r>
-          </a:p>
-        </p:txBody>
-      </p:sp>
-      <p:sp>
-        <p:nvSpPr>
-          <p:cNvPr id="42" name="Rectangle 41">
-            <a:extLst>
-              <a:ext uri="{FF2B5EF4-FFF2-40B4-BE49-F238E27FC236}">
-                <a16:creationId xmlns:a16="http://schemas.microsoft.com/office/drawing/2014/main" id="{433438A0-86F8-C49B-8764-77B906F8C68B}"/>
+              <a:t>2</a:t>
+            </a:r>
+          </a:p>
+        </p:txBody>
+      </p:sp>
+      <p:sp>
+        <p:nvSpPr>
+          <p:cNvPr id="43" name="Rectangle 42">
+            <a:extLst>
+              <a:ext uri="{FF2B5EF4-FFF2-40B4-BE49-F238E27FC236}">
+                <a16:creationId xmlns:a16="http://schemas.microsoft.com/office/drawing/2014/main" id="{D8924BF7-E1F3-0B75-0899-163E7CDCC35B}"/>
               </a:ext>
             </a:extLst>
           </p:cNvPr>
@@ -19304,7 +19280,7 @@
         </p:nvSpPr>
         <p:spPr>
           <a:xfrm>
-            <a:off x="4094593" y="1552349"/>
+            <a:off x="4829450" y="1186773"/>
             <a:ext cx="638555" cy="327524"/>
           </a:xfrm>
           <a:prstGeom prst="rect">
@@ -19334,17 +19310,17 @@
             <a:pPr algn="ctr"/>
             <a:r>
               <a:rPr lang="en-US" sz="1200" dirty="0"/>
-              <a:t>2</a:t>
-            </a:r>
-          </a:p>
-        </p:txBody>
-      </p:sp>
-      <p:sp>
-        <p:nvSpPr>
-          <p:cNvPr id="43" name="Rectangle 42">
-            <a:extLst>
-              <a:ext uri="{FF2B5EF4-FFF2-40B4-BE49-F238E27FC236}">
-                <a16:creationId xmlns:a16="http://schemas.microsoft.com/office/drawing/2014/main" id="{D8924BF7-E1F3-0B75-0899-163E7CDCC35B}"/>
+              <a:t>3</a:t>
+            </a:r>
+          </a:p>
+        </p:txBody>
+      </p:sp>
+      <p:sp>
+        <p:nvSpPr>
+          <p:cNvPr id="44" name="Rectangle 43">
+            <a:extLst>
+              <a:ext uri="{FF2B5EF4-FFF2-40B4-BE49-F238E27FC236}">
+                <a16:creationId xmlns:a16="http://schemas.microsoft.com/office/drawing/2014/main" id="{B796F3FF-BC94-3673-8FEB-8FC9F8DA10D9}"/>
               </a:ext>
             </a:extLst>
           </p:cNvPr>
@@ -19353,7 +19329,7 @@
         </p:nvSpPr>
         <p:spPr>
           <a:xfrm>
-            <a:off x="4829450" y="1552349"/>
+            <a:off x="5546201" y="1186773"/>
             <a:ext cx="638555" cy="327524"/>
           </a:xfrm>
           <a:prstGeom prst="rect">
@@ -19383,17 +19359,17 @@
             <a:pPr algn="ctr"/>
             <a:r>
               <a:rPr lang="en-US" sz="1200" dirty="0"/>
-              <a:t>3</a:t>
-            </a:r>
-          </a:p>
-        </p:txBody>
-      </p:sp>
-      <p:sp>
-        <p:nvSpPr>
-          <p:cNvPr id="44" name="Rectangle 43">
-            <a:extLst>
-              <a:ext uri="{FF2B5EF4-FFF2-40B4-BE49-F238E27FC236}">
-                <a16:creationId xmlns:a16="http://schemas.microsoft.com/office/drawing/2014/main" id="{B796F3FF-BC94-3673-8FEB-8FC9F8DA10D9}"/>
+              <a:t>4</a:t>
+            </a:r>
+          </a:p>
+        </p:txBody>
+      </p:sp>
+      <p:sp>
+        <p:nvSpPr>
+          <p:cNvPr id="45" name="Rectangle 44">
+            <a:extLst>
+              <a:ext uri="{FF2B5EF4-FFF2-40B4-BE49-F238E27FC236}">
+                <a16:creationId xmlns:a16="http://schemas.microsoft.com/office/drawing/2014/main" id="{51F07959-1ED4-7FC4-B666-123640B87E6A}"/>
               </a:ext>
             </a:extLst>
           </p:cNvPr>
@@ -19402,8 +19378,8 @@
         </p:nvSpPr>
         <p:spPr>
           <a:xfrm>
-            <a:off x="5546201" y="1552349"/>
-            <a:ext cx="638555" cy="327524"/>
+            <a:off x="1122262" y="2848049"/>
+            <a:ext cx="2107973" cy="327524"/>
           </a:xfrm>
           <a:prstGeom prst="rect">
             <a:avLst/>
@@ -19432,17 +19408,17 @@
             <a:pPr algn="ctr"/>
             <a:r>
               <a:rPr lang="en-US" sz="1200" dirty="0"/>
-              <a:t>4</a:t>
-            </a:r>
-          </a:p>
-        </p:txBody>
-      </p:sp>
-      <p:sp>
-        <p:nvSpPr>
-          <p:cNvPr id="45" name="Rectangle 44">
-            <a:extLst>
-              <a:ext uri="{FF2B5EF4-FFF2-40B4-BE49-F238E27FC236}">
-                <a16:creationId xmlns:a16="http://schemas.microsoft.com/office/drawing/2014/main" id="{51F07959-1ED4-7FC4-B666-123640B87E6A}"/>
+              <a:t>Player 2</a:t>
+            </a:r>
+          </a:p>
+        </p:txBody>
+      </p:sp>
+      <p:sp>
+        <p:nvSpPr>
+          <p:cNvPr id="46" name="Rectangle 45">
+            <a:extLst>
+              <a:ext uri="{FF2B5EF4-FFF2-40B4-BE49-F238E27FC236}">
+                <a16:creationId xmlns:a16="http://schemas.microsoft.com/office/drawing/2014/main" id="{73685A6C-8F17-44FD-E006-8A839EC0640B}"/>
               </a:ext>
             </a:extLst>
           </p:cNvPr>
@@ -19451,7 +19427,7 @@
         </p:nvSpPr>
         <p:spPr>
           <a:xfrm>
-            <a:off x="1122262" y="3213625"/>
+            <a:off x="1122262" y="3639792"/>
             <a:ext cx="2107973" cy="327524"/>
           </a:xfrm>
           <a:prstGeom prst="rect">
@@ -19481,17 +19457,17 @@
             <a:pPr algn="ctr"/>
             <a:r>
               <a:rPr lang="en-US" sz="1200" dirty="0"/>
-              <a:t>Player 2</a:t>
-            </a:r>
-          </a:p>
-        </p:txBody>
-      </p:sp>
-      <p:sp>
-        <p:nvSpPr>
-          <p:cNvPr id="46" name="Rectangle 45">
-            <a:extLst>
-              <a:ext uri="{FF2B5EF4-FFF2-40B4-BE49-F238E27FC236}">
-                <a16:creationId xmlns:a16="http://schemas.microsoft.com/office/drawing/2014/main" id="{73685A6C-8F17-44FD-E006-8A839EC0640B}"/>
+              <a:t>Player 4</a:t>
+            </a:r>
+          </a:p>
+        </p:txBody>
+      </p:sp>
+      <p:sp>
+        <p:nvSpPr>
+          <p:cNvPr id="47" name="Rectangle 46">
+            <a:extLst>
+              <a:ext uri="{FF2B5EF4-FFF2-40B4-BE49-F238E27FC236}">
+                <a16:creationId xmlns:a16="http://schemas.microsoft.com/office/drawing/2014/main" id="{F95195AA-A352-C77E-80DC-C20203930079}"/>
               </a:ext>
             </a:extLst>
           </p:cNvPr>
@@ -19500,7 +19476,7 @@
         </p:nvSpPr>
         <p:spPr>
           <a:xfrm>
-            <a:off x="1122262" y="4005368"/>
+            <a:off x="1122262" y="3246528"/>
             <a:ext cx="2107973" cy="327524"/>
           </a:xfrm>
           <a:prstGeom prst="rect">
@@ -19530,62 +19506,13 @@
             <a:pPr algn="ctr"/>
             <a:r>
               <a:rPr lang="en-US" sz="1200" dirty="0"/>
-              <a:t>Player 4</a:t>
-            </a:r>
-          </a:p>
-        </p:txBody>
-      </p:sp>
-      <p:sp>
-        <p:nvSpPr>
-          <p:cNvPr id="47" name="Rectangle 46">
-            <a:extLst>
-              <a:ext uri="{FF2B5EF4-FFF2-40B4-BE49-F238E27FC236}">
-                <a16:creationId xmlns:a16="http://schemas.microsoft.com/office/drawing/2014/main" id="{F95195AA-A352-C77E-80DC-C20203930079}"/>
-              </a:ext>
-            </a:extLst>
-          </p:cNvPr>
-          <p:cNvSpPr/>
-          <p:nvPr/>
-        </p:nvSpPr>
-        <p:spPr>
-          <a:xfrm>
-            <a:off x="1122262" y="3612104"/>
-            <a:ext cx="2107973" cy="327524"/>
-          </a:xfrm>
-          <a:prstGeom prst="rect">
-            <a:avLst/>
-          </a:prstGeom>
-        </p:spPr>
-        <p:style>
-          <a:lnRef idx="2">
-            <a:schemeClr val="accent1">
-              <a:shade val="15000"/>
-            </a:schemeClr>
-          </a:lnRef>
-          <a:fillRef idx="1">
-            <a:schemeClr val="accent1"/>
-          </a:fillRef>
-          <a:effectRef idx="0">
-            <a:schemeClr val="accent1"/>
-          </a:effectRef>
-          <a:fontRef idx="minor">
-            <a:schemeClr val="lt1"/>
-          </a:fontRef>
-        </p:style>
-        <p:txBody>
-          <a:bodyPr rtlCol="0" anchor="ctr"/>
-          <a:lstStyle/>
-          <a:p>
-            <a:pPr algn="ctr"/>
-            <a:r>
-              <a:rPr lang="en-US" sz="1200" dirty="0"/>
               <a:t>Player 3</a:t>
             </a:r>
           </a:p>
         </p:txBody>
       </p:sp>
-      <mc:AlternateContent xmlns:mc="http://schemas.openxmlformats.org/markup-compatibility/2006" xmlns:p14="http://schemas.microsoft.com/office/powerpoint/2010/main">
-        <mc:Choice Requires="p14">
+      <mc:AlternateContent xmlns:mc="http://schemas.openxmlformats.org/markup-compatibility/2006">
+        <mc:Choice xmlns:p14="http://schemas.microsoft.com/office/powerpoint/2010/main" Requires="p14">
           <p:contentPart p14:bwMode="auto" r:id="rId29">
             <p14:nvContentPartPr>
               <p14:cNvPr id="48" name="Ink 47">
@@ -19599,12 +19526,12 @@
               <p14:nvPr/>
             </p14:nvContentPartPr>
             <p14:xfrm>
-              <a:off x="1093656" y="4878261"/>
+              <a:off x="1093656" y="4512685"/>
               <a:ext cx="9750960" cy="360"/>
             </p14:xfrm>
           </p:contentPart>
         </mc:Choice>
-        <mc:Fallback xmlns="">
+        <mc:Fallback>
           <p:pic>
             <p:nvPicPr>
               <p:cNvPr id="48" name="Ink 47">
@@ -19618,14 +19545,14 @@
               <p:nvPr/>
             </p:nvPicPr>
             <p:blipFill>
-              <a:blip r:embed="rId30"/>
+              <a:blip r:embed="rId7"/>
               <a:stretch>
                 <a:fillRect/>
               </a:stretch>
             </p:blipFill>
             <p:spPr>
               <a:xfrm>
-                <a:off x="1084656" y="4869261"/>
+                <a:off x="1084656" y="4503685"/>
                 <a:ext cx="9768600" cy="18000"/>
               </a:xfrm>
               <a:prstGeom prst="rect">
@@ -19649,7 +19576,7 @@
         </p:nvSpPr>
         <p:spPr>
           <a:xfrm>
-            <a:off x="4110621" y="5798296"/>
+            <a:off x="5832424" y="5406132"/>
             <a:ext cx="704663" cy="234662"/>
           </a:xfrm>
           <a:prstGeom prst="roundRect">
@@ -19698,7 +19625,7 @@
         </p:nvSpPr>
         <p:spPr>
           <a:xfrm>
-            <a:off x="5012758" y="5766844"/>
+            <a:off x="6828570" y="5406132"/>
             <a:ext cx="704663" cy="234662"/>
           </a:xfrm>
           <a:prstGeom prst="roundRect">
@@ -19747,7 +19674,7 @@
         </p:nvSpPr>
         <p:spPr>
           <a:xfrm>
-            <a:off x="3050948" y="5803221"/>
+            <a:off x="4656582" y="5406132"/>
             <a:ext cx="884359" cy="234662"/>
           </a:xfrm>
           <a:prstGeom prst="roundRect">
@@ -19779,6 +19706,100 @@
               <a:rPr lang="en-US" sz="1000" dirty="0"/>
               <a:t>Summary</a:t>
             </a:r>
+          </a:p>
+        </p:txBody>
+      </p:sp>
+      <p:sp>
+        <p:nvSpPr>
+          <p:cNvPr id="36" name="TextBox 35">
+            <a:extLst>
+              <a:ext uri="{FF2B5EF4-FFF2-40B4-BE49-F238E27FC236}">
+                <a16:creationId xmlns:a16="http://schemas.microsoft.com/office/drawing/2014/main" id="{FF52B13C-D861-6494-E250-532E9C703E94}"/>
+              </a:ext>
+            </a:extLst>
+          </p:cNvPr>
+          <p:cNvSpPr txBox="1"/>
+          <p:nvPr/>
+        </p:nvSpPr>
+        <p:spPr>
+          <a:xfrm>
+            <a:off x="2777904" y="6446487"/>
+            <a:ext cx="6599179" cy="276999"/>
+          </a:xfrm>
+          <a:prstGeom prst="rect">
+            <a:avLst/>
+          </a:prstGeom>
+          <a:noFill/>
+        </p:spPr>
+        <p:txBody>
+          <a:bodyPr wrap="none" rtlCol="0">
+            <a:spAutoFit/>
+          </a:bodyPr>
+          <a:lstStyle/>
+          <a:p>
+            <a:r>
+              <a:rPr lang="en-US" sz="1200" dirty="0"/>
+              <a:t> Display Button – Gross – GHIN – Net - </a:t>
+            </a:r>
+            <a:r>
+              <a:rPr lang="en-US" sz="1200" dirty="0">
+                <a:effectLst/>
+                <a:latin typeface="Times New Roman" panose="02020603050405020304" pitchFamily="18" charset="0"/>
+                <a:ea typeface="Calibri" panose="020F0502020204030204" pitchFamily="34" charset="0"/>
+              </a:rPr>
+              <a:t>Stableford – Quota – Team Match – Player Match – 9 Pts </a:t>
+            </a:r>
+            <a:endParaRPr lang="en-US" sz="1200" dirty="0"/>
+          </a:p>
+        </p:txBody>
+      </p:sp>
+      <p:sp>
+        <p:nvSpPr>
+          <p:cNvPr id="52" name="Rectangle: Rounded Corners 51">
+            <a:extLst>
+              <a:ext uri="{FF2B5EF4-FFF2-40B4-BE49-F238E27FC236}">
+                <a16:creationId xmlns:a16="http://schemas.microsoft.com/office/drawing/2014/main" id="{D7314D28-2174-D6FC-D0C2-8FE5785D14E2}"/>
+              </a:ext>
+            </a:extLst>
+          </p:cNvPr>
+          <p:cNvSpPr/>
+          <p:nvPr/>
+        </p:nvSpPr>
+        <p:spPr>
+          <a:xfrm>
+            <a:off x="7824716" y="5402018"/>
+            <a:ext cx="914400" cy="242890"/>
+          </a:xfrm>
+          <a:prstGeom prst="roundRect">
+            <a:avLst/>
+          </a:prstGeom>
+        </p:spPr>
+        <p:style>
+          <a:lnRef idx="2">
+            <a:schemeClr val="accent1">
+              <a:shade val="15000"/>
+            </a:schemeClr>
+          </a:lnRef>
+          <a:fillRef idx="1">
+            <a:schemeClr val="accent1"/>
+          </a:fillRef>
+          <a:effectRef idx="0">
+            <a:schemeClr val="accent1"/>
+          </a:effectRef>
+          <a:fontRef idx="minor">
+            <a:schemeClr val="lt1"/>
+          </a:fontRef>
+        </p:style>
+        <p:txBody>
+          <a:bodyPr rtlCol="0" anchor="ctr"/>
+          <a:lstStyle/>
+          <a:p>
+            <a:pPr algn="ctr"/>
+            <a:r>
+              <a:rPr lang="en-US" sz="1000" dirty="0" err="1"/>
+              <a:t>Displa</a:t>
+            </a:r>
+            <a:endParaRPr lang="en-US" sz="1000" dirty="0"/>
           </a:p>
         </p:txBody>
       </p:sp>

--- a/Documentation/TeamScoreLayout.pptx
+++ b/Documentation/TeamScoreLayout.pptx
@@ -13,10 +13,11 @@
     <p:sldId id="267" r:id="rId7"/>
     <p:sldId id="265" r:id="rId8"/>
     <p:sldId id="261" r:id="rId9"/>
-    <p:sldId id="269" r:id="rId10"/>
-    <p:sldId id="264" r:id="rId11"/>
-    <p:sldId id="260" r:id="rId12"/>
-    <p:sldId id="259" r:id="rId13"/>
+    <p:sldId id="271" r:id="rId10"/>
+    <p:sldId id="269" r:id="rId11"/>
+    <p:sldId id="264" r:id="rId12"/>
+    <p:sldId id="260" r:id="rId13"/>
+    <p:sldId id="259" r:id="rId14"/>
   </p:sldIdLst>
   <p:sldSz cx="12192000" cy="6858000"/>
   <p:notesSz cx="6858000" cy="9144000"/>
@@ -837,7 +838,7 @@
           <a:p>
             <a:fld id="{955A69D3-FF78-44E1-BB41-3D13FA416A59}" type="datetimeFigureOut">
               <a:rPr lang="en-US" smtClean="0"/>
-              <a:t>Thursday,Mar/21/24</a:t>
+              <a:t>Wednesday,Mar/27/24</a:t>
             </a:fld>
             <a:endParaRPr lang="en-US"/>
           </a:p>
@@ -1035,7 +1036,7 @@
           <a:p>
             <a:fld id="{955A69D3-FF78-44E1-BB41-3D13FA416A59}" type="datetimeFigureOut">
               <a:rPr lang="en-US" smtClean="0"/>
-              <a:t>Thursday,Mar/21/24</a:t>
+              <a:t>Wednesday,Mar/27/24</a:t>
             </a:fld>
             <a:endParaRPr lang="en-US"/>
           </a:p>
@@ -1243,7 +1244,7 @@
           <a:p>
             <a:fld id="{955A69D3-FF78-44E1-BB41-3D13FA416A59}" type="datetimeFigureOut">
               <a:rPr lang="en-US" smtClean="0"/>
-              <a:t>Thursday,Mar/21/24</a:t>
+              <a:t>Wednesday,Mar/27/24</a:t>
             </a:fld>
             <a:endParaRPr lang="en-US"/>
           </a:p>
@@ -1441,7 +1442,7 @@
           <a:p>
             <a:fld id="{955A69D3-FF78-44E1-BB41-3D13FA416A59}" type="datetimeFigureOut">
               <a:rPr lang="en-US" smtClean="0"/>
-              <a:t>Thursday,Mar/21/24</a:t>
+              <a:t>Wednesday,Mar/27/24</a:t>
             </a:fld>
             <a:endParaRPr lang="en-US"/>
           </a:p>
@@ -1716,7 +1717,7 @@
           <a:p>
             <a:fld id="{955A69D3-FF78-44E1-BB41-3D13FA416A59}" type="datetimeFigureOut">
               <a:rPr lang="en-US" smtClean="0"/>
-              <a:t>Thursday,Mar/21/24</a:t>
+              <a:t>Wednesday,Mar/27/24</a:t>
             </a:fld>
             <a:endParaRPr lang="en-US"/>
           </a:p>
@@ -1981,7 +1982,7 @@
           <a:p>
             <a:fld id="{955A69D3-FF78-44E1-BB41-3D13FA416A59}" type="datetimeFigureOut">
               <a:rPr lang="en-US" smtClean="0"/>
-              <a:t>Thursday,Mar/21/24</a:t>
+              <a:t>Wednesday,Mar/27/24</a:t>
             </a:fld>
             <a:endParaRPr lang="en-US"/>
           </a:p>
@@ -2393,7 +2394,7 @@
           <a:p>
             <a:fld id="{955A69D3-FF78-44E1-BB41-3D13FA416A59}" type="datetimeFigureOut">
               <a:rPr lang="en-US" smtClean="0"/>
-              <a:t>Thursday,Mar/21/24</a:t>
+              <a:t>Wednesday,Mar/27/24</a:t>
             </a:fld>
             <a:endParaRPr lang="en-US"/>
           </a:p>
@@ -2534,7 +2535,7 @@
           <a:p>
             <a:fld id="{955A69D3-FF78-44E1-BB41-3D13FA416A59}" type="datetimeFigureOut">
               <a:rPr lang="en-US" smtClean="0"/>
-              <a:t>Thursday,Mar/21/24</a:t>
+              <a:t>Wednesday,Mar/27/24</a:t>
             </a:fld>
             <a:endParaRPr lang="en-US"/>
           </a:p>
@@ -2647,7 +2648,7 @@
           <a:p>
             <a:fld id="{955A69D3-FF78-44E1-BB41-3D13FA416A59}" type="datetimeFigureOut">
               <a:rPr lang="en-US" smtClean="0"/>
-              <a:t>Thursday,Mar/21/24</a:t>
+              <a:t>Wednesday,Mar/27/24</a:t>
             </a:fld>
             <a:endParaRPr lang="en-US"/>
           </a:p>
@@ -2958,7 +2959,7 @@
           <a:p>
             <a:fld id="{955A69D3-FF78-44E1-BB41-3D13FA416A59}" type="datetimeFigureOut">
               <a:rPr lang="en-US" smtClean="0"/>
-              <a:t>Thursday,Mar/21/24</a:t>
+              <a:t>Wednesday,Mar/27/24</a:t>
             </a:fld>
             <a:endParaRPr lang="en-US"/>
           </a:p>
@@ -3246,7 +3247,7 @@
           <a:p>
             <a:fld id="{955A69D3-FF78-44E1-BB41-3D13FA416A59}" type="datetimeFigureOut">
               <a:rPr lang="en-US" smtClean="0"/>
-              <a:t>Thursday,Mar/21/24</a:t>
+              <a:t>Wednesday,Mar/27/24</a:t>
             </a:fld>
             <a:endParaRPr lang="en-US"/>
           </a:p>
@@ -3487,7 +3488,7 @@
           <a:p>
             <a:fld id="{955A69D3-FF78-44E1-BB41-3D13FA416A59}" type="datetimeFigureOut">
               <a:rPr lang="en-US" smtClean="0"/>
-              <a:t>Thursday,Mar/21/24</a:t>
+              <a:t>Wednesday,Mar/27/24</a:t>
             </a:fld>
             <a:endParaRPr lang="en-US"/>
           </a:p>
@@ -5981,10 +5982,390 @@
       </p:grpSpPr>
       <p:sp>
         <p:nvSpPr>
-          <p:cNvPr id="2" name="TextBox 1">
-            <a:extLst>
-              <a:ext uri="{FF2B5EF4-FFF2-40B4-BE49-F238E27FC236}">
-                <a16:creationId xmlns:a16="http://schemas.microsoft.com/office/drawing/2014/main" id="{3B17EE8D-41C5-D38B-15F8-07F1C9DF19DA}"/>
+          <p:cNvPr id="3" name="Rectangle 2">
+            <a:extLst>
+              <a:ext uri="{FF2B5EF4-FFF2-40B4-BE49-F238E27FC236}">
+                <a16:creationId xmlns:a16="http://schemas.microsoft.com/office/drawing/2014/main" id="{95468A64-E404-084B-AC3F-C60BBD7EAEBD}"/>
+              </a:ext>
+            </a:extLst>
+          </p:cNvPr>
+          <p:cNvSpPr/>
+          <p:nvPr/>
+        </p:nvSpPr>
+        <p:spPr>
+          <a:xfrm>
+            <a:off x="3535708" y="435928"/>
+            <a:ext cx="4206194" cy="6214276"/>
+          </a:xfrm>
+          <a:prstGeom prst="rect">
+            <a:avLst/>
+          </a:prstGeom>
+        </p:spPr>
+        <p:style>
+          <a:lnRef idx="2">
+            <a:schemeClr val="accent3"/>
+          </a:lnRef>
+          <a:fillRef idx="1">
+            <a:schemeClr val="lt1"/>
+          </a:fillRef>
+          <a:effectRef idx="0">
+            <a:schemeClr val="accent3"/>
+          </a:effectRef>
+          <a:fontRef idx="minor">
+            <a:schemeClr val="dk1"/>
+          </a:fontRef>
+        </p:style>
+        <p:txBody>
+          <a:bodyPr rtlCol="0" anchor="ctr"/>
+          <a:lstStyle/>
+          <a:p>
+            <a:pPr algn="ctr"/>
+            <a:endParaRPr lang="en-US" dirty="0"/>
+          </a:p>
+        </p:txBody>
+      </p:sp>
+      <p:cxnSp>
+        <p:nvCxnSpPr>
+          <p:cNvPr id="7" name="Straight Connector 6">
+            <a:extLst>
+              <a:ext uri="{FF2B5EF4-FFF2-40B4-BE49-F238E27FC236}">
+                <a16:creationId xmlns:a16="http://schemas.microsoft.com/office/drawing/2014/main" id="{13B41296-FA58-A9B3-4484-A4F670F2B821}"/>
+              </a:ext>
+            </a:extLst>
+          </p:cNvPr>
+          <p:cNvCxnSpPr>
+            <a:cxnSpLocks/>
+          </p:cNvCxnSpPr>
+          <p:nvPr/>
+        </p:nvCxnSpPr>
+        <p:spPr>
+          <a:xfrm>
+            <a:off x="4312939" y="6172170"/>
+            <a:ext cx="2948285" cy="0"/>
+          </a:xfrm>
+          <a:prstGeom prst="line">
+            <a:avLst/>
+          </a:prstGeom>
+        </p:spPr>
+        <p:style>
+          <a:lnRef idx="2">
+            <a:schemeClr val="accent1"/>
+          </a:lnRef>
+          <a:fillRef idx="0">
+            <a:schemeClr val="accent1"/>
+          </a:fillRef>
+          <a:effectRef idx="1">
+            <a:schemeClr val="accent1"/>
+          </a:effectRef>
+          <a:fontRef idx="minor">
+            <a:schemeClr val="tx1"/>
+          </a:fontRef>
+        </p:style>
+      </p:cxnSp>
+      <p:cxnSp>
+        <p:nvCxnSpPr>
+          <p:cNvPr id="8" name="Straight Connector 7">
+            <a:extLst>
+              <a:ext uri="{FF2B5EF4-FFF2-40B4-BE49-F238E27FC236}">
+                <a16:creationId xmlns:a16="http://schemas.microsoft.com/office/drawing/2014/main" id="{BBAB47CC-AF0D-72A8-164B-019B232D63FC}"/>
+              </a:ext>
+            </a:extLst>
+          </p:cNvPr>
+          <p:cNvCxnSpPr>
+            <a:cxnSpLocks/>
+          </p:cNvCxnSpPr>
+          <p:nvPr/>
+        </p:nvCxnSpPr>
+        <p:spPr>
+          <a:xfrm>
+            <a:off x="4312939" y="5783555"/>
+            <a:ext cx="2948285" cy="0"/>
+          </a:xfrm>
+          <a:prstGeom prst="line">
+            <a:avLst/>
+          </a:prstGeom>
+        </p:spPr>
+        <p:style>
+          <a:lnRef idx="2">
+            <a:schemeClr val="accent1"/>
+          </a:lnRef>
+          <a:fillRef idx="0">
+            <a:schemeClr val="accent1"/>
+          </a:fillRef>
+          <a:effectRef idx="1">
+            <a:schemeClr val="accent1"/>
+          </a:effectRef>
+          <a:fontRef idx="minor">
+            <a:schemeClr val="tx1"/>
+          </a:fontRef>
+        </p:style>
+      </p:cxnSp>
+      <p:cxnSp>
+        <p:nvCxnSpPr>
+          <p:cNvPr id="9" name="Straight Connector 8">
+            <a:extLst>
+              <a:ext uri="{FF2B5EF4-FFF2-40B4-BE49-F238E27FC236}">
+                <a16:creationId xmlns:a16="http://schemas.microsoft.com/office/drawing/2014/main" id="{4CF950EE-1433-58CC-C555-02FBED6B4AE8}"/>
+              </a:ext>
+            </a:extLst>
+          </p:cNvPr>
+          <p:cNvCxnSpPr>
+            <a:cxnSpLocks/>
+          </p:cNvCxnSpPr>
+          <p:nvPr/>
+        </p:nvCxnSpPr>
+        <p:spPr>
+          <a:xfrm flipV="1">
+            <a:off x="4312939" y="5387295"/>
+            <a:ext cx="2936661" cy="7644"/>
+          </a:xfrm>
+          <a:prstGeom prst="line">
+            <a:avLst/>
+          </a:prstGeom>
+        </p:spPr>
+        <p:style>
+          <a:lnRef idx="2">
+            <a:schemeClr val="accent1"/>
+          </a:lnRef>
+          <a:fillRef idx="0">
+            <a:schemeClr val="accent1"/>
+          </a:fillRef>
+          <a:effectRef idx="1">
+            <a:schemeClr val="accent1"/>
+          </a:effectRef>
+          <a:fontRef idx="minor">
+            <a:schemeClr val="tx1"/>
+          </a:fontRef>
+        </p:style>
+      </p:cxnSp>
+      <p:cxnSp>
+        <p:nvCxnSpPr>
+          <p:cNvPr id="10" name="Straight Connector 9">
+            <a:extLst>
+              <a:ext uri="{FF2B5EF4-FFF2-40B4-BE49-F238E27FC236}">
+                <a16:creationId xmlns:a16="http://schemas.microsoft.com/office/drawing/2014/main" id="{A62AFBCD-6882-4495-0BF0-141E742DF64D}"/>
+              </a:ext>
+            </a:extLst>
+          </p:cNvPr>
+          <p:cNvCxnSpPr>
+            <a:cxnSpLocks/>
+          </p:cNvCxnSpPr>
+          <p:nvPr/>
+        </p:nvCxnSpPr>
+        <p:spPr>
+          <a:xfrm>
+            <a:off x="4312939" y="5006323"/>
+            <a:ext cx="2936661" cy="13059"/>
+          </a:xfrm>
+          <a:prstGeom prst="line">
+            <a:avLst/>
+          </a:prstGeom>
+        </p:spPr>
+        <p:style>
+          <a:lnRef idx="2">
+            <a:schemeClr val="accent1"/>
+          </a:lnRef>
+          <a:fillRef idx="0">
+            <a:schemeClr val="accent1"/>
+          </a:fillRef>
+          <a:effectRef idx="1">
+            <a:schemeClr val="accent1"/>
+          </a:effectRef>
+          <a:fontRef idx="minor">
+            <a:schemeClr val="tx1"/>
+          </a:fontRef>
+        </p:style>
+      </p:cxnSp>
+      <p:cxnSp>
+        <p:nvCxnSpPr>
+          <p:cNvPr id="11" name="Straight Connector 10">
+            <a:extLst>
+              <a:ext uri="{FF2B5EF4-FFF2-40B4-BE49-F238E27FC236}">
+                <a16:creationId xmlns:a16="http://schemas.microsoft.com/office/drawing/2014/main" id="{14616A86-2483-9FB6-0839-5685770E43A0}"/>
+              </a:ext>
+            </a:extLst>
+          </p:cNvPr>
+          <p:cNvCxnSpPr>
+            <a:cxnSpLocks/>
+          </p:cNvCxnSpPr>
+          <p:nvPr/>
+        </p:nvCxnSpPr>
+        <p:spPr>
+          <a:xfrm>
+            <a:off x="4312939" y="4617707"/>
+            <a:ext cx="2936661" cy="7896"/>
+          </a:xfrm>
+          <a:prstGeom prst="line">
+            <a:avLst/>
+          </a:prstGeom>
+        </p:spPr>
+        <p:style>
+          <a:lnRef idx="2">
+            <a:schemeClr val="accent1"/>
+          </a:lnRef>
+          <a:fillRef idx="0">
+            <a:schemeClr val="accent1"/>
+          </a:fillRef>
+          <a:effectRef idx="1">
+            <a:schemeClr val="accent1"/>
+          </a:effectRef>
+          <a:fontRef idx="minor">
+            <a:schemeClr val="tx1"/>
+          </a:fontRef>
+        </p:style>
+      </p:cxnSp>
+      <p:cxnSp>
+        <p:nvCxnSpPr>
+          <p:cNvPr id="13" name="Straight Connector 12">
+            <a:extLst>
+              <a:ext uri="{FF2B5EF4-FFF2-40B4-BE49-F238E27FC236}">
+                <a16:creationId xmlns:a16="http://schemas.microsoft.com/office/drawing/2014/main" id="{88E28D24-B096-1C2F-ADF9-4C6AAD96F7D0}"/>
+              </a:ext>
+            </a:extLst>
+          </p:cNvPr>
+          <p:cNvCxnSpPr/>
+          <p:nvPr/>
+        </p:nvCxnSpPr>
+        <p:spPr>
+          <a:xfrm>
+            <a:off x="4312939" y="4617707"/>
+            <a:ext cx="0" cy="1554463"/>
+          </a:xfrm>
+          <a:prstGeom prst="line">
+            <a:avLst/>
+          </a:prstGeom>
+        </p:spPr>
+        <p:style>
+          <a:lnRef idx="2">
+            <a:schemeClr val="accent1"/>
+          </a:lnRef>
+          <a:fillRef idx="0">
+            <a:schemeClr val="accent1"/>
+          </a:fillRef>
+          <a:effectRef idx="1">
+            <a:schemeClr val="accent1"/>
+          </a:effectRef>
+          <a:fontRef idx="minor">
+            <a:schemeClr val="tx1"/>
+          </a:fontRef>
+        </p:style>
+      </p:cxnSp>
+      <p:cxnSp>
+        <p:nvCxnSpPr>
+          <p:cNvPr id="14" name="Straight Connector 13">
+            <a:extLst>
+              <a:ext uri="{FF2B5EF4-FFF2-40B4-BE49-F238E27FC236}">
+                <a16:creationId xmlns:a16="http://schemas.microsoft.com/office/drawing/2014/main" id="{EA1128FC-9057-ACC9-CAED-9BF9BE2FC020}"/>
+              </a:ext>
+            </a:extLst>
+          </p:cNvPr>
+          <p:cNvCxnSpPr/>
+          <p:nvPr/>
+        </p:nvCxnSpPr>
+        <p:spPr>
+          <a:xfrm>
+            <a:off x="4968252" y="4617707"/>
+            <a:ext cx="0" cy="1554463"/>
+          </a:xfrm>
+          <a:prstGeom prst="line">
+            <a:avLst/>
+          </a:prstGeom>
+        </p:spPr>
+        <p:style>
+          <a:lnRef idx="2">
+            <a:schemeClr val="accent1"/>
+          </a:lnRef>
+          <a:fillRef idx="0">
+            <a:schemeClr val="accent1"/>
+          </a:fillRef>
+          <a:effectRef idx="1">
+            <a:schemeClr val="accent1"/>
+          </a:effectRef>
+          <a:fontRef idx="minor">
+            <a:schemeClr val="tx1"/>
+          </a:fontRef>
+        </p:style>
+      </p:cxnSp>
+      <p:cxnSp>
+        <p:nvCxnSpPr>
+          <p:cNvPr id="15" name="Straight Connector 14">
+            <a:extLst>
+              <a:ext uri="{FF2B5EF4-FFF2-40B4-BE49-F238E27FC236}">
+                <a16:creationId xmlns:a16="http://schemas.microsoft.com/office/drawing/2014/main" id="{B47D6792-4A87-85E0-5C88-0092F67A4D40}"/>
+              </a:ext>
+            </a:extLst>
+          </p:cNvPr>
+          <p:cNvCxnSpPr>
+            <a:cxnSpLocks/>
+          </p:cNvCxnSpPr>
+          <p:nvPr/>
+        </p:nvCxnSpPr>
+        <p:spPr>
+          <a:xfrm>
+            <a:off x="6278878" y="4617706"/>
+            <a:ext cx="0" cy="1554463"/>
+          </a:xfrm>
+          <a:prstGeom prst="line">
+            <a:avLst/>
+          </a:prstGeom>
+        </p:spPr>
+        <p:style>
+          <a:lnRef idx="2">
+            <a:schemeClr val="accent1"/>
+          </a:lnRef>
+          <a:fillRef idx="0">
+            <a:schemeClr val="accent1"/>
+          </a:fillRef>
+          <a:effectRef idx="1">
+            <a:schemeClr val="accent1"/>
+          </a:effectRef>
+          <a:fontRef idx="minor">
+            <a:schemeClr val="tx1"/>
+          </a:fontRef>
+        </p:style>
+      </p:cxnSp>
+      <p:cxnSp>
+        <p:nvCxnSpPr>
+          <p:cNvPr id="16" name="Straight Connector 15">
+            <a:extLst>
+              <a:ext uri="{FF2B5EF4-FFF2-40B4-BE49-F238E27FC236}">
+                <a16:creationId xmlns:a16="http://schemas.microsoft.com/office/drawing/2014/main" id="{ED05C2F5-3EBC-BB6B-D41A-F023902DB188}"/>
+              </a:ext>
+            </a:extLst>
+          </p:cNvPr>
+          <p:cNvCxnSpPr/>
+          <p:nvPr/>
+        </p:nvCxnSpPr>
+        <p:spPr>
+          <a:xfrm>
+            <a:off x="5623565" y="4617707"/>
+            <a:ext cx="0" cy="1554463"/>
+          </a:xfrm>
+          <a:prstGeom prst="line">
+            <a:avLst/>
+          </a:prstGeom>
+        </p:spPr>
+        <p:style>
+          <a:lnRef idx="2">
+            <a:schemeClr val="accent1"/>
+          </a:lnRef>
+          <a:fillRef idx="0">
+            <a:schemeClr val="accent1"/>
+          </a:fillRef>
+          <a:effectRef idx="1">
+            <a:schemeClr val="accent1"/>
+          </a:effectRef>
+          <a:fontRef idx="minor">
+            <a:schemeClr val="tx1"/>
+          </a:fontRef>
+        </p:style>
+      </p:cxnSp>
+      <p:sp>
+        <p:nvSpPr>
+          <p:cNvPr id="21" name="TextBox 20">
+            <a:extLst>
+              <a:ext uri="{FF2B5EF4-FFF2-40B4-BE49-F238E27FC236}">
+                <a16:creationId xmlns:a16="http://schemas.microsoft.com/office/drawing/2014/main" id="{A1039EF1-3315-EFCE-7857-A7863D25366E}"/>
               </a:ext>
             </a:extLst>
           </p:cNvPr>
@@ -5993,8 +6374,8 @@
         </p:nvSpPr>
         <p:spPr>
           <a:xfrm>
-            <a:off x="5110690" y="193892"/>
-            <a:ext cx="1614160" cy="307777"/>
+            <a:off x="4502948" y="4627348"/>
+            <a:ext cx="312906" cy="369332"/>
           </a:xfrm>
           <a:prstGeom prst="rect">
             <a:avLst/>
@@ -6008,18 +6389,333 @@
           <a:lstStyle/>
           <a:p>
             <a:r>
-              <a:rPr lang="en-US" sz="1400" dirty="0"/>
-              <a:t>Game Day Scoring</a:t>
-            </a:r>
-          </a:p>
-        </p:txBody>
-      </p:sp>
-      <p:sp>
-        <p:nvSpPr>
-          <p:cNvPr id="4" name="Rectangle 3">
-            <a:extLst>
-              <a:ext uri="{FF2B5EF4-FFF2-40B4-BE49-F238E27FC236}">
-                <a16:creationId xmlns:a16="http://schemas.microsoft.com/office/drawing/2014/main" id="{37AFC29C-C053-BEF2-B4C0-02B76C03E16A}"/>
+              <a:rPr lang="en-US" dirty="0"/>
+              <a:t>1</a:t>
+            </a:r>
+          </a:p>
+        </p:txBody>
+      </p:sp>
+      <p:sp>
+        <p:nvSpPr>
+          <p:cNvPr id="22" name="TextBox 21">
+            <a:extLst>
+              <a:ext uri="{FF2B5EF4-FFF2-40B4-BE49-F238E27FC236}">
+                <a16:creationId xmlns:a16="http://schemas.microsoft.com/office/drawing/2014/main" id="{EEA7E074-6EED-A77F-E394-7E16D6259F63}"/>
+              </a:ext>
+            </a:extLst>
+          </p:cNvPr>
+          <p:cNvSpPr txBox="1"/>
+          <p:nvPr/>
+        </p:nvSpPr>
+        <p:spPr>
+          <a:xfrm>
+            <a:off x="5146585" y="4637247"/>
+            <a:ext cx="312906" cy="369332"/>
+          </a:xfrm>
+          <a:prstGeom prst="rect">
+            <a:avLst/>
+          </a:prstGeom>
+          <a:noFill/>
+        </p:spPr>
+        <p:txBody>
+          <a:bodyPr wrap="none" rtlCol="0">
+            <a:spAutoFit/>
+          </a:bodyPr>
+          <a:lstStyle/>
+          <a:p>
+            <a:r>
+              <a:rPr lang="en-US" dirty="0"/>
+              <a:t>2</a:t>
+            </a:r>
+          </a:p>
+        </p:txBody>
+      </p:sp>
+      <p:sp>
+        <p:nvSpPr>
+          <p:cNvPr id="23" name="TextBox 22">
+            <a:extLst>
+              <a:ext uri="{FF2B5EF4-FFF2-40B4-BE49-F238E27FC236}">
+                <a16:creationId xmlns:a16="http://schemas.microsoft.com/office/drawing/2014/main" id="{BAA60C0C-8464-89F9-62F3-15E8D5086BEF}"/>
+              </a:ext>
+            </a:extLst>
+          </p:cNvPr>
+          <p:cNvSpPr txBox="1"/>
+          <p:nvPr/>
+        </p:nvSpPr>
+        <p:spPr>
+          <a:xfrm>
+            <a:off x="5748272" y="4661640"/>
+            <a:ext cx="312906" cy="369332"/>
+          </a:xfrm>
+          <a:prstGeom prst="rect">
+            <a:avLst/>
+          </a:prstGeom>
+          <a:noFill/>
+        </p:spPr>
+        <p:txBody>
+          <a:bodyPr wrap="none" rtlCol="0">
+            <a:spAutoFit/>
+          </a:bodyPr>
+          <a:lstStyle/>
+          <a:p>
+            <a:r>
+              <a:rPr lang="en-US" dirty="0"/>
+              <a:t>3</a:t>
+            </a:r>
+          </a:p>
+        </p:txBody>
+      </p:sp>
+      <p:sp>
+        <p:nvSpPr>
+          <p:cNvPr id="24" name="TextBox 23">
+            <a:extLst>
+              <a:ext uri="{FF2B5EF4-FFF2-40B4-BE49-F238E27FC236}">
+                <a16:creationId xmlns:a16="http://schemas.microsoft.com/office/drawing/2014/main" id="{122E407E-B373-1FC5-F28D-5BF51B675BEB}"/>
+              </a:ext>
+            </a:extLst>
+          </p:cNvPr>
+          <p:cNvSpPr txBox="1"/>
+          <p:nvPr/>
+        </p:nvSpPr>
+        <p:spPr>
+          <a:xfrm>
+            <a:off x="4502947" y="4981675"/>
+            <a:ext cx="312906" cy="369332"/>
+          </a:xfrm>
+          <a:prstGeom prst="rect">
+            <a:avLst/>
+          </a:prstGeom>
+          <a:noFill/>
+        </p:spPr>
+        <p:txBody>
+          <a:bodyPr wrap="none" rtlCol="0">
+            <a:spAutoFit/>
+          </a:bodyPr>
+          <a:lstStyle/>
+          <a:p>
+            <a:r>
+              <a:rPr lang="en-US" dirty="0"/>
+              <a:t>4</a:t>
+            </a:r>
+          </a:p>
+        </p:txBody>
+      </p:sp>
+      <p:sp>
+        <p:nvSpPr>
+          <p:cNvPr id="25" name="TextBox 24">
+            <a:extLst>
+              <a:ext uri="{FF2B5EF4-FFF2-40B4-BE49-F238E27FC236}">
+                <a16:creationId xmlns:a16="http://schemas.microsoft.com/office/drawing/2014/main" id="{2D436927-012D-6F4A-96CD-A8055D89D28F}"/>
+              </a:ext>
+            </a:extLst>
+          </p:cNvPr>
+          <p:cNvSpPr txBox="1"/>
+          <p:nvPr/>
+        </p:nvSpPr>
+        <p:spPr>
+          <a:xfrm>
+            <a:off x="5154207" y="5008323"/>
+            <a:ext cx="312906" cy="369332"/>
+          </a:xfrm>
+          <a:prstGeom prst="rect">
+            <a:avLst/>
+          </a:prstGeom>
+          <a:noFill/>
+        </p:spPr>
+        <p:txBody>
+          <a:bodyPr wrap="square" rtlCol="0">
+            <a:spAutoFit/>
+          </a:bodyPr>
+          <a:lstStyle/>
+          <a:p>
+            <a:r>
+              <a:rPr lang="en-US" dirty="0"/>
+              <a:t>5</a:t>
+            </a:r>
+          </a:p>
+        </p:txBody>
+      </p:sp>
+      <p:sp>
+        <p:nvSpPr>
+          <p:cNvPr id="26" name="TextBox 25">
+            <a:extLst>
+              <a:ext uri="{FF2B5EF4-FFF2-40B4-BE49-F238E27FC236}">
+                <a16:creationId xmlns:a16="http://schemas.microsoft.com/office/drawing/2014/main" id="{957D512D-BAEF-C178-4E70-8CE8D40D4CE4}"/>
+              </a:ext>
+            </a:extLst>
+          </p:cNvPr>
+          <p:cNvSpPr txBox="1"/>
+          <p:nvPr/>
+        </p:nvSpPr>
+        <p:spPr>
+          <a:xfrm>
+            <a:off x="5748272" y="5019382"/>
+            <a:ext cx="312906" cy="369332"/>
+          </a:xfrm>
+          <a:prstGeom prst="rect">
+            <a:avLst/>
+          </a:prstGeom>
+          <a:noFill/>
+        </p:spPr>
+        <p:txBody>
+          <a:bodyPr wrap="none" rtlCol="0">
+            <a:spAutoFit/>
+          </a:bodyPr>
+          <a:lstStyle/>
+          <a:p>
+            <a:r>
+              <a:rPr lang="en-US" dirty="0"/>
+              <a:t>6</a:t>
+            </a:r>
+          </a:p>
+        </p:txBody>
+      </p:sp>
+      <p:sp>
+        <p:nvSpPr>
+          <p:cNvPr id="27" name="TextBox 26">
+            <a:extLst>
+              <a:ext uri="{FF2B5EF4-FFF2-40B4-BE49-F238E27FC236}">
+                <a16:creationId xmlns:a16="http://schemas.microsoft.com/office/drawing/2014/main" id="{99DDABEC-5508-BD2D-6A8F-335724F86FB5}"/>
+              </a:ext>
+            </a:extLst>
+          </p:cNvPr>
+          <p:cNvSpPr txBox="1"/>
+          <p:nvPr/>
+        </p:nvSpPr>
+        <p:spPr>
+          <a:xfrm>
+            <a:off x="4484143" y="5403946"/>
+            <a:ext cx="312906" cy="369332"/>
+          </a:xfrm>
+          <a:prstGeom prst="rect">
+            <a:avLst/>
+          </a:prstGeom>
+          <a:noFill/>
+        </p:spPr>
+        <p:txBody>
+          <a:bodyPr wrap="none" rtlCol="0">
+            <a:spAutoFit/>
+          </a:bodyPr>
+          <a:lstStyle/>
+          <a:p>
+            <a:r>
+              <a:rPr lang="en-US" dirty="0"/>
+              <a:t>7</a:t>
+            </a:r>
+          </a:p>
+        </p:txBody>
+      </p:sp>
+      <p:sp>
+        <p:nvSpPr>
+          <p:cNvPr id="28" name="TextBox 27">
+            <a:extLst>
+              <a:ext uri="{FF2B5EF4-FFF2-40B4-BE49-F238E27FC236}">
+                <a16:creationId xmlns:a16="http://schemas.microsoft.com/office/drawing/2014/main" id="{D8F7D825-AD2D-7951-FC92-D8324127DC25}"/>
+              </a:ext>
+            </a:extLst>
+          </p:cNvPr>
+          <p:cNvSpPr txBox="1"/>
+          <p:nvPr/>
+        </p:nvSpPr>
+        <p:spPr>
+          <a:xfrm>
+            <a:off x="5132327" y="5387295"/>
+            <a:ext cx="312906" cy="369332"/>
+          </a:xfrm>
+          <a:prstGeom prst="rect">
+            <a:avLst/>
+          </a:prstGeom>
+          <a:noFill/>
+        </p:spPr>
+        <p:txBody>
+          <a:bodyPr wrap="none" rtlCol="0">
+            <a:spAutoFit/>
+          </a:bodyPr>
+          <a:lstStyle/>
+          <a:p>
+            <a:r>
+              <a:rPr lang="en-US" dirty="0"/>
+              <a:t>8</a:t>
+            </a:r>
+          </a:p>
+        </p:txBody>
+      </p:sp>
+      <p:sp>
+        <p:nvSpPr>
+          <p:cNvPr id="29" name="TextBox 28">
+            <a:extLst>
+              <a:ext uri="{FF2B5EF4-FFF2-40B4-BE49-F238E27FC236}">
+                <a16:creationId xmlns:a16="http://schemas.microsoft.com/office/drawing/2014/main" id="{C38DAB0C-4365-367B-252D-8BC6630FA8CB}"/>
+              </a:ext>
+            </a:extLst>
+          </p:cNvPr>
+          <p:cNvSpPr txBox="1"/>
+          <p:nvPr/>
+        </p:nvSpPr>
+        <p:spPr>
+          <a:xfrm>
+            <a:off x="5756670" y="5398926"/>
+            <a:ext cx="312906" cy="369332"/>
+          </a:xfrm>
+          <a:prstGeom prst="rect">
+            <a:avLst/>
+          </a:prstGeom>
+          <a:noFill/>
+        </p:spPr>
+        <p:txBody>
+          <a:bodyPr wrap="none" rtlCol="0">
+            <a:spAutoFit/>
+          </a:bodyPr>
+          <a:lstStyle/>
+          <a:p>
+            <a:r>
+              <a:rPr lang="en-US" dirty="0"/>
+              <a:t>9</a:t>
+            </a:r>
+          </a:p>
+        </p:txBody>
+      </p:sp>
+      <p:sp>
+        <p:nvSpPr>
+          <p:cNvPr id="30" name="TextBox 29">
+            <a:extLst>
+              <a:ext uri="{FF2B5EF4-FFF2-40B4-BE49-F238E27FC236}">
+                <a16:creationId xmlns:a16="http://schemas.microsoft.com/office/drawing/2014/main" id="{53D91D17-5D25-20B8-7500-7147BD9D54EC}"/>
+              </a:ext>
+            </a:extLst>
+          </p:cNvPr>
+          <p:cNvSpPr txBox="1"/>
+          <p:nvPr/>
+        </p:nvSpPr>
+        <p:spPr>
+          <a:xfrm>
+            <a:off x="5146585" y="5780035"/>
+            <a:ext cx="312906" cy="369332"/>
+          </a:xfrm>
+          <a:prstGeom prst="rect">
+            <a:avLst/>
+          </a:prstGeom>
+          <a:noFill/>
+        </p:spPr>
+        <p:txBody>
+          <a:bodyPr wrap="none" rtlCol="0">
+            <a:spAutoFit/>
+          </a:bodyPr>
+          <a:lstStyle/>
+          <a:p>
+            <a:r>
+              <a:rPr lang="en-US" dirty="0"/>
+              <a:t>0</a:t>
+            </a:r>
+          </a:p>
+        </p:txBody>
+      </p:sp>
+      <p:sp>
+        <p:nvSpPr>
+          <p:cNvPr id="35" name="Rectangle 34">
+            <a:extLst>
+              <a:ext uri="{FF2B5EF4-FFF2-40B4-BE49-F238E27FC236}">
+                <a16:creationId xmlns:a16="http://schemas.microsoft.com/office/drawing/2014/main" id="{86019BCD-EB22-7ED3-C880-5B931ACF8A0E}"/>
               </a:ext>
             </a:extLst>
           </p:cNvPr>
@@ -6028,122 +6724,8 @@
         </p:nvSpPr>
         <p:spPr>
           <a:xfrm>
-            <a:off x="1000346" y="3677080"/>
-            <a:ext cx="1158844" cy="1222217"/>
-          </a:xfrm>
-          <a:prstGeom prst="rect">
-            <a:avLst/>
-          </a:prstGeom>
-        </p:spPr>
-        <p:style>
-          <a:lnRef idx="2">
-            <a:schemeClr val="accent2">
-              <a:shade val="15000"/>
-            </a:schemeClr>
-          </a:lnRef>
-          <a:fillRef idx="1">
-            <a:schemeClr val="accent2"/>
-          </a:fillRef>
-          <a:effectRef idx="0">
-            <a:schemeClr val="accent2"/>
-          </a:effectRef>
-          <a:fontRef idx="minor">
-            <a:schemeClr val="lt1"/>
-          </a:fontRef>
-        </p:style>
-        <p:txBody>
-          <a:bodyPr rtlCol="0" anchor="ctr"/>
-          <a:lstStyle/>
-          <a:p>
-            <a:r>
-              <a:rPr lang="en-US" sz="1200" dirty="0" err="1">
-                <a:solidFill>
-                  <a:schemeClr val="bg1"/>
-                </a:solidFill>
-                <a:effectLst/>
-                <a:latin typeface="JetBrains Mono"/>
-              </a:rPr>
-              <a:t>FK_Rec_ID</a:t>
-            </a:r>
-            <a:endParaRPr lang="en-US" sz="1200" dirty="0">
-              <a:solidFill>
-                <a:schemeClr val="bg1"/>
-              </a:solidFill>
-              <a:effectLst/>
-              <a:latin typeface="JetBrains Mono"/>
-            </a:endParaRPr>
-          </a:p>
-          <a:p>
-            <a:r>
-              <a:rPr lang="en-US" sz="1200" dirty="0">
-                <a:solidFill>
-                  <a:schemeClr val="bg1"/>
-                </a:solidFill>
-                <a:effectLst/>
-                <a:latin typeface="JetBrains Mono"/>
-              </a:rPr>
-              <a:t>Player Record</a:t>
-            </a:r>
-          </a:p>
-          <a:p>
-            <a:r>
-              <a:rPr lang="en-US" sz="1200" dirty="0">
-                <a:solidFill>
-                  <a:schemeClr val="bg1"/>
-                </a:solidFill>
-                <a:latin typeface="JetBrains Mono"/>
-              </a:rPr>
-              <a:t>Name</a:t>
-            </a:r>
-          </a:p>
-          <a:p>
-            <a:r>
-              <a:rPr lang="en-US" sz="1200" dirty="0">
-                <a:solidFill>
-                  <a:schemeClr val="bg1"/>
-                </a:solidFill>
-                <a:effectLst/>
-                <a:latin typeface="JetBrains Mono"/>
-              </a:rPr>
-              <a:t>Hdcp</a:t>
-            </a:r>
-          </a:p>
-          <a:p>
-            <a:r>
-              <a:rPr lang="en-US" sz="1200" dirty="0">
-                <a:solidFill>
-                  <a:schemeClr val="bg1"/>
-                </a:solidFill>
-                <a:latin typeface="JetBrains Mono"/>
-              </a:rPr>
-              <a:t>Score[18]</a:t>
-            </a:r>
-            <a:endParaRPr lang="en-US" sz="1200" dirty="0">
-              <a:solidFill>
-                <a:schemeClr val="bg1"/>
-              </a:solidFill>
-              <a:effectLst/>
-              <a:latin typeface="JetBrains Mono"/>
-            </a:endParaRPr>
-          </a:p>
-        </p:txBody>
-      </p:sp>
-      <p:sp>
-        <p:nvSpPr>
-          <p:cNvPr id="5" name="Rectangle 4">
-            <a:extLst>
-              <a:ext uri="{FF2B5EF4-FFF2-40B4-BE49-F238E27FC236}">
-                <a16:creationId xmlns:a16="http://schemas.microsoft.com/office/drawing/2014/main" id="{97800004-5BEB-ABCA-5D53-A4A6A14CAA9D}"/>
-              </a:ext>
-            </a:extLst>
-          </p:cNvPr>
-          <p:cNvSpPr/>
-          <p:nvPr/>
-        </p:nvSpPr>
-        <p:spPr>
-          <a:xfrm>
-            <a:off x="2783216" y="774056"/>
-            <a:ext cx="2331992" cy="2050473"/>
+            <a:off x="3999002" y="1942418"/>
+            <a:ext cx="1749269" cy="365756"/>
           </a:xfrm>
           <a:prstGeom prst="rect">
             <a:avLst/>
@@ -6171,120 +6753,650 @@
           <a:p>
             <a:pPr algn="ctr"/>
             <a:r>
-              <a:rPr lang="en-US" sz="1200" dirty="0">
-                <a:solidFill>
-                  <a:schemeClr val="bg1"/>
-                </a:solidFill>
-                <a:effectLst/>
-                <a:latin typeface="JetBrains Mono"/>
-              </a:rPr>
-              <a:t>Score Card Record</a:t>
-            </a:r>
-          </a:p>
-          <a:p>
-            <a:r>
-              <a:rPr lang="en-US" sz="1200" dirty="0" err="1"/>
-              <a:t>Rec_Id</a:t>
-            </a:r>
-            <a:endParaRPr lang="en-US" sz="1200">
-              <a:solidFill>
-                <a:schemeClr val="bg1"/>
-              </a:solidFill>
-              <a:effectLst/>
-              <a:latin typeface="JetBrains Mono"/>
-            </a:endParaRPr>
-          </a:p>
-          <a:p>
-            <a:r>
-              <a:rPr lang="en-US" sz="1200">
-                <a:solidFill>
-                  <a:schemeClr val="bg1"/>
-                </a:solidFill>
-                <a:latin typeface="JetBrains Mono"/>
-              </a:rPr>
-              <a:t>Course </a:t>
-            </a:r>
-            <a:r>
-              <a:rPr lang="en-US" sz="1200" dirty="0">
-                <a:solidFill>
-                  <a:schemeClr val="bg1"/>
-                </a:solidFill>
-                <a:latin typeface="JetBrains Mono"/>
-              </a:rPr>
-              <a:t>Name</a:t>
-            </a:r>
-          </a:p>
-          <a:p>
-            <a:r>
-              <a:rPr lang="en-US" sz="1200" dirty="0">
-                <a:solidFill>
-                  <a:schemeClr val="bg1"/>
-                </a:solidFill>
-                <a:effectLst/>
-                <a:latin typeface="JetBrains Mono"/>
-              </a:rPr>
+              <a:rPr lang="en-US" sz="1200" dirty="0"/>
+              <a:t>Hdcp – XX  Player 1</a:t>
+            </a:r>
+          </a:p>
+        </p:txBody>
+      </p:sp>
+      <p:sp>
+        <p:nvSpPr>
+          <p:cNvPr id="37" name="Rectangle 36">
+            <a:extLst>
+              <a:ext uri="{FF2B5EF4-FFF2-40B4-BE49-F238E27FC236}">
+                <a16:creationId xmlns:a16="http://schemas.microsoft.com/office/drawing/2014/main" id="{60739499-F2B1-2E46-B5F8-11EAC4B6E1B8}"/>
+              </a:ext>
+            </a:extLst>
+          </p:cNvPr>
+          <p:cNvSpPr/>
+          <p:nvPr/>
+        </p:nvSpPr>
+        <p:spPr>
+          <a:xfrm>
+            <a:off x="3999002" y="2559864"/>
+            <a:ext cx="1749269" cy="365756"/>
+          </a:xfrm>
+          <a:prstGeom prst="rect">
+            <a:avLst/>
+          </a:prstGeom>
+        </p:spPr>
+        <p:style>
+          <a:lnRef idx="2">
+            <a:schemeClr val="accent1">
+              <a:shade val="15000"/>
+            </a:schemeClr>
+          </a:lnRef>
+          <a:fillRef idx="1">
+            <a:schemeClr val="accent1"/>
+          </a:fillRef>
+          <a:effectRef idx="0">
+            <a:schemeClr val="accent1"/>
+          </a:effectRef>
+          <a:fontRef idx="minor">
+            <a:schemeClr val="lt1"/>
+          </a:fontRef>
+        </p:style>
+        <p:txBody>
+          <a:bodyPr rtlCol="0" anchor="ctr"/>
+          <a:lstStyle/>
+          <a:p>
+            <a:pPr algn="ctr"/>
+            <a:r>
+              <a:rPr lang="en-US" sz="1200" dirty="0"/>
+              <a:t>Hdcp – XX  Player 1</a:t>
+            </a:r>
+          </a:p>
+        </p:txBody>
+      </p:sp>
+      <p:sp>
+        <p:nvSpPr>
+          <p:cNvPr id="38" name="Rectangle 37">
+            <a:extLst>
+              <a:ext uri="{FF2B5EF4-FFF2-40B4-BE49-F238E27FC236}">
+                <a16:creationId xmlns:a16="http://schemas.microsoft.com/office/drawing/2014/main" id="{8233DADC-1789-8FF1-5D2B-A5FBEE47707D}"/>
+              </a:ext>
+            </a:extLst>
+          </p:cNvPr>
+          <p:cNvSpPr/>
+          <p:nvPr/>
+        </p:nvSpPr>
+        <p:spPr>
+          <a:xfrm>
+            <a:off x="3999002" y="3177310"/>
+            <a:ext cx="1749269" cy="365756"/>
+          </a:xfrm>
+          <a:prstGeom prst="rect">
+            <a:avLst/>
+          </a:prstGeom>
+        </p:spPr>
+        <p:style>
+          <a:lnRef idx="2">
+            <a:schemeClr val="accent1">
+              <a:shade val="15000"/>
+            </a:schemeClr>
+          </a:lnRef>
+          <a:fillRef idx="1">
+            <a:schemeClr val="accent1"/>
+          </a:fillRef>
+          <a:effectRef idx="0">
+            <a:schemeClr val="accent1"/>
+          </a:effectRef>
+          <a:fontRef idx="minor">
+            <a:schemeClr val="lt1"/>
+          </a:fontRef>
+        </p:style>
+        <p:txBody>
+          <a:bodyPr rtlCol="0" anchor="ctr"/>
+          <a:lstStyle/>
+          <a:p>
+            <a:pPr algn="ctr"/>
+            <a:r>
+              <a:rPr lang="en-US" sz="1200" dirty="0"/>
+              <a:t>Hdcp – XX  Player 1</a:t>
+            </a:r>
+          </a:p>
+        </p:txBody>
+      </p:sp>
+      <p:sp>
+        <p:nvSpPr>
+          <p:cNvPr id="39" name="Rectangle 38">
+            <a:extLst>
+              <a:ext uri="{FF2B5EF4-FFF2-40B4-BE49-F238E27FC236}">
+                <a16:creationId xmlns:a16="http://schemas.microsoft.com/office/drawing/2014/main" id="{22857A8A-A740-96B2-B22D-CF48BBDF02B2}"/>
+              </a:ext>
+            </a:extLst>
+          </p:cNvPr>
+          <p:cNvSpPr/>
+          <p:nvPr/>
+        </p:nvSpPr>
+        <p:spPr>
+          <a:xfrm>
+            <a:off x="3999002" y="3794756"/>
+            <a:ext cx="1749269" cy="365756"/>
+          </a:xfrm>
+          <a:prstGeom prst="rect">
+            <a:avLst/>
+          </a:prstGeom>
+        </p:spPr>
+        <p:style>
+          <a:lnRef idx="2">
+            <a:schemeClr val="accent1">
+              <a:shade val="15000"/>
+            </a:schemeClr>
+          </a:lnRef>
+          <a:fillRef idx="1">
+            <a:schemeClr val="accent1"/>
+          </a:fillRef>
+          <a:effectRef idx="0">
+            <a:schemeClr val="accent1"/>
+          </a:effectRef>
+          <a:fontRef idx="minor">
+            <a:schemeClr val="lt1"/>
+          </a:fontRef>
+        </p:style>
+        <p:txBody>
+          <a:bodyPr rtlCol="0" anchor="ctr"/>
+          <a:lstStyle/>
+          <a:p>
+            <a:pPr algn="ctr"/>
+            <a:r>
+              <a:rPr lang="en-US" sz="1200" dirty="0"/>
+              <a:t>Hdcp – XX  Player 1</a:t>
+            </a:r>
+          </a:p>
+        </p:txBody>
+      </p:sp>
+      <p:sp>
+        <p:nvSpPr>
+          <p:cNvPr id="40" name="Rectangle: Rounded Corners 39">
+            <a:extLst>
+              <a:ext uri="{FF2B5EF4-FFF2-40B4-BE49-F238E27FC236}">
+                <a16:creationId xmlns:a16="http://schemas.microsoft.com/office/drawing/2014/main" id="{84BF0360-1F61-3EAE-0433-45E77DEC2C8F}"/>
+              </a:ext>
+            </a:extLst>
+          </p:cNvPr>
+          <p:cNvSpPr/>
+          <p:nvPr/>
+        </p:nvSpPr>
+        <p:spPr>
+          <a:xfrm>
+            <a:off x="6355931" y="1942418"/>
+            <a:ext cx="731512" cy="365756"/>
+          </a:xfrm>
+          <a:prstGeom prst="roundRect">
+            <a:avLst/>
+          </a:prstGeom>
+        </p:spPr>
+        <p:style>
+          <a:lnRef idx="2">
+            <a:schemeClr val="accent1">
+              <a:shade val="15000"/>
+            </a:schemeClr>
+          </a:lnRef>
+          <a:fillRef idx="1">
+            <a:schemeClr val="accent1"/>
+          </a:fillRef>
+          <a:effectRef idx="0">
+            <a:schemeClr val="accent1"/>
+          </a:effectRef>
+          <a:fontRef idx="minor">
+            <a:schemeClr val="lt1"/>
+          </a:fontRef>
+        </p:style>
+        <p:txBody>
+          <a:bodyPr rtlCol="0" anchor="ctr"/>
+          <a:lstStyle/>
+          <a:p>
+            <a:pPr algn="ctr"/>
+            <a:r>
+              <a:rPr lang="en-US" sz="1200" dirty="0"/>
+              <a:t>Score</a:t>
+            </a:r>
+          </a:p>
+        </p:txBody>
+      </p:sp>
+      <p:sp>
+        <p:nvSpPr>
+          <p:cNvPr id="41" name="Rectangle: Rounded Corners 40">
+            <a:extLst>
+              <a:ext uri="{FF2B5EF4-FFF2-40B4-BE49-F238E27FC236}">
+                <a16:creationId xmlns:a16="http://schemas.microsoft.com/office/drawing/2014/main" id="{95308C27-F697-B658-1838-A4AF8DFBBFA5}"/>
+              </a:ext>
+            </a:extLst>
+          </p:cNvPr>
+          <p:cNvSpPr/>
+          <p:nvPr/>
+        </p:nvSpPr>
+        <p:spPr>
+          <a:xfrm>
+            <a:off x="6338773" y="2559864"/>
+            <a:ext cx="731512" cy="365756"/>
+          </a:xfrm>
+          <a:prstGeom prst="roundRect">
+            <a:avLst/>
+          </a:prstGeom>
+        </p:spPr>
+        <p:style>
+          <a:lnRef idx="2">
+            <a:schemeClr val="accent1">
+              <a:shade val="15000"/>
+            </a:schemeClr>
+          </a:lnRef>
+          <a:fillRef idx="1">
+            <a:schemeClr val="accent1"/>
+          </a:fillRef>
+          <a:effectRef idx="0">
+            <a:schemeClr val="accent1"/>
+          </a:effectRef>
+          <a:fontRef idx="minor">
+            <a:schemeClr val="lt1"/>
+          </a:fontRef>
+        </p:style>
+        <p:txBody>
+          <a:bodyPr rtlCol="0" anchor="ctr"/>
+          <a:lstStyle/>
+          <a:p>
+            <a:pPr algn="ctr"/>
+            <a:r>
+              <a:rPr lang="en-US" sz="1200" dirty="0"/>
+              <a:t>Score</a:t>
+            </a:r>
+          </a:p>
+        </p:txBody>
+      </p:sp>
+      <p:sp>
+        <p:nvSpPr>
+          <p:cNvPr id="42" name="Rectangle: Rounded Corners 41">
+            <a:extLst>
+              <a:ext uri="{FF2B5EF4-FFF2-40B4-BE49-F238E27FC236}">
+                <a16:creationId xmlns:a16="http://schemas.microsoft.com/office/drawing/2014/main" id="{9A647BB1-6BC9-7CE3-9007-D2C8BAFFE7CB}"/>
+              </a:ext>
+            </a:extLst>
+          </p:cNvPr>
+          <p:cNvSpPr/>
+          <p:nvPr/>
+        </p:nvSpPr>
+        <p:spPr>
+          <a:xfrm>
+            <a:off x="6338773" y="3177310"/>
+            <a:ext cx="731512" cy="365756"/>
+          </a:xfrm>
+          <a:prstGeom prst="roundRect">
+            <a:avLst/>
+          </a:prstGeom>
+        </p:spPr>
+        <p:style>
+          <a:lnRef idx="2">
+            <a:schemeClr val="accent1">
+              <a:shade val="15000"/>
+            </a:schemeClr>
+          </a:lnRef>
+          <a:fillRef idx="1">
+            <a:schemeClr val="accent1"/>
+          </a:fillRef>
+          <a:effectRef idx="0">
+            <a:schemeClr val="accent1"/>
+          </a:effectRef>
+          <a:fontRef idx="minor">
+            <a:schemeClr val="lt1"/>
+          </a:fontRef>
+        </p:style>
+        <p:txBody>
+          <a:bodyPr rtlCol="0" anchor="ctr"/>
+          <a:lstStyle/>
+          <a:p>
+            <a:pPr algn="ctr"/>
+            <a:r>
+              <a:rPr lang="en-US" sz="1200" dirty="0"/>
+              <a:t>Score</a:t>
+            </a:r>
+          </a:p>
+        </p:txBody>
+      </p:sp>
+      <p:sp>
+        <p:nvSpPr>
+          <p:cNvPr id="43" name="Rectangle: Rounded Corners 42">
+            <a:extLst>
+              <a:ext uri="{FF2B5EF4-FFF2-40B4-BE49-F238E27FC236}">
+                <a16:creationId xmlns:a16="http://schemas.microsoft.com/office/drawing/2014/main" id="{F6A2385E-8392-4AB1-C493-6D88F9D9440D}"/>
+              </a:ext>
+            </a:extLst>
+          </p:cNvPr>
+          <p:cNvSpPr/>
+          <p:nvPr/>
+        </p:nvSpPr>
+        <p:spPr>
+          <a:xfrm>
+            <a:off x="6338773" y="3794756"/>
+            <a:ext cx="731512" cy="365756"/>
+          </a:xfrm>
+          <a:prstGeom prst="roundRect">
+            <a:avLst/>
+          </a:prstGeom>
+        </p:spPr>
+        <p:style>
+          <a:lnRef idx="2">
+            <a:schemeClr val="accent1">
+              <a:shade val="15000"/>
+            </a:schemeClr>
+          </a:lnRef>
+          <a:fillRef idx="1">
+            <a:schemeClr val="accent1"/>
+          </a:fillRef>
+          <a:effectRef idx="0">
+            <a:schemeClr val="accent1"/>
+          </a:effectRef>
+          <a:fontRef idx="minor">
+            <a:schemeClr val="lt1"/>
+          </a:fontRef>
+        </p:style>
+        <p:txBody>
+          <a:bodyPr rtlCol="0" anchor="ctr"/>
+          <a:lstStyle/>
+          <a:p>
+            <a:pPr algn="ctr"/>
+            <a:r>
+              <a:rPr lang="en-US" sz="1200" dirty="0"/>
+              <a:t>Score</a:t>
+            </a:r>
+          </a:p>
+        </p:txBody>
+      </p:sp>
+      <p:sp>
+        <p:nvSpPr>
+          <p:cNvPr id="44" name="TextBox 43">
+            <a:extLst>
+              <a:ext uri="{FF2B5EF4-FFF2-40B4-BE49-F238E27FC236}">
+                <a16:creationId xmlns:a16="http://schemas.microsoft.com/office/drawing/2014/main" id="{0A3B8D9D-7AD5-823D-BE81-6D53EF7B9196}"/>
+              </a:ext>
+            </a:extLst>
+          </p:cNvPr>
+          <p:cNvSpPr txBox="1"/>
+          <p:nvPr/>
+        </p:nvSpPr>
+        <p:spPr>
+          <a:xfrm>
+            <a:off x="6338773" y="5810813"/>
+            <a:ext cx="641522" cy="338554"/>
+          </a:xfrm>
+          <a:prstGeom prst="rect">
+            <a:avLst/>
+          </a:prstGeom>
+          <a:noFill/>
+        </p:spPr>
+        <p:txBody>
+          <a:bodyPr wrap="none" rtlCol="0">
+            <a:spAutoFit/>
+          </a:bodyPr>
+          <a:lstStyle/>
+          <a:p>
+            <a:r>
+              <a:rPr lang="en-US" sz="1600" dirty="0"/>
+              <a:t>Save</a:t>
+            </a:r>
+          </a:p>
+        </p:txBody>
+      </p:sp>
+      <p:sp>
+        <p:nvSpPr>
+          <p:cNvPr id="45" name="TextBox 44">
+            <a:extLst>
+              <a:ext uri="{FF2B5EF4-FFF2-40B4-BE49-F238E27FC236}">
+                <a16:creationId xmlns:a16="http://schemas.microsoft.com/office/drawing/2014/main" id="{77916862-A6E4-0D17-F17D-F7860CAD3459}"/>
+              </a:ext>
+            </a:extLst>
+          </p:cNvPr>
+          <p:cNvSpPr txBox="1"/>
+          <p:nvPr/>
+        </p:nvSpPr>
+        <p:spPr>
+          <a:xfrm>
+            <a:off x="4295184" y="5833616"/>
+            <a:ext cx="704039" cy="338554"/>
+          </a:xfrm>
+          <a:prstGeom prst="rect">
+            <a:avLst/>
+          </a:prstGeom>
+          <a:noFill/>
+        </p:spPr>
+        <p:txBody>
+          <a:bodyPr wrap="none" rtlCol="0">
+            <a:spAutoFit/>
+          </a:bodyPr>
+          <a:lstStyle/>
+          <a:p>
+            <a:r>
+              <a:rPr lang="en-US" sz="1600" dirty="0"/>
+              <a:t>Clear</a:t>
+            </a:r>
+          </a:p>
+        </p:txBody>
+      </p:sp>
+      <p:sp>
+        <p:nvSpPr>
+          <p:cNvPr id="46" name="Rectangle 45">
+            <a:extLst>
+              <a:ext uri="{FF2B5EF4-FFF2-40B4-BE49-F238E27FC236}">
+                <a16:creationId xmlns:a16="http://schemas.microsoft.com/office/drawing/2014/main" id="{307AEDDA-946D-2EDA-711A-465C19FBCA20}"/>
+              </a:ext>
+            </a:extLst>
+          </p:cNvPr>
+          <p:cNvSpPr/>
+          <p:nvPr/>
+        </p:nvSpPr>
+        <p:spPr>
+          <a:xfrm>
+            <a:off x="3999002" y="960147"/>
+            <a:ext cx="1182608" cy="365290"/>
+          </a:xfrm>
+          <a:prstGeom prst="rect">
+            <a:avLst/>
+          </a:prstGeom>
+        </p:spPr>
+        <p:style>
+          <a:lnRef idx="2">
+            <a:schemeClr val="accent1">
+              <a:shade val="15000"/>
+            </a:schemeClr>
+          </a:lnRef>
+          <a:fillRef idx="1">
+            <a:schemeClr val="accent1"/>
+          </a:fillRef>
+          <a:effectRef idx="0">
+            <a:schemeClr val="accent1"/>
+          </a:effectRef>
+          <a:fontRef idx="minor">
+            <a:schemeClr val="lt1"/>
+          </a:fontRef>
+        </p:style>
+        <p:txBody>
+          <a:bodyPr rtlCol="0" anchor="ctr"/>
+          <a:lstStyle/>
+          <a:p>
+            <a:pPr algn="ctr"/>
+            <a:r>
+              <a:rPr lang="en-US" sz="1200" dirty="0"/>
               <a:t>Current Hole</a:t>
             </a:r>
           </a:p>
-          <a:p>
-            <a:r>
-              <a:rPr lang="en-US" sz="1200" dirty="0"/>
-              <a:t>Par – Byte[18]</a:t>
-            </a:r>
-          </a:p>
-          <a:p>
-            <a:r>
-              <a:rPr lang="en-US" sz="1200" dirty="0"/>
-              <a:t>Hdcp – Byte[18]</a:t>
-            </a:r>
-          </a:p>
-          <a:p>
-            <a:r>
-              <a:rPr lang="en-US" sz="1200" dirty="0">
-                <a:solidFill>
-                  <a:schemeClr val="bg1"/>
-                </a:solidFill>
-                <a:latin typeface="JetBrains Mono"/>
-              </a:rPr>
-              <a:t>Player Record[n] 1 to many</a:t>
-            </a:r>
-            <a:endParaRPr lang="en-US" sz="1200" dirty="0">
-              <a:solidFill>
-                <a:schemeClr val="bg1"/>
-              </a:solidFill>
-              <a:effectLst/>
-              <a:latin typeface="JetBrains Mono"/>
-            </a:endParaRPr>
+        </p:txBody>
+      </p:sp>
+      <p:sp>
+        <p:nvSpPr>
+          <p:cNvPr id="47" name="Rectangle: Rounded Corners 46">
+            <a:extLst>
+              <a:ext uri="{FF2B5EF4-FFF2-40B4-BE49-F238E27FC236}">
+                <a16:creationId xmlns:a16="http://schemas.microsoft.com/office/drawing/2014/main" id="{8722E696-3311-D4B3-609A-B5C7D143FDF7}"/>
+              </a:ext>
+            </a:extLst>
+          </p:cNvPr>
+          <p:cNvSpPr/>
+          <p:nvPr/>
+        </p:nvSpPr>
+        <p:spPr>
+          <a:xfrm>
+            <a:off x="6355931" y="982048"/>
+            <a:ext cx="837337" cy="343389"/>
+          </a:xfrm>
+          <a:prstGeom prst="roundRect">
+            <a:avLst/>
+          </a:prstGeom>
+        </p:spPr>
+        <p:style>
+          <a:lnRef idx="2">
+            <a:schemeClr val="accent1">
+              <a:shade val="15000"/>
+            </a:schemeClr>
+          </a:lnRef>
+          <a:fillRef idx="1">
+            <a:schemeClr val="accent1"/>
+          </a:fillRef>
+          <a:effectRef idx="0">
+            <a:schemeClr val="accent1"/>
+          </a:effectRef>
+          <a:fontRef idx="minor">
+            <a:schemeClr val="lt1"/>
+          </a:fontRef>
+        </p:style>
+        <p:txBody>
+          <a:bodyPr rtlCol="0" anchor="ctr"/>
+          <a:lstStyle/>
+          <a:p>
+            <a:pPr algn="ctr"/>
+            <a:r>
+              <a:rPr lang="en-US" sz="1400" dirty="0"/>
+              <a:t>Hole #</a:t>
+            </a:r>
+          </a:p>
+        </p:txBody>
+      </p:sp>
+      <p:sp>
+        <p:nvSpPr>
+          <p:cNvPr id="2" name="TextBox 1">
+            <a:extLst>
+              <a:ext uri="{FF2B5EF4-FFF2-40B4-BE49-F238E27FC236}">
+                <a16:creationId xmlns:a16="http://schemas.microsoft.com/office/drawing/2014/main" id="{2F54D212-97F7-CFCC-F9A7-C9211CA5A386}"/>
+              </a:ext>
+            </a:extLst>
+          </p:cNvPr>
+          <p:cNvSpPr txBox="1"/>
+          <p:nvPr/>
+        </p:nvSpPr>
+        <p:spPr>
+          <a:xfrm>
+            <a:off x="5083114" y="452699"/>
+            <a:ext cx="1446230" cy="369332"/>
+          </a:xfrm>
+          <a:prstGeom prst="rect">
+            <a:avLst/>
+          </a:prstGeom>
+          <a:noFill/>
+        </p:spPr>
+        <p:txBody>
+          <a:bodyPr wrap="none" rtlCol="0">
+            <a:spAutoFit/>
+          </a:bodyPr>
+          <a:lstStyle/>
+          <a:p>
+            <a:r>
+              <a:rPr lang="en-US" dirty="0"/>
+              <a:t>Enter Score</a:t>
+            </a:r>
+          </a:p>
+        </p:txBody>
+      </p:sp>
+      <p:sp>
+        <p:nvSpPr>
+          <p:cNvPr id="48" name="TextBox 47">
+            <a:extLst>
+              <a:ext uri="{FF2B5EF4-FFF2-40B4-BE49-F238E27FC236}">
+                <a16:creationId xmlns:a16="http://schemas.microsoft.com/office/drawing/2014/main" id="{22586C0D-3E9B-41CA-7C43-F8A62DC4CF4C}"/>
+              </a:ext>
+            </a:extLst>
+          </p:cNvPr>
+          <p:cNvSpPr txBox="1"/>
+          <p:nvPr/>
+        </p:nvSpPr>
+        <p:spPr>
+          <a:xfrm>
+            <a:off x="6338773" y="4640511"/>
+            <a:ext cx="829073" cy="338554"/>
+          </a:xfrm>
+          <a:prstGeom prst="rect">
+            <a:avLst/>
+          </a:prstGeom>
+          <a:noFill/>
+        </p:spPr>
+        <p:txBody>
+          <a:bodyPr wrap="none" rtlCol="0">
+            <a:spAutoFit/>
+          </a:bodyPr>
+          <a:lstStyle/>
+          <a:p>
+            <a:r>
+              <a:rPr lang="en-US" sz="1600" dirty="0"/>
+              <a:t>Cancel</a:t>
+            </a:r>
+          </a:p>
+        </p:txBody>
+      </p:sp>
+      <p:sp>
+        <p:nvSpPr>
+          <p:cNvPr id="49" name="TextBox 48">
+            <a:extLst>
+              <a:ext uri="{FF2B5EF4-FFF2-40B4-BE49-F238E27FC236}">
+                <a16:creationId xmlns:a16="http://schemas.microsoft.com/office/drawing/2014/main" id="{A1935A63-E271-6928-78FE-F5A5A45E1FAA}"/>
+              </a:ext>
+            </a:extLst>
+          </p:cNvPr>
+          <p:cNvSpPr txBox="1"/>
+          <p:nvPr/>
+        </p:nvSpPr>
+        <p:spPr>
+          <a:xfrm>
+            <a:off x="5623564" y="5833616"/>
+            <a:ext cx="659155" cy="338554"/>
+          </a:xfrm>
+          <a:prstGeom prst="rect">
+            <a:avLst/>
+          </a:prstGeom>
+          <a:noFill/>
+        </p:spPr>
+        <p:txBody>
+          <a:bodyPr wrap="none" rtlCol="0">
+            <a:spAutoFit/>
+          </a:bodyPr>
+          <a:lstStyle/>
+          <a:p>
+            <a:r>
+              <a:rPr lang="en-US" sz="1600" dirty="0"/>
+              <a:t>Back</a:t>
+            </a:r>
           </a:p>
         </p:txBody>
       </p:sp>
       <p:cxnSp>
         <p:nvCxnSpPr>
-          <p:cNvPr id="10" name="Connector: Elbow 9">
-            <a:extLst>
-              <a:ext uri="{FF2B5EF4-FFF2-40B4-BE49-F238E27FC236}">
-                <a16:creationId xmlns:a16="http://schemas.microsoft.com/office/drawing/2014/main" id="{769BDBAE-0028-BC58-88A5-F7F6665A7683}"/>
+          <p:cNvPr id="50" name="Straight Connector 49">
+            <a:extLst>
+              <a:ext uri="{FF2B5EF4-FFF2-40B4-BE49-F238E27FC236}">
+                <a16:creationId xmlns:a16="http://schemas.microsoft.com/office/drawing/2014/main" id="{C6DE623F-CE5A-682E-208C-B749D24C83FB}"/>
               </a:ext>
             </a:extLst>
           </p:cNvPr>
           <p:cNvCxnSpPr>
             <a:cxnSpLocks/>
-            <a:stCxn id="5" idx="2"/>
-            <a:endCxn id="4" idx="0"/>
           </p:cNvCxnSpPr>
           <p:nvPr/>
         </p:nvCxnSpPr>
         <p:spPr>
-          <a:xfrm rot="5400000">
-            <a:off x="2338215" y="2066082"/>
-            <a:ext cx="852551" cy="2369444"/>
-          </a:xfrm>
-          <a:prstGeom prst="bentConnector3">
-            <a:avLst/>
-          </a:prstGeom>
-          <a:ln>
-            <a:tailEnd type="triangle"/>
-          </a:ln>
+          <a:xfrm>
+            <a:off x="7261224" y="4596234"/>
+            <a:ext cx="0" cy="1615423"/>
+          </a:xfrm>
+          <a:prstGeom prst="line">
+            <a:avLst/>
+          </a:prstGeom>
         </p:spPr>
         <p:style>
           <a:lnRef idx="2">
@@ -6301,102 +7413,12 @@
           </a:fontRef>
         </p:style>
       </p:cxnSp>
-      <p:cxnSp>
-        <p:nvCxnSpPr>
-          <p:cNvPr id="13" name="Connector: Elbow 12">
-            <a:extLst>
-              <a:ext uri="{FF2B5EF4-FFF2-40B4-BE49-F238E27FC236}">
-                <a16:creationId xmlns:a16="http://schemas.microsoft.com/office/drawing/2014/main" id="{065281AC-666D-7FEE-1081-31F9CFD96AEF}"/>
-              </a:ext>
-            </a:extLst>
-          </p:cNvPr>
-          <p:cNvCxnSpPr>
-            <a:cxnSpLocks/>
-            <a:stCxn id="5" idx="2"/>
-            <a:endCxn id="31" idx="0"/>
-          </p:cNvCxnSpPr>
-          <p:nvPr/>
-        </p:nvCxnSpPr>
-        <p:spPr>
-          <a:xfrm rot="5400000">
-            <a:off x="3128510" y="2856377"/>
-            <a:ext cx="852551" cy="788855"/>
-          </a:xfrm>
-          <a:prstGeom prst="bentConnector3">
-            <a:avLst>
-              <a:gd name="adj1" fmla="val 50000"/>
-            </a:avLst>
-          </a:prstGeom>
-          <a:ln>
-            <a:tailEnd type="triangle"/>
-          </a:ln>
-        </p:spPr>
-        <p:style>
-          <a:lnRef idx="2">
-            <a:schemeClr val="accent1"/>
-          </a:lnRef>
-          <a:fillRef idx="0">
-            <a:schemeClr val="accent1"/>
-          </a:fillRef>
-          <a:effectRef idx="1">
-            <a:schemeClr val="accent1"/>
-          </a:effectRef>
-          <a:fontRef idx="minor">
-            <a:schemeClr val="tx1"/>
-          </a:fontRef>
-        </p:style>
-      </p:cxnSp>
-      <p:cxnSp>
-        <p:nvCxnSpPr>
-          <p:cNvPr id="17" name="Connector: Elbow 16">
-            <a:extLst>
-              <a:ext uri="{FF2B5EF4-FFF2-40B4-BE49-F238E27FC236}">
-                <a16:creationId xmlns:a16="http://schemas.microsoft.com/office/drawing/2014/main" id="{2CE7A5E2-DD07-4B82-46AD-FD3FF8F31A37}"/>
-              </a:ext>
-            </a:extLst>
-          </p:cNvPr>
-          <p:cNvCxnSpPr>
-            <a:cxnSpLocks/>
-            <a:stCxn id="5" idx="2"/>
-            <a:endCxn id="32" idx="0"/>
-          </p:cNvCxnSpPr>
-          <p:nvPr/>
-        </p:nvCxnSpPr>
-        <p:spPr>
-          <a:xfrm rot="16200000" flipH="1">
-            <a:off x="3918803" y="2854937"/>
-            <a:ext cx="852551" cy="791733"/>
-          </a:xfrm>
-          <a:prstGeom prst="bentConnector3">
-            <a:avLst>
-              <a:gd name="adj1" fmla="val 50000"/>
-            </a:avLst>
-          </a:prstGeom>
-          <a:ln>
-            <a:tailEnd type="triangle"/>
-          </a:ln>
-        </p:spPr>
-        <p:style>
-          <a:lnRef idx="2">
-            <a:schemeClr val="accent1"/>
-          </a:lnRef>
-          <a:fillRef idx="0">
-            <a:schemeClr val="accent1"/>
-          </a:fillRef>
-          <a:effectRef idx="1">
-            <a:schemeClr val="accent1"/>
-          </a:effectRef>
-          <a:fontRef idx="minor">
-            <a:schemeClr val="tx1"/>
-          </a:fontRef>
-        </p:style>
-      </p:cxnSp>
-      <p:sp>
-        <p:nvSpPr>
-          <p:cNvPr id="31" name="Rectangle 30">
-            <a:extLst>
-              <a:ext uri="{FF2B5EF4-FFF2-40B4-BE49-F238E27FC236}">
-                <a16:creationId xmlns:a16="http://schemas.microsoft.com/office/drawing/2014/main" id="{76F39BD0-5D2D-2495-2AC7-9D862DA0182D}"/>
+      <p:sp>
+        <p:nvSpPr>
+          <p:cNvPr id="59" name="Rectangle 58">
+            <a:extLst>
+              <a:ext uri="{FF2B5EF4-FFF2-40B4-BE49-F238E27FC236}">
+                <a16:creationId xmlns:a16="http://schemas.microsoft.com/office/drawing/2014/main" id="{170417AF-B565-9554-5B1A-C84FFA5943F5}"/>
               </a:ext>
             </a:extLst>
           </p:cNvPr>
@@ -6405,8 +7427,8 @@
         </p:nvSpPr>
         <p:spPr>
           <a:xfrm>
-            <a:off x="2580935" y="3677080"/>
-            <a:ext cx="1158844" cy="1222217"/>
+            <a:off x="8936708" y="499985"/>
+            <a:ext cx="2712757" cy="4894953"/>
           </a:xfrm>
           <a:prstGeom prst="rect">
             <a:avLst/>
@@ -6414,374 +7436,172 @@
         </p:spPr>
         <p:style>
           <a:lnRef idx="2">
-            <a:schemeClr val="accent2">
-              <a:shade val="15000"/>
-            </a:schemeClr>
+            <a:schemeClr val="dk1"/>
           </a:lnRef>
           <a:fillRef idx="1">
-            <a:schemeClr val="accent2"/>
+            <a:schemeClr val="lt1"/>
           </a:fillRef>
           <a:effectRef idx="0">
-            <a:schemeClr val="accent2"/>
-          </a:effectRef>
-          <a:fontRef idx="minor">
-            <a:schemeClr val="lt1"/>
-          </a:fontRef>
-        </p:style>
-        <p:txBody>
-          <a:bodyPr rtlCol="0" anchor="ctr"/>
-          <a:lstStyle/>
-          <a:p>
-            <a:r>
-              <a:rPr lang="en-US" sz="1200" dirty="0" err="1">
-                <a:solidFill>
-                  <a:schemeClr val="bg1"/>
-                </a:solidFill>
-                <a:effectLst/>
-                <a:latin typeface="JetBrains Mono"/>
-              </a:rPr>
-              <a:t>FK_Rec_ID</a:t>
-            </a:r>
-            <a:endParaRPr lang="en-US" sz="1200" dirty="0">
-              <a:solidFill>
-                <a:schemeClr val="bg1"/>
-              </a:solidFill>
-              <a:effectLst/>
-              <a:latin typeface="JetBrains Mono"/>
-            </a:endParaRPr>
-          </a:p>
-          <a:p>
-            <a:r>
-              <a:rPr lang="en-US" sz="1200" dirty="0">
-                <a:solidFill>
-                  <a:schemeClr val="bg1"/>
-                </a:solidFill>
-                <a:effectLst/>
-                <a:latin typeface="JetBrains Mono"/>
-              </a:rPr>
-              <a:t>Player Record</a:t>
-            </a:r>
-          </a:p>
-          <a:p>
-            <a:r>
-              <a:rPr lang="en-US" sz="1200" dirty="0">
-                <a:solidFill>
-                  <a:schemeClr val="bg1"/>
-                </a:solidFill>
-                <a:latin typeface="JetBrains Mono"/>
-              </a:rPr>
-              <a:t>Name</a:t>
-            </a:r>
-          </a:p>
-          <a:p>
-            <a:r>
-              <a:rPr lang="en-US" sz="1200" dirty="0">
-                <a:solidFill>
-                  <a:schemeClr val="bg1"/>
-                </a:solidFill>
-                <a:effectLst/>
-                <a:latin typeface="JetBrains Mono"/>
-              </a:rPr>
-              <a:t>Hdcp</a:t>
-            </a:r>
-          </a:p>
-          <a:p>
-            <a:r>
-              <a:rPr lang="en-US" sz="1200" dirty="0">
-                <a:solidFill>
-                  <a:schemeClr val="bg1"/>
-                </a:solidFill>
-                <a:latin typeface="JetBrains Mono"/>
-              </a:rPr>
-              <a:t>Score[18]</a:t>
-            </a:r>
-            <a:endParaRPr lang="en-US" sz="1200" dirty="0">
-              <a:solidFill>
-                <a:schemeClr val="bg1"/>
-              </a:solidFill>
-              <a:effectLst/>
-              <a:latin typeface="JetBrains Mono"/>
-            </a:endParaRPr>
-          </a:p>
-        </p:txBody>
-      </p:sp>
-      <p:sp>
-        <p:nvSpPr>
-          <p:cNvPr id="32" name="Rectangle 31">
-            <a:extLst>
-              <a:ext uri="{FF2B5EF4-FFF2-40B4-BE49-F238E27FC236}">
-                <a16:creationId xmlns:a16="http://schemas.microsoft.com/office/drawing/2014/main" id="{411EDC83-86EE-C25F-1721-9006AFF7F062}"/>
-              </a:ext>
-            </a:extLst>
-          </p:cNvPr>
-          <p:cNvSpPr/>
-          <p:nvPr/>
-        </p:nvSpPr>
-        <p:spPr>
-          <a:xfrm>
-            <a:off x="4161523" y="3677080"/>
-            <a:ext cx="1158844" cy="1222217"/>
+            <a:schemeClr val="dk1"/>
+          </a:effectRef>
+          <a:fontRef idx="minor">
+            <a:schemeClr val="dk1"/>
+          </a:fontRef>
+        </p:style>
+        <p:txBody>
+          <a:bodyPr rtlCol="0" anchor="t"/>
+          <a:lstStyle/>
+          <a:p>
+            <a:pPr algn="just"/>
+            <a:r>
+              <a:rPr lang="en-US" sz="1200" dirty="0"/>
+              <a:t>User can change the current hole by selecting current hole and enter the hole number.</a:t>
+            </a:r>
+          </a:p>
+          <a:p>
+            <a:pPr algn="just"/>
+            <a:endParaRPr lang="en-US" sz="1200" dirty="0"/>
+          </a:p>
+          <a:p>
+            <a:pPr algn="just"/>
+            <a:r>
+              <a:rPr lang="en-US" sz="1200" dirty="0"/>
+              <a:t>The cursor will move to the next player entry after keypad key is pressed. Pressing the player score box will focus cursor to that player.</a:t>
+            </a:r>
+          </a:p>
+          <a:p>
+            <a:pPr algn="just"/>
+            <a:endParaRPr lang="en-US" sz="1200" dirty="0"/>
+          </a:p>
+          <a:p>
+            <a:r>
+              <a:rPr lang="en-US" sz="1200" dirty="0"/>
+              <a:t>Save - Update score card display screen.</a:t>
+            </a:r>
+          </a:p>
+          <a:p>
+            <a:pPr algn="just"/>
+            <a:endParaRPr lang="en-US" sz="1200" dirty="0"/>
+          </a:p>
+          <a:p>
+            <a:pPr algn="just"/>
+            <a:r>
+              <a:rPr lang="en-US" sz="1200" dirty="0"/>
+              <a:t>Clear will erase the last entry. </a:t>
+            </a:r>
+          </a:p>
+          <a:p>
+            <a:pPr algn="just"/>
+            <a:endParaRPr lang="en-US" sz="1200" dirty="0"/>
+          </a:p>
+          <a:p>
+            <a:pPr algn="just"/>
+            <a:r>
+              <a:rPr lang="en-US" sz="1200" dirty="0"/>
+              <a:t>Cancel – Will not update score card display screen.</a:t>
+            </a:r>
+          </a:p>
+          <a:p>
+            <a:pPr algn="just"/>
+            <a:endParaRPr lang="en-US" sz="1200" dirty="0"/>
+          </a:p>
+          <a:p>
+            <a:r>
+              <a:rPr lang="en-US" sz="1200" dirty="0"/>
+              <a:t>Double Digits – Will allow two digits to be entered in a player score.</a:t>
+            </a:r>
+          </a:p>
+          <a:p>
+            <a:endParaRPr lang="en-US" sz="1200" dirty="0"/>
+          </a:p>
+          <a:p>
+            <a:r>
+              <a:rPr lang="en-US" sz="1200" dirty="0"/>
+              <a:t>Junk – Popup dialog to record the players junk awarded. The junk key must be pressed before entering the player’s score.</a:t>
+            </a:r>
+          </a:p>
+        </p:txBody>
+      </p:sp>
+      <p:sp>
+        <p:nvSpPr>
+          <p:cNvPr id="60" name="TextBox 59">
+            <a:extLst>
+              <a:ext uri="{FF2B5EF4-FFF2-40B4-BE49-F238E27FC236}">
+                <a16:creationId xmlns:a16="http://schemas.microsoft.com/office/drawing/2014/main" id="{021EA784-BB7F-D743-503E-AD2DD8278182}"/>
+              </a:ext>
+            </a:extLst>
+          </p:cNvPr>
+          <p:cNvSpPr txBox="1"/>
+          <p:nvPr/>
+        </p:nvSpPr>
+        <p:spPr>
+          <a:xfrm>
+            <a:off x="6391448" y="4973215"/>
+            <a:ext cx="686406" cy="461665"/>
           </a:xfrm>
           <a:prstGeom prst="rect">
             <a:avLst/>
           </a:prstGeom>
-        </p:spPr>
-        <p:style>
-          <a:lnRef idx="2">
-            <a:schemeClr val="accent2">
-              <a:shade val="15000"/>
-            </a:schemeClr>
-          </a:lnRef>
-          <a:fillRef idx="1">
-            <a:schemeClr val="accent2"/>
-          </a:fillRef>
-          <a:effectRef idx="0">
-            <a:schemeClr val="accent2"/>
-          </a:effectRef>
-          <a:fontRef idx="minor">
-            <a:schemeClr val="lt1"/>
-          </a:fontRef>
-        </p:style>
-        <p:txBody>
-          <a:bodyPr rtlCol="0" anchor="ctr"/>
-          <a:lstStyle/>
-          <a:p>
-            <a:r>
-              <a:rPr lang="en-US" sz="1200" dirty="0" err="1">
-                <a:solidFill>
-                  <a:schemeClr val="bg1"/>
-                </a:solidFill>
-                <a:effectLst/>
-                <a:latin typeface="JetBrains Mono"/>
-              </a:rPr>
-              <a:t>FK_Rec_ID</a:t>
-            </a:r>
-            <a:endParaRPr lang="en-US" sz="1200" dirty="0">
-              <a:solidFill>
-                <a:schemeClr val="bg1"/>
-              </a:solidFill>
-              <a:effectLst/>
-              <a:latin typeface="JetBrains Mono"/>
-            </a:endParaRPr>
-          </a:p>
-          <a:p>
-            <a:r>
-              <a:rPr lang="en-US" sz="1200" dirty="0">
-                <a:solidFill>
-                  <a:schemeClr val="bg1"/>
-                </a:solidFill>
-                <a:effectLst/>
-                <a:latin typeface="JetBrains Mono"/>
-              </a:rPr>
-              <a:t>Player Record</a:t>
-            </a:r>
-          </a:p>
-          <a:p>
-            <a:r>
-              <a:rPr lang="en-US" sz="1200" dirty="0">
-                <a:solidFill>
-                  <a:schemeClr val="bg1"/>
-                </a:solidFill>
-                <a:latin typeface="JetBrains Mono"/>
-              </a:rPr>
-              <a:t>Name</a:t>
-            </a:r>
-          </a:p>
-          <a:p>
-            <a:r>
-              <a:rPr lang="en-US" sz="1200" dirty="0">
-                <a:solidFill>
-                  <a:schemeClr val="bg1"/>
-                </a:solidFill>
-                <a:effectLst/>
-                <a:latin typeface="JetBrains Mono"/>
-              </a:rPr>
-              <a:t>Hdcp</a:t>
-            </a:r>
-          </a:p>
-          <a:p>
-            <a:r>
-              <a:rPr lang="en-US" sz="1200" dirty="0">
-                <a:solidFill>
-                  <a:schemeClr val="bg1"/>
-                </a:solidFill>
-                <a:latin typeface="JetBrains Mono"/>
-              </a:rPr>
-              <a:t>Score[18]</a:t>
-            </a:r>
-            <a:endParaRPr lang="en-US" sz="1200" dirty="0">
-              <a:solidFill>
-                <a:schemeClr val="bg1"/>
-              </a:solidFill>
-              <a:effectLst/>
-              <a:latin typeface="JetBrains Mono"/>
-            </a:endParaRPr>
-          </a:p>
-        </p:txBody>
-      </p:sp>
-      <p:sp>
-        <p:nvSpPr>
-          <p:cNvPr id="37" name="Rectangle 36">
-            <a:extLst>
-              <a:ext uri="{FF2B5EF4-FFF2-40B4-BE49-F238E27FC236}">
-                <a16:creationId xmlns:a16="http://schemas.microsoft.com/office/drawing/2014/main" id="{5D1BC5CC-2A36-0373-8267-507A70C4315A}"/>
-              </a:ext>
-            </a:extLst>
-          </p:cNvPr>
-          <p:cNvSpPr/>
-          <p:nvPr/>
-        </p:nvSpPr>
-        <p:spPr>
-          <a:xfrm>
-            <a:off x="5712791" y="3677080"/>
-            <a:ext cx="1158844" cy="1222217"/>
+          <a:noFill/>
+        </p:spPr>
+        <p:txBody>
+          <a:bodyPr wrap="none" rtlCol="0">
+            <a:spAutoFit/>
+          </a:bodyPr>
+          <a:lstStyle/>
+          <a:p>
+            <a:r>
+              <a:rPr lang="en-US" sz="1200" dirty="0"/>
+              <a:t>Double</a:t>
+            </a:r>
+          </a:p>
+          <a:p>
+            <a:r>
+              <a:rPr lang="en-US" sz="1200" dirty="0"/>
+              <a:t>Digits</a:t>
+            </a:r>
+          </a:p>
+        </p:txBody>
+      </p:sp>
+      <p:sp>
+        <p:nvSpPr>
+          <p:cNvPr id="62" name="TextBox 61">
+            <a:extLst>
+              <a:ext uri="{FF2B5EF4-FFF2-40B4-BE49-F238E27FC236}">
+                <a16:creationId xmlns:a16="http://schemas.microsoft.com/office/drawing/2014/main" id="{4A0154AB-BB76-34EB-3178-692260ED194B}"/>
+              </a:ext>
+            </a:extLst>
+          </p:cNvPr>
+          <p:cNvSpPr txBox="1"/>
+          <p:nvPr/>
+        </p:nvSpPr>
+        <p:spPr>
+          <a:xfrm>
+            <a:off x="6353071" y="5394939"/>
+            <a:ext cx="670376" cy="338554"/>
           </a:xfrm>
           <a:prstGeom prst="rect">
             <a:avLst/>
           </a:prstGeom>
-        </p:spPr>
-        <p:style>
-          <a:lnRef idx="2">
-            <a:schemeClr val="accent2">
-              <a:shade val="15000"/>
-            </a:schemeClr>
-          </a:lnRef>
-          <a:fillRef idx="1">
-            <a:schemeClr val="accent2"/>
-          </a:fillRef>
-          <a:effectRef idx="0">
-            <a:schemeClr val="accent2"/>
-          </a:effectRef>
-          <a:fontRef idx="minor">
-            <a:schemeClr val="lt1"/>
-          </a:fontRef>
-        </p:style>
-        <p:txBody>
-          <a:bodyPr rtlCol="0" anchor="ctr"/>
-          <a:lstStyle/>
-          <a:p>
-            <a:r>
-              <a:rPr lang="en-US" sz="1200" dirty="0" err="1">
-                <a:solidFill>
-                  <a:schemeClr val="bg1"/>
-                </a:solidFill>
-                <a:effectLst/>
-                <a:latin typeface="JetBrains Mono"/>
-              </a:rPr>
-              <a:t>FK_Rec_ID</a:t>
-            </a:r>
-            <a:endParaRPr lang="en-US" sz="1200" dirty="0">
-              <a:solidFill>
-                <a:schemeClr val="bg1"/>
-              </a:solidFill>
-              <a:effectLst/>
-              <a:latin typeface="JetBrains Mono"/>
-            </a:endParaRPr>
-          </a:p>
-          <a:p>
-            <a:r>
-              <a:rPr lang="en-US" sz="1200" dirty="0">
-                <a:solidFill>
-                  <a:schemeClr val="bg1"/>
-                </a:solidFill>
-                <a:effectLst/>
-                <a:latin typeface="JetBrains Mono"/>
-              </a:rPr>
-              <a:t>Player Record</a:t>
-            </a:r>
-          </a:p>
-          <a:p>
-            <a:r>
-              <a:rPr lang="en-US" sz="1200" dirty="0">
-                <a:solidFill>
-                  <a:schemeClr val="bg1"/>
-                </a:solidFill>
-                <a:latin typeface="JetBrains Mono"/>
-              </a:rPr>
-              <a:t>Name</a:t>
-            </a:r>
-          </a:p>
-          <a:p>
-            <a:r>
-              <a:rPr lang="en-US" sz="1200" dirty="0">
-                <a:solidFill>
-                  <a:schemeClr val="bg1"/>
-                </a:solidFill>
-                <a:effectLst/>
-                <a:latin typeface="JetBrains Mono"/>
-              </a:rPr>
-              <a:t>Hdcp</a:t>
-            </a:r>
-          </a:p>
-          <a:p>
-            <a:r>
-              <a:rPr lang="en-US" sz="1200" dirty="0">
-                <a:solidFill>
-                  <a:schemeClr val="bg1"/>
-                </a:solidFill>
-                <a:latin typeface="JetBrains Mono"/>
-              </a:rPr>
-              <a:t>Score[18]</a:t>
-            </a:r>
-            <a:endParaRPr lang="en-US" sz="1200" dirty="0">
-              <a:solidFill>
-                <a:schemeClr val="bg1"/>
-              </a:solidFill>
-              <a:effectLst/>
-              <a:latin typeface="JetBrains Mono"/>
-            </a:endParaRPr>
-          </a:p>
-        </p:txBody>
-      </p:sp>
-      <p:cxnSp>
-        <p:nvCxnSpPr>
-          <p:cNvPr id="39" name="Connector: Elbow 38">
-            <a:extLst>
-              <a:ext uri="{FF2B5EF4-FFF2-40B4-BE49-F238E27FC236}">
-                <a16:creationId xmlns:a16="http://schemas.microsoft.com/office/drawing/2014/main" id="{A2D0AF89-932D-205F-76C3-DDB93CCF66DB}"/>
-              </a:ext>
-            </a:extLst>
-          </p:cNvPr>
-          <p:cNvCxnSpPr>
-            <a:cxnSpLocks/>
-            <a:stCxn id="5" idx="2"/>
-            <a:endCxn id="37" idx="0"/>
-          </p:cNvCxnSpPr>
-          <p:nvPr/>
-        </p:nvCxnSpPr>
-        <p:spPr>
-          <a:xfrm rot="16200000" flipH="1">
-            <a:off x="4694437" y="2079303"/>
-            <a:ext cx="852551" cy="2343001"/>
-          </a:xfrm>
-          <a:prstGeom prst="bentConnector3">
-            <a:avLst>
-              <a:gd name="adj1" fmla="val 50000"/>
-            </a:avLst>
-          </a:prstGeom>
-          <a:ln>
-            <a:tailEnd type="triangle"/>
-          </a:ln>
-        </p:spPr>
-        <p:style>
-          <a:lnRef idx="2">
-            <a:schemeClr val="accent1"/>
-          </a:lnRef>
-          <a:fillRef idx="0">
-            <a:schemeClr val="accent1"/>
-          </a:fillRef>
-          <a:effectRef idx="1">
-            <a:schemeClr val="accent1"/>
-          </a:effectRef>
-          <a:fontRef idx="minor">
-            <a:schemeClr val="tx1"/>
-          </a:fontRef>
-        </p:style>
-      </p:cxnSp>
+          <a:noFill/>
+        </p:spPr>
+        <p:txBody>
+          <a:bodyPr wrap="none" rtlCol="0">
+            <a:spAutoFit/>
+          </a:bodyPr>
+          <a:lstStyle/>
+          <a:p>
+            <a:r>
+              <a:rPr lang="en-US" sz="1600" dirty="0"/>
+              <a:t>Junk</a:t>
+            </a:r>
+          </a:p>
+        </p:txBody>
+      </p:sp>
     </p:spTree>
     <p:extLst>
       <p:ext uri="{BB962C8B-B14F-4D97-AF65-F5344CB8AC3E}">
-        <p14:creationId xmlns:p14="http://schemas.microsoft.com/office/powerpoint/2010/main" val="2100467204"/>
+        <p14:creationId xmlns:p14="http://schemas.microsoft.com/office/powerpoint/2010/main" val="2865072971"/>
       </p:ext>
     </p:extLst>
   </p:cSld>
@@ -6813,6 +7633,835 @@
           <p:cNvPr id="2" name="TextBox 1">
             <a:extLst>
               <a:ext uri="{FF2B5EF4-FFF2-40B4-BE49-F238E27FC236}">
+                <a16:creationId xmlns:a16="http://schemas.microsoft.com/office/drawing/2014/main" id="{3B17EE8D-41C5-D38B-15F8-07F1C9DF19DA}"/>
+              </a:ext>
+            </a:extLst>
+          </p:cNvPr>
+          <p:cNvSpPr txBox="1"/>
+          <p:nvPr/>
+        </p:nvSpPr>
+        <p:spPr>
+          <a:xfrm>
+            <a:off x="5110690" y="193892"/>
+            <a:ext cx="1614160" cy="307777"/>
+          </a:xfrm>
+          <a:prstGeom prst="rect">
+            <a:avLst/>
+          </a:prstGeom>
+          <a:noFill/>
+        </p:spPr>
+        <p:txBody>
+          <a:bodyPr wrap="none" rtlCol="0">
+            <a:spAutoFit/>
+          </a:bodyPr>
+          <a:lstStyle/>
+          <a:p>
+            <a:r>
+              <a:rPr lang="en-US" sz="1400" dirty="0"/>
+              <a:t>Game Day Scoring</a:t>
+            </a:r>
+          </a:p>
+        </p:txBody>
+      </p:sp>
+      <p:sp>
+        <p:nvSpPr>
+          <p:cNvPr id="4" name="Rectangle 3">
+            <a:extLst>
+              <a:ext uri="{FF2B5EF4-FFF2-40B4-BE49-F238E27FC236}">
+                <a16:creationId xmlns:a16="http://schemas.microsoft.com/office/drawing/2014/main" id="{37AFC29C-C053-BEF2-B4C0-02B76C03E16A}"/>
+              </a:ext>
+            </a:extLst>
+          </p:cNvPr>
+          <p:cNvSpPr/>
+          <p:nvPr/>
+        </p:nvSpPr>
+        <p:spPr>
+          <a:xfrm>
+            <a:off x="1000346" y="3677080"/>
+            <a:ext cx="1158844" cy="1222217"/>
+          </a:xfrm>
+          <a:prstGeom prst="rect">
+            <a:avLst/>
+          </a:prstGeom>
+        </p:spPr>
+        <p:style>
+          <a:lnRef idx="2">
+            <a:schemeClr val="accent2">
+              <a:shade val="15000"/>
+            </a:schemeClr>
+          </a:lnRef>
+          <a:fillRef idx="1">
+            <a:schemeClr val="accent2"/>
+          </a:fillRef>
+          <a:effectRef idx="0">
+            <a:schemeClr val="accent2"/>
+          </a:effectRef>
+          <a:fontRef idx="minor">
+            <a:schemeClr val="lt1"/>
+          </a:fontRef>
+        </p:style>
+        <p:txBody>
+          <a:bodyPr rtlCol="0" anchor="ctr"/>
+          <a:lstStyle/>
+          <a:p>
+            <a:r>
+              <a:rPr lang="en-US" sz="1200" dirty="0" err="1">
+                <a:solidFill>
+                  <a:schemeClr val="bg1"/>
+                </a:solidFill>
+                <a:effectLst/>
+                <a:latin typeface="JetBrains Mono"/>
+              </a:rPr>
+              <a:t>FK_Rec_ID</a:t>
+            </a:r>
+            <a:endParaRPr lang="en-US" sz="1200" dirty="0">
+              <a:solidFill>
+                <a:schemeClr val="bg1"/>
+              </a:solidFill>
+              <a:effectLst/>
+              <a:latin typeface="JetBrains Mono"/>
+            </a:endParaRPr>
+          </a:p>
+          <a:p>
+            <a:r>
+              <a:rPr lang="en-US" sz="1200" dirty="0">
+                <a:solidFill>
+                  <a:schemeClr val="bg1"/>
+                </a:solidFill>
+                <a:effectLst/>
+                <a:latin typeface="JetBrains Mono"/>
+              </a:rPr>
+              <a:t>Player Record</a:t>
+            </a:r>
+          </a:p>
+          <a:p>
+            <a:r>
+              <a:rPr lang="en-US" sz="1200" dirty="0">
+                <a:solidFill>
+                  <a:schemeClr val="bg1"/>
+                </a:solidFill>
+                <a:latin typeface="JetBrains Mono"/>
+              </a:rPr>
+              <a:t>Name</a:t>
+            </a:r>
+          </a:p>
+          <a:p>
+            <a:r>
+              <a:rPr lang="en-US" sz="1200" dirty="0">
+                <a:solidFill>
+                  <a:schemeClr val="bg1"/>
+                </a:solidFill>
+                <a:effectLst/>
+                <a:latin typeface="JetBrains Mono"/>
+              </a:rPr>
+              <a:t>Hdcp</a:t>
+            </a:r>
+          </a:p>
+          <a:p>
+            <a:r>
+              <a:rPr lang="en-US" sz="1200" dirty="0">
+                <a:solidFill>
+                  <a:schemeClr val="bg1"/>
+                </a:solidFill>
+                <a:latin typeface="JetBrains Mono"/>
+              </a:rPr>
+              <a:t>Score[18]</a:t>
+            </a:r>
+            <a:endParaRPr lang="en-US" sz="1200" dirty="0">
+              <a:solidFill>
+                <a:schemeClr val="bg1"/>
+              </a:solidFill>
+              <a:effectLst/>
+              <a:latin typeface="JetBrains Mono"/>
+            </a:endParaRPr>
+          </a:p>
+        </p:txBody>
+      </p:sp>
+      <p:sp>
+        <p:nvSpPr>
+          <p:cNvPr id="5" name="Rectangle 4">
+            <a:extLst>
+              <a:ext uri="{FF2B5EF4-FFF2-40B4-BE49-F238E27FC236}">
+                <a16:creationId xmlns:a16="http://schemas.microsoft.com/office/drawing/2014/main" id="{97800004-5BEB-ABCA-5D53-A4A6A14CAA9D}"/>
+              </a:ext>
+            </a:extLst>
+          </p:cNvPr>
+          <p:cNvSpPr/>
+          <p:nvPr/>
+        </p:nvSpPr>
+        <p:spPr>
+          <a:xfrm>
+            <a:off x="2783216" y="774056"/>
+            <a:ext cx="2331992" cy="2050473"/>
+          </a:xfrm>
+          <a:prstGeom prst="rect">
+            <a:avLst/>
+          </a:prstGeom>
+        </p:spPr>
+        <p:style>
+          <a:lnRef idx="2">
+            <a:schemeClr val="accent1">
+              <a:shade val="15000"/>
+            </a:schemeClr>
+          </a:lnRef>
+          <a:fillRef idx="1">
+            <a:schemeClr val="accent1"/>
+          </a:fillRef>
+          <a:effectRef idx="0">
+            <a:schemeClr val="accent1"/>
+          </a:effectRef>
+          <a:fontRef idx="minor">
+            <a:schemeClr val="lt1"/>
+          </a:fontRef>
+        </p:style>
+        <p:txBody>
+          <a:bodyPr rtlCol="0" anchor="ctr"/>
+          <a:lstStyle/>
+          <a:p>
+            <a:pPr algn="ctr"/>
+            <a:r>
+              <a:rPr lang="en-US" sz="1200" dirty="0">
+                <a:solidFill>
+                  <a:schemeClr val="bg1"/>
+                </a:solidFill>
+                <a:effectLst/>
+                <a:latin typeface="JetBrains Mono"/>
+              </a:rPr>
+              <a:t>Score Card Record</a:t>
+            </a:r>
+          </a:p>
+          <a:p>
+            <a:r>
+              <a:rPr lang="en-US" sz="1200" dirty="0" err="1"/>
+              <a:t>Rec_Id</a:t>
+            </a:r>
+            <a:endParaRPr lang="en-US" sz="1200">
+              <a:solidFill>
+                <a:schemeClr val="bg1"/>
+              </a:solidFill>
+              <a:effectLst/>
+              <a:latin typeface="JetBrains Mono"/>
+            </a:endParaRPr>
+          </a:p>
+          <a:p>
+            <a:r>
+              <a:rPr lang="en-US" sz="1200">
+                <a:solidFill>
+                  <a:schemeClr val="bg1"/>
+                </a:solidFill>
+                <a:latin typeface="JetBrains Mono"/>
+              </a:rPr>
+              <a:t>Course </a:t>
+            </a:r>
+            <a:r>
+              <a:rPr lang="en-US" sz="1200" dirty="0">
+                <a:solidFill>
+                  <a:schemeClr val="bg1"/>
+                </a:solidFill>
+                <a:latin typeface="JetBrains Mono"/>
+              </a:rPr>
+              <a:t>Name</a:t>
+            </a:r>
+          </a:p>
+          <a:p>
+            <a:r>
+              <a:rPr lang="en-US" sz="1200" dirty="0">
+                <a:solidFill>
+                  <a:schemeClr val="bg1"/>
+                </a:solidFill>
+                <a:effectLst/>
+                <a:latin typeface="JetBrains Mono"/>
+              </a:rPr>
+              <a:t>Current Hole</a:t>
+            </a:r>
+          </a:p>
+          <a:p>
+            <a:r>
+              <a:rPr lang="en-US" sz="1200" dirty="0"/>
+              <a:t>Par – Byte[18]</a:t>
+            </a:r>
+          </a:p>
+          <a:p>
+            <a:r>
+              <a:rPr lang="en-US" sz="1200" dirty="0"/>
+              <a:t>Hdcp – Byte[18]</a:t>
+            </a:r>
+          </a:p>
+          <a:p>
+            <a:r>
+              <a:rPr lang="en-US" sz="1200" dirty="0">
+                <a:solidFill>
+                  <a:schemeClr val="bg1"/>
+                </a:solidFill>
+                <a:latin typeface="JetBrains Mono"/>
+              </a:rPr>
+              <a:t>Player Record[n] 1 to many</a:t>
+            </a:r>
+            <a:endParaRPr lang="en-US" sz="1200" dirty="0">
+              <a:solidFill>
+                <a:schemeClr val="bg1"/>
+              </a:solidFill>
+              <a:effectLst/>
+              <a:latin typeface="JetBrains Mono"/>
+            </a:endParaRPr>
+          </a:p>
+        </p:txBody>
+      </p:sp>
+      <p:cxnSp>
+        <p:nvCxnSpPr>
+          <p:cNvPr id="10" name="Connector: Elbow 9">
+            <a:extLst>
+              <a:ext uri="{FF2B5EF4-FFF2-40B4-BE49-F238E27FC236}">
+                <a16:creationId xmlns:a16="http://schemas.microsoft.com/office/drawing/2014/main" id="{769BDBAE-0028-BC58-88A5-F7F6665A7683}"/>
+              </a:ext>
+            </a:extLst>
+          </p:cNvPr>
+          <p:cNvCxnSpPr>
+            <a:cxnSpLocks/>
+            <a:stCxn id="5" idx="2"/>
+            <a:endCxn id="4" idx="0"/>
+          </p:cNvCxnSpPr>
+          <p:nvPr/>
+        </p:nvCxnSpPr>
+        <p:spPr>
+          <a:xfrm rot="5400000">
+            <a:off x="2338215" y="2066082"/>
+            <a:ext cx="852551" cy="2369444"/>
+          </a:xfrm>
+          <a:prstGeom prst="bentConnector3">
+            <a:avLst/>
+          </a:prstGeom>
+          <a:ln>
+            <a:tailEnd type="triangle"/>
+          </a:ln>
+        </p:spPr>
+        <p:style>
+          <a:lnRef idx="2">
+            <a:schemeClr val="accent1"/>
+          </a:lnRef>
+          <a:fillRef idx="0">
+            <a:schemeClr val="accent1"/>
+          </a:fillRef>
+          <a:effectRef idx="1">
+            <a:schemeClr val="accent1"/>
+          </a:effectRef>
+          <a:fontRef idx="minor">
+            <a:schemeClr val="tx1"/>
+          </a:fontRef>
+        </p:style>
+      </p:cxnSp>
+      <p:cxnSp>
+        <p:nvCxnSpPr>
+          <p:cNvPr id="13" name="Connector: Elbow 12">
+            <a:extLst>
+              <a:ext uri="{FF2B5EF4-FFF2-40B4-BE49-F238E27FC236}">
+                <a16:creationId xmlns:a16="http://schemas.microsoft.com/office/drawing/2014/main" id="{065281AC-666D-7FEE-1081-31F9CFD96AEF}"/>
+              </a:ext>
+            </a:extLst>
+          </p:cNvPr>
+          <p:cNvCxnSpPr>
+            <a:cxnSpLocks/>
+            <a:stCxn id="5" idx="2"/>
+            <a:endCxn id="31" idx="0"/>
+          </p:cNvCxnSpPr>
+          <p:nvPr/>
+        </p:nvCxnSpPr>
+        <p:spPr>
+          <a:xfrm rot="5400000">
+            <a:off x="3128510" y="2856377"/>
+            <a:ext cx="852551" cy="788855"/>
+          </a:xfrm>
+          <a:prstGeom prst="bentConnector3">
+            <a:avLst>
+              <a:gd name="adj1" fmla="val 50000"/>
+            </a:avLst>
+          </a:prstGeom>
+          <a:ln>
+            <a:tailEnd type="triangle"/>
+          </a:ln>
+        </p:spPr>
+        <p:style>
+          <a:lnRef idx="2">
+            <a:schemeClr val="accent1"/>
+          </a:lnRef>
+          <a:fillRef idx="0">
+            <a:schemeClr val="accent1"/>
+          </a:fillRef>
+          <a:effectRef idx="1">
+            <a:schemeClr val="accent1"/>
+          </a:effectRef>
+          <a:fontRef idx="minor">
+            <a:schemeClr val="tx1"/>
+          </a:fontRef>
+        </p:style>
+      </p:cxnSp>
+      <p:cxnSp>
+        <p:nvCxnSpPr>
+          <p:cNvPr id="17" name="Connector: Elbow 16">
+            <a:extLst>
+              <a:ext uri="{FF2B5EF4-FFF2-40B4-BE49-F238E27FC236}">
+                <a16:creationId xmlns:a16="http://schemas.microsoft.com/office/drawing/2014/main" id="{2CE7A5E2-DD07-4B82-46AD-FD3FF8F31A37}"/>
+              </a:ext>
+            </a:extLst>
+          </p:cNvPr>
+          <p:cNvCxnSpPr>
+            <a:cxnSpLocks/>
+            <a:stCxn id="5" idx="2"/>
+            <a:endCxn id="32" idx="0"/>
+          </p:cNvCxnSpPr>
+          <p:nvPr/>
+        </p:nvCxnSpPr>
+        <p:spPr>
+          <a:xfrm rot="16200000" flipH="1">
+            <a:off x="3918803" y="2854937"/>
+            <a:ext cx="852551" cy="791733"/>
+          </a:xfrm>
+          <a:prstGeom prst="bentConnector3">
+            <a:avLst>
+              <a:gd name="adj1" fmla="val 50000"/>
+            </a:avLst>
+          </a:prstGeom>
+          <a:ln>
+            <a:tailEnd type="triangle"/>
+          </a:ln>
+        </p:spPr>
+        <p:style>
+          <a:lnRef idx="2">
+            <a:schemeClr val="accent1"/>
+          </a:lnRef>
+          <a:fillRef idx="0">
+            <a:schemeClr val="accent1"/>
+          </a:fillRef>
+          <a:effectRef idx="1">
+            <a:schemeClr val="accent1"/>
+          </a:effectRef>
+          <a:fontRef idx="minor">
+            <a:schemeClr val="tx1"/>
+          </a:fontRef>
+        </p:style>
+      </p:cxnSp>
+      <p:sp>
+        <p:nvSpPr>
+          <p:cNvPr id="31" name="Rectangle 30">
+            <a:extLst>
+              <a:ext uri="{FF2B5EF4-FFF2-40B4-BE49-F238E27FC236}">
+                <a16:creationId xmlns:a16="http://schemas.microsoft.com/office/drawing/2014/main" id="{76F39BD0-5D2D-2495-2AC7-9D862DA0182D}"/>
+              </a:ext>
+            </a:extLst>
+          </p:cNvPr>
+          <p:cNvSpPr/>
+          <p:nvPr/>
+        </p:nvSpPr>
+        <p:spPr>
+          <a:xfrm>
+            <a:off x="2580935" y="3677080"/>
+            <a:ext cx="1158844" cy="1222217"/>
+          </a:xfrm>
+          <a:prstGeom prst="rect">
+            <a:avLst/>
+          </a:prstGeom>
+        </p:spPr>
+        <p:style>
+          <a:lnRef idx="2">
+            <a:schemeClr val="accent2">
+              <a:shade val="15000"/>
+            </a:schemeClr>
+          </a:lnRef>
+          <a:fillRef idx="1">
+            <a:schemeClr val="accent2"/>
+          </a:fillRef>
+          <a:effectRef idx="0">
+            <a:schemeClr val="accent2"/>
+          </a:effectRef>
+          <a:fontRef idx="minor">
+            <a:schemeClr val="lt1"/>
+          </a:fontRef>
+        </p:style>
+        <p:txBody>
+          <a:bodyPr rtlCol="0" anchor="ctr"/>
+          <a:lstStyle/>
+          <a:p>
+            <a:r>
+              <a:rPr lang="en-US" sz="1200" dirty="0" err="1">
+                <a:solidFill>
+                  <a:schemeClr val="bg1"/>
+                </a:solidFill>
+                <a:effectLst/>
+                <a:latin typeface="JetBrains Mono"/>
+              </a:rPr>
+              <a:t>FK_Rec_ID</a:t>
+            </a:r>
+            <a:endParaRPr lang="en-US" sz="1200" dirty="0">
+              <a:solidFill>
+                <a:schemeClr val="bg1"/>
+              </a:solidFill>
+              <a:effectLst/>
+              <a:latin typeface="JetBrains Mono"/>
+            </a:endParaRPr>
+          </a:p>
+          <a:p>
+            <a:r>
+              <a:rPr lang="en-US" sz="1200" dirty="0">
+                <a:solidFill>
+                  <a:schemeClr val="bg1"/>
+                </a:solidFill>
+                <a:effectLst/>
+                <a:latin typeface="JetBrains Mono"/>
+              </a:rPr>
+              <a:t>Player Record</a:t>
+            </a:r>
+          </a:p>
+          <a:p>
+            <a:r>
+              <a:rPr lang="en-US" sz="1200" dirty="0">
+                <a:solidFill>
+                  <a:schemeClr val="bg1"/>
+                </a:solidFill>
+                <a:latin typeface="JetBrains Mono"/>
+              </a:rPr>
+              <a:t>Name</a:t>
+            </a:r>
+          </a:p>
+          <a:p>
+            <a:r>
+              <a:rPr lang="en-US" sz="1200" dirty="0">
+                <a:solidFill>
+                  <a:schemeClr val="bg1"/>
+                </a:solidFill>
+                <a:effectLst/>
+                <a:latin typeface="JetBrains Mono"/>
+              </a:rPr>
+              <a:t>Hdcp</a:t>
+            </a:r>
+          </a:p>
+          <a:p>
+            <a:r>
+              <a:rPr lang="en-US" sz="1200" dirty="0">
+                <a:solidFill>
+                  <a:schemeClr val="bg1"/>
+                </a:solidFill>
+                <a:latin typeface="JetBrains Mono"/>
+              </a:rPr>
+              <a:t>Score[18]</a:t>
+            </a:r>
+            <a:endParaRPr lang="en-US" sz="1200" dirty="0">
+              <a:solidFill>
+                <a:schemeClr val="bg1"/>
+              </a:solidFill>
+              <a:effectLst/>
+              <a:latin typeface="JetBrains Mono"/>
+            </a:endParaRPr>
+          </a:p>
+        </p:txBody>
+      </p:sp>
+      <p:sp>
+        <p:nvSpPr>
+          <p:cNvPr id="32" name="Rectangle 31">
+            <a:extLst>
+              <a:ext uri="{FF2B5EF4-FFF2-40B4-BE49-F238E27FC236}">
+                <a16:creationId xmlns:a16="http://schemas.microsoft.com/office/drawing/2014/main" id="{411EDC83-86EE-C25F-1721-9006AFF7F062}"/>
+              </a:ext>
+            </a:extLst>
+          </p:cNvPr>
+          <p:cNvSpPr/>
+          <p:nvPr/>
+        </p:nvSpPr>
+        <p:spPr>
+          <a:xfrm>
+            <a:off x="4161523" y="3677080"/>
+            <a:ext cx="1158844" cy="1222217"/>
+          </a:xfrm>
+          <a:prstGeom prst="rect">
+            <a:avLst/>
+          </a:prstGeom>
+        </p:spPr>
+        <p:style>
+          <a:lnRef idx="2">
+            <a:schemeClr val="accent2">
+              <a:shade val="15000"/>
+            </a:schemeClr>
+          </a:lnRef>
+          <a:fillRef idx="1">
+            <a:schemeClr val="accent2"/>
+          </a:fillRef>
+          <a:effectRef idx="0">
+            <a:schemeClr val="accent2"/>
+          </a:effectRef>
+          <a:fontRef idx="minor">
+            <a:schemeClr val="lt1"/>
+          </a:fontRef>
+        </p:style>
+        <p:txBody>
+          <a:bodyPr rtlCol="0" anchor="ctr"/>
+          <a:lstStyle/>
+          <a:p>
+            <a:r>
+              <a:rPr lang="en-US" sz="1200" dirty="0" err="1">
+                <a:solidFill>
+                  <a:schemeClr val="bg1"/>
+                </a:solidFill>
+                <a:effectLst/>
+                <a:latin typeface="JetBrains Mono"/>
+              </a:rPr>
+              <a:t>FK_Rec_ID</a:t>
+            </a:r>
+            <a:endParaRPr lang="en-US" sz="1200" dirty="0">
+              <a:solidFill>
+                <a:schemeClr val="bg1"/>
+              </a:solidFill>
+              <a:effectLst/>
+              <a:latin typeface="JetBrains Mono"/>
+            </a:endParaRPr>
+          </a:p>
+          <a:p>
+            <a:r>
+              <a:rPr lang="en-US" sz="1200" dirty="0">
+                <a:solidFill>
+                  <a:schemeClr val="bg1"/>
+                </a:solidFill>
+                <a:effectLst/>
+                <a:latin typeface="JetBrains Mono"/>
+              </a:rPr>
+              <a:t>Player Record</a:t>
+            </a:r>
+          </a:p>
+          <a:p>
+            <a:r>
+              <a:rPr lang="en-US" sz="1200" dirty="0">
+                <a:solidFill>
+                  <a:schemeClr val="bg1"/>
+                </a:solidFill>
+                <a:latin typeface="JetBrains Mono"/>
+              </a:rPr>
+              <a:t>Name</a:t>
+            </a:r>
+          </a:p>
+          <a:p>
+            <a:r>
+              <a:rPr lang="en-US" sz="1200" dirty="0">
+                <a:solidFill>
+                  <a:schemeClr val="bg1"/>
+                </a:solidFill>
+                <a:effectLst/>
+                <a:latin typeface="JetBrains Mono"/>
+              </a:rPr>
+              <a:t>Hdcp</a:t>
+            </a:r>
+          </a:p>
+          <a:p>
+            <a:r>
+              <a:rPr lang="en-US" sz="1200" dirty="0">
+                <a:solidFill>
+                  <a:schemeClr val="bg1"/>
+                </a:solidFill>
+                <a:latin typeface="JetBrains Mono"/>
+              </a:rPr>
+              <a:t>Score[18]</a:t>
+            </a:r>
+            <a:endParaRPr lang="en-US" sz="1200" dirty="0">
+              <a:solidFill>
+                <a:schemeClr val="bg1"/>
+              </a:solidFill>
+              <a:effectLst/>
+              <a:latin typeface="JetBrains Mono"/>
+            </a:endParaRPr>
+          </a:p>
+        </p:txBody>
+      </p:sp>
+      <p:sp>
+        <p:nvSpPr>
+          <p:cNvPr id="37" name="Rectangle 36">
+            <a:extLst>
+              <a:ext uri="{FF2B5EF4-FFF2-40B4-BE49-F238E27FC236}">
+                <a16:creationId xmlns:a16="http://schemas.microsoft.com/office/drawing/2014/main" id="{5D1BC5CC-2A36-0373-8267-507A70C4315A}"/>
+              </a:ext>
+            </a:extLst>
+          </p:cNvPr>
+          <p:cNvSpPr/>
+          <p:nvPr/>
+        </p:nvSpPr>
+        <p:spPr>
+          <a:xfrm>
+            <a:off x="5712791" y="3677080"/>
+            <a:ext cx="1158844" cy="1222217"/>
+          </a:xfrm>
+          <a:prstGeom prst="rect">
+            <a:avLst/>
+          </a:prstGeom>
+        </p:spPr>
+        <p:style>
+          <a:lnRef idx="2">
+            <a:schemeClr val="accent2">
+              <a:shade val="15000"/>
+            </a:schemeClr>
+          </a:lnRef>
+          <a:fillRef idx="1">
+            <a:schemeClr val="accent2"/>
+          </a:fillRef>
+          <a:effectRef idx="0">
+            <a:schemeClr val="accent2"/>
+          </a:effectRef>
+          <a:fontRef idx="minor">
+            <a:schemeClr val="lt1"/>
+          </a:fontRef>
+        </p:style>
+        <p:txBody>
+          <a:bodyPr rtlCol="0" anchor="ctr"/>
+          <a:lstStyle/>
+          <a:p>
+            <a:r>
+              <a:rPr lang="en-US" sz="1200" dirty="0" err="1">
+                <a:solidFill>
+                  <a:schemeClr val="bg1"/>
+                </a:solidFill>
+                <a:effectLst/>
+                <a:latin typeface="JetBrains Mono"/>
+              </a:rPr>
+              <a:t>FK_Rec_ID</a:t>
+            </a:r>
+            <a:endParaRPr lang="en-US" sz="1200" dirty="0">
+              <a:solidFill>
+                <a:schemeClr val="bg1"/>
+              </a:solidFill>
+              <a:effectLst/>
+              <a:latin typeface="JetBrains Mono"/>
+            </a:endParaRPr>
+          </a:p>
+          <a:p>
+            <a:r>
+              <a:rPr lang="en-US" sz="1200" dirty="0">
+                <a:solidFill>
+                  <a:schemeClr val="bg1"/>
+                </a:solidFill>
+                <a:effectLst/>
+                <a:latin typeface="JetBrains Mono"/>
+              </a:rPr>
+              <a:t>Player Record</a:t>
+            </a:r>
+          </a:p>
+          <a:p>
+            <a:r>
+              <a:rPr lang="en-US" sz="1200" dirty="0">
+                <a:solidFill>
+                  <a:schemeClr val="bg1"/>
+                </a:solidFill>
+                <a:latin typeface="JetBrains Mono"/>
+              </a:rPr>
+              <a:t>Name</a:t>
+            </a:r>
+          </a:p>
+          <a:p>
+            <a:r>
+              <a:rPr lang="en-US" sz="1200" dirty="0">
+                <a:solidFill>
+                  <a:schemeClr val="bg1"/>
+                </a:solidFill>
+                <a:effectLst/>
+                <a:latin typeface="JetBrains Mono"/>
+              </a:rPr>
+              <a:t>Hdcp</a:t>
+            </a:r>
+          </a:p>
+          <a:p>
+            <a:r>
+              <a:rPr lang="en-US" sz="1200" dirty="0">
+                <a:solidFill>
+                  <a:schemeClr val="bg1"/>
+                </a:solidFill>
+                <a:latin typeface="JetBrains Mono"/>
+              </a:rPr>
+              <a:t>Score[18]</a:t>
+            </a:r>
+            <a:endParaRPr lang="en-US" sz="1200" dirty="0">
+              <a:solidFill>
+                <a:schemeClr val="bg1"/>
+              </a:solidFill>
+              <a:effectLst/>
+              <a:latin typeface="JetBrains Mono"/>
+            </a:endParaRPr>
+          </a:p>
+        </p:txBody>
+      </p:sp>
+      <p:cxnSp>
+        <p:nvCxnSpPr>
+          <p:cNvPr id="39" name="Connector: Elbow 38">
+            <a:extLst>
+              <a:ext uri="{FF2B5EF4-FFF2-40B4-BE49-F238E27FC236}">
+                <a16:creationId xmlns:a16="http://schemas.microsoft.com/office/drawing/2014/main" id="{A2D0AF89-932D-205F-76C3-DDB93CCF66DB}"/>
+              </a:ext>
+            </a:extLst>
+          </p:cNvPr>
+          <p:cNvCxnSpPr>
+            <a:cxnSpLocks/>
+            <a:stCxn id="5" idx="2"/>
+            <a:endCxn id="37" idx="0"/>
+          </p:cNvCxnSpPr>
+          <p:nvPr/>
+        </p:nvCxnSpPr>
+        <p:spPr>
+          <a:xfrm rot="16200000" flipH="1">
+            <a:off x="4694437" y="2079303"/>
+            <a:ext cx="852551" cy="2343001"/>
+          </a:xfrm>
+          <a:prstGeom prst="bentConnector3">
+            <a:avLst>
+              <a:gd name="adj1" fmla="val 50000"/>
+            </a:avLst>
+          </a:prstGeom>
+          <a:ln>
+            <a:tailEnd type="triangle"/>
+          </a:ln>
+        </p:spPr>
+        <p:style>
+          <a:lnRef idx="2">
+            <a:schemeClr val="accent1"/>
+          </a:lnRef>
+          <a:fillRef idx="0">
+            <a:schemeClr val="accent1"/>
+          </a:fillRef>
+          <a:effectRef idx="1">
+            <a:schemeClr val="accent1"/>
+          </a:effectRef>
+          <a:fontRef idx="minor">
+            <a:schemeClr val="tx1"/>
+          </a:fontRef>
+        </p:style>
+      </p:cxnSp>
+    </p:spTree>
+    <p:extLst>
+      <p:ext uri="{BB962C8B-B14F-4D97-AF65-F5344CB8AC3E}">
+        <p14:creationId xmlns:p14="http://schemas.microsoft.com/office/powerpoint/2010/main" val="2100467204"/>
+      </p:ext>
+    </p:extLst>
+  </p:cSld>
+  <p:clrMapOvr>
+    <a:masterClrMapping/>
+  </p:clrMapOvr>
+</p:sld>
+</file>
+
+<file path=ppt/slides/slide12.xml><?xml version="1.0" encoding="utf-8"?>
+<p:sld xmlns:a="http://schemas.openxmlformats.org/drawingml/2006/main" xmlns:r="http://schemas.openxmlformats.org/officeDocument/2006/relationships" xmlns:p="http://schemas.openxmlformats.org/presentationml/2006/main">
+  <p:cSld>
+    <p:spTree>
+      <p:nvGrpSpPr>
+        <p:cNvPr id="1" name=""/>
+        <p:cNvGrpSpPr/>
+        <p:nvPr/>
+      </p:nvGrpSpPr>
+      <p:grpSpPr>
+        <a:xfrm>
+          <a:off x="0" y="0"/>
+          <a:ext cx="0" cy="0"/>
+          <a:chOff x="0" y="0"/>
+          <a:chExt cx="0" cy="0"/>
+        </a:xfrm>
+      </p:grpSpPr>
+      <p:sp>
+        <p:nvSpPr>
+          <p:cNvPr id="2" name="TextBox 1">
+            <a:extLst>
+              <a:ext uri="{FF2B5EF4-FFF2-40B4-BE49-F238E27FC236}">
                 <a16:creationId xmlns:a16="http://schemas.microsoft.com/office/drawing/2014/main" id="{1B5C00F4-BC4B-646F-477A-5400020993D9}"/>
               </a:ext>
             </a:extLst>
@@ -7650,7 +9299,7 @@
 </p:sld>
 </file>
 
-<file path=ppt/slides/slide12.xml><?xml version="1.0" encoding="utf-8"?>
+<file path=ppt/slides/slide13.xml><?xml version="1.0" encoding="utf-8"?>
 <p:sld xmlns:a="http://schemas.openxmlformats.org/drawingml/2006/main" xmlns:r="http://schemas.openxmlformats.org/officeDocument/2006/relationships" xmlns:p="http://schemas.openxmlformats.org/presentationml/2006/main">
   <p:cSld>
     <p:spTree>
@@ -16776,7 +18425,7 @@
         </p:nvSpPr>
         <p:spPr>
           <a:xfrm>
-            <a:off x="2364883" y="937206"/>
+            <a:off x="1674535" y="858487"/>
             <a:ext cx="1483637" cy="338554"/>
           </a:xfrm>
           <a:prstGeom prst="rect">
@@ -17007,7 +18656,7 @@
         </p:nvSpPr>
         <p:spPr>
           <a:xfrm>
-            <a:off x="5358592" y="957977"/>
+            <a:off x="3852252" y="1400649"/>
             <a:ext cx="1568180" cy="281713"/>
           </a:xfrm>
           <a:prstGeom prst="roundRect">
@@ -17292,6 +18941,55 @@
           </a:fontRef>
         </p:style>
       </p:cxnSp>
+      <p:sp>
+        <p:nvSpPr>
+          <p:cNvPr id="20" name="Rectangle 19">
+            <a:extLst>
+              <a:ext uri="{FF2B5EF4-FFF2-40B4-BE49-F238E27FC236}">
+                <a16:creationId xmlns:a16="http://schemas.microsoft.com/office/drawing/2014/main" id="{50E16B82-86A6-38F8-A7EA-DA1E10C7C3E2}"/>
+              </a:ext>
+            </a:extLst>
+          </p:cNvPr>
+          <p:cNvSpPr/>
+          <p:nvPr/>
+        </p:nvSpPr>
+        <p:spPr>
+          <a:xfrm>
+            <a:off x="1696348" y="1385127"/>
+            <a:ext cx="1432416" cy="297235"/>
+          </a:xfrm>
+          <a:prstGeom prst="rect">
+            <a:avLst/>
+          </a:prstGeom>
+        </p:spPr>
+        <p:style>
+          <a:lnRef idx="2">
+            <a:schemeClr val="accent1">
+              <a:shade val="15000"/>
+            </a:schemeClr>
+          </a:lnRef>
+          <a:fillRef idx="1">
+            <a:schemeClr val="accent1"/>
+          </a:fillRef>
+          <a:effectRef idx="0">
+            <a:schemeClr val="accent1"/>
+          </a:effectRef>
+          <a:fontRef idx="minor">
+            <a:schemeClr val="lt1"/>
+          </a:fontRef>
+        </p:style>
+        <p:txBody>
+          <a:bodyPr rtlCol="0" anchor="ctr"/>
+          <a:lstStyle/>
+          <a:p>
+            <a:pPr algn="ctr"/>
+            <a:r>
+              <a:rPr lang="en-US" sz="1400" dirty="0"/>
+              <a:t>Starting Hole</a:t>
+            </a:r>
+          </a:p>
+        </p:txBody>
+      </p:sp>
     </p:spTree>
     <p:extLst>
       <p:ext uri="{BB962C8B-B14F-4D97-AF65-F5344CB8AC3E}">
@@ -17336,8 +19034,8 @@
         </p:nvSpPr>
         <p:spPr>
           <a:xfrm>
-            <a:off x="745402" y="399213"/>
-            <a:ext cx="10701196" cy="5694630"/>
+            <a:off x="745402" y="502951"/>
+            <a:ext cx="10701196" cy="5590891"/>
           </a:xfrm>
           <a:prstGeom prst="rect">
             <a:avLst/>
@@ -17362,7 +19060,10 @@
           <a:lstStyle/>
           <a:p>
             <a:pPr algn="ctr"/>
-            <a:endParaRPr lang="en-US" dirty="0"/>
+            <a:r>
+              <a:rPr lang="en-US" dirty="0"/>
+              <a:t>Hea</a:t>
+            </a:r>
           </a:p>
         </p:txBody>
       </p:sp>
@@ -17508,8 +19209,8 @@
           </a:p>
         </p:txBody>
       </p:sp>
-      <mc:AlternateContent xmlns:mc="http://schemas.openxmlformats.org/markup-compatibility/2006">
-        <mc:Choice xmlns:p14="http://schemas.microsoft.com/office/powerpoint/2010/main" xmlns:aink="http://schemas.microsoft.com/office/drawing/2016/ink" Requires="p14 aink">
+      <mc:AlternateContent xmlns:mc="http://schemas.openxmlformats.org/markup-compatibility/2006" xmlns:p14="http://schemas.microsoft.com/office/powerpoint/2010/main" xmlns:aink="http://schemas.microsoft.com/office/drawing/2016/ink">
+        <mc:Choice Requires="p14 aink">
           <p:contentPart p14:bwMode="auto" r:id="rId2">
             <p14:nvContentPartPr>
               <p14:cNvPr id="6" name="Ink 5">
@@ -17528,7 +19229,7 @@
             </p14:xfrm>
           </p:contentPart>
         </mc:Choice>
-        <mc:Fallback>
+        <mc:Fallback xmlns="">
           <p:pic>
             <p:nvPicPr>
               <p:cNvPr id="6" name="Ink 5">
@@ -17559,8 +19260,8 @@
           </p:pic>
         </mc:Fallback>
       </mc:AlternateContent>
-      <mc:AlternateContent xmlns:mc="http://schemas.openxmlformats.org/markup-compatibility/2006">
-        <mc:Choice xmlns:p14="http://schemas.microsoft.com/office/powerpoint/2010/main" Requires="p14">
+      <mc:AlternateContent xmlns:mc="http://schemas.openxmlformats.org/markup-compatibility/2006" xmlns:p14="http://schemas.microsoft.com/office/powerpoint/2010/main">
+        <mc:Choice Requires="p14">
           <p:contentPart p14:bwMode="auto" r:id="rId4">
             <p14:nvContentPartPr>
               <p14:cNvPr id="9" name="Ink 8">
@@ -17579,7 +19280,7 @@
             </p14:xfrm>
           </p:contentPart>
         </mc:Choice>
-        <mc:Fallback>
+        <mc:Fallback xmlns="">
           <p:pic>
             <p:nvPicPr>
               <p:cNvPr id="9" name="Ink 8">
@@ -17610,8 +19311,8 @@
           </p:pic>
         </mc:Fallback>
       </mc:AlternateContent>
-      <mc:AlternateContent xmlns:mc="http://schemas.openxmlformats.org/markup-compatibility/2006">
-        <mc:Choice xmlns:p14="http://schemas.microsoft.com/office/powerpoint/2010/main" Requires="p14">
+      <mc:AlternateContent xmlns:mc="http://schemas.openxmlformats.org/markup-compatibility/2006" xmlns:p14="http://schemas.microsoft.com/office/powerpoint/2010/main">
+        <mc:Choice Requires="p14">
           <p:contentPart p14:bwMode="auto" r:id="rId6">
             <p14:nvContentPartPr>
               <p14:cNvPr id="10" name="Ink 9">
@@ -17630,7 +19331,7 @@
             </p14:xfrm>
           </p:contentPart>
         </mc:Choice>
-        <mc:Fallback>
+        <mc:Fallback xmlns="">
           <p:pic>
             <p:nvPicPr>
               <p:cNvPr id="10" name="Ink 9">
@@ -17661,8 +19362,8 @@
           </p:pic>
         </mc:Fallback>
       </mc:AlternateContent>
-      <mc:AlternateContent xmlns:mc="http://schemas.openxmlformats.org/markup-compatibility/2006">
-        <mc:Choice xmlns:p14="http://schemas.microsoft.com/office/powerpoint/2010/main" Requires="p14">
+      <mc:AlternateContent xmlns:mc="http://schemas.openxmlformats.org/markup-compatibility/2006" xmlns:p14="http://schemas.microsoft.com/office/powerpoint/2010/main">
+        <mc:Choice Requires="p14">
           <p:contentPart p14:bwMode="auto" r:id="rId8">
             <p14:nvContentPartPr>
               <p14:cNvPr id="11" name="Ink 10">
@@ -17681,7 +19382,7 @@
             </p14:xfrm>
           </p:contentPart>
         </mc:Choice>
-        <mc:Fallback>
+        <mc:Fallback xmlns="">
           <p:pic>
             <p:nvPicPr>
               <p:cNvPr id="11" name="Ink 10">
@@ -17712,8 +19413,8 @@
           </p:pic>
         </mc:Fallback>
       </mc:AlternateContent>
-      <mc:AlternateContent xmlns:mc="http://schemas.openxmlformats.org/markup-compatibility/2006">
-        <mc:Choice xmlns:p14="http://schemas.microsoft.com/office/powerpoint/2010/main" Requires="p14">
+      <mc:AlternateContent xmlns:mc="http://schemas.openxmlformats.org/markup-compatibility/2006" xmlns:p14="http://schemas.microsoft.com/office/powerpoint/2010/main">
+        <mc:Choice Requires="p14">
           <p:contentPart p14:bwMode="auto" r:id="rId9">
             <p14:nvContentPartPr>
               <p14:cNvPr id="12" name="Ink 11">
@@ -17732,7 +19433,7 @@
             </p14:xfrm>
           </p:contentPart>
         </mc:Choice>
-        <mc:Fallback>
+        <mc:Fallback xmlns="">
           <p:pic>
             <p:nvPicPr>
               <p:cNvPr id="12" name="Ink 11">
@@ -17763,8 +19464,8 @@
           </p:pic>
         </mc:Fallback>
       </mc:AlternateContent>
-      <mc:AlternateContent xmlns:mc="http://schemas.openxmlformats.org/markup-compatibility/2006">
-        <mc:Choice xmlns:p14="http://schemas.microsoft.com/office/powerpoint/2010/main" Requires="p14">
+      <mc:AlternateContent xmlns:mc="http://schemas.openxmlformats.org/markup-compatibility/2006" xmlns:p14="http://schemas.microsoft.com/office/powerpoint/2010/main">
+        <mc:Choice Requires="p14">
           <p:contentPart p14:bwMode="auto" r:id="rId10">
             <p14:nvContentPartPr>
               <p14:cNvPr id="13" name="Ink 12">
@@ -17783,7 +19484,7 @@
             </p14:xfrm>
           </p:contentPart>
         </mc:Choice>
-        <mc:Fallback>
+        <mc:Fallback xmlns="">
           <p:pic>
             <p:nvPicPr>
               <p:cNvPr id="13" name="Ink 12">
@@ -17814,8 +19515,8 @@
           </p:pic>
         </mc:Fallback>
       </mc:AlternateContent>
-      <mc:AlternateContent xmlns:mc="http://schemas.openxmlformats.org/markup-compatibility/2006">
-        <mc:Choice xmlns:p14="http://schemas.microsoft.com/office/powerpoint/2010/main" Requires="p14">
+      <mc:AlternateContent xmlns:mc="http://schemas.openxmlformats.org/markup-compatibility/2006" xmlns:p14="http://schemas.microsoft.com/office/powerpoint/2010/main">
+        <mc:Choice Requires="p14">
           <p:contentPart p14:bwMode="auto" r:id="rId11">
             <p14:nvContentPartPr>
               <p14:cNvPr id="14" name="Ink 13">
@@ -17834,7 +19535,7 @@
             </p14:xfrm>
           </p:contentPart>
         </mc:Choice>
-        <mc:Fallback>
+        <mc:Fallback xmlns="">
           <p:pic>
             <p:nvPicPr>
               <p:cNvPr id="14" name="Ink 13">
@@ -17865,8 +19566,8 @@
           </p:pic>
         </mc:Fallback>
       </mc:AlternateContent>
-      <mc:AlternateContent xmlns:mc="http://schemas.openxmlformats.org/markup-compatibility/2006">
-        <mc:Choice xmlns:p14="http://schemas.microsoft.com/office/powerpoint/2010/main" Requires="p14">
+      <mc:AlternateContent xmlns:mc="http://schemas.openxmlformats.org/markup-compatibility/2006" xmlns:p14="http://schemas.microsoft.com/office/powerpoint/2010/main">
+        <mc:Choice Requires="p14">
           <p:contentPart p14:bwMode="auto" r:id="rId12">
             <p14:nvContentPartPr>
               <p14:cNvPr id="15" name="Ink 14">
@@ -17885,7 +19586,7 @@
             </p14:xfrm>
           </p:contentPart>
         </mc:Choice>
-        <mc:Fallback>
+        <mc:Fallback xmlns="">
           <p:pic>
             <p:nvPicPr>
               <p:cNvPr id="15" name="Ink 14">
@@ -17916,8 +19617,8 @@
           </p:pic>
         </mc:Fallback>
       </mc:AlternateContent>
-      <mc:AlternateContent xmlns:mc="http://schemas.openxmlformats.org/markup-compatibility/2006">
-        <mc:Choice xmlns:p14="http://schemas.microsoft.com/office/powerpoint/2010/main" Requires="p14">
+      <mc:AlternateContent xmlns:mc="http://schemas.openxmlformats.org/markup-compatibility/2006" xmlns:p14="http://schemas.microsoft.com/office/powerpoint/2010/main">
+        <mc:Choice Requires="p14">
           <p:contentPart p14:bwMode="auto" r:id="rId13">
             <p14:nvContentPartPr>
               <p14:cNvPr id="16" name="Ink 15">
@@ -17936,7 +19637,7 @@
             </p14:xfrm>
           </p:contentPart>
         </mc:Choice>
-        <mc:Fallback>
+        <mc:Fallback xmlns="">
           <p:pic>
             <p:nvPicPr>
               <p:cNvPr id="16" name="Ink 15">
@@ -17967,8 +19668,8 @@
           </p:pic>
         </mc:Fallback>
       </mc:AlternateContent>
-      <mc:AlternateContent xmlns:mc="http://schemas.openxmlformats.org/markup-compatibility/2006">
-        <mc:Choice xmlns:p14="http://schemas.microsoft.com/office/powerpoint/2010/main" Requires="p14">
+      <mc:AlternateContent xmlns:mc="http://schemas.openxmlformats.org/markup-compatibility/2006" xmlns:p14="http://schemas.microsoft.com/office/powerpoint/2010/main">
+        <mc:Choice Requires="p14">
           <p:contentPart p14:bwMode="auto" r:id="rId14">
             <p14:nvContentPartPr>
               <p14:cNvPr id="17" name="Ink 16">
@@ -17987,7 +19688,7 @@
             </p14:xfrm>
           </p:contentPart>
         </mc:Choice>
-        <mc:Fallback>
+        <mc:Fallback xmlns="">
           <p:pic>
             <p:nvPicPr>
               <p:cNvPr id="17" name="Ink 16">
@@ -18018,8 +19719,8 @@
           </p:pic>
         </mc:Fallback>
       </mc:AlternateContent>
-      <mc:AlternateContent xmlns:mc="http://schemas.openxmlformats.org/markup-compatibility/2006">
-        <mc:Choice xmlns:p14="http://schemas.microsoft.com/office/powerpoint/2010/main" Requires="p14">
+      <mc:AlternateContent xmlns:mc="http://schemas.openxmlformats.org/markup-compatibility/2006" xmlns:p14="http://schemas.microsoft.com/office/powerpoint/2010/main">
+        <mc:Choice Requires="p14">
           <p:contentPart p14:bwMode="auto" r:id="rId16">
             <p14:nvContentPartPr>
               <p14:cNvPr id="18" name="Ink 17">
@@ -18038,7 +19739,7 @@
             </p14:xfrm>
           </p:contentPart>
         </mc:Choice>
-        <mc:Fallback>
+        <mc:Fallback xmlns="">
           <p:pic>
             <p:nvPicPr>
               <p:cNvPr id="18" name="Ink 17">
@@ -18069,8 +19770,8 @@
           </p:pic>
         </mc:Fallback>
       </mc:AlternateContent>
-      <mc:AlternateContent xmlns:mc="http://schemas.openxmlformats.org/markup-compatibility/2006">
-        <mc:Choice xmlns:p14="http://schemas.microsoft.com/office/powerpoint/2010/main" Requires="p14">
+      <mc:AlternateContent xmlns:mc="http://schemas.openxmlformats.org/markup-compatibility/2006" xmlns:p14="http://schemas.microsoft.com/office/powerpoint/2010/main">
+        <mc:Choice Requires="p14">
           <p:contentPart p14:bwMode="auto" r:id="rId17">
             <p14:nvContentPartPr>
               <p14:cNvPr id="20" name="Ink 19">
@@ -18089,7 +19790,7 @@
             </p14:xfrm>
           </p:contentPart>
         </mc:Choice>
-        <mc:Fallback>
+        <mc:Fallback xmlns="">
           <p:pic>
             <p:nvPicPr>
               <p:cNvPr id="20" name="Ink 19">
@@ -18120,8 +19821,8 @@
           </p:pic>
         </mc:Fallback>
       </mc:AlternateContent>
-      <mc:AlternateContent xmlns:mc="http://schemas.openxmlformats.org/markup-compatibility/2006">
-        <mc:Choice xmlns:p14="http://schemas.microsoft.com/office/powerpoint/2010/main" Requires="p14">
+      <mc:AlternateContent xmlns:mc="http://schemas.openxmlformats.org/markup-compatibility/2006" xmlns:p14="http://schemas.microsoft.com/office/powerpoint/2010/main">
+        <mc:Choice Requires="p14">
           <p:contentPart p14:bwMode="auto" r:id="rId19">
             <p14:nvContentPartPr>
               <p14:cNvPr id="21" name="Ink 20">
@@ -18140,7 +19841,7 @@
             </p14:xfrm>
           </p:contentPart>
         </mc:Choice>
-        <mc:Fallback>
+        <mc:Fallback xmlns="">
           <p:pic>
             <p:nvPicPr>
               <p:cNvPr id="21" name="Ink 20">
@@ -18171,8 +19872,8 @@
           </p:pic>
         </mc:Fallback>
       </mc:AlternateContent>
-      <mc:AlternateContent xmlns:mc="http://schemas.openxmlformats.org/markup-compatibility/2006">
-        <mc:Choice xmlns:p14="http://schemas.microsoft.com/office/powerpoint/2010/main" Requires="p14">
+      <mc:AlternateContent xmlns:mc="http://schemas.openxmlformats.org/markup-compatibility/2006" xmlns:p14="http://schemas.microsoft.com/office/powerpoint/2010/main">
+        <mc:Choice Requires="p14">
           <p:contentPart p14:bwMode="auto" r:id="rId21">
             <p14:nvContentPartPr>
               <p14:cNvPr id="22" name="Ink 21">
@@ -18191,7 +19892,7 @@
             </p14:xfrm>
           </p:contentPart>
         </mc:Choice>
-        <mc:Fallback>
+        <mc:Fallback xmlns="">
           <p:pic>
             <p:nvPicPr>
               <p:cNvPr id="22" name="Ink 21">
@@ -18222,8 +19923,8 @@
           </p:pic>
         </mc:Fallback>
       </mc:AlternateContent>
-      <mc:AlternateContent xmlns:mc="http://schemas.openxmlformats.org/markup-compatibility/2006">
-        <mc:Choice xmlns:p14="http://schemas.microsoft.com/office/powerpoint/2010/main" Requires="p14">
+      <mc:AlternateContent xmlns:mc="http://schemas.openxmlformats.org/markup-compatibility/2006" xmlns:p14="http://schemas.microsoft.com/office/powerpoint/2010/main">
+        <mc:Choice Requires="p14">
           <p:contentPart p14:bwMode="auto" r:id="rId22">
             <p14:nvContentPartPr>
               <p14:cNvPr id="23" name="Ink 22">
@@ -18242,7 +19943,7 @@
             </p14:xfrm>
           </p:contentPart>
         </mc:Choice>
-        <mc:Fallback>
+        <mc:Fallback xmlns="">
           <p:pic>
             <p:nvPicPr>
               <p:cNvPr id="23" name="Ink 22">
@@ -18273,8 +19974,8 @@
           </p:pic>
         </mc:Fallback>
       </mc:AlternateContent>
-      <mc:AlternateContent xmlns:mc="http://schemas.openxmlformats.org/markup-compatibility/2006">
-        <mc:Choice xmlns:p14="http://schemas.microsoft.com/office/powerpoint/2010/main" Requires="p14">
+      <mc:AlternateContent xmlns:mc="http://schemas.openxmlformats.org/markup-compatibility/2006" xmlns:p14="http://schemas.microsoft.com/office/powerpoint/2010/main">
+        <mc:Choice Requires="p14">
           <p:contentPart p14:bwMode="auto" r:id="rId23">
             <p14:nvContentPartPr>
               <p14:cNvPr id="24" name="Ink 23">
@@ -18293,7 +19994,7 @@
             </p14:xfrm>
           </p:contentPart>
         </mc:Choice>
-        <mc:Fallback>
+        <mc:Fallback xmlns="">
           <p:pic>
             <p:nvPicPr>
               <p:cNvPr id="24" name="Ink 23">
@@ -18324,8 +20025,8 @@
           </p:pic>
         </mc:Fallback>
       </mc:AlternateContent>
-      <mc:AlternateContent xmlns:mc="http://schemas.openxmlformats.org/markup-compatibility/2006">
-        <mc:Choice xmlns:p14="http://schemas.microsoft.com/office/powerpoint/2010/main" Requires="p14">
+      <mc:AlternateContent xmlns:mc="http://schemas.openxmlformats.org/markup-compatibility/2006" xmlns:p14="http://schemas.microsoft.com/office/powerpoint/2010/main">
+        <mc:Choice Requires="p14">
           <p:contentPart p14:bwMode="auto" r:id="rId24">
             <p14:nvContentPartPr>
               <p14:cNvPr id="25" name="Ink 24">
@@ -18344,7 +20045,7 @@
             </p14:xfrm>
           </p:contentPart>
         </mc:Choice>
-        <mc:Fallback>
+        <mc:Fallback xmlns="">
           <p:pic>
             <p:nvPicPr>
               <p:cNvPr id="25" name="Ink 24">
@@ -18375,8 +20076,8 @@
           </p:pic>
         </mc:Fallback>
       </mc:AlternateContent>
-      <mc:AlternateContent xmlns:mc="http://schemas.openxmlformats.org/markup-compatibility/2006">
-        <mc:Choice xmlns:p14="http://schemas.microsoft.com/office/powerpoint/2010/main" Requires="p14">
+      <mc:AlternateContent xmlns:mc="http://schemas.openxmlformats.org/markup-compatibility/2006" xmlns:p14="http://schemas.microsoft.com/office/powerpoint/2010/main">
+        <mc:Choice Requires="p14">
           <p:contentPart p14:bwMode="auto" r:id="rId25">
             <p14:nvContentPartPr>
               <p14:cNvPr id="26" name="Ink 25">
@@ -18395,7 +20096,7 @@
             </p14:xfrm>
           </p:contentPart>
         </mc:Choice>
-        <mc:Fallback>
+        <mc:Fallback xmlns="">
           <p:pic>
             <p:nvPicPr>
               <p:cNvPr id="26" name="Ink 25">
@@ -18426,8 +20127,8 @@
           </p:pic>
         </mc:Fallback>
       </mc:AlternateContent>
-      <mc:AlternateContent xmlns:mc="http://schemas.openxmlformats.org/markup-compatibility/2006">
-        <mc:Choice xmlns:p14="http://schemas.microsoft.com/office/powerpoint/2010/main" Requires="p14">
+      <mc:AlternateContent xmlns:mc="http://schemas.openxmlformats.org/markup-compatibility/2006" xmlns:p14="http://schemas.microsoft.com/office/powerpoint/2010/main">
+        <mc:Choice Requires="p14">
           <p:contentPart p14:bwMode="auto" r:id="rId26">
             <p14:nvContentPartPr>
               <p14:cNvPr id="28" name="Ink 27">
@@ -18446,7 +20147,7 @@
             </p14:xfrm>
           </p:contentPart>
         </mc:Choice>
-        <mc:Fallback>
+        <mc:Fallback xmlns="">
           <p:pic>
             <p:nvPicPr>
               <p:cNvPr id="28" name="Ink 27">
@@ -18477,8 +20178,8 @@
           </p:pic>
         </mc:Fallback>
       </mc:AlternateContent>
-      <mc:AlternateContent xmlns:mc="http://schemas.openxmlformats.org/markup-compatibility/2006">
-        <mc:Choice xmlns:p14="http://schemas.microsoft.com/office/powerpoint/2010/main" Requires="p14">
+      <mc:AlternateContent xmlns:mc="http://schemas.openxmlformats.org/markup-compatibility/2006" xmlns:p14="http://schemas.microsoft.com/office/powerpoint/2010/main">
+        <mc:Choice Requires="p14">
           <p:contentPart p14:bwMode="auto" r:id="rId27">
             <p14:nvContentPartPr>
               <p14:cNvPr id="30" name="Ink 29">
@@ -18497,7 +20198,7 @@
             </p14:xfrm>
           </p:contentPart>
         </mc:Choice>
-        <mc:Fallback>
+        <mc:Fallback xmlns="">
           <p:pic>
             <p:nvPicPr>
               <p:cNvPr id="30" name="Ink 29">
@@ -18793,6 +20494,11 @@
           <a:prstGeom prst="rect">
             <a:avLst/>
           </a:prstGeom>
+          <a:solidFill>
+            <a:schemeClr val="bg2">
+              <a:lumMod val="50000"/>
+            </a:schemeClr>
+          </a:solidFill>
         </p:spPr>
         <p:style>
           <a:lnRef idx="2">
@@ -18842,6 +20548,11 @@
           <a:prstGeom prst="rect">
             <a:avLst/>
           </a:prstGeom>
+          <a:solidFill>
+            <a:schemeClr val="bg2">
+              <a:lumMod val="50000"/>
+            </a:schemeClr>
+          </a:solidFill>
         </p:spPr>
         <p:style>
           <a:lnRef idx="2">
@@ -18891,6 +20602,11 @@
           <a:prstGeom prst="rect">
             <a:avLst/>
           </a:prstGeom>
+          <a:solidFill>
+            <a:schemeClr val="bg2">
+              <a:lumMod val="50000"/>
+            </a:schemeClr>
+          </a:solidFill>
         </p:spPr>
         <p:style>
           <a:lnRef idx="2">
@@ -19511,8 +21227,8 @@
           </a:p>
         </p:txBody>
       </p:sp>
-      <mc:AlternateContent xmlns:mc="http://schemas.openxmlformats.org/markup-compatibility/2006">
-        <mc:Choice xmlns:p14="http://schemas.microsoft.com/office/powerpoint/2010/main" Requires="p14">
+      <mc:AlternateContent xmlns:mc="http://schemas.openxmlformats.org/markup-compatibility/2006" xmlns:p14="http://schemas.microsoft.com/office/powerpoint/2010/main">
+        <mc:Choice Requires="p14">
           <p:contentPart p14:bwMode="auto" r:id="rId29">
             <p14:nvContentPartPr>
               <p14:cNvPr id="48" name="Ink 47">
@@ -19531,7 +21247,7 @@
             </p14:xfrm>
           </p:contentPart>
         </mc:Choice>
-        <mc:Fallback>
+        <mc:Fallback xmlns="">
           <p:pic>
             <p:nvPicPr>
               <p:cNvPr id="48" name="Ink 47">
@@ -19796,10 +21512,98 @@
           <a:p>
             <a:pPr algn="ctr"/>
             <a:r>
-              <a:rPr lang="en-US" sz="1000" dirty="0" err="1"/>
-              <a:t>Displa</a:t>
+              <a:rPr lang="en-US" sz="1000"/>
+              <a:t>Display</a:t>
             </a:r>
             <a:endParaRPr lang="en-US" sz="1000" dirty="0"/>
+          </a:p>
+        </p:txBody>
+      </p:sp>
+      <p:sp>
+        <p:nvSpPr>
+          <p:cNvPr id="19" name="Star: 4 Points 18">
+            <a:extLst>
+              <a:ext uri="{FF2B5EF4-FFF2-40B4-BE49-F238E27FC236}">
+                <a16:creationId xmlns:a16="http://schemas.microsoft.com/office/drawing/2014/main" id="{8BA058A4-73DE-507C-6E08-26FDAA255E6A}"/>
+              </a:ext>
+            </a:extLst>
+          </p:cNvPr>
+          <p:cNvSpPr/>
+          <p:nvPr/>
+        </p:nvSpPr>
+        <p:spPr>
+          <a:xfrm>
+            <a:off x="9344534" y="5262800"/>
+            <a:ext cx="318033" cy="204195"/>
+          </a:xfrm>
+          <a:prstGeom prst="star4">
+            <a:avLst>
+              <a:gd name="adj" fmla="val 21456"/>
+            </a:avLst>
+          </a:prstGeom>
+          <a:solidFill>
+            <a:schemeClr val="bg2">
+              <a:lumMod val="50000"/>
+            </a:schemeClr>
+          </a:solidFill>
+        </p:spPr>
+        <p:style>
+          <a:lnRef idx="2">
+            <a:schemeClr val="accent1">
+              <a:shade val="15000"/>
+            </a:schemeClr>
+          </a:lnRef>
+          <a:fillRef idx="1">
+            <a:schemeClr val="accent1"/>
+          </a:fillRef>
+          <a:effectRef idx="0">
+            <a:schemeClr val="accent1"/>
+          </a:effectRef>
+          <a:fontRef idx="minor">
+            <a:schemeClr val="lt1"/>
+          </a:fontRef>
+        </p:style>
+        <p:txBody>
+          <a:bodyPr rtlCol="0" anchor="ctr"/>
+          <a:lstStyle/>
+          <a:p>
+            <a:pPr algn="ctr"/>
+            <a:endParaRPr lang="en-US"/>
+          </a:p>
+        </p:txBody>
+      </p:sp>
+      <p:sp>
+        <p:nvSpPr>
+          <p:cNvPr id="53" name="TextBox 52">
+            <a:extLst>
+              <a:ext uri="{FF2B5EF4-FFF2-40B4-BE49-F238E27FC236}">
+                <a16:creationId xmlns:a16="http://schemas.microsoft.com/office/drawing/2014/main" id="{16E04226-3260-F5F8-2B0E-E651AE3EE107}"/>
+              </a:ext>
+            </a:extLst>
+          </p:cNvPr>
+          <p:cNvSpPr txBox="1"/>
+          <p:nvPr/>
+        </p:nvSpPr>
+        <p:spPr>
+          <a:xfrm>
+            <a:off x="9753401" y="5277332"/>
+            <a:ext cx="534121" cy="215444"/>
+          </a:xfrm>
+          <a:prstGeom prst="rect">
+            <a:avLst/>
+          </a:prstGeom>
+          <a:noFill/>
+        </p:spPr>
+        <p:txBody>
+          <a:bodyPr wrap="none" rtlCol="0">
+            <a:spAutoFit/>
+          </a:bodyPr>
+          <a:lstStyle/>
+          <a:p>
+            <a:r>
+              <a:rPr lang="en-US" sz="800" dirty="0"/>
+              <a:t>Header</a:t>
+            </a:r>
           </a:p>
         </p:txBody>
       </p:sp>
@@ -19835,10 +21639,45 @@
       </p:grpSpPr>
       <p:sp>
         <p:nvSpPr>
+          <p:cNvPr id="2" name="TextBox 1">
+            <a:extLst>
+              <a:ext uri="{FF2B5EF4-FFF2-40B4-BE49-F238E27FC236}">
+                <a16:creationId xmlns:a16="http://schemas.microsoft.com/office/drawing/2014/main" id="{4197CC9D-8895-E34C-93F4-DAFD032A2864}"/>
+              </a:ext>
+            </a:extLst>
+          </p:cNvPr>
+          <p:cNvSpPr txBox="1"/>
+          <p:nvPr/>
+        </p:nvSpPr>
+        <p:spPr>
+          <a:xfrm>
+            <a:off x="4998732" y="228635"/>
+            <a:ext cx="1734770" cy="307777"/>
+          </a:xfrm>
+          <a:prstGeom prst="rect">
+            <a:avLst/>
+          </a:prstGeom>
+          <a:noFill/>
+        </p:spPr>
+        <p:txBody>
+          <a:bodyPr wrap="none" rtlCol="0">
+            <a:spAutoFit/>
+          </a:bodyPr>
+          <a:lstStyle/>
+          <a:p>
+            <a:r>
+              <a:rPr lang="en-US" sz="1400" dirty="0"/>
+              <a:t>Score Card Layout</a:t>
+            </a:r>
+          </a:p>
+        </p:txBody>
+      </p:sp>
+      <p:sp>
+        <p:nvSpPr>
           <p:cNvPr id="3" name="Rectangle 2">
             <a:extLst>
               <a:ext uri="{FF2B5EF4-FFF2-40B4-BE49-F238E27FC236}">
-                <a16:creationId xmlns:a16="http://schemas.microsoft.com/office/drawing/2014/main" id="{95468A64-E404-084B-AC3F-C60BBD7EAEBD}"/>
+                <a16:creationId xmlns:a16="http://schemas.microsoft.com/office/drawing/2014/main" id="{334DEEFE-4D20-595B-505F-578C2AEA1554}"/>
               </a:ext>
             </a:extLst>
           </p:cNvPr>
@@ -19847,8 +21686,8 @@
         </p:nvSpPr>
         <p:spPr>
           <a:xfrm>
-            <a:off x="3535708" y="435928"/>
-            <a:ext cx="4206194" cy="6214276"/>
+            <a:off x="2709741" y="1325903"/>
+            <a:ext cx="6217852" cy="3383243"/>
           </a:xfrm>
           <a:prstGeom prst="rect">
             <a:avLst/>
@@ -19856,13 +21695,13 @@
         </p:spPr>
         <p:style>
           <a:lnRef idx="2">
-            <a:schemeClr val="accent3"/>
+            <a:schemeClr val="accent1"/>
           </a:lnRef>
           <a:fillRef idx="1">
             <a:schemeClr val="lt1"/>
           </a:fillRef>
           <a:effectRef idx="0">
-            <a:schemeClr val="accent3"/>
+            <a:schemeClr val="accent1"/>
           </a:effectRef>
           <a:fontRef idx="minor">
             <a:schemeClr val="dk1"/>
@@ -19873,32 +21712,695 @@
           <a:lstStyle/>
           <a:p>
             <a:pPr algn="ctr"/>
-            <a:endParaRPr lang="en-US" dirty="0"/>
+            <a:endParaRPr lang="en-US"/>
+          </a:p>
+        </p:txBody>
+      </p:sp>
+      <p:sp>
+        <p:nvSpPr>
+          <p:cNvPr id="4" name="Rectangle 3">
+            <a:extLst>
+              <a:ext uri="{FF2B5EF4-FFF2-40B4-BE49-F238E27FC236}">
+                <a16:creationId xmlns:a16="http://schemas.microsoft.com/office/drawing/2014/main" id="{13D18BCD-12AF-D181-7D98-63F6E51460AE}"/>
+              </a:ext>
+            </a:extLst>
+          </p:cNvPr>
+          <p:cNvSpPr/>
+          <p:nvPr/>
+        </p:nvSpPr>
+        <p:spPr>
+          <a:xfrm>
+            <a:off x="3169951" y="1691659"/>
+            <a:ext cx="1188707" cy="457195"/>
+          </a:xfrm>
+          <a:prstGeom prst="rect">
+            <a:avLst/>
+          </a:prstGeom>
+        </p:spPr>
+        <p:style>
+          <a:lnRef idx="2">
+            <a:schemeClr val="accent1">
+              <a:shade val="15000"/>
+            </a:schemeClr>
+          </a:lnRef>
+          <a:fillRef idx="1">
+            <a:schemeClr val="accent1"/>
+          </a:fillRef>
+          <a:effectRef idx="0">
+            <a:schemeClr val="accent1"/>
+          </a:effectRef>
+          <a:fontRef idx="minor">
+            <a:schemeClr val="lt1"/>
+          </a:fontRef>
+        </p:style>
+        <p:txBody>
+          <a:bodyPr rtlCol="0" anchor="ctr"/>
+          <a:lstStyle/>
+          <a:p>
+            <a:pPr algn="ctr"/>
+            <a:endParaRPr lang="en-US"/>
+          </a:p>
+        </p:txBody>
+      </p:sp>
+      <p:sp>
+        <p:nvSpPr>
+          <p:cNvPr id="5" name="Rectangle 4">
+            <a:extLst>
+              <a:ext uri="{FF2B5EF4-FFF2-40B4-BE49-F238E27FC236}">
+                <a16:creationId xmlns:a16="http://schemas.microsoft.com/office/drawing/2014/main" id="{48FDF903-6A9A-62A0-2E3D-152280A08096}"/>
+              </a:ext>
+            </a:extLst>
+          </p:cNvPr>
+          <p:cNvSpPr/>
+          <p:nvPr/>
+        </p:nvSpPr>
+        <p:spPr>
+          <a:xfrm>
+            <a:off x="3169952" y="2423171"/>
+            <a:ext cx="1188707" cy="1005829"/>
+          </a:xfrm>
+          <a:prstGeom prst="rect">
+            <a:avLst/>
+          </a:prstGeom>
+        </p:spPr>
+        <p:style>
+          <a:lnRef idx="2">
+            <a:schemeClr val="accent1">
+              <a:shade val="15000"/>
+            </a:schemeClr>
+          </a:lnRef>
+          <a:fillRef idx="1">
+            <a:schemeClr val="accent1"/>
+          </a:fillRef>
+          <a:effectRef idx="0">
+            <a:schemeClr val="accent1"/>
+          </a:effectRef>
+          <a:fontRef idx="minor">
+            <a:schemeClr val="lt1"/>
+          </a:fontRef>
+        </p:style>
+        <p:txBody>
+          <a:bodyPr rtlCol="0" anchor="ctr"/>
+          <a:lstStyle/>
+          <a:p>
+            <a:pPr algn="ctr"/>
+            <a:endParaRPr lang="en-US"/>
+          </a:p>
+        </p:txBody>
+      </p:sp>
+      <p:sp>
+        <p:nvSpPr>
+          <p:cNvPr id="6" name="Rectangle 5">
+            <a:extLst>
+              <a:ext uri="{FF2B5EF4-FFF2-40B4-BE49-F238E27FC236}">
+                <a16:creationId xmlns:a16="http://schemas.microsoft.com/office/drawing/2014/main" id="{1F57865F-9B95-A6CE-C9E2-6CDBE14D5219}"/>
+              </a:ext>
+            </a:extLst>
+          </p:cNvPr>
+          <p:cNvSpPr/>
+          <p:nvPr/>
+        </p:nvSpPr>
+        <p:spPr>
+          <a:xfrm>
+            <a:off x="3169952" y="3703317"/>
+            <a:ext cx="1188707" cy="365756"/>
+          </a:xfrm>
+          <a:prstGeom prst="rect">
+            <a:avLst/>
+          </a:prstGeom>
+        </p:spPr>
+        <p:style>
+          <a:lnRef idx="2">
+            <a:schemeClr val="accent1">
+              <a:shade val="15000"/>
+            </a:schemeClr>
+          </a:lnRef>
+          <a:fillRef idx="1">
+            <a:schemeClr val="accent1"/>
+          </a:fillRef>
+          <a:effectRef idx="0">
+            <a:schemeClr val="accent1"/>
+          </a:effectRef>
+          <a:fontRef idx="minor">
+            <a:schemeClr val="lt1"/>
+          </a:fontRef>
+        </p:style>
+        <p:txBody>
+          <a:bodyPr rtlCol="0" anchor="ctr"/>
+          <a:lstStyle/>
+          <a:p>
+            <a:pPr algn="ctr"/>
+            <a:endParaRPr lang="en-US"/>
+          </a:p>
+        </p:txBody>
+      </p:sp>
+      <p:sp>
+        <p:nvSpPr>
+          <p:cNvPr id="7" name="Rectangle 6">
+            <a:extLst>
+              <a:ext uri="{FF2B5EF4-FFF2-40B4-BE49-F238E27FC236}">
+                <a16:creationId xmlns:a16="http://schemas.microsoft.com/office/drawing/2014/main" id="{40A4766A-A6E2-65C8-37C3-929377E899A2}"/>
+              </a:ext>
+            </a:extLst>
+          </p:cNvPr>
+          <p:cNvSpPr/>
+          <p:nvPr/>
+        </p:nvSpPr>
+        <p:spPr>
+          <a:xfrm>
+            <a:off x="4701821" y="1691659"/>
+            <a:ext cx="2582886" cy="457195"/>
+          </a:xfrm>
+          <a:prstGeom prst="rect">
+            <a:avLst/>
+          </a:prstGeom>
+        </p:spPr>
+        <p:style>
+          <a:lnRef idx="2">
+            <a:schemeClr val="accent1">
+              <a:shade val="15000"/>
+            </a:schemeClr>
+          </a:lnRef>
+          <a:fillRef idx="1">
+            <a:schemeClr val="accent1"/>
+          </a:fillRef>
+          <a:effectRef idx="0">
+            <a:schemeClr val="accent1"/>
+          </a:effectRef>
+          <a:fontRef idx="minor">
+            <a:schemeClr val="lt1"/>
+          </a:fontRef>
+        </p:style>
+        <p:txBody>
+          <a:bodyPr rtlCol="0" anchor="ctr"/>
+          <a:lstStyle/>
+          <a:p>
+            <a:pPr algn="ctr"/>
+            <a:endParaRPr lang="en-US"/>
+          </a:p>
+        </p:txBody>
+      </p:sp>
+      <p:sp>
+        <p:nvSpPr>
+          <p:cNvPr id="8" name="Rectangle 7">
+            <a:extLst>
+              <a:ext uri="{FF2B5EF4-FFF2-40B4-BE49-F238E27FC236}">
+                <a16:creationId xmlns:a16="http://schemas.microsoft.com/office/drawing/2014/main" id="{99088D0B-05CF-09F2-FBC4-55A0851597B3}"/>
+              </a:ext>
+            </a:extLst>
+          </p:cNvPr>
+          <p:cNvSpPr/>
+          <p:nvPr/>
+        </p:nvSpPr>
+        <p:spPr>
+          <a:xfrm>
+            <a:off x="4717082" y="2435430"/>
+            <a:ext cx="2567625" cy="1005829"/>
+          </a:xfrm>
+          <a:prstGeom prst="rect">
+            <a:avLst/>
+          </a:prstGeom>
+        </p:spPr>
+        <p:style>
+          <a:lnRef idx="2">
+            <a:schemeClr val="accent1">
+              <a:shade val="15000"/>
+            </a:schemeClr>
+          </a:lnRef>
+          <a:fillRef idx="1">
+            <a:schemeClr val="accent1"/>
+          </a:fillRef>
+          <a:effectRef idx="0">
+            <a:schemeClr val="accent1"/>
+          </a:effectRef>
+          <a:fontRef idx="minor">
+            <a:schemeClr val="lt1"/>
+          </a:fontRef>
+        </p:style>
+        <p:txBody>
+          <a:bodyPr rtlCol="0" anchor="ctr"/>
+          <a:lstStyle/>
+          <a:p>
+            <a:pPr algn="ctr"/>
+            <a:endParaRPr lang="en-US"/>
+          </a:p>
+        </p:txBody>
+      </p:sp>
+      <p:sp>
+        <p:nvSpPr>
+          <p:cNvPr id="9" name="Rectangle 8">
+            <a:extLst>
+              <a:ext uri="{FF2B5EF4-FFF2-40B4-BE49-F238E27FC236}">
+                <a16:creationId xmlns:a16="http://schemas.microsoft.com/office/drawing/2014/main" id="{F27C45A3-C2A0-A7BE-5888-DE955BCB5263}"/>
+              </a:ext>
+            </a:extLst>
+          </p:cNvPr>
+          <p:cNvSpPr/>
+          <p:nvPr/>
+        </p:nvSpPr>
+        <p:spPr>
+          <a:xfrm>
+            <a:off x="4804557" y="3703317"/>
+            <a:ext cx="2480150" cy="365756"/>
+          </a:xfrm>
+          <a:prstGeom prst="rect">
+            <a:avLst/>
+          </a:prstGeom>
+        </p:spPr>
+        <p:style>
+          <a:lnRef idx="2">
+            <a:schemeClr val="accent1">
+              <a:shade val="15000"/>
+            </a:schemeClr>
+          </a:lnRef>
+          <a:fillRef idx="1">
+            <a:schemeClr val="accent1"/>
+          </a:fillRef>
+          <a:effectRef idx="0">
+            <a:schemeClr val="accent1"/>
+          </a:effectRef>
+          <a:fontRef idx="minor">
+            <a:schemeClr val="lt1"/>
+          </a:fontRef>
+        </p:style>
+        <p:txBody>
+          <a:bodyPr rtlCol="0" anchor="ctr"/>
+          <a:lstStyle/>
+          <a:p>
+            <a:pPr algn="ctr"/>
+            <a:endParaRPr lang="en-US"/>
+          </a:p>
+        </p:txBody>
+      </p:sp>
+      <p:sp>
+        <p:nvSpPr>
+          <p:cNvPr id="10" name="Rectangle 9">
+            <a:extLst>
+              <a:ext uri="{FF2B5EF4-FFF2-40B4-BE49-F238E27FC236}">
+                <a16:creationId xmlns:a16="http://schemas.microsoft.com/office/drawing/2014/main" id="{C6391222-C7A4-D4D9-F52E-3D2C2D20DF9B}"/>
+              </a:ext>
+            </a:extLst>
+          </p:cNvPr>
+          <p:cNvSpPr/>
+          <p:nvPr/>
+        </p:nvSpPr>
+        <p:spPr>
+          <a:xfrm>
+            <a:off x="7508776" y="1691659"/>
+            <a:ext cx="507444" cy="457195"/>
+          </a:xfrm>
+          <a:prstGeom prst="rect">
+            <a:avLst/>
+          </a:prstGeom>
+        </p:spPr>
+        <p:style>
+          <a:lnRef idx="2">
+            <a:schemeClr val="accent1">
+              <a:shade val="15000"/>
+            </a:schemeClr>
+          </a:lnRef>
+          <a:fillRef idx="1">
+            <a:schemeClr val="accent1"/>
+          </a:fillRef>
+          <a:effectRef idx="0">
+            <a:schemeClr val="accent1"/>
+          </a:effectRef>
+          <a:fontRef idx="minor">
+            <a:schemeClr val="lt1"/>
+          </a:fontRef>
+        </p:style>
+        <p:txBody>
+          <a:bodyPr rtlCol="0" anchor="ctr"/>
+          <a:lstStyle/>
+          <a:p>
+            <a:pPr algn="ctr"/>
+            <a:endParaRPr lang="en-US"/>
+          </a:p>
+        </p:txBody>
+      </p:sp>
+      <p:sp>
+        <p:nvSpPr>
+          <p:cNvPr id="11" name="Rectangle 10">
+            <a:extLst>
+              <a:ext uri="{FF2B5EF4-FFF2-40B4-BE49-F238E27FC236}">
+                <a16:creationId xmlns:a16="http://schemas.microsoft.com/office/drawing/2014/main" id="{64867648-B79B-18BB-D5E1-4820A2B7789E}"/>
+              </a:ext>
+            </a:extLst>
+          </p:cNvPr>
+          <p:cNvSpPr/>
+          <p:nvPr/>
+        </p:nvSpPr>
+        <p:spPr>
+          <a:xfrm>
+            <a:off x="7508776" y="2435445"/>
+            <a:ext cx="507444" cy="993555"/>
+          </a:xfrm>
+          <a:prstGeom prst="rect">
+            <a:avLst/>
+          </a:prstGeom>
+        </p:spPr>
+        <p:style>
+          <a:lnRef idx="2">
+            <a:schemeClr val="accent1">
+              <a:shade val="15000"/>
+            </a:schemeClr>
+          </a:lnRef>
+          <a:fillRef idx="1">
+            <a:schemeClr val="accent1"/>
+          </a:fillRef>
+          <a:effectRef idx="0">
+            <a:schemeClr val="accent1"/>
+          </a:effectRef>
+          <a:fontRef idx="minor">
+            <a:schemeClr val="lt1"/>
+          </a:fontRef>
+        </p:style>
+        <p:txBody>
+          <a:bodyPr rtlCol="0" anchor="ctr"/>
+          <a:lstStyle/>
+          <a:p>
+            <a:pPr algn="ctr"/>
+            <a:endParaRPr lang="en-US"/>
+          </a:p>
+        </p:txBody>
+      </p:sp>
+      <p:sp>
+        <p:nvSpPr>
+          <p:cNvPr id="12" name="Rectangle 11">
+            <a:extLst>
+              <a:ext uri="{FF2B5EF4-FFF2-40B4-BE49-F238E27FC236}">
+                <a16:creationId xmlns:a16="http://schemas.microsoft.com/office/drawing/2014/main" id="{2754A4CB-964B-F802-182A-319951D29522}"/>
+              </a:ext>
+            </a:extLst>
+          </p:cNvPr>
+          <p:cNvSpPr/>
+          <p:nvPr/>
+        </p:nvSpPr>
+        <p:spPr>
+          <a:xfrm>
+            <a:off x="7508776" y="3703316"/>
+            <a:ext cx="507444" cy="365757"/>
+          </a:xfrm>
+          <a:prstGeom prst="rect">
+            <a:avLst/>
+          </a:prstGeom>
+        </p:spPr>
+        <p:style>
+          <a:lnRef idx="2">
+            <a:schemeClr val="accent1">
+              <a:shade val="15000"/>
+            </a:schemeClr>
+          </a:lnRef>
+          <a:fillRef idx="1">
+            <a:schemeClr val="accent1"/>
+          </a:fillRef>
+          <a:effectRef idx="0">
+            <a:schemeClr val="accent1"/>
+          </a:effectRef>
+          <a:fontRef idx="minor">
+            <a:schemeClr val="lt1"/>
+          </a:fontRef>
+        </p:style>
+        <p:txBody>
+          <a:bodyPr rtlCol="0" anchor="ctr"/>
+          <a:lstStyle/>
+          <a:p>
+            <a:pPr algn="ctr"/>
+            <a:endParaRPr lang="en-US"/>
+          </a:p>
+        </p:txBody>
+      </p:sp>
+      <p:sp>
+        <p:nvSpPr>
+          <p:cNvPr id="13" name="TextBox 12">
+            <a:extLst>
+              <a:ext uri="{FF2B5EF4-FFF2-40B4-BE49-F238E27FC236}">
+                <a16:creationId xmlns:a16="http://schemas.microsoft.com/office/drawing/2014/main" id="{F2ED7BB7-E4EF-262C-359D-6C5C557518EE}"/>
+              </a:ext>
+            </a:extLst>
+          </p:cNvPr>
+          <p:cNvSpPr txBox="1"/>
+          <p:nvPr/>
+        </p:nvSpPr>
+        <p:spPr>
+          <a:xfrm>
+            <a:off x="1552146" y="1783766"/>
+            <a:ext cx="492443" cy="276999"/>
+          </a:xfrm>
+          <a:prstGeom prst="rect">
+            <a:avLst/>
+          </a:prstGeom>
+          <a:noFill/>
+        </p:spPr>
+        <p:txBody>
+          <a:bodyPr wrap="none" rtlCol="0">
+            <a:spAutoFit/>
+          </a:bodyPr>
+          <a:lstStyle/>
+          <a:p>
+            <a:r>
+              <a:rPr lang="en-US" sz="1200" dirty="0"/>
+              <a:t>Row</a:t>
+            </a:r>
+          </a:p>
+        </p:txBody>
+      </p:sp>
+      <p:sp>
+        <p:nvSpPr>
+          <p:cNvPr id="16" name="TextBox 15">
+            <a:extLst>
+              <a:ext uri="{FF2B5EF4-FFF2-40B4-BE49-F238E27FC236}">
+                <a16:creationId xmlns:a16="http://schemas.microsoft.com/office/drawing/2014/main" id="{69C37205-D362-61C1-9F63-12AF36916B22}"/>
+              </a:ext>
+            </a:extLst>
+          </p:cNvPr>
+          <p:cNvSpPr txBox="1"/>
+          <p:nvPr/>
+        </p:nvSpPr>
+        <p:spPr>
+          <a:xfrm>
+            <a:off x="1542265" y="2787585"/>
+            <a:ext cx="492443" cy="276999"/>
+          </a:xfrm>
+          <a:prstGeom prst="rect">
+            <a:avLst/>
+          </a:prstGeom>
+          <a:noFill/>
+        </p:spPr>
+        <p:txBody>
+          <a:bodyPr wrap="none" rtlCol="0">
+            <a:spAutoFit/>
+          </a:bodyPr>
+          <a:lstStyle/>
+          <a:p>
+            <a:r>
+              <a:rPr lang="en-US" sz="1200" dirty="0"/>
+              <a:t>Row</a:t>
+            </a:r>
+          </a:p>
+        </p:txBody>
+      </p:sp>
+      <p:sp>
+        <p:nvSpPr>
+          <p:cNvPr id="17" name="TextBox 16">
+            <a:extLst>
+              <a:ext uri="{FF2B5EF4-FFF2-40B4-BE49-F238E27FC236}">
+                <a16:creationId xmlns:a16="http://schemas.microsoft.com/office/drawing/2014/main" id="{215ABDDB-3AC6-5E96-8214-E7C315B69A43}"/>
+              </a:ext>
+            </a:extLst>
+          </p:cNvPr>
+          <p:cNvSpPr txBox="1"/>
+          <p:nvPr/>
+        </p:nvSpPr>
+        <p:spPr>
+          <a:xfrm>
+            <a:off x="1604110" y="3747695"/>
+            <a:ext cx="492443" cy="276999"/>
+          </a:xfrm>
+          <a:prstGeom prst="rect">
+            <a:avLst/>
+          </a:prstGeom>
+          <a:noFill/>
+        </p:spPr>
+        <p:txBody>
+          <a:bodyPr wrap="none" rtlCol="0">
+            <a:spAutoFit/>
+          </a:bodyPr>
+          <a:lstStyle/>
+          <a:p>
+            <a:r>
+              <a:rPr lang="en-US" sz="1200" dirty="0"/>
+              <a:t>Row</a:t>
+            </a:r>
+          </a:p>
+        </p:txBody>
+      </p:sp>
+      <p:sp>
+        <p:nvSpPr>
+          <p:cNvPr id="18" name="TextBox 17">
+            <a:extLst>
+              <a:ext uri="{FF2B5EF4-FFF2-40B4-BE49-F238E27FC236}">
+                <a16:creationId xmlns:a16="http://schemas.microsoft.com/office/drawing/2014/main" id="{7D881E45-5569-D266-C6FD-FE0B5FB62487}"/>
+              </a:ext>
+            </a:extLst>
+          </p:cNvPr>
+          <p:cNvSpPr txBox="1"/>
+          <p:nvPr/>
+        </p:nvSpPr>
+        <p:spPr>
+          <a:xfrm>
+            <a:off x="520985" y="1165938"/>
+            <a:ext cx="838691" cy="307777"/>
+          </a:xfrm>
+          <a:prstGeom prst="rect">
+            <a:avLst/>
+          </a:prstGeom>
+          <a:noFill/>
+        </p:spPr>
+        <p:txBody>
+          <a:bodyPr wrap="none" rtlCol="0">
+            <a:spAutoFit/>
+          </a:bodyPr>
+          <a:lstStyle/>
+          <a:p>
+            <a:r>
+              <a:rPr lang="en-US" sz="1400" dirty="0"/>
+              <a:t>Column</a:t>
+            </a:r>
+          </a:p>
+        </p:txBody>
+      </p:sp>
+      <p:sp>
+        <p:nvSpPr>
+          <p:cNvPr id="19" name="TextBox 18">
+            <a:extLst>
+              <a:ext uri="{FF2B5EF4-FFF2-40B4-BE49-F238E27FC236}">
+                <a16:creationId xmlns:a16="http://schemas.microsoft.com/office/drawing/2014/main" id="{57D61F86-EA8E-7DD4-1C91-F11614CE2848}"/>
+              </a:ext>
+            </a:extLst>
+          </p:cNvPr>
+          <p:cNvSpPr txBox="1"/>
+          <p:nvPr/>
+        </p:nvSpPr>
+        <p:spPr>
+          <a:xfrm>
+            <a:off x="3322895" y="1473715"/>
+            <a:ext cx="652743" cy="246221"/>
+          </a:xfrm>
+          <a:prstGeom prst="rect">
+            <a:avLst/>
+          </a:prstGeom>
+          <a:noFill/>
+        </p:spPr>
+        <p:txBody>
+          <a:bodyPr wrap="none" rtlCol="0">
+            <a:spAutoFit/>
+          </a:bodyPr>
+          <a:lstStyle/>
+          <a:p>
+            <a:r>
+              <a:rPr lang="en-US" sz="1000" dirty="0"/>
+              <a:t>Column</a:t>
+            </a:r>
+          </a:p>
+        </p:txBody>
+      </p:sp>
+      <p:sp>
+        <p:nvSpPr>
+          <p:cNvPr id="21" name="TextBox 20">
+            <a:extLst>
+              <a:ext uri="{FF2B5EF4-FFF2-40B4-BE49-F238E27FC236}">
+                <a16:creationId xmlns:a16="http://schemas.microsoft.com/office/drawing/2014/main" id="{085895FB-ADD7-9C4E-48B6-86B19A9862F4}"/>
+              </a:ext>
+            </a:extLst>
+          </p:cNvPr>
+          <p:cNvSpPr txBox="1"/>
+          <p:nvPr/>
+        </p:nvSpPr>
+        <p:spPr>
+          <a:xfrm>
+            <a:off x="5492295" y="1473714"/>
+            <a:ext cx="652743" cy="246221"/>
+          </a:xfrm>
+          <a:prstGeom prst="rect">
+            <a:avLst/>
+          </a:prstGeom>
+          <a:noFill/>
+        </p:spPr>
+        <p:txBody>
+          <a:bodyPr wrap="square">
+            <a:spAutoFit/>
+          </a:bodyPr>
+          <a:lstStyle/>
+          <a:p>
+            <a:r>
+              <a:rPr lang="en-US" sz="1000" dirty="0"/>
+              <a:t>Column</a:t>
+            </a:r>
+          </a:p>
+        </p:txBody>
+      </p:sp>
+      <p:sp>
+        <p:nvSpPr>
+          <p:cNvPr id="23" name="TextBox 22">
+            <a:extLst>
+              <a:ext uri="{FF2B5EF4-FFF2-40B4-BE49-F238E27FC236}">
+                <a16:creationId xmlns:a16="http://schemas.microsoft.com/office/drawing/2014/main" id="{9BEF8753-CC58-4254-C56C-FE349E9D4C2D}"/>
+              </a:ext>
+            </a:extLst>
+          </p:cNvPr>
+          <p:cNvSpPr txBox="1"/>
+          <p:nvPr/>
+        </p:nvSpPr>
+        <p:spPr>
+          <a:xfrm>
+            <a:off x="7495103" y="1406960"/>
+            <a:ext cx="652743" cy="246221"/>
+          </a:xfrm>
+          <a:prstGeom prst="rect">
+            <a:avLst/>
+          </a:prstGeom>
+          <a:noFill/>
+        </p:spPr>
+        <p:txBody>
+          <a:bodyPr wrap="square">
+            <a:spAutoFit/>
+          </a:bodyPr>
+          <a:lstStyle/>
+          <a:p>
+            <a:r>
+              <a:rPr lang="en-US" sz="1000" dirty="0"/>
+              <a:t>Column</a:t>
+            </a:r>
           </a:p>
         </p:txBody>
       </p:sp>
       <p:cxnSp>
         <p:nvCxnSpPr>
-          <p:cNvPr id="7" name="Straight Connector 6">
-            <a:extLst>
-              <a:ext uri="{FF2B5EF4-FFF2-40B4-BE49-F238E27FC236}">
-                <a16:creationId xmlns:a16="http://schemas.microsoft.com/office/drawing/2014/main" id="{13B41296-FA58-A9B3-4484-A4F670F2B821}"/>
+          <p:cNvPr id="25" name="Straight Arrow Connector 24">
+            <a:extLst>
+              <a:ext uri="{FF2B5EF4-FFF2-40B4-BE49-F238E27FC236}">
+                <a16:creationId xmlns:a16="http://schemas.microsoft.com/office/drawing/2014/main" id="{5D642965-AEF7-B15F-1F21-46640EA55A83}"/>
               </a:ext>
             </a:extLst>
           </p:cNvPr>
           <p:cNvCxnSpPr>
             <a:cxnSpLocks/>
+            <a:stCxn id="18" idx="3"/>
           </p:cNvCxnSpPr>
           <p:nvPr/>
         </p:nvCxnSpPr>
         <p:spPr>
           <a:xfrm>
-            <a:off x="4312939" y="6172170"/>
-            <a:ext cx="2948285" cy="0"/>
-          </a:xfrm>
-          <a:prstGeom prst="line">
-            <a:avLst/>
-          </a:prstGeom>
+            <a:off x="1359676" y="1319827"/>
+            <a:ext cx="1353212" cy="59440"/>
+          </a:xfrm>
+          <a:prstGeom prst="straightConnector1">
+            <a:avLst/>
+          </a:prstGeom>
+          <a:ln>
+            <a:tailEnd type="triangle"/>
+          </a:ln>
         </p:spPr>
         <p:style>
           <a:lnRef idx="2">
@@ -19917,26 +22419,31 @@
       </p:cxnSp>
       <p:cxnSp>
         <p:nvCxnSpPr>
-          <p:cNvPr id="8" name="Straight Connector 7">
-            <a:extLst>
-              <a:ext uri="{FF2B5EF4-FFF2-40B4-BE49-F238E27FC236}">
-                <a16:creationId xmlns:a16="http://schemas.microsoft.com/office/drawing/2014/main" id="{BBAB47CC-AF0D-72A8-164B-019B232D63FC}"/>
+          <p:cNvPr id="32" name="Straight Arrow Connector 31">
+            <a:extLst>
+              <a:ext uri="{FF2B5EF4-FFF2-40B4-BE49-F238E27FC236}">
+                <a16:creationId xmlns:a16="http://schemas.microsoft.com/office/drawing/2014/main" id="{91FAFFF3-D27C-F622-BA2C-6F0BB02715B9}"/>
               </a:ext>
             </a:extLst>
           </p:cNvPr>
           <p:cNvCxnSpPr>
             <a:cxnSpLocks/>
+            <a:stCxn id="13" idx="3"/>
+            <a:endCxn id="4" idx="1"/>
           </p:cNvCxnSpPr>
           <p:nvPr/>
         </p:nvCxnSpPr>
         <p:spPr>
-          <a:xfrm>
-            <a:off x="4312939" y="5783555"/>
-            <a:ext cx="2948285" cy="0"/>
-          </a:xfrm>
-          <a:prstGeom prst="line">
-            <a:avLst/>
-          </a:prstGeom>
+          <a:xfrm flipV="1">
+            <a:off x="2044589" y="1920257"/>
+            <a:ext cx="1125362" cy="2009"/>
+          </a:xfrm>
+          <a:prstGeom prst="straightConnector1">
+            <a:avLst/>
+          </a:prstGeom>
+          <a:ln>
+            <a:tailEnd type="triangle"/>
+          </a:ln>
         </p:spPr>
         <p:style>
           <a:lnRef idx="2">
@@ -19955,26 +22462,31 @@
       </p:cxnSp>
       <p:cxnSp>
         <p:nvCxnSpPr>
-          <p:cNvPr id="9" name="Straight Connector 8">
-            <a:extLst>
-              <a:ext uri="{FF2B5EF4-FFF2-40B4-BE49-F238E27FC236}">
-                <a16:creationId xmlns:a16="http://schemas.microsoft.com/office/drawing/2014/main" id="{4CF950EE-1433-58CC-C555-02FBED6B4AE8}"/>
+          <p:cNvPr id="37" name="Straight Arrow Connector 36">
+            <a:extLst>
+              <a:ext uri="{FF2B5EF4-FFF2-40B4-BE49-F238E27FC236}">
+                <a16:creationId xmlns:a16="http://schemas.microsoft.com/office/drawing/2014/main" id="{FE5857AD-F926-A63E-8A58-F3CD6D3F2EA2}"/>
               </a:ext>
             </a:extLst>
           </p:cNvPr>
           <p:cNvCxnSpPr>
             <a:cxnSpLocks/>
+            <a:stCxn id="16" idx="3"/>
+            <a:endCxn id="5" idx="1"/>
           </p:cNvCxnSpPr>
           <p:nvPr/>
         </p:nvCxnSpPr>
         <p:spPr>
-          <a:xfrm flipV="1">
-            <a:off x="4312939" y="5387295"/>
-            <a:ext cx="2936661" cy="7644"/>
-          </a:xfrm>
-          <a:prstGeom prst="line">
-            <a:avLst/>
-          </a:prstGeom>
+          <a:xfrm>
+            <a:off x="2034708" y="2926085"/>
+            <a:ext cx="1135244" cy="1"/>
+          </a:xfrm>
+          <a:prstGeom prst="straightConnector1">
+            <a:avLst/>
+          </a:prstGeom>
+          <a:ln>
+            <a:tailEnd type="triangle"/>
+          </a:ln>
         </p:spPr>
         <p:style>
           <a:lnRef idx="2">
@@ -19993,26 +22505,31 @@
       </p:cxnSp>
       <p:cxnSp>
         <p:nvCxnSpPr>
-          <p:cNvPr id="10" name="Straight Connector 9">
-            <a:extLst>
-              <a:ext uri="{FF2B5EF4-FFF2-40B4-BE49-F238E27FC236}">
-                <a16:creationId xmlns:a16="http://schemas.microsoft.com/office/drawing/2014/main" id="{A62AFBCD-6882-4495-0BF0-141E742DF64D}"/>
+          <p:cNvPr id="43" name="Straight Arrow Connector 42">
+            <a:extLst>
+              <a:ext uri="{FF2B5EF4-FFF2-40B4-BE49-F238E27FC236}">
+                <a16:creationId xmlns:a16="http://schemas.microsoft.com/office/drawing/2014/main" id="{F6884FC4-8D9E-58BD-0F2B-46C7AC9DBEB8}"/>
               </a:ext>
             </a:extLst>
           </p:cNvPr>
           <p:cNvCxnSpPr>
             <a:cxnSpLocks/>
+            <a:stCxn id="17" idx="3"/>
+            <a:endCxn id="6" idx="1"/>
           </p:cNvCxnSpPr>
           <p:nvPr/>
         </p:nvCxnSpPr>
         <p:spPr>
           <a:xfrm>
-            <a:off x="4312939" y="5006323"/>
-            <a:ext cx="2936661" cy="13059"/>
-          </a:xfrm>
-          <a:prstGeom prst="line">
-            <a:avLst/>
-          </a:prstGeom>
+            <a:off x="2096553" y="3886195"/>
+            <a:ext cx="1073399" cy="0"/>
+          </a:xfrm>
+          <a:prstGeom prst="straightConnector1">
+            <a:avLst/>
+          </a:prstGeom>
+          <a:ln>
+            <a:tailEnd type="triangle"/>
+          </a:ln>
         </p:spPr>
         <p:style>
           <a:lnRef idx="2">
@@ -20029,1432 +22546,10 @@
           </a:fontRef>
         </p:style>
       </p:cxnSp>
-      <p:cxnSp>
-        <p:nvCxnSpPr>
-          <p:cNvPr id="11" name="Straight Connector 10">
-            <a:extLst>
-              <a:ext uri="{FF2B5EF4-FFF2-40B4-BE49-F238E27FC236}">
-                <a16:creationId xmlns:a16="http://schemas.microsoft.com/office/drawing/2014/main" id="{14616A86-2483-9FB6-0839-5685770E43A0}"/>
-              </a:ext>
-            </a:extLst>
-          </p:cNvPr>
-          <p:cNvCxnSpPr>
-            <a:cxnSpLocks/>
-          </p:cNvCxnSpPr>
-          <p:nvPr/>
-        </p:nvCxnSpPr>
-        <p:spPr>
-          <a:xfrm>
-            <a:off x="4312939" y="4617707"/>
-            <a:ext cx="2936661" cy="7896"/>
-          </a:xfrm>
-          <a:prstGeom prst="line">
-            <a:avLst/>
-          </a:prstGeom>
-        </p:spPr>
-        <p:style>
-          <a:lnRef idx="2">
-            <a:schemeClr val="accent1"/>
-          </a:lnRef>
-          <a:fillRef idx="0">
-            <a:schemeClr val="accent1"/>
-          </a:fillRef>
-          <a:effectRef idx="1">
-            <a:schemeClr val="accent1"/>
-          </a:effectRef>
-          <a:fontRef idx="minor">
-            <a:schemeClr val="tx1"/>
-          </a:fontRef>
-        </p:style>
-      </p:cxnSp>
-      <p:cxnSp>
-        <p:nvCxnSpPr>
-          <p:cNvPr id="13" name="Straight Connector 12">
-            <a:extLst>
-              <a:ext uri="{FF2B5EF4-FFF2-40B4-BE49-F238E27FC236}">
-                <a16:creationId xmlns:a16="http://schemas.microsoft.com/office/drawing/2014/main" id="{88E28D24-B096-1C2F-ADF9-4C6AAD96F7D0}"/>
-              </a:ext>
-            </a:extLst>
-          </p:cNvPr>
-          <p:cNvCxnSpPr/>
-          <p:nvPr/>
-        </p:nvCxnSpPr>
-        <p:spPr>
-          <a:xfrm>
-            <a:off x="4312939" y="4617707"/>
-            <a:ext cx="0" cy="1554463"/>
-          </a:xfrm>
-          <a:prstGeom prst="line">
-            <a:avLst/>
-          </a:prstGeom>
-        </p:spPr>
-        <p:style>
-          <a:lnRef idx="2">
-            <a:schemeClr val="accent1"/>
-          </a:lnRef>
-          <a:fillRef idx="0">
-            <a:schemeClr val="accent1"/>
-          </a:fillRef>
-          <a:effectRef idx="1">
-            <a:schemeClr val="accent1"/>
-          </a:effectRef>
-          <a:fontRef idx="minor">
-            <a:schemeClr val="tx1"/>
-          </a:fontRef>
-        </p:style>
-      </p:cxnSp>
-      <p:cxnSp>
-        <p:nvCxnSpPr>
-          <p:cNvPr id="14" name="Straight Connector 13">
-            <a:extLst>
-              <a:ext uri="{FF2B5EF4-FFF2-40B4-BE49-F238E27FC236}">
-                <a16:creationId xmlns:a16="http://schemas.microsoft.com/office/drawing/2014/main" id="{EA1128FC-9057-ACC9-CAED-9BF9BE2FC020}"/>
-              </a:ext>
-            </a:extLst>
-          </p:cNvPr>
-          <p:cNvCxnSpPr/>
-          <p:nvPr/>
-        </p:nvCxnSpPr>
-        <p:spPr>
-          <a:xfrm>
-            <a:off x="4968252" y="4617707"/>
-            <a:ext cx="0" cy="1554463"/>
-          </a:xfrm>
-          <a:prstGeom prst="line">
-            <a:avLst/>
-          </a:prstGeom>
-        </p:spPr>
-        <p:style>
-          <a:lnRef idx="2">
-            <a:schemeClr val="accent1"/>
-          </a:lnRef>
-          <a:fillRef idx="0">
-            <a:schemeClr val="accent1"/>
-          </a:fillRef>
-          <a:effectRef idx="1">
-            <a:schemeClr val="accent1"/>
-          </a:effectRef>
-          <a:fontRef idx="minor">
-            <a:schemeClr val="tx1"/>
-          </a:fontRef>
-        </p:style>
-      </p:cxnSp>
-      <p:cxnSp>
-        <p:nvCxnSpPr>
-          <p:cNvPr id="15" name="Straight Connector 14">
-            <a:extLst>
-              <a:ext uri="{FF2B5EF4-FFF2-40B4-BE49-F238E27FC236}">
-                <a16:creationId xmlns:a16="http://schemas.microsoft.com/office/drawing/2014/main" id="{B47D6792-4A87-85E0-5C88-0092F67A4D40}"/>
-              </a:ext>
-            </a:extLst>
-          </p:cNvPr>
-          <p:cNvCxnSpPr>
-            <a:cxnSpLocks/>
-          </p:cNvCxnSpPr>
-          <p:nvPr/>
-        </p:nvCxnSpPr>
-        <p:spPr>
-          <a:xfrm>
-            <a:off x="6278878" y="4617706"/>
-            <a:ext cx="0" cy="1554463"/>
-          </a:xfrm>
-          <a:prstGeom prst="line">
-            <a:avLst/>
-          </a:prstGeom>
-        </p:spPr>
-        <p:style>
-          <a:lnRef idx="2">
-            <a:schemeClr val="accent1"/>
-          </a:lnRef>
-          <a:fillRef idx="0">
-            <a:schemeClr val="accent1"/>
-          </a:fillRef>
-          <a:effectRef idx="1">
-            <a:schemeClr val="accent1"/>
-          </a:effectRef>
-          <a:fontRef idx="minor">
-            <a:schemeClr val="tx1"/>
-          </a:fontRef>
-        </p:style>
-      </p:cxnSp>
-      <p:cxnSp>
-        <p:nvCxnSpPr>
-          <p:cNvPr id="16" name="Straight Connector 15">
-            <a:extLst>
-              <a:ext uri="{FF2B5EF4-FFF2-40B4-BE49-F238E27FC236}">
-                <a16:creationId xmlns:a16="http://schemas.microsoft.com/office/drawing/2014/main" id="{ED05C2F5-3EBC-BB6B-D41A-F023902DB188}"/>
-              </a:ext>
-            </a:extLst>
-          </p:cNvPr>
-          <p:cNvCxnSpPr/>
-          <p:nvPr/>
-        </p:nvCxnSpPr>
-        <p:spPr>
-          <a:xfrm>
-            <a:off x="5623565" y="4617707"/>
-            <a:ext cx="0" cy="1554463"/>
-          </a:xfrm>
-          <a:prstGeom prst="line">
-            <a:avLst/>
-          </a:prstGeom>
-        </p:spPr>
-        <p:style>
-          <a:lnRef idx="2">
-            <a:schemeClr val="accent1"/>
-          </a:lnRef>
-          <a:fillRef idx="0">
-            <a:schemeClr val="accent1"/>
-          </a:fillRef>
-          <a:effectRef idx="1">
-            <a:schemeClr val="accent1"/>
-          </a:effectRef>
-          <a:fontRef idx="minor">
-            <a:schemeClr val="tx1"/>
-          </a:fontRef>
-        </p:style>
-      </p:cxnSp>
-      <p:sp>
-        <p:nvSpPr>
-          <p:cNvPr id="21" name="TextBox 20">
-            <a:extLst>
-              <a:ext uri="{FF2B5EF4-FFF2-40B4-BE49-F238E27FC236}">
-                <a16:creationId xmlns:a16="http://schemas.microsoft.com/office/drawing/2014/main" id="{A1039EF1-3315-EFCE-7857-A7863D25366E}"/>
-              </a:ext>
-            </a:extLst>
-          </p:cNvPr>
-          <p:cNvSpPr txBox="1"/>
-          <p:nvPr/>
-        </p:nvSpPr>
-        <p:spPr>
-          <a:xfrm>
-            <a:off x="4502948" y="4627348"/>
-            <a:ext cx="312906" cy="369332"/>
-          </a:xfrm>
-          <a:prstGeom prst="rect">
-            <a:avLst/>
-          </a:prstGeom>
-          <a:noFill/>
-        </p:spPr>
-        <p:txBody>
-          <a:bodyPr wrap="none" rtlCol="0">
-            <a:spAutoFit/>
-          </a:bodyPr>
-          <a:lstStyle/>
-          <a:p>
-            <a:r>
-              <a:rPr lang="en-US" dirty="0"/>
-              <a:t>1</a:t>
-            </a:r>
-          </a:p>
-        </p:txBody>
-      </p:sp>
-      <p:sp>
-        <p:nvSpPr>
-          <p:cNvPr id="22" name="TextBox 21">
-            <a:extLst>
-              <a:ext uri="{FF2B5EF4-FFF2-40B4-BE49-F238E27FC236}">
-                <a16:creationId xmlns:a16="http://schemas.microsoft.com/office/drawing/2014/main" id="{EEA7E074-6EED-A77F-E394-7E16D6259F63}"/>
-              </a:ext>
-            </a:extLst>
-          </p:cNvPr>
-          <p:cNvSpPr txBox="1"/>
-          <p:nvPr/>
-        </p:nvSpPr>
-        <p:spPr>
-          <a:xfrm>
-            <a:off x="5146585" y="4637247"/>
-            <a:ext cx="312906" cy="369332"/>
-          </a:xfrm>
-          <a:prstGeom prst="rect">
-            <a:avLst/>
-          </a:prstGeom>
-          <a:noFill/>
-        </p:spPr>
-        <p:txBody>
-          <a:bodyPr wrap="none" rtlCol="0">
-            <a:spAutoFit/>
-          </a:bodyPr>
-          <a:lstStyle/>
-          <a:p>
-            <a:r>
-              <a:rPr lang="en-US" dirty="0"/>
-              <a:t>2</a:t>
-            </a:r>
-          </a:p>
-        </p:txBody>
-      </p:sp>
-      <p:sp>
-        <p:nvSpPr>
-          <p:cNvPr id="23" name="TextBox 22">
-            <a:extLst>
-              <a:ext uri="{FF2B5EF4-FFF2-40B4-BE49-F238E27FC236}">
-                <a16:creationId xmlns:a16="http://schemas.microsoft.com/office/drawing/2014/main" id="{BAA60C0C-8464-89F9-62F3-15E8D5086BEF}"/>
-              </a:ext>
-            </a:extLst>
-          </p:cNvPr>
-          <p:cNvSpPr txBox="1"/>
-          <p:nvPr/>
-        </p:nvSpPr>
-        <p:spPr>
-          <a:xfrm>
-            <a:off x="5748272" y="4661640"/>
-            <a:ext cx="312906" cy="369332"/>
-          </a:xfrm>
-          <a:prstGeom prst="rect">
-            <a:avLst/>
-          </a:prstGeom>
-          <a:noFill/>
-        </p:spPr>
-        <p:txBody>
-          <a:bodyPr wrap="none" rtlCol="0">
-            <a:spAutoFit/>
-          </a:bodyPr>
-          <a:lstStyle/>
-          <a:p>
-            <a:r>
-              <a:rPr lang="en-US" dirty="0"/>
-              <a:t>3</a:t>
-            </a:r>
-          </a:p>
-        </p:txBody>
-      </p:sp>
-      <p:sp>
-        <p:nvSpPr>
-          <p:cNvPr id="24" name="TextBox 23">
-            <a:extLst>
-              <a:ext uri="{FF2B5EF4-FFF2-40B4-BE49-F238E27FC236}">
-                <a16:creationId xmlns:a16="http://schemas.microsoft.com/office/drawing/2014/main" id="{122E407E-B373-1FC5-F28D-5BF51B675BEB}"/>
-              </a:ext>
-            </a:extLst>
-          </p:cNvPr>
-          <p:cNvSpPr txBox="1"/>
-          <p:nvPr/>
-        </p:nvSpPr>
-        <p:spPr>
-          <a:xfrm>
-            <a:off x="4502947" y="4981675"/>
-            <a:ext cx="312906" cy="369332"/>
-          </a:xfrm>
-          <a:prstGeom prst="rect">
-            <a:avLst/>
-          </a:prstGeom>
-          <a:noFill/>
-        </p:spPr>
-        <p:txBody>
-          <a:bodyPr wrap="none" rtlCol="0">
-            <a:spAutoFit/>
-          </a:bodyPr>
-          <a:lstStyle/>
-          <a:p>
-            <a:r>
-              <a:rPr lang="en-US" dirty="0"/>
-              <a:t>4</a:t>
-            </a:r>
-          </a:p>
-        </p:txBody>
-      </p:sp>
-      <p:sp>
-        <p:nvSpPr>
-          <p:cNvPr id="25" name="TextBox 24">
-            <a:extLst>
-              <a:ext uri="{FF2B5EF4-FFF2-40B4-BE49-F238E27FC236}">
-                <a16:creationId xmlns:a16="http://schemas.microsoft.com/office/drawing/2014/main" id="{2D436927-012D-6F4A-96CD-A8055D89D28F}"/>
-              </a:ext>
-            </a:extLst>
-          </p:cNvPr>
-          <p:cNvSpPr txBox="1"/>
-          <p:nvPr/>
-        </p:nvSpPr>
-        <p:spPr>
-          <a:xfrm>
-            <a:off x="5154207" y="5008323"/>
-            <a:ext cx="312906" cy="369332"/>
-          </a:xfrm>
-          <a:prstGeom prst="rect">
-            <a:avLst/>
-          </a:prstGeom>
-          <a:noFill/>
-        </p:spPr>
-        <p:txBody>
-          <a:bodyPr wrap="square" rtlCol="0">
-            <a:spAutoFit/>
-          </a:bodyPr>
-          <a:lstStyle/>
-          <a:p>
-            <a:r>
-              <a:rPr lang="en-US" dirty="0"/>
-              <a:t>5</a:t>
-            </a:r>
-          </a:p>
-        </p:txBody>
-      </p:sp>
-      <p:sp>
-        <p:nvSpPr>
-          <p:cNvPr id="26" name="TextBox 25">
-            <a:extLst>
-              <a:ext uri="{FF2B5EF4-FFF2-40B4-BE49-F238E27FC236}">
-                <a16:creationId xmlns:a16="http://schemas.microsoft.com/office/drawing/2014/main" id="{957D512D-BAEF-C178-4E70-8CE8D40D4CE4}"/>
-              </a:ext>
-            </a:extLst>
-          </p:cNvPr>
-          <p:cNvSpPr txBox="1"/>
-          <p:nvPr/>
-        </p:nvSpPr>
-        <p:spPr>
-          <a:xfrm>
-            <a:off x="5748272" y="5019382"/>
-            <a:ext cx="312906" cy="369332"/>
-          </a:xfrm>
-          <a:prstGeom prst="rect">
-            <a:avLst/>
-          </a:prstGeom>
-          <a:noFill/>
-        </p:spPr>
-        <p:txBody>
-          <a:bodyPr wrap="none" rtlCol="0">
-            <a:spAutoFit/>
-          </a:bodyPr>
-          <a:lstStyle/>
-          <a:p>
-            <a:r>
-              <a:rPr lang="en-US" dirty="0"/>
-              <a:t>6</a:t>
-            </a:r>
-          </a:p>
-        </p:txBody>
-      </p:sp>
-      <p:sp>
-        <p:nvSpPr>
-          <p:cNvPr id="27" name="TextBox 26">
-            <a:extLst>
-              <a:ext uri="{FF2B5EF4-FFF2-40B4-BE49-F238E27FC236}">
-                <a16:creationId xmlns:a16="http://schemas.microsoft.com/office/drawing/2014/main" id="{99DDABEC-5508-BD2D-6A8F-335724F86FB5}"/>
-              </a:ext>
-            </a:extLst>
-          </p:cNvPr>
-          <p:cNvSpPr txBox="1"/>
-          <p:nvPr/>
-        </p:nvSpPr>
-        <p:spPr>
-          <a:xfrm>
-            <a:off x="4484143" y="5403946"/>
-            <a:ext cx="312906" cy="369332"/>
-          </a:xfrm>
-          <a:prstGeom prst="rect">
-            <a:avLst/>
-          </a:prstGeom>
-          <a:noFill/>
-        </p:spPr>
-        <p:txBody>
-          <a:bodyPr wrap="none" rtlCol="0">
-            <a:spAutoFit/>
-          </a:bodyPr>
-          <a:lstStyle/>
-          <a:p>
-            <a:r>
-              <a:rPr lang="en-US" dirty="0"/>
-              <a:t>7</a:t>
-            </a:r>
-          </a:p>
-        </p:txBody>
-      </p:sp>
-      <p:sp>
-        <p:nvSpPr>
-          <p:cNvPr id="28" name="TextBox 27">
-            <a:extLst>
-              <a:ext uri="{FF2B5EF4-FFF2-40B4-BE49-F238E27FC236}">
-                <a16:creationId xmlns:a16="http://schemas.microsoft.com/office/drawing/2014/main" id="{D8F7D825-AD2D-7951-FC92-D8324127DC25}"/>
-              </a:ext>
-            </a:extLst>
-          </p:cNvPr>
-          <p:cNvSpPr txBox="1"/>
-          <p:nvPr/>
-        </p:nvSpPr>
-        <p:spPr>
-          <a:xfrm>
-            <a:off x="5132327" y="5387295"/>
-            <a:ext cx="312906" cy="369332"/>
-          </a:xfrm>
-          <a:prstGeom prst="rect">
-            <a:avLst/>
-          </a:prstGeom>
-          <a:noFill/>
-        </p:spPr>
-        <p:txBody>
-          <a:bodyPr wrap="none" rtlCol="0">
-            <a:spAutoFit/>
-          </a:bodyPr>
-          <a:lstStyle/>
-          <a:p>
-            <a:r>
-              <a:rPr lang="en-US" dirty="0"/>
-              <a:t>8</a:t>
-            </a:r>
-          </a:p>
-        </p:txBody>
-      </p:sp>
-      <p:sp>
-        <p:nvSpPr>
-          <p:cNvPr id="29" name="TextBox 28">
-            <a:extLst>
-              <a:ext uri="{FF2B5EF4-FFF2-40B4-BE49-F238E27FC236}">
-                <a16:creationId xmlns:a16="http://schemas.microsoft.com/office/drawing/2014/main" id="{C38DAB0C-4365-367B-252D-8BC6630FA8CB}"/>
-              </a:ext>
-            </a:extLst>
-          </p:cNvPr>
-          <p:cNvSpPr txBox="1"/>
-          <p:nvPr/>
-        </p:nvSpPr>
-        <p:spPr>
-          <a:xfrm>
-            <a:off x="5756670" y="5398926"/>
-            <a:ext cx="312906" cy="369332"/>
-          </a:xfrm>
-          <a:prstGeom prst="rect">
-            <a:avLst/>
-          </a:prstGeom>
-          <a:noFill/>
-        </p:spPr>
-        <p:txBody>
-          <a:bodyPr wrap="none" rtlCol="0">
-            <a:spAutoFit/>
-          </a:bodyPr>
-          <a:lstStyle/>
-          <a:p>
-            <a:r>
-              <a:rPr lang="en-US" dirty="0"/>
-              <a:t>9</a:t>
-            </a:r>
-          </a:p>
-        </p:txBody>
-      </p:sp>
-      <p:sp>
-        <p:nvSpPr>
-          <p:cNvPr id="30" name="TextBox 29">
-            <a:extLst>
-              <a:ext uri="{FF2B5EF4-FFF2-40B4-BE49-F238E27FC236}">
-                <a16:creationId xmlns:a16="http://schemas.microsoft.com/office/drawing/2014/main" id="{53D91D17-5D25-20B8-7500-7147BD9D54EC}"/>
-              </a:ext>
-            </a:extLst>
-          </p:cNvPr>
-          <p:cNvSpPr txBox="1"/>
-          <p:nvPr/>
-        </p:nvSpPr>
-        <p:spPr>
-          <a:xfrm>
-            <a:off x="5146585" y="5780035"/>
-            <a:ext cx="312906" cy="369332"/>
-          </a:xfrm>
-          <a:prstGeom prst="rect">
-            <a:avLst/>
-          </a:prstGeom>
-          <a:noFill/>
-        </p:spPr>
-        <p:txBody>
-          <a:bodyPr wrap="none" rtlCol="0">
-            <a:spAutoFit/>
-          </a:bodyPr>
-          <a:lstStyle/>
-          <a:p>
-            <a:r>
-              <a:rPr lang="en-US" dirty="0"/>
-              <a:t>0</a:t>
-            </a:r>
-          </a:p>
-        </p:txBody>
-      </p:sp>
-      <p:sp>
-        <p:nvSpPr>
-          <p:cNvPr id="35" name="Rectangle 34">
-            <a:extLst>
-              <a:ext uri="{FF2B5EF4-FFF2-40B4-BE49-F238E27FC236}">
-                <a16:creationId xmlns:a16="http://schemas.microsoft.com/office/drawing/2014/main" id="{86019BCD-EB22-7ED3-C880-5B931ACF8A0E}"/>
-              </a:ext>
-            </a:extLst>
-          </p:cNvPr>
-          <p:cNvSpPr/>
-          <p:nvPr/>
-        </p:nvSpPr>
-        <p:spPr>
-          <a:xfrm>
-            <a:off x="3999002" y="1942418"/>
-            <a:ext cx="1749269" cy="365756"/>
-          </a:xfrm>
-          <a:prstGeom prst="rect">
-            <a:avLst/>
-          </a:prstGeom>
-        </p:spPr>
-        <p:style>
-          <a:lnRef idx="2">
-            <a:schemeClr val="accent1">
-              <a:shade val="15000"/>
-            </a:schemeClr>
-          </a:lnRef>
-          <a:fillRef idx="1">
-            <a:schemeClr val="accent1"/>
-          </a:fillRef>
-          <a:effectRef idx="0">
-            <a:schemeClr val="accent1"/>
-          </a:effectRef>
-          <a:fontRef idx="minor">
-            <a:schemeClr val="lt1"/>
-          </a:fontRef>
-        </p:style>
-        <p:txBody>
-          <a:bodyPr rtlCol="0" anchor="ctr"/>
-          <a:lstStyle/>
-          <a:p>
-            <a:pPr algn="ctr"/>
-            <a:r>
-              <a:rPr lang="en-US" sz="1200" dirty="0"/>
-              <a:t>Hdcp – XX  Player 1</a:t>
-            </a:r>
-          </a:p>
-        </p:txBody>
-      </p:sp>
-      <p:sp>
-        <p:nvSpPr>
-          <p:cNvPr id="37" name="Rectangle 36">
-            <a:extLst>
-              <a:ext uri="{FF2B5EF4-FFF2-40B4-BE49-F238E27FC236}">
-                <a16:creationId xmlns:a16="http://schemas.microsoft.com/office/drawing/2014/main" id="{60739499-F2B1-2E46-B5F8-11EAC4B6E1B8}"/>
-              </a:ext>
-            </a:extLst>
-          </p:cNvPr>
-          <p:cNvSpPr/>
-          <p:nvPr/>
-        </p:nvSpPr>
-        <p:spPr>
-          <a:xfrm>
-            <a:off x="3999002" y="2559864"/>
-            <a:ext cx="1749269" cy="365756"/>
-          </a:xfrm>
-          <a:prstGeom prst="rect">
-            <a:avLst/>
-          </a:prstGeom>
-        </p:spPr>
-        <p:style>
-          <a:lnRef idx="2">
-            <a:schemeClr val="accent1">
-              <a:shade val="15000"/>
-            </a:schemeClr>
-          </a:lnRef>
-          <a:fillRef idx="1">
-            <a:schemeClr val="accent1"/>
-          </a:fillRef>
-          <a:effectRef idx="0">
-            <a:schemeClr val="accent1"/>
-          </a:effectRef>
-          <a:fontRef idx="minor">
-            <a:schemeClr val="lt1"/>
-          </a:fontRef>
-        </p:style>
-        <p:txBody>
-          <a:bodyPr rtlCol="0" anchor="ctr"/>
-          <a:lstStyle/>
-          <a:p>
-            <a:pPr algn="ctr"/>
-            <a:r>
-              <a:rPr lang="en-US" sz="1200" dirty="0"/>
-              <a:t>Hdcp – XX  Player 1</a:t>
-            </a:r>
-          </a:p>
-        </p:txBody>
-      </p:sp>
-      <p:sp>
-        <p:nvSpPr>
-          <p:cNvPr id="38" name="Rectangle 37">
-            <a:extLst>
-              <a:ext uri="{FF2B5EF4-FFF2-40B4-BE49-F238E27FC236}">
-                <a16:creationId xmlns:a16="http://schemas.microsoft.com/office/drawing/2014/main" id="{8233DADC-1789-8FF1-5D2B-A5FBEE47707D}"/>
-              </a:ext>
-            </a:extLst>
-          </p:cNvPr>
-          <p:cNvSpPr/>
-          <p:nvPr/>
-        </p:nvSpPr>
-        <p:spPr>
-          <a:xfrm>
-            <a:off x="3999002" y="3177310"/>
-            <a:ext cx="1749269" cy="365756"/>
-          </a:xfrm>
-          <a:prstGeom prst="rect">
-            <a:avLst/>
-          </a:prstGeom>
-        </p:spPr>
-        <p:style>
-          <a:lnRef idx="2">
-            <a:schemeClr val="accent1">
-              <a:shade val="15000"/>
-            </a:schemeClr>
-          </a:lnRef>
-          <a:fillRef idx="1">
-            <a:schemeClr val="accent1"/>
-          </a:fillRef>
-          <a:effectRef idx="0">
-            <a:schemeClr val="accent1"/>
-          </a:effectRef>
-          <a:fontRef idx="minor">
-            <a:schemeClr val="lt1"/>
-          </a:fontRef>
-        </p:style>
-        <p:txBody>
-          <a:bodyPr rtlCol="0" anchor="ctr"/>
-          <a:lstStyle/>
-          <a:p>
-            <a:pPr algn="ctr"/>
-            <a:r>
-              <a:rPr lang="en-US" sz="1200" dirty="0"/>
-              <a:t>Hdcp – XX  Player 1</a:t>
-            </a:r>
-          </a:p>
-        </p:txBody>
-      </p:sp>
-      <p:sp>
-        <p:nvSpPr>
-          <p:cNvPr id="39" name="Rectangle 38">
-            <a:extLst>
-              <a:ext uri="{FF2B5EF4-FFF2-40B4-BE49-F238E27FC236}">
-                <a16:creationId xmlns:a16="http://schemas.microsoft.com/office/drawing/2014/main" id="{22857A8A-A740-96B2-B22D-CF48BBDF02B2}"/>
-              </a:ext>
-            </a:extLst>
-          </p:cNvPr>
-          <p:cNvSpPr/>
-          <p:nvPr/>
-        </p:nvSpPr>
-        <p:spPr>
-          <a:xfrm>
-            <a:off x="3999002" y="3794756"/>
-            <a:ext cx="1749269" cy="365756"/>
-          </a:xfrm>
-          <a:prstGeom prst="rect">
-            <a:avLst/>
-          </a:prstGeom>
-        </p:spPr>
-        <p:style>
-          <a:lnRef idx="2">
-            <a:schemeClr val="accent1">
-              <a:shade val="15000"/>
-            </a:schemeClr>
-          </a:lnRef>
-          <a:fillRef idx="1">
-            <a:schemeClr val="accent1"/>
-          </a:fillRef>
-          <a:effectRef idx="0">
-            <a:schemeClr val="accent1"/>
-          </a:effectRef>
-          <a:fontRef idx="minor">
-            <a:schemeClr val="lt1"/>
-          </a:fontRef>
-        </p:style>
-        <p:txBody>
-          <a:bodyPr rtlCol="0" anchor="ctr"/>
-          <a:lstStyle/>
-          <a:p>
-            <a:pPr algn="ctr"/>
-            <a:r>
-              <a:rPr lang="en-US" sz="1200" dirty="0"/>
-              <a:t>Hdcp – XX  Player 1</a:t>
-            </a:r>
-          </a:p>
-        </p:txBody>
-      </p:sp>
-      <p:sp>
-        <p:nvSpPr>
-          <p:cNvPr id="40" name="Rectangle: Rounded Corners 39">
-            <a:extLst>
-              <a:ext uri="{FF2B5EF4-FFF2-40B4-BE49-F238E27FC236}">
-                <a16:creationId xmlns:a16="http://schemas.microsoft.com/office/drawing/2014/main" id="{84BF0360-1F61-3EAE-0433-45E77DEC2C8F}"/>
-              </a:ext>
-            </a:extLst>
-          </p:cNvPr>
-          <p:cNvSpPr/>
-          <p:nvPr/>
-        </p:nvSpPr>
-        <p:spPr>
-          <a:xfrm>
-            <a:off x="6355931" y="1942418"/>
-            <a:ext cx="731512" cy="365756"/>
-          </a:xfrm>
-          <a:prstGeom prst="roundRect">
-            <a:avLst/>
-          </a:prstGeom>
-        </p:spPr>
-        <p:style>
-          <a:lnRef idx="2">
-            <a:schemeClr val="accent1">
-              <a:shade val="15000"/>
-            </a:schemeClr>
-          </a:lnRef>
-          <a:fillRef idx="1">
-            <a:schemeClr val="accent1"/>
-          </a:fillRef>
-          <a:effectRef idx="0">
-            <a:schemeClr val="accent1"/>
-          </a:effectRef>
-          <a:fontRef idx="minor">
-            <a:schemeClr val="lt1"/>
-          </a:fontRef>
-        </p:style>
-        <p:txBody>
-          <a:bodyPr rtlCol="0" anchor="ctr"/>
-          <a:lstStyle/>
-          <a:p>
-            <a:pPr algn="ctr"/>
-            <a:r>
-              <a:rPr lang="en-US" sz="1200" dirty="0"/>
-              <a:t>Score</a:t>
-            </a:r>
-          </a:p>
-        </p:txBody>
-      </p:sp>
-      <p:sp>
-        <p:nvSpPr>
-          <p:cNvPr id="41" name="Rectangle: Rounded Corners 40">
-            <a:extLst>
-              <a:ext uri="{FF2B5EF4-FFF2-40B4-BE49-F238E27FC236}">
-                <a16:creationId xmlns:a16="http://schemas.microsoft.com/office/drawing/2014/main" id="{95308C27-F697-B658-1838-A4AF8DFBBFA5}"/>
-              </a:ext>
-            </a:extLst>
-          </p:cNvPr>
-          <p:cNvSpPr/>
-          <p:nvPr/>
-        </p:nvSpPr>
-        <p:spPr>
-          <a:xfrm>
-            <a:off x="6338773" y="2559864"/>
-            <a:ext cx="731512" cy="365756"/>
-          </a:xfrm>
-          <a:prstGeom prst="roundRect">
-            <a:avLst/>
-          </a:prstGeom>
-        </p:spPr>
-        <p:style>
-          <a:lnRef idx="2">
-            <a:schemeClr val="accent1">
-              <a:shade val="15000"/>
-            </a:schemeClr>
-          </a:lnRef>
-          <a:fillRef idx="1">
-            <a:schemeClr val="accent1"/>
-          </a:fillRef>
-          <a:effectRef idx="0">
-            <a:schemeClr val="accent1"/>
-          </a:effectRef>
-          <a:fontRef idx="minor">
-            <a:schemeClr val="lt1"/>
-          </a:fontRef>
-        </p:style>
-        <p:txBody>
-          <a:bodyPr rtlCol="0" anchor="ctr"/>
-          <a:lstStyle/>
-          <a:p>
-            <a:pPr algn="ctr"/>
-            <a:r>
-              <a:rPr lang="en-US" sz="1200" dirty="0"/>
-              <a:t>Score</a:t>
-            </a:r>
-          </a:p>
-        </p:txBody>
-      </p:sp>
-      <p:sp>
-        <p:nvSpPr>
-          <p:cNvPr id="42" name="Rectangle: Rounded Corners 41">
-            <a:extLst>
-              <a:ext uri="{FF2B5EF4-FFF2-40B4-BE49-F238E27FC236}">
-                <a16:creationId xmlns:a16="http://schemas.microsoft.com/office/drawing/2014/main" id="{9A647BB1-6BC9-7CE3-9007-D2C8BAFFE7CB}"/>
-              </a:ext>
-            </a:extLst>
-          </p:cNvPr>
-          <p:cNvSpPr/>
-          <p:nvPr/>
-        </p:nvSpPr>
-        <p:spPr>
-          <a:xfrm>
-            <a:off x="6338773" y="3177310"/>
-            <a:ext cx="731512" cy="365756"/>
-          </a:xfrm>
-          <a:prstGeom prst="roundRect">
-            <a:avLst/>
-          </a:prstGeom>
-        </p:spPr>
-        <p:style>
-          <a:lnRef idx="2">
-            <a:schemeClr val="accent1">
-              <a:shade val="15000"/>
-            </a:schemeClr>
-          </a:lnRef>
-          <a:fillRef idx="1">
-            <a:schemeClr val="accent1"/>
-          </a:fillRef>
-          <a:effectRef idx="0">
-            <a:schemeClr val="accent1"/>
-          </a:effectRef>
-          <a:fontRef idx="minor">
-            <a:schemeClr val="lt1"/>
-          </a:fontRef>
-        </p:style>
-        <p:txBody>
-          <a:bodyPr rtlCol="0" anchor="ctr"/>
-          <a:lstStyle/>
-          <a:p>
-            <a:pPr algn="ctr"/>
-            <a:r>
-              <a:rPr lang="en-US" sz="1200" dirty="0"/>
-              <a:t>Score</a:t>
-            </a:r>
-          </a:p>
-        </p:txBody>
-      </p:sp>
-      <p:sp>
-        <p:nvSpPr>
-          <p:cNvPr id="43" name="Rectangle: Rounded Corners 42">
-            <a:extLst>
-              <a:ext uri="{FF2B5EF4-FFF2-40B4-BE49-F238E27FC236}">
-                <a16:creationId xmlns:a16="http://schemas.microsoft.com/office/drawing/2014/main" id="{F6A2385E-8392-4AB1-C493-6D88F9D9440D}"/>
-              </a:ext>
-            </a:extLst>
-          </p:cNvPr>
-          <p:cNvSpPr/>
-          <p:nvPr/>
-        </p:nvSpPr>
-        <p:spPr>
-          <a:xfrm>
-            <a:off x="6338773" y="3794756"/>
-            <a:ext cx="731512" cy="365756"/>
-          </a:xfrm>
-          <a:prstGeom prst="roundRect">
-            <a:avLst/>
-          </a:prstGeom>
-        </p:spPr>
-        <p:style>
-          <a:lnRef idx="2">
-            <a:schemeClr val="accent1">
-              <a:shade val="15000"/>
-            </a:schemeClr>
-          </a:lnRef>
-          <a:fillRef idx="1">
-            <a:schemeClr val="accent1"/>
-          </a:fillRef>
-          <a:effectRef idx="0">
-            <a:schemeClr val="accent1"/>
-          </a:effectRef>
-          <a:fontRef idx="minor">
-            <a:schemeClr val="lt1"/>
-          </a:fontRef>
-        </p:style>
-        <p:txBody>
-          <a:bodyPr rtlCol="0" anchor="ctr"/>
-          <a:lstStyle/>
-          <a:p>
-            <a:pPr algn="ctr"/>
-            <a:r>
-              <a:rPr lang="en-US" sz="1200" dirty="0"/>
-              <a:t>Score</a:t>
-            </a:r>
-          </a:p>
-        </p:txBody>
-      </p:sp>
-      <p:sp>
-        <p:nvSpPr>
-          <p:cNvPr id="44" name="TextBox 43">
-            <a:extLst>
-              <a:ext uri="{FF2B5EF4-FFF2-40B4-BE49-F238E27FC236}">
-                <a16:creationId xmlns:a16="http://schemas.microsoft.com/office/drawing/2014/main" id="{0A3B8D9D-7AD5-823D-BE81-6D53EF7B9196}"/>
-              </a:ext>
-            </a:extLst>
-          </p:cNvPr>
-          <p:cNvSpPr txBox="1"/>
-          <p:nvPr/>
-        </p:nvSpPr>
-        <p:spPr>
-          <a:xfrm>
-            <a:off x="6338773" y="5810813"/>
-            <a:ext cx="641522" cy="338554"/>
-          </a:xfrm>
-          <a:prstGeom prst="rect">
-            <a:avLst/>
-          </a:prstGeom>
-          <a:noFill/>
-        </p:spPr>
-        <p:txBody>
-          <a:bodyPr wrap="none" rtlCol="0">
-            <a:spAutoFit/>
-          </a:bodyPr>
-          <a:lstStyle/>
-          <a:p>
-            <a:r>
-              <a:rPr lang="en-US" sz="1600" dirty="0"/>
-              <a:t>Save</a:t>
-            </a:r>
-          </a:p>
-        </p:txBody>
-      </p:sp>
-      <p:sp>
-        <p:nvSpPr>
-          <p:cNvPr id="45" name="TextBox 44">
-            <a:extLst>
-              <a:ext uri="{FF2B5EF4-FFF2-40B4-BE49-F238E27FC236}">
-                <a16:creationId xmlns:a16="http://schemas.microsoft.com/office/drawing/2014/main" id="{77916862-A6E4-0D17-F17D-F7860CAD3459}"/>
-              </a:ext>
-            </a:extLst>
-          </p:cNvPr>
-          <p:cNvSpPr txBox="1"/>
-          <p:nvPr/>
-        </p:nvSpPr>
-        <p:spPr>
-          <a:xfrm>
-            <a:off x="4295184" y="5833616"/>
-            <a:ext cx="704039" cy="338554"/>
-          </a:xfrm>
-          <a:prstGeom prst="rect">
-            <a:avLst/>
-          </a:prstGeom>
-          <a:noFill/>
-        </p:spPr>
-        <p:txBody>
-          <a:bodyPr wrap="none" rtlCol="0">
-            <a:spAutoFit/>
-          </a:bodyPr>
-          <a:lstStyle/>
-          <a:p>
-            <a:r>
-              <a:rPr lang="en-US" sz="1600" dirty="0"/>
-              <a:t>Clear</a:t>
-            </a:r>
-          </a:p>
-        </p:txBody>
-      </p:sp>
-      <p:sp>
-        <p:nvSpPr>
-          <p:cNvPr id="46" name="Rectangle 45">
-            <a:extLst>
-              <a:ext uri="{FF2B5EF4-FFF2-40B4-BE49-F238E27FC236}">
-                <a16:creationId xmlns:a16="http://schemas.microsoft.com/office/drawing/2014/main" id="{307AEDDA-946D-2EDA-711A-465C19FBCA20}"/>
-              </a:ext>
-            </a:extLst>
-          </p:cNvPr>
-          <p:cNvSpPr/>
-          <p:nvPr/>
-        </p:nvSpPr>
-        <p:spPr>
-          <a:xfrm>
-            <a:off x="3999002" y="960147"/>
-            <a:ext cx="1182608" cy="365290"/>
-          </a:xfrm>
-          <a:prstGeom prst="rect">
-            <a:avLst/>
-          </a:prstGeom>
-        </p:spPr>
-        <p:style>
-          <a:lnRef idx="2">
-            <a:schemeClr val="accent1">
-              <a:shade val="15000"/>
-            </a:schemeClr>
-          </a:lnRef>
-          <a:fillRef idx="1">
-            <a:schemeClr val="accent1"/>
-          </a:fillRef>
-          <a:effectRef idx="0">
-            <a:schemeClr val="accent1"/>
-          </a:effectRef>
-          <a:fontRef idx="minor">
-            <a:schemeClr val="lt1"/>
-          </a:fontRef>
-        </p:style>
-        <p:txBody>
-          <a:bodyPr rtlCol="0" anchor="ctr"/>
-          <a:lstStyle/>
-          <a:p>
-            <a:pPr algn="ctr"/>
-            <a:r>
-              <a:rPr lang="en-US" sz="1200" dirty="0"/>
-              <a:t>Current Hole</a:t>
-            </a:r>
-          </a:p>
-        </p:txBody>
-      </p:sp>
-      <p:sp>
-        <p:nvSpPr>
-          <p:cNvPr id="47" name="Rectangle: Rounded Corners 46">
-            <a:extLst>
-              <a:ext uri="{FF2B5EF4-FFF2-40B4-BE49-F238E27FC236}">
-                <a16:creationId xmlns:a16="http://schemas.microsoft.com/office/drawing/2014/main" id="{8722E696-3311-D4B3-609A-B5C7D143FDF7}"/>
-              </a:ext>
-            </a:extLst>
-          </p:cNvPr>
-          <p:cNvSpPr/>
-          <p:nvPr/>
-        </p:nvSpPr>
-        <p:spPr>
-          <a:xfrm>
-            <a:off x="6355931" y="982048"/>
-            <a:ext cx="837337" cy="343389"/>
-          </a:xfrm>
-          <a:prstGeom prst="roundRect">
-            <a:avLst/>
-          </a:prstGeom>
-        </p:spPr>
-        <p:style>
-          <a:lnRef idx="2">
-            <a:schemeClr val="accent1">
-              <a:shade val="15000"/>
-            </a:schemeClr>
-          </a:lnRef>
-          <a:fillRef idx="1">
-            <a:schemeClr val="accent1"/>
-          </a:fillRef>
-          <a:effectRef idx="0">
-            <a:schemeClr val="accent1"/>
-          </a:effectRef>
-          <a:fontRef idx="minor">
-            <a:schemeClr val="lt1"/>
-          </a:fontRef>
-        </p:style>
-        <p:txBody>
-          <a:bodyPr rtlCol="0" anchor="ctr"/>
-          <a:lstStyle/>
-          <a:p>
-            <a:pPr algn="ctr"/>
-            <a:r>
-              <a:rPr lang="en-US" sz="1400" dirty="0"/>
-              <a:t>Hole #</a:t>
-            </a:r>
-          </a:p>
-        </p:txBody>
-      </p:sp>
-      <p:sp>
-        <p:nvSpPr>
-          <p:cNvPr id="2" name="TextBox 1">
-            <a:extLst>
-              <a:ext uri="{FF2B5EF4-FFF2-40B4-BE49-F238E27FC236}">
-                <a16:creationId xmlns:a16="http://schemas.microsoft.com/office/drawing/2014/main" id="{2F54D212-97F7-CFCC-F9A7-C9211CA5A386}"/>
-              </a:ext>
-            </a:extLst>
-          </p:cNvPr>
-          <p:cNvSpPr txBox="1"/>
-          <p:nvPr/>
-        </p:nvSpPr>
-        <p:spPr>
-          <a:xfrm>
-            <a:off x="5083114" y="452699"/>
-            <a:ext cx="1446230" cy="369332"/>
-          </a:xfrm>
-          <a:prstGeom prst="rect">
-            <a:avLst/>
-          </a:prstGeom>
-          <a:noFill/>
-        </p:spPr>
-        <p:txBody>
-          <a:bodyPr wrap="none" rtlCol="0">
-            <a:spAutoFit/>
-          </a:bodyPr>
-          <a:lstStyle/>
-          <a:p>
-            <a:r>
-              <a:rPr lang="en-US" dirty="0"/>
-              <a:t>Enter Score</a:t>
-            </a:r>
-          </a:p>
-        </p:txBody>
-      </p:sp>
-      <p:sp>
-        <p:nvSpPr>
-          <p:cNvPr id="48" name="TextBox 47">
-            <a:extLst>
-              <a:ext uri="{FF2B5EF4-FFF2-40B4-BE49-F238E27FC236}">
-                <a16:creationId xmlns:a16="http://schemas.microsoft.com/office/drawing/2014/main" id="{22586C0D-3E9B-41CA-7C43-F8A62DC4CF4C}"/>
-              </a:ext>
-            </a:extLst>
-          </p:cNvPr>
-          <p:cNvSpPr txBox="1"/>
-          <p:nvPr/>
-        </p:nvSpPr>
-        <p:spPr>
-          <a:xfrm>
-            <a:off x="6338773" y="4640511"/>
-            <a:ext cx="829073" cy="338554"/>
-          </a:xfrm>
-          <a:prstGeom prst="rect">
-            <a:avLst/>
-          </a:prstGeom>
-          <a:noFill/>
-        </p:spPr>
-        <p:txBody>
-          <a:bodyPr wrap="none" rtlCol="0">
-            <a:spAutoFit/>
-          </a:bodyPr>
-          <a:lstStyle/>
-          <a:p>
-            <a:r>
-              <a:rPr lang="en-US" sz="1600" dirty="0"/>
-              <a:t>Cancel</a:t>
-            </a:r>
-          </a:p>
-        </p:txBody>
-      </p:sp>
-      <p:sp>
-        <p:nvSpPr>
-          <p:cNvPr id="49" name="TextBox 48">
-            <a:extLst>
-              <a:ext uri="{FF2B5EF4-FFF2-40B4-BE49-F238E27FC236}">
-                <a16:creationId xmlns:a16="http://schemas.microsoft.com/office/drawing/2014/main" id="{A1935A63-E271-6928-78FE-F5A5A45E1FAA}"/>
-              </a:ext>
-            </a:extLst>
-          </p:cNvPr>
-          <p:cNvSpPr txBox="1"/>
-          <p:nvPr/>
-        </p:nvSpPr>
-        <p:spPr>
-          <a:xfrm>
-            <a:off x="5623564" y="5833616"/>
-            <a:ext cx="659155" cy="338554"/>
-          </a:xfrm>
-          <a:prstGeom prst="rect">
-            <a:avLst/>
-          </a:prstGeom>
-          <a:noFill/>
-        </p:spPr>
-        <p:txBody>
-          <a:bodyPr wrap="none" rtlCol="0">
-            <a:spAutoFit/>
-          </a:bodyPr>
-          <a:lstStyle/>
-          <a:p>
-            <a:r>
-              <a:rPr lang="en-US" sz="1600" dirty="0"/>
-              <a:t>Back</a:t>
-            </a:r>
-          </a:p>
-        </p:txBody>
-      </p:sp>
-      <p:cxnSp>
-        <p:nvCxnSpPr>
-          <p:cNvPr id="50" name="Straight Connector 49">
-            <a:extLst>
-              <a:ext uri="{FF2B5EF4-FFF2-40B4-BE49-F238E27FC236}">
-                <a16:creationId xmlns:a16="http://schemas.microsoft.com/office/drawing/2014/main" id="{C6DE623F-CE5A-682E-208C-B749D24C83FB}"/>
-              </a:ext>
-            </a:extLst>
-          </p:cNvPr>
-          <p:cNvCxnSpPr>
-            <a:cxnSpLocks/>
-          </p:cNvCxnSpPr>
-          <p:nvPr/>
-        </p:nvCxnSpPr>
-        <p:spPr>
-          <a:xfrm>
-            <a:off x="7261224" y="4596234"/>
-            <a:ext cx="0" cy="1615423"/>
-          </a:xfrm>
-          <a:prstGeom prst="line">
-            <a:avLst/>
-          </a:prstGeom>
-        </p:spPr>
-        <p:style>
-          <a:lnRef idx="2">
-            <a:schemeClr val="accent1"/>
-          </a:lnRef>
-          <a:fillRef idx="0">
-            <a:schemeClr val="accent1"/>
-          </a:fillRef>
-          <a:effectRef idx="1">
-            <a:schemeClr val="accent1"/>
-          </a:effectRef>
-          <a:fontRef idx="minor">
-            <a:schemeClr val="tx1"/>
-          </a:fontRef>
-        </p:style>
-      </p:cxnSp>
-      <p:sp>
-        <p:nvSpPr>
-          <p:cNvPr id="59" name="Rectangle 58">
-            <a:extLst>
-              <a:ext uri="{FF2B5EF4-FFF2-40B4-BE49-F238E27FC236}">
-                <a16:creationId xmlns:a16="http://schemas.microsoft.com/office/drawing/2014/main" id="{170417AF-B565-9554-5B1A-C84FFA5943F5}"/>
-              </a:ext>
-            </a:extLst>
-          </p:cNvPr>
-          <p:cNvSpPr/>
-          <p:nvPr/>
-        </p:nvSpPr>
-        <p:spPr>
-          <a:xfrm>
-            <a:off x="8936708" y="499985"/>
-            <a:ext cx="2712757" cy="4894953"/>
-          </a:xfrm>
-          <a:prstGeom prst="rect">
-            <a:avLst/>
-          </a:prstGeom>
-        </p:spPr>
-        <p:style>
-          <a:lnRef idx="2">
-            <a:schemeClr val="dk1"/>
-          </a:lnRef>
-          <a:fillRef idx="1">
-            <a:schemeClr val="lt1"/>
-          </a:fillRef>
-          <a:effectRef idx="0">
-            <a:schemeClr val="dk1"/>
-          </a:effectRef>
-          <a:fontRef idx="minor">
-            <a:schemeClr val="dk1"/>
-          </a:fontRef>
-        </p:style>
-        <p:txBody>
-          <a:bodyPr rtlCol="0" anchor="t"/>
-          <a:lstStyle/>
-          <a:p>
-            <a:pPr algn="just"/>
-            <a:r>
-              <a:rPr lang="en-US" sz="1200" dirty="0"/>
-              <a:t>User can change the current hole by selecting current hole and enter the hole number.</a:t>
-            </a:r>
-          </a:p>
-          <a:p>
-            <a:pPr algn="just"/>
-            <a:endParaRPr lang="en-US" sz="1200" dirty="0"/>
-          </a:p>
-          <a:p>
-            <a:pPr algn="just"/>
-            <a:r>
-              <a:rPr lang="en-US" sz="1200" dirty="0"/>
-              <a:t>The cursor will move to the next player entry after keypad key is pressed. Pressing the player score box will focus cursor to that player.</a:t>
-            </a:r>
-          </a:p>
-          <a:p>
-            <a:pPr algn="just"/>
-            <a:endParaRPr lang="en-US" sz="1200" dirty="0"/>
-          </a:p>
-          <a:p>
-            <a:r>
-              <a:rPr lang="en-US" sz="1200" dirty="0"/>
-              <a:t>Save - Update score card display screen.</a:t>
-            </a:r>
-          </a:p>
-          <a:p>
-            <a:pPr algn="just"/>
-            <a:endParaRPr lang="en-US" sz="1200" dirty="0"/>
-          </a:p>
-          <a:p>
-            <a:pPr algn="just"/>
-            <a:r>
-              <a:rPr lang="en-US" sz="1200" dirty="0"/>
-              <a:t>Clear will erase the last entry. </a:t>
-            </a:r>
-          </a:p>
-          <a:p>
-            <a:pPr algn="just"/>
-            <a:endParaRPr lang="en-US" sz="1200" dirty="0"/>
-          </a:p>
-          <a:p>
-            <a:pPr algn="just"/>
-            <a:r>
-              <a:rPr lang="en-US" sz="1200" dirty="0"/>
-              <a:t>Cancel – Will not update score card display screen.</a:t>
-            </a:r>
-          </a:p>
-          <a:p>
-            <a:pPr algn="just"/>
-            <a:endParaRPr lang="en-US" sz="1200" dirty="0"/>
-          </a:p>
-          <a:p>
-            <a:r>
-              <a:rPr lang="en-US" sz="1200" dirty="0"/>
-              <a:t>Double Digits – Will allow two digits to be entered in a player score.</a:t>
-            </a:r>
-          </a:p>
-          <a:p>
-            <a:endParaRPr lang="en-US" sz="1200" dirty="0"/>
-          </a:p>
-          <a:p>
-            <a:r>
-              <a:rPr lang="en-US" sz="1200" dirty="0"/>
-              <a:t>Junk – Popup dialog to record the players junk awarded. The junk key must be pressed before entering the player’s score.</a:t>
-            </a:r>
-          </a:p>
-        </p:txBody>
-      </p:sp>
-      <p:sp>
-        <p:nvSpPr>
-          <p:cNvPr id="60" name="TextBox 59">
-            <a:extLst>
-              <a:ext uri="{FF2B5EF4-FFF2-40B4-BE49-F238E27FC236}">
-                <a16:creationId xmlns:a16="http://schemas.microsoft.com/office/drawing/2014/main" id="{021EA784-BB7F-D743-503E-AD2DD8278182}"/>
-              </a:ext>
-            </a:extLst>
-          </p:cNvPr>
-          <p:cNvSpPr txBox="1"/>
-          <p:nvPr/>
-        </p:nvSpPr>
-        <p:spPr>
-          <a:xfrm>
-            <a:off x="6391448" y="4973215"/>
-            <a:ext cx="686406" cy="461665"/>
-          </a:xfrm>
-          <a:prstGeom prst="rect">
-            <a:avLst/>
-          </a:prstGeom>
-          <a:noFill/>
-        </p:spPr>
-        <p:txBody>
-          <a:bodyPr wrap="none" rtlCol="0">
-            <a:spAutoFit/>
-          </a:bodyPr>
-          <a:lstStyle/>
-          <a:p>
-            <a:r>
-              <a:rPr lang="en-US" sz="1200" dirty="0"/>
-              <a:t>Double</a:t>
-            </a:r>
-          </a:p>
-          <a:p>
-            <a:r>
-              <a:rPr lang="en-US" sz="1200" dirty="0"/>
-              <a:t>Digits</a:t>
-            </a:r>
-          </a:p>
-        </p:txBody>
-      </p:sp>
-      <p:sp>
-        <p:nvSpPr>
-          <p:cNvPr id="62" name="TextBox 61">
-            <a:extLst>
-              <a:ext uri="{FF2B5EF4-FFF2-40B4-BE49-F238E27FC236}">
-                <a16:creationId xmlns:a16="http://schemas.microsoft.com/office/drawing/2014/main" id="{4A0154AB-BB76-34EB-3178-692260ED194B}"/>
-              </a:ext>
-            </a:extLst>
-          </p:cNvPr>
-          <p:cNvSpPr txBox="1"/>
-          <p:nvPr/>
-        </p:nvSpPr>
-        <p:spPr>
-          <a:xfrm>
-            <a:off x="6353071" y="5394939"/>
-            <a:ext cx="670376" cy="338554"/>
-          </a:xfrm>
-          <a:prstGeom prst="rect">
-            <a:avLst/>
-          </a:prstGeom>
-          <a:noFill/>
-        </p:spPr>
-        <p:txBody>
-          <a:bodyPr wrap="none" rtlCol="0">
-            <a:spAutoFit/>
-          </a:bodyPr>
-          <a:lstStyle/>
-          <a:p>
-            <a:r>
-              <a:rPr lang="en-US" sz="1600" dirty="0"/>
-              <a:t>Junk</a:t>
-            </a:r>
-          </a:p>
-        </p:txBody>
-      </p:sp>
     </p:spTree>
     <p:extLst>
       <p:ext uri="{BB962C8B-B14F-4D97-AF65-F5344CB8AC3E}">
-        <p14:creationId xmlns:p14="http://schemas.microsoft.com/office/powerpoint/2010/main" val="2865072971"/>
+        <p14:creationId xmlns:p14="http://schemas.microsoft.com/office/powerpoint/2010/main" val="1185462066"/>
       </p:ext>
     </p:extLst>
   </p:cSld>

--- a/Documentation/TeamScoreLayout.pptx
+++ b/Documentation/TeamScoreLayout.pptx
@@ -15,9 +15,10 @@
     <p:sldId id="261" r:id="rId9"/>
     <p:sldId id="271" r:id="rId10"/>
     <p:sldId id="269" r:id="rId11"/>
-    <p:sldId id="264" r:id="rId12"/>
-    <p:sldId id="260" r:id="rId13"/>
-    <p:sldId id="259" r:id="rId14"/>
+    <p:sldId id="272" r:id="rId12"/>
+    <p:sldId id="264" r:id="rId13"/>
+    <p:sldId id="260" r:id="rId14"/>
+    <p:sldId id="259" r:id="rId15"/>
   </p:sldIdLst>
   <p:sldSz cx="12192000" cy="6858000"/>
   <p:notesSz cx="6858000" cy="9144000"/>
@@ -838,7 +839,7 @@
           <a:p>
             <a:fld id="{955A69D3-FF78-44E1-BB41-3D13FA416A59}" type="datetimeFigureOut">
               <a:rPr lang="en-US" smtClean="0"/>
-              <a:t>Wednesday,Mar/27/24</a:t>
+              <a:t>Sunday,Mar/31/24</a:t>
             </a:fld>
             <a:endParaRPr lang="en-US"/>
           </a:p>
@@ -1036,7 +1037,7 @@
           <a:p>
             <a:fld id="{955A69D3-FF78-44E1-BB41-3D13FA416A59}" type="datetimeFigureOut">
               <a:rPr lang="en-US" smtClean="0"/>
-              <a:t>Wednesday,Mar/27/24</a:t>
+              <a:t>Sunday,Mar/31/24</a:t>
             </a:fld>
             <a:endParaRPr lang="en-US"/>
           </a:p>
@@ -1244,7 +1245,7 @@
           <a:p>
             <a:fld id="{955A69D3-FF78-44E1-BB41-3D13FA416A59}" type="datetimeFigureOut">
               <a:rPr lang="en-US" smtClean="0"/>
-              <a:t>Wednesday,Mar/27/24</a:t>
+              <a:t>Sunday,Mar/31/24</a:t>
             </a:fld>
             <a:endParaRPr lang="en-US"/>
           </a:p>
@@ -1442,7 +1443,7 @@
           <a:p>
             <a:fld id="{955A69D3-FF78-44E1-BB41-3D13FA416A59}" type="datetimeFigureOut">
               <a:rPr lang="en-US" smtClean="0"/>
-              <a:t>Wednesday,Mar/27/24</a:t>
+              <a:t>Sunday,Mar/31/24</a:t>
             </a:fld>
             <a:endParaRPr lang="en-US"/>
           </a:p>
@@ -1717,7 +1718,7 @@
           <a:p>
             <a:fld id="{955A69D3-FF78-44E1-BB41-3D13FA416A59}" type="datetimeFigureOut">
               <a:rPr lang="en-US" smtClean="0"/>
-              <a:t>Wednesday,Mar/27/24</a:t>
+              <a:t>Sunday,Mar/31/24</a:t>
             </a:fld>
             <a:endParaRPr lang="en-US"/>
           </a:p>
@@ -1982,7 +1983,7 @@
           <a:p>
             <a:fld id="{955A69D3-FF78-44E1-BB41-3D13FA416A59}" type="datetimeFigureOut">
               <a:rPr lang="en-US" smtClean="0"/>
-              <a:t>Wednesday,Mar/27/24</a:t>
+              <a:t>Sunday,Mar/31/24</a:t>
             </a:fld>
             <a:endParaRPr lang="en-US"/>
           </a:p>
@@ -2394,7 +2395,7 @@
           <a:p>
             <a:fld id="{955A69D3-FF78-44E1-BB41-3D13FA416A59}" type="datetimeFigureOut">
               <a:rPr lang="en-US" smtClean="0"/>
-              <a:t>Wednesday,Mar/27/24</a:t>
+              <a:t>Sunday,Mar/31/24</a:t>
             </a:fld>
             <a:endParaRPr lang="en-US"/>
           </a:p>
@@ -2535,7 +2536,7 @@
           <a:p>
             <a:fld id="{955A69D3-FF78-44E1-BB41-3D13FA416A59}" type="datetimeFigureOut">
               <a:rPr lang="en-US" smtClean="0"/>
-              <a:t>Wednesday,Mar/27/24</a:t>
+              <a:t>Sunday,Mar/31/24</a:t>
             </a:fld>
             <a:endParaRPr lang="en-US"/>
           </a:p>
@@ -2648,7 +2649,7 @@
           <a:p>
             <a:fld id="{955A69D3-FF78-44E1-BB41-3D13FA416A59}" type="datetimeFigureOut">
               <a:rPr lang="en-US" smtClean="0"/>
-              <a:t>Wednesday,Mar/27/24</a:t>
+              <a:t>Sunday,Mar/31/24</a:t>
             </a:fld>
             <a:endParaRPr lang="en-US"/>
           </a:p>
@@ -2959,7 +2960,7 @@
           <a:p>
             <a:fld id="{955A69D3-FF78-44E1-BB41-3D13FA416A59}" type="datetimeFigureOut">
               <a:rPr lang="en-US" smtClean="0"/>
-              <a:t>Wednesday,Mar/27/24</a:t>
+              <a:t>Sunday,Mar/31/24</a:t>
             </a:fld>
             <a:endParaRPr lang="en-US"/>
           </a:p>
@@ -3247,7 +3248,7 @@
           <a:p>
             <a:fld id="{955A69D3-FF78-44E1-BB41-3D13FA416A59}" type="datetimeFigureOut">
               <a:rPr lang="en-US" smtClean="0"/>
-              <a:t>Wednesday,Mar/27/24</a:t>
+              <a:t>Sunday,Mar/31/24</a:t>
             </a:fld>
             <a:endParaRPr lang="en-US"/>
           </a:p>
@@ -3488,7 +3489,7 @@
           <a:p>
             <a:fld id="{955A69D3-FF78-44E1-BB41-3D13FA416A59}" type="datetimeFigureOut">
               <a:rPr lang="en-US" smtClean="0"/>
-              <a:t>Wednesday,Mar/27/24</a:t>
+              <a:t>Sunday,Mar/31/24</a:t>
             </a:fld>
             <a:endParaRPr lang="en-US"/>
           </a:p>
@@ -5980,50 +5981,6 @@
           <a:chExt cx="0" cy="0"/>
         </a:xfrm>
       </p:grpSpPr>
-      <p:sp>
-        <p:nvSpPr>
-          <p:cNvPr id="3" name="Rectangle 2">
-            <a:extLst>
-              <a:ext uri="{FF2B5EF4-FFF2-40B4-BE49-F238E27FC236}">
-                <a16:creationId xmlns:a16="http://schemas.microsoft.com/office/drawing/2014/main" id="{95468A64-E404-084B-AC3F-C60BBD7EAEBD}"/>
-              </a:ext>
-            </a:extLst>
-          </p:cNvPr>
-          <p:cNvSpPr/>
-          <p:nvPr/>
-        </p:nvSpPr>
-        <p:spPr>
-          <a:xfrm>
-            <a:off x="3535708" y="435928"/>
-            <a:ext cx="4206194" cy="6214276"/>
-          </a:xfrm>
-          <a:prstGeom prst="rect">
-            <a:avLst/>
-          </a:prstGeom>
-        </p:spPr>
-        <p:style>
-          <a:lnRef idx="2">
-            <a:schemeClr val="accent3"/>
-          </a:lnRef>
-          <a:fillRef idx="1">
-            <a:schemeClr val="lt1"/>
-          </a:fillRef>
-          <a:effectRef idx="0">
-            <a:schemeClr val="accent3"/>
-          </a:effectRef>
-          <a:fontRef idx="minor">
-            <a:schemeClr val="dk1"/>
-          </a:fontRef>
-        </p:style>
-        <p:txBody>
-          <a:bodyPr rtlCol="0" anchor="ctr"/>
-          <a:lstStyle/>
-          <a:p>
-            <a:pPr algn="ctr"/>
-            <a:endParaRPr lang="en-US" dirty="0"/>
-          </a:p>
-        </p:txBody>
-      </p:sp>
       <p:cxnSp>
         <p:nvCxnSpPr>
           <p:cNvPr id="7" name="Straight Connector 6">
@@ -6041,7 +5998,7 @@
         <p:spPr>
           <a:xfrm>
             <a:off x="4312939" y="6172170"/>
-            <a:ext cx="2948285" cy="0"/>
+            <a:ext cx="1965939" cy="0"/>
           </a:xfrm>
           <a:prstGeom prst="line">
             <a:avLst/>
@@ -6077,9 +6034,9 @@
           <p:nvPr/>
         </p:nvCxnSpPr>
         <p:spPr>
-          <a:xfrm>
-            <a:off x="4312939" y="5783555"/>
-            <a:ext cx="2948285" cy="0"/>
+          <a:xfrm flipV="1">
+            <a:off x="4312939" y="5768258"/>
+            <a:ext cx="1965939" cy="15297"/>
           </a:xfrm>
           <a:prstGeom prst="line">
             <a:avLst/>
@@ -6115,9 +6072,9 @@
           <p:nvPr/>
         </p:nvCxnSpPr>
         <p:spPr>
-          <a:xfrm flipV="1">
-            <a:off x="4312939" y="5387295"/>
-            <a:ext cx="2936661" cy="7644"/>
+          <a:xfrm>
+            <a:off x="4312939" y="5394939"/>
+            <a:ext cx="1965939" cy="17540"/>
           </a:xfrm>
           <a:prstGeom prst="line">
             <a:avLst/>
@@ -6155,7 +6112,7 @@
         <p:spPr>
           <a:xfrm>
             <a:off x="4312939" y="5006323"/>
-            <a:ext cx="2936661" cy="13059"/>
+            <a:ext cx="1965939" cy="6159"/>
           </a:xfrm>
           <a:prstGeom prst="line">
             <a:avLst/>
@@ -6193,7 +6150,7 @@
         <p:spPr>
           <a:xfrm>
             <a:off x="4312939" y="4617707"/>
-            <a:ext cx="2936661" cy="7896"/>
+            <a:ext cx="1965939" cy="9063"/>
           </a:xfrm>
           <a:prstGeom prst="line">
             <a:avLst/>
@@ -6677,10 +6634,402 @@
       </p:sp>
       <p:sp>
         <p:nvSpPr>
-          <p:cNvPr id="30" name="TextBox 29">
-            <a:extLst>
-              <a:ext uri="{FF2B5EF4-FFF2-40B4-BE49-F238E27FC236}">
-                <a16:creationId xmlns:a16="http://schemas.microsoft.com/office/drawing/2014/main" id="{53D91D17-5D25-20B8-7500-7147BD9D54EC}"/>
+          <p:cNvPr id="35" name="Rectangle 34">
+            <a:extLst>
+              <a:ext uri="{FF2B5EF4-FFF2-40B4-BE49-F238E27FC236}">
+                <a16:creationId xmlns:a16="http://schemas.microsoft.com/office/drawing/2014/main" id="{86019BCD-EB22-7ED3-C880-5B931ACF8A0E}"/>
+              </a:ext>
+            </a:extLst>
+          </p:cNvPr>
+          <p:cNvSpPr/>
+          <p:nvPr/>
+        </p:nvSpPr>
+        <p:spPr>
+          <a:xfrm>
+            <a:off x="3765961" y="1919791"/>
+            <a:ext cx="1749269" cy="365756"/>
+          </a:xfrm>
+          <a:prstGeom prst="rect">
+            <a:avLst/>
+          </a:prstGeom>
+        </p:spPr>
+        <p:style>
+          <a:lnRef idx="2">
+            <a:schemeClr val="accent1">
+              <a:shade val="15000"/>
+            </a:schemeClr>
+          </a:lnRef>
+          <a:fillRef idx="1">
+            <a:schemeClr val="accent1"/>
+          </a:fillRef>
+          <a:effectRef idx="0">
+            <a:schemeClr val="accent1"/>
+          </a:effectRef>
+          <a:fontRef idx="minor">
+            <a:schemeClr val="lt1"/>
+          </a:fontRef>
+        </p:style>
+        <p:txBody>
+          <a:bodyPr rtlCol="0" anchor="ctr"/>
+          <a:lstStyle/>
+          <a:p>
+            <a:pPr algn="ctr"/>
+            <a:r>
+              <a:rPr lang="en-US" sz="1200" dirty="0"/>
+              <a:t>Hdcp – XX  Player 1</a:t>
+            </a:r>
+          </a:p>
+        </p:txBody>
+      </p:sp>
+      <p:sp>
+        <p:nvSpPr>
+          <p:cNvPr id="37" name="Rectangle 36">
+            <a:extLst>
+              <a:ext uri="{FF2B5EF4-FFF2-40B4-BE49-F238E27FC236}">
+                <a16:creationId xmlns:a16="http://schemas.microsoft.com/office/drawing/2014/main" id="{60739499-F2B1-2E46-B5F8-11EAC4B6E1B8}"/>
+              </a:ext>
+            </a:extLst>
+          </p:cNvPr>
+          <p:cNvSpPr/>
+          <p:nvPr/>
+        </p:nvSpPr>
+        <p:spPr>
+          <a:xfrm>
+            <a:off x="3765961" y="2550493"/>
+            <a:ext cx="1749269" cy="365756"/>
+          </a:xfrm>
+          <a:prstGeom prst="rect">
+            <a:avLst/>
+          </a:prstGeom>
+        </p:spPr>
+        <p:style>
+          <a:lnRef idx="2">
+            <a:schemeClr val="accent1">
+              <a:shade val="15000"/>
+            </a:schemeClr>
+          </a:lnRef>
+          <a:fillRef idx="1">
+            <a:schemeClr val="accent1"/>
+          </a:fillRef>
+          <a:effectRef idx="0">
+            <a:schemeClr val="accent1"/>
+          </a:effectRef>
+          <a:fontRef idx="minor">
+            <a:schemeClr val="lt1"/>
+          </a:fontRef>
+        </p:style>
+        <p:txBody>
+          <a:bodyPr rtlCol="0" anchor="ctr"/>
+          <a:lstStyle/>
+          <a:p>
+            <a:pPr algn="ctr"/>
+            <a:r>
+              <a:rPr lang="en-US" sz="1200" dirty="0"/>
+              <a:t>Hdcp – XX  Player 1</a:t>
+            </a:r>
+          </a:p>
+        </p:txBody>
+      </p:sp>
+      <p:sp>
+        <p:nvSpPr>
+          <p:cNvPr id="38" name="Rectangle 37">
+            <a:extLst>
+              <a:ext uri="{FF2B5EF4-FFF2-40B4-BE49-F238E27FC236}">
+                <a16:creationId xmlns:a16="http://schemas.microsoft.com/office/drawing/2014/main" id="{8233DADC-1789-8FF1-5D2B-A5FBEE47707D}"/>
+              </a:ext>
+            </a:extLst>
+          </p:cNvPr>
+          <p:cNvSpPr/>
+          <p:nvPr/>
+        </p:nvSpPr>
+        <p:spPr>
+          <a:xfrm>
+            <a:off x="3765961" y="3167939"/>
+            <a:ext cx="1749269" cy="365756"/>
+          </a:xfrm>
+          <a:prstGeom prst="rect">
+            <a:avLst/>
+          </a:prstGeom>
+        </p:spPr>
+        <p:style>
+          <a:lnRef idx="2">
+            <a:schemeClr val="accent1">
+              <a:shade val="15000"/>
+            </a:schemeClr>
+          </a:lnRef>
+          <a:fillRef idx="1">
+            <a:schemeClr val="accent1"/>
+          </a:fillRef>
+          <a:effectRef idx="0">
+            <a:schemeClr val="accent1"/>
+          </a:effectRef>
+          <a:fontRef idx="minor">
+            <a:schemeClr val="lt1"/>
+          </a:fontRef>
+        </p:style>
+        <p:txBody>
+          <a:bodyPr rtlCol="0" anchor="ctr"/>
+          <a:lstStyle/>
+          <a:p>
+            <a:pPr algn="ctr"/>
+            <a:r>
+              <a:rPr lang="en-US" sz="1200" dirty="0"/>
+              <a:t>Hdcp – XX  Player 1</a:t>
+            </a:r>
+          </a:p>
+        </p:txBody>
+      </p:sp>
+      <p:sp>
+        <p:nvSpPr>
+          <p:cNvPr id="39" name="Rectangle 38">
+            <a:extLst>
+              <a:ext uri="{FF2B5EF4-FFF2-40B4-BE49-F238E27FC236}">
+                <a16:creationId xmlns:a16="http://schemas.microsoft.com/office/drawing/2014/main" id="{22857A8A-A740-96B2-B22D-CF48BBDF02B2}"/>
+              </a:ext>
+            </a:extLst>
+          </p:cNvPr>
+          <p:cNvSpPr/>
+          <p:nvPr/>
+        </p:nvSpPr>
+        <p:spPr>
+          <a:xfrm>
+            <a:off x="3765961" y="3785385"/>
+            <a:ext cx="1749269" cy="365756"/>
+          </a:xfrm>
+          <a:prstGeom prst="rect">
+            <a:avLst/>
+          </a:prstGeom>
+        </p:spPr>
+        <p:style>
+          <a:lnRef idx="2">
+            <a:schemeClr val="accent1">
+              <a:shade val="15000"/>
+            </a:schemeClr>
+          </a:lnRef>
+          <a:fillRef idx="1">
+            <a:schemeClr val="accent1"/>
+          </a:fillRef>
+          <a:effectRef idx="0">
+            <a:schemeClr val="accent1"/>
+          </a:effectRef>
+          <a:fontRef idx="minor">
+            <a:schemeClr val="lt1"/>
+          </a:fontRef>
+        </p:style>
+        <p:txBody>
+          <a:bodyPr rtlCol="0" anchor="ctr"/>
+          <a:lstStyle/>
+          <a:p>
+            <a:pPr algn="ctr"/>
+            <a:r>
+              <a:rPr lang="en-US" sz="1200" dirty="0"/>
+              <a:t>Hdcp – XX  Player 1</a:t>
+            </a:r>
+          </a:p>
+        </p:txBody>
+      </p:sp>
+      <p:sp>
+        <p:nvSpPr>
+          <p:cNvPr id="40" name="Rectangle: Rounded Corners 39">
+            <a:extLst>
+              <a:ext uri="{FF2B5EF4-FFF2-40B4-BE49-F238E27FC236}">
+                <a16:creationId xmlns:a16="http://schemas.microsoft.com/office/drawing/2014/main" id="{84BF0360-1F61-3EAE-0433-45E77DEC2C8F}"/>
+              </a:ext>
+            </a:extLst>
+          </p:cNvPr>
+          <p:cNvSpPr/>
+          <p:nvPr/>
+        </p:nvSpPr>
+        <p:spPr>
+          <a:xfrm>
+            <a:off x="5747402" y="1942418"/>
+            <a:ext cx="731512" cy="365756"/>
+          </a:xfrm>
+          <a:prstGeom prst="roundRect">
+            <a:avLst/>
+          </a:prstGeom>
+        </p:spPr>
+        <p:style>
+          <a:lnRef idx="2">
+            <a:schemeClr val="accent1">
+              <a:shade val="15000"/>
+            </a:schemeClr>
+          </a:lnRef>
+          <a:fillRef idx="1">
+            <a:schemeClr val="accent1"/>
+          </a:fillRef>
+          <a:effectRef idx="0">
+            <a:schemeClr val="accent1"/>
+          </a:effectRef>
+          <a:fontRef idx="minor">
+            <a:schemeClr val="lt1"/>
+          </a:fontRef>
+        </p:style>
+        <p:txBody>
+          <a:bodyPr rtlCol="0" anchor="ctr"/>
+          <a:lstStyle/>
+          <a:p>
+            <a:pPr algn="ctr"/>
+            <a:r>
+              <a:rPr lang="en-US" sz="1200" dirty="0"/>
+              <a:t>Score</a:t>
+            </a:r>
+          </a:p>
+        </p:txBody>
+      </p:sp>
+      <p:sp>
+        <p:nvSpPr>
+          <p:cNvPr id="41" name="Rectangle: Rounded Corners 40">
+            <a:extLst>
+              <a:ext uri="{FF2B5EF4-FFF2-40B4-BE49-F238E27FC236}">
+                <a16:creationId xmlns:a16="http://schemas.microsoft.com/office/drawing/2014/main" id="{95308C27-F697-B658-1838-A4AF8DFBBFA5}"/>
+              </a:ext>
+            </a:extLst>
+          </p:cNvPr>
+          <p:cNvSpPr/>
+          <p:nvPr/>
+        </p:nvSpPr>
+        <p:spPr>
+          <a:xfrm>
+            <a:off x="5730244" y="2559864"/>
+            <a:ext cx="731512" cy="365756"/>
+          </a:xfrm>
+          <a:prstGeom prst="roundRect">
+            <a:avLst/>
+          </a:prstGeom>
+        </p:spPr>
+        <p:style>
+          <a:lnRef idx="2">
+            <a:schemeClr val="accent1">
+              <a:shade val="15000"/>
+            </a:schemeClr>
+          </a:lnRef>
+          <a:fillRef idx="1">
+            <a:schemeClr val="accent1"/>
+          </a:fillRef>
+          <a:effectRef idx="0">
+            <a:schemeClr val="accent1"/>
+          </a:effectRef>
+          <a:fontRef idx="minor">
+            <a:schemeClr val="lt1"/>
+          </a:fontRef>
+        </p:style>
+        <p:txBody>
+          <a:bodyPr rtlCol="0" anchor="ctr"/>
+          <a:lstStyle/>
+          <a:p>
+            <a:pPr algn="ctr"/>
+            <a:r>
+              <a:rPr lang="en-US" sz="1200" dirty="0"/>
+              <a:t>Score</a:t>
+            </a:r>
+          </a:p>
+        </p:txBody>
+      </p:sp>
+      <p:sp>
+        <p:nvSpPr>
+          <p:cNvPr id="42" name="Rectangle: Rounded Corners 41">
+            <a:extLst>
+              <a:ext uri="{FF2B5EF4-FFF2-40B4-BE49-F238E27FC236}">
+                <a16:creationId xmlns:a16="http://schemas.microsoft.com/office/drawing/2014/main" id="{9A647BB1-6BC9-7CE3-9007-D2C8BAFFE7CB}"/>
+              </a:ext>
+            </a:extLst>
+          </p:cNvPr>
+          <p:cNvSpPr/>
+          <p:nvPr/>
+        </p:nvSpPr>
+        <p:spPr>
+          <a:xfrm>
+            <a:off x="5730244" y="3177310"/>
+            <a:ext cx="731512" cy="365756"/>
+          </a:xfrm>
+          <a:prstGeom prst="roundRect">
+            <a:avLst/>
+          </a:prstGeom>
+        </p:spPr>
+        <p:style>
+          <a:lnRef idx="2">
+            <a:schemeClr val="accent1">
+              <a:shade val="15000"/>
+            </a:schemeClr>
+          </a:lnRef>
+          <a:fillRef idx="1">
+            <a:schemeClr val="accent1"/>
+          </a:fillRef>
+          <a:effectRef idx="0">
+            <a:schemeClr val="accent1"/>
+          </a:effectRef>
+          <a:fontRef idx="minor">
+            <a:schemeClr val="lt1"/>
+          </a:fontRef>
+        </p:style>
+        <p:txBody>
+          <a:bodyPr rtlCol="0" anchor="ctr"/>
+          <a:lstStyle/>
+          <a:p>
+            <a:pPr algn="ctr"/>
+            <a:r>
+              <a:rPr lang="en-US" sz="1200" dirty="0"/>
+              <a:t>Score</a:t>
+            </a:r>
+          </a:p>
+        </p:txBody>
+      </p:sp>
+      <p:sp>
+        <p:nvSpPr>
+          <p:cNvPr id="43" name="Rectangle: Rounded Corners 42">
+            <a:extLst>
+              <a:ext uri="{FF2B5EF4-FFF2-40B4-BE49-F238E27FC236}">
+                <a16:creationId xmlns:a16="http://schemas.microsoft.com/office/drawing/2014/main" id="{F6A2385E-8392-4AB1-C493-6D88F9D9440D}"/>
+              </a:ext>
+            </a:extLst>
+          </p:cNvPr>
+          <p:cNvSpPr/>
+          <p:nvPr/>
+        </p:nvSpPr>
+        <p:spPr>
+          <a:xfrm>
+            <a:off x="5730244" y="3794756"/>
+            <a:ext cx="731512" cy="365756"/>
+          </a:xfrm>
+          <a:prstGeom prst="roundRect">
+            <a:avLst/>
+          </a:prstGeom>
+        </p:spPr>
+        <p:style>
+          <a:lnRef idx="2">
+            <a:schemeClr val="accent1">
+              <a:shade val="15000"/>
+            </a:schemeClr>
+          </a:lnRef>
+          <a:fillRef idx="1">
+            <a:schemeClr val="accent1"/>
+          </a:fillRef>
+          <a:effectRef idx="0">
+            <a:schemeClr val="accent1"/>
+          </a:effectRef>
+          <a:fontRef idx="minor">
+            <a:schemeClr val="lt1"/>
+          </a:fontRef>
+        </p:style>
+        <p:txBody>
+          <a:bodyPr rtlCol="0" anchor="ctr"/>
+          <a:lstStyle/>
+          <a:p>
+            <a:pPr algn="ctr"/>
+            <a:r>
+              <a:rPr lang="en-US" sz="1200" dirty="0"/>
+              <a:t>Score</a:t>
+            </a:r>
+          </a:p>
+        </p:txBody>
+      </p:sp>
+      <p:sp>
+        <p:nvSpPr>
+          <p:cNvPr id="44" name="TextBox 43">
+            <a:extLst>
+              <a:ext uri="{FF2B5EF4-FFF2-40B4-BE49-F238E27FC236}">
+                <a16:creationId xmlns:a16="http://schemas.microsoft.com/office/drawing/2014/main" id="{0A3B8D9D-7AD5-823D-BE81-6D53EF7B9196}"/>
               </a:ext>
             </a:extLst>
           </p:cNvPr>
@@ -6689,8 +7038,8 @@
         </p:nvSpPr>
         <p:spPr>
           <a:xfrm>
-            <a:off x="5146585" y="5780035"/>
-            <a:ext cx="312906" cy="369332"/>
+            <a:off x="5015421" y="5829019"/>
+            <a:ext cx="526106" cy="276999"/>
           </a:xfrm>
           <a:prstGeom prst="rect">
             <a:avLst/>
@@ -6704,18 +7053,53 @@
           <a:lstStyle/>
           <a:p>
             <a:r>
-              <a:rPr lang="en-US" dirty="0"/>
-              <a:t>0</a:t>
-            </a:r>
-          </a:p>
-        </p:txBody>
-      </p:sp>
-      <p:sp>
-        <p:nvSpPr>
-          <p:cNvPr id="35" name="Rectangle 34">
-            <a:extLst>
-              <a:ext uri="{FF2B5EF4-FFF2-40B4-BE49-F238E27FC236}">
-                <a16:creationId xmlns:a16="http://schemas.microsoft.com/office/drawing/2014/main" id="{86019BCD-EB22-7ED3-C880-5B931ACF8A0E}"/>
+              <a:rPr lang="en-US" sz="1200" dirty="0"/>
+              <a:t>Save</a:t>
+            </a:r>
+          </a:p>
+        </p:txBody>
+      </p:sp>
+      <p:sp>
+        <p:nvSpPr>
+          <p:cNvPr id="45" name="TextBox 44">
+            <a:extLst>
+              <a:ext uri="{FF2B5EF4-FFF2-40B4-BE49-F238E27FC236}">
+                <a16:creationId xmlns:a16="http://schemas.microsoft.com/office/drawing/2014/main" id="{77916862-A6E4-0D17-F17D-F7860CAD3459}"/>
+              </a:ext>
+            </a:extLst>
+          </p:cNvPr>
+          <p:cNvSpPr txBox="1"/>
+          <p:nvPr/>
+        </p:nvSpPr>
+        <p:spPr>
+          <a:xfrm>
+            <a:off x="4295184" y="5833616"/>
+            <a:ext cx="574196" cy="276999"/>
+          </a:xfrm>
+          <a:prstGeom prst="rect">
+            <a:avLst/>
+          </a:prstGeom>
+          <a:noFill/>
+        </p:spPr>
+        <p:txBody>
+          <a:bodyPr wrap="none" rtlCol="0">
+            <a:spAutoFit/>
+          </a:bodyPr>
+          <a:lstStyle/>
+          <a:p>
+            <a:r>
+              <a:rPr lang="en-US" sz="1200" dirty="0"/>
+              <a:t>Clear</a:t>
+            </a:r>
+          </a:p>
+        </p:txBody>
+      </p:sp>
+      <p:sp>
+        <p:nvSpPr>
+          <p:cNvPr id="46" name="Rectangle 45">
+            <a:extLst>
+              <a:ext uri="{FF2B5EF4-FFF2-40B4-BE49-F238E27FC236}">
+                <a16:creationId xmlns:a16="http://schemas.microsoft.com/office/drawing/2014/main" id="{307AEDDA-946D-2EDA-711A-465C19FBCA20}"/>
               </a:ext>
             </a:extLst>
           </p:cNvPr>
@@ -6724,8 +7108,8 @@
         </p:nvSpPr>
         <p:spPr>
           <a:xfrm>
-            <a:off x="3999002" y="1942418"/>
-            <a:ext cx="1749269" cy="365756"/>
+            <a:off x="3801448" y="989770"/>
+            <a:ext cx="1365486" cy="365290"/>
           </a:xfrm>
           <a:prstGeom prst="rect">
             <a:avLst/>
@@ -6754,17 +7138,87 @@
             <a:pPr algn="ctr"/>
             <a:r>
               <a:rPr lang="en-US" sz="1200" dirty="0"/>
-              <a:t>Hdcp – XX  Player 1</a:t>
-            </a:r>
-          </a:p>
-        </p:txBody>
-      </p:sp>
-      <p:sp>
-        <p:nvSpPr>
-          <p:cNvPr id="37" name="Rectangle 36">
-            <a:extLst>
-              <a:ext uri="{FF2B5EF4-FFF2-40B4-BE49-F238E27FC236}">
-                <a16:creationId xmlns:a16="http://schemas.microsoft.com/office/drawing/2014/main" id="{60739499-F2B1-2E46-B5F8-11EAC4B6E1B8}"/>
+              <a:t>Current Hole  #</a:t>
+            </a:r>
+          </a:p>
+        </p:txBody>
+      </p:sp>
+      <p:sp>
+        <p:nvSpPr>
+          <p:cNvPr id="2" name="TextBox 1">
+            <a:extLst>
+              <a:ext uri="{FF2B5EF4-FFF2-40B4-BE49-F238E27FC236}">
+                <a16:creationId xmlns:a16="http://schemas.microsoft.com/office/drawing/2014/main" id="{2F54D212-97F7-CFCC-F9A7-C9211CA5A386}"/>
+              </a:ext>
+            </a:extLst>
+          </p:cNvPr>
+          <p:cNvSpPr txBox="1"/>
+          <p:nvPr/>
+        </p:nvSpPr>
+        <p:spPr>
+          <a:xfrm>
+            <a:off x="5083114" y="452699"/>
+            <a:ext cx="1446230" cy="369332"/>
+          </a:xfrm>
+          <a:prstGeom prst="rect">
+            <a:avLst/>
+          </a:prstGeom>
+          <a:noFill/>
+        </p:spPr>
+        <p:txBody>
+          <a:bodyPr wrap="none" rtlCol="0">
+            <a:spAutoFit/>
+          </a:bodyPr>
+          <a:lstStyle/>
+          <a:p>
+            <a:r>
+              <a:rPr lang="en-US" dirty="0"/>
+              <a:t>Enter Score</a:t>
+            </a:r>
+          </a:p>
+        </p:txBody>
+      </p:sp>
+      <p:sp>
+        <p:nvSpPr>
+          <p:cNvPr id="49" name="TextBox 48">
+            <a:extLst>
+              <a:ext uri="{FF2B5EF4-FFF2-40B4-BE49-F238E27FC236}">
+                <a16:creationId xmlns:a16="http://schemas.microsoft.com/office/drawing/2014/main" id="{A1935A63-E271-6928-78FE-F5A5A45E1FAA}"/>
+              </a:ext>
+            </a:extLst>
+          </p:cNvPr>
+          <p:cNvSpPr txBox="1"/>
+          <p:nvPr/>
+        </p:nvSpPr>
+        <p:spPr>
+          <a:xfrm>
+            <a:off x="5623564" y="5833616"/>
+            <a:ext cx="540533" cy="276999"/>
+          </a:xfrm>
+          <a:prstGeom prst="rect">
+            <a:avLst/>
+          </a:prstGeom>
+          <a:noFill/>
+        </p:spPr>
+        <p:txBody>
+          <a:bodyPr wrap="none" rtlCol="0">
+            <a:spAutoFit/>
+          </a:bodyPr>
+          <a:lstStyle/>
+          <a:p>
+            <a:r>
+              <a:rPr lang="en-US" sz="1200" dirty="0"/>
+              <a:t>Back</a:t>
+            </a:r>
+          </a:p>
+        </p:txBody>
+      </p:sp>
+      <p:sp>
+        <p:nvSpPr>
+          <p:cNvPr id="59" name="Rectangle 58">
+            <a:extLst>
+              <a:ext uri="{FF2B5EF4-FFF2-40B4-BE49-F238E27FC236}">
+                <a16:creationId xmlns:a16="http://schemas.microsoft.com/office/drawing/2014/main" id="{170417AF-B565-9554-5B1A-C84FFA5943F5}"/>
               </a:ext>
             </a:extLst>
           </p:cNvPr>
@@ -6773,10 +7227,593 @@
         </p:nvSpPr>
         <p:spPr>
           <a:xfrm>
-            <a:off x="3999002" y="2559864"/>
-            <a:ext cx="1749269" cy="365756"/>
+            <a:off x="8936708" y="499985"/>
+            <a:ext cx="2712757" cy="4894953"/>
           </a:xfrm>
           <a:prstGeom prst="rect">
+            <a:avLst/>
+          </a:prstGeom>
+        </p:spPr>
+        <p:style>
+          <a:lnRef idx="2">
+            <a:schemeClr val="dk1"/>
+          </a:lnRef>
+          <a:fillRef idx="1">
+            <a:schemeClr val="lt1"/>
+          </a:fillRef>
+          <a:effectRef idx="0">
+            <a:schemeClr val="dk1"/>
+          </a:effectRef>
+          <a:fontRef idx="minor">
+            <a:schemeClr val="dk1"/>
+          </a:fontRef>
+        </p:style>
+        <p:txBody>
+          <a:bodyPr rtlCol="0" anchor="t"/>
+          <a:lstStyle/>
+          <a:p>
+            <a:pPr algn="just"/>
+            <a:r>
+              <a:rPr lang="en-US" sz="1200" dirty="0"/>
+              <a:t>User can change the current hole by selecting current hole and enter the hole number.</a:t>
+            </a:r>
+          </a:p>
+          <a:p>
+            <a:pPr algn="just"/>
+            <a:endParaRPr lang="en-US" sz="1200" dirty="0"/>
+          </a:p>
+          <a:p>
+            <a:pPr algn="just"/>
+            <a:r>
+              <a:rPr lang="en-US" sz="1200" dirty="0"/>
+              <a:t>The cursor will move to the next player entry after keypad key is pressed. Pressing the player score box will focus cursor to that player.</a:t>
+            </a:r>
+          </a:p>
+          <a:p>
+            <a:pPr algn="just"/>
+            <a:endParaRPr lang="en-US" sz="1200" dirty="0"/>
+          </a:p>
+          <a:p>
+            <a:r>
+              <a:rPr lang="en-US" sz="1200" dirty="0"/>
+              <a:t>Save - Update score card display screen.</a:t>
+            </a:r>
+          </a:p>
+          <a:p>
+            <a:pPr algn="just"/>
+            <a:endParaRPr lang="en-US" sz="1200" dirty="0"/>
+          </a:p>
+          <a:p>
+            <a:pPr algn="just"/>
+            <a:r>
+              <a:rPr lang="en-US" sz="1200" dirty="0"/>
+              <a:t>Clear - will erase the last entry. </a:t>
+            </a:r>
+          </a:p>
+          <a:p>
+            <a:pPr algn="just"/>
+            <a:endParaRPr lang="en-US" sz="1200" dirty="0"/>
+          </a:p>
+          <a:p>
+            <a:pPr algn="just"/>
+            <a:r>
+              <a:rPr lang="en-US" sz="1200" dirty="0"/>
+              <a:t>Net – Use this player score of the team game.</a:t>
+            </a:r>
+          </a:p>
+          <a:p>
+            <a:pPr algn="just"/>
+            <a:r>
+              <a:rPr lang="en-US" sz="1200" dirty="0"/>
+              <a:t>Gross – Use this player score of the team game.</a:t>
+            </a:r>
+          </a:p>
+          <a:p>
+            <a:pPr algn="just"/>
+            <a:endParaRPr lang="en-US" sz="1200" dirty="0"/>
+          </a:p>
+          <a:p>
+            <a:r>
+              <a:rPr lang="en-US" sz="1200" dirty="0"/>
+              <a:t>Junk – Popup dialog to record the players junk awarded. The junk key must be pressed before entering the player’s score.</a:t>
+            </a:r>
+          </a:p>
+        </p:txBody>
+      </p:sp>
+      <p:grpSp>
+        <p:nvGrpSpPr>
+          <p:cNvPr id="6" name="Group 5">
+            <a:extLst>
+              <a:ext uri="{FF2B5EF4-FFF2-40B4-BE49-F238E27FC236}">
+                <a16:creationId xmlns:a16="http://schemas.microsoft.com/office/drawing/2014/main" id="{253E0BDB-F27C-A619-B6D3-F1CA891FA227}"/>
+              </a:ext>
+            </a:extLst>
+          </p:cNvPr>
+          <p:cNvGrpSpPr/>
+          <p:nvPr/>
+        </p:nvGrpSpPr>
+        <p:grpSpPr>
+          <a:xfrm>
+            <a:off x="6641879" y="2594893"/>
+            <a:ext cx="1102778" cy="281563"/>
+            <a:chOff x="1249733" y="1143025"/>
+            <a:chExt cx="1102778" cy="281563"/>
+          </a:xfrm>
+        </p:grpSpPr>
+        <p:sp>
+          <p:nvSpPr>
+            <p:cNvPr id="4" name="Rectangle: Rounded Corners 3">
+              <a:extLst>
+                <a:ext uri="{FF2B5EF4-FFF2-40B4-BE49-F238E27FC236}">
+                  <a16:creationId xmlns:a16="http://schemas.microsoft.com/office/drawing/2014/main" id="{DE1BAA3D-1A36-14BD-E242-78DFE05691D8}"/>
+                </a:ext>
+              </a:extLst>
+            </p:cNvPr>
+            <p:cNvSpPr/>
+            <p:nvPr/>
+          </p:nvSpPr>
+          <p:spPr>
+            <a:xfrm>
+              <a:off x="1249733" y="1143025"/>
+              <a:ext cx="457195" cy="274317"/>
+            </a:xfrm>
+            <a:prstGeom prst="roundRect">
+              <a:avLst/>
+            </a:prstGeom>
+          </p:spPr>
+          <p:style>
+            <a:lnRef idx="2">
+              <a:schemeClr val="accent1">
+                <a:shade val="15000"/>
+              </a:schemeClr>
+            </a:lnRef>
+            <a:fillRef idx="1">
+              <a:schemeClr val="accent1"/>
+            </a:fillRef>
+            <a:effectRef idx="0">
+              <a:schemeClr val="accent1"/>
+            </a:effectRef>
+            <a:fontRef idx="minor">
+              <a:schemeClr val="lt1"/>
+            </a:fontRef>
+          </p:style>
+          <p:txBody>
+            <a:bodyPr rtlCol="0" anchor="ctr"/>
+            <a:lstStyle/>
+            <a:p>
+              <a:pPr algn="ctr"/>
+              <a:r>
+                <a:rPr lang="en-US" sz="900" dirty="0"/>
+                <a:t>Net</a:t>
+              </a:r>
+            </a:p>
+          </p:txBody>
+        </p:sp>
+        <p:sp>
+          <p:nvSpPr>
+            <p:cNvPr id="5" name="Rectangle: Rounded Corners 4">
+              <a:extLst>
+                <a:ext uri="{FF2B5EF4-FFF2-40B4-BE49-F238E27FC236}">
+                  <a16:creationId xmlns:a16="http://schemas.microsoft.com/office/drawing/2014/main" id="{9FF268A7-5EB0-6C04-937D-B23B3DC09A93}"/>
+                </a:ext>
+              </a:extLst>
+            </p:cNvPr>
+            <p:cNvSpPr/>
+            <p:nvPr/>
+          </p:nvSpPr>
+          <p:spPr>
+            <a:xfrm>
+              <a:off x="1782591" y="1150271"/>
+              <a:ext cx="569920" cy="274317"/>
+            </a:xfrm>
+            <a:prstGeom prst="roundRect">
+              <a:avLst/>
+            </a:prstGeom>
+          </p:spPr>
+          <p:style>
+            <a:lnRef idx="2">
+              <a:schemeClr val="accent1">
+                <a:shade val="15000"/>
+              </a:schemeClr>
+            </a:lnRef>
+            <a:fillRef idx="1">
+              <a:schemeClr val="accent1"/>
+            </a:fillRef>
+            <a:effectRef idx="0">
+              <a:schemeClr val="accent1"/>
+            </a:effectRef>
+            <a:fontRef idx="minor">
+              <a:schemeClr val="lt1"/>
+            </a:fontRef>
+          </p:style>
+          <p:txBody>
+            <a:bodyPr rtlCol="0" anchor="ctr"/>
+            <a:lstStyle/>
+            <a:p>
+              <a:pPr algn="ctr"/>
+              <a:r>
+                <a:rPr lang="en-US" sz="900" dirty="0"/>
+                <a:t>Gross</a:t>
+              </a:r>
+            </a:p>
+          </p:txBody>
+        </p:sp>
+      </p:grpSp>
+      <p:grpSp>
+        <p:nvGrpSpPr>
+          <p:cNvPr id="12" name="Group 11">
+            <a:extLst>
+              <a:ext uri="{FF2B5EF4-FFF2-40B4-BE49-F238E27FC236}">
+                <a16:creationId xmlns:a16="http://schemas.microsoft.com/office/drawing/2014/main" id="{A3CCBD7C-F447-AC55-066E-1B6ACE2E647C}"/>
+              </a:ext>
+            </a:extLst>
+          </p:cNvPr>
+          <p:cNvGrpSpPr/>
+          <p:nvPr/>
+        </p:nvGrpSpPr>
+        <p:grpSpPr>
+          <a:xfrm>
+            <a:off x="6641879" y="1989670"/>
+            <a:ext cx="1102778" cy="281563"/>
+            <a:chOff x="1249733" y="1143025"/>
+            <a:chExt cx="1102778" cy="281563"/>
+          </a:xfrm>
+        </p:grpSpPr>
+        <p:sp>
+          <p:nvSpPr>
+            <p:cNvPr id="17" name="Rectangle: Rounded Corners 16">
+              <a:extLst>
+                <a:ext uri="{FF2B5EF4-FFF2-40B4-BE49-F238E27FC236}">
+                  <a16:creationId xmlns:a16="http://schemas.microsoft.com/office/drawing/2014/main" id="{ABF72CDB-54B0-4083-62DA-20840699D33C}"/>
+                </a:ext>
+              </a:extLst>
+            </p:cNvPr>
+            <p:cNvSpPr/>
+            <p:nvPr/>
+          </p:nvSpPr>
+          <p:spPr>
+            <a:xfrm>
+              <a:off x="1249733" y="1143025"/>
+              <a:ext cx="457195" cy="274317"/>
+            </a:xfrm>
+            <a:prstGeom prst="roundRect">
+              <a:avLst/>
+            </a:prstGeom>
+          </p:spPr>
+          <p:style>
+            <a:lnRef idx="2">
+              <a:schemeClr val="accent1">
+                <a:shade val="15000"/>
+              </a:schemeClr>
+            </a:lnRef>
+            <a:fillRef idx="1">
+              <a:schemeClr val="accent1"/>
+            </a:fillRef>
+            <a:effectRef idx="0">
+              <a:schemeClr val="accent1"/>
+            </a:effectRef>
+            <a:fontRef idx="minor">
+              <a:schemeClr val="lt1"/>
+            </a:fontRef>
+          </p:style>
+          <p:txBody>
+            <a:bodyPr rtlCol="0" anchor="ctr"/>
+            <a:lstStyle/>
+            <a:p>
+              <a:pPr algn="ctr"/>
+              <a:r>
+                <a:rPr lang="en-US" sz="900" dirty="0"/>
+                <a:t>Net</a:t>
+              </a:r>
+            </a:p>
+          </p:txBody>
+        </p:sp>
+        <p:sp>
+          <p:nvSpPr>
+            <p:cNvPr id="18" name="Rectangle: Rounded Corners 17">
+              <a:extLst>
+                <a:ext uri="{FF2B5EF4-FFF2-40B4-BE49-F238E27FC236}">
+                  <a16:creationId xmlns:a16="http://schemas.microsoft.com/office/drawing/2014/main" id="{0AF214F4-FAEE-6E58-BDD1-DBF37EA345A9}"/>
+                </a:ext>
+              </a:extLst>
+            </p:cNvPr>
+            <p:cNvSpPr/>
+            <p:nvPr/>
+          </p:nvSpPr>
+          <p:spPr>
+            <a:xfrm>
+              <a:off x="1782591" y="1150271"/>
+              <a:ext cx="569920" cy="274317"/>
+            </a:xfrm>
+            <a:prstGeom prst="roundRect">
+              <a:avLst/>
+            </a:prstGeom>
+          </p:spPr>
+          <p:style>
+            <a:lnRef idx="2">
+              <a:schemeClr val="accent1">
+                <a:shade val="15000"/>
+              </a:schemeClr>
+            </a:lnRef>
+            <a:fillRef idx="1">
+              <a:schemeClr val="accent1"/>
+            </a:fillRef>
+            <a:effectRef idx="0">
+              <a:schemeClr val="accent1"/>
+            </a:effectRef>
+            <a:fontRef idx="minor">
+              <a:schemeClr val="lt1"/>
+            </a:fontRef>
+          </p:style>
+          <p:txBody>
+            <a:bodyPr rtlCol="0" anchor="ctr"/>
+            <a:lstStyle/>
+            <a:p>
+              <a:pPr algn="ctr"/>
+              <a:r>
+                <a:rPr lang="en-US" sz="900" dirty="0"/>
+                <a:t>Gross</a:t>
+              </a:r>
+            </a:p>
+          </p:txBody>
+        </p:sp>
+      </p:grpSp>
+      <p:grpSp>
+        <p:nvGrpSpPr>
+          <p:cNvPr id="19" name="Group 18">
+            <a:extLst>
+              <a:ext uri="{FF2B5EF4-FFF2-40B4-BE49-F238E27FC236}">
+                <a16:creationId xmlns:a16="http://schemas.microsoft.com/office/drawing/2014/main" id="{F76324B4-FA89-844E-E83D-99559AD95CAB}"/>
+              </a:ext>
+            </a:extLst>
+          </p:cNvPr>
+          <p:cNvGrpSpPr/>
+          <p:nvPr/>
+        </p:nvGrpSpPr>
+        <p:grpSpPr>
+          <a:xfrm>
+            <a:off x="6580427" y="3238118"/>
+            <a:ext cx="1164230" cy="274317"/>
+            <a:chOff x="1188281" y="1150271"/>
+            <a:chExt cx="1164230" cy="274317"/>
+          </a:xfrm>
+        </p:grpSpPr>
+        <p:sp>
+          <p:nvSpPr>
+            <p:cNvPr id="20" name="Rectangle: Rounded Corners 19">
+              <a:extLst>
+                <a:ext uri="{FF2B5EF4-FFF2-40B4-BE49-F238E27FC236}">
+                  <a16:creationId xmlns:a16="http://schemas.microsoft.com/office/drawing/2014/main" id="{2AF25236-C580-6FAE-C968-6098364FDAD1}"/>
+                </a:ext>
+              </a:extLst>
+            </p:cNvPr>
+            <p:cNvSpPr/>
+            <p:nvPr/>
+          </p:nvSpPr>
+          <p:spPr>
+            <a:xfrm>
+              <a:off x="1188281" y="1150271"/>
+              <a:ext cx="457195" cy="274317"/>
+            </a:xfrm>
+            <a:prstGeom prst="roundRect">
+              <a:avLst/>
+            </a:prstGeom>
+          </p:spPr>
+          <p:style>
+            <a:lnRef idx="2">
+              <a:schemeClr val="accent1">
+                <a:shade val="15000"/>
+              </a:schemeClr>
+            </a:lnRef>
+            <a:fillRef idx="1">
+              <a:schemeClr val="accent1"/>
+            </a:fillRef>
+            <a:effectRef idx="0">
+              <a:schemeClr val="accent1"/>
+            </a:effectRef>
+            <a:fontRef idx="minor">
+              <a:schemeClr val="lt1"/>
+            </a:fontRef>
+          </p:style>
+          <p:txBody>
+            <a:bodyPr rtlCol="0" anchor="ctr"/>
+            <a:lstStyle/>
+            <a:p>
+              <a:pPr algn="ctr"/>
+              <a:r>
+                <a:rPr lang="en-US" sz="900" dirty="0"/>
+                <a:t>Net</a:t>
+              </a:r>
+            </a:p>
+          </p:txBody>
+        </p:sp>
+        <p:sp>
+          <p:nvSpPr>
+            <p:cNvPr id="31" name="Rectangle: Rounded Corners 30">
+              <a:extLst>
+                <a:ext uri="{FF2B5EF4-FFF2-40B4-BE49-F238E27FC236}">
+                  <a16:creationId xmlns:a16="http://schemas.microsoft.com/office/drawing/2014/main" id="{153B2160-1769-DE1F-BEC6-D9E63DADE4C9}"/>
+                </a:ext>
+              </a:extLst>
+            </p:cNvPr>
+            <p:cNvSpPr/>
+            <p:nvPr/>
+          </p:nvSpPr>
+          <p:spPr>
+            <a:xfrm>
+              <a:off x="1782591" y="1150271"/>
+              <a:ext cx="569920" cy="274317"/>
+            </a:xfrm>
+            <a:prstGeom prst="roundRect">
+              <a:avLst/>
+            </a:prstGeom>
+          </p:spPr>
+          <p:style>
+            <a:lnRef idx="2">
+              <a:schemeClr val="accent1">
+                <a:shade val="15000"/>
+              </a:schemeClr>
+            </a:lnRef>
+            <a:fillRef idx="1">
+              <a:schemeClr val="accent1"/>
+            </a:fillRef>
+            <a:effectRef idx="0">
+              <a:schemeClr val="accent1"/>
+            </a:effectRef>
+            <a:fontRef idx="minor">
+              <a:schemeClr val="lt1"/>
+            </a:fontRef>
+          </p:style>
+          <p:txBody>
+            <a:bodyPr rtlCol="0" anchor="ctr"/>
+            <a:lstStyle/>
+            <a:p>
+              <a:pPr algn="ctr"/>
+              <a:r>
+                <a:rPr lang="en-US" sz="900" dirty="0"/>
+                <a:t>Gross</a:t>
+              </a:r>
+            </a:p>
+          </p:txBody>
+        </p:sp>
+      </p:grpSp>
+      <p:grpSp>
+        <p:nvGrpSpPr>
+          <p:cNvPr id="32" name="Group 31">
+            <a:extLst>
+              <a:ext uri="{FF2B5EF4-FFF2-40B4-BE49-F238E27FC236}">
+                <a16:creationId xmlns:a16="http://schemas.microsoft.com/office/drawing/2014/main" id="{F96A7168-7D4E-B74B-BB1D-79E1111D0F13}"/>
+              </a:ext>
+            </a:extLst>
+          </p:cNvPr>
+          <p:cNvGrpSpPr/>
+          <p:nvPr/>
+        </p:nvGrpSpPr>
+        <p:grpSpPr>
+          <a:xfrm>
+            <a:off x="6641879" y="3841351"/>
+            <a:ext cx="1102778" cy="281563"/>
+            <a:chOff x="1249733" y="1143025"/>
+            <a:chExt cx="1102778" cy="281563"/>
+          </a:xfrm>
+        </p:grpSpPr>
+        <p:sp>
+          <p:nvSpPr>
+            <p:cNvPr id="33" name="Rectangle: Rounded Corners 32">
+              <a:extLst>
+                <a:ext uri="{FF2B5EF4-FFF2-40B4-BE49-F238E27FC236}">
+                  <a16:creationId xmlns:a16="http://schemas.microsoft.com/office/drawing/2014/main" id="{7FB8834F-BC7A-0769-6466-C0179B765D4A}"/>
+                </a:ext>
+              </a:extLst>
+            </p:cNvPr>
+            <p:cNvSpPr/>
+            <p:nvPr/>
+          </p:nvSpPr>
+          <p:spPr>
+            <a:xfrm>
+              <a:off x="1249733" y="1143025"/>
+              <a:ext cx="457195" cy="274317"/>
+            </a:xfrm>
+            <a:prstGeom prst="roundRect">
+              <a:avLst/>
+            </a:prstGeom>
+          </p:spPr>
+          <p:style>
+            <a:lnRef idx="2">
+              <a:schemeClr val="accent1">
+                <a:shade val="15000"/>
+              </a:schemeClr>
+            </a:lnRef>
+            <a:fillRef idx="1">
+              <a:schemeClr val="accent1"/>
+            </a:fillRef>
+            <a:effectRef idx="0">
+              <a:schemeClr val="accent1"/>
+            </a:effectRef>
+            <a:fontRef idx="minor">
+              <a:schemeClr val="lt1"/>
+            </a:fontRef>
+          </p:style>
+          <p:txBody>
+            <a:bodyPr rtlCol="0" anchor="ctr"/>
+            <a:lstStyle/>
+            <a:p>
+              <a:pPr algn="ctr"/>
+              <a:r>
+                <a:rPr lang="en-US" sz="900" dirty="0"/>
+                <a:t>Net</a:t>
+              </a:r>
+            </a:p>
+          </p:txBody>
+        </p:sp>
+        <p:sp>
+          <p:nvSpPr>
+            <p:cNvPr id="34" name="Rectangle: Rounded Corners 33">
+              <a:extLst>
+                <a:ext uri="{FF2B5EF4-FFF2-40B4-BE49-F238E27FC236}">
+                  <a16:creationId xmlns:a16="http://schemas.microsoft.com/office/drawing/2014/main" id="{C991E481-7E85-AA4A-879D-C8B94AB32878}"/>
+                </a:ext>
+              </a:extLst>
+            </p:cNvPr>
+            <p:cNvSpPr/>
+            <p:nvPr/>
+          </p:nvSpPr>
+          <p:spPr>
+            <a:xfrm>
+              <a:off x="1782591" y="1150271"/>
+              <a:ext cx="569920" cy="274317"/>
+            </a:xfrm>
+            <a:prstGeom prst="roundRect">
+              <a:avLst/>
+            </a:prstGeom>
+          </p:spPr>
+          <p:style>
+            <a:lnRef idx="2">
+              <a:schemeClr val="accent1">
+                <a:shade val="15000"/>
+              </a:schemeClr>
+            </a:lnRef>
+            <a:fillRef idx="1">
+              <a:schemeClr val="accent1"/>
+            </a:fillRef>
+            <a:effectRef idx="0">
+              <a:schemeClr val="accent1"/>
+            </a:effectRef>
+            <a:fontRef idx="minor">
+              <a:schemeClr val="lt1"/>
+            </a:fontRef>
+          </p:style>
+          <p:txBody>
+            <a:bodyPr rtlCol="0" anchor="ctr"/>
+            <a:lstStyle/>
+            <a:p>
+              <a:pPr algn="ctr"/>
+              <a:r>
+                <a:rPr lang="en-US" sz="900" dirty="0"/>
+                <a:t>Gross</a:t>
+              </a:r>
+            </a:p>
+          </p:txBody>
+        </p:sp>
+      </p:grpSp>
+      <p:sp>
+        <p:nvSpPr>
+          <p:cNvPr id="36" name="Rectangle: Rounded Corners 35">
+            <a:extLst>
+              <a:ext uri="{FF2B5EF4-FFF2-40B4-BE49-F238E27FC236}">
+                <a16:creationId xmlns:a16="http://schemas.microsoft.com/office/drawing/2014/main" id="{AD6B1938-F554-B705-5285-7F02D1710C9D}"/>
+              </a:ext>
+            </a:extLst>
+          </p:cNvPr>
+          <p:cNvSpPr/>
+          <p:nvPr/>
+        </p:nvSpPr>
+        <p:spPr>
+          <a:xfrm>
+            <a:off x="5651687" y="999465"/>
+            <a:ext cx="731512" cy="373911"/>
+          </a:xfrm>
+          <a:prstGeom prst="roundRect">
             <a:avLst/>
           </a:prstGeom>
         </p:spPr>
@@ -6803,796 +7840,6 @@
             <a:pPr algn="ctr"/>
             <a:r>
               <a:rPr lang="en-US" sz="1200" dirty="0"/>
-              <a:t>Hdcp – XX  Player 1</a:t>
-            </a:r>
-          </a:p>
-        </p:txBody>
-      </p:sp>
-      <p:sp>
-        <p:nvSpPr>
-          <p:cNvPr id="38" name="Rectangle 37">
-            <a:extLst>
-              <a:ext uri="{FF2B5EF4-FFF2-40B4-BE49-F238E27FC236}">
-                <a16:creationId xmlns:a16="http://schemas.microsoft.com/office/drawing/2014/main" id="{8233DADC-1789-8FF1-5D2B-A5FBEE47707D}"/>
-              </a:ext>
-            </a:extLst>
-          </p:cNvPr>
-          <p:cNvSpPr/>
-          <p:nvPr/>
-        </p:nvSpPr>
-        <p:spPr>
-          <a:xfrm>
-            <a:off x="3999002" y="3177310"/>
-            <a:ext cx="1749269" cy="365756"/>
-          </a:xfrm>
-          <a:prstGeom prst="rect">
-            <a:avLst/>
-          </a:prstGeom>
-        </p:spPr>
-        <p:style>
-          <a:lnRef idx="2">
-            <a:schemeClr val="accent1">
-              <a:shade val="15000"/>
-            </a:schemeClr>
-          </a:lnRef>
-          <a:fillRef idx="1">
-            <a:schemeClr val="accent1"/>
-          </a:fillRef>
-          <a:effectRef idx="0">
-            <a:schemeClr val="accent1"/>
-          </a:effectRef>
-          <a:fontRef idx="minor">
-            <a:schemeClr val="lt1"/>
-          </a:fontRef>
-        </p:style>
-        <p:txBody>
-          <a:bodyPr rtlCol="0" anchor="ctr"/>
-          <a:lstStyle/>
-          <a:p>
-            <a:pPr algn="ctr"/>
-            <a:r>
-              <a:rPr lang="en-US" sz="1200" dirty="0"/>
-              <a:t>Hdcp – XX  Player 1</a:t>
-            </a:r>
-          </a:p>
-        </p:txBody>
-      </p:sp>
-      <p:sp>
-        <p:nvSpPr>
-          <p:cNvPr id="39" name="Rectangle 38">
-            <a:extLst>
-              <a:ext uri="{FF2B5EF4-FFF2-40B4-BE49-F238E27FC236}">
-                <a16:creationId xmlns:a16="http://schemas.microsoft.com/office/drawing/2014/main" id="{22857A8A-A740-96B2-B22D-CF48BBDF02B2}"/>
-              </a:ext>
-            </a:extLst>
-          </p:cNvPr>
-          <p:cNvSpPr/>
-          <p:nvPr/>
-        </p:nvSpPr>
-        <p:spPr>
-          <a:xfrm>
-            <a:off x="3999002" y="3794756"/>
-            <a:ext cx="1749269" cy="365756"/>
-          </a:xfrm>
-          <a:prstGeom prst="rect">
-            <a:avLst/>
-          </a:prstGeom>
-        </p:spPr>
-        <p:style>
-          <a:lnRef idx="2">
-            <a:schemeClr val="accent1">
-              <a:shade val="15000"/>
-            </a:schemeClr>
-          </a:lnRef>
-          <a:fillRef idx="1">
-            <a:schemeClr val="accent1"/>
-          </a:fillRef>
-          <a:effectRef idx="0">
-            <a:schemeClr val="accent1"/>
-          </a:effectRef>
-          <a:fontRef idx="minor">
-            <a:schemeClr val="lt1"/>
-          </a:fontRef>
-        </p:style>
-        <p:txBody>
-          <a:bodyPr rtlCol="0" anchor="ctr"/>
-          <a:lstStyle/>
-          <a:p>
-            <a:pPr algn="ctr"/>
-            <a:r>
-              <a:rPr lang="en-US" sz="1200" dirty="0"/>
-              <a:t>Hdcp – XX  Player 1</a:t>
-            </a:r>
-          </a:p>
-        </p:txBody>
-      </p:sp>
-      <p:sp>
-        <p:nvSpPr>
-          <p:cNvPr id="40" name="Rectangle: Rounded Corners 39">
-            <a:extLst>
-              <a:ext uri="{FF2B5EF4-FFF2-40B4-BE49-F238E27FC236}">
-                <a16:creationId xmlns:a16="http://schemas.microsoft.com/office/drawing/2014/main" id="{84BF0360-1F61-3EAE-0433-45E77DEC2C8F}"/>
-              </a:ext>
-            </a:extLst>
-          </p:cNvPr>
-          <p:cNvSpPr/>
-          <p:nvPr/>
-        </p:nvSpPr>
-        <p:spPr>
-          <a:xfrm>
-            <a:off x="6355931" y="1942418"/>
-            <a:ext cx="731512" cy="365756"/>
-          </a:xfrm>
-          <a:prstGeom prst="roundRect">
-            <a:avLst/>
-          </a:prstGeom>
-        </p:spPr>
-        <p:style>
-          <a:lnRef idx="2">
-            <a:schemeClr val="accent1">
-              <a:shade val="15000"/>
-            </a:schemeClr>
-          </a:lnRef>
-          <a:fillRef idx="1">
-            <a:schemeClr val="accent1"/>
-          </a:fillRef>
-          <a:effectRef idx="0">
-            <a:schemeClr val="accent1"/>
-          </a:effectRef>
-          <a:fontRef idx="minor">
-            <a:schemeClr val="lt1"/>
-          </a:fontRef>
-        </p:style>
-        <p:txBody>
-          <a:bodyPr rtlCol="0" anchor="ctr"/>
-          <a:lstStyle/>
-          <a:p>
-            <a:pPr algn="ctr"/>
-            <a:r>
-              <a:rPr lang="en-US" sz="1200" dirty="0"/>
-              <a:t>Score</a:t>
-            </a:r>
-          </a:p>
-        </p:txBody>
-      </p:sp>
-      <p:sp>
-        <p:nvSpPr>
-          <p:cNvPr id="41" name="Rectangle: Rounded Corners 40">
-            <a:extLst>
-              <a:ext uri="{FF2B5EF4-FFF2-40B4-BE49-F238E27FC236}">
-                <a16:creationId xmlns:a16="http://schemas.microsoft.com/office/drawing/2014/main" id="{95308C27-F697-B658-1838-A4AF8DFBBFA5}"/>
-              </a:ext>
-            </a:extLst>
-          </p:cNvPr>
-          <p:cNvSpPr/>
-          <p:nvPr/>
-        </p:nvSpPr>
-        <p:spPr>
-          <a:xfrm>
-            <a:off x="6338773" y="2559864"/>
-            <a:ext cx="731512" cy="365756"/>
-          </a:xfrm>
-          <a:prstGeom prst="roundRect">
-            <a:avLst/>
-          </a:prstGeom>
-        </p:spPr>
-        <p:style>
-          <a:lnRef idx="2">
-            <a:schemeClr val="accent1">
-              <a:shade val="15000"/>
-            </a:schemeClr>
-          </a:lnRef>
-          <a:fillRef idx="1">
-            <a:schemeClr val="accent1"/>
-          </a:fillRef>
-          <a:effectRef idx="0">
-            <a:schemeClr val="accent1"/>
-          </a:effectRef>
-          <a:fontRef idx="minor">
-            <a:schemeClr val="lt1"/>
-          </a:fontRef>
-        </p:style>
-        <p:txBody>
-          <a:bodyPr rtlCol="0" anchor="ctr"/>
-          <a:lstStyle/>
-          <a:p>
-            <a:pPr algn="ctr"/>
-            <a:r>
-              <a:rPr lang="en-US" sz="1200" dirty="0"/>
-              <a:t>Score</a:t>
-            </a:r>
-          </a:p>
-        </p:txBody>
-      </p:sp>
-      <p:sp>
-        <p:nvSpPr>
-          <p:cNvPr id="42" name="Rectangle: Rounded Corners 41">
-            <a:extLst>
-              <a:ext uri="{FF2B5EF4-FFF2-40B4-BE49-F238E27FC236}">
-                <a16:creationId xmlns:a16="http://schemas.microsoft.com/office/drawing/2014/main" id="{9A647BB1-6BC9-7CE3-9007-D2C8BAFFE7CB}"/>
-              </a:ext>
-            </a:extLst>
-          </p:cNvPr>
-          <p:cNvSpPr/>
-          <p:nvPr/>
-        </p:nvSpPr>
-        <p:spPr>
-          <a:xfrm>
-            <a:off x="6338773" y="3177310"/>
-            <a:ext cx="731512" cy="365756"/>
-          </a:xfrm>
-          <a:prstGeom prst="roundRect">
-            <a:avLst/>
-          </a:prstGeom>
-        </p:spPr>
-        <p:style>
-          <a:lnRef idx="2">
-            <a:schemeClr val="accent1">
-              <a:shade val="15000"/>
-            </a:schemeClr>
-          </a:lnRef>
-          <a:fillRef idx="1">
-            <a:schemeClr val="accent1"/>
-          </a:fillRef>
-          <a:effectRef idx="0">
-            <a:schemeClr val="accent1"/>
-          </a:effectRef>
-          <a:fontRef idx="minor">
-            <a:schemeClr val="lt1"/>
-          </a:fontRef>
-        </p:style>
-        <p:txBody>
-          <a:bodyPr rtlCol="0" anchor="ctr"/>
-          <a:lstStyle/>
-          <a:p>
-            <a:pPr algn="ctr"/>
-            <a:r>
-              <a:rPr lang="en-US" sz="1200" dirty="0"/>
-              <a:t>Score</a:t>
-            </a:r>
-          </a:p>
-        </p:txBody>
-      </p:sp>
-      <p:sp>
-        <p:nvSpPr>
-          <p:cNvPr id="43" name="Rectangle: Rounded Corners 42">
-            <a:extLst>
-              <a:ext uri="{FF2B5EF4-FFF2-40B4-BE49-F238E27FC236}">
-                <a16:creationId xmlns:a16="http://schemas.microsoft.com/office/drawing/2014/main" id="{F6A2385E-8392-4AB1-C493-6D88F9D9440D}"/>
-              </a:ext>
-            </a:extLst>
-          </p:cNvPr>
-          <p:cNvSpPr/>
-          <p:nvPr/>
-        </p:nvSpPr>
-        <p:spPr>
-          <a:xfrm>
-            <a:off x="6338773" y="3794756"/>
-            <a:ext cx="731512" cy="365756"/>
-          </a:xfrm>
-          <a:prstGeom prst="roundRect">
-            <a:avLst/>
-          </a:prstGeom>
-        </p:spPr>
-        <p:style>
-          <a:lnRef idx="2">
-            <a:schemeClr val="accent1">
-              <a:shade val="15000"/>
-            </a:schemeClr>
-          </a:lnRef>
-          <a:fillRef idx="1">
-            <a:schemeClr val="accent1"/>
-          </a:fillRef>
-          <a:effectRef idx="0">
-            <a:schemeClr val="accent1"/>
-          </a:effectRef>
-          <a:fontRef idx="minor">
-            <a:schemeClr val="lt1"/>
-          </a:fontRef>
-        </p:style>
-        <p:txBody>
-          <a:bodyPr rtlCol="0" anchor="ctr"/>
-          <a:lstStyle/>
-          <a:p>
-            <a:pPr algn="ctr"/>
-            <a:r>
-              <a:rPr lang="en-US" sz="1200" dirty="0"/>
-              <a:t>Score</a:t>
-            </a:r>
-          </a:p>
-        </p:txBody>
-      </p:sp>
-      <p:sp>
-        <p:nvSpPr>
-          <p:cNvPr id="44" name="TextBox 43">
-            <a:extLst>
-              <a:ext uri="{FF2B5EF4-FFF2-40B4-BE49-F238E27FC236}">
-                <a16:creationId xmlns:a16="http://schemas.microsoft.com/office/drawing/2014/main" id="{0A3B8D9D-7AD5-823D-BE81-6D53EF7B9196}"/>
-              </a:ext>
-            </a:extLst>
-          </p:cNvPr>
-          <p:cNvSpPr txBox="1"/>
-          <p:nvPr/>
-        </p:nvSpPr>
-        <p:spPr>
-          <a:xfrm>
-            <a:off x="6338773" y="5810813"/>
-            <a:ext cx="641522" cy="338554"/>
-          </a:xfrm>
-          <a:prstGeom prst="rect">
-            <a:avLst/>
-          </a:prstGeom>
-          <a:noFill/>
-        </p:spPr>
-        <p:txBody>
-          <a:bodyPr wrap="none" rtlCol="0">
-            <a:spAutoFit/>
-          </a:bodyPr>
-          <a:lstStyle/>
-          <a:p>
-            <a:r>
-              <a:rPr lang="en-US" sz="1600" dirty="0"/>
-              <a:t>Save</a:t>
-            </a:r>
-          </a:p>
-        </p:txBody>
-      </p:sp>
-      <p:sp>
-        <p:nvSpPr>
-          <p:cNvPr id="45" name="TextBox 44">
-            <a:extLst>
-              <a:ext uri="{FF2B5EF4-FFF2-40B4-BE49-F238E27FC236}">
-                <a16:creationId xmlns:a16="http://schemas.microsoft.com/office/drawing/2014/main" id="{77916862-A6E4-0D17-F17D-F7860CAD3459}"/>
-              </a:ext>
-            </a:extLst>
-          </p:cNvPr>
-          <p:cNvSpPr txBox="1"/>
-          <p:nvPr/>
-        </p:nvSpPr>
-        <p:spPr>
-          <a:xfrm>
-            <a:off x="4295184" y="5833616"/>
-            <a:ext cx="704039" cy="338554"/>
-          </a:xfrm>
-          <a:prstGeom prst="rect">
-            <a:avLst/>
-          </a:prstGeom>
-          <a:noFill/>
-        </p:spPr>
-        <p:txBody>
-          <a:bodyPr wrap="none" rtlCol="0">
-            <a:spAutoFit/>
-          </a:bodyPr>
-          <a:lstStyle/>
-          <a:p>
-            <a:r>
-              <a:rPr lang="en-US" sz="1600" dirty="0"/>
-              <a:t>Clear</a:t>
-            </a:r>
-          </a:p>
-        </p:txBody>
-      </p:sp>
-      <p:sp>
-        <p:nvSpPr>
-          <p:cNvPr id="46" name="Rectangle 45">
-            <a:extLst>
-              <a:ext uri="{FF2B5EF4-FFF2-40B4-BE49-F238E27FC236}">
-                <a16:creationId xmlns:a16="http://schemas.microsoft.com/office/drawing/2014/main" id="{307AEDDA-946D-2EDA-711A-465C19FBCA20}"/>
-              </a:ext>
-            </a:extLst>
-          </p:cNvPr>
-          <p:cNvSpPr/>
-          <p:nvPr/>
-        </p:nvSpPr>
-        <p:spPr>
-          <a:xfrm>
-            <a:off x="3999002" y="960147"/>
-            <a:ext cx="1182608" cy="365290"/>
-          </a:xfrm>
-          <a:prstGeom prst="rect">
-            <a:avLst/>
-          </a:prstGeom>
-        </p:spPr>
-        <p:style>
-          <a:lnRef idx="2">
-            <a:schemeClr val="accent1">
-              <a:shade val="15000"/>
-            </a:schemeClr>
-          </a:lnRef>
-          <a:fillRef idx="1">
-            <a:schemeClr val="accent1"/>
-          </a:fillRef>
-          <a:effectRef idx="0">
-            <a:schemeClr val="accent1"/>
-          </a:effectRef>
-          <a:fontRef idx="minor">
-            <a:schemeClr val="lt1"/>
-          </a:fontRef>
-        </p:style>
-        <p:txBody>
-          <a:bodyPr rtlCol="0" anchor="ctr"/>
-          <a:lstStyle/>
-          <a:p>
-            <a:pPr algn="ctr"/>
-            <a:r>
-              <a:rPr lang="en-US" sz="1200" dirty="0"/>
-              <a:t>Current Hole</a:t>
-            </a:r>
-          </a:p>
-        </p:txBody>
-      </p:sp>
-      <p:sp>
-        <p:nvSpPr>
-          <p:cNvPr id="47" name="Rectangle: Rounded Corners 46">
-            <a:extLst>
-              <a:ext uri="{FF2B5EF4-FFF2-40B4-BE49-F238E27FC236}">
-                <a16:creationId xmlns:a16="http://schemas.microsoft.com/office/drawing/2014/main" id="{8722E696-3311-D4B3-609A-B5C7D143FDF7}"/>
-              </a:ext>
-            </a:extLst>
-          </p:cNvPr>
-          <p:cNvSpPr/>
-          <p:nvPr/>
-        </p:nvSpPr>
-        <p:spPr>
-          <a:xfrm>
-            <a:off x="6355931" y="982048"/>
-            <a:ext cx="837337" cy="343389"/>
-          </a:xfrm>
-          <a:prstGeom prst="roundRect">
-            <a:avLst/>
-          </a:prstGeom>
-        </p:spPr>
-        <p:style>
-          <a:lnRef idx="2">
-            <a:schemeClr val="accent1">
-              <a:shade val="15000"/>
-            </a:schemeClr>
-          </a:lnRef>
-          <a:fillRef idx="1">
-            <a:schemeClr val="accent1"/>
-          </a:fillRef>
-          <a:effectRef idx="0">
-            <a:schemeClr val="accent1"/>
-          </a:effectRef>
-          <a:fontRef idx="minor">
-            <a:schemeClr val="lt1"/>
-          </a:fontRef>
-        </p:style>
-        <p:txBody>
-          <a:bodyPr rtlCol="0" anchor="ctr"/>
-          <a:lstStyle/>
-          <a:p>
-            <a:pPr algn="ctr"/>
-            <a:r>
-              <a:rPr lang="en-US" sz="1400" dirty="0"/>
-              <a:t>Hole #</a:t>
-            </a:r>
-          </a:p>
-        </p:txBody>
-      </p:sp>
-      <p:sp>
-        <p:nvSpPr>
-          <p:cNvPr id="2" name="TextBox 1">
-            <a:extLst>
-              <a:ext uri="{FF2B5EF4-FFF2-40B4-BE49-F238E27FC236}">
-                <a16:creationId xmlns:a16="http://schemas.microsoft.com/office/drawing/2014/main" id="{2F54D212-97F7-CFCC-F9A7-C9211CA5A386}"/>
-              </a:ext>
-            </a:extLst>
-          </p:cNvPr>
-          <p:cNvSpPr txBox="1"/>
-          <p:nvPr/>
-        </p:nvSpPr>
-        <p:spPr>
-          <a:xfrm>
-            <a:off x="5083114" y="452699"/>
-            <a:ext cx="1446230" cy="369332"/>
-          </a:xfrm>
-          <a:prstGeom prst="rect">
-            <a:avLst/>
-          </a:prstGeom>
-          <a:noFill/>
-        </p:spPr>
-        <p:txBody>
-          <a:bodyPr wrap="none" rtlCol="0">
-            <a:spAutoFit/>
-          </a:bodyPr>
-          <a:lstStyle/>
-          <a:p>
-            <a:r>
-              <a:rPr lang="en-US" dirty="0"/>
-              <a:t>Enter Score</a:t>
-            </a:r>
-          </a:p>
-        </p:txBody>
-      </p:sp>
-      <p:sp>
-        <p:nvSpPr>
-          <p:cNvPr id="48" name="TextBox 47">
-            <a:extLst>
-              <a:ext uri="{FF2B5EF4-FFF2-40B4-BE49-F238E27FC236}">
-                <a16:creationId xmlns:a16="http://schemas.microsoft.com/office/drawing/2014/main" id="{22586C0D-3E9B-41CA-7C43-F8A62DC4CF4C}"/>
-              </a:ext>
-            </a:extLst>
-          </p:cNvPr>
-          <p:cNvSpPr txBox="1"/>
-          <p:nvPr/>
-        </p:nvSpPr>
-        <p:spPr>
-          <a:xfrm>
-            <a:off x="6338773" y="4640511"/>
-            <a:ext cx="829073" cy="338554"/>
-          </a:xfrm>
-          <a:prstGeom prst="rect">
-            <a:avLst/>
-          </a:prstGeom>
-          <a:noFill/>
-        </p:spPr>
-        <p:txBody>
-          <a:bodyPr wrap="none" rtlCol="0">
-            <a:spAutoFit/>
-          </a:bodyPr>
-          <a:lstStyle/>
-          <a:p>
-            <a:r>
-              <a:rPr lang="en-US" sz="1600" dirty="0"/>
-              <a:t>Cancel</a:t>
-            </a:r>
-          </a:p>
-        </p:txBody>
-      </p:sp>
-      <p:sp>
-        <p:nvSpPr>
-          <p:cNvPr id="49" name="TextBox 48">
-            <a:extLst>
-              <a:ext uri="{FF2B5EF4-FFF2-40B4-BE49-F238E27FC236}">
-                <a16:creationId xmlns:a16="http://schemas.microsoft.com/office/drawing/2014/main" id="{A1935A63-E271-6928-78FE-F5A5A45E1FAA}"/>
-              </a:ext>
-            </a:extLst>
-          </p:cNvPr>
-          <p:cNvSpPr txBox="1"/>
-          <p:nvPr/>
-        </p:nvSpPr>
-        <p:spPr>
-          <a:xfrm>
-            <a:off x="5623564" y="5833616"/>
-            <a:ext cx="659155" cy="338554"/>
-          </a:xfrm>
-          <a:prstGeom prst="rect">
-            <a:avLst/>
-          </a:prstGeom>
-          <a:noFill/>
-        </p:spPr>
-        <p:txBody>
-          <a:bodyPr wrap="none" rtlCol="0">
-            <a:spAutoFit/>
-          </a:bodyPr>
-          <a:lstStyle/>
-          <a:p>
-            <a:r>
-              <a:rPr lang="en-US" sz="1600" dirty="0"/>
-              <a:t>Back</a:t>
-            </a:r>
-          </a:p>
-        </p:txBody>
-      </p:sp>
-      <p:cxnSp>
-        <p:nvCxnSpPr>
-          <p:cNvPr id="50" name="Straight Connector 49">
-            <a:extLst>
-              <a:ext uri="{FF2B5EF4-FFF2-40B4-BE49-F238E27FC236}">
-                <a16:creationId xmlns:a16="http://schemas.microsoft.com/office/drawing/2014/main" id="{C6DE623F-CE5A-682E-208C-B749D24C83FB}"/>
-              </a:ext>
-            </a:extLst>
-          </p:cNvPr>
-          <p:cNvCxnSpPr>
-            <a:cxnSpLocks/>
-          </p:cNvCxnSpPr>
-          <p:nvPr/>
-        </p:nvCxnSpPr>
-        <p:spPr>
-          <a:xfrm>
-            <a:off x="7261224" y="4596234"/>
-            <a:ext cx="0" cy="1615423"/>
-          </a:xfrm>
-          <a:prstGeom prst="line">
-            <a:avLst/>
-          </a:prstGeom>
-        </p:spPr>
-        <p:style>
-          <a:lnRef idx="2">
-            <a:schemeClr val="accent1"/>
-          </a:lnRef>
-          <a:fillRef idx="0">
-            <a:schemeClr val="accent1"/>
-          </a:fillRef>
-          <a:effectRef idx="1">
-            <a:schemeClr val="accent1"/>
-          </a:effectRef>
-          <a:fontRef idx="minor">
-            <a:schemeClr val="tx1"/>
-          </a:fontRef>
-        </p:style>
-      </p:cxnSp>
-      <p:sp>
-        <p:nvSpPr>
-          <p:cNvPr id="59" name="Rectangle 58">
-            <a:extLst>
-              <a:ext uri="{FF2B5EF4-FFF2-40B4-BE49-F238E27FC236}">
-                <a16:creationId xmlns:a16="http://schemas.microsoft.com/office/drawing/2014/main" id="{170417AF-B565-9554-5B1A-C84FFA5943F5}"/>
-              </a:ext>
-            </a:extLst>
-          </p:cNvPr>
-          <p:cNvSpPr/>
-          <p:nvPr/>
-        </p:nvSpPr>
-        <p:spPr>
-          <a:xfrm>
-            <a:off x="8936708" y="499985"/>
-            <a:ext cx="2712757" cy="4894953"/>
-          </a:xfrm>
-          <a:prstGeom prst="rect">
-            <a:avLst/>
-          </a:prstGeom>
-        </p:spPr>
-        <p:style>
-          <a:lnRef idx="2">
-            <a:schemeClr val="dk1"/>
-          </a:lnRef>
-          <a:fillRef idx="1">
-            <a:schemeClr val="lt1"/>
-          </a:fillRef>
-          <a:effectRef idx="0">
-            <a:schemeClr val="dk1"/>
-          </a:effectRef>
-          <a:fontRef idx="minor">
-            <a:schemeClr val="dk1"/>
-          </a:fontRef>
-        </p:style>
-        <p:txBody>
-          <a:bodyPr rtlCol="0" anchor="t"/>
-          <a:lstStyle/>
-          <a:p>
-            <a:pPr algn="just"/>
-            <a:r>
-              <a:rPr lang="en-US" sz="1200" dirty="0"/>
-              <a:t>User can change the current hole by selecting current hole and enter the hole number.</a:t>
-            </a:r>
-          </a:p>
-          <a:p>
-            <a:pPr algn="just"/>
-            <a:endParaRPr lang="en-US" sz="1200" dirty="0"/>
-          </a:p>
-          <a:p>
-            <a:pPr algn="just"/>
-            <a:r>
-              <a:rPr lang="en-US" sz="1200" dirty="0"/>
-              <a:t>The cursor will move to the next player entry after keypad key is pressed. Pressing the player score box will focus cursor to that player.</a:t>
-            </a:r>
-          </a:p>
-          <a:p>
-            <a:pPr algn="just"/>
-            <a:endParaRPr lang="en-US" sz="1200" dirty="0"/>
-          </a:p>
-          <a:p>
-            <a:r>
-              <a:rPr lang="en-US" sz="1200" dirty="0"/>
-              <a:t>Save - Update score card display screen.</a:t>
-            </a:r>
-          </a:p>
-          <a:p>
-            <a:pPr algn="just"/>
-            <a:endParaRPr lang="en-US" sz="1200" dirty="0"/>
-          </a:p>
-          <a:p>
-            <a:pPr algn="just"/>
-            <a:r>
-              <a:rPr lang="en-US" sz="1200" dirty="0"/>
-              <a:t>Clear will erase the last entry. </a:t>
-            </a:r>
-          </a:p>
-          <a:p>
-            <a:pPr algn="just"/>
-            <a:endParaRPr lang="en-US" sz="1200" dirty="0"/>
-          </a:p>
-          <a:p>
-            <a:pPr algn="just"/>
-            <a:r>
-              <a:rPr lang="en-US" sz="1200" dirty="0"/>
-              <a:t>Cancel – Will not update score card display screen.</a:t>
-            </a:r>
-          </a:p>
-          <a:p>
-            <a:pPr algn="just"/>
-            <a:endParaRPr lang="en-US" sz="1200" dirty="0"/>
-          </a:p>
-          <a:p>
-            <a:r>
-              <a:rPr lang="en-US" sz="1200" dirty="0"/>
-              <a:t>Double Digits – Will allow two digits to be entered in a player score.</a:t>
-            </a:r>
-          </a:p>
-          <a:p>
-            <a:endParaRPr lang="en-US" sz="1200" dirty="0"/>
-          </a:p>
-          <a:p>
-            <a:r>
-              <a:rPr lang="en-US" sz="1200" dirty="0"/>
-              <a:t>Junk – Popup dialog to record the players junk awarded. The junk key must be pressed before entering the player’s score.</a:t>
-            </a:r>
-          </a:p>
-        </p:txBody>
-      </p:sp>
-      <p:sp>
-        <p:nvSpPr>
-          <p:cNvPr id="60" name="TextBox 59">
-            <a:extLst>
-              <a:ext uri="{FF2B5EF4-FFF2-40B4-BE49-F238E27FC236}">
-                <a16:creationId xmlns:a16="http://schemas.microsoft.com/office/drawing/2014/main" id="{021EA784-BB7F-D743-503E-AD2DD8278182}"/>
-              </a:ext>
-            </a:extLst>
-          </p:cNvPr>
-          <p:cNvSpPr txBox="1"/>
-          <p:nvPr/>
-        </p:nvSpPr>
-        <p:spPr>
-          <a:xfrm>
-            <a:off x="6391448" y="4973215"/>
-            <a:ext cx="686406" cy="461665"/>
-          </a:xfrm>
-          <a:prstGeom prst="rect">
-            <a:avLst/>
-          </a:prstGeom>
-          <a:noFill/>
-        </p:spPr>
-        <p:txBody>
-          <a:bodyPr wrap="none" rtlCol="0">
-            <a:spAutoFit/>
-          </a:bodyPr>
-          <a:lstStyle/>
-          <a:p>
-            <a:r>
-              <a:rPr lang="en-US" sz="1200" dirty="0"/>
-              <a:t>Double</a:t>
-            </a:r>
-          </a:p>
-          <a:p>
-            <a:r>
-              <a:rPr lang="en-US" sz="1200" dirty="0"/>
-              <a:t>Digits</a:t>
-            </a:r>
-          </a:p>
-        </p:txBody>
-      </p:sp>
-      <p:sp>
-        <p:nvSpPr>
-          <p:cNvPr id="62" name="TextBox 61">
-            <a:extLst>
-              <a:ext uri="{FF2B5EF4-FFF2-40B4-BE49-F238E27FC236}">
-                <a16:creationId xmlns:a16="http://schemas.microsoft.com/office/drawing/2014/main" id="{4A0154AB-BB76-34EB-3178-692260ED194B}"/>
-              </a:ext>
-            </a:extLst>
-          </p:cNvPr>
-          <p:cNvSpPr txBox="1"/>
-          <p:nvPr/>
-        </p:nvSpPr>
-        <p:spPr>
-          <a:xfrm>
-            <a:off x="6353071" y="5394939"/>
-            <a:ext cx="670376" cy="338554"/>
-          </a:xfrm>
-          <a:prstGeom prst="rect">
-            <a:avLst/>
-          </a:prstGeom>
-          <a:noFill/>
-        </p:spPr>
-        <p:txBody>
-          <a:bodyPr wrap="none" rtlCol="0">
-            <a:spAutoFit/>
-          </a:bodyPr>
-          <a:lstStyle/>
-          <a:p>
-            <a:r>
-              <a:rPr lang="en-US" sz="1600" dirty="0"/>
               <a:t>Junk</a:t>
             </a:r>
           </a:p>
@@ -7630,10 +7877,876 @@
       </p:grpSpPr>
       <p:sp>
         <p:nvSpPr>
-          <p:cNvPr id="2" name="TextBox 1">
-            <a:extLst>
-              <a:ext uri="{FF2B5EF4-FFF2-40B4-BE49-F238E27FC236}">
-                <a16:creationId xmlns:a16="http://schemas.microsoft.com/office/drawing/2014/main" id="{3B17EE8D-41C5-D38B-15F8-07F1C9DF19DA}"/>
+          <p:cNvPr id="2" name="Rectangle 1">
+            <a:extLst>
+              <a:ext uri="{FF2B5EF4-FFF2-40B4-BE49-F238E27FC236}">
+                <a16:creationId xmlns:a16="http://schemas.microsoft.com/office/drawing/2014/main" id="{E8F3AC0B-833C-CDD7-9944-D05405A7B50A}"/>
+              </a:ext>
+            </a:extLst>
+          </p:cNvPr>
+          <p:cNvSpPr/>
+          <p:nvPr/>
+        </p:nvSpPr>
+        <p:spPr>
+          <a:xfrm rot="16200000">
+            <a:off x="2590477" y="-864195"/>
+            <a:ext cx="4397948" cy="8412388"/>
+          </a:xfrm>
+          <a:prstGeom prst="rect">
+            <a:avLst/>
+          </a:prstGeom>
+        </p:spPr>
+        <p:style>
+          <a:lnRef idx="2">
+            <a:schemeClr val="accent3"/>
+          </a:lnRef>
+          <a:fillRef idx="1">
+            <a:schemeClr val="lt1"/>
+          </a:fillRef>
+          <a:effectRef idx="0">
+            <a:schemeClr val="accent3"/>
+          </a:effectRef>
+          <a:fontRef idx="minor">
+            <a:schemeClr val="dk1"/>
+          </a:fontRef>
+        </p:style>
+        <p:txBody>
+          <a:bodyPr rtlCol="0" anchor="ctr"/>
+          <a:lstStyle/>
+          <a:p>
+            <a:pPr algn="ctr"/>
+            <a:endParaRPr lang="en-US" dirty="0"/>
+          </a:p>
+        </p:txBody>
+      </p:sp>
+      <p:sp>
+        <p:nvSpPr>
+          <p:cNvPr id="3" name="Rectangle 2">
+            <a:extLst>
+              <a:ext uri="{FF2B5EF4-FFF2-40B4-BE49-F238E27FC236}">
+                <a16:creationId xmlns:a16="http://schemas.microsoft.com/office/drawing/2014/main" id="{5D413DE1-04EB-B253-D0EB-5EFC2D94CDC4}"/>
+              </a:ext>
+            </a:extLst>
+          </p:cNvPr>
+          <p:cNvSpPr/>
+          <p:nvPr/>
+        </p:nvSpPr>
+        <p:spPr>
+          <a:xfrm>
+            <a:off x="9256697" y="981524"/>
+            <a:ext cx="2712757" cy="4027876"/>
+          </a:xfrm>
+          <a:prstGeom prst="rect">
+            <a:avLst/>
+          </a:prstGeom>
+        </p:spPr>
+        <p:style>
+          <a:lnRef idx="2">
+            <a:schemeClr val="dk1"/>
+          </a:lnRef>
+          <a:fillRef idx="1">
+            <a:schemeClr val="lt1"/>
+          </a:fillRef>
+          <a:effectRef idx="0">
+            <a:schemeClr val="dk1"/>
+          </a:effectRef>
+          <a:fontRef idx="minor">
+            <a:schemeClr val="dk1"/>
+          </a:fontRef>
+        </p:style>
+        <p:txBody>
+          <a:bodyPr rtlCol="0" anchor="t"/>
+          <a:lstStyle/>
+          <a:p>
+            <a:pPr algn="just"/>
+            <a:r>
+              <a:rPr lang="en-US" sz="1200" dirty="0"/>
+              <a:t>User can change the current hole by selecting current hole and enter the hole number.</a:t>
+            </a:r>
+          </a:p>
+          <a:p>
+            <a:pPr algn="just"/>
+            <a:endParaRPr lang="en-US" sz="1200" dirty="0"/>
+          </a:p>
+          <a:p>
+            <a:pPr algn="just"/>
+            <a:r>
+              <a:rPr lang="en-US" sz="1200" dirty="0"/>
+              <a:t>The cursor will move to the next player entry after keypad key is pressed. Pressing the player score box will focus cursor to that player.</a:t>
+            </a:r>
+          </a:p>
+          <a:p>
+            <a:pPr algn="just"/>
+            <a:endParaRPr lang="en-US" sz="1200" dirty="0"/>
+          </a:p>
+          <a:p>
+            <a:pPr algn="just"/>
+            <a:r>
+              <a:rPr lang="en-US" sz="1200" dirty="0"/>
+              <a:t>Back – Move back to last player’s score</a:t>
+            </a:r>
+          </a:p>
+          <a:p>
+            <a:pPr algn="just"/>
+            <a:endParaRPr lang="en-US" sz="1200" dirty="0"/>
+          </a:p>
+          <a:p>
+            <a:r>
+              <a:rPr lang="en-US" sz="1200" dirty="0"/>
+              <a:t>Next/Done - Update score card display screen.</a:t>
+            </a:r>
+          </a:p>
+          <a:p>
+            <a:pPr algn="just"/>
+            <a:endParaRPr lang="en-US" sz="1200" dirty="0"/>
+          </a:p>
+          <a:p>
+            <a:pPr algn="just"/>
+            <a:r>
+              <a:rPr lang="en-US" sz="1200" dirty="0"/>
+              <a:t>Clear - will erase the current entry. </a:t>
+            </a:r>
+          </a:p>
+          <a:p>
+            <a:pPr algn="just"/>
+            <a:endParaRPr lang="en-US" sz="1200" dirty="0"/>
+          </a:p>
+          <a:p>
+            <a:pPr algn="just"/>
+            <a:r>
+              <a:rPr lang="en-US" sz="1200" dirty="0"/>
+              <a:t>Net – Use this player score of the team game.</a:t>
+            </a:r>
+          </a:p>
+          <a:p>
+            <a:pPr algn="just"/>
+            <a:r>
+              <a:rPr lang="en-US" sz="1200" dirty="0"/>
+              <a:t>Gross – Use this player score of the team game.</a:t>
+            </a:r>
+          </a:p>
+          <a:p>
+            <a:pPr algn="just"/>
+            <a:endParaRPr lang="en-US" sz="1200" dirty="0"/>
+          </a:p>
+        </p:txBody>
+      </p:sp>
+      <p:grpSp>
+        <p:nvGrpSpPr>
+          <p:cNvPr id="63" name="Group 62">
+            <a:extLst>
+              <a:ext uri="{FF2B5EF4-FFF2-40B4-BE49-F238E27FC236}">
+                <a16:creationId xmlns:a16="http://schemas.microsoft.com/office/drawing/2014/main" id="{4CAD7A68-1A11-30A6-4FF4-09854190ECE3}"/>
+              </a:ext>
+            </a:extLst>
+          </p:cNvPr>
+          <p:cNvGrpSpPr/>
+          <p:nvPr/>
+        </p:nvGrpSpPr>
+        <p:grpSpPr>
+          <a:xfrm>
+            <a:off x="6659639" y="2911056"/>
+            <a:ext cx="1965939" cy="1211313"/>
+            <a:chOff x="6659639" y="2911056"/>
+            <a:chExt cx="1965939" cy="1211313"/>
+          </a:xfrm>
+        </p:grpSpPr>
+        <p:sp>
+          <p:nvSpPr>
+            <p:cNvPr id="16" name="TextBox 15">
+              <a:extLst>
+                <a:ext uri="{FF2B5EF4-FFF2-40B4-BE49-F238E27FC236}">
+                  <a16:creationId xmlns:a16="http://schemas.microsoft.com/office/drawing/2014/main" id="{329333A6-07EC-886B-9CE6-E9ADDE498229}"/>
+                </a:ext>
+              </a:extLst>
+            </p:cNvPr>
+            <p:cNvSpPr txBox="1"/>
+            <p:nvPr/>
+          </p:nvSpPr>
+          <p:spPr>
+            <a:xfrm>
+              <a:off x="6810313" y="3271104"/>
+              <a:ext cx="312906" cy="369332"/>
+            </a:xfrm>
+            <a:prstGeom prst="rect">
+              <a:avLst/>
+            </a:prstGeom>
+            <a:noFill/>
+          </p:spPr>
+          <p:txBody>
+            <a:bodyPr wrap="none" rtlCol="0">
+              <a:spAutoFit/>
+            </a:bodyPr>
+            <a:lstStyle/>
+            <a:p>
+              <a:r>
+                <a:rPr lang="en-US" dirty="0"/>
+                <a:t>4</a:t>
+              </a:r>
+            </a:p>
+          </p:txBody>
+        </p:sp>
+        <p:sp>
+          <p:nvSpPr>
+            <p:cNvPr id="17" name="TextBox 16">
+              <a:extLst>
+                <a:ext uri="{FF2B5EF4-FFF2-40B4-BE49-F238E27FC236}">
+                  <a16:creationId xmlns:a16="http://schemas.microsoft.com/office/drawing/2014/main" id="{E08741C0-0C0F-D894-5D46-84A50CC8391A}"/>
+                </a:ext>
+              </a:extLst>
+            </p:cNvPr>
+            <p:cNvSpPr txBox="1"/>
+            <p:nvPr/>
+          </p:nvSpPr>
+          <p:spPr>
+            <a:xfrm>
+              <a:off x="7454410" y="3289566"/>
+              <a:ext cx="312906" cy="369332"/>
+            </a:xfrm>
+            <a:prstGeom prst="rect">
+              <a:avLst/>
+            </a:prstGeom>
+            <a:noFill/>
+          </p:spPr>
+          <p:txBody>
+            <a:bodyPr wrap="square" rtlCol="0">
+              <a:spAutoFit/>
+            </a:bodyPr>
+            <a:lstStyle/>
+            <a:p>
+              <a:r>
+                <a:rPr lang="en-US" dirty="0"/>
+                <a:t>5</a:t>
+              </a:r>
+            </a:p>
+          </p:txBody>
+        </p:sp>
+        <p:grpSp>
+          <p:nvGrpSpPr>
+            <p:cNvPr id="62" name="Group 61">
+              <a:extLst>
+                <a:ext uri="{FF2B5EF4-FFF2-40B4-BE49-F238E27FC236}">
+                  <a16:creationId xmlns:a16="http://schemas.microsoft.com/office/drawing/2014/main" id="{C0782932-5E00-170C-CCE3-D711A402D1B7}"/>
+                </a:ext>
+              </a:extLst>
+            </p:cNvPr>
+            <p:cNvGrpSpPr/>
+            <p:nvPr/>
+          </p:nvGrpSpPr>
+          <p:grpSpPr>
+            <a:xfrm>
+              <a:off x="6659639" y="2911056"/>
+              <a:ext cx="1965939" cy="1211313"/>
+              <a:chOff x="6659639" y="1925181"/>
+              <a:chExt cx="1965939" cy="1211313"/>
+            </a:xfrm>
+          </p:grpSpPr>
+          <p:cxnSp>
+            <p:nvCxnSpPr>
+              <p:cNvPr id="5" name="Straight Connector 4">
+                <a:extLst>
+                  <a:ext uri="{FF2B5EF4-FFF2-40B4-BE49-F238E27FC236}">
+                    <a16:creationId xmlns:a16="http://schemas.microsoft.com/office/drawing/2014/main" id="{2AF213E7-7289-D34A-9AD2-2B60BE2FD85D}"/>
+                  </a:ext>
+                </a:extLst>
+              </p:cNvPr>
+              <p:cNvCxnSpPr>
+                <a:cxnSpLocks/>
+              </p:cNvCxnSpPr>
+              <p:nvPr/>
+            </p:nvCxnSpPr>
+            <p:spPr>
+              <a:xfrm>
+                <a:off x="6659639" y="3091030"/>
+                <a:ext cx="1965939" cy="1744"/>
+              </a:xfrm>
+              <a:prstGeom prst="line">
+                <a:avLst/>
+              </a:prstGeom>
+            </p:spPr>
+            <p:style>
+              <a:lnRef idx="2">
+                <a:schemeClr val="accent1"/>
+              </a:lnRef>
+              <a:fillRef idx="0">
+                <a:schemeClr val="accent1"/>
+              </a:fillRef>
+              <a:effectRef idx="1">
+                <a:schemeClr val="accent1"/>
+              </a:effectRef>
+              <a:fontRef idx="minor">
+                <a:schemeClr val="tx1"/>
+              </a:fontRef>
+            </p:style>
+          </p:cxnSp>
+          <p:cxnSp>
+            <p:nvCxnSpPr>
+              <p:cNvPr id="6" name="Straight Connector 5">
+                <a:extLst>
+                  <a:ext uri="{FF2B5EF4-FFF2-40B4-BE49-F238E27FC236}">
+                    <a16:creationId xmlns:a16="http://schemas.microsoft.com/office/drawing/2014/main" id="{A2EBB697-9301-0745-5BE8-F270A8F80581}"/>
+                  </a:ext>
+                </a:extLst>
+              </p:cNvPr>
+              <p:cNvCxnSpPr>
+                <a:cxnSpLocks/>
+              </p:cNvCxnSpPr>
+              <p:nvPr/>
+            </p:nvCxnSpPr>
+            <p:spPr>
+              <a:xfrm>
+                <a:off x="6659639" y="2702414"/>
+                <a:ext cx="1965939" cy="17540"/>
+              </a:xfrm>
+              <a:prstGeom prst="line">
+                <a:avLst/>
+              </a:prstGeom>
+            </p:spPr>
+            <p:style>
+              <a:lnRef idx="2">
+                <a:schemeClr val="accent1"/>
+              </a:lnRef>
+              <a:fillRef idx="0">
+                <a:schemeClr val="accent1"/>
+              </a:fillRef>
+              <a:effectRef idx="1">
+                <a:schemeClr val="accent1"/>
+              </a:effectRef>
+              <a:fontRef idx="minor">
+                <a:schemeClr val="tx1"/>
+              </a:fontRef>
+            </p:style>
+          </p:cxnSp>
+          <p:cxnSp>
+            <p:nvCxnSpPr>
+              <p:cNvPr id="7" name="Straight Connector 6">
+                <a:extLst>
+                  <a:ext uri="{FF2B5EF4-FFF2-40B4-BE49-F238E27FC236}">
+                    <a16:creationId xmlns:a16="http://schemas.microsoft.com/office/drawing/2014/main" id="{DA6FC205-51A3-3A87-570E-DA8D88DA4633}"/>
+                  </a:ext>
+                </a:extLst>
+              </p:cNvPr>
+              <p:cNvCxnSpPr>
+                <a:cxnSpLocks/>
+              </p:cNvCxnSpPr>
+              <p:nvPr/>
+            </p:nvCxnSpPr>
+            <p:spPr>
+              <a:xfrm>
+                <a:off x="6659639" y="2313798"/>
+                <a:ext cx="1965939" cy="6159"/>
+              </a:xfrm>
+              <a:prstGeom prst="line">
+                <a:avLst/>
+              </a:prstGeom>
+            </p:spPr>
+            <p:style>
+              <a:lnRef idx="2">
+                <a:schemeClr val="accent1"/>
+              </a:lnRef>
+              <a:fillRef idx="0">
+                <a:schemeClr val="accent1"/>
+              </a:fillRef>
+              <a:effectRef idx="1">
+                <a:schemeClr val="accent1"/>
+              </a:effectRef>
+              <a:fontRef idx="minor">
+                <a:schemeClr val="tx1"/>
+              </a:fontRef>
+            </p:style>
+          </p:cxnSp>
+          <p:cxnSp>
+            <p:nvCxnSpPr>
+              <p:cNvPr id="8" name="Straight Connector 7">
+                <a:extLst>
+                  <a:ext uri="{FF2B5EF4-FFF2-40B4-BE49-F238E27FC236}">
+                    <a16:creationId xmlns:a16="http://schemas.microsoft.com/office/drawing/2014/main" id="{5E86298E-A220-408E-631E-5DDF2465DC2D}"/>
+                  </a:ext>
+                </a:extLst>
+              </p:cNvPr>
+              <p:cNvCxnSpPr>
+                <a:cxnSpLocks/>
+              </p:cNvCxnSpPr>
+              <p:nvPr/>
+            </p:nvCxnSpPr>
+            <p:spPr>
+              <a:xfrm>
+                <a:off x="6659639" y="1925182"/>
+                <a:ext cx="1965939" cy="9063"/>
+              </a:xfrm>
+              <a:prstGeom prst="line">
+                <a:avLst/>
+              </a:prstGeom>
+            </p:spPr>
+            <p:style>
+              <a:lnRef idx="2">
+                <a:schemeClr val="accent1"/>
+              </a:lnRef>
+              <a:fillRef idx="0">
+                <a:schemeClr val="accent1"/>
+              </a:fillRef>
+              <a:effectRef idx="1">
+                <a:schemeClr val="accent1"/>
+              </a:effectRef>
+              <a:fontRef idx="minor">
+                <a:schemeClr val="tx1"/>
+              </a:fontRef>
+            </p:style>
+          </p:cxnSp>
+          <p:cxnSp>
+            <p:nvCxnSpPr>
+              <p:cNvPr id="9" name="Straight Connector 8">
+                <a:extLst>
+                  <a:ext uri="{FF2B5EF4-FFF2-40B4-BE49-F238E27FC236}">
+                    <a16:creationId xmlns:a16="http://schemas.microsoft.com/office/drawing/2014/main" id="{D344899F-FA6A-C4DF-377E-6EACA9B43C08}"/>
+                  </a:ext>
+                </a:extLst>
+              </p:cNvPr>
+              <p:cNvCxnSpPr>
+                <a:cxnSpLocks/>
+              </p:cNvCxnSpPr>
+              <p:nvPr/>
+            </p:nvCxnSpPr>
+            <p:spPr>
+              <a:xfrm>
+                <a:off x="6659639" y="1925182"/>
+                <a:ext cx="0" cy="1165848"/>
+              </a:xfrm>
+              <a:prstGeom prst="line">
+                <a:avLst/>
+              </a:prstGeom>
+            </p:spPr>
+            <p:style>
+              <a:lnRef idx="2">
+                <a:schemeClr val="accent1"/>
+              </a:lnRef>
+              <a:fillRef idx="0">
+                <a:schemeClr val="accent1"/>
+              </a:fillRef>
+              <a:effectRef idx="1">
+                <a:schemeClr val="accent1"/>
+              </a:effectRef>
+              <a:fontRef idx="minor">
+                <a:schemeClr val="tx1"/>
+              </a:fontRef>
+            </p:style>
+          </p:cxnSp>
+          <p:cxnSp>
+            <p:nvCxnSpPr>
+              <p:cNvPr id="10" name="Straight Connector 9">
+                <a:extLst>
+                  <a:ext uri="{FF2B5EF4-FFF2-40B4-BE49-F238E27FC236}">
+                    <a16:creationId xmlns:a16="http://schemas.microsoft.com/office/drawing/2014/main" id="{8A17150C-5F35-980B-8A6C-AB024EA6A5EF}"/>
+                  </a:ext>
+                </a:extLst>
+              </p:cNvPr>
+              <p:cNvCxnSpPr>
+                <a:cxnSpLocks/>
+              </p:cNvCxnSpPr>
+              <p:nvPr/>
+            </p:nvCxnSpPr>
+            <p:spPr>
+              <a:xfrm>
+                <a:off x="7314952" y="1925182"/>
+                <a:ext cx="0" cy="1165848"/>
+              </a:xfrm>
+              <a:prstGeom prst="line">
+                <a:avLst/>
+              </a:prstGeom>
+            </p:spPr>
+            <p:style>
+              <a:lnRef idx="2">
+                <a:schemeClr val="accent1"/>
+              </a:lnRef>
+              <a:fillRef idx="0">
+                <a:schemeClr val="accent1"/>
+              </a:fillRef>
+              <a:effectRef idx="1">
+                <a:schemeClr val="accent1"/>
+              </a:effectRef>
+              <a:fontRef idx="minor">
+                <a:schemeClr val="tx1"/>
+              </a:fontRef>
+            </p:style>
+          </p:cxnSp>
+          <p:cxnSp>
+            <p:nvCxnSpPr>
+              <p:cNvPr id="11" name="Straight Connector 10">
+                <a:extLst>
+                  <a:ext uri="{FF2B5EF4-FFF2-40B4-BE49-F238E27FC236}">
+                    <a16:creationId xmlns:a16="http://schemas.microsoft.com/office/drawing/2014/main" id="{DFCBF485-72A4-1A40-CCA8-BEBD10A755BF}"/>
+                  </a:ext>
+                </a:extLst>
+              </p:cNvPr>
+              <p:cNvCxnSpPr>
+                <a:cxnSpLocks/>
+              </p:cNvCxnSpPr>
+              <p:nvPr/>
+            </p:nvCxnSpPr>
+            <p:spPr>
+              <a:xfrm>
+                <a:off x="8625578" y="1925181"/>
+                <a:ext cx="0" cy="1211313"/>
+              </a:xfrm>
+              <a:prstGeom prst="line">
+                <a:avLst/>
+              </a:prstGeom>
+            </p:spPr>
+            <p:style>
+              <a:lnRef idx="2">
+                <a:schemeClr val="accent1"/>
+              </a:lnRef>
+              <a:fillRef idx="0">
+                <a:schemeClr val="accent1"/>
+              </a:fillRef>
+              <a:effectRef idx="1">
+                <a:schemeClr val="accent1"/>
+              </a:effectRef>
+              <a:fontRef idx="minor">
+                <a:schemeClr val="tx1"/>
+              </a:fontRef>
+            </p:style>
+          </p:cxnSp>
+          <p:cxnSp>
+            <p:nvCxnSpPr>
+              <p:cNvPr id="12" name="Straight Connector 11">
+                <a:extLst>
+                  <a:ext uri="{FF2B5EF4-FFF2-40B4-BE49-F238E27FC236}">
+                    <a16:creationId xmlns:a16="http://schemas.microsoft.com/office/drawing/2014/main" id="{2C38FDA6-C652-1BD3-3AB0-2B407AC50D2D}"/>
+                  </a:ext>
+                </a:extLst>
+              </p:cNvPr>
+              <p:cNvCxnSpPr>
+                <a:cxnSpLocks/>
+              </p:cNvCxnSpPr>
+              <p:nvPr/>
+            </p:nvCxnSpPr>
+            <p:spPr>
+              <a:xfrm>
+                <a:off x="7970265" y="1925182"/>
+                <a:ext cx="0" cy="1158199"/>
+              </a:xfrm>
+              <a:prstGeom prst="line">
+                <a:avLst/>
+              </a:prstGeom>
+            </p:spPr>
+            <p:style>
+              <a:lnRef idx="2">
+                <a:schemeClr val="accent1"/>
+              </a:lnRef>
+              <a:fillRef idx="0">
+                <a:schemeClr val="accent1"/>
+              </a:fillRef>
+              <a:effectRef idx="1">
+                <a:schemeClr val="accent1"/>
+              </a:effectRef>
+              <a:fontRef idx="minor">
+                <a:schemeClr val="tx1"/>
+              </a:fontRef>
+            </p:style>
+          </p:cxnSp>
+          <p:sp>
+            <p:nvSpPr>
+              <p:cNvPr id="13" name="TextBox 12">
+                <a:extLst>
+                  <a:ext uri="{FF2B5EF4-FFF2-40B4-BE49-F238E27FC236}">
+                    <a16:creationId xmlns:a16="http://schemas.microsoft.com/office/drawing/2014/main" id="{377A9B70-73BD-22D1-E6D5-F22BCF9FC193}"/>
+                  </a:ext>
+                </a:extLst>
+              </p:cNvPr>
+              <p:cNvSpPr txBox="1"/>
+              <p:nvPr/>
+            </p:nvSpPr>
+            <p:spPr>
+              <a:xfrm>
+                <a:off x="6849648" y="1934823"/>
+                <a:ext cx="312906" cy="369332"/>
+              </a:xfrm>
+              <a:prstGeom prst="rect">
+                <a:avLst/>
+              </a:prstGeom>
+              <a:noFill/>
+            </p:spPr>
+            <p:txBody>
+              <a:bodyPr wrap="none" rtlCol="0">
+                <a:spAutoFit/>
+              </a:bodyPr>
+              <a:lstStyle/>
+              <a:p>
+                <a:r>
+                  <a:rPr lang="en-US" dirty="0"/>
+                  <a:t>1</a:t>
+                </a:r>
+              </a:p>
+            </p:txBody>
+          </p:sp>
+          <p:sp>
+            <p:nvSpPr>
+              <p:cNvPr id="14" name="TextBox 13">
+                <a:extLst>
+                  <a:ext uri="{FF2B5EF4-FFF2-40B4-BE49-F238E27FC236}">
+                    <a16:creationId xmlns:a16="http://schemas.microsoft.com/office/drawing/2014/main" id="{1B64A88E-80EC-1BCC-4794-8C51D0A55D9C}"/>
+                  </a:ext>
+                </a:extLst>
+              </p:cNvPr>
+              <p:cNvSpPr txBox="1"/>
+              <p:nvPr/>
+            </p:nvSpPr>
+            <p:spPr>
+              <a:xfrm>
+                <a:off x="7493285" y="1944722"/>
+                <a:ext cx="312906" cy="369332"/>
+              </a:xfrm>
+              <a:prstGeom prst="rect">
+                <a:avLst/>
+              </a:prstGeom>
+              <a:noFill/>
+            </p:spPr>
+            <p:txBody>
+              <a:bodyPr wrap="none" rtlCol="0">
+                <a:spAutoFit/>
+              </a:bodyPr>
+              <a:lstStyle/>
+              <a:p>
+                <a:r>
+                  <a:rPr lang="en-US" dirty="0"/>
+                  <a:t>2</a:t>
+                </a:r>
+              </a:p>
+            </p:txBody>
+          </p:sp>
+          <p:sp>
+            <p:nvSpPr>
+              <p:cNvPr id="15" name="TextBox 14">
+                <a:extLst>
+                  <a:ext uri="{FF2B5EF4-FFF2-40B4-BE49-F238E27FC236}">
+                    <a16:creationId xmlns:a16="http://schemas.microsoft.com/office/drawing/2014/main" id="{1138E3B2-0D69-C6BA-ECE1-EAEB58781901}"/>
+                  </a:ext>
+                </a:extLst>
+              </p:cNvPr>
+              <p:cNvSpPr txBox="1"/>
+              <p:nvPr/>
+            </p:nvSpPr>
+            <p:spPr>
+              <a:xfrm>
+                <a:off x="8094972" y="1969115"/>
+                <a:ext cx="312906" cy="369332"/>
+              </a:xfrm>
+              <a:prstGeom prst="rect">
+                <a:avLst/>
+              </a:prstGeom>
+              <a:noFill/>
+            </p:spPr>
+            <p:txBody>
+              <a:bodyPr wrap="none" rtlCol="0">
+                <a:spAutoFit/>
+              </a:bodyPr>
+              <a:lstStyle/>
+              <a:p>
+                <a:r>
+                  <a:rPr lang="en-US" dirty="0"/>
+                  <a:t>3</a:t>
+                </a:r>
+              </a:p>
+            </p:txBody>
+          </p:sp>
+          <p:sp>
+            <p:nvSpPr>
+              <p:cNvPr id="18" name="TextBox 17">
+                <a:extLst>
+                  <a:ext uri="{FF2B5EF4-FFF2-40B4-BE49-F238E27FC236}">
+                    <a16:creationId xmlns:a16="http://schemas.microsoft.com/office/drawing/2014/main" id="{BC650C7A-037A-959C-CF5D-478A1BF4357C}"/>
+                  </a:ext>
+                </a:extLst>
+              </p:cNvPr>
+              <p:cNvSpPr txBox="1"/>
+              <p:nvPr/>
+            </p:nvSpPr>
+            <p:spPr>
+              <a:xfrm>
+                <a:off x="8094972" y="2326857"/>
+                <a:ext cx="312906" cy="369332"/>
+              </a:xfrm>
+              <a:prstGeom prst="rect">
+                <a:avLst/>
+              </a:prstGeom>
+              <a:noFill/>
+            </p:spPr>
+            <p:txBody>
+              <a:bodyPr wrap="none" rtlCol="0">
+                <a:spAutoFit/>
+              </a:bodyPr>
+              <a:lstStyle/>
+              <a:p>
+                <a:r>
+                  <a:rPr lang="en-US" dirty="0"/>
+                  <a:t>6</a:t>
+                </a:r>
+              </a:p>
+            </p:txBody>
+          </p:sp>
+          <p:sp>
+            <p:nvSpPr>
+              <p:cNvPr id="19" name="TextBox 18">
+                <a:extLst>
+                  <a:ext uri="{FF2B5EF4-FFF2-40B4-BE49-F238E27FC236}">
+                    <a16:creationId xmlns:a16="http://schemas.microsoft.com/office/drawing/2014/main" id="{1F7E68FB-6414-8CD6-9560-942FE789B7D2}"/>
+                  </a:ext>
+                </a:extLst>
+              </p:cNvPr>
+              <p:cNvSpPr txBox="1"/>
+              <p:nvPr/>
+            </p:nvSpPr>
+            <p:spPr>
+              <a:xfrm>
+                <a:off x="6830843" y="2711421"/>
+                <a:ext cx="312906" cy="369332"/>
+              </a:xfrm>
+              <a:prstGeom prst="rect">
+                <a:avLst/>
+              </a:prstGeom>
+              <a:noFill/>
+            </p:spPr>
+            <p:txBody>
+              <a:bodyPr wrap="none" rtlCol="0">
+                <a:spAutoFit/>
+              </a:bodyPr>
+              <a:lstStyle/>
+              <a:p>
+                <a:r>
+                  <a:rPr lang="en-US" dirty="0"/>
+                  <a:t>7</a:t>
+                </a:r>
+              </a:p>
+            </p:txBody>
+          </p:sp>
+          <p:sp>
+            <p:nvSpPr>
+              <p:cNvPr id="20" name="TextBox 19">
+                <a:extLst>
+                  <a:ext uri="{FF2B5EF4-FFF2-40B4-BE49-F238E27FC236}">
+                    <a16:creationId xmlns:a16="http://schemas.microsoft.com/office/drawing/2014/main" id="{B65ADC53-24AB-F53D-E7E1-A9602F08F88A}"/>
+                  </a:ext>
+                </a:extLst>
+              </p:cNvPr>
+              <p:cNvSpPr txBox="1"/>
+              <p:nvPr/>
+            </p:nvSpPr>
+            <p:spPr>
+              <a:xfrm>
+                <a:off x="7479027" y="2694770"/>
+                <a:ext cx="312906" cy="369332"/>
+              </a:xfrm>
+              <a:prstGeom prst="rect">
+                <a:avLst/>
+              </a:prstGeom>
+              <a:noFill/>
+            </p:spPr>
+            <p:txBody>
+              <a:bodyPr wrap="none" rtlCol="0">
+                <a:spAutoFit/>
+              </a:bodyPr>
+              <a:lstStyle/>
+              <a:p>
+                <a:r>
+                  <a:rPr lang="en-US" dirty="0"/>
+                  <a:t>8</a:t>
+                </a:r>
+              </a:p>
+            </p:txBody>
+          </p:sp>
+          <p:sp>
+            <p:nvSpPr>
+              <p:cNvPr id="21" name="TextBox 20">
+                <a:extLst>
+                  <a:ext uri="{FF2B5EF4-FFF2-40B4-BE49-F238E27FC236}">
+                    <a16:creationId xmlns:a16="http://schemas.microsoft.com/office/drawing/2014/main" id="{FCE448AA-BFD7-71B3-4EFB-8AA9F1F682B7}"/>
+                  </a:ext>
+                </a:extLst>
+              </p:cNvPr>
+              <p:cNvSpPr txBox="1"/>
+              <p:nvPr/>
+            </p:nvSpPr>
+            <p:spPr>
+              <a:xfrm>
+                <a:off x="8103370" y="2706401"/>
+                <a:ext cx="312906" cy="369332"/>
+              </a:xfrm>
+              <a:prstGeom prst="rect">
+                <a:avLst/>
+              </a:prstGeom>
+              <a:noFill/>
+            </p:spPr>
+            <p:txBody>
+              <a:bodyPr wrap="none" rtlCol="0">
+                <a:spAutoFit/>
+              </a:bodyPr>
+              <a:lstStyle/>
+              <a:p>
+                <a:r>
+                  <a:rPr lang="en-US" dirty="0"/>
+                  <a:t>9</a:t>
+                </a:r>
+              </a:p>
+            </p:txBody>
+          </p:sp>
+        </p:grpSp>
+      </p:grpSp>
+      <p:sp>
+        <p:nvSpPr>
+          <p:cNvPr id="25" name="Rectangle 24">
+            <a:extLst>
+              <a:ext uri="{FF2B5EF4-FFF2-40B4-BE49-F238E27FC236}">
+                <a16:creationId xmlns:a16="http://schemas.microsoft.com/office/drawing/2014/main" id="{D8F4CD00-2645-506F-B657-EDA46A3F8977}"/>
+              </a:ext>
+            </a:extLst>
+          </p:cNvPr>
+          <p:cNvSpPr/>
+          <p:nvPr/>
+        </p:nvSpPr>
+        <p:spPr>
+          <a:xfrm>
+            <a:off x="1732405" y="2059675"/>
+            <a:ext cx="1365486" cy="365290"/>
+          </a:xfrm>
+          <a:prstGeom prst="rect">
+            <a:avLst/>
+          </a:prstGeom>
+        </p:spPr>
+        <p:style>
+          <a:lnRef idx="2">
+            <a:schemeClr val="accent1">
+              <a:shade val="15000"/>
+            </a:schemeClr>
+          </a:lnRef>
+          <a:fillRef idx="1">
+            <a:schemeClr val="accent1"/>
+          </a:fillRef>
+          <a:effectRef idx="0">
+            <a:schemeClr val="accent1"/>
+          </a:effectRef>
+          <a:fontRef idx="minor">
+            <a:schemeClr val="lt1"/>
+          </a:fontRef>
+        </p:style>
+        <p:txBody>
+          <a:bodyPr rtlCol="0" anchor="ctr"/>
+          <a:lstStyle/>
+          <a:p>
+            <a:pPr algn="ctr"/>
+            <a:r>
+              <a:rPr lang="en-US" sz="1200" dirty="0"/>
+              <a:t>Current Hole  #</a:t>
+            </a:r>
+          </a:p>
+        </p:txBody>
+      </p:sp>
+      <p:sp>
+        <p:nvSpPr>
+          <p:cNvPr id="26" name="TextBox 25">
+            <a:extLst>
+              <a:ext uri="{FF2B5EF4-FFF2-40B4-BE49-F238E27FC236}">
+                <a16:creationId xmlns:a16="http://schemas.microsoft.com/office/drawing/2014/main" id="{14187842-4A18-5960-33E2-92337123E89E}"/>
               </a:ext>
             </a:extLst>
           </p:cNvPr>
@@ -7642,8 +8755,8 @@
         </p:nvSpPr>
         <p:spPr>
           <a:xfrm>
-            <a:off x="5110690" y="193892"/>
-            <a:ext cx="1614160" cy="307777"/>
+            <a:off x="3014071" y="1522604"/>
+            <a:ext cx="1446230" cy="369332"/>
           </a:xfrm>
           <a:prstGeom prst="rect">
             <a:avLst/>
@@ -7657,18 +8770,18 @@
           <a:lstStyle/>
           <a:p>
             <a:r>
-              <a:rPr lang="en-US" sz="1400" dirty="0"/>
-              <a:t>Game Day Scoring</a:t>
-            </a:r>
-          </a:p>
-        </p:txBody>
-      </p:sp>
-      <p:sp>
-        <p:nvSpPr>
-          <p:cNvPr id="4" name="Rectangle 3">
-            <a:extLst>
-              <a:ext uri="{FF2B5EF4-FFF2-40B4-BE49-F238E27FC236}">
-                <a16:creationId xmlns:a16="http://schemas.microsoft.com/office/drawing/2014/main" id="{37AFC29C-C053-BEF2-B4C0-02B76C03E16A}"/>
+              <a:rPr lang="en-US" dirty="0"/>
+              <a:t>Enter Score</a:t>
+            </a:r>
+          </a:p>
+        </p:txBody>
+      </p:sp>
+      <p:sp>
+        <p:nvSpPr>
+          <p:cNvPr id="28" name="Rectangle 27">
+            <a:extLst>
+              <a:ext uri="{FF2B5EF4-FFF2-40B4-BE49-F238E27FC236}">
+                <a16:creationId xmlns:a16="http://schemas.microsoft.com/office/drawing/2014/main" id="{DFA7BE64-3F31-E25D-1219-04798428791F}"/>
               </a:ext>
             </a:extLst>
           </p:cNvPr>
@@ -7677,122 +8790,8 @@
         </p:nvSpPr>
         <p:spPr>
           <a:xfrm>
-            <a:off x="1000346" y="3677080"/>
-            <a:ext cx="1158844" cy="1222217"/>
-          </a:xfrm>
-          <a:prstGeom prst="rect">
-            <a:avLst/>
-          </a:prstGeom>
-        </p:spPr>
-        <p:style>
-          <a:lnRef idx="2">
-            <a:schemeClr val="accent2">
-              <a:shade val="15000"/>
-            </a:schemeClr>
-          </a:lnRef>
-          <a:fillRef idx="1">
-            <a:schemeClr val="accent2"/>
-          </a:fillRef>
-          <a:effectRef idx="0">
-            <a:schemeClr val="accent2"/>
-          </a:effectRef>
-          <a:fontRef idx="minor">
-            <a:schemeClr val="lt1"/>
-          </a:fontRef>
-        </p:style>
-        <p:txBody>
-          <a:bodyPr rtlCol="0" anchor="ctr"/>
-          <a:lstStyle/>
-          <a:p>
-            <a:r>
-              <a:rPr lang="en-US" sz="1200" dirty="0" err="1">
-                <a:solidFill>
-                  <a:schemeClr val="bg1"/>
-                </a:solidFill>
-                <a:effectLst/>
-                <a:latin typeface="JetBrains Mono"/>
-              </a:rPr>
-              <a:t>FK_Rec_ID</a:t>
-            </a:r>
-            <a:endParaRPr lang="en-US" sz="1200" dirty="0">
-              <a:solidFill>
-                <a:schemeClr val="bg1"/>
-              </a:solidFill>
-              <a:effectLst/>
-              <a:latin typeface="JetBrains Mono"/>
-            </a:endParaRPr>
-          </a:p>
-          <a:p>
-            <a:r>
-              <a:rPr lang="en-US" sz="1200" dirty="0">
-                <a:solidFill>
-                  <a:schemeClr val="bg1"/>
-                </a:solidFill>
-                <a:effectLst/>
-                <a:latin typeface="JetBrains Mono"/>
-              </a:rPr>
-              <a:t>Player Record</a:t>
-            </a:r>
-          </a:p>
-          <a:p>
-            <a:r>
-              <a:rPr lang="en-US" sz="1200" dirty="0">
-                <a:solidFill>
-                  <a:schemeClr val="bg1"/>
-                </a:solidFill>
-                <a:latin typeface="JetBrains Mono"/>
-              </a:rPr>
-              <a:t>Name</a:t>
-            </a:r>
-          </a:p>
-          <a:p>
-            <a:r>
-              <a:rPr lang="en-US" sz="1200" dirty="0">
-                <a:solidFill>
-                  <a:schemeClr val="bg1"/>
-                </a:solidFill>
-                <a:effectLst/>
-                <a:latin typeface="JetBrains Mono"/>
-              </a:rPr>
-              <a:t>Hdcp</a:t>
-            </a:r>
-          </a:p>
-          <a:p>
-            <a:r>
-              <a:rPr lang="en-US" sz="1200" dirty="0">
-                <a:solidFill>
-                  <a:schemeClr val="bg1"/>
-                </a:solidFill>
-                <a:latin typeface="JetBrains Mono"/>
-              </a:rPr>
-              <a:t>Score[18]</a:t>
-            </a:r>
-            <a:endParaRPr lang="en-US" sz="1200" dirty="0">
-              <a:solidFill>
-                <a:schemeClr val="bg1"/>
-              </a:solidFill>
-              <a:effectLst/>
-              <a:latin typeface="JetBrains Mono"/>
-            </a:endParaRPr>
-          </a:p>
-        </p:txBody>
-      </p:sp>
-      <p:sp>
-        <p:nvSpPr>
-          <p:cNvPr id="5" name="Rectangle 4">
-            <a:extLst>
-              <a:ext uri="{FF2B5EF4-FFF2-40B4-BE49-F238E27FC236}">
-                <a16:creationId xmlns:a16="http://schemas.microsoft.com/office/drawing/2014/main" id="{97800004-5BEB-ABCA-5D53-A4A6A14CAA9D}"/>
-              </a:ext>
-            </a:extLst>
-          </p:cNvPr>
-          <p:cNvSpPr/>
-          <p:nvPr/>
-        </p:nvSpPr>
-        <p:spPr>
-          <a:xfrm>
-            <a:off x="2783216" y="774056"/>
-            <a:ext cx="2331992" cy="2050473"/>
+            <a:off x="857770" y="3085849"/>
+            <a:ext cx="1749269" cy="365756"/>
           </a:xfrm>
           <a:prstGeom prst="rect">
             <a:avLst/>
@@ -7820,232 +8819,18 @@
           <a:p>
             <a:pPr algn="ctr"/>
             <a:r>
-              <a:rPr lang="en-US" sz="1200" dirty="0">
-                <a:solidFill>
-                  <a:schemeClr val="bg1"/>
-                </a:solidFill>
-                <a:effectLst/>
-                <a:latin typeface="JetBrains Mono"/>
-              </a:rPr>
-              <a:t>Score Card Record</a:t>
-            </a:r>
-          </a:p>
-          <a:p>
-            <a:r>
-              <a:rPr lang="en-US" sz="1200" dirty="0" err="1"/>
-              <a:t>Rec_Id</a:t>
-            </a:r>
-            <a:endParaRPr lang="en-US" sz="1200">
-              <a:solidFill>
-                <a:schemeClr val="bg1"/>
-              </a:solidFill>
-              <a:effectLst/>
-              <a:latin typeface="JetBrains Mono"/>
-            </a:endParaRPr>
-          </a:p>
-          <a:p>
-            <a:r>
-              <a:rPr lang="en-US" sz="1200">
-                <a:solidFill>
-                  <a:schemeClr val="bg1"/>
-                </a:solidFill>
-                <a:latin typeface="JetBrains Mono"/>
-              </a:rPr>
-              <a:t>Course </a:t>
-            </a:r>
-            <a:r>
-              <a:rPr lang="en-US" sz="1200" dirty="0">
-                <a:solidFill>
-                  <a:schemeClr val="bg1"/>
-                </a:solidFill>
-                <a:latin typeface="JetBrains Mono"/>
-              </a:rPr>
-              <a:t>Name</a:t>
-            </a:r>
-          </a:p>
-          <a:p>
-            <a:r>
-              <a:rPr lang="en-US" sz="1200" dirty="0">
-                <a:solidFill>
-                  <a:schemeClr val="bg1"/>
-                </a:solidFill>
-                <a:effectLst/>
-                <a:latin typeface="JetBrains Mono"/>
-              </a:rPr>
-              <a:t>Current Hole</a:t>
-            </a:r>
-          </a:p>
-          <a:p>
-            <a:r>
               <a:rPr lang="en-US" sz="1200" dirty="0"/>
-              <a:t>Par – Byte[18]</a:t>
-            </a:r>
-          </a:p>
-          <a:p>
-            <a:r>
-              <a:rPr lang="en-US" sz="1200" dirty="0"/>
-              <a:t>Hdcp – Byte[18]</a:t>
-            </a:r>
-          </a:p>
-          <a:p>
-            <a:r>
-              <a:rPr lang="en-US" sz="1200" dirty="0">
-                <a:solidFill>
-                  <a:schemeClr val="bg1"/>
-                </a:solidFill>
-                <a:latin typeface="JetBrains Mono"/>
-              </a:rPr>
-              <a:t>Player Record[n] 1 to many</a:t>
-            </a:r>
-            <a:endParaRPr lang="en-US" sz="1200" dirty="0">
-              <a:solidFill>
-                <a:schemeClr val="bg1"/>
-              </a:solidFill>
-              <a:effectLst/>
-              <a:latin typeface="JetBrains Mono"/>
-            </a:endParaRPr>
-          </a:p>
-        </p:txBody>
-      </p:sp>
-      <p:cxnSp>
-        <p:nvCxnSpPr>
-          <p:cNvPr id="10" name="Connector: Elbow 9">
-            <a:extLst>
-              <a:ext uri="{FF2B5EF4-FFF2-40B4-BE49-F238E27FC236}">
-                <a16:creationId xmlns:a16="http://schemas.microsoft.com/office/drawing/2014/main" id="{769BDBAE-0028-BC58-88A5-F7F6665A7683}"/>
-              </a:ext>
-            </a:extLst>
-          </p:cNvPr>
-          <p:cNvCxnSpPr>
-            <a:cxnSpLocks/>
-            <a:stCxn id="5" idx="2"/>
-            <a:endCxn id="4" idx="0"/>
-          </p:cNvCxnSpPr>
-          <p:nvPr/>
-        </p:nvCxnSpPr>
-        <p:spPr>
-          <a:xfrm rot="5400000">
-            <a:off x="2338215" y="2066082"/>
-            <a:ext cx="852551" cy="2369444"/>
-          </a:xfrm>
-          <a:prstGeom prst="bentConnector3">
-            <a:avLst/>
-          </a:prstGeom>
-          <a:ln>
-            <a:tailEnd type="triangle"/>
-          </a:ln>
-        </p:spPr>
-        <p:style>
-          <a:lnRef idx="2">
-            <a:schemeClr val="accent1"/>
-          </a:lnRef>
-          <a:fillRef idx="0">
-            <a:schemeClr val="accent1"/>
-          </a:fillRef>
-          <a:effectRef idx="1">
-            <a:schemeClr val="accent1"/>
-          </a:effectRef>
-          <a:fontRef idx="minor">
-            <a:schemeClr val="tx1"/>
-          </a:fontRef>
-        </p:style>
-      </p:cxnSp>
-      <p:cxnSp>
-        <p:nvCxnSpPr>
-          <p:cNvPr id="13" name="Connector: Elbow 12">
-            <a:extLst>
-              <a:ext uri="{FF2B5EF4-FFF2-40B4-BE49-F238E27FC236}">
-                <a16:creationId xmlns:a16="http://schemas.microsoft.com/office/drawing/2014/main" id="{065281AC-666D-7FEE-1081-31F9CFD96AEF}"/>
-              </a:ext>
-            </a:extLst>
-          </p:cNvPr>
-          <p:cNvCxnSpPr>
-            <a:cxnSpLocks/>
-            <a:stCxn id="5" idx="2"/>
-            <a:endCxn id="31" idx="0"/>
-          </p:cNvCxnSpPr>
-          <p:nvPr/>
-        </p:nvCxnSpPr>
-        <p:spPr>
-          <a:xfrm rot="5400000">
-            <a:off x="3128510" y="2856377"/>
-            <a:ext cx="852551" cy="788855"/>
-          </a:xfrm>
-          <a:prstGeom prst="bentConnector3">
-            <a:avLst>
-              <a:gd name="adj1" fmla="val 50000"/>
-            </a:avLst>
-          </a:prstGeom>
-          <a:ln>
-            <a:tailEnd type="triangle"/>
-          </a:ln>
-        </p:spPr>
-        <p:style>
-          <a:lnRef idx="2">
-            <a:schemeClr val="accent1"/>
-          </a:lnRef>
-          <a:fillRef idx="0">
-            <a:schemeClr val="accent1"/>
-          </a:fillRef>
-          <a:effectRef idx="1">
-            <a:schemeClr val="accent1"/>
-          </a:effectRef>
-          <a:fontRef idx="minor">
-            <a:schemeClr val="tx1"/>
-          </a:fontRef>
-        </p:style>
-      </p:cxnSp>
-      <p:cxnSp>
-        <p:nvCxnSpPr>
-          <p:cNvPr id="17" name="Connector: Elbow 16">
-            <a:extLst>
-              <a:ext uri="{FF2B5EF4-FFF2-40B4-BE49-F238E27FC236}">
-                <a16:creationId xmlns:a16="http://schemas.microsoft.com/office/drawing/2014/main" id="{2CE7A5E2-DD07-4B82-46AD-FD3FF8F31A37}"/>
-              </a:ext>
-            </a:extLst>
-          </p:cNvPr>
-          <p:cNvCxnSpPr>
-            <a:cxnSpLocks/>
-            <a:stCxn id="5" idx="2"/>
-            <a:endCxn id="32" idx="0"/>
-          </p:cNvCxnSpPr>
-          <p:nvPr/>
-        </p:nvCxnSpPr>
-        <p:spPr>
-          <a:xfrm rot="16200000" flipH="1">
-            <a:off x="3918803" y="2854937"/>
-            <a:ext cx="852551" cy="791733"/>
-          </a:xfrm>
-          <a:prstGeom prst="bentConnector3">
-            <a:avLst>
-              <a:gd name="adj1" fmla="val 50000"/>
-            </a:avLst>
-          </a:prstGeom>
-          <a:ln>
-            <a:tailEnd type="triangle"/>
-          </a:ln>
-        </p:spPr>
-        <p:style>
-          <a:lnRef idx="2">
-            <a:schemeClr val="accent1"/>
-          </a:lnRef>
-          <a:fillRef idx="0">
-            <a:schemeClr val="accent1"/>
-          </a:fillRef>
-          <a:effectRef idx="1">
-            <a:schemeClr val="accent1"/>
-          </a:effectRef>
-          <a:fontRef idx="minor">
-            <a:schemeClr val="tx1"/>
-          </a:fontRef>
-        </p:style>
-      </p:cxnSp>
-      <p:sp>
-        <p:nvSpPr>
-          <p:cNvPr id="31" name="Rectangle 30">
-            <a:extLst>
-              <a:ext uri="{FF2B5EF4-FFF2-40B4-BE49-F238E27FC236}">
-                <a16:creationId xmlns:a16="http://schemas.microsoft.com/office/drawing/2014/main" id="{76F39BD0-5D2D-2495-2AC7-9D862DA0182D}"/>
+              <a:t>Hdcp – XX  Player 1</a:t>
+            </a:r>
+          </a:p>
+        </p:txBody>
+      </p:sp>
+      <p:sp>
+        <p:nvSpPr>
+          <p:cNvPr id="29" name="Rectangle 28">
+            <a:extLst>
+              <a:ext uri="{FF2B5EF4-FFF2-40B4-BE49-F238E27FC236}">
+                <a16:creationId xmlns:a16="http://schemas.microsoft.com/office/drawing/2014/main" id="{649A2EF7-4569-4C68-7703-44E431C2122E}"/>
               </a:ext>
             </a:extLst>
           </p:cNvPr>
@@ -8054,8 +8839,8 @@
         </p:nvSpPr>
         <p:spPr>
           <a:xfrm>
-            <a:off x="2580935" y="3677080"/>
-            <a:ext cx="1158844" cy="1222217"/>
+            <a:off x="857770" y="3716551"/>
+            <a:ext cx="1749269" cy="365756"/>
           </a:xfrm>
           <a:prstGeom prst="rect">
             <a:avLst/>
@@ -8063,15 +8848,15 @@
         </p:spPr>
         <p:style>
           <a:lnRef idx="2">
-            <a:schemeClr val="accent2">
+            <a:schemeClr val="accent1">
               <a:shade val="15000"/>
             </a:schemeClr>
           </a:lnRef>
           <a:fillRef idx="1">
-            <a:schemeClr val="accent2"/>
+            <a:schemeClr val="accent1"/>
           </a:fillRef>
           <a:effectRef idx="0">
-            <a:schemeClr val="accent2"/>
+            <a:schemeClr val="accent1"/>
           </a:effectRef>
           <a:fontRef idx="minor">
             <a:schemeClr val="lt1"/>
@@ -8081,85 +8866,20 @@
           <a:bodyPr rtlCol="0" anchor="ctr"/>
           <a:lstStyle/>
           <a:p>
-            <a:r>
-              <a:rPr lang="en-US" sz="1200" dirty="0" err="1">
-                <a:solidFill>
-                  <a:schemeClr val="bg1"/>
-                </a:solidFill>
-                <a:effectLst/>
-                <a:latin typeface="JetBrains Mono"/>
-              </a:rPr>
-              <a:t>FK_Rec_ID</a:t>
-            </a:r>
-            <a:endParaRPr lang="en-US" sz="1200" dirty="0">
-              <a:solidFill>
-                <a:schemeClr val="bg1"/>
-              </a:solidFill>
-              <a:effectLst/>
-              <a:latin typeface="JetBrains Mono"/>
-            </a:endParaRPr>
-          </a:p>
-          <a:p>
-            <a:r>
-              <a:rPr lang="en-US" sz="1200" dirty="0">
-                <a:solidFill>
-                  <a:schemeClr val="bg1"/>
-                </a:solidFill>
-                <a:effectLst/>
-                <a:latin typeface="JetBrains Mono"/>
-              </a:rPr>
-              <a:t>Player Record</a:t>
-            </a:r>
-          </a:p>
-          <a:p>
-            <a:r>
-              <a:rPr lang="en-US" sz="1200" dirty="0">
-                <a:solidFill>
-                  <a:schemeClr val="bg1"/>
-                </a:solidFill>
-                <a:latin typeface="JetBrains Mono"/>
-              </a:rPr>
-              <a:t>Name</a:t>
-            </a:r>
-          </a:p>
-          <a:p>
-            <a:r>
-              <a:rPr lang="en-US" sz="1200" dirty="0">
-                <a:solidFill>
-                  <a:schemeClr val="bg1"/>
-                </a:solidFill>
-                <a:effectLst/>
-                <a:latin typeface="JetBrains Mono"/>
-              </a:rPr>
-              <a:t>Hdcp</a:t>
-            </a:r>
-          </a:p>
-          <a:p>
-            <a:r>
-              <a:rPr lang="en-US" sz="1200" dirty="0">
-                <a:solidFill>
-                  <a:schemeClr val="bg1"/>
-                </a:solidFill>
-                <a:latin typeface="JetBrains Mono"/>
-              </a:rPr>
-              <a:t>Score[18]</a:t>
-            </a:r>
-            <a:endParaRPr lang="en-US" sz="1200" dirty="0">
-              <a:solidFill>
-                <a:schemeClr val="bg1"/>
-              </a:solidFill>
-              <a:effectLst/>
-              <a:latin typeface="JetBrains Mono"/>
-            </a:endParaRPr>
-          </a:p>
-        </p:txBody>
-      </p:sp>
-      <p:sp>
-        <p:nvSpPr>
-          <p:cNvPr id="32" name="Rectangle 31">
-            <a:extLst>
-              <a:ext uri="{FF2B5EF4-FFF2-40B4-BE49-F238E27FC236}">
-                <a16:creationId xmlns:a16="http://schemas.microsoft.com/office/drawing/2014/main" id="{411EDC83-86EE-C25F-1721-9006AFF7F062}"/>
+            <a:pPr algn="ctr"/>
+            <a:r>
+              <a:rPr lang="en-US" sz="1200" dirty="0"/>
+              <a:t>Hdcp – XX  Player 1</a:t>
+            </a:r>
+          </a:p>
+        </p:txBody>
+      </p:sp>
+      <p:sp>
+        <p:nvSpPr>
+          <p:cNvPr id="30" name="Rectangle 29">
+            <a:extLst>
+              <a:ext uri="{FF2B5EF4-FFF2-40B4-BE49-F238E27FC236}">
+                <a16:creationId xmlns:a16="http://schemas.microsoft.com/office/drawing/2014/main" id="{33A5A9FC-4247-9141-B5D4-B59150849867}"/>
               </a:ext>
             </a:extLst>
           </p:cNvPr>
@@ -8168,8 +8888,8 @@
         </p:nvSpPr>
         <p:spPr>
           <a:xfrm>
-            <a:off x="4161523" y="3677080"/>
-            <a:ext cx="1158844" cy="1222217"/>
+            <a:off x="857770" y="4333997"/>
+            <a:ext cx="1749269" cy="365756"/>
           </a:xfrm>
           <a:prstGeom prst="rect">
             <a:avLst/>
@@ -8177,15 +8897,15 @@
         </p:spPr>
         <p:style>
           <a:lnRef idx="2">
-            <a:schemeClr val="accent2">
+            <a:schemeClr val="accent1">
               <a:shade val="15000"/>
             </a:schemeClr>
           </a:lnRef>
           <a:fillRef idx="1">
-            <a:schemeClr val="accent2"/>
+            <a:schemeClr val="accent1"/>
           </a:fillRef>
           <a:effectRef idx="0">
-            <a:schemeClr val="accent2"/>
+            <a:schemeClr val="accent1"/>
           </a:effectRef>
           <a:fontRef idx="minor">
             <a:schemeClr val="lt1"/>
@@ -8195,85 +8915,20 @@
           <a:bodyPr rtlCol="0" anchor="ctr"/>
           <a:lstStyle/>
           <a:p>
-            <a:r>
-              <a:rPr lang="en-US" sz="1200" dirty="0" err="1">
-                <a:solidFill>
-                  <a:schemeClr val="bg1"/>
-                </a:solidFill>
-                <a:effectLst/>
-                <a:latin typeface="JetBrains Mono"/>
-              </a:rPr>
-              <a:t>FK_Rec_ID</a:t>
-            </a:r>
-            <a:endParaRPr lang="en-US" sz="1200" dirty="0">
-              <a:solidFill>
-                <a:schemeClr val="bg1"/>
-              </a:solidFill>
-              <a:effectLst/>
-              <a:latin typeface="JetBrains Mono"/>
-            </a:endParaRPr>
-          </a:p>
-          <a:p>
-            <a:r>
-              <a:rPr lang="en-US" sz="1200" dirty="0">
-                <a:solidFill>
-                  <a:schemeClr val="bg1"/>
-                </a:solidFill>
-                <a:effectLst/>
-                <a:latin typeface="JetBrains Mono"/>
-              </a:rPr>
-              <a:t>Player Record</a:t>
-            </a:r>
-          </a:p>
-          <a:p>
-            <a:r>
-              <a:rPr lang="en-US" sz="1200" dirty="0">
-                <a:solidFill>
-                  <a:schemeClr val="bg1"/>
-                </a:solidFill>
-                <a:latin typeface="JetBrains Mono"/>
-              </a:rPr>
-              <a:t>Name</a:t>
-            </a:r>
-          </a:p>
-          <a:p>
-            <a:r>
-              <a:rPr lang="en-US" sz="1200" dirty="0">
-                <a:solidFill>
-                  <a:schemeClr val="bg1"/>
-                </a:solidFill>
-                <a:effectLst/>
-                <a:latin typeface="JetBrains Mono"/>
-              </a:rPr>
-              <a:t>Hdcp</a:t>
-            </a:r>
-          </a:p>
-          <a:p>
-            <a:r>
-              <a:rPr lang="en-US" sz="1200" dirty="0">
-                <a:solidFill>
-                  <a:schemeClr val="bg1"/>
-                </a:solidFill>
-                <a:latin typeface="JetBrains Mono"/>
-              </a:rPr>
-              <a:t>Score[18]</a:t>
-            </a:r>
-            <a:endParaRPr lang="en-US" sz="1200" dirty="0">
-              <a:solidFill>
-                <a:schemeClr val="bg1"/>
-              </a:solidFill>
-              <a:effectLst/>
-              <a:latin typeface="JetBrains Mono"/>
-            </a:endParaRPr>
-          </a:p>
-        </p:txBody>
-      </p:sp>
-      <p:sp>
-        <p:nvSpPr>
-          <p:cNvPr id="37" name="Rectangle 36">
-            <a:extLst>
-              <a:ext uri="{FF2B5EF4-FFF2-40B4-BE49-F238E27FC236}">
-                <a16:creationId xmlns:a16="http://schemas.microsoft.com/office/drawing/2014/main" id="{5D1BC5CC-2A36-0373-8267-507A70C4315A}"/>
+            <a:pPr algn="ctr"/>
+            <a:r>
+              <a:rPr lang="en-US" sz="1200" dirty="0"/>
+              <a:t>Hdcp – XX  Player 1</a:t>
+            </a:r>
+          </a:p>
+        </p:txBody>
+      </p:sp>
+      <p:sp>
+        <p:nvSpPr>
+          <p:cNvPr id="31" name="Rectangle 30">
+            <a:extLst>
+              <a:ext uri="{FF2B5EF4-FFF2-40B4-BE49-F238E27FC236}">
+                <a16:creationId xmlns:a16="http://schemas.microsoft.com/office/drawing/2014/main" id="{810EDDFE-E8A5-C7B7-AE8A-7C8DCB7F78B2}"/>
               </a:ext>
             </a:extLst>
           </p:cNvPr>
@@ -8282,8 +8937,8 @@
         </p:nvSpPr>
         <p:spPr>
           <a:xfrm>
-            <a:off x="5712791" y="3677080"/>
-            <a:ext cx="1158844" cy="1222217"/>
+            <a:off x="830970" y="4951443"/>
+            <a:ext cx="1749269" cy="365756"/>
           </a:xfrm>
           <a:prstGeom prst="rect">
             <a:avLst/>
@@ -8291,15 +8946,15 @@
         </p:spPr>
         <p:style>
           <a:lnRef idx="2">
-            <a:schemeClr val="accent2">
+            <a:schemeClr val="accent1">
               <a:shade val="15000"/>
             </a:schemeClr>
           </a:lnRef>
           <a:fillRef idx="1">
-            <a:schemeClr val="accent2"/>
+            <a:schemeClr val="accent1"/>
           </a:fillRef>
           <a:effectRef idx="0">
-            <a:schemeClr val="accent2"/>
+            <a:schemeClr val="accent1"/>
           </a:effectRef>
           <a:fontRef idx="minor">
             <a:schemeClr val="lt1"/>
@@ -8309,128 +8964,872 @@
           <a:bodyPr rtlCol="0" anchor="ctr"/>
           <a:lstStyle/>
           <a:p>
-            <a:r>
-              <a:rPr lang="en-US" sz="1200" dirty="0" err="1">
-                <a:solidFill>
-                  <a:schemeClr val="bg1"/>
-                </a:solidFill>
-                <a:effectLst/>
-                <a:latin typeface="JetBrains Mono"/>
-              </a:rPr>
-              <a:t>FK_Rec_ID</a:t>
-            </a:r>
-            <a:endParaRPr lang="en-US" sz="1200" dirty="0">
-              <a:solidFill>
-                <a:schemeClr val="bg1"/>
-              </a:solidFill>
-              <a:effectLst/>
-              <a:latin typeface="JetBrains Mono"/>
-            </a:endParaRPr>
-          </a:p>
-          <a:p>
-            <a:r>
-              <a:rPr lang="en-US" sz="1200" dirty="0">
-                <a:solidFill>
-                  <a:schemeClr val="bg1"/>
-                </a:solidFill>
-                <a:effectLst/>
-                <a:latin typeface="JetBrains Mono"/>
-              </a:rPr>
-              <a:t>Player Record</a:t>
-            </a:r>
-          </a:p>
-          <a:p>
-            <a:r>
-              <a:rPr lang="en-US" sz="1200" dirty="0">
-                <a:solidFill>
-                  <a:schemeClr val="bg1"/>
-                </a:solidFill>
-                <a:latin typeface="JetBrains Mono"/>
-              </a:rPr>
-              <a:t>Name</a:t>
-            </a:r>
-          </a:p>
-          <a:p>
-            <a:r>
-              <a:rPr lang="en-US" sz="1200" dirty="0">
-                <a:solidFill>
-                  <a:schemeClr val="bg1"/>
-                </a:solidFill>
-                <a:effectLst/>
-                <a:latin typeface="JetBrains Mono"/>
-              </a:rPr>
-              <a:t>Hdcp</a:t>
-            </a:r>
-          </a:p>
-          <a:p>
-            <a:r>
-              <a:rPr lang="en-US" sz="1200" dirty="0">
-                <a:solidFill>
-                  <a:schemeClr val="bg1"/>
-                </a:solidFill>
-                <a:latin typeface="JetBrains Mono"/>
-              </a:rPr>
-              <a:t>Score[18]</a:t>
-            </a:r>
-            <a:endParaRPr lang="en-US" sz="1200" dirty="0">
-              <a:solidFill>
-                <a:schemeClr val="bg1"/>
-              </a:solidFill>
-              <a:effectLst/>
-              <a:latin typeface="JetBrains Mono"/>
-            </a:endParaRPr>
-          </a:p>
-        </p:txBody>
-      </p:sp>
-      <p:cxnSp>
-        <p:nvCxnSpPr>
-          <p:cNvPr id="39" name="Connector: Elbow 38">
-            <a:extLst>
-              <a:ext uri="{FF2B5EF4-FFF2-40B4-BE49-F238E27FC236}">
-                <a16:creationId xmlns:a16="http://schemas.microsoft.com/office/drawing/2014/main" id="{A2D0AF89-932D-205F-76C3-DDB93CCF66DB}"/>
-              </a:ext>
-            </a:extLst>
-          </p:cNvPr>
-          <p:cNvCxnSpPr>
-            <a:cxnSpLocks/>
-            <a:stCxn id="5" idx="2"/>
-            <a:endCxn id="37" idx="0"/>
-          </p:cNvCxnSpPr>
-          <p:nvPr/>
-        </p:nvCxnSpPr>
-        <p:spPr>
-          <a:xfrm rot="16200000" flipH="1">
-            <a:off x="4694437" y="2079303"/>
-            <a:ext cx="852551" cy="2343001"/>
-          </a:xfrm>
-          <a:prstGeom prst="bentConnector3">
-            <a:avLst>
-              <a:gd name="adj1" fmla="val 50000"/>
-            </a:avLst>
-          </a:prstGeom>
-          <a:ln>
-            <a:tailEnd type="triangle"/>
-          </a:ln>
-        </p:spPr>
-        <p:style>
-          <a:lnRef idx="2">
-            <a:schemeClr val="accent1"/>
-          </a:lnRef>
-          <a:fillRef idx="0">
-            <a:schemeClr val="accent1"/>
-          </a:fillRef>
-          <a:effectRef idx="1">
-            <a:schemeClr val="accent1"/>
-          </a:effectRef>
-          <a:fontRef idx="minor">
-            <a:schemeClr val="tx1"/>
-          </a:fontRef>
-        </p:style>
-      </p:cxnSp>
+            <a:pPr algn="ctr"/>
+            <a:r>
+              <a:rPr lang="en-US" sz="1200" dirty="0"/>
+              <a:t>Hdcp – XX  Player 1</a:t>
+            </a:r>
+          </a:p>
+        </p:txBody>
+      </p:sp>
+      <p:sp>
+        <p:nvSpPr>
+          <p:cNvPr id="32" name="Rectangle: Rounded Corners 31">
+            <a:extLst>
+              <a:ext uri="{FF2B5EF4-FFF2-40B4-BE49-F238E27FC236}">
+                <a16:creationId xmlns:a16="http://schemas.microsoft.com/office/drawing/2014/main" id="{733E5525-753C-3A75-4262-33F19B3EEE06}"/>
+              </a:ext>
+            </a:extLst>
+          </p:cNvPr>
+          <p:cNvSpPr/>
+          <p:nvPr/>
+        </p:nvSpPr>
+        <p:spPr>
+          <a:xfrm>
+            <a:off x="2812411" y="3108476"/>
+            <a:ext cx="731512" cy="365756"/>
+          </a:xfrm>
+          <a:prstGeom prst="roundRect">
+            <a:avLst/>
+          </a:prstGeom>
+        </p:spPr>
+        <p:style>
+          <a:lnRef idx="2">
+            <a:schemeClr val="accent1">
+              <a:shade val="15000"/>
+            </a:schemeClr>
+          </a:lnRef>
+          <a:fillRef idx="1">
+            <a:schemeClr val="accent1"/>
+          </a:fillRef>
+          <a:effectRef idx="0">
+            <a:schemeClr val="accent1"/>
+          </a:effectRef>
+          <a:fontRef idx="minor">
+            <a:schemeClr val="lt1"/>
+          </a:fontRef>
+        </p:style>
+        <p:txBody>
+          <a:bodyPr rtlCol="0" anchor="ctr"/>
+          <a:lstStyle/>
+          <a:p>
+            <a:pPr algn="ctr"/>
+            <a:r>
+              <a:rPr lang="en-US" sz="1200" dirty="0"/>
+              <a:t>Score</a:t>
+            </a:r>
+          </a:p>
+        </p:txBody>
+      </p:sp>
+      <p:sp>
+        <p:nvSpPr>
+          <p:cNvPr id="33" name="Rectangle: Rounded Corners 32">
+            <a:extLst>
+              <a:ext uri="{FF2B5EF4-FFF2-40B4-BE49-F238E27FC236}">
+                <a16:creationId xmlns:a16="http://schemas.microsoft.com/office/drawing/2014/main" id="{0564FE86-B7BF-2EC8-9048-AE839E3AD830}"/>
+              </a:ext>
+            </a:extLst>
+          </p:cNvPr>
+          <p:cNvSpPr/>
+          <p:nvPr/>
+        </p:nvSpPr>
+        <p:spPr>
+          <a:xfrm>
+            <a:off x="2795253" y="3725922"/>
+            <a:ext cx="731512" cy="365756"/>
+          </a:xfrm>
+          <a:prstGeom prst="roundRect">
+            <a:avLst/>
+          </a:prstGeom>
+        </p:spPr>
+        <p:style>
+          <a:lnRef idx="2">
+            <a:schemeClr val="accent1">
+              <a:shade val="15000"/>
+            </a:schemeClr>
+          </a:lnRef>
+          <a:fillRef idx="1">
+            <a:schemeClr val="accent1"/>
+          </a:fillRef>
+          <a:effectRef idx="0">
+            <a:schemeClr val="accent1"/>
+          </a:effectRef>
+          <a:fontRef idx="minor">
+            <a:schemeClr val="lt1"/>
+          </a:fontRef>
+        </p:style>
+        <p:txBody>
+          <a:bodyPr rtlCol="0" anchor="ctr"/>
+          <a:lstStyle/>
+          <a:p>
+            <a:pPr algn="ctr"/>
+            <a:r>
+              <a:rPr lang="en-US" sz="1200" dirty="0"/>
+              <a:t>Score</a:t>
+            </a:r>
+          </a:p>
+        </p:txBody>
+      </p:sp>
+      <p:sp>
+        <p:nvSpPr>
+          <p:cNvPr id="34" name="Rectangle: Rounded Corners 33">
+            <a:extLst>
+              <a:ext uri="{FF2B5EF4-FFF2-40B4-BE49-F238E27FC236}">
+                <a16:creationId xmlns:a16="http://schemas.microsoft.com/office/drawing/2014/main" id="{8267D55B-1303-4FDA-51E1-7C697795E5EF}"/>
+              </a:ext>
+            </a:extLst>
+          </p:cNvPr>
+          <p:cNvSpPr/>
+          <p:nvPr/>
+        </p:nvSpPr>
+        <p:spPr>
+          <a:xfrm>
+            <a:off x="2795253" y="4343368"/>
+            <a:ext cx="731512" cy="365756"/>
+          </a:xfrm>
+          <a:prstGeom prst="roundRect">
+            <a:avLst/>
+          </a:prstGeom>
+        </p:spPr>
+        <p:style>
+          <a:lnRef idx="2">
+            <a:schemeClr val="accent1">
+              <a:shade val="15000"/>
+            </a:schemeClr>
+          </a:lnRef>
+          <a:fillRef idx="1">
+            <a:schemeClr val="accent1"/>
+          </a:fillRef>
+          <a:effectRef idx="0">
+            <a:schemeClr val="accent1"/>
+          </a:effectRef>
+          <a:fontRef idx="minor">
+            <a:schemeClr val="lt1"/>
+          </a:fontRef>
+        </p:style>
+        <p:txBody>
+          <a:bodyPr rtlCol="0" anchor="ctr"/>
+          <a:lstStyle/>
+          <a:p>
+            <a:pPr algn="ctr"/>
+            <a:r>
+              <a:rPr lang="en-US" sz="1200" dirty="0"/>
+              <a:t>Score</a:t>
+            </a:r>
+          </a:p>
+        </p:txBody>
+      </p:sp>
+      <p:sp>
+        <p:nvSpPr>
+          <p:cNvPr id="35" name="Rectangle: Rounded Corners 34">
+            <a:extLst>
+              <a:ext uri="{FF2B5EF4-FFF2-40B4-BE49-F238E27FC236}">
+                <a16:creationId xmlns:a16="http://schemas.microsoft.com/office/drawing/2014/main" id="{EABB2FE9-B32B-DD4C-4C3F-86D2F858EDDC}"/>
+              </a:ext>
+            </a:extLst>
+          </p:cNvPr>
+          <p:cNvSpPr/>
+          <p:nvPr/>
+        </p:nvSpPr>
+        <p:spPr>
+          <a:xfrm>
+            <a:off x="2795253" y="4960814"/>
+            <a:ext cx="731512" cy="365756"/>
+          </a:xfrm>
+          <a:prstGeom prst="roundRect">
+            <a:avLst/>
+          </a:prstGeom>
+        </p:spPr>
+        <p:style>
+          <a:lnRef idx="2">
+            <a:schemeClr val="accent1">
+              <a:shade val="15000"/>
+            </a:schemeClr>
+          </a:lnRef>
+          <a:fillRef idx="1">
+            <a:schemeClr val="accent1"/>
+          </a:fillRef>
+          <a:effectRef idx="0">
+            <a:schemeClr val="accent1"/>
+          </a:effectRef>
+          <a:fontRef idx="minor">
+            <a:schemeClr val="lt1"/>
+          </a:fontRef>
+        </p:style>
+        <p:txBody>
+          <a:bodyPr rtlCol="0" anchor="ctr"/>
+          <a:lstStyle/>
+          <a:p>
+            <a:pPr algn="ctr"/>
+            <a:r>
+              <a:rPr lang="en-US" sz="1200" dirty="0"/>
+              <a:t>Score</a:t>
+            </a:r>
+          </a:p>
+        </p:txBody>
+      </p:sp>
+      <p:grpSp>
+        <p:nvGrpSpPr>
+          <p:cNvPr id="36" name="Group 35">
+            <a:extLst>
+              <a:ext uri="{FF2B5EF4-FFF2-40B4-BE49-F238E27FC236}">
+                <a16:creationId xmlns:a16="http://schemas.microsoft.com/office/drawing/2014/main" id="{FB587688-CB17-E34A-DFF5-06243728D012}"/>
+              </a:ext>
+            </a:extLst>
+          </p:cNvPr>
+          <p:cNvGrpSpPr/>
+          <p:nvPr/>
+        </p:nvGrpSpPr>
+        <p:grpSpPr>
+          <a:xfrm>
+            <a:off x="3706888" y="3760951"/>
+            <a:ext cx="1102778" cy="281563"/>
+            <a:chOff x="1249733" y="1143025"/>
+            <a:chExt cx="1102778" cy="281563"/>
+          </a:xfrm>
+        </p:grpSpPr>
+        <p:sp>
+          <p:nvSpPr>
+            <p:cNvPr id="37" name="Rectangle: Rounded Corners 36">
+              <a:extLst>
+                <a:ext uri="{FF2B5EF4-FFF2-40B4-BE49-F238E27FC236}">
+                  <a16:creationId xmlns:a16="http://schemas.microsoft.com/office/drawing/2014/main" id="{10DE6C26-9248-F43D-1CD3-2E4313B136BA}"/>
+                </a:ext>
+              </a:extLst>
+            </p:cNvPr>
+            <p:cNvSpPr/>
+            <p:nvPr/>
+          </p:nvSpPr>
+          <p:spPr>
+            <a:xfrm>
+              <a:off x="1249733" y="1143025"/>
+              <a:ext cx="457195" cy="274317"/>
+            </a:xfrm>
+            <a:prstGeom prst="roundRect">
+              <a:avLst/>
+            </a:prstGeom>
+          </p:spPr>
+          <p:style>
+            <a:lnRef idx="2">
+              <a:schemeClr val="accent1">
+                <a:shade val="15000"/>
+              </a:schemeClr>
+            </a:lnRef>
+            <a:fillRef idx="1">
+              <a:schemeClr val="accent1"/>
+            </a:fillRef>
+            <a:effectRef idx="0">
+              <a:schemeClr val="accent1"/>
+            </a:effectRef>
+            <a:fontRef idx="minor">
+              <a:schemeClr val="lt1"/>
+            </a:fontRef>
+          </p:style>
+          <p:txBody>
+            <a:bodyPr rtlCol="0" anchor="ctr"/>
+            <a:lstStyle/>
+            <a:p>
+              <a:pPr algn="ctr"/>
+              <a:r>
+                <a:rPr lang="en-US" sz="900" dirty="0"/>
+                <a:t>Net</a:t>
+              </a:r>
+            </a:p>
+          </p:txBody>
+        </p:sp>
+        <p:sp>
+          <p:nvSpPr>
+            <p:cNvPr id="38" name="Rectangle: Rounded Corners 37">
+              <a:extLst>
+                <a:ext uri="{FF2B5EF4-FFF2-40B4-BE49-F238E27FC236}">
+                  <a16:creationId xmlns:a16="http://schemas.microsoft.com/office/drawing/2014/main" id="{3762E935-03AA-CFD7-212C-935A1C3362D9}"/>
+                </a:ext>
+              </a:extLst>
+            </p:cNvPr>
+            <p:cNvSpPr/>
+            <p:nvPr/>
+          </p:nvSpPr>
+          <p:spPr>
+            <a:xfrm>
+              <a:off x="1782591" y="1150271"/>
+              <a:ext cx="569920" cy="274317"/>
+            </a:xfrm>
+            <a:prstGeom prst="roundRect">
+              <a:avLst/>
+            </a:prstGeom>
+          </p:spPr>
+          <p:style>
+            <a:lnRef idx="2">
+              <a:schemeClr val="accent1">
+                <a:shade val="15000"/>
+              </a:schemeClr>
+            </a:lnRef>
+            <a:fillRef idx="1">
+              <a:schemeClr val="accent1"/>
+            </a:fillRef>
+            <a:effectRef idx="0">
+              <a:schemeClr val="accent1"/>
+            </a:effectRef>
+            <a:fontRef idx="minor">
+              <a:schemeClr val="lt1"/>
+            </a:fontRef>
+          </p:style>
+          <p:txBody>
+            <a:bodyPr rtlCol="0" anchor="ctr"/>
+            <a:lstStyle/>
+            <a:p>
+              <a:pPr algn="ctr"/>
+              <a:r>
+                <a:rPr lang="en-US" sz="900" dirty="0"/>
+                <a:t>Gross</a:t>
+              </a:r>
+            </a:p>
+          </p:txBody>
+        </p:sp>
+      </p:grpSp>
+      <p:grpSp>
+        <p:nvGrpSpPr>
+          <p:cNvPr id="39" name="Group 38">
+            <a:extLst>
+              <a:ext uri="{FF2B5EF4-FFF2-40B4-BE49-F238E27FC236}">
+                <a16:creationId xmlns:a16="http://schemas.microsoft.com/office/drawing/2014/main" id="{3E0DD189-5317-573E-ECB2-41D6EB07C242}"/>
+              </a:ext>
+            </a:extLst>
+          </p:cNvPr>
+          <p:cNvGrpSpPr/>
+          <p:nvPr/>
+        </p:nvGrpSpPr>
+        <p:grpSpPr>
+          <a:xfrm>
+            <a:off x="3706888" y="3155728"/>
+            <a:ext cx="1102778" cy="281563"/>
+            <a:chOff x="1249733" y="1143025"/>
+            <a:chExt cx="1102778" cy="281563"/>
+          </a:xfrm>
+        </p:grpSpPr>
+        <p:sp>
+          <p:nvSpPr>
+            <p:cNvPr id="40" name="Rectangle: Rounded Corners 39">
+              <a:extLst>
+                <a:ext uri="{FF2B5EF4-FFF2-40B4-BE49-F238E27FC236}">
+                  <a16:creationId xmlns:a16="http://schemas.microsoft.com/office/drawing/2014/main" id="{B73DE622-590E-F2F5-5E1B-59A999E85116}"/>
+                </a:ext>
+              </a:extLst>
+            </p:cNvPr>
+            <p:cNvSpPr/>
+            <p:nvPr/>
+          </p:nvSpPr>
+          <p:spPr>
+            <a:xfrm>
+              <a:off x="1249733" y="1143025"/>
+              <a:ext cx="457195" cy="274317"/>
+            </a:xfrm>
+            <a:prstGeom prst="roundRect">
+              <a:avLst/>
+            </a:prstGeom>
+          </p:spPr>
+          <p:style>
+            <a:lnRef idx="2">
+              <a:schemeClr val="accent1">
+                <a:shade val="15000"/>
+              </a:schemeClr>
+            </a:lnRef>
+            <a:fillRef idx="1">
+              <a:schemeClr val="accent1"/>
+            </a:fillRef>
+            <a:effectRef idx="0">
+              <a:schemeClr val="accent1"/>
+            </a:effectRef>
+            <a:fontRef idx="minor">
+              <a:schemeClr val="lt1"/>
+            </a:fontRef>
+          </p:style>
+          <p:txBody>
+            <a:bodyPr rtlCol="0" anchor="ctr"/>
+            <a:lstStyle/>
+            <a:p>
+              <a:pPr algn="ctr"/>
+              <a:r>
+                <a:rPr lang="en-US" sz="900" dirty="0"/>
+                <a:t>Net</a:t>
+              </a:r>
+            </a:p>
+          </p:txBody>
+        </p:sp>
+        <p:sp>
+          <p:nvSpPr>
+            <p:cNvPr id="41" name="Rectangle: Rounded Corners 40">
+              <a:extLst>
+                <a:ext uri="{FF2B5EF4-FFF2-40B4-BE49-F238E27FC236}">
+                  <a16:creationId xmlns:a16="http://schemas.microsoft.com/office/drawing/2014/main" id="{9B9CC785-13C6-4C88-D38D-68CAFA509F10}"/>
+                </a:ext>
+              </a:extLst>
+            </p:cNvPr>
+            <p:cNvSpPr/>
+            <p:nvPr/>
+          </p:nvSpPr>
+          <p:spPr>
+            <a:xfrm>
+              <a:off x="1782591" y="1150271"/>
+              <a:ext cx="569920" cy="274317"/>
+            </a:xfrm>
+            <a:prstGeom prst="roundRect">
+              <a:avLst/>
+            </a:prstGeom>
+          </p:spPr>
+          <p:style>
+            <a:lnRef idx="2">
+              <a:schemeClr val="accent1">
+                <a:shade val="15000"/>
+              </a:schemeClr>
+            </a:lnRef>
+            <a:fillRef idx="1">
+              <a:schemeClr val="accent1"/>
+            </a:fillRef>
+            <a:effectRef idx="0">
+              <a:schemeClr val="accent1"/>
+            </a:effectRef>
+            <a:fontRef idx="minor">
+              <a:schemeClr val="lt1"/>
+            </a:fontRef>
+          </p:style>
+          <p:txBody>
+            <a:bodyPr rtlCol="0" anchor="ctr"/>
+            <a:lstStyle/>
+            <a:p>
+              <a:pPr algn="ctr"/>
+              <a:r>
+                <a:rPr lang="en-US" sz="900" dirty="0"/>
+                <a:t>Gross</a:t>
+              </a:r>
+            </a:p>
+          </p:txBody>
+        </p:sp>
+      </p:grpSp>
+      <p:grpSp>
+        <p:nvGrpSpPr>
+          <p:cNvPr id="42" name="Group 41">
+            <a:extLst>
+              <a:ext uri="{FF2B5EF4-FFF2-40B4-BE49-F238E27FC236}">
+                <a16:creationId xmlns:a16="http://schemas.microsoft.com/office/drawing/2014/main" id="{BDB948BC-D8EE-730D-D9DC-13DFCDAB2861}"/>
+              </a:ext>
+            </a:extLst>
+          </p:cNvPr>
+          <p:cNvGrpSpPr/>
+          <p:nvPr/>
+        </p:nvGrpSpPr>
+        <p:grpSpPr>
+          <a:xfrm>
+            <a:off x="3659004" y="4404176"/>
+            <a:ext cx="1164230" cy="274317"/>
+            <a:chOff x="1188281" y="1150271"/>
+            <a:chExt cx="1164230" cy="274317"/>
+          </a:xfrm>
+        </p:grpSpPr>
+        <p:sp>
+          <p:nvSpPr>
+            <p:cNvPr id="43" name="Rectangle: Rounded Corners 42">
+              <a:extLst>
+                <a:ext uri="{FF2B5EF4-FFF2-40B4-BE49-F238E27FC236}">
+                  <a16:creationId xmlns:a16="http://schemas.microsoft.com/office/drawing/2014/main" id="{707E86BB-7566-F417-E9F3-777CA8236D66}"/>
+                </a:ext>
+              </a:extLst>
+            </p:cNvPr>
+            <p:cNvSpPr/>
+            <p:nvPr/>
+          </p:nvSpPr>
+          <p:spPr>
+            <a:xfrm>
+              <a:off x="1188281" y="1150271"/>
+              <a:ext cx="457195" cy="274317"/>
+            </a:xfrm>
+            <a:prstGeom prst="roundRect">
+              <a:avLst/>
+            </a:prstGeom>
+          </p:spPr>
+          <p:style>
+            <a:lnRef idx="2">
+              <a:schemeClr val="accent1">
+                <a:shade val="15000"/>
+              </a:schemeClr>
+            </a:lnRef>
+            <a:fillRef idx="1">
+              <a:schemeClr val="accent1"/>
+            </a:fillRef>
+            <a:effectRef idx="0">
+              <a:schemeClr val="accent1"/>
+            </a:effectRef>
+            <a:fontRef idx="minor">
+              <a:schemeClr val="lt1"/>
+            </a:fontRef>
+          </p:style>
+          <p:txBody>
+            <a:bodyPr rtlCol="0" anchor="ctr"/>
+            <a:lstStyle/>
+            <a:p>
+              <a:pPr algn="ctr"/>
+              <a:r>
+                <a:rPr lang="en-US" sz="900" dirty="0"/>
+                <a:t>Net</a:t>
+              </a:r>
+            </a:p>
+          </p:txBody>
+        </p:sp>
+        <p:sp>
+          <p:nvSpPr>
+            <p:cNvPr id="44" name="Rectangle: Rounded Corners 43">
+              <a:extLst>
+                <a:ext uri="{FF2B5EF4-FFF2-40B4-BE49-F238E27FC236}">
+                  <a16:creationId xmlns:a16="http://schemas.microsoft.com/office/drawing/2014/main" id="{1C54A45E-8BEC-3685-C919-DBBD8DF09F68}"/>
+                </a:ext>
+              </a:extLst>
+            </p:cNvPr>
+            <p:cNvSpPr/>
+            <p:nvPr/>
+          </p:nvSpPr>
+          <p:spPr>
+            <a:xfrm>
+              <a:off x="1782591" y="1150271"/>
+              <a:ext cx="569920" cy="274317"/>
+            </a:xfrm>
+            <a:prstGeom prst="roundRect">
+              <a:avLst/>
+            </a:prstGeom>
+          </p:spPr>
+          <p:style>
+            <a:lnRef idx="2">
+              <a:schemeClr val="accent1">
+                <a:shade val="15000"/>
+              </a:schemeClr>
+            </a:lnRef>
+            <a:fillRef idx="1">
+              <a:schemeClr val="accent1"/>
+            </a:fillRef>
+            <a:effectRef idx="0">
+              <a:schemeClr val="accent1"/>
+            </a:effectRef>
+            <a:fontRef idx="minor">
+              <a:schemeClr val="lt1"/>
+            </a:fontRef>
+          </p:style>
+          <p:txBody>
+            <a:bodyPr rtlCol="0" anchor="ctr"/>
+            <a:lstStyle/>
+            <a:p>
+              <a:pPr algn="ctr"/>
+              <a:r>
+                <a:rPr lang="en-US" sz="900" dirty="0"/>
+                <a:t>Gross</a:t>
+              </a:r>
+            </a:p>
+          </p:txBody>
+        </p:sp>
+      </p:grpSp>
+      <p:grpSp>
+        <p:nvGrpSpPr>
+          <p:cNvPr id="45" name="Group 44">
+            <a:extLst>
+              <a:ext uri="{FF2B5EF4-FFF2-40B4-BE49-F238E27FC236}">
+                <a16:creationId xmlns:a16="http://schemas.microsoft.com/office/drawing/2014/main" id="{62608CED-F145-A649-73F5-6413A92B1C3A}"/>
+              </a:ext>
+            </a:extLst>
+          </p:cNvPr>
+          <p:cNvGrpSpPr/>
+          <p:nvPr/>
+        </p:nvGrpSpPr>
+        <p:grpSpPr>
+          <a:xfrm>
+            <a:off x="3702178" y="5002153"/>
+            <a:ext cx="1102778" cy="281563"/>
+            <a:chOff x="1249733" y="1143025"/>
+            <a:chExt cx="1102778" cy="281563"/>
+          </a:xfrm>
+        </p:grpSpPr>
+        <p:sp>
+          <p:nvSpPr>
+            <p:cNvPr id="46" name="Rectangle: Rounded Corners 45">
+              <a:extLst>
+                <a:ext uri="{FF2B5EF4-FFF2-40B4-BE49-F238E27FC236}">
+                  <a16:creationId xmlns:a16="http://schemas.microsoft.com/office/drawing/2014/main" id="{C4DFC217-8A19-1367-DD1C-2A24FD709121}"/>
+                </a:ext>
+              </a:extLst>
+            </p:cNvPr>
+            <p:cNvSpPr/>
+            <p:nvPr/>
+          </p:nvSpPr>
+          <p:spPr>
+            <a:xfrm>
+              <a:off x="1249733" y="1143025"/>
+              <a:ext cx="457195" cy="274317"/>
+            </a:xfrm>
+            <a:prstGeom prst="roundRect">
+              <a:avLst/>
+            </a:prstGeom>
+          </p:spPr>
+          <p:style>
+            <a:lnRef idx="2">
+              <a:schemeClr val="accent1">
+                <a:shade val="15000"/>
+              </a:schemeClr>
+            </a:lnRef>
+            <a:fillRef idx="1">
+              <a:schemeClr val="accent1"/>
+            </a:fillRef>
+            <a:effectRef idx="0">
+              <a:schemeClr val="accent1"/>
+            </a:effectRef>
+            <a:fontRef idx="minor">
+              <a:schemeClr val="lt1"/>
+            </a:fontRef>
+          </p:style>
+          <p:txBody>
+            <a:bodyPr rtlCol="0" anchor="ctr"/>
+            <a:lstStyle/>
+            <a:p>
+              <a:pPr algn="ctr"/>
+              <a:r>
+                <a:rPr lang="en-US" sz="900" dirty="0"/>
+                <a:t>Net</a:t>
+              </a:r>
+            </a:p>
+          </p:txBody>
+        </p:sp>
+        <p:sp>
+          <p:nvSpPr>
+            <p:cNvPr id="47" name="Rectangle: Rounded Corners 46">
+              <a:extLst>
+                <a:ext uri="{FF2B5EF4-FFF2-40B4-BE49-F238E27FC236}">
+                  <a16:creationId xmlns:a16="http://schemas.microsoft.com/office/drawing/2014/main" id="{81824AD6-DB74-714D-9E07-BAF20E894615}"/>
+                </a:ext>
+              </a:extLst>
+            </p:cNvPr>
+            <p:cNvSpPr/>
+            <p:nvPr/>
+          </p:nvSpPr>
+          <p:spPr>
+            <a:xfrm>
+              <a:off x="1782591" y="1150271"/>
+              <a:ext cx="569920" cy="274317"/>
+            </a:xfrm>
+            <a:prstGeom prst="roundRect">
+              <a:avLst/>
+            </a:prstGeom>
+          </p:spPr>
+          <p:style>
+            <a:lnRef idx="2">
+              <a:schemeClr val="accent1">
+                <a:shade val="15000"/>
+              </a:schemeClr>
+            </a:lnRef>
+            <a:fillRef idx="1">
+              <a:schemeClr val="accent1"/>
+            </a:fillRef>
+            <a:effectRef idx="0">
+              <a:schemeClr val="accent1"/>
+            </a:effectRef>
+            <a:fontRef idx="minor">
+              <a:schemeClr val="lt1"/>
+            </a:fontRef>
+          </p:style>
+          <p:txBody>
+            <a:bodyPr rtlCol="0" anchor="ctr"/>
+            <a:lstStyle/>
+            <a:p>
+              <a:pPr algn="ctr"/>
+              <a:r>
+                <a:rPr lang="en-US" sz="900" dirty="0"/>
+                <a:t>Gross</a:t>
+              </a:r>
+            </a:p>
+          </p:txBody>
+        </p:sp>
+      </p:grpSp>
+      <p:sp>
+        <p:nvSpPr>
+          <p:cNvPr id="48" name="TextBox 47">
+            <a:extLst>
+              <a:ext uri="{FF2B5EF4-FFF2-40B4-BE49-F238E27FC236}">
+                <a16:creationId xmlns:a16="http://schemas.microsoft.com/office/drawing/2014/main" id="{DF3F4C33-A17D-1542-1CFA-41C369A7158B}"/>
+              </a:ext>
+            </a:extLst>
+          </p:cNvPr>
+          <p:cNvSpPr txBox="1"/>
+          <p:nvPr/>
+        </p:nvSpPr>
+        <p:spPr>
+          <a:xfrm>
+            <a:off x="1220955" y="2658538"/>
+            <a:ext cx="2162772" cy="261610"/>
+          </a:xfrm>
+          <a:prstGeom prst="rect">
+            <a:avLst/>
+          </a:prstGeom>
+          <a:noFill/>
+        </p:spPr>
+        <p:txBody>
+          <a:bodyPr wrap="none" rtlCol="0">
+            <a:spAutoFit/>
+          </a:bodyPr>
+          <a:lstStyle/>
+          <a:p>
+            <a:r>
+              <a:rPr lang="en-US" sz="1100" dirty="0"/>
+              <a:t>Player Name                    Score</a:t>
+            </a:r>
+          </a:p>
+        </p:txBody>
+      </p:sp>
+      <p:sp>
+        <p:nvSpPr>
+          <p:cNvPr id="50" name="Rectangle: Rounded Corners 49">
+            <a:extLst>
+              <a:ext uri="{FF2B5EF4-FFF2-40B4-BE49-F238E27FC236}">
+                <a16:creationId xmlns:a16="http://schemas.microsoft.com/office/drawing/2014/main" id="{6726D7B2-995C-2267-6942-241B97B0FAAF}"/>
+              </a:ext>
+            </a:extLst>
+          </p:cNvPr>
+          <p:cNvSpPr/>
+          <p:nvPr/>
+        </p:nvSpPr>
+        <p:spPr>
+          <a:xfrm>
+            <a:off x="6636970" y="4709124"/>
+            <a:ext cx="569919" cy="330676"/>
+          </a:xfrm>
+          <a:prstGeom prst="roundRect">
+            <a:avLst/>
+          </a:prstGeom>
+        </p:spPr>
+        <p:style>
+          <a:lnRef idx="2">
+            <a:schemeClr val="accent1">
+              <a:shade val="15000"/>
+            </a:schemeClr>
+          </a:lnRef>
+          <a:fillRef idx="1">
+            <a:schemeClr val="accent1"/>
+          </a:fillRef>
+          <a:effectRef idx="0">
+            <a:schemeClr val="accent1"/>
+          </a:effectRef>
+          <a:fontRef idx="minor">
+            <a:schemeClr val="lt1"/>
+          </a:fontRef>
+        </p:style>
+        <p:txBody>
+          <a:bodyPr rtlCol="0" anchor="ctr"/>
+          <a:lstStyle/>
+          <a:p>
+            <a:pPr algn="ctr"/>
+            <a:r>
+              <a:rPr lang="en-US" sz="1200" dirty="0"/>
+              <a:t>Back</a:t>
+            </a:r>
+          </a:p>
+        </p:txBody>
+      </p:sp>
+      <p:sp>
+        <p:nvSpPr>
+          <p:cNvPr id="51" name="Rectangle: Rounded Corners 50">
+            <a:extLst>
+              <a:ext uri="{FF2B5EF4-FFF2-40B4-BE49-F238E27FC236}">
+                <a16:creationId xmlns:a16="http://schemas.microsoft.com/office/drawing/2014/main" id="{F5DC69FE-8E11-5C4D-B929-ACAC6A2FB1B7}"/>
+              </a:ext>
+            </a:extLst>
+          </p:cNvPr>
+          <p:cNvSpPr/>
+          <p:nvPr/>
+        </p:nvSpPr>
+        <p:spPr>
+          <a:xfrm>
+            <a:off x="7283417" y="4709124"/>
+            <a:ext cx="608078" cy="330676"/>
+          </a:xfrm>
+          <a:prstGeom prst="roundRect">
+            <a:avLst/>
+          </a:prstGeom>
+        </p:spPr>
+        <p:style>
+          <a:lnRef idx="2">
+            <a:schemeClr val="accent1">
+              <a:shade val="15000"/>
+            </a:schemeClr>
+          </a:lnRef>
+          <a:fillRef idx="1">
+            <a:schemeClr val="accent1"/>
+          </a:fillRef>
+          <a:effectRef idx="0">
+            <a:schemeClr val="accent1"/>
+          </a:effectRef>
+          <a:fontRef idx="minor">
+            <a:schemeClr val="lt1"/>
+          </a:fontRef>
+        </p:style>
+        <p:txBody>
+          <a:bodyPr rtlCol="0" anchor="ctr"/>
+          <a:lstStyle/>
+          <a:p>
+            <a:pPr algn="ctr"/>
+            <a:r>
+              <a:rPr lang="en-US" sz="1200" dirty="0"/>
+              <a:t>Clear</a:t>
+            </a:r>
+          </a:p>
+        </p:txBody>
+      </p:sp>
+      <p:sp>
+        <p:nvSpPr>
+          <p:cNvPr id="52" name="Rectangle: Rounded Corners 51">
+            <a:extLst>
+              <a:ext uri="{FF2B5EF4-FFF2-40B4-BE49-F238E27FC236}">
+                <a16:creationId xmlns:a16="http://schemas.microsoft.com/office/drawing/2014/main" id="{0BDDA76F-9328-428D-22ED-30FB254FDC16}"/>
+              </a:ext>
+            </a:extLst>
+          </p:cNvPr>
+          <p:cNvSpPr/>
+          <p:nvPr/>
+        </p:nvSpPr>
+        <p:spPr>
+          <a:xfrm>
+            <a:off x="7988260" y="4709124"/>
+            <a:ext cx="637318" cy="330676"/>
+          </a:xfrm>
+          <a:prstGeom prst="roundRect">
+            <a:avLst/>
+          </a:prstGeom>
+        </p:spPr>
+        <p:style>
+          <a:lnRef idx="2">
+            <a:schemeClr val="accent1">
+              <a:shade val="15000"/>
+            </a:schemeClr>
+          </a:lnRef>
+          <a:fillRef idx="1">
+            <a:schemeClr val="accent1"/>
+          </a:fillRef>
+          <a:effectRef idx="0">
+            <a:schemeClr val="accent1"/>
+          </a:effectRef>
+          <a:fontRef idx="minor">
+            <a:schemeClr val="lt1"/>
+          </a:fontRef>
+        </p:style>
+        <p:txBody>
+          <a:bodyPr rtlCol="0" anchor="ctr"/>
+          <a:lstStyle/>
+          <a:p>
+            <a:pPr algn="ctr"/>
+            <a:r>
+              <a:rPr lang="en-US" sz="1200" dirty="0"/>
+              <a:t>Next</a:t>
+            </a:r>
+          </a:p>
+        </p:txBody>
+      </p:sp>
     </p:spTree>
     <p:extLst>
       <p:ext uri="{BB962C8B-B14F-4D97-AF65-F5344CB8AC3E}">
-        <p14:creationId xmlns:p14="http://schemas.microsoft.com/office/powerpoint/2010/main" val="2100467204"/>
+        <p14:creationId xmlns:p14="http://schemas.microsoft.com/office/powerpoint/2010/main" val="1683352198"/>
       </p:ext>
     </p:extLst>
   </p:cSld>
@@ -8462,6 +9861,835 @@
           <p:cNvPr id="2" name="TextBox 1">
             <a:extLst>
               <a:ext uri="{FF2B5EF4-FFF2-40B4-BE49-F238E27FC236}">
+                <a16:creationId xmlns:a16="http://schemas.microsoft.com/office/drawing/2014/main" id="{3B17EE8D-41C5-D38B-15F8-07F1C9DF19DA}"/>
+              </a:ext>
+            </a:extLst>
+          </p:cNvPr>
+          <p:cNvSpPr txBox="1"/>
+          <p:nvPr/>
+        </p:nvSpPr>
+        <p:spPr>
+          <a:xfrm>
+            <a:off x="5110690" y="193892"/>
+            <a:ext cx="1614160" cy="307777"/>
+          </a:xfrm>
+          <a:prstGeom prst="rect">
+            <a:avLst/>
+          </a:prstGeom>
+          <a:noFill/>
+        </p:spPr>
+        <p:txBody>
+          <a:bodyPr wrap="none" rtlCol="0">
+            <a:spAutoFit/>
+          </a:bodyPr>
+          <a:lstStyle/>
+          <a:p>
+            <a:r>
+              <a:rPr lang="en-US" sz="1400" dirty="0"/>
+              <a:t>Game Day Scoring</a:t>
+            </a:r>
+          </a:p>
+        </p:txBody>
+      </p:sp>
+      <p:sp>
+        <p:nvSpPr>
+          <p:cNvPr id="4" name="Rectangle 3">
+            <a:extLst>
+              <a:ext uri="{FF2B5EF4-FFF2-40B4-BE49-F238E27FC236}">
+                <a16:creationId xmlns:a16="http://schemas.microsoft.com/office/drawing/2014/main" id="{37AFC29C-C053-BEF2-B4C0-02B76C03E16A}"/>
+              </a:ext>
+            </a:extLst>
+          </p:cNvPr>
+          <p:cNvSpPr/>
+          <p:nvPr/>
+        </p:nvSpPr>
+        <p:spPr>
+          <a:xfrm>
+            <a:off x="1000346" y="3677080"/>
+            <a:ext cx="1158844" cy="1222217"/>
+          </a:xfrm>
+          <a:prstGeom prst="rect">
+            <a:avLst/>
+          </a:prstGeom>
+        </p:spPr>
+        <p:style>
+          <a:lnRef idx="2">
+            <a:schemeClr val="accent2">
+              <a:shade val="15000"/>
+            </a:schemeClr>
+          </a:lnRef>
+          <a:fillRef idx="1">
+            <a:schemeClr val="accent2"/>
+          </a:fillRef>
+          <a:effectRef idx="0">
+            <a:schemeClr val="accent2"/>
+          </a:effectRef>
+          <a:fontRef idx="minor">
+            <a:schemeClr val="lt1"/>
+          </a:fontRef>
+        </p:style>
+        <p:txBody>
+          <a:bodyPr rtlCol="0" anchor="ctr"/>
+          <a:lstStyle/>
+          <a:p>
+            <a:r>
+              <a:rPr lang="en-US" sz="1200" dirty="0" err="1">
+                <a:solidFill>
+                  <a:schemeClr val="bg1"/>
+                </a:solidFill>
+                <a:effectLst/>
+                <a:latin typeface="JetBrains Mono"/>
+              </a:rPr>
+              <a:t>FK_Rec_ID</a:t>
+            </a:r>
+            <a:endParaRPr lang="en-US" sz="1200" dirty="0">
+              <a:solidFill>
+                <a:schemeClr val="bg1"/>
+              </a:solidFill>
+              <a:effectLst/>
+              <a:latin typeface="JetBrains Mono"/>
+            </a:endParaRPr>
+          </a:p>
+          <a:p>
+            <a:r>
+              <a:rPr lang="en-US" sz="1200" dirty="0">
+                <a:solidFill>
+                  <a:schemeClr val="bg1"/>
+                </a:solidFill>
+                <a:effectLst/>
+                <a:latin typeface="JetBrains Mono"/>
+              </a:rPr>
+              <a:t>Player Record</a:t>
+            </a:r>
+          </a:p>
+          <a:p>
+            <a:r>
+              <a:rPr lang="en-US" sz="1200" dirty="0">
+                <a:solidFill>
+                  <a:schemeClr val="bg1"/>
+                </a:solidFill>
+                <a:latin typeface="JetBrains Mono"/>
+              </a:rPr>
+              <a:t>Name</a:t>
+            </a:r>
+          </a:p>
+          <a:p>
+            <a:r>
+              <a:rPr lang="en-US" sz="1200" dirty="0">
+                <a:solidFill>
+                  <a:schemeClr val="bg1"/>
+                </a:solidFill>
+                <a:effectLst/>
+                <a:latin typeface="JetBrains Mono"/>
+              </a:rPr>
+              <a:t>Hdcp</a:t>
+            </a:r>
+          </a:p>
+          <a:p>
+            <a:r>
+              <a:rPr lang="en-US" sz="1200" dirty="0">
+                <a:solidFill>
+                  <a:schemeClr val="bg1"/>
+                </a:solidFill>
+                <a:latin typeface="JetBrains Mono"/>
+              </a:rPr>
+              <a:t>Score[18]</a:t>
+            </a:r>
+            <a:endParaRPr lang="en-US" sz="1200" dirty="0">
+              <a:solidFill>
+                <a:schemeClr val="bg1"/>
+              </a:solidFill>
+              <a:effectLst/>
+              <a:latin typeface="JetBrains Mono"/>
+            </a:endParaRPr>
+          </a:p>
+        </p:txBody>
+      </p:sp>
+      <p:sp>
+        <p:nvSpPr>
+          <p:cNvPr id="5" name="Rectangle 4">
+            <a:extLst>
+              <a:ext uri="{FF2B5EF4-FFF2-40B4-BE49-F238E27FC236}">
+                <a16:creationId xmlns:a16="http://schemas.microsoft.com/office/drawing/2014/main" id="{97800004-5BEB-ABCA-5D53-A4A6A14CAA9D}"/>
+              </a:ext>
+            </a:extLst>
+          </p:cNvPr>
+          <p:cNvSpPr/>
+          <p:nvPr/>
+        </p:nvSpPr>
+        <p:spPr>
+          <a:xfrm>
+            <a:off x="2783216" y="774056"/>
+            <a:ext cx="2331992" cy="2050473"/>
+          </a:xfrm>
+          <a:prstGeom prst="rect">
+            <a:avLst/>
+          </a:prstGeom>
+        </p:spPr>
+        <p:style>
+          <a:lnRef idx="2">
+            <a:schemeClr val="accent1">
+              <a:shade val="15000"/>
+            </a:schemeClr>
+          </a:lnRef>
+          <a:fillRef idx="1">
+            <a:schemeClr val="accent1"/>
+          </a:fillRef>
+          <a:effectRef idx="0">
+            <a:schemeClr val="accent1"/>
+          </a:effectRef>
+          <a:fontRef idx="minor">
+            <a:schemeClr val="lt1"/>
+          </a:fontRef>
+        </p:style>
+        <p:txBody>
+          <a:bodyPr rtlCol="0" anchor="ctr"/>
+          <a:lstStyle/>
+          <a:p>
+            <a:pPr algn="ctr"/>
+            <a:r>
+              <a:rPr lang="en-US" sz="1200" dirty="0">
+                <a:solidFill>
+                  <a:schemeClr val="bg1"/>
+                </a:solidFill>
+                <a:effectLst/>
+                <a:latin typeface="JetBrains Mono"/>
+              </a:rPr>
+              <a:t>Score Card Record</a:t>
+            </a:r>
+          </a:p>
+          <a:p>
+            <a:r>
+              <a:rPr lang="en-US" sz="1200" dirty="0" err="1"/>
+              <a:t>Rec_Id</a:t>
+            </a:r>
+            <a:endParaRPr lang="en-US" sz="1200">
+              <a:solidFill>
+                <a:schemeClr val="bg1"/>
+              </a:solidFill>
+              <a:effectLst/>
+              <a:latin typeface="JetBrains Mono"/>
+            </a:endParaRPr>
+          </a:p>
+          <a:p>
+            <a:r>
+              <a:rPr lang="en-US" sz="1200">
+                <a:solidFill>
+                  <a:schemeClr val="bg1"/>
+                </a:solidFill>
+                <a:latin typeface="JetBrains Mono"/>
+              </a:rPr>
+              <a:t>Course </a:t>
+            </a:r>
+            <a:r>
+              <a:rPr lang="en-US" sz="1200" dirty="0">
+                <a:solidFill>
+                  <a:schemeClr val="bg1"/>
+                </a:solidFill>
+                <a:latin typeface="JetBrains Mono"/>
+              </a:rPr>
+              <a:t>Name</a:t>
+            </a:r>
+          </a:p>
+          <a:p>
+            <a:r>
+              <a:rPr lang="en-US" sz="1200" dirty="0">
+                <a:solidFill>
+                  <a:schemeClr val="bg1"/>
+                </a:solidFill>
+                <a:effectLst/>
+                <a:latin typeface="JetBrains Mono"/>
+              </a:rPr>
+              <a:t>Current Hole</a:t>
+            </a:r>
+          </a:p>
+          <a:p>
+            <a:r>
+              <a:rPr lang="en-US" sz="1200" dirty="0"/>
+              <a:t>Par – Byte[18]</a:t>
+            </a:r>
+          </a:p>
+          <a:p>
+            <a:r>
+              <a:rPr lang="en-US" sz="1200" dirty="0"/>
+              <a:t>Hdcp – Byte[18]</a:t>
+            </a:r>
+          </a:p>
+          <a:p>
+            <a:r>
+              <a:rPr lang="en-US" sz="1200" dirty="0">
+                <a:solidFill>
+                  <a:schemeClr val="bg1"/>
+                </a:solidFill>
+                <a:latin typeface="JetBrains Mono"/>
+              </a:rPr>
+              <a:t>Player Record[n] 1 to many</a:t>
+            </a:r>
+            <a:endParaRPr lang="en-US" sz="1200" dirty="0">
+              <a:solidFill>
+                <a:schemeClr val="bg1"/>
+              </a:solidFill>
+              <a:effectLst/>
+              <a:latin typeface="JetBrains Mono"/>
+            </a:endParaRPr>
+          </a:p>
+        </p:txBody>
+      </p:sp>
+      <p:cxnSp>
+        <p:nvCxnSpPr>
+          <p:cNvPr id="10" name="Connector: Elbow 9">
+            <a:extLst>
+              <a:ext uri="{FF2B5EF4-FFF2-40B4-BE49-F238E27FC236}">
+                <a16:creationId xmlns:a16="http://schemas.microsoft.com/office/drawing/2014/main" id="{769BDBAE-0028-BC58-88A5-F7F6665A7683}"/>
+              </a:ext>
+            </a:extLst>
+          </p:cNvPr>
+          <p:cNvCxnSpPr>
+            <a:cxnSpLocks/>
+            <a:stCxn id="5" idx="2"/>
+            <a:endCxn id="4" idx="0"/>
+          </p:cNvCxnSpPr>
+          <p:nvPr/>
+        </p:nvCxnSpPr>
+        <p:spPr>
+          <a:xfrm rot="5400000">
+            <a:off x="2338215" y="2066082"/>
+            <a:ext cx="852551" cy="2369444"/>
+          </a:xfrm>
+          <a:prstGeom prst="bentConnector3">
+            <a:avLst/>
+          </a:prstGeom>
+          <a:ln>
+            <a:tailEnd type="triangle"/>
+          </a:ln>
+        </p:spPr>
+        <p:style>
+          <a:lnRef idx="2">
+            <a:schemeClr val="accent1"/>
+          </a:lnRef>
+          <a:fillRef idx="0">
+            <a:schemeClr val="accent1"/>
+          </a:fillRef>
+          <a:effectRef idx="1">
+            <a:schemeClr val="accent1"/>
+          </a:effectRef>
+          <a:fontRef idx="minor">
+            <a:schemeClr val="tx1"/>
+          </a:fontRef>
+        </p:style>
+      </p:cxnSp>
+      <p:cxnSp>
+        <p:nvCxnSpPr>
+          <p:cNvPr id="13" name="Connector: Elbow 12">
+            <a:extLst>
+              <a:ext uri="{FF2B5EF4-FFF2-40B4-BE49-F238E27FC236}">
+                <a16:creationId xmlns:a16="http://schemas.microsoft.com/office/drawing/2014/main" id="{065281AC-666D-7FEE-1081-31F9CFD96AEF}"/>
+              </a:ext>
+            </a:extLst>
+          </p:cNvPr>
+          <p:cNvCxnSpPr>
+            <a:cxnSpLocks/>
+            <a:stCxn id="5" idx="2"/>
+            <a:endCxn id="31" idx="0"/>
+          </p:cNvCxnSpPr>
+          <p:nvPr/>
+        </p:nvCxnSpPr>
+        <p:spPr>
+          <a:xfrm rot="5400000">
+            <a:off x="3128510" y="2856377"/>
+            <a:ext cx="852551" cy="788855"/>
+          </a:xfrm>
+          <a:prstGeom prst="bentConnector3">
+            <a:avLst>
+              <a:gd name="adj1" fmla="val 50000"/>
+            </a:avLst>
+          </a:prstGeom>
+          <a:ln>
+            <a:tailEnd type="triangle"/>
+          </a:ln>
+        </p:spPr>
+        <p:style>
+          <a:lnRef idx="2">
+            <a:schemeClr val="accent1"/>
+          </a:lnRef>
+          <a:fillRef idx="0">
+            <a:schemeClr val="accent1"/>
+          </a:fillRef>
+          <a:effectRef idx="1">
+            <a:schemeClr val="accent1"/>
+          </a:effectRef>
+          <a:fontRef idx="minor">
+            <a:schemeClr val="tx1"/>
+          </a:fontRef>
+        </p:style>
+      </p:cxnSp>
+      <p:cxnSp>
+        <p:nvCxnSpPr>
+          <p:cNvPr id="17" name="Connector: Elbow 16">
+            <a:extLst>
+              <a:ext uri="{FF2B5EF4-FFF2-40B4-BE49-F238E27FC236}">
+                <a16:creationId xmlns:a16="http://schemas.microsoft.com/office/drawing/2014/main" id="{2CE7A5E2-DD07-4B82-46AD-FD3FF8F31A37}"/>
+              </a:ext>
+            </a:extLst>
+          </p:cNvPr>
+          <p:cNvCxnSpPr>
+            <a:cxnSpLocks/>
+            <a:stCxn id="5" idx="2"/>
+            <a:endCxn id="32" idx="0"/>
+          </p:cNvCxnSpPr>
+          <p:nvPr/>
+        </p:nvCxnSpPr>
+        <p:spPr>
+          <a:xfrm rot="16200000" flipH="1">
+            <a:off x="3918803" y="2854937"/>
+            <a:ext cx="852551" cy="791733"/>
+          </a:xfrm>
+          <a:prstGeom prst="bentConnector3">
+            <a:avLst>
+              <a:gd name="adj1" fmla="val 50000"/>
+            </a:avLst>
+          </a:prstGeom>
+          <a:ln>
+            <a:tailEnd type="triangle"/>
+          </a:ln>
+        </p:spPr>
+        <p:style>
+          <a:lnRef idx="2">
+            <a:schemeClr val="accent1"/>
+          </a:lnRef>
+          <a:fillRef idx="0">
+            <a:schemeClr val="accent1"/>
+          </a:fillRef>
+          <a:effectRef idx="1">
+            <a:schemeClr val="accent1"/>
+          </a:effectRef>
+          <a:fontRef idx="minor">
+            <a:schemeClr val="tx1"/>
+          </a:fontRef>
+        </p:style>
+      </p:cxnSp>
+      <p:sp>
+        <p:nvSpPr>
+          <p:cNvPr id="31" name="Rectangle 30">
+            <a:extLst>
+              <a:ext uri="{FF2B5EF4-FFF2-40B4-BE49-F238E27FC236}">
+                <a16:creationId xmlns:a16="http://schemas.microsoft.com/office/drawing/2014/main" id="{76F39BD0-5D2D-2495-2AC7-9D862DA0182D}"/>
+              </a:ext>
+            </a:extLst>
+          </p:cNvPr>
+          <p:cNvSpPr/>
+          <p:nvPr/>
+        </p:nvSpPr>
+        <p:spPr>
+          <a:xfrm>
+            <a:off x="2580935" y="3677080"/>
+            <a:ext cx="1158844" cy="1222217"/>
+          </a:xfrm>
+          <a:prstGeom prst="rect">
+            <a:avLst/>
+          </a:prstGeom>
+        </p:spPr>
+        <p:style>
+          <a:lnRef idx="2">
+            <a:schemeClr val="accent2">
+              <a:shade val="15000"/>
+            </a:schemeClr>
+          </a:lnRef>
+          <a:fillRef idx="1">
+            <a:schemeClr val="accent2"/>
+          </a:fillRef>
+          <a:effectRef idx="0">
+            <a:schemeClr val="accent2"/>
+          </a:effectRef>
+          <a:fontRef idx="minor">
+            <a:schemeClr val="lt1"/>
+          </a:fontRef>
+        </p:style>
+        <p:txBody>
+          <a:bodyPr rtlCol="0" anchor="ctr"/>
+          <a:lstStyle/>
+          <a:p>
+            <a:r>
+              <a:rPr lang="en-US" sz="1200" dirty="0" err="1">
+                <a:solidFill>
+                  <a:schemeClr val="bg1"/>
+                </a:solidFill>
+                <a:effectLst/>
+                <a:latin typeface="JetBrains Mono"/>
+              </a:rPr>
+              <a:t>FK_Rec_ID</a:t>
+            </a:r>
+            <a:endParaRPr lang="en-US" sz="1200" dirty="0">
+              <a:solidFill>
+                <a:schemeClr val="bg1"/>
+              </a:solidFill>
+              <a:effectLst/>
+              <a:latin typeface="JetBrains Mono"/>
+            </a:endParaRPr>
+          </a:p>
+          <a:p>
+            <a:r>
+              <a:rPr lang="en-US" sz="1200" dirty="0">
+                <a:solidFill>
+                  <a:schemeClr val="bg1"/>
+                </a:solidFill>
+                <a:effectLst/>
+                <a:latin typeface="JetBrains Mono"/>
+              </a:rPr>
+              <a:t>Player Record</a:t>
+            </a:r>
+          </a:p>
+          <a:p>
+            <a:r>
+              <a:rPr lang="en-US" sz="1200" dirty="0">
+                <a:solidFill>
+                  <a:schemeClr val="bg1"/>
+                </a:solidFill>
+                <a:latin typeface="JetBrains Mono"/>
+              </a:rPr>
+              <a:t>Name</a:t>
+            </a:r>
+          </a:p>
+          <a:p>
+            <a:r>
+              <a:rPr lang="en-US" sz="1200" dirty="0">
+                <a:solidFill>
+                  <a:schemeClr val="bg1"/>
+                </a:solidFill>
+                <a:effectLst/>
+                <a:latin typeface="JetBrains Mono"/>
+              </a:rPr>
+              <a:t>Hdcp</a:t>
+            </a:r>
+          </a:p>
+          <a:p>
+            <a:r>
+              <a:rPr lang="en-US" sz="1200" dirty="0">
+                <a:solidFill>
+                  <a:schemeClr val="bg1"/>
+                </a:solidFill>
+                <a:latin typeface="JetBrains Mono"/>
+              </a:rPr>
+              <a:t>Score[18]</a:t>
+            </a:r>
+            <a:endParaRPr lang="en-US" sz="1200" dirty="0">
+              <a:solidFill>
+                <a:schemeClr val="bg1"/>
+              </a:solidFill>
+              <a:effectLst/>
+              <a:latin typeface="JetBrains Mono"/>
+            </a:endParaRPr>
+          </a:p>
+        </p:txBody>
+      </p:sp>
+      <p:sp>
+        <p:nvSpPr>
+          <p:cNvPr id="32" name="Rectangle 31">
+            <a:extLst>
+              <a:ext uri="{FF2B5EF4-FFF2-40B4-BE49-F238E27FC236}">
+                <a16:creationId xmlns:a16="http://schemas.microsoft.com/office/drawing/2014/main" id="{411EDC83-86EE-C25F-1721-9006AFF7F062}"/>
+              </a:ext>
+            </a:extLst>
+          </p:cNvPr>
+          <p:cNvSpPr/>
+          <p:nvPr/>
+        </p:nvSpPr>
+        <p:spPr>
+          <a:xfrm>
+            <a:off x="4161523" y="3677080"/>
+            <a:ext cx="1158844" cy="1222217"/>
+          </a:xfrm>
+          <a:prstGeom prst="rect">
+            <a:avLst/>
+          </a:prstGeom>
+        </p:spPr>
+        <p:style>
+          <a:lnRef idx="2">
+            <a:schemeClr val="accent2">
+              <a:shade val="15000"/>
+            </a:schemeClr>
+          </a:lnRef>
+          <a:fillRef idx="1">
+            <a:schemeClr val="accent2"/>
+          </a:fillRef>
+          <a:effectRef idx="0">
+            <a:schemeClr val="accent2"/>
+          </a:effectRef>
+          <a:fontRef idx="minor">
+            <a:schemeClr val="lt1"/>
+          </a:fontRef>
+        </p:style>
+        <p:txBody>
+          <a:bodyPr rtlCol="0" anchor="ctr"/>
+          <a:lstStyle/>
+          <a:p>
+            <a:r>
+              <a:rPr lang="en-US" sz="1200" dirty="0" err="1">
+                <a:solidFill>
+                  <a:schemeClr val="bg1"/>
+                </a:solidFill>
+                <a:effectLst/>
+                <a:latin typeface="JetBrains Mono"/>
+              </a:rPr>
+              <a:t>FK_Rec_ID</a:t>
+            </a:r>
+            <a:endParaRPr lang="en-US" sz="1200" dirty="0">
+              <a:solidFill>
+                <a:schemeClr val="bg1"/>
+              </a:solidFill>
+              <a:effectLst/>
+              <a:latin typeface="JetBrains Mono"/>
+            </a:endParaRPr>
+          </a:p>
+          <a:p>
+            <a:r>
+              <a:rPr lang="en-US" sz="1200" dirty="0">
+                <a:solidFill>
+                  <a:schemeClr val="bg1"/>
+                </a:solidFill>
+                <a:effectLst/>
+                <a:latin typeface="JetBrains Mono"/>
+              </a:rPr>
+              <a:t>Player Record</a:t>
+            </a:r>
+          </a:p>
+          <a:p>
+            <a:r>
+              <a:rPr lang="en-US" sz="1200" dirty="0">
+                <a:solidFill>
+                  <a:schemeClr val="bg1"/>
+                </a:solidFill>
+                <a:latin typeface="JetBrains Mono"/>
+              </a:rPr>
+              <a:t>Name</a:t>
+            </a:r>
+          </a:p>
+          <a:p>
+            <a:r>
+              <a:rPr lang="en-US" sz="1200" dirty="0">
+                <a:solidFill>
+                  <a:schemeClr val="bg1"/>
+                </a:solidFill>
+                <a:effectLst/>
+                <a:latin typeface="JetBrains Mono"/>
+              </a:rPr>
+              <a:t>Hdcp</a:t>
+            </a:r>
+          </a:p>
+          <a:p>
+            <a:r>
+              <a:rPr lang="en-US" sz="1200" dirty="0">
+                <a:solidFill>
+                  <a:schemeClr val="bg1"/>
+                </a:solidFill>
+                <a:latin typeface="JetBrains Mono"/>
+              </a:rPr>
+              <a:t>Score[18]</a:t>
+            </a:r>
+            <a:endParaRPr lang="en-US" sz="1200" dirty="0">
+              <a:solidFill>
+                <a:schemeClr val="bg1"/>
+              </a:solidFill>
+              <a:effectLst/>
+              <a:latin typeface="JetBrains Mono"/>
+            </a:endParaRPr>
+          </a:p>
+        </p:txBody>
+      </p:sp>
+      <p:sp>
+        <p:nvSpPr>
+          <p:cNvPr id="37" name="Rectangle 36">
+            <a:extLst>
+              <a:ext uri="{FF2B5EF4-FFF2-40B4-BE49-F238E27FC236}">
+                <a16:creationId xmlns:a16="http://schemas.microsoft.com/office/drawing/2014/main" id="{5D1BC5CC-2A36-0373-8267-507A70C4315A}"/>
+              </a:ext>
+            </a:extLst>
+          </p:cNvPr>
+          <p:cNvSpPr/>
+          <p:nvPr/>
+        </p:nvSpPr>
+        <p:spPr>
+          <a:xfrm>
+            <a:off x="5712791" y="3677080"/>
+            <a:ext cx="1158844" cy="1222217"/>
+          </a:xfrm>
+          <a:prstGeom prst="rect">
+            <a:avLst/>
+          </a:prstGeom>
+        </p:spPr>
+        <p:style>
+          <a:lnRef idx="2">
+            <a:schemeClr val="accent2">
+              <a:shade val="15000"/>
+            </a:schemeClr>
+          </a:lnRef>
+          <a:fillRef idx="1">
+            <a:schemeClr val="accent2"/>
+          </a:fillRef>
+          <a:effectRef idx="0">
+            <a:schemeClr val="accent2"/>
+          </a:effectRef>
+          <a:fontRef idx="minor">
+            <a:schemeClr val="lt1"/>
+          </a:fontRef>
+        </p:style>
+        <p:txBody>
+          <a:bodyPr rtlCol="0" anchor="ctr"/>
+          <a:lstStyle/>
+          <a:p>
+            <a:r>
+              <a:rPr lang="en-US" sz="1200" dirty="0" err="1">
+                <a:solidFill>
+                  <a:schemeClr val="bg1"/>
+                </a:solidFill>
+                <a:effectLst/>
+                <a:latin typeface="JetBrains Mono"/>
+              </a:rPr>
+              <a:t>FK_Rec_ID</a:t>
+            </a:r>
+            <a:endParaRPr lang="en-US" sz="1200" dirty="0">
+              <a:solidFill>
+                <a:schemeClr val="bg1"/>
+              </a:solidFill>
+              <a:effectLst/>
+              <a:latin typeface="JetBrains Mono"/>
+            </a:endParaRPr>
+          </a:p>
+          <a:p>
+            <a:r>
+              <a:rPr lang="en-US" sz="1200" dirty="0">
+                <a:solidFill>
+                  <a:schemeClr val="bg1"/>
+                </a:solidFill>
+                <a:effectLst/>
+                <a:latin typeface="JetBrains Mono"/>
+              </a:rPr>
+              <a:t>Player Record</a:t>
+            </a:r>
+          </a:p>
+          <a:p>
+            <a:r>
+              <a:rPr lang="en-US" sz="1200" dirty="0">
+                <a:solidFill>
+                  <a:schemeClr val="bg1"/>
+                </a:solidFill>
+                <a:latin typeface="JetBrains Mono"/>
+              </a:rPr>
+              <a:t>Name</a:t>
+            </a:r>
+          </a:p>
+          <a:p>
+            <a:r>
+              <a:rPr lang="en-US" sz="1200" dirty="0">
+                <a:solidFill>
+                  <a:schemeClr val="bg1"/>
+                </a:solidFill>
+                <a:effectLst/>
+                <a:latin typeface="JetBrains Mono"/>
+              </a:rPr>
+              <a:t>Hdcp</a:t>
+            </a:r>
+          </a:p>
+          <a:p>
+            <a:r>
+              <a:rPr lang="en-US" sz="1200" dirty="0">
+                <a:solidFill>
+                  <a:schemeClr val="bg1"/>
+                </a:solidFill>
+                <a:latin typeface="JetBrains Mono"/>
+              </a:rPr>
+              <a:t>Score[18]</a:t>
+            </a:r>
+            <a:endParaRPr lang="en-US" sz="1200" dirty="0">
+              <a:solidFill>
+                <a:schemeClr val="bg1"/>
+              </a:solidFill>
+              <a:effectLst/>
+              <a:latin typeface="JetBrains Mono"/>
+            </a:endParaRPr>
+          </a:p>
+        </p:txBody>
+      </p:sp>
+      <p:cxnSp>
+        <p:nvCxnSpPr>
+          <p:cNvPr id="39" name="Connector: Elbow 38">
+            <a:extLst>
+              <a:ext uri="{FF2B5EF4-FFF2-40B4-BE49-F238E27FC236}">
+                <a16:creationId xmlns:a16="http://schemas.microsoft.com/office/drawing/2014/main" id="{A2D0AF89-932D-205F-76C3-DDB93CCF66DB}"/>
+              </a:ext>
+            </a:extLst>
+          </p:cNvPr>
+          <p:cNvCxnSpPr>
+            <a:cxnSpLocks/>
+            <a:stCxn id="5" idx="2"/>
+            <a:endCxn id="37" idx="0"/>
+          </p:cNvCxnSpPr>
+          <p:nvPr/>
+        </p:nvCxnSpPr>
+        <p:spPr>
+          <a:xfrm rot="16200000" flipH="1">
+            <a:off x="4694437" y="2079303"/>
+            <a:ext cx="852551" cy="2343001"/>
+          </a:xfrm>
+          <a:prstGeom prst="bentConnector3">
+            <a:avLst>
+              <a:gd name="adj1" fmla="val 50000"/>
+            </a:avLst>
+          </a:prstGeom>
+          <a:ln>
+            <a:tailEnd type="triangle"/>
+          </a:ln>
+        </p:spPr>
+        <p:style>
+          <a:lnRef idx="2">
+            <a:schemeClr val="accent1"/>
+          </a:lnRef>
+          <a:fillRef idx="0">
+            <a:schemeClr val="accent1"/>
+          </a:fillRef>
+          <a:effectRef idx="1">
+            <a:schemeClr val="accent1"/>
+          </a:effectRef>
+          <a:fontRef idx="minor">
+            <a:schemeClr val="tx1"/>
+          </a:fontRef>
+        </p:style>
+      </p:cxnSp>
+    </p:spTree>
+    <p:extLst>
+      <p:ext uri="{BB962C8B-B14F-4D97-AF65-F5344CB8AC3E}">
+        <p14:creationId xmlns:p14="http://schemas.microsoft.com/office/powerpoint/2010/main" val="2100467204"/>
+      </p:ext>
+    </p:extLst>
+  </p:cSld>
+  <p:clrMapOvr>
+    <a:masterClrMapping/>
+  </p:clrMapOvr>
+</p:sld>
+</file>
+
+<file path=ppt/slides/slide13.xml><?xml version="1.0" encoding="utf-8"?>
+<p:sld xmlns:a="http://schemas.openxmlformats.org/drawingml/2006/main" xmlns:r="http://schemas.openxmlformats.org/officeDocument/2006/relationships" xmlns:p="http://schemas.openxmlformats.org/presentationml/2006/main">
+  <p:cSld>
+    <p:spTree>
+      <p:nvGrpSpPr>
+        <p:cNvPr id="1" name=""/>
+        <p:cNvGrpSpPr/>
+        <p:nvPr/>
+      </p:nvGrpSpPr>
+      <p:grpSpPr>
+        <a:xfrm>
+          <a:off x="0" y="0"/>
+          <a:ext cx="0" cy="0"/>
+          <a:chOff x="0" y="0"/>
+          <a:chExt cx="0" cy="0"/>
+        </a:xfrm>
+      </p:grpSpPr>
+      <p:sp>
+        <p:nvSpPr>
+          <p:cNvPr id="2" name="TextBox 1">
+            <a:extLst>
+              <a:ext uri="{FF2B5EF4-FFF2-40B4-BE49-F238E27FC236}">
                 <a16:creationId xmlns:a16="http://schemas.microsoft.com/office/drawing/2014/main" id="{1B5C00F4-BC4B-646F-477A-5400020993D9}"/>
               </a:ext>
             </a:extLst>
@@ -9299,7 +11527,7 @@
 </p:sld>
 </file>
 
-<file path=ppt/slides/slide13.xml><?xml version="1.0" encoding="utf-8"?>
+<file path=ppt/slides/slide14.xml><?xml version="1.0" encoding="utf-8"?>
 <p:sld xmlns:a="http://schemas.openxmlformats.org/drawingml/2006/main" xmlns:r="http://schemas.openxmlformats.org/officeDocument/2006/relationships" xmlns:p="http://schemas.openxmlformats.org/presentationml/2006/main">
   <p:cSld>
     <p:spTree>

--- a/Documentation/TeamScoreLayout.pptx
+++ b/Documentation/TeamScoreLayout.pptx
@@ -6,19 +6,20 @@
   </p:sldMasterIdLst>
   <p:sldIdLst>
     <p:sldId id="266" r:id="rId2"/>
-    <p:sldId id="268" r:id="rId3"/>
-    <p:sldId id="262" r:id="rId4"/>
-    <p:sldId id="270" r:id="rId5"/>
-    <p:sldId id="263" r:id="rId6"/>
-    <p:sldId id="267" r:id="rId7"/>
-    <p:sldId id="265" r:id="rId8"/>
-    <p:sldId id="261" r:id="rId9"/>
-    <p:sldId id="271" r:id="rId10"/>
-    <p:sldId id="269" r:id="rId11"/>
-    <p:sldId id="272" r:id="rId12"/>
-    <p:sldId id="264" r:id="rId13"/>
-    <p:sldId id="260" r:id="rId14"/>
-    <p:sldId id="259" r:id="rId15"/>
+    <p:sldId id="273" r:id="rId3"/>
+    <p:sldId id="268" r:id="rId4"/>
+    <p:sldId id="262" r:id="rId5"/>
+    <p:sldId id="270" r:id="rId6"/>
+    <p:sldId id="263" r:id="rId7"/>
+    <p:sldId id="267" r:id="rId8"/>
+    <p:sldId id="265" r:id="rId9"/>
+    <p:sldId id="261" r:id="rId10"/>
+    <p:sldId id="271" r:id="rId11"/>
+    <p:sldId id="269" r:id="rId12"/>
+    <p:sldId id="272" r:id="rId13"/>
+    <p:sldId id="264" r:id="rId14"/>
+    <p:sldId id="260" r:id="rId15"/>
+    <p:sldId id="259" r:id="rId16"/>
   </p:sldIdLst>
   <p:sldSz cx="12192000" cy="6858000"/>
   <p:notesSz cx="6858000" cy="9144000"/>
@@ -839,7 +840,7 @@
           <a:p>
             <a:fld id="{955A69D3-FF78-44E1-BB41-3D13FA416A59}" type="datetimeFigureOut">
               <a:rPr lang="en-US" smtClean="0"/>
-              <a:t>Sunday,Mar/31/24</a:t>
+              <a:t>Wednesday,Apr/10/24</a:t>
             </a:fld>
             <a:endParaRPr lang="en-US"/>
           </a:p>
@@ -1037,7 +1038,7 @@
           <a:p>
             <a:fld id="{955A69D3-FF78-44E1-BB41-3D13FA416A59}" type="datetimeFigureOut">
               <a:rPr lang="en-US" smtClean="0"/>
-              <a:t>Sunday,Mar/31/24</a:t>
+              <a:t>Wednesday,Apr/10/24</a:t>
             </a:fld>
             <a:endParaRPr lang="en-US"/>
           </a:p>
@@ -1245,7 +1246,7 @@
           <a:p>
             <a:fld id="{955A69D3-FF78-44E1-BB41-3D13FA416A59}" type="datetimeFigureOut">
               <a:rPr lang="en-US" smtClean="0"/>
-              <a:t>Sunday,Mar/31/24</a:t>
+              <a:t>Wednesday,Apr/10/24</a:t>
             </a:fld>
             <a:endParaRPr lang="en-US"/>
           </a:p>
@@ -1443,7 +1444,7 @@
           <a:p>
             <a:fld id="{955A69D3-FF78-44E1-BB41-3D13FA416A59}" type="datetimeFigureOut">
               <a:rPr lang="en-US" smtClean="0"/>
-              <a:t>Sunday,Mar/31/24</a:t>
+              <a:t>Wednesday,Apr/10/24</a:t>
             </a:fld>
             <a:endParaRPr lang="en-US"/>
           </a:p>
@@ -1718,7 +1719,7 @@
           <a:p>
             <a:fld id="{955A69D3-FF78-44E1-BB41-3D13FA416A59}" type="datetimeFigureOut">
               <a:rPr lang="en-US" smtClean="0"/>
-              <a:t>Sunday,Mar/31/24</a:t>
+              <a:t>Wednesday,Apr/10/24</a:t>
             </a:fld>
             <a:endParaRPr lang="en-US"/>
           </a:p>
@@ -1983,7 +1984,7 @@
           <a:p>
             <a:fld id="{955A69D3-FF78-44E1-BB41-3D13FA416A59}" type="datetimeFigureOut">
               <a:rPr lang="en-US" smtClean="0"/>
-              <a:t>Sunday,Mar/31/24</a:t>
+              <a:t>Wednesday,Apr/10/24</a:t>
             </a:fld>
             <a:endParaRPr lang="en-US"/>
           </a:p>
@@ -2395,7 +2396,7 @@
           <a:p>
             <a:fld id="{955A69D3-FF78-44E1-BB41-3D13FA416A59}" type="datetimeFigureOut">
               <a:rPr lang="en-US" smtClean="0"/>
-              <a:t>Sunday,Mar/31/24</a:t>
+              <a:t>Wednesday,Apr/10/24</a:t>
             </a:fld>
             <a:endParaRPr lang="en-US"/>
           </a:p>
@@ -2536,7 +2537,7 @@
           <a:p>
             <a:fld id="{955A69D3-FF78-44E1-BB41-3D13FA416A59}" type="datetimeFigureOut">
               <a:rPr lang="en-US" smtClean="0"/>
-              <a:t>Sunday,Mar/31/24</a:t>
+              <a:t>Wednesday,Apr/10/24</a:t>
             </a:fld>
             <a:endParaRPr lang="en-US"/>
           </a:p>
@@ -2649,7 +2650,7 @@
           <a:p>
             <a:fld id="{955A69D3-FF78-44E1-BB41-3D13FA416A59}" type="datetimeFigureOut">
               <a:rPr lang="en-US" smtClean="0"/>
-              <a:t>Sunday,Mar/31/24</a:t>
+              <a:t>Wednesday,Apr/10/24</a:t>
             </a:fld>
             <a:endParaRPr lang="en-US"/>
           </a:p>
@@ -2960,7 +2961,7 @@
           <a:p>
             <a:fld id="{955A69D3-FF78-44E1-BB41-3D13FA416A59}" type="datetimeFigureOut">
               <a:rPr lang="en-US" smtClean="0"/>
-              <a:t>Sunday,Mar/31/24</a:t>
+              <a:t>Wednesday,Apr/10/24</a:t>
             </a:fld>
             <a:endParaRPr lang="en-US"/>
           </a:p>
@@ -3248,7 +3249,7 @@
           <a:p>
             <a:fld id="{955A69D3-FF78-44E1-BB41-3D13FA416A59}" type="datetimeFigureOut">
               <a:rPr lang="en-US" smtClean="0"/>
-              <a:t>Sunday,Mar/31/24</a:t>
+              <a:t>Wednesday,Apr/10/24</a:t>
             </a:fld>
             <a:endParaRPr lang="en-US"/>
           </a:p>
@@ -3489,7 +3490,7 @@
           <a:p>
             <a:fld id="{955A69D3-FF78-44E1-BB41-3D13FA416A59}" type="datetimeFigureOut">
               <a:rPr lang="en-US" smtClean="0"/>
-              <a:t>Sunday,Mar/31/24</a:t>
+              <a:t>Wednesday,Apr/10/24</a:t>
             </a:fld>
             <a:endParaRPr lang="en-US"/>
           </a:p>
@@ -5981,6 +5982,945 @@
           <a:chExt cx="0" cy="0"/>
         </a:xfrm>
       </p:grpSpPr>
+      <p:sp>
+        <p:nvSpPr>
+          <p:cNvPr id="2" name="TextBox 1">
+            <a:extLst>
+              <a:ext uri="{FF2B5EF4-FFF2-40B4-BE49-F238E27FC236}">
+                <a16:creationId xmlns:a16="http://schemas.microsoft.com/office/drawing/2014/main" id="{4197CC9D-8895-E34C-93F4-DAFD032A2864}"/>
+              </a:ext>
+            </a:extLst>
+          </p:cNvPr>
+          <p:cNvSpPr txBox="1"/>
+          <p:nvPr/>
+        </p:nvSpPr>
+        <p:spPr>
+          <a:xfrm>
+            <a:off x="4998732" y="228635"/>
+            <a:ext cx="1734770" cy="307777"/>
+          </a:xfrm>
+          <a:prstGeom prst="rect">
+            <a:avLst/>
+          </a:prstGeom>
+          <a:noFill/>
+        </p:spPr>
+        <p:txBody>
+          <a:bodyPr wrap="none" rtlCol="0">
+            <a:spAutoFit/>
+          </a:bodyPr>
+          <a:lstStyle/>
+          <a:p>
+            <a:r>
+              <a:rPr lang="en-US" sz="1400" dirty="0"/>
+              <a:t>Score Card Layout</a:t>
+            </a:r>
+          </a:p>
+        </p:txBody>
+      </p:sp>
+      <p:sp>
+        <p:nvSpPr>
+          <p:cNvPr id="3" name="Rectangle 2">
+            <a:extLst>
+              <a:ext uri="{FF2B5EF4-FFF2-40B4-BE49-F238E27FC236}">
+                <a16:creationId xmlns:a16="http://schemas.microsoft.com/office/drawing/2014/main" id="{334DEEFE-4D20-595B-505F-578C2AEA1554}"/>
+              </a:ext>
+            </a:extLst>
+          </p:cNvPr>
+          <p:cNvSpPr/>
+          <p:nvPr/>
+        </p:nvSpPr>
+        <p:spPr>
+          <a:xfrm>
+            <a:off x="2709741" y="1325903"/>
+            <a:ext cx="6217852" cy="3383243"/>
+          </a:xfrm>
+          <a:prstGeom prst="rect">
+            <a:avLst/>
+          </a:prstGeom>
+        </p:spPr>
+        <p:style>
+          <a:lnRef idx="2">
+            <a:schemeClr val="accent1"/>
+          </a:lnRef>
+          <a:fillRef idx="1">
+            <a:schemeClr val="lt1"/>
+          </a:fillRef>
+          <a:effectRef idx="0">
+            <a:schemeClr val="accent1"/>
+          </a:effectRef>
+          <a:fontRef idx="minor">
+            <a:schemeClr val="dk1"/>
+          </a:fontRef>
+        </p:style>
+        <p:txBody>
+          <a:bodyPr rtlCol="0" anchor="ctr"/>
+          <a:lstStyle/>
+          <a:p>
+            <a:pPr algn="ctr"/>
+            <a:endParaRPr lang="en-US"/>
+          </a:p>
+        </p:txBody>
+      </p:sp>
+      <p:sp>
+        <p:nvSpPr>
+          <p:cNvPr id="4" name="Rectangle 3">
+            <a:extLst>
+              <a:ext uri="{FF2B5EF4-FFF2-40B4-BE49-F238E27FC236}">
+                <a16:creationId xmlns:a16="http://schemas.microsoft.com/office/drawing/2014/main" id="{13D18BCD-12AF-D181-7D98-63F6E51460AE}"/>
+              </a:ext>
+            </a:extLst>
+          </p:cNvPr>
+          <p:cNvSpPr/>
+          <p:nvPr/>
+        </p:nvSpPr>
+        <p:spPr>
+          <a:xfrm>
+            <a:off x="3169951" y="1691659"/>
+            <a:ext cx="1188707" cy="457195"/>
+          </a:xfrm>
+          <a:prstGeom prst="rect">
+            <a:avLst/>
+          </a:prstGeom>
+        </p:spPr>
+        <p:style>
+          <a:lnRef idx="2">
+            <a:schemeClr val="accent1">
+              <a:shade val="15000"/>
+            </a:schemeClr>
+          </a:lnRef>
+          <a:fillRef idx="1">
+            <a:schemeClr val="accent1"/>
+          </a:fillRef>
+          <a:effectRef idx="0">
+            <a:schemeClr val="accent1"/>
+          </a:effectRef>
+          <a:fontRef idx="minor">
+            <a:schemeClr val="lt1"/>
+          </a:fontRef>
+        </p:style>
+        <p:txBody>
+          <a:bodyPr rtlCol="0" anchor="ctr"/>
+          <a:lstStyle/>
+          <a:p>
+            <a:pPr algn="ctr"/>
+            <a:endParaRPr lang="en-US"/>
+          </a:p>
+        </p:txBody>
+      </p:sp>
+      <p:sp>
+        <p:nvSpPr>
+          <p:cNvPr id="5" name="Rectangle 4">
+            <a:extLst>
+              <a:ext uri="{FF2B5EF4-FFF2-40B4-BE49-F238E27FC236}">
+                <a16:creationId xmlns:a16="http://schemas.microsoft.com/office/drawing/2014/main" id="{48FDF903-6A9A-62A0-2E3D-152280A08096}"/>
+              </a:ext>
+            </a:extLst>
+          </p:cNvPr>
+          <p:cNvSpPr/>
+          <p:nvPr/>
+        </p:nvSpPr>
+        <p:spPr>
+          <a:xfrm>
+            <a:off x="3169952" y="2423171"/>
+            <a:ext cx="1188707" cy="1005829"/>
+          </a:xfrm>
+          <a:prstGeom prst="rect">
+            <a:avLst/>
+          </a:prstGeom>
+        </p:spPr>
+        <p:style>
+          <a:lnRef idx="2">
+            <a:schemeClr val="accent1">
+              <a:shade val="15000"/>
+            </a:schemeClr>
+          </a:lnRef>
+          <a:fillRef idx="1">
+            <a:schemeClr val="accent1"/>
+          </a:fillRef>
+          <a:effectRef idx="0">
+            <a:schemeClr val="accent1"/>
+          </a:effectRef>
+          <a:fontRef idx="minor">
+            <a:schemeClr val="lt1"/>
+          </a:fontRef>
+        </p:style>
+        <p:txBody>
+          <a:bodyPr rtlCol="0" anchor="ctr"/>
+          <a:lstStyle/>
+          <a:p>
+            <a:pPr algn="ctr"/>
+            <a:endParaRPr lang="en-US"/>
+          </a:p>
+        </p:txBody>
+      </p:sp>
+      <p:sp>
+        <p:nvSpPr>
+          <p:cNvPr id="6" name="Rectangle 5">
+            <a:extLst>
+              <a:ext uri="{FF2B5EF4-FFF2-40B4-BE49-F238E27FC236}">
+                <a16:creationId xmlns:a16="http://schemas.microsoft.com/office/drawing/2014/main" id="{1F57865F-9B95-A6CE-C9E2-6CDBE14D5219}"/>
+              </a:ext>
+            </a:extLst>
+          </p:cNvPr>
+          <p:cNvSpPr/>
+          <p:nvPr/>
+        </p:nvSpPr>
+        <p:spPr>
+          <a:xfrm>
+            <a:off x="3169952" y="3703317"/>
+            <a:ext cx="1188707" cy="365756"/>
+          </a:xfrm>
+          <a:prstGeom prst="rect">
+            <a:avLst/>
+          </a:prstGeom>
+        </p:spPr>
+        <p:style>
+          <a:lnRef idx="2">
+            <a:schemeClr val="accent1">
+              <a:shade val="15000"/>
+            </a:schemeClr>
+          </a:lnRef>
+          <a:fillRef idx="1">
+            <a:schemeClr val="accent1"/>
+          </a:fillRef>
+          <a:effectRef idx="0">
+            <a:schemeClr val="accent1"/>
+          </a:effectRef>
+          <a:fontRef idx="minor">
+            <a:schemeClr val="lt1"/>
+          </a:fontRef>
+        </p:style>
+        <p:txBody>
+          <a:bodyPr rtlCol="0" anchor="ctr"/>
+          <a:lstStyle/>
+          <a:p>
+            <a:pPr algn="ctr"/>
+            <a:endParaRPr lang="en-US"/>
+          </a:p>
+        </p:txBody>
+      </p:sp>
+      <p:sp>
+        <p:nvSpPr>
+          <p:cNvPr id="7" name="Rectangle 6">
+            <a:extLst>
+              <a:ext uri="{FF2B5EF4-FFF2-40B4-BE49-F238E27FC236}">
+                <a16:creationId xmlns:a16="http://schemas.microsoft.com/office/drawing/2014/main" id="{40A4766A-A6E2-65C8-37C3-929377E899A2}"/>
+              </a:ext>
+            </a:extLst>
+          </p:cNvPr>
+          <p:cNvSpPr/>
+          <p:nvPr/>
+        </p:nvSpPr>
+        <p:spPr>
+          <a:xfrm>
+            <a:off x="4701821" y="1691659"/>
+            <a:ext cx="2582886" cy="457195"/>
+          </a:xfrm>
+          <a:prstGeom prst="rect">
+            <a:avLst/>
+          </a:prstGeom>
+        </p:spPr>
+        <p:style>
+          <a:lnRef idx="2">
+            <a:schemeClr val="accent1">
+              <a:shade val="15000"/>
+            </a:schemeClr>
+          </a:lnRef>
+          <a:fillRef idx="1">
+            <a:schemeClr val="accent1"/>
+          </a:fillRef>
+          <a:effectRef idx="0">
+            <a:schemeClr val="accent1"/>
+          </a:effectRef>
+          <a:fontRef idx="minor">
+            <a:schemeClr val="lt1"/>
+          </a:fontRef>
+        </p:style>
+        <p:txBody>
+          <a:bodyPr rtlCol="0" anchor="ctr"/>
+          <a:lstStyle/>
+          <a:p>
+            <a:pPr algn="ctr"/>
+            <a:endParaRPr lang="en-US"/>
+          </a:p>
+        </p:txBody>
+      </p:sp>
+      <p:sp>
+        <p:nvSpPr>
+          <p:cNvPr id="8" name="Rectangle 7">
+            <a:extLst>
+              <a:ext uri="{FF2B5EF4-FFF2-40B4-BE49-F238E27FC236}">
+                <a16:creationId xmlns:a16="http://schemas.microsoft.com/office/drawing/2014/main" id="{99088D0B-05CF-09F2-FBC4-55A0851597B3}"/>
+              </a:ext>
+            </a:extLst>
+          </p:cNvPr>
+          <p:cNvSpPr/>
+          <p:nvPr/>
+        </p:nvSpPr>
+        <p:spPr>
+          <a:xfrm>
+            <a:off x="4717082" y="2435430"/>
+            <a:ext cx="2567625" cy="1005829"/>
+          </a:xfrm>
+          <a:prstGeom prst="rect">
+            <a:avLst/>
+          </a:prstGeom>
+        </p:spPr>
+        <p:style>
+          <a:lnRef idx="2">
+            <a:schemeClr val="accent1">
+              <a:shade val="15000"/>
+            </a:schemeClr>
+          </a:lnRef>
+          <a:fillRef idx="1">
+            <a:schemeClr val="accent1"/>
+          </a:fillRef>
+          <a:effectRef idx="0">
+            <a:schemeClr val="accent1"/>
+          </a:effectRef>
+          <a:fontRef idx="minor">
+            <a:schemeClr val="lt1"/>
+          </a:fontRef>
+        </p:style>
+        <p:txBody>
+          <a:bodyPr rtlCol="0" anchor="ctr"/>
+          <a:lstStyle/>
+          <a:p>
+            <a:pPr algn="ctr"/>
+            <a:endParaRPr lang="en-US"/>
+          </a:p>
+        </p:txBody>
+      </p:sp>
+      <p:sp>
+        <p:nvSpPr>
+          <p:cNvPr id="9" name="Rectangle 8">
+            <a:extLst>
+              <a:ext uri="{FF2B5EF4-FFF2-40B4-BE49-F238E27FC236}">
+                <a16:creationId xmlns:a16="http://schemas.microsoft.com/office/drawing/2014/main" id="{F27C45A3-C2A0-A7BE-5888-DE955BCB5263}"/>
+              </a:ext>
+            </a:extLst>
+          </p:cNvPr>
+          <p:cNvSpPr/>
+          <p:nvPr/>
+        </p:nvSpPr>
+        <p:spPr>
+          <a:xfrm>
+            <a:off x="4804557" y="3703317"/>
+            <a:ext cx="2480150" cy="365756"/>
+          </a:xfrm>
+          <a:prstGeom prst="rect">
+            <a:avLst/>
+          </a:prstGeom>
+        </p:spPr>
+        <p:style>
+          <a:lnRef idx="2">
+            <a:schemeClr val="accent1">
+              <a:shade val="15000"/>
+            </a:schemeClr>
+          </a:lnRef>
+          <a:fillRef idx="1">
+            <a:schemeClr val="accent1"/>
+          </a:fillRef>
+          <a:effectRef idx="0">
+            <a:schemeClr val="accent1"/>
+          </a:effectRef>
+          <a:fontRef idx="minor">
+            <a:schemeClr val="lt1"/>
+          </a:fontRef>
+        </p:style>
+        <p:txBody>
+          <a:bodyPr rtlCol="0" anchor="ctr"/>
+          <a:lstStyle/>
+          <a:p>
+            <a:pPr algn="ctr"/>
+            <a:endParaRPr lang="en-US"/>
+          </a:p>
+        </p:txBody>
+      </p:sp>
+      <p:sp>
+        <p:nvSpPr>
+          <p:cNvPr id="10" name="Rectangle 9">
+            <a:extLst>
+              <a:ext uri="{FF2B5EF4-FFF2-40B4-BE49-F238E27FC236}">
+                <a16:creationId xmlns:a16="http://schemas.microsoft.com/office/drawing/2014/main" id="{C6391222-C7A4-D4D9-F52E-3D2C2D20DF9B}"/>
+              </a:ext>
+            </a:extLst>
+          </p:cNvPr>
+          <p:cNvSpPr/>
+          <p:nvPr/>
+        </p:nvSpPr>
+        <p:spPr>
+          <a:xfrm>
+            <a:off x="7508776" y="1691659"/>
+            <a:ext cx="507444" cy="457195"/>
+          </a:xfrm>
+          <a:prstGeom prst="rect">
+            <a:avLst/>
+          </a:prstGeom>
+        </p:spPr>
+        <p:style>
+          <a:lnRef idx="2">
+            <a:schemeClr val="accent1">
+              <a:shade val="15000"/>
+            </a:schemeClr>
+          </a:lnRef>
+          <a:fillRef idx="1">
+            <a:schemeClr val="accent1"/>
+          </a:fillRef>
+          <a:effectRef idx="0">
+            <a:schemeClr val="accent1"/>
+          </a:effectRef>
+          <a:fontRef idx="minor">
+            <a:schemeClr val="lt1"/>
+          </a:fontRef>
+        </p:style>
+        <p:txBody>
+          <a:bodyPr rtlCol="0" anchor="ctr"/>
+          <a:lstStyle/>
+          <a:p>
+            <a:pPr algn="ctr"/>
+            <a:endParaRPr lang="en-US"/>
+          </a:p>
+        </p:txBody>
+      </p:sp>
+      <p:sp>
+        <p:nvSpPr>
+          <p:cNvPr id="11" name="Rectangle 10">
+            <a:extLst>
+              <a:ext uri="{FF2B5EF4-FFF2-40B4-BE49-F238E27FC236}">
+                <a16:creationId xmlns:a16="http://schemas.microsoft.com/office/drawing/2014/main" id="{64867648-B79B-18BB-D5E1-4820A2B7789E}"/>
+              </a:ext>
+            </a:extLst>
+          </p:cNvPr>
+          <p:cNvSpPr/>
+          <p:nvPr/>
+        </p:nvSpPr>
+        <p:spPr>
+          <a:xfrm>
+            <a:off x="7508776" y="2435445"/>
+            <a:ext cx="507444" cy="993555"/>
+          </a:xfrm>
+          <a:prstGeom prst="rect">
+            <a:avLst/>
+          </a:prstGeom>
+        </p:spPr>
+        <p:style>
+          <a:lnRef idx="2">
+            <a:schemeClr val="accent1">
+              <a:shade val="15000"/>
+            </a:schemeClr>
+          </a:lnRef>
+          <a:fillRef idx="1">
+            <a:schemeClr val="accent1"/>
+          </a:fillRef>
+          <a:effectRef idx="0">
+            <a:schemeClr val="accent1"/>
+          </a:effectRef>
+          <a:fontRef idx="minor">
+            <a:schemeClr val="lt1"/>
+          </a:fontRef>
+        </p:style>
+        <p:txBody>
+          <a:bodyPr rtlCol="0" anchor="ctr"/>
+          <a:lstStyle/>
+          <a:p>
+            <a:pPr algn="ctr"/>
+            <a:endParaRPr lang="en-US"/>
+          </a:p>
+        </p:txBody>
+      </p:sp>
+      <p:sp>
+        <p:nvSpPr>
+          <p:cNvPr id="12" name="Rectangle 11">
+            <a:extLst>
+              <a:ext uri="{FF2B5EF4-FFF2-40B4-BE49-F238E27FC236}">
+                <a16:creationId xmlns:a16="http://schemas.microsoft.com/office/drawing/2014/main" id="{2754A4CB-964B-F802-182A-319951D29522}"/>
+              </a:ext>
+            </a:extLst>
+          </p:cNvPr>
+          <p:cNvSpPr/>
+          <p:nvPr/>
+        </p:nvSpPr>
+        <p:spPr>
+          <a:xfrm>
+            <a:off x="7508776" y="3703316"/>
+            <a:ext cx="507444" cy="365757"/>
+          </a:xfrm>
+          <a:prstGeom prst="rect">
+            <a:avLst/>
+          </a:prstGeom>
+        </p:spPr>
+        <p:style>
+          <a:lnRef idx="2">
+            <a:schemeClr val="accent1">
+              <a:shade val="15000"/>
+            </a:schemeClr>
+          </a:lnRef>
+          <a:fillRef idx="1">
+            <a:schemeClr val="accent1"/>
+          </a:fillRef>
+          <a:effectRef idx="0">
+            <a:schemeClr val="accent1"/>
+          </a:effectRef>
+          <a:fontRef idx="minor">
+            <a:schemeClr val="lt1"/>
+          </a:fontRef>
+        </p:style>
+        <p:txBody>
+          <a:bodyPr rtlCol="0" anchor="ctr"/>
+          <a:lstStyle/>
+          <a:p>
+            <a:pPr algn="ctr"/>
+            <a:endParaRPr lang="en-US"/>
+          </a:p>
+        </p:txBody>
+      </p:sp>
+      <p:sp>
+        <p:nvSpPr>
+          <p:cNvPr id="13" name="TextBox 12">
+            <a:extLst>
+              <a:ext uri="{FF2B5EF4-FFF2-40B4-BE49-F238E27FC236}">
+                <a16:creationId xmlns:a16="http://schemas.microsoft.com/office/drawing/2014/main" id="{F2ED7BB7-E4EF-262C-359D-6C5C557518EE}"/>
+              </a:ext>
+            </a:extLst>
+          </p:cNvPr>
+          <p:cNvSpPr txBox="1"/>
+          <p:nvPr/>
+        </p:nvSpPr>
+        <p:spPr>
+          <a:xfrm>
+            <a:off x="1552146" y="1783766"/>
+            <a:ext cx="492443" cy="276999"/>
+          </a:xfrm>
+          <a:prstGeom prst="rect">
+            <a:avLst/>
+          </a:prstGeom>
+          <a:noFill/>
+        </p:spPr>
+        <p:txBody>
+          <a:bodyPr wrap="none" rtlCol="0">
+            <a:spAutoFit/>
+          </a:bodyPr>
+          <a:lstStyle/>
+          <a:p>
+            <a:r>
+              <a:rPr lang="en-US" sz="1200" dirty="0"/>
+              <a:t>Row</a:t>
+            </a:r>
+          </a:p>
+        </p:txBody>
+      </p:sp>
+      <p:sp>
+        <p:nvSpPr>
+          <p:cNvPr id="16" name="TextBox 15">
+            <a:extLst>
+              <a:ext uri="{FF2B5EF4-FFF2-40B4-BE49-F238E27FC236}">
+                <a16:creationId xmlns:a16="http://schemas.microsoft.com/office/drawing/2014/main" id="{69C37205-D362-61C1-9F63-12AF36916B22}"/>
+              </a:ext>
+            </a:extLst>
+          </p:cNvPr>
+          <p:cNvSpPr txBox="1"/>
+          <p:nvPr/>
+        </p:nvSpPr>
+        <p:spPr>
+          <a:xfrm>
+            <a:off x="1542265" y="2787585"/>
+            <a:ext cx="492443" cy="276999"/>
+          </a:xfrm>
+          <a:prstGeom prst="rect">
+            <a:avLst/>
+          </a:prstGeom>
+          <a:noFill/>
+        </p:spPr>
+        <p:txBody>
+          <a:bodyPr wrap="none" rtlCol="0">
+            <a:spAutoFit/>
+          </a:bodyPr>
+          <a:lstStyle/>
+          <a:p>
+            <a:r>
+              <a:rPr lang="en-US" sz="1200" dirty="0"/>
+              <a:t>Row</a:t>
+            </a:r>
+          </a:p>
+        </p:txBody>
+      </p:sp>
+      <p:sp>
+        <p:nvSpPr>
+          <p:cNvPr id="17" name="TextBox 16">
+            <a:extLst>
+              <a:ext uri="{FF2B5EF4-FFF2-40B4-BE49-F238E27FC236}">
+                <a16:creationId xmlns:a16="http://schemas.microsoft.com/office/drawing/2014/main" id="{215ABDDB-3AC6-5E96-8214-E7C315B69A43}"/>
+              </a:ext>
+            </a:extLst>
+          </p:cNvPr>
+          <p:cNvSpPr txBox="1"/>
+          <p:nvPr/>
+        </p:nvSpPr>
+        <p:spPr>
+          <a:xfrm>
+            <a:off x="1604110" y="3747695"/>
+            <a:ext cx="492443" cy="276999"/>
+          </a:xfrm>
+          <a:prstGeom prst="rect">
+            <a:avLst/>
+          </a:prstGeom>
+          <a:noFill/>
+        </p:spPr>
+        <p:txBody>
+          <a:bodyPr wrap="none" rtlCol="0">
+            <a:spAutoFit/>
+          </a:bodyPr>
+          <a:lstStyle/>
+          <a:p>
+            <a:r>
+              <a:rPr lang="en-US" sz="1200" dirty="0"/>
+              <a:t>Row</a:t>
+            </a:r>
+          </a:p>
+        </p:txBody>
+      </p:sp>
+      <p:sp>
+        <p:nvSpPr>
+          <p:cNvPr id="18" name="TextBox 17">
+            <a:extLst>
+              <a:ext uri="{FF2B5EF4-FFF2-40B4-BE49-F238E27FC236}">
+                <a16:creationId xmlns:a16="http://schemas.microsoft.com/office/drawing/2014/main" id="{7D881E45-5569-D266-C6FD-FE0B5FB62487}"/>
+              </a:ext>
+            </a:extLst>
+          </p:cNvPr>
+          <p:cNvSpPr txBox="1"/>
+          <p:nvPr/>
+        </p:nvSpPr>
+        <p:spPr>
+          <a:xfrm>
+            <a:off x="520985" y="1165938"/>
+            <a:ext cx="838691" cy="307777"/>
+          </a:xfrm>
+          <a:prstGeom prst="rect">
+            <a:avLst/>
+          </a:prstGeom>
+          <a:noFill/>
+        </p:spPr>
+        <p:txBody>
+          <a:bodyPr wrap="none" rtlCol="0">
+            <a:spAutoFit/>
+          </a:bodyPr>
+          <a:lstStyle/>
+          <a:p>
+            <a:r>
+              <a:rPr lang="en-US" sz="1400" dirty="0"/>
+              <a:t>Column</a:t>
+            </a:r>
+          </a:p>
+        </p:txBody>
+      </p:sp>
+      <p:sp>
+        <p:nvSpPr>
+          <p:cNvPr id="19" name="TextBox 18">
+            <a:extLst>
+              <a:ext uri="{FF2B5EF4-FFF2-40B4-BE49-F238E27FC236}">
+                <a16:creationId xmlns:a16="http://schemas.microsoft.com/office/drawing/2014/main" id="{57D61F86-EA8E-7DD4-1C91-F11614CE2848}"/>
+              </a:ext>
+            </a:extLst>
+          </p:cNvPr>
+          <p:cNvSpPr txBox="1"/>
+          <p:nvPr/>
+        </p:nvSpPr>
+        <p:spPr>
+          <a:xfrm>
+            <a:off x="3322895" y="1473715"/>
+            <a:ext cx="652743" cy="246221"/>
+          </a:xfrm>
+          <a:prstGeom prst="rect">
+            <a:avLst/>
+          </a:prstGeom>
+          <a:noFill/>
+        </p:spPr>
+        <p:txBody>
+          <a:bodyPr wrap="none" rtlCol="0">
+            <a:spAutoFit/>
+          </a:bodyPr>
+          <a:lstStyle/>
+          <a:p>
+            <a:r>
+              <a:rPr lang="en-US" sz="1000" dirty="0"/>
+              <a:t>Column</a:t>
+            </a:r>
+          </a:p>
+        </p:txBody>
+      </p:sp>
+      <p:sp>
+        <p:nvSpPr>
+          <p:cNvPr id="21" name="TextBox 20">
+            <a:extLst>
+              <a:ext uri="{FF2B5EF4-FFF2-40B4-BE49-F238E27FC236}">
+                <a16:creationId xmlns:a16="http://schemas.microsoft.com/office/drawing/2014/main" id="{085895FB-ADD7-9C4E-48B6-86B19A9862F4}"/>
+              </a:ext>
+            </a:extLst>
+          </p:cNvPr>
+          <p:cNvSpPr txBox="1"/>
+          <p:nvPr/>
+        </p:nvSpPr>
+        <p:spPr>
+          <a:xfrm>
+            <a:off x="5492295" y="1473714"/>
+            <a:ext cx="652743" cy="246221"/>
+          </a:xfrm>
+          <a:prstGeom prst="rect">
+            <a:avLst/>
+          </a:prstGeom>
+          <a:noFill/>
+        </p:spPr>
+        <p:txBody>
+          <a:bodyPr wrap="square">
+            <a:spAutoFit/>
+          </a:bodyPr>
+          <a:lstStyle/>
+          <a:p>
+            <a:r>
+              <a:rPr lang="en-US" sz="1000" dirty="0"/>
+              <a:t>Column</a:t>
+            </a:r>
+          </a:p>
+        </p:txBody>
+      </p:sp>
+      <p:sp>
+        <p:nvSpPr>
+          <p:cNvPr id="23" name="TextBox 22">
+            <a:extLst>
+              <a:ext uri="{FF2B5EF4-FFF2-40B4-BE49-F238E27FC236}">
+                <a16:creationId xmlns:a16="http://schemas.microsoft.com/office/drawing/2014/main" id="{9BEF8753-CC58-4254-C56C-FE349E9D4C2D}"/>
+              </a:ext>
+            </a:extLst>
+          </p:cNvPr>
+          <p:cNvSpPr txBox="1"/>
+          <p:nvPr/>
+        </p:nvSpPr>
+        <p:spPr>
+          <a:xfrm>
+            <a:off x="7495103" y="1406960"/>
+            <a:ext cx="652743" cy="246221"/>
+          </a:xfrm>
+          <a:prstGeom prst="rect">
+            <a:avLst/>
+          </a:prstGeom>
+          <a:noFill/>
+        </p:spPr>
+        <p:txBody>
+          <a:bodyPr wrap="square">
+            <a:spAutoFit/>
+          </a:bodyPr>
+          <a:lstStyle/>
+          <a:p>
+            <a:r>
+              <a:rPr lang="en-US" sz="1000" dirty="0"/>
+              <a:t>Column</a:t>
+            </a:r>
+          </a:p>
+        </p:txBody>
+      </p:sp>
+      <p:cxnSp>
+        <p:nvCxnSpPr>
+          <p:cNvPr id="25" name="Straight Arrow Connector 24">
+            <a:extLst>
+              <a:ext uri="{FF2B5EF4-FFF2-40B4-BE49-F238E27FC236}">
+                <a16:creationId xmlns:a16="http://schemas.microsoft.com/office/drawing/2014/main" id="{5D642965-AEF7-B15F-1F21-46640EA55A83}"/>
+              </a:ext>
+            </a:extLst>
+          </p:cNvPr>
+          <p:cNvCxnSpPr>
+            <a:cxnSpLocks/>
+            <a:stCxn id="18" idx="3"/>
+          </p:cNvCxnSpPr>
+          <p:nvPr/>
+        </p:nvCxnSpPr>
+        <p:spPr>
+          <a:xfrm>
+            <a:off x="1359676" y="1319827"/>
+            <a:ext cx="1353212" cy="59440"/>
+          </a:xfrm>
+          <a:prstGeom prst="straightConnector1">
+            <a:avLst/>
+          </a:prstGeom>
+          <a:ln>
+            <a:tailEnd type="triangle"/>
+          </a:ln>
+        </p:spPr>
+        <p:style>
+          <a:lnRef idx="2">
+            <a:schemeClr val="accent1"/>
+          </a:lnRef>
+          <a:fillRef idx="0">
+            <a:schemeClr val="accent1"/>
+          </a:fillRef>
+          <a:effectRef idx="1">
+            <a:schemeClr val="accent1"/>
+          </a:effectRef>
+          <a:fontRef idx="minor">
+            <a:schemeClr val="tx1"/>
+          </a:fontRef>
+        </p:style>
+      </p:cxnSp>
+      <p:cxnSp>
+        <p:nvCxnSpPr>
+          <p:cNvPr id="32" name="Straight Arrow Connector 31">
+            <a:extLst>
+              <a:ext uri="{FF2B5EF4-FFF2-40B4-BE49-F238E27FC236}">
+                <a16:creationId xmlns:a16="http://schemas.microsoft.com/office/drawing/2014/main" id="{91FAFFF3-D27C-F622-BA2C-6F0BB02715B9}"/>
+              </a:ext>
+            </a:extLst>
+          </p:cNvPr>
+          <p:cNvCxnSpPr>
+            <a:cxnSpLocks/>
+            <a:stCxn id="13" idx="3"/>
+            <a:endCxn id="4" idx="1"/>
+          </p:cNvCxnSpPr>
+          <p:nvPr/>
+        </p:nvCxnSpPr>
+        <p:spPr>
+          <a:xfrm flipV="1">
+            <a:off x="2044589" y="1920257"/>
+            <a:ext cx="1125362" cy="2009"/>
+          </a:xfrm>
+          <a:prstGeom prst="straightConnector1">
+            <a:avLst/>
+          </a:prstGeom>
+          <a:ln>
+            <a:tailEnd type="triangle"/>
+          </a:ln>
+        </p:spPr>
+        <p:style>
+          <a:lnRef idx="2">
+            <a:schemeClr val="accent1"/>
+          </a:lnRef>
+          <a:fillRef idx="0">
+            <a:schemeClr val="accent1"/>
+          </a:fillRef>
+          <a:effectRef idx="1">
+            <a:schemeClr val="accent1"/>
+          </a:effectRef>
+          <a:fontRef idx="minor">
+            <a:schemeClr val="tx1"/>
+          </a:fontRef>
+        </p:style>
+      </p:cxnSp>
+      <p:cxnSp>
+        <p:nvCxnSpPr>
+          <p:cNvPr id="37" name="Straight Arrow Connector 36">
+            <a:extLst>
+              <a:ext uri="{FF2B5EF4-FFF2-40B4-BE49-F238E27FC236}">
+                <a16:creationId xmlns:a16="http://schemas.microsoft.com/office/drawing/2014/main" id="{FE5857AD-F926-A63E-8A58-F3CD6D3F2EA2}"/>
+              </a:ext>
+            </a:extLst>
+          </p:cNvPr>
+          <p:cNvCxnSpPr>
+            <a:cxnSpLocks/>
+            <a:stCxn id="16" idx="3"/>
+            <a:endCxn id="5" idx="1"/>
+          </p:cNvCxnSpPr>
+          <p:nvPr/>
+        </p:nvCxnSpPr>
+        <p:spPr>
+          <a:xfrm>
+            <a:off x="2034708" y="2926085"/>
+            <a:ext cx="1135244" cy="1"/>
+          </a:xfrm>
+          <a:prstGeom prst="straightConnector1">
+            <a:avLst/>
+          </a:prstGeom>
+          <a:ln>
+            <a:tailEnd type="triangle"/>
+          </a:ln>
+        </p:spPr>
+        <p:style>
+          <a:lnRef idx="2">
+            <a:schemeClr val="accent1"/>
+          </a:lnRef>
+          <a:fillRef idx="0">
+            <a:schemeClr val="accent1"/>
+          </a:fillRef>
+          <a:effectRef idx="1">
+            <a:schemeClr val="accent1"/>
+          </a:effectRef>
+          <a:fontRef idx="minor">
+            <a:schemeClr val="tx1"/>
+          </a:fontRef>
+        </p:style>
+      </p:cxnSp>
+      <p:cxnSp>
+        <p:nvCxnSpPr>
+          <p:cNvPr id="43" name="Straight Arrow Connector 42">
+            <a:extLst>
+              <a:ext uri="{FF2B5EF4-FFF2-40B4-BE49-F238E27FC236}">
+                <a16:creationId xmlns:a16="http://schemas.microsoft.com/office/drawing/2014/main" id="{F6884FC4-8D9E-58BD-0F2B-46C7AC9DBEB8}"/>
+              </a:ext>
+            </a:extLst>
+          </p:cNvPr>
+          <p:cNvCxnSpPr>
+            <a:cxnSpLocks/>
+            <a:stCxn id="17" idx="3"/>
+            <a:endCxn id="6" idx="1"/>
+          </p:cNvCxnSpPr>
+          <p:nvPr/>
+        </p:nvCxnSpPr>
+        <p:spPr>
+          <a:xfrm>
+            <a:off x="2096553" y="3886195"/>
+            <a:ext cx="1073399" cy="0"/>
+          </a:xfrm>
+          <a:prstGeom prst="straightConnector1">
+            <a:avLst/>
+          </a:prstGeom>
+          <a:ln>
+            <a:tailEnd type="triangle"/>
+          </a:ln>
+        </p:spPr>
+        <p:style>
+          <a:lnRef idx="2">
+            <a:schemeClr val="accent1"/>
+          </a:lnRef>
+          <a:fillRef idx="0">
+            <a:schemeClr val="accent1"/>
+          </a:fillRef>
+          <a:effectRef idx="1">
+            <a:schemeClr val="accent1"/>
+          </a:effectRef>
+          <a:fontRef idx="minor">
+            <a:schemeClr val="tx1"/>
+          </a:fontRef>
+        </p:style>
+      </p:cxnSp>
+    </p:spTree>
+    <p:extLst>
+      <p:ext uri="{BB962C8B-B14F-4D97-AF65-F5344CB8AC3E}">
+        <p14:creationId xmlns:p14="http://schemas.microsoft.com/office/powerpoint/2010/main" val="1185462066"/>
+      </p:ext>
+    </p:extLst>
+  </p:cSld>
+  <p:clrMapOvr>
+    <a:masterClrMapping/>
+  </p:clrMapOvr>
+</p:sld>
+</file>
+
+<file path=ppt/slides/slide11.xml><?xml version="1.0" encoding="utf-8"?>
+<p:sld xmlns:a="http://schemas.openxmlformats.org/drawingml/2006/main" xmlns:r="http://schemas.openxmlformats.org/officeDocument/2006/relationships" xmlns:p="http://schemas.openxmlformats.org/presentationml/2006/main">
+  <p:cSld>
+    <p:spTree>
+      <p:nvGrpSpPr>
+        <p:cNvPr id="1" name=""/>
+        <p:cNvGrpSpPr/>
+        <p:nvPr/>
+      </p:nvGrpSpPr>
+      <p:grpSpPr>
+        <a:xfrm>
+          <a:off x="0" y="0"/>
+          <a:ext cx="0" cy="0"/>
+          <a:chOff x="0" y="0"/>
+          <a:chExt cx="0" cy="0"/>
+        </a:xfrm>
+      </p:grpSpPr>
       <p:cxnSp>
         <p:nvCxnSpPr>
           <p:cNvPr id="7" name="Straight Connector 6">
@@ -7858,7 +8798,7 @@
 </p:sld>
 </file>
 
-<file path=ppt/slides/slide11.xml><?xml version="1.0" encoding="utf-8"?>
+<file path=ppt/slides/slide12.xml><?xml version="1.0" encoding="utf-8"?>
 <p:sld xmlns:a="http://schemas.openxmlformats.org/drawingml/2006/main" xmlns:r="http://schemas.openxmlformats.org/officeDocument/2006/relationships" xmlns:p="http://schemas.openxmlformats.org/presentationml/2006/main">
   <p:cSld>
     <p:spTree>
@@ -9839,835 +10779,6 @@
 </p:sld>
 </file>
 
-<file path=ppt/slides/slide12.xml><?xml version="1.0" encoding="utf-8"?>
-<p:sld xmlns:a="http://schemas.openxmlformats.org/drawingml/2006/main" xmlns:r="http://schemas.openxmlformats.org/officeDocument/2006/relationships" xmlns:p="http://schemas.openxmlformats.org/presentationml/2006/main">
-  <p:cSld>
-    <p:spTree>
-      <p:nvGrpSpPr>
-        <p:cNvPr id="1" name=""/>
-        <p:cNvGrpSpPr/>
-        <p:nvPr/>
-      </p:nvGrpSpPr>
-      <p:grpSpPr>
-        <a:xfrm>
-          <a:off x="0" y="0"/>
-          <a:ext cx="0" cy="0"/>
-          <a:chOff x="0" y="0"/>
-          <a:chExt cx="0" cy="0"/>
-        </a:xfrm>
-      </p:grpSpPr>
-      <p:sp>
-        <p:nvSpPr>
-          <p:cNvPr id="2" name="TextBox 1">
-            <a:extLst>
-              <a:ext uri="{FF2B5EF4-FFF2-40B4-BE49-F238E27FC236}">
-                <a16:creationId xmlns:a16="http://schemas.microsoft.com/office/drawing/2014/main" id="{3B17EE8D-41C5-D38B-15F8-07F1C9DF19DA}"/>
-              </a:ext>
-            </a:extLst>
-          </p:cNvPr>
-          <p:cNvSpPr txBox="1"/>
-          <p:nvPr/>
-        </p:nvSpPr>
-        <p:spPr>
-          <a:xfrm>
-            <a:off x="5110690" y="193892"/>
-            <a:ext cx="1614160" cy="307777"/>
-          </a:xfrm>
-          <a:prstGeom prst="rect">
-            <a:avLst/>
-          </a:prstGeom>
-          <a:noFill/>
-        </p:spPr>
-        <p:txBody>
-          <a:bodyPr wrap="none" rtlCol="0">
-            <a:spAutoFit/>
-          </a:bodyPr>
-          <a:lstStyle/>
-          <a:p>
-            <a:r>
-              <a:rPr lang="en-US" sz="1400" dirty="0"/>
-              <a:t>Game Day Scoring</a:t>
-            </a:r>
-          </a:p>
-        </p:txBody>
-      </p:sp>
-      <p:sp>
-        <p:nvSpPr>
-          <p:cNvPr id="4" name="Rectangle 3">
-            <a:extLst>
-              <a:ext uri="{FF2B5EF4-FFF2-40B4-BE49-F238E27FC236}">
-                <a16:creationId xmlns:a16="http://schemas.microsoft.com/office/drawing/2014/main" id="{37AFC29C-C053-BEF2-B4C0-02B76C03E16A}"/>
-              </a:ext>
-            </a:extLst>
-          </p:cNvPr>
-          <p:cNvSpPr/>
-          <p:nvPr/>
-        </p:nvSpPr>
-        <p:spPr>
-          <a:xfrm>
-            <a:off x="1000346" y="3677080"/>
-            <a:ext cx="1158844" cy="1222217"/>
-          </a:xfrm>
-          <a:prstGeom prst="rect">
-            <a:avLst/>
-          </a:prstGeom>
-        </p:spPr>
-        <p:style>
-          <a:lnRef idx="2">
-            <a:schemeClr val="accent2">
-              <a:shade val="15000"/>
-            </a:schemeClr>
-          </a:lnRef>
-          <a:fillRef idx="1">
-            <a:schemeClr val="accent2"/>
-          </a:fillRef>
-          <a:effectRef idx="0">
-            <a:schemeClr val="accent2"/>
-          </a:effectRef>
-          <a:fontRef idx="minor">
-            <a:schemeClr val="lt1"/>
-          </a:fontRef>
-        </p:style>
-        <p:txBody>
-          <a:bodyPr rtlCol="0" anchor="ctr"/>
-          <a:lstStyle/>
-          <a:p>
-            <a:r>
-              <a:rPr lang="en-US" sz="1200" dirty="0" err="1">
-                <a:solidFill>
-                  <a:schemeClr val="bg1"/>
-                </a:solidFill>
-                <a:effectLst/>
-                <a:latin typeface="JetBrains Mono"/>
-              </a:rPr>
-              <a:t>FK_Rec_ID</a:t>
-            </a:r>
-            <a:endParaRPr lang="en-US" sz="1200" dirty="0">
-              <a:solidFill>
-                <a:schemeClr val="bg1"/>
-              </a:solidFill>
-              <a:effectLst/>
-              <a:latin typeface="JetBrains Mono"/>
-            </a:endParaRPr>
-          </a:p>
-          <a:p>
-            <a:r>
-              <a:rPr lang="en-US" sz="1200" dirty="0">
-                <a:solidFill>
-                  <a:schemeClr val="bg1"/>
-                </a:solidFill>
-                <a:effectLst/>
-                <a:latin typeface="JetBrains Mono"/>
-              </a:rPr>
-              <a:t>Player Record</a:t>
-            </a:r>
-          </a:p>
-          <a:p>
-            <a:r>
-              <a:rPr lang="en-US" sz="1200" dirty="0">
-                <a:solidFill>
-                  <a:schemeClr val="bg1"/>
-                </a:solidFill>
-                <a:latin typeface="JetBrains Mono"/>
-              </a:rPr>
-              <a:t>Name</a:t>
-            </a:r>
-          </a:p>
-          <a:p>
-            <a:r>
-              <a:rPr lang="en-US" sz="1200" dirty="0">
-                <a:solidFill>
-                  <a:schemeClr val="bg1"/>
-                </a:solidFill>
-                <a:effectLst/>
-                <a:latin typeface="JetBrains Mono"/>
-              </a:rPr>
-              <a:t>Hdcp</a:t>
-            </a:r>
-          </a:p>
-          <a:p>
-            <a:r>
-              <a:rPr lang="en-US" sz="1200" dirty="0">
-                <a:solidFill>
-                  <a:schemeClr val="bg1"/>
-                </a:solidFill>
-                <a:latin typeface="JetBrains Mono"/>
-              </a:rPr>
-              <a:t>Score[18]</a:t>
-            </a:r>
-            <a:endParaRPr lang="en-US" sz="1200" dirty="0">
-              <a:solidFill>
-                <a:schemeClr val="bg1"/>
-              </a:solidFill>
-              <a:effectLst/>
-              <a:latin typeface="JetBrains Mono"/>
-            </a:endParaRPr>
-          </a:p>
-        </p:txBody>
-      </p:sp>
-      <p:sp>
-        <p:nvSpPr>
-          <p:cNvPr id="5" name="Rectangle 4">
-            <a:extLst>
-              <a:ext uri="{FF2B5EF4-FFF2-40B4-BE49-F238E27FC236}">
-                <a16:creationId xmlns:a16="http://schemas.microsoft.com/office/drawing/2014/main" id="{97800004-5BEB-ABCA-5D53-A4A6A14CAA9D}"/>
-              </a:ext>
-            </a:extLst>
-          </p:cNvPr>
-          <p:cNvSpPr/>
-          <p:nvPr/>
-        </p:nvSpPr>
-        <p:spPr>
-          <a:xfrm>
-            <a:off x="2783216" y="774056"/>
-            <a:ext cx="2331992" cy="2050473"/>
-          </a:xfrm>
-          <a:prstGeom prst="rect">
-            <a:avLst/>
-          </a:prstGeom>
-        </p:spPr>
-        <p:style>
-          <a:lnRef idx="2">
-            <a:schemeClr val="accent1">
-              <a:shade val="15000"/>
-            </a:schemeClr>
-          </a:lnRef>
-          <a:fillRef idx="1">
-            <a:schemeClr val="accent1"/>
-          </a:fillRef>
-          <a:effectRef idx="0">
-            <a:schemeClr val="accent1"/>
-          </a:effectRef>
-          <a:fontRef idx="minor">
-            <a:schemeClr val="lt1"/>
-          </a:fontRef>
-        </p:style>
-        <p:txBody>
-          <a:bodyPr rtlCol="0" anchor="ctr"/>
-          <a:lstStyle/>
-          <a:p>
-            <a:pPr algn="ctr"/>
-            <a:r>
-              <a:rPr lang="en-US" sz="1200" dirty="0">
-                <a:solidFill>
-                  <a:schemeClr val="bg1"/>
-                </a:solidFill>
-                <a:effectLst/>
-                <a:latin typeface="JetBrains Mono"/>
-              </a:rPr>
-              <a:t>Score Card Record</a:t>
-            </a:r>
-          </a:p>
-          <a:p>
-            <a:r>
-              <a:rPr lang="en-US" sz="1200" dirty="0" err="1"/>
-              <a:t>Rec_Id</a:t>
-            </a:r>
-            <a:endParaRPr lang="en-US" sz="1200">
-              <a:solidFill>
-                <a:schemeClr val="bg1"/>
-              </a:solidFill>
-              <a:effectLst/>
-              <a:latin typeface="JetBrains Mono"/>
-            </a:endParaRPr>
-          </a:p>
-          <a:p>
-            <a:r>
-              <a:rPr lang="en-US" sz="1200">
-                <a:solidFill>
-                  <a:schemeClr val="bg1"/>
-                </a:solidFill>
-                <a:latin typeface="JetBrains Mono"/>
-              </a:rPr>
-              <a:t>Course </a:t>
-            </a:r>
-            <a:r>
-              <a:rPr lang="en-US" sz="1200" dirty="0">
-                <a:solidFill>
-                  <a:schemeClr val="bg1"/>
-                </a:solidFill>
-                <a:latin typeface="JetBrains Mono"/>
-              </a:rPr>
-              <a:t>Name</a:t>
-            </a:r>
-          </a:p>
-          <a:p>
-            <a:r>
-              <a:rPr lang="en-US" sz="1200" dirty="0">
-                <a:solidFill>
-                  <a:schemeClr val="bg1"/>
-                </a:solidFill>
-                <a:effectLst/>
-                <a:latin typeface="JetBrains Mono"/>
-              </a:rPr>
-              <a:t>Current Hole</a:t>
-            </a:r>
-          </a:p>
-          <a:p>
-            <a:r>
-              <a:rPr lang="en-US" sz="1200" dirty="0"/>
-              <a:t>Par – Byte[18]</a:t>
-            </a:r>
-          </a:p>
-          <a:p>
-            <a:r>
-              <a:rPr lang="en-US" sz="1200" dirty="0"/>
-              <a:t>Hdcp – Byte[18]</a:t>
-            </a:r>
-          </a:p>
-          <a:p>
-            <a:r>
-              <a:rPr lang="en-US" sz="1200" dirty="0">
-                <a:solidFill>
-                  <a:schemeClr val="bg1"/>
-                </a:solidFill>
-                <a:latin typeface="JetBrains Mono"/>
-              </a:rPr>
-              <a:t>Player Record[n] 1 to many</a:t>
-            </a:r>
-            <a:endParaRPr lang="en-US" sz="1200" dirty="0">
-              <a:solidFill>
-                <a:schemeClr val="bg1"/>
-              </a:solidFill>
-              <a:effectLst/>
-              <a:latin typeface="JetBrains Mono"/>
-            </a:endParaRPr>
-          </a:p>
-        </p:txBody>
-      </p:sp>
-      <p:cxnSp>
-        <p:nvCxnSpPr>
-          <p:cNvPr id="10" name="Connector: Elbow 9">
-            <a:extLst>
-              <a:ext uri="{FF2B5EF4-FFF2-40B4-BE49-F238E27FC236}">
-                <a16:creationId xmlns:a16="http://schemas.microsoft.com/office/drawing/2014/main" id="{769BDBAE-0028-BC58-88A5-F7F6665A7683}"/>
-              </a:ext>
-            </a:extLst>
-          </p:cNvPr>
-          <p:cNvCxnSpPr>
-            <a:cxnSpLocks/>
-            <a:stCxn id="5" idx="2"/>
-            <a:endCxn id="4" idx="0"/>
-          </p:cNvCxnSpPr>
-          <p:nvPr/>
-        </p:nvCxnSpPr>
-        <p:spPr>
-          <a:xfrm rot="5400000">
-            <a:off x="2338215" y="2066082"/>
-            <a:ext cx="852551" cy="2369444"/>
-          </a:xfrm>
-          <a:prstGeom prst="bentConnector3">
-            <a:avLst/>
-          </a:prstGeom>
-          <a:ln>
-            <a:tailEnd type="triangle"/>
-          </a:ln>
-        </p:spPr>
-        <p:style>
-          <a:lnRef idx="2">
-            <a:schemeClr val="accent1"/>
-          </a:lnRef>
-          <a:fillRef idx="0">
-            <a:schemeClr val="accent1"/>
-          </a:fillRef>
-          <a:effectRef idx="1">
-            <a:schemeClr val="accent1"/>
-          </a:effectRef>
-          <a:fontRef idx="minor">
-            <a:schemeClr val="tx1"/>
-          </a:fontRef>
-        </p:style>
-      </p:cxnSp>
-      <p:cxnSp>
-        <p:nvCxnSpPr>
-          <p:cNvPr id="13" name="Connector: Elbow 12">
-            <a:extLst>
-              <a:ext uri="{FF2B5EF4-FFF2-40B4-BE49-F238E27FC236}">
-                <a16:creationId xmlns:a16="http://schemas.microsoft.com/office/drawing/2014/main" id="{065281AC-666D-7FEE-1081-31F9CFD96AEF}"/>
-              </a:ext>
-            </a:extLst>
-          </p:cNvPr>
-          <p:cNvCxnSpPr>
-            <a:cxnSpLocks/>
-            <a:stCxn id="5" idx="2"/>
-            <a:endCxn id="31" idx="0"/>
-          </p:cNvCxnSpPr>
-          <p:nvPr/>
-        </p:nvCxnSpPr>
-        <p:spPr>
-          <a:xfrm rot="5400000">
-            <a:off x="3128510" y="2856377"/>
-            <a:ext cx="852551" cy="788855"/>
-          </a:xfrm>
-          <a:prstGeom prst="bentConnector3">
-            <a:avLst>
-              <a:gd name="adj1" fmla="val 50000"/>
-            </a:avLst>
-          </a:prstGeom>
-          <a:ln>
-            <a:tailEnd type="triangle"/>
-          </a:ln>
-        </p:spPr>
-        <p:style>
-          <a:lnRef idx="2">
-            <a:schemeClr val="accent1"/>
-          </a:lnRef>
-          <a:fillRef idx="0">
-            <a:schemeClr val="accent1"/>
-          </a:fillRef>
-          <a:effectRef idx="1">
-            <a:schemeClr val="accent1"/>
-          </a:effectRef>
-          <a:fontRef idx="minor">
-            <a:schemeClr val="tx1"/>
-          </a:fontRef>
-        </p:style>
-      </p:cxnSp>
-      <p:cxnSp>
-        <p:nvCxnSpPr>
-          <p:cNvPr id="17" name="Connector: Elbow 16">
-            <a:extLst>
-              <a:ext uri="{FF2B5EF4-FFF2-40B4-BE49-F238E27FC236}">
-                <a16:creationId xmlns:a16="http://schemas.microsoft.com/office/drawing/2014/main" id="{2CE7A5E2-DD07-4B82-46AD-FD3FF8F31A37}"/>
-              </a:ext>
-            </a:extLst>
-          </p:cNvPr>
-          <p:cNvCxnSpPr>
-            <a:cxnSpLocks/>
-            <a:stCxn id="5" idx="2"/>
-            <a:endCxn id="32" idx="0"/>
-          </p:cNvCxnSpPr>
-          <p:nvPr/>
-        </p:nvCxnSpPr>
-        <p:spPr>
-          <a:xfrm rot="16200000" flipH="1">
-            <a:off x="3918803" y="2854937"/>
-            <a:ext cx="852551" cy="791733"/>
-          </a:xfrm>
-          <a:prstGeom prst="bentConnector3">
-            <a:avLst>
-              <a:gd name="adj1" fmla="val 50000"/>
-            </a:avLst>
-          </a:prstGeom>
-          <a:ln>
-            <a:tailEnd type="triangle"/>
-          </a:ln>
-        </p:spPr>
-        <p:style>
-          <a:lnRef idx="2">
-            <a:schemeClr val="accent1"/>
-          </a:lnRef>
-          <a:fillRef idx="0">
-            <a:schemeClr val="accent1"/>
-          </a:fillRef>
-          <a:effectRef idx="1">
-            <a:schemeClr val="accent1"/>
-          </a:effectRef>
-          <a:fontRef idx="minor">
-            <a:schemeClr val="tx1"/>
-          </a:fontRef>
-        </p:style>
-      </p:cxnSp>
-      <p:sp>
-        <p:nvSpPr>
-          <p:cNvPr id="31" name="Rectangle 30">
-            <a:extLst>
-              <a:ext uri="{FF2B5EF4-FFF2-40B4-BE49-F238E27FC236}">
-                <a16:creationId xmlns:a16="http://schemas.microsoft.com/office/drawing/2014/main" id="{76F39BD0-5D2D-2495-2AC7-9D862DA0182D}"/>
-              </a:ext>
-            </a:extLst>
-          </p:cNvPr>
-          <p:cNvSpPr/>
-          <p:nvPr/>
-        </p:nvSpPr>
-        <p:spPr>
-          <a:xfrm>
-            <a:off x="2580935" y="3677080"/>
-            <a:ext cx="1158844" cy="1222217"/>
-          </a:xfrm>
-          <a:prstGeom prst="rect">
-            <a:avLst/>
-          </a:prstGeom>
-        </p:spPr>
-        <p:style>
-          <a:lnRef idx="2">
-            <a:schemeClr val="accent2">
-              <a:shade val="15000"/>
-            </a:schemeClr>
-          </a:lnRef>
-          <a:fillRef idx="1">
-            <a:schemeClr val="accent2"/>
-          </a:fillRef>
-          <a:effectRef idx="0">
-            <a:schemeClr val="accent2"/>
-          </a:effectRef>
-          <a:fontRef idx="minor">
-            <a:schemeClr val="lt1"/>
-          </a:fontRef>
-        </p:style>
-        <p:txBody>
-          <a:bodyPr rtlCol="0" anchor="ctr"/>
-          <a:lstStyle/>
-          <a:p>
-            <a:r>
-              <a:rPr lang="en-US" sz="1200" dirty="0" err="1">
-                <a:solidFill>
-                  <a:schemeClr val="bg1"/>
-                </a:solidFill>
-                <a:effectLst/>
-                <a:latin typeface="JetBrains Mono"/>
-              </a:rPr>
-              <a:t>FK_Rec_ID</a:t>
-            </a:r>
-            <a:endParaRPr lang="en-US" sz="1200" dirty="0">
-              <a:solidFill>
-                <a:schemeClr val="bg1"/>
-              </a:solidFill>
-              <a:effectLst/>
-              <a:latin typeface="JetBrains Mono"/>
-            </a:endParaRPr>
-          </a:p>
-          <a:p>
-            <a:r>
-              <a:rPr lang="en-US" sz="1200" dirty="0">
-                <a:solidFill>
-                  <a:schemeClr val="bg1"/>
-                </a:solidFill>
-                <a:effectLst/>
-                <a:latin typeface="JetBrains Mono"/>
-              </a:rPr>
-              <a:t>Player Record</a:t>
-            </a:r>
-          </a:p>
-          <a:p>
-            <a:r>
-              <a:rPr lang="en-US" sz="1200" dirty="0">
-                <a:solidFill>
-                  <a:schemeClr val="bg1"/>
-                </a:solidFill>
-                <a:latin typeface="JetBrains Mono"/>
-              </a:rPr>
-              <a:t>Name</a:t>
-            </a:r>
-          </a:p>
-          <a:p>
-            <a:r>
-              <a:rPr lang="en-US" sz="1200" dirty="0">
-                <a:solidFill>
-                  <a:schemeClr val="bg1"/>
-                </a:solidFill>
-                <a:effectLst/>
-                <a:latin typeface="JetBrains Mono"/>
-              </a:rPr>
-              <a:t>Hdcp</a:t>
-            </a:r>
-          </a:p>
-          <a:p>
-            <a:r>
-              <a:rPr lang="en-US" sz="1200" dirty="0">
-                <a:solidFill>
-                  <a:schemeClr val="bg1"/>
-                </a:solidFill>
-                <a:latin typeface="JetBrains Mono"/>
-              </a:rPr>
-              <a:t>Score[18]</a:t>
-            </a:r>
-            <a:endParaRPr lang="en-US" sz="1200" dirty="0">
-              <a:solidFill>
-                <a:schemeClr val="bg1"/>
-              </a:solidFill>
-              <a:effectLst/>
-              <a:latin typeface="JetBrains Mono"/>
-            </a:endParaRPr>
-          </a:p>
-        </p:txBody>
-      </p:sp>
-      <p:sp>
-        <p:nvSpPr>
-          <p:cNvPr id="32" name="Rectangle 31">
-            <a:extLst>
-              <a:ext uri="{FF2B5EF4-FFF2-40B4-BE49-F238E27FC236}">
-                <a16:creationId xmlns:a16="http://schemas.microsoft.com/office/drawing/2014/main" id="{411EDC83-86EE-C25F-1721-9006AFF7F062}"/>
-              </a:ext>
-            </a:extLst>
-          </p:cNvPr>
-          <p:cNvSpPr/>
-          <p:nvPr/>
-        </p:nvSpPr>
-        <p:spPr>
-          <a:xfrm>
-            <a:off x="4161523" y="3677080"/>
-            <a:ext cx="1158844" cy="1222217"/>
-          </a:xfrm>
-          <a:prstGeom prst="rect">
-            <a:avLst/>
-          </a:prstGeom>
-        </p:spPr>
-        <p:style>
-          <a:lnRef idx="2">
-            <a:schemeClr val="accent2">
-              <a:shade val="15000"/>
-            </a:schemeClr>
-          </a:lnRef>
-          <a:fillRef idx="1">
-            <a:schemeClr val="accent2"/>
-          </a:fillRef>
-          <a:effectRef idx="0">
-            <a:schemeClr val="accent2"/>
-          </a:effectRef>
-          <a:fontRef idx="minor">
-            <a:schemeClr val="lt1"/>
-          </a:fontRef>
-        </p:style>
-        <p:txBody>
-          <a:bodyPr rtlCol="0" anchor="ctr"/>
-          <a:lstStyle/>
-          <a:p>
-            <a:r>
-              <a:rPr lang="en-US" sz="1200" dirty="0" err="1">
-                <a:solidFill>
-                  <a:schemeClr val="bg1"/>
-                </a:solidFill>
-                <a:effectLst/>
-                <a:latin typeface="JetBrains Mono"/>
-              </a:rPr>
-              <a:t>FK_Rec_ID</a:t>
-            </a:r>
-            <a:endParaRPr lang="en-US" sz="1200" dirty="0">
-              <a:solidFill>
-                <a:schemeClr val="bg1"/>
-              </a:solidFill>
-              <a:effectLst/>
-              <a:latin typeface="JetBrains Mono"/>
-            </a:endParaRPr>
-          </a:p>
-          <a:p>
-            <a:r>
-              <a:rPr lang="en-US" sz="1200" dirty="0">
-                <a:solidFill>
-                  <a:schemeClr val="bg1"/>
-                </a:solidFill>
-                <a:effectLst/>
-                <a:latin typeface="JetBrains Mono"/>
-              </a:rPr>
-              <a:t>Player Record</a:t>
-            </a:r>
-          </a:p>
-          <a:p>
-            <a:r>
-              <a:rPr lang="en-US" sz="1200" dirty="0">
-                <a:solidFill>
-                  <a:schemeClr val="bg1"/>
-                </a:solidFill>
-                <a:latin typeface="JetBrains Mono"/>
-              </a:rPr>
-              <a:t>Name</a:t>
-            </a:r>
-          </a:p>
-          <a:p>
-            <a:r>
-              <a:rPr lang="en-US" sz="1200" dirty="0">
-                <a:solidFill>
-                  <a:schemeClr val="bg1"/>
-                </a:solidFill>
-                <a:effectLst/>
-                <a:latin typeface="JetBrains Mono"/>
-              </a:rPr>
-              <a:t>Hdcp</a:t>
-            </a:r>
-          </a:p>
-          <a:p>
-            <a:r>
-              <a:rPr lang="en-US" sz="1200" dirty="0">
-                <a:solidFill>
-                  <a:schemeClr val="bg1"/>
-                </a:solidFill>
-                <a:latin typeface="JetBrains Mono"/>
-              </a:rPr>
-              <a:t>Score[18]</a:t>
-            </a:r>
-            <a:endParaRPr lang="en-US" sz="1200" dirty="0">
-              <a:solidFill>
-                <a:schemeClr val="bg1"/>
-              </a:solidFill>
-              <a:effectLst/>
-              <a:latin typeface="JetBrains Mono"/>
-            </a:endParaRPr>
-          </a:p>
-        </p:txBody>
-      </p:sp>
-      <p:sp>
-        <p:nvSpPr>
-          <p:cNvPr id="37" name="Rectangle 36">
-            <a:extLst>
-              <a:ext uri="{FF2B5EF4-FFF2-40B4-BE49-F238E27FC236}">
-                <a16:creationId xmlns:a16="http://schemas.microsoft.com/office/drawing/2014/main" id="{5D1BC5CC-2A36-0373-8267-507A70C4315A}"/>
-              </a:ext>
-            </a:extLst>
-          </p:cNvPr>
-          <p:cNvSpPr/>
-          <p:nvPr/>
-        </p:nvSpPr>
-        <p:spPr>
-          <a:xfrm>
-            <a:off x="5712791" y="3677080"/>
-            <a:ext cx="1158844" cy="1222217"/>
-          </a:xfrm>
-          <a:prstGeom prst="rect">
-            <a:avLst/>
-          </a:prstGeom>
-        </p:spPr>
-        <p:style>
-          <a:lnRef idx="2">
-            <a:schemeClr val="accent2">
-              <a:shade val="15000"/>
-            </a:schemeClr>
-          </a:lnRef>
-          <a:fillRef idx="1">
-            <a:schemeClr val="accent2"/>
-          </a:fillRef>
-          <a:effectRef idx="0">
-            <a:schemeClr val="accent2"/>
-          </a:effectRef>
-          <a:fontRef idx="minor">
-            <a:schemeClr val="lt1"/>
-          </a:fontRef>
-        </p:style>
-        <p:txBody>
-          <a:bodyPr rtlCol="0" anchor="ctr"/>
-          <a:lstStyle/>
-          <a:p>
-            <a:r>
-              <a:rPr lang="en-US" sz="1200" dirty="0" err="1">
-                <a:solidFill>
-                  <a:schemeClr val="bg1"/>
-                </a:solidFill>
-                <a:effectLst/>
-                <a:latin typeface="JetBrains Mono"/>
-              </a:rPr>
-              <a:t>FK_Rec_ID</a:t>
-            </a:r>
-            <a:endParaRPr lang="en-US" sz="1200" dirty="0">
-              <a:solidFill>
-                <a:schemeClr val="bg1"/>
-              </a:solidFill>
-              <a:effectLst/>
-              <a:latin typeface="JetBrains Mono"/>
-            </a:endParaRPr>
-          </a:p>
-          <a:p>
-            <a:r>
-              <a:rPr lang="en-US" sz="1200" dirty="0">
-                <a:solidFill>
-                  <a:schemeClr val="bg1"/>
-                </a:solidFill>
-                <a:effectLst/>
-                <a:latin typeface="JetBrains Mono"/>
-              </a:rPr>
-              <a:t>Player Record</a:t>
-            </a:r>
-          </a:p>
-          <a:p>
-            <a:r>
-              <a:rPr lang="en-US" sz="1200" dirty="0">
-                <a:solidFill>
-                  <a:schemeClr val="bg1"/>
-                </a:solidFill>
-                <a:latin typeface="JetBrains Mono"/>
-              </a:rPr>
-              <a:t>Name</a:t>
-            </a:r>
-          </a:p>
-          <a:p>
-            <a:r>
-              <a:rPr lang="en-US" sz="1200" dirty="0">
-                <a:solidFill>
-                  <a:schemeClr val="bg1"/>
-                </a:solidFill>
-                <a:effectLst/>
-                <a:latin typeface="JetBrains Mono"/>
-              </a:rPr>
-              <a:t>Hdcp</a:t>
-            </a:r>
-          </a:p>
-          <a:p>
-            <a:r>
-              <a:rPr lang="en-US" sz="1200" dirty="0">
-                <a:solidFill>
-                  <a:schemeClr val="bg1"/>
-                </a:solidFill>
-                <a:latin typeface="JetBrains Mono"/>
-              </a:rPr>
-              <a:t>Score[18]</a:t>
-            </a:r>
-            <a:endParaRPr lang="en-US" sz="1200" dirty="0">
-              <a:solidFill>
-                <a:schemeClr val="bg1"/>
-              </a:solidFill>
-              <a:effectLst/>
-              <a:latin typeface="JetBrains Mono"/>
-            </a:endParaRPr>
-          </a:p>
-        </p:txBody>
-      </p:sp>
-      <p:cxnSp>
-        <p:nvCxnSpPr>
-          <p:cNvPr id="39" name="Connector: Elbow 38">
-            <a:extLst>
-              <a:ext uri="{FF2B5EF4-FFF2-40B4-BE49-F238E27FC236}">
-                <a16:creationId xmlns:a16="http://schemas.microsoft.com/office/drawing/2014/main" id="{A2D0AF89-932D-205F-76C3-DDB93CCF66DB}"/>
-              </a:ext>
-            </a:extLst>
-          </p:cNvPr>
-          <p:cNvCxnSpPr>
-            <a:cxnSpLocks/>
-            <a:stCxn id="5" idx="2"/>
-            <a:endCxn id="37" idx="0"/>
-          </p:cNvCxnSpPr>
-          <p:nvPr/>
-        </p:nvCxnSpPr>
-        <p:spPr>
-          <a:xfrm rot="16200000" flipH="1">
-            <a:off x="4694437" y="2079303"/>
-            <a:ext cx="852551" cy="2343001"/>
-          </a:xfrm>
-          <a:prstGeom prst="bentConnector3">
-            <a:avLst>
-              <a:gd name="adj1" fmla="val 50000"/>
-            </a:avLst>
-          </a:prstGeom>
-          <a:ln>
-            <a:tailEnd type="triangle"/>
-          </a:ln>
-        </p:spPr>
-        <p:style>
-          <a:lnRef idx="2">
-            <a:schemeClr val="accent1"/>
-          </a:lnRef>
-          <a:fillRef idx="0">
-            <a:schemeClr val="accent1"/>
-          </a:fillRef>
-          <a:effectRef idx="1">
-            <a:schemeClr val="accent1"/>
-          </a:effectRef>
-          <a:fontRef idx="minor">
-            <a:schemeClr val="tx1"/>
-          </a:fontRef>
-        </p:style>
-      </p:cxnSp>
-    </p:spTree>
-    <p:extLst>
-      <p:ext uri="{BB962C8B-B14F-4D97-AF65-F5344CB8AC3E}">
-        <p14:creationId xmlns:p14="http://schemas.microsoft.com/office/powerpoint/2010/main" val="2100467204"/>
-      </p:ext>
-    </p:extLst>
-  </p:cSld>
-  <p:clrMapOvr>
-    <a:masterClrMapping/>
-  </p:clrMapOvr>
-</p:sld>
-</file>
-
 <file path=ppt/slides/slide13.xml><?xml version="1.0" encoding="utf-8"?>
 <p:sld xmlns:a="http://schemas.openxmlformats.org/drawingml/2006/main" xmlns:r="http://schemas.openxmlformats.org/officeDocument/2006/relationships" xmlns:p="http://schemas.openxmlformats.org/presentationml/2006/main">
   <p:cSld>
@@ -10690,6 +10801,835 @@
           <p:cNvPr id="2" name="TextBox 1">
             <a:extLst>
               <a:ext uri="{FF2B5EF4-FFF2-40B4-BE49-F238E27FC236}">
+                <a16:creationId xmlns:a16="http://schemas.microsoft.com/office/drawing/2014/main" id="{3B17EE8D-41C5-D38B-15F8-07F1C9DF19DA}"/>
+              </a:ext>
+            </a:extLst>
+          </p:cNvPr>
+          <p:cNvSpPr txBox="1"/>
+          <p:nvPr/>
+        </p:nvSpPr>
+        <p:spPr>
+          <a:xfrm>
+            <a:off x="5110690" y="193892"/>
+            <a:ext cx="1614160" cy="307777"/>
+          </a:xfrm>
+          <a:prstGeom prst="rect">
+            <a:avLst/>
+          </a:prstGeom>
+          <a:noFill/>
+        </p:spPr>
+        <p:txBody>
+          <a:bodyPr wrap="none" rtlCol="0">
+            <a:spAutoFit/>
+          </a:bodyPr>
+          <a:lstStyle/>
+          <a:p>
+            <a:r>
+              <a:rPr lang="en-US" sz="1400" dirty="0"/>
+              <a:t>Game Day Scoring</a:t>
+            </a:r>
+          </a:p>
+        </p:txBody>
+      </p:sp>
+      <p:sp>
+        <p:nvSpPr>
+          <p:cNvPr id="4" name="Rectangle 3">
+            <a:extLst>
+              <a:ext uri="{FF2B5EF4-FFF2-40B4-BE49-F238E27FC236}">
+                <a16:creationId xmlns:a16="http://schemas.microsoft.com/office/drawing/2014/main" id="{37AFC29C-C053-BEF2-B4C0-02B76C03E16A}"/>
+              </a:ext>
+            </a:extLst>
+          </p:cNvPr>
+          <p:cNvSpPr/>
+          <p:nvPr/>
+        </p:nvSpPr>
+        <p:spPr>
+          <a:xfrm>
+            <a:off x="1000346" y="3677080"/>
+            <a:ext cx="1158844" cy="1222217"/>
+          </a:xfrm>
+          <a:prstGeom prst="rect">
+            <a:avLst/>
+          </a:prstGeom>
+        </p:spPr>
+        <p:style>
+          <a:lnRef idx="2">
+            <a:schemeClr val="accent2">
+              <a:shade val="15000"/>
+            </a:schemeClr>
+          </a:lnRef>
+          <a:fillRef idx="1">
+            <a:schemeClr val="accent2"/>
+          </a:fillRef>
+          <a:effectRef idx="0">
+            <a:schemeClr val="accent2"/>
+          </a:effectRef>
+          <a:fontRef idx="minor">
+            <a:schemeClr val="lt1"/>
+          </a:fontRef>
+        </p:style>
+        <p:txBody>
+          <a:bodyPr rtlCol="0" anchor="ctr"/>
+          <a:lstStyle/>
+          <a:p>
+            <a:r>
+              <a:rPr lang="en-US" sz="1200" dirty="0" err="1">
+                <a:solidFill>
+                  <a:schemeClr val="bg1"/>
+                </a:solidFill>
+                <a:effectLst/>
+                <a:latin typeface="JetBrains Mono"/>
+              </a:rPr>
+              <a:t>FK_Rec_ID</a:t>
+            </a:r>
+            <a:endParaRPr lang="en-US" sz="1200" dirty="0">
+              <a:solidFill>
+                <a:schemeClr val="bg1"/>
+              </a:solidFill>
+              <a:effectLst/>
+              <a:latin typeface="JetBrains Mono"/>
+            </a:endParaRPr>
+          </a:p>
+          <a:p>
+            <a:r>
+              <a:rPr lang="en-US" sz="1200" dirty="0">
+                <a:solidFill>
+                  <a:schemeClr val="bg1"/>
+                </a:solidFill>
+                <a:effectLst/>
+                <a:latin typeface="JetBrains Mono"/>
+              </a:rPr>
+              <a:t>Player Record</a:t>
+            </a:r>
+          </a:p>
+          <a:p>
+            <a:r>
+              <a:rPr lang="en-US" sz="1200" dirty="0">
+                <a:solidFill>
+                  <a:schemeClr val="bg1"/>
+                </a:solidFill>
+                <a:latin typeface="JetBrains Mono"/>
+              </a:rPr>
+              <a:t>Name</a:t>
+            </a:r>
+          </a:p>
+          <a:p>
+            <a:r>
+              <a:rPr lang="en-US" sz="1200" dirty="0">
+                <a:solidFill>
+                  <a:schemeClr val="bg1"/>
+                </a:solidFill>
+                <a:effectLst/>
+                <a:latin typeface="JetBrains Mono"/>
+              </a:rPr>
+              <a:t>Hdcp</a:t>
+            </a:r>
+          </a:p>
+          <a:p>
+            <a:r>
+              <a:rPr lang="en-US" sz="1200" dirty="0">
+                <a:solidFill>
+                  <a:schemeClr val="bg1"/>
+                </a:solidFill>
+                <a:latin typeface="JetBrains Mono"/>
+              </a:rPr>
+              <a:t>Score[18]</a:t>
+            </a:r>
+            <a:endParaRPr lang="en-US" sz="1200" dirty="0">
+              <a:solidFill>
+                <a:schemeClr val="bg1"/>
+              </a:solidFill>
+              <a:effectLst/>
+              <a:latin typeface="JetBrains Mono"/>
+            </a:endParaRPr>
+          </a:p>
+        </p:txBody>
+      </p:sp>
+      <p:sp>
+        <p:nvSpPr>
+          <p:cNvPr id="5" name="Rectangle 4">
+            <a:extLst>
+              <a:ext uri="{FF2B5EF4-FFF2-40B4-BE49-F238E27FC236}">
+                <a16:creationId xmlns:a16="http://schemas.microsoft.com/office/drawing/2014/main" id="{97800004-5BEB-ABCA-5D53-A4A6A14CAA9D}"/>
+              </a:ext>
+            </a:extLst>
+          </p:cNvPr>
+          <p:cNvSpPr/>
+          <p:nvPr/>
+        </p:nvSpPr>
+        <p:spPr>
+          <a:xfrm>
+            <a:off x="2783216" y="774056"/>
+            <a:ext cx="2331992" cy="2050473"/>
+          </a:xfrm>
+          <a:prstGeom prst="rect">
+            <a:avLst/>
+          </a:prstGeom>
+        </p:spPr>
+        <p:style>
+          <a:lnRef idx="2">
+            <a:schemeClr val="accent1">
+              <a:shade val="15000"/>
+            </a:schemeClr>
+          </a:lnRef>
+          <a:fillRef idx="1">
+            <a:schemeClr val="accent1"/>
+          </a:fillRef>
+          <a:effectRef idx="0">
+            <a:schemeClr val="accent1"/>
+          </a:effectRef>
+          <a:fontRef idx="minor">
+            <a:schemeClr val="lt1"/>
+          </a:fontRef>
+        </p:style>
+        <p:txBody>
+          <a:bodyPr rtlCol="0" anchor="ctr"/>
+          <a:lstStyle/>
+          <a:p>
+            <a:pPr algn="ctr"/>
+            <a:r>
+              <a:rPr lang="en-US" sz="1200" dirty="0">
+                <a:solidFill>
+                  <a:schemeClr val="bg1"/>
+                </a:solidFill>
+                <a:effectLst/>
+                <a:latin typeface="JetBrains Mono"/>
+              </a:rPr>
+              <a:t>Score Card Record</a:t>
+            </a:r>
+          </a:p>
+          <a:p>
+            <a:r>
+              <a:rPr lang="en-US" sz="1200" dirty="0" err="1"/>
+              <a:t>Rec_Id</a:t>
+            </a:r>
+            <a:endParaRPr lang="en-US" sz="1200">
+              <a:solidFill>
+                <a:schemeClr val="bg1"/>
+              </a:solidFill>
+              <a:effectLst/>
+              <a:latin typeface="JetBrains Mono"/>
+            </a:endParaRPr>
+          </a:p>
+          <a:p>
+            <a:r>
+              <a:rPr lang="en-US" sz="1200">
+                <a:solidFill>
+                  <a:schemeClr val="bg1"/>
+                </a:solidFill>
+                <a:latin typeface="JetBrains Mono"/>
+              </a:rPr>
+              <a:t>Course </a:t>
+            </a:r>
+            <a:r>
+              <a:rPr lang="en-US" sz="1200" dirty="0">
+                <a:solidFill>
+                  <a:schemeClr val="bg1"/>
+                </a:solidFill>
+                <a:latin typeface="JetBrains Mono"/>
+              </a:rPr>
+              <a:t>Name</a:t>
+            </a:r>
+          </a:p>
+          <a:p>
+            <a:r>
+              <a:rPr lang="en-US" sz="1200" dirty="0">
+                <a:solidFill>
+                  <a:schemeClr val="bg1"/>
+                </a:solidFill>
+                <a:effectLst/>
+                <a:latin typeface="JetBrains Mono"/>
+              </a:rPr>
+              <a:t>Current Hole</a:t>
+            </a:r>
+          </a:p>
+          <a:p>
+            <a:r>
+              <a:rPr lang="en-US" sz="1200" dirty="0"/>
+              <a:t>Par – Byte[18]</a:t>
+            </a:r>
+          </a:p>
+          <a:p>
+            <a:r>
+              <a:rPr lang="en-US" sz="1200" dirty="0"/>
+              <a:t>Hdcp – Byte[18]</a:t>
+            </a:r>
+          </a:p>
+          <a:p>
+            <a:r>
+              <a:rPr lang="en-US" sz="1200" dirty="0">
+                <a:solidFill>
+                  <a:schemeClr val="bg1"/>
+                </a:solidFill>
+                <a:latin typeface="JetBrains Mono"/>
+              </a:rPr>
+              <a:t>Player Record[n] 1 to many</a:t>
+            </a:r>
+            <a:endParaRPr lang="en-US" sz="1200" dirty="0">
+              <a:solidFill>
+                <a:schemeClr val="bg1"/>
+              </a:solidFill>
+              <a:effectLst/>
+              <a:latin typeface="JetBrains Mono"/>
+            </a:endParaRPr>
+          </a:p>
+        </p:txBody>
+      </p:sp>
+      <p:cxnSp>
+        <p:nvCxnSpPr>
+          <p:cNvPr id="10" name="Connector: Elbow 9">
+            <a:extLst>
+              <a:ext uri="{FF2B5EF4-FFF2-40B4-BE49-F238E27FC236}">
+                <a16:creationId xmlns:a16="http://schemas.microsoft.com/office/drawing/2014/main" id="{769BDBAE-0028-BC58-88A5-F7F6665A7683}"/>
+              </a:ext>
+            </a:extLst>
+          </p:cNvPr>
+          <p:cNvCxnSpPr>
+            <a:cxnSpLocks/>
+            <a:stCxn id="5" idx="2"/>
+            <a:endCxn id="4" idx="0"/>
+          </p:cNvCxnSpPr>
+          <p:nvPr/>
+        </p:nvCxnSpPr>
+        <p:spPr>
+          <a:xfrm rot="5400000">
+            <a:off x="2338215" y="2066082"/>
+            <a:ext cx="852551" cy="2369444"/>
+          </a:xfrm>
+          <a:prstGeom prst="bentConnector3">
+            <a:avLst/>
+          </a:prstGeom>
+          <a:ln>
+            <a:tailEnd type="triangle"/>
+          </a:ln>
+        </p:spPr>
+        <p:style>
+          <a:lnRef idx="2">
+            <a:schemeClr val="accent1"/>
+          </a:lnRef>
+          <a:fillRef idx="0">
+            <a:schemeClr val="accent1"/>
+          </a:fillRef>
+          <a:effectRef idx="1">
+            <a:schemeClr val="accent1"/>
+          </a:effectRef>
+          <a:fontRef idx="minor">
+            <a:schemeClr val="tx1"/>
+          </a:fontRef>
+        </p:style>
+      </p:cxnSp>
+      <p:cxnSp>
+        <p:nvCxnSpPr>
+          <p:cNvPr id="13" name="Connector: Elbow 12">
+            <a:extLst>
+              <a:ext uri="{FF2B5EF4-FFF2-40B4-BE49-F238E27FC236}">
+                <a16:creationId xmlns:a16="http://schemas.microsoft.com/office/drawing/2014/main" id="{065281AC-666D-7FEE-1081-31F9CFD96AEF}"/>
+              </a:ext>
+            </a:extLst>
+          </p:cNvPr>
+          <p:cNvCxnSpPr>
+            <a:cxnSpLocks/>
+            <a:stCxn id="5" idx="2"/>
+            <a:endCxn id="31" idx="0"/>
+          </p:cNvCxnSpPr>
+          <p:nvPr/>
+        </p:nvCxnSpPr>
+        <p:spPr>
+          <a:xfrm rot="5400000">
+            <a:off x="3128510" y="2856377"/>
+            <a:ext cx="852551" cy="788855"/>
+          </a:xfrm>
+          <a:prstGeom prst="bentConnector3">
+            <a:avLst>
+              <a:gd name="adj1" fmla="val 50000"/>
+            </a:avLst>
+          </a:prstGeom>
+          <a:ln>
+            <a:tailEnd type="triangle"/>
+          </a:ln>
+        </p:spPr>
+        <p:style>
+          <a:lnRef idx="2">
+            <a:schemeClr val="accent1"/>
+          </a:lnRef>
+          <a:fillRef idx="0">
+            <a:schemeClr val="accent1"/>
+          </a:fillRef>
+          <a:effectRef idx="1">
+            <a:schemeClr val="accent1"/>
+          </a:effectRef>
+          <a:fontRef idx="minor">
+            <a:schemeClr val="tx1"/>
+          </a:fontRef>
+        </p:style>
+      </p:cxnSp>
+      <p:cxnSp>
+        <p:nvCxnSpPr>
+          <p:cNvPr id="17" name="Connector: Elbow 16">
+            <a:extLst>
+              <a:ext uri="{FF2B5EF4-FFF2-40B4-BE49-F238E27FC236}">
+                <a16:creationId xmlns:a16="http://schemas.microsoft.com/office/drawing/2014/main" id="{2CE7A5E2-DD07-4B82-46AD-FD3FF8F31A37}"/>
+              </a:ext>
+            </a:extLst>
+          </p:cNvPr>
+          <p:cNvCxnSpPr>
+            <a:cxnSpLocks/>
+            <a:stCxn id="5" idx="2"/>
+            <a:endCxn id="32" idx="0"/>
+          </p:cNvCxnSpPr>
+          <p:nvPr/>
+        </p:nvCxnSpPr>
+        <p:spPr>
+          <a:xfrm rot="16200000" flipH="1">
+            <a:off x="3918803" y="2854937"/>
+            <a:ext cx="852551" cy="791733"/>
+          </a:xfrm>
+          <a:prstGeom prst="bentConnector3">
+            <a:avLst>
+              <a:gd name="adj1" fmla="val 50000"/>
+            </a:avLst>
+          </a:prstGeom>
+          <a:ln>
+            <a:tailEnd type="triangle"/>
+          </a:ln>
+        </p:spPr>
+        <p:style>
+          <a:lnRef idx="2">
+            <a:schemeClr val="accent1"/>
+          </a:lnRef>
+          <a:fillRef idx="0">
+            <a:schemeClr val="accent1"/>
+          </a:fillRef>
+          <a:effectRef idx="1">
+            <a:schemeClr val="accent1"/>
+          </a:effectRef>
+          <a:fontRef idx="minor">
+            <a:schemeClr val="tx1"/>
+          </a:fontRef>
+        </p:style>
+      </p:cxnSp>
+      <p:sp>
+        <p:nvSpPr>
+          <p:cNvPr id="31" name="Rectangle 30">
+            <a:extLst>
+              <a:ext uri="{FF2B5EF4-FFF2-40B4-BE49-F238E27FC236}">
+                <a16:creationId xmlns:a16="http://schemas.microsoft.com/office/drawing/2014/main" id="{76F39BD0-5D2D-2495-2AC7-9D862DA0182D}"/>
+              </a:ext>
+            </a:extLst>
+          </p:cNvPr>
+          <p:cNvSpPr/>
+          <p:nvPr/>
+        </p:nvSpPr>
+        <p:spPr>
+          <a:xfrm>
+            <a:off x="2580935" y="3677080"/>
+            <a:ext cx="1158844" cy="1222217"/>
+          </a:xfrm>
+          <a:prstGeom prst="rect">
+            <a:avLst/>
+          </a:prstGeom>
+        </p:spPr>
+        <p:style>
+          <a:lnRef idx="2">
+            <a:schemeClr val="accent2">
+              <a:shade val="15000"/>
+            </a:schemeClr>
+          </a:lnRef>
+          <a:fillRef idx="1">
+            <a:schemeClr val="accent2"/>
+          </a:fillRef>
+          <a:effectRef idx="0">
+            <a:schemeClr val="accent2"/>
+          </a:effectRef>
+          <a:fontRef idx="minor">
+            <a:schemeClr val="lt1"/>
+          </a:fontRef>
+        </p:style>
+        <p:txBody>
+          <a:bodyPr rtlCol="0" anchor="ctr"/>
+          <a:lstStyle/>
+          <a:p>
+            <a:r>
+              <a:rPr lang="en-US" sz="1200" dirty="0" err="1">
+                <a:solidFill>
+                  <a:schemeClr val="bg1"/>
+                </a:solidFill>
+                <a:effectLst/>
+                <a:latin typeface="JetBrains Mono"/>
+              </a:rPr>
+              <a:t>FK_Rec_ID</a:t>
+            </a:r>
+            <a:endParaRPr lang="en-US" sz="1200" dirty="0">
+              <a:solidFill>
+                <a:schemeClr val="bg1"/>
+              </a:solidFill>
+              <a:effectLst/>
+              <a:latin typeface="JetBrains Mono"/>
+            </a:endParaRPr>
+          </a:p>
+          <a:p>
+            <a:r>
+              <a:rPr lang="en-US" sz="1200" dirty="0">
+                <a:solidFill>
+                  <a:schemeClr val="bg1"/>
+                </a:solidFill>
+                <a:effectLst/>
+                <a:latin typeface="JetBrains Mono"/>
+              </a:rPr>
+              <a:t>Player Record</a:t>
+            </a:r>
+          </a:p>
+          <a:p>
+            <a:r>
+              <a:rPr lang="en-US" sz="1200" dirty="0">
+                <a:solidFill>
+                  <a:schemeClr val="bg1"/>
+                </a:solidFill>
+                <a:latin typeface="JetBrains Mono"/>
+              </a:rPr>
+              <a:t>Name</a:t>
+            </a:r>
+          </a:p>
+          <a:p>
+            <a:r>
+              <a:rPr lang="en-US" sz="1200" dirty="0">
+                <a:solidFill>
+                  <a:schemeClr val="bg1"/>
+                </a:solidFill>
+                <a:effectLst/>
+                <a:latin typeface="JetBrains Mono"/>
+              </a:rPr>
+              <a:t>Hdcp</a:t>
+            </a:r>
+          </a:p>
+          <a:p>
+            <a:r>
+              <a:rPr lang="en-US" sz="1200" dirty="0">
+                <a:solidFill>
+                  <a:schemeClr val="bg1"/>
+                </a:solidFill>
+                <a:latin typeface="JetBrains Mono"/>
+              </a:rPr>
+              <a:t>Score[18]</a:t>
+            </a:r>
+            <a:endParaRPr lang="en-US" sz="1200" dirty="0">
+              <a:solidFill>
+                <a:schemeClr val="bg1"/>
+              </a:solidFill>
+              <a:effectLst/>
+              <a:latin typeface="JetBrains Mono"/>
+            </a:endParaRPr>
+          </a:p>
+        </p:txBody>
+      </p:sp>
+      <p:sp>
+        <p:nvSpPr>
+          <p:cNvPr id="32" name="Rectangle 31">
+            <a:extLst>
+              <a:ext uri="{FF2B5EF4-FFF2-40B4-BE49-F238E27FC236}">
+                <a16:creationId xmlns:a16="http://schemas.microsoft.com/office/drawing/2014/main" id="{411EDC83-86EE-C25F-1721-9006AFF7F062}"/>
+              </a:ext>
+            </a:extLst>
+          </p:cNvPr>
+          <p:cNvSpPr/>
+          <p:nvPr/>
+        </p:nvSpPr>
+        <p:spPr>
+          <a:xfrm>
+            <a:off x="4161523" y="3677080"/>
+            <a:ext cx="1158844" cy="1222217"/>
+          </a:xfrm>
+          <a:prstGeom prst="rect">
+            <a:avLst/>
+          </a:prstGeom>
+        </p:spPr>
+        <p:style>
+          <a:lnRef idx="2">
+            <a:schemeClr val="accent2">
+              <a:shade val="15000"/>
+            </a:schemeClr>
+          </a:lnRef>
+          <a:fillRef idx="1">
+            <a:schemeClr val="accent2"/>
+          </a:fillRef>
+          <a:effectRef idx="0">
+            <a:schemeClr val="accent2"/>
+          </a:effectRef>
+          <a:fontRef idx="minor">
+            <a:schemeClr val="lt1"/>
+          </a:fontRef>
+        </p:style>
+        <p:txBody>
+          <a:bodyPr rtlCol="0" anchor="ctr"/>
+          <a:lstStyle/>
+          <a:p>
+            <a:r>
+              <a:rPr lang="en-US" sz="1200" dirty="0" err="1">
+                <a:solidFill>
+                  <a:schemeClr val="bg1"/>
+                </a:solidFill>
+                <a:effectLst/>
+                <a:latin typeface="JetBrains Mono"/>
+              </a:rPr>
+              <a:t>FK_Rec_ID</a:t>
+            </a:r>
+            <a:endParaRPr lang="en-US" sz="1200" dirty="0">
+              <a:solidFill>
+                <a:schemeClr val="bg1"/>
+              </a:solidFill>
+              <a:effectLst/>
+              <a:latin typeface="JetBrains Mono"/>
+            </a:endParaRPr>
+          </a:p>
+          <a:p>
+            <a:r>
+              <a:rPr lang="en-US" sz="1200" dirty="0">
+                <a:solidFill>
+                  <a:schemeClr val="bg1"/>
+                </a:solidFill>
+                <a:effectLst/>
+                <a:latin typeface="JetBrains Mono"/>
+              </a:rPr>
+              <a:t>Player Record</a:t>
+            </a:r>
+          </a:p>
+          <a:p>
+            <a:r>
+              <a:rPr lang="en-US" sz="1200" dirty="0">
+                <a:solidFill>
+                  <a:schemeClr val="bg1"/>
+                </a:solidFill>
+                <a:latin typeface="JetBrains Mono"/>
+              </a:rPr>
+              <a:t>Name</a:t>
+            </a:r>
+          </a:p>
+          <a:p>
+            <a:r>
+              <a:rPr lang="en-US" sz="1200" dirty="0">
+                <a:solidFill>
+                  <a:schemeClr val="bg1"/>
+                </a:solidFill>
+                <a:effectLst/>
+                <a:latin typeface="JetBrains Mono"/>
+              </a:rPr>
+              <a:t>Hdcp</a:t>
+            </a:r>
+          </a:p>
+          <a:p>
+            <a:r>
+              <a:rPr lang="en-US" sz="1200" dirty="0">
+                <a:solidFill>
+                  <a:schemeClr val="bg1"/>
+                </a:solidFill>
+                <a:latin typeface="JetBrains Mono"/>
+              </a:rPr>
+              <a:t>Score[18]</a:t>
+            </a:r>
+            <a:endParaRPr lang="en-US" sz="1200" dirty="0">
+              <a:solidFill>
+                <a:schemeClr val="bg1"/>
+              </a:solidFill>
+              <a:effectLst/>
+              <a:latin typeface="JetBrains Mono"/>
+            </a:endParaRPr>
+          </a:p>
+        </p:txBody>
+      </p:sp>
+      <p:sp>
+        <p:nvSpPr>
+          <p:cNvPr id="37" name="Rectangle 36">
+            <a:extLst>
+              <a:ext uri="{FF2B5EF4-FFF2-40B4-BE49-F238E27FC236}">
+                <a16:creationId xmlns:a16="http://schemas.microsoft.com/office/drawing/2014/main" id="{5D1BC5CC-2A36-0373-8267-507A70C4315A}"/>
+              </a:ext>
+            </a:extLst>
+          </p:cNvPr>
+          <p:cNvSpPr/>
+          <p:nvPr/>
+        </p:nvSpPr>
+        <p:spPr>
+          <a:xfrm>
+            <a:off x="5712791" y="3677080"/>
+            <a:ext cx="1158844" cy="1222217"/>
+          </a:xfrm>
+          <a:prstGeom prst="rect">
+            <a:avLst/>
+          </a:prstGeom>
+        </p:spPr>
+        <p:style>
+          <a:lnRef idx="2">
+            <a:schemeClr val="accent2">
+              <a:shade val="15000"/>
+            </a:schemeClr>
+          </a:lnRef>
+          <a:fillRef idx="1">
+            <a:schemeClr val="accent2"/>
+          </a:fillRef>
+          <a:effectRef idx="0">
+            <a:schemeClr val="accent2"/>
+          </a:effectRef>
+          <a:fontRef idx="minor">
+            <a:schemeClr val="lt1"/>
+          </a:fontRef>
+        </p:style>
+        <p:txBody>
+          <a:bodyPr rtlCol="0" anchor="ctr"/>
+          <a:lstStyle/>
+          <a:p>
+            <a:r>
+              <a:rPr lang="en-US" sz="1200" dirty="0" err="1">
+                <a:solidFill>
+                  <a:schemeClr val="bg1"/>
+                </a:solidFill>
+                <a:effectLst/>
+                <a:latin typeface="JetBrains Mono"/>
+              </a:rPr>
+              <a:t>FK_Rec_ID</a:t>
+            </a:r>
+            <a:endParaRPr lang="en-US" sz="1200" dirty="0">
+              <a:solidFill>
+                <a:schemeClr val="bg1"/>
+              </a:solidFill>
+              <a:effectLst/>
+              <a:latin typeface="JetBrains Mono"/>
+            </a:endParaRPr>
+          </a:p>
+          <a:p>
+            <a:r>
+              <a:rPr lang="en-US" sz="1200" dirty="0">
+                <a:solidFill>
+                  <a:schemeClr val="bg1"/>
+                </a:solidFill>
+                <a:effectLst/>
+                <a:latin typeface="JetBrains Mono"/>
+              </a:rPr>
+              <a:t>Player Record</a:t>
+            </a:r>
+          </a:p>
+          <a:p>
+            <a:r>
+              <a:rPr lang="en-US" sz="1200" dirty="0">
+                <a:solidFill>
+                  <a:schemeClr val="bg1"/>
+                </a:solidFill>
+                <a:latin typeface="JetBrains Mono"/>
+              </a:rPr>
+              <a:t>Name</a:t>
+            </a:r>
+          </a:p>
+          <a:p>
+            <a:r>
+              <a:rPr lang="en-US" sz="1200" dirty="0">
+                <a:solidFill>
+                  <a:schemeClr val="bg1"/>
+                </a:solidFill>
+                <a:effectLst/>
+                <a:latin typeface="JetBrains Mono"/>
+              </a:rPr>
+              <a:t>Hdcp</a:t>
+            </a:r>
+          </a:p>
+          <a:p>
+            <a:r>
+              <a:rPr lang="en-US" sz="1200" dirty="0">
+                <a:solidFill>
+                  <a:schemeClr val="bg1"/>
+                </a:solidFill>
+                <a:latin typeface="JetBrains Mono"/>
+              </a:rPr>
+              <a:t>Score[18]</a:t>
+            </a:r>
+            <a:endParaRPr lang="en-US" sz="1200" dirty="0">
+              <a:solidFill>
+                <a:schemeClr val="bg1"/>
+              </a:solidFill>
+              <a:effectLst/>
+              <a:latin typeface="JetBrains Mono"/>
+            </a:endParaRPr>
+          </a:p>
+        </p:txBody>
+      </p:sp>
+      <p:cxnSp>
+        <p:nvCxnSpPr>
+          <p:cNvPr id="39" name="Connector: Elbow 38">
+            <a:extLst>
+              <a:ext uri="{FF2B5EF4-FFF2-40B4-BE49-F238E27FC236}">
+                <a16:creationId xmlns:a16="http://schemas.microsoft.com/office/drawing/2014/main" id="{A2D0AF89-932D-205F-76C3-DDB93CCF66DB}"/>
+              </a:ext>
+            </a:extLst>
+          </p:cNvPr>
+          <p:cNvCxnSpPr>
+            <a:cxnSpLocks/>
+            <a:stCxn id="5" idx="2"/>
+            <a:endCxn id="37" idx="0"/>
+          </p:cNvCxnSpPr>
+          <p:nvPr/>
+        </p:nvCxnSpPr>
+        <p:spPr>
+          <a:xfrm rot="16200000" flipH="1">
+            <a:off x="4694437" y="2079303"/>
+            <a:ext cx="852551" cy="2343001"/>
+          </a:xfrm>
+          <a:prstGeom prst="bentConnector3">
+            <a:avLst>
+              <a:gd name="adj1" fmla="val 50000"/>
+            </a:avLst>
+          </a:prstGeom>
+          <a:ln>
+            <a:tailEnd type="triangle"/>
+          </a:ln>
+        </p:spPr>
+        <p:style>
+          <a:lnRef idx="2">
+            <a:schemeClr val="accent1"/>
+          </a:lnRef>
+          <a:fillRef idx="0">
+            <a:schemeClr val="accent1"/>
+          </a:fillRef>
+          <a:effectRef idx="1">
+            <a:schemeClr val="accent1"/>
+          </a:effectRef>
+          <a:fontRef idx="minor">
+            <a:schemeClr val="tx1"/>
+          </a:fontRef>
+        </p:style>
+      </p:cxnSp>
+    </p:spTree>
+    <p:extLst>
+      <p:ext uri="{BB962C8B-B14F-4D97-AF65-F5344CB8AC3E}">
+        <p14:creationId xmlns:p14="http://schemas.microsoft.com/office/powerpoint/2010/main" val="2100467204"/>
+      </p:ext>
+    </p:extLst>
+  </p:cSld>
+  <p:clrMapOvr>
+    <a:masterClrMapping/>
+  </p:clrMapOvr>
+</p:sld>
+</file>
+
+<file path=ppt/slides/slide14.xml><?xml version="1.0" encoding="utf-8"?>
+<p:sld xmlns:a="http://schemas.openxmlformats.org/drawingml/2006/main" xmlns:r="http://schemas.openxmlformats.org/officeDocument/2006/relationships" xmlns:p="http://schemas.openxmlformats.org/presentationml/2006/main">
+  <p:cSld>
+    <p:spTree>
+      <p:nvGrpSpPr>
+        <p:cNvPr id="1" name=""/>
+        <p:cNvGrpSpPr/>
+        <p:nvPr/>
+      </p:nvGrpSpPr>
+      <p:grpSpPr>
+        <a:xfrm>
+          <a:off x="0" y="0"/>
+          <a:ext cx="0" cy="0"/>
+          <a:chOff x="0" y="0"/>
+          <a:chExt cx="0" cy="0"/>
+        </a:xfrm>
+      </p:grpSpPr>
+      <p:sp>
+        <p:nvSpPr>
+          <p:cNvPr id="2" name="TextBox 1">
+            <a:extLst>
+              <a:ext uri="{FF2B5EF4-FFF2-40B4-BE49-F238E27FC236}">
                 <a16:creationId xmlns:a16="http://schemas.microsoft.com/office/drawing/2014/main" id="{1B5C00F4-BC4B-646F-477A-5400020993D9}"/>
               </a:ext>
             </a:extLst>
@@ -11527,7 +12467,7 @@
 </p:sld>
 </file>
 
-<file path=ppt/slides/slide14.xml><?xml version="1.0" encoding="utf-8"?>
+<file path=ppt/slides/slide15.xml><?xml version="1.0" encoding="utf-8"?>
 <p:sld xmlns:a="http://schemas.openxmlformats.org/drawingml/2006/main" xmlns:r="http://schemas.openxmlformats.org/officeDocument/2006/relationships" xmlns:p="http://schemas.openxmlformats.org/presentationml/2006/main">
   <p:cSld>
     <p:spTree>
@@ -13654,6 +14594,508 @@
       </p:grpSpPr>
       <p:sp>
         <p:nvSpPr>
+          <p:cNvPr id="2" name="Rectangle: Rounded Corners 1">
+            <a:extLst>
+              <a:ext uri="{FF2B5EF4-FFF2-40B4-BE49-F238E27FC236}">
+                <a16:creationId xmlns:a16="http://schemas.microsoft.com/office/drawing/2014/main" id="{E86102B1-D12C-00ED-5211-0993EF1FA918}"/>
+              </a:ext>
+            </a:extLst>
+          </p:cNvPr>
+          <p:cNvSpPr/>
+          <p:nvPr/>
+        </p:nvSpPr>
+        <p:spPr>
+          <a:xfrm>
+            <a:off x="1798367" y="960147"/>
+            <a:ext cx="640073" cy="365756"/>
+          </a:xfrm>
+          <a:prstGeom prst="roundRect">
+            <a:avLst/>
+          </a:prstGeom>
+        </p:spPr>
+        <p:style>
+          <a:lnRef idx="2">
+            <a:schemeClr val="accent1">
+              <a:shade val="15000"/>
+            </a:schemeClr>
+          </a:lnRef>
+          <a:fillRef idx="1">
+            <a:schemeClr val="accent1"/>
+          </a:fillRef>
+          <a:effectRef idx="0">
+            <a:schemeClr val="accent1"/>
+          </a:effectRef>
+          <a:fontRef idx="minor">
+            <a:schemeClr val="lt1"/>
+          </a:fontRef>
+        </p:style>
+        <p:txBody>
+          <a:bodyPr rtlCol="0" anchor="ctr"/>
+          <a:lstStyle/>
+          <a:p>
+            <a:pPr algn="ctr"/>
+            <a:r>
+              <a:rPr lang="en-US" sz="1200" dirty="0"/>
+              <a:t>Net</a:t>
+            </a:r>
+          </a:p>
+        </p:txBody>
+      </p:sp>
+      <p:sp>
+        <p:nvSpPr>
+          <p:cNvPr id="3" name="Rectangle: Rounded Corners 2">
+            <a:extLst>
+              <a:ext uri="{FF2B5EF4-FFF2-40B4-BE49-F238E27FC236}">
+                <a16:creationId xmlns:a16="http://schemas.microsoft.com/office/drawing/2014/main" id="{76E66583-2824-899B-F9A6-13454D3DC922}"/>
+              </a:ext>
+            </a:extLst>
+          </p:cNvPr>
+          <p:cNvSpPr/>
+          <p:nvPr/>
+        </p:nvSpPr>
+        <p:spPr>
+          <a:xfrm>
+            <a:off x="6583658" y="804728"/>
+            <a:ext cx="640073" cy="365756"/>
+          </a:xfrm>
+          <a:prstGeom prst="roundRect">
+            <a:avLst/>
+          </a:prstGeom>
+        </p:spPr>
+        <p:style>
+          <a:lnRef idx="2">
+            <a:schemeClr val="accent1">
+              <a:shade val="15000"/>
+            </a:schemeClr>
+          </a:lnRef>
+          <a:fillRef idx="1">
+            <a:schemeClr val="accent1"/>
+          </a:fillRef>
+          <a:effectRef idx="0">
+            <a:schemeClr val="accent1"/>
+          </a:effectRef>
+          <a:fontRef idx="minor">
+            <a:schemeClr val="lt1"/>
+          </a:fontRef>
+        </p:style>
+        <p:txBody>
+          <a:bodyPr rtlCol="0" anchor="ctr"/>
+          <a:lstStyle/>
+          <a:p>
+            <a:pPr algn="ctr"/>
+            <a:r>
+              <a:rPr lang="en-US" sz="1200" dirty="0"/>
+              <a:t>Long Net</a:t>
+            </a:r>
+          </a:p>
+        </p:txBody>
+      </p:sp>
+      <p:sp>
+        <p:nvSpPr>
+          <p:cNvPr id="4" name="Rectangle: Rounded Corners 3">
+            <a:extLst>
+              <a:ext uri="{FF2B5EF4-FFF2-40B4-BE49-F238E27FC236}">
+                <a16:creationId xmlns:a16="http://schemas.microsoft.com/office/drawing/2014/main" id="{885A2CC0-8F9C-00AF-2446-1CF1F3D69530}"/>
+              </a:ext>
+            </a:extLst>
+          </p:cNvPr>
+          <p:cNvSpPr/>
+          <p:nvPr/>
+        </p:nvSpPr>
+        <p:spPr>
+          <a:xfrm>
+            <a:off x="7741902" y="804728"/>
+            <a:ext cx="640073" cy="365756"/>
+          </a:xfrm>
+          <a:prstGeom prst="roundRect">
+            <a:avLst/>
+          </a:prstGeom>
+        </p:spPr>
+        <p:style>
+          <a:lnRef idx="2">
+            <a:schemeClr val="accent1">
+              <a:shade val="15000"/>
+            </a:schemeClr>
+          </a:lnRef>
+          <a:fillRef idx="1">
+            <a:schemeClr val="accent1"/>
+          </a:fillRef>
+          <a:effectRef idx="0">
+            <a:schemeClr val="accent1"/>
+          </a:effectRef>
+          <a:fontRef idx="minor">
+            <a:schemeClr val="lt1"/>
+          </a:fontRef>
+        </p:style>
+        <p:txBody>
+          <a:bodyPr rtlCol="0" anchor="ctr"/>
+          <a:lstStyle/>
+          <a:p>
+            <a:pPr algn="ctr"/>
+            <a:r>
+              <a:rPr lang="en-US" sz="1200" dirty="0"/>
+              <a:t>Gross</a:t>
+            </a:r>
+          </a:p>
+        </p:txBody>
+      </p:sp>
+      <p:sp>
+        <p:nvSpPr>
+          <p:cNvPr id="5" name="Rectangle: Rounded Corners 4">
+            <a:extLst>
+              <a:ext uri="{FF2B5EF4-FFF2-40B4-BE49-F238E27FC236}">
+                <a16:creationId xmlns:a16="http://schemas.microsoft.com/office/drawing/2014/main" id="{F0DCF95B-3911-078F-37C5-E71BAE14F3B4}"/>
+              </a:ext>
+            </a:extLst>
+          </p:cNvPr>
+          <p:cNvSpPr/>
+          <p:nvPr/>
+        </p:nvSpPr>
+        <p:spPr>
+          <a:xfrm>
+            <a:off x="8869633" y="804728"/>
+            <a:ext cx="640073" cy="365756"/>
+          </a:xfrm>
+          <a:prstGeom prst="roundRect">
+            <a:avLst/>
+          </a:prstGeom>
+        </p:spPr>
+        <p:style>
+          <a:lnRef idx="2">
+            <a:schemeClr val="accent1">
+              <a:shade val="15000"/>
+            </a:schemeClr>
+          </a:lnRef>
+          <a:fillRef idx="1">
+            <a:schemeClr val="accent1"/>
+          </a:fillRef>
+          <a:effectRef idx="0">
+            <a:schemeClr val="accent1"/>
+          </a:effectRef>
+          <a:fontRef idx="minor">
+            <a:schemeClr val="lt1"/>
+          </a:fontRef>
+        </p:style>
+        <p:txBody>
+          <a:bodyPr rtlCol="0" anchor="ctr"/>
+          <a:lstStyle/>
+          <a:p>
+            <a:pPr algn="ctr"/>
+            <a:r>
+              <a:rPr lang="en-US" sz="1200" dirty="0"/>
+              <a:t>Long Gross</a:t>
+            </a:r>
+          </a:p>
+        </p:txBody>
+      </p:sp>
+      <p:sp>
+        <p:nvSpPr>
+          <p:cNvPr id="6" name="Rectangle: Rounded Corners 5">
+            <a:extLst>
+              <a:ext uri="{FF2B5EF4-FFF2-40B4-BE49-F238E27FC236}">
+                <a16:creationId xmlns:a16="http://schemas.microsoft.com/office/drawing/2014/main" id="{51B9380D-6116-E6AD-2513-12399368AB03}"/>
+              </a:ext>
+            </a:extLst>
+          </p:cNvPr>
+          <p:cNvSpPr/>
+          <p:nvPr/>
+        </p:nvSpPr>
+        <p:spPr>
+          <a:xfrm>
+            <a:off x="1798367" y="1965976"/>
+            <a:ext cx="640073" cy="365756"/>
+          </a:xfrm>
+          <a:prstGeom prst="roundRect">
+            <a:avLst/>
+          </a:prstGeom>
+        </p:spPr>
+        <p:style>
+          <a:lnRef idx="2">
+            <a:schemeClr val="accent1">
+              <a:shade val="15000"/>
+            </a:schemeClr>
+          </a:lnRef>
+          <a:fillRef idx="1">
+            <a:schemeClr val="accent1"/>
+          </a:fillRef>
+          <a:effectRef idx="0">
+            <a:schemeClr val="accent1"/>
+          </a:effectRef>
+          <a:fontRef idx="minor">
+            <a:schemeClr val="lt1"/>
+          </a:fontRef>
+        </p:style>
+        <p:txBody>
+          <a:bodyPr rtlCol="0" anchor="ctr"/>
+          <a:lstStyle/>
+          <a:p>
+            <a:pPr algn="ctr"/>
+            <a:r>
+              <a:rPr lang="en-US" sz="1200" dirty="0"/>
+              <a:t>Same</a:t>
+            </a:r>
+          </a:p>
+        </p:txBody>
+      </p:sp>
+      <p:cxnSp>
+        <p:nvCxnSpPr>
+          <p:cNvPr id="8" name="Straight Arrow Connector 7">
+            <a:extLst>
+              <a:ext uri="{FF2B5EF4-FFF2-40B4-BE49-F238E27FC236}">
+                <a16:creationId xmlns:a16="http://schemas.microsoft.com/office/drawing/2014/main" id="{2166F5C2-68A8-6E30-A68A-597F010B1F37}"/>
+              </a:ext>
+            </a:extLst>
+          </p:cNvPr>
+          <p:cNvCxnSpPr>
+            <a:cxnSpLocks/>
+            <a:stCxn id="2" idx="2"/>
+            <a:endCxn id="6" idx="0"/>
+          </p:cNvCxnSpPr>
+          <p:nvPr/>
+        </p:nvCxnSpPr>
+        <p:spPr>
+          <a:xfrm>
+            <a:off x="2118404" y="1325903"/>
+            <a:ext cx="0" cy="640073"/>
+          </a:xfrm>
+          <a:prstGeom prst="straightConnector1">
+            <a:avLst/>
+          </a:prstGeom>
+          <a:ln>
+            <a:tailEnd type="triangle"/>
+          </a:ln>
+        </p:spPr>
+        <p:style>
+          <a:lnRef idx="2">
+            <a:schemeClr val="accent1"/>
+          </a:lnRef>
+          <a:fillRef idx="0">
+            <a:schemeClr val="accent1"/>
+          </a:fillRef>
+          <a:effectRef idx="1">
+            <a:schemeClr val="accent1"/>
+          </a:effectRef>
+          <a:fontRef idx="minor">
+            <a:schemeClr val="tx1"/>
+          </a:fontRef>
+        </p:style>
+      </p:cxnSp>
+      <p:sp>
+        <p:nvSpPr>
+          <p:cNvPr id="11" name="Rectangle: Rounded Corners 10">
+            <a:extLst>
+              <a:ext uri="{FF2B5EF4-FFF2-40B4-BE49-F238E27FC236}">
+                <a16:creationId xmlns:a16="http://schemas.microsoft.com/office/drawing/2014/main" id="{91D33A26-BF72-F5FE-EA9B-248B68020ACD}"/>
+              </a:ext>
+            </a:extLst>
+          </p:cNvPr>
+          <p:cNvSpPr/>
+          <p:nvPr/>
+        </p:nvSpPr>
+        <p:spPr>
+          <a:xfrm>
+            <a:off x="603607" y="1965990"/>
+            <a:ext cx="640073" cy="365756"/>
+          </a:xfrm>
+          <a:prstGeom prst="roundRect">
+            <a:avLst/>
+          </a:prstGeom>
+        </p:spPr>
+        <p:style>
+          <a:lnRef idx="2">
+            <a:schemeClr val="accent1">
+              <a:shade val="15000"/>
+            </a:schemeClr>
+          </a:lnRef>
+          <a:fillRef idx="1">
+            <a:schemeClr val="accent1"/>
+          </a:fillRef>
+          <a:effectRef idx="0">
+            <a:schemeClr val="accent1"/>
+          </a:effectRef>
+          <a:fontRef idx="minor">
+            <a:schemeClr val="lt1"/>
+          </a:fontRef>
+        </p:style>
+        <p:txBody>
+          <a:bodyPr rtlCol="0" anchor="ctr"/>
+          <a:lstStyle/>
+          <a:p>
+            <a:pPr algn="ctr"/>
+            <a:r>
+              <a:rPr lang="en-US" sz="1200" dirty="0"/>
+              <a:t>Clear</a:t>
+            </a:r>
+          </a:p>
+        </p:txBody>
+      </p:sp>
+      <p:sp>
+        <p:nvSpPr>
+          <p:cNvPr id="12" name="Rectangle: Rounded Corners 11">
+            <a:extLst>
+              <a:ext uri="{FF2B5EF4-FFF2-40B4-BE49-F238E27FC236}">
+                <a16:creationId xmlns:a16="http://schemas.microsoft.com/office/drawing/2014/main" id="{97024C57-3800-D7FA-5137-CFA1850D665B}"/>
+              </a:ext>
+            </a:extLst>
+          </p:cNvPr>
+          <p:cNvSpPr/>
+          <p:nvPr/>
+        </p:nvSpPr>
+        <p:spPr>
+          <a:xfrm>
+            <a:off x="2993127" y="1965976"/>
+            <a:ext cx="640073" cy="365756"/>
+          </a:xfrm>
+          <a:prstGeom prst="roundRect">
+            <a:avLst/>
+          </a:prstGeom>
+        </p:spPr>
+        <p:style>
+          <a:lnRef idx="2">
+            <a:schemeClr val="accent1">
+              <a:shade val="15000"/>
+            </a:schemeClr>
+          </a:lnRef>
+          <a:fillRef idx="1">
+            <a:schemeClr val="accent1"/>
+          </a:fillRef>
+          <a:effectRef idx="0">
+            <a:schemeClr val="accent1"/>
+          </a:effectRef>
+          <a:fontRef idx="minor">
+            <a:schemeClr val="lt1"/>
+          </a:fontRef>
+        </p:style>
+        <p:txBody>
+          <a:bodyPr rtlCol="0" anchor="ctr"/>
+          <a:lstStyle/>
+          <a:p>
+            <a:pPr algn="ctr"/>
+            <a:r>
+              <a:rPr lang="en-US" sz="1200" dirty="0"/>
+              <a:t>Set</a:t>
+            </a:r>
+          </a:p>
+        </p:txBody>
+      </p:sp>
+      <p:cxnSp>
+        <p:nvCxnSpPr>
+          <p:cNvPr id="14" name="Straight Arrow Connector 13">
+            <a:extLst>
+              <a:ext uri="{FF2B5EF4-FFF2-40B4-BE49-F238E27FC236}">
+                <a16:creationId xmlns:a16="http://schemas.microsoft.com/office/drawing/2014/main" id="{40CFBC97-1DCB-7A60-4649-FB39D5E8C80B}"/>
+              </a:ext>
+            </a:extLst>
+          </p:cNvPr>
+          <p:cNvCxnSpPr>
+            <a:cxnSpLocks/>
+            <a:stCxn id="6" idx="1"/>
+            <a:endCxn id="11" idx="3"/>
+          </p:cNvCxnSpPr>
+          <p:nvPr/>
+        </p:nvCxnSpPr>
+        <p:spPr>
+          <a:xfrm flipH="1">
+            <a:off x="1243680" y="2148854"/>
+            <a:ext cx="554687" cy="14"/>
+          </a:xfrm>
+          <a:prstGeom prst="straightConnector1">
+            <a:avLst/>
+          </a:prstGeom>
+          <a:ln>
+            <a:tailEnd type="triangle"/>
+          </a:ln>
+        </p:spPr>
+        <p:style>
+          <a:lnRef idx="2">
+            <a:schemeClr val="accent1"/>
+          </a:lnRef>
+          <a:fillRef idx="0">
+            <a:schemeClr val="accent1"/>
+          </a:fillRef>
+          <a:effectRef idx="1">
+            <a:schemeClr val="accent1"/>
+          </a:effectRef>
+          <a:fontRef idx="minor">
+            <a:schemeClr val="tx1"/>
+          </a:fontRef>
+        </p:style>
+      </p:cxnSp>
+      <p:cxnSp>
+        <p:nvCxnSpPr>
+          <p:cNvPr id="18" name="Straight Arrow Connector 17">
+            <a:extLst>
+              <a:ext uri="{FF2B5EF4-FFF2-40B4-BE49-F238E27FC236}">
+                <a16:creationId xmlns:a16="http://schemas.microsoft.com/office/drawing/2014/main" id="{D0C4506D-646F-3EC5-1BD0-EE9B021B2FC6}"/>
+              </a:ext>
+            </a:extLst>
+          </p:cNvPr>
+          <p:cNvCxnSpPr>
+            <a:cxnSpLocks/>
+            <a:stCxn id="6" idx="3"/>
+            <a:endCxn id="12" idx="1"/>
+          </p:cNvCxnSpPr>
+          <p:nvPr/>
+        </p:nvCxnSpPr>
+        <p:spPr>
+          <a:xfrm>
+            <a:off x="2438440" y="2148854"/>
+            <a:ext cx="554687" cy="0"/>
+          </a:xfrm>
+          <a:prstGeom prst="straightConnector1">
+            <a:avLst/>
+          </a:prstGeom>
+          <a:ln>
+            <a:tailEnd type="triangle"/>
+          </a:ln>
+        </p:spPr>
+        <p:style>
+          <a:lnRef idx="2">
+            <a:schemeClr val="accent1"/>
+          </a:lnRef>
+          <a:fillRef idx="0">
+            <a:schemeClr val="accent1"/>
+          </a:fillRef>
+          <a:effectRef idx="1">
+            <a:schemeClr val="accent1"/>
+          </a:effectRef>
+          <a:fontRef idx="minor">
+            <a:schemeClr val="tx1"/>
+          </a:fontRef>
+        </p:style>
+      </p:cxnSp>
+    </p:spTree>
+    <p:extLst>
+      <p:ext uri="{BB962C8B-B14F-4D97-AF65-F5344CB8AC3E}">
+        <p14:creationId xmlns:p14="http://schemas.microsoft.com/office/powerpoint/2010/main" val="154143774"/>
+      </p:ext>
+    </p:extLst>
+  </p:cSld>
+  <p:clrMapOvr>
+    <a:masterClrMapping/>
+  </p:clrMapOvr>
+</p:sld>
+</file>
+
+<file path=ppt/slides/slide3.xml><?xml version="1.0" encoding="utf-8"?>
+<p:sld xmlns:a="http://schemas.openxmlformats.org/drawingml/2006/main" xmlns:r="http://schemas.openxmlformats.org/officeDocument/2006/relationships" xmlns:p="http://schemas.openxmlformats.org/presentationml/2006/main">
+  <p:cSld>
+    <p:spTree>
+      <p:nvGrpSpPr>
+        <p:cNvPr id="1" name=""/>
+        <p:cNvGrpSpPr/>
+        <p:nvPr/>
+      </p:nvGrpSpPr>
+      <p:grpSpPr>
+        <a:xfrm>
+          <a:off x="0" y="0"/>
+          <a:ext cx="0" cy="0"/>
+          <a:chOff x="0" y="0"/>
+          <a:chExt cx="0" cy="0"/>
+        </a:xfrm>
+      </p:grpSpPr>
+      <p:sp>
+        <p:nvSpPr>
           <p:cNvPr id="3" name="Rectangle 2">
             <a:extLst>
               <a:ext uri="{FF2B5EF4-FFF2-40B4-BE49-F238E27FC236}">
@@ -15661,7 +17103,7 @@
 </p:sld>
 </file>
 
-<file path=ppt/slides/slide3.xml><?xml version="1.0" encoding="utf-8"?>
+<file path=ppt/slides/slide4.xml><?xml version="1.0" encoding="utf-8"?>
 <p:sld xmlns:a="http://schemas.openxmlformats.org/drawingml/2006/main" xmlns:r="http://schemas.openxmlformats.org/officeDocument/2006/relationships" xmlns:p="http://schemas.openxmlformats.org/presentationml/2006/main">
   <p:cSld>
     <p:spTree>
@@ -17071,7 +18513,7 @@
 </p:sld>
 </file>
 
-<file path=ppt/slides/slide4.xml><?xml version="1.0" encoding="utf-8"?>
+<file path=ppt/slides/slide5.xml><?xml version="1.0" encoding="utf-8"?>
 <p:sld xmlns:a="http://schemas.openxmlformats.org/drawingml/2006/main" xmlns:r="http://schemas.openxmlformats.org/officeDocument/2006/relationships" xmlns:p="http://schemas.openxmlformats.org/presentationml/2006/main">
   <p:cSld>
     <p:spTree>
@@ -17335,7 +18777,7 @@
 </p:sld>
 </file>
 
-<file path=ppt/slides/slide5.xml><?xml version="1.0" encoding="utf-8"?>
+<file path=ppt/slides/slide6.xml><?xml version="1.0" encoding="utf-8"?>
 <p:sld xmlns:a="http://schemas.openxmlformats.org/drawingml/2006/main" xmlns:r="http://schemas.openxmlformats.org/officeDocument/2006/relationships" xmlns:p="http://schemas.openxmlformats.org/presentationml/2006/main">
   <p:cSld>
     <p:spTree>
@@ -18794,1146 +20236,6 @@
 </p:sld>
 </file>
 
-<file path=ppt/slides/slide6.xml><?xml version="1.0" encoding="utf-8"?>
-<p:sld xmlns:a="http://schemas.openxmlformats.org/drawingml/2006/main" xmlns:r="http://schemas.openxmlformats.org/officeDocument/2006/relationships" xmlns:p="http://schemas.openxmlformats.org/presentationml/2006/main">
-  <p:cSld>
-    <p:spTree>
-      <p:nvGrpSpPr>
-        <p:cNvPr id="1" name=""/>
-        <p:cNvGrpSpPr/>
-        <p:nvPr/>
-      </p:nvGrpSpPr>
-      <p:grpSpPr>
-        <a:xfrm>
-          <a:off x="0" y="0"/>
-          <a:ext cx="0" cy="0"/>
-          <a:chOff x="0" y="0"/>
-          <a:chExt cx="0" cy="0"/>
-        </a:xfrm>
-      </p:grpSpPr>
-      <p:sp>
-        <p:nvSpPr>
-          <p:cNvPr id="3" name="TextBox 2">
-            <a:extLst>
-              <a:ext uri="{FF2B5EF4-FFF2-40B4-BE49-F238E27FC236}">
-                <a16:creationId xmlns:a16="http://schemas.microsoft.com/office/drawing/2014/main" id="{A473E4F8-FF65-7DFC-B78A-1F8CDE2D1BBF}"/>
-              </a:ext>
-            </a:extLst>
-          </p:cNvPr>
-          <p:cNvSpPr txBox="1"/>
-          <p:nvPr/>
-        </p:nvSpPr>
-        <p:spPr>
-          <a:xfrm>
-            <a:off x="4470149" y="340434"/>
-            <a:ext cx="2401431" cy="369332"/>
-          </a:xfrm>
-          <a:prstGeom prst="rect">
-            <a:avLst/>
-          </a:prstGeom>
-          <a:noFill/>
-        </p:spPr>
-        <p:txBody>
-          <a:bodyPr wrap="square">
-            <a:spAutoFit/>
-          </a:bodyPr>
-          <a:lstStyle/>
-          <a:p>
-            <a:r>
-              <a:rPr lang="en-US" sz="1800" dirty="0"/>
-              <a:t>Configuration Menu</a:t>
-            </a:r>
-          </a:p>
-        </p:txBody>
-      </p:sp>
-      <p:sp>
-        <p:nvSpPr>
-          <p:cNvPr id="4" name="Rectangle 3">
-            <a:extLst>
-              <a:ext uri="{FF2B5EF4-FFF2-40B4-BE49-F238E27FC236}">
-                <a16:creationId xmlns:a16="http://schemas.microsoft.com/office/drawing/2014/main" id="{C469073E-018B-DF0B-972A-EA68B2109C50}"/>
-              </a:ext>
-            </a:extLst>
-          </p:cNvPr>
-          <p:cNvSpPr/>
-          <p:nvPr/>
-        </p:nvSpPr>
-        <p:spPr>
-          <a:xfrm>
-            <a:off x="1247491" y="1647313"/>
-            <a:ext cx="1367073" cy="289711"/>
-          </a:xfrm>
-          <a:prstGeom prst="rect">
-            <a:avLst/>
-          </a:prstGeom>
-        </p:spPr>
-        <p:style>
-          <a:lnRef idx="2">
-            <a:schemeClr val="accent1">
-              <a:shade val="15000"/>
-            </a:schemeClr>
-          </a:lnRef>
-          <a:fillRef idx="1">
-            <a:schemeClr val="accent1"/>
-          </a:fillRef>
-          <a:effectRef idx="0">
-            <a:schemeClr val="accent1"/>
-          </a:effectRef>
-          <a:fontRef idx="minor">
-            <a:schemeClr val="lt1"/>
-          </a:fontRef>
-        </p:style>
-        <p:txBody>
-          <a:bodyPr rtlCol="0" anchor="ctr"/>
-          <a:lstStyle/>
-          <a:p>
-            <a:pPr algn="ctr"/>
-            <a:r>
-              <a:rPr lang="en-US" sz="1200" dirty="0">
-                <a:effectLst/>
-                <a:latin typeface="Times New Roman" panose="02020603050405020304" pitchFamily="18" charset="0"/>
-                <a:ea typeface="Calibri" panose="020F0502020204030204" pitchFamily="34" charset="0"/>
-              </a:rPr>
-              <a:t>Point Quota</a:t>
-            </a:r>
-            <a:endParaRPr lang="en-US" sz="1200" dirty="0"/>
-          </a:p>
-        </p:txBody>
-      </p:sp>
-      <p:sp>
-        <p:nvSpPr>
-          <p:cNvPr id="6" name="Rectangle 5">
-            <a:extLst>
-              <a:ext uri="{FF2B5EF4-FFF2-40B4-BE49-F238E27FC236}">
-                <a16:creationId xmlns:a16="http://schemas.microsoft.com/office/drawing/2014/main" id="{AECBD2E3-7C98-DDE8-9B4F-6CEF231D7DF1}"/>
-              </a:ext>
-            </a:extLst>
-          </p:cNvPr>
-          <p:cNvSpPr/>
-          <p:nvPr/>
-        </p:nvSpPr>
-        <p:spPr>
-          <a:xfrm>
-            <a:off x="1247491" y="4184021"/>
-            <a:ext cx="1367073" cy="289711"/>
-          </a:xfrm>
-          <a:prstGeom prst="rect">
-            <a:avLst/>
-          </a:prstGeom>
-        </p:spPr>
-        <p:style>
-          <a:lnRef idx="2">
-            <a:schemeClr val="accent1">
-              <a:shade val="15000"/>
-            </a:schemeClr>
-          </a:lnRef>
-          <a:fillRef idx="1">
-            <a:schemeClr val="accent1"/>
-          </a:fillRef>
-          <a:effectRef idx="0">
-            <a:schemeClr val="accent1"/>
-          </a:effectRef>
-          <a:fontRef idx="minor">
-            <a:schemeClr val="lt1"/>
-          </a:fontRef>
-        </p:style>
-        <p:txBody>
-          <a:bodyPr rtlCol="0" anchor="ctr"/>
-          <a:lstStyle/>
-          <a:p>
-            <a:pPr algn="ctr"/>
-            <a:r>
-              <a:rPr lang="en-US" sz="1200" kern="100" dirty="0">
-                <a:effectLst/>
-                <a:latin typeface="Times New Roman" panose="02020603050405020304" pitchFamily="18" charset="0"/>
-                <a:ea typeface="Calibri" panose="020F0502020204030204" pitchFamily="34" charset="0"/>
-              </a:rPr>
-              <a:t>Junk</a:t>
-            </a:r>
-            <a:r>
-              <a:rPr lang="en-US" sz="1800" kern="100" dirty="0">
-                <a:effectLst/>
-                <a:latin typeface="Times New Roman" panose="02020603050405020304" pitchFamily="18" charset="0"/>
-                <a:ea typeface="Calibri" panose="020F0502020204030204" pitchFamily="34" charset="0"/>
-              </a:rPr>
-              <a:t> </a:t>
-            </a:r>
-            <a:r>
-              <a:rPr lang="en-US" sz="1200" kern="100" dirty="0">
-                <a:effectLst/>
-                <a:latin typeface="Times New Roman" panose="02020603050405020304" pitchFamily="18" charset="0"/>
-                <a:ea typeface="Calibri" panose="020F0502020204030204" pitchFamily="34" charset="0"/>
-              </a:rPr>
-              <a:t>Awards</a:t>
-            </a:r>
-          </a:p>
-        </p:txBody>
-      </p:sp>
-      <p:sp>
-        <p:nvSpPr>
-          <p:cNvPr id="7" name="Rectangle 6">
-            <a:extLst>
-              <a:ext uri="{FF2B5EF4-FFF2-40B4-BE49-F238E27FC236}">
-                <a16:creationId xmlns:a16="http://schemas.microsoft.com/office/drawing/2014/main" id="{91B91373-99E3-3276-5D54-EF7E9179D094}"/>
-              </a:ext>
-            </a:extLst>
-          </p:cNvPr>
-          <p:cNvSpPr/>
-          <p:nvPr/>
-        </p:nvSpPr>
-        <p:spPr>
-          <a:xfrm>
-            <a:off x="1247491" y="5841296"/>
-            <a:ext cx="1367073" cy="289711"/>
-          </a:xfrm>
-          <a:prstGeom prst="rect">
-            <a:avLst/>
-          </a:prstGeom>
-        </p:spPr>
-        <p:style>
-          <a:lnRef idx="2">
-            <a:schemeClr val="accent1">
-              <a:shade val="15000"/>
-            </a:schemeClr>
-          </a:lnRef>
-          <a:fillRef idx="1">
-            <a:schemeClr val="accent1"/>
-          </a:fillRef>
-          <a:effectRef idx="0">
-            <a:schemeClr val="accent1"/>
-          </a:effectRef>
-          <a:fontRef idx="minor">
-            <a:schemeClr val="lt1"/>
-          </a:fontRef>
-        </p:style>
-        <p:txBody>
-          <a:bodyPr rtlCol="0" anchor="ctr"/>
-          <a:lstStyle/>
-          <a:p>
-            <a:pPr algn="ctr"/>
-            <a:r>
-              <a:rPr lang="en-US" sz="1200" dirty="0">
-                <a:effectLst/>
-                <a:latin typeface="Times New Roman" panose="02020603050405020304" pitchFamily="18" charset="0"/>
-                <a:ea typeface="Calibri" panose="020F0502020204030204" pitchFamily="34" charset="0"/>
-              </a:rPr>
-              <a:t>Restore</a:t>
-            </a:r>
-            <a:endParaRPr lang="en-US" sz="1200" dirty="0"/>
-          </a:p>
-        </p:txBody>
-      </p:sp>
-      <p:sp>
-        <p:nvSpPr>
-          <p:cNvPr id="8" name="Rectangle 7">
-            <a:extLst>
-              <a:ext uri="{FF2B5EF4-FFF2-40B4-BE49-F238E27FC236}">
-                <a16:creationId xmlns:a16="http://schemas.microsoft.com/office/drawing/2014/main" id="{8FB95908-1EA5-CAF7-3F9F-4A80E27BD37B}"/>
-              </a:ext>
-            </a:extLst>
-          </p:cNvPr>
-          <p:cNvSpPr/>
-          <p:nvPr/>
-        </p:nvSpPr>
-        <p:spPr>
-          <a:xfrm>
-            <a:off x="1247491" y="3001866"/>
-            <a:ext cx="1263391" cy="289711"/>
-          </a:xfrm>
-          <a:prstGeom prst="rect">
-            <a:avLst/>
-          </a:prstGeom>
-        </p:spPr>
-        <p:style>
-          <a:lnRef idx="2">
-            <a:schemeClr val="accent1">
-              <a:shade val="15000"/>
-            </a:schemeClr>
-          </a:lnRef>
-          <a:fillRef idx="1">
-            <a:schemeClr val="accent1"/>
-          </a:fillRef>
-          <a:effectRef idx="0">
-            <a:schemeClr val="accent1"/>
-          </a:effectRef>
-          <a:fontRef idx="minor">
-            <a:schemeClr val="lt1"/>
-          </a:fontRef>
-        </p:style>
-        <p:txBody>
-          <a:bodyPr rtlCol="0" anchor="ctr"/>
-          <a:lstStyle/>
-          <a:p>
-            <a:pPr algn="ctr"/>
-            <a:r>
-              <a:rPr lang="en-US" sz="1200" dirty="0"/>
-              <a:t>Email Address</a:t>
-            </a:r>
-          </a:p>
-        </p:txBody>
-      </p:sp>
-      <p:sp>
-        <p:nvSpPr>
-          <p:cNvPr id="9" name="Rectangle 8">
-            <a:extLst>
-              <a:ext uri="{FF2B5EF4-FFF2-40B4-BE49-F238E27FC236}">
-                <a16:creationId xmlns:a16="http://schemas.microsoft.com/office/drawing/2014/main" id="{6A23EC75-9AB6-53D2-659A-B0676A3FFB2C}"/>
-              </a:ext>
-            </a:extLst>
-          </p:cNvPr>
-          <p:cNvSpPr/>
-          <p:nvPr/>
-        </p:nvSpPr>
-        <p:spPr>
-          <a:xfrm>
-            <a:off x="1247491" y="5228376"/>
-            <a:ext cx="1367073" cy="289711"/>
-          </a:xfrm>
-          <a:prstGeom prst="rect">
-            <a:avLst/>
-          </a:prstGeom>
-        </p:spPr>
-        <p:style>
-          <a:lnRef idx="2">
-            <a:schemeClr val="accent1">
-              <a:shade val="15000"/>
-            </a:schemeClr>
-          </a:lnRef>
-          <a:fillRef idx="1">
-            <a:schemeClr val="accent1"/>
-          </a:fillRef>
-          <a:effectRef idx="0">
-            <a:schemeClr val="accent1"/>
-          </a:effectRef>
-          <a:fontRef idx="minor">
-            <a:schemeClr val="lt1"/>
-          </a:fontRef>
-        </p:style>
-        <p:txBody>
-          <a:bodyPr rtlCol="0" anchor="ctr"/>
-          <a:lstStyle/>
-          <a:p>
-            <a:pPr algn="ctr"/>
-            <a:r>
-              <a:rPr lang="en-US" sz="1200" dirty="0">
-                <a:effectLst/>
-                <a:latin typeface="Times New Roman" panose="02020603050405020304" pitchFamily="18" charset="0"/>
-                <a:ea typeface="Calibri" panose="020F0502020204030204" pitchFamily="34" charset="0"/>
-              </a:rPr>
-              <a:t>Backup</a:t>
-            </a:r>
-            <a:endParaRPr lang="en-US" sz="1200" dirty="0"/>
-          </a:p>
-        </p:txBody>
-      </p:sp>
-      <p:sp>
-        <p:nvSpPr>
-          <p:cNvPr id="10" name="Rectangle 9">
-            <a:extLst>
-              <a:ext uri="{FF2B5EF4-FFF2-40B4-BE49-F238E27FC236}">
-                <a16:creationId xmlns:a16="http://schemas.microsoft.com/office/drawing/2014/main" id="{7CF7B570-A948-EF65-5EEB-3DB4EAA33C96}"/>
-              </a:ext>
-            </a:extLst>
-          </p:cNvPr>
-          <p:cNvSpPr/>
-          <p:nvPr/>
-        </p:nvSpPr>
-        <p:spPr>
-          <a:xfrm>
-            <a:off x="7873499" y="1398342"/>
-            <a:ext cx="1587372" cy="787652"/>
-          </a:xfrm>
-          <a:prstGeom prst="rect">
-            <a:avLst/>
-          </a:prstGeom>
-        </p:spPr>
-        <p:style>
-          <a:lnRef idx="2">
-            <a:schemeClr val="accent1"/>
-          </a:lnRef>
-          <a:fillRef idx="1">
-            <a:schemeClr val="lt1"/>
-          </a:fillRef>
-          <a:effectRef idx="0">
-            <a:schemeClr val="accent1"/>
-          </a:effectRef>
-          <a:fontRef idx="minor">
-            <a:schemeClr val="dk1"/>
-          </a:fontRef>
-        </p:style>
-        <p:txBody>
-          <a:bodyPr rtlCol="0" anchor="ctr"/>
-          <a:lstStyle/>
-          <a:p>
-            <a:r>
-              <a:rPr lang="en-US" sz="1200" dirty="0"/>
-              <a:t>Point Quote Record</a:t>
-            </a:r>
-          </a:p>
-          <a:p>
-            <a:r>
-              <a:rPr lang="en-US" sz="1200" dirty="0"/>
-              <a:t>Key – String</a:t>
-            </a:r>
-          </a:p>
-          <a:p>
-            <a:r>
-              <a:rPr lang="en-US" sz="1200" dirty="0"/>
-              <a:t>Data - Int</a:t>
-            </a:r>
-          </a:p>
-        </p:txBody>
-      </p:sp>
-      <p:sp>
-        <p:nvSpPr>
-          <p:cNvPr id="29" name="Rectangle 28">
-            <a:extLst>
-              <a:ext uri="{FF2B5EF4-FFF2-40B4-BE49-F238E27FC236}">
-                <a16:creationId xmlns:a16="http://schemas.microsoft.com/office/drawing/2014/main" id="{0C6716F2-71E6-715A-04EA-250478495EE9}"/>
-              </a:ext>
-            </a:extLst>
-          </p:cNvPr>
-          <p:cNvSpPr/>
-          <p:nvPr/>
-        </p:nvSpPr>
-        <p:spPr>
-          <a:xfrm>
-            <a:off x="4470149" y="1046615"/>
-            <a:ext cx="1367074" cy="1491106"/>
-          </a:xfrm>
-          <a:prstGeom prst="rect">
-            <a:avLst/>
-          </a:prstGeom>
-        </p:spPr>
-        <p:style>
-          <a:lnRef idx="2">
-            <a:schemeClr val="accent1">
-              <a:shade val="15000"/>
-            </a:schemeClr>
-          </a:lnRef>
-          <a:fillRef idx="1">
-            <a:schemeClr val="accent1"/>
-          </a:fillRef>
-          <a:effectRef idx="0">
-            <a:schemeClr val="accent1"/>
-          </a:effectRef>
-          <a:fontRef idx="minor">
-            <a:schemeClr val="lt1"/>
-          </a:fontRef>
-        </p:style>
-        <p:txBody>
-          <a:bodyPr rtlCol="0" anchor="t"/>
-          <a:lstStyle/>
-          <a:p>
-            <a:pPr algn="ctr"/>
-            <a:r>
-              <a:rPr lang="en-US" sz="1200" dirty="0">
-                <a:effectLst/>
-                <a:latin typeface="Times New Roman" panose="02020603050405020304" pitchFamily="18" charset="0"/>
-                <a:ea typeface="Calibri" panose="020F0502020204030204" pitchFamily="34" charset="0"/>
-              </a:rPr>
-              <a:t>Point Quota Menu</a:t>
-            </a:r>
-          </a:p>
-          <a:p>
-            <a:pPr algn="ctr"/>
-            <a:endParaRPr lang="en-US" sz="1000" dirty="0">
-              <a:latin typeface="Times New Roman" panose="02020603050405020304" pitchFamily="18" charset="0"/>
-            </a:endParaRPr>
-          </a:p>
-          <a:p>
-            <a:r>
-              <a:rPr lang="en-US" sz="1000" dirty="0">
-                <a:latin typeface="Times New Roman" panose="02020603050405020304" pitchFamily="18" charset="0"/>
-              </a:rPr>
-              <a:t>Albatross	__</a:t>
-            </a:r>
-          </a:p>
-          <a:p>
-            <a:r>
-              <a:rPr lang="en-US" sz="1000" dirty="0"/>
-              <a:t>Eagle	__</a:t>
-            </a:r>
-          </a:p>
-          <a:p>
-            <a:r>
-              <a:rPr lang="en-US" sz="1000" dirty="0"/>
-              <a:t>Birdie	__</a:t>
-            </a:r>
-          </a:p>
-          <a:p>
-            <a:r>
-              <a:rPr lang="en-US" sz="1000" dirty="0"/>
-              <a:t>Par	__</a:t>
-            </a:r>
-          </a:p>
-          <a:p>
-            <a:r>
-              <a:rPr lang="en-US" sz="1000" dirty="0"/>
-              <a:t>Bogey	__</a:t>
-            </a:r>
-          </a:p>
-          <a:p>
-            <a:r>
-              <a:rPr lang="en-US" sz="1000" dirty="0"/>
-              <a:t>Double	__</a:t>
-            </a:r>
-          </a:p>
-          <a:p>
-            <a:r>
-              <a:rPr lang="en-US" sz="1000" dirty="0"/>
-              <a:t>Other	__</a:t>
-            </a:r>
-          </a:p>
-          <a:p>
-            <a:pPr algn="ctr"/>
-            <a:endParaRPr lang="en-US" sz="1000" dirty="0"/>
-          </a:p>
-        </p:txBody>
-      </p:sp>
-      <p:sp>
-        <p:nvSpPr>
-          <p:cNvPr id="35" name="TextBox 34">
-            <a:extLst>
-              <a:ext uri="{FF2B5EF4-FFF2-40B4-BE49-F238E27FC236}">
-                <a16:creationId xmlns:a16="http://schemas.microsoft.com/office/drawing/2014/main" id="{65B02EB3-CA5D-4D54-9D73-5AAE9B53E8D7}"/>
-              </a:ext>
-            </a:extLst>
-          </p:cNvPr>
-          <p:cNvSpPr txBox="1"/>
-          <p:nvPr/>
-        </p:nvSpPr>
-        <p:spPr>
-          <a:xfrm>
-            <a:off x="4004649" y="5440258"/>
-            <a:ext cx="6304931" cy="461665"/>
-          </a:xfrm>
-          <a:prstGeom prst="rect">
-            <a:avLst/>
-          </a:prstGeom>
-          <a:noFill/>
-        </p:spPr>
-        <p:txBody>
-          <a:bodyPr wrap="none" rtlCol="0">
-            <a:spAutoFit/>
-          </a:bodyPr>
-          <a:lstStyle/>
-          <a:p>
-            <a:r>
-              <a:rPr lang="en-US" sz="1200" dirty="0"/>
-              <a:t>See article - Room Database - Backup &amp; Restore Features</a:t>
-            </a:r>
-          </a:p>
-          <a:p>
-            <a:r>
-              <a:rPr lang="en-US" sz="1200" dirty="0"/>
-              <a:t>https://androidexplained.github.io/android/room/2020/10/03/room-backup-restore.html</a:t>
-            </a:r>
-          </a:p>
-        </p:txBody>
-      </p:sp>
-      <p:cxnSp>
-        <p:nvCxnSpPr>
-          <p:cNvPr id="37" name="Connector: Elbow 36">
-            <a:extLst>
-              <a:ext uri="{FF2B5EF4-FFF2-40B4-BE49-F238E27FC236}">
-                <a16:creationId xmlns:a16="http://schemas.microsoft.com/office/drawing/2014/main" id="{1C540917-CA3C-8509-3217-C292ED4F5661}"/>
-              </a:ext>
-            </a:extLst>
-          </p:cNvPr>
-          <p:cNvCxnSpPr>
-            <a:cxnSpLocks/>
-            <a:stCxn id="9" idx="3"/>
-            <a:endCxn id="35" idx="1"/>
-          </p:cNvCxnSpPr>
-          <p:nvPr/>
-        </p:nvCxnSpPr>
-        <p:spPr>
-          <a:xfrm>
-            <a:off x="2614564" y="5373232"/>
-            <a:ext cx="1390085" cy="297859"/>
-          </a:xfrm>
-          <a:prstGeom prst="bentConnector3">
-            <a:avLst/>
-          </a:prstGeom>
-          <a:ln>
-            <a:tailEnd type="triangle"/>
-          </a:ln>
-        </p:spPr>
-        <p:style>
-          <a:lnRef idx="2">
-            <a:schemeClr val="accent1"/>
-          </a:lnRef>
-          <a:fillRef idx="0">
-            <a:schemeClr val="accent1"/>
-          </a:fillRef>
-          <a:effectRef idx="1">
-            <a:schemeClr val="accent1"/>
-          </a:effectRef>
-          <a:fontRef idx="minor">
-            <a:schemeClr val="tx1"/>
-          </a:fontRef>
-        </p:style>
-      </p:cxnSp>
-      <p:cxnSp>
-        <p:nvCxnSpPr>
-          <p:cNvPr id="41" name="Connector: Elbow 40">
-            <a:extLst>
-              <a:ext uri="{FF2B5EF4-FFF2-40B4-BE49-F238E27FC236}">
-                <a16:creationId xmlns:a16="http://schemas.microsoft.com/office/drawing/2014/main" id="{FB58C5BD-E0D4-6E43-9E4A-6D91205EA674}"/>
-              </a:ext>
-            </a:extLst>
-          </p:cNvPr>
-          <p:cNvCxnSpPr>
-            <a:cxnSpLocks/>
-            <a:stCxn id="7" idx="3"/>
-            <a:endCxn id="35" idx="1"/>
-          </p:cNvCxnSpPr>
-          <p:nvPr/>
-        </p:nvCxnSpPr>
-        <p:spPr>
-          <a:xfrm flipV="1">
-            <a:off x="2614564" y="5671091"/>
-            <a:ext cx="1390085" cy="315061"/>
-          </a:xfrm>
-          <a:prstGeom prst="bentConnector3">
-            <a:avLst/>
-          </a:prstGeom>
-          <a:ln>
-            <a:tailEnd type="triangle"/>
-          </a:ln>
-        </p:spPr>
-        <p:style>
-          <a:lnRef idx="2">
-            <a:schemeClr val="accent1"/>
-          </a:lnRef>
-          <a:fillRef idx="0">
-            <a:schemeClr val="accent1"/>
-          </a:fillRef>
-          <a:effectRef idx="1">
-            <a:schemeClr val="accent1"/>
-          </a:effectRef>
-          <a:fontRef idx="minor">
-            <a:schemeClr val="tx1"/>
-          </a:fontRef>
-        </p:style>
-      </p:cxnSp>
-      <p:sp>
-        <p:nvSpPr>
-          <p:cNvPr id="50" name="Rectangle 49">
-            <a:extLst>
-              <a:ext uri="{FF2B5EF4-FFF2-40B4-BE49-F238E27FC236}">
-                <a16:creationId xmlns:a16="http://schemas.microsoft.com/office/drawing/2014/main" id="{25B6CCCC-AEBC-3269-4C63-38CEFC84444C}"/>
-              </a:ext>
-            </a:extLst>
-          </p:cNvPr>
-          <p:cNvSpPr/>
-          <p:nvPr/>
-        </p:nvSpPr>
-        <p:spPr>
-          <a:xfrm>
-            <a:off x="8096063" y="4098044"/>
-            <a:ext cx="1489294" cy="461665"/>
-          </a:xfrm>
-          <a:prstGeom prst="rect">
-            <a:avLst/>
-          </a:prstGeom>
-        </p:spPr>
-        <p:style>
-          <a:lnRef idx="2">
-            <a:schemeClr val="accent3"/>
-          </a:lnRef>
-          <a:fillRef idx="1">
-            <a:schemeClr val="lt1"/>
-          </a:fillRef>
-          <a:effectRef idx="0">
-            <a:schemeClr val="accent3"/>
-          </a:effectRef>
-          <a:fontRef idx="minor">
-            <a:schemeClr val="dk1"/>
-          </a:fontRef>
-        </p:style>
-        <p:txBody>
-          <a:bodyPr rtlCol="0" anchor="ctr"/>
-          <a:lstStyle/>
-          <a:p>
-            <a:pPr algn="ctr"/>
-            <a:r>
-              <a:rPr lang="en-US" sz="1000" dirty="0"/>
-              <a:t>Junk Award Record  </a:t>
-            </a:r>
-          </a:p>
-          <a:p>
-            <a:pPr algn="ctr"/>
-            <a:r>
-              <a:rPr lang="en-US" sz="1000" dirty="0"/>
-              <a:t>Data String</a:t>
-            </a:r>
-          </a:p>
-        </p:txBody>
-      </p:sp>
-      <p:sp>
-        <p:nvSpPr>
-          <p:cNvPr id="57" name="Rectangle 56">
-            <a:extLst>
-              <a:ext uri="{FF2B5EF4-FFF2-40B4-BE49-F238E27FC236}">
-                <a16:creationId xmlns:a16="http://schemas.microsoft.com/office/drawing/2014/main" id="{49DD0808-94F1-AAEE-7D88-265064CA300F}"/>
-              </a:ext>
-            </a:extLst>
-          </p:cNvPr>
-          <p:cNvSpPr/>
-          <p:nvPr/>
-        </p:nvSpPr>
-        <p:spPr>
-          <a:xfrm>
-            <a:off x="8013410" y="2826090"/>
-            <a:ext cx="1489295" cy="651360"/>
-          </a:xfrm>
-          <a:prstGeom prst="rect">
-            <a:avLst/>
-          </a:prstGeom>
-        </p:spPr>
-        <p:style>
-          <a:lnRef idx="2">
-            <a:schemeClr val="accent3"/>
-          </a:lnRef>
-          <a:fillRef idx="1">
-            <a:schemeClr val="lt1"/>
-          </a:fillRef>
-          <a:effectRef idx="0">
-            <a:schemeClr val="accent3"/>
-          </a:effectRef>
-          <a:fontRef idx="minor">
-            <a:schemeClr val="dk1"/>
-          </a:fontRef>
-        </p:style>
-        <p:txBody>
-          <a:bodyPr rtlCol="0" anchor="ctr"/>
-          <a:lstStyle/>
-          <a:p>
-            <a:pPr algn="ctr"/>
-            <a:r>
-              <a:rPr lang="en-US" sz="1000" dirty="0"/>
-              <a:t>Email Address Record </a:t>
-            </a:r>
-          </a:p>
-          <a:p>
-            <a:pPr algn="ctr"/>
-            <a:r>
-              <a:rPr lang="en-US" sz="1000" dirty="0"/>
-              <a:t>Key String</a:t>
-            </a:r>
-          </a:p>
-          <a:p>
-            <a:pPr algn="ctr"/>
-            <a:r>
-              <a:rPr lang="en-US" sz="1000" dirty="0"/>
-              <a:t>Data - String</a:t>
-            </a:r>
-          </a:p>
-        </p:txBody>
-      </p:sp>
-      <p:sp>
-        <p:nvSpPr>
-          <p:cNvPr id="64" name="Rectangle 63">
-            <a:extLst>
-              <a:ext uri="{FF2B5EF4-FFF2-40B4-BE49-F238E27FC236}">
-                <a16:creationId xmlns:a16="http://schemas.microsoft.com/office/drawing/2014/main" id="{8841B3D8-F22C-DD38-984F-AFCD1D81BC99}"/>
-              </a:ext>
-            </a:extLst>
-          </p:cNvPr>
-          <p:cNvSpPr/>
-          <p:nvPr/>
-        </p:nvSpPr>
-        <p:spPr>
-          <a:xfrm>
-            <a:off x="4470148" y="2828710"/>
-            <a:ext cx="1489295" cy="636023"/>
-          </a:xfrm>
-          <a:prstGeom prst="rect">
-            <a:avLst/>
-          </a:prstGeom>
-        </p:spPr>
-        <p:style>
-          <a:lnRef idx="2">
-            <a:schemeClr val="accent1">
-              <a:shade val="15000"/>
-            </a:schemeClr>
-          </a:lnRef>
-          <a:fillRef idx="1">
-            <a:schemeClr val="accent1"/>
-          </a:fillRef>
-          <a:effectRef idx="0">
-            <a:schemeClr val="accent1"/>
-          </a:effectRef>
-          <a:fontRef idx="minor">
-            <a:schemeClr val="lt1"/>
-          </a:fontRef>
-        </p:style>
-        <p:txBody>
-          <a:bodyPr rtlCol="0" anchor="t"/>
-          <a:lstStyle/>
-          <a:p>
-            <a:pPr algn="ctr"/>
-            <a:r>
-              <a:rPr lang="en-US" sz="1000" dirty="0"/>
-              <a:t>Email Address Menu</a:t>
-            </a:r>
-          </a:p>
-          <a:p>
-            <a:pPr algn="ctr"/>
-            <a:endParaRPr lang="en-US" sz="1000" dirty="0"/>
-          </a:p>
-          <a:p>
-            <a:r>
-              <a:rPr lang="en-US" sz="1000" dirty="0"/>
-              <a:t>Enter Email Address</a:t>
-            </a:r>
-          </a:p>
-        </p:txBody>
-      </p:sp>
-      <p:sp>
-        <p:nvSpPr>
-          <p:cNvPr id="75" name="Rectangle 74">
-            <a:extLst>
-              <a:ext uri="{FF2B5EF4-FFF2-40B4-BE49-F238E27FC236}">
-                <a16:creationId xmlns:a16="http://schemas.microsoft.com/office/drawing/2014/main" id="{F5036B82-C40D-6984-C67E-234DEFEF4FB7}"/>
-              </a:ext>
-            </a:extLst>
-          </p:cNvPr>
-          <p:cNvSpPr/>
-          <p:nvPr/>
-        </p:nvSpPr>
-        <p:spPr>
-          <a:xfrm>
-            <a:off x="4347928" y="3896382"/>
-            <a:ext cx="1751844" cy="864989"/>
-          </a:xfrm>
-          <a:prstGeom prst="rect">
-            <a:avLst/>
-          </a:prstGeom>
-        </p:spPr>
-        <p:style>
-          <a:lnRef idx="2">
-            <a:schemeClr val="accent1">
-              <a:shade val="15000"/>
-            </a:schemeClr>
-          </a:lnRef>
-          <a:fillRef idx="1">
-            <a:schemeClr val="accent1"/>
-          </a:fillRef>
-          <a:effectRef idx="0">
-            <a:schemeClr val="accent1"/>
-          </a:effectRef>
-          <a:fontRef idx="minor">
-            <a:schemeClr val="lt1"/>
-          </a:fontRef>
-        </p:style>
-        <p:txBody>
-          <a:bodyPr rtlCol="0" anchor="ctr"/>
-          <a:lstStyle/>
-          <a:p>
-            <a:pPr algn="ctr"/>
-            <a:r>
-              <a:rPr lang="en-US" sz="1200" dirty="0"/>
-              <a:t>Junk Award Menu</a:t>
-            </a:r>
-          </a:p>
-          <a:p>
-            <a:pPr algn="ctr"/>
-            <a:r>
-              <a:rPr lang="en-US" sz="1200" dirty="0"/>
-              <a:t>List of Records</a:t>
-            </a:r>
-          </a:p>
-          <a:p>
-            <a:pPr algn="ctr"/>
-            <a:endParaRPr lang="en-US" sz="1200" dirty="0"/>
-          </a:p>
-          <a:p>
-            <a:pPr algn="ctr"/>
-            <a:r>
-              <a:rPr lang="en-US" sz="1000" dirty="0"/>
-              <a:t>Add/Delete from list</a:t>
-            </a:r>
-          </a:p>
-          <a:p>
-            <a:pPr algn="ctr"/>
-            <a:endParaRPr lang="en-US" sz="1200" dirty="0"/>
-          </a:p>
-        </p:txBody>
-      </p:sp>
-      <p:cxnSp>
-        <p:nvCxnSpPr>
-          <p:cNvPr id="77" name="Straight Arrow Connector 76">
-            <a:extLst>
-              <a:ext uri="{FF2B5EF4-FFF2-40B4-BE49-F238E27FC236}">
-                <a16:creationId xmlns:a16="http://schemas.microsoft.com/office/drawing/2014/main" id="{7623F231-FD4F-5B3C-920D-CE5DC81BB2D1}"/>
-              </a:ext>
-            </a:extLst>
-          </p:cNvPr>
-          <p:cNvCxnSpPr>
-            <a:cxnSpLocks/>
-            <a:stCxn id="4" idx="3"/>
-            <a:endCxn id="29" idx="1"/>
-          </p:cNvCxnSpPr>
-          <p:nvPr/>
-        </p:nvCxnSpPr>
-        <p:spPr>
-          <a:xfrm flipV="1">
-            <a:off x="2614564" y="1792168"/>
-            <a:ext cx="1855585" cy="1"/>
-          </a:xfrm>
-          <a:prstGeom prst="straightConnector1">
-            <a:avLst/>
-          </a:prstGeom>
-          <a:ln>
-            <a:tailEnd type="triangle"/>
-          </a:ln>
-        </p:spPr>
-        <p:style>
-          <a:lnRef idx="2">
-            <a:schemeClr val="accent1"/>
-          </a:lnRef>
-          <a:fillRef idx="0">
-            <a:schemeClr val="accent1"/>
-          </a:fillRef>
-          <a:effectRef idx="1">
-            <a:schemeClr val="accent1"/>
-          </a:effectRef>
-          <a:fontRef idx="minor">
-            <a:schemeClr val="tx1"/>
-          </a:fontRef>
-        </p:style>
-      </p:cxnSp>
-      <p:cxnSp>
-        <p:nvCxnSpPr>
-          <p:cNvPr id="80" name="Straight Arrow Connector 79">
-            <a:extLst>
-              <a:ext uri="{FF2B5EF4-FFF2-40B4-BE49-F238E27FC236}">
-                <a16:creationId xmlns:a16="http://schemas.microsoft.com/office/drawing/2014/main" id="{8B5EDE9C-050D-90DB-4A7E-FB27198A2989}"/>
-              </a:ext>
-            </a:extLst>
-          </p:cNvPr>
-          <p:cNvCxnSpPr>
-            <a:cxnSpLocks/>
-            <a:stCxn id="29" idx="3"/>
-            <a:endCxn id="10" idx="1"/>
-          </p:cNvCxnSpPr>
-          <p:nvPr/>
-        </p:nvCxnSpPr>
-        <p:spPr>
-          <a:xfrm>
-            <a:off x="5837223" y="1792168"/>
-            <a:ext cx="2036276" cy="0"/>
-          </a:xfrm>
-          <a:prstGeom prst="straightConnector1">
-            <a:avLst/>
-          </a:prstGeom>
-          <a:ln>
-            <a:tailEnd type="triangle"/>
-          </a:ln>
-        </p:spPr>
-        <p:style>
-          <a:lnRef idx="2">
-            <a:schemeClr val="accent1"/>
-          </a:lnRef>
-          <a:fillRef idx="0">
-            <a:schemeClr val="accent1"/>
-          </a:fillRef>
-          <a:effectRef idx="1">
-            <a:schemeClr val="accent1"/>
-          </a:effectRef>
-          <a:fontRef idx="minor">
-            <a:schemeClr val="tx1"/>
-          </a:fontRef>
-        </p:style>
-      </p:cxnSp>
-      <p:cxnSp>
-        <p:nvCxnSpPr>
-          <p:cNvPr id="81" name="Straight Arrow Connector 80">
-            <a:extLst>
-              <a:ext uri="{FF2B5EF4-FFF2-40B4-BE49-F238E27FC236}">
-                <a16:creationId xmlns:a16="http://schemas.microsoft.com/office/drawing/2014/main" id="{AE1AEC8E-718E-30F6-DCE2-74667E2AE5AF}"/>
-              </a:ext>
-            </a:extLst>
-          </p:cNvPr>
-          <p:cNvCxnSpPr>
-            <a:cxnSpLocks/>
-            <a:stCxn id="75" idx="3"/>
-            <a:endCxn id="50" idx="1"/>
-          </p:cNvCxnSpPr>
-          <p:nvPr/>
-        </p:nvCxnSpPr>
-        <p:spPr>
-          <a:xfrm>
-            <a:off x="6099772" y="4328877"/>
-            <a:ext cx="1996291" cy="0"/>
-          </a:xfrm>
-          <a:prstGeom prst="straightConnector1">
-            <a:avLst/>
-          </a:prstGeom>
-          <a:ln>
-            <a:tailEnd type="triangle"/>
-          </a:ln>
-        </p:spPr>
-        <p:style>
-          <a:lnRef idx="2">
-            <a:schemeClr val="accent1"/>
-          </a:lnRef>
-          <a:fillRef idx="0">
-            <a:schemeClr val="accent1"/>
-          </a:fillRef>
-          <a:effectRef idx="1">
-            <a:schemeClr val="accent1"/>
-          </a:effectRef>
-          <a:fontRef idx="minor">
-            <a:schemeClr val="tx1"/>
-          </a:fontRef>
-        </p:style>
-      </p:cxnSp>
-      <p:cxnSp>
-        <p:nvCxnSpPr>
-          <p:cNvPr id="82" name="Straight Arrow Connector 81">
-            <a:extLst>
-              <a:ext uri="{FF2B5EF4-FFF2-40B4-BE49-F238E27FC236}">
-                <a16:creationId xmlns:a16="http://schemas.microsoft.com/office/drawing/2014/main" id="{BC42D744-37E4-F2DE-BA41-3F7B44DC6D76}"/>
-              </a:ext>
-            </a:extLst>
-          </p:cNvPr>
-          <p:cNvCxnSpPr>
-            <a:cxnSpLocks/>
-            <a:stCxn id="64" idx="3"/>
-            <a:endCxn id="57" idx="1"/>
-          </p:cNvCxnSpPr>
-          <p:nvPr/>
-        </p:nvCxnSpPr>
-        <p:spPr>
-          <a:xfrm>
-            <a:off x="5959443" y="3146722"/>
-            <a:ext cx="2053967" cy="5048"/>
-          </a:xfrm>
-          <a:prstGeom prst="straightConnector1">
-            <a:avLst/>
-          </a:prstGeom>
-          <a:ln>
-            <a:tailEnd type="triangle"/>
-          </a:ln>
-        </p:spPr>
-        <p:style>
-          <a:lnRef idx="2">
-            <a:schemeClr val="accent1"/>
-          </a:lnRef>
-          <a:fillRef idx="0">
-            <a:schemeClr val="accent1"/>
-          </a:fillRef>
-          <a:effectRef idx="1">
-            <a:schemeClr val="accent1"/>
-          </a:effectRef>
-          <a:fontRef idx="minor">
-            <a:schemeClr val="tx1"/>
-          </a:fontRef>
-        </p:style>
-      </p:cxnSp>
-      <p:cxnSp>
-        <p:nvCxnSpPr>
-          <p:cNvPr id="83" name="Straight Arrow Connector 82">
-            <a:extLst>
-              <a:ext uri="{FF2B5EF4-FFF2-40B4-BE49-F238E27FC236}">
-                <a16:creationId xmlns:a16="http://schemas.microsoft.com/office/drawing/2014/main" id="{8F99E9BC-87D1-977F-D458-F6D4705D10AD}"/>
-              </a:ext>
-            </a:extLst>
-          </p:cNvPr>
-          <p:cNvCxnSpPr>
-            <a:cxnSpLocks/>
-            <a:stCxn id="8" idx="3"/>
-            <a:endCxn id="64" idx="1"/>
-          </p:cNvCxnSpPr>
-          <p:nvPr/>
-        </p:nvCxnSpPr>
-        <p:spPr>
-          <a:xfrm>
-            <a:off x="2510882" y="3146722"/>
-            <a:ext cx="1959266" cy="0"/>
-          </a:xfrm>
-          <a:prstGeom prst="straightConnector1">
-            <a:avLst/>
-          </a:prstGeom>
-          <a:ln>
-            <a:tailEnd type="triangle"/>
-          </a:ln>
-        </p:spPr>
-        <p:style>
-          <a:lnRef idx="2">
-            <a:schemeClr val="accent1"/>
-          </a:lnRef>
-          <a:fillRef idx="0">
-            <a:schemeClr val="accent1"/>
-          </a:fillRef>
-          <a:effectRef idx="1">
-            <a:schemeClr val="accent1"/>
-          </a:effectRef>
-          <a:fontRef idx="minor">
-            <a:schemeClr val="tx1"/>
-          </a:fontRef>
-        </p:style>
-      </p:cxnSp>
-      <p:cxnSp>
-        <p:nvCxnSpPr>
-          <p:cNvPr id="84" name="Straight Arrow Connector 83">
-            <a:extLst>
-              <a:ext uri="{FF2B5EF4-FFF2-40B4-BE49-F238E27FC236}">
-                <a16:creationId xmlns:a16="http://schemas.microsoft.com/office/drawing/2014/main" id="{C1961D84-0C67-A097-A580-14FC42A3987A}"/>
-              </a:ext>
-            </a:extLst>
-          </p:cNvPr>
-          <p:cNvCxnSpPr>
-            <a:cxnSpLocks/>
-            <a:stCxn id="6" idx="3"/>
-            <a:endCxn id="75" idx="1"/>
-          </p:cNvCxnSpPr>
-          <p:nvPr/>
-        </p:nvCxnSpPr>
-        <p:spPr>
-          <a:xfrm>
-            <a:off x="2614564" y="4328877"/>
-            <a:ext cx="1733364" cy="0"/>
-          </a:xfrm>
-          <a:prstGeom prst="straightConnector1">
-            <a:avLst/>
-          </a:prstGeom>
-          <a:ln>
-            <a:tailEnd type="triangle"/>
-          </a:ln>
-        </p:spPr>
-        <p:style>
-          <a:lnRef idx="2">
-            <a:schemeClr val="accent1"/>
-          </a:lnRef>
-          <a:fillRef idx="0">
-            <a:schemeClr val="accent1"/>
-          </a:fillRef>
-          <a:effectRef idx="1">
-            <a:schemeClr val="accent1"/>
-          </a:effectRef>
-          <a:fontRef idx="minor">
-            <a:schemeClr val="tx1"/>
-          </a:fontRef>
-        </p:style>
-      </p:cxnSp>
-    </p:spTree>
-    <p:extLst>
-      <p:ext uri="{BB962C8B-B14F-4D97-AF65-F5344CB8AC3E}">
-        <p14:creationId xmlns:p14="http://schemas.microsoft.com/office/powerpoint/2010/main" val="451756427"/>
-      </p:ext>
-    </p:extLst>
-  </p:cSld>
-  <p:clrMapOvr>
-    <a:masterClrMapping/>
-  </p:clrMapOvr>
-</p:sld>
-</file>
-
 <file path=ppt/slides/slide7.xml><?xml version="1.0" encoding="utf-8"?>
 <p:sld xmlns:a="http://schemas.openxmlformats.org/drawingml/2006/main" xmlns:r="http://schemas.openxmlformats.org/officeDocument/2006/relationships" xmlns:p="http://schemas.openxmlformats.org/presentationml/2006/main">
   <p:cSld>
@@ -19953,6 +20255,1146 @@
       </p:grpSpPr>
       <p:sp>
         <p:nvSpPr>
+          <p:cNvPr id="3" name="TextBox 2">
+            <a:extLst>
+              <a:ext uri="{FF2B5EF4-FFF2-40B4-BE49-F238E27FC236}">
+                <a16:creationId xmlns:a16="http://schemas.microsoft.com/office/drawing/2014/main" id="{A473E4F8-FF65-7DFC-B78A-1F8CDE2D1BBF}"/>
+              </a:ext>
+            </a:extLst>
+          </p:cNvPr>
+          <p:cNvSpPr txBox="1"/>
+          <p:nvPr/>
+        </p:nvSpPr>
+        <p:spPr>
+          <a:xfrm>
+            <a:off x="4470149" y="340434"/>
+            <a:ext cx="2401431" cy="369332"/>
+          </a:xfrm>
+          <a:prstGeom prst="rect">
+            <a:avLst/>
+          </a:prstGeom>
+          <a:noFill/>
+        </p:spPr>
+        <p:txBody>
+          <a:bodyPr wrap="square">
+            <a:spAutoFit/>
+          </a:bodyPr>
+          <a:lstStyle/>
+          <a:p>
+            <a:r>
+              <a:rPr lang="en-US" sz="1800" dirty="0"/>
+              <a:t>Configuration Menu</a:t>
+            </a:r>
+          </a:p>
+        </p:txBody>
+      </p:sp>
+      <p:sp>
+        <p:nvSpPr>
+          <p:cNvPr id="4" name="Rectangle 3">
+            <a:extLst>
+              <a:ext uri="{FF2B5EF4-FFF2-40B4-BE49-F238E27FC236}">
+                <a16:creationId xmlns:a16="http://schemas.microsoft.com/office/drawing/2014/main" id="{C469073E-018B-DF0B-972A-EA68B2109C50}"/>
+              </a:ext>
+            </a:extLst>
+          </p:cNvPr>
+          <p:cNvSpPr/>
+          <p:nvPr/>
+        </p:nvSpPr>
+        <p:spPr>
+          <a:xfrm>
+            <a:off x="1247491" y="1647313"/>
+            <a:ext cx="1367073" cy="289711"/>
+          </a:xfrm>
+          <a:prstGeom prst="rect">
+            <a:avLst/>
+          </a:prstGeom>
+        </p:spPr>
+        <p:style>
+          <a:lnRef idx="2">
+            <a:schemeClr val="accent1">
+              <a:shade val="15000"/>
+            </a:schemeClr>
+          </a:lnRef>
+          <a:fillRef idx="1">
+            <a:schemeClr val="accent1"/>
+          </a:fillRef>
+          <a:effectRef idx="0">
+            <a:schemeClr val="accent1"/>
+          </a:effectRef>
+          <a:fontRef idx="minor">
+            <a:schemeClr val="lt1"/>
+          </a:fontRef>
+        </p:style>
+        <p:txBody>
+          <a:bodyPr rtlCol="0" anchor="ctr"/>
+          <a:lstStyle/>
+          <a:p>
+            <a:pPr algn="ctr"/>
+            <a:r>
+              <a:rPr lang="en-US" sz="1200" dirty="0">
+                <a:effectLst/>
+                <a:latin typeface="Times New Roman" panose="02020603050405020304" pitchFamily="18" charset="0"/>
+                <a:ea typeface="Calibri" panose="020F0502020204030204" pitchFamily="34" charset="0"/>
+              </a:rPr>
+              <a:t>Point Quota</a:t>
+            </a:r>
+            <a:endParaRPr lang="en-US" sz="1200" dirty="0"/>
+          </a:p>
+        </p:txBody>
+      </p:sp>
+      <p:sp>
+        <p:nvSpPr>
+          <p:cNvPr id="6" name="Rectangle 5">
+            <a:extLst>
+              <a:ext uri="{FF2B5EF4-FFF2-40B4-BE49-F238E27FC236}">
+                <a16:creationId xmlns:a16="http://schemas.microsoft.com/office/drawing/2014/main" id="{AECBD2E3-7C98-DDE8-9B4F-6CEF231D7DF1}"/>
+              </a:ext>
+            </a:extLst>
+          </p:cNvPr>
+          <p:cNvSpPr/>
+          <p:nvPr/>
+        </p:nvSpPr>
+        <p:spPr>
+          <a:xfrm>
+            <a:off x="1247491" y="4184021"/>
+            <a:ext cx="1367073" cy="289711"/>
+          </a:xfrm>
+          <a:prstGeom prst="rect">
+            <a:avLst/>
+          </a:prstGeom>
+        </p:spPr>
+        <p:style>
+          <a:lnRef idx="2">
+            <a:schemeClr val="accent1">
+              <a:shade val="15000"/>
+            </a:schemeClr>
+          </a:lnRef>
+          <a:fillRef idx="1">
+            <a:schemeClr val="accent1"/>
+          </a:fillRef>
+          <a:effectRef idx="0">
+            <a:schemeClr val="accent1"/>
+          </a:effectRef>
+          <a:fontRef idx="minor">
+            <a:schemeClr val="lt1"/>
+          </a:fontRef>
+        </p:style>
+        <p:txBody>
+          <a:bodyPr rtlCol="0" anchor="ctr"/>
+          <a:lstStyle/>
+          <a:p>
+            <a:pPr algn="ctr"/>
+            <a:r>
+              <a:rPr lang="en-US" sz="1200" kern="100" dirty="0">
+                <a:effectLst/>
+                <a:latin typeface="Times New Roman" panose="02020603050405020304" pitchFamily="18" charset="0"/>
+                <a:ea typeface="Calibri" panose="020F0502020204030204" pitchFamily="34" charset="0"/>
+              </a:rPr>
+              <a:t>Junk</a:t>
+            </a:r>
+            <a:r>
+              <a:rPr lang="en-US" sz="1800" kern="100" dirty="0">
+                <a:effectLst/>
+                <a:latin typeface="Times New Roman" panose="02020603050405020304" pitchFamily="18" charset="0"/>
+                <a:ea typeface="Calibri" panose="020F0502020204030204" pitchFamily="34" charset="0"/>
+              </a:rPr>
+              <a:t> </a:t>
+            </a:r>
+            <a:r>
+              <a:rPr lang="en-US" sz="1200" kern="100" dirty="0">
+                <a:effectLst/>
+                <a:latin typeface="Times New Roman" panose="02020603050405020304" pitchFamily="18" charset="0"/>
+                <a:ea typeface="Calibri" panose="020F0502020204030204" pitchFamily="34" charset="0"/>
+              </a:rPr>
+              <a:t>Awards</a:t>
+            </a:r>
+          </a:p>
+        </p:txBody>
+      </p:sp>
+      <p:sp>
+        <p:nvSpPr>
+          <p:cNvPr id="7" name="Rectangle 6">
+            <a:extLst>
+              <a:ext uri="{FF2B5EF4-FFF2-40B4-BE49-F238E27FC236}">
+                <a16:creationId xmlns:a16="http://schemas.microsoft.com/office/drawing/2014/main" id="{91B91373-99E3-3276-5D54-EF7E9179D094}"/>
+              </a:ext>
+            </a:extLst>
+          </p:cNvPr>
+          <p:cNvSpPr/>
+          <p:nvPr/>
+        </p:nvSpPr>
+        <p:spPr>
+          <a:xfrm>
+            <a:off x="1247491" y="5841296"/>
+            <a:ext cx="1367073" cy="289711"/>
+          </a:xfrm>
+          <a:prstGeom prst="rect">
+            <a:avLst/>
+          </a:prstGeom>
+        </p:spPr>
+        <p:style>
+          <a:lnRef idx="2">
+            <a:schemeClr val="accent1">
+              <a:shade val="15000"/>
+            </a:schemeClr>
+          </a:lnRef>
+          <a:fillRef idx="1">
+            <a:schemeClr val="accent1"/>
+          </a:fillRef>
+          <a:effectRef idx="0">
+            <a:schemeClr val="accent1"/>
+          </a:effectRef>
+          <a:fontRef idx="minor">
+            <a:schemeClr val="lt1"/>
+          </a:fontRef>
+        </p:style>
+        <p:txBody>
+          <a:bodyPr rtlCol="0" anchor="ctr"/>
+          <a:lstStyle/>
+          <a:p>
+            <a:pPr algn="ctr"/>
+            <a:r>
+              <a:rPr lang="en-US" sz="1200" dirty="0">
+                <a:effectLst/>
+                <a:latin typeface="Times New Roman" panose="02020603050405020304" pitchFamily="18" charset="0"/>
+                <a:ea typeface="Calibri" panose="020F0502020204030204" pitchFamily="34" charset="0"/>
+              </a:rPr>
+              <a:t>Restore</a:t>
+            </a:r>
+            <a:endParaRPr lang="en-US" sz="1200" dirty="0"/>
+          </a:p>
+        </p:txBody>
+      </p:sp>
+      <p:sp>
+        <p:nvSpPr>
+          <p:cNvPr id="8" name="Rectangle 7">
+            <a:extLst>
+              <a:ext uri="{FF2B5EF4-FFF2-40B4-BE49-F238E27FC236}">
+                <a16:creationId xmlns:a16="http://schemas.microsoft.com/office/drawing/2014/main" id="{8FB95908-1EA5-CAF7-3F9F-4A80E27BD37B}"/>
+              </a:ext>
+            </a:extLst>
+          </p:cNvPr>
+          <p:cNvSpPr/>
+          <p:nvPr/>
+        </p:nvSpPr>
+        <p:spPr>
+          <a:xfrm>
+            <a:off x="1247491" y="3001866"/>
+            <a:ext cx="1263391" cy="289711"/>
+          </a:xfrm>
+          <a:prstGeom prst="rect">
+            <a:avLst/>
+          </a:prstGeom>
+        </p:spPr>
+        <p:style>
+          <a:lnRef idx="2">
+            <a:schemeClr val="accent1">
+              <a:shade val="15000"/>
+            </a:schemeClr>
+          </a:lnRef>
+          <a:fillRef idx="1">
+            <a:schemeClr val="accent1"/>
+          </a:fillRef>
+          <a:effectRef idx="0">
+            <a:schemeClr val="accent1"/>
+          </a:effectRef>
+          <a:fontRef idx="minor">
+            <a:schemeClr val="lt1"/>
+          </a:fontRef>
+        </p:style>
+        <p:txBody>
+          <a:bodyPr rtlCol="0" anchor="ctr"/>
+          <a:lstStyle/>
+          <a:p>
+            <a:pPr algn="ctr"/>
+            <a:r>
+              <a:rPr lang="en-US" sz="1200" dirty="0"/>
+              <a:t>Email Address</a:t>
+            </a:r>
+          </a:p>
+        </p:txBody>
+      </p:sp>
+      <p:sp>
+        <p:nvSpPr>
+          <p:cNvPr id="9" name="Rectangle 8">
+            <a:extLst>
+              <a:ext uri="{FF2B5EF4-FFF2-40B4-BE49-F238E27FC236}">
+                <a16:creationId xmlns:a16="http://schemas.microsoft.com/office/drawing/2014/main" id="{6A23EC75-9AB6-53D2-659A-B0676A3FFB2C}"/>
+              </a:ext>
+            </a:extLst>
+          </p:cNvPr>
+          <p:cNvSpPr/>
+          <p:nvPr/>
+        </p:nvSpPr>
+        <p:spPr>
+          <a:xfrm>
+            <a:off x="1247491" y="5228376"/>
+            <a:ext cx="1367073" cy="289711"/>
+          </a:xfrm>
+          <a:prstGeom prst="rect">
+            <a:avLst/>
+          </a:prstGeom>
+        </p:spPr>
+        <p:style>
+          <a:lnRef idx="2">
+            <a:schemeClr val="accent1">
+              <a:shade val="15000"/>
+            </a:schemeClr>
+          </a:lnRef>
+          <a:fillRef idx="1">
+            <a:schemeClr val="accent1"/>
+          </a:fillRef>
+          <a:effectRef idx="0">
+            <a:schemeClr val="accent1"/>
+          </a:effectRef>
+          <a:fontRef idx="minor">
+            <a:schemeClr val="lt1"/>
+          </a:fontRef>
+        </p:style>
+        <p:txBody>
+          <a:bodyPr rtlCol="0" anchor="ctr"/>
+          <a:lstStyle/>
+          <a:p>
+            <a:pPr algn="ctr"/>
+            <a:r>
+              <a:rPr lang="en-US" sz="1200" dirty="0">
+                <a:effectLst/>
+                <a:latin typeface="Times New Roman" panose="02020603050405020304" pitchFamily="18" charset="0"/>
+                <a:ea typeface="Calibri" panose="020F0502020204030204" pitchFamily="34" charset="0"/>
+              </a:rPr>
+              <a:t>Backup</a:t>
+            </a:r>
+            <a:endParaRPr lang="en-US" sz="1200" dirty="0"/>
+          </a:p>
+        </p:txBody>
+      </p:sp>
+      <p:sp>
+        <p:nvSpPr>
+          <p:cNvPr id="10" name="Rectangle 9">
+            <a:extLst>
+              <a:ext uri="{FF2B5EF4-FFF2-40B4-BE49-F238E27FC236}">
+                <a16:creationId xmlns:a16="http://schemas.microsoft.com/office/drawing/2014/main" id="{7CF7B570-A948-EF65-5EEB-3DB4EAA33C96}"/>
+              </a:ext>
+            </a:extLst>
+          </p:cNvPr>
+          <p:cNvSpPr/>
+          <p:nvPr/>
+        </p:nvSpPr>
+        <p:spPr>
+          <a:xfrm>
+            <a:off x="7873499" y="1398342"/>
+            <a:ext cx="1587372" cy="787652"/>
+          </a:xfrm>
+          <a:prstGeom prst="rect">
+            <a:avLst/>
+          </a:prstGeom>
+        </p:spPr>
+        <p:style>
+          <a:lnRef idx="2">
+            <a:schemeClr val="accent1"/>
+          </a:lnRef>
+          <a:fillRef idx="1">
+            <a:schemeClr val="lt1"/>
+          </a:fillRef>
+          <a:effectRef idx="0">
+            <a:schemeClr val="accent1"/>
+          </a:effectRef>
+          <a:fontRef idx="minor">
+            <a:schemeClr val="dk1"/>
+          </a:fontRef>
+        </p:style>
+        <p:txBody>
+          <a:bodyPr rtlCol="0" anchor="ctr"/>
+          <a:lstStyle/>
+          <a:p>
+            <a:r>
+              <a:rPr lang="en-US" sz="1200" dirty="0"/>
+              <a:t>Point Quote Record</a:t>
+            </a:r>
+          </a:p>
+          <a:p>
+            <a:r>
+              <a:rPr lang="en-US" sz="1200" dirty="0"/>
+              <a:t>Key – String</a:t>
+            </a:r>
+          </a:p>
+          <a:p>
+            <a:r>
+              <a:rPr lang="en-US" sz="1200" dirty="0"/>
+              <a:t>Data - Int</a:t>
+            </a:r>
+          </a:p>
+        </p:txBody>
+      </p:sp>
+      <p:sp>
+        <p:nvSpPr>
+          <p:cNvPr id="29" name="Rectangle 28">
+            <a:extLst>
+              <a:ext uri="{FF2B5EF4-FFF2-40B4-BE49-F238E27FC236}">
+                <a16:creationId xmlns:a16="http://schemas.microsoft.com/office/drawing/2014/main" id="{0C6716F2-71E6-715A-04EA-250478495EE9}"/>
+              </a:ext>
+            </a:extLst>
+          </p:cNvPr>
+          <p:cNvSpPr/>
+          <p:nvPr/>
+        </p:nvSpPr>
+        <p:spPr>
+          <a:xfrm>
+            <a:off x="4470149" y="1046615"/>
+            <a:ext cx="1367074" cy="1491106"/>
+          </a:xfrm>
+          <a:prstGeom prst="rect">
+            <a:avLst/>
+          </a:prstGeom>
+        </p:spPr>
+        <p:style>
+          <a:lnRef idx="2">
+            <a:schemeClr val="accent1">
+              <a:shade val="15000"/>
+            </a:schemeClr>
+          </a:lnRef>
+          <a:fillRef idx="1">
+            <a:schemeClr val="accent1"/>
+          </a:fillRef>
+          <a:effectRef idx="0">
+            <a:schemeClr val="accent1"/>
+          </a:effectRef>
+          <a:fontRef idx="minor">
+            <a:schemeClr val="lt1"/>
+          </a:fontRef>
+        </p:style>
+        <p:txBody>
+          <a:bodyPr rtlCol="0" anchor="t"/>
+          <a:lstStyle/>
+          <a:p>
+            <a:pPr algn="ctr"/>
+            <a:r>
+              <a:rPr lang="en-US" sz="1200" dirty="0">
+                <a:effectLst/>
+                <a:latin typeface="Times New Roman" panose="02020603050405020304" pitchFamily="18" charset="0"/>
+                <a:ea typeface="Calibri" panose="020F0502020204030204" pitchFamily="34" charset="0"/>
+              </a:rPr>
+              <a:t>Point Quota Menu</a:t>
+            </a:r>
+          </a:p>
+          <a:p>
+            <a:pPr algn="ctr"/>
+            <a:endParaRPr lang="en-US" sz="1000" dirty="0">
+              <a:latin typeface="Times New Roman" panose="02020603050405020304" pitchFamily="18" charset="0"/>
+            </a:endParaRPr>
+          </a:p>
+          <a:p>
+            <a:r>
+              <a:rPr lang="en-US" sz="1000" dirty="0">
+                <a:latin typeface="Times New Roman" panose="02020603050405020304" pitchFamily="18" charset="0"/>
+              </a:rPr>
+              <a:t>Albatross	__</a:t>
+            </a:r>
+          </a:p>
+          <a:p>
+            <a:r>
+              <a:rPr lang="en-US" sz="1000" dirty="0"/>
+              <a:t>Eagle	__</a:t>
+            </a:r>
+          </a:p>
+          <a:p>
+            <a:r>
+              <a:rPr lang="en-US" sz="1000" dirty="0"/>
+              <a:t>Birdie	__</a:t>
+            </a:r>
+          </a:p>
+          <a:p>
+            <a:r>
+              <a:rPr lang="en-US" sz="1000" dirty="0"/>
+              <a:t>Par	__</a:t>
+            </a:r>
+          </a:p>
+          <a:p>
+            <a:r>
+              <a:rPr lang="en-US" sz="1000" dirty="0"/>
+              <a:t>Bogey	__</a:t>
+            </a:r>
+          </a:p>
+          <a:p>
+            <a:r>
+              <a:rPr lang="en-US" sz="1000" dirty="0"/>
+              <a:t>Double	__</a:t>
+            </a:r>
+          </a:p>
+          <a:p>
+            <a:r>
+              <a:rPr lang="en-US" sz="1000" dirty="0"/>
+              <a:t>Other	__</a:t>
+            </a:r>
+          </a:p>
+          <a:p>
+            <a:pPr algn="ctr"/>
+            <a:endParaRPr lang="en-US" sz="1000" dirty="0"/>
+          </a:p>
+        </p:txBody>
+      </p:sp>
+      <p:sp>
+        <p:nvSpPr>
+          <p:cNvPr id="35" name="TextBox 34">
+            <a:extLst>
+              <a:ext uri="{FF2B5EF4-FFF2-40B4-BE49-F238E27FC236}">
+                <a16:creationId xmlns:a16="http://schemas.microsoft.com/office/drawing/2014/main" id="{65B02EB3-CA5D-4D54-9D73-5AAE9B53E8D7}"/>
+              </a:ext>
+            </a:extLst>
+          </p:cNvPr>
+          <p:cNvSpPr txBox="1"/>
+          <p:nvPr/>
+        </p:nvSpPr>
+        <p:spPr>
+          <a:xfrm>
+            <a:off x="4004649" y="5440258"/>
+            <a:ext cx="6304931" cy="461665"/>
+          </a:xfrm>
+          <a:prstGeom prst="rect">
+            <a:avLst/>
+          </a:prstGeom>
+          <a:noFill/>
+        </p:spPr>
+        <p:txBody>
+          <a:bodyPr wrap="none" rtlCol="0">
+            <a:spAutoFit/>
+          </a:bodyPr>
+          <a:lstStyle/>
+          <a:p>
+            <a:r>
+              <a:rPr lang="en-US" sz="1200" dirty="0"/>
+              <a:t>See article - Room Database - Backup &amp; Restore Features</a:t>
+            </a:r>
+          </a:p>
+          <a:p>
+            <a:r>
+              <a:rPr lang="en-US" sz="1200" dirty="0"/>
+              <a:t>https://androidexplained.github.io/android/room/2020/10/03/room-backup-restore.html</a:t>
+            </a:r>
+          </a:p>
+        </p:txBody>
+      </p:sp>
+      <p:cxnSp>
+        <p:nvCxnSpPr>
+          <p:cNvPr id="37" name="Connector: Elbow 36">
+            <a:extLst>
+              <a:ext uri="{FF2B5EF4-FFF2-40B4-BE49-F238E27FC236}">
+                <a16:creationId xmlns:a16="http://schemas.microsoft.com/office/drawing/2014/main" id="{1C540917-CA3C-8509-3217-C292ED4F5661}"/>
+              </a:ext>
+            </a:extLst>
+          </p:cNvPr>
+          <p:cNvCxnSpPr>
+            <a:cxnSpLocks/>
+            <a:stCxn id="9" idx="3"/>
+            <a:endCxn id="35" idx="1"/>
+          </p:cNvCxnSpPr>
+          <p:nvPr/>
+        </p:nvCxnSpPr>
+        <p:spPr>
+          <a:xfrm>
+            <a:off x="2614564" y="5373232"/>
+            <a:ext cx="1390085" cy="297859"/>
+          </a:xfrm>
+          <a:prstGeom prst="bentConnector3">
+            <a:avLst/>
+          </a:prstGeom>
+          <a:ln>
+            <a:tailEnd type="triangle"/>
+          </a:ln>
+        </p:spPr>
+        <p:style>
+          <a:lnRef idx="2">
+            <a:schemeClr val="accent1"/>
+          </a:lnRef>
+          <a:fillRef idx="0">
+            <a:schemeClr val="accent1"/>
+          </a:fillRef>
+          <a:effectRef idx="1">
+            <a:schemeClr val="accent1"/>
+          </a:effectRef>
+          <a:fontRef idx="minor">
+            <a:schemeClr val="tx1"/>
+          </a:fontRef>
+        </p:style>
+      </p:cxnSp>
+      <p:cxnSp>
+        <p:nvCxnSpPr>
+          <p:cNvPr id="41" name="Connector: Elbow 40">
+            <a:extLst>
+              <a:ext uri="{FF2B5EF4-FFF2-40B4-BE49-F238E27FC236}">
+                <a16:creationId xmlns:a16="http://schemas.microsoft.com/office/drawing/2014/main" id="{FB58C5BD-E0D4-6E43-9E4A-6D91205EA674}"/>
+              </a:ext>
+            </a:extLst>
+          </p:cNvPr>
+          <p:cNvCxnSpPr>
+            <a:cxnSpLocks/>
+            <a:stCxn id="7" idx="3"/>
+            <a:endCxn id="35" idx="1"/>
+          </p:cNvCxnSpPr>
+          <p:nvPr/>
+        </p:nvCxnSpPr>
+        <p:spPr>
+          <a:xfrm flipV="1">
+            <a:off x="2614564" y="5671091"/>
+            <a:ext cx="1390085" cy="315061"/>
+          </a:xfrm>
+          <a:prstGeom prst="bentConnector3">
+            <a:avLst/>
+          </a:prstGeom>
+          <a:ln>
+            <a:tailEnd type="triangle"/>
+          </a:ln>
+        </p:spPr>
+        <p:style>
+          <a:lnRef idx="2">
+            <a:schemeClr val="accent1"/>
+          </a:lnRef>
+          <a:fillRef idx="0">
+            <a:schemeClr val="accent1"/>
+          </a:fillRef>
+          <a:effectRef idx="1">
+            <a:schemeClr val="accent1"/>
+          </a:effectRef>
+          <a:fontRef idx="minor">
+            <a:schemeClr val="tx1"/>
+          </a:fontRef>
+        </p:style>
+      </p:cxnSp>
+      <p:sp>
+        <p:nvSpPr>
+          <p:cNvPr id="50" name="Rectangle 49">
+            <a:extLst>
+              <a:ext uri="{FF2B5EF4-FFF2-40B4-BE49-F238E27FC236}">
+                <a16:creationId xmlns:a16="http://schemas.microsoft.com/office/drawing/2014/main" id="{25B6CCCC-AEBC-3269-4C63-38CEFC84444C}"/>
+              </a:ext>
+            </a:extLst>
+          </p:cNvPr>
+          <p:cNvSpPr/>
+          <p:nvPr/>
+        </p:nvSpPr>
+        <p:spPr>
+          <a:xfrm>
+            <a:off x="8096063" y="4098044"/>
+            <a:ext cx="1489294" cy="461665"/>
+          </a:xfrm>
+          <a:prstGeom prst="rect">
+            <a:avLst/>
+          </a:prstGeom>
+        </p:spPr>
+        <p:style>
+          <a:lnRef idx="2">
+            <a:schemeClr val="accent3"/>
+          </a:lnRef>
+          <a:fillRef idx="1">
+            <a:schemeClr val="lt1"/>
+          </a:fillRef>
+          <a:effectRef idx="0">
+            <a:schemeClr val="accent3"/>
+          </a:effectRef>
+          <a:fontRef idx="minor">
+            <a:schemeClr val="dk1"/>
+          </a:fontRef>
+        </p:style>
+        <p:txBody>
+          <a:bodyPr rtlCol="0" anchor="ctr"/>
+          <a:lstStyle/>
+          <a:p>
+            <a:pPr algn="ctr"/>
+            <a:r>
+              <a:rPr lang="en-US" sz="1000" dirty="0"/>
+              <a:t>Junk Award Record  </a:t>
+            </a:r>
+          </a:p>
+          <a:p>
+            <a:pPr algn="ctr"/>
+            <a:r>
+              <a:rPr lang="en-US" sz="1000" dirty="0"/>
+              <a:t>Data String</a:t>
+            </a:r>
+          </a:p>
+        </p:txBody>
+      </p:sp>
+      <p:sp>
+        <p:nvSpPr>
+          <p:cNvPr id="57" name="Rectangle 56">
+            <a:extLst>
+              <a:ext uri="{FF2B5EF4-FFF2-40B4-BE49-F238E27FC236}">
+                <a16:creationId xmlns:a16="http://schemas.microsoft.com/office/drawing/2014/main" id="{49DD0808-94F1-AAEE-7D88-265064CA300F}"/>
+              </a:ext>
+            </a:extLst>
+          </p:cNvPr>
+          <p:cNvSpPr/>
+          <p:nvPr/>
+        </p:nvSpPr>
+        <p:spPr>
+          <a:xfrm>
+            <a:off x="8013410" y="2826090"/>
+            <a:ext cx="1489295" cy="651360"/>
+          </a:xfrm>
+          <a:prstGeom prst="rect">
+            <a:avLst/>
+          </a:prstGeom>
+        </p:spPr>
+        <p:style>
+          <a:lnRef idx="2">
+            <a:schemeClr val="accent3"/>
+          </a:lnRef>
+          <a:fillRef idx="1">
+            <a:schemeClr val="lt1"/>
+          </a:fillRef>
+          <a:effectRef idx="0">
+            <a:schemeClr val="accent3"/>
+          </a:effectRef>
+          <a:fontRef idx="minor">
+            <a:schemeClr val="dk1"/>
+          </a:fontRef>
+        </p:style>
+        <p:txBody>
+          <a:bodyPr rtlCol="0" anchor="ctr"/>
+          <a:lstStyle/>
+          <a:p>
+            <a:pPr algn="ctr"/>
+            <a:r>
+              <a:rPr lang="en-US" sz="1000" dirty="0"/>
+              <a:t>Email Address Record </a:t>
+            </a:r>
+          </a:p>
+          <a:p>
+            <a:pPr algn="ctr"/>
+            <a:r>
+              <a:rPr lang="en-US" sz="1000" dirty="0"/>
+              <a:t>Key String</a:t>
+            </a:r>
+          </a:p>
+          <a:p>
+            <a:pPr algn="ctr"/>
+            <a:r>
+              <a:rPr lang="en-US" sz="1000" dirty="0"/>
+              <a:t>Data - String</a:t>
+            </a:r>
+          </a:p>
+        </p:txBody>
+      </p:sp>
+      <p:sp>
+        <p:nvSpPr>
+          <p:cNvPr id="64" name="Rectangle 63">
+            <a:extLst>
+              <a:ext uri="{FF2B5EF4-FFF2-40B4-BE49-F238E27FC236}">
+                <a16:creationId xmlns:a16="http://schemas.microsoft.com/office/drawing/2014/main" id="{8841B3D8-F22C-DD38-984F-AFCD1D81BC99}"/>
+              </a:ext>
+            </a:extLst>
+          </p:cNvPr>
+          <p:cNvSpPr/>
+          <p:nvPr/>
+        </p:nvSpPr>
+        <p:spPr>
+          <a:xfrm>
+            <a:off x="4470148" y="2828710"/>
+            <a:ext cx="1489295" cy="636023"/>
+          </a:xfrm>
+          <a:prstGeom prst="rect">
+            <a:avLst/>
+          </a:prstGeom>
+        </p:spPr>
+        <p:style>
+          <a:lnRef idx="2">
+            <a:schemeClr val="accent1">
+              <a:shade val="15000"/>
+            </a:schemeClr>
+          </a:lnRef>
+          <a:fillRef idx="1">
+            <a:schemeClr val="accent1"/>
+          </a:fillRef>
+          <a:effectRef idx="0">
+            <a:schemeClr val="accent1"/>
+          </a:effectRef>
+          <a:fontRef idx="minor">
+            <a:schemeClr val="lt1"/>
+          </a:fontRef>
+        </p:style>
+        <p:txBody>
+          <a:bodyPr rtlCol="0" anchor="t"/>
+          <a:lstStyle/>
+          <a:p>
+            <a:pPr algn="ctr"/>
+            <a:r>
+              <a:rPr lang="en-US" sz="1000" dirty="0"/>
+              <a:t>Email Address Menu</a:t>
+            </a:r>
+          </a:p>
+          <a:p>
+            <a:pPr algn="ctr"/>
+            <a:endParaRPr lang="en-US" sz="1000" dirty="0"/>
+          </a:p>
+          <a:p>
+            <a:r>
+              <a:rPr lang="en-US" sz="1000" dirty="0"/>
+              <a:t>Enter Email Address</a:t>
+            </a:r>
+          </a:p>
+        </p:txBody>
+      </p:sp>
+      <p:sp>
+        <p:nvSpPr>
+          <p:cNvPr id="75" name="Rectangle 74">
+            <a:extLst>
+              <a:ext uri="{FF2B5EF4-FFF2-40B4-BE49-F238E27FC236}">
+                <a16:creationId xmlns:a16="http://schemas.microsoft.com/office/drawing/2014/main" id="{F5036B82-C40D-6984-C67E-234DEFEF4FB7}"/>
+              </a:ext>
+            </a:extLst>
+          </p:cNvPr>
+          <p:cNvSpPr/>
+          <p:nvPr/>
+        </p:nvSpPr>
+        <p:spPr>
+          <a:xfrm>
+            <a:off x="4347928" y="3896382"/>
+            <a:ext cx="1751844" cy="864989"/>
+          </a:xfrm>
+          <a:prstGeom prst="rect">
+            <a:avLst/>
+          </a:prstGeom>
+        </p:spPr>
+        <p:style>
+          <a:lnRef idx="2">
+            <a:schemeClr val="accent1">
+              <a:shade val="15000"/>
+            </a:schemeClr>
+          </a:lnRef>
+          <a:fillRef idx="1">
+            <a:schemeClr val="accent1"/>
+          </a:fillRef>
+          <a:effectRef idx="0">
+            <a:schemeClr val="accent1"/>
+          </a:effectRef>
+          <a:fontRef idx="minor">
+            <a:schemeClr val="lt1"/>
+          </a:fontRef>
+        </p:style>
+        <p:txBody>
+          <a:bodyPr rtlCol="0" anchor="ctr"/>
+          <a:lstStyle/>
+          <a:p>
+            <a:pPr algn="ctr"/>
+            <a:r>
+              <a:rPr lang="en-US" sz="1200" dirty="0"/>
+              <a:t>Junk Award Menu</a:t>
+            </a:r>
+          </a:p>
+          <a:p>
+            <a:pPr algn="ctr"/>
+            <a:r>
+              <a:rPr lang="en-US" sz="1200" dirty="0"/>
+              <a:t>List of Records</a:t>
+            </a:r>
+          </a:p>
+          <a:p>
+            <a:pPr algn="ctr"/>
+            <a:endParaRPr lang="en-US" sz="1200" dirty="0"/>
+          </a:p>
+          <a:p>
+            <a:pPr algn="ctr"/>
+            <a:r>
+              <a:rPr lang="en-US" sz="1000" dirty="0"/>
+              <a:t>Add/Delete from list</a:t>
+            </a:r>
+          </a:p>
+          <a:p>
+            <a:pPr algn="ctr"/>
+            <a:endParaRPr lang="en-US" sz="1200" dirty="0"/>
+          </a:p>
+        </p:txBody>
+      </p:sp>
+      <p:cxnSp>
+        <p:nvCxnSpPr>
+          <p:cNvPr id="77" name="Straight Arrow Connector 76">
+            <a:extLst>
+              <a:ext uri="{FF2B5EF4-FFF2-40B4-BE49-F238E27FC236}">
+                <a16:creationId xmlns:a16="http://schemas.microsoft.com/office/drawing/2014/main" id="{7623F231-FD4F-5B3C-920D-CE5DC81BB2D1}"/>
+              </a:ext>
+            </a:extLst>
+          </p:cNvPr>
+          <p:cNvCxnSpPr>
+            <a:cxnSpLocks/>
+            <a:stCxn id="4" idx="3"/>
+            <a:endCxn id="29" idx="1"/>
+          </p:cNvCxnSpPr>
+          <p:nvPr/>
+        </p:nvCxnSpPr>
+        <p:spPr>
+          <a:xfrm flipV="1">
+            <a:off x="2614564" y="1792168"/>
+            <a:ext cx="1855585" cy="1"/>
+          </a:xfrm>
+          <a:prstGeom prst="straightConnector1">
+            <a:avLst/>
+          </a:prstGeom>
+          <a:ln>
+            <a:tailEnd type="triangle"/>
+          </a:ln>
+        </p:spPr>
+        <p:style>
+          <a:lnRef idx="2">
+            <a:schemeClr val="accent1"/>
+          </a:lnRef>
+          <a:fillRef idx="0">
+            <a:schemeClr val="accent1"/>
+          </a:fillRef>
+          <a:effectRef idx="1">
+            <a:schemeClr val="accent1"/>
+          </a:effectRef>
+          <a:fontRef idx="minor">
+            <a:schemeClr val="tx1"/>
+          </a:fontRef>
+        </p:style>
+      </p:cxnSp>
+      <p:cxnSp>
+        <p:nvCxnSpPr>
+          <p:cNvPr id="80" name="Straight Arrow Connector 79">
+            <a:extLst>
+              <a:ext uri="{FF2B5EF4-FFF2-40B4-BE49-F238E27FC236}">
+                <a16:creationId xmlns:a16="http://schemas.microsoft.com/office/drawing/2014/main" id="{8B5EDE9C-050D-90DB-4A7E-FB27198A2989}"/>
+              </a:ext>
+            </a:extLst>
+          </p:cNvPr>
+          <p:cNvCxnSpPr>
+            <a:cxnSpLocks/>
+            <a:stCxn id="29" idx="3"/>
+            <a:endCxn id="10" idx="1"/>
+          </p:cNvCxnSpPr>
+          <p:nvPr/>
+        </p:nvCxnSpPr>
+        <p:spPr>
+          <a:xfrm>
+            <a:off x="5837223" y="1792168"/>
+            <a:ext cx="2036276" cy="0"/>
+          </a:xfrm>
+          <a:prstGeom prst="straightConnector1">
+            <a:avLst/>
+          </a:prstGeom>
+          <a:ln>
+            <a:tailEnd type="triangle"/>
+          </a:ln>
+        </p:spPr>
+        <p:style>
+          <a:lnRef idx="2">
+            <a:schemeClr val="accent1"/>
+          </a:lnRef>
+          <a:fillRef idx="0">
+            <a:schemeClr val="accent1"/>
+          </a:fillRef>
+          <a:effectRef idx="1">
+            <a:schemeClr val="accent1"/>
+          </a:effectRef>
+          <a:fontRef idx="minor">
+            <a:schemeClr val="tx1"/>
+          </a:fontRef>
+        </p:style>
+      </p:cxnSp>
+      <p:cxnSp>
+        <p:nvCxnSpPr>
+          <p:cNvPr id="81" name="Straight Arrow Connector 80">
+            <a:extLst>
+              <a:ext uri="{FF2B5EF4-FFF2-40B4-BE49-F238E27FC236}">
+                <a16:creationId xmlns:a16="http://schemas.microsoft.com/office/drawing/2014/main" id="{AE1AEC8E-718E-30F6-DCE2-74667E2AE5AF}"/>
+              </a:ext>
+            </a:extLst>
+          </p:cNvPr>
+          <p:cNvCxnSpPr>
+            <a:cxnSpLocks/>
+            <a:stCxn id="75" idx="3"/>
+            <a:endCxn id="50" idx="1"/>
+          </p:cNvCxnSpPr>
+          <p:nvPr/>
+        </p:nvCxnSpPr>
+        <p:spPr>
+          <a:xfrm>
+            <a:off x="6099772" y="4328877"/>
+            <a:ext cx="1996291" cy="0"/>
+          </a:xfrm>
+          <a:prstGeom prst="straightConnector1">
+            <a:avLst/>
+          </a:prstGeom>
+          <a:ln>
+            <a:tailEnd type="triangle"/>
+          </a:ln>
+        </p:spPr>
+        <p:style>
+          <a:lnRef idx="2">
+            <a:schemeClr val="accent1"/>
+          </a:lnRef>
+          <a:fillRef idx="0">
+            <a:schemeClr val="accent1"/>
+          </a:fillRef>
+          <a:effectRef idx="1">
+            <a:schemeClr val="accent1"/>
+          </a:effectRef>
+          <a:fontRef idx="minor">
+            <a:schemeClr val="tx1"/>
+          </a:fontRef>
+        </p:style>
+      </p:cxnSp>
+      <p:cxnSp>
+        <p:nvCxnSpPr>
+          <p:cNvPr id="82" name="Straight Arrow Connector 81">
+            <a:extLst>
+              <a:ext uri="{FF2B5EF4-FFF2-40B4-BE49-F238E27FC236}">
+                <a16:creationId xmlns:a16="http://schemas.microsoft.com/office/drawing/2014/main" id="{BC42D744-37E4-F2DE-BA41-3F7B44DC6D76}"/>
+              </a:ext>
+            </a:extLst>
+          </p:cNvPr>
+          <p:cNvCxnSpPr>
+            <a:cxnSpLocks/>
+            <a:stCxn id="64" idx="3"/>
+            <a:endCxn id="57" idx="1"/>
+          </p:cNvCxnSpPr>
+          <p:nvPr/>
+        </p:nvCxnSpPr>
+        <p:spPr>
+          <a:xfrm>
+            <a:off x="5959443" y="3146722"/>
+            <a:ext cx="2053967" cy="5048"/>
+          </a:xfrm>
+          <a:prstGeom prst="straightConnector1">
+            <a:avLst/>
+          </a:prstGeom>
+          <a:ln>
+            <a:tailEnd type="triangle"/>
+          </a:ln>
+        </p:spPr>
+        <p:style>
+          <a:lnRef idx="2">
+            <a:schemeClr val="accent1"/>
+          </a:lnRef>
+          <a:fillRef idx="0">
+            <a:schemeClr val="accent1"/>
+          </a:fillRef>
+          <a:effectRef idx="1">
+            <a:schemeClr val="accent1"/>
+          </a:effectRef>
+          <a:fontRef idx="minor">
+            <a:schemeClr val="tx1"/>
+          </a:fontRef>
+        </p:style>
+      </p:cxnSp>
+      <p:cxnSp>
+        <p:nvCxnSpPr>
+          <p:cNvPr id="83" name="Straight Arrow Connector 82">
+            <a:extLst>
+              <a:ext uri="{FF2B5EF4-FFF2-40B4-BE49-F238E27FC236}">
+                <a16:creationId xmlns:a16="http://schemas.microsoft.com/office/drawing/2014/main" id="{8F99E9BC-87D1-977F-D458-F6D4705D10AD}"/>
+              </a:ext>
+            </a:extLst>
+          </p:cNvPr>
+          <p:cNvCxnSpPr>
+            <a:cxnSpLocks/>
+            <a:stCxn id="8" idx="3"/>
+            <a:endCxn id="64" idx="1"/>
+          </p:cNvCxnSpPr>
+          <p:nvPr/>
+        </p:nvCxnSpPr>
+        <p:spPr>
+          <a:xfrm>
+            <a:off x="2510882" y="3146722"/>
+            <a:ext cx="1959266" cy="0"/>
+          </a:xfrm>
+          <a:prstGeom prst="straightConnector1">
+            <a:avLst/>
+          </a:prstGeom>
+          <a:ln>
+            <a:tailEnd type="triangle"/>
+          </a:ln>
+        </p:spPr>
+        <p:style>
+          <a:lnRef idx="2">
+            <a:schemeClr val="accent1"/>
+          </a:lnRef>
+          <a:fillRef idx="0">
+            <a:schemeClr val="accent1"/>
+          </a:fillRef>
+          <a:effectRef idx="1">
+            <a:schemeClr val="accent1"/>
+          </a:effectRef>
+          <a:fontRef idx="minor">
+            <a:schemeClr val="tx1"/>
+          </a:fontRef>
+        </p:style>
+      </p:cxnSp>
+      <p:cxnSp>
+        <p:nvCxnSpPr>
+          <p:cNvPr id="84" name="Straight Arrow Connector 83">
+            <a:extLst>
+              <a:ext uri="{FF2B5EF4-FFF2-40B4-BE49-F238E27FC236}">
+                <a16:creationId xmlns:a16="http://schemas.microsoft.com/office/drawing/2014/main" id="{C1961D84-0C67-A097-A580-14FC42A3987A}"/>
+              </a:ext>
+            </a:extLst>
+          </p:cNvPr>
+          <p:cNvCxnSpPr>
+            <a:cxnSpLocks/>
+            <a:stCxn id="6" idx="3"/>
+            <a:endCxn id="75" idx="1"/>
+          </p:cNvCxnSpPr>
+          <p:nvPr/>
+        </p:nvCxnSpPr>
+        <p:spPr>
+          <a:xfrm>
+            <a:off x="2614564" y="4328877"/>
+            <a:ext cx="1733364" cy="0"/>
+          </a:xfrm>
+          <a:prstGeom prst="straightConnector1">
+            <a:avLst/>
+          </a:prstGeom>
+          <a:ln>
+            <a:tailEnd type="triangle"/>
+          </a:ln>
+        </p:spPr>
+        <p:style>
+          <a:lnRef idx="2">
+            <a:schemeClr val="accent1"/>
+          </a:lnRef>
+          <a:fillRef idx="0">
+            <a:schemeClr val="accent1"/>
+          </a:fillRef>
+          <a:effectRef idx="1">
+            <a:schemeClr val="accent1"/>
+          </a:effectRef>
+          <a:fontRef idx="minor">
+            <a:schemeClr val="tx1"/>
+          </a:fontRef>
+        </p:style>
+      </p:cxnSp>
+    </p:spTree>
+    <p:extLst>
+      <p:ext uri="{BB962C8B-B14F-4D97-AF65-F5344CB8AC3E}">
+        <p14:creationId xmlns:p14="http://schemas.microsoft.com/office/powerpoint/2010/main" val="451756427"/>
+      </p:ext>
+    </p:extLst>
+  </p:cSld>
+  <p:clrMapOvr>
+    <a:masterClrMapping/>
+  </p:clrMapOvr>
+</p:sld>
+</file>
+
+<file path=ppt/slides/slide8.xml><?xml version="1.0" encoding="utf-8"?>
+<p:sld xmlns:a="http://schemas.openxmlformats.org/drawingml/2006/main" xmlns:r="http://schemas.openxmlformats.org/officeDocument/2006/relationships" xmlns:p="http://schemas.openxmlformats.org/presentationml/2006/main">
+  <p:cSld>
+    <p:spTree>
+      <p:nvGrpSpPr>
+        <p:cNvPr id="1" name=""/>
+        <p:cNvGrpSpPr/>
+        <p:nvPr/>
+      </p:nvGrpSpPr>
+      <p:grpSpPr>
+        <a:xfrm>
+          <a:off x="0" y="0"/>
+          <a:ext cx="0" cy="0"/>
+          <a:chOff x="0" y="0"/>
+          <a:chExt cx="0" cy="0"/>
+        </a:xfrm>
+      </p:grpSpPr>
+      <p:sp>
+        <p:nvSpPr>
           <p:cNvPr id="19" name="Rectangle 18">
             <a:extLst>
               <a:ext uri="{FF2B5EF4-FFF2-40B4-BE49-F238E27FC236}">
@@ -21231,7 +22673,7 @@
 </p:sld>
 </file>
 
-<file path=ppt/slides/slide8.xml><?xml version="1.0" encoding="utf-8"?>
+<file path=ppt/slides/slide9.xml><?xml version="1.0" encoding="utf-8"?>
 <p:sld xmlns:a="http://schemas.openxmlformats.org/drawingml/2006/main" xmlns:r="http://schemas.openxmlformats.org/officeDocument/2006/relationships" xmlns:p="http://schemas.openxmlformats.org/presentationml/2006/main">
   <p:cSld>
     <p:spTree>
@@ -23848,945 +25290,6 @@
 </p:sld>
 </file>
 
-<file path=ppt/slides/slide9.xml><?xml version="1.0" encoding="utf-8"?>
-<p:sld xmlns:a="http://schemas.openxmlformats.org/drawingml/2006/main" xmlns:r="http://schemas.openxmlformats.org/officeDocument/2006/relationships" xmlns:p="http://schemas.openxmlformats.org/presentationml/2006/main">
-  <p:cSld>
-    <p:spTree>
-      <p:nvGrpSpPr>
-        <p:cNvPr id="1" name=""/>
-        <p:cNvGrpSpPr/>
-        <p:nvPr/>
-      </p:nvGrpSpPr>
-      <p:grpSpPr>
-        <a:xfrm>
-          <a:off x="0" y="0"/>
-          <a:ext cx="0" cy="0"/>
-          <a:chOff x="0" y="0"/>
-          <a:chExt cx="0" cy="0"/>
-        </a:xfrm>
-      </p:grpSpPr>
-      <p:sp>
-        <p:nvSpPr>
-          <p:cNvPr id="2" name="TextBox 1">
-            <a:extLst>
-              <a:ext uri="{FF2B5EF4-FFF2-40B4-BE49-F238E27FC236}">
-                <a16:creationId xmlns:a16="http://schemas.microsoft.com/office/drawing/2014/main" id="{4197CC9D-8895-E34C-93F4-DAFD032A2864}"/>
-              </a:ext>
-            </a:extLst>
-          </p:cNvPr>
-          <p:cNvSpPr txBox="1"/>
-          <p:nvPr/>
-        </p:nvSpPr>
-        <p:spPr>
-          <a:xfrm>
-            <a:off x="4998732" y="228635"/>
-            <a:ext cx="1734770" cy="307777"/>
-          </a:xfrm>
-          <a:prstGeom prst="rect">
-            <a:avLst/>
-          </a:prstGeom>
-          <a:noFill/>
-        </p:spPr>
-        <p:txBody>
-          <a:bodyPr wrap="none" rtlCol="0">
-            <a:spAutoFit/>
-          </a:bodyPr>
-          <a:lstStyle/>
-          <a:p>
-            <a:r>
-              <a:rPr lang="en-US" sz="1400" dirty="0"/>
-              <a:t>Score Card Layout</a:t>
-            </a:r>
-          </a:p>
-        </p:txBody>
-      </p:sp>
-      <p:sp>
-        <p:nvSpPr>
-          <p:cNvPr id="3" name="Rectangle 2">
-            <a:extLst>
-              <a:ext uri="{FF2B5EF4-FFF2-40B4-BE49-F238E27FC236}">
-                <a16:creationId xmlns:a16="http://schemas.microsoft.com/office/drawing/2014/main" id="{334DEEFE-4D20-595B-505F-578C2AEA1554}"/>
-              </a:ext>
-            </a:extLst>
-          </p:cNvPr>
-          <p:cNvSpPr/>
-          <p:nvPr/>
-        </p:nvSpPr>
-        <p:spPr>
-          <a:xfrm>
-            <a:off x="2709741" y="1325903"/>
-            <a:ext cx="6217852" cy="3383243"/>
-          </a:xfrm>
-          <a:prstGeom prst="rect">
-            <a:avLst/>
-          </a:prstGeom>
-        </p:spPr>
-        <p:style>
-          <a:lnRef idx="2">
-            <a:schemeClr val="accent1"/>
-          </a:lnRef>
-          <a:fillRef idx="1">
-            <a:schemeClr val="lt1"/>
-          </a:fillRef>
-          <a:effectRef idx="0">
-            <a:schemeClr val="accent1"/>
-          </a:effectRef>
-          <a:fontRef idx="minor">
-            <a:schemeClr val="dk1"/>
-          </a:fontRef>
-        </p:style>
-        <p:txBody>
-          <a:bodyPr rtlCol="0" anchor="ctr"/>
-          <a:lstStyle/>
-          <a:p>
-            <a:pPr algn="ctr"/>
-            <a:endParaRPr lang="en-US"/>
-          </a:p>
-        </p:txBody>
-      </p:sp>
-      <p:sp>
-        <p:nvSpPr>
-          <p:cNvPr id="4" name="Rectangle 3">
-            <a:extLst>
-              <a:ext uri="{FF2B5EF4-FFF2-40B4-BE49-F238E27FC236}">
-                <a16:creationId xmlns:a16="http://schemas.microsoft.com/office/drawing/2014/main" id="{13D18BCD-12AF-D181-7D98-63F6E51460AE}"/>
-              </a:ext>
-            </a:extLst>
-          </p:cNvPr>
-          <p:cNvSpPr/>
-          <p:nvPr/>
-        </p:nvSpPr>
-        <p:spPr>
-          <a:xfrm>
-            <a:off x="3169951" y="1691659"/>
-            <a:ext cx="1188707" cy="457195"/>
-          </a:xfrm>
-          <a:prstGeom prst="rect">
-            <a:avLst/>
-          </a:prstGeom>
-        </p:spPr>
-        <p:style>
-          <a:lnRef idx="2">
-            <a:schemeClr val="accent1">
-              <a:shade val="15000"/>
-            </a:schemeClr>
-          </a:lnRef>
-          <a:fillRef idx="1">
-            <a:schemeClr val="accent1"/>
-          </a:fillRef>
-          <a:effectRef idx="0">
-            <a:schemeClr val="accent1"/>
-          </a:effectRef>
-          <a:fontRef idx="minor">
-            <a:schemeClr val="lt1"/>
-          </a:fontRef>
-        </p:style>
-        <p:txBody>
-          <a:bodyPr rtlCol="0" anchor="ctr"/>
-          <a:lstStyle/>
-          <a:p>
-            <a:pPr algn="ctr"/>
-            <a:endParaRPr lang="en-US"/>
-          </a:p>
-        </p:txBody>
-      </p:sp>
-      <p:sp>
-        <p:nvSpPr>
-          <p:cNvPr id="5" name="Rectangle 4">
-            <a:extLst>
-              <a:ext uri="{FF2B5EF4-FFF2-40B4-BE49-F238E27FC236}">
-                <a16:creationId xmlns:a16="http://schemas.microsoft.com/office/drawing/2014/main" id="{48FDF903-6A9A-62A0-2E3D-152280A08096}"/>
-              </a:ext>
-            </a:extLst>
-          </p:cNvPr>
-          <p:cNvSpPr/>
-          <p:nvPr/>
-        </p:nvSpPr>
-        <p:spPr>
-          <a:xfrm>
-            <a:off x="3169952" y="2423171"/>
-            <a:ext cx="1188707" cy="1005829"/>
-          </a:xfrm>
-          <a:prstGeom prst="rect">
-            <a:avLst/>
-          </a:prstGeom>
-        </p:spPr>
-        <p:style>
-          <a:lnRef idx="2">
-            <a:schemeClr val="accent1">
-              <a:shade val="15000"/>
-            </a:schemeClr>
-          </a:lnRef>
-          <a:fillRef idx="1">
-            <a:schemeClr val="accent1"/>
-          </a:fillRef>
-          <a:effectRef idx="0">
-            <a:schemeClr val="accent1"/>
-          </a:effectRef>
-          <a:fontRef idx="minor">
-            <a:schemeClr val="lt1"/>
-          </a:fontRef>
-        </p:style>
-        <p:txBody>
-          <a:bodyPr rtlCol="0" anchor="ctr"/>
-          <a:lstStyle/>
-          <a:p>
-            <a:pPr algn="ctr"/>
-            <a:endParaRPr lang="en-US"/>
-          </a:p>
-        </p:txBody>
-      </p:sp>
-      <p:sp>
-        <p:nvSpPr>
-          <p:cNvPr id="6" name="Rectangle 5">
-            <a:extLst>
-              <a:ext uri="{FF2B5EF4-FFF2-40B4-BE49-F238E27FC236}">
-                <a16:creationId xmlns:a16="http://schemas.microsoft.com/office/drawing/2014/main" id="{1F57865F-9B95-A6CE-C9E2-6CDBE14D5219}"/>
-              </a:ext>
-            </a:extLst>
-          </p:cNvPr>
-          <p:cNvSpPr/>
-          <p:nvPr/>
-        </p:nvSpPr>
-        <p:spPr>
-          <a:xfrm>
-            <a:off x="3169952" y="3703317"/>
-            <a:ext cx="1188707" cy="365756"/>
-          </a:xfrm>
-          <a:prstGeom prst="rect">
-            <a:avLst/>
-          </a:prstGeom>
-        </p:spPr>
-        <p:style>
-          <a:lnRef idx="2">
-            <a:schemeClr val="accent1">
-              <a:shade val="15000"/>
-            </a:schemeClr>
-          </a:lnRef>
-          <a:fillRef idx="1">
-            <a:schemeClr val="accent1"/>
-          </a:fillRef>
-          <a:effectRef idx="0">
-            <a:schemeClr val="accent1"/>
-          </a:effectRef>
-          <a:fontRef idx="minor">
-            <a:schemeClr val="lt1"/>
-          </a:fontRef>
-        </p:style>
-        <p:txBody>
-          <a:bodyPr rtlCol="0" anchor="ctr"/>
-          <a:lstStyle/>
-          <a:p>
-            <a:pPr algn="ctr"/>
-            <a:endParaRPr lang="en-US"/>
-          </a:p>
-        </p:txBody>
-      </p:sp>
-      <p:sp>
-        <p:nvSpPr>
-          <p:cNvPr id="7" name="Rectangle 6">
-            <a:extLst>
-              <a:ext uri="{FF2B5EF4-FFF2-40B4-BE49-F238E27FC236}">
-                <a16:creationId xmlns:a16="http://schemas.microsoft.com/office/drawing/2014/main" id="{40A4766A-A6E2-65C8-37C3-929377E899A2}"/>
-              </a:ext>
-            </a:extLst>
-          </p:cNvPr>
-          <p:cNvSpPr/>
-          <p:nvPr/>
-        </p:nvSpPr>
-        <p:spPr>
-          <a:xfrm>
-            <a:off x="4701821" y="1691659"/>
-            <a:ext cx="2582886" cy="457195"/>
-          </a:xfrm>
-          <a:prstGeom prst="rect">
-            <a:avLst/>
-          </a:prstGeom>
-        </p:spPr>
-        <p:style>
-          <a:lnRef idx="2">
-            <a:schemeClr val="accent1">
-              <a:shade val="15000"/>
-            </a:schemeClr>
-          </a:lnRef>
-          <a:fillRef idx="1">
-            <a:schemeClr val="accent1"/>
-          </a:fillRef>
-          <a:effectRef idx="0">
-            <a:schemeClr val="accent1"/>
-          </a:effectRef>
-          <a:fontRef idx="minor">
-            <a:schemeClr val="lt1"/>
-          </a:fontRef>
-        </p:style>
-        <p:txBody>
-          <a:bodyPr rtlCol="0" anchor="ctr"/>
-          <a:lstStyle/>
-          <a:p>
-            <a:pPr algn="ctr"/>
-            <a:endParaRPr lang="en-US"/>
-          </a:p>
-        </p:txBody>
-      </p:sp>
-      <p:sp>
-        <p:nvSpPr>
-          <p:cNvPr id="8" name="Rectangle 7">
-            <a:extLst>
-              <a:ext uri="{FF2B5EF4-FFF2-40B4-BE49-F238E27FC236}">
-                <a16:creationId xmlns:a16="http://schemas.microsoft.com/office/drawing/2014/main" id="{99088D0B-05CF-09F2-FBC4-55A0851597B3}"/>
-              </a:ext>
-            </a:extLst>
-          </p:cNvPr>
-          <p:cNvSpPr/>
-          <p:nvPr/>
-        </p:nvSpPr>
-        <p:spPr>
-          <a:xfrm>
-            <a:off x="4717082" y="2435430"/>
-            <a:ext cx="2567625" cy="1005829"/>
-          </a:xfrm>
-          <a:prstGeom prst="rect">
-            <a:avLst/>
-          </a:prstGeom>
-        </p:spPr>
-        <p:style>
-          <a:lnRef idx="2">
-            <a:schemeClr val="accent1">
-              <a:shade val="15000"/>
-            </a:schemeClr>
-          </a:lnRef>
-          <a:fillRef idx="1">
-            <a:schemeClr val="accent1"/>
-          </a:fillRef>
-          <a:effectRef idx="0">
-            <a:schemeClr val="accent1"/>
-          </a:effectRef>
-          <a:fontRef idx="minor">
-            <a:schemeClr val="lt1"/>
-          </a:fontRef>
-        </p:style>
-        <p:txBody>
-          <a:bodyPr rtlCol="0" anchor="ctr"/>
-          <a:lstStyle/>
-          <a:p>
-            <a:pPr algn="ctr"/>
-            <a:endParaRPr lang="en-US"/>
-          </a:p>
-        </p:txBody>
-      </p:sp>
-      <p:sp>
-        <p:nvSpPr>
-          <p:cNvPr id="9" name="Rectangle 8">
-            <a:extLst>
-              <a:ext uri="{FF2B5EF4-FFF2-40B4-BE49-F238E27FC236}">
-                <a16:creationId xmlns:a16="http://schemas.microsoft.com/office/drawing/2014/main" id="{F27C45A3-C2A0-A7BE-5888-DE955BCB5263}"/>
-              </a:ext>
-            </a:extLst>
-          </p:cNvPr>
-          <p:cNvSpPr/>
-          <p:nvPr/>
-        </p:nvSpPr>
-        <p:spPr>
-          <a:xfrm>
-            <a:off x="4804557" y="3703317"/>
-            <a:ext cx="2480150" cy="365756"/>
-          </a:xfrm>
-          <a:prstGeom prst="rect">
-            <a:avLst/>
-          </a:prstGeom>
-        </p:spPr>
-        <p:style>
-          <a:lnRef idx="2">
-            <a:schemeClr val="accent1">
-              <a:shade val="15000"/>
-            </a:schemeClr>
-          </a:lnRef>
-          <a:fillRef idx="1">
-            <a:schemeClr val="accent1"/>
-          </a:fillRef>
-          <a:effectRef idx="0">
-            <a:schemeClr val="accent1"/>
-          </a:effectRef>
-          <a:fontRef idx="minor">
-            <a:schemeClr val="lt1"/>
-          </a:fontRef>
-        </p:style>
-        <p:txBody>
-          <a:bodyPr rtlCol="0" anchor="ctr"/>
-          <a:lstStyle/>
-          <a:p>
-            <a:pPr algn="ctr"/>
-            <a:endParaRPr lang="en-US"/>
-          </a:p>
-        </p:txBody>
-      </p:sp>
-      <p:sp>
-        <p:nvSpPr>
-          <p:cNvPr id="10" name="Rectangle 9">
-            <a:extLst>
-              <a:ext uri="{FF2B5EF4-FFF2-40B4-BE49-F238E27FC236}">
-                <a16:creationId xmlns:a16="http://schemas.microsoft.com/office/drawing/2014/main" id="{C6391222-C7A4-D4D9-F52E-3D2C2D20DF9B}"/>
-              </a:ext>
-            </a:extLst>
-          </p:cNvPr>
-          <p:cNvSpPr/>
-          <p:nvPr/>
-        </p:nvSpPr>
-        <p:spPr>
-          <a:xfrm>
-            <a:off x="7508776" y="1691659"/>
-            <a:ext cx="507444" cy="457195"/>
-          </a:xfrm>
-          <a:prstGeom prst="rect">
-            <a:avLst/>
-          </a:prstGeom>
-        </p:spPr>
-        <p:style>
-          <a:lnRef idx="2">
-            <a:schemeClr val="accent1">
-              <a:shade val="15000"/>
-            </a:schemeClr>
-          </a:lnRef>
-          <a:fillRef idx="1">
-            <a:schemeClr val="accent1"/>
-          </a:fillRef>
-          <a:effectRef idx="0">
-            <a:schemeClr val="accent1"/>
-          </a:effectRef>
-          <a:fontRef idx="minor">
-            <a:schemeClr val="lt1"/>
-          </a:fontRef>
-        </p:style>
-        <p:txBody>
-          <a:bodyPr rtlCol="0" anchor="ctr"/>
-          <a:lstStyle/>
-          <a:p>
-            <a:pPr algn="ctr"/>
-            <a:endParaRPr lang="en-US"/>
-          </a:p>
-        </p:txBody>
-      </p:sp>
-      <p:sp>
-        <p:nvSpPr>
-          <p:cNvPr id="11" name="Rectangle 10">
-            <a:extLst>
-              <a:ext uri="{FF2B5EF4-FFF2-40B4-BE49-F238E27FC236}">
-                <a16:creationId xmlns:a16="http://schemas.microsoft.com/office/drawing/2014/main" id="{64867648-B79B-18BB-D5E1-4820A2B7789E}"/>
-              </a:ext>
-            </a:extLst>
-          </p:cNvPr>
-          <p:cNvSpPr/>
-          <p:nvPr/>
-        </p:nvSpPr>
-        <p:spPr>
-          <a:xfrm>
-            <a:off x="7508776" y="2435445"/>
-            <a:ext cx="507444" cy="993555"/>
-          </a:xfrm>
-          <a:prstGeom prst="rect">
-            <a:avLst/>
-          </a:prstGeom>
-        </p:spPr>
-        <p:style>
-          <a:lnRef idx="2">
-            <a:schemeClr val="accent1">
-              <a:shade val="15000"/>
-            </a:schemeClr>
-          </a:lnRef>
-          <a:fillRef idx="1">
-            <a:schemeClr val="accent1"/>
-          </a:fillRef>
-          <a:effectRef idx="0">
-            <a:schemeClr val="accent1"/>
-          </a:effectRef>
-          <a:fontRef idx="minor">
-            <a:schemeClr val="lt1"/>
-          </a:fontRef>
-        </p:style>
-        <p:txBody>
-          <a:bodyPr rtlCol="0" anchor="ctr"/>
-          <a:lstStyle/>
-          <a:p>
-            <a:pPr algn="ctr"/>
-            <a:endParaRPr lang="en-US"/>
-          </a:p>
-        </p:txBody>
-      </p:sp>
-      <p:sp>
-        <p:nvSpPr>
-          <p:cNvPr id="12" name="Rectangle 11">
-            <a:extLst>
-              <a:ext uri="{FF2B5EF4-FFF2-40B4-BE49-F238E27FC236}">
-                <a16:creationId xmlns:a16="http://schemas.microsoft.com/office/drawing/2014/main" id="{2754A4CB-964B-F802-182A-319951D29522}"/>
-              </a:ext>
-            </a:extLst>
-          </p:cNvPr>
-          <p:cNvSpPr/>
-          <p:nvPr/>
-        </p:nvSpPr>
-        <p:spPr>
-          <a:xfrm>
-            <a:off x="7508776" y="3703316"/>
-            <a:ext cx="507444" cy="365757"/>
-          </a:xfrm>
-          <a:prstGeom prst="rect">
-            <a:avLst/>
-          </a:prstGeom>
-        </p:spPr>
-        <p:style>
-          <a:lnRef idx="2">
-            <a:schemeClr val="accent1">
-              <a:shade val="15000"/>
-            </a:schemeClr>
-          </a:lnRef>
-          <a:fillRef idx="1">
-            <a:schemeClr val="accent1"/>
-          </a:fillRef>
-          <a:effectRef idx="0">
-            <a:schemeClr val="accent1"/>
-          </a:effectRef>
-          <a:fontRef idx="minor">
-            <a:schemeClr val="lt1"/>
-          </a:fontRef>
-        </p:style>
-        <p:txBody>
-          <a:bodyPr rtlCol="0" anchor="ctr"/>
-          <a:lstStyle/>
-          <a:p>
-            <a:pPr algn="ctr"/>
-            <a:endParaRPr lang="en-US"/>
-          </a:p>
-        </p:txBody>
-      </p:sp>
-      <p:sp>
-        <p:nvSpPr>
-          <p:cNvPr id="13" name="TextBox 12">
-            <a:extLst>
-              <a:ext uri="{FF2B5EF4-FFF2-40B4-BE49-F238E27FC236}">
-                <a16:creationId xmlns:a16="http://schemas.microsoft.com/office/drawing/2014/main" id="{F2ED7BB7-E4EF-262C-359D-6C5C557518EE}"/>
-              </a:ext>
-            </a:extLst>
-          </p:cNvPr>
-          <p:cNvSpPr txBox="1"/>
-          <p:nvPr/>
-        </p:nvSpPr>
-        <p:spPr>
-          <a:xfrm>
-            <a:off x="1552146" y="1783766"/>
-            <a:ext cx="492443" cy="276999"/>
-          </a:xfrm>
-          <a:prstGeom prst="rect">
-            <a:avLst/>
-          </a:prstGeom>
-          <a:noFill/>
-        </p:spPr>
-        <p:txBody>
-          <a:bodyPr wrap="none" rtlCol="0">
-            <a:spAutoFit/>
-          </a:bodyPr>
-          <a:lstStyle/>
-          <a:p>
-            <a:r>
-              <a:rPr lang="en-US" sz="1200" dirty="0"/>
-              <a:t>Row</a:t>
-            </a:r>
-          </a:p>
-        </p:txBody>
-      </p:sp>
-      <p:sp>
-        <p:nvSpPr>
-          <p:cNvPr id="16" name="TextBox 15">
-            <a:extLst>
-              <a:ext uri="{FF2B5EF4-FFF2-40B4-BE49-F238E27FC236}">
-                <a16:creationId xmlns:a16="http://schemas.microsoft.com/office/drawing/2014/main" id="{69C37205-D362-61C1-9F63-12AF36916B22}"/>
-              </a:ext>
-            </a:extLst>
-          </p:cNvPr>
-          <p:cNvSpPr txBox="1"/>
-          <p:nvPr/>
-        </p:nvSpPr>
-        <p:spPr>
-          <a:xfrm>
-            <a:off x="1542265" y="2787585"/>
-            <a:ext cx="492443" cy="276999"/>
-          </a:xfrm>
-          <a:prstGeom prst="rect">
-            <a:avLst/>
-          </a:prstGeom>
-          <a:noFill/>
-        </p:spPr>
-        <p:txBody>
-          <a:bodyPr wrap="none" rtlCol="0">
-            <a:spAutoFit/>
-          </a:bodyPr>
-          <a:lstStyle/>
-          <a:p>
-            <a:r>
-              <a:rPr lang="en-US" sz="1200" dirty="0"/>
-              <a:t>Row</a:t>
-            </a:r>
-          </a:p>
-        </p:txBody>
-      </p:sp>
-      <p:sp>
-        <p:nvSpPr>
-          <p:cNvPr id="17" name="TextBox 16">
-            <a:extLst>
-              <a:ext uri="{FF2B5EF4-FFF2-40B4-BE49-F238E27FC236}">
-                <a16:creationId xmlns:a16="http://schemas.microsoft.com/office/drawing/2014/main" id="{215ABDDB-3AC6-5E96-8214-E7C315B69A43}"/>
-              </a:ext>
-            </a:extLst>
-          </p:cNvPr>
-          <p:cNvSpPr txBox="1"/>
-          <p:nvPr/>
-        </p:nvSpPr>
-        <p:spPr>
-          <a:xfrm>
-            <a:off x="1604110" y="3747695"/>
-            <a:ext cx="492443" cy="276999"/>
-          </a:xfrm>
-          <a:prstGeom prst="rect">
-            <a:avLst/>
-          </a:prstGeom>
-          <a:noFill/>
-        </p:spPr>
-        <p:txBody>
-          <a:bodyPr wrap="none" rtlCol="0">
-            <a:spAutoFit/>
-          </a:bodyPr>
-          <a:lstStyle/>
-          <a:p>
-            <a:r>
-              <a:rPr lang="en-US" sz="1200" dirty="0"/>
-              <a:t>Row</a:t>
-            </a:r>
-          </a:p>
-        </p:txBody>
-      </p:sp>
-      <p:sp>
-        <p:nvSpPr>
-          <p:cNvPr id="18" name="TextBox 17">
-            <a:extLst>
-              <a:ext uri="{FF2B5EF4-FFF2-40B4-BE49-F238E27FC236}">
-                <a16:creationId xmlns:a16="http://schemas.microsoft.com/office/drawing/2014/main" id="{7D881E45-5569-D266-C6FD-FE0B5FB62487}"/>
-              </a:ext>
-            </a:extLst>
-          </p:cNvPr>
-          <p:cNvSpPr txBox="1"/>
-          <p:nvPr/>
-        </p:nvSpPr>
-        <p:spPr>
-          <a:xfrm>
-            <a:off x="520985" y="1165938"/>
-            <a:ext cx="838691" cy="307777"/>
-          </a:xfrm>
-          <a:prstGeom prst="rect">
-            <a:avLst/>
-          </a:prstGeom>
-          <a:noFill/>
-        </p:spPr>
-        <p:txBody>
-          <a:bodyPr wrap="none" rtlCol="0">
-            <a:spAutoFit/>
-          </a:bodyPr>
-          <a:lstStyle/>
-          <a:p>
-            <a:r>
-              <a:rPr lang="en-US" sz="1400" dirty="0"/>
-              <a:t>Column</a:t>
-            </a:r>
-          </a:p>
-        </p:txBody>
-      </p:sp>
-      <p:sp>
-        <p:nvSpPr>
-          <p:cNvPr id="19" name="TextBox 18">
-            <a:extLst>
-              <a:ext uri="{FF2B5EF4-FFF2-40B4-BE49-F238E27FC236}">
-                <a16:creationId xmlns:a16="http://schemas.microsoft.com/office/drawing/2014/main" id="{57D61F86-EA8E-7DD4-1C91-F11614CE2848}"/>
-              </a:ext>
-            </a:extLst>
-          </p:cNvPr>
-          <p:cNvSpPr txBox="1"/>
-          <p:nvPr/>
-        </p:nvSpPr>
-        <p:spPr>
-          <a:xfrm>
-            <a:off x="3322895" y="1473715"/>
-            <a:ext cx="652743" cy="246221"/>
-          </a:xfrm>
-          <a:prstGeom prst="rect">
-            <a:avLst/>
-          </a:prstGeom>
-          <a:noFill/>
-        </p:spPr>
-        <p:txBody>
-          <a:bodyPr wrap="none" rtlCol="0">
-            <a:spAutoFit/>
-          </a:bodyPr>
-          <a:lstStyle/>
-          <a:p>
-            <a:r>
-              <a:rPr lang="en-US" sz="1000" dirty="0"/>
-              <a:t>Column</a:t>
-            </a:r>
-          </a:p>
-        </p:txBody>
-      </p:sp>
-      <p:sp>
-        <p:nvSpPr>
-          <p:cNvPr id="21" name="TextBox 20">
-            <a:extLst>
-              <a:ext uri="{FF2B5EF4-FFF2-40B4-BE49-F238E27FC236}">
-                <a16:creationId xmlns:a16="http://schemas.microsoft.com/office/drawing/2014/main" id="{085895FB-ADD7-9C4E-48B6-86B19A9862F4}"/>
-              </a:ext>
-            </a:extLst>
-          </p:cNvPr>
-          <p:cNvSpPr txBox="1"/>
-          <p:nvPr/>
-        </p:nvSpPr>
-        <p:spPr>
-          <a:xfrm>
-            <a:off x="5492295" y="1473714"/>
-            <a:ext cx="652743" cy="246221"/>
-          </a:xfrm>
-          <a:prstGeom prst="rect">
-            <a:avLst/>
-          </a:prstGeom>
-          <a:noFill/>
-        </p:spPr>
-        <p:txBody>
-          <a:bodyPr wrap="square">
-            <a:spAutoFit/>
-          </a:bodyPr>
-          <a:lstStyle/>
-          <a:p>
-            <a:r>
-              <a:rPr lang="en-US" sz="1000" dirty="0"/>
-              <a:t>Column</a:t>
-            </a:r>
-          </a:p>
-        </p:txBody>
-      </p:sp>
-      <p:sp>
-        <p:nvSpPr>
-          <p:cNvPr id="23" name="TextBox 22">
-            <a:extLst>
-              <a:ext uri="{FF2B5EF4-FFF2-40B4-BE49-F238E27FC236}">
-                <a16:creationId xmlns:a16="http://schemas.microsoft.com/office/drawing/2014/main" id="{9BEF8753-CC58-4254-C56C-FE349E9D4C2D}"/>
-              </a:ext>
-            </a:extLst>
-          </p:cNvPr>
-          <p:cNvSpPr txBox="1"/>
-          <p:nvPr/>
-        </p:nvSpPr>
-        <p:spPr>
-          <a:xfrm>
-            <a:off x="7495103" y="1406960"/>
-            <a:ext cx="652743" cy="246221"/>
-          </a:xfrm>
-          <a:prstGeom prst="rect">
-            <a:avLst/>
-          </a:prstGeom>
-          <a:noFill/>
-        </p:spPr>
-        <p:txBody>
-          <a:bodyPr wrap="square">
-            <a:spAutoFit/>
-          </a:bodyPr>
-          <a:lstStyle/>
-          <a:p>
-            <a:r>
-              <a:rPr lang="en-US" sz="1000" dirty="0"/>
-              <a:t>Column</a:t>
-            </a:r>
-          </a:p>
-        </p:txBody>
-      </p:sp>
-      <p:cxnSp>
-        <p:nvCxnSpPr>
-          <p:cNvPr id="25" name="Straight Arrow Connector 24">
-            <a:extLst>
-              <a:ext uri="{FF2B5EF4-FFF2-40B4-BE49-F238E27FC236}">
-                <a16:creationId xmlns:a16="http://schemas.microsoft.com/office/drawing/2014/main" id="{5D642965-AEF7-B15F-1F21-46640EA55A83}"/>
-              </a:ext>
-            </a:extLst>
-          </p:cNvPr>
-          <p:cNvCxnSpPr>
-            <a:cxnSpLocks/>
-            <a:stCxn id="18" idx="3"/>
-          </p:cNvCxnSpPr>
-          <p:nvPr/>
-        </p:nvCxnSpPr>
-        <p:spPr>
-          <a:xfrm>
-            <a:off x="1359676" y="1319827"/>
-            <a:ext cx="1353212" cy="59440"/>
-          </a:xfrm>
-          <a:prstGeom prst="straightConnector1">
-            <a:avLst/>
-          </a:prstGeom>
-          <a:ln>
-            <a:tailEnd type="triangle"/>
-          </a:ln>
-        </p:spPr>
-        <p:style>
-          <a:lnRef idx="2">
-            <a:schemeClr val="accent1"/>
-          </a:lnRef>
-          <a:fillRef idx="0">
-            <a:schemeClr val="accent1"/>
-          </a:fillRef>
-          <a:effectRef idx="1">
-            <a:schemeClr val="accent1"/>
-          </a:effectRef>
-          <a:fontRef idx="minor">
-            <a:schemeClr val="tx1"/>
-          </a:fontRef>
-        </p:style>
-      </p:cxnSp>
-      <p:cxnSp>
-        <p:nvCxnSpPr>
-          <p:cNvPr id="32" name="Straight Arrow Connector 31">
-            <a:extLst>
-              <a:ext uri="{FF2B5EF4-FFF2-40B4-BE49-F238E27FC236}">
-                <a16:creationId xmlns:a16="http://schemas.microsoft.com/office/drawing/2014/main" id="{91FAFFF3-D27C-F622-BA2C-6F0BB02715B9}"/>
-              </a:ext>
-            </a:extLst>
-          </p:cNvPr>
-          <p:cNvCxnSpPr>
-            <a:cxnSpLocks/>
-            <a:stCxn id="13" idx="3"/>
-            <a:endCxn id="4" idx="1"/>
-          </p:cNvCxnSpPr>
-          <p:nvPr/>
-        </p:nvCxnSpPr>
-        <p:spPr>
-          <a:xfrm flipV="1">
-            <a:off x="2044589" y="1920257"/>
-            <a:ext cx="1125362" cy="2009"/>
-          </a:xfrm>
-          <a:prstGeom prst="straightConnector1">
-            <a:avLst/>
-          </a:prstGeom>
-          <a:ln>
-            <a:tailEnd type="triangle"/>
-          </a:ln>
-        </p:spPr>
-        <p:style>
-          <a:lnRef idx="2">
-            <a:schemeClr val="accent1"/>
-          </a:lnRef>
-          <a:fillRef idx="0">
-            <a:schemeClr val="accent1"/>
-          </a:fillRef>
-          <a:effectRef idx="1">
-            <a:schemeClr val="accent1"/>
-          </a:effectRef>
-          <a:fontRef idx="minor">
-            <a:schemeClr val="tx1"/>
-          </a:fontRef>
-        </p:style>
-      </p:cxnSp>
-      <p:cxnSp>
-        <p:nvCxnSpPr>
-          <p:cNvPr id="37" name="Straight Arrow Connector 36">
-            <a:extLst>
-              <a:ext uri="{FF2B5EF4-FFF2-40B4-BE49-F238E27FC236}">
-                <a16:creationId xmlns:a16="http://schemas.microsoft.com/office/drawing/2014/main" id="{FE5857AD-F926-A63E-8A58-F3CD6D3F2EA2}"/>
-              </a:ext>
-            </a:extLst>
-          </p:cNvPr>
-          <p:cNvCxnSpPr>
-            <a:cxnSpLocks/>
-            <a:stCxn id="16" idx="3"/>
-            <a:endCxn id="5" idx="1"/>
-          </p:cNvCxnSpPr>
-          <p:nvPr/>
-        </p:nvCxnSpPr>
-        <p:spPr>
-          <a:xfrm>
-            <a:off x="2034708" y="2926085"/>
-            <a:ext cx="1135244" cy="1"/>
-          </a:xfrm>
-          <a:prstGeom prst="straightConnector1">
-            <a:avLst/>
-          </a:prstGeom>
-          <a:ln>
-            <a:tailEnd type="triangle"/>
-          </a:ln>
-        </p:spPr>
-        <p:style>
-          <a:lnRef idx="2">
-            <a:schemeClr val="accent1"/>
-          </a:lnRef>
-          <a:fillRef idx="0">
-            <a:schemeClr val="accent1"/>
-          </a:fillRef>
-          <a:effectRef idx="1">
-            <a:schemeClr val="accent1"/>
-          </a:effectRef>
-          <a:fontRef idx="minor">
-            <a:schemeClr val="tx1"/>
-          </a:fontRef>
-        </p:style>
-      </p:cxnSp>
-      <p:cxnSp>
-        <p:nvCxnSpPr>
-          <p:cNvPr id="43" name="Straight Arrow Connector 42">
-            <a:extLst>
-              <a:ext uri="{FF2B5EF4-FFF2-40B4-BE49-F238E27FC236}">
-                <a16:creationId xmlns:a16="http://schemas.microsoft.com/office/drawing/2014/main" id="{F6884FC4-8D9E-58BD-0F2B-46C7AC9DBEB8}"/>
-              </a:ext>
-            </a:extLst>
-          </p:cNvPr>
-          <p:cNvCxnSpPr>
-            <a:cxnSpLocks/>
-            <a:stCxn id="17" idx="3"/>
-            <a:endCxn id="6" idx="1"/>
-          </p:cNvCxnSpPr>
-          <p:nvPr/>
-        </p:nvCxnSpPr>
-        <p:spPr>
-          <a:xfrm>
-            <a:off x="2096553" y="3886195"/>
-            <a:ext cx="1073399" cy="0"/>
-          </a:xfrm>
-          <a:prstGeom prst="straightConnector1">
-            <a:avLst/>
-          </a:prstGeom>
-          <a:ln>
-            <a:tailEnd type="triangle"/>
-          </a:ln>
-        </p:spPr>
-        <p:style>
-          <a:lnRef idx="2">
-            <a:schemeClr val="accent1"/>
-          </a:lnRef>
-          <a:fillRef idx="0">
-            <a:schemeClr val="accent1"/>
-          </a:fillRef>
-          <a:effectRef idx="1">
-            <a:schemeClr val="accent1"/>
-          </a:effectRef>
-          <a:fontRef idx="minor">
-            <a:schemeClr val="tx1"/>
-          </a:fontRef>
-        </p:style>
-      </p:cxnSp>
-    </p:spTree>
-    <p:extLst>
-      <p:ext uri="{BB962C8B-B14F-4D97-AF65-F5344CB8AC3E}">
-        <p14:creationId xmlns:p14="http://schemas.microsoft.com/office/powerpoint/2010/main" val="1185462066"/>
-      </p:ext>
-    </p:extLst>
-  </p:cSld>
-  <p:clrMapOvr>
-    <a:masterClrMapping/>
-  </p:clrMapOvr>
-</p:sld>
-</file>
-
 <file path=ppt/theme/theme1.xml><?xml version="1.0" encoding="utf-8"?>
 <a:theme xmlns:a="http://schemas.openxmlformats.org/drawingml/2006/main" name="Office Theme">
   <a:themeElements>

--- a/Documentation/TeamScoreLayout.pptx
+++ b/Documentation/TeamScoreLayout.pptx
@@ -17,9 +17,10 @@
     <p:sldId id="271" r:id="rId11"/>
     <p:sldId id="269" r:id="rId12"/>
     <p:sldId id="272" r:id="rId13"/>
-    <p:sldId id="264" r:id="rId14"/>
-    <p:sldId id="260" r:id="rId15"/>
-    <p:sldId id="259" r:id="rId16"/>
+    <p:sldId id="274" r:id="rId14"/>
+    <p:sldId id="264" r:id="rId15"/>
+    <p:sldId id="260" r:id="rId16"/>
+    <p:sldId id="259" r:id="rId17"/>
   </p:sldIdLst>
   <p:sldSz cx="12192000" cy="6858000"/>
   <p:notesSz cx="6858000" cy="9144000"/>
@@ -840,7 +841,7 @@
           <a:p>
             <a:fld id="{955A69D3-FF78-44E1-BB41-3D13FA416A59}" type="datetimeFigureOut">
               <a:rPr lang="en-US" smtClean="0"/>
-              <a:t>Wednesday,Apr/10/24</a:t>
+              <a:t>Sunday,Apr/28/24</a:t>
             </a:fld>
             <a:endParaRPr lang="en-US"/>
           </a:p>
@@ -1038,7 +1039,7 @@
           <a:p>
             <a:fld id="{955A69D3-FF78-44E1-BB41-3D13FA416A59}" type="datetimeFigureOut">
               <a:rPr lang="en-US" smtClean="0"/>
-              <a:t>Wednesday,Apr/10/24</a:t>
+              <a:t>Sunday,Apr/28/24</a:t>
             </a:fld>
             <a:endParaRPr lang="en-US"/>
           </a:p>
@@ -1246,7 +1247,7 @@
           <a:p>
             <a:fld id="{955A69D3-FF78-44E1-BB41-3D13FA416A59}" type="datetimeFigureOut">
               <a:rPr lang="en-US" smtClean="0"/>
-              <a:t>Wednesday,Apr/10/24</a:t>
+              <a:t>Sunday,Apr/28/24</a:t>
             </a:fld>
             <a:endParaRPr lang="en-US"/>
           </a:p>
@@ -1444,7 +1445,7 @@
           <a:p>
             <a:fld id="{955A69D3-FF78-44E1-BB41-3D13FA416A59}" type="datetimeFigureOut">
               <a:rPr lang="en-US" smtClean="0"/>
-              <a:t>Wednesday,Apr/10/24</a:t>
+              <a:t>Sunday,Apr/28/24</a:t>
             </a:fld>
             <a:endParaRPr lang="en-US"/>
           </a:p>
@@ -1719,7 +1720,7 @@
           <a:p>
             <a:fld id="{955A69D3-FF78-44E1-BB41-3D13FA416A59}" type="datetimeFigureOut">
               <a:rPr lang="en-US" smtClean="0"/>
-              <a:t>Wednesday,Apr/10/24</a:t>
+              <a:t>Sunday,Apr/28/24</a:t>
             </a:fld>
             <a:endParaRPr lang="en-US"/>
           </a:p>
@@ -1984,7 +1985,7 @@
           <a:p>
             <a:fld id="{955A69D3-FF78-44E1-BB41-3D13FA416A59}" type="datetimeFigureOut">
               <a:rPr lang="en-US" smtClean="0"/>
-              <a:t>Wednesday,Apr/10/24</a:t>
+              <a:t>Sunday,Apr/28/24</a:t>
             </a:fld>
             <a:endParaRPr lang="en-US"/>
           </a:p>
@@ -2396,7 +2397,7 @@
           <a:p>
             <a:fld id="{955A69D3-FF78-44E1-BB41-3D13FA416A59}" type="datetimeFigureOut">
               <a:rPr lang="en-US" smtClean="0"/>
-              <a:t>Wednesday,Apr/10/24</a:t>
+              <a:t>Sunday,Apr/28/24</a:t>
             </a:fld>
             <a:endParaRPr lang="en-US"/>
           </a:p>
@@ -2537,7 +2538,7 @@
           <a:p>
             <a:fld id="{955A69D3-FF78-44E1-BB41-3D13FA416A59}" type="datetimeFigureOut">
               <a:rPr lang="en-US" smtClean="0"/>
-              <a:t>Wednesday,Apr/10/24</a:t>
+              <a:t>Sunday,Apr/28/24</a:t>
             </a:fld>
             <a:endParaRPr lang="en-US"/>
           </a:p>
@@ -2650,7 +2651,7 @@
           <a:p>
             <a:fld id="{955A69D3-FF78-44E1-BB41-3D13FA416A59}" type="datetimeFigureOut">
               <a:rPr lang="en-US" smtClean="0"/>
-              <a:t>Wednesday,Apr/10/24</a:t>
+              <a:t>Sunday,Apr/28/24</a:t>
             </a:fld>
             <a:endParaRPr lang="en-US"/>
           </a:p>
@@ -2961,7 +2962,7 @@
           <a:p>
             <a:fld id="{955A69D3-FF78-44E1-BB41-3D13FA416A59}" type="datetimeFigureOut">
               <a:rPr lang="en-US" smtClean="0"/>
-              <a:t>Wednesday,Apr/10/24</a:t>
+              <a:t>Sunday,Apr/28/24</a:t>
             </a:fld>
             <a:endParaRPr lang="en-US"/>
           </a:p>
@@ -3249,7 +3250,7 @@
           <a:p>
             <a:fld id="{955A69D3-FF78-44E1-BB41-3D13FA416A59}" type="datetimeFigureOut">
               <a:rPr lang="en-US" smtClean="0"/>
-              <a:t>Wednesday,Apr/10/24</a:t>
+              <a:t>Sunday,Apr/28/24</a:t>
             </a:fld>
             <a:endParaRPr lang="en-US"/>
           </a:p>
@@ -3490,7 +3491,7 @@
           <a:p>
             <a:fld id="{955A69D3-FF78-44E1-BB41-3D13FA416A59}" type="datetimeFigureOut">
               <a:rPr lang="en-US" smtClean="0"/>
-              <a:t>Wednesday,Apr/10/24</a:t>
+              <a:t>Sunday,Apr/28/24</a:t>
             </a:fld>
             <a:endParaRPr lang="en-US"/>
           </a:p>
@@ -10798,10 +10799,257 @@
       </p:grpSpPr>
       <p:sp>
         <p:nvSpPr>
-          <p:cNvPr id="2" name="TextBox 1">
-            <a:extLst>
-              <a:ext uri="{FF2B5EF4-FFF2-40B4-BE49-F238E27FC236}">
-                <a16:creationId xmlns:a16="http://schemas.microsoft.com/office/drawing/2014/main" id="{3B17EE8D-41C5-D38B-15F8-07F1C9DF19DA}"/>
+          <p:cNvPr id="5" name="Rectangle 4">
+            <a:extLst>
+              <a:ext uri="{FF2B5EF4-FFF2-40B4-BE49-F238E27FC236}">
+                <a16:creationId xmlns:a16="http://schemas.microsoft.com/office/drawing/2014/main" id="{492DE353-0F1D-8138-85E5-65E64C06115A}"/>
+              </a:ext>
+            </a:extLst>
+          </p:cNvPr>
+          <p:cNvSpPr/>
+          <p:nvPr/>
+        </p:nvSpPr>
+        <p:spPr>
+          <a:xfrm>
+            <a:off x="5913122" y="502952"/>
+            <a:ext cx="914390" cy="365756"/>
+          </a:xfrm>
+          <a:prstGeom prst="rect">
+            <a:avLst/>
+          </a:prstGeom>
+        </p:spPr>
+        <p:style>
+          <a:lnRef idx="2">
+            <a:schemeClr val="accent1">
+              <a:shade val="15000"/>
+            </a:schemeClr>
+          </a:lnRef>
+          <a:fillRef idx="1">
+            <a:schemeClr val="accent1"/>
+          </a:fillRef>
+          <a:effectRef idx="0">
+            <a:schemeClr val="accent1"/>
+          </a:effectRef>
+          <a:fontRef idx="minor">
+            <a:schemeClr val="lt1"/>
+          </a:fontRef>
+        </p:style>
+        <p:txBody>
+          <a:bodyPr rtlCol="0" anchor="ctr"/>
+          <a:lstStyle/>
+          <a:p>
+            <a:pPr algn="ctr"/>
+            <a:r>
+              <a:rPr lang="en-US" sz="1200" dirty="0"/>
+              <a:t>Nav</a:t>
+            </a:r>
+          </a:p>
+          <a:p>
+            <a:pPr algn="ctr"/>
+            <a:r>
+              <a:rPr lang="en-US" sz="1200" dirty="0"/>
+              <a:t>Graph</a:t>
+            </a:r>
+          </a:p>
+        </p:txBody>
+      </p:sp>
+      <p:sp>
+        <p:nvSpPr>
+          <p:cNvPr id="6" name="Rectangle 5">
+            <a:extLst>
+              <a:ext uri="{FF2B5EF4-FFF2-40B4-BE49-F238E27FC236}">
+                <a16:creationId xmlns:a16="http://schemas.microsoft.com/office/drawing/2014/main" id="{7DD5CA54-F6A5-E73E-4949-1E0EA1C62341}"/>
+              </a:ext>
+            </a:extLst>
+          </p:cNvPr>
+          <p:cNvSpPr/>
+          <p:nvPr/>
+        </p:nvSpPr>
+        <p:spPr>
+          <a:xfrm>
+            <a:off x="3568103" y="1023359"/>
+            <a:ext cx="1274052" cy="487673"/>
+          </a:xfrm>
+          <a:prstGeom prst="rect">
+            <a:avLst/>
+          </a:prstGeom>
+        </p:spPr>
+        <p:style>
+          <a:lnRef idx="2">
+            <a:schemeClr val="accent1">
+              <a:shade val="15000"/>
+            </a:schemeClr>
+          </a:lnRef>
+          <a:fillRef idx="1">
+            <a:schemeClr val="accent1"/>
+          </a:fillRef>
+          <a:effectRef idx="0">
+            <a:schemeClr val="accent1"/>
+          </a:effectRef>
+          <a:fontRef idx="minor">
+            <a:schemeClr val="lt1"/>
+          </a:fontRef>
+        </p:style>
+        <p:txBody>
+          <a:bodyPr rtlCol="0" anchor="ctr"/>
+          <a:lstStyle/>
+          <a:p>
+            <a:pPr algn="ctr"/>
+            <a:r>
+              <a:rPr lang="en-US" sz="1200" dirty="0"/>
+              <a:t>Team</a:t>
+            </a:r>
+          </a:p>
+          <a:p>
+            <a:pPr algn="ctr"/>
+            <a:r>
+              <a:rPr lang="en-US" sz="1200" dirty="0"/>
+              <a:t>Configuration</a:t>
+            </a:r>
+          </a:p>
+        </p:txBody>
+      </p:sp>
+      <p:sp>
+        <p:nvSpPr>
+          <p:cNvPr id="7" name="Rectangle 6">
+            <a:extLst>
+              <a:ext uri="{FF2B5EF4-FFF2-40B4-BE49-F238E27FC236}">
+                <a16:creationId xmlns:a16="http://schemas.microsoft.com/office/drawing/2014/main" id="{4590CA25-2050-1EA3-8E34-A57ECF839A08}"/>
+              </a:ext>
+            </a:extLst>
+          </p:cNvPr>
+          <p:cNvSpPr/>
+          <p:nvPr/>
+        </p:nvSpPr>
+        <p:spPr>
+          <a:xfrm>
+            <a:off x="8564853" y="1021108"/>
+            <a:ext cx="914390" cy="365756"/>
+          </a:xfrm>
+          <a:prstGeom prst="rect">
+            <a:avLst/>
+          </a:prstGeom>
+        </p:spPr>
+        <p:style>
+          <a:lnRef idx="2">
+            <a:schemeClr val="accent1">
+              <a:shade val="15000"/>
+            </a:schemeClr>
+          </a:lnRef>
+          <a:fillRef idx="1">
+            <a:schemeClr val="accent1"/>
+          </a:fillRef>
+          <a:effectRef idx="0">
+            <a:schemeClr val="accent1"/>
+          </a:effectRef>
+          <a:fontRef idx="minor">
+            <a:schemeClr val="lt1"/>
+          </a:fontRef>
+        </p:style>
+        <p:txBody>
+          <a:bodyPr rtlCol="0" anchor="ctr"/>
+          <a:lstStyle/>
+          <a:p>
+            <a:pPr algn="ctr"/>
+            <a:r>
+              <a:rPr lang="en-US" sz="1200" dirty="0"/>
+              <a:t>Team Game On</a:t>
+            </a:r>
+          </a:p>
+        </p:txBody>
+      </p:sp>
+      <p:cxnSp>
+        <p:nvCxnSpPr>
+          <p:cNvPr id="11" name="Connector: Elbow 10">
+            <a:extLst>
+              <a:ext uri="{FF2B5EF4-FFF2-40B4-BE49-F238E27FC236}">
+                <a16:creationId xmlns:a16="http://schemas.microsoft.com/office/drawing/2014/main" id="{B9791D1D-8DB5-2977-396C-0B9AB20364C5}"/>
+              </a:ext>
+            </a:extLst>
+          </p:cNvPr>
+          <p:cNvCxnSpPr>
+            <a:cxnSpLocks/>
+            <a:stCxn id="5" idx="3"/>
+            <a:endCxn id="7" idx="0"/>
+          </p:cNvCxnSpPr>
+          <p:nvPr/>
+        </p:nvCxnSpPr>
+        <p:spPr>
+          <a:xfrm>
+            <a:off x="6827512" y="685830"/>
+            <a:ext cx="2194536" cy="335278"/>
+          </a:xfrm>
+          <a:prstGeom prst="bentConnector2">
+            <a:avLst/>
+          </a:prstGeom>
+          <a:ln>
+            <a:tailEnd type="triangle"/>
+          </a:ln>
+        </p:spPr>
+        <p:style>
+          <a:lnRef idx="2">
+            <a:schemeClr val="accent1"/>
+          </a:lnRef>
+          <a:fillRef idx="0">
+            <a:schemeClr val="accent1"/>
+          </a:fillRef>
+          <a:effectRef idx="1">
+            <a:schemeClr val="accent1"/>
+          </a:effectRef>
+          <a:fontRef idx="minor">
+            <a:schemeClr val="tx1"/>
+          </a:fontRef>
+        </p:style>
+      </p:cxnSp>
+      <p:cxnSp>
+        <p:nvCxnSpPr>
+          <p:cNvPr id="15" name="Connector: Elbow 14">
+            <a:extLst>
+              <a:ext uri="{FF2B5EF4-FFF2-40B4-BE49-F238E27FC236}">
+                <a16:creationId xmlns:a16="http://schemas.microsoft.com/office/drawing/2014/main" id="{287B5607-A450-4020-9CB2-A9CA4D80574B}"/>
+              </a:ext>
+            </a:extLst>
+          </p:cNvPr>
+          <p:cNvCxnSpPr>
+            <a:cxnSpLocks/>
+            <a:stCxn id="5" idx="1"/>
+            <a:endCxn id="6" idx="0"/>
+          </p:cNvCxnSpPr>
+          <p:nvPr/>
+        </p:nvCxnSpPr>
+        <p:spPr>
+          <a:xfrm rot="10800000" flipV="1">
+            <a:off x="4205130" y="685829"/>
+            <a:ext cx="1707993" cy="337529"/>
+          </a:xfrm>
+          <a:prstGeom prst="bentConnector2">
+            <a:avLst/>
+          </a:prstGeom>
+          <a:ln>
+            <a:tailEnd type="triangle"/>
+          </a:ln>
+        </p:spPr>
+        <p:style>
+          <a:lnRef idx="2">
+            <a:schemeClr val="accent1"/>
+          </a:lnRef>
+          <a:fillRef idx="0">
+            <a:schemeClr val="accent1"/>
+          </a:fillRef>
+          <a:effectRef idx="1">
+            <a:schemeClr val="accent1"/>
+          </a:effectRef>
+          <a:fontRef idx="minor">
+            <a:schemeClr val="tx1"/>
+          </a:fontRef>
+        </p:style>
+      </p:cxnSp>
+      <p:sp>
+        <p:nvSpPr>
+          <p:cNvPr id="18" name="TextBox 17">
+            <a:extLst>
+              <a:ext uri="{FF2B5EF4-FFF2-40B4-BE49-F238E27FC236}">
+                <a16:creationId xmlns:a16="http://schemas.microsoft.com/office/drawing/2014/main" id="{529BCAC6-09EA-035D-47E6-14B8682B10DC}"/>
               </a:ext>
             </a:extLst>
           </p:cNvPr>
@@ -10810,8 +11058,8 @@
         </p:nvSpPr>
         <p:spPr>
           <a:xfrm>
-            <a:off x="5110690" y="193892"/>
-            <a:ext cx="1614160" cy="307777"/>
+            <a:off x="7155041" y="471281"/>
+            <a:ext cx="1173719" cy="246221"/>
           </a:xfrm>
           <a:prstGeom prst="rect">
             <a:avLst/>
@@ -10825,18 +11073,53 @@
           <a:lstStyle/>
           <a:p>
             <a:r>
-              <a:rPr lang="en-US" sz="1400" dirty="0"/>
-              <a:t>Game Day Scoring</a:t>
-            </a:r>
-          </a:p>
-        </p:txBody>
-      </p:sp>
-      <p:sp>
-        <p:nvSpPr>
-          <p:cNvPr id="4" name="Rectangle 3">
-            <a:extLst>
-              <a:ext uri="{FF2B5EF4-FFF2-40B4-BE49-F238E27FC236}">
-                <a16:creationId xmlns:a16="http://schemas.microsoft.com/office/drawing/2014/main" id="{37AFC29C-C053-BEF2-B4C0-02B76C03E16A}"/>
+              <a:rPr lang="en-US" sz="1000" dirty="0"/>
+              <a:t>Route- Game On</a:t>
+            </a:r>
+          </a:p>
+        </p:txBody>
+      </p:sp>
+      <p:sp>
+        <p:nvSpPr>
+          <p:cNvPr id="20" name="TextBox 19">
+            <a:extLst>
+              <a:ext uri="{FF2B5EF4-FFF2-40B4-BE49-F238E27FC236}">
+                <a16:creationId xmlns:a16="http://schemas.microsoft.com/office/drawing/2014/main" id="{630B9E4D-7CF6-34C8-2FBB-370EA9BBBE46}"/>
+              </a:ext>
+            </a:extLst>
+          </p:cNvPr>
+          <p:cNvSpPr txBox="1"/>
+          <p:nvPr/>
+        </p:nvSpPr>
+        <p:spPr>
+          <a:xfrm>
+            <a:off x="4320433" y="439639"/>
+            <a:ext cx="1439818" cy="246221"/>
+          </a:xfrm>
+          <a:prstGeom prst="rect">
+            <a:avLst/>
+          </a:prstGeom>
+          <a:noFill/>
+        </p:spPr>
+        <p:txBody>
+          <a:bodyPr wrap="none" rtlCol="0">
+            <a:spAutoFit/>
+          </a:bodyPr>
+          <a:lstStyle/>
+          <a:p>
+            <a:r>
+              <a:rPr lang="en-US" sz="1000" dirty="0"/>
+              <a:t>Route- Configuration</a:t>
+            </a:r>
+          </a:p>
+        </p:txBody>
+      </p:sp>
+      <p:sp>
+        <p:nvSpPr>
+          <p:cNvPr id="21" name="Rectangle 20">
+            <a:extLst>
+              <a:ext uri="{FF2B5EF4-FFF2-40B4-BE49-F238E27FC236}">
+                <a16:creationId xmlns:a16="http://schemas.microsoft.com/office/drawing/2014/main" id="{C6778592-FEC7-B921-C372-40A74CD9A412}"/>
               </a:ext>
             </a:extLst>
           </p:cNvPr>
@@ -10845,122 +11128,8 @@
         </p:nvSpPr>
         <p:spPr>
           <a:xfrm>
-            <a:off x="1000346" y="3677080"/>
-            <a:ext cx="1158844" cy="1222217"/>
-          </a:xfrm>
-          <a:prstGeom prst="rect">
-            <a:avLst/>
-          </a:prstGeom>
-        </p:spPr>
-        <p:style>
-          <a:lnRef idx="2">
-            <a:schemeClr val="accent2">
-              <a:shade val="15000"/>
-            </a:schemeClr>
-          </a:lnRef>
-          <a:fillRef idx="1">
-            <a:schemeClr val="accent2"/>
-          </a:fillRef>
-          <a:effectRef idx="0">
-            <a:schemeClr val="accent2"/>
-          </a:effectRef>
-          <a:fontRef idx="minor">
-            <a:schemeClr val="lt1"/>
-          </a:fontRef>
-        </p:style>
-        <p:txBody>
-          <a:bodyPr rtlCol="0" anchor="ctr"/>
-          <a:lstStyle/>
-          <a:p>
-            <a:r>
-              <a:rPr lang="en-US" sz="1200" dirty="0" err="1">
-                <a:solidFill>
-                  <a:schemeClr val="bg1"/>
-                </a:solidFill>
-                <a:effectLst/>
-                <a:latin typeface="JetBrains Mono"/>
-              </a:rPr>
-              <a:t>FK_Rec_ID</a:t>
-            </a:r>
-            <a:endParaRPr lang="en-US" sz="1200" dirty="0">
-              <a:solidFill>
-                <a:schemeClr val="bg1"/>
-              </a:solidFill>
-              <a:effectLst/>
-              <a:latin typeface="JetBrains Mono"/>
-            </a:endParaRPr>
-          </a:p>
-          <a:p>
-            <a:r>
-              <a:rPr lang="en-US" sz="1200" dirty="0">
-                <a:solidFill>
-                  <a:schemeClr val="bg1"/>
-                </a:solidFill>
-                <a:effectLst/>
-                <a:latin typeface="JetBrains Mono"/>
-              </a:rPr>
-              <a:t>Player Record</a:t>
-            </a:r>
-          </a:p>
-          <a:p>
-            <a:r>
-              <a:rPr lang="en-US" sz="1200" dirty="0">
-                <a:solidFill>
-                  <a:schemeClr val="bg1"/>
-                </a:solidFill>
-                <a:latin typeface="JetBrains Mono"/>
-              </a:rPr>
-              <a:t>Name</a:t>
-            </a:r>
-          </a:p>
-          <a:p>
-            <a:r>
-              <a:rPr lang="en-US" sz="1200" dirty="0">
-                <a:solidFill>
-                  <a:schemeClr val="bg1"/>
-                </a:solidFill>
-                <a:effectLst/>
-                <a:latin typeface="JetBrains Mono"/>
-              </a:rPr>
-              <a:t>Hdcp</a:t>
-            </a:r>
-          </a:p>
-          <a:p>
-            <a:r>
-              <a:rPr lang="en-US" sz="1200" dirty="0">
-                <a:solidFill>
-                  <a:schemeClr val="bg1"/>
-                </a:solidFill>
-                <a:latin typeface="JetBrains Mono"/>
-              </a:rPr>
-              <a:t>Score[18]</a:t>
-            </a:r>
-            <a:endParaRPr lang="en-US" sz="1200" dirty="0">
-              <a:solidFill>
-                <a:schemeClr val="bg1"/>
-              </a:solidFill>
-              <a:effectLst/>
-              <a:latin typeface="JetBrains Mono"/>
-            </a:endParaRPr>
-          </a:p>
-        </p:txBody>
-      </p:sp>
-      <p:sp>
-        <p:nvSpPr>
-          <p:cNvPr id="5" name="Rectangle 4">
-            <a:extLst>
-              <a:ext uri="{FF2B5EF4-FFF2-40B4-BE49-F238E27FC236}">
-                <a16:creationId xmlns:a16="http://schemas.microsoft.com/office/drawing/2014/main" id="{97800004-5BEB-ABCA-5D53-A4A6A14CAA9D}"/>
-              </a:ext>
-            </a:extLst>
-          </p:cNvPr>
-          <p:cNvSpPr/>
-          <p:nvPr/>
-        </p:nvSpPr>
-        <p:spPr>
-          <a:xfrm>
-            <a:off x="2783216" y="774056"/>
-            <a:ext cx="2331992" cy="2050473"/>
+            <a:off x="1564702" y="2119718"/>
+            <a:ext cx="1274052" cy="487673"/>
           </a:xfrm>
           <a:prstGeom prst="rect">
             <a:avLst/>
@@ -10988,115 +11157,132 @@
           <a:p>
             <a:pPr algn="ctr"/>
             <a:r>
-              <a:rPr lang="en-US" sz="1200" dirty="0">
-                <a:solidFill>
-                  <a:schemeClr val="bg1"/>
-                </a:solidFill>
-                <a:effectLst/>
-                <a:latin typeface="JetBrains Mono"/>
-              </a:rPr>
-              <a:t>Score Card Record</a:t>
-            </a:r>
-          </a:p>
-          <a:p>
-            <a:r>
-              <a:rPr lang="en-US" sz="1200" dirty="0" err="1"/>
-              <a:t>Rec_Id</a:t>
-            </a:r>
-            <a:endParaRPr lang="en-US" sz="1200">
-              <a:solidFill>
-                <a:schemeClr val="bg1"/>
-              </a:solidFill>
-              <a:effectLst/>
-              <a:latin typeface="JetBrains Mono"/>
-            </a:endParaRPr>
-          </a:p>
-          <a:p>
-            <a:r>
-              <a:rPr lang="en-US" sz="1200">
-                <a:solidFill>
-                  <a:schemeClr val="bg1"/>
-                </a:solidFill>
-                <a:latin typeface="JetBrains Mono"/>
-              </a:rPr>
-              <a:t>Course </a:t>
-            </a:r>
-            <a:r>
-              <a:rPr lang="en-US" sz="1200" dirty="0">
-                <a:solidFill>
-                  <a:schemeClr val="bg1"/>
-                </a:solidFill>
-                <a:latin typeface="JetBrains Mono"/>
-              </a:rPr>
-              <a:t>Name</a:t>
-            </a:r>
-          </a:p>
-          <a:p>
-            <a:r>
-              <a:rPr lang="en-US" sz="1200" dirty="0">
-                <a:solidFill>
-                  <a:schemeClr val="bg1"/>
-                </a:solidFill>
-                <a:effectLst/>
-                <a:latin typeface="JetBrains Mono"/>
-              </a:rPr>
-              <a:t>Current Hole</a:t>
-            </a:r>
-          </a:p>
-          <a:p>
-            <a:r>
               <a:rPr lang="en-US" sz="1200" dirty="0"/>
-              <a:t>Par – Byte[18]</a:t>
-            </a:r>
-          </a:p>
-          <a:p>
+              <a:t>Courses</a:t>
+            </a:r>
+          </a:p>
+        </p:txBody>
+      </p:sp>
+      <p:sp>
+        <p:nvSpPr>
+          <p:cNvPr id="22" name="Rectangle 21">
+            <a:extLst>
+              <a:ext uri="{FF2B5EF4-FFF2-40B4-BE49-F238E27FC236}">
+                <a16:creationId xmlns:a16="http://schemas.microsoft.com/office/drawing/2014/main" id="{E5BD32CE-EB51-D71A-B168-675EF2E259A0}"/>
+              </a:ext>
+            </a:extLst>
+          </p:cNvPr>
+          <p:cNvSpPr/>
+          <p:nvPr/>
+        </p:nvSpPr>
+        <p:spPr>
+          <a:xfrm>
+            <a:off x="3547896" y="2115991"/>
+            <a:ext cx="1274052" cy="487673"/>
+          </a:xfrm>
+          <a:prstGeom prst="rect">
+            <a:avLst/>
+          </a:prstGeom>
+        </p:spPr>
+        <p:style>
+          <a:lnRef idx="2">
+            <a:schemeClr val="accent1">
+              <a:shade val="15000"/>
+            </a:schemeClr>
+          </a:lnRef>
+          <a:fillRef idx="1">
+            <a:schemeClr val="accent1"/>
+          </a:fillRef>
+          <a:effectRef idx="0">
+            <a:schemeClr val="accent1"/>
+          </a:effectRef>
+          <a:fontRef idx="minor">
+            <a:schemeClr val="lt1"/>
+          </a:fontRef>
+        </p:style>
+        <p:txBody>
+          <a:bodyPr rtlCol="0" anchor="ctr"/>
+          <a:lstStyle/>
+          <a:p>
+            <a:pPr algn="ctr"/>
             <a:r>
               <a:rPr lang="en-US" sz="1200" dirty="0"/>
-              <a:t>Hdcp – Byte[18]</a:t>
-            </a:r>
-          </a:p>
-          <a:p>
-            <a:r>
-              <a:rPr lang="en-US" sz="1200" dirty="0">
-                <a:solidFill>
-                  <a:schemeClr val="bg1"/>
-                </a:solidFill>
-                <a:latin typeface="JetBrains Mono"/>
-              </a:rPr>
-              <a:t>Player Record[n] 1 to many</a:t>
-            </a:r>
-            <a:endParaRPr lang="en-US" sz="1200" dirty="0">
-              <a:solidFill>
-                <a:schemeClr val="bg1"/>
-              </a:solidFill>
-              <a:effectLst/>
-              <a:latin typeface="JetBrains Mono"/>
-            </a:endParaRPr>
+              <a:t>Course Detail</a:t>
+            </a:r>
+          </a:p>
+        </p:txBody>
+      </p:sp>
+      <p:sp>
+        <p:nvSpPr>
+          <p:cNvPr id="23" name="Rectangle 22">
+            <a:extLst>
+              <a:ext uri="{FF2B5EF4-FFF2-40B4-BE49-F238E27FC236}">
+                <a16:creationId xmlns:a16="http://schemas.microsoft.com/office/drawing/2014/main" id="{1C5952A3-309A-66D5-1935-2799E139B157}"/>
+              </a:ext>
+            </a:extLst>
+          </p:cNvPr>
+          <p:cNvSpPr/>
+          <p:nvPr/>
+        </p:nvSpPr>
+        <p:spPr>
+          <a:xfrm>
+            <a:off x="4939186" y="2115992"/>
+            <a:ext cx="1274052" cy="487673"/>
+          </a:xfrm>
+          <a:prstGeom prst="rect">
+            <a:avLst/>
+          </a:prstGeom>
+        </p:spPr>
+        <p:style>
+          <a:lnRef idx="2">
+            <a:schemeClr val="accent1">
+              <a:shade val="15000"/>
+            </a:schemeClr>
+          </a:lnRef>
+          <a:fillRef idx="1">
+            <a:schemeClr val="accent1"/>
+          </a:fillRef>
+          <a:effectRef idx="0">
+            <a:schemeClr val="accent1"/>
+          </a:effectRef>
+          <a:fontRef idx="minor">
+            <a:schemeClr val="lt1"/>
+          </a:fontRef>
+        </p:style>
+        <p:txBody>
+          <a:bodyPr rtlCol="0" anchor="ctr"/>
+          <a:lstStyle/>
+          <a:p>
+            <a:pPr algn="ctr"/>
+            <a:r>
+              <a:rPr lang="en-US" sz="1200" dirty="0"/>
+              <a:t>Player Setup</a:t>
+            </a:r>
           </a:p>
         </p:txBody>
       </p:sp>
       <p:cxnSp>
         <p:nvCxnSpPr>
-          <p:cNvPr id="10" name="Connector: Elbow 9">
-            <a:extLst>
-              <a:ext uri="{FF2B5EF4-FFF2-40B4-BE49-F238E27FC236}">
-                <a16:creationId xmlns:a16="http://schemas.microsoft.com/office/drawing/2014/main" id="{769BDBAE-0028-BC58-88A5-F7F6665A7683}"/>
+          <p:cNvPr id="25" name="Connector: Elbow 24">
+            <a:extLst>
+              <a:ext uri="{FF2B5EF4-FFF2-40B4-BE49-F238E27FC236}">
+                <a16:creationId xmlns:a16="http://schemas.microsoft.com/office/drawing/2014/main" id="{0E141F05-CA1B-9781-E014-A91C251E5D73}"/>
               </a:ext>
             </a:extLst>
           </p:cNvPr>
           <p:cNvCxnSpPr>
             <a:cxnSpLocks/>
-            <a:stCxn id="5" idx="2"/>
-            <a:endCxn id="4" idx="0"/>
+            <a:stCxn id="6" idx="1"/>
+            <a:endCxn id="21" idx="0"/>
           </p:cNvCxnSpPr>
           <p:nvPr/>
         </p:nvCxnSpPr>
         <p:spPr>
-          <a:xfrm rot="5400000">
-            <a:off x="2338215" y="2066082"/>
-            <a:ext cx="852551" cy="2369444"/>
-          </a:xfrm>
-          <a:prstGeom prst="bentConnector3">
+          <a:xfrm rot="10800000" flipV="1">
+            <a:off x="2201729" y="1267196"/>
+            <a:ext cx="1366375" cy="852522"/>
+          </a:xfrm>
+          <a:prstGeom prst="bentConnector2">
             <a:avLst/>
           </a:prstGeom>
           <a:ln>
@@ -11118,26 +11304,96 @@
           </a:fontRef>
         </p:style>
       </p:cxnSp>
+      <p:sp>
+        <p:nvSpPr>
+          <p:cNvPr id="28" name="TextBox 27">
+            <a:extLst>
+              <a:ext uri="{FF2B5EF4-FFF2-40B4-BE49-F238E27FC236}">
+                <a16:creationId xmlns:a16="http://schemas.microsoft.com/office/drawing/2014/main" id="{C2FE883B-C50F-F5D7-E4D0-ED324ECD3AC6}"/>
+              </a:ext>
+            </a:extLst>
+          </p:cNvPr>
+          <p:cNvSpPr txBox="1"/>
+          <p:nvPr/>
+        </p:nvSpPr>
+        <p:spPr>
+          <a:xfrm>
+            <a:off x="2193425" y="1018720"/>
+            <a:ext cx="1023037" cy="246221"/>
+          </a:xfrm>
+          <a:prstGeom prst="rect">
+            <a:avLst/>
+          </a:prstGeom>
+          <a:noFill/>
+        </p:spPr>
+        <p:txBody>
+          <a:bodyPr wrap="none" rtlCol="0">
+            <a:spAutoFit/>
+          </a:bodyPr>
+          <a:lstStyle/>
+          <a:p>
+            <a:r>
+              <a:rPr lang="en-US" sz="1000" dirty="0"/>
+              <a:t>Start - Course</a:t>
+            </a:r>
+          </a:p>
+        </p:txBody>
+      </p:sp>
+      <p:sp>
+        <p:nvSpPr>
+          <p:cNvPr id="29" name="TextBox 28">
+            <a:extLst>
+              <a:ext uri="{FF2B5EF4-FFF2-40B4-BE49-F238E27FC236}">
+                <a16:creationId xmlns:a16="http://schemas.microsoft.com/office/drawing/2014/main" id="{97C6821E-C597-3903-5CCD-6E60283154A7}"/>
+              </a:ext>
+            </a:extLst>
+          </p:cNvPr>
+          <p:cNvSpPr txBox="1"/>
+          <p:nvPr/>
+        </p:nvSpPr>
+        <p:spPr>
+          <a:xfrm>
+            <a:off x="3284572" y="1840966"/>
+            <a:ext cx="1035861" cy="246221"/>
+          </a:xfrm>
+          <a:prstGeom prst="rect">
+            <a:avLst/>
+          </a:prstGeom>
+          <a:noFill/>
+        </p:spPr>
+        <p:txBody>
+          <a:bodyPr wrap="none" rtlCol="0">
+            <a:spAutoFit/>
+          </a:bodyPr>
+          <a:lstStyle/>
+          <a:p>
+            <a:r>
+              <a:rPr lang="en-US" sz="1000" dirty="0"/>
+              <a:t>Route- Details</a:t>
+            </a:r>
+          </a:p>
+        </p:txBody>
+      </p:sp>
       <p:cxnSp>
         <p:nvCxnSpPr>
-          <p:cNvPr id="13" name="Connector: Elbow 12">
-            <a:extLst>
-              <a:ext uri="{FF2B5EF4-FFF2-40B4-BE49-F238E27FC236}">
-                <a16:creationId xmlns:a16="http://schemas.microsoft.com/office/drawing/2014/main" id="{065281AC-666D-7FEE-1081-31F9CFD96AEF}"/>
+          <p:cNvPr id="31" name="Connector: Elbow 30">
+            <a:extLst>
+              <a:ext uri="{FF2B5EF4-FFF2-40B4-BE49-F238E27FC236}">
+                <a16:creationId xmlns:a16="http://schemas.microsoft.com/office/drawing/2014/main" id="{EF3840BD-E245-D0A7-B671-32F72665CC14}"/>
               </a:ext>
             </a:extLst>
           </p:cNvPr>
           <p:cNvCxnSpPr>
             <a:cxnSpLocks/>
-            <a:stCxn id="5" idx="2"/>
-            <a:endCxn id="31" idx="0"/>
+            <a:stCxn id="6" idx="2"/>
+            <a:endCxn id="22" idx="0"/>
           </p:cNvCxnSpPr>
           <p:nvPr/>
         </p:nvCxnSpPr>
         <p:spPr>
           <a:xfrm rot="5400000">
-            <a:off x="3128510" y="2856377"/>
-            <a:ext cx="852551" cy="788855"/>
+            <a:off x="3892547" y="1803408"/>
+            <a:ext cx="604959" cy="20207"/>
           </a:xfrm>
           <a:prstGeom prst="bentConnector3">
             <a:avLst>
@@ -11165,29 +11421,27 @@
       </p:cxnSp>
       <p:cxnSp>
         <p:nvCxnSpPr>
-          <p:cNvPr id="17" name="Connector: Elbow 16">
-            <a:extLst>
-              <a:ext uri="{FF2B5EF4-FFF2-40B4-BE49-F238E27FC236}">
-                <a16:creationId xmlns:a16="http://schemas.microsoft.com/office/drawing/2014/main" id="{2CE7A5E2-DD07-4B82-46AD-FD3FF8F31A37}"/>
+          <p:cNvPr id="35" name="Connector: Elbow 34">
+            <a:extLst>
+              <a:ext uri="{FF2B5EF4-FFF2-40B4-BE49-F238E27FC236}">
+                <a16:creationId xmlns:a16="http://schemas.microsoft.com/office/drawing/2014/main" id="{BCDFBDC9-F646-8FDA-AC92-F48EB932CFBE}"/>
               </a:ext>
             </a:extLst>
           </p:cNvPr>
           <p:cNvCxnSpPr>
             <a:cxnSpLocks/>
-            <a:stCxn id="5" idx="2"/>
-            <a:endCxn id="32" idx="0"/>
+            <a:stCxn id="6" idx="3"/>
+            <a:endCxn id="23" idx="0"/>
           </p:cNvCxnSpPr>
           <p:nvPr/>
         </p:nvCxnSpPr>
         <p:spPr>
-          <a:xfrm rot="16200000" flipH="1">
-            <a:off x="3918803" y="2854937"/>
-            <a:ext cx="852551" cy="791733"/>
-          </a:xfrm>
-          <a:prstGeom prst="bentConnector3">
-            <a:avLst>
-              <a:gd name="adj1" fmla="val 50000"/>
-            </a:avLst>
+          <a:xfrm>
+            <a:off x="4842155" y="1267196"/>
+            <a:ext cx="734057" cy="848796"/>
+          </a:xfrm>
+          <a:prstGeom prst="bentConnector2">
+            <a:avLst/>
           </a:prstGeom>
           <a:ln>
             <a:tailEnd type="triangle"/>
@@ -11210,10 +11464,45 @@
       </p:cxnSp>
       <p:sp>
         <p:nvSpPr>
-          <p:cNvPr id="31" name="Rectangle 30">
-            <a:extLst>
-              <a:ext uri="{FF2B5EF4-FFF2-40B4-BE49-F238E27FC236}">
-                <a16:creationId xmlns:a16="http://schemas.microsoft.com/office/drawing/2014/main" id="{76F39BD0-5D2D-2495-2AC7-9D862DA0182D}"/>
+          <p:cNvPr id="38" name="TextBox 37">
+            <a:extLst>
+              <a:ext uri="{FF2B5EF4-FFF2-40B4-BE49-F238E27FC236}">
+                <a16:creationId xmlns:a16="http://schemas.microsoft.com/office/drawing/2014/main" id="{7D8DD686-077D-327D-73D3-D32D174C7AF2}"/>
+              </a:ext>
+            </a:extLst>
+          </p:cNvPr>
+          <p:cNvSpPr txBox="1"/>
+          <p:nvPr/>
+        </p:nvSpPr>
+        <p:spPr>
+          <a:xfrm>
+            <a:off x="4885959" y="1811194"/>
+            <a:ext cx="1380506" cy="246221"/>
+          </a:xfrm>
+          <a:prstGeom prst="rect">
+            <a:avLst/>
+          </a:prstGeom>
+          <a:noFill/>
+        </p:spPr>
+        <p:txBody>
+          <a:bodyPr wrap="none" rtlCol="0">
+            <a:spAutoFit/>
+          </a:bodyPr>
+          <a:lstStyle/>
+          <a:p>
+            <a:r>
+              <a:rPr lang="en-US" sz="1000" dirty="0"/>
+              <a:t>Route- Player Setup</a:t>
+            </a:r>
+          </a:p>
+        </p:txBody>
+      </p:sp>
+      <p:sp>
+        <p:nvSpPr>
+          <p:cNvPr id="4" name="Rectangle 3">
+            <a:extLst>
+              <a:ext uri="{FF2B5EF4-FFF2-40B4-BE49-F238E27FC236}">
+                <a16:creationId xmlns:a16="http://schemas.microsoft.com/office/drawing/2014/main" id="{392A10FA-3E98-BF27-E11A-68175AF0D143}"/>
               </a:ext>
             </a:extLst>
           </p:cNvPr>
@@ -11222,8 +11511,8 @@
         </p:nvSpPr>
         <p:spPr>
           <a:xfrm>
-            <a:off x="2580935" y="3677080"/>
-            <a:ext cx="1158844" cy="1222217"/>
+            <a:off x="7284705" y="2087186"/>
+            <a:ext cx="914390" cy="427423"/>
           </a:xfrm>
           <a:prstGeom prst="rect">
             <a:avLst/>
@@ -11231,15 +11520,15 @@
         </p:spPr>
         <p:style>
           <a:lnRef idx="2">
-            <a:schemeClr val="accent2">
+            <a:schemeClr val="accent1">
               <a:shade val="15000"/>
             </a:schemeClr>
           </a:lnRef>
           <a:fillRef idx="1">
-            <a:schemeClr val="accent2"/>
+            <a:schemeClr val="accent1"/>
           </a:fillRef>
           <a:effectRef idx="0">
-            <a:schemeClr val="accent2"/>
+            <a:schemeClr val="accent1"/>
           </a:effectRef>
           <a:fontRef idx="minor">
             <a:schemeClr val="lt1"/>
@@ -11249,85 +11538,20 @@
           <a:bodyPr rtlCol="0" anchor="ctr"/>
           <a:lstStyle/>
           <a:p>
-            <a:r>
-              <a:rPr lang="en-US" sz="1200" dirty="0" err="1">
-                <a:solidFill>
-                  <a:schemeClr val="bg1"/>
-                </a:solidFill>
-                <a:effectLst/>
-                <a:latin typeface="JetBrains Mono"/>
-              </a:rPr>
-              <a:t>FK_Rec_ID</a:t>
-            </a:r>
-            <a:endParaRPr lang="en-US" sz="1200" dirty="0">
-              <a:solidFill>
-                <a:schemeClr val="bg1"/>
-              </a:solidFill>
-              <a:effectLst/>
-              <a:latin typeface="JetBrains Mono"/>
-            </a:endParaRPr>
-          </a:p>
-          <a:p>
-            <a:r>
-              <a:rPr lang="en-US" sz="1200" dirty="0">
-                <a:solidFill>
-                  <a:schemeClr val="bg1"/>
-                </a:solidFill>
-                <a:effectLst/>
-                <a:latin typeface="JetBrains Mono"/>
-              </a:rPr>
-              <a:t>Player Record</a:t>
-            </a:r>
-          </a:p>
-          <a:p>
-            <a:r>
-              <a:rPr lang="en-US" sz="1200" dirty="0">
-                <a:solidFill>
-                  <a:schemeClr val="bg1"/>
-                </a:solidFill>
-                <a:latin typeface="JetBrains Mono"/>
-              </a:rPr>
-              <a:t>Name</a:t>
-            </a:r>
-          </a:p>
-          <a:p>
-            <a:r>
-              <a:rPr lang="en-US" sz="1200" dirty="0">
-                <a:solidFill>
-                  <a:schemeClr val="bg1"/>
-                </a:solidFill>
-                <a:effectLst/>
-                <a:latin typeface="JetBrains Mono"/>
-              </a:rPr>
-              <a:t>Hdcp</a:t>
-            </a:r>
-          </a:p>
-          <a:p>
-            <a:r>
-              <a:rPr lang="en-US" sz="1200" dirty="0">
-                <a:solidFill>
-                  <a:schemeClr val="bg1"/>
-                </a:solidFill>
-                <a:latin typeface="JetBrains Mono"/>
-              </a:rPr>
-              <a:t>Score[18]</a:t>
-            </a:r>
-            <a:endParaRPr lang="en-US" sz="1200" dirty="0">
-              <a:solidFill>
-                <a:schemeClr val="bg1"/>
-              </a:solidFill>
-              <a:effectLst/>
-              <a:latin typeface="JetBrains Mono"/>
-            </a:endParaRPr>
-          </a:p>
-        </p:txBody>
-      </p:sp>
-      <p:sp>
-        <p:nvSpPr>
-          <p:cNvPr id="32" name="Rectangle 31">
-            <a:extLst>
-              <a:ext uri="{FF2B5EF4-FFF2-40B4-BE49-F238E27FC236}">
-                <a16:creationId xmlns:a16="http://schemas.microsoft.com/office/drawing/2014/main" id="{411EDC83-86EE-C25F-1721-9006AFF7F062}"/>
+            <a:pPr algn="ctr"/>
+            <a:r>
+              <a:rPr lang="en-US" sz="1200" dirty="0"/>
+              <a:t>Score Cards</a:t>
+            </a:r>
+          </a:p>
+        </p:txBody>
+      </p:sp>
+      <p:sp>
+        <p:nvSpPr>
+          <p:cNvPr id="8" name="Rectangle 7">
+            <a:extLst>
+              <a:ext uri="{FF2B5EF4-FFF2-40B4-BE49-F238E27FC236}">
+                <a16:creationId xmlns:a16="http://schemas.microsoft.com/office/drawing/2014/main" id="{5C14E378-657B-403D-6BD8-207ED78F2365}"/>
               </a:ext>
             </a:extLst>
           </p:cNvPr>
@@ -11336,8 +11560,8 @@
         </p:nvSpPr>
         <p:spPr>
           <a:xfrm>
-            <a:off x="4161523" y="3677080"/>
-            <a:ext cx="1158844" cy="1222217"/>
+            <a:off x="9753560" y="2087187"/>
+            <a:ext cx="914390" cy="427423"/>
           </a:xfrm>
           <a:prstGeom prst="rect">
             <a:avLst/>
@@ -11345,15 +11569,15 @@
         </p:spPr>
         <p:style>
           <a:lnRef idx="2">
-            <a:schemeClr val="accent2">
+            <a:schemeClr val="accent1">
               <a:shade val="15000"/>
             </a:schemeClr>
           </a:lnRef>
           <a:fillRef idx="1">
-            <a:schemeClr val="accent2"/>
+            <a:schemeClr val="accent1"/>
           </a:fillRef>
           <a:effectRef idx="0">
-            <a:schemeClr val="accent2"/>
+            <a:schemeClr val="accent1"/>
           </a:effectRef>
           <a:fontRef idx="minor">
             <a:schemeClr val="lt1"/>
@@ -11363,218 +11587,44 @@
           <a:bodyPr rtlCol="0" anchor="ctr"/>
           <a:lstStyle/>
           <a:p>
-            <a:r>
-              <a:rPr lang="en-US" sz="1200" dirty="0" err="1">
-                <a:solidFill>
-                  <a:schemeClr val="bg1"/>
-                </a:solidFill>
-                <a:effectLst/>
-                <a:latin typeface="JetBrains Mono"/>
-              </a:rPr>
-              <a:t>FK_Rec_ID</a:t>
-            </a:r>
-            <a:endParaRPr lang="en-US" sz="1200" dirty="0">
-              <a:solidFill>
-                <a:schemeClr val="bg1"/>
-              </a:solidFill>
-              <a:effectLst/>
-              <a:latin typeface="JetBrains Mono"/>
-            </a:endParaRPr>
-          </a:p>
-          <a:p>
-            <a:r>
-              <a:rPr lang="en-US" sz="1200" dirty="0">
-                <a:solidFill>
-                  <a:schemeClr val="bg1"/>
-                </a:solidFill>
-                <a:effectLst/>
-                <a:latin typeface="JetBrains Mono"/>
-              </a:rPr>
-              <a:t>Player Record</a:t>
-            </a:r>
-          </a:p>
-          <a:p>
-            <a:r>
-              <a:rPr lang="en-US" sz="1200" dirty="0">
-                <a:solidFill>
-                  <a:schemeClr val="bg1"/>
-                </a:solidFill>
-                <a:latin typeface="JetBrains Mono"/>
-              </a:rPr>
-              <a:t>Name</a:t>
-            </a:r>
-          </a:p>
-          <a:p>
-            <a:r>
-              <a:rPr lang="en-US" sz="1200" dirty="0">
-                <a:solidFill>
-                  <a:schemeClr val="bg1"/>
-                </a:solidFill>
-                <a:effectLst/>
-                <a:latin typeface="JetBrains Mono"/>
-              </a:rPr>
-              <a:t>Hdcp</a:t>
-            </a:r>
-          </a:p>
-          <a:p>
-            <a:r>
-              <a:rPr lang="en-US" sz="1200" dirty="0">
-                <a:solidFill>
-                  <a:schemeClr val="bg1"/>
-                </a:solidFill>
-                <a:latin typeface="JetBrains Mono"/>
-              </a:rPr>
-              <a:t>Score[18]</a:t>
-            </a:r>
-            <a:endParaRPr lang="en-US" sz="1200" dirty="0">
-              <a:solidFill>
-                <a:schemeClr val="bg1"/>
-              </a:solidFill>
-              <a:effectLst/>
-              <a:latin typeface="JetBrains Mono"/>
-            </a:endParaRPr>
-          </a:p>
-        </p:txBody>
-      </p:sp>
-      <p:sp>
-        <p:nvSpPr>
-          <p:cNvPr id="37" name="Rectangle 36">
-            <a:extLst>
-              <a:ext uri="{FF2B5EF4-FFF2-40B4-BE49-F238E27FC236}">
-                <a16:creationId xmlns:a16="http://schemas.microsoft.com/office/drawing/2014/main" id="{5D1BC5CC-2A36-0373-8267-507A70C4315A}"/>
-              </a:ext>
-            </a:extLst>
-          </p:cNvPr>
-          <p:cNvSpPr/>
-          <p:nvPr/>
-        </p:nvSpPr>
-        <p:spPr>
-          <a:xfrm>
-            <a:off x="5712791" y="3677080"/>
-            <a:ext cx="1158844" cy="1222217"/>
-          </a:xfrm>
-          <a:prstGeom prst="rect">
-            <a:avLst/>
-          </a:prstGeom>
-        </p:spPr>
-        <p:style>
-          <a:lnRef idx="2">
-            <a:schemeClr val="accent2">
-              <a:shade val="15000"/>
-            </a:schemeClr>
-          </a:lnRef>
-          <a:fillRef idx="1">
-            <a:schemeClr val="accent2"/>
-          </a:fillRef>
-          <a:effectRef idx="0">
-            <a:schemeClr val="accent2"/>
-          </a:effectRef>
-          <a:fontRef idx="minor">
-            <a:schemeClr val="lt1"/>
-          </a:fontRef>
-        </p:style>
-        <p:txBody>
-          <a:bodyPr rtlCol="0" anchor="ctr"/>
-          <a:lstStyle/>
-          <a:p>
-            <a:r>
-              <a:rPr lang="en-US" sz="1200" dirty="0" err="1">
-                <a:solidFill>
-                  <a:schemeClr val="bg1"/>
-                </a:solidFill>
-                <a:effectLst/>
-                <a:latin typeface="JetBrains Mono"/>
-              </a:rPr>
-              <a:t>FK_Rec_ID</a:t>
-            </a:r>
-            <a:endParaRPr lang="en-US" sz="1200" dirty="0">
-              <a:solidFill>
-                <a:schemeClr val="bg1"/>
-              </a:solidFill>
-              <a:effectLst/>
-              <a:latin typeface="JetBrains Mono"/>
-            </a:endParaRPr>
-          </a:p>
-          <a:p>
-            <a:r>
-              <a:rPr lang="en-US" sz="1200" dirty="0">
-                <a:solidFill>
-                  <a:schemeClr val="bg1"/>
-                </a:solidFill>
-                <a:effectLst/>
-                <a:latin typeface="JetBrains Mono"/>
-              </a:rPr>
-              <a:t>Player Record</a:t>
-            </a:r>
-          </a:p>
-          <a:p>
-            <a:r>
-              <a:rPr lang="en-US" sz="1200" dirty="0">
-                <a:solidFill>
-                  <a:schemeClr val="bg1"/>
-                </a:solidFill>
-                <a:latin typeface="JetBrains Mono"/>
-              </a:rPr>
-              <a:t>Name</a:t>
-            </a:r>
-          </a:p>
-          <a:p>
-            <a:r>
-              <a:rPr lang="en-US" sz="1200" dirty="0">
-                <a:solidFill>
-                  <a:schemeClr val="bg1"/>
-                </a:solidFill>
-                <a:effectLst/>
-                <a:latin typeface="JetBrains Mono"/>
-              </a:rPr>
-              <a:t>Hdcp</a:t>
-            </a:r>
-          </a:p>
-          <a:p>
-            <a:r>
-              <a:rPr lang="en-US" sz="1200" dirty="0">
-                <a:solidFill>
-                  <a:schemeClr val="bg1"/>
-                </a:solidFill>
-                <a:latin typeface="JetBrains Mono"/>
-              </a:rPr>
-              <a:t>Score[18]</a:t>
-            </a:r>
-            <a:endParaRPr lang="en-US" sz="1200" dirty="0">
-              <a:solidFill>
-                <a:schemeClr val="bg1"/>
-              </a:solidFill>
-              <a:effectLst/>
-              <a:latin typeface="JetBrains Mono"/>
-            </a:endParaRPr>
+            <a:pPr algn="ctr"/>
+            <a:r>
+              <a:rPr lang="en-US" sz="1200" dirty="0"/>
+              <a:t>Players</a:t>
+            </a:r>
+          </a:p>
+          <a:p>
+            <a:pPr algn="ctr"/>
+            <a:r>
+              <a:rPr lang="en-US" sz="1200" dirty="0"/>
+              <a:t>Summary</a:t>
+            </a:r>
           </a:p>
         </p:txBody>
       </p:sp>
       <p:cxnSp>
         <p:nvCxnSpPr>
-          <p:cNvPr id="39" name="Connector: Elbow 38">
-            <a:extLst>
-              <a:ext uri="{FF2B5EF4-FFF2-40B4-BE49-F238E27FC236}">
-                <a16:creationId xmlns:a16="http://schemas.microsoft.com/office/drawing/2014/main" id="{A2D0AF89-932D-205F-76C3-DDB93CCF66DB}"/>
+          <p:cNvPr id="10" name="Connector: Elbow 9">
+            <a:extLst>
+              <a:ext uri="{FF2B5EF4-FFF2-40B4-BE49-F238E27FC236}">
+                <a16:creationId xmlns:a16="http://schemas.microsoft.com/office/drawing/2014/main" id="{78C0B617-725D-7896-AAE9-1F8A6C831E3D}"/>
               </a:ext>
             </a:extLst>
           </p:cNvPr>
           <p:cNvCxnSpPr>
             <a:cxnSpLocks/>
-            <a:stCxn id="5" idx="2"/>
-            <a:endCxn id="37" idx="0"/>
+            <a:stCxn id="7" idx="1"/>
+            <a:endCxn id="4" idx="0"/>
           </p:cNvCxnSpPr>
           <p:nvPr/>
         </p:nvCxnSpPr>
         <p:spPr>
-          <a:xfrm rot="16200000" flipH="1">
-            <a:off x="4694437" y="2079303"/>
-            <a:ext cx="852551" cy="2343001"/>
-          </a:xfrm>
-          <a:prstGeom prst="bentConnector3">
-            <a:avLst>
-              <a:gd name="adj1" fmla="val 50000"/>
-            </a:avLst>
+          <a:xfrm rot="10800000" flipV="1">
+            <a:off x="7741901" y="1203986"/>
+            <a:ext cx="822953" cy="883200"/>
+          </a:xfrm>
+          <a:prstGeom prst="bentConnector2">
+            <a:avLst/>
           </a:prstGeom>
           <a:ln>
             <a:tailEnd type="triangle"/>
@@ -11589,6 +11639,1219 @@
           </a:fillRef>
           <a:effectRef idx="1">
             <a:schemeClr val="accent1"/>
+          </a:effectRef>
+          <a:fontRef idx="minor">
+            <a:schemeClr val="tx1"/>
+          </a:fontRef>
+        </p:style>
+      </p:cxnSp>
+      <p:cxnSp>
+        <p:nvCxnSpPr>
+          <p:cNvPr id="16" name="Connector: Elbow 15">
+            <a:extLst>
+              <a:ext uri="{FF2B5EF4-FFF2-40B4-BE49-F238E27FC236}">
+                <a16:creationId xmlns:a16="http://schemas.microsoft.com/office/drawing/2014/main" id="{9BEF6C4B-FEA4-F4A6-508E-CE1124EEF342}"/>
+              </a:ext>
+            </a:extLst>
+          </p:cNvPr>
+          <p:cNvCxnSpPr>
+            <a:cxnSpLocks/>
+            <a:stCxn id="7" idx="3"/>
+            <a:endCxn id="8" idx="0"/>
+          </p:cNvCxnSpPr>
+          <p:nvPr/>
+        </p:nvCxnSpPr>
+        <p:spPr>
+          <a:xfrm>
+            <a:off x="9479243" y="1203986"/>
+            <a:ext cx="731512" cy="883201"/>
+          </a:xfrm>
+          <a:prstGeom prst="bentConnector2">
+            <a:avLst/>
+          </a:prstGeom>
+          <a:ln>
+            <a:tailEnd type="triangle"/>
+          </a:ln>
+        </p:spPr>
+        <p:style>
+          <a:lnRef idx="2">
+            <a:schemeClr val="accent1"/>
+          </a:lnRef>
+          <a:fillRef idx="0">
+            <a:schemeClr val="accent1"/>
+          </a:fillRef>
+          <a:effectRef idx="1">
+            <a:schemeClr val="accent1"/>
+          </a:effectRef>
+          <a:fontRef idx="minor">
+            <a:schemeClr val="tx1"/>
+          </a:fontRef>
+        </p:style>
+      </p:cxnSp>
+      <p:sp>
+        <p:nvSpPr>
+          <p:cNvPr id="40" name="TextBox 39">
+            <a:extLst>
+              <a:ext uri="{FF2B5EF4-FFF2-40B4-BE49-F238E27FC236}">
+                <a16:creationId xmlns:a16="http://schemas.microsoft.com/office/drawing/2014/main" id="{72610539-5A46-CB69-9E09-C267E58F5D8B}"/>
+              </a:ext>
+            </a:extLst>
+          </p:cNvPr>
+          <p:cNvSpPr txBox="1"/>
+          <p:nvPr/>
+        </p:nvSpPr>
+        <p:spPr>
+          <a:xfrm>
+            <a:off x="7099867" y="1783580"/>
+            <a:ext cx="1329210" cy="246221"/>
+          </a:xfrm>
+          <a:prstGeom prst="rect">
+            <a:avLst/>
+          </a:prstGeom>
+          <a:noFill/>
+        </p:spPr>
+        <p:txBody>
+          <a:bodyPr wrap="none" rtlCol="0">
+            <a:spAutoFit/>
+          </a:bodyPr>
+          <a:lstStyle/>
+          <a:p>
+            <a:r>
+              <a:rPr lang="en-US" sz="1000" dirty="0"/>
+              <a:t>Route – Score Card</a:t>
+            </a:r>
+          </a:p>
+        </p:txBody>
+      </p:sp>
+      <p:sp>
+        <p:nvSpPr>
+          <p:cNvPr id="41" name="TextBox 40">
+            <a:extLst>
+              <a:ext uri="{FF2B5EF4-FFF2-40B4-BE49-F238E27FC236}">
+                <a16:creationId xmlns:a16="http://schemas.microsoft.com/office/drawing/2014/main" id="{D2056EBF-3966-6AEA-E823-573C690C791F}"/>
+              </a:ext>
+            </a:extLst>
+          </p:cNvPr>
+          <p:cNvSpPr txBox="1"/>
+          <p:nvPr/>
+        </p:nvSpPr>
+        <p:spPr>
+          <a:xfrm>
+            <a:off x="9662121" y="1790840"/>
+            <a:ext cx="1258678" cy="246221"/>
+          </a:xfrm>
+          <a:prstGeom prst="rect">
+            <a:avLst/>
+          </a:prstGeom>
+          <a:noFill/>
+        </p:spPr>
+        <p:txBody>
+          <a:bodyPr wrap="none" rtlCol="0">
+            <a:spAutoFit/>
+          </a:bodyPr>
+          <a:lstStyle/>
+          <a:p>
+            <a:r>
+              <a:rPr lang="en-US" sz="1000" dirty="0"/>
+              <a:t>Route – Summary</a:t>
+            </a:r>
+          </a:p>
+        </p:txBody>
+      </p:sp>
+      <p:sp>
+        <p:nvSpPr>
+          <p:cNvPr id="42" name="Rectangle 41">
+            <a:extLst>
+              <a:ext uri="{FF2B5EF4-FFF2-40B4-BE49-F238E27FC236}">
+                <a16:creationId xmlns:a16="http://schemas.microsoft.com/office/drawing/2014/main" id="{A1355EFA-AAE8-E1C5-1FB0-175E808AC82C}"/>
+              </a:ext>
+            </a:extLst>
+          </p:cNvPr>
+          <p:cNvSpPr/>
+          <p:nvPr/>
+        </p:nvSpPr>
+        <p:spPr>
+          <a:xfrm>
+            <a:off x="417964" y="3173635"/>
+            <a:ext cx="1737341" cy="1920219"/>
+          </a:xfrm>
+          <a:prstGeom prst="rect">
+            <a:avLst/>
+          </a:prstGeom>
+        </p:spPr>
+        <p:style>
+          <a:lnRef idx="2">
+            <a:schemeClr val="accent4"/>
+          </a:lnRef>
+          <a:fillRef idx="1">
+            <a:schemeClr val="lt1"/>
+          </a:fillRef>
+          <a:effectRef idx="0">
+            <a:schemeClr val="accent4"/>
+          </a:effectRef>
+          <a:fontRef idx="minor">
+            <a:schemeClr val="dk1"/>
+          </a:fontRef>
+        </p:style>
+        <p:txBody>
+          <a:bodyPr rtlCol="0" anchor="t"/>
+          <a:lstStyle/>
+          <a:p>
+            <a:pPr algn="ctr"/>
+            <a:r>
+              <a:rPr lang="en-US" sz="1200" dirty="0"/>
+              <a:t>Summary</a:t>
+            </a:r>
+          </a:p>
+        </p:txBody>
+      </p:sp>
+      <p:sp>
+        <p:nvSpPr>
+          <p:cNvPr id="43" name="Rectangle 42">
+            <a:extLst>
+              <a:ext uri="{FF2B5EF4-FFF2-40B4-BE49-F238E27FC236}">
+                <a16:creationId xmlns:a16="http://schemas.microsoft.com/office/drawing/2014/main" id="{3EDFE00B-E869-089A-8D38-92752904CF53}"/>
+              </a:ext>
+            </a:extLst>
+          </p:cNvPr>
+          <p:cNvSpPr/>
+          <p:nvPr/>
+        </p:nvSpPr>
+        <p:spPr>
+          <a:xfrm>
+            <a:off x="2666427" y="3155175"/>
+            <a:ext cx="1737341" cy="1920219"/>
+          </a:xfrm>
+          <a:prstGeom prst="rect">
+            <a:avLst/>
+          </a:prstGeom>
+        </p:spPr>
+        <p:style>
+          <a:lnRef idx="2">
+            <a:schemeClr val="accent4"/>
+          </a:lnRef>
+          <a:fillRef idx="1">
+            <a:schemeClr val="lt1"/>
+          </a:fillRef>
+          <a:effectRef idx="0">
+            <a:schemeClr val="accent4"/>
+          </a:effectRef>
+          <a:fontRef idx="minor">
+            <a:schemeClr val="dk1"/>
+          </a:fontRef>
+        </p:style>
+        <p:txBody>
+          <a:bodyPr rtlCol="0" anchor="t"/>
+          <a:lstStyle/>
+          <a:p>
+            <a:pPr algn="ctr"/>
+            <a:r>
+              <a:rPr lang="en-US" sz="1200" dirty="0"/>
+              <a:t>Courses</a:t>
+            </a:r>
+          </a:p>
+        </p:txBody>
+      </p:sp>
+      <p:sp>
+        <p:nvSpPr>
+          <p:cNvPr id="44" name="Rectangle 43">
+            <a:extLst>
+              <a:ext uri="{FF2B5EF4-FFF2-40B4-BE49-F238E27FC236}">
+                <a16:creationId xmlns:a16="http://schemas.microsoft.com/office/drawing/2014/main" id="{1138B4D4-7061-0D29-3E22-01A837851DED}"/>
+              </a:ext>
+            </a:extLst>
+          </p:cNvPr>
+          <p:cNvSpPr/>
+          <p:nvPr/>
+        </p:nvSpPr>
+        <p:spPr>
+          <a:xfrm>
+            <a:off x="6795087" y="3211673"/>
+            <a:ext cx="1737341" cy="1920219"/>
+          </a:xfrm>
+          <a:prstGeom prst="rect">
+            <a:avLst/>
+          </a:prstGeom>
+        </p:spPr>
+        <p:style>
+          <a:lnRef idx="2">
+            <a:schemeClr val="accent4"/>
+          </a:lnRef>
+          <a:fillRef idx="1">
+            <a:schemeClr val="lt1"/>
+          </a:fillRef>
+          <a:effectRef idx="0">
+            <a:schemeClr val="accent4"/>
+          </a:effectRef>
+          <a:fontRef idx="minor">
+            <a:schemeClr val="dk1"/>
+          </a:fontRef>
+        </p:style>
+        <p:txBody>
+          <a:bodyPr rtlCol="0" anchor="t"/>
+          <a:lstStyle/>
+          <a:p>
+            <a:pPr algn="ctr"/>
+            <a:r>
+              <a:rPr lang="en-US" sz="1200" dirty="0"/>
+              <a:t>Players</a:t>
+            </a:r>
+          </a:p>
+          <a:p>
+            <a:pPr algn="ctr"/>
+            <a:r>
+              <a:rPr lang="en-US" sz="1200" dirty="0"/>
+              <a:t>Setup</a:t>
+            </a:r>
+          </a:p>
+        </p:txBody>
+      </p:sp>
+      <p:sp>
+        <p:nvSpPr>
+          <p:cNvPr id="45" name="Rectangle 44">
+            <a:extLst>
+              <a:ext uri="{FF2B5EF4-FFF2-40B4-BE49-F238E27FC236}">
+                <a16:creationId xmlns:a16="http://schemas.microsoft.com/office/drawing/2014/main" id="{B5D2CD95-1114-9D90-BFBE-5D54B37A99A7}"/>
+              </a:ext>
+            </a:extLst>
+          </p:cNvPr>
+          <p:cNvSpPr/>
+          <p:nvPr/>
+        </p:nvSpPr>
+        <p:spPr>
+          <a:xfrm>
+            <a:off x="9396994" y="3208623"/>
+            <a:ext cx="1737341" cy="1920219"/>
+          </a:xfrm>
+          <a:prstGeom prst="rect">
+            <a:avLst/>
+          </a:prstGeom>
+        </p:spPr>
+        <p:style>
+          <a:lnRef idx="2">
+            <a:schemeClr val="accent4"/>
+          </a:lnRef>
+          <a:fillRef idx="1">
+            <a:schemeClr val="lt1"/>
+          </a:fillRef>
+          <a:effectRef idx="0">
+            <a:schemeClr val="accent4"/>
+          </a:effectRef>
+          <a:fontRef idx="minor">
+            <a:schemeClr val="dk1"/>
+          </a:fontRef>
+        </p:style>
+        <p:txBody>
+          <a:bodyPr rtlCol="0" anchor="t"/>
+          <a:lstStyle/>
+          <a:p>
+            <a:pPr algn="ctr"/>
+            <a:r>
+              <a:rPr lang="en-US" sz="1200" dirty="0"/>
+              <a:t>Score Card</a:t>
+            </a:r>
+          </a:p>
+        </p:txBody>
+      </p:sp>
+      <p:sp>
+        <p:nvSpPr>
+          <p:cNvPr id="46" name="Rectangle 45">
+            <a:extLst>
+              <a:ext uri="{FF2B5EF4-FFF2-40B4-BE49-F238E27FC236}">
+                <a16:creationId xmlns:a16="http://schemas.microsoft.com/office/drawing/2014/main" id="{7D886ADD-04FE-CFF1-5233-08C309C7812D}"/>
+              </a:ext>
+            </a:extLst>
+          </p:cNvPr>
+          <p:cNvSpPr/>
+          <p:nvPr/>
+        </p:nvSpPr>
+        <p:spPr>
+          <a:xfrm>
+            <a:off x="4632976" y="3208623"/>
+            <a:ext cx="1737341" cy="1920219"/>
+          </a:xfrm>
+          <a:prstGeom prst="rect">
+            <a:avLst/>
+          </a:prstGeom>
+        </p:spPr>
+        <p:style>
+          <a:lnRef idx="2">
+            <a:schemeClr val="accent4"/>
+          </a:lnRef>
+          <a:fillRef idx="1">
+            <a:schemeClr val="lt1"/>
+          </a:fillRef>
+          <a:effectRef idx="0">
+            <a:schemeClr val="accent4"/>
+          </a:effectRef>
+          <a:fontRef idx="minor">
+            <a:schemeClr val="dk1"/>
+          </a:fontRef>
+        </p:style>
+        <p:txBody>
+          <a:bodyPr rtlCol="0" anchor="t"/>
+          <a:lstStyle/>
+          <a:p>
+            <a:pPr algn="ctr"/>
+            <a:r>
+              <a:rPr lang="en-US" sz="1200" dirty="0"/>
+              <a:t>Course Detail</a:t>
+            </a:r>
+          </a:p>
+        </p:txBody>
+      </p:sp>
+      <p:sp>
+        <p:nvSpPr>
+          <p:cNvPr id="47" name="TextBox 46">
+            <a:extLst>
+              <a:ext uri="{FF2B5EF4-FFF2-40B4-BE49-F238E27FC236}">
+                <a16:creationId xmlns:a16="http://schemas.microsoft.com/office/drawing/2014/main" id="{ADE71E0A-1FDB-5A38-F47B-05CE9D5F75A4}"/>
+              </a:ext>
+            </a:extLst>
+          </p:cNvPr>
+          <p:cNvSpPr txBox="1"/>
+          <p:nvPr/>
+        </p:nvSpPr>
+        <p:spPr>
+          <a:xfrm>
+            <a:off x="737629" y="4809601"/>
+            <a:ext cx="640072" cy="215444"/>
+          </a:xfrm>
+          <a:prstGeom prst="rect">
+            <a:avLst/>
+          </a:prstGeom>
+          <a:noFill/>
+        </p:spPr>
+        <p:txBody>
+          <a:bodyPr wrap="square" rtlCol="0">
+            <a:spAutoFit/>
+          </a:bodyPr>
+          <a:lstStyle/>
+          <a:p>
+            <a:r>
+              <a:rPr lang="en-US" sz="800" dirty="0"/>
+              <a:t>Resume</a:t>
+            </a:r>
+          </a:p>
+        </p:txBody>
+      </p:sp>
+      <p:sp>
+        <p:nvSpPr>
+          <p:cNvPr id="48" name="TextBox 47">
+            <a:extLst>
+              <a:ext uri="{FF2B5EF4-FFF2-40B4-BE49-F238E27FC236}">
+                <a16:creationId xmlns:a16="http://schemas.microsoft.com/office/drawing/2014/main" id="{8E66ACBA-29EF-895B-EDC7-56B89C22569E}"/>
+              </a:ext>
+            </a:extLst>
+          </p:cNvPr>
+          <p:cNvSpPr txBox="1"/>
+          <p:nvPr/>
+        </p:nvSpPr>
+        <p:spPr>
+          <a:xfrm>
+            <a:off x="1196044" y="4832530"/>
+            <a:ext cx="640072" cy="215444"/>
+          </a:xfrm>
+          <a:prstGeom prst="rect">
+            <a:avLst/>
+          </a:prstGeom>
+          <a:noFill/>
+        </p:spPr>
+        <p:txBody>
+          <a:bodyPr wrap="square" rtlCol="0">
+            <a:spAutoFit/>
+          </a:bodyPr>
+          <a:lstStyle/>
+          <a:p>
+            <a:r>
+              <a:rPr lang="en-US" sz="800" dirty="0"/>
+              <a:t>Players</a:t>
+            </a:r>
+          </a:p>
+        </p:txBody>
+      </p:sp>
+      <p:sp>
+        <p:nvSpPr>
+          <p:cNvPr id="49" name="TextBox 48">
+            <a:extLst>
+              <a:ext uri="{FF2B5EF4-FFF2-40B4-BE49-F238E27FC236}">
+                <a16:creationId xmlns:a16="http://schemas.microsoft.com/office/drawing/2014/main" id="{B22664F1-130F-7A23-AA55-E3C2F8FAE3AF}"/>
+              </a:ext>
+            </a:extLst>
+          </p:cNvPr>
+          <p:cNvSpPr txBox="1"/>
+          <p:nvPr/>
+        </p:nvSpPr>
+        <p:spPr>
+          <a:xfrm>
+            <a:off x="1609282" y="4832530"/>
+            <a:ext cx="640072" cy="215444"/>
+          </a:xfrm>
+          <a:prstGeom prst="rect">
+            <a:avLst/>
+          </a:prstGeom>
+          <a:noFill/>
+        </p:spPr>
+        <p:txBody>
+          <a:bodyPr wrap="square" rtlCol="0">
+            <a:spAutoFit/>
+          </a:bodyPr>
+          <a:lstStyle/>
+          <a:p>
+            <a:r>
+              <a:rPr lang="en-US" sz="800" dirty="0"/>
+              <a:t>Courses</a:t>
+            </a:r>
+          </a:p>
+        </p:txBody>
+      </p:sp>
+      <p:sp>
+        <p:nvSpPr>
+          <p:cNvPr id="50" name="TextBox 49">
+            <a:extLst>
+              <a:ext uri="{FF2B5EF4-FFF2-40B4-BE49-F238E27FC236}">
+                <a16:creationId xmlns:a16="http://schemas.microsoft.com/office/drawing/2014/main" id="{2FC3953F-1433-4881-AD3A-22CCBC7B683F}"/>
+              </a:ext>
+            </a:extLst>
+          </p:cNvPr>
+          <p:cNvSpPr txBox="1"/>
+          <p:nvPr/>
+        </p:nvSpPr>
+        <p:spPr>
+          <a:xfrm>
+            <a:off x="463923" y="4800585"/>
+            <a:ext cx="448053" cy="215444"/>
+          </a:xfrm>
+          <a:prstGeom prst="rect">
+            <a:avLst/>
+          </a:prstGeom>
+          <a:noFill/>
+        </p:spPr>
+        <p:txBody>
+          <a:bodyPr wrap="square" rtlCol="0">
+            <a:spAutoFit/>
+          </a:bodyPr>
+          <a:lstStyle/>
+          <a:p>
+            <a:r>
+              <a:rPr lang="en-US" sz="800" dirty="0"/>
+              <a:t>Exit</a:t>
+            </a:r>
+          </a:p>
+        </p:txBody>
+      </p:sp>
+      <p:sp>
+        <p:nvSpPr>
+          <p:cNvPr id="52" name="TextBox 51">
+            <a:extLst>
+              <a:ext uri="{FF2B5EF4-FFF2-40B4-BE49-F238E27FC236}">
+                <a16:creationId xmlns:a16="http://schemas.microsoft.com/office/drawing/2014/main" id="{76352C36-F3AC-4575-D3A0-F372FB3CD7D2}"/>
+              </a:ext>
+            </a:extLst>
+          </p:cNvPr>
+          <p:cNvSpPr txBox="1"/>
+          <p:nvPr/>
+        </p:nvSpPr>
+        <p:spPr>
+          <a:xfrm>
+            <a:off x="4920742" y="4755553"/>
+            <a:ext cx="464717" cy="215444"/>
+          </a:xfrm>
+          <a:prstGeom prst="rect">
+            <a:avLst/>
+          </a:prstGeom>
+          <a:noFill/>
+        </p:spPr>
+        <p:txBody>
+          <a:bodyPr wrap="square" rtlCol="0">
+            <a:spAutoFit/>
+          </a:bodyPr>
+          <a:lstStyle/>
+          <a:p>
+            <a:r>
+              <a:rPr lang="en-US" sz="800" dirty="0"/>
+              <a:t>Save</a:t>
+            </a:r>
+          </a:p>
+        </p:txBody>
+      </p:sp>
+      <p:sp>
+        <p:nvSpPr>
+          <p:cNvPr id="53" name="TextBox 52">
+            <a:extLst>
+              <a:ext uri="{FF2B5EF4-FFF2-40B4-BE49-F238E27FC236}">
+                <a16:creationId xmlns:a16="http://schemas.microsoft.com/office/drawing/2014/main" id="{F96D4499-CCCA-4528-A3B3-BEEAC59B1F77}"/>
+              </a:ext>
+            </a:extLst>
+          </p:cNvPr>
+          <p:cNvSpPr txBox="1"/>
+          <p:nvPr/>
+        </p:nvSpPr>
+        <p:spPr>
+          <a:xfrm>
+            <a:off x="4938673" y="4631867"/>
+            <a:ext cx="640072" cy="215444"/>
+          </a:xfrm>
+          <a:prstGeom prst="rect">
+            <a:avLst/>
+          </a:prstGeom>
+          <a:noFill/>
+        </p:spPr>
+        <p:txBody>
+          <a:bodyPr wrap="square" rtlCol="0">
+            <a:spAutoFit/>
+          </a:bodyPr>
+          <a:lstStyle/>
+          <a:p>
+            <a:r>
+              <a:rPr lang="en-US" sz="800" dirty="0"/>
+              <a:t>Cancel</a:t>
+            </a:r>
+          </a:p>
+        </p:txBody>
+      </p:sp>
+      <p:sp>
+        <p:nvSpPr>
+          <p:cNvPr id="54" name="TextBox 53">
+            <a:extLst>
+              <a:ext uri="{FF2B5EF4-FFF2-40B4-BE49-F238E27FC236}">
+                <a16:creationId xmlns:a16="http://schemas.microsoft.com/office/drawing/2014/main" id="{34CECCC8-BE33-4E55-54E8-89A5DEC778D5}"/>
+              </a:ext>
+            </a:extLst>
+          </p:cNvPr>
+          <p:cNvSpPr txBox="1"/>
+          <p:nvPr/>
+        </p:nvSpPr>
+        <p:spPr>
+          <a:xfrm>
+            <a:off x="3214168" y="4800585"/>
+            <a:ext cx="444087" cy="215444"/>
+          </a:xfrm>
+          <a:prstGeom prst="rect">
+            <a:avLst/>
+          </a:prstGeom>
+          <a:noFill/>
+        </p:spPr>
+        <p:txBody>
+          <a:bodyPr wrap="square" rtlCol="0">
+            <a:spAutoFit/>
+          </a:bodyPr>
+          <a:lstStyle/>
+          <a:p>
+            <a:r>
+              <a:rPr lang="en-US" sz="800" dirty="0"/>
+              <a:t>Edit</a:t>
+            </a:r>
+          </a:p>
+        </p:txBody>
+      </p:sp>
+      <p:sp>
+        <p:nvSpPr>
+          <p:cNvPr id="55" name="TextBox 54">
+            <a:extLst>
+              <a:ext uri="{FF2B5EF4-FFF2-40B4-BE49-F238E27FC236}">
+                <a16:creationId xmlns:a16="http://schemas.microsoft.com/office/drawing/2014/main" id="{D886A7E6-3D3D-008F-4563-33C759880C5F}"/>
+              </a:ext>
+            </a:extLst>
+          </p:cNvPr>
+          <p:cNvSpPr txBox="1"/>
+          <p:nvPr/>
+        </p:nvSpPr>
+        <p:spPr>
+          <a:xfrm>
+            <a:off x="3555957" y="4809601"/>
+            <a:ext cx="518150" cy="215444"/>
+          </a:xfrm>
+          <a:prstGeom prst="rect">
+            <a:avLst/>
+          </a:prstGeom>
+          <a:noFill/>
+        </p:spPr>
+        <p:txBody>
+          <a:bodyPr wrap="square" rtlCol="0">
+            <a:spAutoFit/>
+          </a:bodyPr>
+          <a:lstStyle/>
+          <a:p>
+            <a:r>
+              <a:rPr lang="en-US" sz="800" dirty="0"/>
+              <a:t>Delete</a:t>
+            </a:r>
+          </a:p>
+        </p:txBody>
+      </p:sp>
+      <p:sp>
+        <p:nvSpPr>
+          <p:cNvPr id="56" name="TextBox 55">
+            <a:extLst>
+              <a:ext uri="{FF2B5EF4-FFF2-40B4-BE49-F238E27FC236}">
+                <a16:creationId xmlns:a16="http://schemas.microsoft.com/office/drawing/2014/main" id="{E72B9B68-2FD2-3897-D7A0-09F0DCE02D97}"/>
+              </a:ext>
+            </a:extLst>
+          </p:cNvPr>
+          <p:cNvSpPr txBox="1"/>
+          <p:nvPr/>
+        </p:nvSpPr>
+        <p:spPr>
+          <a:xfrm>
+            <a:off x="2755900" y="4771517"/>
+            <a:ext cx="533959" cy="215444"/>
+          </a:xfrm>
+          <a:prstGeom prst="rect">
+            <a:avLst/>
+          </a:prstGeom>
+          <a:noFill/>
+        </p:spPr>
+        <p:txBody>
+          <a:bodyPr wrap="square" rtlCol="0">
+            <a:spAutoFit/>
+          </a:bodyPr>
+          <a:lstStyle/>
+          <a:p>
+            <a:r>
+              <a:rPr lang="en-US" sz="800" dirty="0"/>
+              <a:t>Select</a:t>
+            </a:r>
+          </a:p>
+        </p:txBody>
+      </p:sp>
+      <p:sp>
+        <p:nvSpPr>
+          <p:cNvPr id="58" name="TextBox 57">
+            <a:extLst>
+              <a:ext uri="{FF2B5EF4-FFF2-40B4-BE49-F238E27FC236}">
+                <a16:creationId xmlns:a16="http://schemas.microsoft.com/office/drawing/2014/main" id="{14643CBF-784A-220E-7F55-12ACF5C91D2E}"/>
+              </a:ext>
+            </a:extLst>
+          </p:cNvPr>
+          <p:cNvSpPr txBox="1"/>
+          <p:nvPr/>
+        </p:nvSpPr>
+        <p:spPr>
+          <a:xfrm>
+            <a:off x="3259103" y="4619010"/>
+            <a:ext cx="444087" cy="215444"/>
+          </a:xfrm>
+          <a:prstGeom prst="rect">
+            <a:avLst/>
+          </a:prstGeom>
+          <a:noFill/>
+        </p:spPr>
+        <p:txBody>
+          <a:bodyPr wrap="square" rtlCol="0">
+            <a:spAutoFit/>
+          </a:bodyPr>
+          <a:lstStyle/>
+          <a:p>
+            <a:r>
+              <a:rPr lang="en-US" sz="800" dirty="0"/>
+              <a:t>Add</a:t>
+            </a:r>
+          </a:p>
+        </p:txBody>
+      </p:sp>
+      <p:sp>
+        <p:nvSpPr>
+          <p:cNvPr id="59" name="TextBox 58">
+            <a:extLst>
+              <a:ext uri="{FF2B5EF4-FFF2-40B4-BE49-F238E27FC236}">
+                <a16:creationId xmlns:a16="http://schemas.microsoft.com/office/drawing/2014/main" id="{B84F919A-62B6-340A-7166-74E0F595F5D5}"/>
+              </a:ext>
+            </a:extLst>
+          </p:cNvPr>
+          <p:cNvSpPr txBox="1"/>
+          <p:nvPr/>
+        </p:nvSpPr>
+        <p:spPr>
+          <a:xfrm>
+            <a:off x="7576419" y="4590947"/>
+            <a:ext cx="763255" cy="215444"/>
+          </a:xfrm>
+          <a:prstGeom prst="rect">
+            <a:avLst/>
+          </a:prstGeom>
+          <a:noFill/>
+        </p:spPr>
+        <p:txBody>
+          <a:bodyPr wrap="square" rtlCol="0">
+            <a:spAutoFit/>
+          </a:bodyPr>
+          <a:lstStyle/>
+          <a:p>
+            <a:r>
+              <a:rPr lang="en-US" sz="800" dirty="0"/>
+              <a:t>New Game</a:t>
+            </a:r>
+          </a:p>
+        </p:txBody>
+      </p:sp>
+      <p:sp>
+        <p:nvSpPr>
+          <p:cNvPr id="60" name="TextBox 59">
+            <a:extLst>
+              <a:ext uri="{FF2B5EF4-FFF2-40B4-BE49-F238E27FC236}">
+                <a16:creationId xmlns:a16="http://schemas.microsoft.com/office/drawing/2014/main" id="{A1DA61C5-1EBE-CED9-9FC7-67876CB1E067}"/>
+              </a:ext>
+            </a:extLst>
+          </p:cNvPr>
+          <p:cNvSpPr txBox="1"/>
+          <p:nvPr/>
+        </p:nvSpPr>
+        <p:spPr>
+          <a:xfrm>
+            <a:off x="9875482" y="4785317"/>
+            <a:ext cx="792468" cy="215444"/>
+          </a:xfrm>
+          <a:prstGeom prst="rect">
+            <a:avLst/>
+          </a:prstGeom>
+          <a:noFill/>
+        </p:spPr>
+        <p:txBody>
+          <a:bodyPr wrap="square" rtlCol="0">
+            <a:spAutoFit/>
+          </a:bodyPr>
+          <a:lstStyle/>
+          <a:p>
+            <a:r>
+              <a:rPr lang="en-US" sz="800" dirty="0"/>
+              <a:t>Summary</a:t>
+            </a:r>
+          </a:p>
+        </p:txBody>
+      </p:sp>
+      <p:sp>
+        <p:nvSpPr>
+          <p:cNvPr id="61" name="TextBox 60">
+            <a:extLst>
+              <a:ext uri="{FF2B5EF4-FFF2-40B4-BE49-F238E27FC236}">
+                <a16:creationId xmlns:a16="http://schemas.microsoft.com/office/drawing/2014/main" id="{434285EC-2393-D17C-BB35-A9FED771089F}"/>
+              </a:ext>
+            </a:extLst>
+          </p:cNvPr>
+          <p:cNvSpPr txBox="1"/>
+          <p:nvPr/>
+        </p:nvSpPr>
+        <p:spPr>
+          <a:xfrm>
+            <a:off x="7642115" y="4761333"/>
+            <a:ext cx="579111" cy="215444"/>
+          </a:xfrm>
+          <a:prstGeom prst="rect">
+            <a:avLst/>
+          </a:prstGeom>
+          <a:noFill/>
+        </p:spPr>
+        <p:txBody>
+          <a:bodyPr wrap="square" rtlCol="0">
+            <a:spAutoFit/>
+          </a:bodyPr>
+          <a:lstStyle/>
+          <a:p>
+            <a:r>
+              <a:rPr lang="en-US" sz="800" dirty="0"/>
+              <a:t>Update</a:t>
+            </a:r>
+          </a:p>
+        </p:txBody>
+      </p:sp>
+      <p:sp>
+        <p:nvSpPr>
+          <p:cNvPr id="62" name="TextBox 61">
+            <a:extLst>
+              <a:ext uri="{FF2B5EF4-FFF2-40B4-BE49-F238E27FC236}">
+                <a16:creationId xmlns:a16="http://schemas.microsoft.com/office/drawing/2014/main" id="{EA8C7D9E-04C2-12F1-8BFC-54A696DA0AF3}"/>
+              </a:ext>
+            </a:extLst>
+          </p:cNvPr>
+          <p:cNvSpPr txBox="1"/>
+          <p:nvPr/>
+        </p:nvSpPr>
+        <p:spPr>
+          <a:xfrm>
+            <a:off x="6906662" y="4800442"/>
+            <a:ext cx="548628" cy="215444"/>
+          </a:xfrm>
+          <a:prstGeom prst="rect">
+            <a:avLst/>
+          </a:prstGeom>
+          <a:noFill/>
+        </p:spPr>
+        <p:txBody>
+          <a:bodyPr wrap="square" rtlCol="0">
+            <a:spAutoFit/>
+          </a:bodyPr>
+          <a:lstStyle/>
+          <a:p>
+            <a:r>
+              <a:rPr lang="en-US" sz="800" dirty="0"/>
+              <a:t>Cancel</a:t>
+            </a:r>
+          </a:p>
+        </p:txBody>
+      </p:sp>
+      <p:cxnSp>
+        <p:nvCxnSpPr>
+          <p:cNvPr id="64" name="Connector: Elbow 63">
+            <a:extLst>
+              <a:ext uri="{FF2B5EF4-FFF2-40B4-BE49-F238E27FC236}">
+                <a16:creationId xmlns:a16="http://schemas.microsoft.com/office/drawing/2014/main" id="{05DFE876-BD02-34F4-4A6E-93CD45EE9E15}"/>
+              </a:ext>
+            </a:extLst>
+          </p:cNvPr>
+          <p:cNvCxnSpPr>
+            <a:cxnSpLocks/>
+            <a:stCxn id="49" idx="2"/>
+            <a:endCxn id="43" idx="1"/>
+          </p:cNvCxnSpPr>
+          <p:nvPr/>
+        </p:nvCxnSpPr>
+        <p:spPr>
+          <a:xfrm rot="5400000" flipH="1" flipV="1">
+            <a:off x="1831527" y="4213075"/>
+            <a:ext cx="932689" cy="737109"/>
+          </a:xfrm>
+          <a:prstGeom prst="bentConnector4">
+            <a:avLst>
+              <a:gd name="adj1" fmla="val -24510"/>
+              <a:gd name="adj2" fmla="val 71709"/>
+            </a:avLst>
+          </a:prstGeom>
+          <a:ln>
+            <a:tailEnd type="triangle"/>
+          </a:ln>
+        </p:spPr>
+        <p:style>
+          <a:lnRef idx="2">
+            <a:schemeClr val="accent1"/>
+          </a:lnRef>
+          <a:fillRef idx="0">
+            <a:schemeClr val="accent1"/>
+          </a:fillRef>
+          <a:effectRef idx="1">
+            <a:schemeClr val="accent1"/>
+          </a:effectRef>
+          <a:fontRef idx="minor">
+            <a:schemeClr val="tx1"/>
+          </a:fontRef>
+        </p:style>
+      </p:cxnSp>
+      <p:cxnSp>
+        <p:nvCxnSpPr>
+          <p:cNvPr id="70" name="Connector: Elbow 69">
+            <a:extLst>
+              <a:ext uri="{FF2B5EF4-FFF2-40B4-BE49-F238E27FC236}">
+                <a16:creationId xmlns:a16="http://schemas.microsoft.com/office/drawing/2014/main" id="{DF96C483-A456-1349-D48D-56E78359247F}"/>
+              </a:ext>
+            </a:extLst>
+          </p:cNvPr>
+          <p:cNvCxnSpPr>
+            <a:cxnSpLocks/>
+            <a:stCxn id="48" idx="2"/>
+            <a:endCxn id="44" idx="1"/>
+          </p:cNvCxnSpPr>
+          <p:nvPr/>
+        </p:nvCxnSpPr>
+        <p:spPr>
+          <a:xfrm rot="5400000" flipH="1" flipV="1">
+            <a:off x="3717487" y="1970375"/>
+            <a:ext cx="876191" cy="5279007"/>
+          </a:xfrm>
+          <a:prstGeom prst="bentConnector4">
+            <a:avLst>
+              <a:gd name="adj1" fmla="val -74096"/>
+              <a:gd name="adj2" fmla="val 97201"/>
+            </a:avLst>
+          </a:prstGeom>
+          <a:ln>
+            <a:tailEnd type="triangle"/>
+          </a:ln>
+        </p:spPr>
+        <p:style>
+          <a:lnRef idx="2">
+            <a:schemeClr val="accent1"/>
+          </a:lnRef>
+          <a:fillRef idx="0">
+            <a:schemeClr val="accent1"/>
+          </a:fillRef>
+          <a:effectRef idx="1">
+            <a:schemeClr val="accent1"/>
+          </a:effectRef>
+          <a:fontRef idx="minor">
+            <a:schemeClr val="tx1"/>
+          </a:fontRef>
+        </p:style>
+      </p:cxnSp>
+      <p:cxnSp>
+        <p:nvCxnSpPr>
+          <p:cNvPr id="78" name="Connector: Elbow 77">
+            <a:extLst>
+              <a:ext uri="{FF2B5EF4-FFF2-40B4-BE49-F238E27FC236}">
+                <a16:creationId xmlns:a16="http://schemas.microsoft.com/office/drawing/2014/main" id="{6C332EA1-9561-BE6B-FB5B-5D822436D335}"/>
+              </a:ext>
+            </a:extLst>
+          </p:cNvPr>
+          <p:cNvCxnSpPr>
+            <a:cxnSpLocks/>
+            <a:stCxn id="47" idx="2"/>
+            <a:endCxn id="45" idx="1"/>
+          </p:cNvCxnSpPr>
+          <p:nvPr/>
+        </p:nvCxnSpPr>
+        <p:spPr>
+          <a:xfrm rot="5400000" flipH="1" flipV="1">
+            <a:off x="4799173" y="427224"/>
+            <a:ext cx="856312" cy="8339329"/>
+          </a:xfrm>
+          <a:prstGeom prst="bentConnector4">
+            <a:avLst>
+              <a:gd name="adj1" fmla="val -138819"/>
+              <a:gd name="adj2" fmla="val 96108"/>
+            </a:avLst>
+          </a:prstGeom>
+          <a:ln>
+            <a:tailEnd type="triangle"/>
+          </a:ln>
+        </p:spPr>
+        <p:style>
+          <a:lnRef idx="2">
+            <a:schemeClr val="accent1"/>
+          </a:lnRef>
+          <a:fillRef idx="0">
+            <a:schemeClr val="accent1"/>
+          </a:fillRef>
+          <a:effectRef idx="1">
+            <a:schemeClr val="accent1"/>
+          </a:effectRef>
+          <a:fontRef idx="minor">
+            <a:schemeClr val="tx1"/>
+          </a:fontRef>
+        </p:style>
+      </p:cxnSp>
+      <p:cxnSp>
+        <p:nvCxnSpPr>
+          <p:cNvPr id="88" name="Connector: Elbow 87">
+            <a:extLst>
+              <a:ext uri="{FF2B5EF4-FFF2-40B4-BE49-F238E27FC236}">
+                <a16:creationId xmlns:a16="http://schemas.microsoft.com/office/drawing/2014/main" id="{0A3075FD-D4B9-F325-0575-B18F9D4DB54F}"/>
+              </a:ext>
+            </a:extLst>
+          </p:cNvPr>
+          <p:cNvCxnSpPr>
+            <a:cxnSpLocks/>
+            <a:stCxn id="56" idx="2"/>
+            <a:endCxn id="44" idx="1"/>
+          </p:cNvCxnSpPr>
+          <p:nvPr/>
+        </p:nvCxnSpPr>
+        <p:spPr>
+          <a:xfrm rot="5400000" flipH="1" flipV="1">
+            <a:off x="4501394" y="2693268"/>
+            <a:ext cx="815178" cy="3772207"/>
+          </a:xfrm>
+          <a:prstGeom prst="bentConnector4">
+            <a:avLst>
+              <a:gd name="adj1" fmla="val -63938"/>
+              <a:gd name="adj2" fmla="val 95717"/>
+            </a:avLst>
+          </a:prstGeom>
+          <a:ln>
+            <a:tailEnd type="triangle"/>
+          </a:ln>
+        </p:spPr>
+        <p:style>
+          <a:lnRef idx="2">
+            <a:schemeClr val="accent1"/>
+          </a:lnRef>
+          <a:fillRef idx="0">
+            <a:schemeClr val="accent1"/>
+          </a:fillRef>
+          <a:effectRef idx="1">
+            <a:schemeClr val="accent1"/>
+          </a:effectRef>
+          <a:fontRef idx="minor">
+            <a:schemeClr val="tx1"/>
+          </a:fontRef>
+        </p:style>
+      </p:cxnSp>
+      <p:cxnSp>
+        <p:nvCxnSpPr>
+          <p:cNvPr id="94" name="Connector: Elbow 93">
+            <a:extLst>
+              <a:ext uri="{FF2B5EF4-FFF2-40B4-BE49-F238E27FC236}">
+                <a16:creationId xmlns:a16="http://schemas.microsoft.com/office/drawing/2014/main" id="{BE399972-F9BA-637D-BB70-B7B3836E1AED}"/>
+              </a:ext>
+            </a:extLst>
+          </p:cNvPr>
+          <p:cNvCxnSpPr>
+            <a:cxnSpLocks/>
+            <a:stCxn id="54" idx="2"/>
+            <a:endCxn id="46" idx="1"/>
+          </p:cNvCxnSpPr>
+          <p:nvPr/>
+        </p:nvCxnSpPr>
+        <p:spPr>
+          <a:xfrm rot="5400000" flipH="1" flipV="1">
+            <a:off x="3610946" y="3993999"/>
+            <a:ext cx="847296" cy="1196764"/>
+          </a:xfrm>
+          <a:prstGeom prst="bentConnector4">
+            <a:avLst>
+              <a:gd name="adj1" fmla="val -38851"/>
+              <a:gd name="adj2" fmla="val 59277"/>
+            </a:avLst>
+          </a:prstGeom>
+          <a:ln>
+            <a:tailEnd type="triangle"/>
+          </a:ln>
+        </p:spPr>
+        <p:style>
+          <a:lnRef idx="2">
+            <a:schemeClr val="accent1"/>
+          </a:lnRef>
+          <a:fillRef idx="0">
+            <a:schemeClr val="accent1"/>
+          </a:fillRef>
+          <a:effectRef idx="1">
+            <a:schemeClr val="accent1"/>
+          </a:effectRef>
+          <a:fontRef idx="minor">
+            <a:schemeClr val="tx1"/>
+          </a:fontRef>
+        </p:style>
+      </p:cxnSp>
+      <p:cxnSp>
+        <p:nvCxnSpPr>
+          <p:cNvPr id="107" name="Connector: Elbow 106">
+            <a:extLst>
+              <a:ext uri="{FF2B5EF4-FFF2-40B4-BE49-F238E27FC236}">
+                <a16:creationId xmlns:a16="http://schemas.microsoft.com/office/drawing/2014/main" id="{C8F992D4-89E0-1852-31E2-87A5EA51483C}"/>
+              </a:ext>
+            </a:extLst>
+          </p:cNvPr>
+          <p:cNvCxnSpPr>
+            <a:cxnSpLocks/>
+            <a:stCxn id="52" idx="2"/>
+            <a:endCxn id="43" idx="3"/>
+          </p:cNvCxnSpPr>
+          <p:nvPr/>
+        </p:nvCxnSpPr>
+        <p:spPr>
+          <a:xfrm rot="5400000" flipH="1">
+            <a:off x="4350579" y="4168475"/>
+            <a:ext cx="855712" cy="749333"/>
+          </a:xfrm>
+          <a:prstGeom prst="bentConnector4">
+            <a:avLst>
+              <a:gd name="adj1" fmla="val -40607"/>
+              <a:gd name="adj2" fmla="val 83808"/>
+            </a:avLst>
+          </a:prstGeom>
+          <a:ln>
+            <a:tailEnd type="triangle"/>
+          </a:ln>
+        </p:spPr>
+        <p:style>
+          <a:lnRef idx="2">
+            <a:schemeClr val="accent1"/>
+          </a:lnRef>
+          <a:fillRef idx="0">
+            <a:schemeClr val="accent1"/>
+          </a:fillRef>
+          <a:effectRef idx="1">
+            <a:schemeClr val="accent1"/>
+          </a:effectRef>
+          <a:fontRef idx="minor">
+            <a:schemeClr val="tx1"/>
+          </a:fontRef>
+        </p:style>
+      </p:cxnSp>
+      <p:cxnSp>
+        <p:nvCxnSpPr>
+          <p:cNvPr id="113" name="Connector: Elbow 112">
+            <a:extLst>
+              <a:ext uri="{FF2B5EF4-FFF2-40B4-BE49-F238E27FC236}">
+                <a16:creationId xmlns:a16="http://schemas.microsoft.com/office/drawing/2014/main" id="{45C8C5C3-80AD-6D0E-7117-964EF0645C89}"/>
+              </a:ext>
+            </a:extLst>
+          </p:cNvPr>
+          <p:cNvCxnSpPr>
+            <a:cxnSpLocks/>
+            <a:stCxn id="61" idx="2"/>
+            <a:endCxn id="45" idx="1"/>
+          </p:cNvCxnSpPr>
+          <p:nvPr/>
+        </p:nvCxnSpPr>
+        <p:spPr>
+          <a:xfrm rot="5400000" flipH="1" flipV="1">
+            <a:off x="8260310" y="3840093"/>
+            <a:ext cx="808044" cy="1465323"/>
+          </a:xfrm>
+          <a:prstGeom prst="bentConnector4">
+            <a:avLst>
+              <a:gd name="adj1" fmla="val -63372"/>
+              <a:gd name="adj2" fmla="val 59880"/>
+            </a:avLst>
+          </a:prstGeom>
+          <a:ln>
+            <a:tailEnd type="triangle"/>
+          </a:ln>
+        </p:spPr>
+        <p:style>
+          <a:lnRef idx="2">
+            <a:schemeClr val="accent5"/>
+          </a:lnRef>
+          <a:fillRef idx="0">
+            <a:schemeClr val="accent5"/>
+          </a:fillRef>
+          <a:effectRef idx="1">
+            <a:schemeClr val="accent5"/>
+          </a:effectRef>
+          <a:fontRef idx="minor">
+            <a:schemeClr val="tx1"/>
+          </a:fontRef>
+        </p:style>
+      </p:cxnSp>
+      <p:cxnSp>
+        <p:nvCxnSpPr>
+          <p:cNvPr id="123" name="Connector: Elbow 122">
+            <a:extLst>
+              <a:ext uri="{FF2B5EF4-FFF2-40B4-BE49-F238E27FC236}">
+                <a16:creationId xmlns:a16="http://schemas.microsoft.com/office/drawing/2014/main" id="{34A02C89-A8A4-6410-B38B-F7893A39BDA7}"/>
+              </a:ext>
+            </a:extLst>
+          </p:cNvPr>
+          <p:cNvCxnSpPr>
+            <a:cxnSpLocks/>
+            <a:stCxn id="45" idx="2"/>
+            <a:endCxn id="42" idx="1"/>
+          </p:cNvCxnSpPr>
+          <p:nvPr/>
+        </p:nvCxnSpPr>
+        <p:spPr>
+          <a:xfrm rot="5400000" flipH="1">
+            <a:off x="4844266" y="-292556"/>
+            <a:ext cx="995097" cy="9847701"/>
+          </a:xfrm>
+          <a:prstGeom prst="bentConnector4">
+            <a:avLst>
+              <a:gd name="adj1" fmla="val -144269"/>
+              <a:gd name="adj2" fmla="val 102321"/>
+            </a:avLst>
+          </a:prstGeom>
+          <a:ln>
+            <a:tailEnd type="triangle"/>
+          </a:ln>
+        </p:spPr>
+        <p:style>
+          <a:lnRef idx="2">
+            <a:schemeClr val="accent6"/>
+          </a:lnRef>
+          <a:fillRef idx="0">
+            <a:schemeClr val="accent6"/>
+          </a:fillRef>
+          <a:effectRef idx="1">
+            <a:schemeClr val="accent6"/>
           </a:effectRef>
           <a:fontRef idx="minor">
             <a:schemeClr val="tx1"/>
@@ -11598,7 +12861,7 @@
     </p:spTree>
     <p:extLst>
       <p:ext uri="{BB962C8B-B14F-4D97-AF65-F5344CB8AC3E}">
-        <p14:creationId xmlns:p14="http://schemas.microsoft.com/office/powerpoint/2010/main" val="2100467204"/>
+        <p14:creationId xmlns:p14="http://schemas.microsoft.com/office/powerpoint/2010/main" val="1917620599"/>
       </p:ext>
     </p:extLst>
   </p:cSld>
@@ -11630,6 +12893,835 @@
           <p:cNvPr id="2" name="TextBox 1">
             <a:extLst>
               <a:ext uri="{FF2B5EF4-FFF2-40B4-BE49-F238E27FC236}">
+                <a16:creationId xmlns:a16="http://schemas.microsoft.com/office/drawing/2014/main" id="{3B17EE8D-41C5-D38B-15F8-07F1C9DF19DA}"/>
+              </a:ext>
+            </a:extLst>
+          </p:cNvPr>
+          <p:cNvSpPr txBox="1"/>
+          <p:nvPr/>
+        </p:nvSpPr>
+        <p:spPr>
+          <a:xfrm>
+            <a:off x="5110690" y="193892"/>
+            <a:ext cx="1614160" cy="307777"/>
+          </a:xfrm>
+          <a:prstGeom prst="rect">
+            <a:avLst/>
+          </a:prstGeom>
+          <a:noFill/>
+        </p:spPr>
+        <p:txBody>
+          <a:bodyPr wrap="none" rtlCol="0">
+            <a:spAutoFit/>
+          </a:bodyPr>
+          <a:lstStyle/>
+          <a:p>
+            <a:r>
+              <a:rPr lang="en-US" sz="1400" dirty="0"/>
+              <a:t>Game Day Scoring</a:t>
+            </a:r>
+          </a:p>
+        </p:txBody>
+      </p:sp>
+      <p:sp>
+        <p:nvSpPr>
+          <p:cNvPr id="4" name="Rectangle 3">
+            <a:extLst>
+              <a:ext uri="{FF2B5EF4-FFF2-40B4-BE49-F238E27FC236}">
+                <a16:creationId xmlns:a16="http://schemas.microsoft.com/office/drawing/2014/main" id="{37AFC29C-C053-BEF2-B4C0-02B76C03E16A}"/>
+              </a:ext>
+            </a:extLst>
+          </p:cNvPr>
+          <p:cNvSpPr/>
+          <p:nvPr/>
+        </p:nvSpPr>
+        <p:spPr>
+          <a:xfrm>
+            <a:off x="1000346" y="3677080"/>
+            <a:ext cx="1158844" cy="1222217"/>
+          </a:xfrm>
+          <a:prstGeom prst="rect">
+            <a:avLst/>
+          </a:prstGeom>
+        </p:spPr>
+        <p:style>
+          <a:lnRef idx="2">
+            <a:schemeClr val="accent2">
+              <a:shade val="15000"/>
+            </a:schemeClr>
+          </a:lnRef>
+          <a:fillRef idx="1">
+            <a:schemeClr val="accent2"/>
+          </a:fillRef>
+          <a:effectRef idx="0">
+            <a:schemeClr val="accent2"/>
+          </a:effectRef>
+          <a:fontRef idx="minor">
+            <a:schemeClr val="lt1"/>
+          </a:fontRef>
+        </p:style>
+        <p:txBody>
+          <a:bodyPr rtlCol="0" anchor="ctr"/>
+          <a:lstStyle/>
+          <a:p>
+            <a:r>
+              <a:rPr lang="en-US" sz="1200" dirty="0" err="1">
+                <a:solidFill>
+                  <a:schemeClr val="bg1"/>
+                </a:solidFill>
+                <a:effectLst/>
+                <a:latin typeface="JetBrains Mono"/>
+              </a:rPr>
+              <a:t>FK_Rec_ID</a:t>
+            </a:r>
+            <a:endParaRPr lang="en-US" sz="1200" dirty="0">
+              <a:solidFill>
+                <a:schemeClr val="bg1"/>
+              </a:solidFill>
+              <a:effectLst/>
+              <a:latin typeface="JetBrains Mono"/>
+            </a:endParaRPr>
+          </a:p>
+          <a:p>
+            <a:r>
+              <a:rPr lang="en-US" sz="1200" dirty="0">
+                <a:solidFill>
+                  <a:schemeClr val="bg1"/>
+                </a:solidFill>
+                <a:effectLst/>
+                <a:latin typeface="JetBrains Mono"/>
+              </a:rPr>
+              <a:t>Player Record</a:t>
+            </a:r>
+          </a:p>
+          <a:p>
+            <a:r>
+              <a:rPr lang="en-US" sz="1200" dirty="0">
+                <a:solidFill>
+                  <a:schemeClr val="bg1"/>
+                </a:solidFill>
+                <a:latin typeface="JetBrains Mono"/>
+              </a:rPr>
+              <a:t>Name</a:t>
+            </a:r>
+          </a:p>
+          <a:p>
+            <a:r>
+              <a:rPr lang="en-US" sz="1200" dirty="0">
+                <a:solidFill>
+                  <a:schemeClr val="bg1"/>
+                </a:solidFill>
+                <a:effectLst/>
+                <a:latin typeface="JetBrains Mono"/>
+              </a:rPr>
+              <a:t>Hdcp</a:t>
+            </a:r>
+          </a:p>
+          <a:p>
+            <a:r>
+              <a:rPr lang="en-US" sz="1200" dirty="0">
+                <a:solidFill>
+                  <a:schemeClr val="bg1"/>
+                </a:solidFill>
+                <a:latin typeface="JetBrains Mono"/>
+              </a:rPr>
+              <a:t>Score[18]</a:t>
+            </a:r>
+            <a:endParaRPr lang="en-US" sz="1200" dirty="0">
+              <a:solidFill>
+                <a:schemeClr val="bg1"/>
+              </a:solidFill>
+              <a:effectLst/>
+              <a:latin typeface="JetBrains Mono"/>
+            </a:endParaRPr>
+          </a:p>
+        </p:txBody>
+      </p:sp>
+      <p:sp>
+        <p:nvSpPr>
+          <p:cNvPr id="5" name="Rectangle 4">
+            <a:extLst>
+              <a:ext uri="{FF2B5EF4-FFF2-40B4-BE49-F238E27FC236}">
+                <a16:creationId xmlns:a16="http://schemas.microsoft.com/office/drawing/2014/main" id="{97800004-5BEB-ABCA-5D53-A4A6A14CAA9D}"/>
+              </a:ext>
+            </a:extLst>
+          </p:cNvPr>
+          <p:cNvSpPr/>
+          <p:nvPr/>
+        </p:nvSpPr>
+        <p:spPr>
+          <a:xfrm>
+            <a:off x="2783216" y="774056"/>
+            <a:ext cx="2331992" cy="2050473"/>
+          </a:xfrm>
+          <a:prstGeom prst="rect">
+            <a:avLst/>
+          </a:prstGeom>
+        </p:spPr>
+        <p:style>
+          <a:lnRef idx="2">
+            <a:schemeClr val="accent1">
+              <a:shade val="15000"/>
+            </a:schemeClr>
+          </a:lnRef>
+          <a:fillRef idx="1">
+            <a:schemeClr val="accent1"/>
+          </a:fillRef>
+          <a:effectRef idx="0">
+            <a:schemeClr val="accent1"/>
+          </a:effectRef>
+          <a:fontRef idx="minor">
+            <a:schemeClr val="lt1"/>
+          </a:fontRef>
+        </p:style>
+        <p:txBody>
+          <a:bodyPr rtlCol="0" anchor="ctr"/>
+          <a:lstStyle/>
+          <a:p>
+            <a:pPr algn="ctr"/>
+            <a:r>
+              <a:rPr lang="en-US" sz="1200" dirty="0">
+                <a:solidFill>
+                  <a:schemeClr val="bg1"/>
+                </a:solidFill>
+                <a:effectLst/>
+                <a:latin typeface="JetBrains Mono"/>
+              </a:rPr>
+              <a:t>Score Card Record</a:t>
+            </a:r>
+          </a:p>
+          <a:p>
+            <a:r>
+              <a:rPr lang="en-US" sz="1200" dirty="0" err="1"/>
+              <a:t>Rec_Id</a:t>
+            </a:r>
+            <a:endParaRPr lang="en-US" sz="1200">
+              <a:solidFill>
+                <a:schemeClr val="bg1"/>
+              </a:solidFill>
+              <a:effectLst/>
+              <a:latin typeface="JetBrains Mono"/>
+            </a:endParaRPr>
+          </a:p>
+          <a:p>
+            <a:r>
+              <a:rPr lang="en-US" sz="1200">
+                <a:solidFill>
+                  <a:schemeClr val="bg1"/>
+                </a:solidFill>
+                <a:latin typeface="JetBrains Mono"/>
+              </a:rPr>
+              <a:t>Course </a:t>
+            </a:r>
+            <a:r>
+              <a:rPr lang="en-US" sz="1200" dirty="0">
+                <a:solidFill>
+                  <a:schemeClr val="bg1"/>
+                </a:solidFill>
+                <a:latin typeface="JetBrains Mono"/>
+              </a:rPr>
+              <a:t>Name</a:t>
+            </a:r>
+          </a:p>
+          <a:p>
+            <a:r>
+              <a:rPr lang="en-US" sz="1200" dirty="0">
+                <a:solidFill>
+                  <a:schemeClr val="bg1"/>
+                </a:solidFill>
+                <a:effectLst/>
+                <a:latin typeface="JetBrains Mono"/>
+              </a:rPr>
+              <a:t>Current Hole</a:t>
+            </a:r>
+          </a:p>
+          <a:p>
+            <a:r>
+              <a:rPr lang="en-US" sz="1200" dirty="0"/>
+              <a:t>Par – Byte[18]</a:t>
+            </a:r>
+          </a:p>
+          <a:p>
+            <a:r>
+              <a:rPr lang="en-US" sz="1200" dirty="0"/>
+              <a:t>Hdcp – Byte[18]</a:t>
+            </a:r>
+          </a:p>
+          <a:p>
+            <a:r>
+              <a:rPr lang="en-US" sz="1200" dirty="0">
+                <a:solidFill>
+                  <a:schemeClr val="bg1"/>
+                </a:solidFill>
+                <a:latin typeface="JetBrains Mono"/>
+              </a:rPr>
+              <a:t>Player Record[n] 1 to many</a:t>
+            </a:r>
+            <a:endParaRPr lang="en-US" sz="1200" dirty="0">
+              <a:solidFill>
+                <a:schemeClr val="bg1"/>
+              </a:solidFill>
+              <a:effectLst/>
+              <a:latin typeface="JetBrains Mono"/>
+            </a:endParaRPr>
+          </a:p>
+        </p:txBody>
+      </p:sp>
+      <p:cxnSp>
+        <p:nvCxnSpPr>
+          <p:cNvPr id="10" name="Connector: Elbow 9">
+            <a:extLst>
+              <a:ext uri="{FF2B5EF4-FFF2-40B4-BE49-F238E27FC236}">
+                <a16:creationId xmlns:a16="http://schemas.microsoft.com/office/drawing/2014/main" id="{769BDBAE-0028-BC58-88A5-F7F6665A7683}"/>
+              </a:ext>
+            </a:extLst>
+          </p:cNvPr>
+          <p:cNvCxnSpPr>
+            <a:cxnSpLocks/>
+            <a:stCxn id="5" idx="2"/>
+            <a:endCxn id="4" idx="0"/>
+          </p:cNvCxnSpPr>
+          <p:nvPr/>
+        </p:nvCxnSpPr>
+        <p:spPr>
+          <a:xfrm rot="5400000">
+            <a:off x="2338215" y="2066082"/>
+            <a:ext cx="852551" cy="2369444"/>
+          </a:xfrm>
+          <a:prstGeom prst="bentConnector3">
+            <a:avLst/>
+          </a:prstGeom>
+          <a:ln>
+            <a:tailEnd type="triangle"/>
+          </a:ln>
+        </p:spPr>
+        <p:style>
+          <a:lnRef idx="2">
+            <a:schemeClr val="accent1"/>
+          </a:lnRef>
+          <a:fillRef idx="0">
+            <a:schemeClr val="accent1"/>
+          </a:fillRef>
+          <a:effectRef idx="1">
+            <a:schemeClr val="accent1"/>
+          </a:effectRef>
+          <a:fontRef idx="minor">
+            <a:schemeClr val="tx1"/>
+          </a:fontRef>
+        </p:style>
+      </p:cxnSp>
+      <p:cxnSp>
+        <p:nvCxnSpPr>
+          <p:cNvPr id="13" name="Connector: Elbow 12">
+            <a:extLst>
+              <a:ext uri="{FF2B5EF4-FFF2-40B4-BE49-F238E27FC236}">
+                <a16:creationId xmlns:a16="http://schemas.microsoft.com/office/drawing/2014/main" id="{065281AC-666D-7FEE-1081-31F9CFD96AEF}"/>
+              </a:ext>
+            </a:extLst>
+          </p:cNvPr>
+          <p:cNvCxnSpPr>
+            <a:cxnSpLocks/>
+            <a:stCxn id="5" idx="2"/>
+            <a:endCxn id="31" idx="0"/>
+          </p:cNvCxnSpPr>
+          <p:nvPr/>
+        </p:nvCxnSpPr>
+        <p:spPr>
+          <a:xfrm rot="5400000">
+            <a:off x="3128510" y="2856377"/>
+            <a:ext cx="852551" cy="788855"/>
+          </a:xfrm>
+          <a:prstGeom prst="bentConnector3">
+            <a:avLst>
+              <a:gd name="adj1" fmla="val 50000"/>
+            </a:avLst>
+          </a:prstGeom>
+          <a:ln>
+            <a:tailEnd type="triangle"/>
+          </a:ln>
+        </p:spPr>
+        <p:style>
+          <a:lnRef idx="2">
+            <a:schemeClr val="accent1"/>
+          </a:lnRef>
+          <a:fillRef idx="0">
+            <a:schemeClr val="accent1"/>
+          </a:fillRef>
+          <a:effectRef idx="1">
+            <a:schemeClr val="accent1"/>
+          </a:effectRef>
+          <a:fontRef idx="minor">
+            <a:schemeClr val="tx1"/>
+          </a:fontRef>
+        </p:style>
+      </p:cxnSp>
+      <p:cxnSp>
+        <p:nvCxnSpPr>
+          <p:cNvPr id="17" name="Connector: Elbow 16">
+            <a:extLst>
+              <a:ext uri="{FF2B5EF4-FFF2-40B4-BE49-F238E27FC236}">
+                <a16:creationId xmlns:a16="http://schemas.microsoft.com/office/drawing/2014/main" id="{2CE7A5E2-DD07-4B82-46AD-FD3FF8F31A37}"/>
+              </a:ext>
+            </a:extLst>
+          </p:cNvPr>
+          <p:cNvCxnSpPr>
+            <a:cxnSpLocks/>
+            <a:stCxn id="5" idx="2"/>
+            <a:endCxn id="32" idx="0"/>
+          </p:cNvCxnSpPr>
+          <p:nvPr/>
+        </p:nvCxnSpPr>
+        <p:spPr>
+          <a:xfrm rot="16200000" flipH="1">
+            <a:off x="3918803" y="2854937"/>
+            <a:ext cx="852551" cy="791733"/>
+          </a:xfrm>
+          <a:prstGeom prst="bentConnector3">
+            <a:avLst>
+              <a:gd name="adj1" fmla="val 50000"/>
+            </a:avLst>
+          </a:prstGeom>
+          <a:ln>
+            <a:tailEnd type="triangle"/>
+          </a:ln>
+        </p:spPr>
+        <p:style>
+          <a:lnRef idx="2">
+            <a:schemeClr val="accent1"/>
+          </a:lnRef>
+          <a:fillRef idx="0">
+            <a:schemeClr val="accent1"/>
+          </a:fillRef>
+          <a:effectRef idx="1">
+            <a:schemeClr val="accent1"/>
+          </a:effectRef>
+          <a:fontRef idx="minor">
+            <a:schemeClr val="tx1"/>
+          </a:fontRef>
+        </p:style>
+      </p:cxnSp>
+      <p:sp>
+        <p:nvSpPr>
+          <p:cNvPr id="31" name="Rectangle 30">
+            <a:extLst>
+              <a:ext uri="{FF2B5EF4-FFF2-40B4-BE49-F238E27FC236}">
+                <a16:creationId xmlns:a16="http://schemas.microsoft.com/office/drawing/2014/main" id="{76F39BD0-5D2D-2495-2AC7-9D862DA0182D}"/>
+              </a:ext>
+            </a:extLst>
+          </p:cNvPr>
+          <p:cNvSpPr/>
+          <p:nvPr/>
+        </p:nvSpPr>
+        <p:spPr>
+          <a:xfrm>
+            <a:off x="2580935" y="3677080"/>
+            <a:ext cx="1158844" cy="1222217"/>
+          </a:xfrm>
+          <a:prstGeom prst="rect">
+            <a:avLst/>
+          </a:prstGeom>
+        </p:spPr>
+        <p:style>
+          <a:lnRef idx="2">
+            <a:schemeClr val="accent2">
+              <a:shade val="15000"/>
+            </a:schemeClr>
+          </a:lnRef>
+          <a:fillRef idx="1">
+            <a:schemeClr val="accent2"/>
+          </a:fillRef>
+          <a:effectRef idx="0">
+            <a:schemeClr val="accent2"/>
+          </a:effectRef>
+          <a:fontRef idx="minor">
+            <a:schemeClr val="lt1"/>
+          </a:fontRef>
+        </p:style>
+        <p:txBody>
+          <a:bodyPr rtlCol="0" anchor="ctr"/>
+          <a:lstStyle/>
+          <a:p>
+            <a:r>
+              <a:rPr lang="en-US" sz="1200" dirty="0" err="1">
+                <a:solidFill>
+                  <a:schemeClr val="bg1"/>
+                </a:solidFill>
+                <a:effectLst/>
+                <a:latin typeface="JetBrains Mono"/>
+              </a:rPr>
+              <a:t>FK_Rec_ID</a:t>
+            </a:r>
+            <a:endParaRPr lang="en-US" sz="1200" dirty="0">
+              <a:solidFill>
+                <a:schemeClr val="bg1"/>
+              </a:solidFill>
+              <a:effectLst/>
+              <a:latin typeface="JetBrains Mono"/>
+            </a:endParaRPr>
+          </a:p>
+          <a:p>
+            <a:r>
+              <a:rPr lang="en-US" sz="1200" dirty="0">
+                <a:solidFill>
+                  <a:schemeClr val="bg1"/>
+                </a:solidFill>
+                <a:effectLst/>
+                <a:latin typeface="JetBrains Mono"/>
+              </a:rPr>
+              <a:t>Player Record</a:t>
+            </a:r>
+          </a:p>
+          <a:p>
+            <a:r>
+              <a:rPr lang="en-US" sz="1200" dirty="0">
+                <a:solidFill>
+                  <a:schemeClr val="bg1"/>
+                </a:solidFill>
+                <a:latin typeface="JetBrains Mono"/>
+              </a:rPr>
+              <a:t>Name</a:t>
+            </a:r>
+          </a:p>
+          <a:p>
+            <a:r>
+              <a:rPr lang="en-US" sz="1200" dirty="0">
+                <a:solidFill>
+                  <a:schemeClr val="bg1"/>
+                </a:solidFill>
+                <a:effectLst/>
+                <a:latin typeface="JetBrains Mono"/>
+              </a:rPr>
+              <a:t>Hdcp</a:t>
+            </a:r>
+          </a:p>
+          <a:p>
+            <a:r>
+              <a:rPr lang="en-US" sz="1200" dirty="0">
+                <a:solidFill>
+                  <a:schemeClr val="bg1"/>
+                </a:solidFill>
+                <a:latin typeface="JetBrains Mono"/>
+              </a:rPr>
+              <a:t>Score[18]</a:t>
+            </a:r>
+            <a:endParaRPr lang="en-US" sz="1200" dirty="0">
+              <a:solidFill>
+                <a:schemeClr val="bg1"/>
+              </a:solidFill>
+              <a:effectLst/>
+              <a:latin typeface="JetBrains Mono"/>
+            </a:endParaRPr>
+          </a:p>
+        </p:txBody>
+      </p:sp>
+      <p:sp>
+        <p:nvSpPr>
+          <p:cNvPr id="32" name="Rectangle 31">
+            <a:extLst>
+              <a:ext uri="{FF2B5EF4-FFF2-40B4-BE49-F238E27FC236}">
+                <a16:creationId xmlns:a16="http://schemas.microsoft.com/office/drawing/2014/main" id="{411EDC83-86EE-C25F-1721-9006AFF7F062}"/>
+              </a:ext>
+            </a:extLst>
+          </p:cNvPr>
+          <p:cNvSpPr/>
+          <p:nvPr/>
+        </p:nvSpPr>
+        <p:spPr>
+          <a:xfrm>
+            <a:off x="4161523" y="3677080"/>
+            <a:ext cx="1158844" cy="1222217"/>
+          </a:xfrm>
+          <a:prstGeom prst="rect">
+            <a:avLst/>
+          </a:prstGeom>
+        </p:spPr>
+        <p:style>
+          <a:lnRef idx="2">
+            <a:schemeClr val="accent2">
+              <a:shade val="15000"/>
+            </a:schemeClr>
+          </a:lnRef>
+          <a:fillRef idx="1">
+            <a:schemeClr val="accent2"/>
+          </a:fillRef>
+          <a:effectRef idx="0">
+            <a:schemeClr val="accent2"/>
+          </a:effectRef>
+          <a:fontRef idx="minor">
+            <a:schemeClr val="lt1"/>
+          </a:fontRef>
+        </p:style>
+        <p:txBody>
+          <a:bodyPr rtlCol="0" anchor="ctr"/>
+          <a:lstStyle/>
+          <a:p>
+            <a:r>
+              <a:rPr lang="en-US" sz="1200" dirty="0" err="1">
+                <a:solidFill>
+                  <a:schemeClr val="bg1"/>
+                </a:solidFill>
+                <a:effectLst/>
+                <a:latin typeface="JetBrains Mono"/>
+              </a:rPr>
+              <a:t>FK_Rec_ID</a:t>
+            </a:r>
+            <a:endParaRPr lang="en-US" sz="1200" dirty="0">
+              <a:solidFill>
+                <a:schemeClr val="bg1"/>
+              </a:solidFill>
+              <a:effectLst/>
+              <a:latin typeface="JetBrains Mono"/>
+            </a:endParaRPr>
+          </a:p>
+          <a:p>
+            <a:r>
+              <a:rPr lang="en-US" sz="1200" dirty="0">
+                <a:solidFill>
+                  <a:schemeClr val="bg1"/>
+                </a:solidFill>
+                <a:effectLst/>
+                <a:latin typeface="JetBrains Mono"/>
+              </a:rPr>
+              <a:t>Player Record</a:t>
+            </a:r>
+          </a:p>
+          <a:p>
+            <a:r>
+              <a:rPr lang="en-US" sz="1200" dirty="0">
+                <a:solidFill>
+                  <a:schemeClr val="bg1"/>
+                </a:solidFill>
+                <a:latin typeface="JetBrains Mono"/>
+              </a:rPr>
+              <a:t>Name</a:t>
+            </a:r>
+          </a:p>
+          <a:p>
+            <a:r>
+              <a:rPr lang="en-US" sz="1200" dirty="0">
+                <a:solidFill>
+                  <a:schemeClr val="bg1"/>
+                </a:solidFill>
+                <a:effectLst/>
+                <a:latin typeface="JetBrains Mono"/>
+              </a:rPr>
+              <a:t>Hdcp</a:t>
+            </a:r>
+          </a:p>
+          <a:p>
+            <a:r>
+              <a:rPr lang="en-US" sz="1200" dirty="0">
+                <a:solidFill>
+                  <a:schemeClr val="bg1"/>
+                </a:solidFill>
+                <a:latin typeface="JetBrains Mono"/>
+              </a:rPr>
+              <a:t>Score[18]</a:t>
+            </a:r>
+            <a:endParaRPr lang="en-US" sz="1200" dirty="0">
+              <a:solidFill>
+                <a:schemeClr val="bg1"/>
+              </a:solidFill>
+              <a:effectLst/>
+              <a:latin typeface="JetBrains Mono"/>
+            </a:endParaRPr>
+          </a:p>
+        </p:txBody>
+      </p:sp>
+      <p:sp>
+        <p:nvSpPr>
+          <p:cNvPr id="37" name="Rectangle 36">
+            <a:extLst>
+              <a:ext uri="{FF2B5EF4-FFF2-40B4-BE49-F238E27FC236}">
+                <a16:creationId xmlns:a16="http://schemas.microsoft.com/office/drawing/2014/main" id="{5D1BC5CC-2A36-0373-8267-507A70C4315A}"/>
+              </a:ext>
+            </a:extLst>
+          </p:cNvPr>
+          <p:cNvSpPr/>
+          <p:nvPr/>
+        </p:nvSpPr>
+        <p:spPr>
+          <a:xfrm>
+            <a:off x="5712791" y="3677080"/>
+            <a:ext cx="1158844" cy="1222217"/>
+          </a:xfrm>
+          <a:prstGeom prst="rect">
+            <a:avLst/>
+          </a:prstGeom>
+        </p:spPr>
+        <p:style>
+          <a:lnRef idx="2">
+            <a:schemeClr val="accent2">
+              <a:shade val="15000"/>
+            </a:schemeClr>
+          </a:lnRef>
+          <a:fillRef idx="1">
+            <a:schemeClr val="accent2"/>
+          </a:fillRef>
+          <a:effectRef idx="0">
+            <a:schemeClr val="accent2"/>
+          </a:effectRef>
+          <a:fontRef idx="minor">
+            <a:schemeClr val="lt1"/>
+          </a:fontRef>
+        </p:style>
+        <p:txBody>
+          <a:bodyPr rtlCol="0" anchor="ctr"/>
+          <a:lstStyle/>
+          <a:p>
+            <a:r>
+              <a:rPr lang="en-US" sz="1200" dirty="0" err="1">
+                <a:solidFill>
+                  <a:schemeClr val="bg1"/>
+                </a:solidFill>
+                <a:effectLst/>
+                <a:latin typeface="JetBrains Mono"/>
+              </a:rPr>
+              <a:t>FK_Rec_ID</a:t>
+            </a:r>
+            <a:endParaRPr lang="en-US" sz="1200" dirty="0">
+              <a:solidFill>
+                <a:schemeClr val="bg1"/>
+              </a:solidFill>
+              <a:effectLst/>
+              <a:latin typeface="JetBrains Mono"/>
+            </a:endParaRPr>
+          </a:p>
+          <a:p>
+            <a:r>
+              <a:rPr lang="en-US" sz="1200" dirty="0">
+                <a:solidFill>
+                  <a:schemeClr val="bg1"/>
+                </a:solidFill>
+                <a:effectLst/>
+                <a:latin typeface="JetBrains Mono"/>
+              </a:rPr>
+              <a:t>Player Record</a:t>
+            </a:r>
+          </a:p>
+          <a:p>
+            <a:r>
+              <a:rPr lang="en-US" sz="1200" dirty="0">
+                <a:solidFill>
+                  <a:schemeClr val="bg1"/>
+                </a:solidFill>
+                <a:latin typeface="JetBrains Mono"/>
+              </a:rPr>
+              <a:t>Name</a:t>
+            </a:r>
+          </a:p>
+          <a:p>
+            <a:r>
+              <a:rPr lang="en-US" sz="1200" dirty="0">
+                <a:solidFill>
+                  <a:schemeClr val="bg1"/>
+                </a:solidFill>
+                <a:effectLst/>
+                <a:latin typeface="JetBrains Mono"/>
+              </a:rPr>
+              <a:t>Hdcp</a:t>
+            </a:r>
+          </a:p>
+          <a:p>
+            <a:r>
+              <a:rPr lang="en-US" sz="1200" dirty="0">
+                <a:solidFill>
+                  <a:schemeClr val="bg1"/>
+                </a:solidFill>
+                <a:latin typeface="JetBrains Mono"/>
+              </a:rPr>
+              <a:t>Score[18]</a:t>
+            </a:r>
+            <a:endParaRPr lang="en-US" sz="1200" dirty="0">
+              <a:solidFill>
+                <a:schemeClr val="bg1"/>
+              </a:solidFill>
+              <a:effectLst/>
+              <a:latin typeface="JetBrains Mono"/>
+            </a:endParaRPr>
+          </a:p>
+        </p:txBody>
+      </p:sp>
+      <p:cxnSp>
+        <p:nvCxnSpPr>
+          <p:cNvPr id="39" name="Connector: Elbow 38">
+            <a:extLst>
+              <a:ext uri="{FF2B5EF4-FFF2-40B4-BE49-F238E27FC236}">
+                <a16:creationId xmlns:a16="http://schemas.microsoft.com/office/drawing/2014/main" id="{A2D0AF89-932D-205F-76C3-DDB93CCF66DB}"/>
+              </a:ext>
+            </a:extLst>
+          </p:cNvPr>
+          <p:cNvCxnSpPr>
+            <a:cxnSpLocks/>
+            <a:stCxn id="5" idx="2"/>
+            <a:endCxn id="37" idx="0"/>
+          </p:cNvCxnSpPr>
+          <p:nvPr/>
+        </p:nvCxnSpPr>
+        <p:spPr>
+          <a:xfrm rot="16200000" flipH="1">
+            <a:off x="4694437" y="2079303"/>
+            <a:ext cx="852551" cy="2343001"/>
+          </a:xfrm>
+          <a:prstGeom prst="bentConnector3">
+            <a:avLst>
+              <a:gd name="adj1" fmla="val 50000"/>
+            </a:avLst>
+          </a:prstGeom>
+          <a:ln>
+            <a:tailEnd type="triangle"/>
+          </a:ln>
+        </p:spPr>
+        <p:style>
+          <a:lnRef idx="2">
+            <a:schemeClr val="accent1"/>
+          </a:lnRef>
+          <a:fillRef idx="0">
+            <a:schemeClr val="accent1"/>
+          </a:fillRef>
+          <a:effectRef idx="1">
+            <a:schemeClr val="accent1"/>
+          </a:effectRef>
+          <a:fontRef idx="minor">
+            <a:schemeClr val="tx1"/>
+          </a:fontRef>
+        </p:style>
+      </p:cxnSp>
+    </p:spTree>
+    <p:extLst>
+      <p:ext uri="{BB962C8B-B14F-4D97-AF65-F5344CB8AC3E}">
+        <p14:creationId xmlns:p14="http://schemas.microsoft.com/office/powerpoint/2010/main" val="2100467204"/>
+      </p:ext>
+    </p:extLst>
+  </p:cSld>
+  <p:clrMapOvr>
+    <a:masterClrMapping/>
+  </p:clrMapOvr>
+</p:sld>
+</file>
+
+<file path=ppt/slides/slide15.xml><?xml version="1.0" encoding="utf-8"?>
+<p:sld xmlns:a="http://schemas.openxmlformats.org/drawingml/2006/main" xmlns:r="http://schemas.openxmlformats.org/officeDocument/2006/relationships" xmlns:p="http://schemas.openxmlformats.org/presentationml/2006/main">
+  <p:cSld>
+    <p:spTree>
+      <p:nvGrpSpPr>
+        <p:cNvPr id="1" name=""/>
+        <p:cNvGrpSpPr/>
+        <p:nvPr/>
+      </p:nvGrpSpPr>
+      <p:grpSpPr>
+        <a:xfrm>
+          <a:off x="0" y="0"/>
+          <a:ext cx="0" cy="0"/>
+          <a:chOff x="0" y="0"/>
+          <a:chExt cx="0" cy="0"/>
+        </a:xfrm>
+      </p:grpSpPr>
+      <p:sp>
+        <p:nvSpPr>
+          <p:cNvPr id="2" name="TextBox 1">
+            <a:extLst>
+              <a:ext uri="{FF2B5EF4-FFF2-40B4-BE49-F238E27FC236}">
                 <a16:creationId xmlns:a16="http://schemas.microsoft.com/office/drawing/2014/main" id="{1B5C00F4-BC4B-646F-477A-5400020993D9}"/>
               </a:ext>
             </a:extLst>
@@ -12467,7 +14559,7 @@
 </p:sld>
 </file>
 
-<file path=ppt/slides/slide15.xml><?xml version="1.0" encoding="utf-8"?>
+<file path=ppt/slides/slide16.xml><?xml version="1.0" encoding="utf-8"?>
 <p:sld xmlns:a="http://schemas.openxmlformats.org/drawingml/2006/main" xmlns:r="http://schemas.openxmlformats.org/officeDocument/2006/relationships" xmlns:p="http://schemas.openxmlformats.org/presentationml/2006/main">
   <p:cSld>
     <p:spTree>
@@ -15335,6 +17427,9 @@
           <a:prstGeom prst="roundRect">
             <a:avLst/>
           </a:prstGeom>
+          <a:solidFill>
+            <a:schemeClr val="accent5"/>
+          </a:solidFill>
         </p:spPr>
         <p:style>
           <a:lnRef idx="2">
@@ -16378,6 +18473,9 @@
           <a:prstGeom prst="roundRect">
             <a:avLst/>
           </a:prstGeom>
+          <a:solidFill>
+            <a:schemeClr val="accent2"/>
+          </a:solidFill>
         </p:spPr>
         <p:style>
           <a:lnRef idx="2">
@@ -16427,6 +18525,9 @@
           <a:prstGeom prst="roundRect">
             <a:avLst/>
           </a:prstGeom>
+          <a:solidFill>
+            <a:schemeClr val="accent2"/>
+          </a:solidFill>
         </p:spPr>
         <p:style>
           <a:lnRef idx="2">
@@ -16476,6 +18577,9 @@
           <a:prstGeom prst="roundRect">
             <a:avLst/>
           </a:prstGeom>
+          <a:solidFill>
+            <a:schemeClr val="accent2"/>
+          </a:solidFill>
         </p:spPr>
         <p:style>
           <a:lnRef idx="2">

--- a/Documentation/TeamScoreLayout.pptx
+++ b/Documentation/TeamScoreLayout.pptx
@@ -21,6 +21,7 @@
     <p:sldId id="264" r:id="rId15"/>
     <p:sldId id="260" r:id="rId16"/>
     <p:sldId id="259" r:id="rId17"/>
+    <p:sldId id="275" r:id="rId18"/>
   </p:sldIdLst>
   <p:sldSz cx="12192000" cy="6858000"/>
   <p:notesSz cx="6858000" cy="9144000"/>
@@ -841,7 +842,7 @@
           <a:p>
             <a:fld id="{955A69D3-FF78-44E1-BB41-3D13FA416A59}" type="datetimeFigureOut">
               <a:rPr lang="en-US" smtClean="0"/>
-              <a:t>Sunday,Apr/28/24</a:t>
+              <a:t>05/06/24</a:t>
             </a:fld>
             <a:endParaRPr lang="en-US"/>
           </a:p>
@@ -1039,7 +1040,7 @@
           <a:p>
             <a:fld id="{955A69D3-FF78-44E1-BB41-3D13FA416A59}" type="datetimeFigureOut">
               <a:rPr lang="en-US" smtClean="0"/>
-              <a:t>Sunday,Apr/28/24</a:t>
+              <a:t>05/06/24</a:t>
             </a:fld>
             <a:endParaRPr lang="en-US"/>
           </a:p>
@@ -1247,7 +1248,7 @@
           <a:p>
             <a:fld id="{955A69D3-FF78-44E1-BB41-3D13FA416A59}" type="datetimeFigureOut">
               <a:rPr lang="en-US" smtClean="0"/>
-              <a:t>Sunday,Apr/28/24</a:t>
+              <a:t>05/06/24</a:t>
             </a:fld>
             <a:endParaRPr lang="en-US"/>
           </a:p>
@@ -1445,7 +1446,7 @@
           <a:p>
             <a:fld id="{955A69D3-FF78-44E1-BB41-3D13FA416A59}" type="datetimeFigureOut">
               <a:rPr lang="en-US" smtClean="0"/>
-              <a:t>Sunday,Apr/28/24</a:t>
+              <a:t>05/06/24</a:t>
             </a:fld>
             <a:endParaRPr lang="en-US"/>
           </a:p>
@@ -1720,7 +1721,7 @@
           <a:p>
             <a:fld id="{955A69D3-FF78-44E1-BB41-3D13FA416A59}" type="datetimeFigureOut">
               <a:rPr lang="en-US" smtClean="0"/>
-              <a:t>Sunday,Apr/28/24</a:t>
+              <a:t>05/06/24</a:t>
             </a:fld>
             <a:endParaRPr lang="en-US"/>
           </a:p>
@@ -1985,7 +1986,7 @@
           <a:p>
             <a:fld id="{955A69D3-FF78-44E1-BB41-3D13FA416A59}" type="datetimeFigureOut">
               <a:rPr lang="en-US" smtClean="0"/>
-              <a:t>Sunday,Apr/28/24</a:t>
+              <a:t>05/06/24</a:t>
             </a:fld>
             <a:endParaRPr lang="en-US"/>
           </a:p>
@@ -2397,7 +2398,7 @@
           <a:p>
             <a:fld id="{955A69D3-FF78-44E1-BB41-3D13FA416A59}" type="datetimeFigureOut">
               <a:rPr lang="en-US" smtClean="0"/>
-              <a:t>Sunday,Apr/28/24</a:t>
+              <a:t>05/06/24</a:t>
             </a:fld>
             <a:endParaRPr lang="en-US"/>
           </a:p>
@@ -2538,7 +2539,7 @@
           <a:p>
             <a:fld id="{955A69D3-FF78-44E1-BB41-3D13FA416A59}" type="datetimeFigureOut">
               <a:rPr lang="en-US" smtClean="0"/>
-              <a:t>Sunday,Apr/28/24</a:t>
+              <a:t>05/06/24</a:t>
             </a:fld>
             <a:endParaRPr lang="en-US"/>
           </a:p>
@@ -2651,7 +2652,7 @@
           <a:p>
             <a:fld id="{955A69D3-FF78-44E1-BB41-3D13FA416A59}" type="datetimeFigureOut">
               <a:rPr lang="en-US" smtClean="0"/>
-              <a:t>Sunday,Apr/28/24</a:t>
+              <a:t>05/06/24</a:t>
             </a:fld>
             <a:endParaRPr lang="en-US"/>
           </a:p>
@@ -2962,7 +2963,7 @@
           <a:p>
             <a:fld id="{955A69D3-FF78-44E1-BB41-3D13FA416A59}" type="datetimeFigureOut">
               <a:rPr lang="en-US" smtClean="0"/>
-              <a:t>Sunday,Apr/28/24</a:t>
+              <a:t>05/06/24</a:t>
             </a:fld>
             <a:endParaRPr lang="en-US"/>
           </a:p>
@@ -3250,7 +3251,7 @@
           <a:p>
             <a:fld id="{955A69D3-FF78-44E1-BB41-3D13FA416A59}" type="datetimeFigureOut">
               <a:rPr lang="en-US" smtClean="0"/>
-              <a:t>Sunday,Apr/28/24</a:t>
+              <a:t>05/06/24</a:t>
             </a:fld>
             <a:endParaRPr lang="en-US"/>
           </a:p>
@@ -3491,7 +3492,7 @@
           <a:p>
             <a:fld id="{955A69D3-FF78-44E1-BB41-3D13FA416A59}" type="datetimeFigureOut">
               <a:rPr lang="en-US" smtClean="0"/>
-              <a:t>Sunday,Apr/28/24</a:t>
+              <a:t>05/06/24</a:t>
             </a:fld>
             <a:endParaRPr lang="en-US"/>
           </a:p>
@@ -6938,7 +6939,7 @@
         </p:nvCxnSpPr>
         <p:spPr>
           <a:xfrm>
-            <a:off x="4312939" y="6172170"/>
+            <a:off x="5472767" y="3729240"/>
             <a:ext cx="1965939" cy="0"/>
           </a:xfrm>
           <a:prstGeom prst="line">
@@ -6976,7 +6977,7 @@
         </p:nvCxnSpPr>
         <p:spPr>
           <a:xfrm flipV="1">
-            <a:off x="4312939" y="5768258"/>
+            <a:off x="5472767" y="3325328"/>
             <a:ext cx="1965939" cy="15297"/>
           </a:xfrm>
           <a:prstGeom prst="line">
@@ -7014,7 +7015,7 @@
         </p:nvCxnSpPr>
         <p:spPr>
           <a:xfrm>
-            <a:off x="4312939" y="5394939"/>
+            <a:off x="5472767" y="2952009"/>
             <a:ext cx="1965939" cy="17540"/>
           </a:xfrm>
           <a:prstGeom prst="line">
@@ -7052,7 +7053,7 @@
         </p:nvCxnSpPr>
         <p:spPr>
           <a:xfrm>
-            <a:off x="4312939" y="5006323"/>
+            <a:off x="5472767" y="2563393"/>
             <a:ext cx="1965939" cy="6159"/>
           </a:xfrm>
           <a:prstGeom prst="line">
@@ -7090,7 +7091,7 @@
         </p:nvCxnSpPr>
         <p:spPr>
           <a:xfrm>
-            <a:off x="4312939" y="4617707"/>
+            <a:off x="5472767" y="2174777"/>
             <a:ext cx="1965939" cy="9063"/>
           </a:xfrm>
           <a:prstGeom prst="line">
@@ -7126,7 +7127,7 @@
         </p:nvCxnSpPr>
         <p:spPr>
           <a:xfrm>
-            <a:off x="4312939" y="4617707"/>
+            <a:off x="5472767" y="2174777"/>
             <a:ext cx="0" cy="1554463"/>
           </a:xfrm>
           <a:prstGeom prst="line">
@@ -7157,13 +7158,15 @@
               </a:ext>
             </a:extLst>
           </p:cNvPr>
-          <p:cNvCxnSpPr/>
+          <p:cNvCxnSpPr>
+            <a:cxnSpLocks/>
+          </p:cNvCxnSpPr>
           <p:nvPr/>
         </p:nvCxnSpPr>
         <p:spPr>
           <a:xfrm>
-            <a:off x="4968252" y="4617707"/>
-            <a:ext cx="0" cy="1554463"/>
+            <a:off x="6128080" y="2174777"/>
+            <a:ext cx="0" cy="1165848"/>
           </a:xfrm>
           <a:prstGeom prst="line">
             <a:avLst/>
@@ -7200,7 +7203,7 @@
         </p:nvCxnSpPr>
         <p:spPr>
           <a:xfrm>
-            <a:off x="6278878" y="4617706"/>
+            <a:off x="7438706" y="2174776"/>
             <a:ext cx="0" cy="1554463"/>
           </a:xfrm>
           <a:prstGeom prst="line">
@@ -7231,13 +7234,15 @@
               </a:ext>
             </a:extLst>
           </p:cNvPr>
-          <p:cNvCxnSpPr/>
+          <p:cNvCxnSpPr>
+            <a:cxnSpLocks/>
+          </p:cNvCxnSpPr>
           <p:nvPr/>
         </p:nvCxnSpPr>
         <p:spPr>
           <a:xfrm>
-            <a:off x="5623565" y="4617707"/>
-            <a:ext cx="0" cy="1554463"/>
+            <a:off x="6783393" y="2174777"/>
+            <a:ext cx="0" cy="1138920"/>
           </a:xfrm>
           <a:prstGeom prst="line">
             <a:avLst/>
@@ -7272,7 +7277,7 @@
         </p:nvSpPr>
         <p:spPr>
           <a:xfrm>
-            <a:off x="4502948" y="4627348"/>
+            <a:off x="5662776" y="2184418"/>
             <a:ext cx="312906" cy="369332"/>
           </a:xfrm>
           <a:prstGeom prst="rect">
@@ -7307,7 +7312,7 @@
         </p:nvSpPr>
         <p:spPr>
           <a:xfrm>
-            <a:off x="5146585" y="4637247"/>
+            <a:off x="6306413" y="2194317"/>
             <a:ext cx="312906" cy="369332"/>
           </a:xfrm>
           <a:prstGeom prst="rect">
@@ -7342,7 +7347,7 @@
         </p:nvSpPr>
         <p:spPr>
           <a:xfrm>
-            <a:off x="5748272" y="4661640"/>
+            <a:off x="6908100" y="2218710"/>
             <a:ext cx="312906" cy="369332"/>
           </a:xfrm>
           <a:prstGeom prst="rect">
@@ -7377,7 +7382,7 @@
         </p:nvSpPr>
         <p:spPr>
           <a:xfrm>
-            <a:off x="4502947" y="4981675"/>
+            <a:off x="5662775" y="2538745"/>
             <a:ext cx="312906" cy="369332"/>
           </a:xfrm>
           <a:prstGeom prst="rect">
@@ -7412,7 +7417,7 @@
         </p:nvSpPr>
         <p:spPr>
           <a:xfrm>
-            <a:off x="5154207" y="5008323"/>
+            <a:off x="6314035" y="2565393"/>
             <a:ext cx="312906" cy="369332"/>
           </a:xfrm>
           <a:prstGeom prst="rect">
@@ -7447,7 +7452,7 @@
         </p:nvSpPr>
         <p:spPr>
           <a:xfrm>
-            <a:off x="5748272" y="5019382"/>
+            <a:off x="6908100" y="2576452"/>
             <a:ext cx="312906" cy="369332"/>
           </a:xfrm>
           <a:prstGeom prst="rect">
@@ -7482,7 +7487,7 @@
         </p:nvSpPr>
         <p:spPr>
           <a:xfrm>
-            <a:off x="4484143" y="5403946"/>
+            <a:off x="5643971" y="2961016"/>
             <a:ext cx="312906" cy="369332"/>
           </a:xfrm>
           <a:prstGeom prst="rect">
@@ -7517,7 +7522,7 @@
         </p:nvSpPr>
         <p:spPr>
           <a:xfrm>
-            <a:off x="5132327" y="5387295"/>
+            <a:off x="6292155" y="2944365"/>
             <a:ext cx="312906" cy="369332"/>
           </a:xfrm>
           <a:prstGeom prst="rect">
@@ -7552,7 +7557,7 @@
         </p:nvSpPr>
         <p:spPr>
           <a:xfrm>
-            <a:off x="5756670" y="5398926"/>
+            <a:off x="6916498" y="2955996"/>
             <a:ext cx="312906" cy="369332"/>
           </a:xfrm>
           <a:prstGeom prst="rect">
@@ -7587,7 +7592,7 @@
         </p:nvSpPr>
         <p:spPr>
           <a:xfrm>
-            <a:off x="3765961" y="1919791"/>
+            <a:off x="389775" y="1783589"/>
             <a:ext cx="1749269" cy="365756"/>
           </a:xfrm>
           <a:prstGeom prst="rect">
@@ -7636,7 +7641,7 @@
         </p:nvSpPr>
         <p:spPr>
           <a:xfrm>
-            <a:off x="3765961" y="2550493"/>
+            <a:off x="389775" y="2414291"/>
             <a:ext cx="1749269" cy="365756"/>
           </a:xfrm>
           <a:prstGeom prst="rect">
@@ -7685,7 +7690,7 @@
         </p:nvSpPr>
         <p:spPr>
           <a:xfrm>
-            <a:off x="3765961" y="3167939"/>
+            <a:off x="389775" y="3031737"/>
             <a:ext cx="1749269" cy="365756"/>
           </a:xfrm>
           <a:prstGeom prst="rect">
@@ -7734,7 +7739,7 @@
         </p:nvSpPr>
         <p:spPr>
           <a:xfrm>
-            <a:off x="3765961" y="3785385"/>
+            <a:off x="389775" y="3649183"/>
             <a:ext cx="1749269" cy="365756"/>
           </a:xfrm>
           <a:prstGeom prst="rect">
@@ -7783,7 +7788,7 @@
         </p:nvSpPr>
         <p:spPr>
           <a:xfrm>
-            <a:off x="5747402" y="1942418"/>
+            <a:off x="2371216" y="1806216"/>
             <a:ext cx="731512" cy="365756"/>
           </a:xfrm>
           <a:prstGeom prst="roundRect">
@@ -7832,7 +7837,7 @@
         </p:nvSpPr>
         <p:spPr>
           <a:xfrm>
-            <a:off x="5730244" y="2559864"/>
+            <a:off x="2354058" y="2423662"/>
             <a:ext cx="731512" cy="365756"/>
           </a:xfrm>
           <a:prstGeom prst="roundRect">
@@ -7881,7 +7886,7 @@
         </p:nvSpPr>
         <p:spPr>
           <a:xfrm>
-            <a:off x="5730244" y="3177310"/>
+            <a:off x="2354058" y="3041108"/>
             <a:ext cx="731512" cy="365756"/>
           </a:xfrm>
           <a:prstGeom prst="roundRect">
@@ -7930,7 +7935,7 @@
         </p:nvSpPr>
         <p:spPr>
           <a:xfrm>
-            <a:off x="5730244" y="3794756"/>
+            <a:off x="2354058" y="3658554"/>
             <a:ext cx="731512" cy="365756"/>
           </a:xfrm>
           <a:prstGeom prst="roundRect">
@@ -7979,8 +7984,8 @@
         </p:nvSpPr>
         <p:spPr>
           <a:xfrm>
-            <a:off x="5015421" y="5829019"/>
-            <a:ext cx="526106" cy="276999"/>
+            <a:off x="6631421" y="3369504"/>
+            <a:ext cx="553357" cy="276999"/>
           </a:xfrm>
           <a:prstGeom prst="rect">
             <a:avLst/>
@@ -7995,7 +8000,7 @@
           <a:p>
             <a:r>
               <a:rPr lang="en-US" sz="1200" dirty="0"/>
-              <a:t>Save</a:t>
+              <a:t>Done</a:t>
             </a:r>
           </a:p>
         </p:txBody>
@@ -8014,7 +8019,7 @@
         </p:nvSpPr>
         <p:spPr>
           <a:xfrm>
-            <a:off x="4295184" y="5833616"/>
+            <a:off x="5821309" y="3357629"/>
             <a:ext cx="574196" cy="276999"/>
           </a:xfrm>
           <a:prstGeom prst="rect">
@@ -8049,8 +8054,8 @@
         </p:nvSpPr>
         <p:spPr>
           <a:xfrm>
-            <a:off x="3801448" y="989770"/>
-            <a:ext cx="1365486" cy="365290"/>
+            <a:off x="389775" y="1052064"/>
+            <a:ext cx="2322982" cy="365290"/>
           </a:xfrm>
           <a:prstGeom prst="rect">
             <a:avLst/>
@@ -8079,7 +8084,7 @@
             <a:pPr algn="ctr"/>
             <a:r>
               <a:rPr lang="en-US" sz="1200" dirty="0"/>
-              <a:t>Current Hole  #</a:t>
+              <a:t>Current Hole  #   Hdcp  #</a:t>
             </a:r>
           </a:p>
         </p:txBody>
@@ -8098,7 +8103,7 @@
         </p:nvSpPr>
         <p:spPr>
           <a:xfrm>
-            <a:off x="5083114" y="452699"/>
+            <a:off x="1706928" y="316497"/>
             <a:ext cx="1446230" cy="369332"/>
           </a:xfrm>
           <a:prstGeom prst="rect">
@@ -8121,41 +8126,6 @@
       </p:sp>
       <p:sp>
         <p:nvSpPr>
-          <p:cNvPr id="49" name="TextBox 48">
-            <a:extLst>
-              <a:ext uri="{FF2B5EF4-FFF2-40B4-BE49-F238E27FC236}">
-                <a16:creationId xmlns:a16="http://schemas.microsoft.com/office/drawing/2014/main" id="{A1935A63-E271-6928-78FE-F5A5A45E1FAA}"/>
-              </a:ext>
-            </a:extLst>
-          </p:cNvPr>
-          <p:cNvSpPr txBox="1"/>
-          <p:nvPr/>
-        </p:nvSpPr>
-        <p:spPr>
-          <a:xfrm>
-            <a:off x="5623564" y="5833616"/>
-            <a:ext cx="540533" cy="276999"/>
-          </a:xfrm>
-          <a:prstGeom prst="rect">
-            <a:avLst/>
-          </a:prstGeom>
-          <a:noFill/>
-        </p:spPr>
-        <p:txBody>
-          <a:bodyPr wrap="none" rtlCol="0">
-            <a:spAutoFit/>
-          </a:bodyPr>
-          <a:lstStyle/>
-          <a:p>
-            <a:r>
-              <a:rPr lang="en-US" sz="1200" dirty="0"/>
-              <a:t>Back</a:t>
-            </a:r>
-          </a:p>
-        </p:txBody>
-      </p:sp>
-      <p:sp>
-        <p:nvSpPr>
           <p:cNvPr id="59" name="Rectangle 58">
             <a:extLst>
               <a:ext uri="{FF2B5EF4-FFF2-40B4-BE49-F238E27FC236}">
@@ -8275,7 +8245,7 @@
         </p:nvGrpSpPr>
         <p:grpSpPr>
           <a:xfrm>
-            <a:off x="6641879" y="2594893"/>
+            <a:off x="3265693" y="2458691"/>
             <a:ext cx="1102778" cy="281563"/>
             <a:chOff x="1249733" y="1143025"/>
             <a:chExt cx="1102778" cy="281563"/>
@@ -8394,7 +8364,7 @@
         </p:nvGrpSpPr>
         <p:grpSpPr>
           <a:xfrm>
-            <a:off x="6641879" y="1989670"/>
+            <a:off x="3265693" y="1853468"/>
             <a:ext cx="1102778" cy="281563"/>
             <a:chOff x="1249733" y="1143025"/>
             <a:chExt cx="1102778" cy="281563"/>
@@ -8513,7 +8483,7 @@
         </p:nvGrpSpPr>
         <p:grpSpPr>
           <a:xfrm>
-            <a:off x="6580427" y="3238118"/>
+            <a:off x="3204241" y="3101916"/>
             <a:ext cx="1164230" cy="274317"/>
             <a:chOff x="1188281" y="1150271"/>
             <a:chExt cx="1164230" cy="274317"/>
@@ -8632,7 +8602,7 @@
         </p:nvGrpSpPr>
         <p:grpSpPr>
           <a:xfrm>
-            <a:off x="6641879" y="3841351"/>
+            <a:off x="3265693" y="3705149"/>
             <a:ext cx="1102778" cy="281563"/>
             <a:chOff x="1249733" y="1143025"/>
             <a:chExt cx="1102778" cy="281563"/>
@@ -8751,8 +8721,8 @@
         </p:nvSpPr>
         <p:spPr>
           <a:xfrm>
-            <a:off x="5651687" y="999465"/>
-            <a:ext cx="731512" cy="373911"/>
+            <a:off x="4479345" y="1860714"/>
+            <a:ext cx="528695" cy="279762"/>
           </a:xfrm>
           <a:prstGeom prst="roundRect">
             <a:avLst/>
@@ -8780,7 +8750,154 @@
           <a:p>
             <a:pPr algn="ctr"/>
             <a:r>
-              <a:rPr lang="en-US" sz="1200" dirty="0"/>
+              <a:rPr lang="en-US" sz="900" dirty="0"/>
+              <a:t>Junk</a:t>
+            </a:r>
+          </a:p>
+        </p:txBody>
+      </p:sp>
+      <p:sp>
+        <p:nvSpPr>
+          <p:cNvPr id="3" name="Rectangle: Rounded Corners 2">
+            <a:extLst>
+              <a:ext uri="{FF2B5EF4-FFF2-40B4-BE49-F238E27FC236}">
+                <a16:creationId xmlns:a16="http://schemas.microsoft.com/office/drawing/2014/main" id="{B7B12816-91BE-FE7B-D21F-87709BE2CC72}"/>
+              </a:ext>
+            </a:extLst>
+          </p:cNvPr>
+          <p:cNvSpPr/>
+          <p:nvPr/>
+        </p:nvSpPr>
+        <p:spPr>
+          <a:xfrm>
+            <a:off x="4495088" y="2470297"/>
+            <a:ext cx="528695" cy="279762"/>
+          </a:xfrm>
+          <a:prstGeom prst="roundRect">
+            <a:avLst/>
+          </a:prstGeom>
+        </p:spPr>
+        <p:style>
+          <a:lnRef idx="2">
+            <a:schemeClr val="accent1">
+              <a:shade val="15000"/>
+            </a:schemeClr>
+          </a:lnRef>
+          <a:fillRef idx="1">
+            <a:schemeClr val="accent1"/>
+          </a:fillRef>
+          <a:effectRef idx="0">
+            <a:schemeClr val="accent1"/>
+          </a:effectRef>
+          <a:fontRef idx="minor">
+            <a:schemeClr val="lt1"/>
+          </a:fontRef>
+        </p:style>
+        <p:txBody>
+          <a:bodyPr rtlCol="0" anchor="ctr"/>
+          <a:lstStyle/>
+          <a:p>
+            <a:pPr algn="ctr"/>
+            <a:r>
+              <a:rPr lang="en-US" sz="900" dirty="0"/>
+              <a:t>Junk</a:t>
+            </a:r>
+          </a:p>
+        </p:txBody>
+      </p:sp>
+      <p:sp>
+        <p:nvSpPr>
+          <p:cNvPr id="30" name="Rectangle: Rounded Corners 29">
+            <a:extLst>
+              <a:ext uri="{FF2B5EF4-FFF2-40B4-BE49-F238E27FC236}">
+                <a16:creationId xmlns:a16="http://schemas.microsoft.com/office/drawing/2014/main" id="{25EEB24F-15A0-631F-B9A7-3FB77F12DD96}"/>
+              </a:ext>
+            </a:extLst>
+          </p:cNvPr>
+          <p:cNvSpPr/>
+          <p:nvPr/>
+        </p:nvSpPr>
+        <p:spPr>
+          <a:xfrm>
+            <a:off x="4501384" y="3114144"/>
+            <a:ext cx="528695" cy="279762"/>
+          </a:xfrm>
+          <a:prstGeom prst="roundRect">
+            <a:avLst/>
+          </a:prstGeom>
+        </p:spPr>
+        <p:style>
+          <a:lnRef idx="2">
+            <a:schemeClr val="accent1">
+              <a:shade val="15000"/>
+            </a:schemeClr>
+          </a:lnRef>
+          <a:fillRef idx="1">
+            <a:schemeClr val="accent1"/>
+          </a:fillRef>
+          <a:effectRef idx="0">
+            <a:schemeClr val="accent1"/>
+          </a:effectRef>
+          <a:fontRef idx="minor">
+            <a:schemeClr val="lt1"/>
+          </a:fontRef>
+        </p:style>
+        <p:txBody>
+          <a:bodyPr rtlCol="0" anchor="ctr"/>
+          <a:lstStyle/>
+          <a:p>
+            <a:pPr algn="ctr"/>
+            <a:r>
+              <a:rPr lang="en-US" sz="900" dirty="0"/>
+              <a:t>Junk</a:t>
+            </a:r>
+          </a:p>
+        </p:txBody>
+      </p:sp>
+      <p:sp>
+        <p:nvSpPr>
+          <p:cNvPr id="47" name="Rectangle: Rounded Corners 46">
+            <a:extLst>
+              <a:ext uri="{FF2B5EF4-FFF2-40B4-BE49-F238E27FC236}">
+                <a16:creationId xmlns:a16="http://schemas.microsoft.com/office/drawing/2014/main" id="{6CB1815C-CE57-4DD8-4DE0-779C73E46001}"/>
+              </a:ext>
+            </a:extLst>
+          </p:cNvPr>
+          <p:cNvSpPr/>
+          <p:nvPr/>
+        </p:nvSpPr>
+        <p:spPr>
+          <a:xfrm>
+            <a:off x="4450509" y="3723011"/>
+            <a:ext cx="528695" cy="279762"/>
+          </a:xfrm>
+          <a:prstGeom prst="roundRect">
+            <a:avLst/>
+          </a:prstGeom>
+        </p:spPr>
+        <p:style>
+          <a:lnRef idx="2">
+            <a:schemeClr val="accent1">
+              <a:shade val="15000"/>
+            </a:schemeClr>
+          </a:lnRef>
+          <a:fillRef idx="1">
+            <a:schemeClr val="accent1"/>
+          </a:fillRef>
+          <a:effectRef idx="0">
+            <a:schemeClr val="accent1"/>
+          </a:effectRef>
+          <a:fontRef idx="minor">
+            <a:schemeClr val="lt1"/>
+          </a:fontRef>
+        </p:style>
+        <p:txBody>
+          <a:bodyPr rtlCol="0" anchor="ctr"/>
+          <a:lstStyle/>
+          <a:p>
+            <a:pPr algn="ctr"/>
+            <a:r>
+              <a:rPr lang="en-US" sz="900" dirty="0"/>
               <a:t>Junk</a:t>
             </a:r>
           </a:p>
@@ -16658,6 +16775,966 @@
     <p:extLst>
       <p:ext uri="{BB962C8B-B14F-4D97-AF65-F5344CB8AC3E}">
         <p14:creationId xmlns:p14="http://schemas.microsoft.com/office/powerpoint/2010/main" val="2837724412"/>
+      </p:ext>
+    </p:extLst>
+  </p:cSld>
+  <p:clrMapOvr>
+    <a:masterClrMapping/>
+  </p:clrMapOvr>
+</p:sld>
+</file>
+
+<file path=ppt/slides/slide17.xml><?xml version="1.0" encoding="utf-8"?>
+<p:sld xmlns:a="http://schemas.openxmlformats.org/drawingml/2006/main" xmlns:r="http://schemas.openxmlformats.org/officeDocument/2006/relationships" xmlns:p="http://schemas.openxmlformats.org/presentationml/2006/main">
+  <p:cSld>
+    <p:spTree>
+      <p:nvGrpSpPr>
+        <p:cNvPr id="1" name=""/>
+        <p:cNvGrpSpPr/>
+        <p:nvPr/>
+      </p:nvGrpSpPr>
+      <p:grpSpPr>
+        <a:xfrm>
+          <a:off x="0" y="0"/>
+          <a:ext cx="0" cy="0"/>
+          <a:chOff x="0" y="0"/>
+          <a:chExt cx="0" cy="0"/>
+        </a:xfrm>
+      </p:grpSpPr>
+      <p:sp>
+        <p:nvSpPr>
+          <p:cNvPr id="2" name="Rectangle 1">
+            <a:extLst>
+              <a:ext uri="{FF2B5EF4-FFF2-40B4-BE49-F238E27FC236}">
+                <a16:creationId xmlns:a16="http://schemas.microsoft.com/office/drawing/2014/main" id="{DC7CDF62-0C7C-1A74-A6C6-7F7026DDE491}"/>
+              </a:ext>
+            </a:extLst>
+          </p:cNvPr>
+          <p:cNvSpPr/>
+          <p:nvPr/>
+        </p:nvSpPr>
+        <p:spPr>
+          <a:xfrm>
+            <a:off x="5181610" y="274355"/>
+            <a:ext cx="1097268" cy="365756"/>
+          </a:xfrm>
+          <a:prstGeom prst="rect">
+            <a:avLst/>
+          </a:prstGeom>
+        </p:spPr>
+        <p:style>
+          <a:lnRef idx="2">
+            <a:schemeClr val="accent1">
+              <a:shade val="15000"/>
+            </a:schemeClr>
+          </a:lnRef>
+          <a:fillRef idx="1">
+            <a:schemeClr val="accent1"/>
+          </a:fillRef>
+          <a:effectRef idx="0">
+            <a:schemeClr val="accent1"/>
+          </a:effectRef>
+          <a:fontRef idx="minor">
+            <a:schemeClr val="lt1"/>
+          </a:fontRef>
+        </p:style>
+        <p:txBody>
+          <a:bodyPr rtlCol="0" anchor="ctr"/>
+          <a:lstStyle/>
+          <a:p>
+            <a:pPr algn="ctr"/>
+            <a:r>
+              <a:rPr lang="en-US" sz="1200" dirty="0"/>
+              <a:t>Screen Mode</a:t>
+            </a:r>
+          </a:p>
+        </p:txBody>
+      </p:sp>
+      <p:sp>
+        <p:nvSpPr>
+          <p:cNvPr id="3" name="Rectangle 2">
+            <a:extLst>
+              <a:ext uri="{FF2B5EF4-FFF2-40B4-BE49-F238E27FC236}">
+                <a16:creationId xmlns:a16="http://schemas.microsoft.com/office/drawing/2014/main" id="{87FA8FA5-FA3A-8E26-6DBB-43F719A5A833}"/>
+              </a:ext>
+            </a:extLst>
+          </p:cNvPr>
+          <p:cNvSpPr/>
+          <p:nvPr/>
+        </p:nvSpPr>
+        <p:spPr>
+          <a:xfrm>
+            <a:off x="5181610" y="891568"/>
+            <a:ext cx="1097268" cy="365756"/>
+          </a:xfrm>
+          <a:prstGeom prst="rect">
+            <a:avLst/>
+          </a:prstGeom>
+        </p:spPr>
+        <p:style>
+          <a:lnRef idx="2">
+            <a:schemeClr val="accent1">
+              <a:shade val="15000"/>
+            </a:schemeClr>
+          </a:lnRef>
+          <a:fillRef idx="1">
+            <a:schemeClr val="accent1"/>
+          </a:fillRef>
+          <a:effectRef idx="0">
+            <a:schemeClr val="accent1"/>
+          </a:effectRef>
+          <a:fontRef idx="minor">
+            <a:schemeClr val="lt1"/>
+          </a:fontRef>
+        </p:style>
+        <p:txBody>
+          <a:bodyPr rtlCol="0" anchor="ctr"/>
+          <a:lstStyle/>
+          <a:p>
+            <a:pPr algn="ctr"/>
+            <a:r>
+              <a:rPr lang="en-US" sz="1200" dirty="0"/>
+              <a:t>Player Hole Score</a:t>
+            </a:r>
+          </a:p>
+        </p:txBody>
+      </p:sp>
+      <p:sp>
+        <p:nvSpPr>
+          <p:cNvPr id="4" name="Rectangle 3">
+            <a:extLst>
+              <a:ext uri="{FF2B5EF4-FFF2-40B4-BE49-F238E27FC236}">
+                <a16:creationId xmlns:a16="http://schemas.microsoft.com/office/drawing/2014/main" id="{FB82FC15-2720-7188-6359-A27BEA543788}"/>
+              </a:ext>
+            </a:extLst>
+          </p:cNvPr>
+          <p:cNvSpPr/>
+          <p:nvPr/>
+        </p:nvSpPr>
+        <p:spPr>
+          <a:xfrm>
+            <a:off x="4376985" y="1691659"/>
+            <a:ext cx="1097268" cy="365756"/>
+          </a:xfrm>
+          <a:prstGeom prst="rect">
+            <a:avLst/>
+          </a:prstGeom>
+        </p:spPr>
+        <p:style>
+          <a:lnRef idx="2">
+            <a:schemeClr val="accent1">
+              <a:shade val="15000"/>
+            </a:schemeClr>
+          </a:lnRef>
+          <a:fillRef idx="1">
+            <a:schemeClr val="accent1"/>
+          </a:fillRef>
+          <a:effectRef idx="0">
+            <a:schemeClr val="accent1"/>
+          </a:effectRef>
+          <a:fontRef idx="minor">
+            <a:schemeClr val="lt1"/>
+          </a:fontRef>
+        </p:style>
+        <p:txBody>
+          <a:bodyPr rtlCol="0" anchor="ctr"/>
+          <a:lstStyle/>
+          <a:p>
+            <a:pPr algn="ctr"/>
+            <a:r>
+              <a:rPr lang="en-US" sz="1200" dirty="0"/>
+              <a:t>Screen Gross</a:t>
+            </a:r>
+          </a:p>
+        </p:txBody>
+      </p:sp>
+      <p:sp>
+        <p:nvSpPr>
+          <p:cNvPr id="5" name="Rectangle 4">
+            <a:extLst>
+              <a:ext uri="{FF2B5EF4-FFF2-40B4-BE49-F238E27FC236}">
+                <a16:creationId xmlns:a16="http://schemas.microsoft.com/office/drawing/2014/main" id="{01358D97-BE4D-849F-1BCF-C4E0B85FF6E2}"/>
+              </a:ext>
+            </a:extLst>
+          </p:cNvPr>
+          <p:cNvSpPr/>
+          <p:nvPr/>
+        </p:nvSpPr>
+        <p:spPr>
+          <a:xfrm>
+            <a:off x="4358680" y="2377451"/>
+            <a:ext cx="1097268" cy="365756"/>
+          </a:xfrm>
+          <a:prstGeom prst="rect">
+            <a:avLst/>
+          </a:prstGeom>
+        </p:spPr>
+        <p:style>
+          <a:lnRef idx="2">
+            <a:schemeClr val="accent1">
+              <a:shade val="15000"/>
+            </a:schemeClr>
+          </a:lnRef>
+          <a:fillRef idx="1">
+            <a:schemeClr val="accent1"/>
+          </a:fillRef>
+          <a:effectRef idx="0">
+            <a:schemeClr val="accent1"/>
+          </a:effectRef>
+          <a:fontRef idx="minor">
+            <a:schemeClr val="lt1"/>
+          </a:fontRef>
+        </p:style>
+        <p:txBody>
+          <a:bodyPr rtlCol="0" anchor="ctr"/>
+          <a:lstStyle/>
+          <a:p>
+            <a:pPr algn="ctr"/>
+            <a:r>
+              <a:rPr lang="en-US" sz="1200" dirty="0"/>
+              <a:t>Return Hole Score</a:t>
+            </a:r>
+          </a:p>
+        </p:txBody>
+      </p:sp>
+      <p:sp>
+        <p:nvSpPr>
+          <p:cNvPr id="6" name="Rectangle 5">
+            <a:extLst>
+              <a:ext uri="{FF2B5EF4-FFF2-40B4-BE49-F238E27FC236}">
+                <a16:creationId xmlns:a16="http://schemas.microsoft.com/office/drawing/2014/main" id="{E758F01D-CA39-6AB4-7DC4-26AECC1A4A96}"/>
+              </a:ext>
+            </a:extLst>
+          </p:cNvPr>
+          <p:cNvSpPr/>
+          <p:nvPr/>
+        </p:nvSpPr>
+        <p:spPr>
+          <a:xfrm>
+            <a:off x="426782" y="4892024"/>
+            <a:ext cx="1097268" cy="365756"/>
+          </a:xfrm>
+          <a:prstGeom prst="rect">
+            <a:avLst/>
+          </a:prstGeom>
+        </p:spPr>
+        <p:style>
+          <a:lnRef idx="2">
+            <a:schemeClr val="accent1">
+              <a:shade val="15000"/>
+            </a:schemeClr>
+          </a:lnRef>
+          <a:fillRef idx="1">
+            <a:schemeClr val="accent1"/>
+          </a:fillRef>
+          <a:effectRef idx="0">
+            <a:schemeClr val="accent1"/>
+          </a:effectRef>
+          <a:fontRef idx="minor">
+            <a:schemeClr val="lt1"/>
+          </a:fontRef>
+        </p:style>
+        <p:txBody>
+          <a:bodyPr rtlCol="0" anchor="ctr"/>
+          <a:lstStyle/>
+          <a:p>
+            <a:pPr algn="ctr"/>
+            <a:r>
+              <a:rPr lang="en-US" sz="1200" dirty="0"/>
+              <a:t>Screen Mode</a:t>
+            </a:r>
+          </a:p>
+        </p:txBody>
+      </p:sp>
+      <p:sp>
+        <p:nvSpPr>
+          <p:cNvPr id="7" name="Rectangle 6">
+            <a:extLst>
+              <a:ext uri="{FF2B5EF4-FFF2-40B4-BE49-F238E27FC236}">
+                <a16:creationId xmlns:a16="http://schemas.microsoft.com/office/drawing/2014/main" id="{A66149BC-0CDD-C132-DBB7-7E3A64AAABF6}"/>
+              </a:ext>
+            </a:extLst>
+          </p:cNvPr>
+          <p:cNvSpPr/>
+          <p:nvPr/>
+        </p:nvSpPr>
+        <p:spPr>
+          <a:xfrm>
+            <a:off x="579182" y="5044424"/>
+            <a:ext cx="1097268" cy="365756"/>
+          </a:xfrm>
+          <a:prstGeom prst="rect">
+            <a:avLst/>
+          </a:prstGeom>
+        </p:spPr>
+        <p:style>
+          <a:lnRef idx="2">
+            <a:schemeClr val="accent1">
+              <a:shade val="15000"/>
+            </a:schemeClr>
+          </a:lnRef>
+          <a:fillRef idx="1">
+            <a:schemeClr val="accent1"/>
+          </a:fillRef>
+          <a:effectRef idx="0">
+            <a:schemeClr val="accent1"/>
+          </a:effectRef>
+          <a:fontRef idx="minor">
+            <a:schemeClr val="lt1"/>
+          </a:fontRef>
+        </p:style>
+        <p:txBody>
+          <a:bodyPr rtlCol="0" anchor="ctr"/>
+          <a:lstStyle/>
+          <a:p>
+            <a:pPr algn="ctr"/>
+            <a:r>
+              <a:rPr lang="en-US" sz="1200" dirty="0"/>
+              <a:t>Screen Mode</a:t>
+            </a:r>
+          </a:p>
+        </p:txBody>
+      </p:sp>
+      <p:sp>
+        <p:nvSpPr>
+          <p:cNvPr id="8" name="Rectangle 7">
+            <a:extLst>
+              <a:ext uri="{FF2B5EF4-FFF2-40B4-BE49-F238E27FC236}">
+                <a16:creationId xmlns:a16="http://schemas.microsoft.com/office/drawing/2014/main" id="{1E9BAF86-2204-CCDB-7467-7A68A85BE1B0}"/>
+              </a:ext>
+            </a:extLst>
+          </p:cNvPr>
+          <p:cNvSpPr/>
+          <p:nvPr/>
+        </p:nvSpPr>
+        <p:spPr>
+          <a:xfrm>
+            <a:off x="2520925" y="2390151"/>
+            <a:ext cx="1042292" cy="365756"/>
+          </a:xfrm>
+          <a:prstGeom prst="rect">
+            <a:avLst/>
+          </a:prstGeom>
+        </p:spPr>
+        <p:style>
+          <a:lnRef idx="2">
+            <a:schemeClr val="accent1">
+              <a:shade val="15000"/>
+            </a:schemeClr>
+          </a:lnRef>
+          <a:fillRef idx="1">
+            <a:schemeClr val="accent1"/>
+          </a:fillRef>
+          <a:effectRef idx="0">
+            <a:schemeClr val="accent1"/>
+          </a:effectRef>
+          <a:fontRef idx="minor">
+            <a:schemeClr val="lt1"/>
+          </a:fontRef>
+        </p:style>
+        <p:txBody>
+          <a:bodyPr rtlCol="0" anchor="ctr"/>
+          <a:lstStyle/>
+          <a:p>
+            <a:pPr algn="ctr"/>
+            <a:r>
+              <a:rPr lang="en-US" sz="1200" dirty="0"/>
+              <a:t>Screen </a:t>
+            </a:r>
+          </a:p>
+          <a:p>
+            <a:pPr algn="ctr"/>
+            <a:r>
+              <a:rPr lang="en-US" sz="1200" dirty="0"/>
+              <a:t>Pt Quote</a:t>
+            </a:r>
+          </a:p>
+        </p:txBody>
+      </p:sp>
+      <p:sp>
+        <p:nvSpPr>
+          <p:cNvPr id="9" name="Rectangle 8">
+            <a:extLst>
+              <a:ext uri="{FF2B5EF4-FFF2-40B4-BE49-F238E27FC236}">
+                <a16:creationId xmlns:a16="http://schemas.microsoft.com/office/drawing/2014/main" id="{3FA98009-8920-5D86-8F17-62DABA228428}"/>
+              </a:ext>
+            </a:extLst>
+          </p:cNvPr>
+          <p:cNvSpPr/>
+          <p:nvPr/>
+        </p:nvSpPr>
+        <p:spPr>
+          <a:xfrm>
+            <a:off x="5821683" y="2377451"/>
+            <a:ext cx="1097268" cy="365756"/>
+          </a:xfrm>
+          <a:prstGeom prst="rect">
+            <a:avLst/>
+          </a:prstGeom>
+        </p:spPr>
+        <p:style>
+          <a:lnRef idx="2">
+            <a:schemeClr val="accent1">
+              <a:shade val="15000"/>
+            </a:schemeClr>
+          </a:lnRef>
+          <a:fillRef idx="1">
+            <a:schemeClr val="accent1"/>
+          </a:fillRef>
+          <a:effectRef idx="0">
+            <a:schemeClr val="accent1"/>
+          </a:effectRef>
+          <a:fontRef idx="minor">
+            <a:schemeClr val="lt1"/>
+          </a:fontRef>
+        </p:style>
+        <p:txBody>
+          <a:bodyPr rtlCol="0" anchor="ctr"/>
+          <a:lstStyle/>
+          <a:p>
+            <a:pPr algn="ctr"/>
+            <a:r>
+              <a:rPr lang="en-US" sz="1200" dirty="0"/>
+              <a:t>Gross - Strokes</a:t>
+            </a:r>
+          </a:p>
+        </p:txBody>
+      </p:sp>
+      <p:sp>
+        <p:nvSpPr>
+          <p:cNvPr id="10" name="Rectangle 9">
+            <a:extLst>
+              <a:ext uri="{FF2B5EF4-FFF2-40B4-BE49-F238E27FC236}">
+                <a16:creationId xmlns:a16="http://schemas.microsoft.com/office/drawing/2014/main" id="{B078E48E-A7B2-99AC-8811-232450CB004B}"/>
+              </a:ext>
+            </a:extLst>
+          </p:cNvPr>
+          <p:cNvSpPr/>
+          <p:nvPr/>
+        </p:nvSpPr>
+        <p:spPr>
+          <a:xfrm>
+            <a:off x="5821683" y="1691659"/>
+            <a:ext cx="1097268" cy="365756"/>
+          </a:xfrm>
+          <a:prstGeom prst="rect">
+            <a:avLst/>
+          </a:prstGeom>
+        </p:spPr>
+        <p:style>
+          <a:lnRef idx="2">
+            <a:schemeClr val="accent1">
+              <a:shade val="15000"/>
+            </a:schemeClr>
+          </a:lnRef>
+          <a:fillRef idx="1">
+            <a:schemeClr val="accent1"/>
+          </a:fillRef>
+          <a:effectRef idx="0">
+            <a:schemeClr val="accent1"/>
+          </a:effectRef>
+          <a:fontRef idx="minor">
+            <a:schemeClr val="lt1"/>
+          </a:fontRef>
+        </p:style>
+        <p:txBody>
+          <a:bodyPr rtlCol="0" anchor="ctr"/>
+          <a:lstStyle/>
+          <a:p>
+            <a:pPr algn="ctr"/>
+            <a:r>
+              <a:rPr lang="en-US" sz="1200" dirty="0"/>
+              <a:t>Screen Net</a:t>
+            </a:r>
+          </a:p>
+        </p:txBody>
+      </p:sp>
+      <p:sp>
+        <p:nvSpPr>
+          <p:cNvPr id="11" name="Rectangle 10">
+            <a:extLst>
+              <a:ext uri="{FF2B5EF4-FFF2-40B4-BE49-F238E27FC236}">
+                <a16:creationId xmlns:a16="http://schemas.microsoft.com/office/drawing/2014/main" id="{C29B75E4-75E5-1B61-EF29-FE4E4E0AFF95}"/>
+              </a:ext>
+            </a:extLst>
+          </p:cNvPr>
+          <p:cNvSpPr/>
+          <p:nvPr/>
+        </p:nvSpPr>
+        <p:spPr>
+          <a:xfrm>
+            <a:off x="7559024" y="3063243"/>
+            <a:ext cx="1097268" cy="365756"/>
+          </a:xfrm>
+          <a:prstGeom prst="rect">
+            <a:avLst/>
+          </a:prstGeom>
+        </p:spPr>
+        <p:style>
+          <a:lnRef idx="2">
+            <a:schemeClr val="accent1">
+              <a:shade val="15000"/>
+            </a:schemeClr>
+          </a:lnRef>
+          <a:fillRef idx="1">
+            <a:schemeClr val="accent1"/>
+          </a:fillRef>
+          <a:effectRef idx="0">
+            <a:schemeClr val="accent1"/>
+          </a:effectRef>
+          <a:fontRef idx="minor">
+            <a:schemeClr val="lt1"/>
+          </a:fontRef>
+        </p:style>
+        <p:txBody>
+          <a:bodyPr rtlCol="0" anchor="ctr"/>
+          <a:lstStyle/>
+          <a:p>
+            <a:pPr algn="ctr"/>
+            <a:r>
+              <a:rPr lang="en-US" sz="1200" dirty="0"/>
+              <a:t>Lookup Pts</a:t>
+            </a:r>
+          </a:p>
+          <a:p>
+            <a:pPr algn="ctr"/>
+            <a:r>
+              <a:rPr lang="en-US" sz="1200" dirty="0"/>
+              <a:t>In Table</a:t>
+            </a:r>
+          </a:p>
+        </p:txBody>
+      </p:sp>
+      <p:sp>
+        <p:nvSpPr>
+          <p:cNvPr id="12" name="Rectangle 11">
+            <a:extLst>
+              <a:ext uri="{FF2B5EF4-FFF2-40B4-BE49-F238E27FC236}">
+                <a16:creationId xmlns:a16="http://schemas.microsoft.com/office/drawing/2014/main" id="{E5A69C41-D7E9-0CAC-F976-6840B52C8F9A}"/>
+              </a:ext>
+            </a:extLst>
+          </p:cNvPr>
+          <p:cNvSpPr/>
+          <p:nvPr/>
+        </p:nvSpPr>
+        <p:spPr>
+          <a:xfrm>
+            <a:off x="7559024" y="2390151"/>
+            <a:ext cx="1097268" cy="365756"/>
+          </a:xfrm>
+          <a:prstGeom prst="rect">
+            <a:avLst/>
+          </a:prstGeom>
+        </p:spPr>
+        <p:style>
+          <a:lnRef idx="2">
+            <a:schemeClr val="accent1">
+              <a:shade val="15000"/>
+            </a:schemeClr>
+          </a:lnRef>
+          <a:fillRef idx="1">
+            <a:schemeClr val="accent1"/>
+          </a:fillRef>
+          <a:effectRef idx="0">
+            <a:schemeClr val="accent1"/>
+          </a:effectRef>
+          <a:fontRef idx="minor">
+            <a:schemeClr val="lt1"/>
+          </a:fontRef>
+        </p:style>
+        <p:txBody>
+          <a:bodyPr rtlCol="0" anchor="ctr"/>
+          <a:lstStyle/>
+          <a:p>
+            <a:pPr algn="ctr"/>
+            <a:r>
+              <a:rPr lang="en-US" sz="1200" dirty="0"/>
+              <a:t>Screen Stableford</a:t>
+            </a:r>
+          </a:p>
+        </p:txBody>
+      </p:sp>
+      <p:sp>
+        <p:nvSpPr>
+          <p:cNvPr id="13" name="Rectangle 12">
+            <a:extLst>
+              <a:ext uri="{FF2B5EF4-FFF2-40B4-BE49-F238E27FC236}">
+                <a16:creationId xmlns:a16="http://schemas.microsoft.com/office/drawing/2014/main" id="{77E22EA6-D74E-CDD4-4B97-DBF4A0B9159F}"/>
+              </a:ext>
+            </a:extLst>
+          </p:cNvPr>
+          <p:cNvSpPr/>
+          <p:nvPr/>
+        </p:nvSpPr>
+        <p:spPr>
+          <a:xfrm>
+            <a:off x="5821683" y="3063243"/>
+            <a:ext cx="1097268" cy="365756"/>
+          </a:xfrm>
+          <a:prstGeom prst="rect">
+            <a:avLst/>
+          </a:prstGeom>
+        </p:spPr>
+        <p:style>
+          <a:lnRef idx="2">
+            <a:schemeClr val="accent1">
+              <a:shade val="15000"/>
+            </a:schemeClr>
+          </a:lnRef>
+          <a:fillRef idx="1">
+            <a:schemeClr val="accent1"/>
+          </a:fillRef>
+          <a:effectRef idx="0">
+            <a:schemeClr val="accent1"/>
+          </a:effectRef>
+          <a:fontRef idx="minor">
+            <a:schemeClr val="lt1"/>
+          </a:fontRef>
+        </p:style>
+        <p:txBody>
+          <a:bodyPr rtlCol="0" anchor="ctr"/>
+          <a:lstStyle/>
+          <a:p>
+            <a:pPr algn="ctr"/>
+            <a:r>
+              <a:rPr lang="en-US" sz="1200" dirty="0"/>
+              <a:t>Return Hole Score</a:t>
+            </a:r>
+          </a:p>
+        </p:txBody>
+      </p:sp>
+      <p:cxnSp>
+        <p:nvCxnSpPr>
+          <p:cNvPr id="15" name="Connector: Elbow 14">
+            <a:extLst>
+              <a:ext uri="{FF2B5EF4-FFF2-40B4-BE49-F238E27FC236}">
+                <a16:creationId xmlns:a16="http://schemas.microsoft.com/office/drawing/2014/main" id="{5523EB4F-A3A8-A11D-A296-947D205C8D04}"/>
+              </a:ext>
+            </a:extLst>
+          </p:cNvPr>
+          <p:cNvCxnSpPr>
+            <a:cxnSpLocks/>
+            <a:stCxn id="9" idx="3"/>
+            <a:endCxn id="12" idx="1"/>
+          </p:cNvCxnSpPr>
+          <p:nvPr/>
+        </p:nvCxnSpPr>
+        <p:spPr>
+          <a:xfrm>
+            <a:off x="6918951" y="2560329"/>
+            <a:ext cx="640073" cy="12700"/>
+          </a:xfrm>
+          <a:prstGeom prst="bentConnector3">
+            <a:avLst/>
+          </a:prstGeom>
+          <a:ln>
+            <a:tailEnd type="triangle"/>
+          </a:ln>
+        </p:spPr>
+        <p:style>
+          <a:lnRef idx="2">
+            <a:schemeClr val="accent1"/>
+          </a:lnRef>
+          <a:fillRef idx="0">
+            <a:schemeClr val="accent1"/>
+          </a:fillRef>
+          <a:effectRef idx="1">
+            <a:schemeClr val="accent1"/>
+          </a:effectRef>
+          <a:fontRef idx="minor">
+            <a:schemeClr val="tx1"/>
+          </a:fontRef>
+        </p:style>
+      </p:cxnSp>
+      <p:cxnSp>
+        <p:nvCxnSpPr>
+          <p:cNvPr id="20" name="Straight Arrow Connector 19">
+            <a:extLst>
+              <a:ext uri="{FF2B5EF4-FFF2-40B4-BE49-F238E27FC236}">
+                <a16:creationId xmlns:a16="http://schemas.microsoft.com/office/drawing/2014/main" id="{FA88214A-FF35-0D26-1A7E-14A7639A592A}"/>
+              </a:ext>
+            </a:extLst>
+          </p:cNvPr>
+          <p:cNvCxnSpPr>
+            <a:cxnSpLocks/>
+            <a:stCxn id="12" idx="2"/>
+            <a:endCxn id="11" idx="0"/>
+          </p:cNvCxnSpPr>
+          <p:nvPr/>
+        </p:nvCxnSpPr>
+        <p:spPr>
+          <a:xfrm>
+            <a:off x="8107658" y="2755907"/>
+            <a:ext cx="0" cy="307336"/>
+          </a:xfrm>
+          <a:prstGeom prst="straightConnector1">
+            <a:avLst/>
+          </a:prstGeom>
+          <a:ln>
+            <a:tailEnd type="triangle"/>
+          </a:ln>
+        </p:spPr>
+        <p:style>
+          <a:lnRef idx="2">
+            <a:schemeClr val="accent1"/>
+          </a:lnRef>
+          <a:fillRef idx="0">
+            <a:schemeClr val="accent1"/>
+          </a:fillRef>
+          <a:effectRef idx="1">
+            <a:schemeClr val="accent1"/>
+          </a:effectRef>
+          <a:fontRef idx="minor">
+            <a:schemeClr val="tx1"/>
+          </a:fontRef>
+        </p:style>
+      </p:cxnSp>
+      <p:sp>
+        <p:nvSpPr>
+          <p:cNvPr id="25" name="Rectangle 24">
+            <a:extLst>
+              <a:ext uri="{FF2B5EF4-FFF2-40B4-BE49-F238E27FC236}">
+                <a16:creationId xmlns:a16="http://schemas.microsoft.com/office/drawing/2014/main" id="{CFE62900-8F41-51F2-2656-332B0BA8C993}"/>
+              </a:ext>
+            </a:extLst>
+          </p:cNvPr>
+          <p:cNvSpPr/>
+          <p:nvPr/>
+        </p:nvSpPr>
+        <p:spPr>
+          <a:xfrm>
+            <a:off x="7565144" y="3706875"/>
+            <a:ext cx="1097268" cy="365756"/>
+          </a:xfrm>
+          <a:prstGeom prst="rect">
+            <a:avLst/>
+          </a:prstGeom>
+        </p:spPr>
+        <p:style>
+          <a:lnRef idx="2">
+            <a:schemeClr val="accent1">
+              <a:shade val="15000"/>
+            </a:schemeClr>
+          </a:lnRef>
+          <a:fillRef idx="1">
+            <a:schemeClr val="accent1"/>
+          </a:fillRef>
+          <a:effectRef idx="0">
+            <a:schemeClr val="accent1"/>
+          </a:effectRef>
+          <a:fontRef idx="minor">
+            <a:schemeClr val="lt1"/>
+          </a:fontRef>
+        </p:style>
+        <p:txBody>
+          <a:bodyPr rtlCol="0" anchor="ctr"/>
+          <a:lstStyle/>
+          <a:p>
+            <a:pPr algn="ctr"/>
+            <a:r>
+              <a:rPr lang="en-US" sz="1200" dirty="0"/>
+              <a:t>Return Pts Score</a:t>
+            </a:r>
+          </a:p>
+        </p:txBody>
+      </p:sp>
+      <p:cxnSp>
+        <p:nvCxnSpPr>
+          <p:cNvPr id="27" name="Connector: Elbow 26">
+            <a:extLst>
+              <a:ext uri="{FF2B5EF4-FFF2-40B4-BE49-F238E27FC236}">
+                <a16:creationId xmlns:a16="http://schemas.microsoft.com/office/drawing/2014/main" id="{F4251D44-E066-C18E-11B3-974ED46A0AF1}"/>
+              </a:ext>
+            </a:extLst>
+          </p:cNvPr>
+          <p:cNvCxnSpPr>
+            <a:cxnSpLocks/>
+            <a:stCxn id="4" idx="1"/>
+            <a:endCxn id="8" idx="0"/>
+          </p:cNvCxnSpPr>
+          <p:nvPr/>
+        </p:nvCxnSpPr>
+        <p:spPr>
+          <a:xfrm rot="10800000" flipV="1">
+            <a:off x="3042071" y="1874537"/>
+            <a:ext cx="1334914" cy="515614"/>
+          </a:xfrm>
+          <a:prstGeom prst="bentConnector2">
+            <a:avLst/>
+          </a:prstGeom>
+          <a:ln>
+            <a:tailEnd type="triangle"/>
+          </a:ln>
+        </p:spPr>
+        <p:style>
+          <a:lnRef idx="2">
+            <a:schemeClr val="accent1"/>
+          </a:lnRef>
+          <a:fillRef idx="0">
+            <a:schemeClr val="accent1"/>
+          </a:fillRef>
+          <a:effectRef idx="1">
+            <a:schemeClr val="accent1"/>
+          </a:effectRef>
+          <a:fontRef idx="minor">
+            <a:schemeClr val="tx1"/>
+          </a:fontRef>
+        </p:style>
+      </p:cxnSp>
+      <p:sp>
+        <p:nvSpPr>
+          <p:cNvPr id="31" name="Rectangle 30">
+            <a:extLst>
+              <a:ext uri="{FF2B5EF4-FFF2-40B4-BE49-F238E27FC236}">
+                <a16:creationId xmlns:a16="http://schemas.microsoft.com/office/drawing/2014/main" id="{AF29FD9E-54CB-FD67-5390-8FB68209837C}"/>
+              </a:ext>
+            </a:extLst>
+          </p:cNvPr>
+          <p:cNvSpPr/>
+          <p:nvPr/>
+        </p:nvSpPr>
+        <p:spPr>
+          <a:xfrm>
+            <a:off x="2527045" y="3154683"/>
+            <a:ext cx="1097268" cy="365756"/>
+          </a:xfrm>
+          <a:prstGeom prst="rect">
+            <a:avLst/>
+          </a:prstGeom>
+        </p:spPr>
+        <p:style>
+          <a:lnRef idx="2">
+            <a:schemeClr val="accent1">
+              <a:shade val="15000"/>
+            </a:schemeClr>
+          </a:lnRef>
+          <a:fillRef idx="1">
+            <a:schemeClr val="accent1"/>
+          </a:fillRef>
+          <a:effectRef idx="0">
+            <a:schemeClr val="accent1"/>
+          </a:effectRef>
+          <a:fontRef idx="minor">
+            <a:schemeClr val="lt1"/>
+          </a:fontRef>
+        </p:style>
+        <p:txBody>
+          <a:bodyPr rtlCol="0" anchor="ctr"/>
+          <a:lstStyle/>
+          <a:p>
+            <a:pPr algn="ctr"/>
+            <a:r>
+              <a:rPr lang="en-US" sz="1200" dirty="0"/>
+              <a:t>Lookup Pts</a:t>
+            </a:r>
+          </a:p>
+          <a:p>
+            <a:pPr algn="ctr"/>
+            <a:r>
+              <a:rPr lang="en-US" sz="1200" dirty="0"/>
+              <a:t>In Table</a:t>
+            </a:r>
+          </a:p>
+        </p:txBody>
+      </p:sp>
+      <p:sp>
+        <p:nvSpPr>
+          <p:cNvPr id="32" name="Rectangle 31">
+            <a:extLst>
+              <a:ext uri="{FF2B5EF4-FFF2-40B4-BE49-F238E27FC236}">
+                <a16:creationId xmlns:a16="http://schemas.microsoft.com/office/drawing/2014/main" id="{90ECC458-196B-4BA6-7FCF-26803958138F}"/>
+              </a:ext>
+            </a:extLst>
+          </p:cNvPr>
+          <p:cNvSpPr/>
+          <p:nvPr/>
+        </p:nvSpPr>
+        <p:spPr>
+          <a:xfrm>
+            <a:off x="2527045" y="3798315"/>
+            <a:ext cx="1097268" cy="365756"/>
+          </a:xfrm>
+          <a:prstGeom prst="rect">
+            <a:avLst/>
+          </a:prstGeom>
+        </p:spPr>
+        <p:style>
+          <a:lnRef idx="2">
+            <a:schemeClr val="accent1">
+              <a:shade val="15000"/>
+            </a:schemeClr>
+          </a:lnRef>
+          <a:fillRef idx="1">
+            <a:schemeClr val="accent1"/>
+          </a:fillRef>
+          <a:effectRef idx="0">
+            <a:schemeClr val="accent1"/>
+          </a:effectRef>
+          <a:fontRef idx="minor">
+            <a:schemeClr val="lt1"/>
+          </a:fontRef>
+        </p:style>
+        <p:txBody>
+          <a:bodyPr rtlCol="0" anchor="ctr"/>
+          <a:lstStyle/>
+          <a:p>
+            <a:pPr algn="ctr"/>
+            <a:r>
+              <a:rPr lang="en-US" sz="1200" dirty="0"/>
+              <a:t>Return Pts Score</a:t>
+            </a:r>
+          </a:p>
+        </p:txBody>
+      </p:sp>
+      <p:cxnSp>
+        <p:nvCxnSpPr>
+          <p:cNvPr id="34" name="Connector: Elbow 33">
+            <a:extLst>
+              <a:ext uri="{FF2B5EF4-FFF2-40B4-BE49-F238E27FC236}">
+                <a16:creationId xmlns:a16="http://schemas.microsoft.com/office/drawing/2014/main" id="{033AF366-3A0B-7B41-10BF-D6A108A52BC1}"/>
+              </a:ext>
+            </a:extLst>
+          </p:cNvPr>
+          <p:cNvCxnSpPr>
+            <a:cxnSpLocks/>
+            <a:stCxn id="8" idx="2"/>
+            <a:endCxn id="31" idx="0"/>
+          </p:cNvCxnSpPr>
+          <p:nvPr/>
+        </p:nvCxnSpPr>
+        <p:spPr>
+          <a:xfrm rot="16200000" flipH="1">
+            <a:off x="2859487" y="2938491"/>
+            <a:ext cx="398776" cy="33608"/>
+          </a:xfrm>
+          <a:prstGeom prst="bentConnector3">
+            <a:avLst>
+              <a:gd name="adj1" fmla="val 50000"/>
+            </a:avLst>
+          </a:prstGeom>
+          <a:ln>
+            <a:tailEnd type="triangle"/>
+          </a:ln>
+        </p:spPr>
+        <p:style>
+          <a:lnRef idx="2">
+            <a:schemeClr val="accent1"/>
+          </a:lnRef>
+          <a:fillRef idx="0">
+            <a:schemeClr val="accent1"/>
+          </a:fillRef>
+          <a:effectRef idx="1">
+            <a:schemeClr val="accent1"/>
+          </a:effectRef>
+          <a:fontRef idx="minor">
+            <a:schemeClr val="tx1"/>
+          </a:fontRef>
+        </p:style>
+      </p:cxnSp>
+    </p:spTree>
+    <p:extLst>
+      <p:ext uri="{BB962C8B-B14F-4D97-AF65-F5344CB8AC3E}">
+        <p14:creationId xmlns:p14="http://schemas.microsoft.com/office/powerpoint/2010/main" val="2067112149"/>
       </p:ext>
     </p:extLst>
   </p:cSld>

--- a/Documentation/TeamScoreLayout.pptx
+++ b/Documentation/TeamScoreLayout.pptx
@@ -841,7 +841,7 @@
           <a:p>
             <a:fld id="{955A69D3-FF78-44E1-BB41-3D13FA416A59}" type="datetimeFigureOut">
               <a:rPr lang="en-US" smtClean="0"/>
-              <a:t>Sunday,Apr/28/24</a:t>
+              <a:t>05/14/24</a:t>
             </a:fld>
             <a:endParaRPr lang="en-US"/>
           </a:p>
@@ -1039,7 +1039,7 @@
           <a:p>
             <a:fld id="{955A69D3-FF78-44E1-BB41-3D13FA416A59}" type="datetimeFigureOut">
               <a:rPr lang="en-US" smtClean="0"/>
-              <a:t>Sunday,Apr/28/24</a:t>
+              <a:t>05/14/24</a:t>
             </a:fld>
             <a:endParaRPr lang="en-US"/>
           </a:p>
@@ -1247,7 +1247,7 @@
           <a:p>
             <a:fld id="{955A69D3-FF78-44E1-BB41-3D13FA416A59}" type="datetimeFigureOut">
               <a:rPr lang="en-US" smtClean="0"/>
-              <a:t>Sunday,Apr/28/24</a:t>
+              <a:t>05/14/24</a:t>
             </a:fld>
             <a:endParaRPr lang="en-US"/>
           </a:p>
@@ -1445,7 +1445,7 @@
           <a:p>
             <a:fld id="{955A69D3-FF78-44E1-BB41-3D13FA416A59}" type="datetimeFigureOut">
               <a:rPr lang="en-US" smtClean="0"/>
-              <a:t>Sunday,Apr/28/24</a:t>
+              <a:t>05/14/24</a:t>
             </a:fld>
             <a:endParaRPr lang="en-US"/>
           </a:p>
@@ -1720,7 +1720,7 @@
           <a:p>
             <a:fld id="{955A69D3-FF78-44E1-BB41-3D13FA416A59}" type="datetimeFigureOut">
               <a:rPr lang="en-US" smtClean="0"/>
-              <a:t>Sunday,Apr/28/24</a:t>
+              <a:t>05/14/24</a:t>
             </a:fld>
             <a:endParaRPr lang="en-US"/>
           </a:p>
@@ -1985,7 +1985,7 @@
           <a:p>
             <a:fld id="{955A69D3-FF78-44E1-BB41-3D13FA416A59}" type="datetimeFigureOut">
               <a:rPr lang="en-US" smtClean="0"/>
-              <a:t>Sunday,Apr/28/24</a:t>
+              <a:t>05/14/24</a:t>
             </a:fld>
             <a:endParaRPr lang="en-US"/>
           </a:p>
@@ -2397,7 +2397,7 @@
           <a:p>
             <a:fld id="{955A69D3-FF78-44E1-BB41-3D13FA416A59}" type="datetimeFigureOut">
               <a:rPr lang="en-US" smtClean="0"/>
-              <a:t>Sunday,Apr/28/24</a:t>
+              <a:t>05/14/24</a:t>
             </a:fld>
             <a:endParaRPr lang="en-US"/>
           </a:p>
@@ -2538,7 +2538,7 @@
           <a:p>
             <a:fld id="{955A69D3-FF78-44E1-BB41-3D13FA416A59}" type="datetimeFigureOut">
               <a:rPr lang="en-US" smtClean="0"/>
-              <a:t>Sunday,Apr/28/24</a:t>
+              <a:t>05/14/24</a:t>
             </a:fld>
             <a:endParaRPr lang="en-US"/>
           </a:p>
@@ -2651,7 +2651,7 @@
           <a:p>
             <a:fld id="{955A69D3-FF78-44E1-BB41-3D13FA416A59}" type="datetimeFigureOut">
               <a:rPr lang="en-US" smtClean="0"/>
-              <a:t>Sunday,Apr/28/24</a:t>
+              <a:t>05/14/24</a:t>
             </a:fld>
             <a:endParaRPr lang="en-US"/>
           </a:p>
@@ -2962,7 +2962,7 @@
           <a:p>
             <a:fld id="{955A69D3-FF78-44E1-BB41-3D13FA416A59}" type="datetimeFigureOut">
               <a:rPr lang="en-US" smtClean="0"/>
-              <a:t>Sunday,Apr/28/24</a:t>
+              <a:t>05/14/24</a:t>
             </a:fld>
             <a:endParaRPr lang="en-US"/>
           </a:p>
@@ -3250,7 +3250,7 @@
           <a:p>
             <a:fld id="{955A69D3-FF78-44E1-BB41-3D13FA416A59}" type="datetimeFigureOut">
               <a:rPr lang="en-US" smtClean="0"/>
-              <a:t>Sunday,Apr/28/24</a:t>
+              <a:t>05/14/24</a:t>
             </a:fld>
             <a:endParaRPr lang="en-US"/>
           </a:p>
@@ -3491,7 +3491,7 @@
           <a:p>
             <a:fld id="{955A69D3-FF78-44E1-BB41-3D13FA416A59}" type="datetimeFigureOut">
               <a:rPr lang="en-US" smtClean="0"/>
-              <a:t>Sunday,Apr/28/24</a:t>
+              <a:t>05/14/24</a:t>
             </a:fld>
             <a:endParaRPr lang="en-US"/>
           </a:p>
@@ -16698,7 +16698,7 @@
         </p:nvSpPr>
         <p:spPr>
           <a:xfrm>
-            <a:off x="1798367" y="960147"/>
+            <a:off x="1835493" y="3643808"/>
             <a:ext cx="640073" cy="365756"/>
           </a:xfrm>
           <a:prstGeom prst="roundRect">
@@ -16747,8 +16747,8 @@
         </p:nvSpPr>
         <p:spPr>
           <a:xfrm>
-            <a:off x="6583658" y="804728"/>
-            <a:ext cx="640073" cy="365756"/>
+            <a:off x="4404378" y="982136"/>
+            <a:ext cx="1005829" cy="457195"/>
           </a:xfrm>
           <a:prstGeom prst="roundRect">
             <a:avLst/>
@@ -16776,8 +16776,8 @@
           <a:p>
             <a:pPr algn="ctr"/>
             <a:r>
-              <a:rPr lang="en-US" sz="1200" dirty="0"/>
-              <a:t>Long Net</a:t>
+              <a:rPr lang="en-US" sz="900" dirty="0"/>
+              <a:t>Return score entered</a:t>
             </a:r>
           </a:p>
         </p:txBody>
@@ -16796,8 +16796,8 @@
         </p:nvSpPr>
         <p:spPr>
           <a:xfrm>
-            <a:off x="7741902" y="804728"/>
-            <a:ext cx="640073" cy="365756"/>
+            <a:off x="4175781" y="3598088"/>
+            <a:ext cx="880883" cy="457195"/>
           </a:xfrm>
           <a:prstGeom prst="roundRect">
             <a:avLst/>
@@ -16825,9 +16825,14 @@
           <a:p>
             <a:pPr algn="ctr"/>
             <a:r>
-              <a:rPr lang="en-US" sz="1200" dirty="0"/>
-              <a:t>Gross</a:t>
-            </a:r>
+              <a:rPr lang="en-US" sz="900" dirty="0"/>
+              <a:t>Return score - </a:t>
+            </a:r>
+            <a:r>
+              <a:rPr lang="en-US" sz="900" dirty="0" err="1"/>
+              <a:t>hdcp</a:t>
+            </a:r>
+            <a:endParaRPr lang="en-US" sz="900" dirty="0"/>
           </a:p>
         </p:txBody>
       </p:sp>
@@ -16845,8 +16850,8 @@
         </p:nvSpPr>
         <p:spPr>
           <a:xfrm>
-            <a:off x="8869633" y="804728"/>
-            <a:ext cx="640073" cy="365756"/>
+            <a:off x="4450098" y="2023841"/>
+            <a:ext cx="914390" cy="548634"/>
           </a:xfrm>
           <a:prstGeom prst="roundRect">
             <a:avLst/>
@@ -16874,8 +16879,8 @@
           <a:p>
             <a:pPr algn="ctr"/>
             <a:r>
-              <a:rPr lang="en-US" sz="1200" dirty="0"/>
-              <a:t>Long Gross</a:t>
+              <a:rPr lang="en-US" sz="900" dirty="0"/>
+              <a:t> Gross score lookup in point table</a:t>
             </a:r>
           </a:p>
         </p:txBody>
@@ -16894,7 +16899,7 @@
         </p:nvSpPr>
         <p:spPr>
           <a:xfrm>
-            <a:off x="1798367" y="1965976"/>
+            <a:off x="1804716" y="1033326"/>
             <a:ext cx="640073" cy="365756"/>
           </a:xfrm>
           <a:prstGeom prst="roundRect">
@@ -16924,31 +16929,129 @@
             <a:pPr algn="ctr"/>
             <a:r>
               <a:rPr lang="en-US" sz="1200" dirty="0"/>
-              <a:t>Same</a:t>
+              <a:t>Gross</a:t>
+            </a:r>
+          </a:p>
+        </p:txBody>
+      </p:sp>
+      <p:sp>
+        <p:nvSpPr>
+          <p:cNvPr id="11" name="Rectangle: Rounded Corners 10">
+            <a:extLst>
+              <a:ext uri="{FF2B5EF4-FFF2-40B4-BE49-F238E27FC236}">
+                <a16:creationId xmlns:a16="http://schemas.microsoft.com/office/drawing/2014/main" id="{91D33A26-BF72-F5FE-EA9B-248B68020ACD}"/>
+              </a:ext>
+            </a:extLst>
+          </p:cNvPr>
+          <p:cNvSpPr/>
+          <p:nvPr/>
+        </p:nvSpPr>
+        <p:spPr>
+          <a:xfrm>
+            <a:off x="1917336" y="2107847"/>
+            <a:ext cx="737565" cy="365756"/>
+          </a:xfrm>
+          <a:prstGeom prst="roundRect">
+            <a:avLst/>
+          </a:prstGeom>
+        </p:spPr>
+        <p:style>
+          <a:lnRef idx="2">
+            <a:schemeClr val="accent1">
+              <a:shade val="15000"/>
+            </a:schemeClr>
+          </a:lnRef>
+          <a:fillRef idx="1">
+            <a:schemeClr val="accent1"/>
+          </a:fillRef>
+          <a:effectRef idx="0">
+            <a:schemeClr val="accent1"/>
+          </a:effectRef>
+          <a:fontRef idx="minor">
+            <a:schemeClr val="lt1"/>
+          </a:fontRef>
+        </p:style>
+        <p:txBody>
+          <a:bodyPr rtlCol="0" anchor="ctr"/>
+          <a:lstStyle/>
+          <a:p>
+            <a:pPr algn="ctr"/>
+            <a:r>
+              <a:rPr lang="en-US" sz="1200" dirty="0"/>
+              <a:t>Pt Quote</a:t>
+            </a:r>
+          </a:p>
+        </p:txBody>
+      </p:sp>
+      <p:sp>
+        <p:nvSpPr>
+          <p:cNvPr id="12" name="Rectangle: Rounded Corners 11">
+            <a:extLst>
+              <a:ext uri="{FF2B5EF4-FFF2-40B4-BE49-F238E27FC236}">
+                <a16:creationId xmlns:a16="http://schemas.microsoft.com/office/drawing/2014/main" id="{97024C57-3800-D7FA-5137-CFA1850D665B}"/>
+              </a:ext>
+            </a:extLst>
+          </p:cNvPr>
+          <p:cNvSpPr/>
+          <p:nvPr/>
+        </p:nvSpPr>
+        <p:spPr>
+          <a:xfrm>
+            <a:off x="1786231" y="5266964"/>
+            <a:ext cx="999776" cy="365756"/>
+          </a:xfrm>
+          <a:prstGeom prst="roundRect">
+            <a:avLst/>
+          </a:prstGeom>
+        </p:spPr>
+        <p:style>
+          <a:lnRef idx="2">
+            <a:schemeClr val="accent1">
+              <a:shade val="15000"/>
+            </a:schemeClr>
+          </a:lnRef>
+          <a:fillRef idx="1">
+            <a:schemeClr val="accent1"/>
+          </a:fillRef>
+          <a:effectRef idx="0">
+            <a:schemeClr val="accent1"/>
+          </a:effectRef>
+          <a:fontRef idx="minor">
+            <a:schemeClr val="lt1"/>
+          </a:fontRef>
+        </p:style>
+        <p:txBody>
+          <a:bodyPr rtlCol="0" anchor="ctr"/>
+          <a:lstStyle/>
+          <a:p>
+            <a:pPr algn="ctr"/>
+            <a:r>
+              <a:rPr lang="en-US" sz="1200" dirty="0"/>
+              <a:t>Stableford</a:t>
             </a:r>
           </a:p>
         </p:txBody>
       </p:sp>
       <p:cxnSp>
         <p:nvCxnSpPr>
-          <p:cNvPr id="8" name="Straight Arrow Connector 7">
-            <a:extLst>
-              <a:ext uri="{FF2B5EF4-FFF2-40B4-BE49-F238E27FC236}">
-                <a16:creationId xmlns:a16="http://schemas.microsoft.com/office/drawing/2014/main" id="{2166F5C2-68A8-6E30-A68A-597F010B1F37}"/>
+          <p:cNvPr id="9" name="Straight Arrow Connector 8">
+            <a:extLst>
+              <a:ext uri="{FF2B5EF4-FFF2-40B4-BE49-F238E27FC236}">
+                <a16:creationId xmlns:a16="http://schemas.microsoft.com/office/drawing/2014/main" id="{6A8DC361-8536-4E1F-ACF1-8852657E01E0}"/>
               </a:ext>
             </a:extLst>
           </p:cNvPr>
           <p:cNvCxnSpPr>
             <a:cxnSpLocks/>
-            <a:stCxn id="2" idx="2"/>
-            <a:endCxn id="6" idx="0"/>
+            <a:stCxn id="6" idx="3"/>
+            <a:endCxn id="3" idx="1"/>
           </p:cNvCxnSpPr>
           <p:nvPr/>
         </p:nvCxnSpPr>
         <p:spPr>
-          <a:xfrm>
-            <a:off x="2118404" y="1325903"/>
-            <a:ext cx="0" cy="640073"/>
+          <a:xfrm flipV="1">
+            <a:off x="2444789" y="1210734"/>
+            <a:ext cx="1959589" cy="5470"/>
           </a:xfrm>
           <a:prstGeom prst="straightConnector1">
             <a:avLst/>
@@ -16972,12 +17075,189 @@
           </a:fontRef>
         </p:style>
       </p:cxnSp>
-      <p:sp>
-        <p:nvSpPr>
-          <p:cNvPr id="11" name="Rectangle: Rounded Corners 10">
-            <a:extLst>
-              <a:ext uri="{FF2B5EF4-FFF2-40B4-BE49-F238E27FC236}">
-                <a16:creationId xmlns:a16="http://schemas.microsoft.com/office/drawing/2014/main" id="{91D33A26-BF72-F5FE-EA9B-248B68020ACD}"/>
+      <p:cxnSp>
+        <p:nvCxnSpPr>
+          <p:cNvPr id="19" name="Connector: Elbow 18">
+            <a:extLst>
+              <a:ext uri="{FF2B5EF4-FFF2-40B4-BE49-F238E27FC236}">
+                <a16:creationId xmlns:a16="http://schemas.microsoft.com/office/drawing/2014/main" id="{03620C00-4D7F-B05C-333B-4AA2904A01B3}"/>
+              </a:ext>
+            </a:extLst>
+          </p:cNvPr>
+          <p:cNvCxnSpPr>
+            <a:cxnSpLocks/>
+            <a:stCxn id="3" idx="0"/>
+            <a:endCxn id="6" idx="0"/>
+          </p:cNvCxnSpPr>
+          <p:nvPr/>
+        </p:nvCxnSpPr>
+        <p:spPr>
+          <a:xfrm rot="16200000" flipH="1" flipV="1">
+            <a:off x="3490428" y="-383539"/>
+            <a:ext cx="51190" cy="2782540"/>
+          </a:xfrm>
+          <a:prstGeom prst="bentConnector3">
+            <a:avLst>
+              <a:gd name="adj1" fmla="val -446572"/>
+            </a:avLst>
+          </a:prstGeom>
+          <a:ln>
+            <a:tailEnd type="triangle"/>
+          </a:ln>
+        </p:spPr>
+        <p:style>
+          <a:lnRef idx="2">
+            <a:schemeClr val="accent1"/>
+          </a:lnRef>
+          <a:fillRef idx="0">
+            <a:schemeClr val="accent1"/>
+          </a:fillRef>
+          <a:effectRef idx="1">
+            <a:schemeClr val="accent1"/>
+          </a:effectRef>
+          <a:fontRef idx="minor">
+            <a:schemeClr val="tx1"/>
+          </a:fontRef>
+        </p:style>
+      </p:cxnSp>
+      <p:cxnSp>
+        <p:nvCxnSpPr>
+          <p:cNvPr id="25" name="Straight Arrow Connector 24">
+            <a:extLst>
+              <a:ext uri="{FF2B5EF4-FFF2-40B4-BE49-F238E27FC236}">
+                <a16:creationId xmlns:a16="http://schemas.microsoft.com/office/drawing/2014/main" id="{7A6CEBD1-7BF0-5A8D-1B84-CEA42EF50CDA}"/>
+              </a:ext>
+            </a:extLst>
+          </p:cNvPr>
+          <p:cNvCxnSpPr>
+            <a:cxnSpLocks/>
+            <a:stCxn id="11" idx="3"/>
+            <a:endCxn id="5" idx="1"/>
+          </p:cNvCxnSpPr>
+          <p:nvPr/>
+        </p:nvCxnSpPr>
+        <p:spPr>
+          <a:xfrm>
+            <a:off x="2654901" y="2290725"/>
+            <a:ext cx="1795197" cy="7433"/>
+          </a:xfrm>
+          <a:prstGeom prst="straightConnector1">
+            <a:avLst/>
+          </a:prstGeom>
+          <a:ln>
+            <a:tailEnd type="triangle"/>
+          </a:ln>
+        </p:spPr>
+        <p:style>
+          <a:lnRef idx="2">
+            <a:schemeClr val="accent1"/>
+          </a:lnRef>
+          <a:fillRef idx="0">
+            <a:schemeClr val="accent1"/>
+          </a:fillRef>
+          <a:effectRef idx="1">
+            <a:schemeClr val="accent1"/>
+          </a:effectRef>
+          <a:fontRef idx="minor">
+            <a:schemeClr val="tx1"/>
+          </a:fontRef>
+        </p:style>
+      </p:cxnSp>
+      <p:cxnSp>
+        <p:nvCxnSpPr>
+          <p:cNvPr id="29" name="Connector: Elbow 28">
+            <a:extLst>
+              <a:ext uri="{FF2B5EF4-FFF2-40B4-BE49-F238E27FC236}">
+                <a16:creationId xmlns:a16="http://schemas.microsoft.com/office/drawing/2014/main" id="{994B13A6-082B-25AF-44DD-A1AA6214687A}"/>
+              </a:ext>
+            </a:extLst>
+          </p:cNvPr>
+          <p:cNvCxnSpPr>
+            <a:cxnSpLocks/>
+            <a:stCxn id="5" idx="2"/>
+            <a:endCxn id="11" idx="2"/>
+          </p:cNvCxnSpPr>
+          <p:nvPr/>
+        </p:nvCxnSpPr>
+        <p:spPr>
+          <a:xfrm rot="5400000" flipH="1">
+            <a:off x="3547270" y="1212452"/>
+            <a:ext cx="98872" cy="2621174"/>
+          </a:xfrm>
+          <a:prstGeom prst="bentConnector3">
+            <a:avLst>
+              <a:gd name="adj1" fmla="val -231208"/>
+            </a:avLst>
+          </a:prstGeom>
+          <a:ln>
+            <a:tailEnd type="triangle"/>
+          </a:ln>
+        </p:spPr>
+        <p:style>
+          <a:lnRef idx="2">
+            <a:schemeClr val="accent1"/>
+          </a:lnRef>
+          <a:fillRef idx="0">
+            <a:schemeClr val="accent1"/>
+          </a:fillRef>
+          <a:effectRef idx="1">
+            <a:schemeClr val="accent1"/>
+          </a:effectRef>
+          <a:fontRef idx="minor">
+            <a:schemeClr val="tx1"/>
+          </a:fontRef>
+        </p:style>
+      </p:cxnSp>
+      <p:cxnSp>
+        <p:nvCxnSpPr>
+          <p:cNvPr id="37" name="Straight Arrow Connector 36">
+            <a:extLst>
+              <a:ext uri="{FF2B5EF4-FFF2-40B4-BE49-F238E27FC236}">
+                <a16:creationId xmlns:a16="http://schemas.microsoft.com/office/drawing/2014/main" id="{44A5F239-7617-6EF4-46BA-3F1C7E850E9F}"/>
+              </a:ext>
+            </a:extLst>
+          </p:cNvPr>
+          <p:cNvCxnSpPr>
+            <a:cxnSpLocks/>
+            <a:stCxn id="3" idx="2"/>
+            <a:endCxn id="5" idx="0"/>
+          </p:cNvCxnSpPr>
+          <p:nvPr/>
+        </p:nvCxnSpPr>
+        <p:spPr>
+          <a:xfrm>
+            <a:off x="4907293" y="1439331"/>
+            <a:ext cx="0" cy="584510"/>
+          </a:xfrm>
+          <a:prstGeom prst="straightConnector1">
+            <a:avLst/>
+          </a:prstGeom>
+          <a:ln>
+            <a:headEnd type="triangle" w="med" len="med"/>
+            <a:tailEnd type="triangle" w="med" len="med"/>
+          </a:ln>
+        </p:spPr>
+        <p:style>
+          <a:lnRef idx="2">
+            <a:schemeClr val="accent1"/>
+          </a:lnRef>
+          <a:fillRef idx="0">
+            <a:schemeClr val="accent1"/>
+          </a:fillRef>
+          <a:effectRef idx="1">
+            <a:schemeClr val="accent1"/>
+          </a:effectRef>
+          <a:fontRef idx="minor">
+            <a:schemeClr val="tx1"/>
+          </a:fontRef>
+        </p:style>
+      </p:cxnSp>
+      <p:sp>
+        <p:nvSpPr>
+          <p:cNvPr id="43" name="Rectangle: Rounded Corners 42">
+            <a:extLst>
+              <a:ext uri="{FF2B5EF4-FFF2-40B4-BE49-F238E27FC236}">
+                <a16:creationId xmlns:a16="http://schemas.microsoft.com/office/drawing/2014/main" id="{63ABF052-8AC8-89B8-4AA6-0DFE6E69EDB2}"/>
               </a:ext>
             </a:extLst>
           </p:cNvPr>
@@ -16986,8 +17266,8 @@
         </p:nvSpPr>
         <p:spPr>
           <a:xfrm>
-            <a:off x="603607" y="1965990"/>
-            <a:ext cx="640073" cy="365756"/>
+            <a:off x="4146851" y="5188427"/>
+            <a:ext cx="914390" cy="548634"/>
           </a:xfrm>
           <a:prstGeom prst="roundRect">
             <a:avLst/>
@@ -17015,18 +17295,18 @@
           <a:p>
             <a:pPr algn="ctr"/>
             <a:r>
-              <a:rPr lang="en-US" sz="1200" dirty="0"/>
-              <a:t>Clear</a:t>
-            </a:r>
-          </a:p>
-        </p:txBody>
-      </p:sp>
-      <p:sp>
-        <p:nvSpPr>
-          <p:cNvPr id="12" name="Rectangle: Rounded Corners 11">
-            <a:extLst>
-              <a:ext uri="{FF2B5EF4-FFF2-40B4-BE49-F238E27FC236}">
-                <a16:creationId xmlns:a16="http://schemas.microsoft.com/office/drawing/2014/main" id="{97024C57-3800-D7FA-5137-CFA1850D665B}"/>
+              <a:rPr lang="en-US" sz="900" dirty="0"/>
+              <a:t> Net score lookup in point table</a:t>
+            </a:r>
+          </a:p>
+        </p:txBody>
+      </p:sp>
+      <p:sp>
+        <p:nvSpPr>
+          <p:cNvPr id="44" name="Rectangle 43">
+            <a:extLst>
+              <a:ext uri="{FF2B5EF4-FFF2-40B4-BE49-F238E27FC236}">
+                <a16:creationId xmlns:a16="http://schemas.microsoft.com/office/drawing/2014/main" id="{8F626FEE-526B-524B-8F73-11601AECA52F}"/>
               </a:ext>
             </a:extLst>
           </p:cNvPr>
@@ -17035,10 +17315,10 @@
         </p:nvSpPr>
         <p:spPr>
           <a:xfrm>
-            <a:off x="2993127" y="1965976"/>
-            <a:ext cx="640073" cy="365756"/>
-          </a:xfrm>
-          <a:prstGeom prst="roundRect">
+            <a:off x="6406403" y="3337561"/>
+            <a:ext cx="700952" cy="389343"/>
+          </a:xfrm>
+          <a:prstGeom prst="rect">
             <a:avLst/>
           </a:prstGeom>
         </p:spPr>
@@ -17064,35 +17344,37 @@
           <a:p>
             <a:pPr algn="ctr"/>
             <a:r>
-              <a:rPr lang="en-US" sz="1200" dirty="0"/>
-              <a:t>Set</a:t>
+              <a:rPr lang="en-US" sz="900" dirty="0"/>
+              <a:t>Pt Table</a:t>
             </a:r>
           </a:p>
         </p:txBody>
       </p:sp>
       <p:cxnSp>
         <p:nvCxnSpPr>
-          <p:cNvPr id="14" name="Straight Arrow Connector 13">
-            <a:extLst>
-              <a:ext uri="{FF2B5EF4-FFF2-40B4-BE49-F238E27FC236}">
-                <a16:creationId xmlns:a16="http://schemas.microsoft.com/office/drawing/2014/main" id="{40CFBC97-1DCB-7A60-4649-FB39D5E8C80B}"/>
+          <p:cNvPr id="46" name="Connector: Elbow 45">
+            <a:extLst>
+              <a:ext uri="{FF2B5EF4-FFF2-40B4-BE49-F238E27FC236}">
+                <a16:creationId xmlns:a16="http://schemas.microsoft.com/office/drawing/2014/main" id="{1C7EFC76-94B9-28F7-C11E-B2072B9576D2}"/>
               </a:ext>
             </a:extLst>
           </p:cNvPr>
           <p:cNvCxnSpPr>
             <a:cxnSpLocks/>
-            <a:stCxn id="6" idx="1"/>
-            <a:endCxn id="11" idx="3"/>
+            <a:stCxn id="4" idx="0"/>
+            <a:endCxn id="2" idx="0"/>
           </p:cNvCxnSpPr>
           <p:nvPr/>
         </p:nvCxnSpPr>
         <p:spPr>
-          <a:xfrm flipH="1">
-            <a:off x="1243680" y="2148854"/>
-            <a:ext cx="554687" cy="14"/>
-          </a:xfrm>
-          <a:prstGeom prst="straightConnector1">
-            <a:avLst/>
+          <a:xfrm rot="16200000" flipH="1" flipV="1">
+            <a:off x="3363017" y="2390601"/>
+            <a:ext cx="45720" cy="2460693"/>
+          </a:xfrm>
+          <a:prstGeom prst="bentConnector3">
+            <a:avLst>
+              <a:gd name="adj1" fmla="val -500000"/>
+            </a:avLst>
           </a:prstGeom>
           <a:ln>
             <a:tailEnd type="triangle"/>
@@ -17115,30 +17397,250 @@
       </p:cxnSp>
       <p:cxnSp>
         <p:nvCxnSpPr>
-          <p:cNvPr id="18" name="Straight Arrow Connector 17">
-            <a:extLst>
-              <a:ext uri="{FF2B5EF4-FFF2-40B4-BE49-F238E27FC236}">
-                <a16:creationId xmlns:a16="http://schemas.microsoft.com/office/drawing/2014/main" id="{D0C4506D-646F-3EC5-1BD0-EE9B021B2FC6}"/>
+          <p:cNvPr id="50" name="Straight Arrow Connector 49">
+            <a:extLst>
+              <a:ext uri="{FF2B5EF4-FFF2-40B4-BE49-F238E27FC236}">
+                <a16:creationId xmlns:a16="http://schemas.microsoft.com/office/drawing/2014/main" id="{115B6C64-81A2-DDF9-85D3-73D97E9280BA}"/>
               </a:ext>
             </a:extLst>
           </p:cNvPr>
           <p:cNvCxnSpPr>
             <a:cxnSpLocks/>
-            <a:stCxn id="6" idx="3"/>
-            <a:endCxn id="12" idx="1"/>
+            <a:stCxn id="2" idx="3"/>
+            <a:endCxn id="4" idx="1"/>
           </p:cNvCxnSpPr>
           <p:nvPr/>
         </p:nvCxnSpPr>
         <p:spPr>
           <a:xfrm>
-            <a:off x="2438440" y="2148854"/>
-            <a:ext cx="554687" cy="0"/>
+            <a:off x="2475566" y="3826686"/>
+            <a:ext cx="1700215" cy="0"/>
           </a:xfrm>
           <a:prstGeom prst="straightConnector1">
             <a:avLst/>
           </a:prstGeom>
           <a:ln>
             <a:tailEnd type="triangle"/>
+          </a:ln>
+        </p:spPr>
+        <p:style>
+          <a:lnRef idx="2">
+            <a:schemeClr val="accent1"/>
+          </a:lnRef>
+          <a:fillRef idx="0">
+            <a:schemeClr val="accent1"/>
+          </a:fillRef>
+          <a:effectRef idx="1">
+            <a:schemeClr val="accent1"/>
+          </a:effectRef>
+          <a:fontRef idx="minor">
+            <a:schemeClr val="tx1"/>
+          </a:fontRef>
+        </p:style>
+      </p:cxnSp>
+      <p:cxnSp>
+        <p:nvCxnSpPr>
+          <p:cNvPr id="55" name="Straight Arrow Connector 54">
+            <a:extLst>
+              <a:ext uri="{FF2B5EF4-FFF2-40B4-BE49-F238E27FC236}">
+                <a16:creationId xmlns:a16="http://schemas.microsoft.com/office/drawing/2014/main" id="{6A429535-EA06-E183-12B8-6F4AA74E1926}"/>
+              </a:ext>
+            </a:extLst>
+          </p:cNvPr>
+          <p:cNvCxnSpPr>
+            <a:cxnSpLocks/>
+            <a:stCxn id="12" idx="3"/>
+            <a:endCxn id="43" idx="1"/>
+          </p:cNvCxnSpPr>
+          <p:nvPr/>
+        </p:nvCxnSpPr>
+        <p:spPr>
+          <a:xfrm>
+            <a:off x="2786007" y="5449842"/>
+            <a:ext cx="1360844" cy="12902"/>
+          </a:xfrm>
+          <a:prstGeom prst="straightConnector1">
+            <a:avLst/>
+          </a:prstGeom>
+          <a:ln>
+            <a:tailEnd type="triangle"/>
+          </a:ln>
+        </p:spPr>
+        <p:style>
+          <a:lnRef idx="2">
+            <a:schemeClr val="accent1"/>
+          </a:lnRef>
+          <a:fillRef idx="0">
+            <a:schemeClr val="accent1"/>
+          </a:fillRef>
+          <a:effectRef idx="1">
+            <a:schemeClr val="accent1"/>
+          </a:effectRef>
+          <a:fontRef idx="minor">
+            <a:schemeClr val="tx1"/>
+          </a:fontRef>
+        </p:style>
+      </p:cxnSp>
+      <p:cxnSp>
+        <p:nvCxnSpPr>
+          <p:cNvPr id="59" name="Connector: Elbow 58">
+            <a:extLst>
+              <a:ext uri="{FF2B5EF4-FFF2-40B4-BE49-F238E27FC236}">
+                <a16:creationId xmlns:a16="http://schemas.microsoft.com/office/drawing/2014/main" id="{C9965F67-C4BB-08CA-0AB1-3D53851E2F16}"/>
+              </a:ext>
+            </a:extLst>
+          </p:cNvPr>
+          <p:cNvCxnSpPr>
+            <a:cxnSpLocks/>
+            <a:stCxn id="43" idx="2"/>
+            <a:endCxn id="12" idx="2"/>
+          </p:cNvCxnSpPr>
+          <p:nvPr/>
+        </p:nvCxnSpPr>
+        <p:spPr>
+          <a:xfrm rot="5400000" flipH="1">
+            <a:off x="3392912" y="4525928"/>
+            <a:ext cx="104341" cy="2317927"/>
+          </a:xfrm>
+          <a:prstGeom prst="bentConnector3">
+            <a:avLst>
+              <a:gd name="adj1" fmla="val -219089"/>
+            </a:avLst>
+          </a:prstGeom>
+          <a:ln>
+            <a:tailEnd type="triangle"/>
+          </a:ln>
+        </p:spPr>
+        <p:style>
+          <a:lnRef idx="2">
+            <a:schemeClr val="accent1"/>
+          </a:lnRef>
+          <a:fillRef idx="0">
+            <a:schemeClr val="accent1"/>
+          </a:fillRef>
+          <a:effectRef idx="1">
+            <a:schemeClr val="accent1"/>
+          </a:effectRef>
+          <a:fontRef idx="minor">
+            <a:schemeClr val="tx1"/>
+          </a:fontRef>
+        </p:style>
+      </p:cxnSp>
+      <p:cxnSp>
+        <p:nvCxnSpPr>
+          <p:cNvPr id="64" name="Straight Arrow Connector 63">
+            <a:extLst>
+              <a:ext uri="{FF2B5EF4-FFF2-40B4-BE49-F238E27FC236}">
+                <a16:creationId xmlns:a16="http://schemas.microsoft.com/office/drawing/2014/main" id="{2BA8F321-AC2B-D4BF-1643-22DAF763FC04}"/>
+              </a:ext>
+            </a:extLst>
+          </p:cNvPr>
+          <p:cNvCxnSpPr>
+            <a:cxnSpLocks/>
+            <a:stCxn id="4" idx="2"/>
+            <a:endCxn id="43" idx="0"/>
+          </p:cNvCxnSpPr>
+          <p:nvPr/>
+        </p:nvCxnSpPr>
+        <p:spPr>
+          <a:xfrm flipH="1">
+            <a:off x="4604046" y="4055283"/>
+            <a:ext cx="12177" cy="1133144"/>
+          </a:xfrm>
+          <a:prstGeom prst="straightConnector1">
+            <a:avLst/>
+          </a:prstGeom>
+          <a:ln>
+            <a:headEnd type="triangle" w="med" len="med"/>
+            <a:tailEnd type="triangle" w="med" len="med"/>
+          </a:ln>
+        </p:spPr>
+        <p:style>
+          <a:lnRef idx="2">
+            <a:schemeClr val="accent1"/>
+          </a:lnRef>
+          <a:fillRef idx="0">
+            <a:schemeClr val="accent1"/>
+          </a:fillRef>
+          <a:effectRef idx="1">
+            <a:schemeClr val="accent1"/>
+          </a:effectRef>
+          <a:fontRef idx="minor">
+            <a:schemeClr val="tx1"/>
+          </a:fontRef>
+        </p:style>
+      </p:cxnSp>
+      <p:cxnSp>
+        <p:nvCxnSpPr>
+          <p:cNvPr id="73" name="Connector: Elbow 72">
+            <a:extLst>
+              <a:ext uri="{FF2B5EF4-FFF2-40B4-BE49-F238E27FC236}">
+                <a16:creationId xmlns:a16="http://schemas.microsoft.com/office/drawing/2014/main" id="{647B20AC-FFA9-1730-A570-E3500CF01A14}"/>
+              </a:ext>
+            </a:extLst>
+          </p:cNvPr>
+          <p:cNvCxnSpPr>
+            <a:cxnSpLocks/>
+            <a:stCxn id="43" idx="3"/>
+            <a:endCxn id="44" idx="2"/>
+          </p:cNvCxnSpPr>
+          <p:nvPr/>
+        </p:nvCxnSpPr>
+        <p:spPr>
+          <a:xfrm flipV="1">
+            <a:off x="5061241" y="3726904"/>
+            <a:ext cx="1695638" cy="1735840"/>
+          </a:xfrm>
+          <a:prstGeom prst="bentConnector2">
+            <a:avLst/>
+          </a:prstGeom>
+          <a:ln>
+            <a:headEnd type="triangle" w="med" len="med"/>
+            <a:tailEnd type="triangle" w="med" len="med"/>
+          </a:ln>
+        </p:spPr>
+        <p:style>
+          <a:lnRef idx="2">
+            <a:schemeClr val="accent1"/>
+          </a:lnRef>
+          <a:fillRef idx="0">
+            <a:schemeClr val="accent1"/>
+          </a:fillRef>
+          <a:effectRef idx="1">
+            <a:schemeClr val="accent1"/>
+          </a:effectRef>
+          <a:fontRef idx="minor">
+            <a:schemeClr val="tx1"/>
+          </a:fontRef>
+        </p:style>
+      </p:cxnSp>
+      <p:cxnSp>
+        <p:nvCxnSpPr>
+          <p:cNvPr id="76" name="Connector: Elbow 75">
+            <a:extLst>
+              <a:ext uri="{FF2B5EF4-FFF2-40B4-BE49-F238E27FC236}">
+                <a16:creationId xmlns:a16="http://schemas.microsoft.com/office/drawing/2014/main" id="{8DC7892F-EDFD-E52C-BDCC-AF8E973F4956}"/>
+              </a:ext>
+            </a:extLst>
+          </p:cNvPr>
+          <p:cNvCxnSpPr>
+            <a:cxnSpLocks/>
+            <a:stCxn id="5" idx="3"/>
+            <a:endCxn id="44" idx="0"/>
+          </p:cNvCxnSpPr>
+          <p:nvPr/>
+        </p:nvCxnSpPr>
+        <p:spPr>
+          <a:xfrm>
+            <a:off x="5364488" y="2298158"/>
+            <a:ext cx="1392391" cy="1039403"/>
+          </a:xfrm>
+          <a:prstGeom prst="bentConnector2">
+            <a:avLst/>
+          </a:prstGeom>
+          <a:ln>
+            <a:headEnd type="triangle" w="med" len="med"/>
+            <a:tailEnd type="triangle" w="med" len="med"/>
           </a:ln>
         </p:spPr>
         <p:style>

--- a/Documentation/TeamScoreLayout.pptx
+++ b/Documentation/TeamScoreLayout.pptx
@@ -841,7 +841,7 @@
           <a:p>
             <a:fld id="{955A69D3-FF78-44E1-BB41-3D13FA416A59}" type="datetimeFigureOut">
               <a:rPr lang="en-US" smtClean="0"/>
-              <a:t>05/14/24</a:t>
+              <a:t>06/02/24</a:t>
             </a:fld>
             <a:endParaRPr lang="en-US"/>
           </a:p>
@@ -1039,7 +1039,7 @@
           <a:p>
             <a:fld id="{955A69D3-FF78-44E1-BB41-3D13FA416A59}" type="datetimeFigureOut">
               <a:rPr lang="en-US" smtClean="0"/>
-              <a:t>05/14/24</a:t>
+              <a:t>06/02/24</a:t>
             </a:fld>
             <a:endParaRPr lang="en-US"/>
           </a:p>
@@ -1247,7 +1247,7 @@
           <a:p>
             <a:fld id="{955A69D3-FF78-44E1-BB41-3D13FA416A59}" type="datetimeFigureOut">
               <a:rPr lang="en-US" smtClean="0"/>
-              <a:t>05/14/24</a:t>
+              <a:t>06/02/24</a:t>
             </a:fld>
             <a:endParaRPr lang="en-US"/>
           </a:p>
@@ -1445,7 +1445,7 @@
           <a:p>
             <a:fld id="{955A69D3-FF78-44E1-BB41-3D13FA416A59}" type="datetimeFigureOut">
               <a:rPr lang="en-US" smtClean="0"/>
-              <a:t>05/14/24</a:t>
+              <a:t>06/02/24</a:t>
             </a:fld>
             <a:endParaRPr lang="en-US"/>
           </a:p>
@@ -1720,7 +1720,7 @@
           <a:p>
             <a:fld id="{955A69D3-FF78-44E1-BB41-3D13FA416A59}" type="datetimeFigureOut">
               <a:rPr lang="en-US" smtClean="0"/>
-              <a:t>05/14/24</a:t>
+              <a:t>06/02/24</a:t>
             </a:fld>
             <a:endParaRPr lang="en-US"/>
           </a:p>
@@ -1985,7 +1985,7 @@
           <a:p>
             <a:fld id="{955A69D3-FF78-44E1-BB41-3D13FA416A59}" type="datetimeFigureOut">
               <a:rPr lang="en-US" smtClean="0"/>
-              <a:t>05/14/24</a:t>
+              <a:t>06/02/24</a:t>
             </a:fld>
             <a:endParaRPr lang="en-US"/>
           </a:p>
@@ -2397,7 +2397,7 @@
           <a:p>
             <a:fld id="{955A69D3-FF78-44E1-BB41-3D13FA416A59}" type="datetimeFigureOut">
               <a:rPr lang="en-US" smtClean="0"/>
-              <a:t>05/14/24</a:t>
+              <a:t>06/02/24</a:t>
             </a:fld>
             <a:endParaRPr lang="en-US"/>
           </a:p>
@@ -2538,7 +2538,7 @@
           <a:p>
             <a:fld id="{955A69D3-FF78-44E1-BB41-3D13FA416A59}" type="datetimeFigureOut">
               <a:rPr lang="en-US" smtClean="0"/>
-              <a:t>05/14/24</a:t>
+              <a:t>06/02/24</a:t>
             </a:fld>
             <a:endParaRPr lang="en-US"/>
           </a:p>
@@ -2651,7 +2651,7 @@
           <a:p>
             <a:fld id="{955A69D3-FF78-44E1-BB41-3D13FA416A59}" type="datetimeFigureOut">
               <a:rPr lang="en-US" smtClean="0"/>
-              <a:t>05/14/24</a:t>
+              <a:t>06/02/24</a:t>
             </a:fld>
             <a:endParaRPr lang="en-US"/>
           </a:p>
@@ -2962,7 +2962,7 @@
           <a:p>
             <a:fld id="{955A69D3-FF78-44E1-BB41-3D13FA416A59}" type="datetimeFigureOut">
               <a:rPr lang="en-US" smtClean="0"/>
-              <a:t>05/14/24</a:t>
+              <a:t>06/02/24</a:t>
             </a:fld>
             <a:endParaRPr lang="en-US"/>
           </a:p>
@@ -3250,7 +3250,7 @@
           <a:p>
             <a:fld id="{955A69D3-FF78-44E1-BB41-3D13FA416A59}" type="datetimeFigureOut">
               <a:rPr lang="en-US" smtClean="0"/>
-              <a:t>05/14/24</a:t>
+              <a:t>06/02/24</a:t>
             </a:fld>
             <a:endParaRPr lang="en-US"/>
           </a:p>
@@ -3491,7 +3491,7 @@
           <a:p>
             <a:fld id="{955A69D3-FF78-44E1-BB41-3D13FA416A59}" type="datetimeFigureOut">
               <a:rPr lang="en-US" smtClean="0"/>
-              <a:t>05/14/24</a:t>
+              <a:t>06/02/24</a:t>
             </a:fld>
             <a:endParaRPr lang="en-US"/>
           </a:p>
@@ -19402,8 +19402,13 @@
           <a:p>
             <a:r>
               <a:rPr lang="en-US" sz="1000" dirty="0"/>
-              <a:t>Pars X	Player – XX	 ???</a:t>
-            </a:r>
+              <a:t>Pars X</a:t>
+            </a:r>
+            <a:r>
+              <a:rPr lang="en-US" sz="1000"/>
+              <a:t>	</a:t>
+            </a:r>
+            <a:endParaRPr lang="en-US" sz="1000" dirty="0"/>
           </a:p>
           <a:p>
             <a:r>

--- a/Documentation/TeamScoreLayout.pptx
+++ b/Documentation/TeamScoreLayout.pptx
@@ -842,7 +842,7 @@
           <a:p>
             <a:fld id="{955A69D3-FF78-44E1-BB41-3D13FA416A59}" type="datetimeFigureOut">
               <a:rPr lang="en-US" smtClean="0"/>
-              <a:t>06/05/24</a:t>
+              <a:t>06/20/24</a:t>
             </a:fld>
             <a:endParaRPr lang="en-US"/>
           </a:p>
@@ -1040,7 +1040,7 @@
           <a:p>
             <a:fld id="{955A69D3-FF78-44E1-BB41-3D13FA416A59}" type="datetimeFigureOut">
               <a:rPr lang="en-US" smtClean="0"/>
-              <a:t>06/05/24</a:t>
+              <a:t>06/20/24</a:t>
             </a:fld>
             <a:endParaRPr lang="en-US"/>
           </a:p>
@@ -1248,7 +1248,7 @@
           <a:p>
             <a:fld id="{955A69D3-FF78-44E1-BB41-3D13FA416A59}" type="datetimeFigureOut">
               <a:rPr lang="en-US" smtClean="0"/>
-              <a:t>06/05/24</a:t>
+              <a:t>06/20/24</a:t>
             </a:fld>
             <a:endParaRPr lang="en-US"/>
           </a:p>
@@ -1446,7 +1446,7 @@
           <a:p>
             <a:fld id="{955A69D3-FF78-44E1-BB41-3D13FA416A59}" type="datetimeFigureOut">
               <a:rPr lang="en-US" smtClean="0"/>
-              <a:t>06/05/24</a:t>
+              <a:t>06/20/24</a:t>
             </a:fld>
             <a:endParaRPr lang="en-US"/>
           </a:p>
@@ -1721,7 +1721,7 @@
           <a:p>
             <a:fld id="{955A69D3-FF78-44E1-BB41-3D13FA416A59}" type="datetimeFigureOut">
               <a:rPr lang="en-US" smtClean="0"/>
-              <a:t>06/05/24</a:t>
+              <a:t>06/20/24</a:t>
             </a:fld>
             <a:endParaRPr lang="en-US"/>
           </a:p>
@@ -1986,7 +1986,7 @@
           <a:p>
             <a:fld id="{955A69D3-FF78-44E1-BB41-3D13FA416A59}" type="datetimeFigureOut">
               <a:rPr lang="en-US" smtClean="0"/>
-              <a:t>06/05/24</a:t>
+              <a:t>06/20/24</a:t>
             </a:fld>
             <a:endParaRPr lang="en-US"/>
           </a:p>
@@ -2398,7 +2398,7 @@
           <a:p>
             <a:fld id="{955A69D3-FF78-44E1-BB41-3D13FA416A59}" type="datetimeFigureOut">
               <a:rPr lang="en-US" smtClean="0"/>
-              <a:t>06/05/24</a:t>
+              <a:t>06/20/24</a:t>
             </a:fld>
             <a:endParaRPr lang="en-US"/>
           </a:p>
@@ -2539,7 +2539,7 @@
           <a:p>
             <a:fld id="{955A69D3-FF78-44E1-BB41-3D13FA416A59}" type="datetimeFigureOut">
               <a:rPr lang="en-US" smtClean="0"/>
-              <a:t>06/05/24</a:t>
+              <a:t>06/20/24</a:t>
             </a:fld>
             <a:endParaRPr lang="en-US"/>
           </a:p>
@@ -2652,7 +2652,7 @@
           <a:p>
             <a:fld id="{955A69D3-FF78-44E1-BB41-3D13FA416A59}" type="datetimeFigureOut">
               <a:rPr lang="en-US" smtClean="0"/>
-              <a:t>06/05/24</a:t>
+              <a:t>06/20/24</a:t>
             </a:fld>
             <a:endParaRPr lang="en-US"/>
           </a:p>
@@ -2963,7 +2963,7 @@
           <a:p>
             <a:fld id="{955A69D3-FF78-44E1-BB41-3D13FA416A59}" type="datetimeFigureOut">
               <a:rPr lang="en-US" smtClean="0"/>
-              <a:t>06/05/24</a:t>
+              <a:t>06/20/24</a:t>
             </a:fld>
             <a:endParaRPr lang="en-US"/>
           </a:p>
@@ -3251,7 +3251,7 @@
           <a:p>
             <a:fld id="{955A69D3-FF78-44E1-BB41-3D13FA416A59}" type="datetimeFigureOut">
               <a:rPr lang="en-US" smtClean="0"/>
-              <a:t>06/05/24</a:t>
+              <a:t>06/20/24</a:t>
             </a:fld>
             <a:endParaRPr lang="en-US"/>
           </a:p>
@@ -3492,7 +3492,7 @@
           <a:p>
             <a:fld id="{955A69D3-FF78-44E1-BB41-3D13FA416A59}" type="datetimeFigureOut">
               <a:rPr lang="en-US" smtClean="0"/>
-              <a:t>06/05/24</a:t>
+              <a:t>06/20/24</a:t>
             </a:fld>
             <a:endParaRPr lang="en-US"/>
           </a:p>
@@ -13385,6 +13385,202 @@
           </a:p>
         </p:txBody>
       </p:sp>
+      <p:sp>
+        <p:nvSpPr>
+          <p:cNvPr id="4" name="Rectangle: Rounded Corners 3">
+            <a:extLst>
+              <a:ext uri="{FF2B5EF4-FFF2-40B4-BE49-F238E27FC236}">
+                <a16:creationId xmlns:a16="http://schemas.microsoft.com/office/drawing/2014/main" id="{98125945-F9FC-907E-FC78-0CAFD7438C4E}"/>
+              </a:ext>
+            </a:extLst>
+          </p:cNvPr>
+          <p:cNvSpPr/>
+          <p:nvPr/>
+        </p:nvSpPr>
+        <p:spPr>
+          <a:xfrm>
+            <a:off x="4925565" y="3170600"/>
+            <a:ext cx="569286" cy="313737"/>
+          </a:xfrm>
+          <a:prstGeom prst="roundRect">
+            <a:avLst/>
+          </a:prstGeom>
+        </p:spPr>
+        <p:style>
+          <a:lnRef idx="2">
+            <a:schemeClr val="accent1">
+              <a:shade val="15000"/>
+            </a:schemeClr>
+          </a:lnRef>
+          <a:fillRef idx="1">
+            <a:schemeClr val="accent1"/>
+          </a:fillRef>
+          <a:effectRef idx="0">
+            <a:schemeClr val="accent1"/>
+          </a:effectRef>
+          <a:fontRef idx="minor">
+            <a:schemeClr val="lt1"/>
+          </a:fontRef>
+        </p:style>
+        <p:txBody>
+          <a:bodyPr rtlCol="0" anchor="ctr"/>
+          <a:lstStyle/>
+          <a:p>
+            <a:pPr algn="ctr"/>
+            <a:r>
+              <a:rPr lang="en-US" sz="900" dirty="0"/>
+              <a:t>Junk</a:t>
+            </a:r>
+          </a:p>
+        </p:txBody>
+      </p:sp>
+      <p:sp>
+        <p:nvSpPr>
+          <p:cNvPr id="22" name="Rectangle: Rounded Corners 21">
+            <a:extLst>
+              <a:ext uri="{FF2B5EF4-FFF2-40B4-BE49-F238E27FC236}">
+                <a16:creationId xmlns:a16="http://schemas.microsoft.com/office/drawing/2014/main" id="{DF119ADF-23C3-ED2E-292B-1BC201E0971C}"/>
+              </a:ext>
+            </a:extLst>
+          </p:cNvPr>
+          <p:cNvSpPr/>
+          <p:nvPr/>
+        </p:nvSpPr>
+        <p:spPr>
+          <a:xfrm>
+            <a:off x="4905422" y="3741240"/>
+            <a:ext cx="569286" cy="313737"/>
+          </a:xfrm>
+          <a:prstGeom prst="roundRect">
+            <a:avLst/>
+          </a:prstGeom>
+        </p:spPr>
+        <p:style>
+          <a:lnRef idx="2">
+            <a:schemeClr val="accent1">
+              <a:shade val="15000"/>
+            </a:schemeClr>
+          </a:lnRef>
+          <a:fillRef idx="1">
+            <a:schemeClr val="accent1"/>
+          </a:fillRef>
+          <a:effectRef idx="0">
+            <a:schemeClr val="accent1"/>
+          </a:effectRef>
+          <a:fontRef idx="minor">
+            <a:schemeClr val="lt1"/>
+          </a:fontRef>
+        </p:style>
+        <p:txBody>
+          <a:bodyPr rtlCol="0" anchor="ctr"/>
+          <a:lstStyle/>
+          <a:p>
+            <a:pPr algn="ctr"/>
+            <a:r>
+              <a:rPr lang="en-US" sz="900" dirty="0"/>
+              <a:t>Junk</a:t>
+            </a:r>
+          </a:p>
+        </p:txBody>
+      </p:sp>
+      <p:sp>
+        <p:nvSpPr>
+          <p:cNvPr id="23" name="Rectangle: Rounded Corners 22">
+            <a:extLst>
+              <a:ext uri="{FF2B5EF4-FFF2-40B4-BE49-F238E27FC236}">
+                <a16:creationId xmlns:a16="http://schemas.microsoft.com/office/drawing/2014/main" id="{3169EBD2-DD89-4277-D6BB-EB907F5768FD}"/>
+              </a:ext>
+            </a:extLst>
+          </p:cNvPr>
+          <p:cNvSpPr/>
+          <p:nvPr/>
+        </p:nvSpPr>
+        <p:spPr>
+          <a:xfrm>
+            <a:off x="4900563" y="4386016"/>
+            <a:ext cx="569286" cy="313737"/>
+          </a:xfrm>
+          <a:prstGeom prst="roundRect">
+            <a:avLst/>
+          </a:prstGeom>
+        </p:spPr>
+        <p:style>
+          <a:lnRef idx="2">
+            <a:schemeClr val="accent1">
+              <a:shade val="15000"/>
+            </a:schemeClr>
+          </a:lnRef>
+          <a:fillRef idx="1">
+            <a:schemeClr val="accent1"/>
+          </a:fillRef>
+          <a:effectRef idx="0">
+            <a:schemeClr val="accent1"/>
+          </a:effectRef>
+          <a:fontRef idx="minor">
+            <a:schemeClr val="lt1"/>
+          </a:fontRef>
+        </p:style>
+        <p:txBody>
+          <a:bodyPr rtlCol="0" anchor="ctr"/>
+          <a:lstStyle/>
+          <a:p>
+            <a:pPr algn="ctr"/>
+            <a:r>
+              <a:rPr lang="en-US" sz="900" dirty="0"/>
+              <a:t>Junk</a:t>
+            </a:r>
+          </a:p>
+        </p:txBody>
+      </p:sp>
+      <p:sp>
+        <p:nvSpPr>
+          <p:cNvPr id="24" name="Rectangle: Rounded Corners 23">
+            <a:extLst>
+              <a:ext uri="{FF2B5EF4-FFF2-40B4-BE49-F238E27FC236}">
+                <a16:creationId xmlns:a16="http://schemas.microsoft.com/office/drawing/2014/main" id="{EF9F5EE1-34CC-61AF-ABCB-CAD1A844F91D}"/>
+              </a:ext>
+            </a:extLst>
+          </p:cNvPr>
+          <p:cNvSpPr/>
+          <p:nvPr/>
+        </p:nvSpPr>
+        <p:spPr>
+          <a:xfrm>
+            <a:off x="4888907" y="4977452"/>
+            <a:ext cx="569286" cy="313737"/>
+          </a:xfrm>
+          <a:prstGeom prst="roundRect">
+            <a:avLst/>
+          </a:prstGeom>
+        </p:spPr>
+        <p:style>
+          <a:lnRef idx="2">
+            <a:schemeClr val="accent1">
+              <a:shade val="15000"/>
+            </a:schemeClr>
+          </a:lnRef>
+          <a:fillRef idx="1">
+            <a:schemeClr val="accent1"/>
+          </a:fillRef>
+          <a:effectRef idx="0">
+            <a:schemeClr val="accent1"/>
+          </a:effectRef>
+          <a:fontRef idx="minor">
+            <a:schemeClr val="lt1"/>
+          </a:fontRef>
+        </p:style>
+        <p:txBody>
+          <a:bodyPr rtlCol="0" anchor="ctr"/>
+          <a:lstStyle/>
+          <a:p>
+            <a:pPr algn="ctr"/>
+            <a:r>
+              <a:rPr lang="en-US" sz="900" dirty="0"/>
+              <a:t>Junk</a:t>
+            </a:r>
+          </a:p>
+        </p:txBody>
+      </p:sp>
     </p:spTree>
     <p:extLst>
       <p:ext uri="{BB962C8B-B14F-4D97-AF65-F5344CB8AC3E}">
@@ -13795,7 +13991,7 @@
         </p:nvSpPr>
         <p:spPr>
           <a:xfrm>
-            <a:off x="3547896" y="2115991"/>
+            <a:off x="3568103" y="2115991"/>
             <a:ext cx="1274052" cy="487673"/>
           </a:xfrm>
           <a:prstGeom prst="rect">
@@ -13971,7 +14167,7 @@
         </p:nvSpPr>
         <p:spPr>
           <a:xfrm>
-            <a:off x="3284572" y="1840966"/>
+            <a:off x="3233051" y="1688083"/>
             <a:ext cx="1035861" cy="246221"/>
           </a:xfrm>
           <a:prstGeom prst="rect">
@@ -13994,10 +14190,1449 @@
       </p:sp>
       <p:cxnSp>
         <p:nvCxnSpPr>
-          <p:cNvPr id="31" name="Connector: Elbow 30">
-            <a:extLst>
-              <a:ext uri="{FF2B5EF4-FFF2-40B4-BE49-F238E27FC236}">
-                <a16:creationId xmlns:a16="http://schemas.microsoft.com/office/drawing/2014/main" id="{EF3840BD-E245-D0A7-B671-32F72665CC14}"/>
+          <p:cNvPr id="35" name="Connector: Elbow 34">
+            <a:extLst>
+              <a:ext uri="{FF2B5EF4-FFF2-40B4-BE49-F238E27FC236}">
+                <a16:creationId xmlns:a16="http://schemas.microsoft.com/office/drawing/2014/main" id="{BCDFBDC9-F646-8FDA-AC92-F48EB932CFBE}"/>
+              </a:ext>
+            </a:extLst>
+          </p:cNvPr>
+          <p:cNvCxnSpPr>
+            <a:cxnSpLocks/>
+            <a:stCxn id="6" idx="3"/>
+            <a:endCxn id="23" idx="0"/>
+          </p:cNvCxnSpPr>
+          <p:nvPr/>
+        </p:nvCxnSpPr>
+        <p:spPr>
+          <a:xfrm>
+            <a:off x="4842155" y="1267196"/>
+            <a:ext cx="734057" cy="848796"/>
+          </a:xfrm>
+          <a:prstGeom prst="bentConnector2">
+            <a:avLst/>
+          </a:prstGeom>
+          <a:ln>
+            <a:tailEnd type="triangle"/>
+          </a:ln>
+        </p:spPr>
+        <p:style>
+          <a:lnRef idx="2">
+            <a:schemeClr val="accent1"/>
+          </a:lnRef>
+          <a:fillRef idx="0">
+            <a:schemeClr val="accent1"/>
+          </a:fillRef>
+          <a:effectRef idx="1">
+            <a:schemeClr val="accent1"/>
+          </a:effectRef>
+          <a:fontRef idx="minor">
+            <a:schemeClr val="tx1"/>
+          </a:fontRef>
+        </p:style>
+      </p:cxnSp>
+      <p:sp>
+        <p:nvSpPr>
+          <p:cNvPr id="38" name="TextBox 37">
+            <a:extLst>
+              <a:ext uri="{FF2B5EF4-FFF2-40B4-BE49-F238E27FC236}">
+                <a16:creationId xmlns:a16="http://schemas.microsoft.com/office/drawing/2014/main" id="{7D8DD686-077D-327D-73D3-D32D174C7AF2}"/>
+              </a:ext>
+            </a:extLst>
+          </p:cNvPr>
+          <p:cNvSpPr txBox="1"/>
+          <p:nvPr/>
+        </p:nvSpPr>
+        <p:spPr>
+          <a:xfrm>
+            <a:off x="4885959" y="1811194"/>
+            <a:ext cx="1380506" cy="246221"/>
+          </a:xfrm>
+          <a:prstGeom prst="rect">
+            <a:avLst/>
+          </a:prstGeom>
+          <a:noFill/>
+        </p:spPr>
+        <p:txBody>
+          <a:bodyPr wrap="none" rtlCol="0">
+            <a:spAutoFit/>
+          </a:bodyPr>
+          <a:lstStyle/>
+          <a:p>
+            <a:r>
+              <a:rPr lang="en-US" sz="1000" dirty="0"/>
+              <a:t>Route- Player Setup</a:t>
+            </a:r>
+          </a:p>
+        </p:txBody>
+      </p:sp>
+      <p:sp>
+        <p:nvSpPr>
+          <p:cNvPr id="4" name="Rectangle 3">
+            <a:extLst>
+              <a:ext uri="{FF2B5EF4-FFF2-40B4-BE49-F238E27FC236}">
+                <a16:creationId xmlns:a16="http://schemas.microsoft.com/office/drawing/2014/main" id="{392A10FA-3E98-BF27-E11A-68175AF0D143}"/>
+              </a:ext>
+            </a:extLst>
+          </p:cNvPr>
+          <p:cNvSpPr/>
+          <p:nvPr/>
+        </p:nvSpPr>
+        <p:spPr>
+          <a:xfrm>
+            <a:off x="7284705" y="2087186"/>
+            <a:ext cx="914390" cy="427423"/>
+          </a:xfrm>
+          <a:prstGeom prst="rect">
+            <a:avLst/>
+          </a:prstGeom>
+        </p:spPr>
+        <p:style>
+          <a:lnRef idx="2">
+            <a:schemeClr val="accent1">
+              <a:shade val="15000"/>
+            </a:schemeClr>
+          </a:lnRef>
+          <a:fillRef idx="1">
+            <a:schemeClr val="accent1"/>
+          </a:fillRef>
+          <a:effectRef idx="0">
+            <a:schemeClr val="accent1"/>
+          </a:effectRef>
+          <a:fontRef idx="minor">
+            <a:schemeClr val="lt1"/>
+          </a:fontRef>
+        </p:style>
+        <p:txBody>
+          <a:bodyPr rtlCol="0" anchor="ctr"/>
+          <a:lstStyle/>
+          <a:p>
+            <a:pPr algn="ctr"/>
+            <a:r>
+              <a:rPr lang="en-US" sz="1200" dirty="0"/>
+              <a:t>Score Cards</a:t>
+            </a:r>
+          </a:p>
+        </p:txBody>
+      </p:sp>
+      <p:sp>
+        <p:nvSpPr>
+          <p:cNvPr id="8" name="Rectangle 7">
+            <a:extLst>
+              <a:ext uri="{FF2B5EF4-FFF2-40B4-BE49-F238E27FC236}">
+                <a16:creationId xmlns:a16="http://schemas.microsoft.com/office/drawing/2014/main" id="{5C14E378-657B-403D-6BD8-207ED78F2365}"/>
+              </a:ext>
+            </a:extLst>
+          </p:cNvPr>
+          <p:cNvSpPr/>
+          <p:nvPr/>
+        </p:nvSpPr>
+        <p:spPr>
+          <a:xfrm>
+            <a:off x="9753560" y="2087187"/>
+            <a:ext cx="914390" cy="427423"/>
+          </a:xfrm>
+          <a:prstGeom prst="rect">
+            <a:avLst/>
+          </a:prstGeom>
+        </p:spPr>
+        <p:style>
+          <a:lnRef idx="2">
+            <a:schemeClr val="accent1">
+              <a:shade val="15000"/>
+            </a:schemeClr>
+          </a:lnRef>
+          <a:fillRef idx="1">
+            <a:schemeClr val="accent1"/>
+          </a:fillRef>
+          <a:effectRef idx="0">
+            <a:schemeClr val="accent1"/>
+          </a:effectRef>
+          <a:fontRef idx="minor">
+            <a:schemeClr val="lt1"/>
+          </a:fontRef>
+        </p:style>
+        <p:txBody>
+          <a:bodyPr rtlCol="0" anchor="ctr"/>
+          <a:lstStyle/>
+          <a:p>
+            <a:pPr algn="ctr"/>
+            <a:r>
+              <a:rPr lang="en-US" sz="1200" dirty="0"/>
+              <a:t>Players</a:t>
+            </a:r>
+          </a:p>
+          <a:p>
+            <a:pPr algn="ctr"/>
+            <a:r>
+              <a:rPr lang="en-US" sz="1200" dirty="0"/>
+              <a:t>Summary</a:t>
+            </a:r>
+          </a:p>
+        </p:txBody>
+      </p:sp>
+      <p:cxnSp>
+        <p:nvCxnSpPr>
+          <p:cNvPr id="10" name="Connector: Elbow 9">
+            <a:extLst>
+              <a:ext uri="{FF2B5EF4-FFF2-40B4-BE49-F238E27FC236}">
+                <a16:creationId xmlns:a16="http://schemas.microsoft.com/office/drawing/2014/main" id="{78C0B617-725D-7896-AAE9-1F8A6C831E3D}"/>
+              </a:ext>
+            </a:extLst>
+          </p:cNvPr>
+          <p:cNvCxnSpPr>
+            <a:cxnSpLocks/>
+            <a:stCxn id="7" idx="1"/>
+            <a:endCxn id="4" idx="0"/>
+          </p:cNvCxnSpPr>
+          <p:nvPr/>
+        </p:nvCxnSpPr>
+        <p:spPr>
+          <a:xfrm rot="10800000" flipV="1">
+            <a:off x="7741901" y="1203986"/>
+            <a:ext cx="822953" cy="883200"/>
+          </a:xfrm>
+          <a:prstGeom prst="bentConnector2">
+            <a:avLst/>
+          </a:prstGeom>
+          <a:ln>
+            <a:tailEnd type="triangle"/>
+          </a:ln>
+        </p:spPr>
+        <p:style>
+          <a:lnRef idx="2">
+            <a:schemeClr val="accent1"/>
+          </a:lnRef>
+          <a:fillRef idx="0">
+            <a:schemeClr val="accent1"/>
+          </a:fillRef>
+          <a:effectRef idx="1">
+            <a:schemeClr val="accent1"/>
+          </a:effectRef>
+          <a:fontRef idx="minor">
+            <a:schemeClr val="tx1"/>
+          </a:fontRef>
+        </p:style>
+      </p:cxnSp>
+      <p:cxnSp>
+        <p:nvCxnSpPr>
+          <p:cNvPr id="16" name="Connector: Elbow 15">
+            <a:extLst>
+              <a:ext uri="{FF2B5EF4-FFF2-40B4-BE49-F238E27FC236}">
+                <a16:creationId xmlns:a16="http://schemas.microsoft.com/office/drawing/2014/main" id="{9BEF6C4B-FEA4-F4A6-508E-CE1124EEF342}"/>
+              </a:ext>
+            </a:extLst>
+          </p:cNvPr>
+          <p:cNvCxnSpPr>
+            <a:cxnSpLocks/>
+            <a:stCxn id="7" idx="3"/>
+            <a:endCxn id="8" idx="0"/>
+          </p:cNvCxnSpPr>
+          <p:nvPr/>
+        </p:nvCxnSpPr>
+        <p:spPr>
+          <a:xfrm>
+            <a:off x="9479243" y="1203986"/>
+            <a:ext cx="731512" cy="883201"/>
+          </a:xfrm>
+          <a:prstGeom prst="bentConnector2">
+            <a:avLst/>
+          </a:prstGeom>
+          <a:ln>
+            <a:tailEnd type="triangle"/>
+          </a:ln>
+        </p:spPr>
+        <p:style>
+          <a:lnRef idx="2">
+            <a:schemeClr val="accent1"/>
+          </a:lnRef>
+          <a:fillRef idx="0">
+            <a:schemeClr val="accent1"/>
+          </a:fillRef>
+          <a:effectRef idx="1">
+            <a:schemeClr val="accent1"/>
+          </a:effectRef>
+          <a:fontRef idx="minor">
+            <a:schemeClr val="tx1"/>
+          </a:fontRef>
+        </p:style>
+      </p:cxnSp>
+      <p:sp>
+        <p:nvSpPr>
+          <p:cNvPr id="40" name="TextBox 39">
+            <a:extLst>
+              <a:ext uri="{FF2B5EF4-FFF2-40B4-BE49-F238E27FC236}">
+                <a16:creationId xmlns:a16="http://schemas.microsoft.com/office/drawing/2014/main" id="{72610539-5A46-CB69-9E09-C267E58F5D8B}"/>
+              </a:ext>
+            </a:extLst>
+          </p:cNvPr>
+          <p:cNvSpPr txBox="1"/>
+          <p:nvPr/>
+        </p:nvSpPr>
+        <p:spPr>
+          <a:xfrm>
+            <a:off x="7099867" y="1783580"/>
+            <a:ext cx="1329210" cy="246221"/>
+          </a:xfrm>
+          <a:prstGeom prst="rect">
+            <a:avLst/>
+          </a:prstGeom>
+          <a:noFill/>
+        </p:spPr>
+        <p:txBody>
+          <a:bodyPr wrap="none" rtlCol="0">
+            <a:spAutoFit/>
+          </a:bodyPr>
+          <a:lstStyle/>
+          <a:p>
+            <a:r>
+              <a:rPr lang="en-US" sz="1000" dirty="0"/>
+              <a:t>Route – Score Card</a:t>
+            </a:r>
+          </a:p>
+        </p:txBody>
+      </p:sp>
+      <p:sp>
+        <p:nvSpPr>
+          <p:cNvPr id="41" name="TextBox 40">
+            <a:extLst>
+              <a:ext uri="{FF2B5EF4-FFF2-40B4-BE49-F238E27FC236}">
+                <a16:creationId xmlns:a16="http://schemas.microsoft.com/office/drawing/2014/main" id="{D2056EBF-3966-6AEA-E823-573C690C791F}"/>
+              </a:ext>
+            </a:extLst>
+          </p:cNvPr>
+          <p:cNvSpPr txBox="1"/>
+          <p:nvPr/>
+        </p:nvSpPr>
+        <p:spPr>
+          <a:xfrm>
+            <a:off x="9662121" y="1790840"/>
+            <a:ext cx="1258678" cy="246221"/>
+          </a:xfrm>
+          <a:prstGeom prst="rect">
+            <a:avLst/>
+          </a:prstGeom>
+          <a:noFill/>
+        </p:spPr>
+        <p:txBody>
+          <a:bodyPr wrap="none" rtlCol="0">
+            <a:spAutoFit/>
+          </a:bodyPr>
+          <a:lstStyle/>
+          <a:p>
+            <a:r>
+              <a:rPr lang="en-US" sz="1000" dirty="0"/>
+              <a:t>Route – Summary</a:t>
+            </a:r>
+          </a:p>
+        </p:txBody>
+      </p:sp>
+      <p:sp>
+        <p:nvSpPr>
+          <p:cNvPr id="42" name="Rectangle 41">
+            <a:extLst>
+              <a:ext uri="{FF2B5EF4-FFF2-40B4-BE49-F238E27FC236}">
+                <a16:creationId xmlns:a16="http://schemas.microsoft.com/office/drawing/2014/main" id="{A1355EFA-AAE8-E1C5-1FB0-175E808AC82C}"/>
+              </a:ext>
+            </a:extLst>
+          </p:cNvPr>
+          <p:cNvSpPr/>
+          <p:nvPr/>
+        </p:nvSpPr>
+        <p:spPr>
+          <a:xfrm>
+            <a:off x="417964" y="3173635"/>
+            <a:ext cx="1737341" cy="1920219"/>
+          </a:xfrm>
+          <a:prstGeom prst="rect">
+            <a:avLst/>
+          </a:prstGeom>
+        </p:spPr>
+        <p:style>
+          <a:lnRef idx="2">
+            <a:schemeClr val="accent4"/>
+          </a:lnRef>
+          <a:fillRef idx="1">
+            <a:schemeClr val="lt1"/>
+          </a:fillRef>
+          <a:effectRef idx="0">
+            <a:schemeClr val="accent4"/>
+          </a:effectRef>
+          <a:fontRef idx="minor">
+            <a:schemeClr val="dk1"/>
+          </a:fontRef>
+        </p:style>
+        <p:txBody>
+          <a:bodyPr rtlCol="0" anchor="t"/>
+          <a:lstStyle/>
+          <a:p>
+            <a:pPr algn="ctr"/>
+            <a:r>
+              <a:rPr lang="en-US" sz="1200" dirty="0"/>
+              <a:t>Summary</a:t>
+            </a:r>
+          </a:p>
+        </p:txBody>
+      </p:sp>
+      <p:sp>
+        <p:nvSpPr>
+          <p:cNvPr id="43" name="Rectangle 42">
+            <a:extLst>
+              <a:ext uri="{FF2B5EF4-FFF2-40B4-BE49-F238E27FC236}">
+                <a16:creationId xmlns:a16="http://schemas.microsoft.com/office/drawing/2014/main" id="{3EDFE00B-E869-089A-8D38-92752904CF53}"/>
+              </a:ext>
+            </a:extLst>
+          </p:cNvPr>
+          <p:cNvSpPr/>
+          <p:nvPr/>
+        </p:nvSpPr>
+        <p:spPr>
+          <a:xfrm>
+            <a:off x="2666427" y="3155175"/>
+            <a:ext cx="1737341" cy="1920219"/>
+          </a:xfrm>
+          <a:prstGeom prst="rect">
+            <a:avLst/>
+          </a:prstGeom>
+        </p:spPr>
+        <p:style>
+          <a:lnRef idx="2">
+            <a:schemeClr val="accent4"/>
+          </a:lnRef>
+          <a:fillRef idx="1">
+            <a:schemeClr val="lt1"/>
+          </a:fillRef>
+          <a:effectRef idx="0">
+            <a:schemeClr val="accent4"/>
+          </a:effectRef>
+          <a:fontRef idx="minor">
+            <a:schemeClr val="dk1"/>
+          </a:fontRef>
+        </p:style>
+        <p:txBody>
+          <a:bodyPr rtlCol="0" anchor="t"/>
+          <a:lstStyle/>
+          <a:p>
+            <a:pPr algn="ctr"/>
+            <a:r>
+              <a:rPr lang="en-US" sz="1200" dirty="0"/>
+              <a:t>Courses</a:t>
+            </a:r>
+          </a:p>
+        </p:txBody>
+      </p:sp>
+      <p:sp>
+        <p:nvSpPr>
+          <p:cNvPr id="44" name="Rectangle 43">
+            <a:extLst>
+              <a:ext uri="{FF2B5EF4-FFF2-40B4-BE49-F238E27FC236}">
+                <a16:creationId xmlns:a16="http://schemas.microsoft.com/office/drawing/2014/main" id="{1138B4D4-7061-0D29-3E22-01A837851DED}"/>
+              </a:ext>
+            </a:extLst>
+          </p:cNvPr>
+          <p:cNvSpPr/>
+          <p:nvPr/>
+        </p:nvSpPr>
+        <p:spPr>
+          <a:xfrm>
+            <a:off x="6795087" y="3211673"/>
+            <a:ext cx="1737341" cy="1920219"/>
+          </a:xfrm>
+          <a:prstGeom prst="rect">
+            <a:avLst/>
+          </a:prstGeom>
+        </p:spPr>
+        <p:style>
+          <a:lnRef idx="2">
+            <a:schemeClr val="accent4"/>
+          </a:lnRef>
+          <a:fillRef idx="1">
+            <a:schemeClr val="lt1"/>
+          </a:fillRef>
+          <a:effectRef idx="0">
+            <a:schemeClr val="accent4"/>
+          </a:effectRef>
+          <a:fontRef idx="minor">
+            <a:schemeClr val="dk1"/>
+          </a:fontRef>
+        </p:style>
+        <p:txBody>
+          <a:bodyPr rtlCol="0" anchor="t"/>
+          <a:lstStyle/>
+          <a:p>
+            <a:pPr algn="ctr"/>
+            <a:r>
+              <a:rPr lang="en-US" sz="1200" dirty="0"/>
+              <a:t>Players</a:t>
+            </a:r>
+          </a:p>
+          <a:p>
+            <a:pPr algn="ctr"/>
+            <a:r>
+              <a:rPr lang="en-US" sz="1200" dirty="0"/>
+              <a:t>Setup</a:t>
+            </a:r>
+          </a:p>
+        </p:txBody>
+      </p:sp>
+      <p:sp>
+        <p:nvSpPr>
+          <p:cNvPr id="45" name="Rectangle 44">
+            <a:extLst>
+              <a:ext uri="{FF2B5EF4-FFF2-40B4-BE49-F238E27FC236}">
+                <a16:creationId xmlns:a16="http://schemas.microsoft.com/office/drawing/2014/main" id="{B5D2CD95-1114-9D90-BFBE-5D54B37A99A7}"/>
+              </a:ext>
+            </a:extLst>
+          </p:cNvPr>
+          <p:cNvSpPr/>
+          <p:nvPr/>
+        </p:nvSpPr>
+        <p:spPr>
+          <a:xfrm>
+            <a:off x="9396994" y="3208623"/>
+            <a:ext cx="1737341" cy="1920219"/>
+          </a:xfrm>
+          <a:prstGeom prst="rect">
+            <a:avLst/>
+          </a:prstGeom>
+        </p:spPr>
+        <p:style>
+          <a:lnRef idx="2">
+            <a:schemeClr val="accent4"/>
+          </a:lnRef>
+          <a:fillRef idx="1">
+            <a:schemeClr val="lt1"/>
+          </a:fillRef>
+          <a:effectRef idx="0">
+            <a:schemeClr val="accent4"/>
+          </a:effectRef>
+          <a:fontRef idx="minor">
+            <a:schemeClr val="dk1"/>
+          </a:fontRef>
+        </p:style>
+        <p:txBody>
+          <a:bodyPr rtlCol="0" anchor="t"/>
+          <a:lstStyle/>
+          <a:p>
+            <a:pPr algn="ctr"/>
+            <a:r>
+              <a:rPr lang="en-US" sz="1200" dirty="0"/>
+              <a:t>Score Card</a:t>
+            </a:r>
+          </a:p>
+        </p:txBody>
+      </p:sp>
+      <p:sp>
+        <p:nvSpPr>
+          <p:cNvPr id="46" name="Rectangle 45">
+            <a:extLst>
+              <a:ext uri="{FF2B5EF4-FFF2-40B4-BE49-F238E27FC236}">
+                <a16:creationId xmlns:a16="http://schemas.microsoft.com/office/drawing/2014/main" id="{7D886ADD-04FE-CFF1-5233-08C309C7812D}"/>
+              </a:ext>
+            </a:extLst>
+          </p:cNvPr>
+          <p:cNvSpPr/>
+          <p:nvPr/>
+        </p:nvSpPr>
+        <p:spPr>
+          <a:xfrm>
+            <a:off x="4632976" y="3208623"/>
+            <a:ext cx="1737341" cy="1920219"/>
+          </a:xfrm>
+          <a:prstGeom prst="rect">
+            <a:avLst/>
+          </a:prstGeom>
+        </p:spPr>
+        <p:style>
+          <a:lnRef idx="2">
+            <a:schemeClr val="accent4"/>
+          </a:lnRef>
+          <a:fillRef idx="1">
+            <a:schemeClr val="lt1"/>
+          </a:fillRef>
+          <a:effectRef idx="0">
+            <a:schemeClr val="accent4"/>
+          </a:effectRef>
+          <a:fontRef idx="minor">
+            <a:schemeClr val="dk1"/>
+          </a:fontRef>
+        </p:style>
+        <p:txBody>
+          <a:bodyPr rtlCol="0" anchor="t"/>
+          <a:lstStyle/>
+          <a:p>
+            <a:pPr algn="ctr"/>
+            <a:r>
+              <a:rPr lang="en-US" sz="1200" dirty="0"/>
+              <a:t>Course Detail</a:t>
+            </a:r>
+          </a:p>
+        </p:txBody>
+      </p:sp>
+      <p:sp>
+        <p:nvSpPr>
+          <p:cNvPr id="47" name="TextBox 46">
+            <a:extLst>
+              <a:ext uri="{FF2B5EF4-FFF2-40B4-BE49-F238E27FC236}">
+                <a16:creationId xmlns:a16="http://schemas.microsoft.com/office/drawing/2014/main" id="{ADE71E0A-1FDB-5A38-F47B-05CE9D5F75A4}"/>
+              </a:ext>
+            </a:extLst>
+          </p:cNvPr>
+          <p:cNvSpPr txBox="1"/>
+          <p:nvPr/>
+        </p:nvSpPr>
+        <p:spPr>
+          <a:xfrm>
+            <a:off x="737629" y="4809601"/>
+            <a:ext cx="640072" cy="215444"/>
+          </a:xfrm>
+          <a:prstGeom prst="rect">
+            <a:avLst/>
+          </a:prstGeom>
+          <a:noFill/>
+        </p:spPr>
+        <p:txBody>
+          <a:bodyPr wrap="square" rtlCol="0">
+            <a:spAutoFit/>
+          </a:bodyPr>
+          <a:lstStyle/>
+          <a:p>
+            <a:r>
+              <a:rPr lang="en-US" sz="800" dirty="0"/>
+              <a:t>Resume</a:t>
+            </a:r>
+          </a:p>
+        </p:txBody>
+      </p:sp>
+      <p:sp>
+        <p:nvSpPr>
+          <p:cNvPr id="48" name="TextBox 47">
+            <a:extLst>
+              <a:ext uri="{FF2B5EF4-FFF2-40B4-BE49-F238E27FC236}">
+                <a16:creationId xmlns:a16="http://schemas.microsoft.com/office/drawing/2014/main" id="{8E66ACBA-29EF-895B-EDC7-56B89C22569E}"/>
+              </a:ext>
+            </a:extLst>
+          </p:cNvPr>
+          <p:cNvSpPr txBox="1"/>
+          <p:nvPr/>
+        </p:nvSpPr>
+        <p:spPr>
+          <a:xfrm>
+            <a:off x="1196044" y="4832530"/>
+            <a:ext cx="640072" cy="215444"/>
+          </a:xfrm>
+          <a:prstGeom prst="rect">
+            <a:avLst/>
+          </a:prstGeom>
+          <a:noFill/>
+        </p:spPr>
+        <p:txBody>
+          <a:bodyPr wrap="square" rtlCol="0">
+            <a:spAutoFit/>
+          </a:bodyPr>
+          <a:lstStyle/>
+          <a:p>
+            <a:r>
+              <a:rPr lang="en-US" sz="800" dirty="0"/>
+              <a:t>Players</a:t>
+            </a:r>
+          </a:p>
+        </p:txBody>
+      </p:sp>
+      <p:sp>
+        <p:nvSpPr>
+          <p:cNvPr id="49" name="TextBox 48">
+            <a:extLst>
+              <a:ext uri="{FF2B5EF4-FFF2-40B4-BE49-F238E27FC236}">
+                <a16:creationId xmlns:a16="http://schemas.microsoft.com/office/drawing/2014/main" id="{B22664F1-130F-7A23-AA55-E3C2F8FAE3AF}"/>
+              </a:ext>
+            </a:extLst>
+          </p:cNvPr>
+          <p:cNvSpPr txBox="1"/>
+          <p:nvPr/>
+        </p:nvSpPr>
+        <p:spPr>
+          <a:xfrm>
+            <a:off x="1609282" y="4832530"/>
+            <a:ext cx="640072" cy="215444"/>
+          </a:xfrm>
+          <a:prstGeom prst="rect">
+            <a:avLst/>
+          </a:prstGeom>
+          <a:noFill/>
+        </p:spPr>
+        <p:txBody>
+          <a:bodyPr wrap="square" rtlCol="0">
+            <a:spAutoFit/>
+          </a:bodyPr>
+          <a:lstStyle/>
+          <a:p>
+            <a:r>
+              <a:rPr lang="en-US" sz="800" dirty="0"/>
+              <a:t>Courses</a:t>
+            </a:r>
+          </a:p>
+        </p:txBody>
+      </p:sp>
+      <p:sp>
+        <p:nvSpPr>
+          <p:cNvPr id="50" name="TextBox 49">
+            <a:extLst>
+              <a:ext uri="{FF2B5EF4-FFF2-40B4-BE49-F238E27FC236}">
+                <a16:creationId xmlns:a16="http://schemas.microsoft.com/office/drawing/2014/main" id="{2FC3953F-1433-4881-AD3A-22CCBC7B683F}"/>
+              </a:ext>
+            </a:extLst>
+          </p:cNvPr>
+          <p:cNvSpPr txBox="1"/>
+          <p:nvPr/>
+        </p:nvSpPr>
+        <p:spPr>
+          <a:xfrm>
+            <a:off x="463923" y="4800585"/>
+            <a:ext cx="448053" cy="215444"/>
+          </a:xfrm>
+          <a:prstGeom prst="rect">
+            <a:avLst/>
+          </a:prstGeom>
+          <a:noFill/>
+        </p:spPr>
+        <p:txBody>
+          <a:bodyPr wrap="square" rtlCol="0">
+            <a:spAutoFit/>
+          </a:bodyPr>
+          <a:lstStyle/>
+          <a:p>
+            <a:r>
+              <a:rPr lang="en-US" sz="800" dirty="0"/>
+              <a:t>Exit</a:t>
+            </a:r>
+          </a:p>
+        </p:txBody>
+      </p:sp>
+      <p:sp>
+        <p:nvSpPr>
+          <p:cNvPr id="52" name="TextBox 51">
+            <a:extLst>
+              <a:ext uri="{FF2B5EF4-FFF2-40B4-BE49-F238E27FC236}">
+                <a16:creationId xmlns:a16="http://schemas.microsoft.com/office/drawing/2014/main" id="{76352C36-F3AC-4575-D3A0-F372FB3CD7D2}"/>
+              </a:ext>
+            </a:extLst>
+          </p:cNvPr>
+          <p:cNvSpPr txBox="1"/>
+          <p:nvPr/>
+        </p:nvSpPr>
+        <p:spPr>
+          <a:xfrm>
+            <a:off x="4920742" y="4755553"/>
+            <a:ext cx="464717" cy="215444"/>
+          </a:xfrm>
+          <a:prstGeom prst="rect">
+            <a:avLst/>
+          </a:prstGeom>
+          <a:noFill/>
+        </p:spPr>
+        <p:txBody>
+          <a:bodyPr wrap="square" rtlCol="0">
+            <a:spAutoFit/>
+          </a:bodyPr>
+          <a:lstStyle/>
+          <a:p>
+            <a:r>
+              <a:rPr lang="en-US" sz="800" dirty="0"/>
+              <a:t>Save</a:t>
+            </a:r>
+          </a:p>
+        </p:txBody>
+      </p:sp>
+      <p:sp>
+        <p:nvSpPr>
+          <p:cNvPr id="53" name="TextBox 52">
+            <a:extLst>
+              <a:ext uri="{FF2B5EF4-FFF2-40B4-BE49-F238E27FC236}">
+                <a16:creationId xmlns:a16="http://schemas.microsoft.com/office/drawing/2014/main" id="{F96D4499-CCCA-4528-A3B3-BEEAC59B1F77}"/>
+              </a:ext>
+            </a:extLst>
+          </p:cNvPr>
+          <p:cNvSpPr txBox="1"/>
+          <p:nvPr/>
+        </p:nvSpPr>
+        <p:spPr>
+          <a:xfrm>
+            <a:off x="4938673" y="4631867"/>
+            <a:ext cx="640072" cy="215444"/>
+          </a:xfrm>
+          <a:prstGeom prst="rect">
+            <a:avLst/>
+          </a:prstGeom>
+          <a:noFill/>
+        </p:spPr>
+        <p:txBody>
+          <a:bodyPr wrap="square" rtlCol="0">
+            <a:spAutoFit/>
+          </a:bodyPr>
+          <a:lstStyle/>
+          <a:p>
+            <a:r>
+              <a:rPr lang="en-US" sz="800" dirty="0"/>
+              <a:t>Cancel</a:t>
+            </a:r>
+          </a:p>
+        </p:txBody>
+      </p:sp>
+      <p:sp>
+        <p:nvSpPr>
+          <p:cNvPr id="54" name="TextBox 53">
+            <a:extLst>
+              <a:ext uri="{FF2B5EF4-FFF2-40B4-BE49-F238E27FC236}">
+                <a16:creationId xmlns:a16="http://schemas.microsoft.com/office/drawing/2014/main" id="{34CECCC8-BE33-4E55-54E8-89A5DEC778D5}"/>
+              </a:ext>
+            </a:extLst>
+          </p:cNvPr>
+          <p:cNvSpPr txBox="1"/>
+          <p:nvPr/>
+        </p:nvSpPr>
+        <p:spPr>
+          <a:xfrm>
+            <a:off x="3214168" y="4800585"/>
+            <a:ext cx="444087" cy="215444"/>
+          </a:xfrm>
+          <a:prstGeom prst="rect">
+            <a:avLst/>
+          </a:prstGeom>
+          <a:noFill/>
+        </p:spPr>
+        <p:txBody>
+          <a:bodyPr wrap="square" rtlCol="0">
+            <a:spAutoFit/>
+          </a:bodyPr>
+          <a:lstStyle/>
+          <a:p>
+            <a:r>
+              <a:rPr lang="en-US" sz="800" dirty="0"/>
+              <a:t>Edit</a:t>
+            </a:r>
+          </a:p>
+        </p:txBody>
+      </p:sp>
+      <p:sp>
+        <p:nvSpPr>
+          <p:cNvPr id="55" name="TextBox 54">
+            <a:extLst>
+              <a:ext uri="{FF2B5EF4-FFF2-40B4-BE49-F238E27FC236}">
+                <a16:creationId xmlns:a16="http://schemas.microsoft.com/office/drawing/2014/main" id="{D886A7E6-3D3D-008F-4563-33C759880C5F}"/>
+              </a:ext>
+            </a:extLst>
+          </p:cNvPr>
+          <p:cNvSpPr txBox="1"/>
+          <p:nvPr/>
+        </p:nvSpPr>
+        <p:spPr>
+          <a:xfrm>
+            <a:off x="3555957" y="4809601"/>
+            <a:ext cx="518150" cy="215444"/>
+          </a:xfrm>
+          <a:prstGeom prst="rect">
+            <a:avLst/>
+          </a:prstGeom>
+          <a:noFill/>
+        </p:spPr>
+        <p:txBody>
+          <a:bodyPr wrap="square" rtlCol="0">
+            <a:spAutoFit/>
+          </a:bodyPr>
+          <a:lstStyle/>
+          <a:p>
+            <a:r>
+              <a:rPr lang="en-US" sz="800" dirty="0"/>
+              <a:t>Delete</a:t>
+            </a:r>
+          </a:p>
+        </p:txBody>
+      </p:sp>
+      <p:sp>
+        <p:nvSpPr>
+          <p:cNvPr id="56" name="TextBox 55">
+            <a:extLst>
+              <a:ext uri="{FF2B5EF4-FFF2-40B4-BE49-F238E27FC236}">
+                <a16:creationId xmlns:a16="http://schemas.microsoft.com/office/drawing/2014/main" id="{E72B9B68-2FD2-3897-D7A0-09F0DCE02D97}"/>
+              </a:ext>
+            </a:extLst>
+          </p:cNvPr>
+          <p:cNvSpPr txBox="1"/>
+          <p:nvPr/>
+        </p:nvSpPr>
+        <p:spPr>
+          <a:xfrm>
+            <a:off x="2755900" y="4771517"/>
+            <a:ext cx="533959" cy="215444"/>
+          </a:xfrm>
+          <a:prstGeom prst="rect">
+            <a:avLst/>
+          </a:prstGeom>
+          <a:noFill/>
+        </p:spPr>
+        <p:txBody>
+          <a:bodyPr wrap="square" rtlCol="0">
+            <a:spAutoFit/>
+          </a:bodyPr>
+          <a:lstStyle/>
+          <a:p>
+            <a:r>
+              <a:rPr lang="en-US" sz="800" dirty="0"/>
+              <a:t>Select</a:t>
+            </a:r>
+          </a:p>
+        </p:txBody>
+      </p:sp>
+      <p:sp>
+        <p:nvSpPr>
+          <p:cNvPr id="58" name="TextBox 57">
+            <a:extLst>
+              <a:ext uri="{FF2B5EF4-FFF2-40B4-BE49-F238E27FC236}">
+                <a16:creationId xmlns:a16="http://schemas.microsoft.com/office/drawing/2014/main" id="{14643CBF-784A-220E-7F55-12ACF5C91D2E}"/>
+              </a:ext>
+            </a:extLst>
+          </p:cNvPr>
+          <p:cNvSpPr txBox="1"/>
+          <p:nvPr/>
+        </p:nvSpPr>
+        <p:spPr>
+          <a:xfrm>
+            <a:off x="3259103" y="4619010"/>
+            <a:ext cx="444087" cy="215444"/>
+          </a:xfrm>
+          <a:prstGeom prst="rect">
+            <a:avLst/>
+          </a:prstGeom>
+          <a:noFill/>
+        </p:spPr>
+        <p:txBody>
+          <a:bodyPr wrap="square" rtlCol="0">
+            <a:spAutoFit/>
+          </a:bodyPr>
+          <a:lstStyle/>
+          <a:p>
+            <a:r>
+              <a:rPr lang="en-US" sz="800" dirty="0"/>
+              <a:t>Add</a:t>
+            </a:r>
+          </a:p>
+        </p:txBody>
+      </p:sp>
+      <p:sp>
+        <p:nvSpPr>
+          <p:cNvPr id="59" name="TextBox 58">
+            <a:extLst>
+              <a:ext uri="{FF2B5EF4-FFF2-40B4-BE49-F238E27FC236}">
+                <a16:creationId xmlns:a16="http://schemas.microsoft.com/office/drawing/2014/main" id="{B84F919A-62B6-340A-7166-74E0F595F5D5}"/>
+              </a:ext>
+            </a:extLst>
+          </p:cNvPr>
+          <p:cNvSpPr txBox="1"/>
+          <p:nvPr/>
+        </p:nvSpPr>
+        <p:spPr>
+          <a:xfrm>
+            <a:off x="7576419" y="4590947"/>
+            <a:ext cx="763255" cy="215444"/>
+          </a:xfrm>
+          <a:prstGeom prst="rect">
+            <a:avLst/>
+          </a:prstGeom>
+          <a:noFill/>
+        </p:spPr>
+        <p:txBody>
+          <a:bodyPr wrap="square" rtlCol="0">
+            <a:spAutoFit/>
+          </a:bodyPr>
+          <a:lstStyle/>
+          <a:p>
+            <a:r>
+              <a:rPr lang="en-US" sz="800" dirty="0"/>
+              <a:t>New Game</a:t>
+            </a:r>
+          </a:p>
+        </p:txBody>
+      </p:sp>
+      <p:sp>
+        <p:nvSpPr>
+          <p:cNvPr id="60" name="TextBox 59">
+            <a:extLst>
+              <a:ext uri="{FF2B5EF4-FFF2-40B4-BE49-F238E27FC236}">
+                <a16:creationId xmlns:a16="http://schemas.microsoft.com/office/drawing/2014/main" id="{A1DA61C5-1EBE-CED9-9FC7-67876CB1E067}"/>
+              </a:ext>
+            </a:extLst>
+          </p:cNvPr>
+          <p:cNvSpPr txBox="1"/>
+          <p:nvPr/>
+        </p:nvSpPr>
+        <p:spPr>
+          <a:xfrm>
+            <a:off x="9875482" y="4785317"/>
+            <a:ext cx="792468" cy="215444"/>
+          </a:xfrm>
+          <a:prstGeom prst="rect">
+            <a:avLst/>
+          </a:prstGeom>
+          <a:noFill/>
+        </p:spPr>
+        <p:txBody>
+          <a:bodyPr wrap="square" rtlCol="0">
+            <a:spAutoFit/>
+          </a:bodyPr>
+          <a:lstStyle/>
+          <a:p>
+            <a:r>
+              <a:rPr lang="en-US" sz="800" dirty="0"/>
+              <a:t>Summary</a:t>
+            </a:r>
+          </a:p>
+        </p:txBody>
+      </p:sp>
+      <p:sp>
+        <p:nvSpPr>
+          <p:cNvPr id="61" name="TextBox 60">
+            <a:extLst>
+              <a:ext uri="{FF2B5EF4-FFF2-40B4-BE49-F238E27FC236}">
+                <a16:creationId xmlns:a16="http://schemas.microsoft.com/office/drawing/2014/main" id="{434285EC-2393-D17C-BB35-A9FED771089F}"/>
+              </a:ext>
+            </a:extLst>
+          </p:cNvPr>
+          <p:cNvSpPr txBox="1"/>
+          <p:nvPr/>
+        </p:nvSpPr>
+        <p:spPr>
+          <a:xfrm>
+            <a:off x="7642115" y="4761333"/>
+            <a:ext cx="579111" cy="215444"/>
+          </a:xfrm>
+          <a:prstGeom prst="rect">
+            <a:avLst/>
+          </a:prstGeom>
+          <a:noFill/>
+        </p:spPr>
+        <p:txBody>
+          <a:bodyPr wrap="square" rtlCol="0">
+            <a:spAutoFit/>
+          </a:bodyPr>
+          <a:lstStyle/>
+          <a:p>
+            <a:r>
+              <a:rPr lang="en-US" sz="800" dirty="0"/>
+              <a:t>Update</a:t>
+            </a:r>
+          </a:p>
+        </p:txBody>
+      </p:sp>
+      <p:sp>
+        <p:nvSpPr>
+          <p:cNvPr id="62" name="TextBox 61">
+            <a:extLst>
+              <a:ext uri="{FF2B5EF4-FFF2-40B4-BE49-F238E27FC236}">
+                <a16:creationId xmlns:a16="http://schemas.microsoft.com/office/drawing/2014/main" id="{EA8C7D9E-04C2-12F1-8BFC-54A696DA0AF3}"/>
+              </a:ext>
+            </a:extLst>
+          </p:cNvPr>
+          <p:cNvSpPr txBox="1"/>
+          <p:nvPr/>
+        </p:nvSpPr>
+        <p:spPr>
+          <a:xfrm>
+            <a:off x="6906662" y="4800442"/>
+            <a:ext cx="548628" cy="215444"/>
+          </a:xfrm>
+          <a:prstGeom prst="rect">
+            <a:avLst/>
+          </a:prstGeom>
+          <a:noFill/>
+        </p:spPr>
+        <p:txBody>
+          <a:bodyPr wrap="square" rtlCol="0">
+            <a:spAutoFit/>
+          </a:bodyPr>
+          <a:lstStyle/>
+          <a:p>
+            <a:r>
+              <a:rPr lang="en-US" sz="800" dirty="0"/>
+              <a:t>Cancel</a:t>
+            </a:r>
+          </a:p>
+        </p:txBody>
+      </p:sp>
+      <p:cxnSp>
+        <p:nvCxnSpPr>
+          <p:cNvPr id="64" name="Connector: Elbow 63">
+            <a:extLst>
+              <a:ext uri="{FF2B5EF4-FFF2-40B4-BE49-F238E27FC236}">
+                <a16:creationId xmlns:a16="http://schemas.microsoft.com/office/drawing/2014/main" id="{05DFE876-BD02-34F4-4A6E-93CD45EE9E15}"/>
+              </a:ext>
+            </a:extLst>
+          </p:cNvPr>
+          <p:cNvCxnSpPr>
+            <a:cxnSpLocks/>
+            <a:stCxn id="49" idx="2"/>
+            <a:endCxn id="43" idx="1"/>
+          </p:cNvCxnSpPr>
+          <p:nvPr/>
+        </p:nvCxnSpPr>
+        <p:spPr>
+          <a:xfrm rot="5400000" flipH="1" flipV="1">
+            <a:off x="1831527" y="4213075"/>
+            <a:ext cx="932689" cy="737109"/>
+          </a:xfrm>
+          <a:prstGeom prst="bentConnector4">
+            <a:avLst>
+              <a:gd name="adj1" fmla="val -24510"/>
+              <a:gd name="adj2" fmla="val 71709"/>
+            </a:avLst>
+          </a:prstGeom>
+          <a:ln>
+            <a:tailEnd type="triangle"/>
+          </a:ln>
+        </p:spPr>
+        <p:style>
+          <a:lnRef idx="2">
+            <a:schemeClr val="accent1"/>
+          </a:lnRef>
+          <a:fillRef idx="0">
+            <a:schemeClr val="accent1"/>
+          </a:fillRef>
+          <a:effectRef idx="1">
+            <a:schemeClr val="accent1"/>
+          </a:effectRef>
+          <a:fontRef idx="minor">
+            <a:schemeClr val="tx1"/>
+          </a:fontRef>
+        </p:style>
+      </p:cxnSp>
+      <p:cxnSp>
+        <p:nvCxnSpPr>
+          <p:cNvPr id="70" name="Connector: Elbow 69">
+            <a:extLst>
+              <a:ext uri="{FF2B5EF4-FFF2-40B4-BE49-F238E27FC236}">
+                <a16:creationId xmlns:a16="http://schemas.microsoft.com/office/drawing/2014/main" id="{DF96C483-A456-1349-D48D-56E78359247F}"/>
+              </a:ext>
+            </a:extLst>
+          </p:cNvPr>
+          <p:cNvCxnSpPr>
+            <a:cxnSpLocks/>
+            <a:stCxn id="48" idx="2"/>
+            <a:endCxn id="44" idx="1"/>
+          </p:cNvCxnSpPr>
+          <p:nvPr/>
+        </p:nvCxnSpPr>
+        <p:spPr>
+          <a:xfrm rot="5400000" flipH="1" flipV="1">
+            <a:off x="3717487" y="1970375"/>
+            <a:ext cx="876191" cy="5279007"/>
+          </a:xfrm>
+          <a:prstGeom prst="bentConnector4">
+            <a:avLst>
+              <a:gd name="adj1" fmla="val -74096"/>
+              <a:gd name="adj2" fmla="val 97201"/>
+            </a:avLst>
+          </a:prstGeom>
+          <a:ln>
+            <a:tailEnd type="triangle"/>
+          </a:ln>
+        </p:spPr>
+        <p:style>
+          <a:lnRef idx="2">
+            <a:schemeClr val="accent1"/>
+          </a:lnRef>
+          <a:fillRef idx="0">
+            <a:schemeClr val="accent1"/>
+          </a:fillRef>
+          <a:effectRef idx="1">
+            <a:schemeClr val="accent1"/>
+          </a:effectRef>
+          <a:fontRef idx="minor">
+            <a:schemeClr val="tx1"/>
+          </a:fontRef>
+        </p:style>
+      </p:cxnSp>
+      <p:cxnSp>
+        <p:nvCxnSpPr>
+          <p:cNvPr id="78" name="Connector: Elbow 77">
+            <a:extLst>
+              <a:ext uri="{FF2B5EF4-FFF2-40B4-BE49-F238E27FC236}">
+                <a16:creationId xmlns:a16="http://schemas.microsoft.com/office/drawing/2014/main" id="{6C332EA1-9561-BE6B-FB5B-5D822436D335}"/>
+              </a:ext>
+            </a:extLst>
+          </p:cNvPr>
+          <p:cNvCxnSpPr>
+            <a:cxnSpLocks/>
+            <a:stCxn id="47" idx="2"/>
+            <a:endCxn id="45" idx="1"/>
+          </p:cNvCxnSpPr>
+          <p:nvPr/>
+        </p:nvCxnSpPr>
+        <p:spPr>
+          <a:xfrm rot="5400000" flipH="1" flipV="1">
+            <a:off x="4799173" y="427224"/>
+            <a:ext cx="856312" cy="8339329"/>
+          </a:xfrm>
+          <a:prstGeom prst="bentConnector4">
+            <a:avLst>
+              <a:gd name="adj1" fmla="val -138819"/>
+              <a:gd name="adj2" fmla="val 96108"/>
+            </a:avLst>
+          </a:prstGeom>
+          <a:ln>
+            <a:tailEnd type="triangle"/>
+          </a:ln>
+        </p:spPr>
+        <p:style>
+          <a:lnRef idx="2">
+            <a:schemeClr val="accent1"/>
+          </a:lnRef>
+          <a:fillRef idx="0">
+            <a:schemeClr val="accent1"/>
+          </a:fillRef>
+          <a:effectRef idx="1">
+            <a:schemeClr val="accent1"/>
+          </a:effectRef>
+          <a:fontRef idx="minor">
+            <a:schemeClr val="tx1"/>
+          </a:fontRef>
+        </p:style>
+      </p:cxnSp>
+      <p:cxnSp>
+        <p:nvCxnSpPr>
+          <p:cNvPr id="88" name="Connector: Elbow 87">
+            <a:extLst>
+              <a:ext uri="{FF2B5EF4-FFF2-40B4-BE49-F238E27FC236}">
+                <a16:creationId xmlns:a16="http://schemas.microsoft.com/office/drawing/2014/main" id="{0A3075FD-D4B9-F325-0575-B18F9D4DB54F}"/>
+              </a:ext>
+            </a:extLst>
+          </p:cNvPr>
+          <p:cNvCxnSpPr>
+            <a:cxnSpLocks/>
+            <a:stCxn id="56" idx="2"/>
+            <a:endCxn id="44" idx="1"/>
+          </p:cNvCxnSpPr>
+          <p:nvPr/>
+        </p:nvCxnSpPr>
+        <p:spPr>
+          <a:xfrm rot="5400000" flipH="1" flipV="1">
+            <a:off x="4501394" y="2693268"/>
+            <a:ext cx="815178" cy="3772207"/>
+          </a:xfrm>
+          <a:prstGeom prst="bentConnector4">
+            <a:avLst>
+              <a:gd name="adj1" fmla="val -63938"/>
+              <a:gd name="adj2" fmla="val 95717"/>
+            </a:avLst>
+          </a:prstGeom>
+          <a:ln>
+            <a:tailEnd type="triangle"/>
+          </a:ln>
+        </p:spPr>
+        <p:style>
+          <a:lnRef idx="2">
+            <a:schemeClr val="accent1"/>
+          </a:lnRef>
+          <a:fillRef idx="0">
+            <a:schemeClr val="accent1"/>
+          </a:fillRef>
+          <a:effectRef idx="1">
+            <a:schemeClr val="accent1"/>
+          </a:effectRef>
+          <a:fontRef idx="minor">
+            <a:schemeClr val="tx1"/>
+          </a:fontRef>
+        </p:style>
+      </p:cxnSp>
+      <p:cxnSp>
+        <p:nvCxnSpPr>
+          <p:cNvPr id="94" name="Connector: Elbow 93">
+            <a:extLst>
+              <a:ext uri="{FF2B5EF4-FFF2-40B4-BE49-F238E27FC236}">
+                <a16:creationId xmlns:a16="http://schemas.microsoft.com/office/drawing/2014/main" id="{BE399972-F9BA-637D-BB70-B7B3836E1AED}"/>
+              </a:ext>
+            </a:extLst>
+          </p:cNvPr>
+          <p:cNvCxnSpPr>
+            <a:cxnSpLocks/>
+            <a:stCxn id="54" idx="2"/>
+            <a:endCxn id="46" idx="1"/>
+          </p:cNvCxnSpPr>
+          <p:nvPr/>
+        </p:nvCxnSpPr>
+        <p:spPr>
+          <a:xfrm rot="5400000" flipH="1" flipV="1">
+            <a:off x="3610946" y="3993999"/>
+            <a:ext cx="847296" cy="1196764"/>
+          </a:xfrm>
+          <a:prstGeom prst="bentConnector4">
+            <a:avLst>
+              <a:gd name="adj1" fmla="val -38851"/>
+              <a:gd name="adj2" fmla="val 59277"/>
+            </a:avLst>
+          </a:prstGeom>
+          <a:ln>
+            <a:tailEnd type="triangle"/>
+          </a:ln>
+        </p:spPr>
+        <p:style>
+          <a:lnRef idx="2">
+            <a:schemeClr val="accent1"/>
+          </a:lnRef>
+          <a:fillRef idx="0">
+            <a:schemeClr val="accent1"/>
+          </a:fillRef>
+          <a:effectRef idx="1">
+            <a:schemeClr val="accent1"/>
+          </a:effectRef>
+          <a:fontRef idx="minor">
+            <a:schemeClr val="tx1"/>
+          </a:fontRef>
+        </p:style>
+      </p:cxnSp>
+      <p:cxnSp>
+        <p:nvCxnSpPr>
+          <p:cNvPr id="107" name="Connector: Elbow 106">
+            <a:extLst>
+              <a:ext uri="{FF2B5EF4-FFF2-40B4-BE49-F238E27FC236}">
+                <a16:creationId xmlns:a16="http://schemas.microsoft.com/office/drawing/2014/main" id="{C8F992D4-89E0-1852-31E2-87A5EA51483C}"/>
+              </a:ext>
+            </a:extLst>
+          </p:cNvPr>
+          <p:cNvCxnSpPr>
+            <a:cxnSpLocks/>
+            <a:stCxn id="52" idx="2"/>
+            <a:endCxn id="43" idx="3"/>
+          </p:cNvCxnSpPr>
+          <p:nvPr/>
+        </p:nvCxnSpPr>
+        <p:spPr>
+          <a:xfrm rot="5400000" flipH="1">
+            <a:off x="4350579" y="4168475"/>
+            <a:ext cx="855712" cy="749333"/>
+          </a:xfrm>
+          <a:prstGeom prst="bentConnector4">
+            <a:avLst>
+              <a:gd name="adj1" fmla="val -40607"/>
+              <a:gd name="adj2" fmla="val 83808"/>
+            </a:avLst>
+          </a:prstGeom>
+          <a:ln>
+            <a:tailEnd type="triangle"/>
+          </a:ln>
+        </p:spPr>
+        <p:style>
+          <a:lnRef idx="2">
+            <a:schemeClr val="accent1"/>
+          </a:lnRef>
+          <a:fillRef idx="0">
+            <a:schemeClr val="accent1"/>
+          </a:fillRef>
+          <a:effectRef idx="1">
+            <a:schemeClr val="accent1"/>
+          </a:effectRef>
+          <a:fontRef idx="minor">
+            <a:schemeClr val="tx1"/>
+          </a:fontRef>
+        </p:style>
+      </p:cxnSp>
+      <p:cxnSp>
+        <p:nvCxnSpPr>
+          <p:cNvPr id="113" name="Connector: Elbow 112">
+            <a:extLst>
+              <a:ext uri="{FF2B5EF4-FFF2-40B4-BE49-F238E27FC236}">
+                <a16:creationId xmlns:a16="http://schemas.microsoft.com/office/drawing/2014/main" id="{45C8C5C3-80AD-6D0E-7117-964EF0645C89}"/>
+              </a:ext>
+            </a:extLst>
+          </p:cNvPr>
+          <p:cNvCxnSpPr>
+            <a:cxnSpLocks/>
+            <a:stCxn id="61" idx="2"/>
+            <a:endCxn id="45" idx="1"/>
+          </p:cNvCxnSpPr>
+          <p:nvPr/>
+        </p:nvCxnSpPr>
+        <p:spPr>
+          <a:xfrm rot="5400000" flipH="1" flipV="1">
+            <a:off x="8260310" y="3840093"/>
+            <a:ext cx="808044" cy="1465323"/>
+          </a:xfrm>
+          <a:prstGeom prst="bentConnector4">
+            <a:avLst>
+              <a:gd name="adj1" fmla="val -63372"/>
+              <a:gd name="adj2" fmla="val 59880"/>
+            </a:avLst>
+          </a:prstGeom>
+          <a:ln>
+            <a:tailEnd type="triangle"/>
+          </a:ln>
+        </p:spPr>
+        <p:style>
+          <a:lnRef idx="2">
+            <a:schemeClr val="accent5"/>
+          </a:lnRef>
+          <a:fillRef idx="0">
+            <a:schemeClr val="accent5"/>
+          </a:fillRef>
+          <a:effectRef idx="1">
+            <a:schemeClr val="accent5"/>
+          </a:effectRef>
+          <a:fontRef idx="minor">
+            <a:schemeClr val="tx1"/>
+          </a:fontRef>
+        </p:style>
+      </p:cxnSp>
+      <p:cxnSp>
+        <p:nvCxnSpPr>
+          <p:cNvPr id="123" name="Connector: Elbow 122">
+            <a:extLst>
+              <a:ext uri="{FF2B5EF4-FFF2-40B4-BE49-F238E27FC236}">
+                <a16:creationId xmlns:a16="http://schemas.microsoft.com/office/drawing/2014/main" id="{34A02C89-A8A4-6410-B38B-F7893A39BDA7}"/>
+              </a:ext>
+            </a:extLst>
+          </p:cNvPr>
+          <p:cNvCxnSpPr>
+            <a:cxnSpLocks/>
+            <a:stCxn id="45" idx="2"/>
+            <a:endCxn id="42" idx="1"/>
+          </p:cNvCxnSpPr>
+          <p:nvPr/>
+        </p:nvCxnSpPr>
+        <p:spPr>
+          <a:xfrm rot="5400000" flipH="1">
+            <a:off x="4844266" y="-292556"/>
+            <a:ext cx="995097" cy="9847701"/>
+          </a:xfrm>
+          <a:prstGeom prst="bentConnector4">
+            <a:avLst>
+              <a:gd name="adj1" fmla="val -144269"/>
+              <a:gd name="adj2" fmla="val 102321"/>
+            </a:avLst>
+          </a:prstGeom>
+          <a:ln>
+            <a:tailEnd type="triangle"/>
+          </a:ln>
+        </p:spPr>
+        <p:style>
+          <a:lnRef idx="2">
+            <a:schemeClr val="accent6"/>
+          </a:lnRef>
+          <a:fillRef idx="0">
+            <a:schemeClr val="accent6"/>
+          </a:fillRef>
+          <a:effectRef idx="1">
+            <a:schemeClr val="accent6"/>
+          </a:effectRef>
+          <a:fontRef idx="minor">
+            <a:schemeClr val="tx1"/>
+          </a:fontRef>
+        </p:style>
+      </p:cxnSp>
+      <p:cxnSp>
+        <p:nvCxnSpPr>
+          <p:cNvPr id="9" name="Straight Arrow Connector 8">
+            <a:extLst>
+              <a:ext uri="{FF2B5EF4-FFF2-40B4-BE49-F238E27FC236}">
+                <a16:creationId xmlns:a16="http://schemas.microsoft.com/office/drawing/2014/main" id="{521EB574-607D-3565-63D4-E8C169182CED}"/>
               </a:ext>
             </a:extLst>
           </p:cNvPr>
@@ -14009,14 +15644,12 @@
           <p:nvPr/>
         </p:nvCxnSpPr>
         <p:spPr>
-          <a:xfrm rot="5400000">
-            <a:off x="3892547" y="1803408"/>
-            <a:ext cx="604959" cy="20207"/>
-          </a:xfrm>
-          <a:prstGeom prst="bentConnector3">
-            <a:avLst>
-              <a:gd name="adj1" fmla="val 50000"/>
-            </a:avLst>
+          <a:xfrm>
+            <a:off x="4205129" y="1511032"/>
+            <a:ext cx="0" cy="604959"/>
+          </a:xfrm>
+          <a:prstGeom prst="straightConnector1">
+            <a:avLst/>
           </a:prstGeom>
           <a:ln>
             <a:tailEnd type="triangle"/>
@@ -14031,1445 +15664,6 @@
           </a:fillRef>
           <a:effectRef idx="1">
             <a:schemeClr val="accent1"/>
-          </a:effectRef>
-          <a:fontRef idx="minor">
-            <a:schemeClr val="tx1"/>
-          </a:fontRef>
-        </p:style>
-      </p:cxnSp>
-      <p:cxnSp>
-        <p:nvCxnSpPr>
-          <p:cNvPr id="35" name="Connector: Elbow 34">
-            <a:extLst>
-              <a:ext uri="{FF2B5EF4-FFF2-40B4-BE49-F238E27FC236}">
-                <a16:creationId xmlns:a16="http://schemas.microsoft.com/office/drawing/2014/main" id="{BCDFBDC9-F646-8FDA-AC92-F48EB932CFBE}"/>
-              </a:ext>
-            </a:extLst>
-          </p:cNvPr>
-          <p:cNvCxnSpPr>
-            <a:cxnSpLocks/>
-            <a:stCxn id="6" idx="3"/>
-            <a:endCxn id="23" idx="0"/>
-          </p:cNvCxnSpPr>
-          <p:nvPr/>
-        </p:nvCxnSpPr>
-        <p:spPr>
-          <a:xfrm>
-            <a:off x="4842155" y="1267196"/>
-            <a:ext cx="734057" cy="848796"/>
-          </a:xfrm>
-          <a:prstGeom prst="bentConnector2">
-            <a:avLst/>
-          </a:prstGeom>
-          <a:ln>
-            <a:tailEnd type="triangle"/>
-          </a:ln>
-        </p:spPr>
-        <p:style>
-          <a:lnRef idx="2">
-            <a:schemeClr val="accent1"/>
-          </a:lnRef>
-          <a:fillRef idx="0">
-            <a:schemeClr val="accent1"/>
-          </a:fillRef>
-          <a:effectRef idx="1">
-            <a:schemeClr val="accent1"/>
-          </a:effectRef>
-          <a:fontRef idx="minor">
-            <a:schemeClr val="tx1"/>
-          </a:fontRef>
-        </p:style>
-      </p:cxnSp>
-      <p:sp>
-        <p:nvSpPr>
-          <p:cNvPr id="38" name="TextBox 37">
-            <a:extLst>
-              <a:ext uri="{FF2B5EF4-FFF2-40B4-BE49-F238E27FC236}">
-                <a16:creationId xmlns:a16="http://schemas.microsoft.com/office/drawing/2014/main" id="{7D8DD686-077D-327D-73D3-D32D174C7AF2}"/>
-              </a:ext>
-            </a:extLst>
-          </p:cNvPr>
-          <p:cNvSpPr txBox="1"/>
-          <p:nvPr/>
-        </p:nvSpPr>
-        <p:spPr>
-          <a:xfrm>
-            <a:off x="4885959" y="1811194"/>
-            <a:ext cx="1380506" cy="246221"/>
-          </a:xfrm>
-          <a:prstGeom prst="rect">
-            <a:avLst/>
-          </a:prstGeom>
-          <a:noFill/>
-        </p:spPr>
-        <p:txBody>
-          <a:bodyPr wrap="none" rtlCol="0">
-            <a:spAutoFit/>
-          </a:bodyPr>
-          <a:lstStyle/>
-          <a:p>
-            <a:r>
-              <a:rPr lang="en-US" sz="1000" dirty="0"/>
-              <a:t>Route- Player Setup</a:t>
-            </a:r>
-          </a:p>
-        </p:txBody>
-      </p:sp>
-      <p:sp>
-        <p:nvSpPr>
-          <p:cNvPr id="4" name="Rectangle 3">
-            <a:extLst>
-              <a:ext uri="{FF2B5EF4-FFF2-40B4-BE49-F238E27FC236}">
-                <a16:creationId xmlns:a16="http://schemas.microsoft.com/office/drawing/2014/main" id="{392A10FA-3E98-BF27-E11A-68175AF0D143}"/>
-              </a:ext>
-            </a:extLst>
-          </p:cNvPr>
-          <p:cNvSpPr/>
-          <p:nvPr/>
-        </p:nvSpPr>
-        <p:spPr>
-          <a:xfrm>
-            <a:off x="7284705" y="2087186"/>
-            <a:ext cx="914390" cy="427423"/>
-          </a:xfrm>
-          <a:prstGeom prst="rect">
-            <a:avLst/>
-          </a:prstGeom>
-        </p:spPr>
-        <p:style>
-          <a:lnRef idx="2">
-            <a:schemeClr val="accent1">
-              <a:shade val="15000"/>
-            </a:schemeClr>
-          </a:lnRef>
-          <a:fillRef idx="1">
-            <a:schemeClr val="accent1"/>
-          </a:fillRef>
-          <a:effectRef idx="0">
-            <a:schemeClr val="accent1"/>
-          </a:effectRef>
-          <a:fontRef idx="minor">
-            <a:schemeClr val="lt1"/>
-          </a:fontRef>
-        </p:style>
-        <p:txBody>
-          <a:bodyPr rtlCol="0" anchor="ctr"/>
-          <a:lstStyle/>
-          <a:p>
-            <a:pPr algn="ctr"/>
-            <a:r>
-              <a:rPr lang="en-US" sz="1200" dirty="0"/>
-              <a:t>Score Cards</a:t>
-            </a:r>
-          </a:p>
-        </p:txBody>
-      </p:sp>
-      <p:sp>
-        <p:nvSpPr>
-          <p:cNvPr id="8" name="Rectangle 7">
-            <a:extLst>
-              <a:ext uri="{FF2B5EF4-FFF2-40B4-BE49-F238E27FC236}">
-                <a16:creationId xmlns:a16="http://schemas.microsoft.com/office/drawing/2014/main" id="{5C14E378-657B-403D-6BD8-207ED78F2365}"/>
-              </a:ext>
-            </a:extLst>
-          </p:cNvPr>
-          <p:cNvSpPr/>
-          <p:nvPr/>
-        </p:nvSpPr>
-        <p:spPr>
-          <a:xfrm>
-            <a:off x="9753560" y="2087187"/>
-            <a:ext cx="914390" cy="427423"/>
-          </a:xfrm>
-          <a:prstGeom prst="rect">
-            <a:avLst/>
-          </a:prstGeom>
-        </p:spPr>
-        <p:style>
-          <a:lnRef idx="2">
-            <a:schemeClr val="accent1">
-              <a:shade val="15000"/>
-            </a:schemeClr>
-          </a:lnRef>
-          <a:fillRef idx="1">
-            <a:schemeClr val="accent1"/>
-          </a:fillRef>
-          <a:effectRef idx="0">
-            <a:schemeClr val="accent1"/>
-          </a:effectRef>
-          <a:fontRef idx="minor">
-            <a:schemeClr val="lt1"/>
-          </a:fontRef>
-        </p:style>
-        <p:txBody>
-          <a:bodyPr rtlCol="0" anchor="ctr"/>
-          <a:lstStyle/>
-          <a:p>
-            <a:pPr algn="ctr"/>
-            <a:r>
-              <a:rPr lang="en-US" sz="1200" dirty="0"/>
-              <a:t>Players</a:t>
-            </a:r>
-          </a:p>
-          <a:p>
-            <a:pPr algn="ctr"/>
-            <a:r>
-              <a:rPr lang="en-US" sz="1200" dirty="0"/>
-              <a:t>Summary</a:t>
-            </a:r>
-          </a:p>
-        </p:txBody>
-      </p:sp>
-      <p:cxnSp>
-        <p:nvCxnSpPr>
-          <p:cNvPr id="10" name="Connector: Elbow 9">
-            <a:extLst>
-              <a:ext uri="{FF2B5EF4-FFF2-40B4-BE49-F238E27FC236}">
-                <a16:creationId xmlns:a16="http://schemas.microsoft.com/office/drawing/2014/main" id="{78C0B617-725D-7896-AAE9-1F8A6C831E3D}"/>
-              </a:ext>
-            </a:extLst>
-          </p:cNvPr>
-          <p:cNvCxnSpPr>
-            <a:cxnSpLocks/>
-            <a:stCxn id="7" idx="1"/>
-            <a:endCxn id="4" idx="0"/>
-          </p:cNvCxnSpPr>
-          <p:nvPr/>
-        </p:nvCxnSpPr>
-        <p:spPr>
-          <a:xfrm rot="10800000" flipV="1">
-            <a:off x="7741901" y="1203986"/>
-            <a:ext cx="822953" cy="883200"/>
-          </a:xfrm>
-          <a:prstGeom prst="bentConnector2">
-            <a:avLst/>
-          </a:prstGeom>
-          <a:ln>
-            <a:tailEnd type="triangle"/>
-          </a:ln>
-        </p:spPr>
-        <p:style>
-          <a:lnRef idx="2">
-            <a:schemeClr val="accent1"/>
-          </a:lnRef>
-          <a:fillRef idx="0">
-            <a:schemeClr val="accent1"/>
-          </a:fillRef>
-          <a:effectRef idx="1">
-            <a:schemeClr val="accent1"/>
-          </a:effectRef>
-          <a:fontRef idx="minor">
-            <a:schemeClr val="tx1"/>
-          </a:fontRef>
-        </p:style>
-      </p:cxnSp>
-      <p:cxnSp>
-        <p:nvCxnSpPr>
-          <p:cNvPr id="16" name="Connector: Elbow 15">
-            <a:extLst>
-              <a:ext uri="{FF2B5EF4-FFF2-40B4-BE49-F238E27FC236}">
-                <a16:creationId xmlns:a16="http://schemas.microsoft.com/office/drawing/2014/main" id="{9BEF6C4B-FEA4-F4A6-508E-CE1124EEF342}"/>
-              </a:ext>
-            </a:extLst>
-          </p:cNvPr>
-          <p:cNvCxnSpPr>
-            <a:cxnSpLocks/>
-            <a:stCxn id="7" idx="3"/>
-            <a:endCxn id="8" idx="0"/>
-          </p:cNvCxnSpPr>
-          <p:nvPr/>
-        </p:nvCxnSpPr>
-        <p:spPr>
-          <a:xfrm>
-            <a:off x="9479243" y="1203986"/>
-            <a:ext cx="731512" cy="883201"/>
-          </a:xfrm>
-          <a:prstGeom prst="bentConnector2">
-            <a:avLst/>
-          </a:prstGeom>
-          <a:ln>
-            <a:tailEnd type="triangle"/>
-          </a:ln>
-        </p:spPr>
-        <p:style>
-          <a:lnRef idx="2">
-            <a:schemeClr val="accent1"/>
-          </a:lnRef>
-          <a:fillRef idx="0">
-            <a:schemeClr val="accent1"/>
-          </a:fillRef>
-          <a:effectRef idx="1">
-            <a:schemeClr val="accent1"/>
-          </a:effectRef>
-          <a:fontRef idx="minor">
-            <a:schemeClr val="tx1"/>
-          </a:fontRef>
-        </p:style>
-      </p:cxnSp>
-      <p:sp>
-        <p:nvSpPr>
-          <p:cNvPr id="40" name="TextBox 39">
-            <a:extLst>
-              <a:ext uri="{FF2B5EF4-FFF2-40B4-BE49-F238E27FC236}">
-                <a16:creationId xmlns:a16="http://schemas.microsoft.com/office/drawing/2014/main" id="{72610539-5A46-CB69-9E09-C267E58F5D8B}"/>
-              </a:ext>
-            </a:extLst>
-          </p:cNvPr>
-          <p:cNvSpPr txBox="1"/>
-          <p:nvPr/>
-        </p:nvSpPr>
-        <p:spPr>
-          <a:xfrm>
-            <a:off x="7099867" y="1783580"/>
-            <a:ext cx="1329210" cy="246221"/>
-          </a:xfrm>
-          <a:prstGeom prst="rect">
-            <a:avLst/>
-          </a:prstGeom>
-          <a:noFill/>
-        </p:spPr>
-        <p:txBody>
-          <a:bodyPr wrap="none" rtlCol="0">
-            <a:spAutoFit/>
-          </a:bodyPr>
-          <a:lstStyle/>
-          <a:p>
-            <a:r>
-              <a:rPr lang="en-US" sz="1000" dirty="0"/>
-              <a:t>Route – Score Card</a:t>
-            </a:r>
-          </a:p>
-        </p:txBody>
-      </p:sp>
-      <p:sp>
-        <p:nvSpPr>
-          <p:cNvPr id="41" name="TextBox 40">
-            <a:extLst>
-              <a:ext uri="{FF2B5EF4-FFF2-40B4-BE49-F238E27FC236}">
-                <a16:creationId xmlns:a16="http://schemas.microsoft.com/office/drawing/2014/main" id="{D2056EBF-3966-6AEA-E823-573C690C791F}"/>
-              </a:ext>
-            </a:extLst>
-          </p:cNvPr>
-          <p:cNvSpPr txBox="1"/>
-          <p:nvPr/>
-        </p:nvSpPr>
-        <p:spPr>
-          <a:xfrm>
-            <a:off x="9662121" y="1790840"/>
-            <a:ext cx="1258678" cy="246221"/>
-          </a:xfrm>
-          <a:prstGeom prst="rect">
-            <a:avLst/>
-          </a:prstGeom>
-          <a:noFill/>
-        </p:spPr>
-        <p:txBody>
-          <a:bodyPr wrap="none" rtlCol="0">
-            <a:spAutoFit/>
-          </a:bodyPr>
-          <a:lstStyle/>
-          <a:p>
-            <a:r>
-              <a:rPr lang="en-US" sz="1000" dirty="0"/>
-              <a:t>Route – Summary</a:t>
-            </a:r>
-          </a:p>
-        </p:txBody>
-      </p:sp>
-      <p:sp>
-        <p:nvSpPr>
-          <p:cNvPr id="42" name="Rectangle 41">
-            <a:extLst>
-              <a:ext uri="{FF2B5EF4-FFF2-40B4-BE49-F238E27FC236}">
-                <a16:creationId xmlns:a16="http://schemas.microsoft.com/office/drawing/2014/main" id="{A1355EFA-AAE8-E1C5-1FB0-175E808AC82C}"/>
-              </a:ext>
-            </a:extLst>
-          </p:cNvPr>
-          <p:cNvSpPr/>
-          <p:nvPr/>
-        </p:nvSpPr>
-        <p:spPr>
-          <a:xfrm>
-            <a:off x="417964" y="3173635"/>
-            <a:ext cx="1737341" cy="1920219"/>
-          </a:xfrm>
-          <a:prstGeom prst="rect">
-            <a:avLst/>
-          </a:prstGeom>
-        </p:spPr>
-        <p:style>
-          <a:lnRef idx="2">
-            <a:schemeClr val="accent4"/>
-          </a:lnRef>
-          <a:fillRef idx="1">
-            <a:schemeClr val="lt1"/>
-          </a:fillRef>
-          <a:effectRef idx="0">
-            <a:schemeClr val="accent4"/>
-          </a:effectRef>
-          <a:fontRef idx="minor">
-            <a:schemeClr val="dk1"/>
-          </a:fontRef>
-        </p:style>
-        <p:txBody>
-          <a:bodyPr rtlCol="0" anchor="t"/>
-          <a:lstStyle/>
-          <a:p>
-            <a:pPr algn="ctr"/>
-            <a:r>
-              <a:rPr lang="en-US" sz="1200" dirty="0"/>
-              <a:t>Summary</a:t>
-            </a:r>
-          </a:p>
-        </p:txBody>
-      </p:sp>
-      <p:sp>
-        <p:nvSpPr>
-          <p:cNvPr id="43" name="Rectangle 42">
-            <a:extLst>
-              <a:ext uri="{FF2B5EF4-FFF2-40B4-BE49-F238E27FC236}">
-                <a16:creationId xmlns:a16="http://schemas.microsoft.com/office/drawing/2014/main" id="{3EDFE00B-E869-089A-8D38-92752904CF53}"/>
-              </a:ext>
-            </a:extLst>
-          </p:cNvPr>
-          <p:cNvSpPr/>
-          <p:nvPr/>
-        </p:nvSpPr>
-        <p:spPr>
-          <a:xfrm>
-            <a:off x="2666427" y="3155175"/>
-            <a:ext cx="1737341" cy="1920219"/>
-          </a:xfrm>
-          <a:prstGeom prst="rect">
-            <a:avLst/>
-          </a:prstGeom>
-        </p:spPr>
-        <p:style>
-          <a:lnRef idx="2">
-            <a:schemeClr val="accent4"/>
-          </a:lnRef>
-          <a:fillRef idx="1">
-            <a:schemeClr val="lt1"/>
-          </a:fillRef>
-          <a:effectRef idx="0">
-            <a:schemeClr val="accent4"/>
-          </a:effectRef>
-          <a:fontRef idx="minor">
-            <a:schemeClr val="dk1"/>
-          </a:fontRef>
-        </p:style>
-        <p:txBody>
-          <a:bodyPr rtlCol="0" anchor="t"/>
-          <a:lstStyle/>
-          <a:p>
-            <a:pPr algn="ctr"/>
-            <a:r>
-              <a:rPr lang="en-US" sz="1200" dirty="0"/>
-              <a:t>Courses</a:t>
-            </a:r>
-          </a:p>
-        </p:txBody>
-      </p:sp>
-      <p:sp>
-        <p:nvSpPr>
-          <p:cNvPr id="44" name="Rectangle 43">
-            <a:extLst>
-              <a:ext uri="{FF2B5EF4-FFF2-40B4-BE49-F238E27FC236}">
-                <a16:creationId xmlns:a16="http://schemas.microsoft.com/office/drawing/2014/main" id="{1138B4D4-7061-0D29-3E22-01A837851DED}"/>
-              </a:ext>
-            </a:extLst>
-          </p:cNvPr>
-          <p:cNvSpPr/>
-          <p:nvPr/>
-        </p:nvSpPr>
-        <p:spPr>
-          <a:xfrm>
-            <a:off x="6795087" y="3211673"/>
-            <a:ext cx="1737341" cy="1920219"/>
-          </a:xfrm>
-          <a:prstGeom prst="rect">
-            <a:avLst/>
-          </a:prstGeom>
-        </p:spPr>
-        <p:style>
-          <a:lnRef idx="2">
-            <a:schemeClr val="accent4"/>
-          </a:lnRef>
-          <a:fillRef idx="1">
-            <a:schemeClr val="lt1"/>
-          </a:fillRef>
-          <a:effectRef idx="0">
-            <a:schemeClr val="accent4"/>
-          </a:effectRef>
-          <a:fontRef idx="minor">
-            <a:schemeClr val="dk1"/>
-          </a:fontRef>
-        </p:style>
-        <p:txBody>
-          <a:bodyPr rtlCol="0" anchor="t"/>
-          <a:lstStyle/>
-          <a:p>
-            <a:pPr algn="ctr"/>
-            <a:r>
-              <a:rPr lang="en-US" sz="1200" dirty="0"/>
-              <a:t>Players</a:t>
-            </a:r>
-          </a:p>
-          <a:p>
-            <a:pPr algn="ctr"/>
-            <a:r>
-              <a:rPr lang="en-US" sz="1200" dirty="0"/>
-              <a:t>Setup</a:t>
-            </a:r>
-          </a:p>
-        </p:txBody>
-      </p:sp>
-      <p:sp>
-        <p:nvSpPr>
-          <p:cNvPr id="45" name="Rectangle 44">
-            <a:extLst>
-              <a:ext uri="{FF2B5EF4-FFF2-40B4-BE49-F238E27FC236}">
-                <a16:creationId xmlns:a16="http://schemas.microsoft.com/office/drawing/2014/main" id="{B5D2CD95-1114-9D90-BFBE-5D54B37A99A7}"/>
-              </a:ext>
-            </a:extLst>
-          </p:cNvPr>
-          <p:cNvSpPr/>
-          <p:nvPr/>
-        </p:nvSpPr>
-        <p:spPr>
-          <a:xfrm>
-            <a:off x="9396994" y="3208623"/>
-            <a:ext cx="1737341" cy="1920219"/>
-          </a:xfrm>
-          <a:prstGeom prst="rect">
-            <a:avLst/>
-          </a:prstGeom>
-        </p:spPr>
-        <p:style>
-          <a:lnRef idx="2">
-            <a:schemeClr val="accent4"/>
-          </a:lnRef>
-          <a:fillRef idx="1">
-            <a:schemeClr val="lt1"/>
-          </a:fillRef>
-          <a:effectRef idx="0">
-            <a:schemeClr val="accent4"/>
-          </a:effectRef>
-          <a:fontRef idx="minor">
-            <a:schemeClr val="dk1"/>
-          </a:fontRef>
-        </p:style>
-        <p:txBody>
-          <a:bodyPr rtlCol="0" anchor="t"/>
-          <a:lstStyle/>
-          <a:p>
-            <a:pPr algn="ctr"/>
-            <a:r>
-              <a:rPr lang="en-US" sz="1200" dirty="0"/>
-              <a:t>Score Card</a:t>
-            </a:r>
-          </a:p>
-        </p:txBody>
-      </p:sp>
-      <p:sp>
-        <p:nvSpPr>
-          <p:cNvPr id="46" name="Rectangle 45">
-            <a:extLst>
-              <a:ext uri="{FF2B5EF4-FFF2-40B4-BE49-F238E27FC236}">
-                <a16:creationId xmlns:a16="http://schemas.microsoft.com/office/drawing/2014/main" id="{7D886ADD-04FE-CFF1-5233-08C309C7812D}"/>
-              </a:ext>
-            </a:extLst>
-          </p:cNvPr>
-          <p:cNvSpPr/>
-          <p:nvPr/>
-        </p:nvSpPr>
-        <p:spPr>
-          <a:xfrm>
-            <a:off x="4632976" y="3208623"/>
-            <a:ext cx="1737341" cy="1920219"/>
-          </a:xfrm>
-          <a:prstGeom prst="rect">
-            <a:avLst/>
-          </a:prstGeom>
-        </p:spPr>
-        <p:style>
-          <a:lnRef idx="2">
-            <a:schemeClr val="accent4"/>
-          </a:lnRef>
-          <a:fillRef idx="1">
-            <a:schemeClr val="lt1"/>
-          </a:fillRef>
-          <a:effectRef idx="0">
-            <a:schemeClr val="accent4"/>
-          </a:effectRef>
-          <a:fontRef idx="minor">
-            <a:schemeClr val="dk1"/>
-          </a:fontRef>
-        </p:style>
-        <p:txBody>
-          <a:bodyPr rtlCol="0" anchor="t"/>
-          <a:lstStyle/>
-          <a:p>
-            <a:pPr algn="ctr"/>
-            <a:r>
-              <a:rPr lang="en-US" sz="1200" dirty="0"/>
-              <a:t>Course Detail</a:t>
-            </a:r>
-          </a:p>
-        </p:txBody>
-      </p:sp>
-      <p:sp>
-        <p:nvSpPr>
-          <p:cNvPr id="47" name="TextBox 46">
-            <a:extLst>
-              <a:ext uri="{FF2B5EF4-FFF2-40B4-BE49-F238E27FC236}">
-                <a16:creationId xmlns:a16="http://schemas.microsoft.com/office/drawing/2014/main" id="{ADE71E0A-1FDB-5A38-F47B-05CE9D5F75A4}"/>
-              </a:ext>
-            </a:extLst>
-          </p:cNvPr>
-          <p:cNvSpPr txBox="1"/>
-          <p:nvPr/>
-        </p:nvSpPr>
-        <p:spPr>
-          <a:xfrm>
-            <a:off x="737629" y="4809601"/>
-            <a:ext cx="640072" cy="215444"/>
-          </a:xfrm>
-          <a:prstGeom prst="rect">
-            <a:avLst/>
-          </a:prstGeom>
-          <a:noFill/>
-        </p:spPr>
-        <p:txBody>
-          <a:bodyPr wrap="square" rtlCol="0">
-            <a:spAutoFit/>
-          </a:bodyPr>
-          <a:lstStyle/>
-          <a:p>
-            <a:r>
-              <a:rPr lang="en-US" sz="800" dirty="0"/>
-              <a:t>Resume</a:t>
-            </a:r>
-          </a:p>
-        </p:txBody>
-      </p:sp>
-      <p:sp>
-        <p:nvSpPr>
-          <p:cNvPr id="48" name="TextBox 47">
-            <a:extLst>
-              <a:ext uri="{FF2B5EF4-FFF2-40B4-BE49-F238E27FC236}">
-                <a16:creationId xmlns:a16="http://schemas.microsoft.com/office/drawing/2014/main" id="{8E66ACBA-29EF-895B-EDC7-56B89C22569E}"/>
-              </a:ext>
-            </a:extLst>
-          </p:cNvPr>
-          <p:cNvSpPr txBox="1"/>
-          <p:nvPr/>
-        </p:nvSpPr>
-        <p:spPr>
-          <a:xfrm>
-            <a:off x="1196044" y="4832530"/>
-            <a:ext cx="640072" cy="215444"/>
-          </a:xfrm>
-          <a:prstGeom prst="rect">
-            <a:avLst/>
-          </a:prstGeom>
-          <a:noFill/>
-        </p:spPr>
-        <p:txBody>
-          <a:bodyPr wrap="square" rtlCol="0">
-            <a:spAutoFit/>
-          </a:bodyPr>
-          <a:lstStyle/>
-          <a:p>
-            <a:r>
-              <a:rPr lang="en-US" sz="800" dirty="0"/>
-              <a:t>Players</a:t>
-            </a:r>
-          </a:p>
-        </p:txBody>
-      </p:sp>
-      <p:sp>
-        <p:nvSpPr>
-          <p:cNvPr id="49" name="TextBox 48">
-            <a:extLst>
-              <a:ext uri="{FF2B5EF4-FFF2-40B4-BE49-F238E27FC236}">
-                <a16:creationId xmlns:a16="http://schemas.microsoft.com/office/drawing/2014/main" id="{B22664F1-130F-7A23-AA55-E3C2F8FAE3AF}"/>
-              </a:ext>
-            </a:extLst>
-          </p:cNvPr>
-          <p:cNvSpPr txBox="1"/>
-          <p:nvPr/>
-        </p:nvSpPr>
-        <p:spPr>
-          <a:xfrm>
-            <a:off x="1609282" y="4832530"/>
-            <a:ext cx="640072" cy="215444"/>
-          </a:xfrm>
-          <a:prstGeom prst="rect">
-            <a:avLst/>
-          </a:prstGeom>
-          <a:noFill/>
-        </p:spPr>
-        <p:txBody>
-          <a:bodyPr wrap="square" rtlCol="0">
-            <a:spAutoFit/>
-          </a:bodyPr>
-          <a:lstStyle/>
-          <a:p>
-            <a:r>
-              <a:rPr lang="en-US" sz="800" dirty="0"/>
-              <a:t>Courses</a:t>
-            </a:r>
-          </a:p>
-        </p:txBody>
-      </p:sp>
-      <p:sp>
-        <p:nvSpPr>
-          <p:cNvPr id="50" name="TextBox 49">
-            <a:extLst>
-              <a:ext uri="{FF2B5EF4-FFF2-40B4-BE49-F238E27FC236}">
-                <a16:creationId xmlns:a16="http://schemas.microsoft.com/office/drawing/2014/main" id="{2FC3953F-1433-4881-AD3A-22CCBC7B683F}"/>
-              </a:ext>
-            </a:extLst>
-          </p:cNvPr>
-          <p:cNvSpPr txBox="1"/>
-          <p:nvPr/>
-        </p:nvSpPr>
-        <p:spPr>
-          <a:xfrm>
-            <a:off x="463923" y="4800585"/>
-            <a:ext cx="448053" cy="215444"/>
-          </a:xfrm>
-          <a:prstGeom prst="rect">
-            <a:avLst/>
-          </a:prstGeom>
-          <a:noFill/>
-        </p:spPr>
-        <p:txBody>
-          <a:bodyPr wrap="square" rtlCol="0">
-            <a:spAutoFit/>
-          </a:bodyPr>
-          <a:lstStyle/>
-          <a:p>
-            <a:r>
-              <a:rPr lang="en-US" sz="800" dirty="0"/>
-              <a:t>Exit</a:t>
-            </a:r>
-          </a:p>
-        </p:txBody>
-      </p:sp>
-      <p:sp>
-        <p:nvSpPr>
-          <p:cNvPr id="52" name="TextBox 51">
-            <a:extLst>
-              <a:ext uri="{FF2B5EF4-FFF2-40B4-BE49-F238E27FC236}">
-                <a16:creationId xmlns:a16="http://schemas.microsoft.com/office/drawing/2014/main" id="{76352C36-F3AC-4575-D3A0-F372FB3CD7D2}"/>
-              </a:ext>
-            </a:extLst>
-          </p:cNvPr>
-          <p:cNvSpPr txBox="1"/>
-          <p:nvPr/>
-        </p:nvSpPr>
-        <p:spPr>
-          <a:xfrm>
-            <a:off x="4920742" y="4755553"/>
-            <a:ext cx="464717" cy="215444"/>
-          </a:xfrm>
-          <a:prstGeom prst="rect">
-            <a:avLst/>
-          </a:prstGeom>
-          <a:noFill/>
-        </p:spPr>
-        <p:txBody>
-          <a:bodyPr wrap="square" rtlCol="0">
-            <a:spAutoFit/>
-          </a:bodyPr>
-          <a:lstStyle/>
-          <a:p>
-            <a:r>
-              <a:rPr lang="en-US" sz="800" dirty="0"/>
-              <a:t>Save</a:t>
-            </a:r>
-          </a:p>
-        </p:txBody>
-      </p:sp>
-      <p:sp>
-        <p:nvSpPr>
-          <p:cNvPr id="53" name="TextBox 52">
-            <a:extLst>
-              <a:ext uri="{FF2B5EF4-FFF2-40B4-BE49-F238E27FC236}">
-                <a16:creationId xmlns:a16="http://schemas.microsoft.com/office/drawing/2014/main" id="{F96D4499-CCCA-4528-A3B3-BEEAC59B1F77}"/>
-              </a:ext>
-            </a:extLst>
-          </p:cNvPr>
-          <p:cNvSpPr txBox="1"/>
-          <p:nvPr/>
-        </p:nvSpPr>
-        <p:spPr>
-          <a:xfrm>
-            <a:off x="4938673" y="4631867"/>
-            <a:ext cx="640072" cy="215444"/>
-          </a:xfrm>
-          <a:prstGeom prst="rect">
-            <a:avLst/>
-          </a:prstGeom>
-          <a:noFill/>
-        </p:spPr>
-        <p:txBody>
-          <a:bodyPr wrap="square" rtlCol="0">
-            <a:spAutoFit/>
-          </a:bodyPr>
-          <a:lstStyle/>
-          <a:p>
-            <a:r>
-              <a:rPr lang="en-US" sz="800" dirty="0"/>
-              <a:t>Cancel</a:t>
-            </a:r>
-          </a:p>
-        </p:txBody>
-      </p:sp>
-      <p:sp>
-        <p:nvSpPr>
-          <p:cNvPr id="54" name="TextBox 53">
-            <a:extLst>
-              <a:ext uri="{FF2B5EF4-FFF2-40B4-BE49-F238E27FC236}">
-                <a16:creationId xmlns:a16="http://schemas.microsoft.com/office/drawing/2014/main" id="{34CECCC8-BE33-4E55-54E8-89A5DEC778D5}"/>
-              </a:ext>
-            </a:extLst>
-          </p:cNvPr>
-          <p:cNvSpPr txBox="1"/>
-          <p:nvPr/>
-        </p:nvSpPr>
-        <p:spPr>
-          <a:xfrm>
-            <a:off x="3214168" y="4800585"/>
-            <a:ext cx="444087" cy="215444"/>
-          </a:xfrm>
-          <a:prstGeom prst="rect">
-            <a:avLst/>
-          </a:prstGeom>
-          <a:noFill/>
-        </p:spPr>
-        <p:txBody>
-          <a:bodyPr wrap="square" rtlCol="0">
-            <a:spAutoFit/>
-          </a:bodyPr>
-          <a:lstStyle/>
-          <a:p>
-            <a:r>
-              <a:rPr lang="en-US" sz="800" dirty="0"/>
-              <a:t>Edit</a:t>
-            </a:r>
-          </a:p>
-        </p:txBody>
-      </p:sp>
-      <p:sp>
-        <p:nvSpPr>
-          <p:cNvPr id="55" name="TextBox 54">
-            <a:extLst>
-              <a:ext uri="{FF2B5EF4-FFF2-40B4-BE49-F238E27FC236}">
-                <a16:creationId xmlns:a16="http://schemas.microsoft.com/office/drawing/2014/main" id="{D886A7E6-3D3D-008F-4563-33C759880C5F}"/>
-              </a:ext>
-            </a:extLst>
-          </p:cNvPr>
-          <p:cNvSpPr txBox="1"/>
-          <p:nvPr/>
-        </p:nvSpPr>
-        <p:spPr>
-          <a:xfrm>
-            <a:off x="3555957" y="4809601"/>
-            <a:ext cx="518150" cy="215444"/>
-          </a:xfrm>
-          <a:prstGeom prst="rect">
-            <a:avLst/>
-          </a:prstGeom>
-          <a:noFill/>
-        </p:spPr>
-        <p:txBody>
-          <a:bodyPr wrap="square" rtlCol="0">
-            <a:spAutoFit/>
-          </a:bodyPr>
-          <a:lstStyle/>
-          <a:p>
-            <a:r>
-              <a:rPr lang="en-US" sz="800" dirty="0"/>
-              <a:t>Delete</a:t>
-            </a:r>
-          </a:p>
-        </p:txBody>
-      </p:sp>
-      <p:sp>
-        <p:nvSpPr>
-          <p:cNvPr id="56" name="TextBox 55">
-            <a:extLst>
-              <a:ext uri="{FF2B5EF4-FFF2-40B4-BE49-F238E27FC236}">
-                <a16:creationId xmlns:a16="http://schemas.microsoft.com/office/drawing/2014/main" id="{E72B9B68-2FD2-3897-D7A0-09F0DCE02D97}"/>
-              </a:ext>
-            </a:extLst>
-          </p:cNvPr>
-          <p:cNvSpPr txBox="1"/>
-          <p:nvPr/>
-        </p:nvSpPr>
-        <p:spPr>
-          <a:xfrm>
-            <a:off x="2755900" y="4771517"/>
-            <a:ext cx="533959" cy="215444"/>
-          </a:xfrm>
-          <a:prstGeom prst="rect">
-            <a:avLst/>
-          </a:prstGeom>
-          <a:noFill/>
-        </p:spPr>
-        <p:txBody>
-          <a:bodyPr wrap="square" rtlCol="0">
-            <a:spAutoFit/>
-          </a:bodyPr>
-          <a:lstStyle/>
-          <a:p>
-            <a:r>
-              <a:rPr lang="en-US" sz="800" dirty="0"/>
-              <a:t>Select</a:t>
-            </a:r>
-          </a:p>
-        </p:txBody>
-      </p:sp>
-      <p:sp>
-        <p:nvSpPr>
-          <p:cNvPr id="58" name="TextBox 57">
-            <a:extLst>
-              <a:ext uri="{FF2B5EF4-FFF2-40B4-BE49-F238E27FC236}">
-                <a16:creationId xmlns:a16="http://schemas.microsoft.com/office/drawing/2014/main" id="{14643CBF-784A-220E-7F55-12ACF5C91D2E}"/>
-              </a:ext>
-            </a:extLst>
-          </p:cNvPr>
-          <p:cNvSpPr txBox="1"/>
-          <p:nvPr/>
-        </p:nvSpPr>
-        <p:spPr>
-          <a:xfrm>
-            <a:off x="3259103" y="4619010"/>
-            <a:ext cx="444087" cy="215444"/>
-          </a:xfrm>
-          <a:prstGeom prst="rect">
-            <a:avLst/>
-          </a:prstGeom>
-          <a:noFill/>
-        </p:spPr>
-        <p:txBody>
-          <a:bodyPr wrap="square" rtlCol="0">
-            <a:spAutoFit/>
-          </a:bodyPr>
-          <a:lstStyle/>
-          <a:p>
-            <a:r>
-              <a:rPr lang="en-US" sz="800" dirty="0"/>
-              <a:t>Add</a:t>
-            </a:r>
-          </a:p>
-        </p:txBody>
-      </p:sp>
-      <p:sp>
-        <p:nvSpPr>
-          <p:cNvPr id="59" name="TextBox 58">
-            <a:extLst>
-              <a:ext uri="{FF2B5EF4-FFF2-40B4-BE49-F238E27FC236}">
-                <a16:creationId xmlns:a16="http://schemas.microsoft.com/office/drawing/2014/main" id="{B84F919A-62B6-340A-7166-74E0F595F5D5}"/>
-              </a:ext>
-            </a:extLst>
-          </p:cNvPr>
-          <p:cNvSpPr txBox="1"/>
-          <p:nvPr/>
-        </p:nvSpPr>
-        <p:spPr>
-          <a:xfrm>
-            <a:off x="7576419" y="4590947"/>
-            <a:ext cx="763255" cy="215444"/>
-          </a:xfrm>
-          <a:prstGeom prst="rect">
-            <a:avLst/>
-          </a:prstGeom>
-          <a:noFill/>
-        </p:spPr>
-        <p:txBody>
-          <a:bodyPr wrap="square" rtlCol="0">
-            <a:spAutoFit/>
-          </a:bodyPr>
-          <a:lstStyle/>
-          <a:p>
-            <a:r>
-              <a:rPr lang="en-US" sz="800" dirty="0"/>
-              <a:t>New Game</a:t>
-            </a:r>
-          </a:p>
-        </p:txBody>
-      </p:sp>
-      <p:sp>
-        <p:nvSpPr>
-          <p:cNvPr id="60" name="TextBox 59">
-            <a:extLst>
-              <a:ext uri="{FF2B5EF4-FFF2-40B4-BE49-F238E27FC236}">
-                <a16:creationId xmlns:a16="http://schemas.microsoft.com/office/drawing/2014/main" id="{A1DA61C5-1EBE-CED9-9FC7-67876CB1E067}"/>
-              </a:ext>
-            </a:extLst>
-          </p:cNvPr>
-          <p:cNvSpPr txBox="1"/>
-          <p:nvPr/>
-        </p:nvSpPr>
-        <p:spPr>
-          <a:xfrm>
-            <a:off x="9875482" y="4785317"/>
-            <a:ext cx="792468" cy="215444"/>
-          </a:xfrm>
-          <a:prstGeom prst="rect">
-            <a:avLst/>
-          </a:prstGeom>
-          <a:noFill/>
-        </p:spPr>
-        <p:txBody>
-          <a:bodyPr wrap="square" rtlCol="0">
-            <a:spAutoFit/>
-          </a:bodyPr>
-          <a:lstStyle/>
-          <a:p>
-            <a:r>
-              <a:rPr lang="en-US" sz="800" dirty="0"/>
-              <a:t>Summary</a:t>
-            </a:r>
-          </a:p>
-        </p:txBody>
-      </p:sp>
-      <p:sp>
-        <p:nvSpPr>
-          <p:cNvPr id="61" name="TextBox 60">
-            <a:extLst>
-              <a:ext uri="{FF2B5EF4-FFF2-40B4-BE49-F238E27FC236}">
-                <a16:creationId xmlns:a16="http://schemas.microsoft.com/office/drawing/2014/main" id="{434285EC-2393-D17C-BB35-A9FED771089F}"/>
-              </a:ext>
-            </a:extLst>
-          </p:cNvPr>
-          <p:cNvSpPr txBox="1"/>
-          <p:nvPr/>
-        </p:nvSpPr>
-        <p:spPr>
-          <a:xfrm>
-            <a:off x="7642115" y="4761333"/>
-            <a:ext cx="579111" cy="215444"/>
-          </a:xfrm>
-          <a:prstGeom prst="rect">
-            <a:avLst/>
-          </a:prstGeom>
-          <a:noFill/>
-        </p:spPr>
-        <p:txBody>
-          <a:bodyPr wrap="square" rtlCol="0">
-            <a:spAutoFit/>
-          </a:bodyPr>
-          <a:lstStyle/>
-          <a:p>
-            <a:r>
-              <a:rPr lang="en-US" sz="800" dirty="0"/>
-              <a:t>Update</a:t>
-            </a:r>
-          </a:p>
-        </p:txBody>
-      </p:sp>
-      <p:sp>
-        <p:nvSpPr>
-          <p:cNvPr id="62" name="TextBox 61">
-            <a:extLst>
-              <a:ext uri="{FF2B5EF4-FFF2-40B4-BE49-F238E27FC236}">
-                <a16:creationId xmlns:a16="http://schemas.microsoft.com/office/drawing/2014/main" id="{EA8C7D9E-04C2-12F1-8BFC-54A696DA0AF3}"/>
-              </a:ext>
-            </a:extLst>
-          </p:cNvPr>
-          <p:cNvSpPr txBox="1"/>
-          <p:nvPr/>
-        </p:nvSpPr>
-        <p:spPr>
-          <a:xfrm>
-            <a:off x="6906662" y="4800442"/>
-            <a:ext cx="548628" cy="215444"/>
-          </a:xfrm>
-          <a:prstGeom prst="rect">
-            <a:avLst/>
-          </a:prstGeom>
-          <a:noFill/>
-        </p:spPr>
-        <p:txBody>
-          <a:bodyPr wrap="square" rtlCol="0">
-            <a:spAutoFit/>
-          </a:bodyPr>
-          <a:lstStyle/>
-          <a:p>
-            <a:r>
-              <a:rPr lang="en-US" sz="800" dirty="0"/>
-              <a:t>Cancel</a:t>
-            </a:r>
-          </a:p>
-        </p:txBody>
-      </p:sp>
-      <p:cxnSp>
-        <p:nvCxnSpPr>
-          <p:cNvPr id="64" name="Connector: Elbow 63">
-            <a:extLst>
-              <a:ext uri="{FF2B5EF4-FFF2-40B4-BE49-F238E27FC236}">
-                <a16:creationId xmlns:a16="http://schemas.microsoft.com/office/drawing/2014/main" id="{05DFE876-BD02-34F4-4A6E-93CD45EE9E15}"/>
-              </a:ext>
-            </a:extLst>
-          </p:cNvPr>
-          <p:cNvCxnSpPr>
-            <a:cxnSpLocks/>
-            <a:stCxn id="49" idx="2"/>
-            <a:endCxn id="43" idx="1"/>
-          </p:cNvCxnSpPr>
-          <p:nvPr/>
-        </p:nvCxnSpPr>
-        <p:spPr>
-          <a:xfrm rot="5400000" flipH="1" flipV="1">
-            <a:off x="1831527" y="4213075"/>
-            <a:ext cx="932689" cy="737109"/>
-          </a:xfrm>
-          <a:prstGeom prst="bentConnector4">
-            <a:avLst>
-              <a:gd name="adj1" fmla="val -24510"/>
-              <a:gd name="adj2" fmla="val 71709"/>
-            </a:avLst>
-          </a:prstGeom>
-          <a:ln>
-            <a:tailEnd type="triangle"/>
-          </a:ln>
-        </p:spPr>
-        <p:style>
-          <a:lnRef idx="2">
-            <a:schemeClr val="accent1"/>
-          </a:lnRef>
-          <a:fillRef idx="0">
-            <a:schemeClr val="accent1"/>
-          </a:fillRef>
-          <a:effectRef idx="1">
-            <a:schemeClr val="accent1"/>
-          </a:effectRef>
-          <a:fontRef idx="minor">
-            <a:schemeClr val="tx1"/>
-          </a:fontRef>
-        </p:style>
-      </p:cxnSp>
-      <p:cxnSp>
-        <p:nvCxnSpPr>
-          <p:cNvPr id="70" name="Connector: Elbow 69">
-            <a:extLst>
-              <a:ext uri="{FF2B5EF4-FFF2-40B4-BE49-F238E27FC236}">
-                <a16:creationId xmlns:a16="http://schemas.microsoft.com/office/drawing/2014/main" id="{DF96C483-A456-1349-D48D-56E78359247F}"/>
-              </a:ext>
-            </a:extLst>
-          </p:cNvPr>
-          <p:cNvCxnSpPr>
-            <a:cxnSpLocks/>
-            <a:stCxn id="48" idx="2"/>
-            <a:endCxn id="44" idx="1"/>
-          </p:cNvCxnSpPr>
-          <p:nvPr/>
-        </p:nvCxnSpPr>
-        <p:spPr>
-          <a:xfrm rot="5400000" flipH="1" flipV="1">
-            <a:off x="3717487" y="1970375"/>
-            <a:ext cx="876191" cy="5279007"/>
-          </a:xfrm>
-          <a:prstGeom prst="bentConnector4">
-            <a:avLst>
-              <a:gd name="adj1" fmla="val -74096"/>
-              <a:gd name="adj2" fmla="val 97201"/>
-            </a:avLst>
-          </a:prstGeom>
-          <a:ln>
-            <a:tailEnd type="triangle"/>
-          </a:ln>
-        </p:spPr>
-        <p:style>
-          <a:lnRef idx="2">
-            <a:schemeClr val="accent1"/>
-          </a:lnRef>
-          <a:fillRef idx="0">
-            <a:schemeClr val="accent1"/>
-          </a:fillRef>
-          <a:effectRef idx="1">
-            <a:schemeClr val="accent1"/>
-          </a:effectRef>
-          <a:fontRef idx="minor">
-            <a:schemeClr val="tx1"/>
-          </a:fontRef>
-        </p:style>
-      </p:cxnSp>
-      <p:cxnSp>
-        <p:nvCxnSpPr>
-          <p:cNvPr id="78" name="Connector: Elbow 77">
-            <a:extLst>
-              <a:ext uri="{FF2B5EF4-FFF2-40B4-BE49-F238E27FC236}">
-                <a16:creationId xmlns:a16="http://schemas.microsoft.com/office/drawing/2014/main" id="{6C332EA1-9561-BE6B-FB5B-5D822436D335}"/>
-              </a:ext>
-            </a:extLst>
-          </p:cNvPr>
-          <p:cNvCxnSpPr>
-            <a:cxnSpLocks/>
-            <a:stCxn id="47" idx="2"/>
-            <a:endCxn id="45" idx="1"/>
-          </p:cNvCxnSpPr>
-          <p:nvPr/>
-        </p:nvCxnSpPr>
-        <p:spPr>
-          <a:xfrm rot="5400000" flipH="1" flipV="1">
-            <a:off x="4799173" y="427224"/>
-            <a:ext cx="856312" cy="8339329"/>
-          </a:xfrm>
-          <a:prstGeom prst="bentConnector4">
-            <a:avLst>
-              <a:gd name="adj1" fmla="val -138819"/>
-              <a:gd name="adj2" fmla="val 96108"/>
-            </a:avLst>
-          </a:prstGeom>
-          <a:ln>
-            <a:tailEnd type="triangle"/>
-          </a:ln>
-        </p:spPr>
-        <p:style>
-          <a:lnRef idx="2">
-            <a:schemeClr val="accent1"/>
-          </a:lnRef>
-          <a:fillRef idx="0">
-            <a:schemeClr val="accent1"/>
-          </a:fillRef>
-          <a:effectRef idx="1">
-            <a:schemeClr val="accent1"/>
-          </a:effectRef>
-          <a:fontRef idx="minor">
-            <a:schemeClr val="tx1"/>
-          </a:fontRef>
-        </p:style>
-      </p:cxnSp>
-      <p:cxnSp>
-        <p:nvCxnSpPr>
-          <p:cNvPr id="88" name="Connector: Elbow 87">
-            <a:extLst>
-              <a:ext uri="{FF2B5EF4-FFF2-40B4-BE49-F238E27FC236}">
-                <a16:creationId xmlns:a16="http://schemas.microsoft.com/office/drawing/2014/main" id="{0A3075FD-D4B9-F325-0575-B18F9D4DB54F}"/>
-              </a:ext>
-            </a:extLst>
-          </p:cNvPr>
-          <p:cNvCxnSpPr>
-            <a:cxnSpLocks/>
-            <a:stCxn id="56" idx="2"/>
-            <a:endCxn id="44" idx="1"/>
-          </p:cNvCxnSpPr>
-          <p:nvPr/>
-        </p:nvCxnSpPr>
-        <p:spPr>
-          <a:xfrm rot="5400000" flipH="1" flipV="1">
-            <a:off x="4501394" y="2693268"/>
-            <a:ext cx="815178" cy="3772207"/>
-          </a:xfrm>
-          <a:prstGeom prst="bentConnector4">
-            <a:avLst>
-              <a:gd name="adj1" fmla="val -63938"/>
-              <a:gd name="adj2" fmla="val 95717"/>
-            </a:avLst>
-          </a:prstGeom>
-          <a:ln>
-            <a:tailEnd type="triangle"/>
-          </a:ln>
-        </p:spPr>
-        <p:style>
-          <a:lnRef idx="2">
-            <a:schemeClr val="accent1"/>
-          </a:lnRef>
-          <a:fillRef idx="0">
-            <a:schemeClr val="accent1"/>
-          </a:fillRef>
-          <a:effectRef idx="1">
-            <a:schemeClr val="accent1"/>
-          </a:effectRef>
-          <a:fontRef idx="minor">
-            <a:schemeClr val="tx1"/>
-          </a:fontRef>
-        </p:style>
-      </p:cxnSp>
-      <p:cxnSp>
-        <p:nvCxnSpPr>
-          <p:cNvPr id="94" name="Connector: Elbow 93">
-            <a:extLst>
-              <a:ext uri="{FF2B5EF4-FFF2-40B4-BE49-F238E27FC236}">
-                <a16:creationId xmlns:a16="http://schemas.microsoft.com/office/drawing/2014/main" id="{BE399972-F9BA-637D-BB70-B7B3836E1AED}"/>
-              </a:ext>
-            </a:extLst>
-          </p:cNvPr>
-          <p:cNvCxnSpPr>
-            <a:cxnSpLocks/>
-            <a:stCxn id="54" idx="2"/>
-            <a:endCxn id="46" idx="1"/>
-          </p:cNvCxnSpPr>
-          <p:nvPr/>
-        </p:nvCxnSpPr>
-        <p:spPr>
-          <a:xfrm rot="5400000" flipH="1" flipV="1">
-            <a:off x="3610946" y="3993999"/>
-            <a:ext cx="847296" cy="1196764"/>
-          </a:xfrm>
-          <a:prstGeom prst="bentConnector4">
-            <a:avLst>
-              <a:gd name="adj1" fmla="val -38851"/>
-              <a:gd name="adj2" fmla="val 59277"/>
-            </a:avLst>
-          </a:prstGeom>
-          <a:ln>
-            <a:tailEnd type="triangle"/>
-          </a:ln>
-        </p:spPr>
-        <p:style>
-          <a:lnRef idx="2">
-            <a:schemeClr val="accent1"/>
-          </a:lnRef>
-          <a:fillRef idx="0">
-            <a:schemeClr val="accent1"/>
-          </a:fillRef>
-          <a:effectRef idx="1">
-            <a:schemeClr val="accent1"/>
-          </a:effectRef>
-          <a:fontRef idx="minor">
-            <a:schemeClr val="tx1"/>
-          </a:fontRef>
-        </p:style>
-      </p:cxnSp>
-      <p:cxnSp>
-        <p:nvCxnSpPr>
-          <p:cNvPr id="107" name="Connector: Elbow 106">
-            <a:extLst>
-              <a:ext uri="{FF2B5EF4-FFF2-40B4-BE49-F238E27FC236}">
-                <a16:creationId xmlns:a16="http://schemas.microsoft.com/office/drawing/2014/main" id="{C8F992D4-89E0-1852-31E2-87A5EA51483C}"/>
-              </a:ext>
-            </a:extLst>
-          </p:cNvPr>
-          <p:cNvCxnSpPr>
-            <a:cxnSpLocks/>
-            <a:stCxn id="52" idx="2"/>
-            <a:endCxn id="43" idx="3"/>
-          </p:cNvCxnSpPr>
-          <p:nvPr/>
-        </p:nvCxnSpPr>
-        <p:spPr>
-          <a:xfrm rot="5400000" flipH="1">
-            <a:off x="4350579" y="4168475"/>
-            <a:ext cx="855712" cy="749333"/>
-          </a:xfrm>
-          <a:prstGeom prst="bentConnector4">
-            <a:avLst>
-              <a:gd name="adj1" fmla="val -40607"/>
-              <a:gd name="adj2" fmla="val 83808"/>
-            </a:avLst>
-          </a:prstGeom>
-          <a:ln>
-            <a:tailEnd type="triangle"/>
-          </a:ln>
-        </p:spPr>
-        <p:style>
-          <a:lnRef idx="2">
-            <a:schemeClr val="accent1"/>
-          </a:lnRef>
-          <a:fillRef idx="0">
-            <a:schemeClr val="accent1"/>
-          </a:fillRef>
-          <a:effectRef idx="1">
-            <a:schemeClr val="accent1"/>
-          </a:effectRef>
-          <a:fontRef idx="minor">
-            <a:schemeClr val="tx1"/>
-          </a:fontRef>
-        </p:style>
-      </p:cxnSp>
-      <p:cxnSp>
-        <p:nvCxnSpPr>
-          <p:cNvPr id="113" name="Connector: Elbow 112">
-            <a:extLst>
-              <a:ext uri="{FF2B5EF4-FFF2-40B4-BE49-F238E27FC236}">
-                <a16:creationId xmlns:a16="http://schemas.microsoft.com/office/drawing/2014/main" id="{45C8C5C3-80AD-6D0E-7117-964EF0645C89}"/>
-              </a:ext>
-            </a:extLst>
-          </p:cNvPr>
-          <p:cNvCxnSpPr>
-            <a:cxnSpLocks/>
-            <a:stCxn id="61" idx="2"/>
-            <a:endCxn id="45" idx="1"/>
-          </p:cNvCxnSpPr>
-          <p:nvPr/>
-        </p:nvCxnSpPr>
-        <p:spPr>
-          <a:xfrm rot="5400000" flipH="1" flipV="1">
-            <a:off x="8260310" y="3840093"/>
-            <a:ext cx="808044" cy="1465323"/>
-          </a:xfrm>
-          <a:prstGeom prst="bentConnector4">
-            <a:avLst>
-              <a:gd name="adj1" fmla="val -63372"/>
-              <a:gd name="adj2" fmla="val 59880"/>
-            </a:avLst>
-          </a:prstGeom>
-          <a:ln>
-            <a:tailEnd type="triangle"/>
-          </a:ln>
-        </p:spPr>
-        <p:style>
-          <a:lnRef idx="2">
-            <a:schemeClr val="accent5"/>
-          </a:lnRef>
-          <a:fillRef idx="0">
-            <a:schemeClr val="accent5"/>
-          </a:fillRef>
-          <a:effectRef idx="1">
-            <a:schemeClr val="accent5"/>
-          </a:effectRef>
-          <a:fontRef idx="minor">
-            <a:schemeClr val="tx1"/>
-          </a:fontRef>
-        </p:style>
-      </p:cxnSp>
-      <p:cxnSp>
-        <p:nvCxnSpPr>
-          <p:cNvPr id="123" name="Connector: Elbow 122">
-            <a:extLst>
-              <a:ext uri="{FF2B5EF4-FFF2-40B4-BE49-F238E27FC236}">
-                <a16:creationId xmlns:a16="http://schemas.microsoft.com/office/drawing/2014/main" id="{34A02C89-A8A4-6410-B38B-F7893A39BDA7}"/>
-              </a:ext>
-            </a:extLst>
-          </p:cNvPr>
-          <p:cNvCxnSpPr>
-            <a:cxnSpLocks/>
-            <a:stCxn id="45" idx="2"/>
-            <a:endCxn id="42" idx="1"/>
-          </p:cNvCxnSpPr>
-          <p:nvPr/>
-        </p:nvCxnSpPr>
-        <p:spPr>
-          <a:xfrm rot="5400000" flipH="1">
-            <a:off x="4844266" y="-292556"/>
-            <a:ext cx="995097" cy="9847701"/>
-          </a:xfrm>
-          <a:prstGeom prst="bentConnector4">
-            <a:avLst>
-              <a:gd name="adj1" fmla="val -144269"/>
-              <a:gd name="adj2" fmla="val 102321"/>
-            </a:avLst>
-          </a:prstGeom>
-          <a:ln>
-            <a:tailEnd type="triangle"/>
-          </a:ln>
-        </p:spPr>
-        <p:style>
-          <a:lnRef idx="2">
-            <a:schemeClr val="accent6"/>
-          </a:lnRef>
-          <a:fillRef idx="0">
-            <a:schemeClr val="accent6"/>
-          </a:fillRef>
-          <a:effectRef idx="1">
-            <a:schemeClr val="accent6"/>
           </a:effectRef>
           <a:fontRef idx="minor">
             <a:schemeClr val="tx1"/>
@@ -17208,7 +17402,7 @@
         </p:nvSpPr>
         <p:spPr>
           <a:xfrm>
-            <a:off x="6367605" y="3601014"/>
+            <a:off x="5062421" y="3582908"/>
             <a:ext cx="1590392" cy="606583"/>
           </a:xfrm>
           <a:prstGeom prst="rect">
@@ -17262,8 +17456,8 @@
         </p:nvSpPr>
         <p:spPr>
           <a:xfrm>
-            <a:off x="9153054" y="5083521"/>
-            <a:ext cx="2716040" cy="1570776"/>
+            <a:off x="9204926" y="4983463"/>
+            <a:ext cx="2716040" cy="1180088"/>
           </a:xfrm>
           <a:prstGeom prst="roundRect">
             <a:avLst/>
@@ -17721,8 +17915,580 @@
         </p:nvSpPr>
         <p:spPr>
           <a:xfrm>
-            <a:off x="9089680" y="3080441"/>
-            <a:ext cx="2716040" cy="1647731"/>
+            <a:off x="8191253" y="2276230"/>
+            <a:ext cx="3562227" cy="2039852"/>
+          </a:xfrm>
+          <a:prstGeom prst="roundRect">
+            <a:avLst/>
+          </a:prstGeom>
+        </p:spPr>
+        <p:style>
+          <a:lnRef idx="2">
+            <a:schemeClr val="accent1"/>
+          </a:lnRef>
+          <a:fillRef idx="1">
+            <a:schemeClr val="lt1"/>
+          </a:fillRef>
+          <a:effectRef idx="0">
+            <a:schemeClr val="accent1"/>
+          </a:effectRef>
+          <a:fontRef idx="minor">
+            <a:schemeClr val="dk1"/>
+          </a:fontRef>
+        </p:style>
+        <p:txBody>
+          <a:bodyPr rtlCol="0" anchor="ctr"/>
+          <a:lstStyle/>
+          <a:p>
+            <a:r>
+              <a:rPr lang="en-US" sz="1000" dirty="0">
+                <a:solidFill>
+                  <a:srgbClr val="080808"/>
+                </a:solidFill>
+                <a:effectLst/>
+                <a:latin typeface="JetBrains Mono"/>
+              </a:rPr>
+              <a:t>@Entity(tableName = "</a:t>
+            </a:r>
+            <a:r>
+              <a:rPr lang="en-US" sz="1000" dirty="0" err="1">
+                <a:solidFill>
+                  <a:srgbClr val="080808"/>
+                </a:solidFill>
+                <a:effectLst/>
+                <a:latin typeface="JetBrains Mono"/>
+              </a:rPr>
+              <a:t>PlayerRecord</a:t>
+            </a:r>
+            <a:r>
+              <a:rPr lang="en-US" sz="1000" dirty="0">
+                <a:solidFill>
+                  <a:srgbClr val="080808"/>
+                </a:solidFill>
+                <a:effectLst/>
+                <a:latin typeface="JetBrains Mono"/>
+              </a:rPr>
+              <a:t>")</a:t>
+            </a:r>
+          </a:p>
+          <a:p>
+            <a:r>
+              <a:rPr lang="en-US" sz="1000" dirty="0">
+                <a:solidFill>
+                  <a:srgbClr val="080808"/>
+                </a:solidFill>
+                <a:effectLst/>
+                <a:latin typeface="JetBrains Mono"/>
+              </a:rPr>
+              <a:t>data class </a:t>
+            </a:r>
+            <a:r>
+              <a:rPr lang="en-US" sz="1000" dirty="0" err="1">
+                <a:solidFill>
+                  <a:srgbClr val="080808"/>
+                </a:solidFill>
+                <a:effectLst/>
+                <a:latin typeface="JetBrains Mono"/>
+              </a:rPr>
+              <a:t>PlayerRecord</a:t>
+            </a:r>
+            <a:r>
+              <a:rPr lang="en-US" sz="1000" dirty="0">
+                <a:solidFill>
+                  <a:srgbClr val="080808"/>
+                </a:solidFill>
+                <a:effectLst/>
+                <a:latin typeface="JetBrains Mono"/>
+              </a:rPr>
+              <a:t>(</a:t>
+            </a:r>
+          </a:p>
+          <a:p>
+            <a:r>
+              <a:rPr lang="en-US" sz="1000" dirty="0">
+                <a:solidFill>
+                  <a:srgbClr val="080808"/>
+                </a:solidFill>
+                <a:effectLst/>
+                <a:latin typeface="JetBrains Mono"/>
+              </a:rPr>
+              <a:t>    </a:t>
+            </a:r>
+            <a:r>
+              <a:rPr lang="en-US" sz="1000" dirty="0" err="1">
+                <a:solidFill>
+                  <a:srgbClr val="080808"/>
+                </a:solidFill>
+                <a:effectLst/>
+                <a:latin typeface="JetBrains Mono"/>
+              </a:rPr>
+              <a:t>val</a:t>
+            </a:r>
+            <a:r>
+              <a:rPr lang="en-US" sz="1000" dirty="0">
+                <a:solidFill>
+                  <a:srgbClr val="080808"/>
+                </a:solidFill>
+                <a:effectLst/>
+                <a:latin typeface="JetBrains Mono"/>
+              </a:rPr>
+              <a:t> </a:t>
+            </a:r>
+            <a:r>
+              <a:rPr lang="en-US" sz="1000" dirty="0" err="1">
+                <a:solidFill>
+                  <a:srgbClr val="080808"/>
+                </a:solidFill>
+                <a:effectLst/>
+                <a:latin typeface="JetBrains Mono"/>
+              </a:rPr>
+              <a:t>mName</a:t>
+            </a:r>
+            <a:r>
+              <a:rPr lang="en-US" sz="1000" dirty="0">
+                <a:solidFill>
+                  <a:srgbClr val="080808"/>
+                </a:solidFill>
+                <a:effectLst/>
+                <a:latin typeface="JetBrains Mono"/>
+              </a:rPr>
+              <a:t>: String = "",  </a:t>
+            </a:r>
+          </a:p>
+          <a:p>
+            <a:r>
+              <a:rPr lang="en-US" sz="1000" dirty="0">
+                <a:solidFill>
+                  <a:srgbClr val="080808"/>
+                </a:solidFill>
+                <a:effectLst/>
+                <a:latin typeface="JetBrains Mono"/>
+              </a:rPr>
+              <a:t>    var </a:t>
+            </a:r>
+            <a:r>
+              <a:rPr lang="en-US" sz="1000" dirty="0" err="1">
+                <a:solidFill>
+                  <a:srgbClr val="080808"/>
+                </a:solidFill>
+                <a:effectLst/>
+                <a:latin typeface="JetBrains Mono"/>
+              </a:rPr>
+              <a:t>mHandicap</a:t>
+            </a:r>
+            <a:r>
+              <a:rPr lang="en-US" sz="1000" dirty="0">
+                <a:solidFill>
+                  <a:srgbClr val="080808"/>
+                </a:solidFill>
+                <a:effectLst/>
+                <a:latin typeface="JetBrains Mono"/>
+              </a:rPr>
+              <a:t>: String = "",</a:t>
+            </a:r>
+          </a:p>
+          <a:p>
+            <a:r>
+              <a:rPr lang="en-US" sz="1000" dirty="0">
+                <a:solidFill>
+                  <a:srgbClr val="080808"/>
+                </a:solidFill>
+                <a:effectLst/>
+                <a:latin typeface="JetBrains Mono"/>
+              </a:rPr>
+              <a:t>    </a:t>
+            </a:r>
+            <a:r>
+              <a:rPr lang="en-US" sz="1000" dirty="0" err="1">
+                <a:solidFill>
+                  <a:srgbClr val="080808"/>
+                </a:solidFill>
+                <a:effectLst/>
+                <a:latin typeface="JetBrains Mono"/>
+              </a:rPr>
+              <a:t>val</a:t>
+            </a:r>
+            <a:r>
+              <a:rPr lang="en-US" sz="1000" dirty="0">
+                <a:solidFill>
+                  <a:srgbClr val="080808"/>
+                </a:solidFill>
+                <a:effectLst/>
+                <a:latin typeface="JetBrains Mono"/>
+              </a:rPr>
+              <a:t> </a:t>
+            </a:r>
+            <a:r>
+              <a:rPr lang="en-US" sz="1000" dirty="0" err="1">
+                <a:solidFill>
+                  <a:srgbClr val="080808"/>
+                </a:solidFill>
+                <a:effectLst/>
+                <a:latin typeface="JetBrains Mono"/>
+              </a:rPr>
+              <a:t>mScore</a:t>
+            </a:r>
+            <a:r>
+              <a:rPr lang="en-US" sz="1000" dirty="0">
+                <a:solidFill>
+                  <a:srgbClr val="080808"/>
+                </a:solidFill>
+                <a:effectLst/>
+                <a:latin typeface="JetBrains Mono"/>
+              </a:rPr>
+              <a:t>: </a:t>
+            </a:r>
+            <a:r>
+              <a:rPr lang="en-US" sz="1000" dirty="0" err="1">
+                <a:solidFill>
+                  <a:srgbClr val="080808"/>
+                </a:solidFill>
+                <a:effectLst/>
+                <a:latin typeface="JetBrains Mono"/>
+              </a:rPr>
+              <a:t>IntArray</a:t>
+            </a:r>
+            <a:r>
+              <a:rPr lang="en-US" sz="1000" dirty="0">
+                <a:solidFill>
+                  <a:srgbClr val="080808"/>
+                </a:solidFill>
+                <a:effectLst/>
+                <a:latin typeface="JetBrains Mono"/>
+              </a:rPr>
+              <a:t> = </a:t>
+            </a:r>
+            <a:r>
+              <a:rPr lang="en-US" sz="1000" dirty="0" err="1">
+                <a:solidFill>
+                  <a:srgbClr val="080808"/>
+                </a:solidFill>
+                <a:effectLst/>
+                <a:latin typeface="JetBrains Mono"/>
+              </a:rPr>
+              <a:t>IntArray</a:t>
+            </a:r>
+            <a:r>
+              <a:rPr lang="en-US" sz="1000" dirty="0">
+                <a:solidFill>
+                  <a:srgbClr val="080808"/>
+                </a:solidFill>
+                <a:effectLst/>
+                <a:latin typeface="JetBrains Mono"/>
+              </a:rPr>
+              <a:t>(HOLE_ARRAY_SIZE),</a:t>
+            </a:r>
+          </a:p>
+          <a:p>
+            <a:r>
+              <a:rPr lang="en-US" sz="1000" dirty="0">
+                <a:solidFill>
+                  <a:srgbClr val="080808"/>
+                </a:solidFill>
+                <a:effectLst/>
+                <a:latin typeface="JetBrains Mono"/>
+              </a:rPr>
+              <a:t>    </a:t>
+            </a:r>
+            <a:r>
+              <a:rPr lang="en-US" sz="1000" dirty="0" err="1">
+                <a:solidFill>
+                  <a:srgbClr val="080808"/>
+                </a:solidFill>
+                <a:effectLst/>
+                <a:latin typeface="JetBrains Mono"/>
+              </a:rPr>
+              <a:t>val</a:t>
+            </a:r>
+            <a:r>
+              <a:rPr lang="en-US" sz="1000" dirty="0">
+                <a:solidFill>
+                  <a:srgbClr val="080808"/>
+                </a:solidFill>
+                <a:effectLst/>
+                <a:latin typeface="JetBrains Mono"/>
+              </a:rPr>
+              <a:t> </a:t>
+            </a:r>
+            <a:r>
+              <a:rPr lang="en-US" sz="1000" dirty="0" err="1">
+                <a:solidFill>
+                  <a:srgbClr val="080808"/>
+                </a:solidFill>
+                <a:effectLst/>
+                <a:latin typeface="JetBrains Mono"/>
+              </a:rPr>
+              <a:t>mTeamHole</a:t>
+            </a:r>
+            <a:r>
+              <a:rPr lang="en-US" sz="1000" dirty="0">
+                <a:solidFill>
+                  <a:srgbClr val="080808"/>
+                </a:solidFill>
+                <a:effectLst/>
+                <a:latin typeface="JetBrains Mono"/>
+              </a:rPr>
+              <a:t>: </a:t>
+            </a:r>
+            <a:r>
+              <a:rPr lang="en-US" sz="1000" dirty="0" err="1">
+                <a:solidFill>
+                  <a:srgbClr val="080808"/>
+                </a:solidFill>
+                <a:effectLst/>
+                <a:latin typeface="JetBrains Mono"/>
+              </a:rPr>
+              <a:t>IntArray</a:t>
+            </a:r>
+            <a:r>
+              <a:rPr lang="en-US" sz="1000" dirty="0">
+                <a:solidFill>
+                  <a:srgbClr val="080808"/>
+                </a:solidFill>
+                <a:effectLst/>
+                <a:latin typeface="JetBrains Mono"/>
+              </a:rPr>
+              <a:t> = </a:t>
+            </a:r>
+            <a:r>
+              <a:rPr lang="en-US" sz="1000" dirty="0" err="1">
+                <a:solidFill>
+                  <a:srgbClr val="080808"/>
+                </a:solidFill>
+                <a:effectLst/>
+                <a:latin typeface="JetBrains Mono"/>
+              </a:rPr>
+              <a:t>IntArray</a:t>
+            </a:r>
+            <a:r>
+              <a:rPr lang="en-US" sz="1000" dirty="0">
+                <a:solidFill>
+                  <a:srgbClr val="080808"/>
+                </a:solidFill>
+                <a:effectLst/>
+                <a:latin typeface="JetBrains Mono"/>
+              </a:rPr>
+              <a:t>(HOLE_ARRAY_SIZE),</a:t>
+            </a:r>
+          </a:p>
+          <a:p>
+            <a:r>
+              <a:rPr lang="en-US" sz="1000" dirty="0">
+                <a:solidFill>
+                  <a:srgbClr val="080808"/>
+                </a:solidFill>
+                <a:effectLst/>
+                <a:latin typeface="JetBrains Mono"/>
+              </a:rPr>
+              <a:t>    </a:t>
+            </a:r>
+            <a:r>
+              <a:rPr lang="en-US" sz="1000" dirty="0" err="1">
+                <a:solidFill>
+                  <a:srgbClr val="080808"/>
+                </a:solidFill>
+                <a:effectLst/>
+                <a:latin typeface="JetBrains Mono"/>
+              </a:rPr>
+              <a:t>val</a:t>
+            </a:r>
+            <a:r>
+              <a:rPr lang="en-US" sz="1000" dirty="0">
+                <a:solidFill>
+                  <a:srgbClr val="080808"/>
+                </a:solidFill>
+                <a:effectLst/>
+                <a:latin typeface="JetBrains Mono"/>
+              </a:rPr>
+              <a:t> </a:t>
+            </a:r>
+            <a:r>
+              <a:rPr lang="en-US" sz="1000" dirty="0" err="1">
+                <a:solidFill>
+                  <a:srgbClr val="080808"/>
+                </a:solidFill>
+                <a:effectLst/>
+                <a:latin typeface="JetBrains Mono"/>
+              </a:rPr>
+              <a:t>mJunk</a:t>
+            </a:r>
+            <a:r>
+              <a:rPr lang="en-US" sz="1000" dirty="0">
+                <a:solidFill>
+                  <a:srgbClr val="080808"/>
+                </a:solidFill>
+                <a:effectLst/>
+                <a:latin typeface="JetBrains Mono"/>
+              </a:rPr>
+              <a:t>: </a:t>
+            </a:r>
+            <a:r>
+              <a:rPr lang="en-US" sz="1000" dirty="0" err="1">
+                <a:solidFill>
+                  <a:srgbClr val="080808"/>
+                </a:solidFill>
+                <a:effectLst/>
+                <a:latin typeface="JetBrains Mono"/>
+              </a:rPr>
+              <a:t>IntArray</a:t>
+            </a:r>
+            <a:r>
+              <a:rPr lang="en-US" sz="1000" dirty="0">
+                <a:solidFill>
+                  <a:srgbClr val="080808"/>
+                </a:solidFill>
+                <a:effectLst/>
+                <a:latin typeface="JetBrains Mono"/>
+              </a:rPr>
+              <a:t> = </a:t>
+            </a:r>
+            <a:r>
+              <a:rPr lang="en-US" sz="1000" dirty="0" err="1">
+                <a:solidFill>
+                  <a:srgbClr val="080808"/>
+                </a:solidFill>
+                <a:effectLst/>
+                <a:latin typeface="JetBrains Mono"/>
+              </a:rPr>
+              <a:t>IntArray</a:t>
+            </a:r>
+            <a:r>
+              <a:rPr lang="en-US" sz="1000" dirty="0">
+                <a:solidFill>
+                  <a:srgbClr val="080808"/>
+                </a:solidFill>
+                <a:effectLst/>
+                <a:latin typeface="JetBrains Mono"/>
+              </a:rPr>
+              <a:t>(HOLE_ARRAY_SIZE),</a:t>
+            </a:r>
+          </a:p>
+          <a:p>
+            <a:r>
+              <a:rPr lang="en-US" sz="1000" dirty="0">
+                <a:solidFill>
+                  <a:srgbClr val="080808"/>
+                </a:solidFill>
+                <a:effectLst/>
+                <a:latin typeface="JetBrains Mono"/>
+              </a:rPr>
+              <a:t>    </a:t>
+            </a:r>
+            <a:r>
+              <a:rPr lang="en-US" sz="1000" dirty="0" err="1">
+                <a:solidFill>
+                  <a:srgbClr val="080808"/>
+                </a:solidFill>
+                <a:effectLst/>
+                <a:latin typeface="JetBrains Mono"/>
+              </a:rPr>
+              <a:t>val</a:t>
+            </a:r>
+            <a:r>
+              <a:rPr lang="en-US" sz="1000" dirty="0">
+                <a:solidFill>
+                  <a:srgbClr val="080808"/>
+                </a:solidFill>
+                <a:effectLst/>
+                <a:latin typeface="JetBrains Mono"/>
+              </a:rPr>
+              <a:t> </a:t>
+            </a:r>
+            <a:r>
+              <a:rPr lang="en-US" sz="1000" dirty="0" err="1">
+                <a:solidFill>
+                  <a:srgbClr val="080808"/>
+                </a:solidFill>
+                <a:effectLst/>
+                <a:latin typeface="JetBrains Mono"/>
+              </a:rPr>
+              <a:t>mScoreCardRecFk</a:t>
+            </a:r>
+            <a:r>
+              <a:rPr lang="en-US" sz="1000" dirty="0">
+                <a:solidFill>
+                  <a:srgbClr val="080808"/>
+                </a:solidFill>
+                <a:effectLst/>
+                <a:latin typeface="JetBrains Mono"/>
+              </a:rPr>
+              <a:t>: Int = SCORE_CARD_REC_ID,    </a:t>
+            </a:r>
+          </a:p>
+          <a:p>
+            <a:r>
+              <a:rPr lang="en-US" sz="1000" dirty="0">
+                <a:solidFill>
+                  <a:srgbClr val="080808"/>
+                </a:solidFill>
+                <a:effectLst/>
+                <a:latin typeface="JetBrains Mono"/>
+              </a:rPr>
+              <a:t>    @PrimaryKey(autoGenerate = false)    // default is false</a:t>
+            </a:r>
+          </a:p>
+          <a:p>
+            <a:r>
+              <a:rPr lang="en-US" sz="1000" dirty="0">
+                <a:solidFill>
+                  <a:srgbClr val="080808"/>
+                </a:solidFill>
+                <a:effectLst/>
+                <a:latin typeface="JetBrains Mono"/>
+              </a:rPr>
+              <a:t>    </a:t>
+            </a:r>
+            <a:r>
+              <a:rPr lang="en-US" sz="1000" dirty="0" err="1">
+                <a:solidFill>
+                  <a:srgbClr val="080808"/>
+                </a:solidFill>
+                <a:effectLst/>
+                <a:latin typeface="JetBrains Mono"/>
+              </a:rPr>
+              <a:t>val</a:t>
+            </a:r>
+            <a:r>
+              <a:rPr lang="en-US" sz="1000" dirty="0">
+                <a:solidFill>
+                  <a:srgbClr val="080808"/>
+                </a:solidFill>
+                <a:effectLst/>
+                <a:latin typeface="JetBrains Mono"/>
+              </a:rPr>
+              <a:t> mId: Int = 0</a:t>
+            </a:r>
+          </a:p>
+          <a:p>
+            <a:r>
+              <a:rPr lang="en-US" sz="1000" dirty="0">
+                <a:solidFill>
+                  <a:srgbClr val="080808"/>
+                </a:solidFill>
+                <a:effectLst/>
+                <a:latin typeface="JetBrains Mono"/>
+              </a:rPr>
+              <a:t>)</a:t>
+            </a:r>
+          </a:p>
+        </p:txBody>
+      </p:sp>
+      <p:sp>
+        <p:nvSpPr>
+          <p:cNvPr id="6" name="Rectangle: Rounded Corners 5">
+            <a:extLst>
+              <a:ext uri="{FF2B5EF4-FFF2-40B4-BE49-F238E27FC236}">
+                <a16:creationId xmlns:a16="http://schemas.microsoft.com/office/drawing/2014/main" id="{49A81414-FFBC-479C-04B4-D8028A2BC2FE}"/>
+              </a:ext>
+            </a:extLst>
+          </p:cNvPr>
+          <p:cNvSpPr/>
+          <p:nvPr/>
+        </p:nvSpPr>
+        <p:spPr>
+          <a:xfrm>
+            <a:off x="8839170" y="228636"/>
+            <a:ext cx="2634557" cy="1611781"/>
           </a:xfrm>
           <a:prstGeom prst="roundRect">
             <a:avLst/>
@@ -17804,7 +18570,7 @@
                 <a:effectLst/>
                 <a:latin typeface="JetBrains Mono"/>
               </a:rPr>
-              <a:t>player_tbl</a:t>
+              <a:t>course_tbl</a:t>
             </a:r>
             <a:r>
               <a:rPr lang="en-US" sz="1200" dirty="0">
@@ -17828,7 +18594,7 @@
             </a:r>
           </a:p>
           <a:p>
-            <a:br>
+            <a:r>
               <a:rPr lang="en-US" sz="1000" dirty="0">
                 <a:solidFill>
                   <a:srgbClr val="080808"/>
@@ -17836,26 +18602,28 @@
                 <a:effectLst/>
                 <a:latin typeface="JetBrains Mono"/>
               </a:rPr>
-            </a:br>
+              <a:t>data CourseListRecord class(</a:t>
+            </a:r>
+          </a:p>
+          <a:p>
             <a:r>
               <a:rPr lang="en-US" sz="1000" dirty="0">
                 <a:solidFill>
-                  <a:srgbClr val="0033B3"/>
+                  <a:srgbClr val="080808"/>
+                </a:solidFill>
+                <a:latin typeface="JetBrains Mono"/>
+              </a:rPr>
+              <a:t>   </a:t>
+            </a:r>
+            <a:r>
+              <a:rPr lang="en-US" sz="1000" dirty="0" err="1">
+                <a:solidFill>
+                  <a:srgbClr val="080808"/>
                 </a:solidFill>
                 <a:effectLst/>
                 <a:latin typeface="JetBrains Mono"/>
               </a:rPr>
-              <a:t>data class </a:t>
-            </a:r>
-            <a:r>
-              <a:rPr lang="en-US" sz="1000" dirty="0" err="1">
-                <a:solidFill>
-                  <a:srgbClr val="000000"/>
-                </a:solidFill>
-                <a:effectLst/>
-                <a:latin typeface="JetBrains Mono"/>
-              </a:rPr>
-              <a:t>PlayerRecord</a:t>
+              <a:t>val</a:t>
             </a:r>
             <a:r>
               <a:rPr lang="en-US" sz="1000" dirty="0">
@@ -17865,9 +18633,19 @@
                 <a:effectLst/>
                 <a:latin typeface="JetBrains Mono"/>
               </a:rPr>
-              <a:t>(</a:t>
-            </a:r>
-            <a:br>
+              <a:t>   </a:t>
+            </a:r>
+            <a:r>
+              <a:rPr lang="en-US" sz="1000" dirty="0" err="1">
+                <a:solidFill>
+                  <a:srgbClr val="080808"/>
+                </a:solidFill>
+                <a:effectLst/>
+                <a:latin typeface="JetBrains Mono"/>
+              </a:rPr>
+              <a:t>mCoursename</a:t>
+            </a:r>
+            <a:r>
               <a:rPr lang="en-US" sz="1000" dirty="0">
                 <a:solidFill>
                   <a:srgbClr val="080808"/>
@@ -17875,7 +18653,10 @@
                 <a:effectLst/>
                 <a:latin typeface="JetBrains Mono"/>
               </a:rPr>
-            </a:br>
+              <a:t>: String,</a:t>
+            </a:r>
+          </a:p>
+          <a:p>
             <a:r>
               <a:rPr lang="en-US" sz="1000" dirty="0">
                 <a:solidFill>
@@ -17889,7 +18670,7 @@
             <a:r>
               <a:rPr lang="en-US" sz="1000" dirty="0" err="1">
                 <a:solidFill>
-                  <a:srgbClr val="0033B3"/>
+                  <a:srgbClr val="080808"/>
                 </a:solidFill>
                 <a:effectLst/>
                 <a:latin typeface="JetBrains Mono"/>
@@ -17899,7 +18680,7 @@
             <a:r>
               <a:rPr lang="en-US" sz="1000" dirty="0">
                 <a:solidFill>
-                  <a:srgbClr val="0033B3"/>
+                  <a:srgbClr val="080808"/>
                 </a:solidFill>
                 <a:effectLst/>
                 <a:latin typeface="JetBrains Mono"/>
@@ -17909,12 +18690,64 @@
             <a:r>
               <a:rPr lang="en-US" sz="1000" dirty="0" err="1">
                 <a:solidFill>
-                  <a:srgbClr val="871094"/>
+                  <a:srgbClr val="080808"/>
                 </a:solidFill>
                 <a:effectLst/>
                 <a:latin typeface="JetBrains Mono"/>
               </a:rPr>
-              <a:t>mName</a:t>
+              <a:t>mUsstate</a:t>
+            </a:r>
+            <a:r>
+              <a:rPr lang="en-US" sz="1000" dirty="0">
+                <a:solidFill>
+                  <a:srgbClr val="080808"/>
+                </a:solidFill>
+                <a:effectLst/>
+                <a:latin typeface="JetBrains Mono"/>
+              </a:rPr>
+              <a:t>: String? = "NC",</a:t>
+            </a:r>
+          </a:p>
+          <a:p>
+            <a:r>
+              <a:rPr lang="en-US" sz="1000" dirty="0">
+                <a:solidFill>
+                  <a:srgbClr val="080808"/>
+                </a:solidFill>
+                <a:effectLst/>
+                <a:latin typeface="JetBrains Mono"/>
+              </a:rPr>
+              <a:t>    </a:t>
+            </a:r>
+            <a:r>
+              <a:rPr lang="en-US" sz="1000" dirty="0" err="1">
+                <a:solidFill>
+                  <a:srgbClr val="080808"/>
+                </a:solidFill>
+                <a:effectLst/>
+                <a:latin typeface="JetBrains Mono"/>
+              </a:rPr>
+              <a:t>val</a:t>
+            </a:r>
+            <a:r>
+              <a:rPr lang="en-US" sz="1000" dirty="0">
+                <a:solidFill>
+                  <a:srgbClr val="080808"/>
+                </a:solidFill>
+                <a:effectLst/>
+                <a:latin typeface="JetBrains Mono"/>
+              </a:rPr>
+              <a:t> </a:t>
+            </a:r>
+            <a:r>
+              <a:rPr lang="en-US" sz="1000" dirty="0" err="1">
+                <a:solidFill>
+                  <a:srgbClr val="080808"/>
+                </a:solidFill>
+                <a:effectLst/>
+                <a:latin typeface="JetBrains Mono"/>
+              </a:rPr>
+              <a:t>mPar</a:t>
             </a:r>
             <a:r>
               <a:rPr lang="en-US" sz="1000" dirty="0">
@@ -17927,14 +18760,14 @@
               <a:t>: </a:t>
             </a:r>
             <a:r>
-              <a:rPr lang="en-US" sz="1000" dirty="0">
+              <a:rPr lang="en-US" sz="1000" dirty="0" err="1">
                 <a:solidFill>
-                  <a:srgbClr val="000000"/>
+                  <a:srgbClr val="080808"/>
                 </a:solidFill>
                 <a:effectLst/>
                 <a:latin typeface="JetBrains Mono"/>
               </a:rPr>
-              <a:t>String</a:t>
+              <a:t>IntArray</a:t>
             </a:r>
             <a:r>
               <a:rPr lang="en-US" sz="1000" dirty="0">
@@ -17946,15 +18779,8 @@
               </a:rPr>
               <a:t>,</a:t>
             </a:r>
-            <a:br>
-              <a:rPr lang="en-US" sz="1000" dirty="0">
-                <a:solidFill>
-                  <a:srgbClr val="080808"/>
-                </a:solidFill>
-                <a:effectLst/>
-                <a:latin typeface="JetBrains Mono"/>
-              </a:rPr>
-            </a:br>
+          </a:p>
+          <a:p>
             <a:r>
               <a:rPr lang="en-US" sz="1000" dirty="0">
                 <a:solidFill>
@@ -17968,7 +18794,7 @@
             <a:r>
               <a:rPr lang="en-US" sz="1000" dirty="0" err="1">
                 <a:solidFill>
-                  <a:srgbClr val="0033B3"/>
+                  <a:srgbClr val="080808"/>
                 </a:solidFill>
                 <a:effectLst/>
                 <a:latin typeface="JetBrains Mono"/>
@@ -17978,7 +18804,7 @@
             <a:r>
               <a:rPr lang="en-US" sz="1000" dirty="0">
                 <a:solidFill>
-                  <a:srgbClr val="0033B3"/>
+                  <a:srgbClr val="080808"/>
                 </a:solidFill>
                 <a:effectLst/>
                 <a:latin typeface="JetBrains Mono"/>
@@ -17988,7 +18814,7 @@
             <a:r>
               <a:rPr lang="en-US" sz="1000" dirty="0" err="1">
                 <a:solidFill>
-                  <a:srgbClr val="871094"/>
+                  <a:srgbClr val="080808"/>
                 </a:solidFill>
                 <a:effectLst/>
                 <a:latin typeface="JetBrains Mono"/>
@@ -18006,14 +18832,14 @@
               <a:t>: </a:t>
             </a:r>
             <a:r>
-              <a:rPr lang="en-US" sz="1000" dirty="0">
+              <a:rPr lang="en-US" sz="1000" dirty="0" err="1">
                 <a:solidFill>
-                  <a:srgbClr val="000000"/>
+                  <a:srgbClr val="080808"/>
                 </a:solidFill>
                 <a:effectLst/>
                 <a:latin typeface="JetBrains Mono"/>
               </a:rPr>
-              <a:t>Int</a:t>
+              <a:t>IntArray</a:t>
             </a:r>
             <a:r>
               <a:rPr lang="en-US" sz="1000" dirty="0">
@@ -18025,15 +18851,8 @@
               </a:rPr>
               <a:t>,</a:t>
             </a:r>
-            <a:br>
-              <a:rPr lang="en-US" sz="1000" dirty="0">
-                <a:solidFill>
-                  <a:srgbClr val="080808"/>
-                </a:solidFill>
-                <a:effectLst/>
-                <a:latin typeface="JetBrains Mono"/>
-              </a:rPr>
-            </a:br>
+          </a:p>
+          <a:p>
             <a:r>
               <a:rPr lang="en-US" sz="1000" dirty="0">
                 <a:solidFill>
@@ -18047,32 +18866,12 @@
             <a:r>
               <a:rPr lang="en-US" sz="1000" dirty="0" err="1">
                 <a:solidFill>
-                  <a:srgbClr val="0033B3"/>
+                  <a:srgbClr val="080808"/>
                 </a:solidFill>
                 <a:effectLst/>
                 <a:latin typeface="JetBrains Mono"/>
               </a:rPr>
               <a:t>val</a:t>
-            </a:r>
-            <a:r>
-              <a:rPr lang="en-US" sz="1000" dirty="0">
-                <a:solidFill>
-                  <a:srgbClr val="0033B3"/>
-                </a:solidFill>
-                <a:effectLst/>
-                <a:latin typeface="JetBrains Mono"/>
-              </a:rPr>
-              <a:t> </a:t>
-            </a:r>
-            <a:r>
-              <a:rPr lang="en-US" sz="1000" dirty="0" err="1">
-                <a:solidFill>
-                  <a:srgbClr val="871094"/>
-                </a:solidFill>
-                <a:effectLst/>
-                <a:latin typeface="JetBrains Mono"/>
-              </a:rPr>
-              <a:t>mScore</a:t>
             </a:r>
             <a:r>
               <a:rPr lang="en-US" sz="1000" dirty="0">
@@ -18082,17 +18881,17 @@
                 <a:effectLst/>
                 <a:latin typeface="JetBrains Mono"/>
               </a:rPr>
-              <a:t>: </a:t>
-            </a:r>
-            <a:r>
-              <a:rPr lang="en-US" sz="1000" dirty="0">
+              <a:t> </a:t>
+            </a:r>
+            <a:r>
+              <a:rPr lang="en-US" sz="1000" dirty="0" err="1">
                 <a:solidFill>
-                  <a:srgbClr val="000000"/>
+                  <a:srgbClr val="080808"/>
                 </a:solidFill>
                 <a:effectLst/>
                 <a:latin typeface="JetBrains Mono"/>
               </a:rPr>
-              <a:t>Array</a:t>
+              <a:t>mNotes:Array</a:t>
             </a:r>
             <a:r>
               <a:rPr lang="en-US" sz="1000" dirty="0">
@@ -18102,18 +18901,10 @@
                 <a:effectLst/>
                 <a:latin typeface="JetBrains Mono"/>
               </a:rPr>
-              <a:t>&lt;</a:t>
-            </a:r>
-            <a:r>
-              <a:rPr lang="en-US" sz="1000" dirty="0">
-                <a:solidFill>
-                  <a:srgbClr val="000000"/>
-                </a:solidFill>
-                <a:effectLst/>
-                <a:latin typeface="JetBrains Mono"/>
-              </a:rPr>
-              <a:t>Char</a:t>
-            </a:r>
+              <a:t>&lt;String&gt;,</a:t>
+            </a:r>
+          </a:p>
+          <a:p>
             <a:r>
               <a:rPr lang="en-US" sz="1000" dirty="0">
                 <a:solidFill>
@@ -18122,288 +18913,10 @@
                 <a:effectLst/>
                 <a:latin typeface="JetBrains Mono"/>
               </a:rPr>
-              <a:t>&gt;,</a:t>
-            </a:r>
-            <a:br>
-              <a:rPr lang="en-US" sz="1000" i="1" dirty="0">
-                <a:solidFill>
-                  <a:srgbClr val="8C8C8C"/>
-                </a:solidFill>
-                <a:effectLst/>
-                <a:latin typeface="JetBrains Mono"/>
-              </a:rPr>
-            </a:br>
-            <a:r>
-              <a:rPr lang="en-US" sz="1000" i="1" dirty="0">
-                <a:solidFill>
-                  <a:srgbClr val="8C8C8C"/>
-                </a:solidFill>
-                <a:effectLst/>
-                <a:latin typeface="JetBrains Mono"/>
-              </a:rPr>
-              <a:t>    </a:t>
-            </a:r>
-            <a:r>
-              <a:rPr lang="en-US" sz="1000" dirty="0" err="1">
-                <a:solidFill>
-                  <a:srgbClr val="0033B3"/>
-                </a:solidFill>
-                <a:effectLst/>
-                <a:latin typeface="JetBrains Mono"/>
-              </a:rPr>
-              <a:t>val</a:t>
-            </a:r>
-            <a:r>
-              <a:rPr lang="en-US" sz="1000" dirty="0">
-                <a:solidFill>
-                  <a:srgbClr val="0033B3"/>
-                </a:solidFill>
-                <a:effectLst/>
-                <a:latin typeface="JetBrains Mono"/>
-              </a:rPr>
-              <a:t> </a:t>
-            </a:r>
-            <a:r>
-              <a:rPr lang="en-US" sz="1000" dirty="0">
-                <a:solidFill>
-                  <a:srgbClr val="871094"/>
-                </a:solidFill>
-                <a:effectLst/>
-                <a:latin typeface="JetBrains Mono"/>
-              </a:rPr>
-              <a:t>mId</a:t>
-            </a:r>
-            <a:r>
-              <a:rPr lang="en-US" sz="1000" dirty="0">
-                <a:solidFill>
-                  <a:srgbClr val="080808"/>
-                </a:solidFill>
-                <a:effectLst/>
-                <a:latin typeface="JetBrains Mono"/>
-              </a:rPr>
-              <a:t>: </a:t>
-            </a:r>
-            <a:r>
-              <a:rPr lang="en-US" sz="1000" dirty="0">
-                <a:solidFill>
-                  <a:srgbClr val="000000"/>
-                </a:solidFill>
-                <a:effectLst/>
-                <a:latin typeface="JetBrains Mono"/>
-              </a:rPr>
-              <a:t>Int</a:t>
-            </a:r>
-            <a:r>
-              <a:rPr lang="en-US" sz="1000" dirty="0">
-                <a:solidFill>
-                  <a:srgbClr val="080808"/>
-                </a:solidFill>
-                <a:effectLst/>
-                <a:latin typeface="JetBrains Mono"/>
-              </a:rPr>
-              <a:t>? = </a:t>
-            </a:r>
-            <a:r>
-              <a:rPr lang="en-US" sz="1000" dirty="0">
-                <a:solidFill>
-                  <a:srgbClr val="1750EB"/>
-                </a:solidFill>
-                <a:effectLst/>
-                <a:latin typeface="JetBrains Mono"/>
-              </a:rPr>
-              <a:t>0</a:t>
-            </a:r>
-            <a:br>
-              <a:rPr lang="en-US" sz="1000" dirty="0">
-                <a:solidFill>
-                  <a:srgbClr val="1750EB"/>
-                </a:solidFill>
-                <a:effectLst/>
-                <a:latin typeface="JetBrains Mono"/>
-              </a:rPr>
-            </a:br>
-            <a:r>
-              <a:rPr lang="en-US" sz="1000" dirty="0">
-                <a:solidFill>
-                  <a:srgbClr val="080808"/>
-                </a:solidFill>
-                <a:effectLst/>
-                <a:latin typeface="JetBrains Mono"/>
-              </a:rPr>
-              <a:t>)</a:t>
-            </a:r>
-          </a:p>
-        </p:txBody>
-      </p:sp>
-      <p:sp>
-        <p:nvSpPr>
-          <p:cNvPr id="6" name="Rectangle: Rounded Corners 5">
-            <a:extLst>
-              <a:ext uri="{FF2B5EF4-FFF2-40B4-BE49-F238E27FC236}">
-                <a16:creationId xmlns:a16="http://schemas.microsoft.com/office/drawing/2014/main" id="{49A81414-FFBC-479C-04B4-D8028A2BC2FE}"/>
-              </a:ext>
-            </a:extLst>
-          </p:cNvPr>
-          <p:cNvSpPr/>
-          <p:nvPr/>
-        </p:nvSpPr>
-        <p:spPr>
-          <a:xfrm>
-            <a:off x="9089680" y="425512"/>
-            <a:ext cx="2634557" cy="2290527"/>
-          </a:xfrm>
-          <a:prstGeom prst="roundRect">
-            <a:avLst/>
-          </a:prstGeom>
-        </p:spPr>
-        <p:style>
-          <a:lnRef idx="2">
-            <a:schemeClr val="accent1"/>
-          </a:lnRef>
-          <a:fillRef idx="1">
-            <a:schemeClr val="lt1"/>
-          </a:fillRef>
-          <a:effectRef idx="0">
-            <a:schemeClr val="accent1"/>
-          </a:effectRef>
-          <a:fontRef idx="minor">
-            <a:schemeClr val="dk1"/>
-          </a:fontRef>
-        </p:style>
-        <p:txBody>
-          <a:bodyPr rtlCol="0" anchor="ctr"/>
-          <a:lstStyle/>
-          <a:p>
-            <a:r>
-              <a:rPr lang="en-US" sz="1200" dirty="0">
-                <a:solidFill>
-                  <a:srgbClr val="9E880D"/>
-                </a:solidFill>
-                <a:effectLst/>
-                <a:latin typeface="JetBrains Mono"/>
-              </a:rPr>
-              <a:t>@Entity </a:t>
-            </a:r>
-            <a:r>
-              <a:rPr lang="en-US" sz="1200" dirty="0">
-                <a:solidFill>
-                  <a:srgbClr val="080808"/>
-                </a:solidFill>
-                <a:effectLst/>
-                <a:latin typeface="JetBrains Mono"/>
-              </a:rPr>
-              <a:t>(</a:t>
-            </a:r>
-            <a:r>
-              <a:rPr lang="en-US" sz="1200" dirty="0" err="1">
-                <a:solidFill>
-                  <a:srgbClr val="080808"/>
-                </a:solidFill>
-                <a:effectLst/>
-                <a:latin typeface="JetBrains Mono"/>
-              </a:rPr>
-              <a:t>tableName</a:t>
-            </a:r>
-            <a:r>
-              <a:rPr lang="en-US" sz="1200" dirty="0">
-                <a:solidFill>
-                  <a:srgbClr val="080808"/>
-                </a:solidFill>
-                <a:effectLst/>
-                <a:latin typeface="JetBrains Mono"/>
-              </a:rPr>
-              <a:t> = </a:t>
-            </a:r>
-            <a:r>
-              <a:rPr lang="en-US" sz="1200" dirty="0">
-                <a:solidFill>
-                  <a:srgbClr val="067D17"/>
-                </a:solidFill>
-                <a:effectLst/>
-                <a:latin typeface="JetBrains Mono"/>
-              </a:rPr>
-              <a:t>"</a:t>
-            </a:r>
-            <a:r>
-              <a:rPr lang="en-US" sz="1200" dirty="0" err="1">
-                <a:solidFill>
-                  <a:srgbClr val="067D17"/>
-                </a:solidFill>
-                <a:effectLst/>
-                <a:latin typeface="JetBrains Mono"/>
-              </a:rPr>
-              <a:t>course_tbl</a:t>
-            </a:r>
-            <a:r>
-              <a:rPr lang="en-US" sz="1200" dirty="0">
-                <a:solidFill>
-                  <a:srgbClr val="067D17"/>
-                </a:solidFill>
-                <a:effectLst/>
-                <a:latin typeface="JetBrains Mono"/>
-              </a:rPr>
-              <a:t>"</a:t>
-            </a:r>
-            <a:r>
-              <a:rPr lang="en-US" sz="1200" dirty="0">
-                <a:solidFill>
-                  <a:srgbClr val="080808"/>
-                </a:solidFill>
-                <a:effectLst/>
-                <a:latin typeface="JetBrains Mono"/>
-              </a:rPr>
-              <a:t>)</a:t>
-            </a:r>
-          </a:p>
-          <a:p>
-            <a:endParaRPr lang="en-US" sz="1200" dirty="0">
-              <a:solidFill>
-                <a:srgbClr val="080808"/>
-              </a:solidFill>
-              <a:effectLst/>
-              <a:latin typeface="JetBrains Mono"/>
-            </a:endParaRPr>
-          </a:p>
-          <a:p>
-            <a:r>
-              <a:rPr lang="en-US" sz="1000" dirty="0">
-                <a:solidFill>
-                  <a:srgbClr val="0033B3"/>
-                </a:solidFill>
-                <a:effectLst/>
-                <a:latin typeface="JetBrains Mono"/>
-              </a:rPr>
-              <a:t>data class </a:t>
-            </a:r>
-            <a:r>
-              <a:rPr lang="en-US" sz="1000" dirty="0" err="1">
-                <a:solidFill>
-                  <a:srgbClr val="000000"/>
-                </a:solidFill>
-                <a:effectLst/>
-                <a:latin typeface="JetBrains Mono"/>
-              </a:rPr>
-              <a:t>CourseRecord</a:t>
-            </a:r>
-            <a:r>
-              <a:rPr lang="en-US" sz="1000" dirty="0">
-                <a:solidFill>
-                  <a:srgbClr val="080808"/>
-                </a:solidFill>
-                <a:effectLst/>
-                <a:latin typeface="JetBrains Mono"/>
-              </a:rPr>
-              <a:t>(</a:t>
-            </a:r>
-            <a:br>
-              <a:rPr lang="en-US" sz="1000" dirty="0">
-                <a:solidFill>
-                  <a:srgbClr val="080808"/>
-                </a:solidFill>
-                <a:effectLst/>
-                <a:latin typeface="JetBrains Mono"/>
-              </a:rPr>
-            </a:br>
+              <a:t>    @PrimaryKey(autoGenerate = true)</a:t>
+            </a:r>
+          </a:p>
+          <a:p>
             <a:r>
               <a:rPr lang="en-US" sz="1000" dirty="0">
                 <a:solidFill>
@@ -18415,14 +18928,14 @@
               <a:t>    </a:t>
             </a:r>
             <a:r>
-              <a:rPr lang="en-US" sz="1000" dirty="0">
+              <a:rPr lang="en-US" sz="1000" dirty="0" err="1">
                 <a:solidFill>
-                  <a:srgbClr val="9E880D"/>
+                  <a:srgbClr val="080808"/>
                 </a:solidFill>
                 <a:effectLst/>
                 <a:latin typeface="JetBrains Mono"/>
               </a:rPr>
-              <a:t>@PrimaryKey</a:t>
+              <a:t>val</a:t>
             </a:r>
             <a:r>
               <a:rPr lang="en-US" sz="1000" dirty="0">
@@ -18432,568 +18945,20 @@
                 <a:effectLst/>
                 <a:latin typeface="JetBrains Mono"/>
               </a:rPr>
-              <a:t>(autoGenerate = </a:t>
-            </a:r>
-            <a:r>
-              <a:rPr lang="en-US" sz="1000" dirty="0">
-                <a:solidFill>
-                  <a:srgbClr val="0033B3"/>
-                </a:solidFill>
-                <a:effectLst/>
-                <a:latin typeface="JetBrains Mono"/>
-              </a:rPr>
-              <a:t>true</a:t>
-            </a:r>
-            <a:r>
-              <a:rPr lang="en-US" sz="1000" dirty="0">
-                <a:solidFill>
-                  <a:srgbClr val="080808"/>
-                </a:solidFill>
-                <a:effectLst/>
-                <a:latin typeface="JetBrains Mono"/>
-              </a:rPr>
-              <a:t>)</a:t>
-            </a:r>
-            <a:br>
-              <a:rPr lang="en-US" sz="1000" i="1" dirty="0">
-                <a:solidFill>
-                  <a:srgbClr val="8C8C8C"/>
-                </a:solidFill>
-                <a:effectLst/>
-                <a:latin typeface="JetBrains Mono"/>
-              </a:rPr>
-            </a:br>
-            <a:r>
-              <a:rPr lang="en-US" sz="1000" i="1" dirty="0">
-                <a:solidFill>
-                  <a:srgbClr val="8C8C8C"/>
-                </a:solidFill>
-                <a:effectLst/>
-                <a:latin typeface="JetBrains Mono"/>
-              </a:rPr>
-              <a:t>    </a:t>
-            </a:r>
-            <a:r>
-              <a:rPr lang="en-US" sz="1000" dirty="0" err="1">
-                <a:solidFill>
-                  <a:srgbClr val="0033B3"/>
-                </a:solidFill>
-                <a:effectLst/>
-                <a:latin typeface="JetBrains Mono"/>
-              </a:rPr>
-              <a:t>val</a:t>
-            </a:r>
-            <a:r>
-              <a:rPr lang="en-US" sz="1000" dirty="0">
-                <a:solidFill>
-                  <a:srgbClr val="0033B3"/>
-                </a:solidFill>
-                <a:effectLst/>
-                <a:latin typeface="JetBrains Mono"/>
-              </a:rPr>
-              <a:t> </a:t>
-            </a:r>
-            <a:r>
-              <a:rPr lang="en-US" sz="1000" dirty="0">
-                <a:solidFill>
-                  <a:srgbClr val="871094"/>
-                </a:solidFill>
-                <a:effectLst/>
-                <a:latin typeface="JetBrains Mono"/>
-              </a:rPr>
-              <a:t>mId</a:t>
-            </a:r>
-            <a:r>
-              <a:rPr lang="en-US" sz="1000" dirty="0">
-                <a:solidFill>
-                  <a:srgbClr val="080808"/>
-                </a:solidFill>
-                <a:effectLst/>
-                <a:latin typeface="JetBrains Mono"/>
-              </a:rPr>
-              <a:t>: </a:t>
-            </a:r>
-            <a:r>
-              <a:rPr lang="en-US" sz="1000" dirty="0">
-                <a:solidFill>
-                  <a:srgbClr val="000000"/>
-                </a:solidFill>
-                <a:effectLst/>
-                <a:latin typeface="JetBrains Mono"/>
-              </a:rPr>
-              <a:t>Int </a:t>
-            </a:r>
-            <a:r>
-              <a:rPr lang="en-US" sz="1000" dirty="0">
-                <a:solidFill>
-                  <a:srgbClr val="080808"/>
-                </a:solidFill>
-                <a:effectLst/>
-                <a:latin typeface="JetBrains Mono"/>
-              </a:rPr>
-              <a:t>= </a:t>
-            </a:r>
-            <a:r>
-              <a:rPr lang="en-US" sz="1000" dirty="0">
-                <a:solidFill>
-                  <a:srgbClr val="1750EB"/>
-                </a:solidFill>
-                <a:effectLst/>
-                <a:latin typeface="JetBrains Mono"/>
-              </a:rPr>
-              <a:t>0</a:t>
-            </a:r>
-            <a:r>
-              <a:rPr lang="en-US" sz="1000" dirty="0">
-                <a:solidFill>
-                  <a:srgbClr val="080808"/>
-                </a:solidFill>
-                <a:effectLst/>
-                <a:latin typeface="JetBrains Mono"/>
-              </a:rPr>
-              <a:t>,</a:t>
-            </a:r>
-            <a:br>
-              <a:rPr lang="en-US" sz="1000" dirty="0">
-                <a:solidFill>
-                  <a:srgbClr val="080808"/>
-                </a:solidFill>
-                <a:effectLst/>
-                <a:latin typeface="JetBrains Mono"/>
-              </a:rPr>
-            </a:br>
-            <a:r>
-              <a:rPr lang="en-US" sz="1000" dirty="0">
-                <a:solidFill>
-                  <a:srgbClr val="080808"/>
-                </a:solidFill>
-                <a:effectLst/>
-                <a:latin typeface="JetBrains Mono"/>
-              </a:rPr>
-              <a:t>    </a:t>
-            </a:r>
-            <a:r>
-              <a:rPr lang="en-US" sz="1000" dirty="0" err="1">
-                <a:solidFill>
-                  <a:srgbClr val="0033B3"/>
-                </a:solidFill>
-                <a:effectLst/>
-                <a:latin typeface="JetBrains Mono"/>
-              </a:rPr>
-              <a:t>val</a:t>
-            </a:r>
-            <a:r>
-              <a:rPr lang="en-US" sz="1000" dirty="0">
-                <a:solidFill>
-                  <a:srgbClr val="0033B3"/>
-                </a:solidFill>
-                <a:effectLst/>
-                <a:latin typeface="JetBrains Mono"/>
-              </a:rPr>
-              <a:t> </a:t>
-            </a:r>
-            <a:r>
-              <a:rPr lang="en-US" sz="1000" dirty="0" err="1">
-                <a:solidFill>
-                  <a:srgbClr val="871094"/>
-                </a:solidFill>
-                <a:effectLst/>
-                <a:latin typeface="JetBrains Mono"/>
-              </a:rPr>
-              <a:t>mCoursename</a:t>
-            </a:r>
-            <a:r>
-              <a:rPr lang="en-US" sz="1000" dirty="0">
-                <a:solidFill>
-                  <a:srgbClr val="080808"/>
-                </a:solidFill>
-                <a:effectLst/>
-                <a:latin typeface="JetBrains Mono"/>
-              </a:rPr>
-              <a:t>: </a:t>
-            </a:r>
-            <a:r>
-              <a:rPr lang="en-US" sz="1000" dirty="0">
-                <a:solidFill>
-                  <a:srgbClr val="000000"/>
-                </a:solidFill>
-                <a:effectLst/>
-                <a:latin typeface="JetBrains Mono"/>
-              </a:rPr>
-              <a:t>String</a:t>
-            </a:r>
-            <a:r>
-              <a:rPr lang="en-US" sz="1000" dirty="0">
-                <a:solidFill>
-                  <a:srgbClr val="080808"/>
-                </a:solidFill>
-                <a:effectLst/>
-                <a:latin typeface="JetBrains Mono"/>
-              </a:rPr>
-              <a:t>?,  </a:t>
-            </a:r>
-            <a:br>
-              <a:rPr lang="en-US" sz="1000" i="1" dirty="0">
-                <a:solidFill>
-                  <a:srgbClr val="8C8C8C"/>
-                </a:solidFill>
-                <a:effectLst/>
-                <a:latin typeface="JetBrains Mono"/>
-              </a:rPr>
-            </a:br>
-            <a:r>
-              <a:rPr lang="en-US" sz="1000" i="1" dirty="0">
-                <a:solidFill>
-                  <a:srgbClr val="8C8C8C"/>
-                </a:solidFill>
-                <a:effectLst/>
-                <a:latin typeface="JetBrains Mono"/>
-              </a:rPr>
-              <a:t>    </a:t>
-            </a:r>
-            <a:r>
-              <a:rPr lang="en-US" sz="1000" dirty="0" err="1">
-                <a:solidFill>
-                  <a:srgbClr val="0033B3"/>
-                </a:solidFill>
-                <a:effectLst/>
-                <a:latin typeface="JetBrains Mono"/>
-              </a:rPr>
-              <a:t>val</a:t>
-            </a:r>
-            <a:r>
-              <a:rPr lang="en-US" sz="1000" dirty="0">
-                <a:solidFill>
-                  <a:srgbClr val="0033B3"/>
-                </a:solidFill>
-                <a:effectLst/>
-                <a:latin typeface="JetBrains Mono"/>
-              </a:rPr>
-              <a:t> </a:t>
-            </a:r>
-            <a:r>
-              <a:rPr lang="en-US" sz="1000" dirty="0" err="1">
-                <a:solidFill>
-                  <a:srgbClr val="871094"/>
-                </a:solidFill>
-                <a:effectLst/>
-                <a:latin typeface="JetBrains Mono"/>
-              </a:rPr>
-              <a:t>mUsstate</a:t>
-            </a:r>
-            <a:r>
-              <a:rPr lang="en-US" sz="1000" dirty="0">
-                <a:solidFill>
-                  <a:srgbClr val="080808"/>
-                </a:solidFill>
-                <a:effectLst/>
-                <a:latin typeface="JetBrains Mono"/>
-              </a:rPr>
-              <a:t>: </a:t>
-            </a:r>
-            <a:r>
-              <a:rPr lang="en-US" sz="1000" dirty="0">
-                <a:solidFill>
-                  <a:srgbClr val="000000"/>
-                </a:solidFill>
-                <a:effectLst/>
-                <a:latin typeface="JetBrains Mono"/>
-              </a:rPr>
-              <a:t>String</a:t>
-            </a:r>
-            <a:r>
-              <a:rPr lang="en-US" sz="1000" dirty="0">
-                <a:solidFill>
-                  <a:srgbClr val="080808"/>
-                </a:solidFill>
-                <a:effectLst/>
-                <a:latin typeface="JetBrains Mono"/>
-              </a:rPr>
-              <a:t>?,</a:t>
-            </a:r>
-            <a:br>
-              <a:rPr lang="en-US" sz="1000" dirty="0">
-                <a:solidFill>
-                  <a:srgbClr val="080808"/>
-                </a:solidFill>
-                <a:effectLst/>
-                <a:latin typeface="JetBrains Mono"/>
-              </a:rPr>
-            </a:br>
-            <a:r>
-              <a:rPr lang="en-US" sz="1000" dirty="0">
-                <a:solidFill>
-                  <a:srgbClr val="080808"/>
-                </a:solidFill>
-                <a:effectLst/>
-                <a:latin typeface="JetBrains Mono"/>
-              </a:rPr>
-              <a:t>     </a:t>
-            </a:r>
-            <a:r>
-              <a:rPr lang="en-US" sz="1000" dirty="0">
-                <a:solidFill>
-                  <a:srgbClr val="0033B3"/>
-                </a:solidFill>
-                <a:effectLst/>
-                <a:latin typeface="JetBrains Mono"/>
-              </a:rPr>
-              <a:t>var </a:t>
-            </a:r>
-            <a:r>
-              <a:rPr lang="en-US" sz="1000" dirty="0" err="1">
-                <a:solidFill>
-                  <a:srgbClr val="871094"/>
-                </a:solidFill>
-                <a:effectLst/>
-                <a:latin typeface="JetBrains Mono"/>
-              </a:rPr>
-              <a:t>mPar</a:t>
-            </a:r>
-            <a:r>
-              <a:rPr lang="en-US" sz="1000" dirty="0">
-                <a:solidFill>
-                  <a:srgbClr val="080808"/>
-                </a:solidFill>
-                <a:effectLst/>
-                <a:latin typeface="JetBrains Mono"/>
-              </a:rPr>
-              <a:t>: </a:t>
-            </a:r>
-            <a:r>
-              <a:rPr lang="en-US" sz="1000" dirty="0" err="1">
-                <a:solidFill>
-                  <a:srgbClr val="000000"/>
-                </a:solidFill>
-                <a:effectLst/>
-                <a:latin typeface="JetBrains Mono"/>
-              </a:rPr>
-              <a:t>IntArray</a:t>
-            </a:r>
-            <a:r>
-              <a:rPr lang="en-US" sz="1000" dirty="0">
-                <a:solidFill>
-                  <a:srgbClr val="080808"/>
-                </a:solidFill>
-                <a:effectLst/>
-                <a:latin typeface="JetBrains Mono"/>
-              </a:rPr>
-              <a:t>,</a:t>
-            </a:r>
-            <a:br>
-              <a:rPr lang="en-US" sz="1000" dirty="0">
-                <a:solidFill>
-                  <a:srgbClr val="080808"/>
-                </a:solidFill>
-                <a:effectLst/>
-                <a:latin typeface="JetBrains Mono"/>
-              </a:rPr>
-            </a:br>
-            <a:r>
-              <a:rPr lang="en-US" sz="1000" dirty="0">
-                <a:solidFill>
-                  <a:srgbClr val="080808"/>
-                </a:solidFill>
-                <a:effectLst/>
-                <a:latin typeface="JetBrains Mono"/>
-              </a:rPr>
-              <a:t>     </a:t>
-            </a:r>
-            <a:r>
-              <a:rPr lang="en-US" sz="1000" dirty="0">
-                <a:solidFill>
-                  <a:srgbClr val="0033B3"/>
-                </a:solidFill>
-                <a:effectLst/>
-                <a:latin typeface="JetBrains Mono"/>
-              </a:rPr>
-              <a:t>var </a:t>
-            </a:r>
-            <a:r>
-              <a:rPr lang="en-US" sz="1000" dirty="0" err="1">
-                <a:solidFill>
-                  <a:srgbClr val="871094"/>
-                </a:solidFill>
-                <a:effectLst/>
-                <a:latin typeface="JetBrains Mono"/>
-              </a:rPr>
-              <a:t>mHandicap</a:t>
-            </a:r>
-            <a:r>
-              <a:rPr lang="en-US" sz="1000" dirty="0">
-                <a:solidFill>
-                  <a:srgbClr val="080808"/>
-                </a:solidFill>
-                <a:effectLst/>
-                <a:latin typeface="JetBrains Mono"/>
-              </a:rPr>
-              <a:t>: </a:t>
-            </a:r>
-            <a:r>
-              <a:rPr lang="en-US" sz="1000" dirty="0" err="1">
-                <a:solidFill>
-                  <a:srgbClr val="000000"/>
-                </a:solidFill>
-                <a:effectLst/>
-                <a:latin typeface="JetBrains Mono"/>
-              </a:rPr>
-              <a:t>IntArray</a:t>
-            </a:r>
-            <a:br>
-              <a:rPr lang="en-US" sz="1000" dirty="0">
-                <a:solidFill>
-                  <a:srgbClr val="000000"/>
-                </a:solidFill>
-                <a:effectLst/>
-                <a:latin typeface="JetBrains Mono"/>
-              </a:rPr>
-            </a:br>
-            <a:r>
-              <a:rPr lang="en-US" sz="1000" dirty="0">
-                <a:solidFill>
-                  <a:srgbClr val="080808"/>
-                </a:solidFill>
-                <a:effectLst/>
-                <a:latin typeface="JetBrains Mono"/>
-              </a:rPr>
-              <a:t>)</a:t>
-            </a:r>
-          </a:p>
-        </p:txBody>
-      </p:sp>
-      <p:cxnSp>
-        <p:nvCxnSpPr>
-          <p:cNvPr id="8" name="Connector: Elbow 7">
-            <a:extLst>
-              <a:ext uri="{FF2B5EF4-FFF2-40B4-BE49-F238E27FC236}">
-                <a16:creationId xmlns:a16="http://schemas.microsoft.com/office/drawing/2014/main" id="{156BE7F0-F4F8-AA1D-A0FD-8F5B7EB75C4F}"/>
-              </a:ext>
-            </a:extLst>
-          </p:cNvPr>
-          <p:cNvCxnSpPr>
-            <a:cxnSpLocks/>
-            <a:stCxn id="2" idx="3"/>
-            <a:endCxn id="6" idx="1"/>
-          </p:cNvCxnSpPr>
-          <p:nvPr/>
-        </p:nvCxnSpPr>
-        <p:spPr>
-          <a:xfrm flipV="1">
-            <a:off x="7957997" y="1570776"/>
-            <a:ext cx="1131683" cy="2333530"/>
-          </a:xfrm>
-          <a:prstGeom prst="bentConnector3">
-            <a:avLst/>
-          </a:prstGeom>
-          <a:ln>
-            <a:tailEnd type="triangle"/>
-          </a:ln>
-        </p:spPr>
-        <p:style>
-          <a:lnRef idx="2">
-            <a:schemeClr val="accent1"/>
-          </a:lnRef>
-          <a:fillRef idx="0">
-            <a:schemeClr val="accent1"/>
-          </a:fillRef>
-          <a:effectRef idx="1">
-            <a:schemeClr val="accent1"/>
-          </a:effectRef>
-          <a:fontRef idx="minor">
-            <a:schemeClr val="tx1"/>
-          </a:fontRef>
-        </p:style>
-      </p:cxnSp>
-      <p:cxnSp>
-        <p:nvCxnSpPr>
-          <p:cNvPr id="13" name="Connector: Elbow 12">
-            <a:extLst>
-              <a:ext uri="{FF2B5EF4-FFF2-40B4-BE49-F238E27FC236}">
-                <a16:creationId xmlns:a16="http://schemas.microsoft.com/office/drawing/2014/main" id="{DDBC1C16-B58D-DB05-4328-4499D58036C9}"/>
-              </a:ext>
-            </a:extLst>
-          </p:cNvPr>
-          <p:cNvCxnSpPr>
-            <a:cxnSpLocks/>
-            <a:stCxn id="2" idx="3"/>
-            <a:endCxn id="4" idx="1"/>
-          </p:cNvCxnSpPr>
-          <p:nvPr/>
-        </p:nvCxnSpPr>
-        <p:spPr>
-          <a:xfrm>
-            <a:off x="7957997" y="3904306"/>
-            <a:ext cx="1131683" cy="1"/>
-          </a:xfrm>
-          <a:prstGeom prst="bentConnector3">
-            <a:avLst>
-              <a:gd name="adj1" fmla="val 50000"/>
-            </a:avLst>
-          </a:prstGeom>
-          <a:ln>
-            <a:tailEnd type="triangle"/>
-          </a:ln>
-        </p:spPr>
-        <p:style>
-          <a:lnRef idx="2">
-            <a:schemeClr val="accent1"/>
-          </a:lnRef>
-          <a:fillRef idx="0">
-            <a:schemeClr val="accent1"/>
-          </a:fillRef>
-          <a:effectRef idx="1">
-            <a:schemeClr val="accent1"/>
-          </a:effectRef>
-          <a:fontRef idx="minor">
-            <a:schemeClr val="tx1"/>
-          </a:fontRef>
-        </p:style>
-      </p:cxnSp>
-      <p:cxnSp>
-        <p:nvCxnSpPr>
-          <p:cNvPr id="20" name="Connector: Elbow 19">
-            <a:extLst>
-              <a:ext uri="{FF2B5EF4-FFF2-40B4-BE49-F238E27FC236}">
-                <a16:creationId xmlns:a16="http://schemas.microsoft.com/office/drawing/2014/main" id="{1DA11B3C-02D4-B4A2-4145-2C74C84AB4FA}"/>
-              </a:ext>
-            </a:extLst>
-          </p:cNvPr>
-          <p:cNvCxnSpPr>
-            <a:cxnSpLocks/>
-            <a:stCxn id="2" idx="3"/>
-            <a:endCxn id="3" idx="1"/>
-          </p:cNvCxnSpPr>
-          <p:nvPr/>
-        </p:nvCxnSpPr>
-        <p:spPr>
-          <a:xfrm>
-            <a:off x="7957997" y="3904306"/>
-            <a:ext cx="1195057" cy="1964603"/>
-          </a:xfrm>
-          <a:prstGeom prst="bentConnector3">
-            <a:avLst>
-              <a:gd name="adj1" fmla="val 50000"/>
-            </a:avLst>
-          </a:prstGeom>
-          <a:ln>
-            <a:tailEnd type="triangle"/>
-          </a:ln>
-        </p:spPr>
-        <p:style>
-          <a:lnRef idx="2">
-            <a:schemeClr val="accent1"/>
-          </a:lnRef>
-          <a:fillRef idx="0">
-            <a:schemeClr val="accent1"/>
-          </a:fillRef>
-          <a:effectRef idx="1">
-            <a:schemeClr val="accent1"/>
-          </a:effectRef>
-          <a:fontRef idx="minor">
-            <a:schemeClr val="tx1"/>
-          </a:fontRef>
-        </p:style>
-      </p:cxnSp>
+              <a:t> mId: Int = 0 )</a:t>
+            </a:r>
+          </a:p>
+          <a:p>
+            <a:endParaRPr lang="en-US" sz="1000" dirty="0">
+              <a:solidFill>
+                <a:srgbClr val="080808"/>
+              </a:solidFill>
+              <a:effectLst/>
+              <a:latin typeface="JetBrains Mono"/>
+            </a:endParaRPr>
+          </a:p>
+        </p:txBody>
+      </p:sp>
       <p:sp>
         <p:nvSpPr>
           <p:cNvPr id="7" name="Rectangle 6">
@@ -19008,7 +18973,7 @@
         </p:nvSpPr>
         <p:spPr>
           <a:xfrm>
-            <a:off x="5115209" y="3447106"/>
+            <a:off x="3810025" y="3429000"/>
             <a:ext cx="914400" cy="914400"/>
           </a:xfrm>
           <a:prstGeom prst="rect">
@@ -19066,7 +19031,7 @@
         </p:nvCxnSpPr>
         <p:spPr>
           <a:xfrm>
-            <a:off x="6029609" y="3904306"/>
+            <a:off x="4724425" y="3886200"/>
             <a:ext cx="337996" cy="0"/>
           </a:xfrm>
           <a:prstGeom prst="straightConnector1">
@@ -19105,8 +19070,8 @@
         </p:nvSpPr>
         <p:spPr>
           <a:xfrm>
-            <a:off x="3574611" y="3637227"/>
-            <a:ext cx="914400" cy="534155"/>
+            <a:off x="2219633" y="3619121"/>
+            <a:ext cx="964194" cy="534155"/>
           </a:xfrm>
           <a:prstGeom prst="rect">
             <a:avLst/>
@@ -19156,7 +19121,7 @@
         </p:nvCxnSpPr>
         <p:spPr>
           <a:xfrm>
-            <a:off x="4489011" y="3904305"/>
+            <a:off x="3183827" y="3886199"/>
             <a:ext cx="626198" cy="1"/>
           </a:xfrm>
           <a:prstGeom prst="straightConnector1">
@@ -19195,8 +19160,8 @@
         </p:nvSpPr>
         <p:spPr>
           <a:xfrm>
-            <a:off x="2034013" y="3641755"/>
-            <a:ext cx="914400" cy="529627"/>
+            <a:off x="549270" y="3623649"/>
+            <a:ext cx="1093959" cy="529627"/>
           </a:xfrm>
           <a:prstGeom prst="rect">
             <a:avLst/>
@@ -19247,8 +19212,8 @@
         </p:nvCxnSpPr>
         <p:spPr>
           <a:xfrm flipV="1">
-            <a:off x="2948413" y="3904305"/>
-            <a:ext cx="626198" cy="2264"/>
+            <a:off x="1643229" y="3886199"/>
+            <a:ext cx="576404" cy="2264"/>
           </a:xfrm>
           <a:prstGeom prst="straightConnector1">
             <a:avLst/>
@@ -19272,6 +19237,596 @@
           </a:fontRef>
         </p:style>
       </p:cxnSp>
+      <p:sp>
+        <p:nvSpPr>
+          <p:cNvPr id="35" name="Rectangle: Rounded Corners 34">
+            <a:extLst>
+              <a:ext uri="{FF2B5EF4-FFF2-40B4-BE49-F238E27FC236}">
+                <a16:creationId xmlns:a16="http://schemas.microsoft.com/office/drawing/2014/main" id="{0F85398B-2C86-B764-8B53-50F6D1DF6E23}"/>
+              </a:ext>
+            </a:extLst>
+          </p:cNvPr>
+          <p:cNvSpPr/>
+          <p:nvPr/>
+        </p:nvSpPr>
+        <p:spPr>
+          <a:xfrm>
+            <a:off x="4691103" y="256093"/>
+            <a:ext cx="2634557" cy="1891241"/>
+          </a:xfrm>
+          <a:prstGeom prst="roundRect">
+            <a:avLst/>
+          </a:prstGeom>
+        </p:spPr>
+        <p:style>
+          <a:lnRef idx="2">
+            <a:schemeClr val="accent1"/>
+          </a:lnRef>
+          <a:fillRef idx="1">
+            <a:schemeClr val="lt1"/>
+          </a:fillRef>
+          <a:effectRef idx="0">
+            <a:schemeClr val="accent1"/>
+          </a:effectRef>
+          <a:fontRef idx="minor">
+            <a:schemeClr val="dk1"/>
+          </a:fontRef>
+        </p:style>
+        <p:txBody>
+          <a:bodyPr rtlCol="0" anchor="ctr"/>
+          <a:lstStyle/>
+          <a:p>
+            <a:endParaRPr lang="en-US" sz="1000" dirty="0">
+              <a:latin typeface="JetBrains Mono"/>
+            </a:endParaRPr>
+          </a:p>
+          <a:p>
+            <a:r>
+              <a:rPr lang="en-US" sz="1050" dirty="0">
+                <a:latin typeface="JetBrains Mono"/>
+              </a:rPr>
+              <a:t>@Entity(tableName = "</a:t>
+            </a:r>
+            <a:r>
+              <a:rPr lang="en-US" sz="1050" dirty="0" err="1">
+                <a:latin typeface="JetBrains Mono"/>
+              </a:rPr>
+              <a:t>ScoreCardRecord</a:t>
+            </a:r>
+            <a:r>
+              <a:rPr lang="en-US" sz="1050" dirty="0">
+                <a:latin typeface="JetBrains Mono"/>
+              </a:rPr>
+              <a:t>")</a:t>
+            </a:r>
+          </a:p>
+          <a:p>
+            <a:r>
+              <a:rPr lang="en-US" sz="1000" dirty="0">
+                <a:latin typeface="JetBrains Mono"/>
+              </a:rPr>
+              <a:t>data class </a:t>
+            </a:r>
+            <a:r>
+              <a:rPr lang="en-US" sz="1000" dirty="0" err="1">
+                <a:latin typeface="JetBrains Mono"/>
+              </a:rPr>
+              <a:t>ScoreCardRecord</a:t>
+            </a:r>
+            <a:r>
+              <a:rPr lang="en-US" sz="1000" dirty="0">
+                <a:latin typeface="JetBrains Mono"/>
+              </a:rPr>
+              <a:t>(</a:t>
+            </a:r>
+          </a:p>
+          <a:p>
+            <a:r>
+              <a:rPr lang="en-US" sz="1000" dirty="0">
+                <a:latin typeface="JetBrains Mono"/>
+              </a:rPr>
+              <a:t>    </a:t>
+            </a:r>
+            <a:r>
+              <a:rPr lang="en-US" sz="1000" dirty="0" err="1">
+                <a:latin typeface="JetBrains Mono"/>
+              </a:rPr>
+              <a:t>val</a:t>
+            </a:r>
+            <a:r>
+              <a:rPr lang="en-US" sz="1000" dirty="0">
+                <a:latin typeface="JetBrains Mono"/>
+              </a:rPr>
+              <a:t> </a:t>
+            </a:r>
+            <a:r>
+              <a:rPr lang="en-US" sz="1000" dirty="0" err="1">
+                <a:latin typeface="JetBrains Mono"/>
+              </a:rPr>
+              <a:t>mCourseName</a:t>
+            </a:r>
+            <a:r>
+              <a:rPr lang="en-US" sz="1000" dirty="0">
+                <a:latin typeface="JetBrains Mono"/>
+              </a:rPr>
+              <a:t>: String,    </a:t>
+            </a:r>
+          </a:p>
+          <a:p>
+            <a:r>
+              <a:rPr lang="en-US" sz="1000" dirty="0">
+                <a:latin typeface="JetBrains Mono"/>
+              </a:rPr>
+              <a:t>    </a:t>
+            </a:r>
+            <a:r>
+              <a:rPr lang="en-US" sz="1000" dirty="0" err="1">
+                <a:latin typeface="JetBrains Mono"/>
+              </a:rPr>
+              <a:t>val</a:t>
+            </a:r>
+            <a:r>
+              <a:rPr lang="en-US" sz="1000" dirty="0">
+                <a:latin typeface="JetBrains Mono"/>
+              </a:rPr>
+              <a:t> </a:t>
+            </a:r>
+            <a:r>
+              <a:rPr lang="en-US" sz="1000" dirty="0" err="1">
+                <a:latin typeface="JetBrains Mono"/>
+              </a:rPr>
+              <a:t>mTee</a:t>
+            </a:r>
+            <a:r>
+              <a:rPr lang="en-US" sz="1000" dirty="0">
+                <a:latin typeface="JetBrains Mono"/>
+              </a:rPr>
+              <a:t> : String,           </a:t>
+            </a:r>
+          </a:p>
+          <a:p>
+            <a:r>
+              <a:rPr lang="en-US" sz="1000" dirty="0">
+                <a:latin typeface="JetBrains Mono"/>
+              </a:rPr>
+              <a:t>    </a:t>
+            </a:r>
+            <a:r>
+              <a:rPr lang="en-US" sz="1000" dirty="0" err="1">
+                <a:latin typeface="JetBrains Mono"/>
+              </a:rPr>
+              <a:t>val</a:t>
+            </a:r>
+            <a:r>
+              <a:rPr lang="en-US" sz="1000" dirty="0">
+                <a:latin typeface="JetBrains Mono"/>
+              </a:rPr>
+              <a:t> </a:t>
+            </a:r>
+            <a:r>
+              <a:rPr lang="en-US" sz="1000" dirty="0" err="1">
+                <a:latin typeface="JetBrains Mono"/>
+              </a:rPr>
+              <a:t>mCurrentHole</a:t>
+            </a:r>
+            <a:r>
+              <a:rPr lang="en-US" sz="1000" dirty="0">
+                <a:latin typeface="JetBrains Mono"/>
+              </a:rPr>
+              <a:t>: Int = 0, </a:t>
+            </a:r>
+          </a:p>
+          <a:p>
+            <a:r>
+              <a:rPr lang="en-US" sz="1000" dirty="0">
+                <a:latin typeface="JetBrains Mono"/>
+              </a:rPr>
+              <a:t>    </a:t>
+            </a:r>
+            <a:r>
+              <a:rPr lang="en-US" sz="1000" dirty="0" err="1">
+                <a:latin typeface="JetBrains Mono"/>
+              </a:rPr>
+              <a:t>val</a:t>
+            </a:r>
+            <a:r>
+              <a:rPr lang="en-US" sz="1000" dirty="0">
+                <a:latin typeface="JetBrains Mono"/>
+              </a:rPr>
+              <a:t> </a:t>
+            </a:r>
+            <a:r>
+              <a:rPr lang="en-US" sz="1000" dirty="0" err="1">
+                <a:latin typeface="JetBrains Mono"/>
+              </a:rPr>
+              <a:t>mCourseId:Int</a:t>
+            </a:r>
+            <a:r>
+              <a:rPr lang="en-US" sz="1000" dirty="0">
+                <a:latin typeface="JetBrains Mono"/>
+              </a:rPr>
+              <a:t> = 0,      </a:t>
+            </a:r>
+          </a:p>
+          <a:p>
+            <a:r>
+              <a:rPr lang="en-US" sz="1000" dirty="0">
+                <a:latin typeface="JetBrains Mono"/>
+              </a:rPr>
+              <a:t>    </a:t>
+            </a:r>
+            <a:r>
+              <a:rPr lang="en-US" sz="1000" dirty="0" err="1">
+                <a:latin typeface="JetBrains Mono"/>
+              </a:rPr>
+              <a:t>val</a:t>
+            </a:r>
+            <a:r>
+              <a:rPr lang="en-US" sz="1000" dirty="0">
+                <a:latin typeface="JetBrains Mono"/>
+              </a:rPr>
+              <a:t> </a:t>
+            </a:r>
+            <a:r>
+              <a:rPr lang="en-US" sz="1000" dirty="0" err="1">
+                <a:latin typeface="JetBrains Mono"/>
+              </a:rPr>
+              <a:t>mPar</a:t>
+            </a:r>
+            <a:r>
+              <a:rPr lang="en-US" sz="1000" dirty="0">
+                <a:latin typeface="JetBrains Mono"/>
+              </a:rPr>
+              <a:t>: </a:t>
+            </a:r>
+            <a:r>
+              <a:rPr lang="en-US" sz="1000" dirty="0" err="1">
+                <a:latin typeface="JetBrains Mono"/>
+              </a:rPr>
+              <a:t>IntArray</a:t>
+            </a:r>
+            <a:r>
+              <a:rPr lang="en-US" sz="1000" dirty="0">
+                <a:latin typeface="JetBrains Mono"/>
+              </a:rPr>
+              <a:t>, </a:t>
+            </a:r>
+          </a:p>
+          <a:p>
+            <a:r>
+              <a:rPr lang="en-US" sz="1000" dirty="0">
+                <a:latin typeface="JetBrains Mono"/>
+              </a:rPr>
+              <a:t>    </a:t>
+            </a:r>
+            <a:r>
+              <a:rPr lang="en-US" sz="1000" dirty="0" err="1">
+                <a:latin typeface="JetBrains Mono"/>
+              </a:rPr>
+              <a:t>val</a:t>
+            </a:r>
+            <a:r>
+              <a:rPr lang="en-US" sz="1000" dirty="0">
+                <a:latin typeface="JetBrains Mono"/>
+              </a:rPr>
+              <a:t> </a:t>
+            </a:r>
+            <a:r>
+              <a:rPr lang="en-US" sz="1000" dirty="0" err="1">
+                <a:latin typeface="JetBrains Mono"/>
+              </a:rPr>
+              <a:t>mHandicap</a:t>
+            </a:r>
+            <a:r>
+              <a:rPr lang="en-US" sz="1000" dirty="0">
+                <a:latin typeface="JetBrains Mono"/>
+              </a:rPr>
+              <a:t>: </a:t>
+            </a:r>
+            <a:r>
+              <a:rPr lang="en-US" sz="1000" dirty="0" err="1">
+                <a:latin typeface="JetBrains Mono"/>
+              </a:rPr>
+              <a:t>IntArray</a:t>
+            </a:r>
+            <a:r>
+              <a:rPr lang="en-US" sz="1000" dirty="0">
+                <a:latin typeface="JetBrains Mono"/>
+              </a:rPr>
+              <a:t>,       </a:t>
+            </a:r>
+          </a:p>
+          <a:p>
+            <a:r>
+              <a:rPr lang="en-US" sz="1000" dirty="0">
+                <a:latin typeface="JetBrains Mono"/>
+              </a:rPr>
+              <a:t>    @PrimaryKey</a:t>
+            </a:r>
+          </a:p>
+          <a:p>
+            <a:r>
+              <a:rPr lang="en-US" sz="1000" dirty="0">
+                <a:latin typeface="JetBrains Mono"/>
+              </a:rPr>
+              <a:t>    </a:t>
+            </a:r>
+            <a:r>
+              <a:rPr lang="en-US" sz="1000" dirty="0" err="1">
+                <a:latin typeface="JetBrains Mono"/>
+              </a:rPr>
+              <a:t>val</a:t>
+            </a:r>
+            <a:r>
+              <a:rPr lang="en-US" sz="1000" dirty="0">
+                <a:latin typeface="JetBrains Mono"/>
+              </a:rPr>
+              <a:t> </a:t>
+            </a:r>
+            <a:r>
+              <a:rPr lang="en-US" sz="1000" dirty="0" err="1">
+                <a:latin typeface="JetBrains Mono"/>
+              </a:rPr>
+              <a:t>mScoreCardRecId</a:t>
+            </a:r>
+            <a:r>
+              <a:rPr lang="en-US" sz="1000" dirty="0">
+                <a:latin typeface="JetBrains Mono"/>
+              </a:rPr>
+              <a:t>: Int?,)</a:t>
+            </a:r>
+          </a:p>
+        </p:txBody>
+      </p:sp>
+      <p:sp>
+        <p:nvSpPr>
+          <p:cNvPr id="36" name="Rectangle: Rounded Corners 35">
+            <a:extLst>
+              <a:ext uri="{FF2B5EF4-FFF2-40B4-BE49-F238E27FC236}">
+                <a16:creationId xmlns:a16="http://schemas.microsoft.com/office/drawing/2014/main" id="{AC7FF679-74D6-798C-AE67-49780ED9ED34}"/>
+              </a:ext>
+            </a:extLst>
+          </p:cNvPr>
+          <p:cNvSpPr/>
+          <p:nvPr/>
+        </p:nvSpPr>
+        <p:spPr>
+          <a:xfrm>
+            <a:off x="549271" y="320074"/>
+            <a:ext cx="3717949" cy="1824996"/>
+          </a:xfrm>
+          <a:prstGeom prst="roundRect">
+            <a:avLst/>
+          </a:prstGeom>
+        </p:spPr>
+        <p:style>
+          <a:lnRef idx="2">
+            <a:schemeClr val="accent1"/>
+          </a:lnRef>
+          <a:fillRef idx="1">
+            <a:schemeClr val="lt1"/>
+          </a:fillRef>
+          <a:effectRef idx="0">
+            <a:schemeClr val="accent1"/>
+          </a:effectRef>
+          <a:fontRef idx="minor">
+            <a:schemeClr val="dk1"/>
+          </a:fontRef>
+        </p:style>
+        <p:txBody>
+          <a:bodyPr rtlCol="0" anchor="ctr"/>
+          <a:lstStyle/>
+          <a:p>
+            <a:r>
+              <a:rPr lang="en-US" sz="1050" dirty="0">
+                <a:latin typeface="JetBrains Mono"/>
+              </a:rPr>
+              <a:t>data class </a:t>
+            </a:r>
+            <a:r>
+              <a:rPr lang="en-US" sz="1050" dirty="0" err="1">
+                <a:latin typeface="JetBrains Mono"/>
+              </a:rPr>
+              <a:t>ScoreCardWithPlayers</a:t>
+            </a:r>
+            <a:r>
+              <a:rPr lang="en-US" sz="1000" dirty="0">
+                <a:latin typeface="JetBrains Mono"/>
+              </a:rPr>
+              <a:t>(</a:t>
+            </a:r>
+          </a:p>
+          <a:p>
+            <a:r>
+              <a:rPr lang="en-US" sz="1000" dirty="0">
+                <a:latin typeface="JetBrains Mono"/>
+              </a:rPr>
+              <a:t>    @Embedded</a:t>
+            </a:r>
+          </a:p>
+          <a:p>
+            <a:r>
+              <a:rPr lang="en-US" sz="1000" dirty="0">
+                <a:latin typeface="JetBrains Mono"/>
+              </a:rPr>
+              <a:t>    </a:t>
+            </a:r>
+            <a:r>
+              <a:rPr lang="en-US" sz="1000" dirty="0" err="1">
+                <a:latin typeface="JetBrains Mono"/>
+              </a:rPr>
+              <a:t>val</a:t>
+            </a:r>
+            <a:r>
+              <a:rPr lang="en-US" sz="1000" dirty="0">
+                <a:latin typeface="JetBrains Mono"/>
+              </a:rPr>
+              <a:t> </a:t>
+            </a:r>
+            <a:r>
+              <a:rPr lang="en-US" sz="1000" dirty="0" err="1">
+                <a:latin typeface="JetBrains Mono"/>
+              </a:rPr>
+              <a:t>scoreCardRecord</a:t>
+            </a:r>
+            <a:r>
+              <a:rPr lang="en-US" sz="1000" dirty="0">
+                <a:latin typeface="JetBrains Mono"/>
+              </a:rPr>
+              <a:t>: </a:t>
+            </a:r>
+            <a:r>
+              <a:rPr lang="en-US" sz="1000" dirty="0" err="1">
+                <a:latin typeface="JetBrains Mono"/>
+              </a:rPr>
+              <a:t>ScoreCardRecord</a:t>
+            </a:r>
+            <a:r>
+              <a:rPr lang="en-US" sz="1000" dirty="0">
+                <a:latin typeface="JetBrains Mono"/>
+              </a:rPr>
+              <a:t>,</a:t>
+            </a:r>
+          </a:p>
+          <a:p>
+            <a:endParaRPr lang="en-US" sz="1000" dirty="0">
+              <a:latin typeface="JetBrains Mono"/>
+            </a:endParaRPr>
+          </a:p>
+          <a:p>
+            <a:r>
+              <a:rPr lang="en-US" sz="1000" dirty="0">
+                <a:latin typeface="JetBrains Mono"/>
+              </a:rPr>
+              <a:t>    @Relation(</a:t>
+            </a:r>
+          </a:p>
+          <a:p>
+            <a:r>
+              <a:rPr lang="en-US" sz="1000" dirty="0">
+                <a:latin typeface="JetBrains Mono"/>
+              </a:rPr>
+              <a:t>        </a:t>
+            </a:r>
+            <a:r>
+              <a:rPr lang="en-US" sz="1000" dirty="0" err="1">
+                <a:latin typeface="JetBrains Mono"/>
+              </a:rPr>
+              <a:t>parentColumn</a:t>
+            </a:r>
+            <a:r>
+              <a:rPr lang="en-US" sz="1000" dirty="0">
+                <a:latin typeface="JetBrains Mono"/>
+              </a:rPr>
+              <a:t> = "</a:t>
+            </a:r>
+            <a:r>
+              <a:rPr lang="en-US" sz="1000" dirty="0" err="1">
+                <a:latin typeface="JetBrains Mono"/>
+              </a:rPr>
+              <a:t>mScoreCardRecId</a:t>
+            </a:r>
+            <a:r>
+              <a:rPr lang="en-US" sz="1000" dirty="0">
+                <a:latin typeface="JetBrains Mono"/>
+              </a:rPr>
+              <a:t>",   // ties the score card record</a:t>
+            </a:r>
+          </a:p>
+          <a:p>
+            <a:r>
+              <a:rPr lang="en-US" sz="1000" dirty="0">
+                <a:latin typeface="JetBrains Mono"/>
+              </a:rPr>
+              <a:t>        </a:t>
+            </a:r>
+            <a:r>
+              <a:rPr lang="en-US" sz="1000" dirty="0" err="1">
+                <a:latin typeface="JetBrains Mono"/>
+              </a:rPr>
+              <a:t>entityColumn</a:t>
+            </a:r>
+            <a:r>
+              <a:rPr lang="en-US" sz="1000" dirty="0">
+                <a:latin typeface="JetBrains Mono"/>
+              </a:rPr>
+              <a:t> = "</a:t>
+            </a:r>
+            <a:r>
+              <a:rPr lang="en-US" sz="1000" dirty="0" err="1">
+                <a:latin typeface="JetBrains Mono"/>
+              </a:rPr>
+              <a:t>mScoreCardRecFk</a:t>
+            </a:r>
+            <a:r>
+              <a:rPr lang="en-US" sz="1000" dirty="0">
+                <a:latin typeface="JetBrains Mono"/>
+              </a:rPr>
+              <a:t>"    //Link to score card</a:t>
+            </a:r>
+          </a:p>
+          <a:p>
+            <a:r>
+              <a:rPr lang="en-US" sz="1000" dirty="0">
+                <a:latin typeface="JetBrains Mono"/>
+              </a:rPr>
+              <a:t>    )</a:t>
+            </a:r>
+          </a:p>
+          <a:p>
+            <a:r>
+              <a:rPr lang="en-US" sz="1000" dirty="0">
+                <a:latin typeface="JetBrains Mono"/>
+              </a:rPr>
+              <a:t>    </a:t>
+            </a:r>
+            <a:r>
+              <a:rPr lang="en-US" sz="1000" dirty="0" err="1">
+                <a:latin typeface="JetBrains Mono"/>
+              </a:rPr>
+              <a:t>val</a:t>
+            </a:r>
+            <a:r>
+              <a:rPr lang="en-US" sz="1000" dirty="0">
+                <a:latin typeface="JetBrains Mono"/>
+              </a:rPr>
+              <a:t> </a:t>
+            </a:r>
+            <a:r>
+              <a:rPr lang="en-US" sz="1000" dirty="0" err="1">
+                <a:latin typeface="JetBrains Mono"/>
+              </a:rPr>
+              <a:t>playerRecords</a:t>
+            </a:r>
+            <a:r>
+              <a:rPr lang="en-US" sz="1000" dirty="0">
+                <a:latin typeface="JetBrains Mono"/>
+              </a:rPr>
+              <a:t>: List&lt;</a:t>
+            </a:r>
+            <a:r>
+              <a:rPr lang="en-US" sz="1000" dirty="0" err="1">
+                <a:latin typeface="JetBrains Mono"/>
+              </a:rPr>
+              <a:t>PlayerRecord</a:t>
+            </a:r>
+            <a:r>
+              <a:rPr lang="en-US" sz="1000" dirty="0">
+                <a:latin typeface="JetBrains Mono"/>
+              </a:rPr>
+              <a:t>&gt;   // returns</a:t>
+            </a:r>
+          </a:p>
+          <a:p>
+            <a:r>
+              <a:rPr lang="en-US" sz="1000" dirty="0">
+                <a:latin typeface="JetBrains Mono"/>
+              </a:rPr>
+              <a:t>)</a:t>
+            </a:r>
+          </a:p>
+        </p:txBody>
+      </p:sp>
     </p:spTree>
     <p:extLst>
       <p:ext uri="{BB962C8B-B14F-4D97-AF65-F5344CB8AC3E}">

--- a/Documentation/TeamScoreLayout.pptx
+++ b/Documentation/TeamScoreLayout.pptx
@@ -22,6 +22,7 @@
     <p:sldId id="264" r:id="rId16"/>
     <p:sldId id="260" r:id="rId17"/>
     <p:sldId id="259" r:id="rId18"/>
+    <p:sldId id="276" r:id="rId19"/>
   </p:sldIdLst>
   <p:sldSz cx="12192000" cy="6858000"/>
   <p:notesSz cx="6858000" cy="9144000"/>
@@ -842,7 +843,7 @@
           <a:p>
             <a:fld id="{955A69D3-FF78-44E1-BB41-3D13FA416A59}" type="datetimeFigureOut">
               <a:rPr lang="en-US" smtClean="0"/>
-              <a:t>06/20/24</a:t>
+              <a:t>7/6/2024</a:t>
             </a:fld>
             <a:endParaRPr lang="en-US"/>
           </a:p>
@@ -1040,7 +1041,7 @@
           <a:p>
             <a:fld id="{955A69D3-FF78-44E1-BB41-3D13FA416A59}" type="datetimeFigureOut">
               <a:rPr lang="en-US" smtClean="0"/>
-              <a:t>06/20/24</a:t>
+              <a:t>7/6/2024</a:t>
             </a:fld>
             <a:endParaRPr lang="en-US"/>
           </a:p>
@@ -1248,7 +1249,7 @@
           <a:p>
             <a:fld id="{955A69D3-FF78-44E1-BB41-3D13FA416A59}" type="datetimeFigureOut">
               <a:rPr lang="en-US" smtClean="0"/>
-              <a:t>06/20/24</a:t>
+              <a:t>7/6/2024</a:t>
             </a:fld>
             <a:endParaRPr lang="en-US"/>
           </a:p>
@@ -1446,7 +1447,7 @@
           <a:p>
             <a:fld id="{955A69D3-FF78-44E1-BB41-3D13FA416A59}" type="datetimeFigureOut">
               <a:rPr lang="en-US" smtClean="0"/>
-              <a:t>06/20/24</a:t>
+              <a:t>7/6/2024</a:t>
             </a:fld>
             <a:endParaRPr lang="en-US"/>
           </a:p>
@@ -1721,7 +1722,7 @@
           <a:p>
             <a:fld id="{955A69D3-FF78-44E1-BB41-3D13FA416A59}" type="datetimeFigureOut">
               <a:rPr lang="en-US" smtClean="0"/>
-              <a:t>06/20/24</a:t>
+              <a:t>7/6/2024</a:t>
             </a:fld>
             <a:endParaRPr lang="en-US"/>
           </a:p>
@@ -1986,7 +1987,7 @@
           <a:p>
             <a:fld id="{955A69D3-FF78-44E1-BB41-3D13FA416A59}" type="datetimeFigureOut">
               <a:rPr lang="en-US" smtClean="0"/>
-              <a:t>06/20/24</a:t>
+              <a:t>7/6/2024</a:t>
             </a:fld>
             <a:endParaRPr lang="en-US"/>
           </a:p>
@@ -2398,7 +2399,7 @@
           <a:p>
             <a:fld id="{955A69D3-FF78-44E1-BB41-3D13FA416A59}" type="datetimeFigureOut">
               <a:rPr lang="en-US" smtClean="0"/>
-              <a:t>06/20/24</a:t>
+              <a:t>7/6/2024</a:t>
             </a:fld>
             <a:endParaRPr lang="en-US"/>
           </a:p>
@@ -2539,7 +2540,7 @@
           <a:p>
             <a:fld id="{955A69D3-FF78-44E1-BB41-3D13FA416A59}" type="datetimeFigureOut">
               <a:rPr lang="en-US" smtClean="0"/>
-              <a:t>06/20/24</a:t>
+              <a:t>7/6/2024</a:t>
             </a:fld>
             <a:endParaRPr lang="en-US"/>
           </a:p>
@@ -2652,7 +2653,7 @@
           <a:p>
             <a:fld id="{955A69D3-FF78-44E1-BB41-3D13FA416A59}" type="datetimeFigureOut">
               <a:rPr lang="en-US" smtClean="0"/>
-              <a:t>06/20/24</a:t>
+              <a:t>7/6/2024</a:t>
             </a:fld>
             <a:endParaRPr lang="en-US"/>
           </a:p>
@@ -2963,7 +2964,7 @@
           <a:p>
             <a:fld id="{955A69D3-FF78-44E1-BB41-3D13FA416A59}" type="datetimeFigureOut">
               <a:rPr lang="en-US" smtClean="0"/>
-              <a:t>06/20/24</a:t>
+              <a:t>7/6/2024</a:t>
             </a:fld>
             <a:endParaRPr lang="en-US"/>
           </a:p>
@@ -3251,7 +3252,7 @@
           <a:p>
             <a:fld id="{955A69D3-FF78-44E1-BB41-3D13FA416A59}" type="datetimeFigureOut">
               <a:rPr lang="en-US" smtClean="0"/>
-              <a:t>06/20/24</a:t>
+              <a:t>7/6/2024</a:t>
             </a:fld>
             <a:endParaRPr lang="en-US"/>
           </a:p>
@@ -3492,7 +3493,7 @@
           <a:p>
             <a:fld id="{955A69D3-FF78-44E1-BB41-3D13FA416A59}" type="datetimeFigureOut">
               <a:rPr lang="en-US" smtClean="0"/>
-              <a:t>06/20/24</a:t>
+              <a:t>7/6/2024</a:t>
             </a:fld>
             <a:endParaRPr lang="en-US"/>
           </a:p>
@@ -17402,7 +17403,7 @@
         </p:nvSpPr>
         <p:spPr>
           <a:xfrm>
-            <a:off x="5062421" y="3582908"/>
+            <a:off x="5062421" y="3674337"/>
             <a:ext cx="1590392" cy="606583"/>
           </a:xfrm>
           <a:prstGeom prst="rect">
@@ -18310,7 +18311,352 @@
                 <a:effectLst/>
                 <a:latin typeface="JetBrains Mono"/>
               </a:rPr>
-              <a:t>mJunk</a:t>
+              <a:t>mScoreCardRecFk</a:t>
+            </a:r>
+            <a:r>
+              <a:rPr lang="en-US" sz="1000" dirty="0">
+                <a:solidFill>
+                  <a:srgbClr val="080808"/>
+                </a:solidFill>
+                <a:effectLst/>
+                <a:latin typeface="JetBrains Mono"/>
+              </a:rPr>
+              <a:t>: Int = SCORE_CARD_REC_ID,    </a:t>
+            </a:r>
+          </a:p>
+          <a:p>
+            <a:r>
+              <a:rPr lang="en-US" sz="1000" dirty="0">
+                <a:solidFill>
+                  <a:srgbClr val="080808"/>
+                </a:solidFill>
+                <a:effectLst/>
+                <a:latin typeface="JetBrains Mono"/>
+              </a:rPr>
+              <a:t>    @PrimaryKey(autoGenerate = false)    // default is false</a:t>
+            </a:r>
+          </a:p>
+          <a:p>
+            <a:r>
+              <a:rPr lang="en-US" sz="1000" dirty="0">
+                <a:solidFill>
+                  <a:srgbClr val="080808"/>
+                </a:solidFill>
+                <a:effectLst/>
+                <a:latin typeface="JetBrains Mono"/>
+              </a:rPr>
+              <a:t>    </a:t>
+            </a:r>
+            <a:r>
+              <a:rPr lang="en-US" sz="1000" dirty="0" err="1">
+                <a:solidFill>
+                  <a:srgbClr val="080808"/>
+                </a:solidFill>
+                <a:effectLst/>
+                <a:latin typeface="JetBrains Mono"/>
+              </a:rPr>
+              <a:t>val</a:t>
+            </a:r>
+            <a:r>
+              <a:rPr lang="en-US" sz="1000" dirty="0">
+                <a:solidFill>
+                  <a:srgbClr val="080808"/>
+                </a:solidFill>
+                <a:effectLst/>
+                <a:latin typeface="JetBrains Mono"/>
+              </a:rPr>
+              <a:t> mId: Int = 0</a:t>
+            </a:r>
+          </a:p>
+          <a:p>
+            <a:r>
+              <a:rPr lang="en-US" sz="1000" dirty="0">
+                <a:solidFill>
+                  <a:srgbClr val="080808"/>
+                </a:solidFill>
+                <a:effectLst/>
+                <a:latin typeface="JetBrains Mono"/>
+              </a:rPr>
+              <a:t>)</a:t>
+            </a:r>
+          </a:p>
+        </p:txBody>
+      </p:sp>
+      <p:sp>
+        <p:nvSpPr>
+          <p:cNvPr id="6" name="Rectangle: Rounded Corners 5">
+            <a:extLst>
+              <a:ext uri="{FF2B5EF4-FFF2-40B4-BE49-F238E27FC236}">
+                <a16:creationId xmlns:a16="http://schemas.microsoft.com/office/drawing/2014/main" id="{49A81414-FFBC-479C-04B4-D8028A2BC2FE}"/>
+              </a:ext>
+            </a:extLst>
+          </p:cNvPr>
+          <p:cNvSpPr/>
+          <p:nvPr/>
+        </p:nvSpPr>
+        <p:spPr>
+          <a:xfrm>
+            <a:off x="8839170" y="228636"/>
+            <a:ext cx="2634557" cy="1611781"/>
+          </a:xfrm>
+          <a:prstGeom prst="roundRect">
+            <a:avLst/>
+          </a:prstGeom>
+        </p:spPr>
+        <p:style>
+          <a:lnRef idx="2">
+            <a:schemeClr val="accent1"/>
+          </a:lnRef>
+          <a:fillRef idx="1">
+            <a:schemeClr val="lt1"/>
+          </a:fillRef>
+          <a:effectRef idx="0">
+            <a:schemeClr val="accent1"/>
+          </a:effectRef>
+          <a:fontRef idx="minor">
+            <a:schemeClr val="dk1"/>
+          </a:fontRef>
+        </p:style>
+        <p:txBody>
+          <a:bodyPr rtlCol="0" anchor="ctr"/>
+          <a:lstStyle/>
+          <a:p>
+            <a:r>
+              <a:rPr lang="en-US" sz="1200" dirty="0">
+                <a:solidFill>
+                  <a:srgbClr val="9E880D"/>
+                </a:solidFill>
+                <a:effectLst/>
+                <a:latin typeface="JetBrains Mono"/>
+              </a:rPr>
+              <a:t>@Entity </a:t>
+            </a:r>
+            <a:r>
+              <a:rPr lang="en-US" sz="1200" dirty="0">
+                <a:solidFill>
+                  <a:srgbClr val="080808"/>
+                </a:solidFill>
+                <a:effectLst/>
+                <a:latin typeface="JetBrains Mono"/>
+              </a:rPr>
+              <a:t>(</a:t>
+            </a:r>
+            <a:r>
+              <a:rPr lang="en-US" sz="1200" dirty="0" err="1">
+                <a:solidFill>
+                  <a:srgbClr val="080808"/>
+                </a:solidFill>
+                <a:effectLst/>
+                <a:latin typeface="JetBrains Mono"/>
+              </a:rPr>
+              <a:t>tableName</a:t>
+            </a:r>
+            <a:r>
+              <a:rPr lang="en-US" sz="1200" dirty="0">
+                <a:solidFill>
+                  <a:srgbClr val="080808"/>
+                </a:solidFill>
+                <a:effectLst/>
+                <a:latin typeface="JetBrains Mono"/>
+              </a:rPr>
+              <a:t> = </a:t>
+            </a:r>
+            <a:r>
+              <a:rPr lang="en-US" sz="1200" dirty="0">
+                <a:solidFill>
+                  <a:srgbClr val="067D17"/>
+                </a:solidFill>
+                <a:effectLst/>
+                <a:latin typeface="JetBrains Mono"/>
+              </a:rPr>
+              <a:t>"</a:t>
+            </a:r>
+            <a:r>
+              <a:rPr lang="en-US" sz="1200" dirty="0" err="1">
+                <a:solidFill>
+                  <a:srgbClr val="067D17"/>
+                </a:solidFill>
+                <a:effectLst/>
+                <a:latin typeface="JetBrains Mono"/>
+              </a:rPr>
+              <a:t>course_tbl</a:t>
+            </a:r>
+            <a:r>
+              <a:rPr lang="en-US" sz="1200" dirty="0">
+                <a:solidFill>
+                  <a:srgbClr val="067D17"/>
+                </a:solidFill>
+                <a:effectLst/>
+                <a:latin typeface="JetBrains Mono"/>
+              </a:rPr>
+              <a:t>"</a:t>
+            </a:r>
+            <a:r>
+              <a:rPr lang="en-US" sz="1200" dirty="0">
+                <a:solidFill>
+                  <a:srgbClr val="080808"/>
+                </a:solidFill>
+                <a:effectLst/>
+                <a:latin typeface="JetBrains Mono"/>
+              </a:rPr>
+              <a:t>)</a:t>
+            </a:r>
+          </a:p>
+          <a:p>
+            <a:r>
+              <a:rPr lang="en-US" sz="1000" dirty="0">
+                <a:solidFill>
+                  <a:srgbClr val="080808"/>
+                </a:solidFill>
+                <a:effectLst/>
+                <a:latin typeface="JetBrains Mono"/>
+              </a:rPr>
+              <a:t>data CourseListRecord class(</a:t>
+            </a:r>
+          </a:p>
+          <a:p>
+            <a:r>
+              <a:rPr lang="en-US" sz="1000" dirty="0">
+                <a:solidFill>
+                  <a:srgbClr val="080808"/>
+                </a:solidFill>
+                <a:latin typeface="JetBrains Mono"/>
+              </a:rPr>
+              <a:t>   </a:t>
+            </a:r>
+            <a:r>
+              <a:rPr lang="en-US" sz="1000" dirty="0" err="1">
+                <a:solidFill>
+                  <a:srgbClr val="080808"/>
+                </a:solidFill>
+                <a:effectLst/>
+                <a:latin typeface="JetBrains Mono"/>
+              </a:rPr>
+              <a:t>val</a:t>
+            </a:r>
+            <a:r>
+              <a:rPr lang="en-US" sz="1000" dirty="0">
+                <a:solidFill>
+                  <a:srgbClr val="080808"/>
+                </a:solidFill>
+                <a:effectLst/>
+                <a:latin typeface="JetBrains Mono"/>
+              </a:rPr>
+              <a:t>   </a:t>
+            </a:r>
+            <a:r>
+              <a:rPr lang="en-US" sz="1000" dirty="0" err="1">
+                <a:solidFill>
+                  <a:srgbClr val="080808"/>
+                </a:solidFill>
+                <a:effectLst/>
+                <a:latin typeface="JetBrains Mono"/>
+              </a:rPr>
+              <a:t>mCoursename</a:t>
+            </a:r>
+            <a:r>
+              <a:rPr lang="en-US" sz="1000" dirty="0">
+                <a:solidFill>
+                  <a:srgbClr val="080808"/>
+                </a:solidFill>
+                <a:effectLst/>
+                <a:latin typeface="JetBrains Mono"/>
+              </a:rPr>
+              <a:t>: String,</a:t>
+            </a:r>
+          </a:p>
+          <a:p>
+            <a:r>
+              <a:rPr lang="en-US" sz="1000" dirty="0">
+                <a:solidFill>
+                  <a:srgbClr val="080808"/>
+                </a:solidFill>
+                <a:effectLst/>
+                <a:latin typeface="JetBrains Mono"/>
+              </a:rPr>
+              <a:t>    </a:t>
+            </a:r>
+            <a:r>
+              <a:rPr lang="en-US" sz="1000" dirty="0" err="1">
+                <a:solidFill>
+                  <a:srgbClr val="080808"/>
+                </a:solidFill>
+                <a:effectLst/>
+                <a:latin typeface="JetBrains Mono"/>
+              </a:rPr>
+              <a:t>val</a:t>
+            </a:r>
+            <a:r>
+              <a:rPr lang="en-US" sz="1000" dirty="0">
+                <a:solidFill>
+                  <a:srgbClr val="080808"/>
+                </a:solidFill>
+                <a:effectLst/>
+                <a:latin typeface="JetBrains Mono"/>
+              </a:rPr>
+              <a:t> </a:t>
+            </a:r>
+            <a:r>
+              <a:rPr lang="en-US" sz="1000" dirty="0" err="1">
+                <a:solidFill>
+                  <a:srgbClr val="080808"/>
+                </a:solidFill>
+                <a:effectLst/>
+                <a:latin typeface="JetBrains Mono"/>
+              </a:rPr>
+              <a:t>mUsstate</a:t>
+            </a:r>
+            <a:r>
+              <a:rPr lang="en-US" sz="1000" dirty="0">
+                <a:solidFill>
+                  <a:srgbClr val="080808"/>
+                </a:solidFill>
+                <a:effectLst/>
+                <a:latin typeface="JetBrains Mono"/>
+              </a:rPr>
+              <a:t>: String? = "NC",</a:t>
+            </a:r>
+          </a:p>
+          <a:p>
+            <a:r>
+              <a:rPr lang="en-US" sz="1000" dirty="0">
+                <a:solidFill>
+                  <a:srgbClr val="080808"/>
+                </a:solidFill>
+                <a:effectLst/>
+                <a:latin typeface="JetBrains Mono"/>
+              </a:rPr>
+              <a:t>    </a:t>
+            </a:r>
+            <a:r>
+              <a:rPr lang="en-US" sz="1000" dirty="0" err="1">
+                <a:solidFill>
+                  <a:srgbClr val="080808"/>
+                </a:solidFill>
+                <a:effectLst/>
+                <a:latin typeface="JetBrains Mono"/>
+              </a:rPr>
+              <a:t>val</a:t>
+            </a:r>
+            <a:r>
+              <a:rPr lang="en-US" sz="1000" dirty="0">
+                <a:solidFill>
+                  <a:srgbClr val="080808"/>
+                </a:solidFill>
+                <a:effectLst/>
+                <a:latin typeface="JetBrains Mono"/>
+              </a:rPr>
+              <a:t> </a:t>
+            </a:r>
+            <a:r>
+              <a:rPr lang="en-US" sz="1000" dirty="0" err="1">
+                <a:solidFill>
+                  <a:srgbClr val="080808"/>
+                </a:solidFill>
+                <a:effectLst/>
+                <a:latin typeface="JetBrains Mono"/>
+              </a:rPr>
+              <a:t>mPar</a:t>
             </a:r>
             <a:r>
               <a:rPr lang="en-US" sz="1000" dirty="0">
@@ -18340,7 +18686,59 @@
                 <a:effectLst/>
                 <a:latin typeface="JetBrains Mono"/>
               </a:rPr>
-              <a:t> = </a:t>
+              <a:t>,</a:t>
+            </a:r>
+          </a:p>
+          <a:p>
+            <a:r>
+              <a:rPr lang="en-US" sz="1000" dirty="0">
+                <a:solidFill>
+                  <a:srgbClr val="080808"/>
+                </a:solidFill>
+                <a:effectLst/>
+                <a:latin typeface="JetBrains Mono"/>
+              </a:rPr>
+              <a:t>    </a:t>
+            </a:r>
+            <a:r>
+              <a:rPr lang="en-US" sz="1000" dirty="0" err="1">
+                <a:solidFill>
+                  <a:srgbClr val="080808"/>
+                </a:solidFill>
+                <a:effectLst/>
+                <a:latin typeface="JetBrains Mono"/>
+              </a:rPr>
+              <a:t>val</a:t>
+            </a:r>
+            <a:r>
+              <a:rPr lang="en-US" sz="1000" dirty="0">
+                <a:solidFill>
+                  <a:srgbClr val="080808"/>
+                </a:solidFill>
+                <a:effectLst/>
+                <a:latin typeface="JetBrains Mono"/>
+              </a:rPr>
+              <a:t> </a:t>
+            </a:r>
+            <a:r>
+              <a:rPr lang="en-US" sz="1000" dirty="0" err="1">
+                <a:solidFill>
+                  <a:srgbClr val="080808"/>
+                </a:solidFill>
+                <a:effectLst/>
+                <a:latin typeface="JetBrains Mono"/>
+              </a:rPr>
+              <a:t>mHandicap</a:t>
+            </a:r>
+            <a:r>
+              <a:rPr lang="en-US" sz="1000" dirty="0">
+                <a:solidFill>
+                  <a:srgbClr val="080808"/>
+                </a:solidFill>
+                <a:effectLst/>
+                <a:latin typeface="JetBrains Mono"/>
+              </a:rPr>
+              <a:t>: </a:t>
             </a:r>
             <a:r>
               <a:rPr lang="en-US" sz="1000" dirty="0" err="1">
@@ -18360,7 +18758,7 @@
                 <a:effectLst/>
                 <a:latin typeface="JetBrains Mono"/>
               </a:rPr>
-              <a:t>(HOLE_ARRAY_SIZE),</a:t>
+              <a:t>,</a:t>
             </a:r>
           </a:p>
           <a:p>
@@ -18402,7 +18800,7 @@
                 <a:effectLst/>
                 <a:latin typeface="JetBrains Mono"/>
               </a:rPr>
-              <a:t>mScoreCardRecFk</a:t>
+              <a:t>mNotes:Array</a:t>
             </a:r>
             <a:r>
               <a:rPr lang="en-US" sz="1000" dirty="0">
@@ -18412,7 +18810,7 @@
                 <a:effectLst/>
                 <a:latin typeface="JetBrains Mono"/>
               </a:rPr>
-              <a:t>: Int = SCORE_CARD_REC_ID,    </a:t>
+              <a:t>&lt;String&gt;,</a:t>
             </a:r>
           </a:p>
           <a:p>
@@ -18424,7 +18822,7 @@
                 <a:effectLst/>
                 <a:latin typeface="JetBrains Mono"/>
               </a:rPr>
-              <a:t>    @PrimaryKey(autoGenerate = false)    // default is false</a:t>
+              <a:t>    @PrimaryKey(autoGenerate = true)</a:t>
             </a:r>
           </a:p>
           <a:p>
@@ -18456,495 +18854,6 @@
                 <a:effectLst/>
                 <a:latin typeface="JetBrains Mono"/>
               </a:rPr>
-              <a:t> mId: Int = 0</a:t>
-            </a:r>
-          </a:p>
-          <a:p>
-            <a:r>
-              <a:rPr lang="en-US" sz="1000" dirty="0">
-                <a:solidFill>
-                  <a:srgbClr val="080808"/>
-                </a:solidFill>
-                <a:effectLst/>
-                <a:latin typeface="JetBrains Mono"/>
-              </a:rPr>
-              <a:t>)</a:t>
-            </a:r>
-          </a:p>
-        </p:txBody>
-      </p:sp>
-      <p:sp>
-        <p:nvSpPr>
-          <p:cNvPr id="6" name="Rectangle: Rounded Corners 5">
-            <a:extLst>
-              <a:ext uri="{FF2B5EF4-FFF2-40B4-BE49-F238E27FC236}">
-                <a16:creationId xmlns:a16="http://schemas.microsoft.com/office/drawing/2014/main" id="{49A81414-FFBC-479C-04B4-D8028A2BC2FE}"/>
-              </a:ext>
-            </a:extLst>
-          </p:cNvPr>
-          <p:cNvSpPr/>
-          <p:nvPr/>
-        </p:nvSpPr>
-        <p:spPr>
-          <a:xfrm>
-            <a:off x="8839170" y="228636"/>
-            <a:ext cx="2634557" cy="1611781"/>
-          </a:xfrm>
-          <a:prstGeom prst="roundRect">
-            <a:avLst/>
-          </a:prstGeom>
-        </p:spPr>
-        <p:style>
-          <a:lnRef idx="2">
-            <a:schemeClr val="accent1"/>
-          </a:lnRef>
-          <a:fillRef idx="1">
-            <a:schemeClr val="lt1"/>
-          </a:fillRef>
-          <a:effectRef idx="0">
-            <a:schemeClr val="accent1"/>
-          </a:effectRef>
-          <a:fontRef idx="minor">
-            <a:schemeClr val="dk1"/>
-          </a:fontRef>
-        </p:style>
-        <p:txBody>
-          <a:bodyPr rtlCol="0" anchor="ctr"/>
-          <a:lstStyle/>
-          <a:p>
-            <a:r>
-              <a:rPr lang="en-US" sz="1200" dirty="0">
-                <a:solidFill>
-                  <a:srgbClr val="9E880D"/>
-                </a:solidFill>
-                <a:effectLst/>
-                <a:latin typeface="JetBrains Mono"/>
-              </a:rPr>
-              <a:t>@Entity </a:t>
-            </a:r>
-            <a:r>
-              <a:rPr lang="en-US" sz="1200" dirty="0">
-                <a:solidFill>
-                  <a:srgbClr val="080808"/>
-                </a:solidFill>
-                <a:effectLst/>
-                <a:latin typeface="JetBrains Mono"/>
-              </a:rPr>
-              <a:t>(</a:t>
-            </a:r>
-            <a:r>
-              <a:rPr lang="en-US" sz="1200" dirty="0" err="1">
-                <a:solidFill>
-                  <a:srgbClr val="080808"/>
-                </a:solidFill>
-                <a:effectLst/>
-                <a:latin typeface="JetBrains Mono"/>
-              </a:rPr>
-              <a:t>tableName</a:t>
-            </a:r>
-            <a:r>
-              <a:rPr lang="en-US" sz="1200" dirty="0">
-                <a:solidFill>
-                  <a:srgbClr val="080808"/>
-                </a:solidFill>
-                <a:effectLst/>
-                <a:latin typeface="JetBrains Mono"/>
-              </a:rPr>
-              <a:t> = </a:t>
-            </a:r>
-            <a:r>
-              <a:rPr lang="en-US" sz="1200" dirty="0">
-                <a:solidFill>
-                  <a:srgbClr val="067D17"/>
-                </a:solidFill>
-                <a:effectLst/>
-                <a:latin typeface="JetBrains Mono"/>
-              </a:rPr>
-              <a:t>"</a:t>
-            </a:r>
-            <a:r>
-              <a:rPr lang="en-US" sz="1200" dirty="0" err="1">
-                <a:solidFill>
-                  <a:srgbClr val="067D17"/>
-                </a:solidFill>
-                <a:effectLst/>
-                <a:latin typeface="JetBrains Mono"/>
-              </a:rPr>
-              <a:t>course_tbl</a:t>
-            </a:r>
-            <a:r>
-              <a:rPr lang="en-US" sz="1200" dirty="0">
-                <a:solidFill>
-                  <a:srgbClr val="067D17"/>
-                </a:solidFill>
-                <a:effectLst/>
-                <a:latin typeface="JetBrains Mono"/>
-              </a:rPr>
-              <a:t>"</a:t>
-            </a:r>
-            <a:r>
-              <a:rPr lang="en-US" sz="1200" dirty="0">
-                <a:solidFill>
-                  <a:srgbClr val="080808"/>
-                </a:solidFill>
-                <a:effectLst/>
-                <a:latin typeface="JetBrains Mono"/>
-              </a:rPr>
-              <a:t>)</a:t>
-            </a:r>
-          </a:p>
-          <a:p>
-            <a:r>
-              <a:rPr lang="en-US" sz="1000" dirty="0">
-                <a:solidFill>
-                  <a:srgbClr val="080808"/>
-                </a:solidFill>
-                <a:effectLst/>
-                <a:latin typeface="JetBrains Mono"/>
-              </a:rPr>
-              <a:t>data CourseListRecord class(</a:t>
-            </a:r>
-          </a:p>
-          <a:p>
-            <a:r>
-              <a:rPr lang="en-US" sz="1000" dirty="0">
-                <a:solidFill>
-                  <a:srgbClr val="080808"/>
-                </a:solidFill>
-                <a:latin typeface="JetBrains Mono"/>
-              </a:rPr>
-              <a:t>   </a:t>
-            </a:r>
-            <a:r>
-              <a:rPr lang="en-US" sz="1000" dirty="0" err="1">
-                <a:solidFill>
-                  <a:srgbClr val="080808"/>
-                </a:solidFill>
-                <a:effectLst/>
-                <a:latin typeface="JetBrains Mono"/>
-              </a:rPr>
-              <a:t>val</a:t>
-            </a:r>
-            <a:r>
-              <a:rPr lang="en-US" sz="1000" dirty="0">
-                <a:solidFill>
-                  <a:srgbClr val="080808"/>
-                </a:solidFill>
-                <a:effectLst/>
-                <a:latin typeface="JetBrains Mono"/>
-              </a:rPr>
-              <a:t>   </a:t>
-            </a:r>
-            <a:r>
-              <a:rPr lang="en-US" sz="1000" dirty="0" err="1">
-                <a:solidFill>
-                  <a:srgbClr val="080808"/>
-                </a:solidFill>
-                <a:effectLst/>
-                <a:latin typeface="JetBrains Mono"/>
-              </a:rPr>
-              <a:t>mCoursename</a:t>
-            </a:r>
-            <a:r>
-              <a:rPr lang="en-US" sz="1000" dirty="0">
-                <a:solidFill>
-                  <a:srgbClr val="080808"/>
-                </a:solidFill>
-                <a:effectLst/>
-                <a:latin typeface="JetBrains Mono"/>
-              </a:rPr>
-              <a:t>: String,</a:t>
-            </a:r>
-          </a:p>
-          <a:p>
-            <a:r>
-              <a:rPr lang="en-US" sz="1000" dirty="0">
-                <a:solidFill>
-                  <a:srgbClr val="080808"/>
-                </a:solidFill>
-                <a:effectLst/>
-                <a:latin typeface="JetBrains Mono"/>
-              </a:rPr>
-              <a:t>    </a:t>
-            </a:r>
-            <a:r>
-              <a:rPr lang="en-US" sz="1000" dirty="0" err="1">
-                <a:solidFill>
-                  <a:srgbClr val="080808"/>
-                </a:solidFill>
-                <a:effectLst/>
-                <a:latin typeface="JetBrains Mono"/>
-              </a:rPr>
-              <a:t>val</a:t>
-            </a:r>
-            <a:r>
-              <a:rPr lang="en-US" sz="1000" dirty="0">
-                <a:solidFill>
-                  <a:srgbClr val="080808"/>
-                </a:solidFill>
-                <a:effectLst/>
-                <a:latin typeface="JetBrains Mono"/>
-              </a:rPr>
-              <a:t> </a:t>
-            </a:r>
-            <a:r>
-              <a:rPr lang="en-US" sz="1000" dirty="0" err="1">
-                <a:solidFill>
-                  <a:srgbClr val="080808"/>
-                </a:solidFill>
-                <a:effectLst/>
-                <a:latin typeface="JetBrains Mono"/>
-              </a:rPr>
-              <a:t>mUsstate</a:t>
-            </a:r>
-            <a:r>
-              <a:rPr lang="en-US" sz="1000" dirty="0">
-                <a:solidFill>
-                  <a:srgbClr val="080808"/>
-                </a:solidFill>
-                <a:effectLst/>
-                <a:latin typeface="JetBrains Mono"/>
-              </a:rPr>
-              <a:t>: String? = "NC",</a:t>
-            </a:r>
-          </a:p>
-          <a:p>
-            <a:r>
-              <a:rPr lang="en-US" sz="1000" dirty="0">
-                <a:solidFill>
-                  <a:srgbClr val="080808"/>
-                </a:solidFill>
-                <a:effectLst/>
-                <a:latin typeface="JetBrains Mono"/>
-              </a:rPr>
-              <a:t>    </a:t>
-            </a:r>
-            <a:r>
-              <a:rPr lang="en-US" sz="1000" dirty="0" err="1">
-                <a:solidFill>
-                  <a:srgbClr val="080808"/>
-                </a:solidFill>
-                <a:effectLst/>
-                <a:latin typeface="JetBrains Mono"/>
-              </a:rPr>
-              <a:t>val</a:t>
-            </a:r>
-            <a:r>
-              <a:rPr lang="en-US" sz="1000" dirty="0">
-                <a:solidFill>
-                  <a:srgbClr val="080808"/>
-                </a:solidFill>
-                <a:effectLst/>
-                <a:latin typeface="JetBrains Mono"/>
-              </a:rPr>
-              <a:t> </a:t>
-            </a:r>
-            <a:r>
-              <a:rPr lang="en-US" sz="1000" dirty="0" err="1">
-                <a:solidFill>
-                  <a:srgbClr val="080808"/>
-                </a:solidFill>
-                <a:effectLst/>
-                <a:latin typeface="JetBrains Mono"/>
-              </a:rPr>
-              <a:t>mPar</a:t>
-            </a:r>
-            <a:r>
-              <a:rPr lang="en-US" sz="1000" dirty="0">
-                <a:solidFill>
-                  <a:srgbClr val="080808"/>
-                </a:solidFill>
-                <a:effectLst/>
-                <a:latin typeface="JetBrains Mono"/>
-              </a:rPr>
-              <a:t>: </a:t>
-            </a:r>
-            <a:r>
-              <a:rPr lang="en-US" sz="1000" dirty="0" err="1">
-                <a:solidFill>
-                  <a:srgbClr val="080808"/>
-                </a:solidFill>
-                <a:effectLst/>
-                <a:latin typeface="JetBrains Mono"/>
-              </a:rPr>
-              <a:t>IntArray</a:t>
-            </a:r>
-            <a:r>
-              <a:rPr lang="en-US" sz="1000" dirty="0">
-                <a:solidFill>
-                  <a:srgbClr val="080808"/>
-                </a:solidFill>
-                <a:effectLst/>
-                <a:latin typeface="JetBrains Mono"/>
-              </a:rPr>
-              <a:t>,</a:t>
-            </a:r>
-          </a:p>
-          <a:p>
-            <a:r>
-              <a:rPr lang="en-US" sz="1000" dirty="0">
-                <a:solidFill>
-                  <a:srgbClr val="080808"/>
-                </a:solidFill>
-                <a:effectLst/>
-                <a:latin typeface="JetBrains Mono"/>
-              </a:rPr>
-              <a:t>    </a:t>
-            </a:r>
-            <a:r>
-              <a:rPr lang="en-US" sz="1000" dirty="0" err="1">
-                <a:solidFill>
-                  <a:srgbClr val="080808"/>
-                </a:solidFill>
-                <a:effectLst/>
-                <a:latin typeface="JetBrains Mono"/>
-              </a:rPr>
-              <a:t>val</a:t>
-            </a:r>
-            <a:r>
-              <a:rPr lang="en-US" sz="1000" dirty="0">
-                <a:solidFill>
-                  <a:srgbClr val="080808"/>
-                </a:solidFill>
-                <a:effectLst/>
-                <a:latin typeface="JetBrains Mono"/>
-              </a:rPr>
-              <a:t> </a:t>
-            </a:r>
-            <a:r>
-              <a:rPr lang="en-US" sz="1000" dirty="0" err="1">
-                <a:solidFill>
-                  <a:srgbClr val="080808"/>
-                </a:solidFill>
-                <a:effectLst/>
-                <a:latin typeface="JetBrains Mono"/>
-              </a:rPr>
-              <a:t>mHandicap</a:t>
-            </a:r>
-            <a:r>
-              <a:rPr lang="en-US" sz="1000" dirty="0">
-                <a:solidFill>
-                  <a:srgbClr val="080808"/>
-                </a:solidFill>
-                <a:effectLst/>
-                <a:latin typeface="JetBrains Mono"/>
-              </a:rPr>
-              <a:t>: </a:t>
-            </a:r>
-            <a:r>
-              <a:rPr lang="en-US" sz="1000" dirty="0" err="1">
-                <a:solidFill>
-                  <a:srgbClr val="080808"/>
-                </a:solidFill>
-                <a:effectLst/>
-                <a:latin typeface="JetBrains Mono"/>
-              </a:rPr>
-              <a:t>IntArray</a:t>
-            </a:r>
-            <a:r>
-              <a:rPr lang="en-US" sz="1000" dirty="0">
-                <a:solidFill>
-                  <a:srgbClr val="080808"/>
-                </a:solidFill>
-                <a:effectLst/>
-                <a:latin typeface="JetBrains Mono"/>
-              </a:rPr>
-              <a:t>,</a:t>
-            </a:r>
-          </a:p>
-          <a:p>
-            <a:r>
-              <a:rPr lang="en-US" sz="1000" dirty="0">
-                <a:solidFill>
-                  <a:srgbClr val="080808"/>
-                </a:solidFill>
-                <a:effectLst/>
-                <a:latin typeface="JetBrains Mono"/>
-              </a:rPr>
-              <a:t>    </a:t>
-            </a:r>
-            <a:r>
-              <a:rPr lang="en-US" sz="1000" dirty="0" err="1">
-                <a:solidFill>
-                  <a:srgbClr val="080808"/>
-                </a:solidFill>
-                <a:effectLst/>
-                <a:latin typeface="JetBrains Mono"/>
-              </a:rPr>
-              <a:t>val</a:t>
-            </a:r>
-            <a:r>
-              <a:rPr lang="en-US" sz="1000" dirty="0">
-                <a:solidFill>
-                  <a:srgbClr val="080808"/>
-                </a:solidFill>
-                <a:effectLst/>
-                <a:latin typeface="JetBrains Mono"/>
-              </a:rPr>
-              <a:t> </a:t>
-            </a:r>
-            <a:r>
-              <a:rPr lang="en-US" sz="1000" dirty="0" err="1">
-                <a:solidFill>
-                  <a:srgbClr val="080808"/>
-                </a:solidFill>
-                <a:effectLst/>
-                <a:latin typeface="JetBrains Mono"/>
-              </a:rPr>
-              <a:t>mNotes:Array</a:t>
-            </a:r>
-            <a:r>
-              <a:rPr lang="en-US" sz="1000" dirty="0">
-                <a:solidFill>
-                  <a:srgbClr val="080808"/>
-                </a:solidFill>
-                <a:effectLst/>
-                <a:latin typeface="JetBrains Mono"/>
-              </a:rPr>
-              <a:t>&lt;String&gt;,</a:t>
-            </a:r>
-          </a:p>
-          <a:p>
-            <a:r>
-              <a:rPr lang="en-US" sz="1000" dirty="0">
-                <a:solidFill>
-                  <a:srgbClr val="080808"/>
-                </a:solidFill>
-                <a:effectLst/>
-                <a:latin typeface="JetBrains Mono"/>
-              </a:rPr>
-              <a:t>    @PrimaryKey(autoGenerate = true)</a:t>
-            </a:r>
-          </a:p>
-          <a:p>
-            <a:r>
-              <a:rPr lang="en-US" sz="1000" dirty="0">
-                <a:solidFill>
-                  <a:srgbClr val="080808"/>
-                </a:solidFill>
-                <a:effectLst/>
-                <a:latin typeface="JetBrains Mono"/>
-              </a:rPr>
-              <a:t>    </a:t>
-            </a:r>
-            <a:r>
-              <a:rPr lang="en-US" sz="1000" dirty="0" err="1">
-                <a:solidFill>
-                  <a:srgbClr val="080808"/>
-                </a:solidFill>
-                <a:effectLst/>
-                <a:latin typeface="JetBrains Mono"/>
-              </a:rPr>
-              <a:t>val</a:t>
-            </a:r>
-            <a:r>
-              <a:rPr lang="en-US" sz="1000" dirty="0">
-                <a:solidFill>
-                  <a:srgbClr val="080808"/>
-                </a:solidFill>
-                <a:effectLst/>
-                <a:latin typeface="JetBrains Mono"/>
-              </a:rPr>
               <a:t> mId: Int = 0 )</a:t>
             </a:r>
           </a:p>
@@ -18973,7 +18882,7 @@
         </p:nvSpPr>
         <p:spPr>
           <a:xfrm>
-            <a:off x="3810025" y="3429000"/>
+            <a:off x="3810025" y="3520429"/>
             <a:ext cx="914400" cy="914400"/>
           </a:xfrm>
           <a:prstGeom prst="rect">
@@ -19031,7 +18940,7 @@
         </p:nvCxnSpPr>
         <p:spPr>
           <a:xfrm>
-            <a:off x="4724425" y="3886200"/>
+            <a:off x="4724425" y="3977629"/>
             <a:ext cx="337996" cy="0"/>
           </a:xfrm>
           <a:prstGeom prst="straightConnector1">
@@ -19070,7 +18979,7 @@
         </p:nvSpPr>
         <p:spPr>
           <a:xfrm>
-            <a:off x="2219633" y="3619121"/>
+            <a:off x="2219633" y="3710550"/>
             <a:ext cx="964194" cy="534155"/>
           </a:xfrm>
           <a:prstGeom prst="rect">
@@ -19121,7 +19030,7 @@
         </p:nvCxnSpPr>
         <p:spPr>
           <a:xfrm>
-            <a:off x="3183827" y="3886199"/>
+            <a:off x="3183827" y="3977628"/>
             <a:ext cx="626198" cy="1"/>
           </a:xfrm>
           <a:prstGeom prst="straightConnector1">
@@ -19160,7 +19069,7 @@
         </p:nvSpPr>
         <p:spPr>
           <a:xfrm>
-            <a:off x="549270" y="3623649"/>
+            <a:off x="549270" y="3715078"/>
             <a:ext cx="1093959" cy="529627"/>
           </a:xfrm>
           <a:prstGeom prst="rect">
@@ -19212,7 +19121,7 @@
         </p:nvCxnSpPr>
         <p:spPr>
           <a:xfrm flipV="1">
-            <a:off x="1643229" y="3886199"/>
+            <a:off x="1643229" y="3977628"/>
             <a:ext cx="576404" cy="2264"/>
           </a:xfrm>
           <a:prstGeom prst="straightConnector1">
@@ -19827,10 +19736,369 @@
           </a:p>
         </p:txBody>
       </p:sp>
+      <p:sp>
+        <p:nvSpPr>
+          <p:cNvPr id="9" name="Rectangle 8">
+            <a:extLst>
+              <a:ext uri="{FF2B5EF4-FFF2-40B4-BE49-F238E27FC236}">
+                <a16:creationId xmlns:a16="http://schemas.microsoft.com/office/drawing/2014/main" id="{2C88ABB1-AD8C-258D-8595-F58E3BFB2D93}"/>
+              </a:ext>
+            </a:extLst>
+          </p:cNvPr>
+          <p:cNvSpPr/>
+          <p:nvPr/>
+        </p:nvSpPr>
+        <p:spPr>
+          <a:xfrm>
+            <a:off x="608796" y="5162031"/>
+            <a:ext cx="1280146" cy="822951"/>
+          </a:xfrm>
+          <a:prstGeom prst="rect">
+            <a:avLst/>
+          </a:prstGeom>
+        </p:spPr>
+        <p:style>
+          <a:lnRef idx="2">
+            <a:schemeClr val="accent1">
+              <a:shade val="15000"/>
+            </a:schemeClr>
+          </a:lnRef>
+          <a:fillRef idx="1">
+            <a:schemeClr val="accent1"/>
+          </a:fillRef>
+          <a:effectRef idx="0">
+            <a:schemeClr val="accent1"/>
+          </a:effectRef>
+          <a:fontRef idx="minor">
+            <a:schemeClr val="lt1"/>
+          </a:fontRef>
+        </p:style>
+        <p:txBody>
+          <a:bodyPr rtlCol="0" anchor="t"/>
+          <a:lstStyle/>
+          <a:p>
+            <a:pPr algn="ctr"/>
+            <a:r>
+              <a:rPr lang="en-US" sz="1200" dirty="0"/>
+              <a:t>Junk DB</a:t>
+            </a:r>
+          </a:p>
+          <a:p>
+            <a:pPr algn="ctr"/>
+            <a:endParaRPr lang="en-US" sz="1200" dirty="0"/>
+          </a:p>
+          <a:p>
+            <a:r>
+              <a:rPr lang="en-US" sz="1200" dirty="0" err="1"/>
+              <a:t>mID</a:t>
+            </a:r>
+            <a:endParaRPr lang="en-US" sz="1200" dirty="0"/>
+          </a:p>
+          <a:p>
+            <a:r>
+              <a:rPr lang="en-US" sz="1200" dirty="0" err="1"/>
+              <a:t>mString</a:t>
+            </a:r>
+            <a:endParaRPr lang="en-US" sz="1200" dirty="0"/>
+          </a:p>
+        </p:txBody>
+      </p:sp>
+      <p:sp>
+        <p:nvSpPr>
+          <p:cNvPr id="11" name="Rectangle 10">
+            <a:extLst>
+              <a:ext uri="{FF2B5EF4-FFF2-40B4-BE49-F238E27FC236}">
+                <a16:creationId xmlns:a16="http://schemas.microsoft.com/office/drawing/2014/main" id="{80557916-7C23-AC90-90DF-8421951FD38A}"/>
+              </a:ext>
+            </a:extLst>
+          </p:cNvPr>
+          <p:cNvSpPr/>
+          <p:nvPr/>
+        </p:nvSpPr>
+        <p:spPr>
+          <a:xfrm>
+            <a:off x="3557821" y="4983463"/>
+            <a:ext cx="1737341" cy="1371585"/>
+          </a:xfrm>
+          <a:prstGeom prst="rect">
+            <a:avLst/>
+          </a:prstGeom>
+        </p:spPr>
+        <p:style>
+          <a:lnRef idx="2">
+            <a:schemeClr val="accent1">
+              <a:shade val="15000"/>
+            </a:schemeClr>
+          </a:lnRef>
+          <a:fillRef idx="1">
+            <a:schemeClr val="accent1"/>
+          </a:fillRef>
+          <a:effectRef idx="0">
+            <a:schemeClr val="accent1"/>
+          </a:effectRef>
+          <a:fontRef idx="minor">
+            <a:schemeClr val="lt1"/>
+          </a:fontRef>
+        </p:style>
+        <p:txBody>
+          <a:bodyPr rtlCol="0" anchor="t"/>
+          <a:lstStyle/>
+          <a:p>
+            <a:pPr algn="ctr"/>
+            <a:r>
+              <a:rPr lang="en-US" sz="1400" dirty="0"/>
+              <a:t>Player Junk Record</a:t>
+            </a:r>
+          </a:p>
+          <a:p>
+            <a:pPr algn="ctr"/>
+            <a:endParaRPr lang="en-US" sz="1400" dirty="0"/>
+          </a:p>
+          <a:p>
+            <a:r>
+              <a:rPr lang="en-US" sz="1200" dirty="0"/>
+              <a:t>Player Index</a:t>
+            </a:r>
+          </a:p>
+          <a:p>
+            <a:r>
+              <a:rPr lang="en-US" sz="1200" dirty="0"/>
+              <a:t>Hole Number</a:t>
+            </a:r>
+          </a:p>
+          <a:p>
+            <a:r>
+              <a:rPr lang="en-US" sz="1200" dirty="0"/>
+              <a:t>Junk </a:t>
+            </a:r>
+            <a:r>
+              <a:rPr lang="en-US" sz="1200" dirty="0" err="1"/>
+              <a:t>mId</a:t>
+            </a:r>
+            <a:endParaRPr lang="en-US" sz="1200" dirty="0"/>
+          </a:p>
+        </p:txBody>
+      </p:sp>
     </p:spTree>
     <p:extLst>
       <p:ext uri="{BB962C8B-B14F-4D97-AF65-F5344CB8AC3E}">
         <p14:creationId xmlns:p14="http://schemas.microsoft.com/office/powerpoint/2010/main" val="2837724412"/>
+      </p:ext>
+    </p:extLst>
+  </p:cSld>
+  <p:clrMapOvr>
+    <a:masterClrMapping/>
+  </p:clrMapOvr>
+</p:sld>
+</file>
+
+<file path=ppt/slides/slide18.xml><?xml version="1.0" encoding="utf-8"?>
+<p:sld xmlns:a="http://schemas.openxmlformats.org/drawingml/2006/main" xmlns:r="http://schemas.openxmlformats.org/officeDocument/2006/relationships" xmlns:p="http://schemas.openxmlformats.org/presentationml/2006/main">
+  <p:cSld>
+    <p:spTree>
+      <p:nvGrpSpPr>
+        <p:cNvPr id="1" name=""/>
+        <p:cNvGrpSpPr/>
+        <p:nvPr/>
+      </p:nvGrpSpPr>
+      <p:grpSpPr>
+        <a:xfrm>
+          <a:off x="0" y="0"/>
+          <a:ext cx="0" cy="0"/>
+          <a:chOff x="0" y="0"/>
+          <a:chExt cx="0" cy="0"/>
+        </a:xfrm>
+      </p:grpSpPr>
+      <p:sp>
+        <p:nvSpPr>
+          <p:cNvPr id="2" name="TextBox 1">
+            <a:extLst>
+              <a:ext uri="{FF2B5EF4-FFF2-40B4-BE49-F238E27FC236}">
+                <a16:creationId xmlns:a16="http://schemas.microsoft.com/office/drawing/2014/main" id="{ECB94E7F-8C7C-07F0-CBBB-FE467A6A0536}"/>
+              </a:ext>
+            </a:extLst>
+          </p:cNvPr>
+          <p:cNvSpPr txBox="1"/>
+          <p:nvPr/>
+        </p:nvSpPr>
+        <p:spPr>
+          <a:xfrm>
+            <a:off x="4815854" y="411513"/>
+            <a:ext cx="1452642" cy="369332"/>
+          </a:xfrm>
+          <a:prstGeom prst="rect">
+            <a:avLst/>
+          </a:prstGeom>
+          <a:noFill/>
+        </p:spPr>
+        <p:txBody>
+          <a:bodyPr wrap="none" rtlCol="0">
+            <a:spAutoFit/>
+          </a:bodyPr>
+          <a:lstStyle/>
+          <a:p>
+            <a:r>
+              <a:rPr lang="en-US" sz="1400" dirty="0"/>
+              <a:t>Junk</a:t>
+            </a:r>
+            <a:r>
+              <a:rPr lang="en-US" dirty="0"/>
+              <a:t> </a:t>
+            </a:r>
+            <a:r>
+              <a:rPr lang="en-US" sz="1400" dirty="0"/>
+              <a:t>Database</a:t>
+            </a:r>
+          </a:p>
+        </p:txBody>
+      </p:sp>
+      <p:sp>
+        <p:nvSpPr>
+          <p:cNvPr id="3" name="Rectangle 2">
+            <a:extLst>
+              <a:ext uri="{FF2B5EF4-FFF2-40B4-BE49-F238E27FC236}">
+                <a16:creationId xmlns:a16="http://schemas.microsoft.com/office/drawing/2014/main" id="{D35BDB09-4020-EDF2-ED58-BBB810D80475}"/>
+              </a:ext>
+            </a:extLst>
+          </p:cNvPr>
+          <p:cNvSpPr/>
+          <p:nvPr/>
+        </p:nvSpPr>
+        <p:spPr>
+          <a:xfrm>
+            <a:off x="1249733" y="1051586"/>
+            <a:ext cx="1280146" cy="822951"/>
+          </a:xfrm>
+          <a:prstGeom prst="rect">
+            <a:avLst/>
+          </a:prstGeom>
+        </p:spPr>
+        <p:style>
+          <a:lnRef idx="2">
+            <a:schemeClr val="accent1">
+              <a:shade val="15000"/>
+            </a:schemeClr>
+          </a:lnRef>
+          <a:fillRef idx="1">
+            <a:schemeClr val="accent1"/>
+          </a:fillRef>
+          <a:effectRef idx="0">
+            <a:schemeClr val="accent1"/>
+          </a:effectRef>
+          <a:fontRef idx="minor">
+            <a:schemeClr val="lt1"/>
+          </a:fontRef>
+        </p:style>
+        <p:txBody>
+          <a:bodyPr rtlCol="0" anchor="t"/>
+          <a:lstStyle/>
+          <a:p>
+            <a:pPr algn="ctr"/>
+            <a:r>
+              <a:rPr lang="en-US" sz="1200" dirty="0"/>
+              <a:t>Junk DB</a:t>
+            </a:r>
+          </a:p>
+          <a:p>
+            <a:pPr algn="ctr"/>
+            <a:endParaRPr lang="en-US" sz="1200" dirty="0"/>
+          </a:p>
+          <a:p>
+            <a:r>
+              <a:rPr lang="en-US" sz="1200" dirty="0" err="1"/>
+              <a:t>mID</a:t>
+            </a:r>
+            <a:endParaRPr lang="en-US" sz="1200" dirty="0"/>
+          </a:p>
+          <a:p>
+            <a:r>
+              <a:rPr lang="en-US" sz="1200" dirty="0" err="1"/>
+              <a:t>mString</a:t>
+            </a:r>
+            <a:endParaRPr lang="en-US" sz="1200" dirty="0"/>
+          </a:p>
+        </p:txBody>
+      </p:sp>
+      <p:sp>
+        <p:nvSpPr>
+          <p:cNvPr id="4" name="Rectangle 3">
+            <a:extLst>
+              <a:ext uri="{FF2B5EF4-FFF2-40B4-BE49-F238E27FC236}">
+                <a16:creationId xmlns:a16="http://schemas.microsoft.com/office/drawing/2014/main" id="{A75279F2-034C-1F97-2355-80342F8BF498}"/>
+              </a:ext>
+            </a:extLst>
+          </p:cNvPr>
+          <p:cNvSpPr/>
+          <p:nvPr/>
+        </p:nvSpPr>
+        <p:spPr>
+          <a:xfrm>
+            <a:off x="1066855" y="2697487"/>
+            <a:ext cx="1737341" cy="1371585"/>
+          </a:xfrm>
+          <a:prstGeom prst="rect">
+            <a:avLst/>
+          </a:prstGeom>
+        </p:spPr>
+        <p:style>
+          <a:lnRef idx="2">
+            <a:schemeClr val="accent1">
+              <a:shade val="15000"/>
+            </a:schemeClr>
+          </a:lnRef>
+          <a:fillRef idx="1">
+            <a:schemeClr val="accent1"/>
+          </a:fillRef>
+          <a:effectRef idx="0">
+            <a:schemeClr val="accent1"/>
+          </a:effectRef>
+          <a:fontRef idx="minor">
+            <a:schemeClr val="lt1"/>
+          </a:fontRef>
+        </p:style>
+        <p:txBody>
+          <a:bodyPr rtlCol="0" anchor="t"/>
+          <a:lstStyle/>
+          <a:p>
+            <a:pPr algn="ctr"/>
+            <a:r>
+              <a:rPr lang="en-US" sz="1400" dirty="0"/>
+              <a:t>Player Junk Record</a:t>
+            </a:r>
+          </a:p>
+          <a:p>
+            <a:pPr algn="ctr"/>
+            <a:endParaRPr lang="en-US" sz="1400" dirty="0"/>
+          </a:p>
+          <a:p>
+            <a:r>
+              <a:rPr lang="en-US" sz="1200" dirty="0"/>
+              <a:t>Player Index</a:t>
+            </a:r>
+          </a:p>
+          <a:p>
+            <a:r>
+              <a:rPr lang="en-US" sz="1200" dirty="0"/>
+              <a:t>Hole Number</a:t>
+            </a:r>
+          </a:p>
+          <a:p>
+            <a:r>
+              <a:rPr lang="en-US" sz="1200" dirty="0"/>
+              <a:t>Junk </a:t>
+            </a:r>
+            <a:r>
+              <a:rPr lang="en-US" sz="1200" dirty="0" err="1"/>
+              <a:t>mId</a:t>
+            </a:r>
+            <a:endParaRPr lang="en-US" sz="1200" dirty="0"/>
+          </a:p>
+        </p:txBody>
+      </p:sp>
+    </p:spTree>
+    <p:extLst>
+      <p:ext uri="{BB962C8B-B14F-4D97-AF65-F5344CB8AC3E}">
+        <p14:creationId xmlns:p14="http://schemas.microsoft.com/office/powerpoint/2010/main" val="3592111915"/>
       </p:ext>
     </p:extLst>
   </p:cSld>

--- a/Documentation/TeamScoreLayout.pptx
+++ b/Documentation/TeamScoreLayout.pptx
@@ -843,7 +843,7 @@
           <a:p>
             <a:fld id="{955A69D3-FF78-44E1-BB41-3D13FA416A59}" type="datetimeFigureOut">
               <a:rPr lang="en-US" smtClean="0"/>
-              <a:t>7/6/2024</a:t>
+              <a:t>07/12/24</a:t>
             </a:fld>
             <a:endParaRPr lang="en-US"/>
           </a:p>
@@ -1041,7 +1041,7 @@
           <a:p>
             <a:fld id="{955A69D3-FF78-44E1-BB41-3D13FA416A59}" type="datetimeFigureOut">
               <a:rPr lang="en-US" smtClean="0"/>
-              <a:t>7/6/2024</a:t>
+              <a:t>07/12/24</a:t>
             </a:fld>
             <a:endParaRPr lang="en-US"/>
           </a:p>
@@ -1249,7 +1249,7 @@
           <a:p>
             <a:fld id="{955A69D3-FF78-44E1-BB41-3D13FA416A59}" type="datetimeFigureOut">
               <a:rPr lang="en-US" smtClean="0"/>
-              <a:t>7/6/2024</a:t>
+              <a:t>07/12/24</a:t>
             </a:fld>
             <a:endParaRPr lang="en-US"/>
           </a:p>
@@ -1447,7 +1447,7 @@
           <a:p>
             <a:fld id="{955A69D3-FF78-44E1-BB41-3D13FA416A59}" type="datetimeFigureOut">
               <a:rPr lang="en-US" smtClean="0"/>
-              <a:t>7/6/2024</a:t>
+              <a:t>07/12/24</a:t>
             </a:fld>
             <a:endParaRPr lang="en-US"/>
           </a:p>
@@ -1722,7 +1722,7 @@
           <a:p>
             <a:fld id="{955A69D3-FF78-44E1-BB41-3D13FA416A59}" type="datetimeFigureOut">
               <a:rPr lang="en-US" smtClean="0"/>
-              <a:t>7/6/2024</a:t>
+              <a:t>07/12/24</a:t>
             </a:fld>
             <a:endParaRPr lang="en-US"/>
           </a:p>
@@ -1987,7 +1987,7 @@
           <a:p>
             <a:fld id="{955A69D3-FF78-44E1-BB41-3D13FA416A59}" type="datetimeFigureOut">
               <a:rPr lang="en-US" smtClean="0"/>
-              <a:t>7/6/2024</a:t>
+              <a:t>07/12/24</a:t>
             </a:fld>
             <a:endParaRPr lang="en-US"/>
           </a:p>
@@ -2399,7 +2399,7 @@
           <a:p>
             <a:fld id="{955A69D3-FF78-44E1-BB41-3D13FA416A59}" type="datetimeFigureOut">
               <a:rPr lang="en-US" smtClean="0"/>
-              <a:t>7/6/2024</a:t>
+              <a:t>07/12/24</a:t>
             </a:fld>
             <a:endParaRPr lang="en-US"/>
           </a:p>
@@ -2540,7 +2540,7 @@
           <a:p>
             <a:fld id="{955A69D3-FF78-44E1-BB41-3D13FA416A59}" type="datetimeFigureOut">
               <a:rPr lang="en-US" smtClean="0"/>
-              <a:t>7/6/2024</a:t>
+              <a:t>07/12/24</a:t>
             </a:fld>
             <a:endParaRPr lang="en-US"/>
           </a:p>
@@ -2653,7 +2653,7 @@
           <a:p>
             <a:fld id="{955A69D3-FF78-44E1-BB41-3D13FA416A59}" type="datetimeFigureOut">
               <a:rPr lang="en-US" smtClean="0"/>
-              <a:t>7/6/2024</a:t>
+              <a:t>07/12/24</a:t>
             </a:fld>
             <a:endParaRPr lang="en-US"/>
           </a:p>
@@ -2964,7 +2964,7 @@
           <a:p>
             <a:fld id="{955A69D3-FF78-44E1-BB41-3D13FA416A59}" type="datetimeFigureOut">
               <a:rPr lang="en-US" smtClean="0"/>
-              <a:t>7/6/2024</a:t>
+              <a:t>07/12/24</a:t>
             </a:fld>
             <a:endParaRPr lang="en-US"/>
           </a:p>
@@ -3252,7 +3252,7 @@
           <a:p>
             <a:fld id="{955A69D3-FF78-44E1-BB41-3D13FA416A59}" type="datetimeFigureOut">
               <a:rPr lang="en-US" smtClean="0"/>
-              <a:t>7/6/2024</a:t>
+              <a:t>07/12/24</a:t>
             </a:fld>
             <a:endParaRPr lang="en-US"/>
           </a:p>
@@ -3493,7 +3493,7 @@
           <a:p>
             <a:fld id="{955A69D3-FF78-44E1-BB41-3D13FA416A59}" type="datetimeFigureOut">
               <a:rPr lang="en-US" smtClean="0"/>
-              <a:t>7/6/2024</a:t>
+              <a:t>07/12/24</a:t>
             </a:fld>
             <a:endParaRPr lang="en-US"/>
           </a:p>
@@ -19967,7 +19967,7 @@
         <p:spPr>
           <a:xfrm>
             <a:off x="1249733" y="1051586"/>
-            <a:ext cx="1280146" cy="822951"/>
+            <a:ext cx="914390" cy="822951"/>
           </a:xfrm>
           <a:prstGeom prst="rect">
             <a:avLst/>
@@ -20034,7 +20034,7 @@
         <p:spPr>
           <a:xfrm>
             <a:off x="1066855" y="2697487"/>
-            <a:ext cx="1737341" cy="1371585"/>
+            <a:ext cx="1188707" cy="1371585"/>
           </a:xfrm>
           <a:prstGeom prst="rect">
             <a:avLst/>
@@ -20092,6 +20092,504 @@
               <a:t>mId</a:t>
             </a:r>
             <a:endParaRPr lang="en-US" sz="1200" dirty="0"/>
+          </a:p>
+        </p:txBody>
+      </p:sp>
+      <p:sp>
+        <p:nvSpPr>
+          <p:cNvPr id="5" name="Rectangle 4">
+            <a:extLst>
+              <a:ext uri="{FF2B5EF4-FFF2-40B4-BE49-F238E27FC236}">
+                <a16:creationId xmlns:a16="http://schemas.microsoft.com/office/drawing/2014/main" id="{7F0CEC2D-1F18-B0AE-8464-700E4A5D57BA}"/>
+              </a:ext>
+            </a:extLst>
+          </p:cNvPr>
+          <p:cNvSpPr/>
+          <p:nvPr/>
+        </p:nvSpPr>
+        <p:spPr>
+          <a:xfrm>
+            <a:off x="5455926" y="1417342"/>
+            <a:ext cx="1188707" cy="457195"/>
+          </a:xfrm>
+          <a:prstGeom prst="rect">
+            <a:avLst/>
+          </a:prstGeom>
+        </p:spPr>
+        <p:style>
+          <a:lnRef idx="2">
+            <a:schemeClr val="accent1">
+              <a:shade val="15000"/>
+            </a:schemeClr>
+          </a:lnRef>
+          <a:fillRef idx="1">
+            <a:schemeClr val="accent1"/>
+          </a:fillRef>
+          <a:effectRef idx="0">
+            <a:schemeClr val="accent1"/>
+          </a:effectRef>
+          <a:fontRef idx="minor">
+            <a:schemeClr val="lt1"/>
+          </a:fontRef>
+        </p:style>
+        <p:txBody>
+          <a:bodyPr rtlCol="0" anchor="ctr"/>
+          <a:lstStyle/>
+          <a:p>
+            <a:pPr algn="ctr"/>
+            <a:r>
+              <a:rPr lang="en-US" sz="1200" dirty="0"/>
+              <a:t>Junk Menu Select</a:t>
+            </a:r>
+          </a:p>
+        </p:txBody>
+      </p:sp>
+      <p:sp>
+        <p:nvSpPr>
+          <p:cNvPr id="6" name="Rectangle 5">
+            <a:extLst>
+              <a:ext uri="{FF2B5EF4-FFF2-40B4-BE49-F238E27FC236}">
+                <a16:creationId xmlns:a16="http://schemas.microsoft.com/office/drawing/2014/main" id="{1D92EAEA-C655-53E6-BB96-5EE47A077810}"/>
+              </a:ext>
+            </a:extLst>
+          </p:cNvPr>
+          <p:cNvSpPr/>
+          <p:nvPr/>
+        </p:nvSpPr>
+        <p:spPr>
+          <a:xfrm>
+            <a:off x="5501646" y="2148854"/>
+            <a:ext cx="1188707" cy="457195"/>
+          </a:xfrm>
+          <a:prstGeom prst="rect">
+            <a:avLst/>
+          </a:prstGeom>
+        </p:spPr>
+        <p:style>
+          <a:lnRef idx="2">
+            <a:schemeClr val="accent1">
+              <a:shade val="15000"/>
+            </a:schemeClr>
+          </a:lnRef>
+          <a:fillRef idx="1">
+            <a:schemeClr val="accent1"/>
+          </a:fillRef>
+          <a:effectRef idx="0">
+            <a:schemeClr val="accent1"/>
+          </a:effectRef>
+          <a:fontRef idx="minor">
+            <a:schemeClr val="lt1"/>
+          </a:fontRef>
+        </p:style>
+        <p:txBody>
+          <a:bodyPr rtlCol="0" anchor="ctr"/>
+          <a:lstStyle/>
+          <a:p>
+            <a:pPr algn="ctr"/>
+            <a:r>
+              <a:rPr lang="en-US" sz="1200" dirty="0"/>
+              <a:t>Read Junk Records</a:t>
+            </a:r>
+          </a:p>
+        </p:txBody>
+      </p:sp>
+      <p:sp>
+        <p:nvSpPr>
+          <p:cNvPr id="7" name="Rectangle 6">
+            <a:extLst>
+              <a:ext uri="{FF2B5EF4-FFF2-40B4-BE49-F238E27FC236}">
+                <a16:creationId xmlns:a16="http://schemas.microsoft.com/office/drawing/2014/main" id="{824B39AF-E6BC-B9D0-0EC5-A842E3D9C825}"/>
+              </a:ext>
+            </a:extLst>
+          </p:cNvPr>
+          <p:cNvSpPr/>
+          <p:nvPr/>
+        </p:nvSpPr>
+        <p:spPr>
+          <a:xfrm>
+            <a:off x="5542175" y="2880366"/>
+            <a:ext cx="1188707" cy="457195"/>
+          </a:xfrm>
+          <a:prstGeom prst="rect">
+            <a:avLst/>
+          </a:prstGeom>
+        </p:spPr>
+        <p:style>
+          <a:lnRef idx="2">
+            <a:schemeClr val="accent1">
+              <a:shade val="15000"/>
+            </a:schemeClr>
+          </a:lnRef>
+          <a:fillRef idx="1">
+            <a:schemeClr val="accent1"/>
+          </a:fillRef>
+          <a:effectRef idx="0">
+            <a:schemeClr val="accent1"/>
+          </a:effectRef>
+          <a:fontRef idx="minor">
+            <a:schemeClr val="lt1"/>
+          </a:fontRef>
+        </p:style>
+        <p:txBody>
+          <a:bodyPr rtlCol="0" anchor="ctr"/>
+          <a:lstStyle/>
+          <a:p>
+            <a:pPr algn="ctr"/>
+            <a:r>
+              <a:rPr lang="en-US" sz="1200" dirty="0"/>
+              <a:t>Display Junk Record List</a:t>
+            </a:r>
+          </a:p>
+        </p:txBody>
+      </p:sp>
+      <p:sp>
+        <p:nvSpPr>
+          <p:cNvPr id="8" name="Rectangle 7">
+            <a:extLst>
+              <a:ext uri="{FF2B5EF4-FFF2-40B4-BE49-F238E27FC236}">
+                <a16:creationId xmlns:a16="http://schemas.microsoft.com/office/drawing/2014/main" id="{A7B3F9BC-2DF0-359A-1C7F-671944F904AC}"/>
+              </a:ext>
+            </a:extLst>
+          </p:cNvPr>
+          <p:cNvSpPr/>
+          <p:nvPr/>
+        </p:nvSpPr>
+        <p:spPr>
+          <a:xfrm>
+            <a:off x="5544320" y="3611877"/>
+            <a:ext cx="1188707" cy="457195"/>
+          </a:xfrm>
+          <a:prstGeom prst="rect">
+            <a:avLst/>
+          </a:prstGeom>
+        </p:spPr>
+        <p:style>
+          <a:lnRef idx="2">
+            <a:schemeClr val="accent1">
+              <a:shade val="15000"/>
+            </a:schemeClr>
+          </a:lnRef>
+          <a:fillRef idx="1">
+            <a:schemeClr val="accent1"/>
+          </a:fillRef>
+          <a:effectRef idx="0">
+            <a:schemeClr val="accent1"/>
+          </a:effectRef>
+          <a:fontRef idx="minor">
+            <a:schemeClr val="lt1"/>
+          </a:fontRef>
+        </p:style>
+        <p:txBody>
+          <a:bodyPr rtlCol="0" anchor="ctr"/>
+          <a:lstStyle/>
+          <a:p>
+            <a:pPr algn="ctr"/>
+            <a:r>
+              <a:rPr lang="en-US" sz="1200" dirty="0"/>
+              <a:t>Record Select</a:t>
+            </a:r>
+          </a:p>
+        </p:txBody>
+      </p:sp>
+      <p:sp>
+        <p:nvSpPr>
+          <p:cNvPr id="9" name="Rectangle 8">
+            <a:extLst>
+              <a:ext uri="{FF2B5EF4-FFF2-40B4-BE49-F238E27FC236}">
+                <a16:creationId xmlns:a16="http://schemas.microsoft.com/office/drawing/2014/main" id="{A5D5F03F-6103-2B73-EED5-55E89A34C1D8}"/>
+              </a:ext>
+            </a:extLst>
+          </p:cNvPr>
+          <p:cNvSpPr/>
+          <p:nvPr/>
+        </p:nvSpPr>
+        <p:spPr>
+          <a:xfrm>
+            <a:off x="7101829" y="3611877"/>
+            <a:ext cx="1188707" cy="457195"/>
+          </a:xfrm>
+          <a:prstGeom prst="rect">
+            <a:avLst/>
+          </a:prstGeom>
+        </p:spPr>
+        <p:style>
+          <a:lnRef idx="2">
+            <a:schemeClr val="accent1">
+              <a:shade val="15000"/>
+            </a:schemeClr>
+          </a:lnRef>
+          <a:fillRef idx="1">
+            <a:schemeClr val="accent1"/>
+          </a:fillRef>
+          <a:effectRef idx="0">
+            <a:schemeClr val="accent1"/>
+          </a:effectRef>
+          <a:fontRef idx="minor">
+            <a:schemeClr val="lt1"/>
+          </a:fontRef>
+        </p:style>
+        <p:txBody>
+          <a:bodyPr rtlCol="0" anchor="ctr"/>
+          <a:lstStyle/>
+          <a:p>
+            <a:pPr algn="ctr"/>
+            <a:r>
+              <a:rPr lang="en-US" sz="1200" dirty="0"/>
+              <a:t>Edit Record</a:t>
+            </a:r>
+          </a:p>
+        </p:txBody>
+      </p:sp>
+      <p:sp>
+        <p:nvSpPr>
+          <p:cNvPr id="10" name="Rectangle: Rounded Corners 9">
+            <a:extLst>
+              <a:ext uri="{FF2B5EF4-FFF2-40B4-BE49-F238E27FC236}">
+                <a16:creationId xmlns:a16="http://schemas.microsoft.com/office/drawing/2014/main" id="{4DEB7BE5-BC1B-4548-EC62-14C8A4915908}"/>
+              </a:ext>
+            </a:extLst>
+          </p:cNvPr>
+          <p:cNvSpPr/>
+          <p:nvPr/>
+        </p:nvSpPr>
+        <p:spPr>
+          <a:xfrm>
+            <a:off x="6268496" y="4828041"/>
+            <a:ext cx="731512" cy="365756"/>
+          </a:xfrm>
+          <a:prstGeom prst="roundRect">
+            <a:avLst/>
+          </a:prstGeom>
+        </p:spPr>
+        <p:style>
+          <a:lnRef idx="2">
+            <a:schemeClr val="accent1">
+              <a:shade val="15000"/>
+            </a:schemeClr>
+          </a:lnRef>
+          <a:fillRef idx="1">
+            <a:schemeClr val="accent1"/>
+          </a:fillRef>
+          <a:effectRef idx="0">
+            <a:schemeClr val="accent1"/>
+          </a:effectRef>
+          <a:fontRef idx="minor">
+            <a:schemeClr val="lt1"/>
+          </a:fontRef>
+        </p:style>
+        <p:txBody>
+          <a:bodyPr rtlCol="0" anchor="ctr"/>
+          <a:lstStyle/>
+          <a:p>
+            <a:pPr algn="ctr"/>
+            <a:r>
+              <a:rPr lang="en-US" sz="1000" dirty="0"/>
+              <a:t>Cancel</a:t>
+            </a:r>
+          </a:p>
+        </p:txBody>
+      </p:sp>
+      <p:sp>
+        <p:nvSpPr>
+          <p:cNvPr id="11" name="Rectangle: Rounded Corners 10">
+            <a:extLst>
+              <a:ext uri="{FF2B5EF4-FFF2-40B4-BE49-F238E27FC236}">
+                <a16:creationId xmlns:a16="http://schemas.microsoft.com/office/drawing/2014/main" id="{E918C4EF-7C7D-0DBB-A8CC-6E0E5501E1B9}"/>
+              </a:ext>
+            </a:extLst>
+          </p:cNvPr>
+          <p:cNvSpPr/>
+          <p:nvPr/>
+        </p:nvSpPr>
+        <p:spPr>
+          <a:xfrm>
+            <a:off x="5090170" y="4800585"/>
+            <a:ext cx="731512" cy="365756"/>
+          </a:xfrm>
+          <a:prstGeom prst="roundRect">
+            <a:avLst/>
+          </a:prstGeom>
+        </p:spPr>
+        <p:style>
+          <a:lnRef idx="2">
+            <a:schemeClr val="accent1">
+              <a:shade val="15000"/>
+            </a:schemeClr>
+          </a:lnRef>
+          <a:fillRef idx="1">
+            <a:schemeClr val="accent1"/>
+          </a:fillRef>
+          <a:effectRef idx="0">
+            <a:schemeClr val="accent1"/>
+          </a:effectRef>
+          <a:fontRef idx="minor">
+            <a:schemeClr val="lt1"/>
+          </a:fontRef>
+        </p:style>
+        <p:txBody>
+          <a:bodyPr rtlCol="0" anchor="ctr"/>
+          <a:lstStyle/>
+          <a:p>
+            <a:pPr algn="ctr"/>
+            <a:r>
+              <a:rPr lang="en-US" sz="1000" dirty="0"/>
+              <a:t>Save</a:t>
+            </a:r>
+          </a:p>
+        </p:txBody>
+      </p:sp>
+      <p:sp>
+        <p:nvSpPr>
+          <p:cNvPr id="12" name="Rectangle 11">
+            <a:extLst>
+              <a:ext uri="{FF2B5EF4-FFF2-40B4-BE49-F238E27FC236}">
+                <a16:creationId xmlns:a16="http://schemas.microsoft.com/office/drawing/2014/main" id="{753BA4C3-6F9A-9561-8B12-C8294E4AFCEB}"/>
+              </a:ext>
+            </a:extLst>
+          </p:cNvPr>
+          <p:cNvSpPr/>
+          <p:nvPr/>
+        </p:nvSpPr>
+        <p:spPr>
+          <a:xfrm>
+            <a:off x="8798640" y="2529104"/>
+            <a:ext cx="1452642" cy="545058"/>
+          </a:xfrm>
+          <a:prstGeom prst="rect">
+            <a:avLst/>
+          </a:prstGeom>
+        </p:spPr>
+        <p:style>
+          <a:lnRef idx="2">
+            <a:schemeClr val="accent1">
+              <a:shade val="15000"/>
+            </a:schemeClr>
+          </a:lnRef>
+          <a:fillRef idx="1">
+            <a:schemeClr val="accent1"/>
+          </a:fillRef>
+          <a:effectRef idx="0">
+            <a:schemeClr val="accent1"/>
+          </a:effectRef>
+          <a:fontRef idx="minor">
+            <a:schemeClr val="lt1"/>
+          </a:fontRef>
+        </p:style>
+        <p:txBody>
+          <a:bodyPr rtlCol="0" anchor="ctr"/>
+          <a:lstStyle/>
+          <a:p>
+            <a:pPr algn="ctr"/>
+            <a:r>
+              <a:rPr lang="en-US" sz="1000" dirty="0"/>
+              <a:t>First record will display Add Record</a:t>
+            </a:r>
+          </a:p>
+        </p:txBody>
+      </p:sp>
+      <p:sp>
+        <p:nvSpPr>
+          <p:cNvPr id="13" name="Rectangle 12">
+            <a:extLst>
+              <a:ext uri="{FF2B5EF4-FFF2-40B4-BE49-F238E27FC236}">
+                <a16:creationId xmlns:a16="http://schemas.microsoft.com/office/drawing/2014/main" id="{36B597FA-36BD-C3FD-73B6-E392C1EF5CCB}"/>
+              </a:ext>
+            </a:extLst>
+          </p:cNvPr>
+          <p:cNvSpPr/>
+          <p:nvPr/>
+        </p:nvSpPr>
+        <p:spPr>
+          <a:xfrm>
+            <a:off x="8930608" y="3295416"/>
+            <a:ext cx="1188707" cy="545058"/>
+          </a:xfrm>
+          <a:prstGeom prst="rect">
+            <a:avLst/>
+          </a:prstGeom>
+        </p:spPr>
+        <p:style>
+          <a:lnRef idx="2">
+            <a:schemeClr val="accent1">
+              <a:shade val="15000"/>
+            </a:schemeClr>
+          </a:lnRef>
+          <a:fillRef idx="1">
+            <a:schemeClr val="accent1"/>
+          </a:fillRef>
+          <a:effectRef idx="0">
+            <a:schemeClr val="accent1"/>
+          </a:effectRef>
+          <a:fontRef idx="minor">
+            <a:schemeClr val="lt1"/>
+          </a:fontRef>
+        </p:style>
+        <p:txBody>
+          <a:bodyPr rtlCol="0" anchor="ctr"/>
+          <a:lstStyle/>
+          <a:p>
+            <a:pPr algn="ctr"/>
+            <a:r>
+              <a:rPr lang="en-US" sz="1000" dirty="0"/>
+              <a:t>Blank text will delete record</a:t>
+            </a:r>
+          </a:p>
+        </p:txBody>
+      </p:sp>
+      <p:sp>
+        <p:nvSpPr>
+          <p:cNvPr id="14" name="Rectangle 13">
+            <a:extLst>
+              <a:ext uri="{FF2B5EF4-FFF2-40B4-BE49-F238E27FC236}">
+                <a16:creationId xmlns:a16="http://schemas.microsoft.com/office/drawing/2014/main" id="{5700B13F-6394-D1CA-325A-2E386AB2A5F0}"/>
+              </a:ext>
+            </a:extLst>
+          </p:cNvPr>
+          <p:cNvSpPr/>
+          <p:nvPr/>
+        </p:nvSpPr>
+        <p:spPr>
+          <a:xfrm>
+            <a:off x="8930609" y="4282983"/>
+            <a:ext cx="1188707" cy="545058"/>
+          </a:xfrm>
+          <a:prstGeom prst="rect">
+            <a:avLst/>
+          </a:prstGeom>
+        </p:spPr>
+        <p:style>
+          <a:lnRef idx="2">
+            <a:schemeClr val="accent1">
+              <a:shade val="15000"/>
+            </a:schemeClr>
+          </a:lnRef>
+          <a:fillRef idx="1">
+            <a:schemeClr val="accent1"/>
+          </a:fillRef>
+          <a:effectRef idx="0">
+            <a:schemeClr val="accent1"/>
+          </a:effectRef>
+          <a:fontRef idx="minor">
+            <a:schemeClr val="lt1"/>
+          </a:fontRef>
+        </p:style>
+        <p:txBody>
+          <a:bodyPr rtlCol="0" anchor="ctr"/>
+          <a:lstStyle/>
+          <a:p>
+            <a:pPr algn="ctr"/>
+            <a:r>
+              <a:rPr lang="en-US" sz="1000" dirty="0"/>
+              <a:t>Record with </a:t>
+            </a:r>
+            <a:r>
+              <a:rPr lang="en-US" sz="1000" dirty="0" err="1"/>
+              <a:t>mId</a:t>
+            </a:r>
+            <a:r>
+              <a:rPr lang="en-US" sz="1000" dirty="0"/>
+              <a:t> = 0 will be added</a:t>
+            </a:r>
           </a:p>
         </p:txBody>
       </p:sp>

--- a/Documentation/TeamScoreLayout.pptx
+++ b/Documentation/TeamScoreLayout.pptx
@@ -843,7 +843,7 @@
           <a:p>
             <a:fld id="{955A69D3-FF78-44E1-BB41-3D13FA416A59}" type="datetimeFigureOut">
               <a:rPr lang="en-US" smtClean="0"/>
-              <a:t>07/12/24</a:t>
+              <a:t>07/13/24</a:t>
             </a:fld>
             <a:endParaRPr lang="en-US"/>
           </a:p>
@@ -1041,7 +1041,7 @@
           <a:p>
             <a:fld id="{955A69D3-FF78-44E1-BB41-3D13FA416A59}" type="datetimeFigureOut">
               <a:rPr lang="en-US" smtClean="0"/>
-              <a:t>07/12/24</a:t>
+              <a:t>07/13/24</a:t>
             </a:fld>
             <a:endParaRPr lang="en-US"/>
           </a:p>
@@ -1249,7 +1249,7 @@
           <a:p>
             <a:fld id="{955A69D3-FF78-44E1-BB41-3D13FA416A59}" type="datetimeFigureOut">
               <a:rPr lang="en-US" smtClean="0"/>
-              <a:t>07/12/24</a:t>
+              <a:t>07/13/24</a:t>
             </a:fld>
             <a:endParaRPr lang="en-US"/>
           </a:p>
@@ -1447,7 +1447,7 @@
           <a:p>
             <a:fld id="{955A69D3-FF78-44E1-BB41-3D13FA416A59}" type="datetimeFigureOut">
               <a:rPr lang="en-US" smtClean="0"/>
-              <a:t>07/12/24</a:t>
+              <a:t>07/13/24</a:t>
             </a:fld>
             <a:endParaRPr lang="en-US"/>
           </a:p>
@@ -1722,7 +1722,7 @@
           <a:p>
             <a:fld id="{955A69D3-FF78-44E1-BB41-3D13FA416A59}" type="datetimeFigureOut">
               <a:rPr lang="en-US" smtClean="0"/>
-              <a:t>07/12/24</a:t>
+              <a:t>07/13/24</a:t>
             </a:fld>
             <a:endParaRPr lang="en-US"/>
           </a:p>
@@ -1987,7 +1987,7 @@
           <a:p>
             <a:fld id="{955A69D3-FF78-44E1-BB41-3D13FA416A59}" type="datetimeFigureOut">
               <a:rPr lang="en-US" smtClean="0"/>
-              <a:t>07/12/24</a:t>
+              <a:t>07/13/24</a:t>
             </a:fld>
             <a:endParaRPr lang="en-US"/>
           </a:p>
@@ -2399,7 +2399,7 @@
           <a:p>
             <a:fld id="{955A69D3-FF78-44E1-BB41-3D13FA416A59}" type="datetimeFigureOut">
               <a:rPr lang="en-US" smtClean="0"/>
-              <a:t>07/12/24</a:t>
+              <a:t>07/13/24</a:t>
             </a:fld>
             <a:endParaRPr lang="en-US"/>
           </a:p>
@@ -2540,7 +2540,7 @@
           <a:p>
             <a:fld id="{955A69D3-FF78-44E1-BB41-3D13FA416A59}" type="datetimeFigureOut">
               <a:rPr lang="en-US" smtClean="0"/>
-              <a:t>07/12/24</a:t>
+              <a:t>07/13/24</a:t>
             </a:fld>
             <a:endParaRPr lang="en-US"/>
           </a:p>
@@ -2653,7 +2653,7 @@
           <a:p>
             <a:fld id="{955A69D3-FF78-44E1-BB41-3D13FA416A59}" type="datetimeFigureOut">
               <a:rPr lang="en-US" smtClean="0"/>
-              <a:t>07/12/24</a:t>
+              <a:t>07/13/24</a:t>
             </a:fld>
             <a:endParaRPr lang="en-US"/>
           </a:p>
@@ -2964,7 +2964,7 @@
           <a:p>
             <a:fld id="{955A69D3-FF78-44E1-BB41-3D13FA416A59}" type="datetimeFigureOut">
               <a:rPr lang="en-US" smtClean="0"/>
-              <a:t>07/12/24</a:t>
+              <a:t>07/13/24</a:t>
             </a:fld>
             <a:endParaRPr lang="en-US"/>
           </a:p>
@@ -3252,7 +3252,7 @@
           <a:p>
             <a:fld id="{955A69D3-FF78-44E1-BB41-3D13FA416A59}" type="datetimeFigureOut">
               <a:rPr lang="en-US" smtClean="0"/>
-              <a:t>07/12/24</a:t>
+              <a:t>07/13/24</a:t>
             </a:fld>
             <a:endParaRPr lang="en-US"/>
           </a:p>
@@ -3493,7 +3493,7 @@
           <a:p>
             <a:fld id="{955A69D3-FF78-44E1-BB41-3D13FA416A59}" type="datetimeFigureOut">
               <a:rPr lang="en-US" smtClean="0"/>
-              <a:t>07/12/24</a:t>
+              <a:t>07/13/24</a:t>
             </a:fld>
             <a:endParaRPr lang="en-US"/>
           </a:p>
@@ -20109,7 +20109,7 @@
         </p:nvSpPr>
         <p:spPr>
           <a:xfrm>
-            <a:off x="5455926" y="1417342"/>
+            <a:off x="5227328" y="932690"/>
             <a:ext cx="1188707" cy="457195"/>
           </a:xfrm>
           <a:prstGeom prst="rect">
@@ -20158,7 +20158,7 @@
         </p:nvSpPr>
         <p:spPr>
           <a:xfrm>
-            <a:off x="5501646" y="2148854"/>
+            <a:off x="5224282" y="1663243"/>
             <a:ext cx="1188707" cy="457195"/>
           </a:xfrm>
           <a:prstGeom prst="rect">
@@ -20207,7 +20207,7 @@
         </p:nvSpPr>
         <p:spPr>
           <a:xfrm>
-            <a:off x="5542175" y="2880366"/>
+            <a:off x="5224282" y="2481637"/>
             <a:ext cx="1188707" cy="457195"/>
           </a:xfrm>
           <a:prstGeom prst="rect">
@@ -20256,7 +20256,7 @@
         </p:nvSpPr>
         <p:spPr>
           <a:xfrm>
-            <a:off x="5544320" y="3611877"/>
+            <a:off x="5227333" y="3255263"/>
             <a:ext cx="1188707" cy="457195"/>
           </a:xfrm>
           <a:prstGeom prst="rect">
@@ -20305,7 +20305,7 @@
         </p:nvSpPr>
         <p:spPr>
           <a:xfrm>
-            <a:off x="7101829" y="3611877"/>
+            <a:off x="7376145" y="4069072"/>
             <a:ext cx="1188707" cy="457195"/>
           </a:xfrm>
           <a:prstGeom prst="rect">
@@ -20335,7 +20335,7 @@
             <a:pPr algn="ctr"/>
             <a:r>
               <a:rPr lang="en-US" sz="1200" dirty="0"/>
-              <a:t>Edit Record</a:t>
+              <a:t>Add/Edit Record</a:t>
             </a:r>
           </a:p>
         </p:txBody>
@@ -20354,7 +20354,7 @@
         </p:nvSpPr>
         <p:spPr>
           <a:xfrm>
-            <a:off x="6268496" y="4828041"/>
+            <a:off x="7627604" y="4800584"/>
             <a:ext cx="731512" cy="365756"/>
           </a:xfrm>
           <a:prstGeom prst="roundRect">
@@ -20384,7 +20384,7 @@
             <a:pPr algn="ctr"/>
             <a:r>
               <a:rPr lang="en-US" sz="1000" dirty="0"/>
-              <a:t>Cancel</a:t>
+              <a:t>Done</a:t>
             </a:r>
           </a:p>
         </p:txBody>
@@ -20403,7 +20403,7 @@
         </p:nvSpPr>
         <p:spPr>
           <a:xfrm>
-            <a:off x="5090170" y="4800585"/>
+            <a:off x="4328227" y="4714528"/>
             <a:ext cx="731512" cy="365756"/>
           </a:xfrm>
           <a:prstGeom prst="roundRect">
@@ -20433,7 +20433,7 @@
             <a:pPr algn="ctr"/>
             <a:r>
               <a:rPr lang="en-US" sz="1000" dirty="0"/>
-              <a:t>Save</a:t>
+              <a:t>Exit</a:t>
             </a:r>
           </a:p>
         </p:txBody>
@@ -20452,7 +20452,7 @@
         </p:nvSpPr>
         <p:spPr>
           <a:xfrm>
-            <a:off x="8798640" y="2529104"/>
+            <a:off x="1432612" y="4441999"/>
             <a:ext cx="1452642" cy="545058"/>
           </a:xfrm>
           <a:prstGeom prst="rect">
@@ -20501,7 +20501,7 @@
         </p:nvSpPr>
         <p:spPr>
           <a:xfrm>
-            <a:off x="8930608" y="3295416"/>
+            <a:off x="9570681" y="4693419"/>
             <a:ext cx="1188707" cy="545058"/>
           </a:xfrm>
           <a:prstGeom prst="rect">
@@ -20550,8 +20550,8 @@
         </p:nvSpPr>
         <p:spPr>
           <a:xfrm>
-            <a:off x="8930609" y="4282983"/>
-            <a:ext cx="1188707" cy="545058"/>
+            <a:off x="6202082" y="4642939"/>
+            <a:ext cx="914400" cy="681046"/>
           </a:xfrm>
           <a:prstGeom prst="rect">
             <a:avLst/>
@@ -20580,19 +20580,566 @@
             <a:pPr algn="ctr"/>
             <a:r>
               <a:rPr lang="en-US" sz="1000" dirty="0"/>
-              <a:t>Record with </a:t>
-            </a:r>
-            <a:r>
-              <a:rPr lang="en-US" sz="1000" dirty="0" err="1"/>
-              <a:t>mId</a:t>
-            </a:r>
+              <a:t>Text – Add/Update</a:t>
+            </a:r>
+          </a:p>
+          <a:p>
+            <a:pPr algn="ctr"/>
             <a:r>
               <a:rPr lang="en-US" sz="1000" dirty="0"/>
-              <a:t> = 0 will be added</a:t>
-            </a:r>
-          </a:p>
-        </p:txBody>
-      </p:sp>
+              <a:t>Record</a:t>
+            </a:r>
+          </a:p>
+        </p:txBody>
+      </p:sp>
+      <p:sp>
+        <p:nvSpPr>
+          <p:cNvPr id="15" name="Rectangle 14">
+            <a:extLst>
+              <a:ext uri="{FF2B5EF4-FFF2-40B4-BE49-F238E27FC236}">
+                <a16:creationId xmlns:a16="http://schemas.microsoft.com/office/drawing/2014/main" id="{AC50FDE1-61E7-CB73-4A98-9ADD55EE39AA}"/>
+              </a:ext>
+            </a:extLst>
+          </p:cNvPr>
+          <p:cNvSpPr/>
+          <p:nvPr/>
+        </p:nvSpPr>
+        <p:spPr>
+          <a:xfrm>
+            <a:off x="6910700" y="2133195"/>
+            <a:ext cx="1188707" cy="457195"/>
+          </a:xfrm>
+          <a:prstGeom prst="rect">
+            <a:avLst/>
+          </a:prstGeom>
+        </p:spPr>
+        <p:style>
+          <a:lnRef idx="2">
+            <a:schemeClr val="accent1">
+              <a:shade val="15000"/>
+            </a:schemeClr>
+          </a:lnRef>
+          <a:fillRef idx="1">
+            <a:schemeClr val="accent1"/>
+          </a:fillRef>
+          <a:effectRef idx="0">
+            <a:schemeClr val="accent1"/>
+          </a:effectRef>
+          <a:fontRef idx="minor">
+            <a:schemeClr val="lt1"/>
+          </a:fontRef>
+        </p:style>
+        <p:txBody>
+          <a:bodyPr rtlCol="0" anchor="ctr"/>
+          <a:lstStyle/>
+          <a:p>
+            <a:pPr algn="ctr"/>
+            <a:r>
+              <a:rPr lang="en-US" sz="1200" dirty="0"/>
+              <a:t>No Records</a:t>
+            </a:r>
+          </a:p>
+          <a:p>
+            <a:pPr algn="ctr"/>
+            <a:r>
+              <a:rPr lang="en-US" sz="1200" dirty="0"/>
+              <a:t>Add one</a:t>
+            </a:r>
+          </a:p>
+        </p:txBody>
+      </p:sp>
+      <p:cxnSp>
+        <p:nvCxnSpPr>
+          <p:cNvPr id="17" name="Connector: Elbow 16">
+            <a:extLst>
+              <a:ext uri="{FF2B5EF4-FFF2-40B4-BE49-F238E27FC236}">
+                <a16:creationId xmlns:a16="http://schemas.microsoft.com/office/drawing/2014/main" id="{2795A77D-572A-9F38-DF83-2EA28DDC95E4}"/>
+              </a:ext>
+            </a:extLst>
+          </p:cNvPr>
+          <p:cNvCxnSpPr>
+            <a:cxnSpLocks/>
+            <a:stCxn id="6" idx="3"/>
+            <a:endCxn id="15" idx="0"/>
+          </p:cNvCxnSpPr>
+          <p:nvPr/>
+        </p:nvCxnSpPr>
+        <p:spPr>
+          <a:xfrm>
+            <a:off x="6412989" y="1891841"/>
+            <a:ext cx="1092065" cy="241354"/>
+          </a:xfrm>
+          <a:prstGeom prst="bentConnector2">
+            <a:avLst/>
+          </a:prstGeom>
+          <a:ln>
+            <a:tailEnd type="triangle"/>
+          </a:ln>
+        </p:spPr>
+        <p:style>
+          <a:lnRef idx="2">
+            <a:schemeClr val="accent1"/>
+          </a:lnRef>
+          <a:fillRef idx="0">
+            <a:schemeClr val="accent1"/>
+          </a:fillRef>
+          <a:effectRef idx="1">
+            <a:schemeClr val="accent1"/>
+          </a:effectRef>
+          <a:fontRef idx="minor">
+            <a:schemeClr val="tx1"/>
+          </a:fontRef>
+        </p:style>
+      </p:cxnSp>
+      <p:cxnSp>
+        <p:nvCxnSpPr>
+          <p:cNvPr id="22" name="Connector: Elbow 21">
+            <a:extLst>
+              <a:ext uri="{FF2B5EF4-FFF2-40B4-BE49-F238E27FC236}">
+                <a16:creationId xmlns:a16="http://schemas.microsoft.com/office/drawing/2014/main" id="{ED5DD44F-01D4-7814-9F20-E1BBAE27F00B}"/>
+              </a:ext>
+            </a:extLst>
+          </p:cNvPr>
+          <p:cNvCxnSpPr>
+            <a:cxnSpLocks/>
+            <a:stCxn id="15" idx="2"/>
+            <a:endCxn id="7" idx="3"/>
+          </p:cNvCxnSpPr>
+          <p:nvPr/>
+        </p:nvCxnSpPr>
+        <p:spPr>
+          <a:xfrm rot="5400000">
+            <a:off x="6899100" y="2104280"/>
+            <a:ext cx="119845" cy="1092065"/>
+          </a:xfrm>
+          <a:prstGeom prst="bentConnector2">
+            <a:avLst/>
+          </a:prstGeom>
+          <a:ln>
+            <a:tailEnd type="triangle"/>
+          </a:ln>
+        </p:spPr>
+        <p:style>
+          <a:lnRef idx="2">
+            <a:schemeClr val="accent1"/>
+          </a:lnRef>
+          <a:fillRef idx="0">
+            <a:schemeClr val="accent1"/>
+          </a:fillRef>
+          <a:effectRef idx="1">
+            <a:schemeClr val="accent1"/>
+          </a:effectRef>
+          <a:fontRef idx="minor">
+            <a:schemeClr val="tx1"/>
+          </a:fontRef>
+        </p:style>
+      </p:cxnSp>
+      <p:sp>
+        <p:nvSpPr>
+          <p:cNvPr id="25" name="Rectangle 24">
+            <a:extLst>
+              <a:ext uri="{FF2B5EF4-FFF2-40B4-BE49-F238E27FC236}">
+                <a16:creationId xmlns:a16="http://schemas.microsoft.com/office/drawing/2014/main" id="{DBBCF389-DAB6-A8B7-6E60-A1BB0352668A}"/>
+              </a:ext>
+            </a:extLst>
+          </p:cNvPr>
+          <p:cNvSpPr/>
+          <p:nvPr/>
+        </p:nvSpPr>
+        <p:spPr>
+          <a:xfrm>
+            <a:off x="7376146" y="3250697"/>
+            <a:ext cx="1188707" cy="457195"/>
+          </a:xfrm>
+          <a:prstGeom prst="rect">
+            <a:avLst/>
+          </a:prstGeom>
+        </p:spPr>
+        <p:style>
+          <a:lnRef idx="2">
+            <a:schemeClr val="accent1">
+              <a:shade val="15000"/>
+            </a:schemeClr>
+          </a:lnRef>
+          <a:fillRef idx="1">
+            <a:schemeClr val="accent1"/>
+          </a:fillRef>
+          <a:effectRef idx="0">
+            <a:schemeClr val="accent1"/>
+          </a:effectRef>
+          <a:fontRef idx="minor">
+            <a:schemeClr val="lt1"/>
+          </a:fontRef>
+        </p:style>
+        <p:txBody>
+          <a:bodyPr rtlCol="0" anchor="ctr"/>
+          <a:lstStyle/>
+          <a:p>
+            <a:pPr algn="ctr"/>
+            <a:r>
+              <a:rPr lang="en-US" sz="1200" dirty="0"/>
+              <a:t>Display</a:t>
+            </a:r>
+          </a:p>
+          <a:p>
+            <a:pPr algn="ctr"/>
+            <a:r>
+              <a:rPr lang="en-US" sz="1200" dirty="0"/>
+              <a:t>Record Dialog</a:t>
+            </a:r>
+          </a:p>
+        </p:txBody>
+      </p:sp>
+      <p:cxnSp>
+        <p:nvCxnSpPr>
+          <p:cNvPr id="27" name="Connector: Elbow 26">
+            <a:extLst>
+              <a:ext uri="{FF2B5EF4-FFF2-40B4-BE49-F238E27FC236}">
+                <a16:creationId xmlns:a16="http://schemas.microsoft.com/office/drawing/2014/main" id="{E5EBE8B3-77B1-CCCF-EA7E-28C69D93CA53}"/>
+              </a:ext>
+            </a:extLst>
+          </p:cNvPr>
+          <p:cNvCxnSpPr>
+            <a:cxnSpLocks/>
+            <a:stCxn id="8" idx="3"/>
+            <a:endCxn id="25" idx="1"/>
+          </p:cNvCxnSpPr>
+          <p:nvPr/>
+        </p:nvCxnSpPr>
+        <p:spPr>
+          <a:xfrm flipV="1">
+            <a:off x="6416040" y="3479295"/>
+            <a:ext cx="960106" cy="4566"/>
+          </a:xfrm>
+          <a:prstGeom prst="bentConnector3">
+            <a:avLst>
+              <a:gd name="adj1" fmla="val 50000"/>
+            </a:avLst>
+          </a:prstGeom>
+          <a:ln>
+            <a:tailEnd type="triangle"/>
+          </a:ln>
+        </p:spPr>
+        <p:style>
+          <a:lnRef idx="2">
+            <a:schemeClr val="accent1"/>
+          </a:lnRef>
+          <a:fillRef idx="0">
+            <a:schemeClr val="accent1"/>
+          </a:fillRef>
+          <a:effectRef idx="1">
+            <a:schemeClr val="accent1"/>
+          </a:effectRef>
+          <a:fontRef idx="minor">
+            <a:schemeClr val="tx1"/>
+          </a:fontRef>
+        </p:style>
+      </p:cxnSp>
+      <p:cxnSp>
+        <p:nvCxnSpPr>
+          <p:cNvPr id="33" name="Straight Arrow Connector 32">
+            <a:extLst>
+              <a:ext uri="{FF2B5EF4-FFF2-40B4-BE49-F238E27FC236}">
+                <a16:creationId xmlns:a16="http://schemas.microsoft.com/office/drawing/2014/main" id="{D3044149-2A3C-CDAB-9B41-DF2AE52E6B96}"/>
+              </a:ext>
+            </a:extLst>
+          </p:cNvPr>
+          <p:cNvCxnSpPr>
+            <a:cxnSpLocks/>
+            <a:stCxn id="6" idx="2"/>
+            <a:endCxn id="7" idx="0"/>
+          </p:cNvCxnSpPr>
+          <p:nvPr/>
+        </p:nvCxnSpPr>
+        <p:spPr>
+          <a:xfrm>
+            <a:off x="5818636" y="2120438"/>
+            <a:ext cx="0" cy="361199"/>
+          </a:xfrm>
+          <a:prstGeom prst="straightConnector1">
+            <a:avLst/>
+          </a:prstGeom>
+          <a:ln>
+            <a:tailEnd type="triangle"/>
+          </a:ln>
+        </p:spPr>
+        <p:style>
+          <a:lnRef idx="2">
+            <a:schemeClr val="accent1"/>
+          </a:lnRef>
+          <a:fillRef idx="0">
+            <a:schemeClr val="accent1"/>
+          </a:fillRef>
+          <a:effectRef idx="1">
+            <a:schemeClr val="accent1"/>
+          </a:effectRef>
+          <a:fontRef idx="minor">
+            <a:schemeClr val="tx1"/>
+          </a:fontRef>
+        </p:style>
+      </p:cxnSp>
+      <p:cxnSp>
+        <p:nvCxnSpPr>
+          <p:cNvPr id="37" name="Straight Arrow Connector 36">
+            <a:extLst>
+              <a:ext uri="{FF2B5EF4-FFF2-40B4-BE49-F238E27FC236}">
+                <a16:creationId xmlns:a16="http://schemas.microsoft.com/office/drawing/2014/main" id="{4593A49E-0AAC-7FB1-69A4-910DDE867F0D}"/>
+              </a:ext>
+            </a:extLst>
+          </p:cNvPr>
+          <p:cNvCxnSpPr>
+            <a:cxnSpLocks/>
+            <a:stCxn id="25" idx="2"/>
+            <a:endCxn id="9" idx="0"/>
+          </p:cNvCxnSpPr>
+          <p:nvPr/>
+        </p:nvCxnSpPr>
+        <p:spPr>
+          <a:xfrm flipH="1">
+            <a:off x="7970499" y="3707892"/>
+            <a:ext cx="1" cy="361180"/>
+          </a:xfrm>
+          <a:prstGeom prst="straightConnector1">
+            <a:avLst/>
+          </a:prstGeom>
+          <a:ln>
+            <a:tailEnd type="triangle"/>
+          </a:ln>
+        </p:spPr>
+        <p:style>
+          <a:lnRef idx="2">
+            <a:schemeClr val="accent1"/>
+          </a:lnRef>
+          <a:fillRef idx="0">
+            <a:schemeClr val="accent1"/>
+          </a:fillRef>
+          <a:effectRef idx="1">
+            <a:schemeClr val="accent1"/>
+          </a:effectRef>
+          <a:fontRef idx="minor">
+            <a:schemeClr val="tx1"/>
+          </a:fontRef>
+        </p:style>
+      </p:cxnSp>
+      <p:cxnSp>
+        <p:nvCxnSpPr>
+          <p:cNvPr id="41" name="Straight Arrow Connector 40">
+            <a:extLst>
+              <a:ext uri="{FF2B5EF4-FFF2-40B4-BE49-F238E27FC236}">
+                <a16:creationId xmlns:a16="http://schemas.microsoft.com/office/drawing/2014/main" id="{2A885F2D-6370-BAC3-22A6-D82D1318775B}"/>
+              </a:ext>
+            </a:extLst>
+          </p:cNvPr>
+          <p:cNvCxnSpPr>
+            <a:cxnSpLocks/>
+            <a:stCxn id="10" idx="3"/>
+            <a:endCxn id="13" idx="1"/>
+          </p:cNvCxnSpPr>
+          <p:nvPr/>
+        </p:nvCxnSpPr>
+        <p:spPr>
+          <a:xfrm flipV="1">
+            <a:off x="8359116" y="4965948"/>
+            <a:ext cx="1211565" cy="17514"/>
+          </a:xfrm>
+          <a:prstGeom prst="straightConnector1">
+            <a:avLst/>
+          </a:prstGeom>
+          <a:ln>
+            <a:tailEnd type="triangle"/>
+          </a:ln>
+        </p:spPr>
+        <p:style>
+          <a:lnRef idx="2">
+            <a:schemeClr val="accent1"/>
+          </a:lnRef>
+          <a:fillRef idx="0">
+            <a:schemeClr val="accent1"/>
+          </a:fillRef>
+          <a:effectRef idx="1">
+            <a:schemeClr val="accent1"/>
+          </a:effectRef>
+          <a:fontRef idx="minor">
+            <a:schemeClr val="tx1"/>
+          </a:fontRef>
+        </p:style>
+      </p:cxnSp>
+      <p:cxnSp>
+        <p:nvCxnSpPr>
+          <p:cNvPr id="45" name="Connector: Elbow 44">
+            <a:extLst>
+              <a:ext uri="{FF2B5EF4-FFF2-40B4-BE49-F238E27FC236}">
+                <a16:creationId xmlns:a16="http://schemas.microsoft.com/office/drawing/2014/main" id="{D5E2A5CF-7EB8-6ABD-9C02-859E27255649}"/>
+              </a:ext>
+            </a:extLst>
+          </p:cNvPr>
+          <p:cNvCxnSpPr>
+            <a:cxnSpLocks/>
+            <a:stCxn id="13" idx="2"/>
+            <a:endCxn id="8" idx="2"/>
+          </p:cNvCxnSpPr>
+          <p:nvPr/>
+        </p:nvCxnSpPr>
+        <p:spPr>
+          <a:xfrm rot="5400000" flipH="1">
+            <a:off x="7230351" y="2303794"/>
+            <a:ext cx="1526019" cy="4343348"/>
+          </a:xfrm>
+          <a:prstGeom prst="bentConnector3">
+            <a:avLst>
+              <a:gd name="adj1" fmla="val -58722"/>
+            </a:avLst>
+          </a:prstGeom>
+          <a:ln>
+            <a:tailEnd type="triangle"/>
+          </a:ln>
+        </p:spPr>
+        <p:style>
+          <a:lnRef idx="2">
+            <a:schemeClr val="accent1"/>
+          </a:lnRef>
+          <a:fillRef idx="0">
+            <a:schemeClr val="accent1"/>
+          </a:fillRef>
+          <a:effectRef idx="1">
+            <a:schemeClr val="accent1"/>
+          </a:effectRef>
+          <a:fontRef idx="minor">
+            <a:schemeClr val="tx1"/>
+          </a:fontRef>
+        </p:style>
+      </p:cxnSp>
+      <p:cxnSp>
+        <p:nvCxnSpPr>
+          <p:cNvPr id="55" name="Connector: Elbow 54">
+            <a:extLst>
+              <a:ext uri="{FF2B5EF4-FFF2-40B4-BE49-F238E27FC236}">
+                <a16:creationId xmlns:a16="http://schemas.microsoft.com/office/drawing/2014/main" id="{60265634-7FF7-F187-A8F1-F8DC86A77347}"/>
+              </a:ext>
+            </a:extLst>
+          </p:cNvPr>
+          <p:cNvCxnSpPr>
+            <a:cxnSpLocks/>
+            <a:stCxn id="10" idx="1"/>
+            <a:endCxn id="14" idx="3"/>
+          </p:cNvCxnSpPr>
+          <p:nvPr/>
+        </p:nvCxnSpPr>
+        <p:spPr>
+          <a:xfrm rot="10800000">
+            <a:off x="7116482" y="4983462"/>
+            <a:ext cx="511122" cy="12700"/>
+          </a:xfrm>
+          <a:prstGeom prst="bentConnector3">
+            <a:avLst>
+              <a:gd name="adj1" fmla="val 50000"/>
+            </a:avLst>
+          </a:prstGeom>
+          <a:ln>
+            <a:tailEnd type="triangle"/>
+          </a:ln>
+        </p:spPr>
+        <p:style>
+          <a:lnRef idx="2">
+            <a:schemeClr val="accent1"/>
+          </a:lnRef>
+          <a:fillRef idx="0">
+            <a:schemeClr val="accent1"/>
+          </a:fillRef>
+          <a:effectRef idx="1">
+            <a:schemeClr val="accent1"/>
+          </a:effectRef>
+          <a:fontRef idx="minor">
+            <a:schemeClr val="tx1"/>
+          </a:fontRef>
+        </p:style>
+      </p:cxnSp>
+      <p:cxnSp>
+        <p:nvCxnSpPr>
+          <p:cNvPr id="60" name="Straight Arrow Connector 59">
+            <a:extLst>
+              <a:ext uri="{FF2B5EF4-FFF2-40B4-BE49-F238E27FC236}">
+                <a16:creationId xmlns:a16="http://schemas.microsoft.com/office/drawing/2014/main" id="{21F88942-61BD-2A29-5C2E-E6AFD6FD9AF7}"/>
+              </a:ext>
+            </a:extLst>
+          </p:cNvPr>
+          <p:cNvCxnSpPr>
+            <a:cxnSpLocks/>
+            <a:stCxn id="7" idx="2"/>
+            <a:endCxn id="8" idx="0"/>
+          </p:cNvCxnSpPr>
+          <p:nvPr/>
+        </p:nvCxnSpPr>
+        <p:spPr>
+          <a:xfrm>
+            <a:off x="5818636" y="2938832"/>
+            <a:ext cx="3051" cy="316431"/>
+          </a:xfrm>
+          <a:prstGeom prst="straightConnector1">
+            <a:avLst/>
+          </a:prstGeom>
+          <a:ln>
+            <a:tailEnd type="triangle"/>
+          </a:ln>
+        </p:spPr>
+        <p:style>
+          <a:lnRef idx="2">
+            <a:schemeClr val="accent1"/>
+          </a:lnRef>
+          <a:fillRef idx="0">
+            <a:schemeClr val="accent1"/>
+          </a:fillRef>
+          <a:effectRef idx="1">
+            <a:schemeClr val="accent1"/>
+          </a:effectRef>
+          <a:fontRef idx="minor">
+            <a:schemeClr val="tx1"/>
+          </a:fontRef>
+        </p:style>
+      </p:cxnSp>
+      <p:cxnSp>
+        <p:nvCxnSpPr>
+          <p:cNvPr id="64" name="Connector: Elbow 63">
+            <a:extLst>
+              <a:ext uri="{FF2B5EF4-FFF2-40B4-BE49-F238E27FC236}">
+                <a16:creationId xmlns:a16="http://schemas.microsoft.com/office/drawing/2014/main" id="{943020BB-C123-F9E8-10AF-A1E1C07EA462}"/>
+              </a:ext>
+            </a:extLst>
+          </p:cNvPr>
+          <p:cNvCxnSpPr>
+            <a:cxnSpLocks/>
+            <a:stCxn id="7" idx="1"/>
+            <a:endCxn id="11" idx="0"/>
+          </p:cNvCxnSpPr>
+          <p:nvPr/>
+        </p:nvCxnSpPr>
+        <p:spPr>
+          <a:xfrm rot="10800000" flipV="1">
+            <a:off x="4693984" y="2710234"/>
+            <a:ext cx="530299" cy="2004293"/>
+          </a:xfrm>
+          <a:prstGeom prst="bentConnector2">
+            <a:avLst/>
+          </a:prstGeom>
+          <a:ln>
+            <a:tailEnd type="triangle"/>
+          </a:ln>
+        </p:spPr>
+        <p:style>
+          <a:lnRef idx="2">
+            <a:schemeClr val="accent1"/>
+          </a:lnRef>
+          <a:fillRef idx="0">
+            <a:schemeClr val="accent1"/>
+          </a:fillRef>
+          <a:effectRef idx="1">
+            <a:schemeClr val="accent1"/>
+          </a:effectRef>
+          <a:fontRef idx="minor">
+            <a:schemeClr val="tx1"/>
+          </a:fontRef>
+        </p:style>
+      </p:cxnSp>
     </p:spTree>
     <p:extLst>
       <p:ext uri="{BB962C8B-B14F-4D97-AF65-F5344CB8AC3E}">

--- a/Documentation/TeamScoreLayout.pptx
+++ b/Documentation/TeamScoreLayout.pptx
@@ -23,6 +23,7 @@
     <p:sldId id="260" r:id="rId17"/>
     <p:sldId id="259" r:id="rId18"/>
     <p:sldId id="276" r:id="rId19"/>
+    <p:sldId id="277" r:id="rId20"/>
   </p:sldIdLst>
   <p:sldSz cx="12192000" cy="6858000"/>
   <p:notesSz cx="6858000" cy="9144000"/>
@@ -843,7 +844,7 @@
           <a:p>
             <a:fld id="{955A69D3-FF78-44E1-BB41-3D13FA416A59}" type="datetimeFigureOut">
               <a:rPr lang="en-US" smtClean="0"/>
-              <a:t>07/13/24</a:t>
+              <a:t>07/14/24</a:t>
             </a:fld>
             <a:endParaRPr lang="en-US"/>
           </a:p>
@@ -1041,7 +1042,7 @@
           <a:p>
             <a:fld id="{955A69D3-FF78-44E1-BB41-3D13FA416A59}" type="datetimeFigureOut">
               <a:rPr lang="en-US" smtClean="0"/>
-              <a:t>07/13/24</a:t>
+              <a:t>07/14/24</a:t>
             </a:fld>
             <a:endParaRPr lang="en-US"/>
           </a:p>
@@ -1249,7 +1250,7 @@
           <a:p>
             <a:fld id="{955A69D3-FF78-44E1-BB41-3D13FA416A59}" type="datetimeFigureOut">
               <a:rPr lang="en-US" smtClean="0"/>
-              <a:t>07/13/24</a:t>
+              <a:t>07/14/24</a:t>
             </a:fld>
             <a:endParaRPr lang="en-US"/>
           </a:p>
@@ -1447,7 +1448,7 @@
           <a:p>
             <a:fld id="{955A69D3-FF78-44E1-BB41-3D13FA416A59}" type="datetimeFigureOut">
               <a:rPr lang="en-US" smtClean="0"/>
-              <a:t>07/13/24</a:t>
+              <a:t>07/14/24</a:t>
             </a:fld>
             <a:endParaRPr lang="en-US"/>
           </a:p>
@@ -1722,7 +1723,7 @@
           <a:p>
             <a:fld id="{955A69D3-FF78-44E1-BB41-3D13FA416A59}" type="datetimeFigureOut">
               <a:rPr lang="en-US" smtClean="0"/>
-              <a:t>07/13/24</a:t>
+              <a:t>07/14/24</a:t>
             </a:fld>
             <a:endParaRPr lang="en-US"/>
           </a:p>
@@ -1987,7 +1988,7 @@
           <a:p>
             <a:fld id="{955A69D3-FF78-44E1-BB41-3D13FA416A59}" type="datetimeFigureOut">
               <a:rPr lang="en-US" smtClean="0"/>
-              <a:t>07/13/24</a:t>
+              <a:t>07/14/24</a:t>
             </a:fld>
             <a:endParaRPr lang="en-US"/>
           </a:p>
@@ -2399,7 +2400,7 @@
           <a:p>
             <a:fld id="{955A69D3-FF78-44E1-BB41-3D13FA416A59}" type="datetimeFigureOut">
               <a:rPr lang="en-US" smtClean="0"/>
-              <a:t>07/13/24</a:t>
+              <a:t>07/14/24</a:t>
             </a:fld>
             <a:endParaRPr lang="en-US"/>
           </a:p>
@@ -2540,7 +2541,7 @@
           <a:p>
             <a:fld id="{955A69D3-FF78-44E1-BB41-3D13FA416A59}" type="datetimeFigureOut">
               <a:rPr lang="en-US" smtClean="0"/>
-              <a:t>07/13/24</a:t>
+              <a:t>07/14/24</a:t>
             </a:fld>
             <a:endParaRPr lang="en-US"/>
           </a:p>
@@ -2653,7 +2654,7 @@
           <a:p>
             <a:fld id="{955A69D3-FF78-44E1-BB41-3D13FA416A59}" type="datetimeFigureOut">
               <a:rPr lang="en-US" smtClean="0"/>
-              <a:t>07/13/24</a:t>
+              <a:t>07/14/24</a:t>
             </a:fld>
             <a:endParaRPr lang="en-US"/>
           </a:p>
@@ -2964,7 +2965,7 @@
           <a:p>
             <a:fld id="{955A69D3-FF78-44E1-BB41-3D13FA416A59}" type="datetimeFigureOut">
               <a:rPr lang="en-US" smtClean="0"/>
-              <a:t>07/13/24</a:t>
+              <a:t>07/14/24</a:t>
             </a:fld>
             <a:endParaRPr lang="en-US"/>
           </a:p>
@@ -3252,7 +3253,7 @@
           <a:p>
             <a:fld id="{955A69D3-FF78-44E1-BB41-3D13FA416A59}" type="datetimeFigureOut">
               <a:rPr lang="en-US" smtClean="0"/>
-              <a:t>07/13/24</a:t>
+              <a:t>07/14/24</a:t>
             </a:fld>
             <a:endParaRPr lang="en-US"/>
           </a:p>
@@ -3493,7 +3494,7 @@
           <a:p>
             <a:fld id="{955A69D3-FF78-44E1-BB41-3D13FA416A59}" type="datetimeFigureOut">
               <a:rPr lang="en-US" smtClean="0"/>
-              <a:t>07/13/24</a:t>
+              <a:t>07/14/24</a:t>
             </a:fld>
             <a:endParaRPr lang="en-US"/>
           </a:p>
@@ -20256,7 +20257,7 @@
         </p:nvSpPr>
         <p:spPr>
           <a:xfrm>
-            <a:off x="5227333" y="3255263"/>
+            <a:off x="5239502" y="4062132"/>
             <a:ext cx="1188707" cy="457195"/>
           </a:xfrm>
           <a:prstGeom prst="rect">
@@ -20305,7 +20306,7 @@
         </p:nvSpPr>
         <p:spPr>
           <a:xfrm>
-            <a:off x="7376145" y="4069072"/>
+            <a:off x="7520991" y="4858427"/>
             <a:ext cx="1188707" cy="457195"/>
           </a:xfrm>
           <a:prstGeom prst="rect">
@@ -20335,7 +20336,7 @@
             <a:pPr algn="ctr"/>
             <a:r>
               <a:rPr lang="en-US" sz="1200" dirty="0"/>
-              <a:t>Add/Edit Record</a:t>
+              <a:t>Edit Record</a:t>
             </a:r>
           </a:p>
         </p:txBody>
@@ -20354,7 +20355,7 @@
         </p:nvSpPr>
         <p:spPr>
           <a:xfrm>
-            <a:off x="7627604" y="4800584"/>
+            <a:off x="7749588" y="5607453"/>
             <a:ext cx="731512" cy="365756"/>
           </a:xfrm>
           <a:prstGeom prst="roundRect">
@@ -20501,8 +20502,8 @@
         </p:nvSpPr>
         <p:spPr>
           <a:xfrm>
-            <a:off x="9570681" y="4693419"/>
-            <a:ext cx="1188707" cy="545058"/>
+            <a:off x="9844999" y="2416001"/>
+            <a:ext cx="1092065" cy="545058"/>
           </a:xfrm>
           <a:prstGeom prst="rect">
             <a:avLst/>
@@ -20532,62 +20533,6 @@
             <a:r>
               <a:rPr lang="en-US" sz="1000" dirty="0"/>
               <a:t>Blank text will delete record</a:t>
-            </a:r>
-          </a:p>
-        </p:txBody>
-      </p:sp>
-      <p:sp>
-        <p:nvSpPr>
-          <p:cNvPr id="14" name="Rectangle 13">
-            <a:extLst>
-              <a:ext uri="{FF2B5EF4-FFF2-40B4-BE49-F238E27FC236}">
-                <a16:creationId xmlns:a16="http://schemas.microsoft.com/office/drawing/2014/main" id="{5700B13F-6394-D1CA-325A-2E386AB2A5F0}"/>
-              </a:ext>
-            </a:extLst>
-          </p:cNvPr>
-          <p:cNvSpPr/>
-          <p:nvPr/>
-        </p:nvSpPr>
-        <p:spPr>
-          <a:xfrm>
-            <a:off x="6202082" y="4642939"/>
-            <a:ext cx="914400" cy="681046"/>
-          </a:xfrm>
-          <a:prstGeom prst="rect">
-            <a:avLst/>
-          </a:prstGeom>
-        </p:spPr>
-        <p:style>
-          <a:lnRef idx="2">
-            <a:schemeClr val="accent1">
-              <a:shade val="15000"/>
-            </a:schemeClr>
-          </a:lnRef>
-          <a:fillRef idx="1">
-            <a:schemeClr val="accent1"/>
-          </a:fillRef>
-          <a:effectRef idx="0">
-            <a:schemeClr val="accent1"/>
-          </a:effectRef>
-          <a:fontRef idx="minor">
-            <a:schemeClr val="lt1"/>
-          </a:fontRef>
-        </p:style>
-        <p:txBody>
-          <a:bodyPr rtlCol="0" anchor="ctr"/>
-          <a:lstStyle/>
-          <a:p>
-            <a:pPr algn="ctr"/>
-            <a:r>
-              <a:rPr lang="en-US" sz="1000" dirty="0"/>
-              <a:t>Text – Add/Update</a:t>
-            </a:r>
-          </a:p>
-          <a:p>
-            <a:pPr algn="ctr"/>
-            <a:r>
-              <a:rPr lang="en-US" sz="1000" dirty="0"/>
-              <a:t>Record</a:t>
             </a:r>
           </a:p>
         </p:txBody>
@@ -20748,7 +20693,7 @@
         </p:nvSpPr>
         <p:spPr>
           <a:xfrm>
-            <a:off x="7376146" y="3250697"/>
+            <a:off x="7520991" y="4057553"/>
             <a:ext cx="1188707" cy="457195"/>
           </a:xfrm>
           <a:prstGeom prst="rect">
@@ -20808,8 +20753,8 @@
         </p:nvCxnSpPr>
         <p:spPr>
           <a:xfrm flipV="1">
-            <a:off x="6416040" y="3479295"/>
-            <a:ext cx="960106" cy="4566"/>
+            <a:off x="6428209" y="4286151"/>
+            <a:ext cx="1092782" cy="4579"/>
           </a:xfrm>
           <a:prstGeom prst="bentConnector3">
             <a:avLst>
@@ -20889,58 +20834,13 @@
           </p:cNvPr>
           <p:cNvCxnSpPr>
             <a:cxnSpLocks/>
-            <a:stCxn id="25" idx="2"/>
-            <a:endCxn id="9" idx="0"/>
           </p:cNvCxnSpPr>
           <p:nvPr/>
         </p:nvCxnSpPr>
         <p:spPr>
-          <a:xfrm flipH="1">
-            <a:off x="7970499" y="3707892"/>
-            <a:ext cx="1" cy="361180"/>
-          </a:xfrm>
-          <a:prstGeom prst="straightConnector1">
-            <a:avLst/>
-          </a:prstGeom>
-          <a:ln>
-            <a:tailEnd type="triangle"/>
-          </a:ln>
-        </p:spPr>
-        <p:style>
-          <a:lnRef idx="2">
-            <a:schemeClr val="accent1"/>
-          </a:lnRef>
-          <a:fillRef idx="0">
-            <a:schemeClr val="accent1"/>
-          </a:fillRef>
-          <a:effectRef idx="1">
-            <a:schemeClr val="accent1"/>
-          </a:effectRef>
-          <a:fontRef idx="minor">
-            <a:schemeClr val="tx1"/>
-          </a:fontRef>
-        </p:style>
-      </p:cxnSp>
-      <p:cxnSp>
-        <p:nvCxnSpPr>
-          <p:cNvPr id="41" name="Straight Arrow Connector 40">
-            <a:extLst>
-              <a:ext uri="{FF2B5EF4-FFF2-40B4-BE49-F238E27FC236}">
-                <a16:creationId xmlns:a16="http://schemas.microsoft.com/office/drawing/2014/main" id="{2A885F2D-6370-BAC3-22A6-D82D1318775B}"/>
-              </a:ext>
-            </a:extLst>
-          </p:cNvPr>
-          <p:cNvCxnSpPr>
-            <a:cxnSpLocks/>
-            <a:stCxn id="10" idx="3"/>
-            <a:endCxn id="13" idx="1"/>
-          </p:cNvCxnSpPr>
-          <p:nvPr/>
-        </p:nvCxnSpPr>
-        <p:spPr>
-          <a:xfrm flipV="1">
-            <a:off x="8359116" y="4965948"/>
-            <a:ext cx="1211565" cy="17514"/>
+          <a:xfrm>
+            <a:off x="8115344" y="4514748"/>
+            <a:ext cx="0" cy="343679"/>
           </a:xfrm>
           <a:prstGeom prst="straightConnector1">
             <a:avLst/>
@@ -20975,19 +20875,19 @@
           </p:cNvPr>
           <p:cNvCxnSpPr>
             <a:cxnSpLocks/>
-            <a:stCxn id="13" idx="2"/>
-            <a:endCxn id="8" idx="2"/>
+            <a:stCxn id="13" idx="1"/>
+            <a:endCxn id="7" idx="3"/>
           </p:cNvCxnSpPr>
           <p:nvPr/>
         </p:nvCxnSpPr>
         <p:spPr>
-          <a:xfrm rot="5400000" flipH="1">
-            <a:off x="7230351" y="2303794"/>
-            <a:ext cx="1526019" cy="4343348"/>
+          <a:xfrm rot="10800000" flipV="1">
+            <a:off x="6412989" y="2688529"/>
+            <a:ext cx="3432010" cy="21705"/>
           </a:xfrm>
           <a:prstGeom prst="bentConnector3">
             <a:avLst>
-              <a:gd name="adj1" fmla="val -58722"/>
+              <a:gd name="adj1" fmla="val 50000"/>
             </a:avLst>
           </a:prstGeom>
           <a:ln>
@@ -21020,15 +20920,13 @@
           </p:cNvPr>
           <p:cNvCxnSpPr>
             <a:cxnSpLocks/>
-            <a:stCxn id="10" idx="1"/>
-            <a:endCxn id="14" idx="3"/>
           </p:cNvCxnSpPr>
           <p:nvPr/>
         </p:nvCxnSpPr>
         <p:spPr>
-          <a:xfrm rot="10800000">
-            <a:off x="7116482" y="4983462"/>
-            <a:ext cx="511122" cy="12700"/>
+          <a:xfrm rot="5400000" flipH="1" flipV="1">
+            <a:off x="7969429" y="5461538"/>
+            <a:ext cx="291831" cy="1"/>
           </a:xfrm>
           <a:prstGeom prst="bentConnector3">
             <a:avLst>
@@ -21073,7 +20971,7 @@
         <p:spPr>
           <a:xfrm>
             <a:off x="5818636" y="2938832"/>
-            <a:ext cx="3051" cy="316431"/>
+            <a:ext cx="15220" cy="1123300"/>
           </a:xfrm>
           <a:prstGeom prst="straightConnector1">
             <a:avLst/>
@@ -21140,10 +21038,1318 @@
           </a:fontRef>
         </p:style>
       </p:cxnSp>
+      <p:sp>
+        <p:nvSpPr>
+          <p:cNvPr id="16" name="Rectangle: Rounded Corners 15">
+            <a:extLst>
+              <a:ext uri="{FF2B5EF4-FFF2-40B4-BE49-F238E27FC236}">
+                <a16:creationId xmlns:a16="http://schemas.microsoft.com/office/drawing/2014/main" id="{A9630F9B-3BB7-1EB1-64A1-E81B5A17D178}"/>
+              </a:ext>
+            </a:extLst>
+          </p:cNvPr>
+          <p:cNvSpPr/>
+          <p:nvPr/>
+        </p:nvSpPr>
+        <p:spPr>
+          <a:xfrm>
+            <a:off x="6199612" y="3351360"/>
+            <a:ext cx="731512" cy="365756"/>
+          </a:xfrm>
+          <a:prstGeom prst="roundRect">
+            <a:avLst/>
+          </a:prstGeom>
+        </p:spPr>
+        <p:style>
+          <a:lnRef idx="2">
+            <a:schemeClr val="accent1">
+              <a:shade val="15000"/>
+            </a:schemeClr>
+          </a:lnRef>
+          <a:fillRef idx="1">
+            <a:schemeClr val="accent1"/>
+          </a:fillRef>
+          <a:effectRef idx="0">
+            <a:schemeClr val="accent1"/>
+          </a:effectRef>
+          <a:fontRef idx="minor">
+            <a:schemeClr val="lt1"/>
+          </a:fontRef>
+        </p:style>
+        <p:txBody>
+          <a:bodyPr rtlCol="0" anchor="ctr"/>
+          <a:lstStyle/>
+          <a:p>
+            <a:pPr algn="ctr"/>
+            <a:r>
+              <a:rPr lang="en-US" sz="1000" dirty="0"/>
+              <a:t>Add</a:t>
+            </a:r>
+          </a:p>
+        </p:txBody>
+      </p:sp>
+      <p:cxnSp>
+        <p:nvCxnSpPr>
+          <p:cNvPr id="20" name="Connector: Elbow 19">
+            <a:extLst>
+              <a:ext uri="{FF2B5EF4-FFF2-40B4-BE49-F238E27FC236}">
+                <a16:creationId xmlns:a16="http://schemas.microsoft.com/office/drawing/2014/main" id="{E294C833-62C2-CFED-50C4-D9824563D423}"/>
+              </a:ext>
+            </a:extLst>
+          </p:cNvPr>
+          <p:cNvCxnSpPr>
+            <a:cxnSpLocks/>
+            <a:stCxn id="7" idx="2"/>
+            <a:endCxn id="16" idx="1"/>
+          </p:cNvCxnSpPr>
+          <p:nvPr/>
+        </p:nvCxnSpPr>
+        <p:spPr>
+          <a:xfrm rot="16200000" flipH="1">
+            <a:off x="5711421" y="3046047"/>
+            <a:ext cx="595406" cy="380976"/>
+          </a:xfrm>
+          <a:prstGeom prst="bentConnector2">
+            <a:avLst/>
+          </a:prstGeom>
+          <a:ln>
+            <a:tailEnd type="triangle"/>
+          </a:ln>
+        </p:spPr>
+        <p:style>
+          <a:lnRef idx="2">
+            <a:schemeClr val="accent1"/>
+          </a:lnRef>
+          <a:fillRef idx="0">
+            <a:schemeClr val="accent1"/>
+          </a:fillRef>
+          <a:effectRef idx="1">
+            <a:schemeClr val="accent1"/>
+          </a:effectRef>
+          <a:fontRef idx="minor">
+            <a:schemeClr val="tx1"/>
+          </a:fontRef>
+        </p:style>
+      </p:cxnSp>
+      <p:sp>
+        <p:nvSpPr>
+          <p:cNvPr id="26" name="Rectangle: Rounded Corners 25">
+            <a:extLst>
+              <a:ext uri="{FF2B5EF4-FFF2-40B4-BE49-F238E27FC236}">
+                <a16:creationId xmlns:a16="http://schemas.microsoft.com/office/drawing/2014/main" id="{CFFA3FC0-E03F-7E56-3B69-ADEDA7006744}"/>
+              </a:ext>
+            </a:extLst>
+          </p:cNvPr>
+          <p:cNvSpPr/>
+          <p:nvPr/>
+        </p:nvSpPr>
+        <p:spPr>
+          <a:xfrm>
+            <a:off x="7688607" y="3248740"/>
+            <a:ext cx="853474" cy="545056"/>
+          </a:xfrm>
+          <a:prstGeom prst="roundRect">
+            <a:avLst/>
+          </a:prstGeom>
+        </p:spPr>
+        <p:style>
+          <a:lnRef idx="2">
+            <a:schemeClr val="accent1">
+              <a:shade val="15000"/>
+            </a:schemeClr>
+          </a:lnRef>
+          <a:fillRef idx="1">
+            <a:schemeClr val="accent1"/>
+          </a:fillRef>
+          <a:effectRef idx="0">
+            <a:schemeClr val="accent1"/>
+          </a:effectRef>
+          <a:fontRef idx="minor">
+            <a:schemeClr val="lt1"/>
+          </a:fontRef>
+        </p:style>
+        <p:txBody>
+          <a:bodyPr rtlCol="0" anchor="ctr"/>
+          <a:lstStyle/>
+          <a:p>
+            <a:pPr algn="ctr"/>
+            <a:r>
+              <a:rPr lang="en-US" sz="1000" dirty="0"/>
+              <a:t>Add record to DB</a:t>
+            </a:r>
+          </a:p>
+        </p:txBody>
+      </p:sp>
+      <p:cxnSp>
+        <p:nvCxnSpPr>
+          <p:cNvPr id="29" name="Straight Arrow Connector 28">
+            <a:extLst>
+              <a:ext uri="{FF2B5EF4-FFF2-40B4-BE49-F238E27FC236}">
+                <a16:creationId xmlns:a16="http://schemas.microsoft.com/office/drawing/2014/main" id="{9E2CFCDB-FBEA-5BB4-6945-D638DE4E814F}"/>
+              </a:ext>
+            </a:extLst>
+          </p:cNvPr>
+          <p:cNvCxnSpPr>
+            <a:cxnSpLocks/>
+            <a:stCxn id="16" idx="3"/>
+            <a:endCxn id="26" idx="1"/>
+          </p:cNvCxnSpPr>
+          <p:nvPr/>
+        </p:nvCxnSpPr>
+        <p:spPr>
+          <a:xfrm flipV="1">
+            <a:off x="6931124" y="3521268"/>
+            <a:ext cx="757483" cy="12970"/>
+          </a:xfrm>
+          <a:prstGeom prst="straightConnector1">
+            <a:avLst/>
+          </a:prstGeom>
+          <a:ln>
+            <a:tailEnd type="triangle"/>
+          </a:ln>
+        </p:spPr>
+        <p:style>
+          <a:lnRef idx="2">
+            <a:schemeClr val="accent1"/>
+          </a:lnRef>
+          <a:fillRef idx="0">
+            <a:schemeClr val="accent1"/>
+          </a:fillRef>
+          <a:effectRef idx="1">
+            <a:schemeClr val="accent1"/>
+          </a:effectRef>
+          <a:fontRef idx="minor">
+            <a:schemeClr val="tx1"/>
+          </a:fontRef>
+        </p:style>
+      </p:cxnSp>
+      <p:cxnSp>
+        <p:nvCxnSpPr>
+          <p:cNvPr id="35" name="Straight Arrow Connector 34">
+            <a:extLst>
+              <a:ext uri="{FF2B5EF4-FFF2-40B4-BE49-F238E27FC236}">
+                <a16:creationId xmlns:a16="http://schemas.microsoft.com/office/drawing/2014/main" id="{A54259A1-D9CE-C18F-A7F1-F160D504FF63}"/>
+              </a:ext>
+            </a:extLst>
+          </p:cNvPr>
+          <p:cNvCxnSpPr>
+            <a:cxnSpLocks/>
+          </p:cNvCxnSpPr>
+          <p:nvPr/>
+        </p:nvCxnSpPr>
+        <p:spPr>
+          <a:xfrm>
+            <a:off x="8115344" y="3793796"/>
+            <a:ext cx="1" cy="263757"/>
+          </a:xfrm>
+          <a:prstGeom prst="straightConnector1">
+            <a:avLst/>
+          </a:prstGeom>
+          <a:ln>
+            <a:tailEnd type="triangle"/>
+          </a:ln>
+        </p:spPr>
+        <p:style>
+          <a:lnRef idx="2">
+            <a:schemeClr val="accent1"/>
+          </a:lnRef>
+          <a:fillRef idx="0">
+            <a:schemeClr val="accent1"/>
+          </a:fillRef>
+          <a:effectRef idx="1">
+            <a:schemeClr val="accent1"/>
+          </a:effectRef>
+          <a:fontRef idx="minor">
+            <a:schemeClr val="tx1"/>
+          </a:fontRef>
+        </p:style>
+      </p:cxnSp>
+      <p:cxnSp>
+        <p:nvCxnSpPr>
+          <p:cNvPr id="67" name="Connector: Elbow 66">
+            <a:extLst>
+              <a:ext uri="{FF2B5EF4-FFF2-40B4-BE49-F238E27FC236}">
+                <a16:creationId xmlns:a16="http://schemas.microsoft.com/office/drawing/2014/main" id="{4EF7CFF4-6BBD-3AC4-6D6E-8DE634BBBA57}"/>
+              </a:ext>
+            </a:extLst>
+          </p:cNvPr>
+          <p:cNvCxnSpPr>
+            <a:cxnSpLocks/>
+            <a:stCxn id="10" idx="3"/>
+            <a:endCxn id="13" idx="2"/>
+          </p:cNvCxnSpPr>
+          <p:nvPr/>
+        </p:nvCxnSpPr>
+        <p:spPr>
+          <a:xfrm flipV="1">
+            <a:off x="8481100" y="2961059"/>
+            <a:ext cx="1909932" cy="2829272"/>
+          </a:xfrm>
+          <a:prstGeom prst="bentConnector2">
+            <a:avLst/>
+          </a:prstGeom>
+          <a:ln>
+            <a:tailEnd type="triangle"/>
+          </a:ln>
+        </p:spPr>
+        <p:style>
+          <a:lnRef idx="2">
+            <a:schemeClr val="accent1"/>
+          </a:lnRef>
+          <a:fillRef idx="0">
+            <a:schemeClr val="accent1"/>
+          </a:fillRef>
+          <a:effectRef idx="1">
+            <a:schemeClr val="accent1"/>
+          </a:effectRef>
+          <a:fontRef idx="minor">
+            <a:schemeClr val="tx1"/>
+          </a:fontRef>
+        </p:style>
+      </p:cxnSp>
     </p:spTree>
     <p:extLst>
       <p:ext uri="{BB962C8B-B14F-4D97-AF65-F5344CB8AC3E}">
         <p14:creationId xmlns:p14="http://schemas.microsoft.com/office/powerpoint/2010/main" val="3592111915"/>
+      </p:ext>
+    </p:extLst>
+  </p:cSld>
+  <p:clrMapOvr>
+    <a:masterClrMapping/>
+  </p:clrMapOvr>
+</p:sld>
+</file>
+
+<file path=ppt/slides/slide19.xml><?xml version="1.0" encoding="utf-8"?>
+<p:sld xmlns:a="http://schemas.openxmlformats.org/drawingml/2006/main" xmlns:r="http://schemas.openxmlformats.org/officeDocument/2006/relationships" xmlns:p="http://schemas.openxmlformats.org/presentationml/2006/main">
+  <p:cSld>
+    <p:spTree>
+      <p:nvGrpSpPr>
+        <p:cNvPr id="1" name=""/>
+        <p:cNvGrpSpPr/>
+        <p:nvPr/>
+      </p:nvGrpSpPr>
+      <p:grpSpPr>
+        <a:xfrm>
+          <a:off x="0" y="0"/>
+          <a:ext cx="0" cy="0"/>
+          <a:chOff x="0" y="0"/>
+          <a:chExt cx="0" cy="0"/>
+        </a:xfrm>
+      </p:grpSpPr>
+      <p:sp>
+        <p:nvSpPr>
+          <p:cNvPr id="2" name="TextBox 1">
+            <a:extLst>
+              <a:ext uri="{FF2B5EF4-FFF2-40B4-BE49-F238E27FC236}">
+                <a16:creationId xmlns:a16="http://schemas.microsoft.com/office/drawing/2014/main" id="{67B1304E-F285-2B6E-A59A-FD78253B36B9}"/>
+              </a:ext>
+            </a:extLst>
+          </p:cNvPr>
+          <p:cNvSpPr txBox="1"/>
+          <p:nvPr/>
+        </p:nvSpPr>
+        <p:spPr>
+          <a:xfrm>
+            <a:off x="4907293" y="228635"/>
+            <a:ext cx="1747594" cy="461665"/>
+          </a:xfrm>
+          <a:prstGeom prst="rect">
+            <a:avLst/>
+          </a:prstGeom>
+          <a:noFill/>
+        </p:spPr>
+        <p:txBody>
+          <a:bodyPr wrap="none" rtlCol="0">
+            <a:spAutoFit/>
+          </a:bodyPr>
+          <a:lstStyle/>
+          <a:p>
+            <a:pPr algn="ctr"/>
+            <a:r>
+              <a:rPr lang="en-US" sz="1200" dirty="0"/>
+              <a:t>Score Card</a:t>
+            </a:r>
+          </a:p>
+          <a:p>
+            <a:pPr algn="ctr"/>
+            <a:r>
+              <a:rPr lang="en-US" sz="1200" dirty="0"/>
+              <a:t>Player Junk Selection</a:t>
+            </a:r>
+          </a:p>
+        </p:txBody>
+      </p:sp>
+      <p:sp>
+        <p:nvSpPr>
+          <p:cNvPr id="3" name="Rectangle 2">
+            <a:extLst>
+              <a:ext uri="{FF2B5EF4-FFF2-40B4-BE49-F238E27FC236}">
+                <a16:creationId xmlns:a16="http://schemas.microsoft.com/office/drawing/2014/main" id="{E1625B26-CB66-CC70-47CA-29E6087A6FD3}"/>
+              </a:ext>
+            </a:extLst>
+          </p:cNvPr>
+          <p:cNvSpPr/>
+          <p:nvPr/>
+        </p:nvSpPr>
+        <p:spPr>
+          <a:xfrm>
+            <a:off x="792538" y="450376"/>
+            <a:ext cx="1371585" cy="457195"/>
+          </a:xfrm>
+          <a:prstGeom prst="rect">
+            <a:avLst/>
+          </a:prstGeom>
+        </p:spPr>
+        <p:style>
+          <a:lnRef idx="2">
+            <a:schemeClr val="accent1">
+              <a:shade val="15000"/>
+            </a:schemeClr>
+          </a:lnRef>
+          <a:fillRef idx="1">
+            <a:schemeClr val="accent1"/>
+          </a:fillRef>
+          <a:effectRef idx="0">
+            <a:schemeClr val="accent1"/>
+          </a:effectRef>
+          <a:fontRef idx="minor">
+            <a:schemeClr val="lt1"/>
+          </a:fontRef>
+        </p:style>
+        <p:txBody>
+          <a:bodyPr rtlCol="0" anchor="ctr"/>
+          <a:lstStyle/>
+          <a:p>
+            <a:pPr algn="ctr"/>
+            <a:r>
+              <a:rPr lang="en-US" sz="1200" dirty="0"/>
+              <a:t>Enter Score</a:t>
+            </a:r>
+          </a:p>
+          <a:p>
+            <a:pPr algn="ctr"/>
+            <a:r>
+              <a:rPr lang="en-US" sz="1200" dirty="0"/>
+              <a:t>Player Junk</a:t>
+            </a:r>
+          </a:p>
+        </p:txBody>
+      </p:sp>
+      <p:sp>
+        <p:nvSpPr>
+          <p:cNvPr id="4" name="Rectangle 3">
+            <a:extLst>
+              <a:ext uri="{FF2B5EF4-FFF2-40B4-BE49-F238E27FC236}">
+                <a16:creationId xmlns:a16="http://schemas.microsoft.com/office/drawing/2014/main" id="{253483B6-E77C-3AAA-67C0-5A0C2007C4A6}"/>
+              </a:ext>
+            </a:extLst>
+          </p:cNvPr>
+          <p:cNvSpPr/>
+          <p:nvPr/>
+        </p:nvSpPr>
+        <p:spPr>
+          <a:xfrm>
+            <a:off x="3162365" y="3138438"/>
+            <a:ext cx="1005829" cy="2743170"/>
+          </a:xfrm>
+          <a:prstGeom prst="rect">
+            <a:avLst/>
+          </a:prstGeom>
+        </p:spPr>
+        <p:style>
+          <a:lnRef idx="2">
+            <a:schemeClr val="accent1">
+              <a:shade val="15000"/>
+            </a:schemeClr>
+          </a:lnRef>
+          <a:fillRef idx="1">
+            <a:schemeClr val="accent1"/>
+          </a:fillRef>
+          <a:effectRef idx="0">
+            <a:schemeClr val="accent1"/>
+          </a:effectRef>
+          <a:fontRef idx="minor">
+            <a:schemeClr val="lt1"/>
+          </a:fontRef>
+        </p:style>
+        <p:txBody>
+          <a:bodyPr rtlCol="0" anchor="t"/>
+          <a:lstStyle/>
+          <a:p>
+            <a:pPr algn="ctr"/>
+            <a:r>
+              <a:rPr lang="en-US" sz="1000" dirty="0">
+                <a:solidFill>
+                  <a:schemeClr val="tx1"/>
+                </a:solidFill>
+                <a:highlight>
+                  <a:srgbClr val="C0C0C0"/>
+                </a:highlight>
+              </a:rPr>
+              <a:t>Junk Dialog</a:t>
+            </a:r>
+          </a:p>
+          <a:p>
+            <a:pPr algn="ctr"/>
+            <a:endParaRPr lang="en-US" sz="1000" dirty="0">
+              <a:solidFill>
+                <a:schemeClr val="tx1"/>
+              </a:solidFill>
+            </a:endParaRPr>
+          </a:p>
+          <a:p>
+            <a:pPr algn="ctr"/>
+            <a:r>
+              <a:rPr lang="en-US" sz="1000" dirty="0"/>
+              <a:t>CTP</a:t>
+            </a:r>
+          </a:p>
+          <a:p>
+            <a:pPr algn="ctr"/>
+            <a:endParaRPr lang="en-US" sz="1000" dirty="0"/>
+          </a:p>
+          <a:p>
+            <a:pPr algn="ctr"/>
+            <a:r>
+              <a:rPr lang="en-US" sz="1000" dirty="0"/>
+              <a:t>Polies</a:t>
+            </a:r>
+          </a:p>
+          <a:p>
+            <a:pPr algn="ctr"/>
+            <a:endParaRPr lang="en-US" sz="1000" dirty="0"/>
+          </a:p>
+          <a:p>
+            <a:pPr algn="ctr"/>
+            <a:r>
+              <a:rPr lang="en-US" sz="1000" dirty="0"/>
+              <a:t>Green Side Sandy</a:t>
+            </a:r>
+          </a:p>
+          <a:p>
+            <a:pPr algn="ctr"/>
+            <a:endParaRPr lang="en-US" sz="1000" dirty="0"/>
+          </a:p>
+          <a:p>
+            <a:pPr algn="ctr"/>
+            <a:r>
+              <a:rPr lang="en-US" sz="1000" dirty="0"/>
+              <a:t>Chippies</a:t>
+            </a:r>
+          </a:p>
+          <a:p>
+            <a:pPr algn="ctr"/>
+            <a:endParaRPr lang="en-US" sz="1000" dirty="0"/>
+          </a:p>
+          <a:p>
+            <a:pPr algn="ctr"/>
+            <a:r>
+              <a:rPr lang="en-US" sz="1000" dirty="0"/>
+              <a:t>Flag stick Puts</a:t>
+            </a:r>
+          </a:p>
+          <a:p>
+            <a:pPr algn="ctr"/>
+            <a:endParaRPr lang="en-US" sz="1000" dirty="0"/>
+          </a:p>
+          <a:p>
+            <a:pPr algn="ctr"/>
+            <a:r>
+              <a:rPr lang="en-US" sz="1000" dirty="0"/>
+              <a:t>Fairway Bunker</a:t>
+            </a:r>
+          </a:p>
+        </p:txBody>
+      </p:sp>
+      <p:sp>
+        <p:nvSpPr>
+          <p:cNvPr id="9" name="Rectangle: Rounded Corners 8">
+            <a:extLst>
+              <a:ext uri="{FF2B5EF4-FFF2-40B4-BE49-F238E27FC236}">
+                <a16:creationId xmlns:a16="http://schemas.microsoft.com/office/drawing/2014/main" id="{905A7F02-BAE9-4895-0128-DCED1F426C14}"/>
+              </a:ext>
+            </a:extLst>
+          </p:cNvPr>
+          <p:cNvSpPr/>
+          <p:nvPr/>
+        </p:nvSpPr>
+        <p:spPr>
+          <a:xfrm>
+            <a:off x="876390" y="4343376"/>
+            <a:ext cx="1188707" cy="640073"/>
+          </a:xfrm>
+          <a:prstGeom prst="roundRect">
+            <a:avLst/>
+          </a:prstGeom>
+        </p:spPr>
+        <p:style>
+          <a:lnRef idx="2">
+            <a:schemeClr val="accent1">
+              <a:shade val="15000"/>
+            </a:schemeClr>
+          </a:lnRef>
+          <a:fillRef idx="1">
+            <a:schemeClr val="accent1"/>
+          </a:fillRef>
+          <a:effectRef idx="0">
+            <a:schemeClr val="accent1"/>
+          </a:effectRef>
+          <a:fontRef idx="minor">
+            <a:schemeClr val="lt1"/>
+          </a:fontRef>
+        </p:style>
+        <p:txBody>
+          <a:bodyPr rtlCol="0" anchor="ctr"/>
+          <a:lstStyle/>
+          <a:p>
+            <a:pPr algn="ctr"/>
+            <a:r>
+              <a:rPr lang="en-US" sz="1000" dirty="0"/>
+              <a:t>Junk Table</a:t>
+            </a:r>
+          </a:p>
+          <a:p>
+            <a:pPr algn="ctr"/>
+            <a:endParaRPr lang="en-US" sz="1000" dirty="0"/>
+          </a:p>
+          <a:p>
+            <a:pPr algn="ctr"/>
+            <a:r>
+              <a:rPr lang="en-US" sz="1000" dirty="0"/>
+              <a:t>Junk Name</a:t>
+            </a:r>
+          </a:p>
+          <a:p>
+            <a:pPr algn="ctr"/>
+            <a:r>
+              <a:rPr lang="en-US" sz="1000" dirty="0" err="1"/>
+              <a:t>mId</a:t>
+            </a:r>
+            <a:endParaRPr lang="en-US" sz="1000" dirty="0"/>
+          </a:p>
+        </p:txBody>
+      </p:sp>
+      <p:cxnSp>
+        <p:nvCxnSpPr>
+          <p:cNvPr id="11" name="Connector: Elbow 10">
+            <a:extLst>
+              <a:ext uri="{FF2B5EF4-FFF2-40B4-BE49-F238E27FC236}">
+                <a16:creationId xmlns:a16="http://schemas.microsoft.com/office/drawing/2014/main" id="{6896F816-FCF5-025A-57D5-0FBEE6C8FCAE}"/>
+              </a:ext>
+            </a:extLst>
+          </p:cNvPr>
+          <p:cNvCxnSpPr>
+            <a:cxnSpLocks/>
+            <a:stCxn id="9" idx="3"/>
+            <a:endCxn id="4" idx="1"/>
+          </p:cNvCxnSpPr>
+          <p:nvPr/>
+        </p:nvCxnSpPr>
+        <p:spPr>
+          <a:xfrm flipV="1">
+            <a:off x="2065097" y="4510023"/>
+            <a:ext cx="1097268" cy="153390"/>
+          </a:xfrm>
+          <a:prstGeom prst="bentConnector3">
+            <a:avLst/>
+          </a:prstGeom>
+          <a:ln>
+            <a:tailEnd type="triangle"/>
+          </a:ln>
+        </p:spPr>
+        <p:style>
+          <a:lnRef idx="2">
+            <a:schemeClr val="accent1"/>
+          </a:lnRef>
+          <a:fillRef idx="0">
+            <a:schemeClr val="accent1"/>
+          </a:fillRef>
+          <a:effectRef idx="1">
+            <a:schemeClr val="accent1"/>
+          </a:effectRef>
+          <a:fontRef idx="minor">
+            <a:schemeClr val="tx1"/>
+          </a:fontRef>
+        </p:style>
+      </p:cxnSp>
+      <p:cxnSp>
+        <p:nvCxnSpPr>
+          <p:cNvPr id="15" name="Connector: Elbow 14">
+            <a:extLst>
+              <a:ext uri="{FF2B5EF4-FFF2-40B4-BE49-F238E27FC236}">
+                <a16:creationId xmlns:a16="http://schemas.microsoft.com/office/drawing/2014/main" id="{5AB9EC48-E726-6B77-6BA2-18B44B7E0AE4}"/>
+              </a:ext>
+            </a:extLst>
+          </p:cNvPr>
+          <p:cNvCxnSpPr>
+            <a:cxnSpLocks/>
+            <a:stCxn id="3" idx="3"/>
+            <a:endCxn id="28" idx="0"/>
+          </p:cNvCxnSpPr>
+          <p:nvPr/>
+        </p:nvCxnSpPr>
+        <p:spPr>
+          <a:xfrm>
+            <a:off x="2164123" y="678974"/>
+            <a:ext cx="1501157" cy="381757"/>
+          </a:xfrm>
+          <a:prstGeom prst="bentConnector2">
+            <a:avLst/>
+          </a:prstGeom>
+          <a:ln>
+            <a:tailEnd type="triangle"/>
+          </a:ln>
+        </p:spPr>
+        <p:style>
+          <a:lnRef idx="2">
+            <a:schemeClr val="accent1"/>
+          </a:lnRef>
+          <a:fillRef idx="0">
+            <a:schemeClr val="accent1"/>
+          </a:fillRef>
+          <a:effectRef idx="1">
+            <a:schemeClr val="accent1"/>
+          </a:effectRef>
+          <a:fontRef idx="minor">
+            <a:schemeClr val="tx1"/>
+          </a:fontRef>
+        </p:style>
+      </p:cxnSp>
+      <p:sp>
+        <p:nvSpPr>
+          <p:cNvPr id="20" name="Rectangle: Rounded Corners 19">
+            <a:extLst>
+              <a:ext uri="{FF2B5EF4-FFF2-40B4-BE49-F238E27FC236}">
+                <a16:creationId xmlns:a16="http://schemas.microsoft.com/office/drawing/2014/main" id="{5C844F67-2804-CE94-3F1E-5DF0893C2C79}"/>
+              </a:ext>
+            </a:extLst>
+          </p:cNvPr>
+          <p:cNvSpPr/>
+          <p:nvPr/>
+        </p:nvSpPr>
+        <p:spPr>
+          <a:xfrm>
+            <a:off x="5350807" y="4021078"/>
+            <a:ext cx="1645902" cy="962371"/>
+          </a:xfrm>
+          <a:prstGeom prst="roundRect">
+            <a:avLst/>
+          </a:prstGeom>
+        </p:spPr>
+        <p:style>
+          <a:lnRef idx="2">
+            <a:schemeClr val="accent1">
+              <a:shade val="15000"/>
+            </a:schemeClr>
+          </a:lnRef>
+          <a:fillRef idx="1">
+            <a:schemeClr val="accent1"/>
+          </a:fillRef>
+          <a:effectRef idx="0">
+            <a:schemeClr val="accent1"/>
+          </a:effectRef>
+          <a:fontRef idx="minor">
+            <a:schemeClr val="lt1"/>
+          </a:fontRef>
+        </p:style>
+        <p:txBody>
+          <a:bodyPr rtlCol="0" anchor="t"/>
+          <a:lstStyle/>
+          <a:p>
+            <a:pPr algn="ctr"/>
+            <a:r>
+              <a:rPr lang="en-US" sz="1000" dirty="0"/>
+              <a:t>Player Junk Table</a:t>
+            </a:r>
+          </a:p>
+          <a:p>
+            <a:pPr algn="ctr"/>
+            <a:endParaRPr lang="en-US" sz="1000" dirty="0"/>
+          </a:p>
+          <a:p>
+            <a:r>
+              <a:rPr lang="en-US" sz="1000" dirty="0"/>
+              <a:t>Player </a:t>
+            </a:r>
+            <a:r>
+              <a:rPr lang="en-US" sz="1000" dirty="0" err="1"/>
+              <a:t>Idx</a:t>
+            </a:r>
+            <a:endParaRPr lang="en-US" sz="1000" dirty="0"/>
+          </a:p>
+          <a:p>
+            <a:r>
+              <a:rPr lang="en-US" sz="1000" dirty="0"/>
+              <a:t>Hole Number</a:t>
+            </a:r>
+          </a:p>
+          <a:p>
+            <a:r>
+              <a:rPr lang="en-US" sz="1000" dirty="0"/>
+              <a:t>Junk </a:t>
+            </a:r>
+            <a:r>
+              <a:rPr lang="en-US" sz="1000" dirty="0" err="1"/>
+              <a:t>mId</a:t>
+            </a:r>
+            <a:endParaRPr lang="en-US" sz="1000" dirty="0"/>
+          </a:p>
+        </p:txBody>
+      </p:sp>
+      <p:cxnSp>
+        <p:nvCxnSpPr>
+          <p:cNvPr id="22" name="Connector: Elbow 21">
+            <a:extLst>
+              <a:ext uri="{FF2B5EF4-FFF2-40B4-BE49-F238E27FC236}">
+                <a16:creationId xmlns:a16="http://schemas.microsoft.com/office/drawing/2014/main" id="{6A000244-91C4-5E90-2B88-F8199BC30083}"/>
+              </a:ext>
+            </a:extLst>
+          </p:cNvPr>
+          <p:cNvCxnSpPr>
+            <a:cxnSpLocks/>
+            <a:stCxn id="4" idx="3"/>
+            <a:endCxn id="20" idx="1"/>
+          </p:cNvCxnSpPr>
+          <p:nvPr/>
+        </p:nvCxnSpPr>
+        <p:spPr>
+          <a:xfrm flipV="1">
+            <a:off x="4168194" y="4502264"/>
+            <a:ext cx="1182613" cy="7759"/>
+          </a:xfrm>
+          <a:prstGeom prst="bentConnector3">
+            <a:avLst/>
+          </a:prstGeom>
+          <a:ln>
+            <a:tailEnd type="triangle"/>
+          </a:ln>
+        </p:spPr>
+        <p:style>
+          <a:lnRef idx="2">
+            <a:schemeClr val="accent1"/>
+          </a:lnRef>
+          <a:fillRef idx="0">
+            <a:schemeClr val="accent1"/>
+          </a:fillRef>
+          <a:effectRef idx="1">
+            <a:schemeClr val="accent1"/>
+          </a:effectRef>
+          <a:fontRef idx="minor">
+            <a:schemeClr val="tx1"/>
+          </a:fontRef>
+        </p:style>
+      </p:cxnSp>
+      <p:sp>
+        <p:nvSpPr>
+          <p:cNvPr id="25" name="TextBox 24">
+            <a:extLst>
+              <a:ext uri="{FF2B5EF4-FFF2-40B4-BE49-F238E27FC236}">
+                <a16:creationId xmlns:a16="http://schemas.microsoft.com/office/drawing/2014/main" id="{DE407A58-39DE-DEFD-4436-499CF3F4681B}"/>
+              </a:ext>
+            </a:extLst>
+          </p:cNvPr>
+          <p:cNvSpPr txBox="1"/>
+          <p:nvPr/>
+        </p:nvSpPr>
+        <p:spPr>
+          <a:xfrm>
+            <a:off x="4370933" y="4298523"/>
+            <a:ext cx="723275" cy="246221"/>
+          </a:xfrm>
+          <a:prstGeom prst="rect">
+            <a:avLst/>
+          </a:prstGeom>
+          <a:noFill/>
+        </p:spPr>
+        <p:txBody>
+          <a:bodyPr wrap="none" rtlCol="0">
+            <a:spAutoFit/>
+          </a:bodyPr>
+          <a:lstStyle/>
+          <a:p>
+            <a:r>
+              <a:rPr lang="en-US" sz="1000" dirty="0"/>
+              <a:t>Selection</a:t>
+            </a:r>
+          </a:p>
+        </p:txBody>
+      </p:sp>
+      <p:sp>
+        <p:nvSpPr>
+          <p:cNvPr id="28" name="Rectangle: Rounded Corners 27">
+            <a:extLst>
+              <a:ext uri="{FF2B5EF4-FFF2-40B4-BE49-F238E27FC236}">
+                <a16:creationId xmlns:a16="http://schemas.microsoft.com/office/drawing/2014/main" id="{FC0519BB-FD63-4D1B-FBAF-4DBFF0AAF101}"/>
+              </a:ext>
+            </a:extLst>
+          </p:cNvPr>
+          <p:cNvSpPr/>
+          <p:nvPr/>
+        </p:nvSpPr>
+        <p:spPr>
+          <a:xfrm>
+            <a:off x="2728027" y="1060731"/>
+            <a:ext cx="1874505" cy="630954"/>
+          </a:xfrm>
+          <a:prstGeom prst="roundRect">
+            <a:avLst/>
+          </a:prstGeom>
+        </p:spPr>
+        <p:style>
+          <a:lnRef idx="2">
+            <a:schemeClr val="accent1">
+              <a:shade val="15000"/>
+            </a:schemeClr>
+          </a:lnRef>
+          <a:fillRef idx="1">
+            <a:schemeClr val="accent1"/>
+          </a:fillRef>
+          <a:effectRef idx="0">
+            <a:schemeClr val="accent1"/>
+          </a:effectRef>
+          <a:fontRef idx="minor">
+            <a:schemeClr val="lt1"/>
+          </a:fontRef>
+        </p:style>
+        <p:txBody>
+          <a:bodyPr rtlCol="0" anchor="t"/>
+          <a:lstStyle/>
+          <a:p>
+            <a:r>
+              <a:rPr lang="en-US" sz="1000" dirty="0"/>
+              <a:t>Read player junk records</a:t>
+            </a:r>
+          </a:p>
+          <a:p>
+            <a:r>
+              <a:rPr lang="en-US" sz="1000" dirty="0"/>
+              <a:t>Player </a:t>
+            </a:r>
+            <a:r>
+              <a:rPr lang="en-US" sz="1000" dirty="0" err="1"/>
+              <a:t>Idx</a:t>
+            </a:r>
+            <a:endParaRPr lang="en-US" sz="1000" dirty="0"/>
+          </a:p>
+          <a:p>
+            <a:r>
+              <a:rPr lang="en-US" sz="1000" dirty="0"/>
+              <a:t>Hole Number</a:t>
+            </a:r>
+          </a:p>
+        </p:txBody>
+      </p:sp>
+      <p:sp>
+        <p:nvSpPr>
+          <p:cNvPr id="32" name="Rectangle: Rounded Corners 31">
+            <a:extLst>
+              <a:ext uri="{FF2B5EF4-FFF2-40B4-BE49-F238E27FC236}">
+                <a16:creationId xmlns:a16="http://schemas.microsoft.com/office/drawing/2014/main" id="{90BA968F-9674-5C70-4E36-5158DBB58EAC}"/>
+              </a:ext>
+            </a:extLst>
+          </p:cNvPr>
+          <p:cNvSpPr/>
+          <p:nvPr/>
+        </p:nvSpPr>
+        <p:spPr>
+          <a:xfrm>
+            <a:off x="2933767" y="2148854"/>
+            <a:ext cx="1463024" cy="490214"/>
+          </a:xfrm>
+          <a:prstGeom prst="roundRect">
+            <a:avLst/>
+          </a:prstGeom>
+        </p:spPr>
+        <p:style>
+          <a:lnRef idx="2">
+            <a:schemeClr val="accent1">
+              <a:shade val="15000"/>
+            </a:schemeClr>
+          </a:lnRef>
+          <a:fillRef idx="1">
+            <a:schemeClr val="accent1"/>
+          </a:fillRef>
+          <a:effectRef idx="0">
+            <a:schemeClr val="accent1"/>
+          </a:effectRef>
+          <a:fontRef idx="minor">
+            <a:schemeClr val="lt1"/>
+          </a:fontRef>
+        </p:style>
+        <p:txBody>
+          <a:bodyPr rtlCol="0" anchor="ctr"/>
+          <a:lstStyle/>
+          <a:p>
+            <a:pPr algn="ctr"/>
+            <a:r>
+              <a:rPr lang="en-US" sz="1000" dirty="0"/>
+              <a:t>Set list selection from records</a:t>
+            </a:r>
+          </a:p>
+        </p:txBody>
+      </p:sp>
+      <p:cxnSp>
+        <p:nvCxnSpPr>
+          <p:cNvPr id="34" name="Straight Arrow Connector 33">
+            <a:extLst>
+              <a:ext uri="{FF2B5EF4-FFF2-40B4-BE49-F238E27FC236}">
+                <a16:creationId xmlns:a16="http://schemas.microsoft.com/office/drawing/2014/main" id="{8FF46D65-A9F3-B719-781D-6CA56A3C778A}"/>
+              </a:ext>
+            </a:extLst>
+          </p:cNvPr>
+          <p:cNvCxnSpPr>
+            <a:cxnSpLocks/>
+          </p:cNvCxnSpPr>
+          <p:nvPr/>
+        </p:nvCxnSpPr>
+        <p:spPr>
+          <a:xfrm flipH="1">
+            <a:off x="3665279" y="1691685"/>
+            <a:ext cx="1" cy="457169"/>
+          </a:xfrm>
+          <a:prstGeom prst="straightConnector1">
+            <a:avLst/>
+          </a:prstGeom>
+          <a:ln>
+            <a:tailEnd type="triangle"/>
+          </a:ln>
+        </p:spPr>
+        <p:style>
+          <a:lnRef idx="2">
+            <a:schemeClr val="accent1"/>
+          </a:lnRef>
+          <a:fillRef idx="0">
+            <a:schemeClr val="accent1"/>
+          </a:fillRef>
+          <a:effectRef idx="1">
+            <a:schemeClr val="accent1"/>
+          </a:effectRef>
+          <a:fontRef idx="minor">
+            <a:schemeClr val="tx1"/>
+          </a:fontRef>
+        </p:style>
+      </p:cxnSp>
+      <p:cxnSp>
+        <p:nvCxnSpPr>
+          <p:cNvPr id="38" name="Straight Arrow Connector 37">
+            <a:extLst>
+              <a:ext uri="{FF2B5EF4-FFF2-40B4-BE49-F238E27FC236}">
+                <a16:creationId xmlns:a16="http://schemas.microsoft.com/office/drawing/2014/main" id="{03A73435-FF36-B67E-8D26-260EB6EE84DC}"/>
+              </a:ext>
+            </a:extLst>
+          </p:cNvPr>
+          <p:cNvCxnSpPr>
+            <a:cxnSpLocks/>
+          </p:cNvCxnSpPr>
+          <p:nvPr/>
+        </p:nvCxnSpPr>
+        <p:spPr>
+          <a:xfrm>
+            <a:off x="3646214" y="2639068"/>
+            <a:ext cx="1" cy="499370"/>
+          </a:xfrm>
+          <a:prstGeom prst="straightConnector1">
+            <a:avLst/>
+          </a:prstGeom>
+          <a:ln>
+            <a:tailEnd type="triangle"/>
+          </a:ln>
+        </p:spPr>
+        <p:style>
+          <a:lnRef idx="2">
+            <a:schemeClr val="accent1"/>
+          </a:lnRef>
+          <a:fillRef idx="0">
+            <a:schemeClr val="accent1"/>
+          </a:fillRef>
+          <a:effectRef idx="1">
+            <a:schemeClr val="accent1"/>
+          </a:effectRef>
+          <a:fontRef idx="minor">
+            <a:schemeClr val="tx1"/>
+          </a:fontRef>
+        </p:style>
+      </p:cxnSp>
+      <p:sp>
+        <p:nvSpPr>
+          <p:cNvPr id="42" name="Rectangle: Rounded Corners 41">
+            <a:extLst>
+              <a:ext uri="{FF2B5EF4-FFF2-40B4-BE49-F238E27FC236}">
+                <a16:creationId xmlns:a16="http://schemas.microsoft.com/office/drawing/2014/main" id="{ABC68C2F-7134-20BE-9E48-8A69ED69924C}"/>
+              </a:ext>
+            </a:extLst>
+          </p:cNvPr>
+          <p:cNvSpPr/>
+          <p:nvPr/>
+        </p:nvSpPr>
+        <p:spPr>
+          <a:xfrm>
+            <a:off x="7453904" y="3644498"/>
+            <a:ext cx="1371585" cy="490214"/>
+          </a:xfrm>
+          <a:prstGeom prst="roundRect">
+            <a:avLst/>
+          </a:prstGeom>
+        </p:spPr>
+        <p:style>
+          <a:lnRef idx="2">
+            <a:schemeClr val="accent1">
+              <a:shade val="15000"/>
+            </a:schemeClr>
+          </a:lnRef>
+          <a:fillRef idx="1">
+            <a:schemeClr val="accent1"/>
+          </a:fillRef>
+          <a:effectRef idx="0">
+            <a:schemeClr val="accent1"/>
+          </a:effectRef>
+          <a:fontRef idx="minor">
+            <a:schemeClr val="lt1"/>
+          </a:fontRef>
+        </p:style>
+        <p:txBody>
+          <a:bodyPr rtlCol="0" anchor="ctr"/>
+          <a:lstStyle/>
+          <a:p>
+            <a:pPr algn="ctr"/>
+            <a:r>
+              <a:rPr lang="en-US" sz="1000" dirty="0"/>
+              <a:t>Selected – Delete record</a:t>
+            </a:r>
+          </a:p>
+        </p:txBody>
+      </p:sp>
+      <p:sp>
+        <p:nvSpPr>
+          <p:cNvPr id="45" name="Rectangle: Rounded Corners 44">
+            <a:extLst>
+              <a:ext uri="{FF2B5EF4-FFF2-40B4-BE49-F238E27FC236}">
+                <a16:creationId xmlns:a16="http://schemas.microsoft.com/office/drawing/2014/main" id="{51379058-EB40-DFB7-0A88-DD28E29EDD52}"/>
+              </a:ext>
+            </a:extLst>
+          </p:cNvPr>
+          <p:cNvSpPr/>
+          <p:nvPr/>
+        </p:nvSpPr>
+        <p:spPr>
+          <a:xfrm>
+            <a:off x="7453904" y="4877152"/>
+            <a:ext cx="1181125" cy="735104"/>
+          </a:xfrm>
+          <a:prstGeom prst="roundRect">
+            <a:avLst/>
+          </a:prstGeom>
+        </p:spPr>
+        <p:style>
+          <a:lnRef idx="2">
+            <a:schemeClr val="accent1">
+              <a:shade val="15000"/>
+            </a:schemeClr>
+          </a:lnRef>
+          <a:fillRef idx="1">
+            <a:schemeClr val="accent1"/>
+          </a:fillRef>
+          <a:effectRef idx="0">
+            <a:schemeClr val="accent1"/>
+          </a:effectRef>
+          <a:fontRef idx="minor">
+            <a:schemeClr val="lt1"/>
+          </a:fontRef>
+        </p:style>
+        <p:txBody>
+          <a:bodyPr rtlCol="0" anchor="ctr"/>
+          <a:lstStyle/>
+          <a:p>
+            <a:pPr algn="ctr"/>
+            <a:r>
+              <a:rPr lang="en-US" sz="1000" dirty="0"/>
+              <a:t>Not Selected – Add record</a:t>
+            </a:r>
+          </a:p>
+        </p:txBody>
+      </p:sp>
+      <p:cxnSp>
+        <p:nvCxnSpPr>
+          <p:cNvPr id="47" name="Connector: Elbow 46">
+            <a:extLst>
+              <a:ext uri="{FF2B5EF4-FFF2-40B4-BE49-F238E27FC236}">
+                <a16:creationId xmlns:a16="http://schemas.microsoft.com/office/drawing/2014/main" id="{C4E0BFBF-DD27-0C8D-B399-99659C714C4B}"/>
+              </a:ext>
+            </a:extLst>
+          </p:cNvPr>
+          <p:cNvCxnSpPr>
+            <a:cxnSpLocks/>
+            <a:stCxn id="20" idx="3"/>
+            <a:endCxn id="42" idx="1"/>
+          </p:cNvCxnSpPr>
+          <p:nvPr/>
+        </p:nvCxnSpPr>
+        <p:spPr>
+          <a:xfrm flipV="1">
+            <a:off x="6996709" y="3889605"/>
+            <a:ext cx="457195" cy="612659"/>
+          </a:xfrm>
+          <a:prstGeom prst="bentConnector3">
+            <a:avLst/>
+          </a:prstGeom>
+          <a:ln>
+            <a:tailEnd type="triangle"/>
+          </a:ln>
+        </p:spPr>
+        <p:style>
+          <a:lnRef idx="2">
+            <a:schemeClr val="accent1"/>
+          </a:lnRef>
+          <a:fillRef idx="0">
+            <a:schemeClr val="accent1"/>
+          </a:fillRef>
+          <a:effectRef idx="1">
+            <a:schemeClr val="accent1"/>
+          </a:effectRef>
+          <a:fontRef idx="minor">
+            <a:schemeClr val="tx1"/>
+          </a:fontRef>
+        </p:style>
+      </p:cxnSp>
+      <p:cxnSp>
+        <p:nvCxnSpPr>
+          <p:cNvPr id="51" name="Connector: Elbow 50">
+            <a:extLst>
+              <a:ext uri="{FF2B5EF4-FFF2-40B4-BE49-F238E27FC236}">
+                <a16:creationId xmlns:a16="http://schemas.microsoft.com/office/drawing/2014/main" id="{99B2EB26-D595-8995-87B2-83BC5C642EE5}"/>
+              </a:ext>
+            </a:extLst>
+          </p:cNvPr>
+          <p:cNvCxnSpPr>
+            <a:cxnSpLocks/>
+            <a:stCxn id="20" idx="3"/>
+            <a:endCxn id="45" idx="1"/>
+          </p:cNvCxnSpPr>
+          <p:nvPr/>
+        </p:nvCxnSpPr>
+        <p:spPr>
+          <a:xfrm>
+            <a:off x="6996709" y="4502264"/>
+            <a:ext cx="457195" cy="742440"/>
+          </a:xfrm>
+          <a:prstGeom prst="bentConnector3">
+            <a:avLst>
+              <a:gd name="adj1" fmla="val 50000"/>
+            </a:avLst>
+          </a:prstGeom>
+          <a:ln>
+            <a:tailEnd type="triangle"/>
+          </a:ln>
+        </p:spPr>
+        <p:style>
+          <a:lnRef idx="2">
+            <a:schemeClr val="accent1"/>
+          </a:lnRef>
+          <a:fillRef idx="0">
+            <a:schemeClr val="accent1"/>
+          </a:fillRef>
+          <a:effectRef idx="1">
+            <a:schemeClr val="accent1"/>
+          </a:effectRef>
+          <a:fontRef idx="minor">
+            <a:schemeClr val="tx1"/>
+          </a:fontRef>
+        </p:style>
+      </p:cxnSp>
+      <p:sp>
+        <p:nvSpPr>
+          <p:cNvPr id="60" name="Rectangle: Rounded Corners 59">
+            <a:extLst>
+              <a:ext uri="{FF2B5EF4-FFF2-40B4-BE49-F238E27FC236}">
+                <a16:creationId xmlns:a16="http://schemas.microsoft.com/office/drawing/2014/main" id="{55315F59-5291-A81E-9B29-544E903676C6}"/>
+              </a:ext>
+            </a:extLst>
+          </p:cNvPr>
+          <p:cNvSpPr/>
+          <p:nvPr/>
+        </p:nvSpPr>
+        <p:spPr>
+          <a:xfrm>
+            <a:off x="3299518" y="6198100"/>
+            <a:ext cx="731522" cy="365756"/>
+          </a:xfrm>
+          <a:prstGeom prst="roundRect">
+            <a:avLst/>
+          </a:prstGeom>
+        </p:spPr>
+        <p:style>
+          <a:lnRef idx="2">
+            <a:schemeClr val="accent1">
+              <a:shade val="15000"/>
+            </a:schemeClr>
+          </a:lnRef>
+          <a:fillRef idx="1">
+            <a:schemeClr val="accent1"/>
+          </a:fillRef>
+          <a:effectRef idx="0">
+            <a:schemeClr val="accent1"/>
+          </a:effectRef>
+          <a:fontRef idx="minor">
+            <a:schemeClr val="lt1"/>
+          </a:fontRef>
+        </p:style>
+        <p:txBody>
+          <a:bodyPr rtlCol="0" anchor="ctr"/>
+          <a:lstStyle/>
+          <a:p>
+            <a:pPr algn="ctr"/>
+            <a:r>
+              <a:rPr lang="en-US" sz="1000" dirty="0"/>
+              <a:t>Done</a:t>
+            </a:r>
+          </a:p>
+        </p:txBody>
+      </p:sp>
+      <p:cxnSp>
+        <p:nvCxnSpPr>
+          <p:cNvPr id="68" name="Straight Arrow Connector 67">
+            <a:extLst>
+              <a:ext uri="{FF2B5EF4-FFF2-40B4-BE49-F238E27FC236}">
+                <a16:creationId xmlns:a16="http://schemas.microsoft.com/office/drawing/2014/main" id="{1291B55A-5181-59A7-9740-2CD37380A778}"/>
+              </a:ext>
+            </a:extLst>
+          </p:cNvPr>
+          <p:cNvCxnSpPr>
+            <a:cxnSpLocks/>
+          </p:cNvCxnSpPr>
+          <p:nvPr/>
+        </p:nvCxnSpPr>
+        <p:spPr>
+          <a:xfrm flipH="1">
+            <a:off x="3665279" y="5881608"/>
+            <a:ext cx="1" cy="316492"/>
+          </a:xfrm>
+          <a:prstGeom prst="straightConnector1">
+            <a:avLst/>
+          </a:prstGeom>
+          <a:ln>
+            <a:tailEnd type="triangle"/>
+          </a:ln>
+        </p:spPr>
+        <p:style>
+          <a:lnRef idx="2">
+            <a:schemeClr val="accent1"/>
+          </a:lnRef>
+          <a:fillRef idx="0">
+            <a:schemeClr val="accent1"/>
+          </a:fillRef>
+          <a:effectRef idx="1">
+            <a:schemeClr val="accent1"/>
+          </a:effectRef>
+          <a:fontRef idx="minor">
+            <a:schemeClr val="tx1"/>
+          </a:fontRef>
+        </p:style>
+      </p:cxnSp>
+    </p:spTree>
+    <p:extLst>
+      <p:ext uri="{BB962C8B-B14F-4D97-AF65-F5344CB8AC3E}">
+        <p14:creationId xmlns:p14="http://schemas.microsoft.com/office/powerpoint/2010/main" val="2284448221"/>
       </p:ext>
     </p:extLst>
   </p:cSld>

--- a/Documentation/TeamScoreLayout.pptx
+++ b/Documentation/TeamScoreLayout.pptx
@@ -24,6 +24,7 @@
     <p:sldId id="259" r:id="rId18"/>
     <p:sldId id="276" r:id="rId19"/>
     <p:sldId id="277" r:id="rId20"/>
+    <p:sldId id="278" r:id="rId21"/>
   </p:sldIdLst>
   <p:sldSz cx="12192000" cy="6858000"/>
   <p:notesSz cx="6858000" cy="9144000"/>
@@ -844,7 +845,7 @@
           <a:p>
             <a:fld id="{955A69D3-FF78-44E1-BB41-3D13FA416A59}" type="datetimeFigureOut">
               <a:rPr lang="en-US" smtClean="0"/>
-              <a:t>07/14/24</a:t>
+              <a:t>07/18/24</a:t>
             </a:fld>
             <a:endParaRPr lang="en-US"/>
           </a:p>
@@ -1042,7 +1043,7 @@
           <a:p>
             <a:fld id="{955A69D3-FF78-44E1-BB41-3D13FA416A59}" type="datetimeFigureOut">
               <a:rPr lang="en-US" smtClean="0"/>
-              <a:t>07/14/24</a:t>
+              <a:t>07/18/24</a:t>
             </a:fld>
             <a:endParaRPr lang="en-US"/>
           </a:p>
@@ -1250,7 +1251,7 @@
           <a:p>
             <a:fld id="{955A69D3-FF78-44E1-BB41-3D13FA416A59}" type="datetimeFigureOut">
               <a:rPr lang="en-US" smtClean="0"/>
-              <a:t>07/14/24</a:t>
+              <a:t>07/18/24</a:t>
             </a:fld>
             <a:endParaRPr lang="en-US"/>
           </a:p>
@@ -1448,7 +1449,7 @@
           <a:p>
             <a:fld id="{955A69D3-FF78-44E1-BB41-3D13FA416A59}" type="datetimeFigureOut">
               <a:rPr lang="en-US" smtClean="0"/>
-              <a:t>07/14/24</a:t>
+              <a:t>07/18/24</a:t>
             </a:fld>
             <a:endParaRPr lang="en-US"/>
           </a:p>
@@ -1723,7 +1724,7 @@
           <a:p>
             <a:fld id="{955A69D3-FF78-44E1-BB41-3D13FA416A59}" type="datetimeFigureOut">
               <a:rPr lang="en-US" smtClean="0"/>
-              <a:t>07/14/24</a:t>
+              <a:t>07/18/24</a:t>
             </a:fld>
             <a:endParaRPr lang="en-US"/>
           </a:p>
@@ -1988,7 +1989,7 @@
           <a:p>
             <a:fld id="{955A69D3-FF78-44E1-BB41-3D13FA416A59}" type="datetimeFigureOut">
               <a:rPr lang="en-US" smtClean="0"/>
-              <a:t>07/14/24</a:t>
+              <a:t>07/18/24</a:t>
             </a:fld>
             <a:endParaRPr lang="en-US"/>
           </a:p>
@@ -2400,7 +2401,7 @@
           <a:p>
             <a:fld id="{955A69D3-FF78-44E1-BB41-3D13FA416A59}" type="datetimeFigureOut">
               <a:rPr lang="en-US" smtClean="0"/>
-              <a:t>07/14/24</a:t>
+              <a:t>07/18/24</a:t>
             </a:fld>
             <a:endParaRPr lang="en-US"/>
           </a:p>
@@ -2541,7 +2542,7 @@
           <a:p>
             <a:fld id="{955A69D3-FF78-44E1-BB41-3D13FA416A59}" type="datetimeFigureOut">
               <a:rPr lang="en-US" smtClean="0"/>
-              <a:t>07/14/24</a:t>
+              <a:t>07/18/24</a:t>
             </a:fld>
             <a:endParaRPr lang="en-US"/>
           </a:p>
@@ -2654,7 +2655,7 @@
           <a:p>
             <a:fld id="{955A69D3-FF78-44E1-BB41-3D13FA416A59}" type="datetimeFigureOut">
               <a:rPr lang="en-US" smtClean="0"/>
-              <a:t>07/14/24</a:t>
+              <a:t>07/18/24</a:t>
             </a:fld>
             <a:endParaRPr lang="en-US"/>
           </a:p>
@@ -2965,7 +2966,7 @@
           <a:p>
             <a:fld id="{955A69D3-FF78-44E1-BB41-3D13FA416A59}" type="datetimeFigureOut">
               <a:rPr lang="en-US" smtClean="0"/>
-              <a:t>07/14/24</a:t>
+              <a:t>07/18/24</a:t>
             </a:fld>
             <a:endParaRPr lang="en-US"/>
           </a:p>
@@ -3253,7 +3254,7 @@
           <a:p>
             <a:fld id="{955A69D3-FF78-44E1-BB41-3D13FA416A59}" type="datetimeFigureOut">
               <a:rPr lang="en-US" smtClean="0"/>
-              <a:t>07/14/24</a:t>
+              <a:t>07/18/24</a:t>
             </a:fld>
             <a:endParaRPr lang="en-US"/>
           </a:p>
@@ -3494,7 +3495,7 @@
           <a:p>
             <a:fld id="{955A69D3-FF78-44E1-BB41-3D13FA416A59}" type="datetimeFigureOut">
               <a:rPr lang="en-US" smtClean="0"/>
-              <a:t>07/14/24</a:t>
+              <a:t>07/18/24</a:t>
             </a:fld>
             <a:endParaRPr lang="en-US"/>
           </a:p>
@@ -23363,6 +23364,779 @@
 </p:sld>
 </file>
 
+<file path=ppt/slides/slide20.xml><?xml version="1.0" encoding="utf-8"?>
+<p:sld xmlns:a="http://schemas.openxmlformats.org/drawingml/2006/main" xmlns:r="http://schemas.openxmlformats.org/officeDocument/2006/relationships" xmlns:p="http://schemas.openxmlformats.org/presentationml/2006/main">
+  <p:cSld>
+    <p:spTree>
+      <p:nvGrpSpPr>
+        <p:cNvPr id="1" name=""/>
+        <p:cNvGrpSpPr/>
+        <p:nvPr/>
+      </p:nvGrpSpPr>
+      <p:grpSpPr>
+        <a:xfrm>
+          <a:off x="0" y="0"/>
+          <a:ext cx="0" cy="0"/>
+          <a:chOff x="0" y="0"/>
+          <a:chExt cx="0" cy="0"/>
+        </a:xfrm>
+      </p:grpSpPr>
+      <p:sp>
+        <p:nvSpPr>
+          <p:cNvPr id="2" name="TextBox 1">
+            <a:extLst>
+              <a:ext uri="{FF2B5EF4-FFF2-40B4-BE49-F238E27FC236}">
+                <a16:creationId xmlns:a16="http://schemas.microsoft.com/office/drawing/2014/main" id="{AD69A094-4417-3444-0EDB-25F9434D0F21}"/>
+              </a:ext>
+            </a:extLst>
+          </p:cNvPr>
+          <p:cNvSpPr txBox="1"/>
+          <p:nvPr/>
+        </p:nvSpPr>
+        <p:spPr>
+          <a:xfrm>
+            <a:off x="4891895" y="231591"/>
+            <a:ext cx="2810385" cy="307777"/>
+          </a:xfrm>
+          <a:prstGeom prst="rect">
+            <a:avLst/>
+          </a:prstGeom>
+          <a:noFill/>
+        </p:spPr>
+        <p:txBody>
+          <a:bodyPr wrap="none" rtlCol="0">
+            <a:spAutoFit/>
+          </a:bodyPr>
+          <a:lstStyle/>
+          <a:p>
+            <a:r>
+              <a:rPr lang="en-US" sz="1400" dirty="0"/>
+              <a:t>Player’s Junk Record Summary</a:t>
+            </a:r>
+          </a:p>
+        </p:txBody>
+      </p:sp>
+      <p:sp>
+        <p:nvSpPr>
+          <p:cNvPr id="3" name="Rectangle 2">
+            <a:extLst>
+              <a:ext uri="{FF2B5EF4-FFF2-40B4-BE49-F238E27FC236}">
+                <a16:creationId xmlns:a16="http://schemas.microsoft.com/office/drawing/2014/main" id="{70587729-96F8-BE25-410F-E773E810866A}"/>
+              </a:ext>
+            </a:extLst>
+          </p:cNvPr>
+          <p:cNvSpPr/>
+          <p:nvPr/>
+        </p:nvSpPr>
+        <p:spPr>
+          <a:xfrm>
+            <a:off x="1889806" y="1179625"/>
+            <a:ext cx="1463024" cy="420596"/>
+          </a:xfrm>
+          <a:prstGeom prst="rect">
+            <a:avLst/>
+          </a:prstGeom>
+        </p:spPr>
+        <p:style>
+          <a:lnRef idx="2">
+            <a:schemeClr val="accent1">
+              <a:shade val="15000"/>
+            </a:schemeClr>
+          </a:lnRef>
+          <a:fillRef idx="1">
+            <a:schemeClr val="accent1"/>
+          </a:fillRef>
+          <a:effectRef idx="0">
+            <a:schemeClr val="accent1"/>
+          </a:effectRef>
+          <a:fontRef idx="minor">
+            <a:schemeClr val="lt1"/>
+          </a:fontRef>
+        </p:style>
+        <p:txBody>
+          <a:bodyPr rtlCol="0" anchor="ctr"/>
+          <a:lstStyle/>
+          <a:p>
+            <a:pPr algn="ctr"/>
+            <a:r>
+              <a:rPr lang="en-US" sz="1200" dirty="0"/>
+              <a:t>Read junk records</a:t>
+            </a:r>
+          </a:p>
+        </p:txBody>
+      </p:sp>
+      <p:sp>
+        <p:nvSpPr>
+          <p:cNvPr id="4" name="Rectangle 3">
+            <a:extLst>
+              <a:ext uri="{FF2B5EF4-FFF2-40B4-BE49-F238E27FC236}">
+                <a16:creationId xmlns:a16="http://schemas.microsoft.com/office/drawing/2014/main" id="{59745F85-1673-02CC-AE0A-B195A7A4B21E}"/>
+              </a:ext>
+            </a:extLst>
+          </p:cNvPr>
+          <p:cNvSpPr/>
+          <p:nvPr/>
+        </p:nvSpPr>
+        <p:spPr>
+          <a:xfrm>
+            <a:off x="1889806" y="1965976"/>
+            <a:ext cx="1463024" cy="420596"/>
+          </a:xfrm>
+          <a:prstGeom prst="rect">
+            <a:avLst/>
+          </a:prstGeom>
+        </p:spPr>
+        <p:style>
+          <a:lnRef idx="2">
+            <a:schemeClr val="accent1">
+              <a:shade val="15000"/>
+            </a:schemeClr>
+          </a:lnRef>
+          <a:fillRef idx="1">
+            <a:schemeClr val="accent1"/>
+          </a:fillRef>
+          <a:effectRef idx="0">
+            <a:schemeClr val="accent1"/>
+          </a:effectRef>
+          <a:fontRef idx="minor">
+            <a:schemeClr val="lt1"/>
+          </a:fontRef>
+        </p:style>
+        <p:txBody>
+          <a:bodyPr rtlCol="0" anchor="ctr"/>
+          <a:lstStyle/>
+          <a:p>
+            <a:pPr algn="ctr"/>
+            <a:r>
+              <a:rPr lang="en-US" sz="1200" dirty="0"/>
+              <a:t>Read player’s junk records</a:t>
+            </a:r>
+          </a:p>
+        </p:txBody>
+      </p:sp>
+      <p:sp>
+        <p:nvSpPr>
+          <p:cNvPr id="8" name="Rectangle 7">
+            <a:extLst>
+              <a:ext uri="{FF2B5EF4-FFF2-40B4-BE49-F238E27FC236}">
+                <a16:creationId xmlns:a16="http://schemas.microsoft.com/office/drawing/2014/main" id="{4AD0E987-8AB1-9BE3-2032-53C6358A601B}"/>
+              </a:ext>
+            </a:extLst>
+          </p:cNvPr>
+          <p:cNvSpPr/>
+          <p:nvPr/>
+        </p:nvSpPr>
+        <p:spPr>
+          <a:xfrm>
+            <a:off x="1889806" y="2880366"/>
+            <a:ext cx="1463024" cy="420596"/>
+          </a:xfrm>
+          <a:prstGeom prst="rect">
+            <a:avLst/>
+          </a:prstGeom>
+        </p:spPr>
+        <p:style>
+          <a:lnRef idx="2">
+            <a:schemeClr val="accent1">
+              <a:shade val="15000"/>
+            </a:schemeClr>
+          </a:lnRef>
+          <a:fillRef idx="1">
+            <a:schemeClr val="accent1"/>
+          </a:fillRef>
+          <a:effectRef idx="0">
+            <a:schemeClr val="accent1"/>
+          </a:effectRef>
+          <a:fontRef idx="minor">
+            <a:schemeClr val="lt1"/>
+          </a:fontRef>
+        </p:style>
+        <p:txBody>
+          <a:bodyPr rtlCol="0" anchor="ctr"/>
+          <a:lstStyle/>
+          <a:p>
+            <a:pPr algn="ctr"/>
+            <a:r>
+              <a:rPr lang="en-US" sz="1200" dirty="0"/>
+              <a:t>Player junk Payouts</a:t>
+            </a:r>
+          </a:p>
+        </p:txBody>
+      </p:sp>
+      <p:sp>
+        <p:nvSpPr>
+          <p:cNvPr id="9" name="Rectangle 8">
+            <a:extLst>
+              <a:ext uri="{FF2B5EF4-FFF2-40B4-BE49-F238E27FC236}">
+                <a16:creationId xmlns:a16="http://schemas.microsoft.com/office/drawing/2014/main" id="{E7398BDD-FAC3-6DC9-C5C5-D26BE9D09B51}"/>
+              </a:ext>
+            </a:extLst>
+          </p:cNvPr>
+          <p:cNvSpPr/>
+          <p:nvPr/>
+        </p:nvSpPr>
+        <p:spPr>
+          <a:xfrm>
+            <a:off x="6833596" y="3596647"/>
+            <a:ext cx="1463024" cy="420596"/>
+          </a:xfrm>
+          <a:prstGeom prst="rect">
+            <a:avLst/>
+          </a:prstGeom>
+        </p:spPr>
+        <p:style>
+          <a:lnRef idx="2">
+            <a:schemeClr val="accent1">
+              <a:shade val="15000"/>
+            </a:schemeClr>
+          </a:lnRef>
+          <a:fillRef idx="1">
+            <a:schemeClr val="accent1"/>
+          </a:fillRef>
+          <a:effectRef idx="0">
+            <a:schemeClr val="accent1"/>
+          </a:effectRef>
+          <a:fontRef idx="minor">
+            <a:schemeClr val="lt1"/>
+          </a:fontRef>
+        </p:style>
+        <p:txBody>
+          <a:bodyPr rtlCol="0" anchor="ctr"/>
+          <a:lstStyle/>
+          <a:p>
+            <a:pPr algn="ctr"/>
+            <a:r>
+              <a:rPr lang="en-US" sz="1200" dirty="0"/>
+              <a:t>Junk Records List</a:t>
+            </a:r>
+          </a:p>
+        </p:txBody>
+      </p:sp>
+      <p:sp>
+        <p:nvSpPr>
+          <p:cNvPr id="10" name="Rectangle 9">
+            <a:extLst>
+              <a:ext uri="{FF2B5EF4-FFF2-40B4-BE49-F238E27FC236}">
+                <a16:creationId xmlns:a16="http://schemas.microsoft.com/office/drawing/2014/main" id="{922F3E8F-B3B3-D908-BC47-45F2CD8CB9BC}"/>
+              </a:ext>
+            </a:extLst>
+          </p:cNvPr>
+          <p:cNvSpPr/>
+          <p:nvPr/>
+        </p:nvSpPr>
+        <p:spPr>
+          <a:xfrm>
+            <a:off x="4541537" y="3544817"/>
+            <a:ext cx="1463024" cy="524256"/>
+          </a:xfrm>
+          <a:prstGeom prst="rect">
+            <a:avLst/>
+          </a:prstGeom>
+        </p:spPr>
+        <p:style>
+          <a:lnRef idx="2">
+            <a:schemeClr val="accent1">
+              <a:shade val="15000"/>
+            </a:schemeClr>
+          </a:lnRef>
+          <a:fillRef idx="1">
+            <a:schemeClr val="accent1"/>
+          </a:fillRef>
+          <a:effectRef idx="0">
+            <a:schemeClr val="accent1"/>
+          </a:effectRef>
+          <a:fontRef idx="minor">
+            <a:schemeClr val="lt1"/>
+          </a:fontRef>
+        </p:style>
+        <p:txBody>
+          <a:bodyPr rtlCol="0" anchor="ctr"/>
+          <a:lstStyle/>
+          <a:p>
+            <a:pPr algn="ctr"/>
+            <a:r>
+              <a:rPr lang="en-US" sz="1200" dirty="0"/>
+              <a:t>Find player junk record</a:t>
+            </a:r>
+          </a:p>
+        </p:txBody>
+      </p:sp>
+      <p:sp>
+        <p:nvSpPr>
+          <p:cNvPr id="11" name="Rectangle 10">
+            <a:extLst>
+              <a:ext uri="{FF2B5EF4-FFF2-40B4-BE49-F238E27FC236}">
+                <a16:creationId xmlns:a16="http://schemas.microsoft.com/office/drawing/2014/main" id="{60D3D7C2-A977-453F-95D8-DD4290F35FEF}"/>
+              </a:ext>
+            </a:extLst>
+          </p:cNvPr>
+          <p:cNvSpPr/>
+          <p:nvPr/>
+        </p:nvSpPr>
+        <p:spPr>
+          <a:xfrm>
+            <a:off x="4541537" y="2682290"/>
+            <a:ext cx="1463024" cy="420596"/>
+          </a:xfrm>
+          <a:prstGeom prst="rect">
+            <a:avLst/>
+          </a:prstGeom>
+        </p:spPr>
+        <p:style>
+          <a:lnRef idx="2">
+            <a:schemeClr val="accent1">
+              <a:shade val="15000"/>
+            </a:schemeClr>
+          </a:lnRef>
+          <a:fillRef idx="1">
+            <a:schemeClr val="accent1"/>
+          </a:fillRef>
+          <a:effectRef idx="0">
+            <a:schemeClr val="accent1"/>
+          </a:effectRef>
+          <a:fontRef idx="minor">
+            <a:schemeClr val="lt1"/>
+          </a:fontRef>
+        </p:style>
+        <p:txBody>
+          <a:bodyPr rtlCol="0" anchor="ctr"/>
+          <a:lstStyle/>
+          <a:p>
+            <a:pPr algn="ctr"/>
+            <a:r>
+              <a:rPr lang="en-US" sz="1200" dirty="0"/>
+              <a:t>Player’s junk records List</a:t>
+            </a:r>
+          </a:p>
+        </p:txBody>
+      </p:sp>
+      <p:cxnSp>
+        <p:nvCxnSpPr>
+          <p:cNvPr id="13" name="Straight Arrow Connector 12">
+            <a:extLst>
+              <a:ext uri="{FF2B5EF4-FFF2-40B4-BE49-F238E27FC236}">
+                <a16:creationId xmlns:a16="http://schemas.microsoft.com/office/drawing/2014/main" id="{14515C91-5BD1-A533-5F7E-C63568A0E82E}"/>
+              </a:ext>
+            </a:extLst>
+          </p:cNvPr>
+          <p:cNvCxnSpPr>
+            <a:cxnSpLocks/>
+            <a:stCxn id="10" idx="3"/>
+            <a:endCxn id="9" idx="1"/>
+          </p:cNvCxnSpPr>
+          <p:nvPr/>
+        </p:nvCxnSpPr>
+        <p:spPr>
+          <a:xfrm>
+            <a:off x="6004561" y="3806945"/>
+            <a:ext cx="829035" cy="0"/>
+          </a:xfrm>
+          <a:prstGeom prst="straightConnector1">
+            <a:avLst/>
+          </a:prstGeom>
+          <a:ln>
+            <a:tailEnd type="triangle"/>
+          </a:ln>
+        </p:spPr>
+        <p:style>
+          <a:lnRef idx="2">
+            <a:schemeClr val="accent1"/>
+          </a:lnRef>
+          <a:fillRef idx="0">
+            <a:schemeClr val="accent1"/>
+          </a:fillRef>
+          <a:effectRef idx="1">
+            <a:schemeClr val="accent1"/>
+          </a:effectRef>
+          <a:fontRef idx="minor">
+            <a:schemeClr val="tx1"/>
+          </a:fontRef>
+        </p:style>
+      </p:cxnSp>
+      <p:cxnSp>
+        <p:nvCxnSpPr>
+          <p:cNvPr id="18" name="Straight Arrow Connector 17">
+            <a:extLst>
+              <a:ext uri="{FF2B5EF4-FFF2-40B4-BE49-F238E27FC236}">
+                <a16:creationId xmlns:a16="http://schemas.microsoft.com/office/drawing/2014/main" id="{D0609DBB-E2CB-728A-27B1-FE3AF0C8E2BD}"/>
+              </a:ext>
+            </a:extLst>
+          </p:cNvPr>
+          <p:cNvCxnSpPr>
+            <a:cxnSpLocks/>
+            <a:stCxn id="11" idx="2"/>
+            <a:endCxn id="10" idx="0"/>
+          </p:cNvCxnSpPr>
+          <p:nvPr/>
+        </p:nvCxnSpPr>
+        <p:spPr>
+          <a:xfrm>
+            <a:off x="5273049" y="3102886"/>
+            <a:ext cx="0" cy="441931"/>
+          </a:xfrm>
+          <a:prstGeom prst="straightConnector1">
+            <a:avLst/>
+          </a:prstGeom>
+          <a:ln>
+            <a:tailEnd type="triangle"/>
+          </a:ln>
+        </p:spPr>
+        <p:style>
+          <a:lnRef idx="2">
+            <a:schemeClr val="accent1"/>
+          </a:lnRef>
+          <a:fillRef idx="0">
+            <a:schemeClr val="accent1"/>
+          </a:fillRef>
+          <a:effectRef idx="1">
+            <a:schemeClr val="accent1"/>
+          </a:effectRef>
+          <a:fontRef idx="minor">
+            <a:schemeClr val="tx1"/>
+          </a:fontRef>
+        </p:style>
+      </p:cxnSp>
+      <p:sp>
+        <p:nvSpPr>
+          <p:cNvPr id="21" name="TextBox 20">
+            <a:extLst>
+              <a:ext uri="{FF2B5EF4-FFF2-40B4-BE49-F238E27FC236}">
+                <a16:creationId xmlns:a16="http://schemas.microsoft.com/office/drawing/2014/main" id="{C3E835BA-4945-B979-93CB-FA56437A1D61}"/>
+              </a:ext>
+            </a:extLst>
+          </p:cNvPr>
+          <p:cNvSpPr txBox="1"/>
+          <p:nvPr/>
+        </p:nvSpPr>
+        <p:spPr>
+          <a:xfrm>
+            <a:off x="5242573" y="3185546"/>
+            <a:ext cx="442750" cy="230832"/>
+          </a:xfrm>
+          <a:prstGeom prst="rect">
+            <a:avLst/>
+          </a:prstGeom>
+          <a:noFill/>
+        </p:spPr>
+        <p:txBody>
+          <a:bodyPr wrap="none" rtlCol="0">
+            <a:spAutoFit/>
+          </a:bodyPr>
+          <a:lstStyle/>
+          <a:p>
+            <a:r>
+              <a:rPr lang="en-US" sz="900" dirty="0"/>
+              <a:t>Loop</a:t>
+            </a:r>
+          </a:p>
+        </p:txBody>
+      </p:sp>
+      <p:sp>
+        <p:nvSpPr>
+          <p:cNvPr id="23" name="TextBox 22">
+            <a:extLst>
+              <a:ext uri="{FF2B5EF4-FFF2-40B4-BE49-F238E27FC236}">
+                <a16:creationId xmlns:a16="http://schemas.microsoft.com/office/drawing/2014/main" id="{FF152FE0-9C05-CA77-E8CF-38697C98C714}"/>
+              </a:ext>
+            </a:extLst>
+          </p:cNvPr>
+          <p:cNvSpPr txBox="1"/>
+          <p:nvPr/>
+        </p:nvSpPr>
+        <p:spPr>
+          <a:xfrm>
+            <a:off x="6176050" y="3539129"/>
+            <a:ext cx="434734" cy="230832"/>
+          </a:xfrm>
+          <a:prstGeom prst="rect">
+            <a:avLst/>
+          </a:prstGeom>
+          <a:noFill/>
+        </p:spPr>
+        <p:txBody>
+          <a:bodyPr wrap="none" rtlCol="0">
+            <a:spAutoFit/>
+          </a:bodyPr>
+          <a:lstStyle/>
+          <a:p>
+            <a:r>
+              <a:rPr lang="en-US" sz="900" dirty="0"/>
+              <a:t>Find</a:t>
+            </a:r>
+          </a:p>
+        </p:txBody>
+      </p:sp>
+      <p:sp>
+        <p:nvSpPr>
+          <p:cNvPr id="24" name="Rectangle: Rounded Corners 23">
+            <a:extLst>
+              <a:ext uri="{FF2B5EF4-FFF2-40B4-BE49-F238E27FC236}">
+                <a16:creationId xmlns:a16="http://schemas.microsoft.com/office/drawing/2014/main" id="{D5CB6C9D-0EE7-3A7B-0424-217E548A6644}"/>
+              </a:ext>
+            </a:extLst>
+          </p:cNvPr>
+          <p:cNvSpPr/>
+          <p:nvPr/>
+        </p:nvSpPr>
+        <p:spPr>
+          <a:xfrm>
+            <a:off x="6158463" y="4791426"/>
+            <a:ext cx="1139947" cy="795089"/>
+          </a:xfrm>
+          <a:prstGeom prst="roundRect">
+            <a:avLst/>
+          </a:prstGeom>
+        </p:spPr>
+        <p:style>
+          <a:lnRef idx="2">
+            <a:schemeClr val="accent1">
+              <a:shade val="15000"/>
+            </a:schemeClr>
+          </a:lnRef>
+          <a:fillRef idx="1">
+            <a:schemeClr val="accent1"/>
+          </a:fillRef>
+          <a:effectRef idx="0">
+            <a:schemeClr val="accent1"/>
+          </a:effectRef>
+          <a:fontRef idx="minor">
+            <a:schemeClr val="lt1"/>
+          </a:fontRef>
+        </p:style>
+        <p:txBody>
+          <a:bodyPr rtlCol="0" anchor="ctr"/>
+          <a:lstStyle/>
+          <a:p>
+            <a:pPr algn="ctr"/>
+            <a:r>
+              <a:rPr lang="en-US" sz="1200" dirty="0"/>
+              <a:t>Add to Payout List</a:t>
+            </a:r>
+          </a:p>
+        </p:txBody>
+      </p:sp>
+      <p:sp>
+        <p:nvSpPr>
+          <p:cNvPr id="25" name="Rectangle: Rounded Corners 24">
+            <a:extLst>
+              <a:ext uri="{FF2B5EF4-FFF2-40B4-BE49-F238E27FC236}">
+                <a16:creationId xmlns:a16="http://schemas.microsoft.com/office/drawing/2014/main" id="{3A2F160C-9681-6623-1F45-47A2FA03DF3F}"/>
+              </a:ext>
+            </a:extLst>
+          </p:cNvPr>
+          <p:cNvSpPr/>
+          <p:nvPr/>
+        </p:nvSpPr>
+        <p:spPr>
+          <a:xfrm>
+            <a:off x="8128998" y="4761350"/>
+            <a:ext cx="1139947" cy="795089"/>
+          </a:xfrm>
+          <a:prstGeom prst="roundRect">
+            <a:avLst/>
+          </a:prstGeom>
+        </p:spPr>
+        <p:style>
+          <a:lnRef idx="2">
+            <a:schemeClr val="accent1">
+              <a:shade val="15000"/>
+            </a:schemeClr>
+          </a:lnRef>
+          <a:fillRef idx="1">
+            <a:schemeClr val="accent1"/>
+          </a:fillRef>
+          <a:effectRef idx="0">
+            <a:schemeClr val="accent1"/>
+          </a:effectRef>
+          <a:fontRef idx="minor">
+            <a:schemeClr val="lt1"/>
+          </a:fontRef>
+        </p:style>
+        <p:txBody>
+          <a:bodyPr rtlCol="0" anchor="ctr"/>
+          <a:lstStyle/>
+          <a:p>
+            <a:pPr algn="ctr"/>
+            <a:r>
+              <a:rPr lang="en-US" sz="1200" dirty="0"/>
+              <a:t>Add 1 to Payout List</a:t>
+            </a:r>
+          </a:p>
+        </p:txBody>
+      </p:sp>
+      <p:cxnSp>
+        <p:nvCxnSpPr>
+          <p:cNvPr id="27" name="Connector: Elbow 26">
+            <a:extLst>
+              <a:ext uri="{FF2B5EF4-FFF2-40B4-BE49-F238E27FC236}">
+                <a16:creationId xmlns:a16="http://schemas.microsoft.com/office/drawing/2014/main" id="{6C65218A-959F-0226-A04C-19454E53F9C3}"/>
+              </a:ext>
+            </a:extLst>
+          </p:cNvPr>
+          <p:cNvCxnSpPr>
+            <a:cxnSpLocks/>
+            <a:stCxn id="9" idx="2"/>
+            <a:endCxn id="24" idx="0"/>
+          </p:cNvCxnSpPr>
+          <p:nvPr/>
+        </p:nvCxnSpPr>
+        <p:spPr>
+          <a:xfrm rot="5400000">
+            <a:off x="6759682" y="3985999"/>
+            <a:ext cx="774183" cy="836671"/>
+          </a:xfrm>
+          <a:prstGeom prst="bentConnector3">
+            <a:avLst>
+              <a:gd name="adj1" fmla="val 50000"/>
+            </a:avLst>
+          </a:prstGeom>
+          <a:ln>
+            <a:tailEnd type="triangle"/>
+          </a:ln>
+        </p:spPr>
+        <p:style>
+          <a:lnRef idx="2">
+            <a:schemeClr val="accent1"/>
+          </a:lnRef>
+          <a:fillRef idx="0">
+            <a:schemeClr val="accent1"/>
+          </a:fillRef>
+          <a:effectRef idx="1">
+            <a:schemeClr val="accent1"/>
+          </a:effectRef>
+          <a:fontRef idx="minor">
+            <a:schemeClr val="tx1"/>
+          </a:fontRef>
+        </p:style>
+      </p:cxnSp>
+      <p:cxnSp>
+        <p:nvCxnSpPr>
+          <p:cNvPr id="31" name="Connector: Elbow 30">
+            <a:extLst>
+              <a:ext uri="{FF2B5EF4-FFF2-40B4-BE49-F238E27FC236}">
+                <a16:creationId xmlns:a16="http://schemas.microsoft.com/office/drawing/2014/main" id="{A05C8CA1-715F-B03E-578F-FA2AF9E4BF35}"/>
+              </a:ext>
+            </a:extLst>
+          </p:cNvPr>
+          <p:cNvCxnSpPr>
+            <a:cxnSpLocks/>
+            <a:stCxn id="9" idx="2"/>
+            <a:endCxn id="25" idx="0"/>
+          </p:cNvCxnSpPr>
+          <p:nvPr/>
+        </p:nvCxnSpPr>
+        <p:spPr>
+          <a:xfrm rot="16200000" flipH="1">
+            <a:off x="7759987" y="3822364"/>
+            <a:ext cx="744107" cy="1133864"/>
+          </a:xfrm>
+          <a:prstGeom prst="bentConnector3">
+            <a:avLst>
+              <a:gd name="adj1" fmla="val 50000"/>
+            </a:avLst>
+          </a:prstGeom>
+          <a:ln>
+            <a:tailEnd type="triangle"/>
+          </a:ln>
+        </p:spPr>
+        <p:style>
+          <a:lnRef idx="2">
+            <a:schemeClr val="accent1"/>
+          </a:lnRef>
+          <a:fillRef idx="0">
+            <a:schemeClr val="accent1"/>
+          </a:fillRef>
+          <a:effectRef idx="1">
+            <a:schemeClr val="accent1"/>
+          </a:effectRef>
+          <a:fontRef idx="minor">
+            <a:schemeClr val="tx1"/>
+          </a:fontRef>
+        </p:style>
+      </p:cxnSp>
+      <p:sp>
+        <p:nvSpPr>
+          <p:cNvPr id="36" name="TextBox 35">
+            <a:extLst>
+              <a:ext uri="{FF2B5EF4-FFF2-40B4-BE49-F238E27FC236}">
+                <a16:creationId xmlns:a16="http://schemas.microsoft.com/office/drawing/2014/main" id="{07B561AE-5D4D-4556-721B-9C5EFEFD28DD}"/>
+              </a:ext>
+            </a:extLst>
+          </p:cNvPr>
+          <p:cNvSpPr txBox="1"/>
+          <p:nvPr/>
+        </p:nvSpPr>
+        <p:spPr>
+          <a:xfrm>
+            <a:off x="6738255" y="4170651"/>
+            <a:ext cx="755335" cy="230832"/>
+          </a:xfrm>
+          <a:prstGeom prst="rect">
+            <a:avLst/>
+          </a:prstGeom>
+          <a:noFill/>
+        </p:spPr>
+        <p:txBody>
+          <a:bodyPr wrap="none" rtlCol="0">
+            <a:spAutoFit/>
+          </a:bodyPr>
+          <a:lstStyle/>
+          <a:p>
+            <a:r>
+              <a:rPr lang="en-US" sz="900" dirty="0"/>
+              <a:t>Not Found</a:t>
+            </a:r>
+          </a:p>
+        </p:txBody>
+      </p:sp>
+      <p:sp>
+        <p:nvSpPr>
+          <p:cNvPr id="37" name="TextBox 36">
+            <a:extLst>
+              <a:ext uri="{FF2B5EF4-FFF2-40B4-BE49-F238E27FC236}">
+                <a16:creationId xmlns:a16="http://schemas.microsoft.com/office/drawing/2014/main" id="{613D3346-9035-B5E3-312E-C29013DF2078}"/>
+              </a:ext>
+            </a:extLst>
+          </p:cNvPr>
+          <p:cNvSpPr txBox="1"/>
+          <p:nvPr/>
+        </p:nvSpPr>
+        <p:spPr>
+          <a:xfrm>
+            <a:off x="7872120" y="4183955"/>
+            <a:ext cx="526106" cy="230832"/>
+          </a:xfrm>
+          <a:prstGeom prst="rect">
+            <a:avLst/>
+          </a:prstGeom>
+          <a:noFill/>
+        </p:spPr>
+        <p:txBody>
+          <a:bodyPr wrap="none" rtlCol="0">
+            <a:spAutoFit/>
+          </a:bodyPr>
+          <a:lstStyle/>
+          <a:p>
+            <a:r>
+              <a:rPr lang="en-US" sz="900" dirty="0"/>
+              <a:t>Found</a:t>
+            </a:r>
+          </a:p>
+        </p:txBody>
+      </p:sp>
+    </p:spTree>
+    <p:extLst>
+      <p:ext uri="{BB962C8B-B14F-4D97-AF65-F5344CB8AC3E}">
+        <p14:creationId xmlns:p14="http://schemas.microsoft.com/office/powerpoint/2010/main" val="2254224989"/>
+      </p:ext>
+    </p:extLst>
+  </p:cSld>
+  <p:clrMapOvr>
+    <a:masterClrMapping/>
+  </p:clrMapOvr>
+</p:sld>
+</file>
+
 <file path=ppt/slides/slide3.xml><?xml version="1.0" encoding="utf-8"?>
 <p:sld xmlns:a="http://schemas.openxmlformats.org/drawingml/2006/main" xmlns:r="http://schemas.openxmlformats.org/officeDocument/2006/relationships" xmlns:p="http://schemas.openxmlformats.org/presentationml/2006/main">
   <p:cSld>

--- a/Documentation/TeamScoreLayout.pptx
+++ b/Documentation/TeamScoreLayout.pptx
@@ -25,6 +25,7 @@
     <p:sldId id="276" r:id="rId19"/>
     <p:sldId id="277" r:id="rId20"/>
     <p:sldId id="278" r:id="rId21"/>
+    <p:sldId id="279" r:id="rId22"/>
   </p:sldIdLst>
   <p:sldSz cx="12192000" cy="6858000"/>
   <p:notesSz cx="6858000" cy="9144000"/>
@@ -845,7 +846,7 @@
           <a:p>
             <a:fld id="{955A69D3-FF78-44E1-BB41-3D13FA416A59}" type="datetimeFigureOut">
               <a:rPr lang="en-US" smtClean="0"/>
-              <a:t>07/18/24</a:t>
+              <a:t>07/24/24</a:t>
             </a:fld>
             <a:endParaRPr lang="en-US"/>
           </a:p>
@@ -1043,7 +1044,7 @@
           <a:p>
             <a:fld id="{955A69D3-FF78-44E1-BB41-3D13FA416A59}" type="datetimeFigureOut">
               <a:rPr lang="en-US" smtClean="0"/>
-              <a:t>07/18/24</a:t>
+              <a:t>07/24/24</a:t>
             </a:fld>
             <a:endParaRPr lang="en-US"/>
           </a:p>
@@ -1251,7 +1252,7 @@
           <a:p>
             <a:fld id="{955A69D3-FF78-44E1-BB41-3D13FA416A59}" type="datetimeFigureOut">
               <a:rPr lang="en-US" smtClean="0"/>
-              <a:t>07/18/24</a:t>
+              <a:t>07/24/24</a:t>
             </a:fld>
             <a:endParaRPr lang="en-US"/>
           </a:p>
@@ -1449,7 +1450,7 @@
           <a:p>
             <a:fld id="{955A69D3-FF78-44E1-BB41-3D13FA416A59}" type="datetimeFigureOut">
               <a:rPr lang="en-US" smtClean="0"/>
-              <a:t>07/18/24</a:t>
+              <a:t>07/24/24</a:t>
             </a:fld>
             <a:endParaRPr lang="en-US"/>
           </a:p>
@@ -1724,7 +1725,7 @@
           <a:p>
             <a:fld id="{955A69D3-FF78-44E1-BB41-3D13FA416A59}" type="datetimeFigureOut">
               <a:rPr lang="en-US" smtClean="0"/>
-              <a:t>07/18/24</a:t>
+              <a:t>07/24/24</a:t>
             </a:fld>
             <a:endParaRPr lang="en-US"/>
           </a:p>
@@ -1989,7 +1990,7 @@
           <a:p>
             <a:fld id="{955A69D3-FF78-44E1-BB41-3D13FA416A59}" type="datetimeFigureOut">
               <a:rPr lang="en-US" smtClean="0"/>
-              <a:t>07/18/24</a:t>
+              <a:t>07/24/24</a:t>
             </a:fld>
             <a:endParaRPr lang="en-US"/>
           </a:p>
@@ -2401,7 +2402,7 @@
           <a:p>
             <a:fld id="{955A69D3-FF78-44E1-BB41-3D13FA416A59}" type="datetimeFigureOut">
               <a:rPr lang="en-US" smtClean="0"/>
-              <a:t>07/18/24</a:t>
+              <a:t>07/24/24</a:t>
             </a:fld>
             <a:endParaRPr lang="en-US"/>
           </a:p>
@@ -2542,7 +2543,7 @@
           <a:p>
             <a:fld id="{955A69D3-FF78-44E1-BB41-3D13FA416A59}" type="datetimeFigureOut">
               <a:rPr lang="en-US" smtClean="0"/>
-              <a:t>07/18/24</a:t>
+              <a:t>07/24/24</a:t>
             </a:fld>
             <a:endParaRPr lang="en-US"/>
           </a:p>
@@ -2655,7 +2656,7 @@
           <a:p>
             <a:fld id="{955A69D3-FF78-44E1-BB41-3D13FA416A59}" type="datetimeFigureOut">
               <a:rPr lang="en-US" smtClean="0"/>
-              <a:t>07/18/24</a:t>
+              <a:t>07/24/24</a:t>
             </a:fld>
             <a:endParaRPr lang="en-US"/>
           </a:p>
@@ -2966,7 +2967,7 @@
           <a:p>
             <a:fld id="{955A69D3-FF78-44E1-BB41-3D13FA416A59}" type="datetimeFigureOut">
               <a:rPr lang="en-US" smtClean="0"/>
-              <a:t>07/18/24</a:t>
+              <a:t>07/24/24</a:t>
             </a:fld>
             <a:endParaRPr lang="en-US"/>
           </a:p>
@@ -3254,7 +3255,7 @@
           <a:p>
             <a:fld id="{955A69D3-FF78-44E1-BB41-3D13FA416A59}" type="datetimeFigureOut">
               <a:rPr lang="en-US" smtClean="0"/>
-              <a:t>07/18/24</a:t>
+              <a:t>07/24/24</a:t>
             </a:fld>
             <a:endParaRPr lang="en-US"/>
           </a:p>
@@ -3495,7 +3496,7 @@
           <a:p>
             <a:fld id="{955A69D3-FF78-44E1-BB41-3D13FA416A59}" type="datetimeFigureOut">
               <a:rPr lang="en-US" smtClean="0"/>
-              <a:t>07/18/24</a:t>
+              <a:t>07/24/24</a:t>
             </a:fld>
             <a:endParaRPr lang="en-US"/>
           </a:p>
@@ -24137,6 +24138,1097 @@
 </p:sld>
 </file>
 
+<file path=ppt/slides/slide21.xml><?xml version="1.0" encoding="utf-8"?>
+<p:sld xmlns:a="http://schemas.openxmlformats.org/drawingml/2006/main" xmlns:r="http://schemas.openxmlformats.org/officeDocument/2006/relationships" xmlns:p="http://schemas.openxmlformats.org/presentationml/2006/main">
+  <p:cSld>
+    <p:spTree>
+      <p:nvGrpSpPr>
+        <p:cNvPr id="1" name=""/>
+        <p:cNvGrpSpPr/>
+        <p:nvPr/>
+      </p:nvGrpSpPr>
+      <p:grpSpPr>
+        <a:xfrm>
+          <a:off x="0" y="0"/>
+          <a:ext cx="0" cy="0"/>
+          <a:chOff x="0" y="0"/>
+          <a:chExt cx="0" cy="0"/>
+        </a:xfrm>
+      </p:grpSpPr>
+      <p:sp>
+        <p:nvSpPr>
+          <p:cNvPr id="2" name="TextBox 1">
+            <a:extLst>
+              <a:ext uri="{FF2B5EF4-FFF2-40B4-BE49-F238E27FC236}">
+                <a16:creationId xmlns:a16="http://schemas.microsoft.com/office/drawing/2014/main" id="{25B1F769-4CA8-A3FF-59FA-B20FE7B3E281}"/>
+              </a:ext>
+            </a:extLst>
+          </p:cNvPr>
+          <p:cNvSpPr txBox="1"/>
+          <p:nvPr/>
+        </p:nvSpPr>
+        <p:spPr>
+          <a:xfrm>
+            <a:off x="4541537" y="228635"/>
+            <a:ext cx="1854995" cy="307777"/>
+          </a:xfrm>
+          <a:prstGeom prst="rect">
+            <a:avLst/>
+          </a:prstGeom>
+          <a:noFill/>
+        </p:spPr>
+        <p:txBody>
+          <a:bodyPr wrap="none" rtlCol="0">
+            <a:spAutoFit/>
+          </a:bodyPr>
+          <a:lstStyle/>
+          <a:p>
+            <a:r>
+              <a:rPr lang="en-US" sz="1400" dirty="0"/>
+              <a:t>Backup and Restore</a:t>
+            </a:r>
+          </a:p>
+        </p:txBody>
+      </p:sp>
+      <p:sp>
+        <p:nvSpPr>
+          <p:cNvPr id="3" name="Rectangle: Rounded Corners 2">
+            <a:extLst>
+              <a:ext uri="{FF2B5EF4-FFF2-40B4-BE49-F238E27FC236}">
+                <a16:creationId xmlns:a16="http://schemas.microsoft.com/office/drawing/2014/main" id="{0A15D18F-8409-522A-30D2-6948D23BB3EC}"/>
+              </a:ext>
+            </a:extLst>
+          </p:cNvPr>
+          <p:cNvSpPr/>
+          <p:nvPr/>
+        </p:nvSpPr>
+        <p:spPr>
+          <a:xfrm>
+            <a:off x="4815853" y="1143025"/>
+            <a:ext cx="1371585" cy="457196"/>
+          </a:xfrm>
+          <a:prstGeom prst="roundRect">
+            <a:avLst/>
+          </a:prstGeom>
+        </p:spPr>
+        <p:style>
+          <a:lnRef idx="2">
+            <a:schemeClr val="accent1">
+              <a:shade val="15000"/>
+            </a:schemeClr>
+          </a:lnRef>
+          <a:fillRef idx="1">
+            <a:schemeClr val="accent1"/>
+          </a:fillRef>
+          <a:effectRef idx="0">
+            <a:schemeClr val="accent1"/>
+          </a:effectRef>
+          <a:fontRef idx="minor">
+            <a:schemeClr val="lt1"/>
+          </a:fontRef>
+        </p:style>
+        <p:txBody>
+          <a:bodyPr rtlCol="0" anchor="t"/>
+          <a:lstStyle/>
+          <a:p>
+            <a:pPr algn="ctr"/>
+            <a:r>
+              <a:rPr lang="en-US" sz="1200" dirty="0"/>
+              <a:t>Backup &amp; Restore Dialog</a:t>
+            </a:r>
+          </a:p>
+        </p:txBody>
+      </p:sp>
+      <p:sp>
+        <p:nvSpPr>
+          <p:cNvPr id="4" name="Rectangle: Rounded Corners 3">
+            <a:extLst>
+              <a:ext uri="{FF2B5EF4-FFF2-40B4-BE49-F238E27FC236}">
+                <a16:creationId xmlns:a16="http://schemas.microsoft.com/office/drawing/2014/main" id="{D2EF614B-2DAF-EB2A-A4FC-3D9BF87C488E}"/>
+              </a:ext>
+            </a:extLst>
+          </p:cNvPr>
+          <p:cNvSpPr/>
+          <p:nvPr/>
+        </p:nvSpPr>
+        <p:spPr>
+          <a:xfrm>
+            <a:off x="5090170" y="2023956"/>
+            <a:ext cx="822950" cy="365756"/>
+          </a:xfrm>
+          <a:prstGeom prst="roundRect">
+            <a:avLst/>
+          </a:prstGeom>
+        </p:spPr>
+        <p:style>
+          <a:lnRef idx="2">
+            <a:schemeClr val="accent1">
+              <a:shade val="15000"/>
+            </a:schemeClr>
+          </a:lnRef>
+          <a:fillRef idx="1">
+            <a:schemeClr val="accent1"/>
+          </a:fillRef>
+          <a:effectRef idx="0">
+            <a:schemeClr val="accent1"/>
+          </a:effectRef>
+          <a:fontRef idx="minor">
+            <a:schemeClr val="lt1"/>
+          </a:fontRef>
+        </p:style>
+        <p:txBody>
+          <a:bodyPr rtlCol="0" anchor="ctr"/>
+          <a:lstStyle/>
+          <a:p>
+            <a:pPr algn="ctr"/>
+            <a:r>
+              <a:rPr lang="en-US" sz="1000" dirty="0"/>
+              <a:t>Cancel</a:t>
+            </a:r>
+          </a:p>
+        </p:txBody>
+      </p:sp>
+      <p:sp>
+        <p:nvSpPr>
+          <p:cNvPr id="5" name="Rectangle: Rounded Corners 4">
+            <a:extLst>
+              <a:ext uri="{FF2B5EF4-FFF2-40B4-BE49-F238E27FC236}">
+                <a16:creationId xmlns:a16="http://schemas.microsoft.com/office/drawing/2014/main" id="{43E1D4B5-2A0F-9D77-9888-E0E121DDA7AE}"/>
+              </a:ext>
+            </a:extLst>
+          </p:cNvPr>
+          <p:cNvSpPr/>
+          <p:nvPr/>
+        </p:nvSpPr>
+        <p:spPr>
+          <a:xfrm>
+            <a:off x="3078513" y="2023956"/>
+            <a:ext cx="822950" cy="365756"/>
+          </a:xfrm>
+          <a:prstGeom prst="roundRect">
+            <a:avLst/>
+          </a:prstGeom>
+        </p:spPr>
+        <p:style>
+          <a:lnRef idx="2">
+            <a:schemeClr val="accent1">
+              <a:shade val="15000"/>
+            </a:schemeClr>
+          </a:lnRef>
+          <a:fillRef idx="1">
+            <a:schemeClr val="accent1"/>
+          </a:fillRef>
+          <a:effectRef idx="0">
+            <a:schemeClr val="accent1"/>
+          </a:effectRef>
+          <a:fontRef idx="minor">
+            <a:schemeClr val="lt1"/>
+          </a:fontRef>
+        </p:style>
+        <p:txBody>
+          <a:bodyPr rtlCol="0" anchor="ctr"/>
+          <a:lstStyle/>
+          <a:p>
+            <a:pPr algn="ctr"/>
+            <a:r>
+              <a:rPr lang="en-US" sz="1000" dirty="0"/>
+              <a:t>Backup</a:t>
+            </a:r>
+          </a:p>
+          <a:p>
+            <a:pPr algn="ctr"/>
+            <a:r>
+              <a:rPr lang="en-US" sz="1000" dirty="0"/>
+              <a:t>Close DB</a:t>
+            </a:r>
+          </a:p>
+        </p:txBody>
+      </p:sp>
+      <p:sp>
+        <p:nvSpPr>
+          <p:cNvPr id="6" name="Rectangle: Rounded Corners 5">
+            <a:extLst>
+              <a:ext uri="{FF2B5EF4-FFF2-40B4-BE49-F238E27FC236}">
+                <a16:creationId xmlns:a16="http://schemas.microsoft.com/office/drawing/2014/main" id="{A875E47A-A152-7A86-A4FC-A292C4B9CDCE}"/>
+              </a:ext>
+            </a:extLst>
+          </p:cNvPr>
+          <p:cNvSpPr/>
+          <p:nvPr/>
+        </p:nvSpPr>
+        <p:spPr>
+          <a:xfrm>
+            <a:off x="7017848" y="2023956"/>
+            <a:ext cx="822950" cy="365756"/>
+          </a:xfrm>
+          <a:prstGeom prst="roundRect">
+            <a:avLst/>
+          </a:prstGeom>
+        </p:spPr>
+        <p:style>
+          <a:lnRef idx="2">
+            <a:schemeClr val="accent1">
+              <a:shade val="15000"/>
+            </a:schemeClr>
+          </a:lnRef>
+          <a:fillRef idx="1">
+            <a:schemeClr val="accent1"/>
+          </a:fillRef>
+          <a:effectRef idx="0">
+            <a:schemeClr val="accent1"/>
+          </a:effectRef>
+          <a:fontRef idx="minor">
+            <a:schemeClr val="lt1"/>
+          </a:fontRef>
+        </p:style>
+        <p:txBody>
+          <a:bodyPr rtlCol="0" anchor="ctr"/>
+          <a:lstStyle/>
+          <a:p>
+            <a:pPr algn="ctr"/>
+            <a:r>
+              <a:rPr lang="en-US" sz="1000" dirty="0"/>
+              <a:t>Restore</a:t>
+            </a:r>
+          </a:p>
+          <a:p>
+            <a:pPr algn="ctr"/>
+            <a:r>
+              <a:rPr lang="en-US" sz="1000" dirty="0"/>
+              <a:t>Close DB</a:t>
+            </a:r>
+          </a:p>
+        </p:txBody>
+      </p:sp>
+      <p:cxnSp>
+        <p:nvCxnSpPr>
+          <p:cNvPr id="8" name="Straight Arrow Connector 7">
+            <a:extLst>
+              <a:ext uri="{FF2B5EF4-FFF2-40B4-BE49-F238E27FC236}">
+                <a16:creationId xmlns:a16="http://schemas.microsoft.com/office/drawing/2014/main" id="{189BDEC9-0DA6-5347-EC0D-89AE630B2FB4}"/>
+              </a:ext>
+            </a:extLst>
+          </p:cNvPr>
+          <p:cNvCxnSpPr>
+            <a:cxnSpLocks/>
+            <a:stCxn id="3" idx="2"/>
+            <a:endCxn id="4" idx="0"/>
+          </p:cNvCxnSpPr>
+          <p:nvPr/>
+        </p:nvCxnSpPr>
+        <p:spPr>
+          <a:xfrm flipH="1">
+            <a:off x="5501645" y="1600221"/>
+            <a:ext cx="1" cy="423735"/>
+          </a:xfrm>
+          <a:prstGeom prst="straightConnector1">
+            <a:avLst/>
+          </a:prstGeom>
+          <a:ln>
+            <a:tailEnd type="triangle"/>
+          </a:ln>
+        </p:spPr>
+        <p:style>
+          <a:lnRef idx="2">
+            <a:schemeClr val="accent1"/>
+          </a:lnRef>
+          <a:fillRef idx="0">
+            <a:schemeClr val="accent1"/>
+          </a:fillRef>
+          <a:effectRef idx="1">
+            <a:schemeClr val="accent1"/>
+          </a:effectRef>
+          <a:fontRef idx="minor">
+            <a:schemeClr val="tx1"/>
+          </a:fontRef>
+        </p:style>
+      </p:cxnSp>
+      <p:cxnSp>
+        <p:nvCxnSpPr>
+          <p:cNvPr id="13" name="Connector: Elbow 12">
+            <a:extLst>
+              <a:ext uri="{FF2B5EF4-FFF2-40B4-BE49-F238E27FC236}">
+                <a16:creationId xmlns:a16="http://schemas.microsoft.com/office/drawing/2014/main" id="{6BB7249F-B7D0-771D-2AA3-43E3B6343EEF}"/>
+              </a:ext>
+            </a:extLst>
+          </p:cNvPr>
+          <p:cNvCxnSpPr>
+            <a:cxnSpLocks/>
+            <a:stCxn id="3" idx="1"/>
+            <a:endCxn id="5" idx="0"/>
+          </p:cNvCxnSpPr>
+          <p:nvPr/>
+        </p:nvCxnSpPr>
+        <p:spPr>
+          <a:xfrm rot="10800000" flipV="1">
+            <a:off x="3489989" y="1371622"/>
+            <a:ext cx="1325865" cy="652333"/>
+          </a:xfrm>
+          <a:prstGeom prst="bentConnector2">
+            <a:avLst/>
+          </a:prstGeom>
+          <a:ln>
+            <a:tailEnd type="triangle"/>
+          </a:ln>
+        </p:spPr>
+        <p:style>
+          <a:lnRef idx="2">
+            <a:schemeClr val="accent1"/>
+          </a:lnRef>
+          <a:fillRef idx="0">
+            <a:schemeClr val="accent1"/>
+          </a:fillRef>
+          <a:effectRef idx="1">
+            <a:schemeClr val="accent1"/>
+          </a:effectRef>
+          <a:fontRef idx="minor">
+            <a:schemeClr val="tx1"/>
+          </a:fontRef>
+        </p:style>
+      </p:cxnSp>
+      <p:cxnSp>
+        <p:nvCxnSpPr>
+          <p:cNvPr id="17" name="Connector: Elbow 16">
+            <a:extLst>
+              <a:ext uri="{FF2B5EF4-FFF2-40B4-BE49-F238E27FC236}">
+                <a16:creationId xmlns:a16="http://schemas.microsoft.com/office/drawing/2014/main" id="{1F6FEFFB-843C-AF57-CF12-FAA8E19D38DA}"/>
+              </a:ext>
+            </a:extLst>
+          </p:cNvPr>
+          <p:cNvCxnSpPr>
+            <a:cxnSpLocks/>
+            <a:stCxn id="3" idx="3"/>
+            <a:endCxn id="6" idx="0"/>
+          </p:cNvCxnSpPr>
+          <p:nvPr/>
+        </p:nvCxnSpPr>
+        <p:spPr>
+          <a:xfrm>
+            <a:off x="6187438" y="1371623"/>
+            <a:ext cx="1241885" cy="652333"/>
+          </a:xfrm>
+          <a:prstGeom prst="bentConnector2">
+            <a:avLst/>
+          </a:prstGeom>
+          <a:ln>
+            <a:tailEnd type="triangle"/>
+          </a:ln>
+        </p:spPr>
+        <p:style>
+          <a:lnRef idx="2">
+            <a:schemeClr val="accent1"/>
+          </a:lnRef>
+          <a:fillRef idx="0">
+            <a:schemeClr val="accent1"/>
+          </a:fillRef>
+          <a:effectRef idx="1">
+            <a:schemeClr val="accent1"/>
+          </a:effectRef>
+          <a:fontRef idx="minor">
+            <a:schemeClr val="tx1"/>
+          </a:fontRef>
+        </p:style>
+      </p:cxnSp>
+      <p:sp>
+        <p:nvSpPr>
+          <p:cNvPr id="20" name="Rectangle: Rounded Corners 19">
+            <a:extLst>
+              <a:ext uri="{FF2B5EF4-FFF2-40B4-BE49-F238E27FC236}">
+                <a16:creationId xmlns:a16="http://schemas.microsoft.com/office/drawing/2014/main" id="{D05807A9-8310-CFAA-57FB-83375D490336}"/>
+              </a:ext>
+            </a:extLst>
+          </p:cNvPr>
+          <p:cNvSpPr/>
+          <p:nvPr/>
+        </p:nvSpPr>
+        <p:spPr>
+          <a:xfrm>
+            <a:off x="2895634" y="2859166"/>
+            <a:ext cx="1188707" cy="643049"/>
+          </a:xfrm>
+          <a:prstGeom prst="roundRect">
+            <a:avLst/>
+          </a:prstGeom>
+        </p:spPr>
+        <p:style>
+          <a:lnRef idx="2">
+            <a:schemeClr val="accent1">
+              <a:shade val="15000"/>
+            </a:schemeClr>
+          </a:lnRef>
+          <a:fillRef idx="1">
+            <a:schemeClr val="accent1"/>
+          </a:fillRef>
+          <a:effectRef idx="0">
+            <a:schemeClr val="accent1"/>
+          </a:effectRef>
+          <a:fontRef idx="minor">
+            <a:schemeClr val="lt1"/>
+          </a:fontRef>
+        </p:style>
+        <p:txBody>
+          <a:bodyPr rtlCol="0" anchor="ctr"/>
+          <a:lstStyle/>
+          <a:p>
+            <a:pPr algn="ctr"/>
+            <a:r>
+              <a:rPr lang="en-US" sz="1000" dirty="0"/>
+              <a:t>Copy </a:t>
+            </a:r>
+            <a:r>
+              <a:rPr lang="en-US" sz="1000" dirty="0" err="1"/>
+              <a:t>db</a:t>
+            </a:r>
+            <a:r>
+              <a:rPr lang="en-US" sz="1000" dirty="0"/>
+              <a:t> to Download directory</a:t>
+            </a:r>
+          </a:p>
+        </p:txBody>
+      </p:sp>
+      <p:sp>
+        <p:nvSpPr>
+          <p:cNvPr id="21" name="Rectangle: Rounded Corners 20">
+            <a:extLst>
+              <a:ext uri="{FF2B5EF4-FFF2-40B4-BE49-F238E27FC236}">
+                <a16:creationId xmlns:a16="http://schemas.microsoft.com/office/drawing/2014/main" id="{9CDABD32-9876-8BC8-86A0-E284CE90F7F9}"/>
+              </a:ext>
+            </a:extLst>
+          </p:cNvPr>
+          <p:cNvSpPr/>
+          <p:nvPr/>
+        </p:nvSpPr>
+        <p:spPr>
+          <a:xfrm>
+            <a:off x="4815853" y="3825237"/>
+            <a:ext cx="1188706" cy="463160"/>
+          </a:xfrm>
+          <a:prstGeom prst="roundRect">
+            <a:avLst/>
+          </a:prstGeom>
+        </p:spPr>
+        <p:style>
+          <a:lnRef idx="2">
+            <a:schemeClr val="accent1">
+              <a:shade val="15000"/>
+            </a:schemeClr>
+          </a:lnRef>
+          <a:fillRef idx="1">
+            <a:schemeClr val="accent1"/>
+          </a:fillRef>
+          <a:effectRef idx="0">
+            <a:schemeClr val="accent1"/>
+          </a:effectRef>
+          <a:fontRef idx="minor">
+            <a:schemeClr val="lt1"/>
+          </a:fontRef>
+        </p:style>
+        <p:txBody>
+          <a:bodyPr rtlCol="0" anchor="ctr"/>
+          <a:lstStyle/>
+          <a:p>
+            <a:pPr algn="ctr"/>
+            <a:r>
+              <a:rPr lang="en-US" sz="1000" dirty="0"/>
+              <a:t>Display results in Dialog</a:t>
+            </a:r>
+          </a:p>
+        </p:txBody>
+      </p:sp>
+      <p:sp>
+        <p:nvSpPr>
+          <p:cNvPr id="22" name="Rectangle: Rounded Corners 21">
+            <a:extLst>
+              <a:ext uri="{FF2B5EF4-FFF2-40B4-BE49-F238E27FC236}">
+                <a16:creationId xmlns:a16="http://schemas.microsoft.com/office/drawing/2014/main" id="{C539C6C4-E4FC-0AE7-027A-A606F5C7F0D8}"/>
+              </a:ext>
+            </a:extLst>
+          </p:cNvPr>
+          <p:cNvSpPr/>
+          <p:nvPr/>
+        </p:nvSpPr>
+        <p:spPr>
+          <a:xfrm>
+            <a:off x="883977" y="2328756"/>
+            <a:ext cx="822950" cy="365756"/>
+          </a:xfrm>
+          <a:prstGeom prst="roundRect">
+            <a:avLst/>
+          </a:prstGeom>
+        </p:spPr>
+        <p:style>
+          <a:lnRef idx="2">
+            <a:schemeClr val="accent1">
+              <a:shade val="15000"/>
+            </a:schemeClr>
+          </a:lnRef>
+          <a:fillRef idx="1">
+            <a:schemeClr val="accent1"/>
+          </a:fillRef>
+          <a:effectRef idx="0">
+            <a:schemeClr val="accent1"/>
+          </a:effectRef>
+          <a:fontRef idx="minor">
+            <a:schemeClr val="lt1"/>
+          </a:fontRef>
+        </p:style>
+        <p:txBody>
+          <a:bodyPr rtlCol="0" anchor="ctr"/>
+          <a:lstStyle/>
+          <a:p>
+            <a:pPr algn="ctr"/>
+            <a:r>
+              <a:rPr lang="en-US" sz="1000" dirty="0"/>
+              <a:t>Backup</a:t>
+            </a:r>
+          </a:p>
+        </p:txBody>
+      </p:sp>
+      <p:sp>
+        <p:nvSpPr>
+          <p:cNvPr id="23" name="Rectangle: Rounded Corners 22">
+            <a:extLst>
+              <a:ext uri="{FF2B5EF4-FFF2-40B4-BE49-F238E27FC236}">
+                <a16:creationId xmlns:a16="http://schemas.microsoft.com/office/drawing/2014/main" id="{EB0EB2C9-05B2-B05D-9F47-D17873D7CDBD}"/>
+              </a:ext>
+            </a:extLst>
+          </p:cNvPr>
+          <p:cNvSpPr/>
+          <p:nvPr/>
+        </p:nvSpPr>
+        <p:spPr>
+          <a:xfrm>
+            <a:off x="792538" y="1697789"/>
+            <a:ext cx="822950" cy="365756"/>
+          </a:xfrm>
+          <a:prstGeom prst="roundRect">
+            <a:avLst/>
+          </a:prstGeom>
+        </p:spPr>
+        <p:style>
+          <a:lnRef idx="2">
+            <a:schemeClr val="accent1">
+              <a:shade val="15000"/>
+            </a:schemeClr>
+          </a:lnRef>
+          <a:fillRef idx="1">
+            <a:schemeClr val="accent1"/>
+          </a:fillRef>
+          <a:effectRef idx="0">
+            <a:schemeClr val="accent1"/>
+          </a:effectRef>
+          <a:fontRef idx="minor">
+            <a:schemeClr val="lt1"/>
+          </a:fontRef>
+        </p:style>
+        <p:txBody>
+          <a:bodyPr rtlCol="0" anchor="ctr"/>
+          <a:lstStyle/>
+          <a:p>
+            <a:pPr algn="ctr"/>
+            <a:r>
+              <a:rPr lang="en-US" sz="1000" dirty="0"/>
+              <a:t>Backup</a:t>
+            </a:r>
+          </a:p>
+        </p:txBody>
+      </p:sp>
+      <p:sp>
+        <p:nvSpPr>
+          <p:cNvPr id="24" name="Rectangle: Rounded Corners 23">
+            <a:extLst>
+              <a:ext uri="{FF2B5EF4-FFF2-40B4-BE49-F238E27FC236}">
+                <a16:creationId xmlns:a16="http://schemas.microsoft.com/office/drawing/2014/main" id="{E7A9B7CF-FCF8-474A-AC55-94754F7B0BEE}"/>
+              </a:ext>
+            </a:extLst>
+          </p:cNvPr>
+          <p:cNvSpPr/>
+          <p:nvPr/>
+        </p:nvSpPr>
+        <p:spPr>
+          <a:xfrm>
+            <a:off x="4815853" y="5041243"/>
+            <a:ext cx="1227435" cy="478440"/>
+          </a:xfrm>
+          <a:prstGeom prst="roundRect">
+            <a:avLst/>
+          </a:prstGeom>
+        </p:spPr>
+        <p:style>
+          <a:lnRef idx="2">
+            <a:schemeClr val="accent1">
+              <a:shade val="15000"/>
+            </a:schemeClr>
+          </a:lnRef>
+          <a:fillRef idx="1">
+            <a:schemeClr val="accent1"/>
+          </a:fillRef>
+          <a:effectRef idx="0">
+            <a:schemeClr val="accent1"/>
+          </a:effectRef>
+          <a:fontRef idx="minor">
+            <a:schemeClr val="lt1"/>
+          </a:fontRef>
+        </p:style>
+        <p:txBody>
+          <a:bodyPr rtlCol="0" anchor="ctr"/>
+          <a:lstStyle/>
+          <a:p>
+            <a:pPr algn="ctr"/>
+            <a:r>
+              <a:rPr lang="en-US" sz="1000" dirty="0"/>
+              <a:t>Change Cancel key to Done</a:t>
+            </a:r>
+          </a:p>
+        </p:txBody>
+      </p:sp>
+      <p:sp>
+        <p:nvSpPr>
+          <p:cNvPr id="25" name="Rectangle: Rounded Corners 24">
+            <a:extLst>
+              <a:ext uri="{FF2B5EF4-FFF2-40B4-BE49-F238E27FC236}">
+                <a16:creationId xmlns:a16="http://schemas.microsoft.com/office/drawing/2014/main" id="{C1A31FC5-56DA-F3F1-B2CF-8C5F2DFC0C1C}"/>
+              </a:ext>
+            </a:extLst>
+          </p:cNvPr>
+          <p:cNvSpPr/>
+          <p:nvPr/>
+        </p:nvSpPr>
+        <p:spPr>
+          <a:xfrm>
+            <a:off x="6834970" y="3794756"/>
+            <a:ext cx="1188707" cy="524122"/>
+          </a:xfrm>
+          <a:prstGeom prst="roundRect">
+            <a:avLst/>
+          </a:prstGeom>
+        </p:spPr>
+        <p:style>
+          <a:lnRef idx="2">
+            <a:schemeClr val="accent1">
+              <a:shade val="15000"/>
+            </a:schemeClr>
+          </a:lnRef>
+          <a:fillRef idx="1">
+            <a:schemeClr val="accent1"/>
+          </a:fillRef>
+          <a:effectRef idx="0">
+            <a:schemeClr val="accent1"/>
+          </a:effectRef>
+          <a:fontRef idx="minor">
+            <a:schemeClr val="lt1"/>
+          </a:fontRef>
+        </p:style>
+        <p:txBody>
+          <a:bodyPr rtlCol="0" anchor="ctr"/>
+          <a:lstStyle/>
+          <a:p>
+            <a:pPr algn="ctr"/>
+            <a:r>
+              <a:rPr lang="en-US" sz="1000" dirty="0"/>
+              <a:t>Copy file to Room directory</a:t>
+            </a:r>
+          </a:p>
+        </p:txBody>
+      </p:sp>
+      <p:sp>
+        <p:nvSpPr>
+          <p:cNvPr id="26" name="Rectangle: Rounded Corners 25">
+            <a:extLst>
+              <a:ext uri="{FF2B5EF4-FFF2-40B4-BE49-F238E27FC236}">
+                <a16:creationId xmlns:a16="http://schemas.microsoft.com/office/drawing/2014/main" id="{34BECD60-0490-F27E-9D2A-DCEB7F2204AC}"/>
+              </a:ext>
+            </a:extLst>
+          </p:cNvPr>
+          <p:cNvSpPr/>
+          <p:nvPr/>
+        </p:nvSpPr>
+        <p:spPr>
+          <a:xfrm>
+            <a:off x="7017848" y="2840898"/>
+            <a:ext cx="822950" cy="365756"/>
+          </a:xfrm>
+          <a:prstGeom prst="roundRect">
+            <a:avLst/>
+          </a:prstGeom>
+        </p:spPr>
+        <p:style>
+          <a:lnRef idx="2">
+            <a:schemeClr val="accent1">
+              <a:shade val="15000"/>
+            </a:schemeClr>
+          </a:lnRef>
+          <a:fillRef idx="1">
+            <a:schemeClr val="accent1"/>
+          </a:fillRef>
+          <a:effectRef idx="0">
+            <a:schemeClr val="accent1"/>
+          </a:effectRef>
+          <a:fontRef idx="minor">
+            <a:schemeClr val="lt1"/>
+          </a:fontRef>
+        </p:style>
+        <p:txBody>
+          <a:bodyPr rtlCol="0" anchor="ctr"/>
+          <a:lstStyle/>
+          <a:p>
+            <a:pPr algn="ctr"/>
+            <a:r>
+              <a:rPr lang="en-US" sz="1000" dirty="0"/>
+              <a:t>Validate file exist</a:t>
+            </a:r>
+          </a:p>
+        </p:txBody>
+      </p:sp>
+      <p:cxnSp>
+        <p:nvCxnSpPr>
+          <p:cNvPr id="28" name="Straight Arrow Connector 27">
+            <a:extLst>
+              <a:ext uri="{FF2B5EF4-FFF2-40B4-BE49-F238E27FC236}">
+                <a16:creationId xmlns:a16="http://schemas.microsoft.com/office/drawing/2014/main" id="{3423D09D-91B1-5873-DA89-6933403FC83A}"/>
+              </a:ext>
+            </a:extLst>
+          </p:cNvPr>
+          <p:cNvCxnSpPr>
+            <a:cxnSpLocks/>
+            <a:stCxn id="5" idx="2"/>
+            <a:endCxn id="20" idx="0"/>
+          </p:cNvCxnSpPr>
+          <p:nvPr/>
+        </p:nvCxnSpPr>
+        <p:spPr>
+          <a:xfrm>
+            <a:off x="3489988" y="2389712"/>
+            <a:ext cx="0" cy="469454"/>
+          </a:xfrm>
+          <a:prstGeom prst="straightConnector1">
+            <a:avLst/>
+          </a:prstGeom>
+          <a:ln>
+            <a:tailEnd type="triangle"/>
+          </a:ln>
+        </p:spPr>
+        <p:style>
+          <a:lnRef idx="2">
+            <a:schemeClr val="accent1"/>
+          </a:lnRef>
+          <a:fillRef idx="0">
+            <a:schemeClr val="accent1"/>
+          </a:fillRef>
+          <a:effectRef idx="1">
+            <a:schemeClr val="accent1"/>
+          </a:effectRef>
+          <a:fontRef idx="minor">
+            <a:schemeClr val="tx1"/>
+          </a:fontRef>
+        </p:style>
+      </p:cxnSp>
+      <p:cxnSp>
+        <p:nvCxnSpPr>
+          <p:cNvPr id="32" name="Connector: Elbow 31">
+            <a:extLst>
+              <a:ext uri="{FF2B5EF4-FFF2-40B4-BE49-F238E27FC236}">
+                <a16:creationId xmlns:a16="http://schemas.microsoft.com/office/drawing/2014/main" id="{18F78F68-DC86-9502-DFDA-EEBBBDDED866}"/>
+              </a:ext>
+            </a:extLst>
+          </p:cNvPr>
+          <p:cNvCxnSpPr>
+            <a:cxnSpLocks/>
+            <a:stCxn id="20" idx="2"/>
+            <a:endCxn id="21" idx="1"/>
+          </p:cNvCxnSpPr>
+          <p:nvPr/>
+        </p:nvCxnSpPr>
+        <p:spPr>
+          <a:xfrm rot="16200000" flipH="1">
+            <a:off x="3875619" y="3116583"/>
+            <a:ext cx="554602" cy="1325865"/>
+          </a:xfrm>
+          <a:prstGeom prst="bentConnector2">
+            <a:avLst/>
+          </a:prstGeom>
+          <a:ln>
+            <a:tailEnd type="triangle"/>
+          </a:ln>
+        </p:spPr>
+        <p:style>
+          <a:lnRef idx="2">
+            <a:schemeClr val="accent1"/>
+          </a:lnRef>
+          <a:fillRef idx="0">
+            <a:schemeClr val="accent1"/>
+          </a:fillRef>
+          <a:effectRef idx="1">
+            <a:schemeClr val="accent1"/>
+          </a:effectRef>
+          <a:fontRef idx="minor">
+            <a:schemeClr val="tx1"/>
+          </a:fontRef>
+        </p:style>
+      </p:cxnSp>
+      <p:cxnSp>
+        <p:nvCxnSpPr>
+          <p:cNvPr id="36" name="Connector: Elbow 35">
+            <a:extLst>
+              <a:ext uri="{FF2B5EF4-FFF2-40B4-BE49-F238E27FC236}">
+                <a16:creationId xmlns:a16="http://schemas.microsoft.com/office/drawing/2014/main" id="{46630F7B-0EE7-C65C-823D-518C967886DA}"/>
+              </a:ext>
+            </a:extLst>
+          </p:cNvPr>
+          <p:cNvCxnSpPr>
+            <a:cxnSpLocks/>
+            <a:stCxn id="26" idx="1"/>
+            <a:endCxn id="21" idx="0"/>
+          </p:cNvCxnSpPr>
+          <p:nvPr/>
+        </p:nvCxnSpPr>
+        <p:spPr>
+          <a:xfrm rot="10800000" flipV="1">
+            <a:off x="5410206" y="3023775"/>
+            <a:ext cx="1607642" cy="801461"/>
+          </a:xfrm>
+          <a:prstGeom prst="bentConnector2">
+            <a:avLst/>
+          </a:prstGeom>
+          <a:ln>
+            <a:tailEnd type="triangle"/>
+          </a:ln>
+        </p:spPr>
+        <p:style>
+          <a:lnRef idx="2">
+            <a:schemeClr val="accent1"/>
+          </a:lnRef>
+          <a:fillRef idx="0">
+            <a:schemeClr val="accent1"/>
+          </a:fillRef>
+          <a:effectRef idx="1">
+            <a:schemeClr val="accent1"/>
+          </a:effectRef>
+          <a:fontRef idx="minor">
+            <a:schemeClr val="tx1"/>
+          </a:fontRef>
+        </p:style>
+      </p:cxnSp>
+      <p:sp>
+        <p:nvSpPr>
+          <p:cNvPr id="39" name="TextBox 38">
+            <a:extLst>
+              <a:ext uri="{FF2B5EF4-FFF2-40B4-BE49-F238E27FC236}">
+                <a16:creationId xmlns:a16="http://schemas.microsoft.com/office/drawing/2014/main" id="{42BCB425-1E7D-DFAA-06C8-58CB1CF9ACE5}"/>
+              </a:ext>
+            </a:extLst>
+          </p:cNvPr>
+          <p:cNvSpPr txBox="1"/>
+          <p:nvPr/>
+        </p:nvSpPr>
+        <p:spPr>
+          <a:xfrm>
+            <a:off x="5326228" y="2809226"/>
+            <a:ext cx="1082348" cy="246221"/>
+          </a:xfrm>
+          <a:prstGeom prst="rect">
+            <a:avLst/>
+          </a:prstGeom>
+          <a:noFill/>
+        </p:spPr>
+        <p:txBody>
+          <a:bodyPr wrap="none" rtlCol="0">
+            <a:spAutoFit/>
+          </a:bodyPr>
+          <a:lstStyle/>
+          <a:p>
+            <a:r>
+              <a:rPr lang="en-US" sz="1000" dirty="0"/>
+              <a:t>File Not Found</a:t>
+            </a:r>
+          </a:p>
+        </p:txBody>
+      </p:sp>
+      <p:cxnSp>
+        <p:nvCxnSpPr>
+          <p:cNvPr id="41" name="Straight Arrow Connector 40">
+            <a:extLst>
+              <a:ext uri="{FF2B5EF4-FFF2-40B4-BE49-F238E27FC236}">
+                <a16:creationId xmlns:a16="http://schemas.microsoft.com/office/drawing/2014/main" id="{87584680-3FB9-1024-351D-182FF2AC413E}"/>
+              </a:ext>
+            </a:extLst>
+          </p:cNvPr>
+          <p:cNvCxnSpPr>
+            <a:cxnSpLocks/>
+            <a:stCxn id="6" idx="2"/>
+            <a:endCxn id="26" idx="0"/>
+          </p:cNvCxnSpPr>
+          <p:nvPr/>
+        </p:nvCxnSpPr>
+        <p:spPr>
+          <a:xfrm>
+            <a:off x="7429323" y="2389712"/>
+            <a:ext cx="0" cy="451186"/>
+          </a:xfrm>
+          <a:prstGeom prst="straightConnector1">
+            <a:avLst/>
+          </a:prstGeom>
+          <a:ln>
+            <a:tailEnd type="triangle"/>
+          </a:ln>
+        </p:spPr>
+        <p:style>
+          <a:lnRef idx="2">
+            <a:schemeClr val="accent1"/>
+          </a:lnRef>
+          <a:fillRef idx="0">
+            <a:schemeClr val="accent1"/>
+          </a:fillRef>
+          <a:effectRef idx="1">
+            <a:schemeClr val="accent1"/>
+          </a:effectRef>
+          <a:fontRef idx="minor">
+            <a:schemeClr val="tx1"/>
+          </a:fontRef>
+        </p:style>
+      </p:cxnSp>
+      <p:cxnSp>
+        <p:nvCxnSpPr>
+          <p:cNvPr id="46" name="Straight Arrow Connector 45">
+            <a:extLst>
+              <a:ext uri="{FF2B5EF4-FFF2-40B4-BE49-F238E27FC236}">
+                <a16:creationId xmlns:a16="http://schemas.microsoft.com/office/drawing/2014/main" id="{8BD77FEF-CCD2-281E-AC3B-BE21AD3ADB4D}"/>
+              </a:ext>
+            </a:extLst>
+          </p:cNvPr>
+          <p:cNvCxnSpPr>
+            <a:cxnSpLocks/>
+            <a:stCxn id="26" idx="2"/>
+            <a:endCxn id="25" idx="0"/>
+          </p:cNvCxnSpPr>
+          <p:nvPr/>
+        </p:nvCxnSpPr>
+        <p:spPr>
+          <a:xfrm>
+            <a:off x="7429323" y="3206654"/>
+            <a:ext cx="1" cy="588102"/>
+          </a:xfrm>
+          <a:prstGeom prst="straightConnector1">
+            <a:avLst/>
+          </a:prstGeom>
+          <a:ln>
+            <a:tailEnd type="triangle"/>
+          </a:ln>
+        </p:spPr>
+        <p:style>
+          <a:lnRef idx="2">
+            <a:schemeClr val="accent1"/>
+          </a:lnRef>
+          <a:fillRef idx="0">
+            <a:schemeClr val="accent1"/>
+          </a:fillRef>
+          <a:effectRef idx="1">
+            <a:schemeClr val="accent1"/>
+          </a:effectRef>
+          <a:fontRef idx="minor">
+            <a:schemeClr val="tx1"/>
+          </a:fontRef>
+        </p:style>
+      </p:cxnSp>
+      <p:cxnSp>
+        <p:nvCxnSpPr>
+          <p:cNvPr id="52" name="Straight Arrow Connector 51">
+            <a:extLst>
+              <a:ext uri="{FF2B5EF4-FFF2-40B4-BE49-F238E27FC236}">
+                <a16:creationId xmlns:a16="http://schemas.microsoft.com/office/drawing/2014/main" id="{AD00FCBD-0703-0CE8-FE73-2159C1A64C46}"/>
+              </a:ext>
+            </a:extLst>
+          </p:cNvPr>
+          <p:cNvCxnSpPr>
+            <a:cxnSpLocks/>
+            <a:stCxn id="25" idx="1"/>
+            <a:endCxn id="21" idx="3"/>
+          </p:cNvCxnSpPr>
+          <p:nvPr/>
+        </p:nvCxnSpPr>
+        <p:spPr>
+          <a:xfrm flipH="1">
+            <a:off x="6004559" y="4056817"/>
+            <a:ext cx="830411" cy="0"/>
+          </a:xfrm>
+          <a:prstGeom prst="straightConnector1">
+            <a:avLst/>
+          </a:prstGeom>
+          <a:ln>
+            <a:tailEnd type="triangle"/>
+          </a:ln>
+        </p:spPr>
+        <p:style>
+          <a:lnRef idx="2">
+            <a:schemeClr val="accent1"/>
+          </a:lnRef>
+          <a:fillRef idx="0">
+            <a:schemeClr val="accent1"/>
+          </a:fillRef>
+          <a:effectRef idx="1">
+            <a:schemeClr val="accent1"/>
+          </a:effectRef>
+          <a:fontRef idx="minor">
+            <a:schemeClr val="tx1"/>
+          </a:fontRef>
+        </p:style>
+      </p:cxnSp>
+      <p:cxnSp>
+        <p:nvCxnSpPr>
+          <p:cNvPr id="59" name="Straight Arrow Connector 58">
+            <a:extLst>
+              <a:ext uri="{FF2B5EF4-FFF2-40B4-BE49-F238E27FC236}">
+                <a16:creationId xmlns:a16="http://schemas.microsoft.com/office/drawing/2014/main" id="{4CF9C654-659F-4B47-E8AC-ED9DE193CAEB}"/>
+              </a:ext>
+            </a:extLst>
+          </p:cNvPr>
+          <p:cNvCxnSpPr>
+            <a:cxnSpLocks/>
+            <a:stCxn id="21" idx="2"/>
+            <a:endCxn id="24" idx="0"/>
+          </p:cNvCxnSpPr>
+          <p:nvPr/>
+        </p:nvCxnSpPr>
+        <p:spPr>
+          <a:xfrm>
+            <a:off x="5410206" y="4288397"/>
+            <a:ext cx="19365" cy="752846"/>
+          </a:xfrm>
+          <a:prstGeom prst="straightConnector1">
+            <a:avLst/>
+          </a:prstGeom>
+          <a:ln>
+            <a:tailEnd type="triangle"/>
+          </a:ln>
+        </p:spPr>
+        <p:style>
+          <a:lnRef idx="2">
+            <a:schemeClr val="accent1"/>
+          </a:lnRef>
+          <a:fillRef idx="0">
+            <a:schemeClr val="accent1"/>
+          </a:fillRef>
+          <a:effectRef idx="1">
+            <a:schemeClr val="accent1"/>
+          </a:effectRef>
+          <a:fontRef idx="minor">
+            <a:schemeClr val="tx1"/>
+          </a:fontRef>
+        </p:style>
+      </p:cxnSp>
+    </p:spTree>
+    <p:extLst>
+      <p:ext uri="{BB962C8B-B14F-4D97-AF65-F5344CB8AC3E}">
+        <p14:creationId xmlns:p14="http://schemas.microsoft.com/office/powerpoint/2010/main" val="1707950672"/>
+      </p:ext>
+    </p:extLst>
+  </p:cSld>
+  <p:clrMapOvr>
+    <a:masterClrMapping/>
+  </p:clrMapOvr>
+</p:sld>
+</file>
+
 <file path=ppt/slides/slide3.xml><?xml version="1.0" encoding="utf-8"?>
 <p:sld xmlns:a="http://schemas.openxmlformats.org/drawingml/2006/main" xmlns:r="http://schemas.openxmlformats.org/officeDocument/2006/relationships" xmlns:p="http://schemas.openxmlformats.org/presentationml/2006/main">
   <p:cSld>

--- a/Documentation/TeamScoreLayout.pptx
+++ b/Documentation/TeamScoreLayout.pptx
@@ -26,6 +26,7 @@
     <p:sldId id="277" r:id="rId20"/>
     <p:sldId id="278" r:id="rId21"/>
     <p:sldId id="279" r:id="rId22"/>
+    <p:sldId id="280" r:id="rId23"/>
   </p:sldIdLst>
   <p:sldSz cx="12192000" cy="6858000"/>
   <p:notesSz cx="6858000" cy="9144000"/>
@@ -846,7 +847,7 @@
           <a:p>
             <a:fld id="{955A69D3-FF78-44E1-BB41-3D13FA416A59}" type="datetimeFigureOut">
               <a:rPr lang="en-US" smtClean="0"/>
-              <a:t>07/24/24</a:t>
+              <a:t>07/28/24</a:t>
             </a:fld>
             <a:endParaRPr lang="en-US"/>
           </a:p>
@@ -1044,7 +1045,7 @@
           <a:p>
             <a:fld id="{955A69D3-FF78-44E1-BB41-3D13FA416A59}" type="datetimeFigureOut">
               <a:rPr lang="en-US" smtClean="0"/>
-              <a:t>07/24/24</a:t>
+              <a:t>07/28/24</a:t>
             </a:fld>
             <a:endParaRPr lang="en-US"/>
           </a:p>
@@ -1252,7 +1253,7 @@
           <a:p>
             <a:fld id="{955A69D3-FF78-44E1-BB41-3D13FA416A59}" type="datetimeFigureOut">
               <a:rPr lang="en-US" smtClean="0"/>
-              <a:t>07/24/24</a:t>
+              <a:t>07/28/24</a:t>
             </a:fld>
             <a:endParaRPr lang="en-US"/>
           </a:p>
@@ -1450,7 +1451,7 @@
           <a:p>
             <a:fld id="{955A69D3-FF78-44E1-BB41-3D13FA416A59}" type="datetimeFigureOut">
               <a:rPr lang="en-US" smtClean="0"/>
-              <a:t>07/24/24</a:t>
+              <a:t>07/28/24</a:t>
             </a:fld>
             <a:endParaRPr lang="en-US"/>
           </a:p>
@@ -1725,7 +1726,7 @@
           <a:p>
             <a:fld id="{955A69D3-FF78-44E1-BB41-3D13FA416A59}" type="datetimeFigureOut">
               <a:rPr lang="en-US" smtClean="0"/>
-              <a:t>07/24/24</a:t>
+              <a:t>07/28/24</a:t>
             </a:fld>
             <a:endParaRPr lang="en-US"/>
           </a:p>
@@ -1990,7 +1991,7 @@
           <a:p>
             <a:fld id="{955A69D3-FF78-44E1-BB41-3D13FA416A59}" type="datetimeFigureOut">
               <a:rPr lang="en-US" smtClean="0"/>
-              <a:t>07/24/24</a:t>
+              <a:t>07/28/24</a:t>
             </a:fld>
             <a:endParaRPr lang="en-US"/>
           </a:p>
@@ -2402,7 +2403,7 @@
           <a:p>
             <a:fld id="{955A69D3-FF78-44E1-BB41-3D13FA416A59}" type="datetimeFigureOut">
               <a:rPr lang="en-US" smtClean="0"/>
-              <a:t>07/24/24</a:t>
+              <a:t>07/28/24</a:t>
             </a:fld>
             <a:endParaRPr lang="en-US"/>
           </a:p>
@@ -2543,7 +2544,7 @@
           <a:p>
             <a:fld id="{955A69D3-FF78-44E1-BB41-3D13FA416A59}" type="datetimeFigureOut">
               <a:rPr lang="en-US" smtClean="0"/>
-              <a:t>07/24/24</a:t>
+              <a:t>07/28/24</a:t>
             </a:fld>
             <a:endParaRPr lang="en-US"/>
           </a:p>
@@ -2656,7 +2657,7 @@
           <a:p>
             <a:fld id="{955A69D3-FF78-44E1-BB41-3D13FA416A59}" type="datetimeFigureOut">
               <a:rPr lang="en-US" smtClean="0"/>
-              <a:t>07/24/24</a:t>
+              <a:t>07/28/24</a:t>
             </a:fld>
             <a:endParaRPr lang="en-US"/>
           </a:p>
@@ -2967,7 +2968,7 @@
           <a:p>
             <a:fld id="{955A69D3-FF78-44E1-BB41-3D13FA416A59}" type="datetimeFigureOut">
               <a:rPr lang="en-US" smtClean="0"/>
-              <a:t>07/24/24</a:t>
+              <a:t>07/28/24</a:t>
             </a:fld>
             <a:endParaRPr lang="en-US"/>
           </a:p>
@@ -3255,7 +3256,7 @@
           <a:p>
             <a:fld id="{955A69D3-FF78-44E1-BB41-3D13FA416A59}" type="datetimeFigureOut">
               <a:rPr lang="en-US" smtClean="0"/>
-              <a:t>07/24/24</a:t>
+              <a:t>07/28/24</a:t>
             </a:fld>
             <a:endParaRPr lang="en-US"/>
           </a:p>
@@ -3496,7 +3497,7 @@
           <a:p>
             <a:fld id="{955A69D3-FF78-44E1-BB41-3D13FA416A59}" type="datetimeFigureOut">
               <a:rPr lang="en-US" smtClean="0"/>
-              <a:t>07/24/24</a:t>
+              <a:t>07/28/24</a:t>
             </a:fld>
             <a:endParaRPr lang="en-US"/>
           </a:p>
@@ -25229,6 +25230,868 @@
 </p:sld>
 </file>
 
+<file path=ppt/slides/slide22.xml><?xml version="1.0" encoding="utf-8"?>
+<p:sld xmlns:a="http://schemas.openxmlformats.org/drawingml/2006/main" xmlns:r="http://schemas.openxmlformats.org/officeDocument/2006/relationships" xmlns:p="http://schemas.openxmlformats.org/presentationml/2006/main">
+  <p:cSld>
+    <p:spTree>
+      <p:nvGrpSpPr>
+        <p:cNvPr id="1" name=""/>
+        <p:cNvGrpSpPr/>
+        <p:nvPr/>
+      </p:nvGrpSpPr>
+      <p:grpSpPr>
+        <a:xfrm>
+          <a:off x="0" y="0"/>
+          <a:ext cx="0" cy="0"/>
+          <a:chOff x="0" y="0"/>
+          <a:chExt cx="0" cy="0"/>
+        </a:xfrm>
+      </p:grpSpPr>
+      <p:sp>
+        <p:nvSpPr>
+          <p:cNvPr id="2" name="TextBox 1">
+            <a:extLst>
+              <a:ext uri="{FF2B5EF4-FFF2-40B4-BE49-F238E27FC236}">
+                <a16:creationId xmlns:a16="http://schemas.microsoft.com/office/drawing/2014/main" id="{CBEC5733-B174-F6C3-E222-B9AF0CB97721}"/>
+              </a:ext>
+            </a:extLst>
+          </p:cNvPr>
+          <p:cNvSpPr txBox="1"/>
+          <p:nvPr/>
+        </p:nvSpPr>
+        <p:spPr>
+          <a:xfrm>
+            <a:off x="5364488" y="320074"/>
+            <a:ext cx="1098378" cy="307777"/>
+          </a:xfrm>
+          <a:prstGeom prst="rect">
+            <a:avLst/>
+          </a:prstGeom>
+          <a:noFill/>
+        </p:spPr>
+        <p:txBody>
+          <a:bodyPr wrap="none" rtlCol="0">
+            <a:spAutoFit/>
+          </a:bodyPr>
+          <a:lstStyle/>
+          <a:p>
+            <a:r>
+              <a:rPr lang="en-US" sz="1400" dirty="0"/>
+              <a:t>Hole Notes</a:t>
+            </a:r>
+          </a:p>
+        </p:txBody>
+      </p:sp>
+      <p:sp>
+        <p:nvSpPr>
+          <p:cNvPr id="3" name="Rectangle 2">
+            <a:extLst>
+              <a:ext uri="{FF2B5EF4-FFF2-40B4-BE49-F238E27FC236}">
+                <a16:creationId xmlns:a16="http://schemas.microsoft.com/office/drawing/2014/main" id="{0E854473-7A81-5AF5-339B-93F49006DE43}"/>
+              </a:ext>
+            </a:extLst>
+          </p:cNvPr>
+          <p:cNvSpPr/>
+          <p:nvPr/>
+        </p:nvSpPr>
+        <p:spPr>
+          <a:xfrm>
+            <a:off x="2438440" y="1746610"/>
+            <a:ext cx="1097268" cy="365756"/>
+          </a:xfrm>
+          <a:prstGeom prst="rect">
+            <a:avLst/>
+          </a:prstGeom>
+        </p:spPr>
+        <p:style>
+          <a:lnRef idx="2">
+            <a:schemeClr val="accent1">
+              <a:shade val="15000"/>
+            </a:schemeClr>
+          </a:lnRef>
+          <a:fillRef idx="1">
+            <a:schemeClr val="accent1"/>
+          </a:fillRef>
+          <a:effectRef idx="0">
+            <a:schemeClr val="accent1"/>
+          </a:effectRef>
+          <a:fontRef idx="minor">
+            <a:schemeClr val="lt1"/>
+          </a:fontRef>
+        </p:style>
+        <p:txBody>
+          <a:bodyPr rtlCol="0" anchor="ctr"/>
+          <a:lstStyle/>
+          <a:p>
+            <a:pPr algn="ctr"/>
+            <a:r>
+              <a:rPr lang="en-US" sz="1200" dirty="0"/>
+              <a:t>Select Notes</a:t>
+            </a:r>
+          </a:p>
+        </p:txBody>
+      </p:sp>
+      <p:sp>
+        <p:nvSpPr>
+          <p:cNvPr id="5" name="Rectangle 4">
+            <a:extLst>
+              <a:ext uri="{FF2B5EF4-FFF2-40B4-BE49-F238E27FC236}">
+                <a16:creationId xmlns:a16="http://schemas.microsoft.com/office/drawing/2014/main" id="{69C69520-DEED-D5AA-249E-31F577EC65E7}"/>
+              </a:ext>
+            </a:extLst>
+          </p:cNvPr>
+          <p:cNvSpPr/>
+          <p:nvPr/>
+        </p:nvSpPr>
+        <p:spPr>
+          <a:xfrm>
+            <a:off x="2148865" y="3483770"/>
+            <a:ext cx="1676417" cy="512007"/>
+          </a:xfrm>
+          <a:prstGeom prst="rect">
+            <a:avLst/>
+          </a:prstGeom>
+        </p:spPr>
+        <p:style>
+          <a:lnRef idx="2">
+            <a:schemeClr val="accent1">
+              <a:shade val="15000"/>
+            </a:schemeClr>
+          </a:lnRef>
+          <a:fillRef idx="1">
+            <a:schemeClr val="accent1"/>
+          </a:fillRef>
+          <a:effectRef idx="0">
+            <a:schemeClr val="accent1"/>
+          </a:effectRef>
+          <a:fontRef idx="minor">
+            <a:schemeClr val="lt1"/>
+          </a:fontRef>
+        </p:style>
+        <p:txBody>
+          <a:bodyPr rtlCol="0" anchor="ctr"/>
+          <a:lstStyle/>
+          <a:p>
+            <a:pPr algn="ctr"/>
+            <a:r>
+              <a:rPr lang="en-US" sz="1200" dirty="0"/>
+              <a:t>Get note header text from view model</a:t>
+            </a:r>
+          </a:p>
+        </p:txBody>
+      </p:sp>
+      <p:sp>
+        <p:nvSpPr>
+          <p:cNvPr id="6" name="Rectangle 5">
+            <a:extLst>
+              <a:ext uri="{FF2B5EF4-FFF2-40B4-BE49-F238E27FC236}">
+                <a16:creationId xmlns:a16="http://schemas.microsoft.com/office/drawing/2014/main" id="{CEE5A8F2-5D3A-AE19-C131-44B7464609E6}"/>
+              </a:ext>
+            </a:extLst>
+          </p:cNvPr>
+          <p:cNvSpPr/>
+          <p:nvPr/>
+        </p:nvSpPr>
+        <p:spPr>
+          <a:xfrm>
+            <a:off x="2316536" y="4361672"/>
+            <a:ext cx="1325867" cy="621610"/>
+          </a:xfrm>
+          <a:prstGeom prst="rect">
+            <a:avLst/>
+          </a:prstGeom>
+        </p:spPr>
+        <p:style>
+          <a:lnRef idx="2">
+            <a:schemeClr val="accent1">
+              <a:shade val="15000"/>
+            </a:schemeClr>
+          </a:lnRef>
+          <a:fillRef idx="1">
+            <a:schemeClr val="accent1"/>
+          </a:fillRef>
+          <a:effectRef idx="0">
+            <a:schemeClr val="accent1"/>
+          </a:effectRef>
+          <a:fontRef idx="minor">
+            <a:schemeClr val="lt1"/>
+          </a:fontRef>
+        </p:style>
+        <p:txBody>
+          <a:bodyPr rtlCol="0" anchor="ctr"/>
+          <a:lstStyle/>
+          <a:p>
+            <a:pPr algn="ctr"/>
+            <a:r>
+              <a:rPr lang="en-US" sz="1200" dirty="0"/>
+              <a:t>Read note from current hole</a:t>
+            </a:r>
+          </a:p>
+        </p:txBody>
+      </p:sp>
+      <p:sp>
+        <p:nvSpPr>
+          <p:cNvPr id="7" name="Rectangle 6">
+            <a:extLst>
+              <a:ext uri="{FF2B5EF4-FFF2-40B4-BE49-F238E27FC236}">
+                <a16:creationId xmlns:a16="http://schemas.microsoft.com/office/drawing/2014/main" id="{7EE0C9FE-425E-90BD-4EAA-45C1DFA89630}"/>
+              </a:ext>
+            </a:extLst>
+          </p:cNvPr>
+          <p:cNvSpPr/>
+          <p:nvPr/>
+        </p:nvSpPr>
+        <p:spPr>
+          <a:xfrm>
+            <a:off x="396317" y="960147"/>
+            <a:ext cx="1920219" cy="365756"/>
+          </a:xfrm>
+          <a:prstGeom prst="rect">
+            <a:avLst/>
+          </a:prstGeom>
+        </p:spPr>
+        <p:style>
+          <a:lnRef idx="2">
+            <a:schemeClr val="accent1">
+              <a:shade val="15000"/>
+            </a:schemeClr>
+          </a:lnRef>
+          <a:fillRef idx="1">
+            <a:schemeClr val="accent1"/>
+          </a:fillRef>
+          <a:effectRef idx="0">
+            <a:schemeClr val="accent1"/>
+          </a:effectRef>
+          <a:fontRef idx="minor">
+            <a:schemeClr val="lt1"/>
+          </a:fontRef>
+        </p:style>
+        <p:txBody>
+          <a:bodyPr rtlCol="0" anchor="ctr"/>
+          <a:lstStyle/>
+          <a:p>
+            <a:pPr algn="ctr"/>
+            <a:r>
+              <a:rPr lang="en-US" sz="1200" dirty="0"/>
+              <a:t>Load Course record notes on screen startup</a:t>
+            </a:r>
+          </a:p>
+        </p:txBody>
+      </p:sp>
+      <p:cxnSp>
+        <p:nvCxnSpPr>
+          <p:cNvPr id="9" name="Straight Arrow Connector 8">
+            <a:extLst>
+              <a:ext uri="{FF2B5EF4-FFF2-40B4-BE49-F238E27FC236}">
+                <a16:creationId xmlns:a16="http://schemas.microsoft.com/office/drawing/2014/main" id="{2F244BD6-35B2-91B9-268A-9E02179B07A7}"/>
+              </a:ext>
+            </a:extLst>
+          </p:cNvPr>
+          <p:cNvCxnSpPr>
+            <a:cxnSpLocks/>
+            <a:stCxn id="3" idx="2"/>
+            <a:endCxn id="20" idx="0"/>
+          </p:cNvCxnSpPr>
+          <p:nvPr/>
+        </p:nvCxnSpPr>
+        <p:spPr>
+          <a:xfrm flipH="1">
+            <a:off x="2979470" y="2112366"/>
+            <a:ext cx="7604" cy="484552"/>
+          </a:xfrm>
+          <a:prstGeom prst="straightConnector1">
+            <a:avLst/>
+          </a:prstGeom>
+          <a:ln>
+            <a:tailEnd type="triangle"/>
+          </a:ln>
+        </p:spPr>
+        <p:style>
+          <a:lnRef idx="2">
+            <a:schemeClr val="accent1"/>
+          </a:lnRef>
+          <a:fillRef idx="0">
+            <a:schemeClr val="accent1"/>
+          </a:fillRef>
+          <a:effectRef idx="1">
+            <a:schemeClr val="accent1"/>
+          </a:effectRef>
+          <a:fontRef idx="minor">
+            <a:schemeClr val="tx1"/>
+          </a:fontRef>
+        </p:style>
+      </p:cxnSp>
+      <p:cxnSp>
+        <p:nvCxnSpPr>
+          <p:cNvPr id="14" name="Straight Arrow Connector 13">
+            <a:extLst>
+              <a:ext uri="{FF2B5EF4-FFF2-40B4-BE49-F238E27FC236}">
+                <a16:creationId xmlns:a16="http://schemas.microsoft.com/office/drawing/2014/main" id="{1B99490A-326E-7F1B-FDE4-5A4EB994F90B}"/>
+              </a:ext>
+            </a:extLst>
+          </p:cNvPr>
+          <p:cNvCxnSpPr>
+            <a:cxnSpLocks/>
+            <a:stCxn id="5" idx="2"/>
+            <a:endCxn id="6" idx="0"/>
+          </p:cNvCxnSpPr>
+          <p:nvPr/>
+        </p:nvCxnSpPr>
+        <p:spPr>
+          <a:xfrm flipH="1">
+            <a:off x="2979470" y="3995777"/>
+            <a:ext cx="7604" cy="365895"/>
+          </a:xfrm>
+          <a:prstGeom prst="straightConnector1">
+            <a:avLst/>
+          </a:prstGeom>
+          <a:ln>
+            <a:tailEnd type="triangle"/>
+          </a:ln>
+        </p:spPr>
+        <p:style>
+          <a:lnRef idx="2">
+            <a:schemeClr val="accent1"/>
+          </a:lnRef>
+          <a:fillRef idx="0">
+            <a:schemeClr val="accent1"/>
+          </a:fillRef>
+          <a:effectRef idx="1">
+            <a:schemeClr val="accent1"/>
+          </a:effectRef>
+          <a:fontRef idx="minor">
+            <a:schemeClr val="tx1"/>
+          </a:fontRef>
+        </p:style>
+      </p:cxnSp>
+      <p:sp>
+        <p:nvSpPr>
+          <p:cNvPr id="18" name="Rectangle 17">
+            <a:extLst>
+              <a:ext uri="{FF2B5EF4-FFF2-40B4-BE49-F238E27FC236}">
+                <a16:creationId xmlns:a16="http://schemas.microsoft.com/office/drawing/2014/main" id="{855B73F5-A7C2-2988-9F18-50AA59878A21}"/>
+              </a:ext>
+            </a:extLst>
+          </p:cNvPr>
+          <p:cNvSpPr/>
+          <p:nvPr/>
+        </p:nvSpPr>
+        <p:spPr>
+          <a:xfrm>
+            <a:off x="6159972" y="3410732"/>
+            <a:ext cx="1097268" cy="365756"/>
+          </a:xfrm>
+          <a:prstGeom prst="rect">
+            <a:avLst/>
+          </a:prstGeom>
+        </p:spPr>
+        <p:style>
+          <a:lnRef idx="2">
+            <a:schemeClr val="accent1">
+              <a:shade val="15000"/>
+            </a:schemeClr>
+          </a:lnRef>
+          <a:fillRef idx="1">
+            <a:schemeClr val="accent1"/>
+          </a:fillRef>
+          <a:effectRef idx="0">
+            <a:schemeClr val="accent1"/>
+          </a:effectRef>
+          <a:fontRef idx="minor">
+            <a:schemeClr val="lt1"/>
+          </a:fontRef>
+        </p:style>
+        <p:txBody>
+          <a:bodyPr rtlCol="0" anchor="ctr"/>
+          <a:lstStyle/>
+          <a:p>
+            <a:pPr algn="ctr"/>
+            <a:r>
+              <a:rPr lang="en-US" sz="1200" dirty="0"/>
+              <a:t>Dismiss Notes Dialog</a:t>
+            </a:r>
+          </a:p>
+        </p:txBody>
+      </p:sp>
+      <p:sp>
+        <p:nvSpPr>
+          <p:cNvPr id="19" name="Rectangle 18">
+            <a:extLst>
+              <a:ext uri="{FF2B5EF4-FFF2-40B4-BE49-F238E27FC236}">
+                <a16:creationId xmlns:a16="http://schemas.microsoft.com/office/drawing/2014/main" id="{3016FB48-32CD-871C-3884-60B3C2687F98}"/>
+              </a:ext>
+            </a:extLst>
+          </p:cNvPr>
+          <p:cNvSpPr/>
+          <p:nvPr/>
+        </p:nvSpPr>
+        <p:spPr>
+          <a:xfrm>
+            <a:off x="6065524" y="1508781"/>
+            <a:ext cx="1097268" cy="365756"/>
+          </a:xfrm>
+          <a:prstGeom prst="rect">
+            <a:avLst/>
+          </a:prstGeom>
+        </p:spPr>
+        <p:style>
+          <a:lnRef idx="2">
+            <a:schemeClr val="accent1">
+              <a:shade val="15000"/>
+            </a:schemeClr>
+          </a:lnRef>
+          <a:fillRef idx="1">
+            <a:schemeClr val="accent1"/>
+          </a:fillRef>
+          <a:effectRef idx="0">
+            <a:schemeClr val="accent1"/>
+          </a:effectRef>
+          <a:fontRef idx="minor">
+            <a:schemeClr val="lt1"/>
+          </a:fontRef>
+        </p:style>
+        <p:txBody>
+          <a:bodyPr rtlCol="0" anchor="ctr"/>
+          <a:lstStyle/>
+          <a:p>
+            <a:pPr algn="ctr"/>
+            <a:r>
+              <a:rPr lang="en-US" sz="1200" dirty="0"/>
+              <a:t>Add/Edit Notes</a:t>
+            </a:r>
+          </a:p>
+        </p:txBody>
+      </p:sp>
+      <p:sp>
+        <p:nvSpPr>
+          <p:cNvPr id="20" name="Rectangle 19">
+            <a:extLst>
+              <a:ext uri="{FF2B5EF4-FFF2-40B4-BE49-F238E27FC236}">
+                <a16:creationId xmlns:a16="http://schemas.microsoft.com/office/drawing/2014/main" id="{423994D7-71D6-0E65-E918-8A9E1E12E01A}"/>
+              </a:ext>
+            </a:extLst>
+          </p:cNvPr>
+          <p:cNvSpPr/>
+          <p:nvPr/>
+        </p:nvSpPr>
+        <p:spPr>
+          <a:xfrm>
+            <a:off x="2430836" y="2596918"/>
+            <a:ext cx="1097268" cy="365756"/>
+          </a:xfrm>
+          <a:prstGeom prst="rect">
+            <a:avLst/>
+          </a:prstGeom>
+        </p:spPr>
+        <p:style>
+          <a:lnRef idx="2">
+            <a:schemeClr val="accent1">
+              <a:shade val="15000"/>
+            </a:schemeClr>
+          </a:lnRef>
+          <a:fillRef idx="1">
+            <a:schemeClr val="accent1"/>
+          </a:fillRef>
+          <a:effectRef idx="0">
+            <a:schemeClr val="accent1"/>
+          </a:effectRef>
+          <a:fontRef idx="minor">
+            <a:schemeClr val="lt1"/>
+          </a:fontRef>
+        </p:style>
+        <p:txBody>
+          <a:bodyPr rtlCol="0" anchor="ctr"/>
+          <a:lstStyle/>
+          <a:p>
+            <a:pPr algn="ctr"/>
+            <a:r>
+              <a:rPr lang="en-US" sz="1200" dirty="0"/>
+              <a:t>Display Note Dialog</a:t>
+            </a:r>
+          </a:p>
+        </p:txBody>
+      </p:sp>
+      <p:cxnSp>
+        <p:nvCxnSpPr>
+          <p:cNvPr id="24" name="Straight Arrow Connector 23">
+            <a:extLst>
+              <a:ext uri="{FF2B5EF4-FFF2-40B4-BE49-F238E27FC236}">
+                <a16:creationId xmlns:a16="http://schemas.microsoft.com/office/drawing/2014/main" id="{354BFFFF-DD3F-66F3-4546-295289041F22}"/>
+              </a:ext>
+            </a:extLst>
+          </p:cNvPr>
+          <p:cNvCxnSpPr>
+            <a:cxnSpLocks/>
+            <a:stCxn id="20" idx="2"/>
+            <a:endCxn id="5" idx="0"/>
+          </p:cNvCxnSpPr>
+          <p:nvPr/>
+        </p:nvCxnSpPr>
+        <p:spPr>
+          <a:xfrm>
+            <a:off x="2979470" y="2962674"/>
+            <a:ext cx="7604" cy="521096"/>
+          </a:xfrm>
+          <a:prstGeom prst="straightConnector1">
+            <a:avLst/>
+          </a:prstGeom>
+          <a:ln>
+            <a:tailEnd type="triangle"/>
+          </a:ln>
+        </p:spPr>
+        <p:style>
+          <a:lnRef idx="2">
+            <a:schemeClr val="accent1"/>
+          </a:lnRef>
+          <a:fillRef idx="0">
+            <a:schemeClr val="accent1"/>
+          </a:fillRef>
+          <a:effectRef idx="1">
+            <a:schemeClr val="accent1"/>
+          </a:effectRef>
+          <a:fontRef idx="minor">
+            <a:schemeClr val="tx1"/>
+          </a:fontRef>
+        </p:style>
+      </p:cxnSp>
+      <p:cxnSp>
+        <p:nvCxnSpPr>
+          <p:cNvPr id="31" name="Connector: Elbow 30">
+            <a:extLst>
+              <a:ext uri="{FF2B5EF4-FFF2-40B4-BE49-F238E27FC236}">
+                <a16:creationId xmlns:a16="http://schemas.microsoft.com/office/drawing/2014/main" id="{9F10726D-CE93-5EAA-1618-C892492A3B2C}"/>
+              </a:ext>
+            </a:extLst>
+          </p:cNvPr>
+          <p:cNvCxnSpPr>
+            <a:cxnSpLocks/>
+            <a:stCxn id="6" idx="2"/>
+            <a:endCxn id="19" idx="0"/>
+          </p:cNvCxnSpPr>
+          <p:nvPr/>
+        </p:nvCxnSpPr>
+        <p:spPr>
+          <a:xfrm rot="5400000" flipH="1" flipV="1">
+            <a:off x="3059563" y="1428688"/>
+            <a:ext cx="3474501" cy="3634688"/>
+          </a:xfrm>
+          <a:prstGeom prst="bentConnector5">
+            <a:avLst>
+              <a:gd name="adj1" fmla="val -6579"/>
+              <a:gd name="adj2" fmla="val 51572"/>
+              <a:gd name="adj3" fmla="val 106579"/>
+            </a:avLst>
+          </a:prstGeom>
+          <a:ln>
+            <a:tailEnd type="triangle"/>
+          </a:ln>
+        </p:spPr>
+        <p:style>
+          <a:lnRef idx="2">
+            <a:schemeClr val="accent1"/>
+          </a:lnRef>
+          <a:fillRef idx="0">
+            <a:schemeClr val="accent1"/>
+          </a:fillRef>
+          <a:effectRef idx="1">
+            <a:schemeClr val="accent1"/>
+          </a:effectRef>
+          <a:fontRef idx="minor">
+            <a:schemeClr val="tx1"/>
+          </a:fontRef>
+        </p:style>
+      </p:cxnSp>
+      <p:sp>
+        <p:nvSpPr>
+          <p:cNvPr id="34" name="Rectangle 33">
+            <a:extLst>
+              <a:ext uri="{FF2B5EF4-FFF2-40B4-BE49-F238E27FC236}">
+                <a16:creationId xmlns:a16="http://schemas.microsoft.com/office/drawing/2014/main" id="{429AD7DB-60C5-C000-D852-6A10D6E82C54}"/>
+              </a:ext>
+            </a:extLst>
+          </p:cNvPr>
+          <p:cNvSpPr/>
+          <p:nvPr/>
+        </p:nvSpPr>
+        <p:spPr>
+          <a:xfrm>
+            <a:off x="6854113" y="2414040"/>
+            <a:ext cx="1097268" cy="365756"/>
+          </a:xfrm>
+          <a:prstGeom prst="rect">
+            <a:avLst/>
+          </a:prstGeom>
+        </p:spPr>
+        <p:style>
+          <a:lnRef idx="2">
+            <a:schemeClr val="accent1">
+              <a:shade val="15000"/>
+            </a:schemeClr>
+          </a:lnRef>
+          <a:fillRef idx="1">
+            <a:schemeClr val="accent1"/>
+          </a:fillRef>
+          <a:effectRef idx="0">
+            <a:schemeClr val="accent1"/>
+          </a:effectRef>
+          <a:fontRef idx="minor">
+            <a:schemeClr val="lt1"/>
+          </a:fontRef>
+        </p:style>
+        <p:txBody>
+          <a:bodyPr rtlCol="0" anchor="ctr"/>
+          <a:lstStyle/>
+          <a:p>
+            <a:pPr algn="ctr"/>
+            <a:r>
+              <a:rPr lang="en-US" sz="1200" dirty="0"/>
+              <a:t>Save Notes</a:t>
+            </a:r>
+          </a:p>
+        </p:txBody>
+      </p:sp>
+      <p:sp>
+        <p:nvSpPr>
+          <p:cNvPr id="35" name="Rectangle 34">
+            <a:extLst>
+              <a:ext uri="{FF2B5EF4-FFF2-40B4-BE49-F238E27FC236}">
+                <a16:creationId xmlns:a16="http://schemas.microsoft.com/office/drawing/2014/main" id="{1A7206A6-DF6B-DF12-5CB1-BB14BF0504BE}"/>
+              </a:ext>
+            </a:extLst>
+          </p:cNvPr>
+          <p:cNvSpPr/>
+          <p:nvPr/>
+        </p:nvSpPr>
+        <p:spPr>
+          <a:xfrm>
+            <a:off x="5208298" y="2414040"/>
+            <a:ext cx="1097268" cy="365756"/>
+          </a:xfrm>
+          <a:prstGeom prst="rect">
+            <a:avLst/>
+          </a:prstGeom>
+        </p:spPr>
+        <p:style>
+          <a:lnRef idx="2">
+            <a:schemeClr val="accent1">
+              <a:shade val="15000"/>
+            </a:schemeClr>
+          </a:lnRef>
+          <a:fillRef idx="1">
+            <a:schemeClr val="accent1"/>
+          </a:fillRef>
+          <a:effectRef idx="0">
+            <a:schemeClr val="accent1"/>
+          </a:effectRef>
+          <a:fontRef idx="minor">
+            <a:schemeClr val="lt1"/>
+          </a:fontRef>
+        </p:style>
+        <p:txBody>
+          <a:bodyPr rtlCol="0" anchor="ctr"/>
+          <a:lstStyle/>
+          <a:p>
+            <a:pPr algn="ctr"/>
+            <a:r>
+              <a:rPr lang="en-US" sz="1200" dirty="0"/>
+              <a:t>Cancel Notes</a:t>
+            </a:r>
+          </a:p>
+        </p:txBody>
+      </p:sp>
+      <p:cxnSp>
+        <p:nvCxnSpPr>
+          <p:cNvPr id="38" name="Connector: Elbow 37">
+            <a:extLst>
+              <a:ext uri="{FF2B5EF4-FFF2-40B4-BE49-F238E27FC236}">
+                <a16:creationId xmlns:a16="http://schemas.microsoft.com/office/drawing/2014/main" id="{867CFBE0-ACA0-3A6D-CBD0-2B457F58A8B7}"/>
+              </a:ext>
+            </a:extLst>
+          </p:cNvPr>
+          <p:cNvCxnSpPr>
+            <a:cxnSpLocks/>
+            <a:stCxn id="19" idx="2"/>
+            <a:endCxn id="35" idx="0"/>
+          </p:cNvCxnSpPr>
+          <p:nvPr/>
+        </p:nvCxnSpPr>
+        <p:spPr>
+          <a:xfrm rot="5400000">
+            <a:off x="5915794" y="1715675"/>
+            <a:ext cx="539503" cy="857226"/>
+          </a:xfrm>
+          <a:prstGeom prst="bentConnector3">
+            <a:avLst>
+              <a:gd name="adj1" fmla="val 50000"/>
+            </a:avLst>
+          </a:prstGeom>
+          <a:ln>
+            <a:tailEnd type="triangle"/>
+          </a:ln>
+        </p:spPr>
+        <p:style>
+          <a:lnRef idx="2">
+            <a:schemeClr val="accent1"/>
+          </a:lnRef>
+          <a:fillRef idx="0">
+            <a:schemeClr val="accent1"/>
+          </a:fillRef>
+          <a:effectRef idx="1">
+            <a:schemeClr val="accent1"/>
+          </a:effectRef>
+          <a:fontRef idx="minor">
+            <a:schemeClr val="tx1"/>
+          </a:fontRef>
+        </p:style>
+      </p:cxnSp>
+      <p:cxnSp>
+        <p:nvCxnSpPr>
+          <p:cNvPr id="42" name="Connector: Elbow 41">
+            <a:extLst>
+              <a:ext uri="{FF2B5EF4-FFF2-40B4-BE49-F238E27FC236}">
+                <a16:creationId xmlns:a16="http://schemas.microsoft.com/office/drawing/2014/main" id="{21BEAD86-3C7F-E83A-8B36-8E2C672831AB}"/>
+              </a:ext>
+            </a:extLst>
+          </p:cNvPr>
+          <p:cNvCxnSpPr>
+            <a:cxnSpLocks/>
+            <a:stCxn id="19" idx="2"/>
+            <a:endCxn id="34" idx="0"/>
+          </p:cNvCxnSpPr>
+          <p:nvPr/>
+        </p:nvCxnSpPr>
+        <p:spPr>
+          <a:xfrm rot="16200000" flipH="1">
+            <a:off x="6738701" y="1749993"/>
+            <a:ext cx="539503" cy="788589"/>
+          </a:xfrm>
+          <a:prstGeom prst="bentConnector3">
+            <a:avLst>
+              <a:gd name="adj1" fmla="val 50000"/>
+            </a:avLst>
+          </a:prstGeom>
+          <a:ln>
+            <a:tailEnd type="triangle"/>
+          </a:ln>
+        </p:spPr>
+        <p:style>
+          <a:lnRef idx="2">
+            <a:schemeClr val="accent1"/>
+          </a:lnRef>
+          <a:fillRef idx="0">
+            <a:schemeClr val="accent1"/>
+          </a:fillRef>
+          <a:effectRef idx="1">
+            <a:schemeClr val="accent1"/>
+          </a:effectRef>
+          <a:fontRef idx="minor">
+            <a:schemeClr val="tx1"/>
+          </a:fontRef>
+        </p:style>
+      </p:cxnSp>
+      <p:cxnSp>
+        <p:nvCxnSpPr>
+          <p:cNvPr id="46" name="Connector: Elbow 45">
+            <a:extLst>
+              <a:ext uri="{FF2B5EF4-FFF2-40B4-BE49-F238E27FC236}">
+                <a16:creationId xmlns:a16="http://schemas.microsoft.com/office/drawing/2014/main" id="{B1046C75-6307-3148-9963-8212B8BC0344}"/>
+              </a:ext>
+            </a:extLst>
+          </p:cNvPr>
+          <p:cNvCxnSpPr>
+            <a:cxnSpLocks/>
+            <a:stCxn id="35" idx="2"/>
+            <a:endCxn id="18" idx="0"/>
+          </p:cNvCxnSpPr>
+          <p:nvPr/>
+        </p:nvCxnSpPr>
+        <p:spPr>
+          <a:xfrm rot="16200000" flipH="1">
+            <a:off x="5917301" y="2619427"/>
+            <a:ext cx="630936" cy="951674"/>
+          </a:xfrm>
+          <a:prstGeom prst="bentConnector3">
+            <a:avLst>
+              <a:gd name="adj1" fmla="val 50000"/>
+            </a:avLst>
+          </a:prstGeom>
+          <a:ln>
+            <a:tailEnd type="triangle"/>
+          </a:ln>
+        </p:spPr>
+        <p:style>
+          <a:lnRef idx="2">
+            <a:schemeClr val="accent1"/>
+          </a:lnRef>
+          <a:fillRef idx="0">
+            <a:schemeClr val="accent1"/>
+          </a:fillRef>
+          <a:effectRef idx="1">
+            <a:schemeClr val="accent1"/>
+          </a:effectRef>
+          <a:fontRef idx="minor">
+            <a:schemeClr val="tx1"/>
+          </a:fontRef>
+        </p:style>
+      </p:cxnSp>
+      <p:cxnSp>
+        <p:nvCxnSpPr>
+          <p:cNvPr id="50" name="Connector: Elbow 49">
+            <a:extLst>
+              <a:ext uri="{FF2B5EF4-FFF2-40B4-BE49-F238E27FC236}">
+                <a16:creationId xmlns:a16="http://schemas.microsoft.com/office/drawing/2014/main" id="{E4BABC48-3D5A-6488-FCAD-77568D655E39}"/>
+              </a:ext>
+            </a:extLst>
+          </p:cNvPr>
+          <p:cNvCxnSpPr>
+            <a:cxnSpLocks/>
+            <a:stCxn id="34" idx="2"/>
+            <a:endCxn id="18" idx="0"/>
+          </p:cNvCxnSpPr>
+          <p:nvPr/>
+        </p:nvCxnSpPr>
+        <p:spPr>
+          <a:xfrm rot="5400000">
+            <a:off x="6740209" y="2748194"/>
+            <a:ext cx="630936" cy="694141"/>
+          </a:xfrm>
+          <a:prstGeom prst="bentConnector3">
+            <a:avLst>
+              <a:gd name="adj1" fmla="val 50000"/>
+            </a:avLst>
+          </a:prstGeom>
+          <a:ln>
+            <a:tailEnd type="triangle"/>
+          </a:ln>
+        </p:spPr>
+        <p:style>
+          <a:lnRef idx="2">
+            <a:schemeClr val="accent1"/>
+          </a:lnRef>
+          <a:fillRef idx="0">
+            <a:schemeClr val="accent1"/>
+          </a:fillRef>
+          <a:effectRef idx="1">
+            <a:schemeClr val="accent1"/>
+          </a:effectRef>
+          <a:fontRef idx="minor">
+            <a:schemeClr val="tx1"/>
+          </a:fontRef>
+        </p:style>
+      </p:cxnSp>
+    </p:spTree>
+    <p:extLst>
+      <p:ext uri="{BB962C8B-B14F-4D97-AF65-F5344CB8AC3E}">
+        <p14:creationId xmlns:p14="http://schemas.microsoft.com/office/powerpoint/2010/main" val="1285269889"/>
+      </p:ext>
+    </p:extLst>
+  </p:cSld>
+  <p:clrMapOvr>
+    <a:masterClrMapping/>
+  </p:clrMapOvr>
+</p:sld>
+</file>
+
 <file path=ppt/slides/slide3.xml><?xml version="1.0" encoding="utf-8"?>
 <p:sld xmlns:a="http://schemas.openxmlformats.org/drawingml/2006/main" xmlns:r="http://schemas.openxmlformats.org/officeDocument/2006/relationships" xmlns:p="http://schemas.openxmlformats.org/presentationml/2006/main">
   <p:cSld>

--- a/Documentation/TeamScoreLayout.pptx
+++ b/Documentation/TeamScoreLayout.pptx
@@ -27,6 +27,8 @@
     <p:sldId id="278" r:id="rId21"/>
     <p:sldId id="279" r:id="rId22"/>
     <p:sldId id="280" r:id="rId23"/>
+    <p:sldId id="281" r:id="rId24"/>
+    <p:sldId id="282" r:id="rId25"/>
   </p:sldIdLst>
   <p:sldSz cx="12192000" cy="6858000"/>
   <p:notesSz cx="6858000" cy="9144000"/>
@@ -847,7 +849,7 @@
           <a:p>
             <a:fld id="{955A69D3-FF78-44E1-BB41-3D13FA416A59}" type="datetimeFigureOut">
               <a:rPr lang="en-US" smtClean="0"/>
-              <a:t>07/28/24</a:t>
+              <a:t>07/30/24</a:t>
             </a:fld>
             <a:endParaRPr lang="en-US"/>
           </a:p>
@@ -1045,7 +1047,7 @@
           <a:p>
             <a:fld id="{955A69D3-FF78-44E1-BB41-3D13FA416A59}" type="datetimeFigureOut">
               <a:rPr lang="en-US" smtClean="0"/>
-              <a:t>07/28/24</a:t>
+              <a:t>07/30/24</a:t>
             </a:fld>
             <a:endParaRPr lang="en-US"/>
           </a:p>
@@ -1253,7 +1255,7 @@
           <a:p>
             <a:fld id="{955A69D3-FF78-44E1-BB41-3D13FA416A59}" type="datetimeFigureOut">
               <a:rPr lang="en-US" smtClean="0"/>
-              <a:t>07/28/24</a:t>
+              <a:t>07/30/24</a:t>
             </a:fld>
             <a:endParaRPr lang="en-US"/>
           </a:p>
@@ -1451,7 +1453,7 @@
           <a:p>
             <a:fld id="{955A69D3-FF78-44E1-BB41-3D13FA416A59}" type="datetimeFigureOut">
               <a:rPr lang="en-US" smtClean="0"/>
-              <a:t>07/28/24</a:t>
+              <a:t>07/30/24</a:t>
             </a:fld>
             <a:endParaRPr lang="en-US"/>
           </a:p>
@@ -1726,7 +1728,7 @@
           <a:p>
             <a:fld id="{955A69D3-FF78-44E1-BB41-3D13FA416A59}" type="datetimeFigureOut">
               <a:rPr lang="en-US" smtClean="0"/>
-              <a:t>07/28/24</a:t>
+              <a:t>07/30/24</a:t>
             </a:fld>
             <a:endParaRPr lang="en-US"/>
           </a:p>
@@ -1991,7 +1993,7 @@
           <a:p>
             <a:fld id="{955A69D3-FF78-44E1-BB41-3D13FA416A59}" type="datetimeFigureOut">
               <a:rPr lang="en-US" smtClean="0"/>
-              <a:t>07/28/24</a:t>
+              <a:t>07/30/24</a:t>
             </a:fld>
             <a:endParaRPr lang="en-US"/>
           </a:p>
@@ -2403,7 +2405,7 @@
           <a:p>
             <a:fld id="{955A69D3-FF78-44E1-BB41-3D13FA416A59}" type="datetimeFigureOut">
               <a:rPr lang="en-US" smtClean="0"/>
-              <a:t>07/28/24</a:t>
+              <a:t>07/30/24</a:t>
             </a:fld>
             <a:endParaRPr lang="en-US"/>
           </a:p>
@@ -2544,7 +2546,7 @@
           <a:p>
             <a:fld id="{955A69D3-FF78-44E1-BB41-3D13FA416A59}" type="datetimeFigureOut">
               <a:rPr lang="en-US" smtClean="0"/>
-              <a:t>07/28/24</a:t>
+              <a:t>07/30/24</a:t>
             </a:fld>
             <a:endParaRPr lang="en-US"/>
           </a:p>
@@ -2657,7 +2659,7 @@
           <a:p>
             <a:fld id="{955A69D3-FF78-44E1-BB41-3D13FA416A59}" type="datetimeFigureOut">
               <a:rPr lang="en-US" smtClean="0"/>
-              <a:t>07/28/24</a:t>
+              <a:t>07/30/24</a:t>
             </a:fld>
             <a:endParaRPr lang="en-US"/>
           </a:p>
@@ -2968,7 +2970,7 @@
           <a:p>
             <a:fld id="{955A69D3-FF78-44E1-BB41-3D13FA416A59}" type="datetimeFigureOut">
               <a:rPr lang="en-US" smtClean="0"/>
-              <a:t>07/28/24</a:t>
+              <a:t>07/30/24</a:t>
             </a:fld>
             <a:endParaRPr lang="en-US"/>
           </a:p>
@@ -3256,7 +3258,7 @@
           <a:p>
             <a:fld id="{955A69D3-FF78-44E1-BB41-3D13FA416A59}" type="datetimeFigureOut">
               <a:rPr lang="en-US" smtClean="0"/>
-              <a:t>07/28/24</a:t>
+              <a:t>07/30/24</a:t>
             </a:fld>
             <a:endParaRPr lang="en-US"/>
           </a:p>
@@ -3497,7 +3499,7 @@
           <a:p>
             <a:fld id="{955A69D3-FF78-44E1-BB41-3D13FA416A59}" type="datetimeFigureOut">
               <a:rPr lang="en-US" smtClean="0"/>
-              <a:t>07/28/24</a:t>
+              <a:t>07/30/24</a:t>
             </a:fld>
             <a:endParaRPr lang="en-US"/>
           </a:p>
@@ -26092,6 +26094,3467 @@
 </p:sld>
 </file>
 
+<file path=ppt/slides/slide23.xml><?xml version="1.0" encoding="utf-8"?>
+<p:sld xmlns:a="http://schemas.openxmlformats.org/drawingml/2006/main" xmlns:r="http://schemas.openxmlformats.org/officeDocument/2006/relationships" xmlns:p="http://schemas.openxmlformats.org/presentationml/2006/main">
+  <p:cSld>
+    <p:spTree>
+      <p:nvGrpSpPr>
+        <p:cNvPr id="1" name=""/>
+        <p:cNvGrpSpPr/>
+        <p:nvPr/>
+      </p:nvGrpSpPr>
+      <p:grpSpPr>
+        <a:xfrm>
+          <a:off x="0" y="0"/>
+          <a:ext cx="0" cy="0"/>
+          <a:chOff x="0" y="0"/>
+          <a:chExt cx="0" cy="0"/>
+        </a:xfrm>
+      </p:grpSpPr>
+      <p:sp>
+        <p:nvSpPr>
+          <p:cNvPr id="2" name="TextBox 1">
+            <a:extLst>
+              <a:ext uri="{FF2B5EF4-FFF2-40B4-BE49-F238E27FC236}">
+                <a16:creationId xmlns:a16="http://schemas.microsoft.com/office/drawing/2014/main" id="{4A92392D-4C58-D785-7DE0-BEC323314D9D}"/>
+              </a:ext>
+            </a:extLst>
+          </p:cNvPr>
+          <p:cNvSpPr txBox="1"/>
+          <p:nvPr/>
+        </p:nvSpPr>
+        <p:spPr>
+          <a:xfrm>
+            <a:off x="5273048" y="502952"/>
+            <a:ext cx="2377415" cy="523220"/>
+          </a:xfrm>
+          <a:prstGeom prst="rect">
+            <a:avLst/>
+          </a:prstGeom>
+          <a:noFill/>
+        </p:spPr>
+        <p:txBody>
+          <a:bodyPr wrap="square" rtlCol="0" anchor="ctr">
+            <a:spAutoFit/>
+          </a:bodyPr>
+          <a:lstStyle/>
+          <a:p>
+            <a:pPr algn="just"/>
+            <a:r>
+              <a:rPr lang="en-US" sz="1400" dirty="0"/>
+              <a:t>Display Front / Back Nine</a:t>
+            </a:r>
+          </a:p>
+          <a:p>
+            <a:pPr algn="ctr"/>
+            <a:r>
+              <a:rPr lang="en-US" sz="1400" dirty="0"/>
+              <a:t>Holes 6 6 6</a:t>
+            </a:r>
+          </a:p>
+        </p:txBody>
+      </p:sp>
+      <p:sp>
+        <p:nvSpPr>
+          <p:cNvPr id="3" name="Rectangle 2">
+            <a:extLst>
+              <a:ext uri="{FF2B5EF4-FFF2-40B4-BE49-F238E27FC236}">
+                <a16:creationId xmlns:a16="http://schemas.microsoft.com/office/drawing/2014/main" id="{6F32FFAA-015F-5FFA-A655-642E7403184D}"/>
+              </a:ext>
+            </a:extLst>
+          </p:cNvPr>
+          <p:cNvSpPr/>
+          <p:nvPr/>
+        </p:nvSpPr>
+        <p:spPr>
+          <a:xfrm>
+            <a:off x="1798367" y="1053684"/>
+            <a:ext cx="1188707" cy="457195"/>
+          </a:xfrm>
+          <a:prstGeom prst="rect">
+            <a:avLst/>
+          </a:prstGeom>
+        </p:spPr>
+        <p:style>
+          <a:lnRef idx="2">
+            <a:schemeClr val="accent1">
+              <a:shade val="15000"/>
+            </a:schemeClr>
+          </a:lnRef>
+          <a:fillRef idx="1">
+            <a:schemeClr val="accent1"/>
+          </a:fillRef>
+          <a:effectRef idx="0">
+            <a:schemeClr val="accent1"/>
+          </a:effectRef>
+          <a:fontRef idx="minor">
+            <a:schemeClr val="lt1"/>
+          </a:fontRef>
+        </p:style>
+        <p:txBody>
+          <a:bodyPr rtlCol="0" anchor="ctr"/>
+          <a:lstStyle/>
+          <a:p>
+            <a:pPr algn="ctr"/>
+            <a:r>
+              <a:rPr lang="en-US" sz="1000" dirty="0"/>
+              <a:t>Display Button</a:t>
+            </a:r>
+          </a:p>
+          <a:p>
+            <a:pPr algn="ctr"/>
+            <a:r>
+              <a:rPr lang="en-US" sz="1000" dirty="0"/>
+              <a:t>Front 9</a:t>
+            </a:r>
+          </a:p>
+        </p:txBody>
+      </p:sp>
+      <p:sp>
+        <p:nvSpPr>
+          <p:cNvPr id="4" name="Rectangle 3">
+            <a:extLst>
+              <a:ext uri="{FF2B5EF4-FFF2-40B4-BE49-F238E27FC236}">
+                <a16:creationId xmlns:a16="http://schemas.microsoft.com/office/drawing/2014/main" id="{CEC5D508-A582-4400-5B05-0A6C4FDAB53D}"/>
+              </a:ext>
+            </a:extLst>
+          </p:cNvPr>
+          <p:cNvSpPr/>
+          <p:nvPr/>
+        </p:nvSpPr>
+        <p:spPr>
+          <a:xfrm>
+            <a:off x="603072" y="5145208"/>
+            <a:ext cx="1188707" cy="457195"/>
+          </a:xfrm>
+          <a:prstGeom prst="rect">
+            <a:avLst/>
+          </a:prstGeom>
+        </p:spPr>
+        <p:style>
+          <a:lnRef idx="2">
+            <a:schemeClr val="accent1">
+              <a:shade val="15000"/>
+            </a:schemeClr>
+          </a:lnRef>
+          <a:fillRef idx="1">
+            <a:schemeClr val="accent1"/>
+          </a:fillRef>
+          <a:effectRef idx="0">
+            <a:schemeClr val="accent1"/>
+          </a:effectRef>
+          <a:fontRef idx="minor">
+            <a:schemeClr val="lt1"/>
+          </a:fontRef>
+        </p:style>
+        <p:txBody>
+          <a:bodyPr rtlCol="0" anchor="ctr"/>
+          <a:lstStyle/>
+          <a:p>
+            <a:pPr algn="ctr"/>
+            <a:r>
+              <a:rPr lang="en-US" sz="1000" dirty="0"/>
+              <a:t>Last 6</a:t>
+            </a:r>
+          </a:p>
+        </p:txBody>
+      </p:sp>
+      <p:sp>
+        <p:nvSpPr>
+          <p:cNvPr id="5" name="Rectangle 4">
+            <a:extLst>
+              <a:ext uri="{FF2B5EF4-FFF2-40B4-BE49-F238E27FC236}">
+                <a16:creationId xmlns:a16="http://schemas.microsoft.com/office/drawing/2014/main" id="{75768B4B-4B96-6DBE-41F0-351302C1BA16}"/>
+              </a:ext>
+            </a:extLst>
+          </p:cNvPr>
+          <p:cNvSpPr/>
+          <p:nvPr/>
+        </p:nvSpPr>
+        <p:spPr>
+          <a:xfrm>
+            <a:off x="1341171" y="2022914"/>
+            <a:ext cx="2103097" cy="457195"/>
+          </a:xfrm>
+          <a:prstGeom prst="rect">
+            <a:avLst/>
+          </a:prstGeom>
+        </p:spPr>
+        <p:style>
+          <a:lnRef idx="2">
+            <a:schemeClr val="accent1">
+              <a:shade val="15000"/>
+            </a:schemeClr>
+          </a:lnRef>
+          <a:fillRef idx="1">
+            <a:schemeClr val="accent1"/>
+          </a:fillRef>
+          <a:effectRef idx="0">
+            <a:schemeClr val="accent1"/>
+          </a:effectRef>
+          <a:fontRef idx="minor">
+            <a:schemeClr val="lt1"/>
+          </a:fontRef>
+        </p:style>
+        <p:txBody>
+          <a:bodyPr rtlCol="0" anchor="ctr"/>
+          <a:lstStyle/>
+          <a:p>
+            <a:pPr algn="ctr"/>
+            <a:r>
+              <a:rPr lang="en-US" sz="1000" dirty="0"/>
+              <a:t>What Holes Is Being Displayed</a:t>
+            </a:r>
+          </a:p>
+        </p:txBody>
+      </p:sp>
+      <p:sp>
+        <p:nvSpPr>
+          <p:cNvPr id="6" name="Rectangle 5">
+            <a:extLst>
+              <a:ext uri="{FF2B5EF4-FFF2-40B4-BE49-F238E27FC236}">
+                <a16:creationId xmlns:a16="http://schemas.microsoft.com/office/drawing/2014/main" id="{EBA9EDF4-F44A-EDE9-3AC1-6B59E138833E}"/>
+              </a:ext>
+            </a:extLst>
+          </p:cNvPr>
+          <p:cNvSpPr/>
+          <p:nvPr/>
+        </p:nvSpPr>
+        <p:spPr>
+          <a:xfrm>
+            <a:off x="3718586" y="1053684"/>
+            <a:ext cx="1188707" cy="457195"/>
+          </a:xfrm>
+          <a:prstGeom prst="rect">
+            <a:avLst/>
+          </a:prstGeom>
+        </p:spPr>
+        <p:style>
+          <a:lnRef idx="2">
+            <a:schemeClr val="accent1">
+              <a:shade val="15000"/>
+            </a:schemeClr>
+          </a:lnRef>
+          <a:fillRef idx="1">
+            <a:schemeClr val="accent1"/>
+          </a:fillRef>
+          <a:effectRef idx="0">
+            <a:schemeClr val="accent1"/>
+          </a:effectRef>
+          <a:fontRef idx="minor">
+            <a:schemeClr val="lt1"/>
+          </a:fontRef>
+        </p:style>
+        <p:txBody>
+          <a:bodyPr rtlCol="0" anchor="ctr"/>
+          <a:lstStyle/>
+          <a:p>
+            <a:pPr algn="ctr"/>
+            <a:r>
+              <a:rPr lang="en-US" sz="1000" dirty="0"/>
+              <a:t>Get Display Button Text</a:t>
+            </a:r>
+          </a:p>
+        </p:txBody>
+      </p:sp>
+      <p:sp>
+        <p:nvSpPr>
+          <p:cNvPr id="7" name="Rectangle 6">
+            <a:extLst>
+              <a:ext uri="{FF2B5EF4-FFF2-40B4-BE49-F238E27FC236}">
+                <a16:creationId xmlns:a16="http://schemas.microsoft.com/office/drawing/2014/main" id="{36C4928F-78A8-CD50-7CA2-6038E7B513B7}"/>
+              </a:ext>
+            </a:extLst>
+          </p:cNvPr>
+          <p:cNvSpPr/>
+          <p:nvPr/>
+        </p:nvSpPr>
+        <p:spPr>
+          <a:xfrm>
+            <a:off x="10024840" y="2621183"/>
+            <a:ext cx="1188707" cy="457195"/>
+          </a:xfrm>
+          <a:prstGeom prst="rect">
+            <a:avLst/>
+          </a:prstGeom>
+        </p:spPr>
+        <p:style>
+          <a:lnRef idx="2">
+            <a:schemeClr val="accent1">
+              <a:shade val="15000"/>
+            </a:schemeClr>
+          </a:lnRef>
+          <a:fillRef idx="1">
+            <a:schemeClr val="accent1"/>
+          </a:fillRef>
+          <a:effectRef idx="0">
+            <a:schemeClr val="accent1"/>
+          </a:effectRef>
+          <a:fontRef idx="minor">
+            <a:schemeClr val="lt1"/>
+          </a:fontRef>
+        </p:style>
+        <p:txBody>
+          <a:bodyPr rtlCol="0" anchor="ctr"/>
+          <a:lstStyle/>
+          <a:p>
+            <a:pPr algn="ctr"/>
+            <a:r>
+              <a:rPr lang="en-US" sz="1000" dirty="0"/>
+              <a:t>Set display button first 6</a:t>
+            </a:r>
+          </a:p>
+        </p:txBody>
+      </p:sp>
+      <p:sp>
+        <p:nvSpPr>
+          <p:cNvPr id="8" name="Rectangle 7">
+            <a:extLst>
+              <a:ext uri="{FF2B5EF4-FFF2-40B4-BE49-F238E27FC236}">
+                <a16:creationId xmlns:a16="http://schemas.microsoft.com/office/drawing/2014/main" id="{629160C0-F0D7-D3FF-C813-8C65480ADA67}"/>
+              </a:ext>
+            </a:extLst>
+          </p:cNvPr>
+          <p:cNvSpPr/>
+          <p:nvPr/>
+        </p:nvSpPr>
+        <p:spPr>
+          <a:xfrm>
+            <a:off x="8976328" y="1798232"/>
+            <a:ext cx="1097268" cy="365756"/>
+          </a:xfrm>
+          <a:prstGeom prst="rect">
+            <a:avLst/>
+          </a:prstGeom>
+        </p:spPr>
+        <p:style>
+          <a:lnRef idx="2">
+            <a:schemeClr val="accent1">
+              <a:shade val="15000"/>
+            </a:schemeClr>
+          </a:lnRef>
+          <a:fillRef idx="1">
+            <a:schemeClr val="accent1"/>
+          </a:fillRef>
+          <a:effectRef idx="0">
+            <a:schemeClr val="accent1"/>
+          </a:effectRef>
+          <a:fontRef idx="minor">
+            <a:schemeClr val="lt1"/>
+          </a:fontRef>
+        </p:style>
+        <p:txBody>
+          <a:bodyPr rtlCol="0" anchor="ctr"/>
+          <a:lstStyle/>
+          <a:p>
+            <a:pPr algn="ctr"/>
+            <a:r>
+              <a:rPr lang="en-US" sz="1000" dirty="0"/>
+              <a:t>Display 6-6-6</a:t>
+            </a:r>
+          </a:p>
+        </p:txBody>
+      </p:sp>
+      <p:sp>
+        <p:nvSpPr>
+          <p:cNvPr id="9" name="Rectangle 8">
+            <a:extLst>
+              <a:ext uri="{FF2B5EF4-FFF2-40B4-BE49-F238E27FC236}">
+                <a16:creationId xmlns:a16="http://schemas.microsoft.com/office/drawing/2014/main" id="{A003FD09-EDAD-DDCD-4065-4CB11B6109CE}"/>
+              </a:ext>
+            </a:extLst>
+          </p:cNvPr>
+          <p:cNvSpPr/>
+          <p:nvPr/>
+        </p:nvSpPr>
+        <p:spPr>
+          <a:xfrm>
+            <a:off x="8930608" y="1043663"/>
+            <a:ext cx="1188707" cy="457195"/>
+          </a:xfrm>
+          <a:prstGeom prst="rect">
+            <a:avLst/>
+          </a:prstGeom>
+        </p:spPr>
+        <p:style>
+          <a:lnRef idx="2">
+            <a:schemeClr val="accent1">
+              <a:shade val="15000"/>
+            </a:schemeClr>
+          </a:lnRef>
+          <a:fillRef idx="1">
+            <a:schemeClr val="accent1"/>
+          </a:fillRef>
+          <a:effectRef idx="0">
+            <a:schemeClr val="accent1"/>
+          </a:effectRef>
+          <a:fontRef idx="minor">
+            <a:schemeClr val="lt1"/>
+          </a:fontRef>
+        </p:style>
+        <p:txBody>
+          <a:bodyPr rtlCol="0" anchor="ctr"/>
+          <a:lstStyle/>
+          <a:p>
+            <a:pPr algn="ctr"/>
+            <a:r>
+              <a:rPr lang="en-US" sz="1000" dirty="0"/>
+              <a:t>Screen Mode Button</a:t>
+            </a:r>
+          </a:p>
+        </p:txBody>
+      </p:sp>
+      <p:cxnSp>
+        <p:nvCxnSpPr>
+          <p:cNvPr id="11" name="Connector: Elbow 10">
+            <a:extLst>
+              <a:ext uri="{FF2B5EF4-FFF2-40B4-BE49-F238E27FC236}">
+                <a16:creationId xmlns:a16="http://schemas.microsoft.com/office/drawing/2014/main" id="{1359E7B1-E8CC-3BCB-616A-0A081DD63EDA}"/>
+              </a:ext>
+            </a:extLst>
+          </p:cNvPr>
+          <p:cNvCxnSpPr>
+            <a:cxnSpLocks/>
+            <a:stCxn id="8" idx="3"/>
+            <a:endCxn id="7" idx="0"/>
+          </p:cNvCxnSpPr>
+          <p:nvPr/>
+        </p:nvCxnSpPr>
+        <p:spPr>
+          <a:xfrm>
+            <a:off x="10073596" y="1981110"/>
+            <a:ext cx="545598" cy="640073"/>
+          </a:xfrm>
+          <a:prstGeom prst="bentConnector2">
+            <a:avLst/>
+          </a:prstGeom>
+          <a:ln>
+            <a:tailEnd type="triangle"/>
+          </a:ln>
+        </p:spPr>
+        <p:style>
+          <a:lnRef idx="2">
+            <a:schemeClr val="accent1"/>
+          </a:lnRef>
+          <a:fillRef idx="0">
+            <a:schemeClr val="accent1"/>
+          </a:fillRef>
+          <a:effectRef idx="1">
+            <a:schemeClr val="accent1"/>
+          </a:effectRef>
+          <a:fontRef idx="minor">
+            <a:schemeClr val="tx1"/>
+          </a:fontRef>
+        </p:style>
+      </p:cxnSp>
+      <p:sp>
+        <p:nvSpPr>
+          <p:cNvPr id="14" name="Rectangle 13">
+            <a:extLst>
+              <a:ext uri="{FF2B5EF4-FFF2-40B4-BE49-F238E27FC236}">
+                <a16:creationId xmlns:a16="http://schemas.microsoft.com/office/drawing/2014/main" id="{A30F8090-9D05-4DEC-A77B-CB56854B8F68}"/>
+              </a:ext>
+            </a:extLst>
+          </p:cNvPr>
+          <p:cNvSpPr/>
+          <p:nvPr/>
+        </p:nvSpPr>
+        <p:spPr>
+          <a:xfrm>
+            <a:off x="8199097" y="2639475"/>
+            <a:ext cx="1188707" cy="457195"/>
+          </a:xfrm>
+          <a:prstGeom prst="rect">
+            <a:avLst/>
+          </a:prstGeom>
+        </p:spPr>
+        <p:style>
+          <a:lnRef idx="2">
+            <a:schemeClr val="accent1">
+              <a:shade val="15000"/>
+            </a:schemeClr>
+          </a:lnRef>
+          <a:fillRef idx="1">
+            <a:schemeClr val="accent1"/>
+          </a:fillRef>
+          <a:effectRef idx="0">
+            <a:schemeClr val="accent1"/>
+          </a:effectRef>
+          <a:fontRef idx="minor">
+            <a:schemeClr val="lt1"/>
+          </a:fontRef>
+        </p:style>
+        <p:txBody>
+          <a:bodyPr rtlCol="0" anchor="ctr"/>
+          <a:lstStyle/>
+          <a:p>
+            <a:pPr algn="ctr"/>
+            <a:r>
+              <a:rPr lang="en-US" sz="1000" dirty="0"/>
+              <a:t>Set display button Front/Back</a:t>
+            </a:r>
+          </a:p>
+        </p:txBody>
+      </p:sp>
+      <p:cxnSp>
+        <p:nvCxnSpPr>
+          <p:cNvPr id="16" name="Connector: Elbow 15">
+            <a:extLst>
+              <a:ext uri="{FF2B5EF4-FFF2-40B4-BE49-F238E27FC236}">
+                <a16:creationId xmlns:a16="http://schemas.microsoft.com/office/drawing/2014/main" id="{7746C217-1724-CBE1-E5F7-8D175371669E}"/>
+              </a:ext>
+            </a:extLst>
+          </p:cNvPr>
+          <p:cNvCxnSpPr>
+            <a:cxnSpLocks/>
+            <a:stCxn id="8" idx="1"/>
+            <a:endCxn id="14" idx="0"/>
+          </p:cNvCxnSpPr>
+          <p:nvPr/>
+        </p:nvCxnSpPr>
+        <p:spPr>
+          <a:xfrm rot="10800000" flipV="1">
+            <a:off x="8793452" y="1981109"/>
+            <a:ext cx="182877" cy="658365"/>
+          </a:xfrm>
+          <a:prstGeom prst="bentConnector2">
+            <a:avLst/>
+          </a:prstGeom>
+          <a:ln>
+            <a:tailEnd type="triangle"/>
+          </a:ln>
+        </p:spPr>
+        <p:style>
+          <a:lnRef idx="2">
+            <a:schemeClr val="accent1"/>
+          </a:lnRef>
+          <a:fillRef idx="0">
+            <a:schemeClr val="accent1"/>
+          </a:fillRef>
+          <a:effectRef idx="1">
+            <a:schemeClr val="accent1"/>
+          </a:effectRef>
+          <a:fontRef idx="minor">
+            <a:schemeClr val="tx1"/>
+          </a:fontRef>
+        </p:style>
+      </p:cxnSp>
+      <p:cxnSp>
+        <p:nvCxnSpPr>
+          <p:cNvPr id="20" name="Straight Arrow Connector 19">
+            <a:extLst>
+              <a:ext uri="{FF2B5EF4-FFF2-40B4-BE49-F238E27FC236}">
+                <a16:creationId xmlns:a16="http://schemas.microsoft.com/office/drawing/2014/main" id="{0103478C-BACD-79D0-D7DE-9065D45F5878}"/>
+              </a:ext>
+            </a:extLst>
+          </p:cNvPr>
+          <p:cNvCxnSpPr>
+            <a:cxnSpLocks/>
+            <a:stCxn id="9" idx="2"/>
+            <a:endCxn id="8" idx="0"/>
+          </p:cNvCxnSpPr>
+          <p:nvPr/>
+        </p:nvCxnSpPr>
+        <p:spPr>
+          <a:xfrm>
+            <a:off x="9524962" y="1500858"/>
+            <a:ext cx="0" cy="297374"/>
+          </a:xfrm>
+          <a:prstGeom prst="straightConnector1">
+            <a:avLst/>
+          </a:prstGeom>
+          <a:ln>
+            <a:tailEnd type="triangle"/>
+          </a:ln>
+        </p:spPr>
+        <p:style>
+          <a:lnRef idx="2">
+            <a:schemeClr val="accent1"/>
+          </a:lnRef>
+          <a:fillRef idx="0">
+            <a:schemeClr val="accent1"/>
+          </a:fillRef>
+          <a:effectRef idx="1">
+            <a:schemeClr val="accent1"/>
+          </a:effectRef>
+          <a:fontRef idx="minor">
+            <a:schemeClr val="tx1"/>
+          </a:fontRef>
+        </p:style>
+      </p:cxnSp>
+      <p:cxnSp>
+        <p:nvCxnSpPr>
+          <p:cNvPr id="24" name="Straight Arrow Connector 23">
+            <a:extLst>
+              <a:ext uri="{FF2B5EF4-FFF2-40B4-BE49-F238E27FC236}">
+                <a16:creationId xmlns:a16="http://schemas.microsoft.com/office/drawing/2014/main" id="{83FEE832-9E9A-C88E-68B9-71666521C96C}"/>
+              </a:ext>
+            </a:extLst>
+          </p:cNvPr>
+          <p:cNvCxnSpPr>
+            <a:cxnSpLocks/>
+            <a:stCxn id="6" idx="1"/>
+            <a:endCxn id="3" idx="3"/>
+          </p:cNvCxnSpPr>
+          <p:nvPr/>
+        </p:nvCxnSpPr>
+        <p:spPr>
+          <a:xfrm flipH="1">
+            <a:off x="2987074" y="1282282"/>
+            <a:ext cx="731512" cy="0"/>
+          </a:xfrm>
+          <a:prstGeom prst="straightConnector1">
+            <a:avLst/>
+          </a:prstGeom>
+          <a:ln>
+            <a:tailEnd type="triangle"/>
+          </a:ln>
+        </p:spPr>
+        <p:style>
+          <a:lnRef idx="2">
+            <a:schemeClr val="accent1"/>
+          </a:lnRef>
+          <a:fillRef idx="0">
+            <a:schemeClr val="accent1"/>
+          </a:fillRef>
+          <a:effectRef idx="1">
+            <a:schemeClr val="accent1"/>
+          </a:effectRef>
+          <a:fontRef idx="minor">
+            <a:schemeClr val="tx1"/>
+          </a:fontRef>
+        </p:style>
+      </p:cxnSp>
+      <p:cxnSp>
+        <p:nvCxnSpPr>
+          <p:cNvPr id="28" name="Straight Arrow Connector 27">
+            <a:extLst>
+              <a:ext uri="{FF2B5EF4-FFF2-40B4-BE49-F238E27FC236}">
+                <a16:creationId xmlns:a16="http://schemas.microsoft.com/office/drawing/2014/main" id="{B28FCD84-058D-0701-197A-4120844CA874}"/>
+              </a:ext>
+            </a:extLst>
+          </p:cNvPr>
+          <p:cNvCxnSpPr>
+            <a:cxnSpLocks/>
+            <a:stCxn id="3" idx="2"/>
+            <a:endCxn id="5" idx="0"/>
+          </p:cNvCxnSpPr>
+          <p:nvPr/>
+        </p:nvCxnSpPr>
+        <p:spPr>
+          <a:xfrm flipH="1">
+            <a:off x="2392720" y="1510879"/>
+            <a:ext cx="1" cy="512035"/>
+          </a:xfrm>
+          <a:prstGeom prst="straightConnector1">
+            <a:avLst/>
+          </a:prstGeom>
+          <a:ln>
+            <a:tailEnd type="triangle"/>
+          </a:ln>
+        </p:spPr>
+        <p:style>
+          <a:lnRef idx="2">
+            <a:schemeClr val="accent1"/>
+          </a:lnRef>
+          <a:fillRef idx="0">
+            <a:schemeClr val="accent1"/>
+          </a:fillRef>
+          <a:effectRef idx="1">
+            <a:schemeClr val="accent1"/>
+          </a:effectRef>
+          <a:fontRef idx="minor">
+            <a:schemeClr val="tx1"/>
+          </a:fontRef>
+        </p:style>
+      </p:cxnSp>
+      <p:sp>
+        <p:nvSpPr>
+          <p:cNvPr id="33" name="Rectangle 32">
+            <a:extLst>
+              <a:ext uri="{FF2B5EF4-FFF2-40B4-BE49-F238E27FC236}">
+                <a16:creationId xmlns:a16="http://schemas.microsoft.com/office/drawing/2014/main" id="{E9ED8B8E-950F-A214-906E-6B2C6C1A3C83}"/>
+              </a:ext>
+            </a:extLst>
+          </p:cNvPr>
+          <p:cNvSpPr/>
+          <p:nvPr/>
+        </p:nvSpPr>
+        <p:spPr>
+          <a:xfrm>
+            <a:off x="603072" y="4240641"/>
+            <a:ext cx="1188707" cy="457195"/>
+          </a:xfrm>
+          <a:prstGeom prst="rect">
+            <a:avLst/>
+          </a:prstGeom>
+        </p:spPr>
+        <p:style>
+          <a:lnRef idx="2">
+            <a:schemeClr val="accent1">
+              <a:shade val="15000"/>
+            </a:schemeClr>
+          </a:lnRef>
+          <a:fillRef idx="1">
+            <a:schemeClr val="accent1"/>
+          </a:fillRef>
+          <a:effectRef idx="0">
+            <a:schemeClr val="accent1"/>
+          </a:effectRef>
+          <a:fontRef idx="minor">
+            <a:schemeClr val="lt1"/>
+          </a:fontRef>
+        </p:style>
+        <p:txBody>
+          <a:bodyPr rtlCol="0" anchor="ctr"/>
+          <a:lstStyle/>
+          <a:p>
+            <a:pPr algn="ctr"/>
+            <a:r>
+              <a:rPr lang="en-US" sz="1000" dirty="0"/>
+              <a:t>Second 6</a:t>
+            </a:r>
+          </a:p>
+        </p:txBody>
+      </p:sp>
+      <p:sp>
+        <p:nvSpPr>
+          <p:cNvPr id="34" name="Rectangle 33">
+            <a:extLst>
+              <a:ext uri="{FF2B5EF4-FFF2-40B4-BE49-F238E27FC236}">
+                <a16:creationId xmlns:a16="http://schemas.microsoft.com/office/drawing/2014/main" id="{70409672-F58C-C26E-82FE-C0D385DA1955}"/>
+              </a:ext>
+            </a:extLst>
+          </p:cNvPr>
+          <p:cNvSpPr/>
+          <p:nvPr/>
+        </p:nvSpPr>
+        <p:spPr>
+          <a:xfrm>
+            <a:off x="603072" y="3336075"/>
+            <a:ext cx="1188707" cy="457195"/>
+          </a:xfrm>
+          <a:prstGeom prst="rect">
+            <a:avLst/>
+          </a:prstGeom>
+        </p:spPr>
+        <p:style>
+          <a:lnRef idx="2">
+            <a:schemeClr val="accent1">
+              <a:shade val="15000"/>
+            </a:schemeClr>
+          </a:lnRef>
+          <a:fillRef idx="1">
+            <a:schemeClr val="accent1"/>
+          </a:fillRef>
+          <a:effectRef idx="0">
+            <a:schemeClr val="accent1"/>
+          </a:effectRef>
+          <a:fontRef idx="minor">
+            <a:schemeClr val="lt1"/>
+          </a:fontRef>
+        </p:style>
+        <p:txBody>
+          <a:bodyPr rtlCol="0" anchor="ctr"/>
+          <a:lstStyle/>
+          <a:p>
+            <a:pPr algn="ctr"/>
+            <a:r>
+              <a:rPr lang="en-US" sz="1000" dirty="0"/>
+              <a:t>First 6</a:t>
+            </a:r>
+          </a:p>
+        </p:txBody>
+      </p:sp>
+      <p:sp>
+        <p:nvSpPr>
+          <p:cNvPr id="35" name="Rectangle 34">
+            <a:extLst>
+              <a:ext uri="{FF2B5EF4-FFF2-40B4-BE49-F238E27FC236}">
+                <a16:creationId xmlns:a16="http://schemas.microsoft.com/office/drawing/2014/main" id="{E3FF0487-6155-0E4F-E078-231F07408409}"/>
+              </a:ext>
+            </a:extLst>
+          </p:cNvPr>
+          <p:cNvSpPr/>
+          <p:nvPr/>
+        </p:nvSpPr>
+        <p:spPr>
+          <a:xfrm>
+            <a:off x="2765629" y="4025426"/>
+            <a:ext cx="1188707" cy="457195"/>
+          </a:xfrm>
+          <a:prstGeom prst="rect">
+            <a:avLst/>
+          </a:prstGeom>
+        </p:spPr>
+        <p:style>
+          <a:lnRef idx="2">
+            <a:schemeClr val="accent1">
+              <a:shade val="15000"/>
+            </a:schemeClr>
+          </a:lnRef>
+          <a:fillRef idx="1">
+            <a:schemeClr val="accent1"/>
+          </a:fillRef>
+          <a:effectRef idx="0">
+            <a:schemeClr val="accent1"/>
+          </a:effectRef>
+          <a:fontRef idx="minor">
+            <a:schemeClr val="lt1"/>
+          </a:fontRef>
+        </p:style>
+        <p:txBody>
+          <a:bodyPr rtlCol="0" anchor="ctr"/>
+          <a:lstStyle/>
+          <a:p>
+            <a:pPr algn="ctr"/>
+            <a:r>
+              <a:rPr lang="en-US" sz="1000" dirty="0"/>
+              <a:t>Back 9</a:t>
+            </a:r>
+          </a:p>
+        </p:txBody>
+      </p:sp>
+      <p:sp>
+        <p:nvSpPr>
+          <p:cNvPr id="36" name="Rectangle 35">
+            <a:extLst>
+              <a:ext uri="{FF2B5EF4-FFF2-40B4-BE49-F238E27FC236}">
+                <a16:creationId xmlns:a16="http://schemas.microsoft.com/office/drawing/2014/main" id="{9E519C02-4493-D1EA-3A52-F862BD504C47}"/>
+              </a:ext>
+            </a:extLst>
+          </p:cNvPr>
+          <p:cNvSpPr/>
+          <p:nvPr/>
+        </p:nvSpPr>
+        <p:spPr>
+          <a:xfrm>
+            <a:off x="2765631" y="3309904"/>
+            <a:ext cx="1188707" cy="457195"/>
+          </a:xfrm>
+          <a:prstGeom prst="rect">
+            <a:avLst/>
+          </a:prstGeom>
+        </p:spPr>
+        <p:style>
+          <a:lnRef idx="2">
+            <a:schemeClr val="accent1">
+              <a:shade val="15000"/>
+            </a:schemeClr>
+          </a:lnRef>
+          <a:fillRef idx="1">
+            <a:schemeClr val="accent1"/>
+          </a:fillRef>
+          <a:effectRef idx="0">
+            <a:schemeClr val="accent1"/>
+          </a:effectRef>
+          <a:fontRef idx="minor">
+            <a:schemeClr val="lt1"/>
+          </a:fontRef>
+        </p:style>
+        <p:txBody>
+          <a:bodyPr rtlCol="0" anchor="ctr"/>
+          <a:lstStyle/>
+          <a:p>
+            <a:pPr algn="ctr"/>
+            <a:r>
+              <a:rPr lang="en-US" sz="1000" dirty="0"/>
+              <a:t>Front 9</a:t>
+            </a:r>
+          </a:p>
+        </p:txBody>
+      </p:sp>
+      <p:cxnSp>
+        <p:nvCxnSpPr>
+          <p:cNvPr id="38" name="Connector: Elbow 37">
+            <a:extLst>
+              <a:ext uri="{FF2B5EF4-FFF2-40B4-BE49-F238E27FC236}">
+                <a16:creationId xmlns:a16="http://schemas.microsoft.com/office/drawing/2014/main" id="{C535B6F0-2062-00EB-24EB-9553B5FD99AF}"/>
+              </a:ext>
+            </a:extLst>
+          </p:cNvPr>
+          <p:cNvCxnSpPr>
+            <a:cxnSpLocks/>
+            <a:stCxn id="36" idx="3"/>
+            <a:endCxn id="35" idx="3"/>
+          </p:cNvCxnSpPr>
+          <p:nvPr/>
+        </p:nvCxnSpPr>
+        <p:spPr>
+          <a:xfrm flipH="1">
+            <a:off x="3954336" y="3538502"/>
+            <a:ext cx="2" cy="715522"/>
+          </a:xfrm>
+          <a:prstGeom prst="bentConnector3">
+            <a:avLst>
+              <a:gd name="adj1" fmla="val -11430000000"/>
+            </a:avLst>
+          </a:prstGeom>
+          <a:ln>
+            <a:tailEnd type="triangle"/>
+          </a:ln>
+        </p:spPr>
+        <p:style>
+          <a:lnRef idx="2">
+            <a:schemeClr val="accent1"/>
+          </a:lnRef>
+          <a:fillRef idx="0">
+            <a:schemeClr val="accent1"/>
+          </a:fillRef>
+          <a:effectRef idx="1">
+            <a:schemeClr val="accent1"/>
+          </a:effectRef>
+          <a:fontRef idx="minor">
+            <a:schemeClr val="tx1"/>
+          </a:fontRef>
+        </p:style>
+      </p:cxnSp>
+      <p:cxnSp>
+        <p:nvCxnSpPr>
+          <p:cNvPr id="42" name="Connector: Elbow 41">
+            <a:extLst>
+              <a:ext uri="{FF2B5EF4-FFF2-40B4-BE49-F238E27FC236}">
+                <a16:creationId xmlns:a16="http://schemas.microsoft.com/office/drawing/2014/main" id="{C8C2CDFD-0787-44C8-AB38-98FB86590B9E}"/>
+              </a:ext>
+            </a:extLst>
+          </p:cNvPr>
+          <p:cNvCxnSpPr>
+            <a:cxnSpLocks/>
+            <a:stCxn id="35" idx="1"/>
+            <a:endCxn id="36" idx="1"/>
+          </p:cNvCxnSpPr>
+          <p:nvPr/>
+        </p:nvCxnSpPr>
+        <p:spPr>
+          <a:xfrm rot="10800000" flipH="1">
+            <a:off x="2765629" y="3538502"/>
+            <a:ext cx="2" cy="715522"/>
+          </a:xfrm>
+          <a:prstGeom prst="bentConnector3">
+            <a:avLst>
+              <a:gd name="adj1" fmla="val -11430000000"/>
+            </a:avLst>
+          </a:prstGeom>
+          <a:ln>
+            <a:tailEnd type="triangle"/>
+          </a:ln>
+        </p:spPr>
+        <p:style>
+          <a:lnRef idx="2">
+            <a:schemeClr val="accent1"/>
+          </a:lnRef>
+          <a:fillRef idx="0">
+            <a:schemeClr val="accent1"/>
+          </a:fillRef>
+          <a:effectRef idx="1">
+            <a:schemeClr val="accent1"/>
+          </a:effectRef>
+          <a:fontRef idx="minor">
+            <a:schemeClr val="tx1"/>
+          </a:fontRef>
+        </p:style>
+      </p:cxnSp>
+      <p:cxnSp>
+        <p:nvCxnSpPr>
+          <p:cNvPr id="46" name="Connector: Elbow 45">
+            <a:extLst>
+              <a:ext uri="{FF2B5EF4-FFF2-40B4-BE49-F238E27FC236}">
+                <a16:creationId xmlns:a16="http://schemas.microsoft.com/office/drawing/2014/main" id="{BD3FA99B-B7AE-E538-91BB-216ED8D54D14}"/>
+              </a:ext>
+            </a:extLst>
+          </p:cNvPr>
+          <p:cNvCxnSpPr>
+            <a:cxnSpLocks/>
+          </p:cNvCxnSpPr>
+          <p:nvPr/>
+        </p:nvCxnSpPr>
+        <p:spPr>
+          <a:xfrm rot="5400000">
+            <a:off x="973740" y="4016955"/>
+            <a:ext cx="447371" cy="12700"/>
+          </a:xfrm>
+          <a:prstGeom prst="bentConnector3">
+            <a:avLst>
+              <a:gd name="adj1" fmla="val 50000"/>
+            </a:avLst>
+          </a:prstGeom>
+          <a:ln>
+            <a:tailEnd type="triangle"/>
+          </a:ln>
+        </p:spPr>
+        <p:style>
+          <a:lnRef idx="2">
+            <a:schemeClr val="accent1"/>
+          </a:lnRef>
+          <a:fillRef idx="0">
+            <a:schemeClr val="accent1"/>
+          </a:fillRef>
+          <a:effectRef idx="1">
+            <a:schemeClr val="accent1"/>
+          </a:effectRef>
+          <a:fontRef idx="minor">
+            <a:schemeClr val="tx1"/>
+          </a:fontRef>
+        </p:style>
+      </p:cxnSp>
+      <p:cxnSp>
+        <p:nvCxnSpPr>
+          <p:cNvPr id="50" name="Connector: Elbow 49">
+            <a:extLst>
+              <a:ext uri="{FF2B5EF4-FFF2-40B4-BE49-F238E27FC236}">
+                <a16:creationId xmlns:a16="http://schemas.microsoft.com/office/drawing/2014/main" id="{28F27451-3803-540D-B2C8-4073AC947A6D}"/>
+              </a:ext>
+            </a:extLst>
+          </p:cNvPr>
+          <p:cNvCxnSpPr>
+            <a:cxnSpLocks/>
+          </p:cNvCxnSpPr>
+          <p:nvPr/>
+        </p:nvCxnSpPr>
+        <p:spPr>
+          <a:xfrm rot="5400000">
+            <a:off x="973739" y="4921522"/>
+            <a:ext cx="447372" cy="12700"/>
+          </a:xfrm>
+          <a:prstGeom prst="bentConnector3">
+            <a:avLst>
+              <a:gd name="adj1" fmla="val 50000"/>
+            </a:avLst>
+          </a:prstGeom>
+          <a:ln>
+            <a:tailEnd type="triangle"/>
+          </a:ln>
+        </p:spPr>
+        <p:style>
+          <a:lnRef idx="2">
+            <a:schemeClr val="accent1"/>
+          </a:lnRef>
+          <a:fillRef idx="0">
+            <a:schemeClr val="accent1"/>
+          </a:fillRef>
+          <a:effectRef idx="1">
+            <a:schemeClr val="accent1"/>
+          </a:effectRef>
+          <a:fontRef idx="minor">
+            <a:schemeClr val="tx1"/>
+          </a:fontRef>
+        </p:style>
+      </p:cxnSp>
+      <p:cxnSp>
+        <p:nvCxnSpPr>
+          <p:cNvPr id="54" name="Connector: Elbow 53">
+            <a:extLst>
+              <a:ext uri="{FF2B5EF4-FFF2-40B4-BE49-F238E27FC236}">
+                <a16:creationId xmlns:a16="http://schemas.microsoft.com/office/drawing/2014/main" id="{87134328-F0AA-5FD1-CE01-82BFF16D5752}"/>
+              </a:ext>
+            </a:extLst>
+          </p:cNvPr>
+          <p:cNvCxnSpPr>
+            <a:cxnSpLocks/>
+            <a:stCxn id="4" idx="1"/>
+            <a:endCxn id="34" idx="1"/>
+          </p:cNvCxnSpPr>
+          <p:nvPr/>
+        </p:nvCxnSpPr>
+        <p:spPr>
+          <a:xfrm rot="10800000">
+            <a:off x="603072" y="3564674"/>
+            <a:ext cx="12700" cy="1809133"/>
+          </a:xfrm>
+          <a:prstGeom prst="bentConnector3">
+            <a:avLst>
+              <a:gd name="adj1" fmla="val 1800000"/>
+            </a:avLst>
+          </a:prstGeom>
+          <a:ln>
+            <a:tailEnd type="triangle"/>
+          </a:ln>
+        </p:spPr>
+        <p:style>
+          <a:lnRef idx="2">
+            <a:schemeClr val="accent1"/>
+          </a:lnRef>
+          <a:fillRef idx="0">
+            <a:schemeClr val="accent1"/>
+          </a:fillRef>
+          <a:effectRef idx="1">
+            <a:schemeClr val="accent1"/>
+          </a:effectRef>
+          <a:fontRef idx="minor">
+            <a:schemeClr val="tx1"/>
+          </a:fontRef>
+        </p:style>
+      </p:cxnSp>
+      <p:cxnSp>
+        <p:nvCxnSpPr>
+          <p:cNvPr id="12" name="Connector: Elbow 11">
+            <a:extLst>
+              <a:ext uri="{FF2B5EF4-FFF2-40B4-BE49-F238E27FC236}">
+                <a16:creationId xmlns:a16="http://schemas.microsoft.com/office/drawing/2014/main" id="{CBF96FCB-BA39-31FF-FEAE-BC84AC32FAD8}"/>
+              </a:ext>
+            </a:extLst>
+          </p:cNvPr>
+          <p:cNvCxnSpPr>
+            <a:cxnSpLocks/>
+            <a:stCxn id="5" idx="2"/>
+            <a:endCxn id="34" idx="0"/>
+          </p:cNvCxnSpPr>
+          <p:nvPr/>
+        </p:nvCxnSpPr>
+        <p:spPr>
+          <a:xfrm rot="5400000">
+            <a:off x="1367090" y="2310445"/>
+            <a:ext cx="855966" cy="1195294"/>
+          </a:xfrm>
+          <a:prstGeom prst="bentConnector3">
+            <a:avLst>
+              <a:gd name="adj1" fmla="val 50000"/>
+            </a:avLst>
+          </a:prstGeom>
+          <a:ln>
+            <a:tailEnd type="triangle"/>
+          </a:ln>
+        </p:spPr>
+        <p:style>
+          <a:lnRef idx="2">
+            <a:schemeClr val="accent1"/>
+          </a:lnRef>
+          <a:fillRef idx="0">
+            <a:schemeClr val="accent1"/>
+          </a:fillRef>
+          <a:effectRef idx="1">
+            <a:schemeClr val="accent1"/>
+          </a:effectRef>
+          <a:fontRef idx="minor">
+            <a:schemeClr val="tx1"/>
+          </a:fontRef>
+        </p:style>
+      </p:cxnSp>
+      <p:cxnSp>
+        <p:nvCxnSpPr>
+          <p:cNvPr id="18" name="Connector: Elbow 17">
+            <a:extLst>
+              <a:ext uri="{FF2B5EF4-FFF2-40B4-BE49-F238E27FC236}">
+                <a16:creationId xmlns:a16="http://schemas.microsoft.com/office/drawing/2014/main" id="{24F56685-C309-DAD0-9257-17F2E276C704}"/>
+              </a:ext>
+            </a:extLst>
+          </p:cNvPr>
+          <p:cNvCxnSpPr>
+            <a:cxnSpLocks/>
+            <a:stCxn id="5" idx="2"/>
+            <a:endCxn id="36" idx="0"/>
+          </p:cNvCxnSpPr>
+          <p:nvPr/>
+        </p:nvCxnSpPr>
+        <p:spPr>
+          <a:xfrm rot="16200000" flipH="1">
+            <a:off x="2461455" y="2411373"/>
+            <a:ext cx="829795" cy="967265"/>
+          </a:xfrm>
+          <a:prstGeom prst="bentConnector3">
+            <a:avLst>
+              <a:gd name="adj1" fmla="val 50000"/>
+            </a:avLst>
+          </a:prstGeom>
+          <a:ln>
+            <a:tailEnd type="triangle"/>
+          </a:ln>
+        </p:spPr>
+        <p:style>
+          <a:lnRef idx="2">
+            <a:schemeClr val="accent1"/>
+          </a:lnRef>
+          <a:fillRef idx="0">
+            <a:schemeClr val="accent1"/>
+          </a:fillRef>
+          <a:effectRef idx="1">
+            <a:schemeClr val="accent1"/>
+          </a:effectRef>
+          <a:fontRef idx="minor">
+            <a:schemeClr val="tx1"/>
+          </a:fontRef>
+        </p:style>
+      </p:cxnSp>
+      <p:sp>
+        <p:nvSpPr>
+          <p:cNvPr id="10" name="Rectangle 9">
+            <a:extLst>
+              <a:ext uri="{FF2B5EF4-FFF2-40B4-BE49-F238E27FC236}">
+                <a16:creationId xmlns:a16="http://schemas.microsoft.com/office/drawing/2014/main" id="{59CE0F74-C4F9-D03F-B31B-1A34A993895C}"/>
+              </a:ext>
+            </a:extLst>
+          </p:cNvPr>
+          <p:cNvSpPr/>
+          <p:nvPr/>
+        </p:nvSpPr>
+        <p:spPr>
+          <a:xfrm>
+            <a:off x="10850828" y="4800585"/>
+            <a:ext cx="1188707" cy="457195"/>
+          </a:xfrm>
+          <a:prstGeom prst="rect">
+            <a:avLst/>
+          </a:prstGeom>
+        </p:spPr>
+        <p:style>
+          <a:lnRef idx="2">
+            <a:schemeClr val="accent1">
+              <a:shade val="15000"/>
+            </a:schemeClr>
+          </a:lnRef>
+          <a:fillRef idx="1">
+            <a:schemeClr val="accent1"/>
+          </a:fillRef>
+          <a:effectRef idx="0">
+            <a:schemeClr val="accent1"/>
+          </a:effectRef>
+          <a:fontRef idx="minor">
+            <a:schemeClr val="lt1"/>
+          </a:fontRef>
+        </p:style>
+        <p:txBody>
+          <a:bodyPr rtlCol="0" anchor="ctr"/>
+          <a:lstStyle/>
+          <a:p>
+            <a:pPr algn="ctr"/>
+            <a:r>
+              <a:rPr lang="en-US" sz="1000" dirty="0"/>
+              <a:t>Screen Mode Button</a:t>
+            </a:r>
+          </a:p>
+        </p:txBody>
+      </p:sp>
+      <p:sp>
+        <p:nvSpPr>
+          <p:cNvPr id="13" name="Rectangle 12">
+            <a:extLst>
+              <a:ext uri="{FF2B5EF4-FFF2-40B4-BE49-F238E27FC236}">
+                <a16:creationId xmlns:a16="http://schemas.microsoft.com/office/drawing/2014/main" id="{557534AF-7AB1-6AC7-F446-494C473B9C36}"/>
+              </a:ext>
+            </a:extLst>
+          </p:cNvPr>
+          <p:cNvSpPr/>
+          <p:nvPr/>
+        </p:nvSpPr>
+        <p:spPr>
+          <a:xfrm>
+            <a:off x="10850828" y="5380880"/>
+            <a:ext cx="1188707" cy="457195"/>
+          </a:xfrm>
+          <a:prstGeom prst="rect">
+            <a:avLst/>
+          </a:prstGeom>
+        </p:spPr>
+        <p:style>
+          <a:lnRef idx="2">
+            <a:schemeClr val="accent1">
+              <a:shade val="15000"/>
+            </a:schemeClr>
+          </a:lnRef>
+          <a:fillRef idx="1">
+            <a:schemeClr val="accent1"/>
+          </a:fillRef>
+          <a:effectRef idx="0">
+            <a:schemeClr val="accent1"/>
+          </a:effectRef>
+          <a:fontRef idx="minor">
+            <a:schemeClr val="lt1"/>
+          </a:fontRef>
+        </p:style>
+        <p:txBody>
+          <a:bodyPr rtlCol="0" anchor="ctr"/>
+          <a:lstStyle/>
+          <a:p>
+            <a:pPr algn="ctr"/>
+            <a:r>
+              <a:rPr lang="en-US" sz="1000" dirty="0"/>
+              <a:t>Screen Mode Button</a:t>
+            </a:r>
+          </a:p>
+        </p:txBody>
+      </p:sp>
+    </p:spTree>
+    <p:extLst>
+      <p:ext uri="{BB962C8B-B14F-4D97-AF65-F5344CB8AC3E}">
+        <p14:creationId xmlns:p14="http://schemas.microsoft.com/office/powerpoint/2010/main" val="4155347213"/>
+      </p:ext>
+    </p:extLst>
+  </p:cSld>
+  <p:clrMapOvr>
+    <a:masterClrMapping/>
+  </p:clrMapOvr>
+</p:sld>
+</file>
+
+<file path=ppt/slides/slide24.xml><?xml version="1.0" encoding="utf-8"?>
+<p:sld xmlns:a="http://schemas.openxmlformats.org/drawingml/2006/main" xmlns:r="http://schemas.openxmlformats.org/officeDocument/2006/relationships" xmlns:p="http://schemas.openxmlformats.org/presentationml/2006/main">
+  <p:cSld>
+    <p:spTree>
+      <p:nvGrpSpPr>
+        <p:cNvPr id="1" name=""/>
+        <p:cNvGrpSpPr/>
+        <p:nvPr/>
+      </p:nvGrpSpPr>
+      <p:grpSpPr>
+        <a:xfrm>
+          <a:off x="0" y="0"/>
+          <a:ext cx="0" cy="0"/>
+          <a:chOff x="0" y="0"/>
+          <a:chExt cx="0" cy="0"/>
+        </a:xfrm>
+      </p:grpSpPr>
+      <p:sp>
+        <p:nvSpPr>
+          <p:cNvPr id="4" name="Rectangle 3">
+            <a:extLst>
+              <a:ext uri="{FF2B5EF4-FFF2-40B4-BE49-F238E27FC236}">
+                <a16:creationId xmlns:a16="http://schemas.microsoft.com/office/drawing/2014/main" id="{5D8581CC-52BF-587C-E545-B0AF58950FF4}"/>
+              </a:ext>
+            </a:extLst>
+          </p:cNvPr>
+          <p:cNvSpPr/>
+          <p:nvPr/>
+        </p:nvSpPr>
+        <p:spPr>
+          <a:xfrm>
+            <a:off x="3313833" y="4343390"/>
+            <a:ext cx="1188707" cy="457195"/>
+          </a:xfrm>
+          <a:prstGeom prst="rect">
+            <a:avLst/>
+          </a:prstGeom>
+        </p:spPr>
+        <p:style>
+          <a:lnRef idx="2">
+            <a:schemeClr val="accent1">
+              <a:shade val="15000"/>
+            </a:schemeClr>
+          </a:lnRef>
+          <a:fillRef idx="1">
+            <a:schemeClr val="accent1"/>
+          </a:fillRef>
+          <a:effectRef idx="0">
+            <a:schemeClr val="accent1"/>
+          </a:effectRef>
+          <a:fontRef idx="minor">
+            <a:schemeClr val="lt1"/>
+          </a:fontRef>
+        </p:style>
+        <p:txBody>
+          <a:bodyPr rtlCol="0" anchor="ctr"/>
+          <a:lstStyle/>
+          <a:p>
+            <a:pPr algn="ctr"/>
+            <a:r>
+              <a:rPr lang="en-US" sz="1000" dirty="0"/>
+              <a:t>Current hole &lt;</a:t>
+            </a:r>
+          </a:p>
+          <a:p>
+            <a:pPr algn="ctr"/>
+            <a:r>
+              <a:rPr lang="en-US" sz="1000" dirty="0"/>
+              <a:t>9</a:t>
+            </a:r>
+          </a:p>
+        </p:txBody>
+      </p:sp>
+      <p:sp>
+        <p:nvSpPr>
+          <p:cNvPr id="5" name="Rectangle 4">
+            <a:extLst>
+              <a:ext uri="{FF2B5EF4-FFF2-40B4-BE49-F238E27FC236}">
+                <a16:creationId xmlns:a16="http://schemas.microsoft.com/office/drawing/2014/main" id="{06C7A53E-286A-21ED-9D0F-19BA8C01951B}"/>
+              </a:ext>
+            </a:extLst>
+          </p:cNvPr>
+          <p:cNvSpPr/>
+          <p:nvPr/>
+        </p:nvSpPr>
+        <p:spPr>
+          <a:xfrm>
+            <a:off x="389901" y="1691659"/>
+            <a:ext cx="1188707" cy="457195"/>
+          </a:xfrm>
+          <a:prstGeom prst="rect">
+            <a:avLst/>
+          </a:prstGeom>
+        </p:spPr>
+        <p:style>
+          <a:lnRef idx="2">
+            <a:schemeClr val="accent1">
+              <a:shade val="15000"/>
+            </a:schemeClr>
+          </a:lnRef>
+          <a:fillRef idx="1">
+            <a:schemeClr val="accent1"/>
+          </a:fillRef>
+          <a:effectRef idx="0">
+            <a:schemeClr val="accent1"/>
+          </a:effectRef>
+          <a:fontRef idx="minor">
+            <a:schemeClr val="lt1"/>
+          </a:fontRef>
+        </p:style>
+        <p:txBody>
+          <a:bodyPr rtlCol="0" anchor="ctr"/>
+          <a:lstStyle/>
+          <a:p>
+            <a:pPr algn="ctr"/>
+            <a:r>
+              <a:rPr lang="en-US" sz="1000" dirty="0"/>
+              <a:t>Current Hole + 1</a:t>
+            </a:r>
+          </a:p>
+        </p:txBody>
+      </p:sp>
+      <p:sp>
+        <p:nvSpPr>
+          <p:cNvPr id="6" name="Rectangle 5">
+            <a:extLst>
+              <a:ext uri="{FF2B5EF4-FFF2-40B4-BE49-F238E27FC236}">
+                <a16:creationId xmlns:a16="http://schemas.microsoft.com/office/drawing/2014/main" id="{13EF163F-F896-50D3-585E-D2718F893AE4}"/>
+              </a:ext>
+            </a:extLst>
+          </p:cNvPr>
+          <p:cNvSpPr/>
+          <p:nvPr/>
+        </p:nvSpPr>
+        <p:spPr>
+          <a:xfrm>
+            <a:off x="1852924" y="1035427"/>
+            <a:ext cx="1188707" cy="457195"/>
+          </a:xfrm>
+          <a:prstGeom prst="rect">
+            <a:avLst/>
+          </a:prstGeom>
+        </p:spPr>
+        <p:style>
+          <a:lnRef idx="2">
+            <a:schemeClr val="accent1">
+              <a:shade val="15000"/>
+            </a:schemeClr>
+          </a:lnRef>
+          <a:fillRef idx="1">
+            <a:schemeClr val="accent1"/>
+          </a:fillRef>
+          <a:effectRef idx="0">
+            <a:schemeClr val="accent1"/>
+          </a:effectRef>
+          <a:fontRef idx="minor">
+            <a:schemeClr val="lt1"/>
+          </a:fontRef>
+        </p:style>
+        <p:txBody>
+          <a:bodyPr rtlCol="0" anchor="ctr"/>
+          <a:lstStyle/>
+          <a:p>
+            <a:pPr algn="ctr"/>
+            <a:r>
+              <a:rPr lang="en-US" sz="1000" dirty="0"/>
+              <a:t>Current hole + 1 &lt; 18</a:t>
+            </a:r>
+          </a:p>
+        </p:txBody>
+      </p:sp>
+      <p:sp>
+        <p:nvSpPr>
+          <p:cNvPr id="7" name="Rectangle 6">
+            <a:extLst>
+              <a:ext uri="{FF2B5EF4-FFF2-40B4-BE49-F238E27FC236}">
+                <a16:creationId xmlns:a16="http://schemas.microsoft.com/office/drawing/2014/main" id="{83681F97-9F4D-F6E4-79B5-19316AF64469}"/>
+              </a:ext>
+            </a:extLst>
+          </p:cNvPr>
+          <p:cNvSpPr/>
+          <p:nvPr/>
+        </p:nvSpPr>
+        <p:spPr>
+          <a:xfrm>
+            <a:off x="1852925" y="228635"/>
+            <a:ext cx="1188707" cy="457195"/>
+          </a:xfrm>
+          <a:prstGeom prst="rect">
+            <a:avLst/>
+          </a:prstGeom>
+        </p:spPr>
+        <p:style>
+          <a:lnRef idx="2">
+            <a:schemeClr val="accent1">
+              <a:shade val="15000"/>
+            </a:schemeClr>
+          </a:lnRef>
+          <a:fillRef idx="1">
+            <a:schemeClr val="accent1"/>
+          </a:fillRef>
+          <a:effectRef idx="0">
+            <a:schemeClr val="accent1"/>
+          </a:effectRef>
+          <a:fontRef idx="minor">
+            <a:schemeClr val="lt1"/>
+          </a:fontRef>
+        </p:style>
+        <p:txBody>
+          <a:bodyPr rtlCol="0" anchor="ctr"/>
+          <a:lstStyle/>
+          <a:p>
+            <a:pPr algn="ctr"/>
+            <a:r>
+              <a:rPr lang="en-US" sz="1000" dirty="0"/>
+              <a:t>Advance to Next Hole</a:t>
+            </a:r>
+          </a:p>
+        </p:txBody>
+      </p:sp>
+      <p:sp>
+        <p:nvSpPr>
+          <p:cNvPr id="9" name="Rectangle 8">
+            <a:extLst>
+              <a:ext uri="{FF2B5EF4-FFF2-40B4-BE49-F238E27FC236}">
+                <a16:creationId xmlns:a16="http://schemas.microsoft.com/office/drawing/2014/main" id="{01566FEC-749A-CEA2-E582-1B40E99B52EF}"/>
+              </a:ext>
+            </a:extLst>
+          </p:cNvPr>
+          <p:cNvSpPr/>
+          <p:nvPr/>
+        </p:nvSpPr>
+        <p:spPr>
+          <a:xfrm>
+            <a:off x="2029797" y="5178781"/>
+            <a:ext cx="1530385" cy="457195"/>
+          </a:xfrm>
+          <a:prstGeom prst="rect">
+            <a:avLst/>
+          </a:prstGeom>
+        </p:spPr>
+        <p:style>
+          <a:lnRef idx="2">
+            <a:schemeClr val="accent1">
+              <a:shade val="15000"/>
+            </a:schemeClr>
+          </a:lnRef>
+          <a:fillRef idx="1">
+            <a:schemeClr val="accent1"/>
+          </a:fillRef>
+          <a:effectRef idx="0">
+            <a:schemeClr val="accent1"/>
+          </a:effectRef>
+          <a:fontRef idx="minor">
+            <a:schemeClr val="lt1"/>
+          </a:fontRef>
+        </p:style>
+        <p:txBody>
+          <a:bodyPr rtlCol="0" anchor="ctr"/>
+          <a:lstStyle/>
+          <a:p>
+            <a:pPr algn="ctr"/>
+            <a:r>
+              <a:rPr lang="en-US" sz="1000" dirty="0"/>
+              <a:t>Set what hole is being display = </a:t>
+            </a:r>
+          </a:p>
+          <a:p>
+            <a:pPr algn="ctr"/>
+            <a:r>
+              <a:rPr lang="en-US" sz="1000" dirty="0"/>
+              <a:t>Front 9 is displayed</a:t>
+            </a:r>
+          </a:p>
+        </p:txBody>
+      </p:sp>
+      <p:cxnSp>
+        <p:nvCxnSpPr>
+          <p:cNvPr id="11" name="Connector: Elbow 10">
+            <a:extLst>
+              <a:ext uri="{FF2B5EF4-FFF2-40B4-BE49-F238E27FC236}">
+                <a16:creationId xmlns:a16="http://schemas.microsoft.com/office/drawing/2014/main" id="{35B6590C-1577-9C5B-5EB7-9F858ABF60A8}"/>
+              </a:ext>
+            </a:extLst>
+          </p:cNvPr>
+          <p:cNvCxnSpPr>
+            <a:cxnSpLocks/>
+            <a:stCxn id="6" idx="1"/>
+            <a:endCxn id="5" idx="0"/>
+          </p:cNvCxnSpPr>
+          <p:nvPr/>
+        </p:nvCxnSpPr>
+        <p:spPr>
+          <a:xfrm rot="10800000" flipV="1">
+            <a:off x="984256" y="1264025"/>
+            <a:ext cx="868669" cy="427634"/>
+          </a:xfrm>
+          <a:prstGeom prst="bentConnector2">
+            <a:avLst/>
+          </a:prstGeom>
+          <a:ln>
+            <a:tailEnd type="triangle"/>
+          </a:ln>
+        </p:spPr>
+        <p:style>
+          <a:lnRef idx="2">
+            <a:schemeClr val="accent1"/>
+          </a:lnRef>
+          <a:fillRef idx="0">
+            <a:schemeClr val="accent1"/>
+          </a:fillRef>
+          <a:effectRef idx="1">
+            <a:schemeClr val="accent1"/>
+          </a:effectRef>
+          <a:fontRef idx="minor">
+            <a:schemeClr val="tx1"/>
+          </a:fontRef>
+        </p:style>
+      </p:cxnSp>
+      <p:sp>
+        <p:nvSpPr>
+          <p:cNvPr id="14" name="TextBox 13">
+            <a:extLst>
+              <a:ext uri="{FF2B5EF4-FFF2-40B4-BE49-F238E27FC236}">
+                <a16:creationId xmlns:a16="http://schemas.microsoft.com/office/drawing/2014/main" id="{1BCD8532-AEDF-B97B-AE42-70B24DA9975B}"/>
+              </a:ext>
+            </a:extLst>
+          </p:cNvPr>
+          <p:cNvSpPr txBox="1"/>
+          <p:nvPr/>
+        </p:nvSpPr>
+        <p:spPr>
+          <a:xfrm>
+            <a:off x="1127800" y="1035427"/>
+            <a:ext cx="352982" cy="246221"/>
+          </a:xfrm>
+          <a:prstGeom prst="rect">
+            <a:avLst/>
+          </a:prstGeom>
+          <a:noFill/>
+        </p:spPr>
+        <p:txBody>
+          <a:bodyPr wrap="none" rtlCol="0">
+            <a:spAutoFit/>
+          </a:bodyPr>
+          <a:lstStyle/>
+          <a:p>
+            <a:r>
+              <a:rPr lang="en-US" sz="1000" dirty="0"/>
+              <a:t>No</a:t>
+            </a:r>
+          </a:p>
+        </p:txBody>
+      </p:sp>
+      <p:cxnSp>
+        <p:nvCxnSpPr>
+          <p:cNvPr id="16" name="Straight Arrow Connector 15">
+            <a:extLst>
+              <a:ext uri="{FF2B5EF4-FFF2-40B4-BE49-F238E27FC236}">
+                <a16:creationId xmlns:a16="http://schemas.microsoft.com/office/drawing/2014/main" id="{DFBC7BE7-2E21-AEE6-4623-B59388A1AC77}"/>
+              </a:ext>
+            </a:extLst>
+          </p:cNvPr>
+          <p:cNvCxnSpPr>
+            <a:cxnSpLocks/>
+            <a:stCxn id="7" idx="2"/>
+            <a:endCxn id="6" idx="0"/>
+          </p:cNvCxnSpPr>
+          <p:nvPr/>
+        </p:nvCxnSpPr>
+        <p:spPr>
+          <a:xfrm flipH="1">
+            <a:off x="2447278" y="685830"/>
+            <a:ext cx="1" cy="349597"/>
+          </a:xfrm>
+          <a:prstGeom prst="straightConnector1">
+            <a:avLst/>
+          </a:prstGeom>
+          <a:ln>
+            <a:tailEnd type="triangle"/>
+          </a:ln>
+        </p:spPr>
+        <p:style>
+          <a:lnRef idx="2">
+            <a:schemeClr val="accent1"/>
+          </a:lnRef>
+          <a:fillRef idx="0">
+            <a:schemeClr val="accent1"/>
+          </a:fillRef>
+          <a:effectRef idx="1">
+            <a:schemeClr val="accent1"/>
+          </a:effectRef>
+          <a:fontRef idx="minor">
+            <a:schemeClr val="tx1"/>
+          </a:fontRef>
+        </p:style>
+      </p:cxnSp>
+      <p:sp>
+        <p:nvSpPr>
+          <p:cNvPr id="20" name="Rectangle 19">
+            <a:extLst>
+              <a:ext uri="{FF2B5EF4-FFF2-40B4-BE49-F238E27FC236}">
+                <a16:creationId xmlns:a16="http://schemas.microsoft.com/office/drawing/2014/main" id="{9CAB1343-DE8B-BB45-16AD-19205ACB16E6}"/>
+              </a:ext>
+            </a:extLst>
+          </p:cNvPr>
+          <p:cNvSpPr/>
+          <p:nvPr/>
+        </p:nvSpPr>
+        <p:spPr>
+          <a:xfrm>
+            <a:off x="9479243" y="1181895"/>
+            <a:ext cx="1188707" cy="457195"/>
+          </a:xfrm>
+          <a:prstGeom prst="rect">
+            <a:avLst/>
+          </a:prstGeom>
+        </p:spPr>
+        <p:style>
+          <a:lnRef idx="2">
+            <a:schemeClr val="accent1">
+              <a:shade val="15000"/>
+            </a:schemeClr>
+          </a:lnRef>
+          <a:fillRef idx="1">
+            <a:schemeClr val="accent1"/>
+          </a:fillRef>
+          <a:effectRef idx="0">
+            <a:schemeClr val="accent1"/>
+          </a:effectRef>
+          <a:fontRef idx="minor">
+            <a:schemeClr val="lt1"/>
+          </a:fontRef>
+        </p:style>
+        <p:txBody>
+          <a:bodyPr rtlCol="0" anchor="ctr"/>
+          <a:lstStyle/>
+          <a:p>
+            <a:pPr algn="ctr"/>
+            <a:r>
+              <a:rPr lang="en-US" sz="1000" dirty="0"/>
+              <a:t>Current hole = 8 or 17</a:t>
+            </a:r>
+          </a:p>
+        </p:txBody>
+      </p:sp>
+      <p:sp>
+        <p:nvSpPr>
+          <p:cNvPr id="21" name="Rectangle 20">
+            <a:extLst>
+              <a:ext uri="{FF2B5EF4-FFF2-40B4-BE49-F238E27FC236}">
+                <a16:creationId xmlns:a16="http://schemas.microsoft.com/office/drawing/2014/main" id="{199DE9FA-475C-B3E8-A385-76761C27D277}"/>
+              </a:ext>
+            </a:extLst>
+          </p:cNvPr>
+          <p:cNvSpPr/>
+          <p:nvPr/>
+        </p:nvSpPr>
+        <p:spPr>
+          <a:xfrm>
+            <a:off x="9479242" y="248070"/>
+            <a:ext cx="1188707" cy="457195"/>
+          </a:xfrm>
+          <a:prstGeom prst="rect">
+            <a:avLst/>
+          </a:prstGeom>
+        </p:spPr>
+        <p:style>
+          <a:lnRef idx="2">
+            <a:schemeClr val="accent1">
+              <a:shade val="15000"/>
+            </a:schemeClr>
+          </a:lnRef>
+          <a:fillRef idx="1">
+            <a:schemeClr val="accent1"/>
+          </a:fillRef>
+          <a:effectRef idx="0">
+            <a:schemeClr val="accent1"/>
+          </a:effectRef>
+          <a:fontRef idx="minor">
+            <a:schemeClr val="lt1"/>
+          </a:fontRef>
+        </p:style>
+        <p:txBody>
+          <a:bodyPr rtlCol="0" anchor="ctr"/>
+          <a:lstStyle/>
+          <a:p>
+            <a:pPr algn="ctr"/>
+            <a:r>
+              <a:rPr lang="en-US" sz="1000" dirty="0"/>
+              <a:t>Done entering Score</a:t>
+            </a:r>
+          </a:p>
+        </p:txBody>
+      </p:sp>
+      <p:sp>
+        <p:nvSpPr>
+          <p:cNvPr id="22" name="Rectangle 21">
+            <a:extLst>
+              <a:ext uri="{FF2B5EF4-FFF2-40B4-BE49-F238E27FC236}">
+                <a16:creationId xmlns:a16="http://schemas.microsoft.com/office/drawing/2014/main" id="{B6A67E33-E0BE-1FAD-D638-977D53940379}"/>
+              </a:ext>
+            </a:extLst>
+          </p:cNvPr>
+          <p:cNvSpPr/>
+          <p:nvPr/>
+        </p:nvSpPr>
+        <p:spPr>
+          <a:xfrm>
+            <a:off x="1435444" y="3520434"/>
+            <a:ext cx="1188707" cy="457195"/>
+          </a:xfrm>
+          <a:prstGeom prst="rect">
+            <a:avLst/>
+          </a:prstGeom>
+        </p:spPr>
+        <p:style>
+          <a:lnRef idx="2">
+            <a:schemeClr val="accent1">
+              <a:shade val="15000"/>
+            </a:schemeClr>
+          </a:lnRef>
+          <a:fillRef idx="1">
+            <a:schemeClr val="accent1"/>
+          </a:fillRef>
+          <a:effectRef idx="0">
+            <a:schemeClr val="accent1"/>
+          </a:effectRef>
+          <a:fontRef idx="minor">
+            <a:schemeClr val="lt1"/>
+          </a:fontRef>
+        </p:style>
+        <p:txBody>
+          <a:bodyPr rtlCol="0" anchor="ctr"/>
+          <a:lstStyle/>
+          <a:p>
+            <a:pPr algn="ctr"/>
+            <a:r>
+              <a:rPr lang="en-US" sz="1000" dirty="0"/>
+              <a:t>Display Front or back</a:t>
+            </a:r>
+          </a:p>
+        </p:txBody>
+      </p:sp>
+      <p:sp>
+        <p:nvSpPr>
+          <p:cNvPr id="23" name="Rectangle 22">
+            <a:extLst>
+              <a:ext uri="{FF2B5EF4-FFF2-40B4-BE49-F238E27FC236}">
+                <a16:creationId xmlns:a16="http://schemas.microsoft.com/office/drawing/2014/main" id="{7E9D3A3B-0704-F0F8-91B5-BDA9BC71061A}"/>
+              </a:ext>
+            </a:extLst>
+          </p:cNvPr>
+          <p:cNvSpPr/>
+          <p:nvPr/>
+        </p:nvSpPr>
+        <p:spPr>
+          <a:xfrm>
+            <a:off x="3041631" y="1691659"/>
+            <a:ext cx="1188707" cy="457195"/>
+          </a:xfrm>
+          <a:prstGeom prst="rect">
+            <a:avLst/>
+          </a:prstGeom>
+        </p:spPr>
+        <p:style>
+          <a:lnRef idx="2">
+            <a:schemeClr val="accent1">
+              <a:shade val="15000"/>
+            </a:schemeClr>
+          </a:lnRef>
+          <a:fillRef idx="1">
+            <a:schemeClr val="accent1"/>
+          </a:fillRef>
+          <a:effectRef idx="0">
+            <a:schemeClr val="accent1"/>
+          </a:effectRef>
+          <a:fontRef idx="minor">
+            <a:schemeClr val="lt1"/>
+          </a:fontRef>
+        </p:style>
+        <p:txBody>
+          <a:bodyPr rtlCol="0" anchor="ctr"/>
+          <a:lstStyle/>
+          <a:p>
+            <a:pPr algn="ctr"/>
+            <a:r>
+              <a:rPr lang="en-US" sz="1000" dirty="0"/>
+              <a:t>Current hole = 0</a:t>
+            </a:r>
+          </a:p>
+        </p:txBody>
+      </p:sp>
+      <p:cxnSp>
+        <p:nvCxnSpPr>
+          <p:cNvPr id="25" name="Connector: Elbow 24">
+            <a:extLst>
+              <a:ext uri="{FF2B5EF4-FFF2-40B4-BE49-F238E27FC236}">
+                <a16:creationId xmlns:a16="http://schemas.microsoft.com/office/drawing/2014/main" id="{F9872871-4EEB-D205-798C-B027A09DCED3}"/>
+              </a:ext>
+            </a:extLst>
+          </p:cNvPr>
+          <p:cNvCxnSpPr>
+            <a:cxnSpLocks/>
+            <a:stCxn id="6" idx="3"/>
+            <a:endCxn id="23" idx="0"/>
+          </p:cNvCxnSpPr>
+          <p:nvPr/>
+        </p:nvCxnSpPr>
+        <p:spPr>
+          <a:xfrm>
+            <a:off x="3041631" y="1264025"/>
+            <a:ext cx="594354" cy="427634"/>
+          </a:xfrm>
+          <a:prstGeom prst="bentConnector2">
+            <a:avLst/>
+          </a:prstGeom>
+          <a:ln>
+            <a:tailEnd type="triangle"/>
+          </a:ln>
+        </p:spPr>
+        <p:style>
+          <a:lnRef idx="2">
+            <a:schemeClr val="accent1"/>
+          </a:lnRef>
+          <a:fillRef idx="0">
+            <a:schemeClr val="accent1"/>
+          </a:fillRef>
+          <a:effectRef idx="1">
+            <a:schemeClr val="accent1"/>
+          </a:effectRef>
+          <a:fontRef idx="minor">
+            <a:schemeClr val="tx1"/>
+          </a:fontRef>
+        </p:style>
+      </p:cxnSp>
+      <p:sp>
+        <p:nvSpPr>
+          <p:cNvPr id="28" name="TextBox 27">
+            <a:extLst>
+              <a:ext uri="{FF2B5EF4-FFF2-40B4-BE49-F238E27FC236}">
+                <a16:creationId xmlns:a16="http://schemas.microsoft.com/office/drawing/2014/main" id="{0B871AA6-29A9-CE1F-F8BF-3F5990C9682C}"/>
+              </a:ext>
+            </a:extLst>
+          </p:cNvPr>
+          <p:cNvSpPr txBox="1"/>
+          <p:nvPr/>
+        </p:nvSpPr>
+        <p:spPr>
+          <a:xfrm>
+            <a:off x="3162316" y="1035427"/>
+            <a:ext cx="397866" cy="246221"/>
+          </a:xfrm>
+          <a:prstGeom prst="rect">
+            <a:avLst/>
+          </a:prstGeom>
+          <a:noFill/>
+        </p:spPr>
+        <p:txBody>
+          <a:bodyPr wrap="none" rtlCol="0">
+            <a:spAutoFit/>
+          </a:bodyPr>
+          <a:lstStyle/>
+          <a:p>
+            <a:r>
+              <a:rPr lang="en-US" sz="1000" dirty="0"/>
+              <a:t>Yes</a:t>
+            </a:r>
+          </a:p>
+        </p:txBody>
+      </p:sp>
+      <p:sp>
+        <p:nvSpPr>
+          <p:cNvPr id="29" name="Rectangle: Rounded Corners 28">
+            <a:extLst>
+              <a:ext uri="{FF2B5EF4-FFF2-40B4-BE49-F238E27FC236}">
+                <a16:creationId xmlns:a16="http://schemas.microsoft.com/office/drawing/2014/main" id="{44657E00-22D9-5423-E11B-023B610F3316}"/>
+              </a:ext>
+            </a:extLst>
+          </p:cNvPr>
+          <p:cNvSpPr/>
+          <p:nvPr/>
+        </p:nvSpPr>
+        <p:spPr>
+          <a:xfrm>
+            <a:off x="1578609" y="2666070"/>
+            <a:ext cx="914390" cy="427634"/>
+          </a:xfrm>
+          <a:prstGeom prst="roundRect">
+            <a:avLst/>
+          </a:prstGeom>
+        </p:spPr>
+        <p:style>
+          <a:lnRef idx="2">
+            <a:schemeClr val="accent1">
+              <a:shade val="15000"/>
+            </a:schemeClr>
+          </a:lnRef>
+          <a:fillRef idx="1">
+            <a:schemeClr val="accent1"/>
+          </a:fillRef>
+          <a:effectRef idx="0">
+            <a:schemeClr val="accent1"/>
+          </a:effectRef>
+          <a:fontRef idx="minor">
+            <a:schemeClr val="lt1"/>
+          </a:fontRef>
+        </p:style>
+        <p:txBody>
+          <a:bodyPr rtlCol="0" anchor="ctr"/>
+          <a:lstStyle/>
+          <a:p>
+            <a:pPr algn="ctr"/>
+            <a:r>
+              <a:rPr lang="en-US" sz="1000" dirty="0"/>
+              <a:t>Set Total to false</a:t>
+            </a:r>
+          </a:p>
+        </p:txBody>
+      </p:sp>
+      <p:cxnSp>
+        <p:nvCxnSpPr>
+          <p:cNvPr id="31" name="Connector: Elbow 30">
+            <a:extLst>
+              <a:ext uri="{FF2B5EF4-FFF2-40B4-BE49-F238E27FC236}">
+                <a16:creationId xmlns:a16="http://schemas.microsoft.com/office/drawing/2014/main" id="{2F13026E-E32C-B259-71B5-C36581ECBB96}"/>
+              </a:ext>
+            </a:extLst>
+          </p:cNvPr>
+          <p:cNvCxnSpPr>
+            <a:cxnSpLocks/>
+            <a:stCxn id="5" idx="2"/>
+            <a:endCxn id="29" idx="0"/>
+          </p:cNvCxnSpPr>
+          <p:nvPr/>
+        </p:nvCxnSpPr>
+        <p:spPr>
+          <a:xfrm rot="16200000" flipH="1">
+            <a:off x="1251421" y="1881687"/>
+            <a:ext cx="517216" cy="1051549"/>
+          </a:xfrm>
+          <a:prstGeom prst="bentConnector3">
+            <a:avLst/>
+          </a:prstGeom>
+          <a:ln>
+            <a:tailEnd type="triangle"/>
+          </a:ln>
+        </p:spPr>
+        <p:style>
+          <a:lnRef idx="2">
+            <a:schemeClr val="accent1"/>
+          </a:lnRef>
+          <a:fillRef idx="0">
+            <a:schemeClr val="accent1"/>
+          </a:fillRef>
+          <a:effectRef idx="1">
+            <a:schemeClr val="accent1"/>
+          </a:effectRef>
+          <a:fontRef idx="minor">
+            <a:schemeClr val="tx1"/>
+          </a:fontRef>
+        </p:style>
+      </p:cxnSp>
+      <p:cxnSp>
+        <p:nvCxnSpPr>
+          <p:cNvPr id="37" name="Connector: Elbow 36">
+            <a:extLst>
+              <a:ext uri="{FF2B5EF4-FFF2-40B4-BE49-F238E27FC236}">
+                <a16:creationId xmlns:a16="http://schemas.microsoft.com/office/drawing/2014/main" id="{1A502F03-07B4-9395-7873-D651DF9DBBB2}"/>
+              </a:ext>
+            </a:extLst>
+          </p:cNvPr>
+          <p:cNvCxnSpPr>
+            <a:cxnSpLocks/>
+            <a:stCxn id="23" idx="2"/>
+            <a:endCxn id="29" idx="0"/>
+          </p:cNvCxnSpPr>
+          <p:nvPr/>
+        </p:nvCxnSpPr>
+        <p:spPr>
+          <a:xfrm rot="5400000">
+            <a:off x="2577287" y="1607372"/>
+            <a:ext cx="517216" cy="1600181"/>
+          </a:xfrm>
+          <a:prstGeom prst="bentConnector3">
+            <a:avLst>
+              <a:gd name="adj1" fmla="val 50000"/>
+            </a:avLst>
+          </a:prstGeom>
+          <a:ln>
+            <a:tailEnd type="triangle"/>
+          </a:ln>
+        </p:spPr>
+        <p:style>
+          <a:lnRef idx="2">
+            <a:schemeClr val="accent1"/>
+          </a:lnRef>
+          <a:fillRef idx="0">
+            <a:schemeClr val="accent1"/>
+          </a:fillRef>
+          <a:effectRef idx="1">
+            <a:schemeClr val="accent1"/>
+          </a:effectRef>
+          <a:fontRef idx="minor">
+            <a:schemeClr val="tx1"/>
+          </a:fontRef>
+        </p:style>
+      </p:cxnSp>
+      <p:cxnSp>
+        <p:nvCxnSpPr>
+          <p:cNvPr id="42" name="Straight Arrow Connector 41">
+            <a:extLst>
+              <a:ext uri="{FF2B5EF4-FFF2-40B4-BE49-F238E27FC236}">
+                <a16:creationId xmlns:a16="http://schemas.microsoft.com/office/drawing/2014/main" id="{F174C3FF-1ED7-66DA-2979-76F9C30E1126}"/>
+              </a:ext>
+            </a:extLst>
+          </p:cNvPr>
+          <p:cNvCxnSpPr>
+            <a:cxnSpLocks/>
+            <a:stCxn id="29" idx="2"/>
+            <a:endCxn id="22" idx="0"/>
+          </p:cNvCxnSpPr>
+          <p:nvPr/>
+        </p:nvCxnSpPr>
+        <p:spPr>
+          <a:xfrm flipH="1">
+            <a:off x="2029798" y="3093704"/>
+            <a:ext cx="6006" cy="426730"/>
+          </a:xfrm>
+          <a:prstGeom prst="straightConnector1">
+            <a:avLst/>
+          </a:prstGeom>
+          <a:ln>
+            <a:tailEnd type="triangle"/>
+          </a:ln>
+        </p:spPr>
+        <p:style>
+          <a:lnRef idx="2">
+            <a:schemeClr val="accent1"/>
+          </a:lnRef>
+          <a:fillRef idx="0">
+            <a:schemeClr val="accent1"/>
+          </a:fillRef>
+          <a:effectRef idx="1">
+            <a:schemeClr val="accent1"/>
+          </a:effectRef>
+          <a:fontRef idx="minor">
+            <a:schemeClr val="tx1"/>
+          </a:fontRef>
+        </p:style>
+      </p:cxnSp>
+      <p:sp>
+        <p:nvSpPr>
+          <p:cNvPr id="45" name="Rectangle 44">
+            <a:extLst>
+              <a:ext uri="{FF2B5EF4-FFF2-40B4-BE49-F238E27FC236}">
+                <a16:creationId xmlns:a16="http://schemas.microsoft.com/office/drawing/2014/main" id="{3F8782C8-8B9F-F219-2CBA-DE2A65B39097}"/>
+              </a:ext>
+            </a:extLst>
+          </p:cNvPr>
+          <p:cNvSpPr/>
+          <p:nvPr/>
+        </p:nvSpPr>
+        <p:spPr>
+          <a:xfrm>
+            <a:off x="4389808" y="1691659"/>
+            <a:ext cx="1188707" cy="457195"/>
+          </a:xfrm>
+          <a:prstGeom prst="rect">
+            <a:avLst/>
+          </a:prstGeom>
+        </p:spPr>
+        <p:style>
+          <a:lnRef idx="2">
+            <a:schemeClr val="accent1">
+              <a:shade val="15000"/>
+            </a:schemeClr>
+          </a:lnRef>
+          <a:fillRef idx="1">
+            <a:schemeClr val="accent1"/>
+          </a:fillRef>
+          <a:effectRef idx="0">
+            <a:schemeClr val="accent1"/>
+          </a:effectRef>
+          <a:fontRef idx="minor">
+            <a:schemeClr val="lt1"/>
+          </a:fontRef>
+        </p:style>
+        <p:txBody>
+          <a:bodyPr rtlCol="0" anchor="ctr"/>
+          <a:lstStyle/>
+          <a:p>
+            <a:pPr algn="ctr"/>
+            <a:r>
+              <a:rPr lang="en-US" sz="1000" dirty="0"/>
+              <a:t>Current Hole - 1</a:t>
+            </a:r>
+          </a:p>
+        </p:txBody>
+      </p:sp>
+      <p:sp>
+        <p:nvSpPr>
+          <p:cNvPr id="46" name="Rectangle 45">
+            <a:extLst>
+              <a:ext uri="{FF2B5EF4-FFF2-40B4-BE49-F238E27FC236}">
+                <a16:creationId xmlns:a16="http://schemas.microsoft.com/office/drawing/2014/main" id="{86B7B288-9500-14A9-357D-6113FC5956A9}"/>
+              </a:ext>
+            </a:extLst>
+          </p:cNvPr>
+          <p:cNvSpPr/>
+          <p:nvPr/>
+        </p:nvSpPr>
+        <p:spPr>
+          <a:xfrm>
+            <a:off x="5852831" y="1035427"/>
+            <a:ext cx="1188707" cy="457195"/>
+          </a:xfrm>
+          <a:prstGeom prst="rect">
+            <a:avLst/>
+          </a:prstGeom>
+        </p:spPr>
+        <p:style>
+          <a:lnRef idx="2">
+            <a:schemeClr val="accent1">
+              <a:shade val="15000"/>
+            </a:schemeClr>
+          </a:lnRef>
+          <a:fillRef idx="1">
+            <a:schemeClr val="accent1"/>
+          </a:fillRef>
+          <a:effectRef idx="0">
+            <a:schemeClr val="accent1"/>
+          </a:effectRef>
+          <a:fontRef idx="minor">
+            <a:schemeClr val="lt1"/>
+          </a:fontRef>
+        </p:style>
+        <p:txBody>
+          <a:bodyPr rtlCol="0" anchor="ctr"/>
+          <a:lstStyle/>
+          <a:p>
+            <a:pPr algn="ctr"/>
+            <a:r>
+              <a:rPr lang="en-US" sz="1000" dirty="0"/>
+              <a:t>0 &lt;= Current hole - 1 </a:t>
+            </a:r>
+          </a:p>
+        </p:txBody>
+      </p:sp>
+      <p:sp>
+        <p:nvSpPr>
+          <p:cNvPr id="47" name="Rectangle 46">
+            <a:extLst>
+              <a:ext uri="{FF2B5EF4-FFF2-40B4-BE49-F238E27FC236}">
+                <a16:creationId xmlns:a16="http://schemas.microsoft.com/office/drawing/2014/main" id="{F4B3346E-22CD-8F06-65AF-BB405D67C10A}"/>
+              </a:ext>
+            </a:extLst>
+          </p:cNvPr>
+          <p:cNvSpPr/>
+          <p:nvPr/>
+        </p:nvSpPr>
+        <p:spPr>
+          <a:xfrm>
+            <a:off x="5852832" y="228635"/>
+            <a:ext cx="1188707" cy="457195"/>
+          </a:xfrm>
+          <a:prstGeom prst="rect">
+            <a:avLst/>
+          </a:prstGeom>
+        </p:spPr>
+        <p:style>
+          <a:lnRef idx="2">
+            <a:schemeClr val="accent1">
+              <a:shade val="15000"/>
+            </a:schemeClr>
+          </a:lnRef>
+          <a:fillRef idx="1">
+            <a:schemeClr val="accent1"/>
+          </a:fillRef>
+          <a:effectRef idx="0">
+            <a:schemeClr val="accent1"/>
+          </a:effectRef>
+          <a:fontRef idx="minor">
+            <a:schemeClr val="lt1"/>
+          </a:fontRef>
+        </p:style>
+        <p:txBody>
+          <a:bodyPr rtlCol="0" anchor="ctr"/>
+          <a:lstStyle/>
+          <a:p>
+            <a:pPr algn="ctr"/>
+            <a:r>
+              <a:rPr lang="en-US" sz="1000" dirty="0"/>
+              <a:t>Previous to Next Hole</a:t>
+            </a:r>
+          </a:p>
+        </p:txBody>
+      </p:sp>
+      <p:cxnSp>
+        <p:nvCxnSpPr>
+          <p:cNvPr id="48" name="Connector: Elbow 47">
+            <a:extLst>
+              <a:ext uri="{FF2B5EF4-FFF2-40B4-BE49-F238E27FC236}">
+                <a16:creationId xmlns:a16="http://schemas.microsoft.com/office/drawing/2014/main" id="{A68A912D-24F3-7EC4-EDB3-97CB6E9F49BD}"/>
+              </a:ext>
+            </a:extLst>
+          </p:cNvPr>
+          <p:cNvCxnSpPr>
+            <a:cxnSpLocks/>
+            <a:stCxn id="46" idx="1"/>
+            <a:endCxn id="45" idx="0"/>
+          </p:cNvCxnSpPr>
+          <p:nvPr/>
+        </p:nvCxnSpPr>
+        <p:spPr>
+          <a:xfrm rot="10800000" flipV="1">
+            <a:off x="4984163" y="1264025"/>
+            <a:ext cx="868669" cy="427634"/>
+          </a:xfrm>
+          <a:prstGeom prst="bentConnector2">
+            <a:avLst/>
+          </a:prstGeom>
+          <a:ln>
+            <a:tailEnd type="triangle"/>
+          </a:ln>
+        </p:spPr>
+        <p:style>
+          <a:lnRef idx="2">
+            <a:schemeClr val="accent1"/>
+          </a:lnRef>
+          <a:fillRef idx="0">
+            <a:schemeClr val="accent1"/>
+          </a:fillRef>
+          <a:effectRef idx="1">
+            <a:schemeClr val="accent1"/>
+          </a:effectRef>
+          <a:fontRef idx="minor">
+            <a:schemeClr val="tx1"/>
+          </a:fontRef>
+        </p:style>
+      </p:cxnSp>
+      <p:sp>
+        <p:nvSpPr>
+          <p:cNvPr id="49" name="TextBox 48">
+            <a:extLst>
+              <a:ext uri="{FF2B5EF4-FFF2-40B4-BE49-F238E27FC236}">
+                <a16:creationId xmlns:a16="http://schemas.microsoft.com/office/drawing/2014/main" id="{6343EBFF-0E6B-9625-D0B7-BBBF639FEAE6}"/>
+              </a:ext>
+            </a:extLst>
+          </p:cNvPr>
+          <p:cNvSpPr txBox="1"/>
+          <p:nvPr/>
+        </p:nvSpPr>
+        <p:spPr>
+          <a:xfrm>
+            <a:off x="5127707" y="1035427"/>
+            <a:ext cx="352982" cy="246221"/>
+          </a:xfrm>
+          <a:prstGeom prst="rect">
+            <a:avLst/>
+          </a:prstGeom>
+          <a:noFill/>
+        </p:spPr>
+        <p:txBody>
+          <a:bodyPr wrap="none" rtlCol="0">
+            <a:spAutoFit/>
+          </a:bodyPr>
+          <a:lstStyle/>
+          <a:p>
+            <a:r>
+              <a:rPr lang="en-US" sz="1000" dirty="0"/>
+              <a:t>No</a:t>
+            </a:r>
+          </a:p>
+        </p:txBody>
+      </p:sp>
+      <p:cxnSp>
+        <p:nvCxnSpPr>
+          <p:cNvPr id="50" name="Straight Arrow Connector 49">
+            <a:extLst>
+              <a:ext uri="{FF2B5EF4-FFF2-40B4-BE49-F238E27FC236}">
+                <a16:creationId xmlns:a16="http://schemas.microsoft.com/office/drawing/2014/main" id="{F94CE1AC-E1CF-9706-E09E-E75F1E304634}"/>
+              </a:ext>
+            </a:extLst>
+          </p:cNvPr>
+          <p:cNvCxnSpPr>
+            <a:cxnSpLocks/>
+            <a:stCxn id="47" idx="2"/>
+            <a:endCxn id="46" idx="0"/>
+          </p:cNvCxnSpPr>
+          <p:nvPr/>
+        </p:nvCxnSpPr>
+        <p:spPr>
+          <a:xfrm flipH="1">
+            <a:off x="6447185" y="685830"/>
+            <a:ext cx="1" cy="349597"/>
+          </a:xfrm>
+          <a:prstGeom prst="straightConnector1">
+            <a:avLst/>
+          </a:prstGeom>
+          <a:ln>
+            <a:tailEnd type="triangle"/>
+          </a:ln>
+        </p:spPr>
+        <p:style>
+          <a:lnRef idx="2">
+            <a:schemeClr val="accent1"/>
+          </a:lnRef>
+          <a:fillRef idx="0">
+            <a:schemeClr val="accent1"/>
+          </a:fillRef>
+          <a:effectRef idx="1">
+            <a:schemeClr val="accent1"/>
+          </a:effectRef>
+          <a:fontRef idx="minor">
+            <a:schemeClr val="tx1"/>
+          </a:fontRef>
+        </p:style>
+      </p:cxnSp>
+      <p:sp>
+        <p:nvSpPr>
+          <p:cNvPr id="51" name="Rectangle 50">
+            <a:extLst>
+              <a:ext uri="{FF2B5EF4-FFF2-40B4-BE49-F238E27FC236}">
+                <a16:creationId xmlns:a16="http://schemas.microsoft.com/office/drawing/2014/main" id="{3787D84A-9D4E-0E08-7FF1-7D130CB19638}"/>
+              </a:ext>
+            </a:extLst>
+          </p:cNvPr>
+          <p:cNvSpPr/>
+          <p:nvPr/>
+        </p:nvSpPr>
+        <p:spPr>
+          <a:xfrm>
+            <a:off x="5435351" y="3520434"/>
+            <a:ext cx="1188707" cy="457195"/>
+          </a:xfrm>
+          <a:prstGeom prst="rect">
+            <a:avLst/>
+          </a:prstGeom>
+        </p:spPr>
+        <p:style>
+          <a:lnRef idx="2">
+            <a:schemeClr val="accent1">
+              <a:shade val="15000"/>
+            </a:schemeClr>
+          </a:lnRef>
+          <a:fillRef idx="1">
+            <a:schemeClr val="accent1"/>
+          </a:fillRef>
+          <a:effectRef idx="0">
+            <a:schemeClr val="accent1"/>
+          </a:effectRef>
+          <a:fontRef idx="minor">
+            <a:schemeClr val="lt1"/>
+          </a:fontRef>
+        </p:style>
+        <p:txBody>
+          <a:bodyPr rtlCol="0" anchor="ctr"/>
+          <a:lstStyle/>
+          <a:p>
+            <a:pPr algn="ctr"/>
+            <a:r>
+              <a:rPr lang="en-US" sz="1000" dirty="0"/>
+              <a:t>Display Front or back</a:t>
+            </a:r>
+          </a:p>
+        </p:txBody>
+      </p:sp>
+      <p:sp>
+        <p:nvSpPr>
+          <p:cNvPr id="52" name="Rectangle 51">
+            <a:extLst>
+              <a:ext uri="{FF2B5EF4-FFF2-40B4-BE49-F238E27FC236}">
+                <a16:creationId xmlns:a16="http://schemas.microsoft.com/office/drawing/2014/main" id="{6D0484D1-29DD-2D6A-D4F1-42E7565C7B8B}"/>
+              </a:ext>
+            </a:extLst>
+          </p:cNvPr>
+          <p:cNvSpPr/>
+          <p:nvPr/>
+        </p:nvSpPr>
+        <p:spPr>
+          <a:xfrm>
+            <a:off x="7041538" y="1691659"/>
+            <a:ext cx="1188707" cy="457195"/>
+          </a:xfrm>
+          <a:prstGeom prst="rect">
+            <a:avLst/>
+          </a:prstGeom>
+        </p:spPr>
+        <p:style>
+          <a:lnRef idx="2">
+            <a:schemeClr val="accent1">
+              <a:shade val="15000"/>
+            </a:schemeClr>
+          </a:lnRef>
+          <a:fillRef idx="1">
+            <a:schemeClr val="accent1"/>
+          </a:fillRef>
+          <a:effectRef idx="0">
+            <a:schemeClr val="accent1"/>
+          </a:effectRef>
+          <a:fontRef idx="minor">
+            <a:schemeClr val="lt1"/>
+          </a:fontRef>
+        </p:style>
+        <p:txBody>
+          <a:bodyPr rtlCol="0" anchor="ctr"/>
+          <a:lstStyle/>
+          <a:p>
+            <a:pPr algn="ctr"/>
+            <a:r>
+              <a:rPr lang="en-US" sz="1000" dirty="0"/>
+              <a:t>Current hole = 17</a:t>
+            </a:r>
+          </a:p>
+        </p:txBody>
+      </p:sp>
+      <p:cxnSp>
+        <p:nvCxnSpPr>
+          <p:cNvPr id="53" name="Connector: Elbow 52">
+            <a:extLst>
+              <a:ext uri="{FF2B5EF4-FFF2-40B4-BE49-F238E27FC236}">
+                <a16:creationId xmlns:a16="http://schemas.microsoft.com/office/drawing/2014/main" id="{2E79C21B-E3E3-CB34-C29F-20668DB45622}"/>
+              </a:ext>
+            </a:extLst>
+          </p:cNvPr>
+          <p:cNvCxnSpPr>
+            <a:cxnSpLocks/>
+            <a:stCxn id="46" idx="3"/>
+            <a:endCxn id="52" idx="0"/>
+          </p:cNvCxnSpPr>
+          <p:nvPr/>
+        </p:nvCxnSpPr>
+        <p:spPr>
+          <a:xfrm>
+            <a:off x="7041538" y="1264025"/>
+            <a:ext cx="594354" cy="427634"/>
+          </a:xfrm>
+          <a:prstGeom prst="bentConnector2">
+            <a:avLst/>
+          </a:prstGeom>
+          <a:ln>
+            <a:tailEnd type="triangle"/>
+          </a:ln>
+        </p:spPr>
+        <p:style>
+          <a:lnRef idx="2">
+            <a:schemeClr val="accent1"/>
+          </a:lnRef>
+          <a:fillRef idx="0">
+            <a:schemeClr val="accent1"/>
+          </a:fillRef>
+          <a:effectRef idx="1">
+            <a:schemeClr val="accent1"/>
+          </a:effectRef>
+          <a:fontRef idx="minor">
+            <a:schemeClr val="tx1"/>
+          </a:fontRef>
+        </p:style>
+      </p:cxnSp>
+      <p:sp>
+        <p:nvSpPr>
+          <p:cNvPr id="54" name="TextBox 53">
+            <a:extLst>
+              <a:ext uri="{FF2B5EF4-FFF2-40B4-BE49-F238E27FC236}">
+                <a16:creationId xmlns:a16="http://schemas.microsoft.com/office/drawing/2014/main" id="{FD32F727-12EE-8F51-60C9-41B36E53084D}"/>
+              </a:ext>
+            </a:extLst>
+          </p:cNvPr>
+          <p:cNvSpPr txBox="1"/>
+          <p:nvPr/>
+        </p:nvSpPr>
+        <p:spPr>
+          <a:xfrm>
+            <a:off x="7162223" y="1035427"/>
+            <a:ext cx="397866" cy="246221"/>
+          </a:xfrm>
+          <a:prstGeom prst="rect">
+            <a:avLst/>
+          </a:prstGeom>
+          <a:noFill/>
+        </p:spPr>
+        <p:txBody>
+          <a:bodyPr wrap="none" rtlCol="0">
+            <a:spAutoFit/>
+          </a:bodyPr>
+          <a:lstStyle/>
+          <a:p>
+            <a:r>
+              <a:rPr lang="en-US" sz="1000" dirty="0"/>
+              <a:t>Yes</a:t>
+            </a:r>
+          </a:p>
+        </p:txBody>
+      </p:sp>
+      <p:sp>
+        <p:nvSpPr>
+          <p:cNvPr id="55" name="Rectangle: Rounded Corners 54">
+            <a:extLst>
+              <a:ext uri="{FF2B5EF4-FFF2-40B4-BE49-F238E27FC236}">
+                <a16:creationId xmlns:a16="http://schemas.microsoft.com/office/drawing/2014/main" id="{BDD1529C-E04B-A035-119C-A60B9B7088E8}"/>
+              </a:ext>
+            </a:extLst>
+          </p:cNvPr>
+          <p:cNvSpPr/>
+          <p:nvPr/>
+        </p:nvSpPr>
+        <p:spPr>
+          <a:xfrm>
+            <a:off x="5578516" y="2666070"/>
+            <a:ext cx="914390" cy="427634"/>
+          </a:xfrm>
+          <a:prstGeom prst="roundRect">
+            <a:avLst/>
+          </a:prstGeom>
+        </p:spPr>
+        <p:style>
+          <a:lnRef idx="2">
+            <a:schemeClr val="accent1">
+              <a:shade val="15000"/>
+            </a:schemeClr>
+          </a:lnRef>
+          <a:fillRef idx="1">
+            <a:schemeClr val="accent1"/>
+          </a:fillRef>
+          <a:effectRef idx="0">
+            <a:schemeClr val="accent1"/>
+          </a:effectRef>
+          <a:fontRef idx="minor">
+            <a:schemeClr val="lt1"/>
+          </a:fontRef>
+        </p:style>
+        <p:txBody>
+          <a:bodyPr rtlCol="0" anchor="ctr"/>
+          <a:lstStyle/>
+          <a:p>
+            <a:pPr algn="ctr"/>
+            <a:r>
+              <a:rPr lang="en-US" sz="1000" dirty="0"/>
+              <a:t>Set Total to false</a:t>
+            </a:r>
+          </a:p>
+        </p:txBody>
+      </p:sp>
+      <p:cxnSp>
+        <p:nvCxnSpPr>
+          <p:cNvPr id="56" name="Connector: Elbow 55">
+            <a:extLst>
+              <a:ext uri="{FF2B5EF4-FFF2-40B4-BE49-F238E27FC236}">
+                <a16:creationId xmlns:a16="http://schemas.microsoft.com/office/drawing/2014/main" id="{9013F674-41E2-C756-1D75-A3CB5E1BC2F1}"/>
+              </a:ext>
+            </a:extLst>
+          </p:cNvPr>
+          <p:cNvCxnSpPr>
+            <a:cxnSpLocks/>
+            <a:stCxn id="45" idx="2"/>
+            <a:endCxn id="55" idx="0"/>
+          </p:cNvCxnSpPr>
+          <p:nvPr/>
+        </p:nvCxnSpPr>
+        <p:spPr>
+          <a:xfrm rot="16200000" flipH="1">
+            <a:off x="5251328" y="1881687"/>
+            <a:ext cx="517216" cy="1051549"/>
+          </a:xfrm>
+          <a:prstGeom prst="bentConnector3">
+            <a:avLst/>
+          </a:prstGeom>
+          <a:ln>
+            <a:tailEnd type="triangle"/>
+          </a:ln>
+        </p:spPr>
+        <p:style>
+          <a:lnRef idx="2">
+            <a:schemeClr val="accent1"/>
+          </a:lnRef>
+          <a:fillRef idx="0">
+            <a:schemeClr val="accent1"/>
+          </a:fillRef>
+          <a:effectRef idx="1">
+            <a:schemeClr val="accent1"/>
+          </a:effectRef>
+          <a:fontRef idx="minor">
+            <a:schemeClr val="tx1"/>
+          </a:fontRef>
+        </p:style>
+      </p:cxnSp>
+      <p:cxnSp>
+        <p:nvCxnSpPr>
+          <p:cNvPr id="57" name="Connector: Elbow 56">
+            <a:extLst>
+              <a:ext uri="{FF2B5EF4-FFF2-40B4-BE49-F238E27FC236}">
+                <a16:creationId xmlns:a16="http://schemas.microsoft.com/office/drawing/2014/main" id="{9D2B8CE2-943E-67A8-C408-BE02498B51B2}"/>
+              </a:ext>
+            </a:extLst>
+          </p:cNvPr>
+          <p:cNvCxnSpPr>
+            <a:cxnSpLocks/>
+            <a:stCxn id="52" idx="2"/>
+            <a:endCxn id="55" idx="0"/>
+          </p:cNvCxnSpPr>
+          <p:nvPr/>
+        </p:nvCxnSpPr>
+        <p:spPr>
+          <a:xfrm rot="5400000">
+            <a:off x="6577194" y="1607372"/>
+            <a:ext cx="517216" cy="1600181"/>
+          </a:xfrm>
+          <a:prstGeom prst="bentConnector3">
+            <a:avLst>
+              <a:gd name="adj1" fmla="val 50000"/>
+            </a:avLst>
+          </a:prstGeom>
+          <a:ln>
+            <a:tailEnd type="triangle"/>
+          </a:ln>
+        </p:spPr>
+        <p:style>
+          <a:lnRef idx="2">
+            <a:schemeClr val="accent1"/>
+          </a:lnRef>
+          <a:fillRef idx="0">
+            <a:schemeClr val="accent1"/>
+          </a:fillRef>
+          <a:effectRef idx="1">
+            <a:schemeClr val="accent1"/>
+          </a:effectRef>
+          <a:fontRef idx="minor">
+            <a:schemeClr val="tx1"/>
+          </a:fontRef>
+        </p:style>
+      </p:cxnSp>
+      <p:cxnSp>
+        <p:nvCxnSpPr>
+          <p:cNvPr id="58" name="Straight Arrow Connector 57">
+            <a:extLst>
+              <a:ext uri="{FF2B5EF4-FFF2-40B4-BE49-F238E27FC236}">
+                <a16:creationId xmlns:a16="http://schemas.microsoft.com/office/drawing/2014/main" id="{3AFC0405-4BCE-4C18-3B2C-D8A52E516777}"/>
+              </a:ext>
+            </a:extLst>
+          </p:cNvPr>
+          <p:cNvCxnSpPr>
+            <a:cxnSpLocks/>
+            <a:stCxn id="55" idx="2"/>
+            <a:endCxn id="51" idx="0"/>
+          </p:cNvCxnSpPr>
+          <p:nvPr/>
+        </p:nvCxnSpPr>
+        <p:spPr>
+          <a:xfrm flipH="1">
+            <a:off x="6029705" y="3093704"/>
+            <a:ext cx="6006" cy="426730"/>
+          </a:xfrm>
+          <a:prstGeom prst="straightConnector1">
+            <a:avLst/>
+          </a:prstGeom>
+          <a:ln>
+            <a:tailEnd type="triangle"/>
+          </a:ln>
+        </p:spPr>
+        <p:style>
+          <a:lnRef idx="2">
+            <a:schemeClr val="accent1"/>
+          </a:lnRef>
+          <a:fillRef idx="0">
+            <a:schemeClr val="accent1"/>
+          </a:fillRef>
+          <a:effectRef idx="1">
+            <a:schemeClr val="accent1"/>
+          </a:effectRef>
+          <a:fontRef idx="minor">
+            <a:schemeClr val="tx1"/>
+          </a:fontRef>
+        </p:style>
+      </p:cxnSp>
+      <p:sp>
+        <p:nvSpPr>
+          <p:cNvPr id="60" name="Rectangle 59">
+            <a:extLst>
+              <a:ext uri="{FF2B5EF4-FFF2-40B4-BE49-F238E27FC236}">
+                <a16:creationId xmlns:a16="http://schemas.microsoft.com/office/drawing/2014/main" id="{8AE94938-1AC3-7F2B-D86C-0354802E3E5E}"/>
+              </a:ext>
+            </a:extLst>
+          </p:cNvPr>
+          <p:cNvSpPr/>
+          <p:nvPr/>
+        </p:nvSpPr>
+        <p:spPr>
+          <a:xfrm>
+            <a:off x="4499319" y="5136781"/>
+            <a:ext cx="1530385" cy="457195"/>
+          </a:xfrm>
+          <a:prstGeom prst="rect">
+            <a:avLst/>
+          </a:prstGeom>
+        </p:spPr>
+        <p:style>
+          <a:lnRef idx="2">
+            <a:schemeClr val="accent1">
+              <a:shade val="15000"/>
+            </a:schemeClr>
+          </a:lnRef>
+          <a:fillRef idx="1">
+            <a:schemeClr val="accent1"/>
+          </a:fillRef>
+          <a:effectRef idx="0">
+            <a:schemeClr val="accent1"/>
+          </a:effectRef>
+          <a:fontRef idx="minor">
+            <a:schemeClr val="lt1"/>
+          </a:fontRef>
+        </p:style>
+        <p:txBody>
+          <a:bodyPr rtlCol="0" anchor="ctr"/>
+          <a:lstStyle/>
+          <a:p>
+            <a:pPr algn="ctr"/>
+            <a:r>
+              <a:rPr lang="en-US" sz="1000" dirty="0"/>
+              <a:t>Set what hole is being display = </a:t>
+            </a:r>
+          </a:p>
+          <a:p>
+            <a:pPr algn="ctr"/>
+            <a:r>
+              <a:rPr lang="en-US" sz="1000" dirty="0"/>
+              <a:t>Back 9 is displayed</a:t>
+            </a:r>
+          </a:p>
+        </p:txBody>
+      </p:sp>
+      <p:cxnSp>
+        <p:nvCxnSpPr>
+          <p:cNvPr id="62" name="Connector: Elbow 61">
+            <a:extLst>
+              <a:ext uri="{FF2B5EF4-FFF2-40B4-BE49-F238E27FC236}">
+                <a16:creationId xmlns:a16="http://schemas.microsoft.com/office/drawing/2014/main" id="{10F71B1F-9ABC-AC0C-920D-7F460C7AFA08}"/>
+              </a:ext>
+            </a:extLst>
+          </p:cNvPr>
+          <p:cNvCxnSpPr>
+            <a:cxnSpLocks/>
+            <a:stCxn id="22" idx="2"/>
+            <a:endCxn id="4" idx="0"/>
+          </p:cNvCxnSpPr>
+          <p:nvPr/>
+        </p:nvCxnSpPr>
+        <p:spPr>
+          <a:xfrm rot="16200000" flipH="1">
+            <a:off x="2786112" y="3221314"/>
+            <a:ext cx="365761" cy="1878389"/>
+          </a:xfrm>
+          <a:prstGeom prst="bentConnector3">
+            <a:avLst>
+              <a:gd name="adj1" fmla="val 50000"/>
+            </a:avLst>
+          </a:prstGeom>
+          <a:ln>
+            <a:tailEnd type="triangle"/>
+          </a:ln>
+        </p:spPr>
+        <p:style>
+          <a:lnRef idx="2">
+            <a:schemeClr val="accent1"/>
+          </a:lnRef>
+          <a:fillRef idx="0">
+            <a:schemeClr val="accent1"/>
+          </a:fillRef>
+          <a:effectRef idx="1">
+            <a:schemeClr val="accent1"/>
+          </a:effectRef>
+          <a:fontRef idx="minor">
+            <a:schemeClr val="tx1"/>
+          </a:fontRef>
+        </p:style>
+      </p:cxnSp>
+      <p:cxnSp>
+        <p:nvCxnSpPr>
+          <p:cNvPr id="66" name="Connector: Elbow 65">
+            <a:extLst>
+              <a:ext uri="{FF2B5EF4-FFF2-40B4-BE49-F238E27FC236}">
+                <a16:creationId xmlns:a16="http://schemas.microsoft.com/office/drawing/2014/main" id="{D765D093-477C-7C4C-72AC-32CAD35E56E5}"/>
+              </a:ext>
+            </a:extLst>
+          </p:cNvPr>
+          <p:cNvCxnSpPr>
+            <a:cxnSpLocks/>
+            <a:stCxn id="51" idx="2"/>
+            <a:endCxn id="4" idx="0"/>
+          </p:cNvCxnSpPr>
+          <p:nvPr/>
+        </p:nvCxnSpPr>
+        <p:spPr>
+          <a:xfrm rot="5400000">
+            <a:off x="4786066" y="3099750"/>
+            <a:ext cx="365761" cy="2121518"/>
+          </a:xfrm>
+          <a:prstGeom prst="bentConnector3">
+            <a:avLst>
+              <a:gd name="adj1" fmla="val 50000"/>
+            </a:avLst>
+          </a:prstGeom>
+          <a:ln>
+            <a:tailEnd type="triangle"/>
+          </a:ln>
+        </p:spPr>
+        <p:style>
+          <a:lnRef idx="2">
+            <a:schemeClr val="accent1"/>
+          </a:lnRef>
+          <a:fillRef idx="0">
+            <a:schemeClr val="accent1"/>
+          </a:fillRef>
+          <a:effectRef idx="1">
+            <a:schemeClr val="accent1"/>
+          </a:effectRef>
+          <a:fontRef idx="minor">
+            <a:schemeClr val="tx1"/>
+          </a:fontRef>
+        </p:style>
+      </p:cxnSp>
+      <p:cxnSp>
+        <p:nvCxnSpPr>
+          <p:cNvPr id="70" name="Connector: Elbow 69">
+            <a:extLst>
+              <a:ext uri="{FF2B5EF4-FFF2-40B4-BE49-F238E27FC236}">
+                <a16:creationId xmlns:a16="http://schemas.microsoft.com/office/drawing/2014/main" id="{A31C23F3-C6DE-E2F9-F26D-E1D9025A3F08}"/>
+              </a:ext>
+            </a:extLst>
+          </p:cNvPr>
+          <p:cNvCxnSpPr>
+            <a:cxnSpLocks/>
+            <a:stCxn id="4" idx="1"/>
+            <a:endCxn id="9" idx="0"/>
+          </p:cNvCxnSpPr>
+          <p:nvPr/>
+        </p:nvCxnSpPr>
+        <p:spPr>
+          <a:xfrm rot="10800000" flipV="1">
+            <a:off x="2794991" y="4571987"/>
+            <a:ext cx="518843" cy="606793"/>
+          </a:xfrm>
+          <a:prstGeom prst="bentConnector2">
+            <a:avLst/>
+          </a:prstGeom>
+          <a:ln>
+            <a:tailEnd type="triangle"/>
+          </a:ln>
+        </p:spPr>
+        <p:style>
+          <a:lnRef idx="2">
+            <a:schemeClr val="accent1"/>
+          </a:lnRef>
+          <a:fillRef idx="0">
+            <a:schemeClr val="accent1"/>
+          </a:fillRef>
+          <a:effectRef idx="1">
+            <a:schemeClr val="accent1"/>
+          </a:effectRef>
+          <a:fontRef idx="minor">
+            <a:schemeClr val="tx1"/>
+          </a:fontRef>
+        </p:style>
+      </p:cxnSp>
+      <p:cxnSp>
+        <p:nvCxnSpPr>
+          <p:cNvPr id="76" name="Connector: Elbow 75">
+            <a:extLst>
+              <a:ext uri="{FF2B5EF4-FFF2-40B4-BE49-F238E27FC236}">
+                <a16:creationId xmlns:a16="http://schemas.microsoft.com/office/drawing/2014/main" id="{E028FEF3-1782-2C2C-31B7-4D84D68F4AAB}"/>
+              </a:ext>
+            </a:extLst>
+          </p:cNvPr>
+          <p:cNvCxnSpPr>
+            <a:cxnSpLocks/>
+            <a:stCxn id="4" idx="3"/>
+            <a:endCxn id="60" idx="0"/>
+          </p:cNvCxnSpPr>
+          <p:nvPr/>
+        </p:nvCxnSpPr>
+        <p:spPr>
+          <a:xfrm>
+            <a:off x="4502540" y="4571988"/>
+            <a:ext cx="761972" cy="564793"/>
+          </a:xfrm>
+          <a:prstGeom prst="bentConnector2">
+            <a:avLst/>
+          </a:prstGeom>
+          <a:ln>
+            <a:tailEnd type="triangle"/>
+          </a:ln>
+        </p:spPr>
+        <p:style>
+          <a:lnRef idx="2">
+            <a:schemeClr val="accent1"/>
+          </a:lnRef>
+          <a:fillRef idx="0">
+            <a:schemeClr val="accent1"/>
+          </a:fillRef>
+          <a:effectRef idx="1">
+            <a:schemeClr val="accent1"/>
+          </a:effectRef>
+          <a:fontRef idx="minor">
+            <a:schemeClr val="tx1"/>
+          </a:fontRef>
+        </p:style>
+      </p:cxnSp>
+      <p:sp>
+        <p:nvSpPr>
+          <p:cNvPr id="81" name="Rectangle: Rounded Corners 80">
+            <a:extLst>
+              <a:ext uri="{FF2B5EF4-FFF2-40B4-BE49-F238E27FC236}">
+                <a16:creationId xmlns:a16="http://schemas.microsoft.com/office/drawing/2014/main" id="{000D2E9F-66A4-7118-E9FD-6CACE83CB448}"/>
+              </a:ext>
+            </a:extLst>
+          </p:cNvPr>
+          <p:cNvSpPr/>
+          <p:nvPr/>
+        </p:nvSpPr>
+        <p:spPr>
+          <a:xfrm>
+            <a:off x="10667950" y="1920256"/>
+            <a:ext cx="914390" cy="427634"/>
+          </a:xfrm>
+          <a:prstGeom prst="roundRect">
+            <a:avLst/>
+          </a:prstGeom>
+        </p:spPr>
+        <p:style>
+          <a:lnRef idx="2">
+            <a:schemeClr val="accent1">
+              <a:shade val="15000"/>
+            </a:schemeClr>
+          </a:lnRef>
+          <a:fillRef idx="1">
+            <a:schemeClr val="accent1"/>
+          </a:fillRef>
+          <a:effectRef idx="0">
+            <a:schemeClr val="accent1"/>
+          </a:effectRef>
+          <a:fontRef idx="minor">
+            <a:schemeClr val="lt1"/>
+          </a:fontRef>
+        </p:style>
+        <p:txBody>
+          <a:bodyPr rtlCol="0" anchor="ctr"/>
+          <a:lstStyle/>
+          <a:p>
+            <a:pPr algn="ctr"/>
+            <a:r>
+              <a:rPr lang="en-US" sz="1000" dirty="0"/>
+              <a:t>Set Total to true</a:t>
+            </a:r>
+          </a:p>
+        </p:txBody>
+      </p:sp>
+      <p:cxnSp>
+        <p:nvCxnSpPr>
+          <p:cNvPr id="83" name="Connector: Elbow 82">
+            <a:extLst>
+              <a:ext uri="{FF2B5EF4-FFF2-40B4-BE49-F238E27FC236}">
+                <a16:creationId xmlns:a16="http://schemas.microsoft.com/office/drawing/2014/main" id="{0F38A049-B75F-FDEE-EB9C-5EE86992913A}"/>
+              </a:ext>
+            </a:extLst>
+          </p:cNvPr>
+          <p:cNvCxnSpPr>
+            <a:cxnSpLocks/>
+            <a:stCxn id="20" idx="3"/>
+            <a:endCxn id="81" idx="0"/>
+          </p:cNvCxnSpPr>
+          <p:nvPr/>
+        </p:nvCxnSpPr>
+        <p:spPr>
+          <a:xfrm>
+            <a:off x="10667950" y="1410493"/>
+            <a:ext cx="457195" cy="509763"/>
+          </a:xfrm>
+          <a:prstGeom prst="bentConnector2">
+            <a:avLst/>
+          </a:prstGeom>
+          <a:ln>
+            <a:tailEnd type="triangle"/>
+          </a:ln>
+        </p:spPr>
+        <p:style>
+          <a:lnRef idx="2">
+            <a:schemeClr val="accent1"/>
+          </a:lnRef>
+          <a:fillRef idx="0">
+            <a:schemeClr val="accent1"/>
+          </a:fillRef>
+          <a:effectRef idx="1">
+            <a:schemeClr val="accent1"/>
+          </a:effectRef>
+          <a:fontRef idx="minor">
+            <a:schemeClr val="tx1"/>
+          </a:fontRef>
+        </p:style>
+      </p:cxnSp>
+      <p:sp>
+        <p:nvSpPr>
+          <p:cNvPr id="87" name="TextBox 86">
+            <a:extLst>
+              <a:ext uri="{FF2B5EF4-FFF2-40B4-BE49-F238E27FC236}">
+                <a16:creationId xmlns:a16="http://schemas.microsoft.com/office/drawing/2014/main" id="{CEF857F9-A8A2-F7E9-14BC-8793B84178C2}"/>
+              </a:ext>
+            </a:extLst>
+          </p:cNvPr>
+          <p:cNvSpPr txBox="1"/>
+          <p:nvPr/>
+        </p:nvSpPr>
+        <p:spPr>
+          <a:xfrm>
+            <a:off x="10809879" y="1181961"/>
+            <a:ext cx="397866" cy="246221"/>
+          </a:xfrm>
+          <a:prstGeom prst="rect">
+            <a:avLst/>
+          </a:prstGeom>
+          <a:noFill/>
+        </p:spPr>
+        <p:txBody>
+          <a:bodyPr wrap="none" rtlCol="0">
+            <a:spAutoFit/>
+          </a:bodyPr>
+          <a:lstStyle/>
+          <a:p>
+            <a:r>
+              <a:rPr lang="en-US" sz="1000" dirty="0"/>
+              <a:t>Yes</a:t>
+            </a:r>
+          </a:p>
+        </p:txBody>
+      </p:sp>
+      <p:sp>
+        <p:nvSpPr>
+          <p:cNvPr id="88" name="Rectangle: Rounded Corners 87">
+            <a:extLst>
+              <a:ext uri="{FF2B5EF4-FFF2-40B4-BE49-F238E27FC236}">
+                <a16:creationId xmlns:a16="http://schemas.microsoft.com/office/drawing/2014/main" id="{D68A2860-437B-B74C-7F89-53400456ACBE}"/>
+              </a:ext>
+            </a:extLst>
+          </p:cNvPr>
+          <p:cNvSpPr/>
+          <p:nvPr/>
+        </p:nvSpPr>
+        <p:spPr>
+          <a:xfrm>
+            <a:off x="8610572" y="2057415"/>
+            <a:ext cx="914390" cy="427634"/>
+          </a:xfrm>
+          <a:prstGeom prst="roundRect">
+            <a:avLst/>
+          </a:prstGeom>
+        </p:spPr>
+        <p:style>
+          <a:lnRef idx="2">
+            <a:schemeClr val="accent1">
+              <a:shade val="15000"/>
+            </a:schemeClr>
+          </a:lnRef>
+          <a:fillRef idx="1">
+            <a:schemeClr val="accent1"/>
+          </a:fillRef>
+          <a:effectRef idx="0">
+            <a:schemeClr val="accent1"/>
+          </a:effectRef>
+          <a:fontRef idx="minor">
+            <a:schemeClr val="lt1"/>
+          </a:fontRef>
+        </p:style>
+        <p:txBody>
+          <a:bodyPr rtlCol="0" anchor="ctr"/>
+          <a:lstStyle/>
+          <a:p>
+            <a:pPr algn="ctr"/>
+            <a:r>
+              <a:rPr lang="en-US" sz="1000" dirty="0"/>
+              <a:t>Set Total to false</a:t>
+            </a:r>
+          </a:p>
+        </p:txBody>
+      </p:sp>
+      <p:cxnSp>
+        <p:nvCxnSpPr>
+          <p:cNvPr id="90" name="Connector: Elbow 89">
+            <a:extLst>
+              <a:ext uri="{FF2B5EF4-FFF2-40B4-BE49-F238E27FC236}">
+                <a16:creationId xmlns:a16="http://schemas.microsoft.com/office/drawing/2014/main" id="{EC28BCC4-F22F-448B-EBEF-F5E7C9CAA6A5}"/>
+              </a:ext>
+            </a:extLst>
+          </p:cNvPr>
+          <p:cNvCxnSpPr>
+            <a:cxnSpLocks/>
+            <a:stCxn id="20" idx="1"/>
+            <a:endCxn id="88" idx="0"/>
+          </p:cNvCxnSpPr>
+          <p:nvPr/>
+        </p:nvCxnSpPr>
+        <p:spPr>
+          <a:xfrm rot="10800000" flipV="1">
+            <a:off x="9067767" y="1410493"/>
+            <a:ext cx="411476" cy="646922"/>
+          </a:xfrm>
+          <a:prstGeom prst="bentConnector2">
+            <a:avLst/>
+          </a:prstGeom>
+          <a:ln>
+            <a:tailEnd type="triangle"/>
+          </a:ln>
+        </p:spPr>
+        <p:style>
+          <a:lnRef idx="2">
+            <a:schemeClr val="accent1"/>
+          </a:lnRef>
+          <a:fillRef idx="0">
+            <a:schemeClr val="accent1"/>
+          </a:fillRef>
+          <a:effectRef idx="1">
+            <a:schemeClr val="accent1"/>
+          </a:effectRef>
+          <a:fontRef idx="minor">
+            <a:schemeClr val="tx1"/>
+          </a:fontRef>
+        </p:style>
+      </p:cxnSp>
+      <p:sp>
+        <p:nvSpPr>
+          <p:cNvPr id="94" name="Rectangle 93">
+            <a:extLst>
+              <a:ext uri="{FF2B5EF4-FFF2-40B4-BE49-F238E27FC236}">
+                <a16:creationId xmlns:a16="http://schemas.microsoft.com/office/drawing/2014/main" id="{5C9967F4-7A58-19F2-FA32-7F457968CF0A}"/>
+              </a:ext>
+            </a:extLst>
+          </p:cNvPr>
+          <p:cNvSpPr/>
+          <p:nvPr/>
+        </p:nvSpPr>
+        <p:spPr>
+          <a:xfrm>
+            <a:off x="8473413" y="2971805"/>
+            <a:ext cx="1188707" cy="457195"/>
+          </a:xfrm>
+          <a:prstGeom prst="rect">
+            <a:avLst/>
+          </a:prstGeom>
+        </p:spPr>
+        <p:style>
+          <a:lnRef idx="2">
+            <a:schemeClr val="accent1">
+              <a:shade val="15000"/>
+            </a:schemeClr>
+          </a:lnRef>
+          <a:fillRef idx="1">
+            <a:schemeClr val="accent1"/>
+          </a:fillRef>
+          <a:effectRef idx="0">
+            <a:schemeClr val="accent1"/>
+          </a:effectRef>
+          <a:fontRef idx="minor">
+            <a:schemeClr val="lt1"/>
+          </a:fontRef>
+        </p:style>
+        <p:txBody>
+          <a:bodyPr rtlCol="0" anchor="ctr"/>
+          <a:lstStyle/>
+          <a:p>
+            <a:pPr algn="ctr"/>
+            <a:r>
+              <a:rPr lang="en-US" sz="1000" dirty="0"/>
+              <a:t>Advance to Next Hole</a:t>
+            </a:r>
+          </a:p>
+        </p:txBody>
+      </p:sp>
+      <p:cxnSp>
+        <p:nvCxnSpPr>
+          <p:cNvPr id="96" name="Straight Arrow Connector 95">
+            <a:extLst>
+              <a:ext uri="{FF2B5EF4-FFF2-40B4-BE49-F238E27FC236}">
+                <a16:creationId xmlns:a16="http://schemas.microsoft.com/office/drawing/2014/main" id="{FEB85D2D-CC86-E5A6-2E93-F1CDC8E83E0D}"/>
+              </a:ext>
+            </a:extLst>
+          </p:cNvPr>
+          <p:cNvCxnSpPr>
+            <a:cxnSpLocks/>
+            <a:stCxn id="88" idx="2"/>
+            <a:endCxn id="94" idx="0"/>
+          </p:cNvCxnSpPr>
+          <p:nvPr/>
+        </p:nvCxnSpPr>
+        <p:spPr>
+          <a:xfrm>
+            <a:off x="9067767" y="2485049"/>
+            <a:ext cx="0" cy="486756"/>
+          </a:xfrm>
+          <a:prstGeom prst="straightConnector1">
+            <a:avLst/>
+          </a:prstGeom>
+          <a:ln>
+            <a:tailEnd type="triangle"/>
+          </a:ln>
+        </p:spPr>
+        <p:style>
+          <a:lnRef idx="2">
+            <a:schemeClr val="accent1"/>
+          </a:lnRef>
+          <a:fillRef idx="0">
+            <a:schemeClr val="accent1"/>
+          </a:fillRef>
+          <a:effectRef idx="1">
+            <a:schemeClr val="accent1"/>
+          </a:effectRef>
+          <a:fontRef idx="minor">
+            <a:schemeClr val="tx1"/>
+          </a:fontRef>
+        </p:style>
+      </p:cxnSp>
+      <p:cxnSp>
+        <p:nvCxnSpPr>
+          <p:cNvPr id="101" name="Straight Arrow Connector 100">
+            <a:extLst>
+              <a:ext uri="{FF2B5EF4-FFF2-40B4-BE49-F238E27FC236}">
+                <a16:creationId xmlns:a16="http://schemas.microsoft.com/office/drawing/2014/main" id="{CFFED763-9BE4-5571-46CE-6A3C77D69065}"/>
+              </a:ext>
+            </a:extLst>
+          </p:cNvPr>
+          <p:cNvCxnSpPr>
+            <a:cxnSpLocks/>
+            <a:stCxn id="21" idx="2"/>
+            <a:endCxn id="20" idx="0"/>
+          </p:cNvCxnSpPr>
+          <p:nvPr/>
+        </p:nvCxnSpPr>
+        <p:spPr>
+          <a:xfrm>
+            <a:off x="10073596" y="705265"/>
+            <a:ext cx="1" cy="476630"/>
+          </a:xfrm>
+          <a:prstGeom prst="straightConnector1">
+            <a:avLst/>
+          </a:prstGeom>
+          <a:ln>
+            <a:tailEnd type="triangle"/>
+          </a:ln>
+        </p:spPr>
+        <p:style>
+          <a:lnRef idx="2">
+            <a:schemeClr val="accent1"/>
+          </a:lnRef>
+          <a:fillRef idx="0">
+            <a:schemeClr val="accent1"/>
+          </a:fillRef>
+          <a:effectRef idx="1">
+            <a:schemeClr val="accent1"/>
+          </a:effectRef>
+          <a:fontRef idx="minor">
+            <a:schemeClr val="tx1"/>
+          </a:fontRef>
+        </p:style>
+      </p:cxnSp>
+      <p:sp>
+        <p:nvSpPr>
+          <p:cNvPr id="107" name="Rectangle 106">
+            <a:extLst>
+              <a:ext uri="{FF2B5EF4-FFF2-40B4-BE49-F238E27FC236}">
+                <a16:creationId xmlns:a16="http://schemas.microsoft.com/office/drawing/2014/main" id="{D3E6698B-E589-4259-8C6A-1184298E1185}"/>
+              </a:ext>
+            </a:extLst>
+          </p:cNvPr>
+          <p:cNvSpPr/>
+          <p:nvPr/>
+        </p:nvSpPr>
+        <p:spPr>
+          <a:xfrm>
+            <a:off x="8726017" y="3915756"/>
+            <a:ext cx="2492764" cy="1809346"/>
+          </a:xfrm>
+          <a:prstGeom prst="rect">
+            <a:avLst/>
+          </a:prstGeom>
+        </p:spPr>
+        <p:style>
+          <a:lnRef idx="2">
+            <a:schemeClr val="accent1">
+              <a:shade val="15000"/>
+            </a:schemeClr>
+          </a:lnRef>
+          <a:fillRef idx="1">
+            <a:schemeClr val="accent1"/>
+          </a:fillRef>
+          <a:effectRef idx="0">
+            <a:schemeClr val="accent1"/>
+          </a:effectRef>
+          <a:fontRef idx="minor">
+            <a:schemeClr val="lt1"/>
+          </a:fontRef>
+        </p:style>
+        <p:txBody>
+          <a:bodyPr rtlCol="0" anchor="ctr"/>
+          <a:lstStyle/>
+          <a:p>
+            <a:pPr algn="ctr"/>
+            <a:r>
+              <a:rPr lang="en-US" sz="1000" dirty="0"/>
+              <a:t>End of score card 9 hole score card</a:t>
+            </a:r>
+          </a:p>
+          <a:p>
+            <a:pPr algn="ctr"/>
+            <a:r>
+              <a:rPr lang="en-US" sz="1000" dirty="0"/>
+              <a:t>current hole 8 Set total = true</a:t>
+            </a:r>
+          </a:p>
+          <a:p>
+            <a:pPr algn="ctr"/>
+            <a:r>
+              <a:rPr lang="en-US" sz="1000" dirty="0"/>
+              <a:t>current hole 17 Set total = true</a:t>
+            </a:r>
+          </a:p>
+          <a:p>
+            <a:pPr algn="ctr"/>
+            <a:endParaRPr lang="en-US" sz="1000" dirty="0"/>
+          </a:p>
+          <a:p>
+            <a:pPr algn="ctr"/>
+            <a:r>
+              <a:rPr lang="en-US" sz="1000" dirty="0"/>
+              <a:t>End of score card 6 hole score card</a:t>
+            </a:r>
+          </a:p>
+          <a:p>
+            <a:pPr algn="ctr"/>
+            <a:r>
+              <a:rPr lang="en-US" sz="1000" dirty="0"/>
+              <a:t>current hole 5 Set total = true</a:t>
+            </a:r>
+          </a:p>
+          <a:p>
+            <a:pPr algn="ctr"/>
+            <a:r>
+              <a:rPr lang="en-US" sz="1000" dirty="0"/>
+              <a:t>current hole 11 Set total = true</a:t>
+            </a:r>
+          </a:p>
+          <a:p>
+            <a:pPr algn="ctr"/>
+            <a:r>
+              <a:rPr lang="en-US" sz="1000" dirty="0"/>
+              <a:t>current hole 17 Set total = true</a:t>
+            </a:r>
+          </a:p>
+        </p:txBody>
+      </p:sp>
+    </p:spTree>
+    <p:extLst>
+      <p:ext uri="{BB962C8B-B14F-4D97-AF65-F5344CB8AC3E}">
+        <p14:creationId xmlns:p14="http://schemas.microsoft.com/office/powerpoint/2010/main" val="3413666606"/>
+      </p:ext>
+    </p:extLst>
+  </p:cSld>
+  <p:clrMapOvr>
+    <a:masterClrMapping/>
+  </p:clrMapOvr>
+</p:sld>
+</file>
+
 <file path=ppt/slides/slide3.xml><?xml version="1.0" encoding="utf-8"?>
 <p:sld xmlns:a="http://schemas.openxmlformats.org/drawingml/2006/main" xmlns:r="http://schemas.openxmlformats.org/officeDocument/2006/relationships" xmlns:p="http://schemas.openxmlformats.org/presentationml/2006/main">
   <p:cSld>
